--- a/DsDotNet/src/UnitTest/UnitTest.Model/ImportOfficeExample/Sample/KIT.pptx
+++ b/DsDotNet/src/UnitTest/UnitTest.Model/ImportOfficeExample/Sample/KIT.pptx
@@ -5,28 +5,29 @@
     <p:sldMasterId id="2147483687" r:id="rId1"/>
   </p:sldMasterIdLst>
   <p:notesMasterIdLst>
-    <p:notesMasterId r:id="rId18"/>
+    <p:notesMasterId r:id="rId19"/>
   </p:notesMasterIdLst>
   <p:handoutMasterIdLst>
-    <p:handoutMasterId r:id="rId19"/>
+    <p:handoutMasterId r:id="rId20"/>
   </p:handoutMasterIdLst>
   <p:sldIdLst>
     <p:sldId id="614" r:id="rId2"/>
-    <p:sldId id="719" r:id="rId3"/>
-    <p:sldId id="720" r:id="rId4"/>
-    <p:sldId id="721" r:id="rId5"/>
-    <p:sldId id="722" r:id="rId6"/>
-    <p:sldId id="627" r:id="rId7"/>
-    <p:sldId id="628" r:id="rId8"/>
-    <p:sldId id="631" r:id="rId9"/>
-    <p:sldId id="632" r:id="rId10"/>
-    <p:sldId id="618" r:id="rId11"/>
-    <p:sldId id="615" r:id="rId12"/>
-    <p:sldId id="621" r:id="rId13"/>
-    <p:sldId id="714" r:id="rId14"/>
-    <p:sldId id="715" r:id="rId15"/>
-    <p:sldId id="607" r:id="rId16"/>
-    <p:sldId id="633" r:id="rId17"/>
+    <p:sldId id="724" r:id="rId3"/>
+    <p:sldId id="719" r:id="rId4"/>
+    <p:sldId id="720" r:id="rId5"/>
+    <p:sldId id="721" r:id="rId6"/>
+    <p:sldId id="722" r:id="rId7"/>
+    <p:sldId id="627" r:id="rId8"/>
+    <p:sldId id="628" r:id="rId9"/>
+    <p:sldId id="631" r:id="rId10"/>
+    <p:sldId id="632" r:id="rId11"/>
+    <p:sldId id="618" r:id="rId12"/>
+    <p:sldId id="615" r:id="rId13"/>
+    <p:sldId id="621" r:id="rId14"/>
+    <p:sldId id="714" r:id="rId15"/>
+    <p:sldId id="715" r:id="rId16"/>
+    <p:sldId id="607" r:id="rId17"/>
+    <p:sldId id="633" r:id="rId18"/>
   </p:sldIdLst>
   <p:sldSz cx="12192000" cy="6858000"/>
   <p:notesSz cx="6797675" cy="9926638"/>
@@ -17584,6 +17585,585 @@
           <a:lstStyle/>
           <a:p>
             <a:r>
+              <a:rPr lang="en-US" altLang="ko-KR" dirty="0" err="1"/>
+              <a:t>S4</a:t>
+            </a:r>
+            <a:endParaRPr lang="ko-KR" altLang="en-US" dirty="0"/>
+          </a:p>
+        </p:txBody>
+      </p:sp>
+      <p:sp>
+        <p:nvSpPr>
+          <p:cNvPr id="10" name="직사각형 9">
+            <a:extLst>
+              <a:ext uri="{FF2B5EF4-FFF2-40B4-BE49-F238E27FC236}">
+                <a16:creationId xmlns:a16="http://schemas.microsoft.com/office/drawing/2014/main" id="{F318C6E2-FDDA-8B00-0783-15AA765D0AA6}"/>
+              </a:ext>
+            </a:extLst>
+          </p:cNvPr>
+          <p:cNvSpPr/>
+          <p:nvPr/>
+        </p:nvSpPr>
+        <p:spPr>
+          <a:xfrm>
+            <a:off x="7988400" y="4158041"/>
+            <a:ext cx="2437946" cy="1223682"/>
+          </a:xfrm>
+          <a:prstGeom prst="rect">
+            <a:avLst/>
+          </a:prstGeom>
+          <a:solidFill>
+            <a:schemeClr val="accent4">
+              <a:alpha val="50000"/>
+            </a:schemeClr>
+          </a:solidFill>
+          <a:ln>
+            <a:noFill/>
+          </a:ln>
+        </p:spPr>
+        <p:style>
+          <a:lnRef idx="0">
+            <a:scrgbClr r="0" g="0" b="0"/>
+          </a:lnRef>
+          <a:fillRef idx="0">
+            <a:scrgbClr r="0" g="0" b="0"/>
+          </a:fillRef>
+          <a:effectRef idx="0">
+            <a:scrgbClr r="0" g="0" b="0"/>
+          </a:effectRef>
+          <a:fontRef idx="minor">
+            <a:schemeClr val="lt1"/>
+          </a:fontRef>
+        </p:style>
+        <p:txBody>
+          <a:bodyPr rtlCol="0" anchor="ctr"/>
+          <a:lstStyle/>
+          <a:p>
+            <a:pPr algn="ctr"/>
+            <a:r>
+              <a:rPr lang="en-US" altLang="ko-KR" sz="1200" dirty="0"/>
+              <a:t>R2</a:t>
+            </a:r>
+            <a:endParaRPr lang="ko-KR" altLang="en-US" sz="1200" dirty="0"/>
+          </a:p>
+        </p:txBody>
+      </p:sp>
+      <p:cxnSp>
+        <p:nvCxnSpPr>
+          <p:cNvPr id="13" name="직선 화살표 연결선 12">
+            <a:extLst>
+              <a:ext uri="{FF2B5EF4-FFF2-40B4-BE49-F238E27FC236}">
+                <a16:creationId xmlns:a16="http://schemas.microsoft.com/office/drawing/2014/main" id="{DF6B060D-6633-DD91-FDA7-49A882D2EBE8}"/>
+              </a:ext>
+            </a:extLst>
+          </p:cNvPr>
+          <p:cNvCxnSpPr>
+            <a:cxnSpLocks/>
+            <a:stCxn id="16" idx="3"/>
+            <a:endCxn id="10" idx="1"/>
+          </p:cNvCxnSpPr>
+          <p:nvPr/>
+        </p:nvCxnSpPr>
+        <p:spPr>
+          <a:xfrm>
+            <a:off x="6534526" y="4220068"/>
+            <a:ext cx="1453874" cy="549814"/>
+          </a:xfrm>
+          <a:prstGeom prst="straightConnector1">
+            <a:avLst/>
+          </a:prstGeom>
+          <a:ln w="28575">
+            <a:solidFill>
+              <a:schemeClr val="tx1">
+                <a:lumMod val="75000"/>
+                <a:lumOff val="25000"/>
+              </a:schemeClr>
+            </a:solidFill>
+            <a:tailEnd type="triangle"/>
+          </a:ln>
+        </p:spPr>
+        <p:style>
+          <a:lnRef idx="1">
+            <a:schemeClr val="dk1"/>
+          </a:lnRef>
+          <a:fillRef idx="3">
+            <a:schemeClr val="dk1"/>
+          </a:fillRef>
+          <a:effectRef idx="2">
+            <a:schemeClr val="dk1"/>
+          </a:effectRef>
+          <a:fontRef idx="minor">
+            <a:schemeClr val="lt1"/>
+          </a:fontRef>
+        </p:style>
+      </p:cxnSp>
+      <p:grpSp>
+        <p:nvGrpSpPr>
+          <p:cNvPr id="15" name="그룹 14">
+            <a:extLst>
+              <a:ext uri="{FF2B5EF4-FFF2-40B4-BE49-F238E27FC236}">
+                <a16:creationId xmlns:a16="http://schemas.microsoft.com/office/drawing/2014/main" id="{EEAD2CC3-3FF9-E574-DCC0-CFF9A0A99A95}"/>
+              </a:ext>
+            </a:extLst>
+          </p:cNvPr>
+          <p:cNvGrpSpPr/>
+          <p:nvPr/>
+        </p:nvGrpSpPr>
+        <p:grpSpPr>
+          <a:xfrm>
+            <a:off x="810000" y="2424605"/>
+            <a:ext cx="5724526" cy="3590925"/>
+            <a:chOff x="848416" y="1962150"/>
+            <a:chExt cx="5724526" cy="3590925"/>
+          </a:xfrm>
+        </p:grpSpPr>
+        <p:sp>
+          <p:nvSpPr>
+            <p:cNvPr id="16" name="직사각형 15">
+              <a:extLst>
+                <a:ext uri="{FF2B5EF4-FFF2-40B4-BE49-F238E27FC236}">
+                  <a16:creationId xmlns:a16="http://schemas.microsoft.com/office/drawing/2014/main" id="{B33EEBEF-13AF-E7A3-33A7-C063A7A9FF05}"/>
+                </a:ext>
+              </a:extLst>
+            </p:cNvPr>
+            <p:cNvSpPr/>
+            <p:nvPr/>
+          </p:nvSpPr>
+          <p:spPr>
+            <a:xfrm>
+              <a:off x="848416" y="1962150"/>
+              <a:ext cx="5724526" cy="3590925"/>
+            </a:xfrm>
+            <a:prstGeom prst="rect">
+              <a:avLst/>
+            </a:prstGeom>
+            <a:solidFill>
+              <a:schemeClr val="accent4">
+                <a:alpha val="50000"/>
+              </a:schemeClr>
+            </a:solidFill>
+            <a:ln>
+              <a:noFill/>
+            </a:ln>
+          </p:spPr>
+          <p:style>
+            <a:lnRef idx="0">
+              <a:scrgbClr r="0" g="0" b="0"/>
+            </a:lnRef>
+            <a:fillRef idx="0">
+              <a:scrgbClr r="0" g="0" b="0"/>
+            </a:fillRef>
+            <a:effectRef idx="0">
+              <a:scrgbClr r="0" g="0" b="0"/>
+            </a:effectRef>
+            <a:fontRef idx="minor">
+              <a:schemeClr val="lt1"/>
+            </a:fontRef>
+          </p:style>
+          <p:txBody>
+            <a:bodyPr rtlCol="0" anchor="t"/>
+            <a:lstStyle/>
+            <a:p>
+              <a:pPr algn="ctr"/>
+              <a:r>
+                <a:rPr lang="en-US" altLang="ko-KR" sz="2800" dirty="0">
+                  <a:solidFill>
+                    <a:schemeClr val="tx1"/>
+                  </a:solidFill>
+                </a:rPr>
+                <a:t>R1</a:t>
+              </a:r>
+              <a:endParaRPr lang="ko-KR" altLang="en-US" sz="1200" dirty="0">
+                <a:solidFill>
+                  <a:schemeClr val="tx1"/>
+                </a:solidFill>
+              </a:endParaRPr>
+            </a:p>
+          </p:txBody>
+        </p:sp>
+        <p:grpSp>
+          <p:nvGrpSpPr>
+            <p:cNvPr id="17" name="그룹 16">
+              <a:extLst>
+                <a:ext uri="{FF2B5EF4-FFF2-40B4-BE49-F238E27FC236}">
+                  <a16:creationId xmlns:a16="http://schemas.microsoft.com/office/drawing/2014/main" id="{1032C5B6-6F15-0B71-31AC-6A846F1ABAF9}"/>
+                </a:ext>
+              </a:extLst>
+            </p:cNvPr>
+            <p:cNvGrpSpPr/>
+            <p:nvPr/>
+          </p:nvGrpSpPr>
+          <p:grpSpPr>
+            <a:xfrm>
+              <a:off x="1405973" y="2441441"/>
+              <a:ext cx="4398681" cy="2664805"/>
+              <a:chOff x="1314450" y="2476500"/>
+              <a:chExt cx="4476750" cy="3177475"/>
+            </a:xfrm>
+          </p:grpSpPr>
+          <p:sp>
+            <p:nvSpPr>
+              <p:cNvPr id="18" name="타원 17">
+                <a:extLst>
+                  <a:ext uri="{FF2B5EF4-FFF2-40B4-BE49-F238E27FC236}">
+                    <a16:creationId xmlns:a16="http://schemas.microsoft.com/office/drawing/2014/main" id="{4799297C-C1B1-B459-CA8E-C18F6B037C8E}"/>
+                  </a:ext>
+                </a:extLst>
+              </p:cNvPr>
+              <p:cNvSpPr/>
+              <p:nvPr/>
+            </p:nvSpPr>
+            <p:spPr>
+              <a:xfrm>
+                <a:off x="1314450" y="2476500"/>
+                <a:ext cx="1733550" cy="952500"/>
+              </a:xfrm>
+              <a:prstGeom prst="ellipse">
+                <a:avLst/>
+              </a:prstGeom>
+              <a:solidFill>
+                <a:schemeClr val="accent4">
+                  <a:alpha val="50000"/>
+                </a:schemeClr>
+              </a:solidFill>
+              <a:ln>
+                <a:noFill/>
+              </a:ln>
+            </p:spPr>
+            <p:style>
+              <a:lnRef idx="0">
+                <a:scrgbClr r="0" g="0" b="0"/>
+              </a:lnRef>
+              <a:fillRef idx="0">
+                <a:scrgbClr r="0" g="0" b="0"/>
+              </a:fillRef>
+              <a:effectRef idx="0">
+                <a:scrgbClr r="0" g="0" b="0"/>
+              </a:effectRef>
+              <a:fontRef idx="minor">
+                <a:schemeClr val="lt1"/>
+              </a:fontRef>
+            </p:style>
+            <p:txBody>
+              <a:bodyPr rtlCol="0" anchor="ctr"/>
+              <a:lstStyle/>
+              <a:p>
+                <a:pPr algn="ctr"/>
+                <a:r>
+                  <a:rPr lang="en-US" altLang="ko-KR" dirty="0" err="1"/>
+                  <a:t>rbt</a:t>
+                </a:r>
+                <a:r>
+                  <a:rPr lang="en-US" altLang="ko-KR" dirty="0"/>
+                  <a:t> $HOME</a:t>
+                </a:r>
+                <a:endParaRPr lang="ko-KR" altLang="en-US" dirty="0"/>
+              </a:p>
+            </p:txBody>
+          </p:sp>
+          <p:sp>
+            <p:nvSpPr>
+              <p:cNvPr id="19" name="타원 18">
+                <a:extLst>
+                  <a:ext uri="{FF2B5EF4-FFF2-40B4-BE49-F238E27FC236}">
+                    <a16:creationId xmlns:a16="http://schemas.microsoft.com/office/drawing/2014/main" id="{BC1C2AB1-53C2-3134-39D7-821DDE64FCA6}"/>
+                  </a:ext>
+                </a:extLst>
+              </p:cNvPr>
+              <p:cNvSpPr/>
+              <p:nvPr/>
+            </p:nvSpPr>
+            <p:spPr>
+              <a:xfrm>
+                <a:off x="4057650" y="3971925"/>
+                <a:ext cx="1733550" cy="952500"/>
+              </a:xfrm>
+              <a:prstGeom prst="ellipse">
+                <a:avLst/>
+              </a:prstGeom>
+              <a:solidFill>
+                <a:schemeClr val="accent4">
+                  <a:alpha val="50000"/>
+                </a:schemeClr>
+              </a:solidFill>
+              <a:ln>
+                <a:noFill/>
+              </a:ln>
+            </p:spPr>
+            <p:style>
+              <a:lnRef idx="0">
+                <a:scrgbClr r="0" g="0" b="0"/>
+              </a:lnRef>
+              <a:fillRef idx="0">
+                <a:scrgbClr r="0" g="0" b="0"/>
+              </a:fillRef>
+              <a:effectRef idx="0">
+                <a:scrgbClr r="0" g="0" b="0"/>
+              </a:effectRef>
+              <a:fontRef idx="minor">
+                <a:schemeClr val="lt1"/>
+              </a:fontRef>
+            </p:style>
+            <p:txBody>
+              <a:bodyPr rtlCol="0" anchor="ctr"/>
+              <a:lstStyle/>
+              <a:p>
+                <a:pPr algn="ctr"/>
+                <a:r>
+                  <a:rPr lang="en-US" altLang="ko-KR" dirty="0" err="1"/>
+                  <a:t>rbt</a:t>
+                </a:r>
+                <a:r>
+                  <a:rPr lang="en-US" altLang="ko-KR" dirty="0"/>
+                  <a:t> $RESET</a:t>
+                </a:r>
+                <a:endParaRPr lang="ko-KR" altLang="en-US" dirty="0"/>
+              </a:p>
+            </p:txBody>
+          </p:sp>
+          <p:sp>
+            <p:nvSpPr>
+              <p:cNvPr id="4" name="타원 3">
+                <a:extLst>
+                  <a:ext uri="{FF2B5EF4-FFF2-40B4-BE49-F238E27FC236}">
+                    <a16:creationId xmlns:a16="http://schemas.microsoft.com/office/drawing/2014/main" id="{AD3365E1-D35C-FE4D-703E-BEE7333389C4}"/>
+                  </a:ext>
+                </a:extLst>
+              </p:cNvPr>
+              <p:cNvSpPr/>
+              <p:nvPr/>
+            </p:nvSpPr>
+            <p:spPr>
+              <a:xfrm>
+                <a:off x="1476471" y="4701475"/>
+                <a:ext cx="1733550" cy="952500"/>
+              </a:xfrm>
+              <a:prstGeom prst="ellipse">
+                <a:avLst/>
+              </a:prstGeom>
+              <a:solidFill>
+                <a:schemeClr val="accent4">
+                  <a:alpha val="50000"/>
+                </a:schemeClr>
+              </a:solidFill>
+              <a:ln>
+                <a:noFill/>
+              </a:ln>
+            </p:spPr>
+            <p:style>
+              <a:lnRef idx="0">
+                <a:scrgbClr r="0" g="0" b="0"/>
+              </a:lnRef>
+              <a:fillRef idx="0">
+                <a:scrgbClr r="0" g="0" b="0"/>
+              </a:fillRef>
+              <a:effectRef idx="0">
+                <a:scrgbClr r="0" g="0" b="0"/>
+              </a:effectRef>
+              <a:fontRef idx="minor">
+                <a:schemeClr val="lt1"/>
+              </a:fontRef>
+            </p:style>
+            <p:txBody>
+              <a:bodyPr rtlCol="0" anchor="ctr"/>
+              <a:lstStyle/>
+              <a:p>
+                <a:pPr algn="ctr"/>
+                <a:r>
+                  <a:rPr lang="en-US" altLang="ko-KR" dirty="0" err="1"/>
+                  <a:t>rbt</a:t>
+                </a:r>
+                <a:r>
+                  <a:rPr lang="en-US" altLang="ko-KR" dirty="0"/>
+                  <a:t> $WELD</a:t>
+                </a:r>
+                <a:endParaRPr lang="ko-KR" altLang="en-US" dirty="0"/>
+              </a:p>
+            </p:txBody>
+          </p:sp>
+        </p:grpSp>
+      </p:grpSp>
+      <p:sp>
+        <p:nvSpPr>
+          <p:cNvPr id="21" name="사각형: 모서리가 접힌 도형 20">
+            <a:extLst>
+              <a:ext uri="{FF2B5EF4-FFF2-40B4-BE49-F238E27FC236}">
+                <a16:creationId xmlns:a16="http://schemas.microsoft.com/office/drawing/2014/main" id="{DB926D2F-DFBD-8412-5ADF-EFF48CDDFE8A}"/>
+              </a:ext>
+            </a:extLst>
+          </p:cNvPr>
+          <p:cNvSpPr/>
+          <p:nvPr/>
+        </p:nvSpPr>
+        <p:spPr>
+          <a:xfrm>
+            <a:off x="9316310" y="2557743"/>
+            <a:ext cx="2437946" cy="1223682"/>
+          </a:xfrm>
+          <a:prstGeom prst="foldedCorner">
+            <a:avLst/>
+          </a:prstGeom>
+          <a:solidFill>
+            <a:schemeClr val="accent3">
+              <a:alpha val="50000"/>
+            </a:schemeClr>
+          </a:solidFill>
+          <a:ln>
+            <a:noFill/>
+          </a:ln>
+        </p:spPr>
+        <p:style>
+          <a:lnRef idx="0">
+            <a:scrgbClr r="0" g="0" b="0"/>
+          </a:lnRef>
+          <a:fillRef idx="0">
+            <a:scrgbClr r="0" g="0" b="0"/>
+          </a:fillRef>
+          <a:effectRef idx="0">
+            <a:scrgbClr r="0" g="0" b="0"/>
+          </a:effectRef>
+          <a:fontRef idx="minor">
+            <a:schemeClr val="lt1"/>
+          </a:fontRef>
+        </p:style>
+        <p:txBody>
+          <a:bodyPr rtlCol="0" anchor="ctr"/>
+          <a:lstStyle/>
+          <a:p>
+            <a:pPr algn="ctr"/>
+            <a:r>
+              <a:rPr lang="en-US" altLang="ko-KR" dirty="0"/>
+              <a:t>Lib/Robot/Weld</a:t>
+            </a:r>
+          </a:p>
+          <a:p>
+            <a:pPr algn="ctr"/>
+            <a:r>
+              <a:rPr lang="en-US" altLang="ko-KR" dirty="0"/>
+              <a:t>[</a:t>
+            </a:r>
+            <a:r>
+              <a:rPr lang="en-US" altLang="ko-KR" dirty="0" err="1"/>
+              <a:t>rbt</a:t>
+            </a:r>
+            <a:r>
+              <a:rPr lang="en-US" altLang="ko-KR" dirty="0"/>
+              <a:t>]</a:t>
+            </a:r>
+            <a:endParaRPr lang="ko-KR" altLang="en-US" dirty="0"/>
+          </a:p>
+        </p:txBody>
+      </p:sp>
+      <p:sp>
+        <p:nvSpPr>
+          <p:cNvPr id="22" name="TextBox 21">
+            <a:extLst>
+              <a:ext uri="{FF2B5EF4-FFF2-40B4-BE49-F238E27FC236}">
+                <a16:creationId xmlns:a16="http://schemas.microsoft.com/office/drawing/2014/main" id="{0772646A-C193-829E-B2AE-9749CB2CD9D4}"/>
+              </a:ext>
+            </a:extLst>
+          </p:cNvPr>
+          <p:cNvSpPr txBox="1"/>
+          <p:nvPr/>
+        </p:nvSpPr>
+        <p:spPr>
+          <a:xfrm>
+            <a:off x="6817869" y="1861486"/>
+            <a:ext cx="4996881" cy="646331"/>
+          </a:xfrm>
+          <a:prstGeom prst="rect">
+            <a:avLst/>
+          </a:prstGeom>
+          <a:noFill/>
+        </p:spPr>
+        <p:txBody>
+          <a:bodyPr wrap="none" rtlCol="0">
+            <a:spAutoFit/>
+          </a:bodyPr>
+          <a:lstStyle/>
+          <a:p>
+            <a:r>
+              <a:rPr lang="ko-KR" altLang="en-US" dirty="0"/>
+              <a:t>확장정의</a:t>
+            </a:r>
+            <a:r>
+              <a:rPr lang="en-US" altLang="ko-KR" dirty="0"/>
+              <a:t>2 : N </a:t>
+            </a:r>
+            <a:r>
+              <a:rPr lang="ko-KR" altLang="en-US" dirty="0"/>
+              <a:t>숫자 만큼 </a:t>
+            </a:r>
+            <a:endParaRPr lang="en-US" altLang="ko-KR" dirty="0"/>
+          </a:p>
+          <a:p>
+            <a:r>
+              <a:rPr lang="en-US" altLang="ko-KR" dirty="0"/>
+              <a:t>groupName1~ groupNameN Loading </a:t>
+            </a:r>
+            <a:r>
+              <a:rPr lang="ko-KR" altLang="en-US" dirty="0"/>
+              <a:t>한다</a:t>
+            </a:r>
+            <a:r>
+              <a:rPr lang="en-US" altLang="ko-KR" dirty="0"/>
+              <a:t>.</a:t>
+            </a:r>
+          </a:p>
+        </p:txBody>
+      </p:sp>
+    </p:spTree>
+    <p:extLst>
+      <p:ext uri="{BB962C8B-B14F-4D97-AF65-F5344CB8AC3E}">
+        <p14:creationId xmlns:p14="http://schemas.microsoft.com/office/powerpoint/2010/main" val="2615603508"/>
+      </p:ext>
+    </p:extLst>
+  </p:cSld>
+  <p:clrMapOvr>
+    <a:masterClrMapping/>
+  </p:clrMapOvr>
+</p:sld>
+</file>
+
+<file path=ppt/slides/slide11.xml><?xml version="1.0" encoding="utf-8"?>
+<p:sld xmlns:a="http://schemas.openxmlformats.org/drawingml/2006/main" xmlns:r="http://schemas.openxmlformats.org/officeDocument/2006/relationships" xmlns:p="http://schemas.openxmlformats.org/presentationml/2006/main" show="0">
+  <p:cSld>
+    <p:spTree>
+      <p:nvGrpSpPr>
+        <p:cNvPr id="1" name=""/>
+        <p:cNvGrpSpPr/>
+        <p:nvPr/>
+      </p:nvGrpSpPr>
+      <p:grpSpPr>
+        <a:xfrm>
+          <a:off x="0" y="0"/>
+          <a:ext cx="0" cy="0"/>
+          <a:chOff x="0" y="0"/>
+          <a:chExt cx="0" cy="0"/>
+        </a:xfrm>
+      </p:grpSpPr>
+      <p:sp>
+        <p:nvSpPr>
+          <p:cNvPr id="2" name="제목 1">
+            <a:extLst>
+              <a:ext uri="{FF2B5EF4-FFF2-40B4-BE49-F238E27FC236}">
+                <a16:creationId xmlns:a16="http://schemas.microsoft.com/office/drawing/2014/main" id="{E35BEC89-0CFB-7F29-D8C7-71B3E64B4D66}"/>
+              </a:ext>
+            </a:extLst>
+          </p:cNvPr>
+          <p:cNvSpPr>
+            <a:spLocks noGrp="1"/>
+          </p:cNvSpPr>
+          <p:nvPr>
+            <p:ph type="title"/>
+          </p:nvPr>
+        </p:nvSpPr>
+        <p:spPr/>
+        <p:txBody>
+          <a:bodyPr/>
+          <a:lstStyle/>
+          <a:p>
+            <a:r>
               <a:rPr lang="en-US" altLang="ko-KR" dirty="0"/>
               <a:t>OrFlow</a:t>
             </a:r>
@@ -18081,7 +18661,7 @@
 </p:sld>
 </file>
 
-<file path=ppt/slides/slide11.xml><?xml version="1.0" encoding="utf-8"?>
+<file path=ppt/slides/slide12.xml><?xml version="1.0" encoding="utf-8"?>
 <p:sld xmlns:a="http://schemas.openxmlformats.org/drawingml/2006/main" xmlns:r="http://schemas.openxmlformats.org/officeDocument/2006/relationships" xmlns:p="http://schemas.openxmlformats.org/presentationml/2006/main" show="0">
   <p:cSld>
     <p:spTree>
@@ -19128,7 +19708,7 @@
 </p:sld>
 </file>
 
-<file path=ppt/slides/slide12.xml><?xml version="1.0" encoding="utf-8"?>
+<file path=ppt/slides/slide13.xml><?xml version="1.0" encoding="utf-8"?>
 <p:sld xmlns:a="http://schemas.openxmlformats.org/drawingml/2006/main" xmlns:r="http://schemas.openxmlformats.org/officeDocument/2006/relationships" xmlns:p="http://schemas.openxmlformats.org/presentationml/2006/main" show="0">
   <p:cSld>
     <p:spTree>
@@ -19939,7 +20519,7 @@
 </p:sld>
 </file>
 
-<file path=ppt/slides/slide13.xml><?xml version="1.0" encoding="utf-8"?>
+<file path=ppt/slides/slide14.xml><?xml version="1.0" encoding="utf-8"?>
 <p:sld xmlns:a="http://schemas.openxmlformats.org/drawingml/2006/main" xmlns:r="http://schemas.openxmlformats.org/officeDocument/2006/relationships" xmlns:p="http://schemas.openxmlformats.org/presentationml/2006/main" show="0">
   <p:cSld>
     <p:spTree>
@@ -20444,7 +21024,7 @@
 </p:sld>
 </file>
 
-<file path=ppt/slides/slide14.xml><?xml version="1.0" encoding="utf-8"?>
+<file path=ppt/slides/slide15.xml><?xml version="1.0" encoding="utf-8"?>
 <p:sld xmlns:a="http://schemas.openxmlformats.org/drawingml/2006/main" xmlns:r="http://schemas.openxmlformats.org/officeDocument/2006/relationships" xmlns:p="http://schemas.openxmlformats.org/presentationml/2006/main" show="0">
   <p:cSld>
     <p:spTree>
@@ -20799,7 +21379,7 @@
 </p:sld>
 </file>
 
-<file path=ppt/slides/slide15.xml><?xml version="1.0" encoding="utf-8"?>
+<file path=ppt/slides/slide16.xml><?xml version="1.0" encoding="utf-8"?>
 <p:sld xmlns:a="http://schemas.openxmlformats.org/drawingml/2006/main" xmlns:r="http://schemas.openxmlformats.org/officeDocument/2006/relationships" xmlns:p="http://schemas.openxmlformats.org/presentationml/2006/main" show="0">
   <p:cSld>
     <p:spTree>
@@ -21154,7 +21734,7 @@
 </p:sld>
 </file>
 
-<file path=ppt/slides/slide16.xml><?xml version="1.0" encoding="utf-8"?>
+<file path=ppt/slides/slide17.xml><?xml version="1.0" encoding="utf-8"?>
 <p:sld xmlns:a="http://schemas.openxmlformats.org/drawingml/2006/main" xmlns:r="http://schemas.openxmlformats.org/officeDocument/2006/relationships" xmlns:p="http://schemas.openxmlformats.org/presentationml/2006/main" show="0">
   <p:cSld>
     <p:spTree>
@@ -21751,6 +22331,1712 @@
 </file>
 
 <file path=ppt/slides/slide2.xml><?xml version="1.0" encoding="utf-8"?>
+<p:sld xmlns:a="http://schemas.openxmlformats.org/drawingml/2006/main" xmlns:r="http://schemas.openxmlformats.org/officeDocument/2006/relationships" xmlns:p="http://schemas.openxmlformats.org/presentationml/2006/main">
+  <p:cSld>
+    <p:spTree>
+      <p:nvGrpSpPr>
+        <p:cNvPr id="1" name=""/>
+        <p:cNvGrpSpPr/>
+        <p:nvPr/>
+      </p:nvGrpSpPr>
+      <p:grpSpPr>
+        <a:xfrm>
+          <a:off x="0" y="0"/>
+          <a:ext cx="0" cy="0"/>
+          <a:chOff x="0" y="0"/>
+          <a:chExt cx="0" cy="0"/>
+        </a:xfrm>
+      </p:grpSpPr>
+      <p:sp>
+        <p:nvSpPr>
+          <p:cNvPr id="2" name="제목 1">
+            <a:extLst>
+              <a:ext uri="{FF2B5EF4-FFF2-40B4-BE49-F238E27FC236}">
+                <a16:creationId xmlns:a16="http://schemas.microsoft.com/office/drawing/2014/main" id="{5E8FE27E-4086-E570-1BA4-F2B433CAA376}"/>
+              </a:ext>
+            </a:extLst>
+          </p:cNvPr>
+          <p:cNvSpPr>
+            <a:spLocks noGrp="1"/>
+          </p:cNvSpPr>
+          <p:nvPr>
+            <p:ph type="title"/>
+          </p:nvPr>
+        </p:nvSpPr>
+        <p:spPr/>
+        <p:txBody>
+          <a:bodyPr/>
+          <a:lstStyle/>
+          <a:p>
+            <a:r>
+              <a:rPr lang="en-US" altLang="ko-KR" dirty="0" err="1"/>
+              <a:t>F10</a:t>
+            </a:r>
+            <a:endParaRPr lang="ko-KR" altLang="en-US" dirty="0"/>
+          </a:p>
+        </p:txBody>
+      </p:sp>
+      <p:sp>
+        <p:nvSpPr>
+          <p:cNvPr id="23" name="사각형: 모서리가 접힌 도형 22">
+            <a:extLst>
+              <a:ext uri="{FF2B5EF4-FFF2-40B4-BE49-F238E27FC236}">
+                <a16:creationId xmlns:a16="http://schemas.microsoft.com/office/drawing/2014/main" id="{8BF2D7F7-9923-1433-47F8-87D4ECE91657}"/>
+              </a:ext>
+            </a:extLst>
+          </p:cNvPr>
+          <p:cNvSpPr/>
+          <p:nvPr/>
+        </p:nvSpPr>
+        <p:spPr>
+          <a:xfrm>
+            <a:off x="9540875" y="365125"/>
+            <a:ext cx="2437946" cy="590212"/>
+          </a:xfrm>
+          <a:prstGeom prst="foldedCorner">
+            <a:avLst/>
+          </a:prstGeom>
+          <a:solidFill>
+            <a:schemeClr val="accent3">
+              <a:alpha val="50000"/>
+            </a:schemeClr>
+          </a:solidFill>
+          <a:ln>
+            <a:noFill/>
+          </a:ln>
+        </p:spPr>
+        <p:style>
+          <a:lnRef idx="0">
+            <a:scrgbClr r="0" g="0" b="0"/>
+          </a:lnRef>
+          <a:fillRef idx="0">
+            <a:scrgbClr r="0" g="0" b="0"/>
+          </a:fillRef>
+          <a:effectRef idx="0">
+            <a:scrgbClr r="0" g="0" b="0"/>
+          </a:effectRef>
+          <a:fontRef idx="minor">
+            <a:schemeClr val="lt1"/>
+          </a:fontRef>
+        </p:style>
+        <p:txBody>
+          <a:bodyPr rtlCol="0" anchor="ctr"/>
+          <a:lstStyle/>
+          <a:p>
+            <a:pPr algn="ctr"/>
+            <a:r>
+              <a:rPr lang="en-US" altLang="ko-KR" dirty="0"/>
+              <a:t>lib/Cylinder/Double </a:t>
+            </a:r>
+          </a:p>
+          <a:p>
+            <a:pPr algn="ctr"/>
+            <a:r>
+              <a:rPr lang="en-US" altLang="ko-KR" dirty="0"/>
+              <a:t>[Pin]</a:t>
+            </a:r>
+            <a:endParaRPr lang="ko-KR" altLang="en-US" dirty="0"/>
+          </a:p>
+        </p:txBody>
+      </p:sp>
+      <p:grpSp>
+        <p:nvGrpSpPr>
+          <p:cNvPr id="116" name="그룹 115">
+            <a:extLst>
+              <a:ext uri="{FF2B5EF4-FFF2-40B4-BE49-F238E27FC236}">
+                <a16:creationId xmlns:a16="http://schemas.microsoft.com/office/drawing/2014/main" id="{65FF37F1-12C3-B86F-0019-CE3F85C2DDDD}"/>
+              </a:ext>
+            </a:extLst>
+          </p:cNvPr>
+          <p:cNvGrpSpPr/>
+          <p:nvPr/>
+        </p:nvGrpSpPr>
+        <p:grpSpPr>
+          <a:xfrm>
+            <a:off x="216674" y="1573220"/>
+            <a:ext cx="4346475" cy="4358796"/>
+            <a:chOff x="216674" y="1573220"/>
+            <a:chExt cx="4346475" cy="4358796"/>
+          </a:xfrm>
+        </p:grpSpPr>
+        <p:sp>
+          <p:nvSpPr>
+            <p:cNvPr id="15" name="직사각형 14">
+              <a:extLst>
+                <a:ext uri="{FF2B5EF4-FFF2-40B4-BE49-F238E27FC236}">
+                  <a16:creationId xmlns:a16="http://schemas.microsoft.com/office/drawing/2014/main" id="{9AAA99B1-39AA-E637-6E2E-36AAA7408885}"/>
+                </a:ext>
+              </a:extLst>
+            </p:cNvPr>
+            <p:cNvSpPr/>
+            <p:nvPr/>
+          </p:nvSpPr>
+          <p:spPr>
+            <a:xfrm>
+              <a:off x="216674" y="1573220"/>
+              <a:ext cx="4346475" cy="4358796"/>
+            </a:xfrm>
+            <a:prstGeom prst="rect">
+              <a:avLst/>
+            </a:prstGeom>
+            <a:solidFill>
+              <a:schemeClr val="accent4">
+                <a:alpha val="50000"/>
+              </a:schemeClr>
+            </a:solidFill>
+            <a:ln>
+              <a:noFill/>
+            </a:ln>
+          </p:spPr>
+          <p:style>
+            <a:lnRef idx="0">
+              <a:scrgbClr r="0" g="0" b="0"/>
+            </a:lnRef>
+            <a:fillRef idx="0">
+              <a:scrgbClr r="0" g="0" b="0"/>
+            </a:fillRef>
+            <a:effectRef idx="0">
+              <a:scrgbClr r="0" g="0" b="0"/>
+            </a:effectRef>
+            <a:fontRef idx="minor">
+              <a:schemeClr val="lt1"/>
+            </a:fontRef>
+          </p:style>
+          <p:txBody>
+            <a:bodyPr rtlCol="0" anchor="t"/>
+            <a:lstStyle/>
+            <a:p>
+              <a:pPr algn="ctr"/>
+              <a:r>
+                <a:rPr lang="en-US" altLang="ko-KR" sz="1600" dirty="0">
+                  <a:solidFill>
+                    <a:schemeClr val="tx1"/>
+                  </a:solidFill>
+                </a:rPr>
+                <a:t>R1</a:t>
+              </a:r>
+              <a:endParaRPr lang="ko-KR" altLang="en-US" sz="1600" dirty="0">
+                <a:solidFill>
+                  <a:schemeClr val="tx1"/>
+                </a:solidFill>
+              </a:endParaRPr>
+            </a:p>
+          </p:txBody>
+        </p:sp>
+        <p:sp>
+          <p:nvSpPr>
+            <p:cNvPr id="16" name="타원 15">
+              <a:extLst>
+                <a:ext uri="{FF2B5EF4-FFF2-40B4-BE49-F238E27FC236}">
+                  <a16:creationId xmlns:a16="http://schemas.microsoft.com/office/drawing/2014/main" id="{C2E31DE0-D7E6-6EFF-621C-8F3377809418}"/>
+                </a:ext>
+              </a:extLst>
+            </p:cNvPr>
+            <p:cNvSpPr/>
+            <p:nvPr/>
+          </p:nvSpPr>
+          <p:spPr>
+            <a:xfrm>
+              <a:off x="1658216" y="1997746"/>
+              <a:ext cx="1481946" cy="624042"/>
+            </a:xfrm>
+            <a:prstGeom prst="ellipse">
+              <a:avLst/>
+            </a:prstGeom>
+          </p:spPr>
+          <p:style>
+            <a:lnRef idx="2">
+              <a:schemeClr val="accent5">
+                <a:shade val="50000"/>
+              </a:schemeClr>
+            </a:lnRef>
+            <a:fillRef idx="1">
+              <a:schemeClr val="accent5"/>
+            </a:fillRef>
+            <a:effectRef idx="0">
+              <a:schemeClr val="accent5"/>
+            </a:effectRef>
+            <a:fontRef idx="minor">
+              <a:schemeClr val="lt1"/>
+            </a:fontRef>
+          </p:style>
+          <p:txBody>
+            <a:bodyPr rtlCol="0" anchor="ctr"/>
+            <a:lstStyle/>
+            <a:p>
+              <a:pPr algn="ctr"/>
+              <a:r>
+                <a:rPr lang="en-US" altLang="ko-KR" sz="1100" dirty="0">
+                  <a:solidFill>
+                    <a:schemeClr val="tx1"/>
+                  </a:solidFill>
+                </a:rPr>
+                <a:t>Pin</a:t>
+              </a:r>
+            </a:p>
+            <a:p>
+              <a:pPr algn="ctr"/>
+              <a:r>
+                <a:rPr lang="en-US" altLang="ko-KR" sz="1100" dirty="0">
+                  <a:solidFill>
+                    <a:schemeClr val="tx1"/>
+                  </a:solidFill>
+                </a:rPr>
+                <a:t>$ADV</a:t>
+              </a:r>
+              <a:endParaRPr lang="ko-KR" altLang="en-US" sz="1100" dirty="0">
+                <a:solidFill>
+                  <a:schemeClr val="tx1"/>
+                </a:solidFill>
+              </a:endParaRPr>
+            </a:p>
+          </p:txBody>
+        </p:sp>
+        <p:sp>
+          <p:nvSpPr>
+            <p:cNvPr id="9" name="타원 8">
+              <a:extLst>
+                <a:ext uri="{FF2B5EF4-FFF2-40B4-BE49-F238E27FC236}">
+                  <a16:creationId xmlns:a16="http://schemas.microsoft.com/office/drawing/2014/main" id="{8C1248B2-047F-6D5A-BB77-D8E6E24626BE}"/>
+                </a:ext>
+              </a:extLst>
+            </p:cNvPr>
+            <p:cNvSpPr/>
+            <p:nvPr/>
+          </p:nvSpPr>
+          <p:spPr>
+            <a:xfrm>
+              <a:off x="442866" y="2834391"/>
+              <a:ext cx="862907" cy="356398"/>
+            </a:xfrm>
+            <a:prstGeom prst="ellipse">
+              <a:avLst/>
+            </a:prstGeom>
+          </p:spPr>
+          <p:style>
+            <a:lnRef idx="2">
+              <a:schemeClr val="accent5">
+                <a:shade val="50000"/>
+              </a:schemeClr>
+            </a:lnRef>
+            <a:fillRef idx="1">
+              <a:schemeClr val="accent5"/>
+            </a:fillRef>
+            <a:effectRef idx="0">
+              <a:schemeClr val="accent5"/>
+            </a:effectRef>
+            <a:fontRef idx="minor">
+              <a:schemeClr val="lt1"/>
+            </a:fontRef>
+          </p:style>
+          <p:txBody>
+            <a:bodyPr rtlCol="0" anchor="ctr"/>
+            <a:lstStyle/>
+            <a:p>
+              <a:pPr algn="ctr"/>
+              <a:r>
+                <a:rPr lang="en-US" altLang="ko-KR" sz="1000" dirty="0"/>
+                <a:t>Pin1</a:t>
+              </a:r>
+            </a:p>
+            <a:p>
+              <a:pPr algn="ctr"/>
+              <a:r>
+                <a:rPr lang="en-US" altLang="ko-KR" sz="1000" dirty="0"/>
+                <a:t>$ADV</a:t>
+              </a:r>
+              <a:endParaRPr lang="ko-KR" altLang="en-US" sz="1000" dirty="0"/>
+            </a:p>
+          </p:txBody>
+        </p:sp>
+        <p:sp>
+          <p:nvSpPr>
+            <p:cNvPr id="10" name="타원 9">
+              <a:extLst>
+                <a:ext uri="{FF2B5EF4-FFF2-40B4-BE49-F238E27FC236}">
+                  <a16:creationId xmlns:a16="http://schemas.microsoft.com/office/drawing/2014/main" id="{A01DCB19-1485-F06A-87F4-901739F0F372}"/>
+                </a:ext>
+              </a:extLst>
+            </p:cNvPr>
+            <p:cNvSpPr/>
+            <p:nvPr/>
+          </p:nvSpPr>
+          <p:spPr>
+            <a:xfrm>
+              <a:off x="1451051" y="2826182"/>
+              <a:ext cx="862907" cy="356398"/>
+            </a:xfrm>
+            <a:prstGeom prst="ellipse">
+              <a:avLst/>
+            </a:prstGeom>
+          </p:spPr>
+          <p:style>
+            <a:lnRef idx="2">
+              <a:schemeClr val="accent5">
+                <a:shade val="50000"/>
+              </a:schemeClr>
+            </a:lnRef>
+            <a:fillRef idx="1">
+              <a:schemeClr val="accent5"/>
+            </a:fillRef>
+            <a:effectRef idx="0">
+              <a:schemeClr val="accent5"/>
+            </a:effectRef>
+            <a:fontRef idx="minor">
+              <a:schemeClr val="lt1"/>
+            </a:fontRef>
+          </p:style>
+          <p:txBody>
+            <a:bodyPr rtlCol="0" anchor="ctr"/>
+            <a:lstStyle/>
+            <a:p>
+              <a:pPr algn="ctr"/>
+              <a:r>
+                <a:rPr lang="en-US" altLang="ko-KR" sz="1000" dirty="0"/>
+                <a:t>Pin2</a:t>
+              </a:r>
+            </a:p>
+            <a:p>
+              <a:pPr algn="ctr"/>
+              <a:r>
+                <a:rPr lang="en-US" altLang="ko-KR" sz="1000" dirty="0"/>
+                <a:t>$ADV</a:t>
+              </a:r>
+              <a:endParaRPr lang="ko-KR" altLang="en-US" sz="1000" dirty="0"/>
+            </a:p>
+          </p:txBody>
+        </p:sp>
+        <p:sp>
+          <p:nvSpPr>
+            <p:cNvPr id="11" name="타원 10">
+              <a:extLst>
+                <a:ext uri="{FF2B5EF4-FFF2-40B4-BE49-F238E27FC236}">
+                  <a16:creationId xmlns:a16="http://schemas.microsoft.com/office/drawing/2014/main" id="{C6651FCD-3B31-ACD4-A7C9-6F74E94EEFB5}"/>
+                </a:ext>
+              </a:extLst>
+            </p:cNvPr>
+            <p:cNvSpPr/>
+            <p:nvPr/>
+          </p:nvSpPr>
+          <p:spPr>
+            <a:xfrm>
+              <a:off x="2459236" y="2819113"/>
+              <a:ext cx="862907" cy="356398"/>
+            </a:xfrm>
+            <a:prstGeom prst="ellipse">
+              <a:avLst/>
+            </a:prstGeom>
+          </p:spPr>
+          <p:style>
+            <a:lnRef idx="2">
+              <a:schemeClr val="accent5">
+                <a:shade val="50000"/>
+              </a:schemeClr>
+            </a:lnRef>
+            <a:fillRef idx="1">
+              <a:schemeClr val="accent5"/>
+            </a:fillRef>
+            <a:effectRef idx="0">
+              <a:schemeClr val="accent5"/>
+            </a:effectRef>
+            <a:fontRef idx="minor">
+              <a:schemeClr val="lt1"/>
+            </a:fontRef>
+          </p:style>
+          <p:txBody>
+            <a:bodyPr rtlCol="0" anchor="ctr"/>
+            <a:lstStyle/>
+            <a:p>
+              <a:pPr algn="ctr"/>
+              <a:r>
+                <a:rPr lang="en-US" altLang="ko-KR" sz="1000" dirty="0"/>
+                <a:t>Pin3</a:t>
+              </a:r>
+            </a:p>
+            <a:p>
+              <a:pPr algn="ctr"/>
+              <a:r>
+                <a:rPr lang="en-US" altLang="ko-KR" sz="1000" dirty="0"/>
+                <a:t>$ADV</a:t>
+              </a:r>
+              <a:endParaRPr lang="ko-KR" altLang="en-US" sz="1000" dirty="0"/>
+            </a:p>
+          </p:txBody>
+        </p:sp>
+        <p:sp>
+          <p:nvSpPr>
+            <p:cNvPr id="12" name="타원 11">
+              <a:extLst>
+                <a:ext uri="{FF2B5EF4-FFF2-40B4-BE49-F238E27FC236}">
+                  <a16:creationId xmlns:a16="http://schemas.microsoft.com/office/drawing/2014/main" id="{9F27CBAC-2EAA-547C-6298-49F574B45A78}"/>
+                </a:ext>
+              </a:extLst>
+            </p:cNvPr>
+            <p:cNvSpPr/>
+            <p:nvPr/>
+          </p:nvSpPr>
+          <p:spPr>
+            <a:xfrm>
+              <a:off x="3496206" y="2826182"/>
+              <a:ext cx="862907" cy="356398"/>
+            </a:xfrm>
+            <a:prstGeom prst="ellipse">
+              <a:avLst/>
+            </a:prstGeom>
+          </p:spPr>
+          <p:style>
+            <a:lnRef idx="2">
+              <a:schemeClr val="accent5">
+                <a:shade val="50000"/>
+              </a:schemeClr>
+            </a:lnRef>
+            <a:fillRef idx="1">
+              <a:schemeClr val="accent5"/>
+            </a:fillRef>
+            <a:effectRef idx="0">
+              <a:schemeClr val="accent5"/>
+            </a:effectRef>
+            <a:fontRef idx="minor">
+              <a:schemeClr val="lt1"/>
+            </a:fontRef>
+          </p:style>
+          <p:txBody>
+            <a:bodyPr rtlCol="0" anchor="ctr"/>
+            <a:lstStyle/>
+            <a:p>
+              <a:pPr algn="ctr"/>
+              <a:r>
+                <a:rPr lang="en-US" altLang="ko-KR" sz="1000" dirty="0"/>
+                <a:t>Pin4</a:t>
+              </a:r>
+            </a:p>
+            <a:p>
+              <a:pPr algn="ctr"/>
+              <a:r>
+                <a:rPr lang="en-US" altLang="ko-KR" sz="1000" dirty="0"/>
+                <a:t>$ADV</a:t>
+              </a:r>
+              <a:endParaRPr lang="ko-KR" altLang="en-US" sz="1000" dirty="0"/>
+            </a:p>
+          </p:txBody>
+        </p:sp>
+        <p:sp>
+          <p:nvSpPr>
+            <p:cNvPr id="14" name="타원 13">
+              <a:extLst>
+                <a:ext uri="{FF2B5EF4-FFF2-40B4-BE49-F238E27FC236}">
+                  <a16:creationId xmlns:a16="http://schemas.microsoft.com/office/drawing/2014/main" id="{A649BB78-AEFA-593F-33BF-DFCB1C8116CD}"/>
+                </a:ext>
+              </a:extLst>
+            </p:cNvPr>
+            <p:cNvSpPr/>
+            <p:nvPr/>
+          </p:nvSpPr>
+          <p:spPr>
+            <a:xfrm>
+              <a:off x="2672324" y="5247713"/>
+              <a:ext cx="862907" cy="356398"/>
+            </a:xfrm>
+            <a:prstGeom prst="ellipse">
+              <a:avLst/>
+            </a:prstGeom>
+          </p:spPr>
+          <p:style>
+            <a:lnRef idx="2">
+              <a:schemeClr val="accent5">
+                <a:shade val="50000"/>
+              </a:schemeClr>
+            </a:lnRef>
+            <a:fillRef idx="1">
+              <a:schemeClr val="accent5"/>
+            </a:fillRef>
+            <a:effectRef idx="0">
+              <a:schemeClr val="accent5"/>
+            </a:effectRef>
+            <a:fontRef idx="minor">
+              <a:schemeClr val="lt1"/>
+            </a:fontRef>
+          </p:style>
+          <p:txBody>
+            <a:bodyPr rtlCol="0" anchor="ctr"/>
+            <a:lstStyle/>
+            <a:p>
+              <a:pPr algn="ctr"/>
+              <a:r>
+                <a:rPr lang="en-US" altLang="ko-KR" sz="1000" dirty="0"/>
+                <a:t>Pin</a:t>
+              </a:r>
+            </a:p>
+            <a:p>
+              <a:pPr algn="ctr"/>
+              <a:r>
+                <a:rPr lang="en-US" altLang="ko-KR" sz="1000" dirty="0"/>
+                <a:t>$RET</a:t>
+              </a:r>
+              <a:endParaRPr lang="ko-KR" altLang="en-US" sz="1000" dirty="0"/>
+            </a:p>
+          </p:txBody>
+        </p:sp>
+        <p:sp>
+          <p:nvSpPr>
+            <p:cNvPr id="19" name="타원 18">
+              <a:extLst>
+                <a:ext uri="{FF2B5EF4-FFF2-40B4-BE49-F238E27FC236}">
+                  <a16:creationId xmlns:a16="http://schemas.microsoft.com/office/drawing/2014/main" id="{B9574335-A743-D92D-B07D-F4B49515255B}"/>
+                </a:ext>
+              </a:extLst>
+            </p:cNvPr>
+            <p:cNvSpPr/>
+            <p:nvPr/>
+          </p:nvSpPr>
+          <p:spPr>
+            <a:xfrm>
+              <a:off x="1451051" y="3640108"/>
+              <a:ext cx="862907" cy="356398"/>
+            </a:xfrm>
+            <a:prstGeom prst="ellipse">
+              <a:avLst/>
+            </a:prstGeom>
+          </p:spPr>
+          <p:style>
+            <a:lnRef idx="2">
+              <a:schemeClr val="accent5">
+                <a:shade val="50000"/>
+              </a:schemeClr>
+            </a:lnRef>
+            <a:fillRef idx="1">
+              <a:schemeClr val="accent5"/>
+            </a:fillRef>
+            <a:effectRef idx="0">
+              <a:schemeClr val="accent5"/>
+            </a:effectRef>
+            <a:fontRef idx="minor">
+              <a:schemeClr val="lt1"/>
+            </a:fontRef>
+          </p:style>
+          <p:txBody>
+            <a:bodyPr rtlCol="0" anchor="ctr"/>
+            <a:lstStyle/>
+            <a:p>
+              <a:pPr algn="ctr"/>
+              <a:r>
+                <a:rPr lang="en-US" altLang="ko-KR" sz="1000" dirty="0"/>
+                <a:t>Pin1</a:t>
+              </a:r>
+            </a:p>
+            <a:p>
+              <a:pPr algn="ctr"/>
+              <a:r>
+                <a:rPr lang="en-US" altLang="ko-KR" sz="1000" dirty="0"/>
+                <a:t>$RET</a:t>
+              </a:r>
+              <a:endParaRPr lang="ko-KR" altLang="en-US" sz="1000" dirty="0"/>
+            </a:p>
+          </p:txBody>
+        </p:sp>
+        <p:sp>
+          <p:nvSpPr>
+            <p:cNvPr id="20" name="타원 19">
+              <a:extLst>
+                <a:ext uri="{FF2B5EF4-FFF2-40B4-BE49-F238E27FC236}">
+                  <a16:creationId xmlns:a16="http://schemas.microsoft.com/office/drawing/2014/main" id="{C022F3CA-F9CD-E5B5-DC1C-E2A12AC084B8}"/>
+                </a:ext>
+              </a:extLst>
+            </p:cNvPr>
+            <p:cNvSpPr/>
+            <p:nvPr/>
+          </p:nvSpPr>
+          <p:spPr>
+            <a:xfrm>
+              <a:off x="2492563" y="3640108"/>
+              <a:ext cx="862907" cy="356398"/>
+            </a:xfrm>
+            <a:prstGeom prst="ellipse">
+              <a:avLst/>
+            </a:prstGeom>
+          </p:spPr>
+          <p:style>
+            <a:lnRef idx="2">
+              <a:schemeClr val="accent5">
+                <a:shade val="50000"/>
+              </a:schemeClr>
+            </a:lnRef>
+            <a:fillRef idx="1">
+              <a:schemeClr val="accent5"/>
+            </a:fillRef>
+            <a:effectRef idx="0">
+              <a:schemeClr val="accent5"/>
+            </a:effectRef>
+            <a:fontRef idx="minor">
+              <a:schemeClr val="lt1"/>
+            </a:fontRef>
+          </p:style>
+          <p:txBody>
+            <a:bodyPr rtlCol="0" anchor="ctr"/>
+            <a:lstStyle/>
+            <a:p>
+              <a:pPr algn="ctr"/>
+              <a:r>
+                <a:rPr lang="en-US" altLang="ko-KR" sz="1000" dirty="0"/>
+                <a:t>Pin2</a:t>
+              </a:r>
+            </a:p>
+            <a:p>
+              <a:pPr algn="ctr"/>
+              <a:r>
+                <a:rPr lang="en-US" altLang="ko-KR" sz="1000" dirty="0"/>
+                <a:t>$RET</a:t>
+              </a:r>
+              <a:endParaRPr lang="ko-KR" altLang="en-US" sz="1000" dirty="0"/>
+            </a:p>
+          </p:txBody>
+        </p:sp>
+        <p:sp>
+          <p:nvSpPr>
+            <p:cNvPr id="21" name="타원 20">
+              <a:extLst>
+                <a:ext uri="{FF2B5EF4-FFF2-40B4-BE49-F238E27FC236}">
+                  <a16:creationId xmlns:a16="http://schemas.microsoft.com/office/drawing/2014/main" id="{3821997F-42E2-2C48-4FF5-66E52304363D}"/>
+                </a:ext>
+              </a:extLst>
+            </p:cNvPr>
+            <p:cNvSpPr/>
+            <p:nvPr/>
+          </p:nvSpPr>
+          <p:spPr>
+            <a:xfrm>
+              <a:off x="1923968" y="4364508"/>
+              <a:ext cx="862907" cy="356398"/>
+            </a:xfrm>
+            <a:prstGeom prst="ellipse">
+              <a:avLst/>
+            </a:prstGeom>
+          </p:spPr>
+          <p:style>
+            <a:lnRef idx="2">
+              <a:schemeClr val="accent5">
+                <a:shade val="50000"/>
+              </a:schemeClr>
+            </a:lnRef>
+            <a:fillRef idx="1">
+              <a:schemeClr val="accent5"/>
+            </a:fillRef>
+            <a:effectRef idx="0">
+              <a:schemeClr val="accent5"/>
+            </a:effectRef>
+            <a:fontRef idx="minor">
+              <a:schemeClr val="lt1"/>
+            </a:fontRef>
+          </p:style>
+          <p:txBody>
+            <a:bodyPr rtlCol="0" anchor="ctr"/>
+            <a:lstStyle/>
+            <a:p>
+              <a:pPr algn="ctr"/>
+              <a:r>
+                <a:rPr lang="en-US" altLang="ko-KR" sz="1000" dirty="0"/>
+                <a:t>Pin3</a:t>
+              </a:r>
+            </a:p>
+            <a:p>
+              <a:pPr algn="ctr"/>
+              <a:r>
+                <a:rPr lang="en-US" altLang="ko-KR" sz="1000" dirty="0"/>
+                <a:t>$RET</a:t>
+              </a:r>
+              <a:endParaRPr lang="ko-KR" altLang="en-US" sz="1000" dirty="0"/>
+            </a:p>
+          </p:txBody>
+        </p:sp>
+        <p:sp>
+          <p:nvSpPr>
+            <p:cNvPr id="22" name="타원 21">
+              <a:extLst>
+                <a:ext uri="{FF2B5EF4-FFF2-40B4-BE49-F238E27FC236}">
+                  <a16:creationId xmlns:a16="http://schemas.microsoft.com/office/drawing/2014/main" id="{792CD220-1878-9E70-4A38-4C7799E4DC28}"/>
+                </a:ext>
+              </a:extLst>
+            </p:cNvPr>
+            <p:cNvSpPr/>
+            <p:nvPr/>
+          </p:nvSpPr>
+          <p:spPr>
+            <a:xfrm>
+              <a:off x="1471049" y="5238567"/>
+              <a:ext cx="862907" cy="356398"/>
+            </a:xfrm>
+            <a:prstGeom prst="ellipse">
+              <a:avLst/>
+            </a:prstGeom>
+          </p:spPr>
+          <p:style>
+            <a:lnRef idx="2">
+              <a:schemeClr val="accent5">
+                <a:shade val="50000"/>
+              </a:schemeClr>
+            </a:lnRef>
+            <a:fillRef idx="1">
+              <a:schemeClr val="accent5"/>
+            </a:fillRef>
+            <a:effectRef idx="0">
+              <a:schemeClr val="accent5"/>
+            </a:effectRef>
+            <a:fontRef idx="minor">
+              <a:schemeClr val="lt1"/>
+            </a:fontRef>
+          </p:style>
+          <p:txBody>
+            <a:bodyPr rtlCol="0" anchor="ctr"/>
+            <a:lstStyle/>
+            <a:p>
+              <a:pPr algn="ctr"/>
+              <a:r>
+                <a:rPr lang="en-US" altLang="ko-KR" sz="1000" dirty="0"/>
+                <a:t>Pin4</a:t>
+              </a:r>
+            </a:p>
+            <a:p>
+              <a:pPr algn="ctr"/>
+              <a:r>
+                <a:rPr lang="en-US" altLang="ko-KR" sz="1000" dirty="0"/>
+                <a:t>$RET</a:t>
+              </a:r>
+              <a:endParaRPr lang="ko-KR" altLang="en-US" sz="1000" dirty="0"/>
+            </a:p>
+          </p:txBody>
+        </p:sp>
+        <p:cxnSp>
+          <p:nvCxnSpPr>
+            <p:cNvPr id="35" name="연결선: 꺾임 34">
+              <a:extLst>
+                <a:ext uri="{FF2B5EF4-FFF2-40B4-BE49-F238E27FC236}">
+                  <a16:creationId xmlns:a16="http://schemas.microsoft.com/office/drawing/2014/main" id="{93A7A03F-2E68-2722-8796-DD6BC2A8DCE3}"/>
+                </a:ext>
+              </a:extLst>
+            </p:cNvPr>
+            <p:cNvCxnSpPr>
+              <a:cxnSpLocks/>
+              <a:stCxn id="16" idx="4"/>
+              <a:endCxn id="9" idx="0"/>
+            </p:cNvCxnSpPr>
+            <p:nvPr/>
+          </p:nvCxnSpPr>
+          <p:spPr>
+            <a:xfrm rot="5400000">
+              <a:off x="1530454" y="1965654"/>
+              <a:ext cx="212603" cy="1524870"/>
+            </a:xfrm>
+            <a:prstGeom prst="bentConnector3">
+              <a:avLst/>
+            </a:prstGeom>
+            <a:ln>
+              <a:tailEnd type="triangle"/>
+            </a:ln>
+          </p:spPr>
+          <p:style>
+            <a:lnRef idx="1">
+              <a:schemeClr val="accent1"/>
+            </a:lnRef>
+            <a:fillRef idx="0">
+              <a:schemeClr val="accent1"/>
+            </a:fillRef>
+            <a:effectRef idx="0">
+              <a:schemeClr val="accent1"/>
+            </a:effectRef>
+            <a:fontRef idx="minor">
+              <a:schemeClr val="tx1"/>
+            </a:fontRef>
+          </p:style>
+        </p:cxnSp>
+        <p:cxnSp>
+          <p:nvCxnSpPr>
+            <p:cNvPr id="38" name="연결선: 꺾임 37">
+              <a:extLst>
+                <a:ext uri="{FF2B5EF4-FFF2-40B4-BE49-F238E27FC236}">
+                  <a16:creationId xmlns:a16="http://schemas.microsoft.com/office/drawing/2014/main" id="{6949B88A-6F3E-E24F-300C-A430B025A73F}"/>
+                </a:ext>
+              </a:extLst>
+            </p:cNvPr>
+            <p:cNvCxnSpPr>
+              <a:cxnSpLocks/>
+              <a:stCxn id="16" idx="4"/>
+              <a:endCxn id="10" idx="0"/>
+            </p:cNvCxnSpPr>
+            <p:nvPr/>
+          </p:nvCxnSpPr>
+          <p:spPr>
+            <a:xfrm rot="5400000">
+              <a:off x="2038651" y="2465643"/>
+              <a:ext cx="204394" cy="516685"/>
+            </a:xfrm>
+            <a:prstGeom prst="bentConnector3">
+              <a:avLst>
+                <a:gd name="adj1" fmla="val 50000"/>
+              </a:avLst>
+            </a:prstGeom>
+            <a:ln>
+              <a:tailEnd type="triangle"/>
+            </a:ln>
+          </p:spPr>
+          <p:style>
+            <a:lnRef idx="1">
+              <a:schemeClr val="accent1"/>
+            </a:lnRef>
+            <a:fillRef idx="0">
+              <a:schemeClr val="accent1"/>
+            </a:fillRef>
+            <a:effectRef idx="0">
+              <a:schemeClr val="accent1"/>
+            </a:effectRef>
+            <a:fontRef idx="minor">
+              <a:schemeClr val="tx1"/>
+            </a:fontRef>
+          </p:style>
+        </p:cxnSp>
+        <p:cxnSp>
+          <p:nvCxnSpPr>
+            <p:cNvPr id="41" name="연결선: 꺾임 40">
+              <a:extLst>
+                <a:ext uri="{FF2B5EF4-FFF2-40B4-BE49-F238E27FC236}">
+                  <a16:creationId xmlns:a16="http://schemas.microsoft.com/office/drawing/2014/main" id="{6C9CC332-8072-7272-EACD-BBE53CEE7391}"/>
+                </a:ext>
+              </a:extLst>
+            </p:cNvPr>
+            <p:cNvCxnSpPr>
+              <a:cxnSpLocks/>
+              <a:stCxn id="16" idx="4"/>
+              <a:endCxn id="11" idx="0"/>
+            </p:cNvCxnSpPr>
+            <p:nvPr/>
+          </p:nvCxnSpPr>
+          <p:spPr>
+            <a:xfrm rot="16200000" flipH="1">
+              <a:off x="2546278" y="2474700"/>
+              <a:ext cx="197325" cy="491500"/>
+            </a:xfrm>
+            <a:prstGeom prst="bentConnector3">
+              <a:avLst>
+                <a:gd name="adj1" fmla="val 50000"/>
+              </a:avLst>
+            </a:prstGeom>
+            <a:ln>
+              <a:tailEnd type="triangle"/>
+            </a:ln>
+          </p:spPr>
+          <p:style>
+            <a:lnRef idx="1">
+              <a:schemeClr val="accent1"/>
+            </a:lnRef>
+            <a:fillRef idx="0">
+              <a:schemeClr val="accent1"/>
+            </a:fillRef>
+            <a:effectRef idx="0">
+              <a:schemeClr val="accent1"/>
+            </a:effectRef>
+            <a:fontRef idx="minor">
+              <a:schemeClr val="tx1"/>
+            </a:fontRef>
+          </p:style>
+        </p:cxnSp>
+        <p:cxnSp>
+          <p:nvCxnSpPr>
+            <p:cNvPr id="44" name="연결선: 꺾임 43">
+              <a:extLst>
+                <a:ext uri="{FF2B5EF4-FFF2-40B4-BE49-F238E27FC236}">
+                  <a16:creationId xmlns:a16="http://schemas.microsoft.com/office/drawing/2014/main" id="{FCCC610C-9B31-113F-6274-6278FA921693}"/>
+                </a:ext>
+              </a:extLst>
+            </p:cNvPr>
+            <p:cNvCxnSpPr>
+              <a:cxnSpLocks/>
+              <a:stCxn id="16" idx="4"/>
+              <a:endCxn id="12" idx="0"/>
+            </p:cNvCxnSpPr>
+            <p:nvPr/>
+          </p:nvCxnSpPr>
+          <p:spPr>
+            <a:xfrm rot="16200000" flipH="1">
+              <a:off x="3061228" y="1959750"/>
+              <a:ext cx="204394" cy="1528470"/>
+            </a:xfrm>
+            <a:prstGeom prst="bentConnector3">
+              <a:avLst>
+                <a:gd name="adj1" fmla="val 50000"/>
+              </a:avLst>
+            </a:prstGeom>
+            <a:ln>
+              <a:tailEnd type="triangle"/>
+            </a:ln>
+          </p:spPr>
+          <p:style>
+            <a:lnRef idx="1">
+              <a:schemeClr val="accent1"/>
+            </a:lnRef>
+            <a:fillRef idx="0">
+              <a:schemeClr val="accent1"/>
+            </a:fillRef>
+            <a:effectRef idx="0">
+              <a:schemeClr val="accent1"/>
+            </a:effectRef>
+            <a:fontRef idx="minor">
+              <a:schemeClr val="tx1"/>
+            </a:fontRef>
+          </p:style>
+        </p:cxnSp>
+        <p:cxnSp>
+          <p:nvCxnSpPr>
+            <p:cNvPr id="48" name="연결선: 꺾임 47">
+              <a:extLst>
+                <a:ext uri="{FF2B5EF4-FFF2-40B4-BE49-F238E27FC236}">
+                  <a16:creationId xmlns:a16="http://schemas.microsoft.com/office/drawing/2014/main" id="{D65A4786-954A-B367-12A2-E03378DBD376}"/>
+                </a:ext>
+              </a:extLst>
+            </p:cNvPr>
+            <p:cNvCxnSpPr>
+              <a:cxnSpLocks/>
+              <a:stCxn id="12" idx="4"/>
+              <a:endCxn id="20" idx="0"/>
+            </p:cNvCxnSpPr>
+            <p:nvPr/>
+          </p:nvCxnSpPr>
+          <p:spPr>
+            <a:xfrm rot="5400000">
+              <a:off x="3197075" y="2909523"/>
+              <a:ext cx="457528" cy="1003643"/>
+            </a:xfrm>
+            <a:prstGeom prst="bentConnector3">
+              <a:avLst>
+                <a:gd name="adj1" fmla="val 50000"/>
+              </a:avLst>
+            </a:prstGeom>
+            <a:ln>
+              <a:tailEnd type="triangle"/>
+            </a:ln>
+          </p:spPr>
+          <p:style>
+            <a:lnRef idx="1">
+              <a:schemeClr val="accent1"/>
+            </a:lnRef>
+            <a:fillRef idx="0">
+              <a:schemeClr val="accent1"/>
+            </a:fillRef>
+            <a:effectRef idx="0">
+              <a:schemeClr val="accent1"/>
+            </a:effectRef>
+            <a:fontRef idx="minor">
+              <a:schemeClr val="tx1"/>
+            </a:fontRef>
+          </p:style>
+        </p:cxnSp>
+        <p:cxnSp>
+          <p:nvCxnSpPr>
+            <p:cNvPr id="51" name="연결선: 꺾임 50">
+              <a:extLst>
+                <a:ext uri="{FF2B5EF4-FFF2-40B4-BE49-F238E27FC236}">
+                  <a16:creationId xmlns:a16="http://schemas.microsoft.com/office/drawing/2014/main" id="{2241FA32-5E26-2680-2181-F11EC557C9A9}"/>
+                </a:ext>
+              </a:extLst>
+            </p:cNvPr>
+            <p:cNvCxnSpPr>
+              <a:cxnSpLocks/>
+              <a:stCxn id="11" idx="4"/>
+              <a:endCxn id="20" idx="0"/>
+            </p:cNvCxnSpPr>
+            <p:nvPr/>
+          </p:nvCxnSpPr>
+          <p:spPr>
+            <a:xfrm rot="16200000" flipH="1">
+              <a:off x="2675055" y="3391145"/>
+              <a:ext cx="464597" cy="33327"/>
+            </a:xfrm>
+            <a:prstGeom prst="bentConnector3">
+              <a:avLst>
+                <a:gd name="adj1" fmla="val 50000"/>
+              </a:avLst>
+            </a:prstGeom>
+            <a:ln>
+              <a:tailEnd type="triangle"/>
+            </a:ln>
+          </p:spPr>
+          <p:style>
+            <a:lnRef idx="1">
+              <a:schemeClr val="accent1"/>
+            </a:lnRef>
+            <a:fillRef idx="0">
+              <a:schemeClr val="accent1"/>
+            </a:fillRef>
+            <a:effectRef idx="0">
+              <a:schemeClr val="accent1"/>
+            </a:effectRef>
+            <a:fontRef idx="minor">
+              <a:schemeClr val="tx1"/>
+            </a:fontRef>
+          </p:style>
+        </p:cxnSp>
+        <p:cxnSp>
+          <p:nvCxnSpPr>
+            <p:cNvPr id="54" name="연결선: 꺾임 53">
+              <a:extLst>
+                <a:ext uri="{FF2B5EF4-FFF2-40B4-BE49-F238E27FC236}">
+                  <a16:creationId xmlns:a16="http://schemas.microsoft.com/office/drawing/2014/main" id="{56DF548B-E4C4-CF09-6EC1-0EC35DE2FBA7}"/>
+                </a:ext>
+              </a:extLst>
+            </p:cNvPr>
+            <p:cNvCxnSpPr>
+              <a:cxnSpLocks/>
+              <a:stCxn id="10" idx="4"/>
+              <a:endCxn id="19" idx="0"/>
+            </p:cNvCxnSpPr>
+            <p:nvPr/>
+          </p:nvCxnSpPr>
+          <p:spPr>
+            <a:xfrm rot="5400000">
+              <a:off x="1653741" y="3411344"/>
+              <a:ext cx="457528" cy="12700"/>
+            </a:xfrm>
+            <a:prstGeom prst="bentConnector3">
+              <a:avLst>
+                <a:gd name="adj1" fmla="val 50000"/>
+              </a:avLst>
+            </a:prstGeom>
+            <a:ln>
+              <a:tailEnd type="triangle"/>
+            </a:ln>
+          </p:spPr>
+          <p:style>
+            <a:lnRef idx="1">
+              <a:schemeClr val="accent1"/>
+            </a:lnRef>
+            <a:fillRef idx="0">
+              <a:schemeClr val="accent1"/>
+            </a:fillRef>
+            <a:effectRef idx="0">
+              <a:schemeClr val="accent1"/>
+            </a:effectRef>
+            <a:fontRef idx="minor">
+              <a:schemeClr val="tx1"/>
+            </a:fontRef>
+          </p:style>
+        </p:cxnSp>
+        <p:cxnSp>
+          <p:nvCxnSpPr>
+            <p:cNvPr id="57" name="연결선: 꺾임 56">
+              <a:extLst>
+                <a:ext uri="{FF2B5EF4-FFF2-40B4-BE49-F238E27FC236}">
+                  <a16:creationId xmlns:a16="http://schemas.microsoft.com/office/drawing/2014/main" id="{6161757D-9003-1EA2-7217-47864BE931D9}"/>
+                </a:ext>
+              </a:extLst>
+            </p:cNvPr>
+            <p:cNvCxnSpPr>
+              <a:cxnSpLocks/>
+              <a:stCxn id="9" idx="4"/>
+              <a:endCxn id="19" idx="0"/>
+            </p:cNvCxnSpPr>
+            <p:nvPr/>
+          </p:nvCxnSpPr>
+          <p:spPr>
+            <a:xfrm rot="16200000" flipH="1">
+              <a:off x="1153753" y="2911355"/>
+              <a:ext cx="449319" cy="1008185"/>
+            </a:xfrm>
+            <a:prstGeom prst="bentConnector3">
+              <a:avLst>
+                <a:gd name="adj1" fmla="val 50000"/>
+              </a:avLst>
+            </a:prstGeom>
+            <a:ln>
+              <a:tailEnd type="triangle"/>
+            </a:ln>
+          </p:spPr>
+          <p:style>
+            <a:lnRef idx="1">
+              <a:schemeClr val="accent1"/>
+            </a:lnRef>
+            <a:fillRef idx="0">
+              <a:schemeClr val="accent1"/>
+            </a:fillRef>
+            <a:effectRef idx="0">
+              <a:schemeClr val="accent1"/>
+            </a:effectRef>
+            <a:fontRef idx="minor">
+              <a:schemeClr val="tx1"/>
+            </a:fontRef>
+          </p:style>
+        </p:cxnSp>
+        <p:cxnSp>
+          <p:nvCxnSpPr>
+            <p:cNvPr id="62" name="연결선: 꺾임 61">
+              <a:extLst>
+                <a:ext uri="{FF2B5EF4-FFF2-40B4-BE49-F238E27FC236}">
+                  <a16:creationId xmlns:a16="http://schemas.microsoft.com/office/drawing/2014/main" id="{BFAD6966-3212-3DE3-2D7A-2684D5CDE264}"/>
+                </a:ext>
+              </a:extLst>
+            </p:cNvPr>
+            <p:cNvCxnSpPr>
+              <a:cxnSpLocks/>
+              <a:stCxn id="19" idx="4"/>
+              <a:endCxn id="21" idx="0"/>
+            </p:cNvCxnSpPr>
+            <p:nvPr/>
+          </p:nvCxnSpPr>
+          <p:spPr>
+            <a:xfrm rot="16200000" flipH="1">
+              <a:off x="1934962" y="3944048"/>
+              <a:ext cx="368002" cy="472917"/>
+            </a:xfrm>
+            <a:prstGeom prst="bentConnector3">
+              <a:avLst>
+                <a:gd name="adj1" fmla="val 50000"/>
+              </a:avLst>
+            </a:prstGeom>
+            <a:ln>
+              <a:tailEnd type="triangle"/>
+            </a:ln>
+          </p:spPr>
+          <p:style>
+            <a:lnRef idx="1">
+              <a:schemeClr val="accent1"/>
+            </a:lnRef>
+            <a:fillRef idx="0">
+              <a:schemeClr val="accent1"/>
+            </a:fillRef>
+            <a:effectRef idx="0">
+              <a:schemeClr val="accent1"/>
+            </a:effectRef>
+            <a:fontRef idx="minor">
+              <a:schemeClr val="tx1"/>
+            </a:fontRef>
+          </p:style>
+        </p:cxnSp>
+        <p:cxnSp>
+          <p:nvCxnSpPr>
+            <p:cNvPr id="65" name="연결선: 꺾임 64">
+              <a:extLst>
+                <a:ext uri="{FF2B5EF4-FFF2-40B4-BE49-F238E27FC236}">
+                  <a16:creationId xmlns:a16="http://schemas.microsoft.com/office/drawing/2014/main" id="{B37DE993-606C-431F-47B5-27195496A030}"/>
+                </a:ext>
+              </a:extLst>
+            </p:cNvPr>
+            <p:cNvCxnSpPr>
+              <a:cxnSpLocks/>
+              <a:stCxn id="20" idx="4"/>
+              <a:endCxn id="21" idx="0"/>
+            </p:cNvCxnSpPr>
+            <p:nvPr/>
+          </p:nvCxnSpPr>
+          <p:spPr>
+            <a:xfrm rot="5400000">
+              <a:off x="2455719" y="3896210"/>
+              <a:ext cx="368002" cy="568595"/>
+            </a:xfrm>
+            <a:prstGeom prst="bentConnector3">
+              <a:avLst>
+                <a:gd name="adj1" fmla="val 50000"/>
+              </a:avLst>
+            </a:prstGeom>
+            <a:ln>
+              <a:tailEnd type="triangle"/>
+            </a:ln>
+          </p:spPr>
+          <p:style>
+            <a:lnRef idx="1">
+              <a:schemeClr val="accent1"/>
+            </a:lnRef>
+            <a:fillRef idx="0">
+              <a:schemeClr val="accent1"/>
+            </a:fillRef>
+            <a:effectRef idx="0">
+              <a:schemeClr val="accent1"/>
+            </a:effectRef>
+            <a:fontRef idx="minor">
+              <a:schemeClr val="tx1"/>
+            </a:fontRef>
+          </p:style>
+        </p:cxnSp>
+        <p:cxnSp>
+          <p:nvCxnSpPr>
+            <p:cNvPr id="68" name="연결선: 꺾임 67">
+              <a:extLst>
+                <a:ext uri="{FF2B5EF4-FFF2-40B4-BE49-F238E27FC236}">
+                  <a16:creationId xmlns:a16="http://schemas.microsoft.com/office/drawing/2014/main" id="{FBB40ADF-FC6F-C0F1-F0A1-FD12892A32B0}"/>
+                </a:ext>
+              </a:extLst>
+            </p:cNvPr>
+            <p:cNvCxnSpPr>
+              <a:cxnSpLocks/>
+              <a:stCxn id="21" idx="4"/>
+              <a:endCxn id="22" idx="0"/>
+            </p:cNvCxnSpPr>
+            <p:nvPr/>
+          </p:nvCxnSpPr>
+          <p:spPr>
+            <a:xfrm rot="5400000">
+              <a:off x="1870133" y="4753277"/>
+              <a:ext cx="517661" cy="452919"/>
+            </a:xfrm>
+            <a:prstGeom prst="bentConnector3">
+              <a:avLst>
+                <a:gd name="adj1" fmla="val 50000"/>
+              </a:avLst>
+            </a:prstGeom>
+            <a:ln>
+              <a:tailEnd type="triangle"/>
+            </a:ln>
+          </p:spPr>
+          <p:style>
+            <a:lnRef idx="1">
+              <a:schemeClr val="accent1"/>
+            </a:lnRef>
+            <a:fillRef idx="0">
+              <a:schemeClr val="accent1"/>
+            </a:fillRef>
+            <a:effectRef idx="0">
+              <a:schemeClr val="accent1"/>
+            </a:effectRef>
+            <a:fontRef idx="minor">
+              <a:schemeClr val="tx1"/>
+            </a:fontRef>
+          </p:style>
+        </p:cxnSp>
+        <p:cxnSp>
+          <p:nvCxnSpPr>
+            <p:cNvPr id="71" name="연결선: 꺾임 70">
+              <a:extLst>
+                <a:ext uri="{FF2B5EF4-FFF2-40B4-BE49-F238E27FC236}">
+                  <a16:creationId xmlns:a16="http://schemas.microsoft.com/office/drawing/2014/main" id="{B4D53ED1-E779-ED5E-BFE6-9BBB2921A41C}"/>
+                </a:ext>
+              </a:extLst>
+            </p:cNvPr>
+            <p:cNvCxnSpPr>
+              <a:cxnSpLocks/>
+              <a:stCxn id="21" idx="4"/>
+              <a:endCxn id="14" idx="0"/>
+            </p:cNvCxnSpPr>
+            <p:nvPr/>
+          </p:nvCxnSpPr>
+          <p:spPr>
+            <a:xfrm rot="16200000" flipH="1">
+              <a:off x="2466197" y="4610131"/>
+              <a:ext cx="526807" cy="748356"/>
+            </a:xfrm>
+            <a:prstGeom prst="bentConnector3">
+              <a:avLst>
+                <a:gd name="adj1" fmla="val 50000"/>
+              </a:avLst>
+            </a:prstGeom>
+            <a:ln>
+              <a:tailEnd type="triangle"/>
+            </a:ln>
+          </p:spPr>
+          <p:style>
+            <a:lnRef idx="1">
+              <a:schemeClr val="accent1"/>
+            </a:lnRef>
+            <a:fillRef idx="0">
+              <a:schemeClr val="accent1"/>
+            </a:fillRef>
+            <a:effectRef idx="0">
+              <a:schemeClr val="accent1"/>
+            </a:effectRef>
+            <a:fontRef idx="minor">
+              <a:schemeClr val="tx1"/>
+            </a:fontRef>
+          </p:style>
+        </p:cxnSp>
+      </p:grpSp>
+      <p:sp>
+        <p:nvSpPr>
+          <p:cNvPr id="107" name="사각형: 모서리가 접힌 도형 106">
+            <a:extLst>
+              <a:ext uri="{FF2B5EF4-FFF2-40B4-BE49-F238E27FC236}">
+                <a16:creationId xmlns:a16="http://schemas.microsoft.com/office/drawing/2014/main" id="{05826DE9-F272-94A9-B48B-8D4B1DAFDDFF}"/>
+              </a:ext>
+            </a:extLst>
+          </p:cNvPr>
+          <p:cNvSpPr/>
+          <p:nvPr/>
+        </p:nvSpPr>
+        <p:spPr>
+          <a:xfrm>
+            <a:off x="9626164" y="1110520"/>
+            <a:ext cx="2437946" cy="590212"/>
+          </a:xfrm>
+          <a:prstGeom prst="foldedCorner">
+            <a:avLst/>
+          </a:prstGeom>
+          <a:solidFill>
+            <a:schemeClr val="accent3">
+              <a:alpha val="50000"/>
+            </a:schemeClr>
+          </a:solidFill>
+          <a:ln>
+            <a:noFill/>
+          </a:ln>
+        </p:spPr>
+        <p:style>
+          <a:lnRef idx="0">
+            <a:scrgbClr r="0" g="0" b="0"/>
+          </a:lnRef>
+          <a:fillRef idx="0">
+            <a:scrgbClr r="0" g="0" b="0"/>
+          </a:fillRef>
+          <a:effectRef idx="0">
+            <a:scrgbClr r="0" g="0" b="0"/>
+          </a:effectRef>
+          <a:fontRef idx="minor">
+            <a:schemeClr val="lt1"/>
+          </a:fontRef>
+        </p:style>
+        <p:txBody>
+          <a:bodyPr rtlCol="0" anchor="ctr"/>
+          <a:lstStyle/>
+          <a:p>
+            <a:pPr algn="ctr"/>
+            <a:r>
+              <a:rPr lang="en-US" altLang="ko-KR" dirty="0"/>
+              <a:t>lib/Cylinder/Double </a:t>
+            </a:r>
+          </a:p>
+          <a:p>
+            <a:pPr algn="ctr"/>
+            <a:r>
+              <a:rPr lang="en-US" altLang="ko-KR" dirty="0"/>
+              <a:t>[Pin1]</a:t>
+            </a:r>
+            <a:endParaRPr lang="ko-KR" altLang="en-US" dirty="0"/>
+          </a:p>
+        </p:txBody>
+      </p:sp>
+      <p:sp>
+        <p:nvSpPr>
+          <p:cNvPr id="108" name="사각형: 모서리가 접힌 도형 107">
+            <a:extLst>
+              <a:ext uri="{FF2B5EF4-FFF2-40B4-BE49-F238E27FC236}">
+                <a16:creationId xmlns:a16="http://schemas.microsoft.com/office/drawing/2014/main" id="{1A5DABE6-61BB-456B-9452-8310874B9408}"/>
+              </a:ext>
+            </a:extLst>
+          </p:cNvPr>
+          <p:cNvSpPr/>
+          <p:nvPr/>
+        </p:nvSpPr>
+        <p:spPr>
+          <a:xfrm>
+            <a:off x="9685637" y="1889764"/>
+            <a:ext cx="2437946" cy="590212"/>
+          </a:xfrm>
+          <a:prstGeom prst="foldedCorner">
+            <a:avLst/>
+          </a:prstGeom>
+          <a:solidFill>
+            <a:schemeClr val="accent3">
+              <a:alpha val="50000"/>
+            </a:schemeClr>
+          </a:solidFill>
+          <a:ln>
+            <a:noFill/>
+          </a:ln>
+        </p:spPr>
+        <p:style>
+          <a:lnRef idx="0">
+            <a:scrgbClr r="0" g="0" b="0"/>
+          </a:lnRef>
+          <a:fillRef idx="0">
+            <a:scrgbClr r="0" g="0" b="0"/>
+          </a:fillRef>
+          <a:effectRef idx="0">
+            <a:scrgbClr r="0" g="0" b="0"/>
+          </a:effectRef>
+          <a:fontRef idx="minor">
+            <a:schemeClr val="lt1"/>
+          </a:fontRef>
+        </p:style>
+        <p:txBody>
+          <a:bodyPr rtlCol="0" anchor="ctr"/>
+          <a:lstStyle/>
+          <a:p>
+            <a:pPr algn="ctr"/>
+            <a:r>
+              <a:rPr lang="en-US" altLang="ko-KR" dirty="0"/>
+              <a:t>lib/Cylinder/Double </a:t>
+            </a:r>
+          </a:p>
+          <a:p>
+            <a:pPr algn="ctr"/>
+            <a:r>
+              <a:rPr lang="en-US" altLang="ko-KR" dirty="0"/>
+              <a:t>[Pin2]</a:t>
+            </a:r>
+            <a:endParaRPr lang="ko-KR" altLang="en-US" dirty="0"/>
+          </a:p>
+        </p:txBody>
+      </p:sp>
+      <p:sp>
+        <p:nvSpPr>
+          <p:cNvPr id="109" name="사각형: 모서리가 접힌 도형 108">
+            <a:extLst>
+              <a:ext uri="{FF2B5EF4-FFF2-40B4-BE49-F238E27FC236}">
+                <a16:creationId xmlns:a16="http://schemas.microsoft.com/office/drawing/2014/main" id="{3A588BDD-788A-C567-D9E9-C4C75746195B}"/>
+              </a:ext>
+            </a:extLst>
+          </p:cNvPr>
+          <p:cNvSpPr/>
+          <p:nvPr/>
+        </p:nvSpPr>
+        <p:spPr>
+          <a:xfrm>
+            <a:off x="9626164" y="2580895"/>
+            <a:ext cx="2437946" cy="590212"/>
+          </a:xfrm>
+          <a:prstGeom prst="foldedCorner">
+            <a:avLst/>
+          </a:prstGeom>
+          <a:solidFill>
+            <a:schemeClr val="accent3">
+              <a:alpha val="50000"/>
+            </a:schemeClr>
+          </a:solidFill>
+          <a:ln>
+            <a:noFill/>
+          </a:ln>
+        </p:spPr>
+        <p:style>
+          <a:lnRef idx="0">
+            <a:scrgbClr r="0" g="0" b="0"/>
+          </a:lnRef>
+          <a:fillRef idx="0">
+            <a:scrgbClr r="0" g="0" b="0"/>
+          </a:fillRef>
+          <a:effectRef idx="0">
+            <a:scrgbClr r="0" g="0" b="0"/>
+          </a:effectRef>
+          <a:fontRef idx="minor">
+            <a:schemeClr val="lt1"/>
+          </a:fontRef>
+        </p:style>
+        <p:txBody>
+          <a:bodyPr rtlCol="0" anchor="ctr"/>
+          <a:lstStyle/>
+          <a:p>
+            <a:pPr algn="ctr"/>
+            <a:r>
+              <a:rPr lang="en-US" altLang="ko-KR" dirty="0"/>
+              <a:t>lib/Cylinder/Double </a:t>
+            </a:r>
+          </a:p>
+          <a:p>
+            <a:pPr algn="ctr"/>
+            <a:r>
+              <a:rPr lang="en-US" altLang="ko-KR" dirty="0"/>
+              <a:t>[Pin3]</a:t>
+            </a:r>
+            <a:endParaRPr lang="ko-KR" altLang="en-US" dirty="0"/>
+          </a:p>
+        </p:txBody>
+      </p:sp>
+      <p:sp>
+        <p:nvSpPr>
+          <p:cNvPr id="110" name="사각형: 모서리가 접힌 도형 109">
+            <a:extLst>
+              <a:ext uri="{FF2B5EF4-FFF2-40B4-BE49-F238E27FC236}">
+                <a16:creationId xmlns:a16="http://schemas.microsoft.com/office/drawing/2014/main" id="{21844E8A-08C5-7409-11B5-9079EF780BE7}"/>
+              </a:ext>
+            </a:extLst>
+          </p:cNvPr>
+          <p:cNvSpPr/>
+          <p:nvPr/>
+        </p:nvSpPr>
+        <p:spPr>
+          <a:xfrm>
+            <a:off x="9626164" y="3391788"/>
+            <a:ext cx="2437946" cy="590212"/>
+          </a:xfrm>
+          <a:prstGeom prst="foldedCorner">
+            <a:avLst/>
+          </a:prstGeom>
+          <a:solidFill>
+            <a:schemeClr val="accent3">
+              <a:alpha val="50000"/>
+            </a:schemeClr>
+          </a:solidFill>
+          <a:ln>
+            <a:noFill/>
+          </a:ln>
+        </p:spPr>
+        <p:style>
+          <a:lnRef idx="0">
+            <a:scrgbClr r="0" g="0" b="0"/>
+          </a:lnRef>
+          <a:fillRef idx="0">
+            <a:scrgbClr r="0" g="0" b="0"/>
+          </a:fillRef>
+          <a:effectRef idx="0">
+            <a:scrgbClr r="0" g="0" b="0"/>
+          </a:effectRef>
+          <a:fontRef idx="minor">
+            <a:schemeClr val="lt1"/>
+          </a:fontRef>
+        </p:style>
+        <p:txBody>
+          <a:bodyPr rtlCol="0" anchor="ctr"/>
+          <a:lstStyle/>
+          <a:p>
+            <a:pPr algn="ctr"/>
+            <a:r>
+              <a:rPr lang="en-US" altLang="ko-KR" dirty="0"/>
+              <a:t>lib/Cylinder/Double </a:t>
+            </a:r>
+          </a:p>
+          <a:p>
+            <a:pPr algn="ctr"/>
+            <a:r>
+              <a:rPr lang="en-US" altLang="ko-KR" dirty="0"/>
+              <a:t>[Pin4]</a:t>
+            </a:r>
+            <a:endParaRPr lang="ko-KR" altLang="en-US" dirty="0"/>
+          </a:p>
+        </p:txBody>
+      </p:sp>
+      <p:sp>
+        <p:nvSpPr>
+          <p:cNvPr id="42" name="직사각형 41">
+            <a:extLst>
+              <a:ext uri="{FF2B5EF4-FFF2-40B4-BE49-F238E27FC236}">
+                <a16:creationId xmlns:a16="http://schemas.microsoft.com/office/drawing/2014/main" id="{5CEA24C0-7B6A-BAE3-6A57-53556FAD574E}"/>
+              </a:ext>
+            </a:extLst>
+          </p:cNvPr>
+          <p:cNvSpPr/>
+          <p:nvPr/>
+        </p:nvSpPr>
+        <p:spPr>
+          <a:xfrm>
+            <a:off x="5075653" y="1631954"/>
+            <a:ext cx="4346475" cy="4358796"/>
+          </a:xfrm>
+          <a:prstGeom prst="rect">
+            <a:avLst/>
+          </a:prstGeom>
+          <a:solidFill>
+            <a:schemeClr val="accent4">
+              <a:alpha val="50000"/>
+            </a:schemeClr>
+          </a:solidFill>
+          <a:ln>
+            <a:noFill/>
+          </a:ln>
+        </p:spPr>
+        <p:style>
+          <a:lnRef idx="0">
+            <a:scrgbClr r="0" g="0" b="0"/>
+          </a:lnRef>
+          <a:fillRef idx="0">
+            <a:scrgbClr r="0" g="0" b="0"/>
+          </a:fillRef>
+          <a:effectRef idx="0">
+            <a:scrgbClr r="0" g="0" b="0"/>
+          </a:effectRef>
+          <a:fontRef idx="minor">
+            <a:schemeClr val="lt1"/>
+          </a:fontRef>
+        </p:style>
+        <p:txBody>
+          <a:bodyPr rtlCol="0" anchor="t"/>
+          <a:lstStyle/>
+          <a:p>
+            <a:pPr algn="ctr"/>
+            <a:r>
+              <a:rPr lang="en-US" altLang="ko-KR" sz="1600" dirty="0">
+                <a:solidFill>
+                  <a:schemeClr val="tx1"/>
+                </a:solidFill>
+              </a:rPr>
+              <a:t>R1</a:t>
+            </a:r>
+            <a:endParaRPr lang="ko-KR" altLang="en-US" sz="1600" dirty="0">
+              <a:solidFill>
+                <a:schemeClr val="tx1"/>
+              </a:solidFill>
+            </a:endParaRPr>
+          </a:p>
+        </p:txBody>
+      </p:sp>
+      <p:sp>
+        <p:nvSpPr>
+          <p:cNvPr id="46" name="사각형: 모서리가 접힌 도형 45">
+            <a:extLst>
+              <a:ext uri="{FF2B5EF4-FFF2-40B4-BE49-F238E27FC236}">
+                <a16:creationId xmlns:a16="http://schemas.microsoft.com/office/drawing/2014/main" id="{ED58CE2F-6DE0-57E2-5187-F0054D7E7AE1}"/>
+              </a:ext>
+            </a:extLst>
+          </p:cNvPr>
+          <p:cNvSpPr/>
+          <p:nvPr/>
+        </p:nvSpPr>
+        <p:spPr>
+          <a:xfrm>
+            <a:off x="9626164" y="4247601"/>
+            <a:ext cx="2437946" cy="590212"/>
+          </a:xfrm>
+          <a:prstGeom prst="foldedCorner">
+            <a:avLst/>
+          </a:prstGeom>
+          <a:solidFill>
+            <a:schemeClr val="accent3">
+              <a:alpha val="50000"/>
+            </a:schemeClr>
+          </a:solidFill>
+          <a:ln>
+            <a:noFill/>
+          </a:ln>
+        </p:spPr>
+        <p:style>
+          <a:lnRef idx="0">
+            <a:scrgbClr r="0" g="0" b="0"/>
+          </a:lnRef>
+          <a:fillRef idx="0">
+            <a:scrgbClr r="0" g="0" b="0"/>
+          </a:fillRef>
+          <a:effectRef idx="0">
+            <a:scrgbClr r="0" g="0" b="0"/>
+          </a:effectRef>
+          <a:fontRef idx="minor">
+            <a:schemeClr val="lt1"/>
+          </a:fontRef>
+        </p:style>
+        <p:txBody>
+          <a:bodyPr rtlCol="0" anchor="ctr"/>
+          <a:lstStyle/>
+          <a:p>
+            <a:pPr algn="ctr"/>
+            <a:r>
+              <a:rPr lang="en-US" altLang="ko-KR" dirty="0"/>
+              <a:t>lib/Cylinder/Double </a:t>
+            </a:r>
+          </a:p>
+          <a:p>
+            <a:pPr algn="ctr"/>
+            <a:r>
+              <a:rPr lang="en-US" altLang="ko-KR" dirty="0"/>
+              <a:t>[Pin5]</a:t>
+            </a:r>
+            <a:endParaRPr lang="ko-KR" altLang="en-US" dirty="0"/>
+          </a:p>
+        </p:txBody>
+      </p:sp>
+    </p:spTree>
+    <p:extLst>
+      <p:ext uri="{BB962C8B-B14F-4D97-AF65-F5344CB8AC3E}">
+        <p14:creationId xmlns:p14="http://schemas.microsoft.com/office/powerpoint/2010/main" val="2187636841"/>
+      </p:ext>
+    </p:extLst>
+  </p:cSld>
+  <p:clrMapOvr>
+    <a:masterClrMapping/>
+  </p:clrMapOvr>
+</p:sld>
+</file>
+
+<file path=ppt/slides/slide3.xml><?xml version="1.0" encoding="utf-8"?>
 <p:sld xmlns:a="http://schemas.openxmlformats.org/drawingml/2006/main" xmlns:r="http://schemas.openxmlformats.org/officeDocument/2006/relationships" xmlns:p="http://schemas.openxmlformats.org/presentationml/2006/main">
   <p:cSld>
     <p:spTree>
@@ -22620,7 +24906,7 @@
 </p:sld>
 </file>
 
-<file path=ppt/slides/slide3.xml><?xml version="1.0" encoding="utf-8"?>
+<file path=ppt/slides/slide4.xml><?xml version="1.0" encoding="utf-8"?>
 <p:sld xmlns:a="http://schemas.openxmlformats.org/drawingml/2006/main" xmlns:r="http://schemas.openxmlformats.org/officeDocument/2006/relationships" xmlns:p="http://schemas.openxmlformats.org/presentationml/2006/main">
   <p:cSld>
     <p:spTree>
@@ -23440,7 +25726,7 @@
 </p:sld>
 </file>
 
-<file path=ppt/slides/slide4.xml><?xml version="1.0" encoding="utf-8"?>
+<file path=ppt/slides/slide5.xml><?xml version="1.0" encoding="utf-8"?>
 <p:sld xmlns:a="http://schemas.openxmlformats.org/drawingml/2006/main" xmlns:r="http://schemas.openxmlformats.org/officeDocument/2006/relationships" xmlns:p="http://schemas.openxmlformats.org/presentationml/2006/main">
   <p:cSld>
     <p:spTree>
@@ -24260,7 +26546,7 @@
 </p:sld>
 </file>
 
-<file path=ppt/slides/slide5.xml><?xml version="1.0" encoding="utf-8"?>
+<file path=ppt/slides/slide6.xml><?xml version="1.0" encoding="utf-8"?>
 <p:sld xmlns:a="http://schemas.openxmlformats.org/drawingml/2006/main" xmlns:r="http://schemas.openxmlformats.org/officeDocument/2006/relationships" xmlns:p="http://schemas.openxmlformats.org/presentationml/2006/main">
   <p:cSld>
     <p:spTree>
@@ -25080,7 +27366,7 @@
 </p:sld>
 </file>
 
-<file path=ppt/slides/slide6.xml><?xml version="1.0" encoding="utf-8"?>
+<file path=ppt/slides/slide7.xml><?xml version="1.0" encoding="utf-8"?>
 <p:sld xmlns:a="http://schemas.openxmlformats.org/drawingml/2006/main" xmlns:r="http://schemas.openxmlformats.org/officeDocument/2006/relationships" xmlns:p="http://schemas.openxmlformats.org/presentationml/2006/main" show="0">
   <p:cSld>
     <p:spTree>
@@ -25629,7 +27915,7 @@
 </p:sld>
 </file>
 
-<file path=ppt/slides/slide7.xml><?xml version="1.0" encoding="utf-8"?>
+<file path=ppt/slides/slide8.xml><?xml version="1.0" encoding="utf-8"?>
 <p:sld xmlns:a="http://schemas.openxmlformats.org/drawingml/2006/main" xmlns:r="http://schemas.openxmlformats.org/officeDocument/2006/relationships" xmlns:p="http://schemas.openxmlformats.org/presentationml/2006/main" show="0">
   <p:cSld>
     <p:spTree>
@@ -26210,7 +28496,7 @@
 </p:sld>
 </file>
 
-<file path=ppt/slides/slide8.xml><?xml version="1.0" encoding="utf-8"?>
+<file path=ppt/slides/slide9.xml><?xml version="1.0" encoding="utf-8"?>
 <p:sld xmlns:a="http://schemas.openxmlformats.org/drawingml/2006/main" xmlns:r="http://schemas.openxmlformats.org/officeDocument/2006/relationships" xmlns:p="http://schemas.openxmlformats.org/presentationml/2006/main" show="0">
   <p:cSld>
     <p:spTree>
@@ -26746,585 +29032,6 @@
     <p:extLst>
       <p:ext uri="{BB962C8B-B14F-4D97-AF65-F5344CB8AC3E}">
         <p14:creationId xmlns:p14="http://schemas.microsoft.com/office/powerpoint/2010/main" val="3764349495"/>
-      </p:ext>
-    </p:extLst>
-  </p:cSld>
-  <p:clrMapOvr>
-    <a:masterClrMapping/>
-  </p:clrMapOvr>
-</p:sld>
-</file>
-
-<file path=ppt/slides/slide9.xml><?xml version="1.0" encoding="utf-8"?>
-<p:sld xmlns:a="http://schemas.openxmlformats.org/drawingml/2006/main" xmlns:r="http://schemas.openxmlformats.org/officeDocument/2006/relationships" xmlns:p="http://schemas.openxmlformats.org/presentationml/2006/main" show="0">
-  <p:cSld>
-    <p:spTree>
-      <p:nvGrpSpPr>
-        <p:cNvPr id="1" name=""/>
-        <p:cNvGrpSpPr/>
-        <p:nvPr/>
-      </p:nvGrpSpPr>
-      <p:grpSpPr>
-        <a:xfrm>
-          <a:off x="0" y="0"/>
-          <a:ext cx="0" cy="0"/>
-          <a:chOff x="0" y="0"/>
-          <a:chExt cx="0" cy="0"/>
-        </a:xfrm>
-      </p:grpSpPr>
-      <p:sp>
-        <p:nvSpPr>
-          <p:cNvPr id="2" name="제목 1">
-            <a:extLst>
-              <a:ext uri="{FF2B5EF4-FFF2-40B4-BE49-F238E27FC236}">
-                <a16:creationId xmlns:a16="http://schemas.microsoft.com/office/drawing/2014/main" id="{E35BEC89-0CFB-7F29-D8C7-71B3E64B4D66}"/>
-              </a:ext>
-            </a:extLst>
-          </p:cNvPr>
-          <p:cNvSpPr>
-            <a:spLocks noGrp="1"/>
-          </p:cNvSpPr>
-          <p:nvPr>
-            <p:ph type="title"/>
-          </p:nvPr>
-        </p:nvSpPr>
-        <p:spPr/>
-        <p:txBody>
-          <a:bodyPr/>
-          <a:lstStyle/>
-          <a:p>
-            <a:r>
-              <a:rPr lang="en-US" altLang="ko-KR" dirty="0" err="1"/>
-              <a:t>S4</a:t>
-            </a:r>
-            <a:endParaRPr lang="ko-KR" altLang="en-US" dirty="0"/>
-          </a:p>
-        </p:txBody>
-      </p:sp>
-      <p:sp>
-        <p:nvSpPr>
-          <p:cNvPr id="10" name="직사각형 9">
-            <a:extLst>
-              <a:ext uri="{FF2B5EF4-FFF2-40B4-BE49-F238E27FC236}">
-                <a16:creationId xmlns:a16="http://schemas.microsoft.com/office/drawing/2014/main" id="{F318C6E2-FDDA-8B00-0783-15AA765D0AA6}"/>
-              </a:ext>
-            </a:extLst>
-          </p:cNvPr>
-          <p:cNvSpPr/>
-          <p:nvPr/>
-        </p:nvSpPr>
-        <p:spPr>
-          <a:xfrm>
-            <a:off x="7988400" y="4158041"/>
-            <a:ext cx="2437946" cy="1223682"/>
-          </a:xfrm>
-          <a:prstGeom prst="rect">
-            <a:avLst/>
-          </a:prstGeom>
-          <a:solidFill>
-            <a:schemeClr val="accent4">
-              <a:alpha val="50000"/>
-            </a:schemeClr>
-          </a:solidFill>
-          <a:ln>
-            <a:noFill/>
-          </a:ln>
-        </p:spPr>
-        <p:style>
-          <a:lnRef idx="0">
-            <a:scrgbClr r="0" g="0" b="0"/>
-          </a:lnRef>
-          <a:fillRef idx="0">
-            <a:scrgbClr r="0" g="0" b="0"/>
-          </a:fillRef>
-          <a:effectRef idx="0">
-            <a:scrgbClr r="0" g="0" b="0"/>
-          </a:effectRef>
-          <a:fontRef idx="minor">
-            <a:schemeClr val="lt1"/>
-          </a:fontRef>
-        </p:style>
-        <p:txBody>
-          <a:bodyPr rtlCol="0" anchor="ctr"/>
-          <a:lstStyle/>
-          <a:p>
-            <a:pPr algn="ctr"/>
-            <a:r>
-              <a:rPr lang="en-US" altLang="ko-KR" sz="1200" dirty="0"/>
-              <a:t>R2</a:t>
-            </a:r>
-            <a:endParaRPr lang="ko-KR" altLang="en-US" sz="1200" dirty="0"/>
-          </a:p>
-        </p:txBody>
-      </p:sp>
-      <p:cxnSp>
-        <p:nvCxnSpPr>
-          <p:cNvPr id="13" name="직선 화살표 연결선 12">
-            <a:extLst>
-              <a:ext uri="{FF2B5EF4-FFF2-40B4-BE49-F238E27FC236}">
-                <a16:creationId xmlns:a16="http://schemas.microsoft.com/office/drawing/2014/main" id="{DF6B060D-6633-DD91-FDA7-49A882D2EBE8}"/>
-              </a:ext>
-            </a:extLst>
-          </p:cNvPr>
-          <p:cNvCxnSpPr>
-            <a:cxnSpLocks/>
-            <a:stCxn id="16" idx="3"/>
-            <a:endCxn id="10" idx="1"/>
-          </p:cNvCxnSpPr>
-          <p:nvPr/>
-        </p:nvCxnSpPr>
-        <p:spPr>
-          <a:xfrm>
-            <a:off x="6534526" y="4220068"/>
-            <a:ext cx="1453874" cy="549814"/>
-          </a:xfrm>
-          <a:prstGeom prst="straightConnector1">
-            <a:avLst/>
-          </a:prstGeom>
-          <a:ln w="28575">
-            <a:solidFill>
-              <a:schemeClr val="tx1">
-                <a:lumMod val="75000"/>
-                <a:lumOff val="25000"/>
-              </a:schemeClr>
-            </a:solidFill>
-            <a:tailEnd type="triangle"/>
-          </a:ln>
-        </p:spPr>
-        <p:style>
-          <a:lnRef idx="1">
-            <a:schemeClr val="dk1"/>
-          </a:lnRef>
-          <a:fillRef idx="3">
-            <a:schemeClr val="dk1"/>
-          </a:fillRef>
-          <a:effectRef idx="2">
-            <a:schemeClr val="dk1"/>
-          </a:effectRef>
-          <a:fontRef idx="minor">
-            <a:schemeClr val="lt1"/>
-          </a:fontRef>
-        </p:style>
-      </p:cxnSp>
-      <p:grpSp>
-        <p:nvGrpSpPr>
-          <p:cNvPr id="15" name="그룹 14">
-            <a:extLst>
-              <a:ext uri="{FF2B5EF4-FFF2-40B4-BE49-F238E27FC236}">
-                <a16:creationId xmlns:a16="http://schemas.microsoft.com/office/drawing/2014/main" id="{EEAD2CC3-3FF9-E574-DCC0-CFF9A0A99A95}"/>
-              </a:ext>
-            </a:extLst>
-          </p:cNvPr>
-          <p:cNvGrpSpPr/>
-          <p:nvPr/>
-        </p:nvGrpSpPr>
-        <p:grpSpPr>
-          <a:xfrm>
-            <a:off x="810000" y="2424605"/>
-            <a:ext cx="5724526" cy="3590925"/>
-            <a:chOff x="848416" y="1962150"/>
-            <a:chExt cx="5724526" cy="3590925"/>
-          </a:xfrm>
-        </p:grpSpPr>
-        <p:sp>
-          <p:nvSpPr>
-            <p:cNvPr id="16" name="직사각형 15">
-              <a:extLst>
-                <a:ext uri="{FF2B5EF4-FFF2-40B4-BE49-F238E27FC236}">
-                  <a16:creationId xmlns:a16="http://schemas.microsoft.com/office/drawing/2014/main" id="{B33EEBEF-13AF-E7A3-33A7-C063A7A9FF05}"/>
-                </a:ext>
-              </a:extLst>
-            </p:cNvPr>
-            <p:cNvSpPr/>
-            <p:nvPr/>
-          </p:nvSpPr>
-          <p:spPr>
-            <a:xfrm>
-              <a:off x="848416" y="1962150"/>
-              <a:ext cx="5724526" cy="3590925"/>
-            </a:xfrm>
-            <a:prstGeom prst="rect">
-              <a:avLst/>
-            </a:prstGeom>
-            <a:solidFill>
-              <a:schemeClr val="accent4">
-                <a:alpha val="50000"/>
-              </a:schemeClr>
-            </a:solidFill>
-            <a:ln>
-              <a:noFill/>
-            </a:ln>
-          </p:spPr>
-          <p:style>
-            <a:lnRef idx="0">
-              <a:scrgbClr r="0" g="0" b="0"/>
-            </a:lnRef>
-            <a:fillRef idx="0">
-              <a:scrgbClr r="0" g="0" b="0"/>
-            </a:fillRef>
-            <a:effectRef idx="0">
-              <a:scrgbClr r="0" g="0" b="0"/>
-            </a:effectRef>
-            <a:fontRef idx="minor">
-              <a:schemeClr val="lt1"/>
-            </a:fontRef>
-          </p:style>
-          <p:txBody>
-            <a:bodyPr rtlCol="0" anchor="t"/>
-            <a:lstStyle/>
-            <a:p>
-              <a:pPr algn="ctr"/>
-              <a:r>
-                <a:rPr lang="en-US" altLang="ko-KR" sz="2800" dirty="0">
-                  <a:solidFill>
-                    <a:schemeClr val="tx1"/>
-                  </a:solidFill>
-                </a:rPr>
-                <a:t>R1</a:t>
-              </a:r>
-              <a:endParaRPr lang="ko-KR" altLang="en-US" sz="1200" dirty="0">
-                <a:solidFill>
-                  <a:schemeClr val="tx1"/>
-                </a:solidFill>
-              </a:endParaRPr>
-            </a:p>
-          </p:txBody>
-        </p:sp>
-        <p:grpSp>
-          <p:nvGrpSpPr>
-            <p:cNvPr id="17" name="그룹 16">
-              <a:extLst>
-                <a:ext uri="{FF2B5EF4-FFF2-40B4-BE49-F238E27FC236}">
-                  <a16:creationId xmlns:a16="http://schemas.microsoft.com/office/drawing/2014/main" id="{1032C5B6-6F15-0B71-31AC-6A846F1ABAF9}"/>
-                </a:ext>
-              </a:extLst>
-            </p:cNvPr>
-            <p:cNvGrpSpPr/>
-            <p:nvPr/>
-          </p:nvGrpSpPr>
-          <p:grpSpPr>
-            <a:xfrm>
-              <a:off x="1405973" y="2441441"/>
-              <a:ext cx="4398681" cy="2664805"/>
-              <a:chOff x="1314450" y="2476500"/>
-              <a:chExt cx="4476750" cy="3177475"/>
-            </a:xfrm>
-          </p:grpSpPr>
-          <p:sp>
-            <p:nvSpPr>
-              <p:cNvPr id="18" name="타원 17">
-                <a:extLst>
-                  <a:ext uri="{FF2B5EF4-FFF2-40B4-BE49-F238E27FC236}">
-                    <a16:creationId xmlns:a16="http://schemas.microsoft.com/office/drawing/2014/main" id="{4799297C-C1B1-B459-CA8E-C18F6B037C8E}"/>
-                  </a:ext>
-                </a:extLst>
-              </p:cNvPr>
-              <p:cNvSpPr/>
-              <p:nvPr/>
-            </p:nvSpPr>
-            <p:spPr>
-              <a:xfrm>
-                <a:off x="1314450" y="2476500"/>
-                <a:ext cx="1733550" cy="952500"/>
-              </a:xfrm>
-              <a:prstGeom prst="ellipse">
-                <a:avLst/>
-              </a:prstGeom>
-              <a:solidFill>
-                <a:schemeClr val="accent4">
-                  <a:alpha val="50000"/>
-                </a:schemeClr>
-              </a:solidFill>
-              <a:ln>
-                <a:noFill/>
-              </a:ln>
-            </p:spPr>
-            <p:style>
-              <a:lnRef idx="0">
-                <a:scrgbClr r="0" g="0" b="0"/>
-              </a:lnRef>
-              <a:fillRef idx="0">
-                <a:scrgbClr r="0" g="0" b="0"/>
-              </a:fillRef>
-              <a:effectRef idx="0">
-                <a:scrgbClr r="0" g="0" b="0"/>
-              </a:effectRef>
-              <a:fontRef idx="minor">
-                <a:schemeClr val="lt1"/>
-              </a:fontRef>
-            </p:style>
-            <p:txBody>
-              <a:bodyPr rtlCol="0" anchor="ctr"/>
-              <a:lstStyle/>
-              <a:p>
-                <a:pPr algn="ctr"/>
-                <a:r>
-                  <a:rPr lang="en-US" altLang="ko-KR" dirty="0" err="1"/>
-                  <a:t>rbt</a:t>
-                </a:r>
-                <a:r>
-                  <a:rPr lang="en-US" altLang="ko-KR" dirty="0"/>
-                  <a:t> $HOME</a:t>
-                </a:r>
-                <a:endParaRPr lang="ko-KR" altLang="en-US" dirty="0"/>
-              </a:p>
-            </p:txBody>
-          </p:sp>
-          <p:sp>
-            <p:nvSpPr>
-              <p:cNvPr id="19" name="타원 18">
-                <a:extLst>
-                  <a:ext uri="{FF2B5EF4-FFF2-40B4-BE49-F238E27FC236}">
-                    <a16:creationId xmlns:a16="http://schemas.microsoft.com/office/drawing/2014/main" id="{BC1C2AB1-53C2-3134-39D7-821DDE64FCA6}"/>
-                  </a:ext>
-                </a:extLst>
-              </p:cNvPr>
-              <p:cNvSpPr/>
-              <p:nvPr/>
-            </p:nvSpPr>
-            <p:spPr>
-              <a:xfrm>
-                <a:off x="4057650" y="3971925"/>
-                <a:ext cx="1733550" cy="952500"/>
-              </a:xfrm>
-              <a:prstGeom prst="ellipse">
-                <a:avLst/>
-              </a:prstGeom>
-              <a:solidFill>
-                <a:schemeClr val="accent4">
-                  <a:alpha val="50000"/>
-                </a:schemeClr>
-              </a:solidFill>
-              <a:ln>
-                <a:noFill/>
-              </a:ln>
-            </p:spPr>
-            <p:style>
-              <a:lnRef idx="0">
-                <a:scrgbClr r="0" g="0" b="0"/>
-              </a:lnRef>
-              <a:fillRef idx="0">
-                <a:scrgbClr r="0" g="0" b="0"/>
-              </a:fillRef>
-              <a:effectRef idx="0">
-                <a:scrgbClr r="0" g="0" b="0"/>
-              </a:effectRef>
-              <a:fontRef idx="minor">
-                <a:schemeClr val="lt1"/>
-              </a:fontRef>
-            </p:style>
-            <p:txBody>
-              <a:bodyPr rtlCol="0" anchor="ctr"/>
-              <a:lstStyle/>
-              <a:p>
-                <a:pPr algn="ctr"/>
-                <a:r>
-                  <a:rPr lang="en-US" altLang="ko-KR" dirty="0" err="1"/>
-                  <a:t>rbt</a:t>
-                </a:r>
-                <a:r>
-                  <a:rPr lang="en-US" altLang="ko-KR" dirty="0"/>
-                  <a:t> $RESET</a:t>
-                </a:r>
-                <a:endParaRPr lang="ko-KR" altLang="en-US" dirty="0"/>
-              </a:p>
-            </p:txBody>
-          </p:sp>
-          <p:sp>
-            <p:nvSpPr>
-              <p:cNvPr id="4" name="타원 3">
-                <a:extLst>
-                  <a:ext uri="{FF2B5EF4-FFF2-40B4-BE49-F238E27FC236}">
-                    <a16:creationId xmlns:a16="http://schemas.microsoft.com/office/drawing/2014/main" id="{AD3365E1-D35C-FE4D-703E-BEE7333389C4}"/>
-                  </a:ext>
-                </a:extLst>
-              </p:cNvPr>
-              <p:cNvSpPr/>
-              <p:nvPr/>
-            </p:nvSpPr>
-            <p:spPr>
-              <a:xfrm>
-                <a:off x="1476471" y="4701475"/>
-                <a:ext cx="1733550" cy="952500"/>
-              </a:xfrm>
-              <a:prstGeom prst="ellipse">
-                <a:avLst/>
-              </a:prstGeom>
-              <a:solidFill>
-                <a:schemeClr val="accent4">
-                  <a:alpha val="50000"/>
-                </a:schemeClr>
-              </a:solidFill>
-              <a:ln>
-                <a:noFill/>
-              </a:ln>
-            </p:spPr>
-            <p:style>
-              <a:lnRef idx="0">
-                <a:scrgbClr r="0" g="0" b="0"/>
-              </a:lnRef>
-              <a:fillRef idx="0">
-                <a:scrgbClr r="0" g="0" b="0"/>
-              </a:fillRef>
-              <a:effectRef idx="0">
-                <a:scrgbClr r="0" g="0" b="0"/>
-              </a:effectRef>
-              <a:fontRef idx="minor">
-                <a:schemeClr val="lt1"/>
-              </a:fontRef>
-            </p:style>
-            <p:txBody>
-              <a:bodyPr rtlCol="0" anchor="ctr"/>
-              <a:lstStyle/>
-              <a:p>
-                <a:pPr algn="ctr"/>
-                <a:r>
-                  <a:rPr lang="en-US" altLang="ko-KR" dirty="0" err="1"/>
-                  <a:t>rbt</a:t>
-                </a:r>
-                <a:r>
-                  <a:rPr lang="en-US" altLang="ko-KR" dirty="0"/>
-                  <a:t> $WELD</a:t>
-                </a:r>
-                <a:endParaRPr lang="ko-KR" altLang="en-US" dirty="0"/>
-              </a:p>
-            </p:txBody>
-          </p:sp>
-        </p:grpSp>
-      </p:grpSp>
-      <p:sp>
-        <p:nvSpPr>
-          <p:cNvPr id="21" name="사각형: 모서리가 접힌 도형 20">
-            <a:extLst>
-              <a:ext uri="{FF2B5EF4-FFF2-40B4-BE49-F238E27FC236}">
-                <a16:creationId xmlns:a16="http://schemas.microsoft.com/office/drawing/2014/main" id="{DB926D2F-DFBD-8412-5ADF-EFF48CDDFE8A}"/>
-              </a:ext>
-            </a:extLst>
-          </p:cNvPr>
-          <p:cNvSpPr/>
-          <p:nvPr/>
-        </p:nvSpPr>
-        <p:spPr>
-          <a:xfrm>
-            <a:off x="9316310" y="2557743"/>
-            <a:ext cx="2437946" cy="1223682"/>
-          </a:xfrm>
-          <a:prstGeom prst="foldedCorner">
-            <a:avLst/>
-          </a:prstGeom>
-          <a:solidFill>
-            <a:schemeClr val="accent3">
-              <a:alpha val="50000"/>
-            </a:schemeClr>
-          </a:solidFill>
-          <a:ln>
-            <a:noFill/>
-          </a:ln>
-        </p:spPr>
-        <p:style>
-          <a:lnRef idx="0">
-            <a:scrgbClr r="0" g="0" b="0"/>
-          </a:lnRef>
-          <a:fillRef idx="0">
-            <a:scrgbClr r="0" g="0" b="0"/>
-          </a:fillRef>
-          <a:effectRef idx="0">
-            <a:scrgbClr r="0" g="0" b="0"/>
-          </a:effectRef>
-          <a:fontRef idx="minor">
-            <a:schemeClr val="lt1"/>
-          </a:fontRef>
-        </p:style>
-        <p:txBody>
-          <a:bodyPr rtlCol="0" anchor="ctr"/>
-          <a:lstStyle/>
-          <a:p>
-            <a:pPr algn="ctr"/>
-            <a:r>
-              <a:rPr lang="en-US" altLang="ko-KR" dirty="0"/>
-              <a:t>Lib/Robot/Weld</a:t>
-            </a:r>
-          </a:p>
-          <a:p>
-            <a:pPr algn="ctr"/>
-            <a:r>
-              <a:rPr lang="en-US" altLang="ko-KR" dirty="0"/>
-              <a:t>[</a:t>
-            </a:r>
-            <a:r>
-              <a:rPr lang="en-US" altLang="ko-KR" dirty="0" err="1"/>
-              <a:t>rbt</a:t>
-            </a:r>
-            <a:r>
-              <a:rPr lang="en-US" altLang="ko-KR" dirty="0"/>
-              <a:t>]</a:t>
-            </a:r>
-            <a:endParaRPr lang="ko-KR" altLang="en-US" dirty="0"/>
-          </a:p>
-        </p:txBody>
-      </p:sp>
-      <p:sp>
-        <p:nvSpPr>
-          <p:cNvPr id="22" name="TextBox 21">
-            <a:extLst>
-              <a:ext uri="{FF2B5EF4-FFF2-40B4-BE49-F238E27FC236}">
-                <a16:creationId xmlns:a16="http://schemas.microsoft.com/office/drawing/2014/main" id="{0772646A-C193-829E-B2AE-9749CB2CD9D4}"/>
-              </a:ext>
-            </a:extLst>
-          </p:cNvPr>
-          <p:cNvSpPr txBox="1"/>
-          <p:nvPr/>
-        </p:nvSpPr>
-        <p:spPr>
-          <a:xfrm>
-            <a:off x="6817869" y="1861486"/>
-            <a:ext cx="4996881" cy="646331"/>
-          </a:xfrm>
-          <a:prstGeom prst="rect">
-            <a:avLst/>
-          </a:prstGeom>
-          <a:noFill/>
-        </p:spPr>
-        <p:txBody>
-          <a:bodyPr wrap="none" rtlCol="0">
-            <a:spAutoFit/>
-          </a:bodyPr>
-          <a:lstStyle/>
-          <a:p>
-            <a:r>
-              <a:rPr lang="ko-KR" altLang="en-US" dirty="0"/>
-              <a:t>확장정의</a:t>
-            </a:r>
-            <a:r>
-              <a:rPr lang="en-US" altLang="ko-KR" dirty="0"/>
-              <a:t>2 : N </a:t>
-            </a:r>
-            <a:r>
-              <a:rPr lang="ko-KR" altLang="en-US" dirty="0"/>
-              <a:t>숫자 만큼 </a:t>
-            </a:r>
-            <a:endParaRPr lang="en-US" altLang="ko-KR" dirty="0"/>
-          </a:p>
-          <a:p>
-            <a:r>
-              <a:rPr lang="en-US" altLang="ko-KR" dirty="0"/>
-              <a:t>groupName1~ groupNameN Loading </a:t>
-            </a:r>
-            <a:r>
-              <a:rPr lang="ko-KR" altLang="en-US" dirty="0"/>
-              <a:t>한다</a:t>
-            </a:r>
-            <a:r>
-              <a:rPr lang="en-US" altLang="ko-KR" dirty="0"/>
-              <a:t>.</a:t>
-            </a:r>
-          </a:p>
-        </p:txBody>
-      </p:sp>
-    </p:spTree>
-    <p:extLst>
-      <p:ext uri="{BB962C8B-B14F-4D97-AF65-F5344CB8AC3E}">
-        <p14:creationId xmlns:p14="http://schemas.microsoft.com/office/powerpoint/2010/main" val="2615603508"/>
       </p:ext>
     </p:extLst>
   </p:cSld>

--- a/DsDotNet/src/UnitTest/UnitTest.Model/ImportOfficeExample/Sample/KIT.pptx
+++ b/DsDotNet/src/UnitTest/UnitTest.Model/ImportOfficeExample/Sample/KIT.pptx
@@ -11,7 +11,7 @@
     <p:handoutMasterId r:id="rId20"/>
   </p:handoutMasterIdLst>
   <p:sldIdLst>
-    <p:sldId id="614" r:id="rId2"/>
+    <p:sldId id="725" r:id="rId2"/>
     <p:sldId id="724" r:id="rId3"/>
     <p:sldId id="719" r:id="rId4"/>
     <p:sldId id="720" r:id="rId5"/>
@@ -231,7 +231,7 @@
           <a:p>
             <a:fld id="{DD503887-5801-43A0-AEF9-041E8DDC2558}" type="datetimeFigureOut">
               <a:rPr lang="ko-KR" altLang="en-US" smtClean="0"/>
-              <a:t>2023-08-30</a:t>
+              <a:t>2023-09-05</a:t>
             </a:fld>
             <a:endParaRPr lang="ko-KR" altLang="en-US" dirty="0"/>
           </a:p>
@@ -408,7 +408,7 @@
           <a:p>
             <a:fld id="{95336A0E-57B1-4D4C-BD9B-2F72B5943464}" type="datetimeFigureOut">
               <a:rPr lang="ko-KR" altLang="en-US" smtClean="0"/>
-              <a:t>2023-08-30</a:t>
+              <a:t>2023-09-05</a:t>
             </a:fld>
             <a:endParaRPr lang="ko-KR" altLang="en-US" dirty="0"/>
           </a:p>
@@ -675,97 +675,6 @@
 </p:notesMaster>
 </file>
 
-<file path=ppt/notesSlides/notesSlide1.xml><?xml version="1.0" encoding="utf-8"?>
-<p:notes xmlns:a="http://schemas.openxmlformats.org/drawingml/2006/main" xmlns:r="http://schemas.openxmlformats.org/officeDocument/2006/relationships" xmlns:p="http://schemas.openxmlformats.org/presentationml/2006/main">
-  <p:cSld>
-    <p:spTree>
-      <p:nvGrpSpPr>
-        <p:cNvPr id="1" name=""/>
-        <p:cNvGrpSpPr/>
-        <p:nvPr/>
-      </p:nvGrpSpPr>
-      <p:grpSpPr>
-        <a:xfrm>
-          <a:off x="0" y="0"/>
-          <a:ext cx="0" cy="0"/>
-          <a:chOff x="0" y="0"/>
-          <a:chExt cx="0" cy="0"/>
-        </a:xfrm>
-      </p:grpSpPr>
-      <p:sp>
-        <p:nvSpPr>
-          <p:cNvPr id="2" name="슬라이드 이미지 개체 틀 1"/>
-          <p:cNvSpPr>
-            <a:spLocks noGrp="1" noRot="1" noChangeAspect="1"/>
-          </p:cNvSpPr>
-          <p:nvPr>
-            <p:ph type="sldImg"/>
-          </p:nvPr>
-        </p:nvSpPr>
-        <p:spPr/>
-      </p:sp>
-      <p:sp>
-        <p:nvSpPr>
-          <p:cNvPr id="3" name="슬라이드 노트 개체 틀 2"/>
-          <p:cNvSpPr>
-            <a:spLocks noGrp="1"/>
-          </p:cNvSpPr>
-          <p:nvPr>
-            <p:ph type="body" idx="1"/>
-          </p:nvPr>
-        </p:nvSpPr>
-        <p:spPr/>
-        <p:txBody>
-          <a:bodyPr/>
-          <a:lstStyle/>
-          <a:p>
-            <a:endParaRPr lang="en-US" altLang="ko-KR" sz="1800" b="1" i="0" u="none" strike="noStrike" dirty="0">
-              <a:solidFill>
-                <a:srgbClr val="000000"/>
-              </a:solidFill>
-              <a:effectLst/>
-              <a:latin typeface="맑은 고딕" panose="020B0503020000020004" pitchFamily="50" charset="-127"/>
-              <a:ea typeface="맑은 고딕" panose="020B0503020000020004" pitchFamily="50" charset="-127"/>
-            </a:endParaRPr>
-          </a:p>
-        </p:txBody>
-      </p:sp>
-      <p:sp>
-        <p:nvSpPr>
-          <p:cNvPr id="4" name="슬라이드 번호 개체 틀 3"/>
-          <p:cNvSpPr>
-            <a:spLocks noGrp="1"/>
-          </p:cNvSpPr>
-          <p:nvPr>
-            <p:ph type="sldNum" sz="quarter" idx="5"/>
-          </p:nvPr>
-        </p:nvSpPr>
-        <p:spPr/>
-        <p:txBody>
-          <a:bodyPr/>
-          <a:lstStyle/>
-          <a:p>
-            <a:fld id="{2978587B-688C-4F1D-9D92-1BF3667CE9B1}" type="slidenum">
-              <a:rPr lang="ko-KR" altLang="en-US" smtClean="0"/>
-              <a:t>1</a:t>
-            </a:fld>
-            <a:endParaRPr lang="ko-KR" altLang="en-US" dirty="0"/>
-          </a:p>
-        </p:txBody>
-      </p:sp>
-    </p:spTree>
-    <p:extLst>
-      <p:ext uri="{BB962C8B-B14F-4D97-AF65-F5344CB8AC3E}">
-        <p14:creationId xmlns:p14="http://schemas.microsoft.com/office/powerpoint/2010/main" val="3849044470"/>
-      </p:ext>
-    </p:extLst>
-  </p:cSld>
-  <p:clrMapOvr>
-    <a:masterClrMapping/>
-  </p:clrMapOvr>
-</p:notes>
-</file>
-
 <file path=ppt/slideLayouts/slideLayout1.xml><?xml version="1.0" encoding="utf-8"?>
 <p:sldLayout xmlns:a="http://schemas.openxmlformats.org/drawingml/2006/main" xmlns:r="http://schemas.openxmlformats.org/officeDocument/2006/relationships" xmlns:p="http://schemas.openxmlformats.org/presentationml/2006/main" type="title" preserve="1">
   <p:cSld name="제목 슬라이드">
@@ -913,7 +822,7 @@
           <a:p>
             <a:fld id="{229D12C7-0FF5-4972-A033-474EFFC79F40}" type="datetime1">
               <a:rPr lang="ko-KR" altLang="en-US" smtClean="0"/>
-              <a:t>2023-08-30</a:t>
+              <a:t>2023-09-05</a:t>
             </a:fld>
             <a:endParaRPr lang="ko-KR" altLang="en-US" dirty="0"/>
           </a:p>
@@ -1111,7 +1020,7 @@
           <a:p>
             <a:fld id="{5BA19FD4-B052-4F56-8FD8-EAFD078DEFB0}" type="datetime1">
               <a:rPr lang="ko-KR" altLang="en-US" smtClean="0"/>
-              <a:t>2023-08-30</a:t>
+              <a:t>2023-09-05</a:t>
             </a:fld>
             <a:endParaRPr lang="ko-KR" altLang="en-US" dirty="0"/>
           </a:p>
@@ -1319,7 +1228,7 @@
           <a:p>
             <a:fld id="{024994B9-23A6-4B0A-A038-AC140E83DAA3}" type="datetime1">
               <a:rPr lang="ko-KR" altLang="en-US" smtClean="0"/>
-              <a:t>2023-08-30</a:t>
+              <a:t>2023-09-05</a:t>
             </a:fld>
             <a:endParaRPr lang="ko-KR" altLang="en-US" dirty="0"/>
           </a:p>
@@ -1461,7 +1370,7 @@
           <a:p>
             <a:fld id="{B5B1BBC2-B738-4C35-AEE5-660EB2DEB482}" type="datetime1">
               <a:rPr lang="ko-KR" altLang="en-US" smtClean="0"/>
-              <a:t>2023-08-30</a:t>
+              <a:t>2023-09-05</a:t>
             </a:fld>
             <a:endParaRPr lang="ko-KR" altLang="en-US" dirty="0"/>
           </a:p>
@@ -6128,7 +6037,7 @@
           <a:p>
             <a:fld id="{70D0DAB2-87CB-4028-B965-3AA710ADF2CB}" type="datetime1">
               <a:rPr lang="ko-KR" altLang="en-US" smtClean="0"/>
-              <a:t>2023-08-30</a:t>
+              <a:t>2023-09-05</a:t>
             </a:fld>
             <a:endParaRPr lang="ko-KR" altLang="en-US" dirty="0"/>
           </a:p>
@@ -6403,7 +6312,7 @@
           <a:p>
             <a:fld id="{63FA3D71-FEA8-477F-9D1E-EA860F411BC7}" type="datetime1">
               <a:rPr lang="ko-KR" altLang="en-US" smtClean="0"/>
-              <a:t>2023-08-30</a:t>
+              <a:t>2023-09-05</a:t>
             </a:fld>
             <a:endParaRPr lang="ko-KR" altLang="en-US" dirty="0"/>
           </a:p>
@@ -6668,7 +6577,7 @@
           <a:p>
             <a:fld id="{F58E3EF4-7980-4C97-BA64-EC66995BB574}" type="datetime1">
               <a:rPr lang="ko-KR" altLang="en-US" smtClean="0"/>
-              <a:t>2023-08-30</a:t>
+              <a:t>2023-09-05</a:t>
             </a:fld>
             <a:endParaRPr lang="ko-KR" altLang="en-US" dirty="0"/>
           </a:p>
@@ -7080,7 +6989,7 @@
           <a:p>
             <a:fld id="{FC9BC1D0-7D6B-4634-9D19-644040D74EAE}" type="datetime1">
               <a:rPr lang="ko-KR" altLang="en-US" smtClean="0"/>
-              <a:t>2023-08-30</a:t>
+              <a:t>2023-09-05</a:t>
             </a:fld>
             <a:endParaRPr lang="ko-KR" altLang="en-US" dirty="0"/>
           </a:p>
@@ -7221,7 +7130,7 @@
           <a:p>
             <a:fld id="{B5B1BBC2-B738-4C35-AEE5-660EB2DEB482}" type="datetime1">
               <a:rPr lang="ko-KR" altLang="en-US" smtClean="0"/>
-              <a:t>2023-08-30</a:t>
+              <a:t>2023-09-05</a:t>
             </a:fld>
             <a:endParaRPr lang="ko-KR" altLang="en-US" dirty="0"/>
           </a:p>
@@ -11803,7 +11712,7 @@
           <a:p>
             <a:fld id="{C60E9F93-7E77-4F36-B88C-A425F00C8D91}" type="datetime1">
               <a:rPr lang="ko-KR" altLang="en-US" smtClean="0"/>
-              <a:t>2023-08-30</a:t>
+              <a:t>2023-09-05</a:t>
             </a:fld>
             <a:endParaRPr lang="ko-KR" altLang="en-US" dirty="0"/>
           </a:p>
@@ -12114,7 +12023,7 @@
           <a:p>
             <a:fld id="{36BCCD0E-2A54-4016-BFFC-FEAABCDA6915}" type="datetime1">
               <a:rPr lang="ko-KR" altLang="en-US" smtClean="0"/>
-              <a:t>2023-08-30</a:t>
+              <a:t>2023-09-05</a:t>
             </a:fld>
             <a:endParaRPr lang="ko-KR" altLang="en-US" dirty="0"/>
           </a:p>
@@ -12402,7 +12311,7 @@
           <a:p>
             <a:fld id="{C984B0C4-64BA-4E4C-B5E6-A51EE3F6ED95}" type="datetime1">
               <a:rPr lang="ko-KR" altLang="en-US" smtClean="0"/>
-              <a:t>2023-08-30</a:t>
+              <a:t>2023-09-05</a:t>
             </a:fld>
             <a:endParaRPr lang="ko-KR" altLang="en-US" dirty="0"/>
           </a:p>
@@ -12644,7 +12553,7 @@
           <a:p>
             <a:fld id="{C984B0C4-64BA-4E4C-B5E6-A51EE3F6ED95}" type="datetime1">
               <a:rPr lang="ko-KR" altLang="en-US" smtClean="0"/>
-              <a:t>2023-08-30</a:t>
+              <a:t>2023-09-05</a:t>
             </a:fld>
             <a:endParaRPr lang="ko-KR" altLang="en-US" dirty="0"/>
           </a:p>
@@ -13068,7 +12977,7 @@
           <p:cNvPr id="2" name="제목 1">
             <a:extLst>
               <a:ext uri="{FF2B5EF4-FFF2-40B4-BE49-F238E27FC236}">
-                <a16:creationId xmlns:a16="http://schemas.microsoft.com/office/drawing/2014/main" id="{906373DA-D594-D6CA-7490-0D2574635419}"/>
+                <a16:creationId xmlns:a16="http://schemas.microsoft.com/office/drawing/2014/main" id="{227B9DF2-8605-7EAE-3AC6-D565BA4FBD22}"/>
               </a:ext>
             </a:extLst>
           </p:cNvPr>
@@ -13085,37 +12994,8 @@
           <a:lstStyle/>
           <a:p>
             <a:r>
-              <a:rPr lang="en-US" altLang="ko-KR" dirty="0"/>
-              <a:t>DS KIT Test</a:t>
-            </a:r>
-            <a:endParaRPr lang="ko-KR" altLang="en-US" dirty="0"/>
-          </a:p>
-        </p:txBody>
-      </p:sp>
-      <p:sp>
-        <p:nvSpPr>
-          <p:cNvPr id="3" name="부제목 2">
-            <a:extLst>
-              <a:ext uri="{FF2B5EF4-FFF2-40B4-BE49-F238E27FC236}">
-                <a16:creationId xmlns:a16="http://schemas.microsoft.com/office/drawing/2014/main" id="{5BCD5CBE-FF14-72D9-95EB-D9C1184B5E93}"/>
-              </a:ext>
-            </a:extLst>
-          </p:cNvPr>
-          <p:cNvSpPr>
-            <a:spLocks noGrp="1"/>
-          </p:cNvSpPr>
-          <p:nvPr>
-            <p:ph type="subTitle" idx="1"/>
-          </p:nvPr>
-        </p:nvSpPr>
-        <p:spPr/>
-        <p:txBody>
-          <a:bodyPr/>
-          <a:lstStyle/>
-          <a:p>
-            <a:r>
-              <a:rPr lang="en-US" altLang="ko-KR" dirty="0"/>
-              <a:t>Dualsoft.com</a:t>
+              <a:rPr lang="ko-KR" altLang="en-US" dirty="0" err="1"/>
+              <a:t>ㅏㅑㅅ</a:t>
             </a:r>
             <a:endParaRPr lang="ko-KR" altLang="en-US" dirty="0"/>
           </a:p>
@@ -13123,10 +13003,10 @@
       </p:sp>
       <p:graphicFrame>
         <p:nvGraphicFramePr>
-          <p:cNvPr id="5" name="표 4">
+          <p:cNvPr id="4" name="표 3">
             <a:extLst>
               <a:ext uri="{FF2B5EF4-FFF2-40B4-BE49-F238E27FC236}">
-                <a16:creationId xmlns:a16="http://schemas.microsoft.com/office/drawing/2014/main" id="{0185C642-C885-17E4-5D9B-F6CA07186550}"/>
+                <a16:creationId xmlns:a16="http://schemas.microsoft.com/office/drawing/2014/main" id="{AFEF0DF2-34BC-0971-4BFD-65845F6B4B6A}"/>
               </a:ext>
             </a:extLst>
           </p:cNvPr>
@@ -13136,4396 +13016,5144 @@
           <p:nvPr>
             <p:extLst>
               <p:ext uri="{D42A27DB-BD31-4B8C-83A1-F6EECF244321}">
-                <p14:modId xmlns:p14="http://schemas.microsoft.com/office/powerpoint/2010/main" val="2430057559"/>
+                <p14:modId xmlns:p14="http://schemas.microsoft.com/office/powerpoint/2010/main" val="1061875737"/>
               </p:ext>
             </p:extLst>
           </p:nvPr>
         </p:nvGraphicFramePr>
         <p:xfrm>
-          <a:off x="8891270" y="2093222"/>
-          <a:ext cx="3187547" cy="4351332"/>
+          <a:off x="4502428" y="592798"/>
+          <a:ext cx="7225750" cy="5672429"/>
         </p:xfrm>
         <a:graphic>
           <a:graphicData uri="http://schemas.openxmlformats.org/drawingml/2006/table">
             <a:tbl>
-              <a:tblPr>
-                <a:tableStyleId>{5C22544A-7EE6-4342-B048-85BDC9FD1C3A}</a:tableStyleId>
+              <a:tblPr firstRow="1" bandRow="1">
+                <a:tableStyleId>{8EC20E35-A176-4012-BC5E-935CFFF8708E}</a:tableStyleId>
               </a:tblPr>
               <a:tblGrid>
-                <a:gridCol w="403109">
+                <a:gridCol w="887751">
                   <a:extLst>
                     <a:ext uri="{9D8B030D-6E8A-4147-A177-3AD203B41FA5}">
-                      <a16:colId xmlns:a16="http://schemas.microsoft.com/office/drawing/2014/main" val="3658513347"/>
+                      <a16:colId xmlns:a16="http://schemas.microsoft.com/office/drawing/2014/main" val="2251431640"/>
                     </a:ext>
                   </a:extLst>
                 </a:gridCol>
-                <a:gridCol w="768893">
+                <a:gridCol w="1571545">
                   <a:extLst>
                     <a:ext uri="{9D8B030D-6E8A-4147-A177-3AD203B41FA5}">
-                      <a16:colId xmlns:a16="http://schemas.microsoft.com/office/drawing/2014/main" val="2380072438"/>
+                      <a16:colId xmlns:a16="http://schemas.microsoft.com/office/drawing/2014/main" val="3681835994"/>
                     </a:ext>
                   </a:extLst>
                 </a:gridCol>
-                <a:gridCol w="403109">
+                <a:gridCol w="998040">
                   <a:extLst>
                     <a:ext uri="{9D8B030D-6E8A-4147-A177-3AD203B41FA5}">
-                      <a16:colId xmlns:a16="http://schemas.microsoft.com/office/drawing/2014/main" val="2871941780"/>
+                      <a16:colId xmlns:a16="http://schemas.microsoft.com/office/drawing/2014/main" val="1987035367"/>
                     </a:ext>
                   </a:extLst>
                 </a:gridCol>
-                <a:gridCol w="403109">
+                <a:gridCol w="696134">
                   <a:extLst>
                     <a:ext uri="{9D8B030D-6E8A-4147-A177-3AD203B41FA5}">
-                      <a16:colId xmlns:a16="http://schemas.microsoft.com/office/drawing/2014/main" val="2512778719"/>
+                      <a16:colId xmlns:a16="http://schemas.microsoft.com/office/drawing/2014/main" val="499328500"/>
                     </a:ext>
                   </a:extLst>
                 </a:gridCol>
-                <a:gridCol w="403109">
+                <a:gridCol w="805896">
                   <a:extLst>
                     <a:ext uri="{9D8B030D-6E8A-4147-A177-3AD203B41FA5}">
-                      <a16:colId xmlns:a16="http://schemas.microsoft.com/office/drawing/2014/main" val="1450705809"/>
+                      <a16:colId xmlns:a16="http://schemas.microsoft.com/office/drawing/2014/main" val="2962647669"/>
                     </a:ext>
                   </a:extLst>
                 </a:gridCol>
-                <a:gridCol w="403109">
+                <a:gridCol w="1606837">
                   <a:extLst>
                     <a:ext uri="{9D8B030D-6E8A-4147-A177-3AD203B41FA5}">
-                      <a16:colId xmlns:a16="http://schemas.microsoft.com/office/drawing/2014/main" val="3334242351"/>
+                      <a16:colId xmlns:a16="http://schemas.microsoft.com/office/drawing/2014/main" val="1479071983"/>
                     </a:ext>
                   </a:extLst>
                 </a:gridCol>
-                <a:gridCol w="403109">
+                <a:gridCol w="659547">
                   <a:extLst>
                     <a:ext uri="{9D8B030D-6E8A-4147-A177-3AD203B41FA5}">
-                      <a16:colId xmlns:a16="http://schemas.microsoft.com/office/drawing/2014/main" val="4062454340"/>
+                      <a16:colId xmlns:a16="http://schemas.microsoft.com/office/drawing/2014/main" val="4190576125"/>
                     </a:ext>
                   </a:extLst>
                 </a:gridCol>
               </a:tblGrid>
-              <a:tr h="123172">
+              <a:tr h="195601">
                 <a:tc>
                   <a:txBody>
                     <a:bodyPr/>
                     <a:lstStyle/>
                     <a:p>
-                      <a:pPr algn="l" fontAlgn="ctr"/>
+                      <a:pPr algn="ctr" rtl="0" fontAlgn="ctr"/>
                       <a:r>
-                        <a:rPr lang="en-US" sz="600" u="none" strike="noStrike">
+                        <a:rPr lang="en-US" sz="1000" u="none" strike="noStrike">
                           <a:effectLst/>
                         </a:rPr>
                         <a:t>Case</a:t>
                       </a:r>
-                      <a:endParaRPr lang="en-US" sz="600" b="0" i="0" u="none" strike="noStrike">
+                      <a:endParaRPr lang="en-US" sz="1000" b="0" i="0" u="none" strike="noStrike">
                         <a:solidFill>
                           <a:srgbClr val="000000"/>
                         </a:solidFill>
                         <a:effectLst/>
-                        <a:latin typeface="맑은 고딕" panose="020B0503020000020004" pitchFamily="50" charset="-127"/>
+                        <a:latin typeface="Tahoma" panose="020B0604030504040204" pitchFamily="34" charset="0"/>
                         <a:ea typeface="맑은 고딕" panose="020B0503020000020004" pitchFamily="50" charset="-127"/>
                       </a:endParaRPr>
                     </a:p>
                   </a:txBody>
-                  <a:tcPr marL="5599" marR="5599" marT="5599" marB="0" anchor="ctr"/>
+                  <a:tcPr marL="6584" marR="6584" marT="6584" marB="0" anchor="ctr"/>
                 </a:tc>
                 <a:tc>
                   <a:txBody>
                     <a:bodyPr/>
                     <a:lstStyle/>
                     <a:p>
-                      <a:pPr algn="l" fontAlgn="ctr"/>
+                      <a:pPr algn="ctr" rtl="0" fontAlgn="ctr"/>
                       <a:r>
-                        <a:rPr lang="en-US" sz="600" u="none" strike="noStrike">
+                        <a:rPr lang="en-US" sz="1000" u="none" strike="noStrike">
                           <a:effectLst/>
                         </a:rPr>
                         <a:t>Name</a:t>
                       </a:r>
-                      <a:endParaRPr lang="en-US" sz="600" b="0" i="0" u="none" strike="noStrike">
+                      <a:endParaRPr lang="en-US" sz="1000" b="0" i="0" u="none" strike="noStrike">
                         <a:solidFill>
                           <a:srgbClr val="000000"/>
                         </a:solidFill>
                         <a:effectLst/>
-                        <a:latin typeface="맑은 고딕" panose="020B0503020000020004" pitchFamily="50" charset="-127"/>
+                        <a:latin typeface="Tahoma" panose="020B0604030504040204" pitchFamily="34" charset="0"/>
                         <a:ea typeface="맑은 고딕" panose="020B0503020000020004" pitchFamily="50" charset="-127"/>
                       </a:endParaRPr>
                     </a:p>
                   </a:txBody>
-                  <a:tcPr marL="5599" marR="5599" marT="5599" marB="0" anchor="ctr"/>
+                  <a:tcPr marL="6584" marR="6584" marT="6584" marB="0" anchor="ctr"/>
                 </a:tc>
                 <a:tc>
                   <a:txBody>
                     <a:bodyPr/>
                     <a:lstStyle/>
                     <a:p>
-                      <a:pPr algn="l" fontAlgn="ctr"/>
+                      <a:pPr algn="ctr" rtl="0" fontAlgn="ctr"/>
                       <a:r>
-                        <a:rPr lang="en-US" sz="600" u="none" strike="noStrike">
+                        <a:rPr lang="en-US" sz="1000" u="none" strike="noStrike">
                           <a:effectLst/>
                         </a:rPr>
                         <a:t>Data Type</a:t>
                       </a:r>
-                      <a:endParaRPr lang="en-US" sz="600" b="0" i="0" u="none" strike="noStrike">
+                      <a:endParaRPr lang="en-US" sz="1000" b="0" i="0" u="none" strike="noStrike">
                         <a:solidFill>
                           <a:srgbClr val="000000"/>
                         </a:solidFill>
                         <a:effectLst/>
-                        <a:latin typeface="맑은 고딕" panose="020B0503020000020004" pitchFamily="50" charset="-127"/>
+                        <a:latin typeface="Tahoma" panose="020B0604030504040204" pitchFamily="34" charset="0"/>
                         <a:ea typeface="맑은 고딕" panose="020B0503020000020004" pitchFamily="50" charset="-127"/>
                       </a:endParaRPr>
                     </a:p>
                   </a:txBody>
-                  <a:tcPr marL="5599" marR="5599" marT="5599" marB="0" anchor="ctr"/>
+                  <a:tcPr marL="6584" marR="6584" marT="6584" marB="0" anchor="ctr"/>
                 </a:tc>
                 <a:tc>
                   <a:txBody>
                     <a:bodyPr/>
                     <a:lstStyle/>
                     <a:p>
-                      <a:pPr algn="ctr" fontAlgn="b"/>
+                      <a:pPr algn="ctr" rtl="0" fontAlgn="ctr"/>
                       <a:r>
-                        <a:rPr lang="en-US" sz="600" u="none" strike="noStrike">
+                        <a:rPr lang="en-US" sz="1000" u="none" strike="noStrike">
                           <a:effectLst/>
                         </a:rPr>
                         <a:t>Input</a:t>
                       </a:r>
-                      <a:endParaRPr lang="en-US" sz="600" b="0" i="0" u="none" strike="noStrike">
+                      <a:endParaRPr lang="en-US" sz="1000" b="0" i="0" u="none" strike="noStrike">
                         <a:solidFill>
                           <a:srgbClr val="000000"/>
                         </a:solidFill>
                         <a:effectLst/>
-                        <a:latin typeface="맑은 고딕" panose="020B0503020000020004" pitchFamily="50" charset="-127"/>
+                        <a:latin typeface="Tahoma" panose="020B0604030504040204" pitchFamily="34" charset="0"/>
                         <a:ea typeface="맑은 고딕" panose="020B0503020000020004" pitchFamily="50" charset="-127"/>
                       </a:endParaRPr>
                     </a:p>
                   </a:txBody>
-                  <a:tcPr marL="5599" marR="5599" marT="5599" marB="0" anchor="b"/>
+                  <a:tcPr marL="6584" marR="6584" marT="6584" marB="0" anchor="ctr"/>
                 </a:tc>
                 <a:tc>
                   <a:txBody>
                     <a:bodyPr/>
                     <a:lstStyle/>
                     <a:p>
-                      <a:pPr algn="l" fontAlgn="ctr"/>
+                      <a:pPr algn="ctr" rtl="0" fontAlgn="ctr"/>
                       <a:r>
-                        <a:rPr lang="en-US" sz="600" u="none" strike="noStrike">
+                        <a:rPr lang="en-US" sz="1000" u="none" strike="noStrike">
                           <a:effectLst/>
                         </a:rPr>
                         <a:t>Output</a:t>
                       </a:r>
-                      <a:endParaRPr lang="en-US" sz="600" b="0" i="0" u="none" strike="noStrike">
+                      <a:endParaRPr lang="en-US" sz="1000" b="0" i="0" u="none" strike="noStrike">
                         <a:solidFill>
                           <a:srgbClr val="000000"/>
                         </a:solidFill>
                         <a:effectLst/>
-                        <a:latin typeface="맑은 고딕" panose="020B0503020000020004" pitchFamily="50" charset="-127"/>
+                        <a:latin typeface="Tahoma" panose="020B0604030504040204" pitchFamily="34" charset="0"/>
                         <a:ea typeface="맑은 고딕" panose="020B0503020000020004" pitchFamily="50" charset="-127"/>
                       </a:endParaRPr>
                     </a:p>
                   </a:txBody>
-                  <a:tcPr marL="5599" marR="5599" marT="5599" marB="0" anchor="ctr"/>
+                  <a:tcPr marL="6584" marR="6584" marT="6584" marB="0" anchor="ctr"/>
                 </a:tc>
                 <a:tc>
                   <a:txBody>
                     <a:bodyPr/>
                     <a:lstStyle/>
                     <a:p>
-                      <a:pPr algn="l" fontAlgn="ctr"/>
+                      <a:pPr algn="ctr" rtl="0" fontAlgn="ctr"/>
                       <a:r>
-                        <a:rPr lang="en-US" sz="600" u="none" strike="noStrike">
+                        <a:rPr lang="en-US" sz="1000" u="none" strike="noStrike">
                           <a:effectLst/>
                         </a:rPr>
                         <a:t>Job</a:t>
                       </a:r>
-                      <a:endParaRPr lang="en-US" sz="600" b="0" i="0" u="none" strike="noStrike">
+                      <a:endParaRPr lang="en-US" sz="1000" b="0" i="0" u="none" strike="noStrike">
                         <a:solidFill>
                           <a:srgbClr val="000000"/>
                         </a:solidFill>
                         <a:effectLst/>
-                        <a:latin typeface="맑은 고딕" panose="020B0503020000020004" pitchFamily="50" charset="-127"/>
+                        <a:latin typeface="Tahoma" panose="020B0604030504040204" pitchFamily="34" charset="0"/>
                         <a:ea typeface="맑은 고딕" panose="020B0503020000020004" pitchFamily="50" charset="-127"/>
                       </a:endParaRPr>
                     </a:p>
                   </a:txBody>
-                  <a:tcPr marL="5599" marR="5599" marT="5599" marB="0" anchor="ctr"/>
+                  <a:tcPr marL="6584" marR="6584" marT="6584" marB="0" anchor="ctr"/>
                 </a:tc>
                 <a:tc>
                   <a:txBody>
                     <a:bodyPr/>
                     <a:lstStyle/>
                     <a:p>
-                      <a:pPr algn="l" fontAlgn="ctr"/>
+                      <a:pPr algn="ctr" rtl="0" fontAlgn="ctr"/>
                       <a:r>
-                        <a:rPr lang="en-US" sz="600" u="none" strike="noStrike">
+                        <a:rPr lang="en-US" sz="1000" u="none" strike="noStrike">
                           <a:effectLst/>
                         </a:rPr>
                         <a:t>Func</a:t>
                       </a:r>
-                      <a:endParaRPr lang="en-US" sz="600" b="0" i="0" u="none" strike="noStrike">
+                      <a:endParaRPr lang="en-US" sz="1000" b="0" i="0" u="none" strike="noStrike">
                         <a:solidFill>
                           <a:srgbClr val="000000"/>
                         </a:solidFill>
                         <a:effectLst/>
-                        <a:latin typeface="맑은 고딕" panose="020B0503020000020004" pitchFamily="50" charset="-127"/>
+                        <a:latin typeface="Tahoma" panose="020B0604030504040204" pitchFamily="34" charset="0"/>
                         <a:ea typeface="맑은 고딕" panose="020B0503020000020004" pitchFamily="50" charset="-127"/>
                       </a:endParaRPr>
                     </a:p>
                   </a:txBody>
-                  <a:tcPr marL="5599" marR="5599" marT="5599" marB="0" anchor="ctr"/>
+                  <a:tcPr marL="6584" marR="6584" marT="6584" marB="0" anchor="ctr"/>
                 </a:tc>
                 <a:extLst>
                   <a:ext uri="{0D108BD9-81ED-4DB2-BD59-A6C34878D82A}">
-                    <a16:rowId xmlns:a16="http://schemas.microsoft.com/office/drawing/2014/main" val="2660218649"/>
+                    <a16:rowId xmlns:a16="http://schemas.microsoft.com/office/drawing/2014/main" val="2512117222"/>
                   </a:ext>
                 </a:extLst>
               </a:tr>
-              <a:tr h="202674">
+              <a:tr h="195601">
                 <a:tc>
                   <a:txBody>
                     <a:bodyPr/>
                     <a:lstStyle/>
                     <a:p>
-                      <a:pPr algn="l" fontAlgn="ctr"/>
+                      <a:pPr algn="l" rtl="0" fontAlgn="ctr"/>
                       <a:r>
-                        <a:rPr lang="ko-KR" altLang="en-US" sz="600" u="none" strike="noStrike">
+                        <a:rPr lang="ko-KR" altLang="en-US" sz="1000" u="none" strike="noStrike">
                           <a:effectLst/>
                         </a:rPr>
                         <a:t>외부주소</a:t>
                       </a:r>
-                      <a:endParaRPr lang="ko-KR" altLang="en-US" sz="600" b="0" i="0" u="none" strike="noStrike">
+                      <a:endParaRPr lang="ko-KR" altLang="en-US" sz="1000" b="0" i="0" u="none" strike="noStrike">
                         <a:solidFill>
                           <a:srgbClr val="000000"/>
                         </a:solidFill>
                         <a:effectLst/>
-                        <a:latin typeface="맑은 고딕" panose="020B0503020000020004" pitchFamily="50" charset="-127"/>
+                        <a:latin typeface="Tahoma" panose="020B0604030504040204" pitchFamily="34" charset="0"/>
                         <a:ea typeface="맑은 고딕" panose="020B0503020000020004" pitchFamily="50" charset="-127"/>
                       </a:endParaRPr>
                     </a:p>
                   </a:txBody>
-                  <a:tcPr marL="5599" marR="5599" marT="5599" marB="0" anchor="ctr"/>
+                  <a:tcPr marL="6584" marR="6584" marT="6584" marB="0" anchor="ctr"/>
                 </a:tc>
                 <a:tc>
                   <a:txBody>
                     <a:bodyPr/>
                     <a:lstStyle/>
                     <a:p>
-                      <a:pPr algn="l" fontAlgn="ctr"/>
+                      <a:pPr algn="l" rtl="0" fontAlgn="ctr"/>
                       <a:r>
-                        <a:rPr lang="en-US" sz="600" u="none" strike="noStrike">
+                        <a:rPr lang="en-US" sz="1000" u="none" strike="noStrike">
                           <a:effectLst/>
                         </a:rPr>
-                        <a:t>S1_STOPPER.ADV</a:t>
+                        <a:t>F10_Pin1.ADV</a:t>
                       </a:r>
-                      <a:endParaRPr lang="en-US" sz="600" b="0" i="0" u="none" strike="noStrike">
+                      <a:endParaRPr lang="en-US" sz="1000" b="0" i="0" u="none" strike="noStrike">
                         <a:solidFill>
                           <a:srgbClr val="000000"/>
                         </a:solidFill>
                         <a:effectLst/>
-                        <a:latin typeface="맑은 고딕" panose="020B0503020000020004" pitchFamily="50" charset="-127"/>
+                        <a:latin typeface="Tahoma" panose="020B0604030504040204" pitchFamily="34" charset="0"/>
                         <a:ea typeface="맑은 고딕" panose="020B0503020000020004" pitchFamily="50" charset="-127"/>
                       </a:endParaRPr>
                     </a:p>
                   </a:txBody>
-                  <a:tcPr marL="5599" marR="5599" marT="5599" marB="0" anchor="ctr"/>
+                  <a:tcPr marL="6584" marR="6584" marT="6584" marB="0" anchor="ctr"/>
                 </a:tc>
                 <a:tc>
                   <a:txBody>
                     <a:bodyPr/>
                     <a:lstStyle/>
                     <a:p>
-                      <a:pPr algn="l" fontAlgn="ctr"/>
+                      <a:pPr algn="l" rtl="0" fontAlgn="ctr"/>
                       <a:r>
-                        <a:rPr lang="en-US" sz="600" u="none" strike="noStrike">
+                        <a:rPr lang="en-US" sz="1000" u="none" strike="noStrike">
                           <a:effectLst/>
                         </a:rPr>
                         <a:t>bool</a:t>
                       </a:r>
-                      <a:endParaRPr lang="en-US" sz="600" b="0" i="0" u="none" strike="noStrike">
+                      <a:endParaRPr lang="en-US" sz="1000" b="0" i="0" u="none" strike="noStrike">
                         <a:solidFill>
                           <a:srgbClr val="000000"/>
                         </a:solidFill>
                         <a:effectLst/>
-                        <a:latin typeface="맑은 고딕" panose="020B0503020000020004" pitchFamily="50" charset="-127"/>
+                        <a:latin typeface="Tahoma" panose="020B0604030504040204" pitchFamily="34" charset="0"/>
                         <a:ea typeface="맑은 고딕" panose="020B0503020000020004" pitchFamily="50" charset="-127"/>
                       </a:endParaRPr>
                     </a:p>
                   </a:txBody>
-                  <a:tcPr marL="5599" marR="5599" marT="5599" marB="0" anchor="ctr"/>
+                  <a:tcPr marL="6584" marR="6584" marT="6584" marB="0" anchor="ctr"/>
                 </a:tc>
                 <a:tc>
                   <a:txBody>
                     <a:bodyPr/>
                     <a:lstStyle/>
                     <a:p>
-                      <a:pPr algn="ctr" fontAlgn="b"/>
+                      <a:pPr algn="l" rtl="0" fontAlgn="ctr"/>
                       <a:r>
-                        <a:rPr lang="en-US" sz="600" u="none" strike="noStrike">
+                        <a:rPr lang="en-US" sz="1000" u="none" strike="noStrike">
                           <a:effectLst/>
                         </a:rPr>
-                        <a:t>I0.5</a:t>
+                        <a:t>I0.2</a:t>
                       </a:r>
-                      <a:endParaRPr lang="en-US" sz="600" b="0" i="0" u="none" strike="noStrike">
+                      <a:endParaRPr lang="en-US" sz="1000" b="0" i="0" u="none" strike="noStrike">
                         <a:solidFill>
                           <a:srgbClr val="000000"/>
                         </a:solidFill>
                         <a:effectLst/>
-                        <a:latin typeface="맑은 고딕" panose="020B0503020000020004" pitchFamily="50" charset="-127"/>
+                        <a:latin typeface="Tahoma" panose="020B0604030504040204" pitchFamily="34" charset="0"/>
                         <a:ea typeface="맑은 고딕" panose="020B0503020000020004" pitchFamily="50" charset="-127"/>
                       </a:endParaRPr>
                     </a:p>
                   </a:txBody>
-                  <a:tcPr marL="5599" marR="5599" marT="5599" marB="0" anchor="b"/>
+                  <a:tcPr marL="6584" marR="6584" marT="6584" marB="0" anchor="ctr"/>
                 </a:tc>
                 <a:tc>
                   <a:txBody>
                     <a:bodyPr/>
                     <a:lstStyle/>
                     <a:p>
-                      <a:pPr algn="ctr" fontAlgn="b"/>
+                      <a:pPr algn="l" rtl="0" fontAlgn="ctr"/>
                       <a:r>
-                        <a:rPr lang="en-US" sz="600" u="none" strike="noStrike">
+                        <a:rPr lang="en-US" sz="1000" u="none" strike="noStrike">
                           <a:effectLst/>
                         </a:rPr>
-                        <a:t>O0.3</a:t>
+                        <a:t>O0.2</a:t>
                       </a:r>
-                      <a:endParaRPr lang="en-US" sz="600" b="0" i="0" u="none" strike="noStrike">
+                      <a:endParaRPr lang="en-US" sz="1000" b="0" i="0" u="none" strike="noStrike">
                         <a:solidFill>
                           <a:srgbClr val="000000"/>
                         </a:solidFill>
                         <a:effectLst/>
-                        <a:latin typeface="맑은 고딕" panose="020B0503020000020004" pitchFamily="50" charset="-127"/>
+                        <a:latin typeface="Tahoma" panose="020B0604030504040204" pitchFamily="34" charset="0"/>
                         <a:ea typeface="맑은 고딕" panose="020B0503020000020004" pitchFamily="50" charset="-127"/>
                       </a:endParaRPr>
                     </a:p>
                   </a:txBody>
-                  <a:tcPr marL="5599" marR="5599" marT="5599" marB="0" anchor="b"/>
+                  <a:tcPr marL="6584" marR="6584" marT="6584" marB="0" anchor="ctr"/>
                 </a:tc>
                 <a:tc>
                   <a:txBody>
                     <a:bodyPr/>
                     <a:lstStyle/>
                     <a:p>
-                      <a:pPr algn="l" fontAlgn="ctr"/>
+                      <a:pPr algn="l" rtl="0" fontAlgn="ctr"/>
                       <a:r>
-                        <a:rPr lang="en-US" sz="600" u="none" strike="noStrike">
+                        <a:rPr lang="en-US" sz="1000" u="none" strike="noStrike">
                           <a:effectLst/>
                         </a:rPr>
-                        <a:t>S1_STOPPER_ADV</a:t>
+                        <a:t>F10_Pin1_ADV</a:t>
                       </a:r>
-                      <a:endParaRPr lang="en-US" sz="600" b="0" i="0" u="none" strike="noStrike">
+                      <a:endParaRPr lang="en-US" sz="1000" b="0" i="0" u="none" strike="noStrike">
                         <a:solidFill>
                           <a:srgbClr val="000000"/>
                         </a:solidFill>
                         <a:effectLst/>
-                        <a:latin typeface="맑은 고딕" panose="020B0503020000020004" pitchFamily="50" charset="-127"/>
+                        <a:latin typeface="Tahoma" panose="020B0604030504040204" pitchFamily="34" charset="0"/>
                         <a:ea typeface="맑은 고딕" panose="020B0503020000020004" pitchFamily="50" charset="-127"/>
                       </a:endParaRPr>
                     </a:p>
                   </a:txBody>
-                  <a:tcPr marL="5599" marR="5599" marT="5599" marB="0" anchor="ctr"/>
+                  <a:tcPr marL="6584" marR="6584" marT="6584" marB="0" anchor="ctr"/>
                 </a:tc>
                 <a:tc>
                   <a:txBody>
                     <a:bodyPr/>
                     <a:lstStyle/>
                     <a:p>
-                      <a:pPr algn="l" fontAlgn="ctr"/>
+                      <a:pPr algn="l" rtl="0" fontAlgn="ctr"/>
                       <a:r>
-                        <a:rPr lang="ko-KR" altLang="en-US" sz="600" u="none" strike="noStrike">
+                        <a:rPr lang="ko-KR" altLang="en-US" sz="1000" u="none" strike="noStrike">
                           <a:effectLst/>
                         </a:rPr>
                         <a:t>　</a:t>
                       </a:r>
-                      <a:endParaRPr lang="ko-KR" altLang="en-US" sz="600" b="0" i="0" u="none" strike="noStrike">
+                      <a:endParaRPr lang="ko-KR" altLang="en-US" sz="1000" b="0" i="0" u="none" strike="noStrike">
                         <a:solidFill>
                           <a:srgbClr val="000000"/>
                         </a:solidFill>
                         <a:effectLst/>
-                        <a:latin typeface="맑은 고딕" panose="020B0503020000020004" pitchFamily="50" charset="-127"/>
+                        <a:latin typeface="Tahoma" panose="020B0604030504040204" pitchFamily="34" charset="0"/>
                         <a:ea typeface="맑은 고딕" panose="020B0503020000020004" pitchFamily="50" charset="-127"/>
                       </a:endParaRPr>
                     </a:p>
                   </a:txBody>
-                  <a:tcPr marL="5599" marR="5599" marT="5599" marB="0" anchor="ctr"/>
+                  <a:tcPr marL="6584" marR="6584" marT="6584" marB="0" anchor="ctr"/>
                 </a:tc>
                 <a:extLst>
                   <a:ext uri="{0D108BD9-81ED-4DB2-BD59-A6C34878D82A}">
-                    <a16:rowId xmlns:a16="http://schemas.microsoft.com/office/drawing/2014/main" val="2858773954"/>
+                    <a16:rowId xmlns:a16="http://schemas.microsoft.com/office/drawing/2014/main" val="381427669"/>
                   </a:ext>
                 </a:extLst>
               </a:tr>
-              <a:tr h="202674">
+              <a:tr h="195601">
                 <a:tc>
                   <a:txBody>
                     <a:bodyPr/>
                     <a:lstStyle/>
                     <a:p>
-                      <a:pPr algn="l" fontAlgn="ctr"/>
+                      <a:pPr algn="l" rtl="0" fontAlgn="ctr"/>
                       <a:r>
-                        <a:rPr lang="ko-KR" altLang="en-US" sz="600" u="none" strike="noStrike">
+                        <a:rPr lang="ko-KR" altLang="en-US" sz="1000" u="none" strike="noStrike">
                           <a:effectLst/>
                         </a:rPr>
                         <a:t>외부주소</a:t>
                       </a:r>
-                      <a:endParaRPr lang="ko-KR" altLang="en-US" sz="600" b="0" i="0" u="none" strike="noStrike">
+                      <a:endParaRPr lang="ko-KR" altLang="en-US" sz="1000" b="0" i="0" u="none" strike="noStrike">
                         <a:solidFill>
                           <a:srgbClr val="000000"/>
                         </a:solidFill>
                         <a:effectLst/>
-                        <a:latin typeface="맑은 고딕" panose="020B0503020000020004" pitchFamily="50" charset="-127"/>
+                        <a:latin typeface="Tahoma" panose="020B0604030504040204" pitchFamily="34" charset="0"/>
                         <a:ea typeface="맑은 고딕" panose="020B0503020000020004" pitchFamily="50" charset="-127"/>
                       </a:endParaRPr>
                     </a:p>
                   </a:txBody>
-                  <a:tcPr marL="5599" marR="5599" marT="5599" marB="0" anchor="ctr"/>
+                  <a:tcPr marL="6584" marR="6584" marT="6584" marB="0" anchor="ctr"/>
                 </a:tc>
                 <a:tc>
                   <a:txBody>
                     <a:bodyPr/>
                     <a:lstStyle/>
                     <a:p>
-                      <a:pPr algn="l" fontAlgn="ctr"/>
+                      <a:pPr algn="l" rtl="0" fontAlgn="ctr"/>
                       <a:r>
-                        <a:rPr lang="en-US" sz="600" u="none" strike="noStrike">
+                        <a:rPr lang="en-US" sz="1000" u="none" strike="noStrike">
                           <a:effectLst/>
                         </a:rPr>
-                        <a:t>S1_STOPPER.RET</a:t>
+                        <a:t>F10_Pin1.RET</a:t>
                       </a:r>
-                      <a:endParaRPr lang="en-US" sz="600" b="0" i="0" u="none" strike="noStrike">
+                      <a:endParaRPr lang="en-US" sz="1000" b="0" i="0" u="none" strike="noStrike">
                         <a:solidFill>
                           <a:srgbClr val="000000"/>
                         </a:solidFill>
                         <a:effectLst/>
-                        <a:latin typeface="맑은 고딕" panose="020B0503020000020004" pitchFamily="50" charset="-127"/>
+                        <a:latin typeface="Tahoma" panose="020B0604030504040204" pitchFamily="34" charset="0"/>
                         <a:ea typeface="맑은 고딕" panose="020B0503020000020004" pitchFamily="50" charset="-127"/>
                       </a:endParaRPr>
                     </a:p>
                   </a:txBody>
-                  <a:tcPr marL="5599" marR="5599" marT="5599" marB="0" anchor="ctr"/>
+                  <a:tcPr marL="6584" marR="6584" marT="6584" marB="0" anchor="ctr"/>
                 </a:tc>
                 <a:tc>
                   <a:txBody>
                     <a:bodyPr/>
                     <a:lstStyle/>
                     <a:p>
-                      <a:pPr algn="l" fontAlgn="ctr"/>
+                      <a:pPr algn="l" rtl="0" fontAlgn="ctr"/>
                       <a:r>
-                        <a:rPr lang="en-US" sz="600" u="none" strike="noStrike">
+                        <a:rPr lang="en-US" sz="1000" u="none" strike="noStrike">
                           <a:effectLst/>
                         </a:rPr>
                         <a:t>bool</a:t>
                       </a:r>
-                      <a:endParaRPr lang="en-US" sz="600" b="0" i="0" u="none" strike="noStrike">
+                      <a:endParaRPr lang="en-US" sz="1000" b="0" i="0" u="none" strike="noStrike">
                         <a:solidFill>
                           <a:srgbClr val="000000"/>
                         </a:solidFill>
                         <a:effectLst/>
-                        <a:latin typeface="맑은 고딕" panose="020B0503020000020004" pitchFamily="50" charset="-127"/>
+                        <a:latin typeface="Tahoma" panose="020B0604030504040204" pitchFamily="34" charset="0"/>
                         <a:ea typeface="맑은 고딕" panose="020B0503020000020004" pitchFamily="50" charset="-127"/>
                       </a:endParaRPr>
                     </a:p>
                   </a:txBody>
-                  <a:tcPr marL="5599" marR="5599" marT="5599" marB="0" anchor="ctr"/>
+                  <a:tcPr marL="6584" marR="6584" marT="6584" marB="0" anchor="ctr"/>
                 </a:tc>
                 <a:tc>
                   <a:txBody>
                     <a:bodyPr/>
                     <a:lstStyle/>
                     <a:p>
-                      <a:pPr algn="ctr" fontAlgn="b"/>
+                      <a:pPr algn="l" rtl="0" fontAlgn="ctr"/>
                       <a:r>
-                        <a:rPr lang="en-US" sz="600" u="none" strike="noStrike">
+                        <a:rPr lang="en-US" sz="1000" u="none" strike="noStrike">
                           <a:effectLst/>
                         </a:rPr>
-                        <a:t>I0.4</a:t>
+                        <a:t>I0.3</a:t>
                       </a:r>
-                      <a:endParaRPr lang="en-US" sz="600" b="0" i="0" u="none" strike="noStrike">
+                      <a:endParaRPr lang="en-US" sz="1000" b="0" i="0" u="none" strike="noStrike">
                         <a:solidFill>
                           <a:srgbClr val="000000"/>
                         </a:solidFill>
                         <a:effectLst/>
-                        <a:latin typeface="맑은 고딕" panose="020B0503020000020004" pitchFamily="50" charset="-127"/>
+                        <a:latin typeface="Tahoma" panose="020B0604030504040204" pitchFamily="34" charset="0"/>
                         <a:ea typeface="맑은 고딕" panose="020B0503020000020004" pitchFamily="50" charset="-127"/>
                       </a:endParaRPr>
                     </a:p>
                   </a:txBody>
-                  <a:tcPr marL="5599" marR="5599" marT="5599" marB="0" anchor="b"/>
+                  <a:tcPr marL="6584" marR="6584" marT="6584" marB="0" anchor="ctr"/>
                 </a:tc>
                 <a:tc>
                   <a:txBody>
                     <a:bodyPr/>
                     <a:lstStyle/>
                     <a:p>
-                      <a:pPr algn="ctr" fontAlgn="b"/>
+                      <a:pPr algn="l" rtl="0" fontAlgn="ctr"/>
                       <a:r>
-                        <a:rPr lang="en-US" sz="600" u="none" strike="noStrike">
+                        <a:rPr lang="en-US" sz="1000" u="none" strike="noStrike">
                           <a:effectLst/>
                         </a:rPr>
-                        <a:t>O0.2</a:t>
+                        <a:t>O0.3</a:t>
                       </a:r>
-                      <a:endParaRPr lang="en-US" sz="600" b="0" i="0" u="none" strike="noStrike">
+                      <a:endParaRPr lang="en-US" sz="1000" b="0" i="0" u="none" strike="noStrike">
                         <a:solidFill>
                           <a:srgbClr val="000000"/>
                         </a:solidFill>
                         <a:effectLst/>
-                        <a:latin typeface="맑은 고딕" panose="020B0503020000020004" pitchFamily="50" charset="-127"/>
+                        <a:latin typeface="Tahoma" panose="020B0604030504040204" pitchFamily="34" charset="0"/>
                         <a:ea typeface="맑은 고딕" panose="020B0503020000020004" pitchFamily="50" charset="-127"/>
                       </a:endParaRPr>
                     </a:p>
                   </a:txBody>
-                  <a:tcPr marL="5599" marR="5599" marT="5599" marB="0" anchor="b"/>
+                  <a:tcPr marL="6584" marR="6584" marT="6584" marB="0" anchor="ctr"/>
                 </a:tc>
                 <a:tc>
                   <a:txBody>
                     <a:bodyPr/>
                     <a:lstStyle/>
                     <a:p>
-                      <a:pPr algn="l" fontAlgn="ctr"/>
+                      <a:pPr algn="l" rtl="0" fontAlgn="ctr"/>
                       <a:r>
-                        <a:rPr lang="en-US" sz="600" u="none" strike="noStrike">
+                        <a:rPr lang="en-US" sz="1000" u="none" strike="noStrike">
                           <a:effectLst/>
                         </a:rPr>
-                        <a:t>S1_STOPPER_RET</a:t>
+                        <a:t>F10_Pin1_RET</a:t>
                       </a:r>
-                      <a:endParaRPr lang="en-US" sz="600" b="0" i="0" u="none" strike="noStrike">
+                      <a:endParaRPr lang="en-US" sz="1000" b="0" i="0" u="none" strike="noStrike">
                         <a:solidFill>
                           <a:srgbClr val="000000"/>
                         </a:solidFill>
                         <a:effectLst/>
-                        <a:latin typeface="맑은 고딕" panose="020B0503020000020004" pitchFamily="50" charset="-127"/>
+                        <a:latin typeface="Tahoma" panose="020B0604030504040204" pitchFamily="34" charset="0"/>
                         <a:ea typeface="맑은 고딕" panose="020B0503020000020004" pitchFamily="50" charset="-127"/>
                       </a:endParaRPr>
                     </a:p>
                   </a:txBody>
-                  <a:tcPr marL="5599" marR="5599" marT="5599" marB="0" anchor="ctr"/>
+                  <a:tcPr marL="6584" marR="6584" marT="6584" marB="0" anchor="ctr"/>
                 </a:tc>
                 <a:tc>
                   <a:txBody>
                     <a:bodyPr/>
                     <a:lstStyle/>
                     <a:p>
-                      <a:pPr algn="l" fontAlgn="ctr"/>
+                      <a:pPr algn="l" rtl="0" fontAlgn="ctr"/>
                       <a:r>
-                        <a:rPr lang="ko-KR" altLang="en-US" sz="600" u="none" strike="noStrike">
+                        <a:rPr lang="ko-KR" altLang="en-US" sz="1000" u="none" strike="noStrike">
                           <a:effectLst/>
                         </a:rPr>
                         <a:t>　</a:t>
                       </a:r>
-                      <a:endParaRPr lang="ko-KR" altLang="en-US" sz="600" b="0" i="0" u="none" strike="noStrike">
+                      <a:endParaRPr lang="ko-KR" altLang="en-US" sz="1000" b="0" i="0" u="none" strike="noStrike">
                         <a:solidFill>
                           <a:srgbClr val="000000"/>
                         </a:solidFill>
                         <a:effectLst/>
-                        <a:latin typeface="맑은 고딕" panose="020B0503020000020004" pitchFamily="50" charset="-127"/>
+                        <a:latin typeface="Tahoma" panose="020B0604030504040204" pitchFamily="34" charset="0"/>
                         <a:ea typeface="맑은 고딕" panose="020B0503020000020004" pitchFamily="50" charset="-127"/>
                       </a:endParaRPr>
                     </a:p>
                   </a:txBody>
-                  <a:tcPr marL="5599" marR="5599" marT="5599" marB="0" anchor="ctr"/>
+                  <a:tcPr marL="6584" marR="6584" marT="6584" marB="0" anchor="ctr"/>
                 </a:tc>
                 <a:extLst>
                   <a:ext uri="{0D108BD9-81ED-4DB2-BD59-A6C34878D82A}">
-                    <a16:rowId xmlns:a16="http://schemas.microsoft.com/office/drawing/2014/main" val="1670714711"/>
+                    <a16:rowId xmlns:a16="http://schemas.microsoft.com/office/drawing/2014/main" val="3071523479"/>
                   </a:ext>
                 </a:extLst>
               </a:tr>
-              <a:tr h="202674">
+              <a:tr h="195601">
                 <a:tc>
                   <a:txBody>
                     <a:bodyPr/>
                     <a:lstStyle/>
                     <a:p>
-                      <a:pPr algn="l" fontAlgn="ctr"/>
+                      <a:pPr algn="l" rtl="0" fontAlgn="ctr"/>
                       <a:r>
-                        <a:rPr lang="ko-KR" altLang="en-US" sz="600" u="none" strike="noStrike">
+                        <a:rPr lang="ko-KR" altLang="en-US" sz="1000" u="none" strike="noStrike">
                           <a:effectLst/>
                         </a:rPr>
                         <a:t>외부주소</a:t>
                       </a:r>
-                      <a:endParaRPr lang="ko-KR" altLang="en-US" sz="600" b="0" i="0" u="none" strike="noStrike">
+                      <a:endParaRPr lang="ko-KR" altLang="en-US" sz="1000" b="0" i="0" u="none" strike="noStrike">
                         <a:solidFill>
                           <a:srgbClr val="000000"/>
                         </a:solidFill>
                         <a:effectLst/>
-                        <a:latin typeface="맑은 고딕" panose="020B0503020000020004" pitchFamily="50" charset="-127"/>
+                        <a:latin typeface="Tahoma" panose="020B0604030504040204" pitchFamily="34" charset="0"/>
                         <a:ea typeface="맑은 고딕" panose="020B0503020000020004" pitchFamily="50" charset="-127"/>
                       </a:endParaRPr>
                     </a:p>
                   </a:txBody>
-                  <a:tcPr marL="5599" marR="5599" marT="5599" marB="0" anchor="ctr"/>
+                  <a:tcPr marL="6584" marR="6584" marT="6584" marB="0" anchor="ctr"/>
                 </a:tc>
                 <a:tc>
                   <a:txBody>
                     <a:bodyPr/>
                     <a:lstStyle/>
                     <a:p>
-                      <a:pPr algn="l" fontAlgn="ctr"/>
+                      <a:pPr algn="l" rtl="0" fontAlgn="ctr"/>
                       <a:r>
-                        <a:rPr lang="en-US" sz="600" u="none" strike="noStrike">
+                        <a:rPr lang="en-US" sz="1000" u="none" strike="noStrike">
                           <a:effectLst/>
                         </a:rPr>
-                        <a:t>S1_USB.ADV</a:t>
+                        <a:t>F10_Pin2.ADV</a:t>
                       </a:r>
-                      <a:endParaRPr lang="en-US" sz="600" b="0" i="0" u="none" strike="noStrike">
+                      <a:endParaRPr lang="en-US" sz="1000" b="0" i="0" u="none" strike="noStrike">
                         <a:solidFill>
                           <a:srgbClr val="000000"/>
                         </a:solidFill>
                         <a:effectLst/>
-                        <a:latin typeface="맑은 고딕" panose="020B0503020000020004" pitchFamily="50" charset="-127"/>
+                        <a:latin typeface="Tahoma" panose="020B0604030504040204" pitchFamily="34" charset="0"/>
                         <a:ea typeface="맑은 고딕" panose="020B0503020000020004" pitchFamily="50" charset="-127"/>
                       </a:endParaRPr>
                     </a:p>
                   </a:txBody>
-                  <a:tcPr marL="5599" marR="5599" marT="5599" marB="0" anchor="ctr"/>
+                  <a:tcPr marL="6584" marR="6584" marT="6584" marB="0" anchor="ctr"/>
                 </a:tc>
                 <a:tc>
                   <a:txBody>
                     <a:bodyPr/>
                     <a:lstStyle/>
                     <a:p>
-                      <a:pPr algn="l" fontAlgn="ctr"/>
+                      <a:pPr algn="l" rtl="0" fontAlgn="ctr"/>
                       <a:r>
-                        <a:rPr lang="en-US" sz="600" u="none" strike="noStrike">
+                        <a:rPr lang="en-US" sz="1000" u="none" strike="noStrike">
                           <a:effectLst/>
                         </a:rPr>
                         <a:t>bool</a:t>
                       </a:r>
-                      <a:endParaRPr lang="en-US" sz="600" b="0" i="0" u="none" strike="noStrike">
+                      <a:endParaRPr lang="en-US" sz="1000" b="0" i="0" u="none" strike="noStrike">
                         <a:solidFill>
                           <a:srgbClr val="000000"/>
                         </a:solidFill>
                         <a:effectLst/>
-                        <a:latin typeface="맑은 고딕" panose="020B0503020000020004" pitchFamily="50" charset="-127"/>
+                        <a:latin typeface="Tahoma" panose="020B0604030504040204" pitchFamily="34" charset="0"/>
                         <a:ea typeface="맑은 고딕" panose="020B0503020000020004" pitchFamily="50" charset="-127"/>
                       </a:endParaRPr>
                     </a:p>
                   </a:txBody>
-                  <a:tcPr marL="5599" marR="5599" marT="5599" marB="0" anchor="ctr"/>
+                  <a:tcPr marL="6584" marR="6584" marT="6584" marB="0" anchor="ctr"/>
                 </a:tc>
                 <a:tc>
                   <a:txBody>
                     <a:bodyPr/>
                     <a:lstStyle/>
                     <a:p>
-                      <a:pPr algn="ctr" fontAlgn="b"/>
+                      <a:pPr algn="l" rtl="0" fontAlgn="ctr"/>
                       <a:r>
-                        <a:rPr lang="en-US" sz="600" u="none" strike="noStrike">
+                        <a:rPr lang="en-US" sz="1000" u="none" strike="noStrike">
                           <a:effectLst/>
                         </a:rPr>
-                        <a:t>I0.7</a:t>
+                        <a:t>I0.4</a:t>
                       </a:r>
-                      <a:endParaRPr lang="en-US" sz="600" b="0" i="0" u="none" strike="noStrike">
+                      <a:endParaRPr lang="en-US" sz="1000" b="0" i="0" u="none" strike="noStrike">
                         <a:solidFill>
                           <a:srgbClr val="000000"/>
                         </a:solidFill>
                         <a:effectLst/>
-                        <a:latin typeface="맑은 고딕" panose="020B0503020000020004" pitchFamily="50" charset="-127"/>
+                        <a:latin typeface="Tahoma" panose="020B0604030504040204" pitchFamily="34" charset="0"/>
                         <a:ea typeface="맑은 고딕" panose="020B0503020000020004" pitchFamily="50" charset="-127"/>
                       </a:endParaRPr>
                     </a:p>
                   </a:txBody>
-                  <a:tcPr marL="5599" marR="5599" marT="5599" marB="0" anchor="b"/>
+                  <a:tcPr marL="6584" marR="6584" marT="6584" marB="0" anchor="ctr"/>
                 </a:tc>
                 <a:tc>
                   <a:txBody>
                     <a:bodyPr/>
                     <a:lstStyle/>
                     <a:p>
-                      <a:pPr algn="ctr" fontAlgn="b"/>
+                      <a:pPr algn="l" rtl="0" fontAlgn="ctr"/>
                       <a:r>
-                        <a:rPr lang="en-US" sz="600" u="none" strike="noStrike">
+                        <a:rPr lang="en-US" sz="1000" u="none" strike="noStrike">
                           <a:effectLst/>
                         </a:rPr>
-                        <a:t>O0.5</a:t>
+                        <a:t>O0.4</a:t>
                       </a:r>
-                      <a:endParaRPr lang="en-US" sz="600" b="0" i="0" u="none" strike="noStrike">
+                      <a:endParaRPr lang="en-US" sz="1000" b="0" i="0" u="none" strike="noStrike">
                         <a:solidFill>
                           <a:srgbClr val="000000"/>
                         </a:solidFill>
                         <a:effectLst/>
-                        <a:latin typeface="맑은 고딕" panose="020B0503020000020004" pitchFamily="50" charset="-127"/>
+                        <a:latin typeface="Tahoma" panose="020B0604030504040204" pitchFamily="34" charset="0"/>
                         <a:ea typeface="맑은 고딕" panose="020B0503020000020004" pitchFamily="50" charset="-127"/>
                       </a:endParaRPr>
                     </a:p>
                   </a:txBody>
-                  <a:tcPr marL="5599" marR="5599" marT="5599" marB="0" anchor="b"/>
+                  <a:tcPr marL="6584" marR="6584" marT="6584" marB="0" anchor="ctr"/>
                 </a:tc>
                 <a:tc>
                   <a:txBody>
                     <a:bodyPr/>
                     <a:lstStyle/>
                     <a:p>
-                      <a:pPr algn="l" fontAlgn="ctr"/>
+                      <a:pPr algn="l" rtl="0" fontAlgn="ctr"/>
                       <a:r>
-                        <a:rPr lang="en-US" sz="600" u="none" strike="noStrike">
+                        <a:rPr lang="en-US" sz="1000" u="none" strike="noStrike">
                           <a:effectLst/>
                         </a:rPr>
-                        <a:t>S1_USB_ADV</a:t>
+                        <a:t>F10_Pin2_ADV</a:t>
                       </a:r>
-                      <a:endParaRPr lang="en-US" sz="600" b="0" i="0" u="none" strike="noStrike">
+                      <a:endParaRPr lang="en-US" sz="1000" b="0" i="0" u="none" strike="noStrike">
                         <a:solidFill>
                           <a:srgbClr val="000000"/>
                         </a:solidFill>
                         <a:effectLst/>
-                        <a:latin typeface="맑은 고딕" panose="020B0503020000020004" pitchFamily="50" charset="-127"/>
+                        <a:latin typeface="Tahoma" panose="020B0604030504040204" pitchFamily="34" charset="0"/>
                         <a:ea typeface="맑은 고딕" panose="020B0503020000020004" pitchFamily="50" charset="-127"/>
                       </a:endParaRPr>
                     </a:p>
                   </a:txBody>
-                  <a:tcPr marL="5599" marR="5599" marT="5599" marB="0" anchor="ctr"/>
+                  <a:tcPr marL="6584" marR="6584" marT="6584" marB="0" anchor="ctr"/>
                 </a:tc>
                 <a:tc>
                   <a:txBody>
                     <a:bodyPr/>
                     <a:lstStyle/>
                     <a:p>
-                      <a:pPr algn="l" fontAlgn="ctr"/>
+                      <a:pPr algn="l" rtl="0" fontAlgn="ctr"/>
                       <a:r>
-                        <a:rPr lang="ko-KR" altLang="en-US" sz="600" u="none" strike="noStrike">
+                        <a:rPr lang="ko-KR" altLang="en-US" sz="1000" u="none" strike="noStrike">
                           <a:effectLst/>
                         </a:rPr>
                         <a:t>　</a:t>
                       </a:r>
-                      <a:endParaRPr lang="ko-KR" altLang="en-US" sz="600" b="0" i="0" u="none" strike="noStrike">
+                      <a:endParaRPr lang="ko-KR" altLang="en-US" sz="1000" b="0" i="0" u="none" strike="noStrike">
                         <a:solidFill>
                           <a:srgbClr val="000000"/>
                         </a:solidFill>
                         <a:effectLst/>
-                        <a:latin typeface="맑은 고딕" panose="020B0503020000020004" pitchFamily="50" charset="-127"/>
+                        <a:latin typeface="Tahoma" panose="020B0604030504040204" pitchFamily="34" charset="0"/>
                         <a:ea typeface="맑은 고딕" panose="020B0503020000020004" pitchFamily="50" charset="-127"/>
                       </a:endParaRPr>
                     </a:p>
                   </a:txBody>
-                  <a:tcPr marL="5599" marR="5599" marT="5599" marB="0" anchor="ctr"/>
+                  <a:tcPr marL="6584" marR="6584" marT="6584" marB="0" anchor="ctr"/>
                 </a:tc>
                 <a:extLst>
                   <a:ext uri="{0D108BD9-81ED-4DB2-BD59-A6C34878D82A}">
-                    <a16:rowId xmlns:a16="http://schemas.microsoft.com/office/drawing/2014/main" val="1714834985"/>
+                    <a16:rowId xmlns:a16="http://schemas.microsoft.com/office/drawing/2014/main" val="3602052655"/>
                   </a:ext>
                 </a:extLst>
               </a:tr>
-              <a:tr h="202674">
+              <a:tr h="195601">
                 <a:tc>
                   <a:txBody>
                     <a:bodyPr/>
                     <a:lstStyle/>
                     <a:p>
-                      <a:pPr algn="l" fontAlgn="ctr"/>
+                      <a:pPr algn="l" rtl="0" fontAlgn="ctr"/>
                       <a:r>
-                        <a:rPr lang="ko-KR" altLang="en-US" sz="600" u="none" strike="noStrike">
+                        <a:rPr lang="ko-KR" altLang="en-US" sz="1000" u="none" strike="noStrike">
                           <a:effectLst/>
                         </a:rPr>
                         <a:t>외부주소</a:t>
                       </a:r>
-                      <a:endParaRPr lang="ko-KR" altLang="en-US" sz="600" b="0" i="0" u="none" strike="noStrike">
+                      <a:endParaRPr lang="ko-KR" altLang="en-US" sz="1000" b="0" i="0" u="none" strike="noStrike">
                         <a:solidFill>
                           <a:srgbClr val="000000"/>
                         </a:solidFill>
                         <a:effectLst/>
-                        <a:latin typeface="맑은 고딕" panose="020B0503020000020004" pitchFamily="50" charset="-127"/>
+                        <a:latin typeface="Tahoma" panose="020B0604030504040204" pitchFamily="34" charset="0"/>
                         <a:ea typeface="맑은 고딕" panose="020B0503020000020004" pitchFamily="50" charset="-127"/>
                       </a:endParaRPr>
                     </a:p>
                   </a:txBody>
-                  <a:tcPr marL="5599" marR="5599" marT="5599" marB="0" anchor="ctr"/>
+                  <a:tcPr marL="6584" marR="6584" marT="6584" marB="0" anchor="ctr"/>
                 </a:tc>
                 <a:tc>
                   <a:txBody>
                     <a:bodyPr/>
                     <a:lstStyle/>
                     <a:p>
-                      <a:pPr algn="l" fontAlgn="ctr"/>
+                      <a:pPr algn="l" rtl="0" fontAlgn="ctr"/>
                       <a:r>
-                        <a:rPr lang="en-US" sz="600" u="none" strike="noStrike">
+                        <a:rPr lang="en-US" sz="1000" u="none" strike="noStrike">
                           <a:effectLst/>
                         </a:rPr>
-                        <a:t>S1_USB.RET</a:t>
+                        <a:t>F10_Pin2.RET</a:t>
                       </a:r>
-                      <a:endParaRPr lang="en-US" sz="600" b="0" i="0" u="none" strike="noStrike">
+                      <a:endParaRPr lang="en-US" sz="1000" b="0" i="0" u="none" strike="noStrike">
                         <a:solidFill>
                           <a:srgbClr val="000000"/>
                         </a:solidFill>
                         <a:effectLst/>
-                        <a:latin typeface="맑은 고딕" panose="020B0503020000020004" pitchFamily="50" charset="-127"/>
+                        <a:latin typeface="Tahoma" panose="020B0604030504040204" pitchFamily="34" charset="0"/>
                         <a:ea typeface="맑은 고딕" panose="020B0503020000020004" pitchFamily="50" charset="-127"/>
                       </a:endParaRPr>
                     </a:p>
                   </a:txBody>
-                  <a:tcPr marL="5599" marR="5599" marT="5599" marB="0" anchor="ctr"/>
+                  <a:tcPr marL="6584" marR="6584" marT="6584" marB="0" anchor="ctr"/>
                 </a:tc>
                 <a:tc>
                   <a:txBody>
                     <a:bodyPr/>
                     <a:lstStyle/>
                     <a:p>
-                      <a:pPr algn="l" fontAlgn="ctr"/>
+                      <a:pPr algn="l" rtl="0" fontAlgn="ctr"/>
                       <a:r>
-                        <a:rPr lang="en-US" sz="600" u="none" strike="noStrike">
+                        <a:rPr lang="en-US" sz="1000" u="none" strike="noStrike">
                           <a:effectLst/>
                         </a:rPr>
                         <a:t>bool</a:t>
                       </a:r>
-                      <a:endParaRPr lang="en-US" sz="600" b="0" i="0" u="none" strike="noStrike">
+                      <a:endParaRPr lang="en-US" sz="1000" b="0" i="0" u="none" strike="noStrike">
                         <a:solidFill>
                           <a:srgbClr val="000000"/>
                         </a:solidFill>
                         <a:effectLst/>
-                        <a:latin typeface="맑은 고딕" panose="020B0503020000020004" pitchFamily="50" charset="-127"/>
+                        <a:latin typeface="Tahoma" panose="020B0604030504040204" pitchFamily="34" charset="0"/>
                         <a:ea typeface="맑은 고딕" panose="020B0503020000020004" pitchFamily="50" charset="-127"/>
                       </a:endParaRPr>
                     </a:p>
                   </a:txBody>
-                  <a:tcPr marL="5599" marR="5599" marT="5599" marB="0" anchor="ctr"/>
+                  <a:tcPr marL="6584" marR="6584" marT="6584" marB="0" anchor="ctr"/>
                 </a:tc>
                 <a:tc>
                   <a:txBody>
                     <a:bodyPr/>
                     <a:lstStyle/>
                     <a:p>
-                      <a:pPr algn="ctr" fontAlgn="b"/>
+                      <a:pPr algn="l" rtl="0" fontAlgn="ctr"/>
                       <a:r>
-                        <a:rPr lang="en-US" sz="600" u="none" strike="noStrike">
+                        <a:rPr lang="en-US" sz="1000" u="none" strike="noStrike">
                           <a:effectLst/>
                         </a:rPr>
-                        <a:t>I0.6</a:t>
+                        <a:t>I0.5</a:t>
                       </a:r>
-                      <a:endParaRPr lang="en-US" sz="600" b="0" i="0" u="none" strike="noStrike">
+                      <a:endParaRPr lang="en-US" sz="1000" b="0" i="0" u="none" strike="noStrike">
                         <a:solidFill>
                           <a:srgbClr val="000000"/>
                         </a:solidFill>
                         <a:effectLst/>
-                        <a:latin typeface="맑은 고딕" panose="020B0503020000020004" pitchFamily="50" charset="-127"/>
+                        <a:latin typeface="Tahoma" panose="020B0604030504040204" pitchFamily="34" charset="0"/>
                         <a:ea typeface="맑은 고딕" panose="020B0503020000020004" pitchFamily="50" charset="-127"/>
                       </a:endParaRPr>
                     </a:p>
                   </a:txBody>
-                  <a:tcPr marL="5599" marR="5599" marT="5599" marB="0" anchor="b"/>
+                  <a:tcPr marL="6584" marR="6584" marT="6584" marB="0" anchor="ctr"/>
                 </a:tc>
                 <a:tc>
                   <a:txBody>
                     <a:bodyPr/>
                     <a:lstStyle/>
                     <a:p>
-                      <a:pPr algn="ctr" fontAlgn="b"/>
+                      <a:pPr algn="l" rtl="0" fontAlgn="ctr"/>
                       <a:r>
-                        <a:rPr lang="en-US" sz="600" u="none" strike="noStrike">
+                        <a:rPr lang="en-US" sz="1000" u="none" strike="noStrike">
                           <a:effectLst/>
                         </a:rPr>
-                        <a:t>O0.4</a:t>
+                        <a:t>O0.5</a:t>
                       </a:r>
-                      <a:endParaRPr lang="en-US" sz="600" b="0" i="0" u="none" strike="noStrike">
+                      <a:endParaRPr lang="en-US" sz="1000" b="0" i="0" u="none" strike="noStrike">
                         <a:solidFill>
                           <a:srgbClr val="000000"/>
                         </a:solidFill>
                         <a:effectLst/>
-                        <a:latin typeface="맑은 고딕" panose="020B0503020000020004" pitchFamily="50" charset="-127"/>
+                        <a:latin typeface="Tahoma" panose="020B0604030504040204" pitchFamily="34" charset="0"/>
                         <a:ea typeface="맑은 고딕" panose="020B0503020000020004" pitchFamily="50" charset="-127"/>
                       </a:endParaRPr>
                     </a:p>
                   </a:txBody>
-                  <a:tcPr marL="5599" marR="5599" marT="5599" marB="0" anchor="b"/>
+                  <a:tcPr marL="6584" marR="6584" marT="6584" marB="0" anchor="ctr"/>
                 </a:tc>
                 <a:tc>
                   <a:txBody>
                     <a:bodyPr/>
                     <a:lstStyle/>
                     <a:p>
-                      <a:pPr algn="l" fontAlgn="ctr"/>
+                      <a:pPr algn="l" rtl="0" fontAlgn="ctr"/>
                       <a:r>
-                        <a:rPr lang="en-US" sz="600" u="none" strike="noStrike">
+                        <a:rPr lang="en-US" sz="1000" u="none" strike="noStrike">
                           <a:effectLst/>
                         </a:rPr>
-                        <a:t>S1_USB_RET</a:t>
+                        <a:t>F10_Pin2_RET</a:t>
                       </a:r>
-                      <a:endParaRPr lang="en-US" sz="600" b="0" i="0" u="none" strike="noStrike">
+                      <a:endParaRPr lang="en-US" sz="1000" b="0" i="0" u="none" strike="noStrike">
                         <a:solidFill>
                           <a:srgbClr val="000000"/>
                         </a:solidFill>
                         <a:effectLst/>
-                        <a:latin typeface="맑은 고딕" panose="020B0503020000020004" pitchFamily="50" charset="-127"/>
+                        <a:latin typeface="Tahoma" panose="020B0604030504040204" pitchFamily="34" charset="0"/>
                         <a:ea typeface="맑은 고딕" panose="020B0503020000020004" pitchFamily="50" charset="-127"/>
                       </a:endParaRPr>
                     </a:p>
                   </a:txBody>
-                  <a:tcPr marL="5599" marR="5599" marT="5599" marB="0" anchor="ctr"/>
+                  <a:tcPr marL="6584" marR="6584" marT="6584" marB="0" anchor="ctr"/>
                 </a:tc>
                 <a:tc>
                   <a:txBody>
                     <a:bodyPr/>
                     <a:lstStyle/>
                     <a:p>
-                      <a:pPr algn="l" fontAlgn="ctr"/>
+                      <a:pPr algn="l" rtl="0" fontAlgn="ctr"/>
                       <a:r>
-                        <a:rPr lang="ko-KR" altLang="en-US" sz="600" u="none" strike="noStrike">
+                        <a:rPr lang="ko-KR" altLang="en-US" sz="1000" u="none" strike="noStrike">
                           <a:effectLst/>
                         </a:rPr>
                         <a:t>　</a:t>
                       </a:r>
-                      <a:endParaRPr lang="ko-KR" altLang="en-US" sz="600" b="0" i="0" u="none" strike="noStrike">
+                      <a:endParaRPr lang="ko-KR" altLang="en-US" sz="1000" b="0" i="0" u="none" strike="noStrike">
                         <a:solidFill>
                           <a:srgbClr val="000000"/>
                         </a:solidFill>
                         <a:effectLst/>
-                        <a:latin typeface="맑은 고딕" panose="020B0503020000020004" pitchFamily="50" charset="-127"/>
+                        <a:latin typeface="Tahoma" panose="020B0604030504040204" pitchFamily="34" charset="0"/>
                         <a:ea typeface="맑은 고딕" panose="020B0503020000020004" pitchFamily="50" charset="-127"/>
                       </a:endParaRPr>
                     </a:p>
                   </a:txBody>
-                  <a:tcPr marL="5599" marR="5599" marT="5599" marB="0" anchor="ctr"/>
+                  <a:tcPr marL="6584" marR="6584" marT="6584" marB="0" anchor="ctr"/>
                 </a:tc>
                 <a:extLst>
                   <a:ext uri="{0D108BD9-81ED-4DB2-BD59-A6C34878D82A}">
-                    <a16:rowId xmlns:a16="http://schemas.microsoft.com/office/drawing/2014/main" val="1483353829"/>
+                    <a16:rowId xmlns:a16="http://schemas.microsoft.com/office/drawing/2014/main" val="541818596"/>
                   </a:ext>
                 </a:extLst>
               </a:tr>
-              <a:tr h="202674">
+              <a:tr h="195601">
                 <a:tc>
                   <a:txBody>
                     <a:bodyPr/>
                     <a:lstStyle/>
                     <a:p>
-                      <a:pPr algn="l" fontAlgn="ctr"/>
+                      <a:pPr algn="l" rtl="0" fontAlgn="ctr"/>
                       <a:r>
-                        <a:rPr lang="ko-KR" altLang="en-US" sz="600" u="none" strike="noStrike">
+                        <a:rPr lang="ko-KR" altLang="en-US" sz="1000" u="none" strike="noStrike">
                           <a:effectLst/>
                         </a:rPr>
                         <a:t>외부주소</a:t>
                       </a:r>
-                      <a:endParaRPr lang="ko-KR" altLang="en-US" sz="600" b="0" i="0" u="none" strike="noStrike">
+                      <a:endParaRPr lang="ko-KR" altLang="en-US" sz="1000" b="0" i="0" u="none" strike="noStrike">
                         <a:solidFill>
                           <a:srgbClr val="000000"/>
                         </a:solidFill>
                         <a:effectLst/>
-                        <a:latin typeface="맑은 고딕" panose="020B0503020000020004" pitchFamily="50" charset="-127"/>
+                        <a:latin typeface="Tahoma" panose="020B0604030504040204" pitchFamily="34" charset="0"/>
                         <a:ea typeface="맑은 고딕" panose="020B0503020000020004" pitchFamily="50" charset="-127"/>
                       </a:endParaRPr>
                     </a:p>
                   </a:txBody>
-                  <a:tcPr marL="5599" marR="5599" marT="5599" marB="0" anchor="ctr"/>
+                  <a:tcPr marL="6584" marR="6584" marT="6584" marB="0" anchor="ctr"/>
                 </a:tc>
                 <a:tc>
                   <a:txBody>
                     <a:bodyPr/>
                     <a:lstStyle/>
                     <a:p>
-                      <a:pPr algn="l" fontAlgn="ctr"/>
+                      <a:pPr algn="l" rtl="0" fontAlgn="ctr"/>
                       <a:r>
-                        <a:rPr lang="en-US" sz="600" u="none" strike="noStrike">
+                        <a:rPr lang="en-US" sz="1000" u="none" strike="noStrike">
                           <a:effectLst/>
                         </a:rPr>
-                        <a:t>S2_STOPPER.ADV</a:t>
+                        <a:t>F10_Pin3.ADV</a:t>
                       </a:r>
-                      <a:endParaRPr lang="en-US" sz="600" b="0" i="0" u="none" strike="noStrike">
+                      <a:endParaRPr lang="en-US" sz="1000" b="0" i="0" u="none" strike="noStrike">
                         <a:solidFill>
                           <a:srgbClr val="000000"/>
                         </a:solidFill>
                         <a:effectLst/>
-                        <a:latin typeface="맑은 고딕" panose="020B0503020000020004" pitchFamily="50" charset="-127"/>
+                        <a:latin typeface="Tahoma" panose="020B0604030504040204" pitchFamily="34" charset="0"/>
                         <a:ea typeface="맑은 고딕" panose="020B0503020000020004" pitchFamily="50" charset="-127"/>
                       </a:endParaRPr>
                     </a:p>
                   </a:txBody>
-                  <a:tcPr marL="5599" marR="5599" marT="5599" marB="0" anchor="ctr"/>
+                  <a:tcPr marL="6584" marR="6584" marT="6584" marB="0" anchor="ctr"/>
                 </a:tc>
                 <a:tc>
                   <a:txBody>
                     <a:bodyPr/>
                     <a:lstStyle/>
                     <a:p>
-                      <a:pPr algn="l" fontAlgn="ctr"/>
+                      <a:pPr algn="l" rtl="0" fontAlgn="ctr"/>
                       <a:r>
-                        <a:rPr lang="en-US" sz="600" u="none" strike="noStrike">
+                        <a:rPr lang="en-US" sz="1000" u="none" strike="noStrike">
                           <a:effectLst/>
                         </a:rPr>
                         <a:t>bool</a:t>
                       </a:r>
-                      <a:endParaRPr lang="en-US" sz="600" b="0" i="0" u="none" strike="noStrike">
+                      <a:endParaRPr lang="en-US" sz="1000" b="0" i="0" u="none" strike="noStrike">
                         <a:solidFill>
                           <a:srgbClr val="000000"/>
                         </a:solidFill>
                         <a:effectLst/>
-                        <a:latin typeface="맑은 고딕" panose="020B0503020000020004" pitchFamily="50" charset="-127"/>
+                        <a:latin typeface="Tahoma" panose="020B0604030504040204" pitchFamily="34" charset="0"/>
                         <a:ea typeface="맑은 고딕" panose="020B0503020000020004" pitchFamily="50" charset="-127"/>
                       </a:endParaRPr>
                     </a:p>
                   </a:txBody>
-                  <a:tcPr marL="5599" marR="5599" marT="5599" marB="0" anchor="ctr"/>
+                  <a:tcPr marL="6584" marR="6584" marT="6584" marB="0" anchor="ctr"/>
                 </a:tc>
                 <a:tc>
                   <a:txBody>
                     <a:bodyPr/>
                     <a:lstStyle/>
                     <a:p>
-                      <a:pPr algn="ctr" fontAlgn="b"/>
+                      <a:pPr algn="l" rtl="0" fontAlgn="ctr"/>
                       <a:r>
-                        <a:rPr lang="en-US" sz="600" u="none" strike="noStrike">
+                        <a:rPr lang="en-US" sz="1000" u="none" strike="noStrike">
                           <a:effectLst/>
                         </a:rPr>
-                        <a:t>I1.1</a:t>
+                        <a:t>I0.6</a:t>
                       </a:r>
-                      <a:endParaRPr lang="en-US" sz="600" b="0" i="0" u="none" strike="noStrike">
+                      <a:endParaRPr lang="en-US" sz="1000" b="0" i="0" u="none" strike="noStrike">
                         <a:solidFill>
                           <a:srgbClr val="000000"/>
                         </a:solidFill>
                         <a:effectLst/>
-                        <a:latin typeface="맑은 고딕" panose="020B0503020000020004" pitchFamily="50" charset="-127"/>
+                        <a:latin typeface="Tahoma" panose="020B0604030504040204" pitchFamily="34" charset="0"/>
                         <a:ea typeface="맑은 고딕" panose="020B0503020000020004" pitchFamily="50" charset="-127"/>
                       </a:endParaRPr>
                     </a:p>
                   </a:txBody>
-                  <a:tcPr marL="5599" marR="5599" marT="5599" marB="0" anchor="b"/>
+                  <a:tcPr marL="6584" marR="6584" marT="6584" marB="0" anchor="ctr"/>
                 </a:tc>
                 <a:tc>
                   <a:txBody>
                     <a:bodyPr/>
                     <a:lstStyle/>
                     <a:p>
-                      <a:pPr algn="ctr" fontAlgn="b"/>
+                      <a:pPr algn="l" rtl="0" fontAlgn="ctr"/>
                       <a:r>
-                        <a:rPr lang="en-US" sz="600" u="none" strike="noStrike">
+                        <a:rPr lang="en-US" sz="1000" u="none" strike="noStrike">
                           <a:effectLst/>
                         </a:rPr>
-                        <a:t>O0.7</a:t>
+                        <a:t>O0.6</a:t>
                       </a:r>
-                      <a:endParaRPr lang="en-US" sz="600" b="0" i="0" u="none" strike="noStrike">
+                      <a:endParaRPr lang="en-US" sz="1000" b="0" i="0" u="none" strike="noStrike">
                         <a:solidFill>
                           <a:srgbClr val="000000"/>
                         </a:solidFill>
                         <a:effectLst/>
-                        <a:latin typeface="맑은 고딕" panose="020B0503020000020004" pitchFamily="50" charset="-127"/>
+                        <a:latin typeface="Tahoma" panose="020B0604030504040204" pitchFamily="34" charset="0"/>
                         <a:ea typeface="맑은 고딕" panose="020B0503020000020004" pitchFamily="50" charset="-127"/>
                       </a:endParaRPr>
                     </a:p>
                   </a:txBody>
-                  <a:tcPr marL="5599" marR="5599" marT="5599" marB="0" anchor="b"/>
+                  <a:tcPr marL="6584" marR="6584" marT="6584" marB="0" anchor="ctr"/>
                 </a:tc>
                 <a:tc>
                   <a:txBody>
                     <a:bodyPr/>
                     <a:lstStyle/>
                     <a:p>
-                      <a:pPr algn="l" fontAlgn="ctr"/>
+                      <a:pPr algn="l" rtl="0" fontAlgn="ctr"/>
                       <a:r>
-                        <a:rPr lang="en-US" sz="600" u="none" strike="noStrike">
+                        <a:rPr lang="en-US" sz="1000" u="none" strike="noStrike">
                           <a:effectLst/>
                         </a:rPr>
-                        <a:t>S2_STOPPER_ADV</a:t>
+                        <a:t>F10_Pin3_ADV</a:t>
                       </a:r>
-                      <a:endParaRPr lang="en-US" sz="600" b="0" i="0" u="none" strike="noStrike">
+                      <a:endParaRPr lang="en-US" sz="1000" b="0" i="0" u="none" strike="noStrike">
                         <a:solidFill>
                           <a:srgbClr val="000000"/>
                         </a:solidFill>
                         <a:effectLst/>
-                        <a:latin typeface="맑은 고딕" panose="020B0503020000020004" pitchFamily="50" charset="-127"/>
+                        <a:latin typeface="Tahoma" panose="020B0604030504040204" pitchFamily="34" charset="0"/>
                         <a:ea typeface="맑은 고딕" panose="020B0503020000020004" pitchFamily="50" charset="-127"/>
                       </a:endParaRPr>
                     </a:p>
                   </a:txBody>
-                  <a:tcPr marL="5599" marR="5599" marT="5599" marB="0" anchor="ctr"/>
+                  <a:tcPr marL="6584" marR="6584" marT="6584" marB="0" anchor="ctr"/>
                 </a:tc>
                 <a:tc>
                   <a:txBody>
                     <a:bodyPr/>
                     <a:lstStyle/>
                     <a:p>
-                      <a:pPr algn="l" fontAlgn="ctr"/>
+                      <a:pPr algn="l" rtl="0" fontAlgn="ctr"/>
                       <a:r>
-                        <a:rPr lang="ko-KR" altLang="en-US" sz="600" u="none" strike="noStrike">
+                        <a:rPr lang="ko-KR" altLang="en-US" sz="1000" u="none" strike="noStrike">
                           <a:effectLst/>
                         </a:rPr>
                         <a:t>　</a:t>
                       </a:r>
-                      <a:endParaRPr lang="ko-KR" altLang="en-US" sz="600" b="0" i="0" u="none" strike="noStrike">
+                      <a:endParaRPr lang="ko-KR" altLang="en-US" sz="1000" b="0" i="0" u="none" strike="noStrike">
                         <a:solidFill>
                           <a:srgbClr val="000000"/>
                         </a:solidFill>
                         <a:effectLst/>
-                        <a:latin typeface="맑은 고딕" panose="020B0503020000020004" pitchFamily="50" charset="-127"/>
+                        <a:latin typeface="Tahoma" panose="020B0604030504040204" pitchFamily="34" charset="0"/>
                         <a:ea typeface="맑은 고딕" panose="020B0503020000020004" pitchFamily="50" charset="-127"/>
                       </a:endParaRPr>
                     </a:p>
                   </a:txBody>
-                  <a:tcPr marL="5599" marR="5599" marT="5599" marB="0" anchor="ctr"/>
+                  <a:tcPr marL="6584" marR="6584" marT="6584" marB="0" anchor="ctr"/>
                 </a:tc>
                 <a:extLst>
                   <a:ext uri="{0D108BD9-81ED-4DB2-BD59-A6C34878D82A}">
-                    <a16:rowId xmlns:a16="http://schemas.microsoft.com/office/drawing/2014/main" val="2846147033"/>
+                    <a16:rowId xmlns:a16="http://schemas.microsoft.com/office/drawing/2014/main" val="2910941766"/>
                   </a:ext>
                 </a:extLst>
               </a:tr>
-              <a:tr h="202674">
+              <a:tr h="195601">
                 <a:tc>
                   <a:txBody>
                     <a:bodyPr/>
                     <a:lstStyle/>
                     <a:p>
-                      <a:pPr algn="l" fontAlgn="ctr"/>
+                      <a:pPr algn="l" rtl="0" fontAlgn="ctr"/>
                       <a:r>
-                        <a:rPr lang="ko-KR" altLang="en-US" sz="600" u="none" strike="noStrike">
+                        <a:rPr lang="ko-KR" altLang="en-US" sz="1000" u="none" strike="noStrike">
                           <a:effectLst/>
                         </a:rPr>
                         <a:t>외부주소</a:t>
                       </a:r>
-                      <a:endParaRPr lang="ko-KR" altLang="en-US" sz="600" b="0" i="0" u="none" strike="noStrike">
+                      <a:endParaRPr lang="ko-KR" altLang="en-US" sz="1000" b="0" i="0" u="none" strike="noStrike">
                         <a:solidFill>
                           <a:srgbClr val="000000"/>
                         </a:solidFill>
                         <a:effectLst/>
-                        <a:latin typeface="맑은 고딕" panose="020B0503020000020004" pitchFamily="50" charset="-127"/>
+                        <a:latin typeface="Tahoma" panose="020B0604030504040204" pitchFamily="34" charset="0"/>
                         <a:ea typeface="맑은 고딕" panose="020B0503020000020004" pitchFamily="50" charset="-127"/>
                       </a:endParaRPr>
                     </a:p>
                   </a:txBody>
-                  <a:tcPr marL="5599" marR="5599" marT="5599" marB="0" anchor="ctr"/>
+                  <a:tcPr marL="6584" marR="6584" marT="6584" marB="0" anchor="ctr"/>
                 </a:tc>
                 <a:tc>
                   <a:txBody>
                     <a:bodyPr/>
                     <a:lstStyle/>
                     <a:p>
-                      <a:pPr algn="l" fontAlgn="ctr"/>
+                      <a:pPr algn="l" rtl="0" fontAlgn="ctr"/>
                       <a:r>
-                        <a:rPr lang="en-US" sz="600" u="none" strike="noStrike">
+                        <a:rPr lang="en-US" sz="1000" u="none" strike="noStrike">
                           <a:effectLst/>
                         </a:rPr>
-                        <a:t>S2_STOPPER.RET</a:t>
+                        <a:t>F10_Pin3.RET</a:t>
                       </a:r>
-                      <a:endParaRPr lang="en-US" sz="600" b="0" i="0" u="none" strike="noStrike">
+                      <a:endParaRPr lang="en-US" sz="1000" b="0" i="0" u="none" strike="noStrike">
                         <a:solidFill>
                           <a:srgbClr val="000000"/>
                         </a:solidFill>
                         <a:effectLst/>
-                        <a:latin typeface="맑은 고딕" panose="020B0503020000020004" pitchFamily="50" charset="-127"/>
+                        <a:latin typeface="Tahoma" panose="020B0604030504040204" pitchFamily="34" charset="0"/>
                         <a:ea typeface="맑은 고딕" panose="020B0503020000020004" pitchFamily="50" charset="-127"/>
                       </a:endParaRPr>
                     </a:p>
                   </a:txBody>
-                  <a:tcPr marL="5599" marR="5599" marT="5599" marB="0" anchor="ctr"/>
+                  <a:tcPr marL="6584" marR="6584" marT="6584" marB="0" anchor="ctr"/>
                 </a:tc>
                 <a:tc>
                   <a:txBody>
                     <a:bodyPr/>
                     <a:lstStyle/>
                     <a:p>
-                      <a:pPr algn="l" fontAlgn="ctr"/>
+                      <a:pPr algn="l" rtl="0" fontAlgn="ctr"/>
                       <a:r>
-                        <a:rPr lang="en-US" sz="600" u="none" strike="noStrike">
+                        <a:rPr lang="en-US" sz="1000" u="none" strike="noStrike">
                           <a:effectLst/>
                         </a:rPr>
                         <a:t>bool</a:t>
                       </a:r>
-                      <a:endParaRPr lang="en-US" sz="600" b="0" i="0" u="none" strike="noStrike">
+                      <a:endParaRPr lang="en-US" sz="1000" b="0" i="0" u="none" strike="noStrike">
                         <a:solidFill>
                           <a:srgbClr val="000000"/>
                         </a:solidFill>
                         <a:effectLst/>
-                        <a:latin typeface="맑은 고딕" panose="020B0503020000020004" pitchFamily="50" charset="-127"/>
+                        <a:latin typeface="Tahoma" panose="020B0604030504040204" pitchFamily="34" charset="0"/>
                         <a:ea typeface="맑은 고딕" panose="020B0503020000020004" pitchFamily="50" charset="-127"/>
                       </a:endParaRPr>
                     </a:p>
                   </a:txBody>
-                  <a:tcPr marL="5599" marR="5599" marT="5599" marB="0" anchor="ctr"/>
+                  <a:tcPr marL="6584" marR="6584" marT="6584" marB="0" anchor="ctr"/>
                 </a:tc>
                 <a:tc>
                   <a:txBody>
                     <a:bodyPr/>
                     <a:lstStyle/>
                     <a:p>
-                      <a:pPr algn="ctr" fontAlgn="b"/>
+                      <a:pPr algn="l" rtl="0" fontAlgn="ctr"/>
                       <a:r>
-                        <a:rPr lang="en-US" sz="600" u="none" strike="noStrike">
+                        <a:rPr lang="en-US" sz="1000" u="none" strike="noStrike">
                           <a:effectLst/>
                         </a:rPr>
-                        <a:t>I1.0</a:t>
+                        <a:t>I0.7</a:t>
                       </a:r>
-                      <a:endParaRPr lang="en-US" sz="600" b="0" i="0" u="none" strike="noStrike">
+                      <a:endParaRPr lang="en-US" sz="1000" b="0" i="0" u="none" strike="noStrike">
                         <a:solidFill>
                           <a:srgbClr val="000000"/>
                         </a:solidFill>
                         <a:effectLst/>
-                        <a:latin typeface="맑은 고딕" panose="020B0503020000020004" pitchFamily="50" charset="-127"/>
+                        <a:latin typeface="Tahoma" panose="020B0604030504040204" pitchFamily="34" charset="0"/>
                         <a:ea typeface="맑은 고딕" panose="020B0503020000020004" pitchFamily="50" charset="-127"/>
                       </a:endParaRPr>
                     </a:p>
                   </a:txBody>
-                  <a:tcPr marL="5599" marR="5599" marT="5599" marB="0" anchor="b"/>
+                  <a:tcPr marL="6584" marR="6584" marT="6584" marB="0" anchor="ctr"/>
                 </a:tc>
                 <a:tc>
                   <a:txBody>
                     <a:bodyPr/>
                     <a:lstStyle/>
                     <a:p>
-                      <a:pPr algn="ctr" fontAlgn="b"/>
+                      <a:pPr algn="l" rtl="0" fontAlgn="ctr"/>
                       <a:r>
-                        <a:rPr lang="en-US" sz="600" u="none" strike="noStrike">
+                        <a:rPr lang="en-US" sz="1000" u="none" strike="noStrike">
                           <a:effectLst/>
                         </a:rPr>
-                        <a:t>O0.6</a:t>
+                        <a:t>O0.7</a:t>
                       </a:r>
-                      <a:endParaRPr lang="en-US" sz="600" b="0" i="0" u="none" strike="noStrike">
+                      <a:endParaRPr lang="en-US" sz="1000" b="0" i="0" u="none" strike="noStrike">
                         <a:solidFill>
                           <a:srgbClr val="000000"/>
                         </a:solidFill>
                         <a:effectLst/>
-                        <a:latin typeface="맑은 고딕" panose="020B0503020000020004" pitchFamily="50" charset="-127"/>
+                        <a:latin typeface="Tahoma" panose="020B0604030504040204" pitchFamily="34" charset="0"/>
                         <a:ea typeface="맑은 고딕" panose="020B0503020000020004" pitchFamily="50" charset="-127"/>
                       </a:endParaRPr>
                     </a:p>
                   </a:txBody>
-                  <a:tcPr marL="5599" marR="5599" marT="5599" marB="0" anchor="b"/>
+                  <a:tcPr marL="6584" marR="6584" marT="6584" marB="0" anchor="ctr"/>
                 </a:tc>
                 <a:tc>
                   <a:txBody>
                     <a:bodyPr/>
                     <a:lstStyle/>
                     <a:p>
-                      <a:pPr algn="l" fontAlgn="ctr"/>
+                      <a:pPr algn="l" rtl="0" fontAlgn="ctr"/>
                       <a:r>
-                        <a:rPr lang="en-US" sz="600" u="none" strike="noStrike">
+                        <a:rPr lang="en-US" sz="1000" u="none" strike="noStrike">
                           <a:effectLst/>
                         </a:rPr>
-                        <a:t>S2_STOPPER_RET</a:t>
+                        <a:t>F10_Pin3_RET</a:t>
                       </a:r>
-                      <a:endParaRPr lang="en-US" sz="600" b="0" i="0" u="none" strike="noStrike">
+                      <a:endParaRPr lang="en-US" sz="1000" b="0" i="0" u="none" strike="noStrike">
                         <a:solidFill>
                           <a:srgbClr val="000000"/>
                         </a:solidFill>
                         <a:effectLst/>
-                        <a:latin typeface="맑은 고딕" panose="020B0503020000020004" pitchFamily="50" charset="-127"/>
+                        <a:latin typeface="Tahoma" panose="020B0604030504040204" pitchFamily="34" charset="0"/>
                         <a:ea typeface="맑은 고딕" panose="020B0503020000020004" pitchFamily="50" charset="-127"/>
                       </a:endParaRPr>
                     </a:p>
                   </a:txBody>
-                  <a:tcPr marL="5599" marR="5599" marT="5599" marB="0" anchor="ctr"/>
+                  <a:tcPr marL="6584" marR="6584" marT="6584" marB="0" anchor="ctr"/>
                 </a:tc>
                 <a:tc>
                   <a:txBody>
                     <a:bodyPr/>
                     <a:lstStyle/>
                     <a:p>
-                      <a:pPr algn="l" fontAlgn="ctr"/>
+                      <a:pPr algn="l" rtl="0" fontAlgn="ctr"/>
                       <a:r>
-                        <a:rPr lang="ko-KR" altLang="en-US" sz="600" u="none" strike="noStrike">
+                        <a:rPr lang="ko-KR" altLang="en-US" sz="1000" u="none" strike="noStrike">
                           <a:effectLst/>
                         </a:rPr>
                         <a:t>　</a:t>
                       </a:r>
-                      <a:endParaRPr lang="ko-KR" altLang="en-US" sz="600" b="0" i="0" u="none" strike="noStrike">
+                      <a:endParaRPr lang="ko-KR" altLang="en-US" sz="1000" b="0" i="0" u="none" strike="noStrike">
                         <a:solidFill>
                           <a:srgbClr val="000000"/>
                         </a:solidFill>
                         <a:effectLst/>
-                        <a:latin typeface="맑은 고딕" panose="020B0503020000020004" pitchFamily="50" charset="-127"/>
+                        <a:latin typeface="Tahoma" panose="020B0604030504040204" pitchFamily="34" charset="0"/>
                         <a:ea typeface="맑은 고딕" panose="020B0503020000020004" pitchFamily="50" charset="-127"/>
                       </a:endParaRPr>
                     </a:p>
                   </a:txBody>
-                  <a:tcPr marL="5599" marR="5599" marT="5599" marB="0" anchor="ctr"/>
+                  <a:tcPr marL="6584" marR="6584" marT="6584" marB="0" anchor="ctr"/>
                 </a:tc>
                 <a:extLst>
                   <a:ext uri="{0D108BD9-81ED-4DB2-BD59-A6C34878D82A}">
-                    <a16:rowId xmlns:a16="http://schemas.microsoft.com/office/drawing/2014/main" val="2947859930"/>
+                    <a16:rowId xmlns:a16="http://schemas.microsoft.com/office/drawing/2014/main" val="2411870166"/>
                   </a:ext>
                 </a:extLst>
               </a:tr>
-              <a:tr h="202674">
+              <a:tr h="195601">
                 <a:tc>
                   <a:txBody>
                     <a:bodyPr/>
                     <a:lstStyle/>
                     <a:p>
-                      <a:pPr algn="l" fontAlgn="ctr"/>
+                      <a:pPr algn="l" rtl="0" fontAlgn="ctr"/>
                       <a:r>
-                        <a:rPr lang="ko-KR" altLang="en-US" sz="600" u="none" strike="noStrike">
+                        <a:rPr lang="ko-KR" altLang="en-US" sz="1000" u="none" strike="noStrike">
                           <a:effectLst/>
                         </a:rPr>
                         <a:t>외부주소</a:t>
                       </a:r>
-                      <a:endParaRPr lang="ko-KR" altLang="en-US" sz="600" b="0" i="0" u="none" strike="noStrike">
+                      <a:endParaRPr lang="ko-KR" altLang="en-US" sz="1000" b="0" i="0" u="none" strike="noStrike">
                         <a:solidFill>
                           <a:srgbClr val="000000"/>
                         </a:solidFill>
                         <a:effectLst/>
-                        <a:latin typeface="맑은 고딕" panose="020B0503020000020004" pitchFamily="50" charset="-127"/>
+                        <a:latin typeface="Tahoma" panose="020B0604030504040204" pitchFamily="34" charset="0"/>
                         <a:ea typeface="맑은 고딕" panose="020B0503020000020004" pitchFamily="50" charset="-127"/>
                       </a:endParaRPr>
                     </a:p>
                   </a:txBody>
-                  <a:tcPr marL="5599" marR="5599" marT="5599" marB="0" anchor="ctr"/>
+                  <a:tcPr marL="6584" marR="6584" marT="6584" marB="0" anchor="ctr"/>
                 </a:tc>
                 <a:tc>
                   <a:txBody>
                     <a:bodyPr/>
                     <a:lstStyle/>
                     <a:p>
-                      <a:pPr algn="l" fontAlgn="ctr"/>
+                      <a:pPr algn="l" rtl="0" fontAlgn="ctr"/>
                       <a:r>
-                        <a:rPr lang="en-US" sz="600" u="none" strike="noStrike" dirty="0">
+                        <a:rPr lang="en-US" sz="1000" u="none" strike="noStrike">
                           <a:effectLst/>
                         </a:rPr>
-                        <a:t>S2_USB.ADV</a:t>
+                        <a:t>F10_Pin4.ADV</a:t>
                       </a:r>
-                      <a:endParaRPr lang="en-US" sz="600" b="0" i="0" u="none" strike="noStrike" dirty="0">
+                      <a:endParaRPr lang="en-US" sz="1000" b="0" i="0" u="none" strike="noStrike">
                         <a:solidFill>
                           <a:srgbClr val="000000"/>
                         </a:solidFill>
                         <a:effectLst/>
-                        <a:latin typeface="맑은 고딕" panose="020B0503020000020004" pitchFamily="50" charset="-127"/>
+                        <a:latin typeface="Tahoma" panose="020B0604030504040204" pitchFamily="34" charset="0"/>
                         <a:ea typeface="맑은 고딕" panose="020B0503020000020004" pitchFamily="50" charset="-127"/>
                       </a:endParaRPr>
                     </a:p>
                   </a:txBody>
-                  <a:tcPr marL="5599" marR="5599" marT="5599" marB="0" anchor="ctr"/>
+                  <a:tcPr marL="6584" marR="6584" marT="6584" marB="0" anchor="ctr"/>
                 </a:tc>
                 <a:tc>
                   <a:txBody>
                     <a:bodyPr/>
                     <a:lstStyle/>
                     <a:p>
-                      <a:pPr algn="l" fontAlgn="ctr"/>
+                      <a:pPr algn="l" rtl="0" fontAlgn="ctr"/>
                       <a:r>
-                        <a:rPr lang="en-US" sz="600" u="none" strike="noStrike">
+                        <a:rPr lang="en-US" sz="1000" u="none" strike="noStrike">
                           <a:effectLst/>
                         </a:rPr>
                         <a:t>bool</a:t>
                       </a:r>
-                      <a:endParaRPr lang="en-US" sz="600" b="0" i="0" u="none" strike="noStrike">
+                      <a:endParaRPr lang="en-US" sz="1000" b="0" i="0" u="none" strike="noStrike">
                         <a:solidFill>
                           <a:srgbClr val="000000"/>
                         </a:solidFill>
                         <a:effectLst/>
-                        <a:latin typeface="맑은 고딕" panose="020B0503020000020004" pitchFamily="50" charset="-127"/>
+                        <a:latin typeface="Tahoma" panose="020B0604030504040204" pitchFamily="34" charset="0"/>
                         <a:ea typeface="맑은 고딕" panose="020B0503020000020004" pitchFamily="50" charset="-127"/>
                       </a:endParaRPr>
                     </a:p>
                   </a:txBody>
-                  <a:tcPr marL="5599" marR="5599" marT="5599" marB="0" anchor="ctr"/>
+                  <a:tcPr marL="6584" marR="6584" marT="6584" marB="0" anchor="ctr"/>
                 </a:tc>
                 <a:tc>
                   <a:txBody>
                     <a:bodyPr/>
                     <a:lstStyle/>
                     <a:p>
-                      <a:pPr algn="ctr" fontAlgn="b"/>
+                      <a:pPr algn="l" rtl="0" fontAlgn="ctr"/>
                       <a:r>
-                        <a:rPr lang="en-US" sz="600" u="none" strike="noStrike">
+                        <a:rPr lang="en-US" sz="1000" u="none" strike="noStrike">
                           <a:effectLst/>
                         </a:rPr>
-                        <a:t>I1.3</a:t>
+                        <a:t>I1.0</a:t>
                       </a:r>
-                      <a:endParaRPr lang="en-US" sz="600" b="0" i="0" u="none" strike="noStrike">
+                      <a:endParaRPr lang="en-US" sz="1000" b="0" i="0" u="none" strike="noStrike">
                         <a:solidFill>
                           <a:srgbClr val="000000"/>
                         </a:solidFill>
                         <a:effectLst/>
-                        <a:latin typeface="맑은 고딕" panose="020B0503020000020004" pitchFamily="50" charset="-127"/>
+                        <a:latin typeface="Tahoma" panose="020B0604030504040204" pitchFamily="34" charset="0"/>
                         <a:ea typeface="맑은 고딕" panose="020B0503020000020004" pitchFamily="50" charset="-127"/>
                       </a:endParaRPr>
                     </a:p>
                   </a:txBody>
-                  <a:tcPr marL="5599" marR="5599" marT="5599" marB="0" anchor="b"/>
+                  <a:tcPr marL="6584" marR="6584" marT="6584" marB="0" anchor="ctr"/>
                 </a:tc>
                 <a:tc>
                   <a:txBody>
                     <a:bodyPr/>
                     <a:lstStyle/>
                     <a:p>
-                      <a:pPr algn="ctr" fontAlgn="b"/>
+                      <a:pPr algn="l" rtl="0" fontAlgn="ctr"/>
                       <a:r>
-                        <a:rPr lang="en-US" sz="600" u="none" strike="noStrike">
+                        <a:rPr lang="en-US" sz="1000" u="none" strike="noStrike">
                           <a:effectLst/>
                         </a:rPr>
-                        <a:t>O1.1</a:t>
+                        <a:t>O1.0</a:t>
                       </a:r>
-                      <a:endParaRPr lang="en-US" sz="600" b="0" i="0" u="none" strike="noStrike">
+                      <a:endParaRPr lang="en-US" sz="1000" b="0" i="0" u="none" strike="noStrike">
                         <a:solidFill>
                           <a:srgbClr val="000000"/>
                         </a:solidFill>
                         <a:effectLst/>
-                        <a:latin typeface="맑은 고딕" panose="020B0503020000020004" pitchFamily="50" charset="-127"/>
+                        <a:latin typeface="Tahoma" panose="020B0604030504040204" pitchFamily="34" charset="0"/>
                         <a:ea typeface="맑은 고딕" panose="020B0503020000020004" pitchFamily="50" charset="-127"/>
                       </a:endParaRPr>
                     </a:p>
                   </a:txBody>
-                  <a:tcPr marL="5599" marR="5599" marT="5599" marB="0" anchor="b"/>
+                  <a:tcPr marL="6584" marR="6584" marT="6584" marB="0" anchor="ctr"/>
                 </a:tc>
                 <a:tc>
                   <a:txBody>
                     <a:bodyPr/>
                     <a:lstStyle/>
                     <a:p>
-                      <a:pPr algn="l" fontAlgn="ctr"/>
+                      <a:pPr algn="l" rtl="0" fontAlgn="ctr"/>
                       <a:r>
-                        <a:rPr lang="en-US" sz="600" u="none" strike="noStrike">
+                        <a:rPr lang="en-US" sz="1000" u="none" strike="noStrike">
                           <a:effectLst/>
                         </a:rPr>
-                        <a:t>S2_USB_ADV</a:t>
+                        <a:t>F10_Pin4_ADV</a:t>
                       </a:r>
-                      <a:endParaRPr lang="en-US" sz="600" b="0" i="0" u="none" strike="noStrike">
+                      <a:endParaRPr lang="en-US" sz="1000" b="0" i="0" u="none" strike="noStrike">
                         <a:solidFill>
                           <a:srgbClr val="000000"/>
                         </a:solidFill>
                         <a:effectLst/>
-                        <a:latin typeface="맑은 고딕" panose="020B0503020000020004" pitchFamily="50" charset="-127"/>
+                        <a:latin typeface="Tahoma" panose="020B0604030504040204" pitchFamily="34" charset="0"/>
                         <a:ea typeface="맑은 고딕" panose="020B0503020000020004" pitchFamily="50" charset="-127"/>
                       </a:endParaRPr>
                     </a:p>
                   </a:txBody>
-                  <a:tcPr marL="5599" marR="5599" marT="5599" marB="0" anchor="ctr"/>
+                  <a:tcPr marL="6584" marR="6584" marT="6584" marB="0" anchor="ctr"/>
                 </a:tc>
                 <a:tc>
                   <a:txBody>
                     <a:bodyPr/>
                     <a:lstStyle/>
                     <a:p>
-                      <a:pPr algn="l" fontAlgn="ctr"/>
+                      <a:pPr algn="l" rtl="0" fontAlgn="ctr"/>
                       <a:r>
-                        <a:rPr lang="ko-KR" altLang="en-US" sz="600" u="none" strike="noStrike">
+                        <a:rPr lang="ko-KR" altLang="en-US" sz="1000" u="none" strike="noStrike">
                           <a:effectLst/>
                         </a:rPr>
                         <a:t>　</a:t>
                       </a:r>
-                      <a:endParaRPr lang="ko-KR" altLang="en-US" sz="600" b="0" i="0" u="none" strike="noStrike">
+                      <a:endParaRPr lang="ko-KR" altLang="en-US" sz="1000" b="0" i="0" u="none" strike="noStrike">
                         <a:solidFill>
                           <a:srgbClr val="000000"/>
                         </a:solidFill>
                         <a:effectLst/>
-                        <a:latin typeface="맑은 고딕" panose="020B0503020000020004" pitchFamily="50" charset="-127"/>
+                        <a:latin typeface="Tahoma" panose="020B0604030504040204" pitchFamily="34" charset="0"/>
                         <a:ea typeface="맑은 고딕" panose="020B0503020000020004" pitchFamily="50" charset="-127"/>
                       </a:endParaRPr>
                     </a:p>
                   </a:txBody>
-                  <a:tcPr marL="5599" marR="5599" marT="5599" marB="0" anchor="ctr"/>
+                  <a:tcPr marL="6584" marR="6584" marT="6584" marB="0" anchor="ctr"/>
                 </a:tc>
                 <a:extLst>
                   <a:ext uri="{0D108BD9-81ED-4DB2-BD59-A6C34878D82A}">
-                    <a16:rowId xmlns:a16="http://schemas.microsoft.com/office/drawing/2014/main" val="1786908892"/>
+                    <a16:rowId xmlns:a16="http://schemas.microsoft.com/office/drawing/2014/main" val="448172617"/>
                   </a:ext>
                 </a:extLst>
               </a:tr>
-              <a:tr h="202674">
+              <a:tr h="195601">
                 <a:tc>
                   <a:txBody>
                     <a:bodyPr/>
                     <a:lstStyle/>
                     <a:p>
-                      <a:pPr algn="l" fontAlgn="ctr"/>
+                      <a:pPr algn="l" rtl="0" fontAlgn="ctr"/>
                       <a:r>
-                        <a:rPr lang="ko-KR" altLang="en-US" sz="600" u="none" strike="noStrike">
+                        <a:rPr lang="ko-KR" altLang="en-US" sz="1000" u="none" strike="noStrike">
                           <a:effectLst/>
                         </a:rPr>
                         <a:t>외부주소</a:t>
                       </a:r>
-                      <a:endParaRPr lang="ko-KR" altLang="en-US" sz="600" b="0" i="0" u="none" strike="noStrike">
+                      <a:endParaRPr lang="ko-KR" altLang="en-US" sz="1000" b="0" i="0" u="none" strike="noStrike">
                         <a:solidFill>
                           <a:srgbClr val="000000"/>
                         </a:solidFill>
                         <a:effectLst/>
-                        <a:latin typeface="맑은 고딕" panose="020B0503020000020004" pitchFamily="50" charset="-127"/>
+                        <a:latin typeface="Tahoma" panose="020B0604030504040204" pitchFamily="34" charset="0"/>
                         <a:ea typeface="맑은 고딕" panose="020B0503020000020004" pitchFamily="50" charset="-127"/>
                       </a:endParaRPr>
                     </a:p>
                   </a:txBody>
-                  <a:tcPr marL="5599" marR="5599" marT="5599" marB="0" anchor="ctr"/>
+                  <a:tcPr marL="6584" marR="6584" marT="6584" marB="0" anchor="ctr"/>
                 </a:tc>
                 <a:tc>
                   <a:txBody>
                     <a:bodyPr/>
                     <a:lstStyle/>
                     <a:p>
-                      <a:pPr algn="l" fontAlgn="ctr"/>
+                      <a:pPr algn="l" rtl="0" fontAlgn="ctr"/>
                       <a:r>
-                        <a:rPr lang="en-US" sz="600" u="none" strike="noStrike">
+                        <a:rPr lang="en-US" sz="1000" u="none" strike="noStrike">
                           <a:effectLst/>
                         </a:rPr>
-                        <a:t>S2_USB.RET</a:t>
+                        <a:t>F10_Pin4.RET</a:t>
                       </a:r>
-                      <a:endParaRPr lang="en-US" sz="600" b="0" i="0" u="none" strike="noStrike">
+                      <a:endParaRPr lang="en-US" sz="1000" b="0" i="0" u="none" strike="noStrike">
                         <a:solidFill>
                           <a:srgbClr val="000000"/>
                         </a:solidFill>
                         <a:effectLst/>
-                        <a:latin typeface="맑은 고딕" panose="020B0503020000020004" pitchFamily="50" charset="-127"/>
+                        <a:latin typeface="Tahoma" panose="020B0604030504040204" pitchFamily="34" charset="0"/>
                         <a:ea typeface="맑은 고딕" panose="020B0503020000020004" pitchFamily="50" charset="-127"/>
                       </a:endParaRPr>
                     </a:p>
                   </a:txBody>
-                  <a:tcPr marL="5599" marR="5599" marT="5599" marB="0" anchor="ctr"/>
+                  <a:tcPr marL="6584" marR="6584" marT="6584" marB="0" anchor="ctr"/>
                 </a:tc>
                 <a:tc>
                   <a:txBody>
                     <a:bodyPr/>
                     <a:lstStyle/>
                     <a:p>
-                      <a:pPr algn="l" fontAlgn="ctr"/>
+                      <a:pPr algn="l" rtl="0" fontAlgn="ctr"/>
                       <a:r>
-                        <a:rPr lang="en-US" sz="600" u="none" strike="noStrike">
+                        <a:rPr lang="en-US" sz="1000" u="none" strike="noStrike">
                           <a:effectLst/>
                         </a:rPr>
                         <a:t>bool</a:t>
                       </a:r>
-                      <a:endParaRPr lang="en-US" sz="600" b="0" i="0" u="none" strike="noStrike">
+                      <a:endParaRPr lang="en-US" sz="1000" b="0" i="0" u="none" strike="noStrike">
                         <a:solidFill>
                           <a:srgbClr val="000000"/>
                         </a:solidFill>
                         <a:effectLst/>
-                        <a:latin typeface="맑은 고딕" panose="020B0503020000020004" pitchFamily="50" charset="-127"/>
+                        <a:latin typeface="Tahoma" panose="020B0604030504040204" pitchFamily="34" charset="0"/>
                         <a:ea typeface="맑은 고딕" panose="020B0503020000020004" pitchFamily="50" charset="-127"/>
                       </a:endParaRPr>
                     </a:p>
                   </a:txBody>
-                  <a:tcPr marL="5599" marR="5599" marT="5599" marB="0" anchor="ctr"/>
+                  <a:tcPr marL="6584" marR="6584" marT="6584" marB="0" anchor="ctr"/>
                 </a:tc>
                 <a:tc>
                   <a:txBody>
                     <a:bodyPr/>
                     <a:lstStyle/>
                     <a:p>
-                      <a:pPr algn="ctr" fontAlgn="b"/>
+                      <a:pPr algn="l" rtl="0" fontAlgn="ctr"/>
                       <a:r>
-                        <a:rPr lang="en-US" sz="600" u="none" strike="noStrike">
+                        <a:rPr lang="en-US" sz="1000" u="none" strike="noStrike">
                           <a:effectLst/>
                         </a:rPr>
-                        <a:t>I1.2</a:t>
+                        <a:t>I1.1</a:t>
                       </a:r>
-                      <a:endParaRPr lang="en-US" sz="600" b="0" i="0" u="none" strike="noStrike">
+                      <a:endParaRPr lang="en-US" sz="1000" b="0" i="0" u="none" strike="noStrike">
                         <a:solidFill>
                           <a:srgbClr val="000000"/>
                         </a:solidFill>
                         <a:effectLst/>
-                        <a:latin typeface="맑은 고딕" panose="020B0503020000020004" pitchFamily="50" charset="-127"/>
+                        <a:latin typeface="Tahoma" panose="020B0604030504040204" pitchFamily="34" charset="0"/>
                         <a:ea typeface="맑은 고딕" panose="020B0503020000020004" pitchFamily="50" charset="-127"/>
                       </a:endParaRPr>
                     </a:p>
                   </a:txBody>
-                  <a:tcPr marL="5599" marR="5599" marT="5599" marB="0" anchor="b"/>
+                  <a:tcPr marL="6584" marR="6584" marT="6584" marB="0" anchor="ctr"/>
                 </a:tc>
                 <a:tc>
                   <a:txBody>
                     <a:bodyPr/>
                     <a:lstStyle/>
                     <a:p>
-                      <a:pPr algn="ctr" fontAlgn="b"/>
+                      <a:pPr algn="l" rtl="0" fontAlgn="ctr"/>
                       <a:r>
-                        <a:rPr lang="en-US" sz="600" u="none" strike="noStrike">
+                        <a:rPr lang="en-US" sz="1000" u="none" strike="noStrike">
                           <a:effectLst/>
                         </a:rPr>
-                        <a:t>O1.0</a:t>
+                        <a:t>O1.1</a:t>
                       </a:r>
-                      <a:endParaRPr lang="en-US" sz="600" b="0" i="0" u="none" strike="noStrike">
+                      <a:endParaRPr lang="en-US" sz="1000" b="0" i="0" u="none" strike="noStrike">
                         <a:solidFill>
                           <a:srgbClr val="000000"/>
                         </a:solidFill>
                         <a:effectLst/>
-                        <a:latin typeface="맑은 고딕" panose="020B0503020000020004" pitchFamily="50" charset="-127"/>
+                        <a:latin typeface="Tahoma" panose="020B0604030504040204" pitchFamily="34" charset="0"/>
                         <a:ea typeface="맑은 고딕" panose="020B0503020000020004" pitchFamily="50" charset="-127"/>
                       </a:endParaRPr>
                     </a:p>
                   </a:txBody>
-                  <a:tcPr marL="5599" marR="5599" marT="5599" marB="0" anchor="b"/>
+                  <a:tcPr marL="6584" marR="6584" marT="6584" marB="0" anchor="ctr"/>
                 </a:tc>
                 <a:tc>
                   <a:txBody>
                     <a:bodyPr/>
                     <a:lstStyle/>
                     <a:p>
-                      <a:pPr algn="l" fontAlgn="ctr"/>
+                      <a:pPr algn="l" rtl="0" fontAlgn="ctr"/>
                       <a:r>
-                        <a:rPr lang="en-US" sz="600" u="none" strike="noStrike">
+                        <a:rPr lang="en-US" sz="1000" u="none" strike="noStrike">
                           <a:effectLst/>
                         </a:rPr>
-                        <a:t>S2_USB_RET</a:t>
+                        <a:t>F10_Pin4_RET</a:t>
                       </a:r>
-                      <a:endParaRPr lang="en-US" sz="600" b="0" i="0" u="none" strike="noStrike">
+                      <a:endParaRPr lang="en-US" sz="1000" b="0" i="0" u="none" strike="noStrike">
                         <a:solidFill>
                           <a:srgbClr val="000000"/>
                         </a:solidFill>
                         <a:effectLst/>
-                        <a:latin typeface="맑은 고딕" panose="020B0503020000020004" pitchFamily="50" charset="-127"/>
+                        <a:latin typeface="Tahoma" panose="020B0604030504040204" pitchFamily="34" charset="0"/>
                         <a:ea typeface="맑은 고딕" panose="020B0503020000020004" pitchFamily="50" charset="-127"/>
                       </a:endParaRPr>
                     </a:p>
                   </a:txBody>
-                  <a:tcPr marL="5599" marR="5599" marT="5599" marB="0" anchor="ctr"/>
+                  <a:tcPr marL="6584" marR="6584" marT="6584" marB="0" anchor="ctr"/>
                 </a:tc>
                 <a:tc>
                   <a:txBody>
                     <a:bodyPr/>
                     <a:lstStyle/>
                     <a:p>
-                      <a:pPr algn="l" fontAlgn="ctr"/>
+                      <a:pPr algn="l" rtl="0" fontAlgn="ctr"/>
                       <a:r>
-                        <a:rPr lang="ko-KR" altLang="en-US" sz="600" u="none" strike="noStrike">
+                        <a:rPr lang="ko-KR" altLang="en-US" sz="1000" u="none" strike="noStrike">
                           <a:effectLst/>
                         </a:rPr>
                         <a:t>　</a:t>
                       </a:r>
-                      <a:endParaRPr lang="ko-KR" altLang="en-US" sz="600" b="0" i="0" u="none" strike="noStrike">
+                      <a:endParaRPr lang="ko-KR" altLang="en-US" sz="1000" b="0" i="0" u="none" strike="noStrike">
                         <a:solidFill>
                           <a:srgbClr val="000000"/>
                         </a:solidFill>
                         <a:effectLst/>
-                        <a:latin typeface="맑은 고딕" panose="020B0503020000020004" pitchFamily="50" charset="-127"/>
+                        <a:latin typeface="Tahoma" panose="020B0604030504040204" pitchFamily="34" charset="0"/>
                         <a:ea typeface="맑은 고딕" panose="020B0503020000020004" pitchFamily="50" charset="-127"/>
                       </a:endParaRPr>
                     </a:p>
                   </a:txBody>
-                  <a:tcPr marL="5599" marR="5599" marT="5599" marB="0" anchor="ctr"/>
+                  <a:tcPr marL="6584" marR="6584" marT="6584" marB="0" anchor="ctr"/>
                 </a:tc>
                 <a:extLst>
                   <a:ext uri="{0D108BD9-81ED-4DB2-BD59-A6C34878D82A}">
-                    <a16:rowId xmlns:a16="http://schemas.microsoft.com/office/drawing/2014/main" val="1033410466"/>
+                    <a16:rowId xmlns:a16="http://schemas.microsoft.com/office/drawing/2014/main" val="248478230"/>
                   </a:ext>
                 </a:extLst>
               </a:tr>
-              <a:tr h="202674">
+              <a:tr h="195601">
                 <a:tc>
                   <a:txBody>
                     <a:bodyPr/>
                     <a:lstStyle/>
                     <a:p>
-                      <a:pPr algn="l" fontAlgn="ctr"/>
+                      <a:pPr algn="l" rtl="0" fontAlgn="ctr"/>
                       <a:r>
-                        <a:rPr lang="ko-KR" altLang="en-US" sz="600" u="none" strike="noStrike">
+                        <a:rPr lang="ko-KR" altLang="en-US" sz="1000" u="none" strike="noStrike">
                           <a:effectLst/>
                         </a:rPr>
                         <a:t>외부주소</a:t>
                       </a:r>
-                      <a:endParaRPr lang="ko-KR" altLang="en-US" sz="600" b="0" i="0" u="none" strike="noStrike">
+                      <a:endParaRPr lang="ko-KR" altLang="en-US" sz="1000" b="0" i="0" u="none" strike="noStrike">
                         <a:solidFill>
                           <a:srgbClr val="000000"/>
                         </a:solidFill>
                         <a:effectLst/>
-                        <a:latin typeface="맑은 고딕" panose="020B0503020000020004" pitchFamily="50" charset="-127"/>
+                        <a:latin typeface="Tahoma" panose="020B0604030504040204" pitchFamily="34" charset="0"/>
                         <a:ea typeface="맑은 고딕" panose="020B0503020000020004" pitchFamily="50" charset="-127"/>
                       </a:endParaRPr>
                     </a:p>
                   </a:txBody>
-                  <a:tcPr marL="5599" marR="5599" marT="5599" marB="0" anchor="ctr"/>
+                  <a:tcPr marL="6584" marR="6584" marT="6584" marB="0" anchor="ctr"/>
                 </a:tc>
                 <a:tc>
                   <a:txBody>
                     <a:bodyPr/>
                     <a:lstStyle/>
                     <a:p>
-                      <a:pPr algn="l" fontAlgn="ctr"/>
+                      <a:pPr algn="l" rtl="0" fontAlgn="ctr"/>
                       <a:r>
-                        <a:rPr lang="en-US" sz="600" u="none" strike="noStrike">
+                        <a:rPr lang="en-US" sz="1000" u="none" strike="noStrike">
                           <a:effectLst/>
                         </a:rPr>
-                        <a:t>S3_STOPPER.ADV</a:t>
+                        <a:t>F10_Pin5.ADV</a:t>
                       </a:r>
-                      <a:endParaRPr lang="en-US" sz="600" b="0" i="0" u="none" strike="noStrike">
+                      <a:endParaRPr lang="en-US" sz="1000" b="0" i="0" u="none" strike="noStrike">
                         <a:solidFill>
                           <a:srgbClr val="000000"/>
                         </a:solidFill>
                         <a:effectLst/>
-                        <a:latin typeface="맑은 고딕" panose="020B0503020000020004" pitchFamily="50" charset="-127"/>
+                        <a:latin typeface="Tahoma" panose="020B0604030504040204" pitchFamily="34" charset="0"/>
                         <a:ea typeface="맑은 고딕" panose="020B0503020000020004" pitchFamily="50" charset="-127"/>
                       </a:endParaRPr>
                     </a:p>
                   </a:txBody>
-                  <a:tcPr marL="5599" marR="5599" marT="5599" marB="0" anchor="ctr"/>
+                  <a:tcPr marL="6584" marR="6584" marT="6584" marB="0" anchor="ctr"/>
                 </a:tc>
                 <a:tc>
                   <a:txBody>
                     <a:bodyPr/>
                     <a:lstStyle/>
                     <a:p>
-                      <a:pPr algn="l" fontAlgn="ctr"/>
+                      <a:pPr algn="l" rtl="0" fontAlgn="ctr"/>
                       <a:r>
-                        <a:rPr lang="en-US" sz="600" u="none" strike="noStrike">
+                        <a:rPr lang="en-US" sz="1000" u="none" strike="noStrike">
                           <a:effectLst/>
                         </a:rPr>
                         <a:t>bool</a:t>
                       </a:r>
-                      <a:endParaRPr lang="en-US" sz="600" b="0" i="0" u="none" strike="noStrike">
+                      <a:endParaRPr lang="en-US" sz="1000" b="0" i="0" u="none" strike="noStrike">
                         <a:solidFill>
                           <a:srgbClr val="000000"/>
                         </a:solidFill>
                         <a:effectLst/>
-                        <a:latin typeface="맑은 고딕" panose="020B0503020000020004" pitchFamily="50" charset="-127"/>
+                        <a:latin typeface="Tahoma" panose="020B0604030504040204" pitchFamily="34" charset="0"/>
                         <a:ea typeface="맑은 고딕" panose="020B0503020000020004" pitchFamily="50" charset="-127"/>
                       </a:endParaRPr>
                     </a:p>
                   </a:txBody>
-                  <a:tcPr marL="5599" marR="5599" marT="5599" marB="0" anchor="ctr"/>
+                  <a:tcPr marL="6584" marR="6584" marT="6584" marB="0" anchor="ctr"/>
                 </a:tc>
                 <a:tc>
                   <a:txBody>
                     <a:bodyPr/>
                     <a:lstStyle/>
                     <a:p>
-                      <a:pPr algn="ctr" fontAlgn="b"/>
+                      <a:pPr algn="l" rtl="0" fontAlgn="ctr"/>
                       <a:r>
-                        <a:rPr lang="en-US" sz="600" u="none" strike="noStrike">
+                        <a:rPr lang="en-US" sz="1000" u="none" strike="noStrike">
                           <a:effectLst/>
                         </a:rPr>
-                        <a:t>I1.5</a:t>
+                        <a:t>I1.2</a:t>
                       </a:r>
-                      <a:endParaRPr lang="en-US" sz="600" b="0" i="0" u="none" strike="noStrike">
+                      <a:endParaRPr lang="en-US" sz="1000" b="0" i="0" u="none" strike="noStrike">
                         <a:solidFill>
                           <a:srgbClr val="000000"/>
                         </a:solidFill>
                         <a:effectLst/>
-                        <a:latin typeface="맑은 고딕" panose="020B0503020000020004" pitchFamily="50" charset="-127"/>
+                        <a:latin typeface="Tahoma" panose="020B0604030504040204" pitchFamily="34" charset="0"/>
                         <a:ea typeface="맑은 고딕" panose="020B0503020000020004" pitchFamily="50" charset="-127"/>
                       </a:endParaRPr>
                     </a:p>
                   </a:txBody>
-                  <a:tcPr marL="5599" marR="5599" marT="5599" marB="0" anchor="b"/>
+                  <a:tcPr marL="6584" marR="6584" marT="6584" marB="0" anchor="ctr"/>
                 </a:tc>
                 <a:tc>
                   <a:txBody>
                     <a:bodyPr/>
                     <a:lstStyle/>
                     <a:p>
-                      <a:pPr algn="ctr" fontAlgn="b"/>
+                      <a:pPr algn="l" rtl="0" fontAlgn="ctr"/>
                       <a:r>
-                        <a:rPr lang="en-US" sz="600" u="none" strike="noStrike">
+                        <a:rPr lang="en-US" sz="1000" u="none" strike="noStrike">
                           <a:effectLst/>
                         </a:rPr>
-                        <a:t>O1.3</a:t>
+                        <a:t>O1.2</a:t>
                       </a:r>
-                      <a:endParaRPr lang="en-US" sz="600" b="0" i="0" u="none" strike="noStrike">
+                      <a:endParaRPr lang="en-US" sz="1000" b="0" i="0" u="none" strike="noStrike">
                         <a:solidFill>
                           <a:srgbClr val="000000"/>
                         </a:solidFill>
                         <a:effectLst/>
-                        <a:latin typeface="맑은 고딕" panose="020B0503020000020004" pitchFamily="50" charset="-127"/>
+                        <a:latin typeface="Tahoma" panose="020B0604030504040204" pitchFamily="34" charset="0"/>
                         <a:ea typeface="맑은 고딕" panose="020B0503020000020004" pitchFamily="50" charset="-127"/>
                       </a:endParaRPr>
                     </a:p>
                   </a:txBody>
-                  <a:tcPr marL="5599" marR="5599" marT="5599" marB="0" anchor="b"/>
+                  <a:tcPr marL="6584" marR="6584" marT="6584" marB="0" anchor="ctr"/>
                 </a:tc>
                 <a:tc>
                   <a:txBody>
                     <a:bodyPr/>
                     <a:lstStyle/>
                     <a:p>
-                      <a:pPr algn="l" fontAlgn="ctr"/>
+                      <a:pPr algn="l" rtl="0" fontAlgn="ctr"/>
                       <a:r>
-                        <a:rPr lang="en-US" sz="600" u="none" strike="noStrike">
+                        <a:rPr lang="en-US" sz="1000" u="none" strike="noStrike">
                           <a:effectLst/>
                         </a:rPr>
-                        <a:t>S3_STOPPER_ADV</a:t>
+                        <a:t>F10_Pin5_ADV</a:t>
                       </a:r>
-                      <a:endParaRPr lang="en-US" sz="600" b="0" i="0" u="none" strike="noStrike">
+                      <a:endParaRPr lang="en-US" sz="1000" b="0" i="0" u="none" strike="noStrike">
                         <a:solidFill>
                           <a:srgbClr val="000000"/>
                         </a:solidFill>
                         <a:effectLst/>
-                        <a:latin typeface="맑은 고딕" panose="020B0503020000020004" pitchFamily="50" charset="-127"/>
+                        <a:latin typeface="Tahoma" panose="020B0604030504040204" pitchFamily="34" charset="0"/>
                         <a:ea typeface="맑은 고딕" panose="020B0503020000020004" pitchFamily="50" charset="-127"/>
                       </a:endParaRPr>
                     </a:p>
                   </a:txBody>
-                  <a:tcPr marL="5599" marR="5599" marT="5599" marB="0" anchor="ctr"/>
+                  <a:tcPr marL="6584" marR="6584" marT="6584" marB="0" anchor="ctr"/>
                 </a:tc>
                 <a:tc>
                   <a:txBody>
                     <a:bodyPr/>
                     <a:lstStyle/>
                     <a:p>
-                      <a:pPr algn="l" fontAlgn="ctr"/>
+                      <a:pPr algn="l" rtl="0" fontAlgn="ctr"/>
                       <a:r>
-                        <a:rPr lang="ko-KR" altLang="en-US" sz="600" u="none" strike="noStrike">
+                        <a:rPr lang="ko-KR" altLang="en-US" sz="1000" u="none" strike="noStrike">
                           <a:effectLst/>
                         </a:rPr>
                         <a:t>　</a:t>
                       </a:r>
-                      <a:endParaRPr lang="ko-KR" altLang="en-US" sz="600" b="0" i="0" u="none" strike="noStrike">
+                      <a:endParaRPr lang="ko-KR" altLang="en-US" sz="1000" b="0" i="0" u="none" strike="noStrike">
                         <a:solidFill>
                           <a:srgbClr val="000000"/>
                         </a:solidFill>
                         <a:effectLst/>
-                        <a:latin typeface="맑은 고딕" panose="020B0503020000020004" pitchFamily="50" charset="-127"/>
+                        <a:latin typeface="Tahoma" panose="020B0604030504040204" pitchFamily="34" charset="0"/>
                         <a:ea typeface="맑은 고딕" panose="020B0503020000020004" pitchFamily="50" charset="-127"/>
                       </a:endParaRPr>
                     </a:p>
                   </a:txBody>
-                  <a:tcPr marL="5599" marR="5599" marT="5599" marB="0" anchor="ctr"/>
+                  <a:tcPr marL="6584" marR="6584" marT="6584" marB="0" anchor="ctr"/>
                 </a:tc>
                 <a:extLst>
                   <a:ext uri="{0D108BD9-81ED-4DB2-BD59-A6C34878D82A}">
-                    <a16:rowId xmlns:a16="http://schemas.microsoft.com/office/drawing/2014/main" val="4293809279"/>
+                    <a16:rowId xmlns:a16="http://schemas.microsoft.com/office/drawing/2014/main" val="1613853053"/>
                   </a:ext>
                 </a:extLst>
               </a:tr>
-              <a:tr h="202674">
+              <a:tr h="195601">
                 <a:tc>
                   <a:txBody>
                     <a:bodyPr/>
                     <a:lstStyle/>
                     <a:p>
-                      <a:pPr algn="l" fontAlgn="ctr"/>
+                      <a:pPr algn="l" rtl="0" fontAlgn="ctr"/>
                       <a:r>
-                        <a:rPr lang="ko-KR" altLang="en-US" sz="600" u="none" strike="noStrike">
+                        <a:rPr lang="ko-KR" altLang="en-US" sz="1000" u="none" strike="noStrike">
                           <a:effectLst/>
                         </a:rPr>
                         <a:t>외부주소</a:t>
                       </a:r>
-                      <a:endParaRPr lang="ko-KR" altLang="en-US" sz="600" b="0" i="0" u="none" strike="noStrike">
+                      <a:endParaRPr lang="ko-KR" altLang="en-US" sz="1000" b="0" i="0" u="none" strike="noStrike">
                         <a:solidFill>
                           <a:srgbClr val="000000"/>
                         </a:solidFill>
                         <a:effectLst/>
-                        <a:latin typeface="맑은 고딕" panose="020B0503020000020004" pitchFamily="50" charset="-127"/>
+                        <a:latin typeface="Tahoma" panose="020B0604030504040204" pitchFamily="34" charset="0"/>
                         <a:ea typeface="맑은 고딕" panose="020B0503020000020004" pitchFamily="50" charset="-127"/>
                       </a:endParaRPr>
                     </a:p>
                   </a:txBody>
-                  <a:tcPr marL="5599" marR="5599" marT="5599" marB="0" anchor="ctr"/>
+                  <a:tcPr marL="6584" marR="6584" marT="6584" marB="0" anchor="ctr"/>
                 </a:tc>
                 <a:tc>
                   <a:txBody>
                     <a:bodyPr/>
                     <a:lstStyle/>
                     <a:p>
-                      <a:pPr algn="l" fontAlgn="ctr"/>
+                      <a:pPr algn="l" rtl="0" fontAlgn="ctr"/>
                       <a:r>
-                        <a:rPr lang="en-US" sz="600" u="none" strike="noStrike">
+                        <a:rPr lang="en-US" sz="1000" u="none" strike="noStrike">
                           <a:effectLst/>
                         </a:rPr>
-                        <a:t>S3_STOPPER.RET</a:t>
+                        <a:t>F10_Pin5.RET</a:t>
                       </a:r>
-                      <a:endParaRPr lang="en-US" sz="600" b="0" i="0" u="none" strike="noStrike">
+                      <a:endParaRPr lang="en-US" sz="1000" b="0" i="0" u="none" strike="noStrike">
                         <a:solidFill>
                           <a:srgbClr val="000000"/>
                         </a:solidFill>
                         <a:effectLst/>
-                        <a:latin typeface="맑은 고딕" panose="020B0503020000020004" pitchFamily="50" charset="-127"/>
+                        <a:latin typeface="Tahoma" panose="020B0604030504040204" pitchFamily="34" charset="0"/>
                         <a:ea typeface="맑은 고딕" panose="020B0503020000020004" pitchFamily="50" charset="-127"/>
                       </a:endParaRPr>
                     </a:p>
                   </a:txBody>
-                  <a:tcPr marL="5599" marR="5599" marT="5599" marB="0" anchor="ctr"/>
+                  <a:tcPr marL="6584" marR="6584" marT="6584" marB="0" anchor="ctr"/>
                 </a:tc>
                 <a:tc>
                   <a:txBody>
                     <a:bodyPr/>
                     <a:lstStyle/>
                     <a:p>
-                      <a:pPr algn="l" fontAlgn="ctr"/>
+                      <a:pPr algn="l" rtl="0" fontAlgn="ctr"/>
                       <a:r>
-                        <a:rPr lang="en-US" sz="600" u="none" strike="noStrike">
+                        <a:rPr lang="en-US" sz="1000" u="none" strike="noStrike">
                           <a:effectLst/>
                         </a:rPr>
                         <a:t>bool</a:t>
                       </a:r>
-                      <a:endParaRPr lang="en-US" sz="600" b="0" i="0" u="none" strike="noStrike">
+                      <a:endParaRPr lang="en-US" sz="1000" b="0" i="0" u="none" strike="noStrike">
                         <a:solidFill>
                           <a:srgbClr val="000000"/>
                         </a:solidFill>
                         <a:effectLst/>
-                        <a:latin typeface="맑은 고딕" panose="020B0503020000020004" pitchFamily="50" charset="-127"/>
+                        <a:latin typeface="Tahoma" panose="020B0604030504040204" pitchFamily="34" charset="0"/>
                         <a:ea typeface="맑은 고딕" panose="020B0503020000020004" pitchFamily="50" charset="-127"/>
                       </a:endParaRPr>
                     </a:p>
                   </a:txBody>
-                  <a:tcPr marL="5599" marR="5599" marT="5599" marB="0" anchor="ctr"/>
+                  <a:tcPr marL="6584" marR="6584" marT="6584" marB="0" anchor="ctr"/>
                 </a:tc>
                 <a:tc>
                   <a:txBody>
                     <a:bodyPr/>
                     <a:lstStyle/>
                     <a:p>
-                      <a:pPr algn="ctr" fontAlgn="b"/>
+                      <a:pPr algn="l" rtl="0" fontAlgn="ctr"/>
                       <a:r>
-                        <a:rPr lang="en-US" sz="600" u="none" strike="noStrike">
+                        <a:rPr lang="en-US" sz="1000" u="none" strike="noStrike">
                           <a:effectLst/>
                         </a:rPr>
-                        <a:t>I1.4</a:t>
+                        <a:t>I1.3</a:t>
                       </a:r>
-                      <a:endParaRPr lang="en-US" sz="600" b="0" i="0" u="none" strike="noStrike">
+                      <a:endParaRPr lang="en-US" sz="1000" b="0" i="0" u="none" strike="noStrike">
                         <a:solidFill>
                           <a:srgbClr val="000000"/>
                         </a:solidFill>
                         <a:effectLst/>
-                        <a:latin typeface="맑은 고딕" panose="020B0503020000020004" pitchFamily="50" charset="-127"/>
+                        <a:latin typeface="Tahoma" panose="020B0604030504040204" pitchFamily="34" charset="0"/>
                         <a:ea typeface="맑은 고딕" panose="020B0503020000020004" pitchFamily="50" charset="-127"/>
                       </a:endParaRPr>
                     </a:p>
                   </a:txBody>
-                  <a:tcPr marL="5599" marR="5599" marT="5599" marB="0" anchor="b"/>
+                  <a:tcPr marL="6584" marR="6584" marT="6584" marB="0" anchor="ctr"/>
                 </a:tc>
                 <a:tc>
                   <a:txBody>
                     <a:bodyPr/>
                     <a:lstStyle/>
                     <a:p>
-                      <a:pPr algn="ctr" fontAlgn="b"/>
+                      <a:pPr algn="l" rtl="0" fontAlgn="ctr"/>
                       <a:r>
-                        <a:rPr lang="en-US" sz="600" u="none" strike="noStrike">
+                        <a:rPr lang="en-US" sz="1000" u="none" strike="noStrike">
                           <a:effectLst/>
                         </a:rPr>
-                        <a:t>O1.2</a:t>
+                        <a:t>O1.3</a:t>
                       </a:r>
-                      <a:endParaRPr lang="en-US" sz="600" b="0" i="0" u="none" strike="noStrike">
+                      <a:endParaRPr lang="en-US" sz="1000" b="0" i="0" u="none" strike="noStrike">
                         <a:solidFill>
                           <a:srgbClr val="000000"/>
                         </a:solidFill>
                         <a:effectLst/>
-                        <a:latin typeface="맑은 고딕" panose="020B0503020000020004" pitchFamily="50" charset="-127"/>
+                        <a:latin typeface="Tahoma" panose="020B0604030504040204" pitchFamily="34" charset="0"/>
                         <a:ea typeface="맑은 고딕" panose="020B0503020000020004" pitchFamily="50" charset="-127"/>
                       </a:endParaRPr>
                     </a:p>
                   </a:txBody>
-                  <a:tcPr marL="5599" marR="5599" marT="5599" marB="0" anchor="b"/>
+                  <a:tcPr marL="6584" marR="6584" marT="6584" marB="0" anchor="ctr"/>
                 </a:tc>
                 <a:tc>
                   <a:txBody>
                     <a:bodyPr/>
                     <a:lstStyle/>
                     <a:p>
-                      <a:pPr algn="l" fontAlgn="ctr"/>
+                      <a:pPr algn="l" rtl="0" fontAlgn="ctr"/>
                       <a:r>
-                        <a:rPr lang="en-US" sz="600" u="none" strike="noStrike">
+                        <a:rPr lang="en-US" sz="1000" u="none" strike="noStrike">
                           <a:effectLst/>
                         </a:rPr>
-                        <a:t>S3_STOPPER_RET</a:t>
+                        <a:t>F10_Pin5_RET</a:t>
                       </a:r>
-                      <a:endParaRPr lang="en-US" sz="600" b="0" i="0" u="none" strike="noStrike">
+                      <a:endParaRPr lang="en-US" sz="1000" b="0" i="0" u="none" strike="noStrike">
                         <a:solidFill>
                           <a:srgbClr val="000000"/>
                         </a:solidFill>
                         <a:effectLst/>
-                        <a:latin typeface="맑은 고딕" panose="020B0503020000020004" pitchFamily="50" charset="-127"/>
+                        <a:latin typeface="Tahoma" panose="020B0604030504040204" pitchFamily="34" charset="0"/>
                         <a:ea typeface="맑은 고딕" panose="020B0503020000020004" pitchFamily="50" charset="-127"/>
                       </a:endParaRPr>
                     </a:p>
                   </a:txBody>
-                  <a:tcPr marL="5599" marR="5599" marT="5599" marB="0" anchor="ctr"/>
+                  <a:tcPr marL="6584" marR="6584" marT="6584" marB="0" anchor="ctr"/>
                 </a:tc>
                 <a:tc>
                   <a:txBody>
                     <a:bodyPr/>
                     <a:lstStyle/>
                     <a:p>
-                      <a:pPr algn="l" fontAlgn="ctr"/>
+                      <a:pPr algn="l" rtl="0" fontAlgn="ctr"/>
                       <a:r>
-                        <a:rPr lang="ko-KR" altLang="en-US" sz="600" u="none" strike="noStrike">
+                        <a:rPr lang="ko-KR" altLang="en-US" sz="1000" u="none" strike="noStrike">
                           <a:effectLst/>
                         </a:rPr>
                         <a:t>　</a:t>
                       </a:r>
-                      <a:endParaRPr lang="ko-KR" altLang="en-US" sz="600" b="0" i="0" u="none" strike="noStrike">
+                      <a:endParaRPr lang="ko-KR" altLang="en-US" sz="1000" b="0" i="0" u="none" strike="noStrike">
                         <a:solidFill>
                           <a:srgbClr val="000000"/>
                         </a:solidFill>
                         <a:effectLst/>
-                        <a:latin typeface="맑은 고딕" panose="020B0503020000020004" pitchFamily="50" charset="-127"/>
+                        <a:latin typeface="Tahoma" panose="020B0604030504040204" pitchFamily="34" charset="0"/>
                         <a:ea typeface="맑은 고딕" panose="020B0503020000020004" pitchFamily="50" charset="-127"/>
                       </a:endParaRPr>
                     </a:p>
                   </a:txBody>
-                  <a:tcPr marL="5599" marR="5599" marT="5599" marB="0" anchor="ctr"/>
+                  <a:tcPr marL="6584" marR="6584" marT="6584" marB="0" anchor="ctr"/>
                 </a:tc>
                 <a:extLst>
                   <a:ext uri="{0D108BD9-81ED-4DB2-BD59-A6C34878D82A}">
-                    <a16:rowId xmlns:a16="http://schemas.microsoft.com/office/drawing/2014/main" val="3252564873"/>
+                    <a16:rowId xmlns:a16="http://schemas.microsoft.com/office/drawing/2014/main" val="3711803397"/>
                   </a:ext>
                 </a:extLst>
               </a:tr>
-              <a:tr h="202674">
+              <a:tr h="195601">
                 <a:tc>
                   <a:txBody>
                     <a:bodyPr/>
                     <a:lstStyle/>
                     <a:p>
-                      <a:pPr algn="l" fontAlgn="ctr"/>
+                      <a:pPr algn="l" rtl="0" fontAlgn="ctr"/>
                       <a:r>
-                        <a:rPr lang="ko-KR" altLang="en-US" sz="600" u="none" strike="noStrike">
+                        <a:rPr lang="ko-KR" altLang="en-US" sz="1000" u="none" strike="noStrike">
                           <a:effectLst/>
                         </a:rPr>
                         <a:t>외부주소</a:t>
                       </a:r>
-                      <a:endParaRPr lang="ko-KR" altLang="en-US" sz="600" b="0" i="0" u="none" strike="noStrike">
+                      <a:endParaRPr lang="ko-KR" altLang="en-US" sz="1000" b="0" i="0" u="none" strike="noStrike">
                         <a:solidFill>
                           <a:srgbClr val="000000"/>
                         </a:solidFill>
                         <a:effectLst/>
-                        <a:latin typeface="맑은 고딕" panose="020B0503020000020004" pitchFamily="50" charset="-127"/>
+                        <a:latin typeface="Tahoma" panose="020B0604030504040204" pitchFamily="34" charset="0"/>
                         <a:ea typeface="맑은 고딕" panose="020B0503020000020004" pitchFamily="50" charset="-127"/>
                       </a:endParaRPr>
                     </a:p>
                   </a:txBody>
-                  <a:tcPr marL="5599" marR="5599" marT="5599" marB="0" anchor="ctr"/>
+                  <a:tcPr marL="6584" marR="6584" marT="6584" marB="0" anchor="ctr"/>
                 </a:tc>
                 <a:tc>
                   <a:txBody>
                     <a:bodyPr/>
                     <a:lstStyle/>
                     <a:p>
-                      <a:pPr algn="l" fontAlgn="ctr"/>
+                      <a:pPr algn="l" rtl="0" fontAlgn="ctr"/>
                       <a:r>
-                        <a:rPr lang="en-US" sz="600" u="none" strike="noStrike">
+                        <a:rPr lang="en-US" sz="1000" u="none" strike="noStrike">
                           <a:effectLst/>
                         </a:rPr>
-                        <a:t>S3_USB.ADV</a:t>
+                        <a:t>F10_Pin.ADV</a:t>
                       </a:r>
-                      <a:endParaRPr lang="en-US" sz="600" b="0" i="0" u="none" strike="noStrike">
+                      <a:endParaRPr lang="en-US" sz="1000" b="0" i="0" u="none" strike="noStrike">
                         <a:solidFill>
                           <a:srgbClr val="000000"/>
                         </a:solidFill>
                         <a:effectLst/>
-                        <a:latin typeface="맑은 고딕" panose="020B0503020000020004" pitchFamily="50" charset="-127"/>
+                        <a:latin typeface="Tahoma" panose="020B0604030504040204" pitchFamily="34" charset="0"/>
                         <a:ea typeface="맑은 고딕" panose="020B0503020000020004" pitchFamily="50" charset="-127"/>
                       </a:endParaRPr>
                     </a:p>
                   </a:txBody>
-                  <a:tcPr marL="5599" marR="5599" marT="5599" marB="0" anchor="ctr"/>
+                  <a:tcPr marL="6584" marR="6584" marT="6584" marB="0" anchor="ctr"/>
                 </a:tc>
                 <a:tc>
                   <a:txBody>
                     <a:bodyPr/>
                     <a:lstStyle/>
                     <a:p>
-                      <a:pPr algn="l" fontAlgn="ctr"/>
+                      <a:pPr algn="l" rtl="0" fontAlgn="ctr"/>
                       <a:r>
-                        <a:rPr lang="en-US" sz="600" u="none" strike="noStrike">
+                        <a:rPr lang="en-US" sz="1000" u="none" strike="noStrike">
                           <a:effectLst/>
                         </a:rPr>
                         <a:t>bool</a:t>
                       </a:r>
-                      <a:endParaRPr lang="en-US" sz="600" b="0" i="0" u="none" strike="noStrike">
+                      <a:endParaRPr lang="en-US" sz="1000" b="0" i="0" u="none" strike="noStrike">
                         <a:solidFill>
                           <a:srgbClr val="000000"/>
                         </a:solidFill>
                         <a:effectLst/>
-                        <a:latin typeface="맑은 고딕" panose="020B0503020000020004" pitchFamily="50" charset="-127"/>
+                        <a:latin typeface="Tahoma" panose="020B0604030504040204" pitchFamily="34" charset="0"/>
                         <a:ea typeface="맑은 고딕" panose="020B0503020000020004" pitchFamily="50" charset="-127"/>
                       </a:endParaRPr>
                     </a:p>
                   </a:txBody>
-                  <a:tcPr marL="5599" marR="5599" marT="5599" marB="0" anchor="ctr"/>
+                  <a:tcPr marL="6584" marR="6584" marT="6584" marB="0" anchor="ctr"/>
                 </a:tc>
                 <a:tc>
                   <a:txBody>
                     <a:bodyPr/>
                     <a:lstStyle/>
                     <a:p>
-                      <a:pPr algn="ctr" fontAlgn="b"/>
+                      <a:pPr algn="l" rtl="0" fontAlgn="ctr"/>
                       <a:r>
-                        <a:rPr lang="en-US" sz="600" u="none" strike="noStrike">
+                        <a:rPr lang="en-US" sz="1000" u="none" strike="noStrike">
                           <a:effectLst/>
                         </a:rPr>
-                        <a:t>I1.7</a:t>
+                        <a:t>I0.0</a:t>
                       </a:r>
-                      <a:endParaRPr lang="en-US" sz="600" b="0" i="0" u="none" strike="noStrike">
+                      <a:endParaRPr lang="en-US" sz="1000" b="0" i="0" u="none" strike="noStrike">
                         <a:solidFill>
                           <a:srgbClr val="000000"/>
                         </a:solidFill>
                         <a:effectLst/>
-                        <a:latin typeface="맑은 고딕" panose="020B0503020000020004" pitchFamily="50" charset="-127"/>
+                        <a:latin typeface="Tahoma" panose="020B0604030504040204" pitchFamily="34" charset="0"/>
                         <a:ea typeface="맑은 고딕" panose="020B0503020000020004" pitchFamily="50" charset="-127"/>
                       </a:endParaRPr>
                     </a:p>
                   </a:txBody>
-                  <a:tcPr marL="5599" marR="5599" marT="5599" marB="0" anchor="b"/>
+                  <a:tcPr marL="6584" marR="6584" marT="6584" marB="0" anchor="ctr"/>
                 </a:tc>
                 <a:tc>
                   <a:txBody>
                     <a:bodyPr/>
                     <a:lstStyle/>
                     <a:p>
-                      <a:pPr algn="ctr" fontAlgn="b"/>
+                      <a:pPr algn="l" rtl="0" fontAlgn="ctr"/>
                       <a:r>
-                        <a:rPr lang="en-US" sz="600" u="none" strike="noStrike">
+                        <a:rPr lang="en-US" sz="1000" u="none" strike="noStrike">
                           <a:effectLst/>
                         </a:rPr>
-                        <a:t>O1.5</a:t>
+                        <a:t>O0.0</a:t>
                       </a:r>
-                      <a:endParaRPr lang="en-US" sz="600" b="0" i="0" u="none" strike="noStrike">
+                      <a:endParaRPr lang="en-US" sz="1000" b="0" i="0" u="none" strike="noStrike">
                         <a:solidFill>
                           <a:srgbClr val="000000"/>
                         </a:solidFill>
                         <a:effectLst/>
-                        <a:latin typeface="맑은 고딕" panose="020B0503020000020004" pitchFamily="50" charset="-127"/>
+                        <a:latin typeface="Tahoma" panose="020B0604030504040204" pitchFamily="34" charset="0"/>
                         <a:ea typeface="맑은 고딕" panose="020B0503020000020004" pitchFamily="50" charset="-127"/>
                       </a:endParaRPr>
                     </a:p>
                   </a:txBody>
-                  <a:tcPr marL="5599" marR="5599" marT="5599" marB="0" anchor="b"/>
+                  <a:tcPr marL="6584" marR="6584" marT="6584" marB="0" anchor="ctr"/>
                 </a:tc>
                 <a:tc>
                   <a:txBody>
                     <a:bodyPr/>
                     <a:lstStyle/>
                     <a:p>
-                      <a:pPr algn="l" fontAlgn="ctr"/>
+                      <a:pPr algn="l" rtl="0" fontAlgn="ctr"/>
                       <a:r>
-                        <a:rPr lang="en-US" sz="600" u="none" strike="noStrike">
+                        <a:rPr lang="en-US" sz="1000" u="none" strike="noStrike">
                           <a:effectLst/>
                         </a:rPr>
-                        <a:t>S3_USB_ADV</a:t>
+                        <a:t>F10_Pin_ADV</a:t>
                       </a:r>
-                      <a:endParaRPr lang="en-US" sz="600" b="0" i="0" u="none" strike="noStrike">
+                      <a:endParaRPr lang="en-US" sz="1000" b="0" i="0" u="none" strike="noStrike">
                         <a:solidFill>
                           <a:srgbClr val="000000"/>
                         </a:solidFill>
                         <a:effectLst/>
-                        <a:latin typeface="맑은 고딕" panose="020B0503020000020004" pitchFamily="50" charset="-127"/>
+                        <a:latin typeface="Tahoma" panose="020B0604030504040204" pitchFamily="34" charset="0"/>
                         <a:ea typeface="맑은 고딕" panose="020B0503020000020004" pitchFamily="50" charset="-127"/>
                       </a:endParaRPr>
                     </a:p>
                   </a:txBody>
-                  <a:tcPr marL="5599" marR="5599" marT="5599" marB="0" anchor="ctr"/>
+                  <a:tcPr marL="6584" marR="6584" marT="6584" marB="0" anchor="ctr"/>
                 </a:tc>
                 <a:tc>
                   <a:txBody>
                     <a:bodyPr/>
                     <a:lstStyle/>
                     <a:p>
-                      <a:pPr algn="l" fontAlgn="ctr"/>
+                      <a:pPr algn="l" rtl="0" fontAlgn="ctr"/>
                       <a:r>
-                        <a:rPr lang="ko-KR" altLang="en-US" sz="600" u="none" strike="noStrike">
+                        <a:rPr lang="ko-KR" altLang="en-US" sz="1000" u="none" strike="noStrike">
                           <a:effectLst/>
                         </a:rPr>
                         <a:t>　</a:t>
                       </a:r>
-                      <a:endParaRPr lang="ko-KR" altLang="en-US" sz="600" b="0" i="0" u="none" strike="noStrike">
+                      <a:endParaRPr lang="ko-KR" altLang="en-US" sz="1000" b="0" i="0" u="none" strike="noStrike">
                         <a:solidFill>
                           <a:srgbClr val="000000"/>
                         </a:solidFill>
                         <a:effectLst/>
-                        <a:latin typeface="맑은 고딕" panose="020B0503020000020004" pitchFamily="50" charset="-127"/>
+                        <a:latin typeface="Tahoma" panose="020B0604030504040204" pitchFamily="34" charset="0"/>
                         <a:ea typeface="맑은 고딕" panose="020B0503020000020004" pitchFamily="50" charset="-127"/>
                       </a:endParaRPr>
                     </a:p>
                   </a:txBody>
-                  <a:tcPr marL="5599" marR="5599" marT="5599" marB="0" anchor="ctr"/>
+                  <a:tcPr marL="6584" marR="6584" marT="6584" marB="0" anchor="ctr"/>
                 </a:tc>
                 <a:extLst>
                   <a:ext uri="{0D108BD9-81ED-4DB2-BD59-A6C34878D82A}">
-                    <a16:rowId xmlns:a16="http://schemas.microsoft.com/office/drawing/2014/main" val="2146822918"/>
+                    <a16:rowId xmlns:a16="http://schemas.microsoft.com/office/drawing/2014/main" val="2325387538"/>
                   </a:ext>
                 </a:extLst>
               </a:tr>
-              <a:tr h="202674">
+              <a:tr h="195601">
                 <a:tc>
                   <a:txBody>
                     <a:bodyPr/>
                     <a:lstStyle/>
                     <a:p>
-                      <a:pPr algn="l" fontAlgn="ctr"/>
+                      <a:pPr algn="l" rtl="0" fontAlgn="ctr"/>
                       <a:r>
-                        <a:rPr lang="ko-KR" altLang="en-US" sz="600" u="none" strike="noStrike">
+                        <a:rPr lang="ko-KR" altLang="en-US" sz="1000" u="none" strike="noStrike">
                           <a:effectLst/>
                         </a:rPr>
                         <a:t>외부주소</a:t>
                       </a:r>
-                      <a:endParaRPr lang="ko-KR" altLang="en-US" sz="600" b="0" i="0" u="none" strike="noStrike">
+                      <a:endParaRPr lang="ko-KR" altLang="en-US" sz="1000" b="0" i="0" u="none" strike="noStrike">
                         <a:solidFill>
                           <a:srgbClr val="000000"/>
                         </a:solidFill>
                         <a:effectLst/>
-                        <a:latin typeface="맑은 고딕" panose="020B0503020000020004" pitchFamily="50" charset="-127"/>
+                        <a:latin typeface="Tahoma" panose="020B0604030504040204" pitchFamily="34" charset="0"/>
                         <a:ea typeface="맑은 고딕" panose="020B0503020000020004" pitchFamily="50" charset="-127"/>
                       </a:endParaRPr>
                     </a:p>
                   </a:txBody>
-                  <a:tcPr marL="5599" marR="5599" marT="5599" marB="0" anchor="ctr"/>
+                  <a:tcPr marL="6584" marR="6584" marT="6584" marB="0" anchor="ctr"/>
                 </a:tc>
                 <a:tc>
                   <a:txBody>
                     <a:bodyPr/>
                     <a:lstStyle/>
                     <a:p>
-                      <a:pPr algn="l" fontAlgn="ctr"/>
+                      <a:pPr algn="l" rtl="0" fontAlgn="ctr"/>
                       <a:r>
-                        <a:rPr lang="en-US" sz="600" u="none" strike="noStrike">
+                        <a:rPr lang="en-US" sz="1000" u="none" strike="noStrike">
                           <a:effectLst/>
                         </a:rPr>
-                        <a:t>S3_USB.RET</a:t>
+                        <a:t>F10_Pin.RET</a:t>
                       </a:r>
-                      <a:endParaRPr lang="en-US" sz="600" b="0" i="0" u="none" strike="noStrike">
+                      <a:endParaRPr lang="en-US" sz="1000" b="0" i="0" u="none" strike="noStrike">
                         <a:solidFill>
                           <a:srgbClr val="000000"/>
                         </a:solidFill>
                         <a:effectLst/>
-                        <a:latin typeface="맑은 고딕" panose="020B0503020000020004" pitchFamily="50" charset="-127"/>
+                        <a:latin typeface="Tahoma" panose="020B0604030504040204" pitchFamily="34" charset="0"/>
                         <a:ea typeface="맑은 고딕" panose="020B0503020000020004" pitchFamily="50" charset="-127"/>
                       </a:endParaRPr>
                     </a:p>
                   </a:txBody>
-                  <a:tcPr marL="5599" marR="5599" marT="5599" marB="0" anchor="ctr"/>
+                  <a:tcPr marL="6584" marR="6584" marT="6584" marB="0" anchor="ctr"/>
                 </a:tc>
                 <a:tc>
                   <a:txBody>
                     <a:bodyPr/>
                     <a:lstStyle/>
                     <a:p>
-                      <a:pPr algn="l" fontAlgn="ctr"/>
+                      <a:pPr algn="l" rtl="0" fontAlgn="ctr"/>
                       <a:r>
-                        <a:rPr lang="en-US" sz="600" u="none" strike="noStrike">
+                        <a:rPr lang="en-US" sz="1000" u="none" strike="noStrike">
                           <a:effectLst/>
                         </a:rPr>
                         <a:t>bool</a:t>
                       </a:r>
-                      <a:endParaRPr lang="en-US" sz="600" b="0" i="0" u="none" strike="noStrike">
+                      <a:endParaRPr lang="en-US" sz="1000" b="0" i="0" u="none" strike="noStrike">
                         <a:solidFill>
                           <a:srgbClr val="000000"/>
                         </a:solidFill>
                         <a:effectLst/>
-                        <a:latin typeface="맑은 고딕" panose="020B0503020000020004" pitchFamily="50" charset="-127"/>
+                        <a:latin typeface="Tahoma" panose="020B0604030504040204" pitchFamily="34" charset="0"/>
                         <a:ea typeface="맑은 고딕" panose="020B0503020000020004" pitchFamily="50" charset="-127"/>
                       </a:endParaRPr>
                     </a:p>
                   </a:txBody>
-                  <a:tcPr marL="5599" marR="5599" marT="5599" marB="0" anchor="ctr"/>
+                  <a:tcPr marL="6584" marR="6584" marT="6584" marB="0" anchor="ctr"/>
                 </a:tc>
                 <a:tc>
                   <a:txBody>
                     <a:bodyPr/>
                     <a:lstStyle/>
                     <a:p>
-                      <a:pPr algn="ctr" fontAlgn="b"/>
+                      <a:pPr algn="l" rtl="0" fontAlgn="ctr"/>
                       <a:r>
-                        <a:rPr lang="en-US" sz="600" u="none" strike="noStrike">
+                        <a:rPr lang="en-US" sz="1000" u="none" strike="noStrike">
                           <a:effectLst/>
                         </a:rPr>
-                        <a:t>I1.6</a:t>
+                        <a:t>I0.1</a:t>
                       </a:r>
-                      <a:endParaRPr lang="en-US" sz="600" b="0" i="0" u="none" strike="noStrike">
+                      <a:endParaRPr lang="en-US" sz="1000" b="0" i="0" u="none" strike="noStrike">
                         <a:solidFill>
                           <a:srgbClr val="000000"/>
                         </a:solidFill>
                         <a:effectLst/>
-                        <a:latin typeface="맑은 고딕" panose="020B0503020000020004" pitchFamily="50" charset="-127"/>
+                        <a:latin typeface="Tahoma" panose="020B0604030504040204" pitchFamily="34" charset="0"/>
                         <a:ea typeface="맑은 고딕" panose="020B0503020000020004" pitchFamily="50" charset="-127"/>
                       </a:endParaRPr>
                     </a:p>
                   </a:txBody>
-                  <a:tcPr marL="5599" marR="5599" marT="5599" marB="0" anchor="b"/>
+                  <a:tcPr marL="6584" marR="6584" marT="6584" marB="0" anchor="ctr"/>
                 </a:tc>
                 <a:tc>
                   <a:txBody>
                     <a:bodyPr/>
                     <a:lstStyle/>
                     <a:p>
-                      <a:pPr algn="ctr" fontAlgn="b"/>
+                      <a:pPr algn="l" rtl="0" fontAlgn="ctr"/>
                       <a:r>
-                        <a:rPr lang="en-US" sz="600" u="none" strike="noStrike">
+                        <a:rPr lang="en-US" sz="1000" u="none" strike="noStrike">
                           <a:effectLst/>
                         </a:rPr>
-                        <a:t>O1.4</a:t>
+                        <a:t>O0.1</a:t>
                       </a:r>
-                      <a:endParaRPr lang="en-US" sz="600" b="0" i="0" u="none" strike="noStrike">
+                      <a:endParaRPr lang="en-US" sz="1000" b="0" i="0" u="none" strike="noStrike">
                         <a:solidFill>
                           <a:srgbClr val="000000"/>
                         </a:solidFill>
                         <a:effectLst/>
-                        <a:latin typeface="맑은 고딕" panose="020B0503020000020004" pitchFamily="50" charset="-127"/>
+                        <a:latin typeface="Tahoma" panose="020B0604030504040204" pitchFamily="34" charset="0"/>
                         <a:ea typeface="맑은 고딕" panose="020B0503020000020004" pitchFamily="50" charset="-127"/>
                       </a:endParaRPr>
                     </a:p>
                   </a:txBody>
-                  <a:tcPr marL="5599" marR="5599" marT="5599" marB="0" anchor="b"/>
+                  <a:tcPr marL="6584" marR="6584" marT="6584" marB="0" anchor="ctr"/>
                 </a:tc>
                 <a:tc>
                   <a:txBody>
                     <a:bodyPr/>
                     <a:lstStyle/>
                     <a:p>
-                      <a:pPr algn="l" fontAlgn="ctr"/>
+                      <a:pPr algn="l" rtl="0" fontAlgn="ctr"/>
                       <a:r>
-                        <a:rPr lang="en-US" sz="600" u="none" strike="noStrike">
+                        <a:rPr lang="en-US" sz="1000" u="none" strike="noStrike">
                           <a:effectLst/>
                         </a:rPr>
-                        <a:t>S3_USB_RET</a:t>
+                        <a:t>F10_Pin_RET</a:t>
                       </a:r>
-                      <a:endParaRPr lang="en-US" sz="600" b="0" i="0" u="none" strike="noStrike">
+                      <a:endParaRPr lang="en-US" sz="1000" b="0" i="0" u="none" strike="noStrike">
                         <a:solidFill>
                           <a:srgbClr val="000000"/>
                         </a:solidFill>
                         <a:effectLst/>
-                        <a:latin typeface="맑은 고딕" panose="020B0503020000020004" pitchFamily="50" charset="-127"/>
+                        <a:latin typeface="Tahoma" panose="020B0604030504040204" pitchFamily="34" charset="0"/>
                         <a:ea typeface="맑은 고딕" panose="020B0503020000020004" pitchFamily="50" charset="-127"/>
                       </a:endParaRPr>
                     </a:p>
                   </a:txBody>
-                  <a:tcPr marL="5599" marR="5599" marT="5599" marB="0" anchor="ctr"/>
+                  <a:tcPr marL="6584" marR="6584" marT="6584" marB="0" anchor="ctr"/>
                 </a:tc>
                 <a:tc>
                   <a:txBody>
                     <a:bodyPr/>
                     <a:lstStyle/>
                     <a:p>
-                      <a:pPr algn="l" fontAlgn="ctr"/>
+                      <a:pPr algn="l" rtl="0" fontAlgn="ctr"/>
                       <a:r>
-                        <a:rPr lang="ko-KR" altLang="en-US" sz="600" u="none" strike="noStrike">
+                        <a:rPr lang="en-US" sz="1000" u="none" strike="noStrike">
                           <a:effectLst/>
                         </a:rPr>
-                        <a:t>　</a:t>
+                        <a:t>$n</a:t>
                       </a:r>
-                      <a:endParaRPr lang="ko-KR" altLang="en-US" sz="600" b="0" i="0" u="none" strike="noStrike">
+                      <a:endParaRPr lang="en-US" sz="1000" b="0" i="0" u="none" strike="noStrike">
                         <a:solidFill>
                           <a:srgbClr val="000000"/>
                         </a:solidFill>
                         <a:effectLst/>
-                        <a:latin typeface="맑은 고딕" panose="020B0503020000020004" pitchFamily="50" charset="-127"/>
+                        <a:latin typeface="Tahoma" panose="020B0604030504040204" pitchFamily="34" charset="0"/>
                         <a:ea typeface="맑은 고딕" panose="020B0503020000020004" pitchFamily="50" charset="-127"/>
                       </a:endParaRPr>
                     </a:p>
                   </a:txBody>
-                  <a:tcPr marL="5599" marR="5599" marT="5599" marB="0" anchor="ctr"/>
+                  <a:tcPr marL="6584" marR="6584" marT="6584" marB="0" anchor="ctr"/>
                 </a:tc>
                 <a:extLst>
                   <a:ext uri="{0D108BD9-81ED-4DB2-BD59-A6C34878D82A}">
-                    <a16:rowId xmlns:a16="http://schemas.microsoft.com/office/drawing/2014/main" val="1511471889"/>
+                    <a16:rowId xmlns:a16="http://schemas.microsoft.com/office/drawing/2014/main" val="656917875"/>
                   </a:ext>
                 </a:extLst>
               </a:tr>
-              <a:tr h="202674">
+              <a:tr h="195601">
                 <a:tc>
                   <a:txBody>
                     <a:bodyPr/>
                     <a:lstStyle/>
                     <a:p>
-                      <a:pPr algn="l" fontAlgn="ctr"/>
+                      <a:pPr algn="l" rtl="0" fontAlgn="ctr"/>
                       <a:r>
-                        <a:rPr lang="ko-KR" altLang="en-US" sz="600" u="none" strike="noStrike">
+                        <a:rPr lang="ko-KR" altLang="en-US" sz="1000" u="none" strike="noStrike">
                           <a:effectLst/>
                         </a:rPr>
                         <a:t>외부주소</a:t>
                       </a:r>
-                      <a:endParaRPr lang="ko-KR" altLang="en-US" sz="600" b="0" i="0" u="none" strike="noStrike">
+                      <a:endParaRPr lang="ko-KR" altLang="en-US" sz="1000" b="0" i="0" u="none" strike="noStrike">
                         <a:solidFill>
                           <a:srgbClr val="000000"/>
                         </a:solidFill>
                         <a:effectLst/>
-                        <a:latin typeface="맑은 고딕" panose="020B0503020000020004" pitchFamily="50" charset="-127"/>
+                        <a:latin typeface="Tahoma" panose="020B0604030504040204" pitchFamily="34" charset="0"/>
                         <a:ea typeface="맑은 고딕" panose="020B0503020000020004" pitchFamily="50" charset="-127"/>
                       </a:endParaRPr>
                     </a:p>
                   </a:txBody>
-                  <a:tcPr marL="5599" marR="5599" marT="5599" marB="0" anchor="ctr"/>
+                  <a:tcPr marL="6584" marR="6584" marT="6584" marB="0" anchor="ctr"/>
                 </a:tc>
                 <a:tc>
                   <a:txBody>
                     <a:bodyPr/>
                     <a:lstStyle/>
                     <a:p>
-                      <a:pPr algn="l" fontAlgn="ctr"/>
+                      <a:pPr algn="l" rtl="0" fontAlgn="ctr"/>
                       <a:r>
-                        <a:rPr lang="en-US" sz="600" u="none" strike="noStrike">
+                        <a:rPr lang="en-US" sz="1000" u="none" strike="noStrike">
                           <a:effectLst/>
                         </a:rPr>
-                        <a:t>S4_STOPPER.ADV</a:t>
+                        <a:t>S1_STOPPER.ADV</a:t>
                       </a:r>
-                      <a:endParaRPr lang="en-US" sz="600" b="0" i="0" u="none" strike="noStrike">
+                      <a:endParaRPr lang="en-US" sz="1000" b="0" i="0" u="none" strike="noStrike">
                         <a:solidFill>
                           <a:srgbClr val="000000"/>
                         </a:solidFill>
                         <a:effectLst/>
-                        <a:latin typeface="맑은 고딕" panose="020B0503020000020004" pitchFamily="50" charset="-127"/>
+                        <a:latin typeface="Tahoma" panose="020B0604030504040204" pitchFamily="34" charset="0"/>
                         <a:ea typeface="맑은 고딕" panose="020B0503020000020004" pitchFamily="50" charset="-127"/>
                       </a:endParaRPr>
                     </a:p>
                   </a:txBody>
-                  <a:tcPr marL="5599" marR="5599" marT="5599" marB="0" anchor="ctr"/>
+                  <a:tcPr marL="6584" marR="6584" marT="6584" marB="0" anchor="ctr"/>
                 </a:tc>
                 <a:tc>
                   <a:txBody>
                     <a:bodyPr/>
                     <a:lstStyle/>
                     <a:p>
-                      <a:pPr algn="l" fontAlgn="ctr"/>
+                      <a:pPr algn="l" rtl="0" fontAlgn="ctr"/>
                       <a:r>
-                        <a:rPr lang="en-US" sz="600" u="none" strike="noStrike">
+                        <a:rPr lang="en-US" sz="1000" u="none" strike="noStrike">
                           <a:effectLst/>
                         </a:rPr>
                         <a:t>bool</a:t>
                       </a:r>
-                      <a:endParaRPr lang="en-US" sz="600" b="0" i="0" u="none" strike="noStrike">
+                      <a:endParaRPr lang="en-US" sz="1000" b="0" i="0" u="none" strike="noStrike">
                         <a:solidFill>
                           <a:srgbClr val="000000"/>
                         </a:solidFill>
                         <a:effectLst/>
-                        <a:latin typeface="맑은 고딕" panose="020B0503020000020004" pitchFamily="50" charset="-127"/>
+                        <a:latin typeface="Tahoma" panose="020B0604030504040204" pitchFamily="34" charset="0"/>
                         <a:ea typeface="맑은 고딕" panose="020B0503020000020004" pitchFamily="50" charset="-127"/>
                       </a:endParaRPr>
                     </a:p>
                   </a:txBody>
-                  <a:tcPr marL="5599" marR="5599" marT="5599" marB="0" anchor="ctr"/>
+                  <a:tcPr marL="6584" marR="6584" marT="6584" marB="0" anchor="ctr"/>
                 </a:tc>
                 <a:tc>
                   <a:txBody>
                     <a:bodyPr/>
                     <a:lstStyle/>
                     <a:p>
-                      <a:pPr algn="ctr" fontAlgn="b"/>
+                      <a:pPr algn="l" rtl="0" fontAlgn="ctr"/>
                       <a:r>
-                        <a:rPr lang="en-US" sz="600" u="none" strike="noStrike">
+                        <a:rPr lang="en-US" sz="1000" u="none" strike="noStrike">
                           <a:effectLst/>
                         </a:rPr>
-                        <a:t>I2.1</a:t>
+                        <a:t>I0.5</a:t>
                       </a:r>
-                      <a:endParaRPr lang="en-US" sz="600" b="0" i="0" u="none" strike="noStrike">
+                      <a:endParaRPr lang="en-US" sz="1000" b="0" i="0" u="none" strike="noStrike">
                         <a:solidFill>
                           <a:srgbClr val="000000"/>
                         </a:solidFill>
                         <a:effectLst/>
-                        <a:latin typeface="맑은 고딕" panose="020B0503020000020004" pitchFamily="50" charset="-127"/>
+                        <a:latin typeface="Tahoma" panose="020B0604030504040204" pitchFamily="34" charset="0"/>
                         <a:ea typeface="맑은 고딕" panose="020B0503020000020004" pitchFamily="50" charset="-127"/>
                       </a:endParaRPr>
                     </a:p>
                   </a:txBody>
-                  <a:tcPr marL="5599" marR="5599" marT="5599" marB="0" anchor="b"/>
+                  <a:tcPr marL="6584" marR="6584" marT="6584" marB="0" anchor="ctr"/>
                 </a:tc>
                 <a:tc>
                   <a:txBody>
                     <a:bodyPr/>
                     <a:lstStyle/>
                     <a:p>
-                      <a:pPr algn="ctr" fontAlgn="b"/>
+                      <a:pPr algn="l" rtl="0" fontAlgn="ctr"/>
                       <a:r>
-                        <a:rPr lang="en-US" sz="600" u="none" strike="noStrike">
+                        <a:rPr lang="en-US" sz="1000" u="none" strike="noStrike">
                           <a:effectLst/>
                         </a:rPr>
-                        <a:t>O1.7</a:t>
+                        <a:t>O0.3</a:t>
                       </a:r>
-                      <a:endParaRPr lang="en-US" sz="600" b="0" i="0" u="none" strike="noStrike">
+                      <a:endParaRPr lang="en-US" sz="1000" b="0" i="0" u="none" strike="noStrike">
                         <a:solidFill>
                           <a:srgbClr val="000000"/>
                         </a:solidFill>
                         <a:effectLst/>
-                        <a:latin typeface="맑은 고딕" panose="020B0503020000020004" pitchFamily="50" charset="-127"/>
+                        <a:latin typeface="Tahoma" panose="020B0604030504040204" pitchFamily="34" charset="0"/>
                         <a:ea typeface="맑은 고딕" panose="020B0503020000020004" pitchFamily="50" charset="-127"/>
                       </a:endParaRPr>
                     </a:p>
                   </a:txBody>
-                  <a:tcPr marL="5599" marR="5599" marT="5599" marB="0" anchor="b"/>
+                  <a:tcPr marL="6584" marR="6584" marT="6584" marB="0" anchor="ctr"/>
                 </a:tc>
                 <a:tc>
                   <a:txBody>
                     <a:bodyPr/>
                     <a:lstStyle/>
                     <a:p>
-                      <a:pPr algn="l" fontAlgn="ctr"/>
+                      <a:pPr algn="l" rtl="0" fontAlgn="ctr"/>
                       <a:r>
-                        <a:rPr lang="en-US" sz="600" u="none" strike="noStrike">
+                        <a:rPr lang="en-US" sz="1000" u="none" strike="noStrike">
                           <a:effectLst/>
                         </a:rPr>
-                        <a:t>S4_STOPPER_ADV</a:t>
+                        <a:t>S1_STOPPER_ADV</a:t>
                       </a:r>
-                      <a:endParaRPr lang="en-US" sz="600" b="0" i="0" u="none" strike="noStrike">
+                      <a:endParaRPr lang="en-US" sz="1000" b="0" i="0" u="none" strike="noStrike">
                         <a:solidFill>
                           <a:srgbClr val="000000"/>
                         </a:solidFill>
                         <a:effectLst/>
-                        <a:latin typeface="맑은 고딕" panose="020B0503020000020004" pitchFamily="50" charset="-127"/>
+                        <a:latin typeface="Tahoma" panose="020B0604030504040204" pitchFamily="34" charset="0"/>
                         <a:ea typeface="맑은 고딕" panose="020B0503020000020004" pitchFamily="50" charset="-127"/>
                       </a:endParaRPr>
                     </a:p>
                   </a:txBody>
-                  <a:tcPr marL="5599" marR="5599" marT="5599" marB="0" anchor="ctr"/>
+                  <a:tcPr marL="6584" marR="6584" marT="6584" marB="0" anchor="ctr"/>
                 </a:tc>
                 <a:tc>
                   <a:txBody>
                     <a:bodyPr/>
                     <a:lstStyle/>
                     <a:p>
-                      <a:pPr algn="l" fontAlgn="ctr"/>
+                      <a:pPr algn="l" rtl="0" fontAlgn="ctr"/>
                       <a:r>
-                        <a:rPr lang="ko-KR" altLang="en-US" sz="600" u="none" strike="noStrike">
+                        <a:rPr lang="ko-KR" altLang="en-US" sz="1000" u="none" strike="noStrike">
                           <a:effectLst/>
                         </a:rPr>
                         <a:t>　</a:t>
                       </a:r>
-                      <a:endParaRPr lang="ko-KR" altLang="en-US" sz="600" b="0" i="0" u="none" strike="noStrike">
+                      <a:endParaRPr lang="ko-KR" altLang="en-US" sz="1000" b="0" i="0" u="none" strike="noStrike">
                         <a:solidFill>
                           <a:srgbClr val="000000"/>
                         </a:solidFill>
                         <a:effectLst/>
-                        <a:latin typeface="맑은 고딕" panose="020B0503020000020004" pitchFamily="50" charset="-127"/>
+                        <a:latin typeface="Tahoma" panose="020B0604030504040204" pitchFamily="34" charset="0"/>
                         <a:ea typeface="맑은 고딕" panose="020B0503020000020004" pitchFamily="50" charset="-127"/>
                       </a:endParaRPr>
                     </a:p>
                   </a:txBody>
-                  <a:tcPr marL="5599" marR="5599" marT="5599" marB="0" anchor="ctr"/>
+                  <a:tcPr marL="6584" marR="6584" marT="6584" marB="0" anchor="ctr"/>
                 </a:tc>
                 <a:extLst>
                   <a:ext uri="{0D108BD9-81ED-4DB2-BD59-A6C34878D82A}">
-                    <a16:rowId xmlns:a16="http://schemas.microsoft.com/office/drawing/2014/main" val="548316027"/>
+                    <a16:rowId xmlns:a16="http://schemas.microsoft.com/office/drawing/2014/main" val="4033809616"/>
                   </a:ext>
                 </a:extLst>
               </a:tr>
-              <a:tr h="202674">
+              <a:tr h="195601">
                 <a:tc>
                   <a:txBody>
                     <a:bodyPr/>
                     <a:lstStyle/>
                     <a:p>
-                      <a:pPr algn="l" fontAlgn="ctr"/>
+                      <a:pPr algn="l" rtl="0" fontAlgn="ctr"/>
                       <a:r>
-                        <a:rPr lang="ko-KR" altLang="en-US" sz="600" u="none" strike="noStrike">
+                        <a:rPr lang="ko-KR" altLang="en-US" sz="1000" u="none" strike="noStrike">
                           <a:effectLst/>
                         </a:rPr>
                         <a:t>외부주소</a:t>
                       </a:r>
-                      <a:endParaRPr lang="ko-KR" altLang="en-US" sz="600" b="0" i="0" u="none" strike="noStrike">
+                      <a:endParaRPr lang="ko-KR" altLang="en-US" sz="1000" b="0" i="0" u="none" strike="noStrike">
                         <a:solidFill>
                           <a:srgbClr val="000000"/>
                         </a:solidFill>
                         <a:effectLst/>
-                        <a:latin typeface="맑은 고딕" panose="020B0503020000020004" pitchFamily="50" charset="-127"/>
+                        <a:latin typeface="Tahoma" panose="020B0604030504040204" pitchFamily="34" charset="0"/>
                         <a:ea typeface="맑은 고딕" panose="020B0503020000020004" pitchFamily="50" charset="-127"/>
                       </a:endParaRPr>
                     </a:p>
                   </a:txBody>
-                  <a:tcPr marL="5599" marR="5599" marT="5599" marB="0" anchor="ctr"/>
+                  <a:tcPr marL="6584" marR="6584" marT="6584" marB="0" anchor="ctr"/>
                 </a:tc>
                 <a:tc>
                   <a:txBody>
                     <a:bodyPr/>
                     <a:lstStyle/>
                     <a:p>
-                      <a:pPr algn="l" fontAlgn="ctr"/>
+                      <a:pPr algn="l" rtl="0" fontAlgn="ctr"/>
                       <a:r>
-                        <a:rPr lang="en-US" sz="600" u="none" strike="noStrike">
+                        <a:rPr lang="en-US" sz="1000" u="none" strike="noStrike">
                           <a:effectLst/>
                         </a:rPr>
-                        <a:t>S4_STOPPER.RET</a:t>
+                        <a:t>S1_STOPPER.RET</a:t>
                       </a:r>
-                      <a:endParaRPr lang="en-US" sz="600" b="0" i="0" u="none" strike="noStrike">
+                      <a:endParaRPr lang="en-US" sz="1000" b="0" i="0" u="none" strike="noStrike">
                         <a:solidFill>
                           <a:srgbClr val="000000"/>
                         </a:solidFill>
                         <a:effectLst/>
-                        <a:latin typeface="맑은 고딕" panose="020B0503020000020004" pitchFamily="50" charset="-127"/>
+                        <a:latin typeface="Tahoma" panose="020B0604030504040204" pitchFamily="34" charset="0"/>
                         <a:ea typeface="맑은 고딕" panose="020B0503020000020004" pitchFamily="50" charset="-127"/>
                       </a:endParaRPr>
                     </a:p>
                   </a:txBody>
-                  <a:tcPr marL="5599" marR="5599" marT="5599" marB="0" anchor="ctr"/>
+                  <a:tcPr marL="6584" marR="6584" marT="6584" marB="0" anchor="ctr"/>
                 </a:tc>
                 <a:tc>
                   <a:txBody>
                     <a:bodyPr/>
                     <a:lstStyle/>
                     <a:p>
-                      <a:pPr algn="l" fontAlgn="ctr"/>
+                      <a:pPr algn="l" rtl="0" fontAlgn="ctr"/>
                       <a:r>
-                        <a:rPr lang="en-US" sz="600" u="none" strike="noStrike">
+                        <a:rPr lang="en-US" sz="1000" u="none" strike="noStrike">
                           <a:effectLst/>
                         </a:rPr>
                         <a:t>bool</a:t>
                       </a:r>
-                      <a:endParaRPr lang="en-US" sz="600" b="0" i="0" u="none" strike="noStrike">
+                      <a:endParaRPr lang="en-US" sz="1000" b="0" i="0" u="none" strike="noStrike">
                         <a:solidFill>
                           <a:srgbClr val="000000"/>
                         </a:solidFill>
                         <a:effectLst/>
-                        <a:latin typeface="맑은 고딕" panose="020B0503020000020004" pitchFamily="50" charset="-127"/>
+                        <a:latin typeface="Tahoma" panose="020B0604030504040204" pitchFamily="34" charset="0"/>
                         <a:ea typeface="맑은 고딕" panose="020B0503020000020004" pitchFamily="50" charset="-127"/>
                       </a:endParaRPr>
                     </a:p>
                   </a:txBody>
-                  <a:tcPr marL="5599" marR="5599" marT="5599" marB="0" anchor="ctr"/>
+                  <a:tcPr marL="6584" marR="6584" marT="6584" marB="0" anchor="ctr"/>
                 </a:tc>
                 <a:tc>
                   <a:txBody>
                     <a:bodyPr/>
                     <a:lstStyle/>
                     <a:p>
-                      <a:pPr algn="ctr" fontAlgn="b"/>
+                      <a:pPr algn="l" rtl="0" fontAlgn="ctr"/>
                       <a:r>
-                        <a:rPr lang="en-US" sz="600" u="none" strike="noStrike">
+                        <a:rPr lang="en-US" sz="1000" u="none" strike="noStrike">
                           <a:effectLst/>
                         </a:rPr>
-                        <a:t>I2.0</a:t>
+                        <a:t>I0.4</a:t>
                       </a:r>
-                      <a:endParaRPr lang="en-US" sz="600" b="0" i="0" u="none" strike="noStrike">
+                      <a:endParaRPr lang="en-US" sz="1000" b="0" i="0" u="none" strike="noStrike">
                         <a:solidFill>
                           <a:srgbClr val="000000"/>
                         </a:solidFill>
                         <a:effectLst/>
-                        <a:latin typeface="맑은 고딕" panose="020B0503020000020004" pitchFamily="50" charset="-127"/>
+                        <a:latin typeface="Tahoma" panose="020B0604030504040204" pitchFamily="34" charset="0"/>
                         <a:ea typeface="맑은 고딕" panose="020B0503020000020004" pitchFamily="50" charset="-127"/>
                       </a:endParaRPr>
                     </a:p>
                   </a:txBody>
-                  <a:tcPr marL="5599" marR="5599" marT="5599" marB="0" anchor="b"/>
+                  <a:tcPr marL="6584" marR="6584" marT="6584" marB="0" anchor="ctr"/>
                 </a:tc>
                 <a:tc>
                   <a:txBody>
                     <a:bodyPr/>
                     <a:lstStyle/>
                     <a:p>
-                      <a:pPr algn="ctr" fontAlgn="b"/>
+                      <a:pPr algn="l" rtl="0" fontAlgn="ctr"/>
                       <a:r>
-                        <a:rPr lang="en-US" sz="600" u="none" strike="noStrike">
+                        <a:rPr lang="en-US" sz="1000" u="none" strike="noStrike">
                           <a:effectLst/>
                         </a:rPr>
-                        <a:t>O1.6</a:t>
+                        <a:t>O0.2</a:t>
                       </a:r>
-                      <a:endParaRPr lang="en-US" sz="600" b="0" i="0" u="none" strike="noStrike">
+                      <a:endParaRPr lang="en-US" sz="1000" b="0" i="0" u="none" strike="noStrike">
                         <a:solidFill>
                           <a:srgbClr val="000000"/>
                         </a:solidFill>
                         <a:effectLst/>
-                        <a:latin typeface="맑은 고딕" panose="020B0503020000020004" pitchFamily="50" charset="-127"/>
+                        <a:latin typeface="Tahoma" panose="020B0604030504040204" pitchFamily="34" charset="0"/>
                         <a:ea typeface="맑은 고딕" panose="020B0503020000020004" pitchFamily="50" charset="-127"/>
                       </a:endParaRPr>
                     </a:p>
                   </a:txBody>
-                  <a:tcPr marL="5599" marR="5599" marT="5599" marB="0" anchor="b"/>
+                  <a:tcPr marL="6584" marR="6584" marT="6584" marB="0" anchor="ctr"/>
                 </a:tc>
                 <a:tc>
                   <a:txBody>
                     <a:bodyPr/>
                     <a:lstStyle/>
                     <a:p>
-                      <a:pPr algn="l" fontAlgn="ctr"/>
+                      <a:pPr algn="l" rtl="0" fontAlgn="ctr"/>
                       <a:r>
-                        <a:rPr lang="en-US" sz="600" u="none" strike="noStrike">
+                        <a:rPr lang="en-US" sz="1000" u="none" strike="noStrike">
                           <a:effectLst/>
                         </a:rPr>
-                        <a:t>S4_STOPPER_RET</a:t>
+                        <a:t>S1_STOPPER_RET</a:t>
                       </a:r>
-                      <a:endParaRPr lang="en-US" sz="600" b="0" i="0" u="none" strike="noStrike">
+                      <a:endParaRPr lang="en-US" sz="1000" b="0" i="0" u="none" strike="noStrike">
                         <a:solidFill>
                           <a:srgbClr val="000000"/>
                         </a:solidFill>
                         <a:effectLst/>
-                        <a:latin typeface="맑은 고딕" panose="020B0503020000020004" pitchFamily="50" charset="-127"/>
+                        <a:latin typeface="Tahoma" panose="020B0604030504040204" pitchFamily="34" charset="0"/>
                         <a:ea typeface="맑은 고딕" panose="020B0503020000020004" pitchFamily="50" charset="-127"/>
                       </a:endParaRPr>
                     </a:p>
                   </a:txBody>
-                  <a:tcPr marL="5599" marR="5599" marT="5599" marB="0" anchor="ctr"/>
+                  <a:tcPr marL="6584" marR="6584" marT="6584" marB="0" anchor="ctr"/>
                 </a:tc>
                 <a:tc>
                   <a:txBody>
                     <a:bodyPr/>
                     <a:lstStyle/>
                     <a:p>
-                      <a:pPr algn="l" fontAlgn="ctr"/>
+                      <a:pPr algn="l" rtl="0" fontAlgn="ctr"/>
                       <a:r>
-                        <a:rPr lang="ko-KR" altLang="en-US" sz="600" u="none" strike="noStrike">
+                        <a:rPr lang="ko-KR" altLang="en-US" sz="1000" u="none" strike="noStrike">
                           <a:effectLst/>
                         </a:rPr>
                         <a:t>　</a:t>
                       </a:r>
-                      <a:endParaRPr lang="ko-KR" altLang="en-US" sz="600" b="0" i="0" u="none" strike="noStrike">
+                      <a:endParaRPr lang="ko-KR" altLang="en-US" sz="1000" b="0" i="0" u="none" strike="noStrike">
                         <a:solidFill>
                           <a:srgbClr val="000000"/>
                         </a:solidFill>
                         <a:effectLst/>
-                        <a:latin typeface="맑은 고딕" panose="020B0503020000020004" pitchFamily="50" charset="-127"/>
+                        <a:latin typeface="Tahoma" panose="020B0604030504040204" pitchFamily="34" charset="0"/>
                         <a:ea typeface="맑은 고딕" panose="020B0503020000020004" pitchFamily="50" charset="-127"/>
                       </a:endParaRPr>
                     </a:p>
                   </a:txBody>
-                  <a:tcPr marL="5599" marR="5599" marT="5599" marB="0" anchor="ctr"/>
+                  <a:tcPr marL="6584" marR="6584" marT="6584" marB="0" anchor="ctr"/>
                 </a:tc>
                 <a:extLst>
                   <a:ext uri="{0D108BD9-81ED-4DB2-BD59-A6C34878D82A}">
-                    <a16:rowId xmlns:a16="http://schemas.microsoft.com/office/drawing/2014/main" val="364331448"/>
+                    <a16:rowId xmlns:a16="http://schemas.microsoft.com/office/drawing/2014/main" val="1176674065"/>
                   </a:ext>
                 </a:extLst>
               </a:tr>
-              <a:tr h="202674">
+              <a:tr h="195601">
                 <a:tc>
                   <a:txBody>
                     <a:bodyPr/>
                     <a:lstStyle/>
                     <a:p>
-                      <a:pPr algn="l" fontAlgn="ctr"/>
+                      <a:pPr algn="l" rtl="0" fontAlgn="ctr"/>
                       <a:r>
-                        <a:rPr lang="ko-KR" altLang="en-US" sz="600" u="none" strike="noStrike">
+                        <a:rPr lang="ko-KR" altLang="en-US" sz="1000" u="none" strike="noStrike">
                           <a:effectLst/>
                         </a:rPr>
                         <a:t>외부주소</a:t>
                       </a:r>
-                      <a:endParaRPr lang="ko-KR" altLang="en-US" sz="600" b="0" i="0" u="none" strike="noStrike">
+                      <a:endParaRPr lang="ko-KR" altLang="en-US" sz="1000" b="0" i="0" u="none" strike="noStrike">
                         <a:solidFill>
                           <a:srgbClr val="000000"/>
                         </a:solidFill>
                         <a:effectLst/>
-                        <a:latin typeface="맑은 고딕" panose="020B0503020000020004" pitchFamily="50" charset="-127"/>
+                        <a:latin typeface="Tahoma" panose="020B0604030504040204" pitchFamily="34" charset="0"/>
                         <a:ea typeface="맑은 고딕" panose="020B0503020000020004" pitchFamily="50" charset="-127"/>
                       </a:endParaRPr>
                     </a:p>
                   </a:txBody>
-                  <a:tcPr marL="5599" marR="5599" marT="5599" marB="0" anchor="ctr"/>
+                  <a:tcPr marL="6584" marR="6584" marT="6584" marB="0" anchor="ctr"/>
                 </a:tc>
                 <a:tc>
                   <a:txBody>
                     <a:bodyPr/>
                     <a:lstStyle/>
                     <a:p>
-                      <a:pPr algn="l" fontAlgn="ctr"/>
+                      <a:pPr algn="l" rtl="0" fontAlgn="ctr"/>
                       <a:r>
-                        <a:rPr lang="en-US" sz="600" u="none" strike="noStrike">
+                        <a:rPr lang="en-US" sz="1000" u="none" strike="noStrike">
                           <a:effectLst/>
                         </a:rPr>
-                        <a:t>S4_USB.ADV</a:t>
+                        <a:t>S1_USB.ADV</a:t>
                       </a:r>
-                      <a:endParaRPr lang="en-US" sz="600" b="0" i="0" u="none" strike="noStrike">
+                      <a:endParaRPr lang="en-US" sz="1000" b="0" i="0" u="none" strike="noStrike">
                         <a:solidFill>
                           <a:srgbClr val="000000"/>
                         </a:solidFill>
                         <a:effectLst/>
-                        <a:latin typeface="맑은 고딕" panose="020B0503020000020004" pitchFamily="50" charset="-127"/>
+                        <a:latin typeface="Tahoma" panose="020B0604030504040204" pitchFamily="34" charset="0"/>
                         <a:ea typeface="맑은 고딕" panose="020B0503020000020004" pitchFamily="50" charset="-127"/>
                       </a:endParaRPr>
                     </a:p>
                   </a:txBody>
-                  <a:tcPr marL="5599" marR="5599" marT="5599" marB="0" anchor="ctr"/>
+                  <a:tcPr marL="6584" marR="6584" marT="6584" marB="0" anchor="ctr"/>
                 </a:tc>
                 <a:tc>
                   <a:txBody>
                     <a:bodyPr/>
                     <a:lstStyle/>
                     <a:p>
-                      <a:pPr algn="l" fontAlgn="ctr"/>
+                      <a:pPr algn="l" rtl="0" fontAlgn="ctr"/>
                       <a:r>
-                        <a:rPr lang="en-US" sz="600" u="none" strike="noStrike">
+                        <a:rPr lang="en-US" sz="1000" u="none" strike="noStrike">
                           <a:effectLst/>
                         </a:rPr>
                         <a:t>bool</a:t>
                       </a:r>
-                      <a:endParaRPr lang="en-US" sz="600" b="0" i="0" u="none" strike="noStrike">
+                      <a:endParaRPr lang="en-US" sz="1000" b="0" i="0" u="none" strike="noStrike">
                         <a:solidFill>
                           <a:srgbClr val="000000"/>
                         </a:solidFill>
                         <a:effectLst/>
-                        <a:latin typeface="맑은 고딕" panose="020B0503020000020004" pitchFamily="50" charset="-127"/>
+                        <a:latin typeface="Tahoma" panose="020B0604030504040204" pitchFamily="34" charset="0"/>
                         <a:ea typeface="맑은 고딕" panose="020B0503020000020004" pitchFamily="50" charset="-127"/>
                       </a:endParaRPr>
                     </a:p>
                   </a:txBody>
-                  <a:tcPr marL="5599" marR="5599" marT="5599" marB="0" anchor="ctr"/>
+                  <a:tcPr marL="6584" marR="6584" marT="6584" marB="0" anchor="ctr"/>
                 </a:tc>
                 <a:tc>
                   <a:txBody>
                     <a:bodyPr/>
                     <a:lstStyle/>
                     <a:p>
-                      <a:pPr algn="ctr" fontAlgn="b"/>
+                      <a:pPr algn="l" rtl="0" fontAlgn="ctr"/>
                       <a:r>
-                        <a:rPr lang="en-US" sz="600" u="none" strike="noStrike">
+                        <a:rPr lang="en-US" sz="1000" u="none" strike="noStrike">
                           <a:effectLst/>
                         </a:rPr>
-                        <a:t>I2.3</a:t>
+                        <a:t>I0.7</a:t>
                       </a:r>
-                      <a:endParaRPr lang="en-US" sz="600" b="0" i="0" u="none" strike="noStrike">
+                      <a:endParaRPr lang="en-US" sz="1000" b="0" i="0" u="none" strike="noStrike">
                         <a:solidFill>
                           <a:srgbClr val="000000"/>
                         </a:solidFill>
                         <a:effectLst/>
-                        <a:latin typeface="맑은 고딕" panose="020B0503020000020004" pitchFamily="50" charset="-127"/>
+                        <a:latin typeface="Tahoma" panose="020B0604030504040204" pitchFamily="34" charset="0"/>
                         <a:ea typeface="맑은 고딕" panose="020B0503020000020004" pitchFamily="50" charset="-127"/>
                       </a:endParaRPr>
                     </a:p>
                   </a:txBody>
-                  <a:tcPr marL="5599" marR="5599" marT="5599" marB="0" anchor="b"/>
+                  <a:tcPr marL="6584" marR="6584" marT="6584" marB="0" anchor="ctr"/>
                 </a:tc>
                 <a:tc>
                   <a:txBody>
                     <a:bodyPr/>
                     <a:lstStyle/>
                     <a:p>
-                      <a:pPr algn="ctr" fontAlgn="b"/>
+                      <a:pPr algn="l" rtl="0" fontAlgn="ctr"/>
                       <a:r>
-                        <a:rPr lang="en-US" sz="600" u="none" strike="noStrike">
+                        <a:rPr lang="en-US" sz="1000" u="none" strike="noStrike">
                           <a:effectLst/>
                         </a:rPr>
-                        <a:t>O2.1</a:t>
+                        <a:t>O0.5</a:t>
                       </a:r>
-                      <a:endParaRPr lang="en-US" sz="600" b="0" i="0" u="none" strike="noStrike">
+                      <a:endParaRPr lang="en-US" sz="1000" b="0" i="0" u="none" strike="noStrike">
                         <a:solidFill>
                           <a:srgbClr val="000000"/>
                         </a:solidFill>
                         <a:effectLst/>
-                        <a:latin typeface="맑은 고딕" panose="020B0503020000020004" pitchFamily="50" charset="-127"/>
+                        <a:latin typeface="Tahoma" panose="020B0604030504040204" pitchFamily="34" charset="0"/>
                         <a:ea typeface="맑은 고딕" panose="020B0503020000020004" pitchFamily="50" charset="-127"/>
                       </a:endParaRPr>
                     </a:p>
                   </a:txBody>
-                  <a:tcPr marL="5599" marR="5599" marT="5599" marB="0" anchor="b"/>
+                  <a:tcPr marL="6584" marR="6584" marT="6584" marB="0" anchor="ctr"/>
                 </a:tc>
                 <a:tc>
                   <a:txBody>
                     <a:bodyPr/>
                     <a:lstStyle/>
                     <a:p>
-                      <a:pPr algn="l" fontAlgn="ctr"/>
+                      <a:pPr algn="l" rtl="0" fontAlgn="ctr"/>
                       <a:r>
-                        <a:rPr lang="en-US" sz="600" u="none" strike="noStrike">
+                        <a:rPr lang="en-US" sz="1000" u="none" strike="noStrike">
                           <a:effectLst/>
                         </a:rPr>
-                        <a:t>S4_USB_ADV</a:t>
+                        <a:t>S1_USB_ADV</a:t>
                       </a:r>
-                      <a:endParaRPr lang="en-US" sz="600" b="0" i="0" u="none" strike="noStrike">
+                      <a:endParaRPr lang="en-US" sz="1000" b="0" i="0" u="none" strike="noStrike">
                         <a:solidFill>
                           <a:srgbClr val="000000"/>
                         </a:solidFill>
                         <a:effectLst/>
-                        <a:latin typeface="맑은 고딕" panose="020B0503020000020004" pitchFamily="50" charset="-127"/>
+                        <a:latin typeface="Tahoma" panose="020B0604030504040204" pitchFamily="34" charset="0"/>
                         <a:ea typeface="맑은 고딕" panose="020B0503020000020004" pitchFamily="50" charset="-127"/>
                       </a:endParaRPr>
                     </a:p>
                   </a:txBody>
-                  <a:tcPr marL="5599" marR="5599" marT="5599" marB="0" anchor="ctr"/>
+                  <a:tcPr marL="6584" marR="6584" marT="6584" marB="0" anchor="ctr"/>
                 </a:tc>
                 <a:tc>
                   <a:txBody>
                     <a:bodyPr/>
                     <a:lstStyle/>
                     <a:p>
-                      <a:pPr algn="l" fontAlgn="ctr"/>
+                      <a:pPr algn="l" rtl="0" fontAlgn="ctr"/>
                       <a:r>
-                        <a:rPr lang="ko-KR" altLang="en-US" sz="600" u="none" strike="noStrike">
+                        <a:rPr lang="ko-KR" altLang="en-US" sz="1000" u="none" strike="noStrike">
                           <a:effectLst/>
                         </a:rPr>
                         <a:t>　</a:t>
                       </a:r>
-                      <a:endParaRPr lang="ko-KR" altLang="en-US" sz="600" b="0" i="0" u="none" strike="noStrike">
+                      <a:endParaRPr lang="ko-KR" altLang="en-US" sz="1000" b="0" i="0" u="none" strike="noStrike">
                         <a:solidFill>
                           <a:srgbClr val="000000"/>
                         </a:solidFill>
                         <a:effectLst/>
-                        <a:latin typeface="맑은 고딕" panose="020B0503020000020004" pitchFamily="50" charset="-127"/>
+                        <a:latin typeface="Tahoma" panose="020B0604030504040204" pitchFamily="34" charset="0"/>
                         <a:ea typeface="맑은 고딕" panose="020B0503020000020004" pitchFamily="50" charset="-127"/>
                       </a:endParaRPr>
                     </a:p>
                   </a:txBody>
-                  <a:tcPr marL="5599" marR="5599" marT="5599" marB="0" anchor="ctr"/>
+                  <a:tcPr marL="6584" marR="6584" marT="6584" marB="0" anchor="ctr"/>
                 </a:tc>
                 <a:extLst>
                   <a:ext uri="{0D108BD9-81ED-4DB2-BD59-A6C34878D82A}">
-                    <a16:rowId xmlns:a16="http://schemas.microsoft.com/office/drawing/2014/main" val="782458503"/>
+                    <a16:rowId xmlns:a16="http://schemas.microsoft.com/office/drawing/2014/main" val="3091108996"/>
                   </a:ext>
                 </a:extLst>
               </a:tr>
-              <a:tr h="202674">
+              <a:tr h="195601">
                 <a:tc>
                   <a:txBody>
                     <a:bodyPr/>
                     <a:lstStyle/>
                     <a:p>
-                      <a:pPr algn="l" fontAlgn="ctr"/>
+                      <a:pPr algn="l" rtl="0" fontAlgn="ctr"/>
                       <a:r>
-                        <a:rPr lang="ko-KR" altLang="en-US" sz="600" u="none" strike="noStrike">
+                        <a:rPr lang="ko-KR" altLang="en-US" sz="1000" u="none" strike="noStrike">
                           <a:effectLst/>
                         </a:rPr>
                         <a:t>외부주소</a:t>
                       </a:r>
-                      <a:endParaRPr lang="ko-KR" altLang="en-US" sz="600" b="0" i="0" u="none" strike="noStrike">
+                      <a:endParaRPr lang="ko-KR" altLang="en-US" sz="1000" b="0" i="0" u="none" strike="noStrike">
                         <a:solidFill>
                           <a:srgbClr val="000000"/>
                         </a:solidFill>
                         <a:effectLst/>
-                        <a:latin typeface="맑은 고딕" panose="020B0503020000020004" pitchFamily="50" charset="-127"/>
+                        <a:latin typeface="Tahoma" panose="020B0604030504040204" pitchFamily="34" charset="0"/>
                         <a:ea typeface="맑은 고딕" panose="020B0503020000020004" pitchFamily="50" charset="-127"/>
                       </a:endParaRPr>
                     </a:p>
                   </a:txBody>
-                  <a:tcPr marL="5599" marR="5599" marT="5599" marB="0" anchor="ctr"/>
+                  <a:tcPr marL="6584" marR="6584" marT="6584" marB="0" anchor="ctr"/>
                 </a:tc>
                 <a:tc>
                   <a:txBody>
                     <a:bodyPr/>
                     <a:lstStyle/>
                     <a:p>
-                      <a:pPr algn="l" fontAlgn="ctr"/>
+                      <a:pPr algn="l" rtl="0" fontAlgn="ctr"/>
                       <a:r>
-                        <a:rPr lang="en-US" sz="600" u="none" strike="noStrike">
+                        <a:rPr lang="en-US" sz="1000" u="none" strike="noStrike">
                           <a:effectLst/>
                         </a:rPr>
-                        <a:t>S4_USB.RET</a:t>
+                        <a:t>S1_USB.RET</a:t>
                       </a:r>
-                      <a:endParaRPr lang="en-US" sz="600" b="0" i="0" u="none" strike="noStrike">
+                      <a:endParaRPr lang="en-US" sz="1000" b="0" i="0" u="none" strike="noStrike">
                         <a:solidFill>
                           <a:srgbClr val="000000"/>
                         </a:solidFill>
                         <a:effectLst/>
-                        <a:latin typeface="맑은 고딕" panose="020B0503020000020004" pitchFamily="50" charset="-127"/>
+                        <a:latin typeface="Tahoma" panose="020B0604030504040204" pitchFamily="34" charset="0"/>
                         <a:ea typeface="맑은 고딕" panose="020B0503020000020004" pitchFamily="50" charset="-127"/>
                       </a:endParaRPr>
                     </a:p>
                   </a:txBody>
-                  <a:tcPr marL="5599" marR="5599" marT="5599" marB="0" anchor="ctr"/>
+                  <a:tcPr marL="6584" marR="6584" marT="6584" marB="0" anchor="ctr"/>
                 </a:tc>
                 <a:tc>
                   <a:txBody>
                     <a:bodyPr/>
                     <a:lstStyle/>
                     <a:p>
-                      <a:pPr algn="l" fontAlgn="ctr"/>
+                      <a:pPr algn="l" rtl="0" fontAlgn="ctr"/>
                       <a:r>
-                        <a:rPr lang="en-US" sz="600" u="none" strike="noStrike">
+                        <a:rPr lang="en-US" sz="1000" u="none" strike="noStrike">
                           <a:effectLst/>
                         </a:rPr>
                         <a:t>bool</a:t>
                       </a:r>
-                      <a:endParaRPr lang="en-US" sz="600" b="0" i="0" u="none" strike="noStrike">
+                      <a:endParaRPr lang="en-US" sz="1000" b="0" i="0" u="none" strike="noStrike">
                         <a:solidFill>
                           <a:srgbClr val="000000"/>
                         </a:solidFill>
                         <a:effectLst/>
-                        <a:latin typeface="맑은 고딕" panose="020B0503020000020004" pitchFamily="50" charset="-127"/>
+                        <a:latin typeface="Tahoma" panose="020B0604030504040204" pitchFamily="34" charset="0"/>
                         <a:ea typeface="맑은 고딕" panose="020B0503020000020004" pitchFamily="50" charset="-127"/>
                       </a:endParaRPr>
                     </a:p>
                   </a:txBody>
-                  <a:tcPr marL="5599" marR="5599" marT="5599" marB="0" anchor="ctr"/>
+                  <a:tcPr marL="6584" marR="6584" marT="6584" marB="0" anchor="ctr"/>
                 </a:tc>
                 <a:tc>
                   <a:txBody>
                     <a:bodyPr/>
                     <a:lstStyle/>
                     <a:p>
-                      <a:pPr algn="ctr" fontAlgn="b"/>
+                      <a:pPr algn="l" rtl="0" fontAlgn="ctr"/>
                       <a:r>
-                        <a:rPr lang="en-US" sz="600" u="none" strike="noStrike">
+                        <a:rPr lang="en-US" sz="1000" u="none" strike="noStrike">
                           <a:effectLst/>
                         </a:rPr>
-                        <a:t>I2.2</a:t>
+                        <a:t>I0.6</a:t>
                       </a:r>
-                      <a:endParaRPr lang="en-US" sz="600" b="0" i="0" u="none" strike="noStrike">
+                      <a:endParaRPr lang="en-US" sz="1000" b="0" i="0" u="none" strike="noStrike">
                         <a:solidFill>
                           <a:srgbClr val="000000"/>
                         </a:solidFill>
                         <a:effectLst/>
-                        <a:latin typeface="맑은 고딕" panose="020B0503020000020004" pitchFamily="50" charset="-127"/>
+                        <a:latin typeface="Tahoma" panose="020B0604030504040204" pitchFamily="34" charset="0"/>
                         <a:ea typeface="맑은 고딕" panose="020B0503020000020004" pitchFamily="50" charset="-127"/>
                       </a:endParaRPr>
                     </a:p>
                   </a:txBody>
-                  <a:tcPr marL="5599" marR="5599" marT="5599" marB="0" anchor="b"/>
+                  <a:tcPr marL="6584" marR="6584" marT="6584" marB="0" anchor="ctr"/>
                 </a:tc>
                 <a:tc>
                   <a:txBody>
                     <a:bodyPr/>
                     <a:lstStyle/>
                     <a:p>
-                      <a:pPr algn="ctr" fontAlgn="b"/>
+                      <a:pPr algn="l" rtl="0" fontAlgn="ctr"/>
                       <a:r>
-                        <a:rPr lang="en-US" sz="600" u="none" strike="noStrike">
+                        <a:rPr lang="en-US" sz="1000" u="none" strike="noStrike">
                           <a:effectLst/>
                         </a:rPr>
-                        <a:t>O2.0</a:t>
+                        <a:t>O0.4</a:t>
                       </a:r>
-                      <a:endParaRPr lang="en-US" sz="600" b="0" i="0" u="none" strike="noStrike">
+                      <a:endParaRPr lang="en-US" sz="1000" b="0" i="0" u="none" strike="noStrike">
                         <a:solidFill>
                           <a:srgbClr val="000000"/>
                         </a:solidFill>
                         <a:effectLst/>
-                        <a:latin typeface="맑은 고딕" panose="020B0503020000020004" pitchFamily="50" charset="-127"/>
+                        <a:latin typeface="Tahoma" panose="020B0604030504040204" pitchFamily="34" charset="0"/>
                         <a:ea typeface="맑은 고딕" panose="020B0503020000020004" pitchFamily="50" charset="-127"/>
                       </a:endParaRPr>
                     </a:p>
                   </a:txBody>
-                  <a:tcPr marL="5599" marR="5599" marT="5599" marB="0" anchor="b"/>
+                  <a:tcPr marL="6584" marR="6584" marT="6584" marB="0" anchor="ctr"/>
                 </a:tc>
                 <a:tc>
                   <a:txBody>
                     <a:bodyPr/>
                     <a:lstStyle/>
                     <a:p>
-                      <a:pPr algn="l" fontAlgn="ctr"/>
+                      <a:pPr algn="l" rtl="0" fontAlgn="ctr"/>
                       <a:r>
-                        <a:rPr lang="en-US" sz="600" u="none" strike="noStrike">
+                        <a:rPr lang="en-US" sz="1000" u="none" strike="noStrike">
                           <a:effectLst/>
                         </a:rPr>
-                        <a:t>S4_USB_RET</a:t>
+                        <a:t>S1_USB_RET</a:t>
                       </a:r>
-                      <a:endParaRPr lang="en-US" sz="600" b="0" i="0" u="none" strike="noStrike">
+                      <a:endParaRPr lang="en-US" sz="1000" b="0" i="0" u="none" strike="noStrike">
                         <a:solidFill>
                           <a:srgbClr val="000000"/>
                         </a:solidFill>
                         <a:effectLst/>
-                        <a:latin typeface="맑은 고딕" panose="020B0503020000020004" pitchFamily="50" charset="-127"/>
+                        <a:latin typeface="Tahoma" panose="020B0604030504040204" pitchFamily="34" charset="0"/>
                         <a:ea typeface="맑은 고딕" panose="020B0503020000020004" pitchFamily="50" charset="-127"/>
                       </a:endParaRPr>
                     </a:p>
                   </a:txBody>
-                  <a:tcPr marL="5599" marR="5599" marT="5599" marB="0" anchor="ctr"/>
+                  <a:tcPr marL="6584" marR="6584" marT="6584" marB="0" anchor="ctr"/>
                 </a:tc>
                 <a:tc>
                   <a:txBody>
                     <a:bodyPr/>
                     <a:lstStyle/>
                     <a:p>
-                      <a:pPr algn="l" fontAlgn="ctr"/>
+                      <a:pPr algn="l" rtl="0" fontAlgn="ctr"/>
                       <a:r>
-                        <a:rPr lang="ko-KR" altLang="en-US" sz="600" u="none" strike="noStrike">
+                        <a:rPr lang="ko-KR" altLang="en-US" sz="1000" u="none" strike="noStrike">
                           <a:effectLst/>
                         </a:rPr>
                         <a:t>　</a:t>
                       </a:r>
-                      <a:endParaRPr lang="ko-KR" altLang="en-US" sz="600" b="0" i="0" u="none" strike="noStrike">
+                      <a:endParaRPr lang="ko-KR" altLang="en-US" sz="1000" b="0" i="0" u="none" strike="noStrike">
                         <a:solidFill>
                           <a:srgbClr val="000000"/>
                         </a:solidFill>
                         <a:effectLst/>
-                        <a:latin typeface="맑은 고딕" panose="020B0503020000020004" pitchFamily="50" charset="-127"/>
+                        <a:latin typeface="Tahoma" panose="020B0604030504040204" pitchFamily="34" charset="0"/>
                         <a:ea typeface="맑은 고딕" panose="020B0503020000020004" pitchFamily="50" charset="-127"/>
                       </a:endParaRPr>
                     </a:p>
                   </a:txBody>
-                  <a:tcPr marL="5599" marR="5599" marT="5599" marB="0" anchor="ctr"/>
+                  <a:tcPr marL="6584" marR="6584" marT="6584" marB="0" anchor="ctr"/>
                 </a:tc>
                 <a:extLst>
                   <a:ext uri="{0D108BD9-81ED-4DB2-BD59-A6C34878D82A}">
-                    <a16:rowId xmlns:a16="http://schemas.microsoft.com/office/drawing/2014/main" val="1636942061"/>
+                    <a16:rowId xmlns:a16="http://schemas.microsoft.com/office/drawing/2014/main" val="2411838201"/>
                   </a:ext>
                 </a:extLst>
               </a:tr>
-              <a:tr h="123172">
+              <a:tr h="195601">
                 <a:tc>
                   <a:txBody>
                     <a:bodyPr/>
                     <a:lstStyle/>
                     <a:p>
-                      <a:pPr algn="l" fontAlgn="ctr"/>
+                      <a:pPr algn="l" rtl="0" fontAlgn="ctr"/>
                       <a:r>
-                        <a:rPr lang="ko-KR" altLang="en-US" sz="600" u="none" strike="noStrike">
+                        <a:rPr lang="ko-KR" altLang="en-US" sz="1000" u="none" strike="noStrike">
                           <a:effectLst/>
                         </a:rPr>
-                        <a:t>　</a:t>
+                        <a:t>외부주소</a:t>
                       </a:r>
-                      <a:endParaRPr lang="ko-KR" altLang="en-US" sz="600" b="0" i="0" u="none" strike="noStrike">
+                      <a:endParaRPr lang="ko-KR" altLang="en-US" sz="1000" b="0" i="0" u="none" strike="noStrike">
                         <a:solidFill>
                           <a:srgbClr val="000000"/>
                         </a:solidFill>
                         <a:effectLst/>
-                        <a:latin typeface="맑은 고딕" panose="020B0503020000020004" pitchFamily="50" charset="-127"/>
+                        <a:latin typeface="Tahoma" panose="020B0604030504040204" pitchFamily="34" charset="0"/>
                         <a:ea typeface="맑은 고딕" panose="020B0503020000020004" pitchFamily="50" charset="-127"/>
                       </a:endParaRPr>
                     </a:p>
                   </a:txBody>
-                  <a:tcPr marL="5599" marR="5599" marT="5599" marB="0" anchor="ctr"/>
+                  <a:tcPr marL="6584" marR="6584" marT="6584" marB="0" anchor="ctr"/>
                 </a:tc>
                 <a:tc>
                   <a:txBody>
                     <a:bodyPr/>
                     <a:lstStyle/>
                     <a:p>
-                      <a:pPr algn="l" fontAlgn="ctr"/>
+                      <a:pPr algn="l" rtl="0" fontAlgn="ctr"/>
                       <a:r>
-                        <a:rPr lang="ko-KR" altLang="en-US" sz="600" u="none" strike="noStrike">
+                        <a:rPr lang="en-US" sz="1000" u="none" strike="noStrike">
                           <a:effectLst/>
                         </a:rPr>
-                        <a:t>　</a:t>
+                        <a:t>S2_STOPPER.ADV</a:t>
                       </a:r>
-                      <a:endParaRPr lang="ko-KR" altLang="en-US" sz="600" b="0" i="0" u="none" strike="noStrike">
+                      <a:endParaRPr lang="en-US" sz="1000" b="0" i="0" u="none" strike="noStrike">
                         <a:solidFill>
                           <a:srgbClr val="000000"/>
                         </a:solidFill>
                         <a:effectLst/>
-                        <a:latin typeface="맑은 고딕" panose="020B0503020000020004" pitchFamily="50" charset="-127"/>
+                        <a:latin typeface="Tahoma" panose="020B0604030504040204" pitchFamily="34" charset="0"/>
                         <a:ea typeface="맑은 고딕" panose="020B0503020000020004" pitchFamily="50" charset="-127"/>
                       </a:endParaRPr>
                     </a:p>
                   </a:txBody>
-                  <a:tcPr marL="5599" marR="5599" marT="5599" marB="0" anchor="ctr"/>
+                  <a:tcPr marL="6584" marR="6584" marT="6584" marB="0" anchor="ctr"/>
                 </a:tc>
                 <a:tc>
                   <a:txBody>
                     <a:bodyPr/>
                     <a:lstStyle/>
                     <a:p>
-                      <a:pPr algn="l" fontAlgn="ctr"/>
+                      <a:pPr algn="l" rtl="0" fontAlgn="ctr"/>
                       <a:r>
-                        <a:rPr lang="ko-KR" altLang="en-US" sz="600" u="none" strike="noStrike">
+                        <a:rPr lang="en-US" sz="1000" u="none" strike="noStrike">
                           <a:effectLst/>
                         </a:rPr>
-                        <a:t>　</a:t>
+                        <a:t>bool</a:t>
                       </a:r>
-                      <a:endParaRPr lang="ko-KR" altLang="en-US" sz="600" b="0" i="0" u="none" strike="noStrike">
+                      <a:endParaRPr lang="en-US" sz="1000" b="0" i="0" u="none" strike="noStrike">
                         <a:solidFill>
                           <a:srgbClr val="000000"/>
                         </a:solidFill>
                         <a:effectLst/>
-                        <a:latin typeface="맑은 고딕" panose="020B0503020000020004" pitchFamily="50" charset="-127"/>
+                        <a:latin typeface="Tahoma" panose="020B0604030504040204" pitchFamily="34" charset="0"/>
                         <a:ea typeface="맑은 고딕" panose="020B0503020000020004" pitchFamily="50" charset="-127"/>
                       </a:endParaRPr>
                     </a:p>
                   </a:txBody>
-                  <a:tcPr marL="5599" marR="5599" marT="5599" marB="0" anchor="ctr"/>
+                  <a:tcPr marL="6584" marR="6584" marT="6584" marB="0" anchor="ctr"/>
                 </a:tc>
                 <a:tc>
                   <a:txBody>
                     <a:bodyPr/>
                     <a:lstStyle/>
                     <a:p>
-                      <a:pPr algn="ctr" fontAlgn="b"/>
-                      <a:endParaRPr lang="ko-KR" altLang="en-US" sz="600" b="0" i="0" u="none" strike="noStrike">
+                      <a:pPr algn="l" rtl="0" fontAlgn="ctr"/>
+                      <a:r>
+                        <a:rPr lang="en-US" sz="1000" u="none" strike="noStrike">
+                          <a:effectLst/>
+                        </a:rPr>
+                        <a:t>I1.1</a:t>
+                      </a:r>
+                      <a:endParaRPr lang="en-US" sz="1000" b="0" i="0" u="none" strike="noStrike">
                         <a:solidFill>
                           <a:srgbClr val="000000"/>
                         </a:solidFill>
                         <a:effectLst/>
-                        <a:latin typeface="맑은 고딕" panose="020B0503020000020004" pitchFamily="50" charset="-127"/>
+                        <a:latin typeface="Tahoma" panose="020B0604030504040204" pitchFamily="34" charset="0"/>
                         <a:ea typeface="맑은 고딕" panose="020B0503020000020004" pitchFamily="50" charset="-127"/>
                       </a:endParaRPr>
                     </a:p>
                   </a:txBody>
-                  <a:tcPr marL="5599" marR="5599" marT="5599" marB="0" anchor="b"/>
+                  <a:tcPr marL="6584" marR="6584" marT="6584" marB="0" anchor="ctr"/>
                 </a:tc>
                 <a:tc>
                   <a:txBody>
                     <a:bodyPr/>
                     <a:lstStyle/>
                     <a:p>
-                      <a:pPr algn="l" fontAlgn="ctr"/>
+                      <a:pPr algn="l" rtl="0" fontAlgn="ctr"/>
                       <a:r>
-                        <a:rPr lang="ko-KR" altLang="en-US" sz="600" u="none" strike="noStrike">
+                        <a:rPr lang="en-US" sz="1000" u="none" strike="noStrike">
                           <a:effectLst/>
                         </a:rPr>
-                        <a:t>　</a:t>
+                        <a:t>O0.7</a:t>
                       </a:r>
-                      <a:endParaRPr lang="ko-KR" altLang="en-US" sz="600" b="0" i="0" u="none" strike="noStrike">
+                      <a:endParaRPr lang="en-US" sz="1000" b="0" i="0" u="none" strike="noStrike">
                         <a:solidFill>
                           <a:srgbClr val="000000"/>
                         </a:solidFill>
                         <a:effectLst/>
-                        <a:latin typeface="맑은 고딕" panose="020B0503020000020004" pitchFamily="50" charset="-127"/>
+                        <a:latin typeface="Tahoma" panose="020B0604030504040204" pitchFamily="34" charset="0"/>
                         <a:ea typeface="맑은 고딕" panose="020B0503020000020004" pitchFamily="50" charset="-127"/>
                       </a:endParaRPr>
                     </a:p>
                   </a:txBody>
-                  <a:tcPr marL="5599" marR="5599" marT="5599" marB="0" anchor="ctr"/>
+                  <a:tcPr marL="6584" marR="6584" marT="6584" marB="0" anchor="ctr"/>
                 </a:tc>
                 <a:tc>
                   <a:txBody>
                     <a:bodyPr/>
                     <a:lstStyle/>
                     <a:p>
-                      <a:pPr algn="l" fontAlgn="ctr"/>
+                      <a:pPr algn="l" rtl="0" fontAlgn="ctr"/>
                       <a:r>
-                        <a:rPr lang="ko-KR" altLang="en-US" sz="600" u="none" strike="noStrike">
+                        <a:rPr lang="en-US" sz="1000" u="none" strike="noStrike">
                           <a:effectLst/>
                         </a:rPr>
-                        <a:t>　</a:t>
+                        <a:t>S2_STOPPER_ADV</a:t>
                       </a:r>
-                      <a:endParaRPr lang="ko-KR" altLang="en-US" sz="600" b="0" i="0" u="none" strike="noStrike">
+                      <a:endParaRPr lang="en-US" sz="1000" b="0" i="0" u="none" strike="noStrike">
                         <a:solidFill>
                           <a:srgbClr val="000000"/>
                         </a:solidFill>
                         <a:effectLst/>
-                        <a:latin typeface="맑은 고딕" panose="020B0503020000020004" pitchFamily="50" charset="-127"/>
+                        <a:latin typeface="Tahoma" panose="020B0604030504040204" pitchFamily="34" charset="0"/>
                         <a:ea typeface="맑은 고딕" panose="020B0503020000020004" pitchFamily="50" charset="-127"/>
                       </a:endParaRPr>
                     </a:p>
                   </a:txBody>
-                  <a:tcPr marL="5599" marR="5599" marT="5599" marB="0" anchor="ctr"/>
+                  <a:tcPr marL="6584" marR="6584" marT="6584" marB="0" anchor="ctr"/>
                 </a:tc>
                 <a:tc>
                   <a:txBody>
                     <a:bodyPr/>
                     <a:lstStyle/>
                     <a:p>
-                      <a:pPr algn="l" fontAlgn="ctr"/>
+                      <a:pPr algn="l" rtl="0" fontAlgn="ctr"/>
                       <a:r>
-                        <a:rPr lang="ko-KR" altLang="en-US" sz="600" u="none" strike="noStrike">
+                        <a:rPr lang="ko-KR" altLang="en-US" sz="1000" u="none" strike="noStrike">
                           <a:effectLst/>
                         </a:rPr>
                         <a:t>　</a:t>
                       </a:r>
-                      <a:endParaRPr lang="ko-KR" altLang="en-US" sz="600" b="0" i="0" u="none" strike="noStrike">
+                      <a:endParaRPr lang="ko-KR" altLang="en-US" sz="1000" b="0" i="0" u="none" strike="noStrike">
                         <a:solidFill>
                           <a:srgbClr val="000000"/>
                         </a:solidFill>
                         <a:effectLst/>
-                        <a:latin typeface="맑은 고딕" panose="020B0503020000020004" pitchFamily="50" charset="-127"/>
+                        <a:latin typeface="Tahoma" panose="020B0604030504040204" pitchFamily="34" charset="0"/>
                         <a:ea typeface="맑은 고딕" panose="020B0503020000020004" pitchFamily="50" charset="-127"/>
                       </a:endParaRPr>
                     </a:p>
                   </a:txBody>
-                  <a:tcPr marL="5599" marR="5599" marT="5599" marB="0" anchor="ctr"/>
+                  <a:tcPr marL="6584" marR="6584" marT="6584" marB="0" anchor="ctr"/>
                 </a:tc>
                 <a:extLst>
                   <a:ext uri="{0D108BD9-81ED-4DB2-BD59-A6C34878D82A}">
-                    <a16:rowId xmlns:a16="http://schemas.microsoft.com/office/drawing/2014/main" val="1944243873"/>
+                    <a16:rowId xmlns:a16="http://schemas.microsoft.com/office/drawing/2014/main" val="3972681793"/>
                   </a:ext>
                 </a:extLst>
               </a:tr>
-              <a:tr h="123172">
+              <a:tr h="195601">
                 <a:tc>
                   <a:txBody>
                     <a:bodyPr/>
                     <a:lstStyle/>
                     <a:p>
-                      <a:pPr algn="l" fontAlgn="ctr"/>
+                      <a:pPr algn="l" rtl="0" fontAlgn="ctr"/>
                       <a:r>
-                        <a:rPr lang="ko-KR" altLang="en-US" sz="600" u="none" strike="noStrike">
+                        <a:rPr lang="ko-KR" altLang="en-US" sz="1000" u="none" strike="noStrike">
                           <a:effectLst/>
                         </a:rPr>
-                        <a:t>　</a:t>
+                        <a:t>외부주소</a:t>
                       </a:r>
-                      <a:endParaRPr lang="ko-KR" altLang="en-US" sz="600" b="0" i="0" u="none" strike="noStrike">
+                      <a:endParaRPr lang="ko-KR" altLang="en-US" sz="1000" b="0" i="0" u="none" strike="noStrike">
                         <a:solidFill>
                           <a:srgbClr val="000000"/>
                         </a:solidFill>
                         <a:effectLst/>
-                        <a:latin typeface="맑은 고딕" panose="020B0503020000020004" pitchFamily="50" charset="-127"/>
+                        <a:latin typeface="Tahoma" panose="020B0604030504040204" pitchFamily="34" charset="0"/>
                         <a:ea typeface="맑은 고딕" panose="020B0503020000020004" pitchFamily="50" charset="-127"/>
                       </a:endParaRPr>
                     </a:p>
                   </a:txBody>
-                  <a:tcPr marL="5599" marR="5599" marT="5599" marB="0" anchor="ctr"/>
+                  <a:tcPr marL="6584" marR="6584" marT="6584" marB="0" anchor="ctr"/>
                 </a:tc>
                 <a:tc>
                   <a:txBody>
                     <a:bodyPr/>
                     <a:lstStyle/>
                     <a:p>
-                      <a:pPr algn="l" fontAlgn="ctr"/>
+                      <a:pPr algn="l" rtl="0" fontAlgn="ctr"/>
                       <a:r>
-                        <a:rPr lang="ko-KR" altLang="en-US" sz="600" u="none" strike="noStrike">
+                        <a:rPr lang="en-US" sz="1000" u="none" strike="noStrike">
                           <a:effectLst/>
                         </a:rPr>
-                        <a:t>　</a:t>
+                        <a:t>S2_STOPPER.RET</a:t>
                       </a:r>
-                      <a:endParaRPr lang="ko-KR" altLang="en-US" sz="600" b="0" i="0" u="none" strike="noStrike">
+                      <a:endParaRPr lang="en-US" sz="1000" b="0" i="0" u="none" strike="noStrike">
                         <a:solidFill>
                           <a:srgbClr val="000000"/>
                         </a:solidFill>
                         <a:effectLst/>
-                        <a:latin typeface="맑은 고딕" panose="020B0503020000020004" pitchFamily="50" charset="-127"/>
+                        <a:latin typeface="Tahoma" panose="020B0604030504040204" pitchFamily="34" charset="0"/>
                         <a:ea typeface="맑은 고딕" panose="020B0503020000020004" pitchFamily="50" charset="-127"/>
                       </a:endParaRPr>
                     </a:p>
                   </a:txBody>
-                  <a:tcPr marL="5599" marR="5599" marT="5599" marB="0" anchor="ctr"/>
+                  <a:tcPr marL="6584" marR="6584" marT="6584" marB="0" anchor="ctr"/>
                 </a:tc>
                 <a:tc>
                   <a:txBody>
                     <a:bodyPr/>
                     <a:lstStyle/>
                     <a:p>
-                      <a:pPr algn="l" fontAlgn="ctr"/>
+                      <a:pPr algn="l" rtl="0" fontAlgn="ctr"/>
                       <a:r>
-                        <a:rPr lang="ko-KR" altLang="en-US" sz="600" u="none" strike="noStrike">
+                        <a:rPr lang="en-US" sz="1000" u="none" strike="noStrike">
                           <a:effectLst/>
                         </a:rPr>
-                        <a:t>　</a:t>
+                        <a:t>bool</a:t>
                       </a:r>
-                      <a:endParaRPr lang="ko-KR" altLang="en-US" sz="600" b="0" i="0" u="none" strike="noStrike">
+                      <a:endParaRPr lang="en-US" sz="1000" b="0" i="0" u="none" strike="noStrike">
                         <a:solidFill>
                           <a:srgbClr val="000000"/>
                         </a:solidFill>
                         <a:effectLst/>
-                        <a:latin typeface="맑은 고딕" panose="020B0503020000020004" pitchFamily="50" charset="-127"/>
+                        <a:latin typeface="Tahoma" panose="020B0604030504040204" pitchFamily="34" charset="0"/>
                         <a:ea typeface="맑은 고딕" panose="020B0503020000020004" pitchFamily="50" charset="-127"/>
                       </a:endParaRPr>
                     </a:p>
                   </a:txBody>
-                  <a:tcPr marL="5599" marR="5599" marT="5599" marB="0" anchor="ctr"/>
+                  <a:tcPr marL="6584" marR="6584" marT="6584" marB="0" anchor="ctr"/>
                 </a:tc>
                 <a:tc>
                   <a:txBody>
                     <a:bodyPr/>
                     <a:lstStyle/>
                     <a:p>
-                      <a:pPr algn="ctr" fontAlgn="b"/>
-                      <a:endParaRPr lang="ko-KR" altLang="en-US" sz="600" b="0" i="0" u="none" strike="noStrike">
+                      <a:pPr algn="l" rtl="0" fontAlgn="ctr"/>
+                      <a:r>
+                        <a:rPr lang="en-US" sz="1000" u="none" strike="noStrike">
+                          <a:effectLst/>
+                        </a:rPr>
+                        <a:t>I1.0</a:t>
+                      </a:r>
+                      <a:endParaRPr lang="en-US" sz="1000" b="0" i="0" u="none" strike="noStrike">
                         <a:solidFill>
                           <a:srgbClr val="000000"/>
                         </a:solidFill>
                         <a:effectLst/>
-                        <a:latin typeface="맑은 고딕" panose="020B0503020000020004" pitchFamily="50" charset="-127"/>
+                        <a:latin typeface="Tahoma" panose="020B0604030504040204" pitchFamily="34" charset="0"/>
                         <a:ea typeface="맑은 고딕" panose="020B0503020000020004" pitchFamily="50" charset="-127"/>
                       </a:endParaRPr>
                     </a:p>
                   </a:txBody>
-                  <a:tcPr marL="5599" marR="5599" marT="5599" marB="0" anchor="b"/>
+                  <a:tcPr marL="6584" marR="6584" marT="6584" marB="0" anchor="ctr"/>
                 </a:tc>
                 <a:tc>
                   <a:txBody>
                     <a:bodyPr/>
                     <a:lstStyle/>
                     <a:p>
-                      <a:pPr algn="l" fontAlgn="ctr"/>
+                      <a:pPr algn="l" rtl="0" fontAlgn="ctr"/>
                       <a:r>
-                        <a:rPr lang="ko-KR" altLang="en-US" sz="600" u="none" strike="noStrike">
+                        <a:rPr lang="en-US" sz="1000" u="none" strike="noStrike">
                           <a:effectLst/>
                         </a:rPr>
-                        <a:t>　</a:t>
+                        <a:t>O0.6</a:t>
                       </a:r>
-                      <a:endParaRPr lang="ko-KR" altLang="en-US" sz="600" b="0" i="0" u="none" strike="noStrike">
+                      <a:endParaRPr lang="en-US" sz="1000" b="0" i="0" u="none" strike="noStrike">
                         <a:solidFill>
                           <a:srgbClr val="000000"/>
                         </a:solidFill>
                         <a:effectLst/>
-                        <a:latin typeface="맑은 고딕" panose="020B0503020000020004" pitchFamily="50" charset="-127"/>
+                        <a:latin typeface="Tahoma" panose="020B0604030504040204" pitchFamily="34" charset="0"/>
                         <a:ea typeface="맑은 고딕" panose="020B0503020000020004" pitchFamily="50" charset="-127"/>
                       </a:endParaRPr>
                     </a:p>
                   </a:txBody>
-                  <a:tcPr marL="5599" marR="5599" marT="5599" marB="0" anchor="ctr"/>
+                  <a:tcPr marL="6584" marR="6584" marT="6584" marB="0" anchor="ctr"/>
                 </a:tc>
                 <a:tc>
                   <a:txBody>
                     <a:bodyPr/>
                     <a:lstStyle/>
                     <a:p>
-                      <a:pPr algn="l" fontAlgn="ctr"/>
+                      <a:pPr algn="l" rtl="0" fontAlgn="ctr"/>
                       <a:r>
-                        <a:rPr lang="ko-KR" altLang="en-US" sz="600" u="none" strike="noStrike">
+                        <a:rPr lang="en-US" sz="1000" u="none" strike="noStrike">
                           <a:effectLst/>
                         </a:rPr>
-                        <a:t>　</a:t>
+                        <a:t>S2_STOPPER_RET</a:t>
                       </a:r>
-                      <a:endParaRPr lang="ko-KR" altLang="en-US" sz="600" b="0" i="0" u="none" strike="noStrike">
+                      <a:endParaRPr lang="en-US" sz="1000" b="0" i="0" u="none" strike="noStrike">
                         <a:solidFill>
                           <a:srgbClr val="000000"/>
                         </a:solidFill>
                         <a:effectLst/>
-                        <a:latin typeface="맑은 고딕" panose="020B0503020000020004" pitchFamily="50" charset="-127"/>
+                        <a:latin typeface="Tahoma" panose="020B0604030504040204" pitchFamily="34" charset="0"/>
                         <a:ea typeface="맑은 고딕" panose="020B0503020000020004" pitchFamily="50" charset="-127"/>
                       </a:endParaRPr>
                     </a:p>
                   </a:txBody>
-                  <a:tcPr marL="5599" marR="5599" marT="5599" marB="0" anchor="ctr"/>
+                  <a:tcPr marL="6584" marR="6584" marT="6584" marB="0" anchor="ctr"/>
                 </a:tc>
                 <a:tc>
                   <a:txBody>
                     <a:bodyPr/>
                     <a:lstStyle/>
                     <a:p>
-                      <a:pPr algn="l" fontAlgn="ctr"/>
+                      <a:pPr algn="l" rtl="0" fontAlgn="ctr"/>
                       <a:r>
-                        <a:rPr lang="ko-KR" altLang="en-US" sz="600" u="none" strike="noStrike">
+                        <a:rPr lang="ko-KR" altLang="en-US" sz="1000" u="none" strike="noStrike">
                           <a:effectLst/>
                         </a:rPr>
                         <a:t>　</a:t>
                       </a:r>
-                      <a:endParaRPr lang="ko-KR" altLang="en-US" sz="600" b="0" i="0" u="none" strike="noStrike">
+                      <a:endParaRPr lang="ko-KR" altLang="en-US" sz="1000" b="0" i="0" u="none" strike="noStrike">
                         <a:solidFill>
                           <a:srgbClr val="000000"/>
                         </a:solidFill>
                         <a:effectLst/>
-                        <a:latin typeface="맑은 고딕" panose="020B0503020000020004" pitchFamily="50" charset="-127"/>
+                        <a:latin typeface="Tahoma" panose="020B0604030504040204" pitchFamily="34" charset="0"/>
                         <a:ea typeface="맑은 고딕" panose="020B0503020000020004" pitchFamily="50" charset="-127"/>
                       </a:endParaRPr>
                     </a:p>
                   </a:txBody>
-                  <a:tcPr marL="5599" marR="5599" marT="5599" marB="0" anchor="ctr"/>
+                  <a:tcPr marL="6584" marR="6584" marT="6584" marB="0" anchor="ctr"/>
                 </a:tc>
                 <a:extLst>
                   <a:ext uri="{0D108BD9-81ED-4DB2-BD59-A6C34878D82A}">
-                    <a16:rowId xmlns:a16="http://schemas.microsoft.com/office/drawing/2014/main" val="2375961336"/>
+                    <a16:rowId xmlns:a16="http://schemas.microsoft.com/office/drawing/2014/main" val="3119097395"/>
                   </a:ext>
                 </a:extLst>
               </a:tr>
-              <a:tr h="123172">
+              <a:tr h="195601">
                 <a:tc>
                   <a:txBody>
                     <a:bodyPr/>
                     <a:lstStyle/>
                     <a:p>
-                      <a:pPr algn="l" fontAlgn="ctr"/>
+                      <a:pPr algn="l" rtl="0" fontAlgn="ctr"/>
                       <a:r>
-                        <a:rPr lang="ko-KR" altLang="en-US" sz="600" u="none" strike="noStrike">
+                        <a:rPr lang="ko-KR" altLang="en-US" sz="1000" u="none" strike="noStrike">
                           <a:effectLst/>
                         </a:rPr>
-                        <a:t>　</a:t>
+                        <a:t>외부주소</a:t>
                       </a:r>
-                      <a:endParaRPr lang="ko-KR" altLang="en-US" sz="600" b="0" i="0" u="none" strike="noStrike">
+                      <a:endParaRPr lang="ko-KR" altLang="en-US" sz="1000" b="0" i="0" u="none" strike="noStrike">
                         <a:solidFill>
                           <a:srgbClr val="000000"/>
                         </a:solidFill>
                         <a:effectLst/>
-                        <a:latin typeface="맑은 고딕" panose="020B0503020000020004" pitchFamily="50" charset="-127"/>
+                        <a:latin typeface="Tahoma" panose="020B0604030504040204" pitchFamily="34" charset="0"/>
                         <a:ea typeface="맑은 고딕" panose="020B0503020000020004" pitchFamily="50" charset="-127"/>
                       </a:endParaRPr>
                     </a:p>
                   </a:txBody>
-                  <a:tcPr marL="5599" marR="5599" marT="5599" marB="0" anchor="ctr"/>
+                  <a:tcPr marL="6584" marR="6584" marT="6584" marB="0" anchor="ctr"/>
                 </a:tc>
                 <a:tc>
                   <a:txBody>
                     <a:bodyPr/>
                     <a:lstStyle/>
                     <a:p>
-                      <a:pPr algn="l" fontAlgn="ctr"/>
+                      <a:pPr algn="l" rtl="0" fontAlgn="ctr"/>
                       <a:r>
-                        <a:rPr lang="ko-KR" altLang="en-US" sz="600" u="none" strike="noStrike">
+                        <a:rPr lang="en-US" sz="1000" u="none" strike="noStrike">
                           <a:effectLst/>
                         </a:rPr>
-                        <a:t>　</a:t>
+                        <a:t>S2_USB.ADV</a:t>
                       </a:r>
-                      <a:endParaRPr lang="ko-KR" altLang="en-US" sz="600" b="0" i="0" u="none" strike="noStrike">
+                      <a:endParaRPr lang="en-US" sz="1000" b="0" i="0" u="none" strike="noStrike">
                         <a:solidFill>
                           <a:srgbClr val="000000"/>
                         </a:solidFill>
                         <a:effectLst/>
-                        <a:latin typeface="맑은 고딕" panose="020B0503020000020004" pitchFamily="50" charset="-127"/>
+                        <a:latin typeface="Tahoma" panose="020B0604030504040204" pitchFamily="34" charset="0"/>
                         <a:ea typeface="맑은 고딕" panose="020B0503020000020004" pitchFamily="50" charset="-127"/>
                       </a:endParaRPr>
                     </a:p>
                   </a:txBody>
-                  <a:tcPr marL="5599" marR="5599" marT="5599" marB="0" anchor="ctr"/>
+                  <a:tcPr marL="6584" marR="6584" marT="6584" marB="0" anchor="ctr"/>
                 </a:tc>
                 <a:tc>
                   <a:txBody>
                     <a:bodyPr/>
                     <a:lstStyle/>
                     <a:p>
-                      <a:pPr algn="l" fontAlgn="ctr"/>
+                      <a:pPr algn="l" rtl="0" fontAlgn="ctr"/>
                       <a:r>
-                        <a:rPr lang="ko-KR" altLang="en-US" sz="600" u="none" strike="noStrike">
+                        <a:rPr lang="en-US" sz="1000" u="none" strike="noStrike">
                           <a:effectLst/>
                         </a:rPr>
-                        <a:t>　</a:t>
+                        <a:t>bool</a:t>
                       </a:r>
-                      <a:endParaRPr lang="ko-KR" altLang="en-US" sz="600" b="0" i="0" u="none" strike="noStrike">
+                      <a:endParaRPr lang="en-US" sz="1000" b="0" i="0" u="none" strike="noStrike">
                         <a:solidFill>
                           <a:srgbClr val="000000"/>
                         </a:solidFill>
                         <a:effectLst/>
-                        <a:latin typeface="맑은 고딕" panose="020B0503020000020004" pitchFamily="50" charset="-127"/>
+                        <a:latin typeface="Tahoma" panose="020B0604030504040204" pitchFamily="34" charset="0"/>
                         <a:ea typeface="맑은 고딕" panose="020B0503020000020004" pitchFamily="50" charset="-127"/>
                       </a:endParaRPr>
                     </a:p>
                   </a:txBody>
-                  <a:tcPr marL="5599" marR="5599" marT="5599" marB="0" anchor="ctr"/>
+                  <a:tcPr marL="6584" marR="6584" marT="6584" marB="0" anchor="ctr"/>
                 </a:tc>
                 <a:tc>
                   <a:txBody>
                     <a:bodyPr/>
                     <a:lstStyle/>
                     <a:p>
-                      <a:pPr algn="ctr" fontAlgn="b"/>
-                      <a:endParaRPr lang="ko-KR" altLang="en-US" sz="600" b="0" i="0" u="none" strike="noStrike">
+                      <a:pPr algn="l" rtl="0" fontAlgn="ctr"/>
+                      <a:r>
+                        <a:rPr lang="en-US" sz="1000" u="none" strike="noStrike">
+                          <a:effectLst/>
+                        </a:rPr>
+                        <a:t>I1.3</a:t>
+                      </a:r>
+                      <a:endParaRPr lang="en-US" sz="1000" b="0" i="0" u="none" strike="noStrike">
                         <a:solidFill>
                           <a:srgbClr val="000000"/>
                         </a:solidFill>
                         <a:effectLst/>
-                        <a:latin typeface="맑은 고딕" panose="020B0503020000020004" pitchFamily="50" charset="-127"/>
+                        <a:latin typeface="Tahoma" panose="020B0604030504040204" pitchFamily="34" charset="0"/>
                         <a:ea typeface="맑은 고딕" panose="020B0503020000020004" pitchFamily="50" charset="-127"/>
                       </a:endParaRPr>
                     </a:p>
                   </a:txBody>
-                  <a:tcPr marL="5599" marR="5599" marT="5599" marB="0" anchor="b"/>
+                  <a:tcPr marL="6584" marR="6584" marT="6584" marB="0" anchor="ctr"/>
                 </a:tc>
                 <a:tc>
                   <a:txBody>
                     <a:bodyPr/>
                     <a:lstStyle/>
                     <a:p>
-                      <a:pPr algn="l" fontAlgn="ctr"/>
+                      <a:pPr algn="l" rtl="0" fontAlgn="ctr"/>
                       <a:r>
-                        <a:rPr lang="ko-KR" altLang="en-US" sz="600" u="none" strike="noStrike">
+                        <a:rPr lang="en-US" sz="1000" u="none" strike="noStrike">
                           <a:effectLst/>
                         </a:rPr>
-                        <a:t>　</a:t>
+                        <a:t>O1.1</a:t>
                       </a:r>
-                      <a:endParaRPr lang="ko-KR" altLang="en-US" sz="600" b="0" i="0" u="none" strike="noStrike">
+                      <a:endParaRPr lang="en-US" sz="1000" b="0" i="0" u="none" strike="noStrike">
                         <a:solidFill>
                           <a:srgbClr val="000000"/>
                         </a:solidFill>
                         <a:effectLst/>
-                        <a:latin typeface="맑은 고딕" panose="020B0503020000020004" pitchFamily="50" charset="-127"/>
+                        <a:latin typeface="Tahoma" panose="020B0604030504040204" pitchFamily="34" charset="0"/>
                         <a:ea typeface="맑은 고딕" panose="020B0503020000020004" pitchFamily="50" charset="-127"/>
                       </a:endParaRPr>
                     </a:p>
                   </a:txBody>
-                  <a:tcPr marL="5599" marR="5599" marT="5599" marB="0" anchor="ctr"/>
+                  <a:tcPr marL="6584" marR="6584" marT="6584" marB="0" anchor="ctr"/>
                 </a:tc>
                 <a:tc>
                   <a:txBody>
                     <a:bodyPr/>
                     <a:lstStyle/>
                     <a:p>
-                      <a:pPr algn="l" fontAlgn="ctr"/>
+                      <a:pPr algn="l" rtl="0" fontAlgn="ctr"/>
                       <a:r>
-                        <a:rPr lang="ko-KR" altLang="en-US" sz="600" u="none" strike="noStrike">
+                        <a:rPr lang="en-US" sz="1000" u="none" strike="noStrike">
                           <a:effectLst/>
                         </a:rPr>
-                        <a:t>　</a:t>
+                        <a:t>S2_USB_ADV</a:t>
                       </a:r>
-                      <a:endParaRPr lang="ko-KR" altLang="en-US" sz="600" b="0" i="0" u="none" strike="noStrike">
+                      <a:endParaRPr lang="en-US" sz="1000" b="0" i="0" u="none" strike="noStrike">
                         <a:solidFill>
                           <a:srgbClr val="000000"/>
                         </a:solidFill>
                         <a:effectLst/>
-                        <a:latin typeface="맑은 고딕" panose="020B0503020000020004" pitchFamily="50" charset="-127"/>
+                        <a:latin typeface="Tahoma" panose="020B0604030504040204" pitchFamily="34" charset="0"/>
                         <a:ea typeface="맑은 고딕" panose="020B0503020000020004" pitchFamily="50" charset="-127"/>
                       </a:endParaRPr>
                     </a:p>
                   </a:txBody>
-                  <a:tcPr marL="5599" marR="5599" marT="5599" marB="0" anchor="ctr"/>
+                  <a:tcPr marL="6584" marR="6584" marT="6584" marB="0" anchor="ctr"/>
                 </a:tc>
                 <a:tc>
                   <a:txBody>
                     <a:bodyPr/>
                     <a:lstStyle/>
                     <a:p>
-                      <a:pPr algn="l" fontAlgn="ctr"/>
+                      <a:pPr algn="l" rtl="0" fontAlgn="ctr"/>
                       <a:r>
-                        <a:rPr lang="ko-KR" altLang="en-US" sz="600" u="none" strike="noStrike">
+                        <a:rPr lang="ko-KR" altLang="en-US" sz="1000" u="none" strike="noStrike">
                           <a:effectLst/>
                         </a:rPr>
                         <a:t>　</a:t>
                       </a:r>
-                      <a:endParaRPr lang="ko-KR" altLang="en-US" sz="600" b="0" i="0" u="none" strike="noStrike">
+                      <a:endParaRPr lang="ko-KR" altLang="en-US" sz="1000" b="0" i="0" u="none" strike="noStrike">
                         <a:solidFill>
                           <a:srgbClr val="000000"/>
                         </a:solidFill>
                         <a:effectLst/>
-                        <a:latin typeface="맑은 고딕" panose="020B0503020000020004" pitchFamily="50" charset="-127"/>
+                        <a:latin typeface="Tahoma" panose="020B0604030504040204" pitchFamily="34" charset="0"/>
                         <a:ea typeface="맑은 고딕" panose="020B0503020000020004" pitchFamily="50" charset="-127"/>
                       </a:endParaRPr>
                     </a:p>
                   </a:txBody>
-                  <a:tcPr marL="5599" marR="5599" marT="5599" marB="0" anchor="ctr"/>
+                  <a:tcPr marL="6584" marR="6584" marT="6584" marB="0" anchor="ctr"/>
                 </a:tc>
                 <a:extLst>
                   <a:ext uri="{0D108BD9-81ED-4DB2-BD59-A6C34878D82A}">
-                    <a16:rowId xmlns:a16="http://schemas.microsoft.com/office/drawing/2014/main" val="4033417318"/>
+                    <a16:rowId xmlns:a16="http://schemas.microsoft.com/office/drawing/2014/main" val="4294770447"/>
                   </a:ext>
                 </a:extLst>
               </a:tr>
-              <a:tr h="123172">
+              <a:tr h="195601">
                 <a:tc>
                   <a:txBody>
                     <a:bodyPr/>
                     <a:lstStyle/>
                     <a:p>
-                      <a:pPr algn="l" fontAlgn="ctr"/>
+                      <a:pPr algn="l" rtl="0" fontAlgn="ctr"/>
                       <a:r>
-                        <a:rPr lang="ko-KR" altLang="en-US" sz="600" u="none" strike="noStrike">
+                        <a:rPr lang="ko-KR" altLang="en-US" sz="1000" u="none" strike="noStrike">
                           <a:effectLst/>
                         </a:rPr>
-                        <a:t>　</a:t>
+                        <a:t>외부주소</a:t>
                       </a:r>
-                      <a:endParaRPr lang="ko-KR" altLang="en-US" sz="600" b="0" i="0" u="none" strike="noStrike">
+                      <a:endParaRPr lang="ko-KR" altLang="en-US" sz="1000" b="0" i="0" u="none" strike="noStrike">
                         <a:solidFill>
                           <a:srgbClr val="000000"/>
                         </a:solidFill>
                         <a:effectLst/>
-                        <a:latin typeface="맑은 고딕" panose="020B0503020000020004" pitchFamily="50" charset="-127"/>
+                        <a:latin typeface="Tahoma" panose="020B0604030504040204" pitchFamily="34" charset="0"/>
                         <a:ea typeface="맑은 고딕" panose="020B0503020000020004" pitchFamily="50" charset="-127"/>
                       </a:endParaRPr>
                     </a:p>
                   </a:txBody>
-                  <a:tcPr marL="5599" marR="5599" marT="5599" marB="0" anchor="ctr"/>
+                  <a:tcPr marL="6584" marR="6584" marT="6584" marB="0" anchor="ctr"/>
                 </a:tc>
                 <a:tc>
                   <a:txBody>
                     <a:bodyPr/>
                     <a:lstStyle/>
                     <a:p>
-                      <a:pPr algn="l" fontAlgn="ctr"/>
+                      <a:pPr algn="l" rtl="0" fontAlgn="ctr"/>
                       <a:r>
-                        <a:rPr lang="ko-KR" altLang="en-US" sz="600" u="none" strike="noStrike">
+                        <a:rPr lang="en-US" sz="1000" u="none" strike="noStrike">
                           <a:effectLst/>
                         </a:rPr>
-                        <a:t>　</a:t>
+                        <a:t>S2_USB.RET</a:t>
                       </a:r>
-                      <a:endParaRPr lang="ko-KR" altLang="en-US" sz="600" b="0" i="0" u="none" strike="noStrike">
+                      <a:endParaRPr lang="en-US" sz="1000" b="0" i="0" u="none" strike="noStrike">
                         <a:solidFill>
                           <a:srgbClr val="000000"/>
                         </a:solidFill>
                         <a:effectLst/>
-                        <a:latin typeface="맑은 고딕" panose="020B0503020000020004" pitchFamily="50" charset="-127"/>
+                        <a:latin typeface="Tahoma" panose="020B0604030504040204" pitchFamily="34" charset="0"/>
                         <a:ea typeface="맑은 고딕" panose="020B0503020000020004" pitchFamily="50" charset="-127"/>
                       </a:endParaRPr>
                     </a:p>
                   </a:txBody>
-                  <a:tcPr marL="5599" marR="5599" marT="5599" marB="0" anchor="ctr"/>
+                  <a:tcPr marL="6584" marR="6584" marT="6584" marB="0" anchor="ctr"/>
                 </a:tc>
                 <a:tc>
                   <a:txBody>
                     <a:bodyPr/>
                     <a:lstStyle/>
                     <a:p>
-                      <a:pPr algn="l" fontAlgn="ctr"/>
+                      <a:pPr algn="l" rtl="0" fontAlgn="ctr"/>
                       <a:r>
-                        <a:rPr lang="ko-KR" altLang="en-US" sz="600" u="none" strike="noStrike">
+                        <a:rPr lang="en-US" sz="1000" u="none" strike="noStrike">
                           <a:effectLst/>
                         </a:rPr>
-                        <a:t>　</a:t>
+                        <a:t>bool</a:t>
                       </a:r>
-                      <a:endParaRPr lang="ko-KR" altLang="en-US" sz="600" b="0" i="0" u="none" strike="noStrike">
+                      <a:endParaRPr lang="en-US" sz="1000" b="0" i="0" u="none" strike="noStrike">
                         <a:solidFill>
                           <a:srgbClr val="000000"/>
                         </a:solidFill>
                         <a:effectLst/>
-                        <a:latin typeface="맑은 고딕" panose="020B0503020000020004" pitchFamily="50" charset="-127"/>
+                        <a:latin typeface="Tahoma" panose="020B0604030504040204" pitchFamily="34" charset="0"/>
                         <a:ea typeface="맑은 고딕" panose="020B0503020000020004" pitchFamily="50" charset="-127"/>
                       </a:endParaRPr>
                     </a:p>
                   </a:txBody>
-                  <a:tcPr marL="5599" marR="5599" marT="5599" marB="0" anchor="ctr"/>
+                  <a:tcPr marL="6584" marR="6584" marT="6584" marB="0" anchor="ctr"/>
                 </a:tc>
                 <a:tc>
                   <a:txBody>
                     <a:bodyPr/>
                     <a:lstStyle/>
                     <a:p>
-                      <a:pPr algn="ctr" fontAlgn="b"/>
-                      <a:endParaRPr lang="ko-KR" altLang="en-US" sz="600" b="0" i="0" u="none" strike="noStrike">
+                      <a:pPr algn="l" rtl="0" fontAlgn="ctr"/>
+                      <a:r>
+                        <a:rPr lang="en-US" sz="1000" u="none" strike="noStrike">
+                          <a:effectLst/>
+                        </a:rPr>
+                        <a:t>I1.2</a:t>
+                      </a:r>
+                      <a:endParaRPr lang="en-US" sz="1000" b="0" i="0" u="none" strike="noStrike">
                         <a:solidFill>
                           <a:srgbClr val="000000"/>
                         </a:solidFill>
                         <a:effectLst/>
-                        <a:latin typeface="맑은 고딕" panose="020B0503020000020004" pitchFamily="50" charset="-127"/>
+                        <a:latin typeface="Tahoma" panose="020B0604030504040204" pitchFamily="34" charset="0"/>
                         <a:ea typeface="맑은 고딕" panose="020B0503020000020004" pitchFamily="50" charset="-127"/>
                       </a:endParaRPr>
                     </a:p>
                   </a:txBody>
-                  <a:tcPr marL="5599" marR="5599" marT="5599" marB="0" anchor="b"/>
+                  <a:tcPr marL="6584" marR="6584" marT="6584" marB="0" anchor="ctr"/>
                 </a:tc>
                 <a:tc>
                   <a:txBody>
                     <a:bodyPr/>
                     <a:lstStyle/>
                     <a:p>
-                      <a:pPr algn="l" fontAlgn="ctr"/>
+                      <a:pPr algn="l" rtl="0" fontAlgn="ctr"/>
                       <a:r>
-                        <a:rPr lang="ko-KR" altLang="en-US" sz="600" u="none" strike="noStrike">
+                        <a:rPr lang="en-US" sz="1000" u="none" strike="noStrike">
                           <a:effectLst/>
                         </a:rPr>
-                        <a:t>　</a:t>
+                        <a:t>O1.0</a:t>
                       </a:r>
-                      <a:endParaRPr lang="ko-KR" altLang="en-US" sz="600" b="0" i="0" u="none" strike="noStrike">
+                      <a:endParaRPr lang="en-US" sz="1000" b="0" i="0" u="none" strike="noStrike">
                         <a:solidFill>
                           <a:srgbClr val="000000"/>
                         </a:solidFill>
                         <a:effectLst/>
-                        <a:latin typeface="맑은 고딕" panose="020B0503020000020004" pitchFamily="50" charset="-127"/>
+                        <a:latin typeface="Tahoma" panose="020B0604030504040204" pitchFamily="34" charset="0"/>
                         <a:ea typeface="맑은 고딕" panose="020B0503020000020004" pitchFamily="50" charset="-127"/>
                       </a:endParaRPr>
                     </a:p>
                   </a:txBody>
-                  <a:tcPr marL="5599" marR="5599" marT="5599" marB="0" anchor="ctr"/>
+                  <a:tcPr marL="6584" marR="6584" marT="6584" marB="0" anchor="ctr"/>
                 </a:tc>
                 <a:tc>
                   <a:txBody>
                     <a:bodyPr/>
                     <a:lstStyle/>
                     <a:p>
-                      <a:pPr algn="l" fontAlgn="ctr"/>
+                      <a:pPr algn="l" rtl="0" fontAlgn="ctr"/>
                       <a:r>
-                        <a:rPr lang="ko-KR" altLang="en-US" sz="600" u="none" strike="noStrike">
+                        <a:rPr lang="en-US" sz="1000" u="none" strike="noStrike">
                           <a:effectLst/>
                         </a:rPr>
-                        <a:t>　</a:t>
+                        <a:t>S2_USB_RET</a:t>
                       </a:r>
-                      <a:endParaRPr lang="ko-KR" altLang="en-US" sz="600" b="0" i="0" u="none" strike="noStrike">
+                      <a:endParaRPr lang="en-US" sz="1000" b="0" i="0" u="none" strike="noStrike">
                         <a:solidFill>
                           <a:srgbClr val="000000"/>
                         </a:solidFill>
                         <a:effectLst/>
-                        <a:latin typeface="맑은 고딕" panose="020B0503020000020004" pitchFamily="50" charset="-127"/>
+                        <a:latin typeface="Tahoma" panose="020B0604030504040204" pitchFamily="34" charset="0"/>
                         <a:ea typeface="맑은 고딕" panose="020B0503020000020004" pitchFamily="50" charset="-127"/>
                       </a:endParaRPr>
                     </a:p>
                   </a:txBody>
-                  <a:tcPr marL="5599" marR="5599" marT="5599" marB="0" anchor="ctr"/>
+                  <a:tcPr marL="6584" marR="6584" marT="6584" marB="0" anchor="ctr"/>
                 </a:tc>
                 <a:tc>
                   <a:txBody>
                     <a:bodyPr/>
                     <a:lstStyle/>
                     <a:p>
-                      <a:pPr algn="l" fontAlgn="ctr"/>
+                      <a:pPr algn="l" rtl="0" fontAlgn="ctr"/>
                       <a:r>
-                        <a:rPr lang="ko-KR" altLang="en-US" sz="600" u="none" strike="noStrike">
+                        <a:rPr lang="ko-KR" altLang="en-US" sz="1000" u="none" strike="noStrike">
                           <a:effectLst/>
                         </a:rPr>
                         <a:t>　</a:t>
                       </a:r>
-                      <a:endParaRPr lang="ko-KR" altLang="en-US" sz="600" b="0" i="0" u="none" strike="noStrike">
+                      <a:endParaRPr lang="ko-KR" altLang="en-US" sz="1000" b="0" i="0" u="none" strike="noStrike">
                         <a:solidFill>
                           <a:srgbClr val="000000"/>
                         </a:solidFill>
                         <a:effectLst/>
-                        <a:latin typeface="맑은 고딕" panose="020B0503020000020004" pitchFamily="50" charset="-127"/>
+                        <a:latin typeface="Tahoma" panose="020B0604030504040204" pitchFamily="34" charset="0"/>
                         <a:ea typeface="맑은 고딕" panose="020B0503020000020004" pitchFamily="50" charset="-127"/>
                       </a:endParaRPr>
                     </a:p>
                   </a:txBody>
-                  <a:tcPr marL="5599" marR="5599" marT="5599" marB="0" anchor="ctr"/>
+                  <a:tcPr marL="6584" marR="6584" marT="6584" marB="0" anchor="ctr"/>
                 </a:tc>
                 <a:extLst>
                   <a:ext uri="{0D108BD9-81ED-4DB2-BD59-A6C34878D82A}">
-                    <a16:rowId xmlns:a16="http://schemas.microsoft.com/office/drawing/2014/main" val="1554233854"/>
+                    <a16:rowId xmlns:a16="http://schemas.microsoft.com/office/drawing/2014/main" val="626796249"/>
                   </a:ext>
                 </a:extLst>
               </a:tr>
-              <a:tr h="123172">
+              <a:tr h="195601">
                 <a:tc>
                   <a:txBody>
                     <a:bodyPr/>
                     <a:lstStyle/>
                     <a:p>
-                      <a:pPr algn="l" fontAlgn="ctr"/>
+                      <a:pPr algn="l" rtl="0" fontAlgn="ctr"/>
                       <a:r>
-                        <a:rPr lang="ko-KR" altLang="en-US" sz="600" u="none" strike="noStrike">
+                        <a:rPr lang="ko-KR" altLang="en-US" sz="1000" u="none" strike="noStrike">
                           <a:effectLst/>
                         </a:rPr>
-                        <a:t>　</a:t>
+                        <a:t>외부주소</a:t>
                       </a:r>
-                      <a:endParaRPr lang="ko-KR" altLang="en-US" sz="600" b="0" i="0" u="none" strike="noStrike">
+                      <a:endParaRPr lang="ko-KR" altLang="en-US" sz="1000" b="0" i="0" u="none" strike="noStrike">
                         <a:solidFill>
                           <a:srgbClr val="000000"/>
                         </a:solidFill>
                         <a:effectLst/>
-                        <a:latin typeface="맑은 고딕" panose="020B0503020000020004" pitchFamily="50" charset="-127"/>
+                        <a:latin typeface="Tahoma" panose="020B0604030504040204" pitchFamily="34" charset="0"/>
                         <a:ea typeface="맑은 고딕" panose="020B0503020000020004" pitchFamily="50" charset="-127"/>
                       </a:endParaRPr>
                     </a:p>
                   </a:txBody>
-                  <a:tcPr marL="5599" marR="5599" marT="5599" marB="0" anchor="ctr"/>
+                  <a:tcPr marL="6584" marR="6584" marT="6584" marB="0" anchor="ctr"/>
                 </a:tc>
                 <a:tc>
                   <a:txBody>
                     <a:bodyPr/>
                     <a:lstStyle/>
                     <a:p>
-                      <a:pPr algn="l" fontAlgn="ctr"/>
+                      <a:pPr algn="l" rtl="0" fontAlgn="ctr"/>
                       <a:r>
-                        <a:rPr lang="ko-KR" altLang="en-US" sz="600" u="none" strike="noStrike">
+                        <a:rPr lang="en-US" sz="1000" u="none" strike="noStrike">
                           <a:effectLst/>
                         </a:rPr>
-                        <a:t>　</a:t>
+                        <a:t>S3_STOPPER.ADV</a:t>
                       </a:r>
-                      <a:endParaRPr lang="ko-KR" altLang="en-US" sz="600" b="0" i="0" u="none" strike="noStrike">
+                      <a:endParaRPr lang="en-US" sz="1000" b="0" i="0" u="none" strike="noStrike">
                         <a:solidFill>
                           <a:srgbClr val="000000"/>
                         </a:solidFill>
                         <a:effectLst/>
-                        <a:latin typeface="맑은 고딕" panose="020B0503020000020004" pitchFamily="50" charset="-127"/>
+                        <a:latin typeface="Tahoma" panose="020B0604030504040204" pitchFamily="34" charset="0"/>
                         <a:ea typeface="맑은 고딕" panose="020B0503020000020004" pitchFamily="50" charset="-127"/>
                       </a:endParaRPr>
                     </a:p>
                   </a:txBody>
-                  <a:tcPr marL="5599" marR="5599" marT="5599" marB="0" anchor="ctr"/>
+                  <a:tcPr marL="6584" marR="6584" marT="6584" marB="0" anchor="ctr"/>
                 </a:tc>
                 <a:tc>
                   <a:txBody>
                     <a:bodyPr/>
                     <a:lstStyle/>
                     <a:p>
-                      <a:pPr algn="l" fontAlgn="ctr"/>
+                      <a:pPr algn="l" rtl="0" fontAlgn="ctr"/>
                       <a:r>
-                        <a:rPr lang="ko-KR" altLang="en-US" sz="600" u="none" strike="noStrike">
+                        <a:rPr lang="en-US" sz="1000" u="none" strike="noStrike">
                           <a:effectLst/>
                         </a:rPr>
-                        <a:t>　</a:t>
+                        <a:t>bool</a:t>
                       </a:r>
-                      <a:endParaRPr lang="ko-KR" altLang="en-US" sz="600" b="0" i="0" u="none" strike="noStrike">
+                      <a:endParaRPr lang="en-US" sz="1000" b="0" i="0" u="none" strike="noStrike">
                         <a:solidFill>
                           <a:srgbClr val="000000"/>
                         </a:solidFill>
                         <a:effectLst/>
-                        <a:latin typeface="맑은 고딕" panose="020B0503020000020004" pitchFamily="50" charset="-127"/>
+                        <a:latin typeface="Tahoma" panose="020B0604030504040204" pitchFamily="34" charset="0"/>
                         <a:ea typeface="맑은 고딕" panose="020B0503020000020004" pitchFamily="50" charset="-127"/>
                       </a:endParaRPr>
                     </a:p>
                   </a:txBody>
-                  <a:tcPr marL="5599" marR="5599" marT="5599" marB="0" anchor="ctr"/>
+                  <a:tcPr marL="6584" marR="6584" marT="6584" marB="0" anchor="ctr"/>
                 </a:tc>
                 <a:tc>
                   <a:txBody>
                     <a:bodyPr/>
                     <a:lstStyle/>
                     <a:p>
-                      <a:pPr algn="ctr" fontAlgn="b"/>
-                      <a:endParaRPr lang="ko-KR" altLang="en-US" sz="600" b="0" i="0" u="none" strike="noStrike">
+                      <a:pPr algn="l" rtl="0" fontAlgn="ctr"/>
+                      <a:r>
+                        <a:rPr lang="en-US" sz="1000" u="none" strike="noStrike">
+                          <a:effectLst/>
+                        </a:rPr>
+                        <a:t>I1.5</a:t>
+                      </a:r>
+                      <a:endParaRPr lang="en-US" sz="1000" b="0" i="0" u="none" strike="noStrike">
                         <a:solidFill>
                           <a:srgbClr val="000000"/>
                         </a:solidFill>
                         <a:effectLst/>
-                        <a:latin typeface="맑은 고딕" panose="020B0503020000020004" pitchFamily="50" charset="-127"/>
+                        <a:latin typeface="Tahoma" panose="020B0604030504040204" pitchFamily="34" charset="0"/>
                         <a:ea typeface="맑은 고딕" panose="020B0503020000020004" pitchFamily="50" charset="-127"/>
                       </a:endParaRPr>
                     </a:p>
                   </a:txBody>
-                  <a:tcPr marL="5599" marR="5599" marT="5599" marB="0" anchor="b"/>
+                  <a:tcPr marL="6584" marR="6584" marT="6584" marB="0" anchor="ctr"/>
                 </a:tc>
                 <a:tc>
                   <a:txBody>
                     <a:bodyPr/>
                     <a:lstStyle/>
                     <a:p>
-                      <a:pPr algn="l" fontAlgn="ctr"/>
+                      <a:pPr algn="l" rtl="0" fontAlgn="ctr"/>
                       <a:r>
-                        <a:rPr lang="ko-KR" altLang="en-US" sz="600" u="none" strike="noStrike">
+                        <a:rPr lang="en-US" sz="1000" u="none" strike="noStrike">
                           <a:effectLst/>
                         </a:rPr>
-                        <a:t>　</a:t>
+                        <a:t>O1.3</a:t>
                       </a:r>
-                      <a:endParaRPr lang="ko-KR" altLang="en-US" sz="600" b="0" i="0" u="none" strike="noStrike">
+                      <a:endParaRPr lang="en-US" sz="1000" b="0" i="0" u="none" strike="noStrike">
                         <a:solidFill>
                           <a:srgbClr val="000000"/>
                         </a:solidFill>
                         <a:effectLst/>
-                        <a:latin typeface="맑은 고딕" panose="020B0503020000020004" pitchFamily="50" charset="-127"/>
+                        <a:latin typeface="Tahoma" panose="020B0604030504040204" pitchFamily="34" charset="0"/>
                         <a:ea typeface="맑은 고딕" panose="020B0503020000020004" pitchFamily="50" charset="-127"/>
                       </a:endParaRPr>
                     </a:p>
                   </a:txBody>
-                  <a:tcPr marL="5599" marR="5599" marT="5599" marB="0" anchor="ctr"/>
+                  <a:tcPr marL="6584" marR="6584" marT="6584" marB="0" anchor="ctr"/>
                 </a:tc>
                 <a:tc>
                   <a:txBody>
                     <a:bodyPr/>
                     <a:lstStyle/>
                     <a:p>
-                      <a:pPr algn="l" fontAlgn="ctr"/>
+                      <a:pPr algn="l" rtl="0" fontAlgn="ctr"/>
                       <a:r>
-                        <a:rPr lang="ko-KR" altLang="en-US" sz="600" u="none" strike="noStrike">
+                        <a:rPr lang="en-US" sz="1000" u="none" strike="noStrike">
                           <a:effectLst/>
                         </a:rPr>
-                        <a:t>　</a:t>
+                        <a:t>S3_STOPPER_ADV</a:t>
                       </a:r>
-                      <a:endParaRPr lang="ko-KR" altLang="en-US" sz="600" b="0" i="0" u="none" strike="noStrike">
+                      <a:endParaRPr lang="en-US" sz="1000" b="0" i="0" u="none" strike="noStrike">
                         <a:solidFill>
                           <a:srgbClr val="000000"/>
                         </a:solidFill>
                         <a:effectLst/>
-                        <a:latin typeface="맑은 고딕" panose="020B0503020000020004" pitchFamily="50" charset="-127"/>
+                        <a:latin typeface="Tahoma" panose="020B0604030504040204" pitchFamily="34" charset="0"/>
                         <a:ea typeface="맑은 고딕" panose="020B0503020000020004" pitchFamily="50" charset="-127"/>
                       </a:endParaRPr>
                     </a:p>
                   </a:txBody>
-                  <a:tcPr marL="5599" marR="5599" marT="5599" marB="0" anchor="ctr"/>
+                  <a:tcPr marL="6584" marR="6584" marT="6584" marB="0" anchor="ctr"/>
                 </a:tc>
                 <a:tc>
                   <a:txBody>
                     <a:bodyPr/>
                     <a:lstStyle/>
                     <a:p>
-                      <a:pPr algn="l" fontAlgn="ctr"/>
+                      <a:pPr algn="l" rtl="0" fontAlgn="ctr"/>
                       <a:r>
-                        <a:rPr lang="ko-KR" altLang="en-US" sz="600" u="none" strike="noStrike">
+                        <a:rPr lang="ko-KR" altLang="en-US" sz="1000" u="none" strike="noStrike">
                           <a:effectLst/>
                         </a:rPr>
                         <a:t>　</a:t>
                       </a:r>
-                      <a:endParaRPr lang="ko-KR" altLang="en-US" sz="600" b="0" i="0" u="none" strike="noStrike">
+                      <a:endParaRPr lang="ko-KR" altLang="en-US" sz="1000" b="0" i="0" u="none" strike="noStrike">
                         <a:solidFill>
                           <a:srgbClr val="000000"/>
                         </a:solidFill>
                         <a:effectLst/>
-                        <a:latin typeface="맑은 고딕" panose="020B0503020000020004" pitchFamily="50" charset="-127"/>
+                        <a:latin typeface="Tahoma" panose="020B0604030504040204" pitchFamily="34" charset="0"/>
                         <a:ea typeface="맑은 고딕" panose="020B0503020000020004" pitchFamily="50" charset="-127"/>
                       </a:endParaRPr>
                     </a:p>
                   </a:txBody>
-                  <a:tcPr marL="5599" marR="5599" marT="5599" marB="0" anchor="ctr"/>
+                  <a:tcPr marL="6584" marR="6584" marT="6584" marB="0" anchor="ctr"/>
                 </a:tc>
                 <a:extLst>
                   <a:ext uri="{0D108BD9-81ED-4DB2-BD59-A6C34878D82A}">
-                    <a16:rowId xmlns:a16="http://schemas.microsoft.com/office/drawing/2014/main" val="542795846"/>
+                    <a16:rowId xmlns:a16="http://schemas.microsoft.com/office/drawing/2014/main" val="3320079096"/>
                   </a:ext>
                 </a:extLst>
               </a:tr>
-              <a:tr h="123172">
+              <a:tr h="195601">
                 <a:tc>
                   <a:txBody>
                     <a:bodyPr/>
                     <a:lstStyle/>
                     <a:p>
-                      <a:pPr algn="l" fontAlgn="ctr"/>
+                      <a:pPr algn="l" rtl="0" fontAlgn="ctr"/>
                       <a:r>
-                        <a:rPr lang="ko-KR" altLang="en-US" sz="600" u="none" strike="noStrike">
+                        <a:rPr lang="ko-KR" altLang="en-US" sz="1000" u="none" strike="noStrike">
                           <a:effectLst/>
                         </a:rPr>
-                        <a:t>　</a:t>
+                        <a:t>외부주소</a:t>
                       </a:r>
-                      <a:endParaRPr lang="ko-KR" altLang="en-US" sz="600" b="0" i="0" u="none" strike="noStrike">
+                      <a:endParaRPr lang="ko-KR" altLang="en-US" sz="1000" b="0" i="0" u="none" strike="noStrike">
                         <a:solidFill>
                           <a:srgbClr val="000000"/>
                         </a:solidFill>
                         <a:effectLst/>
-                        <a:latin typeface="맑은 고딕" panose="020B0503020000020004" pitchFamily="50" charset="-127"/>
+                        <a:latin typeface="Tahoma" panose="020B0604030504040204" pitchFamily="34" charset="0"/>
                         <a:ea typeface="맑은 고딕" panose="020B0503020000020004" pitchFamily="50" charset="-127"/>
                       </a:endParaRPr>
                     </a:p>
                   </a:txBody>
-                  <a:tcPr marL="5599" marR="5599" marT="5599" marB="0" anchor="ctr"/>
+                  <a:tcPr marL="6584" marR="6584" marT="6584" marB="0" anchor="ctr"/>
                 </a:tc>
                 <a:tc>
                   <a:txBody>
                     <a:bodyPr/>
                     <a:lstStyle/>
                     <a:p>
-                      <a:pPr algn="l" fontAlgn="ctr"/>
+                      <a:pPr algn="l" rtl="0" fontAlgn="ctr"/>
                       <a:r>
-                        <a:rPr lang="ko-KR" altLang="en-US" sz="600" u="none" strike="noStrike">
+                        <a:rPr lang="en-US" sz="1000" u="none" strike="noStrike">
                           <a:effectLst/>
                         </a:rPr>
-                        <a:t>　</a:t>
+                        <a:t>S3_STOPPER.RET</a:t>
                       </a:r>
-                      <a:endParaRPr lang="ko-KR" altLang="en-US" sz="600" b="0" i="0" u="none" strike="noStrike">
+                      <a:endParaRPr lang="en-US" sz="1000" b="0" i="0" u="none" strike="noStrike">
                         <a:solidFill>
                           <a:srgbClr val="000000"/>
                         </a:solidFill>
                         <a:effectLst/>
-                        <a:latin typeface="맑은 고딕" panose="020B0503020000020004" pitchFamily="50" charset="-127"/>
+                        <a:latin typeface="Tahoma" panose="020B0604030504040204" pitchFamily="34" charset="0"/>
                         <a:ea typeface="맑은 고딕" panose="020B0503020000020004" pitchFamily="50" charset="-127"/>
                       </a:endParaRPr>
                     </a:p>
                   </a:txBody>
-                  <a:tcPr marL="5599" marR="5599" marT="5599" marB="0" anchor="ctr"/>
+                  <a:tcPr marL="6584" marR="6584" marT="6584" marB="0" anchor="ctr"/>
                 </a:tc>
                 <a:tc>
                   <a:txBody>
                     <a:bodyPr/>
                     <a:lstStyle/>
                     <a:p>
-                      <a:pPr algn="l" fontAlgn="ctr"/>
+                      <a:pPr algn="l" rtl="0" fontAlgn="ctr"/>
                       <a:r>
-                        <a:rPr lang="ko-KR" altLang="en-US" sz="600" u="none" strike="noStrike">
+                        <a:rPr lang="en-US" sz="1000" u="none" strike="noStrike">
                           <a:effectLst/>
                         </a:rPr>
-                        <a:t>　</a:t>
+                        <a:t>bool</a:t>
                       </a:r>
-                      <a:endParaRPr lang="ko-KR" altLang="en-US" sz="600" b="0" i="0" u="none" strike="noStrike">
+                      <a:endParaRPr lang="en-US" sz="1000" b="0" i="0" u="none" strike="noStrike">
                         <a:solidFill>
                           <a:srgbClr val="000000"/>
                         </a:solidFill>
                         <a:effectLst/>
-                        <a:latin typeface="맑은 고딕" panose="020B0503020000020004" pitchFamily="50" charset="-127"/>
+                        <a:latin typeface="Tahoma" panose="020B0604030504040204" pitchFamily="34" charset="0"/>
                         <a:ea typeface="맑은 고딕" panose="020B0503020000020004" pitchFamily="50" charset="-127"/>
                       </a:endParaRPr>
                     </a:p>
                   </a:txBody>
-                  <a:tcPr marL="5599" marR="5599" marT="5599" marB="0" anchor="ctr"/>
+                  <a:tcPr marL="6584" marR="6584" marT="6584" marB="0" anchor="ctr"/>
                 </a:tc>
                 <a:tc>
                   <a:txBody>
                     <a:bodyPr/>
                     <a:lstStyle/>
                     <a:p>
-                      <a:pPr algn="ctr" fontAlgn="b"/>
-                      <a:endParaRPr lang="ko-KR" altLang="en-US" sz="600" b="0" i="0" u="none" strike="noStrike">
+                      <a:pPr algn="l" rtl="0" fontAlgn="ctr"/>
+                      <a:r>
+                        <a:rPr lang="en-US" sz="1000" u="none" strike="noStrike">
+                          <a:effectLst/>
+                        </a:rPr>
+                        <a:t>I1.4</a:t>
+                      </a:r>
+                      <a:endParaRPr lang="en-US" sz="1000" b="0" i="0" u="none" strike="noStrike">
                         <a:solidFill>
                           <a:srgbClr val="000000"/>
                         </a:solidFill>
                         <a:effectLst/>
-                        <a:latin typeface="맑은 고딕" panose="020B0503020000020004" pitchFamily="50" charset="-127"/>
+                        <a:latin typeface="Tahoma" panose="020B0604030504040204" pitchFamily="34" charset="0"/>
                         <a:ea typeface="맑은 고딕" panose="020B0503020000020004" pitchFamily="50" charset="-127"/>
                       </a:endParaRPr>
                     </a:p>
                   </a:txBody>
-                  <a:tcPr marL="5599" marR="5599" marT="5599" marB="0" anchor="b"/>
+                  <a:tcPr marL="6584" marR="6584" marT="6584" marB="0" anchor="ctr"/>
                 </a:tc>
                 <a:tc>
                   <a:txBody>
                     <a:bodyPr/>
                     <a:lstStyle/>
                     <a:p>
-                      <a:pPr algn="l" fontAlgn="ctr"/>
+                      <a:pPr algn="l" rtl="0" fontAlgn="ctr"/>
                       <a:r>
-                        <a:rPr lang="ko-KR" altLang="en-US" sz="600" u="none" strike="noStrike">
+                        <a:rPr lang="en-US" sz="1000" u="none" strike="noStrike">
                           <a:effectLst/>
                         </a:rPr>
-                        <a:t>　</a:t>
+                        <a:t>O1.2</a:t>
                       </a:r>
-                      <a:endParaRPr lang="ko-KR" altLang="en-US" sz="600" b="0" i="0" u="none" strike="noStrike">
+                      <a:endParaRPr lang="en-US" sz="1000" b="0" i="0" u="none" strike="noStrike">
                         <a:solidFill>
                           <a:srgbClr val="000000"/>
                         </a:solidFill>
                         <a:effectLst/>
-                        <a:latin typeface="맑은 고딕" panose="020B0503020000020004" pitchFamily="50" charset="-127"/>
+                        <a:latin typeface="Tahoma" panose="020B0604030504040204" pitchFamily="34" charset="0"/>
                         <a:ea typeface="맑은 고딕" panose="020B0503020000020004" pitchFamily="50" charset="-127"/>
                       </a:endParaRPr>
                     </a:p>
                   </a:txBody>
-                  <a:tcPr marL="5599" marR="5599" marT="5599" marB="0" anchor="ctr"/>
+                  <a:tcPr marL="6584" marR="6584" marT="6584" marB="0" anchor="ctr"/>
                 </a:tc>
                 <a:tc>
                   <a:txBody>
                     <a:bodyPr/>
                     <a:lstStyle/>
                     <a:p>
-                      <a:pPr algn="l" fontAlgn="ctr"/>
+                      <a:pPr algn="l" rtl="0" fontAlgn="ctr"/>
                       <a:r>
-                        <a:rPr lang="ko-KR" altLang="en-US" sz="600" u="none" strike="noStrike">
+                        <a:rPr lang="en-US" sz="1000" u="none" strike="noStrike">
                           <a:effectLst/>
                         </a:rPr>
-                        <a:t>　</a:t>
+                        <a:t>S3_STOPPER_RET</a:t>
                       </a:r>
-                      <a:endParaRPr lang="ko-KR" altLang="en-US" sz="600" b="0" i="0" u="none" strike="noStrike">
+                      <a:endParaRPr lang="en-US" sz="1000" b="0" i="0" u="none" strike="noStrike">
                         <a:solidFill>
                           <a:srgbClr val="000000"/>
                         </a:solidFill>
                         <a:effectLst/>
-                        <a:latin typeface="맑은 고딕" panose="020B0503020000020004" pitchFamily="50" charset="-127"/>
+                        <a:latin typeface="Tahoma" panose="020B0604030504040204" pitchFamily="34" charset="0"/>
                         <a:ea typeface="맑은 고딕" panose="020B0503020000020004" pitchFamily="50" charset="-127"/>
                       </a:endParaRPr>
                     </a:p>
                   </a:txBody>
-                  <a:tcPr marL="5599" marR="5599" marT="5599" marB="0" anchor="ctr"/>
+                  <a:tcPr marL="6584" marR="6584" marT="6584" marB="0" anchor="ctr"/>
                 </a:tc>
                 <a:tc>
                   <a:txBody>
                     <a:bodyPr/>
                     <a:lstStyle/>
                     <a:p>
-                      <a:pPr algn="l" fontAlgn="ctr"/>
+                      <a:pPr algn="l" rtl="0" fontAlgn="ctr"/>
                       <a:r>
-                        <a:rPr lang="ko-KR" altLang="en-US" sz="600" u="none" strike="noStrike">
+                        <a:rPr lang="ko-KR" altLang="en-US" sz="1000" u="none" strike="noStrike">
                           <a:effectLst/>
                         </a:rPr>
                         <a:t>　</a:t>
                       </a:r>
-                      <a:endParaRPr lang="ko-KR" altLang="en-US" sz="600" b="0" i="0" u="none" strike="noStrike">
+                      <a:endParaRPr lang="ko-KR" altLang="en-US" sz="1000" b="0" i="0" u="none" strike="noStrike">
                         <a:solidFill>
                           <a:srgbClr val="000000"/>
                         </a:solidFill>
                         <a:effectLst/>
-                        <a:latin typeface="맑은 고딕" panose="020B0503020000020004" pitchFamily="50" charset="-127"/>
+                        <a:latin typeface="Tahoma" panose="020B0604030504040204" pitchFamily="34" charset="0"/>
                         <a:ea typeface="맑은 고딕" panose="020B0503020000020004" pitchFamily="50" charset="-127"/>
                       </a:endParaRPr>
                     </a:p>
                   </a:txBody>
-                  <a:tcPr marL="5599" marR="5599" marT="5599" marB="0" anchor="ctr"/>
+                  <a:tcPr marL="6584" marR="6584" marT="6584" marB="0" anchor="ctr"/>
                 </a:tc>
                 <a:extLst>
                   <a:ext uri="{0D108BD9-81ED-4DB2-BD59-A6C34878D82A}">
-                    <a16:rowId xmlns:a16="http://schemas.microsoft.com/office/drawing/2014/main" val="3047669996"/>
+                    <a16:rowId xmlns:a16="http://schemas.microsoft.com/office/drawing/2014/main" val="2099800912"/>
                   </a:ext>
                 </a:extLst>
               </a:tr>
-              <a:tr h="123172">
+              <a:tr h="195601">
                 <a:tc>
                   <a:txBody>
                     <a:bodyPr/>
                     <a:lstStyle/>
                     <a:p>
-                      <a:pPr algn="l" fontAlgn="ctr"/>
+                      <a:pPr algn="l" rtl="0" fontAlgn="ctr"/>
                       <a:r>
-                        <a:rPr lang="ko-KR" altLang="en-US" sz="600" u="none" strike="noStrike">
+                        <a:rPr lang="ko-KR" altLang="en-US" sz="1000" u="none" strike="noStrike">
                           <a:effectLst/>
                         </a:rPr>
-                        <a:t>내부변수</a:t>
+                        <a:t>외부주소</a:t>
                       </a:r>
-                      <a:endParaRPr lang="ko-KR" altLang="en-US" sz="600" b="0" i="0" u="none" strike="noStrike">
+                      <a:endParaRPr lang="ko-KR" altLang="en-US" sz="1000" b="0" i="0" u="none" strike="noStrike">
                         <a:solidFill>
                           <a:srgbClr val="000000"/>
                         </a:solidFill>
                         <a:effectLst/>
-                        <a:latin typeface="맑은 고딕" panose="020B0503020000020004" pitchFamily="50" charset="-127"/>
+                        <a:latin typeface="Tahoma" panose="020B0604030504040204" pitchFamily="34" charset="0"/>
                         <a:ea typeface="맑은 고딕" panose="020B0503020000020004" pitchFamily="50" charset="-127"/>
                       </a:endParaRPr>
                     </a:p>
                   </a:txBody>
-                  <a:tcPr marL="5599" marR="5599" marT="5599" marB="0" anchor="ctr"/>
+                  <a:tcPr marL="6584" marR="6584" marT="6584" marB="0" anchor="ctr"/>
                 </a:tc>
                 <a:tc>
                   <a:txBody>
                     <a:bodyPr/>
                     <a:lstStyle/>
                     <a:p>
-                      <a:pPr algn="l" fontAlgn="ctr"/>
+                      <a:pPr algn="l" rtl="0" fontAlgn="ctr"/>
                       <a:r>
-                        <a:rPr lang="ko-KR" altLang="en-US" sz="600" u="none" strike="noStrike">
+                        <a:rPr lang="en-US" sz="1000" u="none" strike="noStrike">
                           <a:effectLst/>
                         </a:rPr>
-                        <a:t>　</a:t>
+                        <a:t>S3_USB.ADV</a:t>
                       </a:r>
-                      <a:endParaRPr lang="ko-KR" altLang="en-US" sz="600" b="0" i="0" u="none" strike="noStrike">
+                      <a:endParaRPr lang="en-US" sz="1000" b="0" i="0" u="none" strike="noStrike">
                         <a:solidFill>
                           <a:srgbClr val="000000"/>
                         </a:solidFill>
                         <a:effectLst/>
-                        <a:latin typeface="맑은 고딕" panose="020B0503020000020004" pitchFamily="50" charset="-127"/>
+                        <a:latin typeface="Tahoma" panose="020B0604030504040204" pitchFamily="34" charset="0"/>
                         <a:ea typeface="맑은 고딕" panose="020B0503020000020004" pitchFamily="50" charset="-127"/>
                       </a:endParaRPr>
                     </a:p>
                   </a:txBody>
-                  <a:tcPr marL="5599" marR="5599" marT="5599" marB="0" anchor="ctr"/>
+                  <a:tcPr marL="6584" marR="6584" marT="6584" marB="0" anchor="ctr"/>
                 </a:tc>
                 <a:tc>
                   <a:txBody>
                     <a:bodyPr/>
                     <a:lstStyle/>
                     <a:p>
-                      <a:pPr algn="l" fontAlgn="ctr"/>
+                      <a:pPr algn="l" rtl="0" fontAlgn="ctr"/>
                       <a:r>
-                        <a:rPr lang="ko-KR" altLang="en-US" sz="600" u="none" strike="noStrike">
+                        <a:rPr lang="en-US" sz="1000" u="none" strike="noStrike">
                           <a:effectLst/>
                         </a:rPr>
-                        <a:t>　</a:t>
+                        <a:t>bool</a:t>
                       </a:r>
-                      <a:endParaRPr lang="ko-KR" altLang="en-US" sz="600" b="0" i="0" u="none" strike="noStrike">
+                      <a:endParaRPr lang="en-US" sz="1000" b="0" i="0" u="none" strike="noStrike">
                         <a:solidFill>
                           <a:srgbClr val="000000"/>
                         </a:solidFill>
                         <a:effectLst/>
-                        <a:latin typeface="맑은 고딕" panose="020B0503020000020004" pitchFamily="50" charset="-127"/>
+                        <a:latin typeface="Tahoma" panose="020B0604030504040204" pitchFamily="34" charset="0"/>
                         <a:ea typeface="맑은 고딕" panose="020B0503020000020004" pitchFamily="50" charset="-127"/>
                       </a:endParaRPr>
                     </a:p>
                   </a:txBody>
-                  <a:tcPr marL="5599" marR="5599" marT="5599" marB="0" anchor="ctr"/>
+                  <a:tcPr marL="6584" marR="6584" marT="6584" marB="0" anchor="ctr"/>
                 </a:tc>
                 <a:tc>
                   <a:txBody>
                     <a:bodyPr/>
                     <a:lstStyle/>
                     <a:p>
-                      <a:pPr algn="ctr" fontAlgn="b"/>
-                      <a:endParaRPr lang="ko-KR" altLang="en-US" sz="600" b="0" i="0" u="none" strike="noStrike">
+                      <a:pPr algn="l" rtl="0" fontAlgn="ctr"/>
+                      <a:r>
+                        <a:rPr lang="en-US" sz="1000" u="none" strike="noStrike">
+                          <a:effectLst/>
+                        </a:rPr>
+                        <a:t>I1.7</a:t>
+                      </a:r>
+                      <a:endParaRPr lang="en-US" sz="1000" b="0" i="0" u="none" strike="noStrike">
                         <a:solidFill>
                           <a:srgbClr val="000000"/>
                         </a:solidFill>
                         <a:effectLst/>
-                        <a:latin typeface="맑은 고딕" panose="020B0503020000020004" pitchFamily="50" charset="-127"/>
+                        <a:latin typeface="Tahoma" panose="020B0604030504040204" pitchFamily="34" charset="0"/>
                         <a:ea typeface="맑은 고딕" panose="020B0503020000020004" pitchFamily="50" charset="-127"/>
                       </a:endParaRPr>
                     </a:p>
                   </a:txBody>
-                  <a:tcPr marL="5599" marR="5599" marT="5599" marB="0" anchor="b"/>
+                  <a:tcPr marL="6584" marR="6584" marT="6584" marB="0" anchor="ctr"/>
                 </a:tc>
                 <a:tc>
                   <a:txBody>
                     <a:bodyPr/>
                     <a:lstStyle/>
                     <a:p>
-                      <a:pPr algn="l" fontAlgn="ctr"/>
+                      <a:pPr algn="l" rtl="0" fontAlgn="ctr"/>
                       <a:r>
-                        <a:rPr lang="ko-KR" altLang="en-US" sz="600" u="none" strike="noStrike">
+                        <a:rPr lang="en-US" sz="1000" u="none" strike="noStrike">
                           <a:effectLst/>
                         </a:rPr>
-                        <a:t>　</a:t>
+                        <a:t>O1.5</a:t>
                       </a:r>
-                      <a:endParaRPr lang="ko-KR" altLang="en-US" sz="600" b="0" i="0" u="none" strike="noStrike">
+                      <a:endParaRPr lang="en-US" sz="1000" b="0" i="0" u="none" strike="noStrike">
                         <a:solidFill>
                           <a:srgbClr val="000000"/>
                         </a:solidFill>
                         <a:effectLst/>
-                        <a:latin typeface="맑은 고딕" panose="020B0503020000020004" pitchFamily="50" charset="-127"/>
+                        <a:latin typeface="Tahoma" panose="020B0604030504040204" pitchFamily="34" charset="0"/>
                         <a:ea typeface="맑은 고딕" panose="020B0503020000020004" pitchFamily="50" charset="-127"/>
                       </a:endParaRPr>
                     </a:p>
                   </a:txBody>
-                  <a:tcPr marL="5599" marR="5599" marT="5599" marB="0" anchor="ctr"/>
+                  <a:tcPr marL="6584" marR="6584" marT="6584" marB="0" anchor="ctr"/>
                 </a:tc>
                 <a:tc>
                   <a:txBody>
                     <a:bodyPr/>
                     <a:lstStyle/>
                     <a:p>
-                      <a:pPr algn="l" fontAlgn="ctr"/>
+                      <a:pPr algn="l" rtl="0" fontAlgn="ctr"/>
                       <a:r>
-                        <a:rPr lang="ko-KR" altLang="en-US" sz="600" u="none" strike="noStrike">
+                        <a:rPr lang="en-US" sz="1000" u="none" strike="noStrike">
                           <a:effectLst/>
                         </a:rPr>
-                        <a:t>　</a:t>
+                        <a:t>S3_USB_ADV</a:t>
                       </a:r>
-                      <a:endParaRPr lang="ko-KR" altLang="en-US" sz="600" b="0" i="0" u="none" strike="noStrike">
+                      <a:endParaRPr lang="en-US" sz="1000" b="0" i="0" u="none" strike="noStrike">
                         <a:solidFill>
                           <a:srgbClr val="000000"/>
                         </a:solidFill>
                         <a:effectLst/>
-                        <a:latin typeface="맑은 고딕" panose="020B0503020000020004" pitchFamily="50" charset="-127"/>
+                        <a:latin typeface="Tahoma" panose="020B0604030504040204" pitchFamily="34" charset="0"/>
                         <a:ea typeface="맑은 고딕" panose="020B0503020000020004" pitchFamily="50" charset="-127"/>
                       </a:endParaRPr>
                     </a:p>
                   </a:txBody>
-                  <a:tcPr marL="5599" marR="5599" marT="5599" marB="0" anchor="ctr"/>
+                  <a:tcPr marL="6584" marR="6584" marT="6584" marB="0" anchor="ctr"/>
                 </a:tc>
                 <a:tc>
                   <a:txBody>
                     <a:bodyPr/>
                     <a:lstStyle/>
                     <a:p>
-                      <a:pPr algn="l" fontAlgn="ctr"/>
+                      <a:pPr algn="l" rtl="0" fontAlgn="ctr"/>
                       <a:r>
-                        <a:rPr lang="ko-KR" altLang="en-US" sz="600" u="none" strike="noStrike">
+                        <a:rPr lang="ko-KR" altLang="en-US" sz="1000" u="none" strike="noStrike">
                           <a:effectLst/>
                         </a:rPr>
                         <a:t>　</a:t>
                       </a:r>
-                      <a:endParaRPr lang="ko-KR" altLang="en-US" sz="600" b="0" i="0" u="none" strike="noStrike">
+                      <a:endParaRPr lang="ko-KR" altLang="en-US" sz="1000" b="0" i="0" u="none" strike="noStrike">
                         <a:solidFill>
                           <a:srgbClr val="000000"/>
                         </a:solidFill>
                         <a:effectLst/>
-                        <a:latin typeface="맑은 고딕" panose="020B0503020000020004" pitchFamily="50" charset="-127"/>
+                        <a:latin typeface="Tahoma" panose="020B0604030504040204" pitchFamily="34" charset="0"/>
                         <a:ea typeface="맑은 고딕" panose="020B0503020000020004" pitchFamily="50" charset="-127"/>
                       </a:endParaRPr>
                     </a:p>
                   </a:txBody>
-                  <a:tcPr marL="5599" marR="5599" marT="5599" marB="0" anchor="ctr"/>
+                  <a:tcPr marL="6584" marR="6584" marT="6584" marB="0" anchor="ctr"/>
                 </a:tc>
                 <a:extLst>
                   <a:ext uri="{0D108BD9-81ED-4DB2-BD59-A6C34878D82A}">
-                    <a16:rowId xmlns:a16="http://schemas.microsoft.com/office/drawing/2014/main" val="1081419857"/>
+                    <a16:rowId xmlns:a16="http://schemas.microsoft.com/office/drawing/2014/main" val="1645201067"/>
                   </a:ext>
                 </a:extLst>
               </a:tr>
-              <a:tr h="123172">
+              <a:tr h="195601">
                 <a:tc>
                   <a:txBody>
                     <a:bodyPr/>
                     <a:lstStyle/>
                     <a:p>
-                      <a:pPr algn="l" fontAlgn="ctr"/>
+                      <a:pPr algn="l" rtl="0" fontAlgn="ctr"/>
                       <a:r>
-                        <a:rPr lang="ko-KR" altLang="en-US" sz="600" u="none" strike="noStrike">
+                        <a:rPr lang="ko-KR" altLang="en-US" sz="1000" u="none" strike="noStrike">
                           <a:effectLst/>
                         </a:rPr>
-                        <a:t>　</a:t>
+                        <a:t>외부주소</a:t>
                       </a:r>
-                      <a:endParaRPr lang="ko-KR" altLang="en-US" sz="600" b="0" i="0" u="none" strike="noStrike">
+                      <a:endParaRPr lang="ko-KR" altLang="en-US" sz="1000" b="0" i="0" u="none" strike="noStrike">
                         <a:solidFill>
                           <a:srgbClr val="000000"/>
                         </a:solidFill>
                         <a:effectLst/>
-                        <a:latin typeface="맑은 고딕" panose="020B0503020000020004" pitchFamily="50" charset="-127"/>
+                        <a:latin typeface="Tahoma" panose="020B0604030504040204" pitchFamily="34" charset="0"/>
                         <a:ea typeface="맑은 고딕" panose="020B0503020000020004" pitchFamily="50" charset="-127"/>
                       </a:endParaRPr>
                     </a:p>
                   </a:txBody>
-                  <a:tcPr marL="5599" marR="5599" marT="5599" marB="0" anchor="ctr"/>
+                  <a:tcPr marL="6584" marR="6584" marT="6584" marB="0" anchor="ctr"/>
                 </a:tc>
                 <a:tc>
                   <a:txBody>
                     <a:bodyPr/>
                     <a:lstStyle/>
                     <a:p>
-                      <a:pPr algn="l" fontAlgn="ctr"/>
+                      <a:pPr algn="l" rtl="0" fontAlgn="ctr"/>
                       <a:r>
-                        <a:rPr lang="ko-KR" altLang="en-US" sz="600" u="none" strike="noStrike">
+                        <a:rPr lang="en-US" sz="1000" u="none" strike="noStrike">
                           <a:effectLst/>
                         </a:rPr>
-                        <a:t>　</a:t>
+                        <a:t>S3_USB.RET</a:t>
                       </a:r>
-                      <a:endParaRPr lang="ko-KR" altLang="en-US" sz="600" b="0" i="0" u="none" strike="noStrike">
+                      <a:endParaRPr lang="en-US" sz="1000" b="0" i="0" u="none" strike="noStrike">
                         <a:solidFill>
                           <a:srgbClr val="000000"/>
                         </a:solidFill>
                         <a:effectLst/>
-                        <a:latin typeface="맑은 고딕" panose="020B0503020000020004" pitchFamily="50" charset="-127"/>
+                        <a:latin typeface="Tahoma" panose="020B0604030504040204" pitchFamily="34" charset="0"/>
                         <a:ea typeface="맑은 고딕" panose="020B0503020000020004" pitchFamily="50" charset="-127"/>
                       </a:endParaRPr>
                     </a:p>
                   </a:txBody>
-                  <a:tcPr marL="5599" marR="5599" marT="5599" marB="0" anchor="ctr"/>
+                  <a:tcPr marL="6584" marR="6584" marT="6584" marB="0" anchor="ctr"/>
                 </a:tc>
                 <a:tc>
                   <a:txBody>
                     <a:bodyPr/>
                     <a:lstStyle/>
                     <a:p>
-                      <a:pPr algn="l" fontAlgn="ctr"/>
+                      <a:pPr algn="l" rtl="0" fontAlgn="ctr"/>
                       <a:r>
-                        <a:rPr lang="ko-KR" altLang="en-US" sz="600" u="none" strike="noStrike">
+                        <a:rPr lang="en-US" sz="1000" u="none" strike="noStrike">
                           <a:effectLst/>
                         </a:rPr>
-                        <a:t>　</a:t>
+                        <a:t>bool</a:t>
                       </a:r>
-                      <a:endParaRPr lang="ko-KR" altLang="en-US" sz="600" b="0" i="0" u="none" strike="noStrike">
+                      <a:endParaRPr lang="en-US" sz="1000" b="0" i="0" u="none" strike="noStrike">
                         <a:solidFill>
                           <a:srgbClr val="000000"/>
                         </a:solidFill>
                         <a:effectLst/>
-                        <a:latin typeface="맑은 고딕" panose="020B0503020000020004" pitchFamily="50" charset="-127"/>
+                        <a:latin typeface="Tahoma" panose="020B0604030504040204" pitchFamily="34" charset="0"/>
                         <a:ea typeface="맑은 고딕" panose="020B0503020000020004" pitchFamily="50" charset="-127"/>
                       </a:endParaRPr>
                     </a:p>
                   </a:txBody>
-                  <a:tcPr marL="5599" marR="5599" marT="5599" marB="0" anchor="ctr"/>
+                  <a:tcPr marL="6584" marR="6584" marT="6584" marB="0" anchor="ctr"/>
                 </a:tc>
                 <a:tc>
                   <a:txBody>
                     <a:bodyPr/>
                     <a:lstStyle/>
                     <a:p>
-                      <a:pPr algn="ctr" fontAlgn="b"/>
-                      <a:endParaRPr lang="ko-KR" altLang="en-US" sz="600" b="0" i="0" u="none" strike="noStrike">
+                      <a:pPr algn="l" rtl="0" fontAlgn="ctr"/>
+                      <a:r>
+                        <a:rPr lang="en-US" sz="1000" u="none" strike="noStrike">
+                          <a:effectLst/>
+                        </a:rPr>
+                        <a:t>I1.6</a:t>
+                      </a:r>
+                      <a:endParaRPr lang="en-US" sz="1000" b="0" i="0" u="none" strike="noStrike">
                         <a:solidFill>
                           <a:srgbClr val="000000"/>
                         </a:solidFill>
                         <a:effectLst/>
-                        <a:latin typeface="맑은 고딕" panose="020B0503020000020004" pitchFamily="50" charset="-127"/>
+                        <a:latin typeface="Tahoma" panose="020B0604030504040204" pitchFamily="34" charset="0"/>
                         <a:ea typeface="맑은 고딕" panose="020B0503020000020004" pitchFamily="50" charset="-127"/>
                       </a:endParaRPr>
                     </a:p>
                   </a:txBody>
-                  <a:tcPr marL="5599" marR="5599" marT="5599" marB="0" anchor="b"/>
+                  <a:tcPr marL="6584" marR="6584" marT="6584" marB="0" anchor="ctr"/>
                 </a:tc>
                 <a:tc>
                   <a:txBody>
                     <a:bodyPr/>
                     <a:lstStyle/>
                     <a:p>
-                      <a:pPr algn="l" fontAlgn="ctr"/>
+                      <a:pPr algn="l" rtl="0" fontAlgn="ctr"/>
                       <a:r>
-                        <a:rPr lang="ko-KR" altLang="en-US" sz="600" u="none" strike="noStrike">
+                        <a:rPr lang="en-US" sz="1000" u="none" strike="noStrike">
                           <a:effectLst/>
                         </a:rPr>
-                        <a:t>　</a:t>
+                        <a:t>O1.4</a:t>
                       </a:r>
-                      <a:endParaRPr lang="ko-KR" altLang="en-US" sz="600" b="0" i="0" u="none" strike="noStrike">
+                      <a:endParaRPr lang="en-US" sz="1000" b="0" i="0" u="none" strike="noStrike">
                         <a:solidFill>
                           <a:srgbClr val="000000"/>
                         </a:solidFill>
                         <a:effectLst/>
-                        <a:latin typeface="맑은 고딕" panose="020B0503020000020004" pitchFamily="50" charset="-127"/>
+                        <a:latin typeface="Tahoma" panose="020B0604030504040204" pitchFamily="34" charset="0"/>
                         <a:ea typeface="맑은 고딕" panose="020B0503020000020004" pitchFamily="50" charset="-127"/>
                       </a:endParaRPr>
                     </a:p>
                   </a:txBody>
-                  <a:tcPr marL="5599" marR="5599" marT="5599" marB="0" anchor="ctr"/>
+                  <a:tcPr marL="6584" marR="6584" marT="6584" marB="0" anchor="ctr"/>
                 </a:tc>
                 <a:tc>
                   <a:txBody>
                     <a:bodyPr/>
                     <a:lstStyle/>
                     <a:p>
-                      <a:pPr algn="l" fontAlgn="ctr"/>
+                      <a:pPr algn="l" rtl="0" fontAlgn="ctr"/>
                       <a:r>
-                        <a:rPr lang="ko-KR" altLang="en-US" sz="600" u="none" strike="noStrike">
+                        <a:rPr lang="en-US" sz="1000" u="none" strike="noStrike">
                           <a:effectLst/>
                         </a:rPr>
-                        <a:t>　</a:t>
+                        <a:t>S3_USB_RET</a:t>
                       </a:r>
-                      <a:endParaRPr lang="ko-KR" altLang="en-US" sz="600" b="0" i="0" u="none" strike="noStrike">
+                      <a:endParaRPr lang="en-US" sz="1000" b="0" i="0" u="none" strike="noStrike">
                         <a:solidFill>
                           <a:srgbClr val="000000"/>
                         </a:solidFill>
                         <a:effectLst/>
-                        <a:latin typeface="맑은 고딕" panose="020B0503020000020004" pitchFamily="50" charset="-127"/>
+                        <a:latin typeface="Tahoma" panose="020B0604030504040204" pitchFamily="34" charset="0"/>
                         <a:ea typeface="맑은 고딕" panose="020B0503020000020004" pitchFamily="50" charset="-127"/>
                       </a:endParaRPr>
                     </a:p>
                   </a:txBody>
-                  <a:tcPr marL="5599" marR="5599" marT="5599" marB="0" anchor="ctr"/>
+                  <a:tcPr marL="6584" marR="6584" marT="6584" marB="0" anchor="ctr"/>
                 </a:tc>
                 <a:tc>
                   <a:txBody>
                     <a:bodyPr/>
                     <a:lstStyle/>
                     <a:p>
-                      <a:pPr algn="l" fontAlgn="ctr"/>
+                      <a:pPr algn="l" rtl="0" fontAlgn="ctr"/>
                       <a:r>
-                        <a:rPr lang="ko-KR" altLang="en-US" sz="600" u="none" strike="noStrike" dirty="0">
+                        <a:rPr lang="ko-KR" altLang="en-US" sz="1000" u="none" strike="noStrike">
                           <a:effectLst/>
                         </a:rPr>
                         <a:t>　</a:t>
                       </a:r>
-                      <a:endParaRPr lang="ko-KR" altLang="en-US" sz="600" b="0" i="0" u="none" strike="noStrike" dirty="0">
+                      <a:endParaRPr lang="ko-KR" altLang="en-US" sz="1000" b="0" i="0" u="none" strike="noStrike">
                         <a:solidFill>
                           <a:srgbClr val="000000"/>
                         </a:solidFill>
                         <a:effectLst/>
-                        <a:latin typeface="맑은 고딕" panose="020B0503020000020004" pitchFamily="50" charset="-127"/>
+                        <a:latin typeface="Tahoma" panose="020B0604030504040204" pitchFamily="34" charset="0"/>
                         <a:ea typeface="맑은 고딕" panose="020B0503020000020004" pitchFamily="50" charset="-127"/>
                       </a:endParaRPr>
                     </a:p>
                   </a:txBody>
-                  <a:tcPr marL="5599" marR="5599" marT="5599" marB="0" anchor="ctr"/>
+                  <a:tcPr marL="6584" marR="6584" marT="6584" marB="0" anchor="ctr"/>
                 </a:tc>
                 <a:extLst>
                   <a:ext uri="{0D108BD9-81ED-4DB2-BD59-A6C34878D82A}">
-                    <a16:rowId xmlns:a16="http://schemas.microsoft.com/office/drawing/2014/main" val="2284248439"/>
+                    <a16:rowId xmlns:a16="http://schemas.microsoft.com/office/drawing/2014/main" val="2779453811"/>
+                  </a:ext>
+                </a:extLst>
+              </a:tr>
+              <a:tr h="195601">
+                <a:tc>
+                  <a:txBody>
+                    <a:bodyPr/>
+                    <a:lstStyle/>
+                    <a:p>
+                      <a:pPr algn="l" rtl="0" fontAlgn="ctr"/>
+                      <a:r>
+                        <a:rPr lang="ko-KR" altLang="en-US" sz="1000" u="none" strike="noStrike">
+                          <a:effectLst/>
+                        </a:rPr>
+                        <a:t>외부주소</a:t>
+                      </a:r>
+                      <a:endParaRPr lang="ko-KR" altLang="en-US" sz="1000" b="0" i="0" u="none" strike="noStrike">
+                        <a:solidFill>
+                          <a:srgbClr val="000000"/>
+                        </a:solidFill>
+                        <a:effectLst/>
+                        <a:latin typeface="Tahoma" panose="020B0604030504040204" pitchFamily="34" charset="0"/>
+                        <a:ea typeface="맑은 고딕" panose="020B0503020000020004" pitchFamily="50" charset="-127"/>
+                      </a:endParaRPr>
+                    </a:p>
+                  </a:txBody>
+                  <a:tcPr marL="6584" marR="6584" marT="6584" marB="0" anchor="ctr"/>
+                </a:tc>
+                <a:tc>
+                  <a:txBody>
+                    <a:bodyPr/>
+                    <a:lstStyle/>
+                    <a:p>
+                      <a:pPr algn="l" rtl="0" fontAlgn="ctr"/>
+                      <a:r>
+                        <a:rPr lang="en-US" sz="1000" u="none" strike="noStrike">
+                          <a:effectLst/>
+                        </a:rPr>
+                        <a:t>S4_STOPPER.ADV</a:t>
+                      </a:r>
+                      <a:endParaRPr lang="en-US" sz="1000" b="0" i="0" u="none" strike="noStrike">
+                        <a:solidFill>
+                          <a:srgbClr val="000000"/>
+                        </a:solidFill>
+                        <a:effectLst/>
+                        <a:latin typeface="Tahoma" panose="020B0604030504040204" pitchFamily="34" charset="0"/>
+                        <a:ea typeface="맑은 고딕" panose="020B0503020000020004" pitchFamily="50" charset="-127"/>
+                      </a:endParaRPr>
+                    </a:p>
+                  </a:txBody>
+                  <a:tcPr marL="6584" marR="6584" marT="6584" marB="0" anchor="ctr"/>
+                </a:tc>
+                <a:tc>
+                  <a:txBody>
+                    <a:bodyPr/>
+                    <a:lstStyle/>
+                    <a:p>
+                      <a:pPr algn="l" rtl="0" fontAlgn="ctr"/>
+                      <a:r>
+                        <a:rPr lang="en-US" sz="1000" u="none" strike="noStrike">
+                          <a:effectLst/>
+                        </a:rPr>
+                        <a:t>bool</a:t>
+                      </a:r>
+                      <a:endParaRPr lang="en-US" sz="1000" b="0" i="0" u="none" strike="noStrike">
+                        <a:solidFill>
+                          <a:srgbClr val="000000"/>
+                        </a:solidFill>
+                        <a:effectLst/>
+                        <a:latin typeface="Tahoma" panose="020B0604030504040204" pitchFamily="34" charset="0"/>
+                        <a:ea typeface="맑은 고딕" panose="020B0503020000020004" pitchFamily="50" charset="-127"/>
+                      </a:endParaRPr>
+                    </a:p>
+                  </a:txBody>
+                  <a:tcPr marL="6584" marR="6584" marT="6584" marB="0" anchor="ctr"/>
+                </a:tc>
+                <a:tc>
+                  <a:txBody>
+                    <a:bodyPr/>
+                    <a:lstStyle/>
+                    <a:p>
+                      <a:pPr algn="l" rtl="0" fontAlgn="ctr"/>
+                      <a:r>
+                        <a:rPr lang="en-US" sz="1000" u="none" strike="noStrike">
+                          <a:effectLst/>
+                        </a:rPr>
+                        <a:t>I2.1</a:t>
+                      </a:r>
+                      <a:endParaRPr lang="en-US" sz="1000" b="0" i="0" u="none" strike="noStrike">
+                        <a:solidFill>
+                          <a:srgbClr val="000000"/>
+                        </a:solidFill>
+                        <a:effectLst/>
+                        <a:latin typeface="Tahoma" panose="020B0604030504040204" pitchFamily="34" charset="0"/>
+                        <a:ea typeface="맑은 고딕" panose="020B0503020000020004" pitchFamily="50" charset="-127"/>
+                      </a:endParaRPr>
+                    </a:p>
+                  </a:txBody>
+                  <a:tcPr marL="6584" marR="6584" marT="6584" marB="0" anchor="ctr"/>
+                </a:tc>
+                <a:tc>
+                  <a:txBody>
+                    <a:bodyPr/>
+                    <a:lstStyle/>
+                    <a:p>
+                      <a:pPr algn="l" rtl="0" fontAlgn="ctr"/>
+                      <a:r>
+                        <a:rPr lang="en-US" sz="1000" u="none" strike="noStrike">
+                          <a:effectLst/>
+                        </a:rPr>
+                        <a:t>O1.7</a:t>
+                      </a:r>
+                      <a:endParaRPr lang="en-US" sz="1000" b="0" i="0" u="none" strike="noStrike">
+                        <a:solidFill>
+                          <a:srgbClr val="000000"/>
+                        </a:solidFill>
+                        <a:effectLst/>
+                        <a:latin typeface="Tahoma" panose="020B0604030504040204" pitchFamily="34" charset="0"/>
+                        <a:ea typeface="맑은 고딕" panose="020B0503020000020004" pitchFamily="50" charset="-127"/>
+                      </a:endParaRPr>
+                    </a:p>
+                  </a:txBody>
+                  <a:tcPr marL="6584" marR="6584" marT="6584" marB="0" anchor="ctr"/>
+                </a:tc>
+                <a:tc>
+                  <a:txBody>
+                    <a:bodyPr/>
+                    <a:lstStyle/>
+                    <a:p>
+                      <a:pPr algn="l" rtl="0" fontAlgn="ctr"/>
+                      <a:r>
+                        <a:rPr lang="en-US" sz="1000" u="none" strike="noStrike">
+                          <a:effectLst/>
+                        </a:rPr>
+                        <a:t>S4_STOPPER_ADV</a:t>
+                      </a:r>
+                      <a:endParaRPr lang="en-US" sz="1000" b="0" i="0" u="none" strike="noStrike">
+                        <a:solidFill>
+                          <a:srgbClr val="000000"/>
+                        </a:solidFill>
+                        <a:effectLst/>
+                        <a:latin typeface="Tahoma" panose="020B0604030504040204" pitchFamily="34" charset="0"/>
+                        <a:ea typeface="맑은 고딕" panose="020B0503020000020004" pitchFamily="50" charset="-127"/>
+                      </a:endParaRPr>
+                    </a:p>
+                  </a:txBody>
+                  <a:tcPr marL="6584" marR="6584" marT="6584" marB="0" anchor="ctr"/>
+                </a:tc>
+                <a:tc>
+                  <a:txBody>
+                    <a:bodyPr/>
+                    <a:lstStyle/>
+                    <a:p>
+                      <a:pPr algn="l" rtl="0" fontAlgn="ctr"/>
+                      <a:r>
+                        <a:rPr lang="ko-KR" altLang="en-US" sz="1000" u="none" strike="noStrike">
+                          <a:effectLst/>
+                        </a:rPr>
+                        <a:t>　</a:t>
+                      </a:r>
+                      <a:endParaRPr lang="ko-KR" altLang="en-US" sz="1000" b="0" i="0" u="none" strike="noStrike">
+                        <a:solidFill>
+                          <a:srgbClr val="000000"/>
+                        </a:solidFill>
+                        <a:effectLst/>
+                        <a:latin typeface="Tahoma" panose="020B0604030504040204" pitchFamily="34" charset="0"/>
+                        <a:ea typeface="맑은 고딕" panose="020B0503020000020004" pitchFamily="50" charset="-127"/>
+                      </a:endParaRPr>
+                    </a:p>
+                  </a:txBody>
+                  <a:tcPr marL="6584" marR="6584" marT="6584" marB="0" anchor="ctr"/>
+                </a:tc>
+                <a:extLst>
+                  <a:ext uri="{0D108BD9-81ED-4DB2-BD59-A6C34878D82A}">
+                    <a16:rowId xmlns:a16="http://schemas.microsoft.com/office/drawing/2014/main" val="1262475585"/>
+                  </a:ext>
+                </a:extLst>
+              </a:tr>
+              <a:tr h="195601">
+                <a:tc>
+                  <a:txBody>
+                    <a:bodyPr/>
+                    <a:lstStyle/>
+                    <a:p>
+                      <a:pPr algn="l" rtl="0" fontAlgn="ctr"/>
+                      <a:r>
+                        <a:rPr lang="ko-KR" altLang="en-US" sz="1000" u="none" strike="noStrike">
+                          <a:effectLst/>
+                        </a:rPr>
+                        <a:t>외부주소</a:t>
+                      </a:r>
+                      <a:endParaRPr lang="ko-KR" altLang="en-US" sz="1000" b="0" i="0" u="none" strike="noStrike">
+                        <a:solidFill>
+                          <a:srgbClr val="000000"/>
+                        </a:solidFill>
+                        <a:effectLst/>
+                        <a:latin typeface="Tahoma" panose="020B0604030504040204" pitchFamily="34" charset="0"/>
+                        <a:ea typeface="맑은 고딕" panose="020B0503020000020004" pitchFamily="50" charset="-127"/>
+                      </a:endParaRPr>
+                    </a:p>
+                  </a:txBody>
+                  <a:tcPr marL="6584" marR="6584" marT="6584" marB="0" anchor="ctr"/>
+                </a:tc>
+                <a:tc>
+                  <a:txBody>
+                    <a:bodyPr/>
+                    <a:lstStyle/>
+                    <a:p>
+                      <a:pPr algn="l" rtl="0" fontAlgn="ctr"/>
+                      <a:r>
+                        <a:rPr lang="en-US" sz="1000" u="none" strike="noStrike">
+                          <a:effectLst/>
+                        </a:rPr>
+                        <a:t>S4_STOPPER.RET</a:t>
+                      </a:r>
+                      <a:endParaRPr lang="en-US" sz="1000" b="0" i="0" u="none" strike="noStrike">
+                        <a:solidFill>
+                          <a:srgbClr val="000000"/>
+                        </a:solidFill>
+                        <a:effectLst/>
+                        <a:latin typeface="Tahoma" panose="020B0604030504040204" pitchFamily="34" charset="0"/>
+                        <a:ea typeface="맑은 고딕" panose="020B0503020000020004" pitchFamily="50" charset="-127"/>
+                      </a:endParaRPr>
+                    </a:p>
+                  </a:txBody>
+                  <a:tcPr marL="6584" marR="6584" marT="6584" marB="0" anchor="ctr"/>
+                </a:tc>
+                <a:tc>
+                  <a:txBody>
+                    <a:bodyPr/>
+                    <a:lstStyle/>
+                    <a:p>
+                      <a:pPr algn="l" rtl="0" fontAlgn="ctr"/>
+                      <a:r>
+                        <a:rPr lang="en-US" sz="1000" u="none" strike="noStrike">
+                          <a:effectLst/>
+                        </a:rPr>
+                        <a:t>bool</a:t>
+                      </a:r>
+                      <a:endParaRPr lang="en-US" sz="1000" b="0" i="0" u="none" strike="noStrike">
+                        <a:solidFill>
+                          <a:srgbClr val="000000"/>
+                        </a:solidFill>
+                        <a:effectLst/>
+                        <a:latin typeface="Tahoma" panose="020B0604030504040204" pitchFamily="34" charset="0"/>
+                        <a:ea typeface="맑은 고딕" panose="020B0503020000020004" pitchFamily="50" charset="-127"/>
+                      </a:endParaRPr>
+                    </a:p>
+                  </a:txBody>
+                  <a:tcPr marL="6584" marR="6584" marT="6584" marB="0" anchor="ctr"/>
+                </a:tc>
+                <a:tc>
+                  <a:txBody>
+                    <a:bodyPr/>
+                    <a:lstStyle/>
+                    <a:p>
+                      <a:pPr algn="l" rtl="0" fontAlgn="ctr"/>
+                      <a:r>
+                        <a:rPr lang="en-US" sz="1000" u="none" strike="noStrike">
+                          <a:effectLst/>
+                        </a:rPr>
+                        <a:t>I2.0</a:t>
+                      </a:r>
+                      <a:endParaRPr lang="en-US" sz="1000" b="0" i="0" u="none" strike="noStrike">
+                        <a:solidFill>
+                          <a:srgbClr val="000000"/>
+                        </a:solidFill>
+                        <a:effectLst/>
+                        <a:latin typeface="Tahoma" panose="020B0604030504040204" pitchFamily="34" charset="0"/>
+                        <a:ea typeface="맑은 고딕" panose="020B0503020000020004" pitchFamily="50" charset="-127"/>
+                      </a:endParaRPr>
+                    </a:p>
+                  </a:txBody>
+                  <a:tcPr marL="6584" marR="6584" marT="6584" marB="0" anchor="ctr"/>
+                </a:tc>
+                <a:tc>
+                  <a:txBody>
+                    <a:bodyPr/>
+                    <a:lstStyle/>
+                    <a:p>
+                      <a:pPr algn="l" rtl="0" fontAlgn="ctr"/>
+                      <a:r>
+                        <a:rPr lang="en-US" sz="1000" u="none" strike="noStrike">
+                          <a:effectLst/>
+                        </a:rPr>
+                        <a:t>O1.6</a:t>
+                      </a:r>
+                      <a:endParaRPr lang="en-US" sz="1000" b="0" i="0" u="none" strike="noStrike">
+                        <a:solidFill>
+                          <a:srgbClr val="000000"/>
+                        </a:solidFill>
+                        <a:effectLst/>
+                        <a:latin typeface="Tahoma" panose="020B0604030504040204" pitchFamily="34" charset="0"/>
+                        <a:ea typeface="맑은 고딕" panose="020B0503020000020004" pitchFamily="50" charset="-127"/>
+                      </a:endParaRPr>
+                    </a:p>
+                  </a:txBody>
+                  <a:tcPr marL="6584" marR="6584" marT="6584" marB="0" anchor="ctr"/>
+                </a:tc>
+                <a:tc>
+                  <a:txBody>
+                    <a:bodyPr/>
+                    <a:lstStyle/>
+                    <a:p>
+                      <a:pPr algn="l" rtl="0" fontAlgn="ctr"/>
+                      <a:r>
+                        <a:rPr lang="en-US" sz="1000" u="none" strike="noStrike">
+                          <a:effectLst/>
+                        </a:rPr>
+                        <a:t>S4_STOPPER_RET</a:t>
+                      </a:r>
+                      <a:endParaRPr lang="en-US" sz="1000" b="0" i="0" u="none" strike="noStrike">
+                        <a:solidFill>
+                          <a:srgbClr val="000000"/>
+                        </a:solidFill>
+                        <a:effectLst/>
+                        <a:latin typeface="Tahoma" panose="020B0604030504040204" pitchFamily="34" charset="0"/>
+                        <a:ea typeface="맑은 고딕" panose="020B0503020000020004" pitchFamily="50" charset="-127"/>
+                      </a:endParaRPr>
+                    </a:p>
+                  </a:txBody>
+                  <a:tcPr marL="6584" marR="6584" marT="6584" marB="0" anchor="ctr"/>
+                </a:tc>
+                <a:tc>
+                  <a:txBody>
+                    <a:bodyPr/>
+                    <a:lstStyle/>
+                    <a:p>
+                      <a:pPr algn="l" rtl="0" fontAlgn="ctr"/>
+                      <a:r>
+                        <a:rPr lang="ko-KR" altLang="en-US" sz="1000" u="none" strike="noStrike">
+                          <a:effectLst/>
+                        </a:rPr>
+                        <a:t>　</a:t>
+                      </a:r>
+                      <a:endParaRPr lang="ko-KR" altLang="en-US" sz="1000" b="0" i="0" u="none" strike="noStrike">
+                        <a:solidFill>
+                          <a:srgbClr val="000000"/>
+                        </a:solidFill>
+                        <a:effectLst/>
+                        <a:latin typeface="Tahoma" panose="020B0604030504040204" pitchFamily="34" charset="0"/>
+                        <a:ea typeface="맑은 고딕" panose="020B0503020000020004" pitchFamily="50" charset="-127"/>
+                      </a:endParaRPr>
+                    </a:p>
+                  </a:txBody>
+                  <a:tcPr marL="6584" marR="6584" marT="6584" marB="0" anchor="ctr"/>
+                </a:tc>
+                <a:extLst>
+                  <a:ext uri="{0D108BD9-81ED-4DB2-BD59-A6C34878D82A}">
+                    <a16:rowId xmlns:a16="http://schemas.microsoft.com/office/drawing/2014/main" val="3435002920"/>
+                  </a:ext>
+                </a:extLst>
+              </a:tr>
+              <a:tr h="195601">
+                <a:tc>
+                  <a:txBody>
+                    <a:bodyPr/>
+                    <a:lstStyle/>
+                    <a:p>
+                      <a:pPr algn="l" rtl="0" fontAlgn="ctr"/>
+                      <a:r>
+                        <a:rPr lang="ko-KR" altLang="en-US" sz="1000" u="none" strike="noStrike">
+                          <a:effectLst/>
+                        </a:rPr>
+                        <a:t>외부주소</a:t>
+                      </a:r>
+                      <a:endParaRPr lang="ko-KR" altLang="en-US" sz="1000" b="0" i="0" u="none" strike="noStrike">
+                        <a:solidFill>
+                          <a:srgbClr val="000000"/>
+                        </a:solidFill>
+                        <a:effectLst/>
+                        <a:latin typeface="Tahoma" panose="020B0604030504040204" pitchFamily="34" charset="0"/>
+                        <a:ea typeface="맑은 고딕" panose="020B0503020000020004" pitchFamily="50" charset="-127"/>
+                      </a:endParaRPr>
+                    </a:p>
+                  </a:txBody>
+                  <a:tcPr marL="6584" marR="6584" marT="6584" marB="0" anchor="ctr"/>
+                </a:tc>
+                <a:tc>
+                  <a:txBody>
+                    <a:bodyPr/>
+                    <a:lstStyle/>
+                    <a:p>
+                      <a:pPr algn="l" rtl="0" fontAlgn="ctr"/>
+                      <a:r>
+                        <a:rPr lang="en-US" sz="1000" u="none" strike="noStrike">
+                          <a:effectLst/>
+                        </a:rPr>
+                        <a:t>S4_USB.ADV</a:t>
+                      </a:r>
+                      <a:endParaRPr lang="en-US" sz="1000" b="0" i="0" u="none" strike="noStrike">
+                        <a:solidFill>
+                          <a:srgbClr val="000000"/>
+                        </a:solidFill>
+                        <a:effectLst/>
+                        <a:latin typeface="Tahoma" panose="020B0604030504040204" pitchFamily="34" charset="0"/>
+                        <a:ea typeface="맑은 고딕" panose="020B0503020000020004" pitchFamily="50" charset="-127"/>
+                      </a:endParaRPr>
+                    </a:p>
+                  </a:txBody>
+                  <a:tcPr marL="6584" marR="6584" marT="6584" marB="0" anchor="ctr"/>
+                </a:tc>
+                <a:tc>
+                  <a:txBody>
+                    <a:bodyPr/>
+                    <a:lstStyle/>
+                    <a:p>
+                      <a:pPr algn="l" rtl="0" fontAlgn="ctr"/>
+                      <a:r>
+                        <a:rPr lang="en-US" sz="1000" u="none" strike="noStrike">
+                          <a:effectLst/>
+                        </a:rPr>
+                        <a:t>bool</a:t>
+                      </a:r>
+                      <a:endParaRPr lang="en-US" sz="1000" b="0" i="0" u="none" strike="noStrike">
+                        <a:solidFill>
+                          <a:srgbClr val="000000"/>
+                        </a:solidFill>
+                        <a:effectLst/>
+                        <a:latin typeface="Tahoma" panose="020B0604030504040204" pitchFamily="34" charset="0"/>
+                        <a:ea typeface="맑은 고딕" panose="020B0503020000020004" pitchFamily="50" charset="-127"/>
+                      </a:endParaRPr>
+                    </a:p>
+                  </a:txBody>
+                  <a:tcPr marL="6584" marR="6584" marT="6584" marB="0" anchor="ctr"/>
+                </a:tc>
+                <a:tc>
+                  <a:txBody>
+                    <a:bodyPr/>
+                    <a:lstStyle/>
+                    <a:p>
+                      <a:pPr algn="l" rtl="0" fontAlgn="ctr"/>
+                      <a:r>
+                        <a:rPr lang="en-US" sz="1000" u="none" strike="noStrike">
+                          <a:effectLst/>
+                        </a:rPr>
+                        <a:t>I2.3</a:t>
+                      </a:r>
+                      <a:endParaRPr lang="en-US" sz="1000" b="0" i="0" u="none" strike="noStrike">
+                        <a:solidFill>
+                          <a:srgbClr val="000000"/>
+                        </a:solidFill>
+                        <a:effectLst/>
+                        <a:latin typeface="Tahoma" panose="020B0604030504040204" pitchFamily="34" charset="0"/>
+                        <a:ea typeface="맑은 고딕" panose="020B0503020000020004" pitchFamily="50" charset="-127"/>
+                      </a:endParaRPr>
+                    </a:p>
+                  </a:txBody>
+                  <a:tcPr marL="6584" marR="6584" marT="6584" marB="0" anchor="ctr"/>
+                </a:tc>
+                <a:tc>
+                  <a:txBody>
+                    <a:bodyPr/>
+                    <a:lstStyle/>
+                    <a:p>
+                      <a:pPr algn="l" rtl="0" fontAlgn="ctr"/>
+                      <a:r>
+                        <a:rPr lang="en-US" sz="1000" u="none" strike="noStrike">
+                          <a:effectLst/>
+                        </a:rPr>
+                        <a:t>O2.1</a:t>
+                      </a:r>
+                      <a:endParaRPr lang="en-US" sz="1000" b="0" i="0" u="none" strike="noStrike">
+                        <a:solidFill>
+                          <a:srgbClr val="000000"/>
+                        </a:solidFill>
+                        <a:effectLst/>
+                        <a:latin typeface="Tahoma" panose="020B0604030504040204" pitchFamily="34" charset="0"/>
+                        <a:ea typeface="맑은 고딕" panose="020B0503020000020004" pitchFamily="50" charset="-127"/>
+                      </a:endParaRPr>
+                    </a:p>
+                  </a:txBody>
+                  <a:tcPr marL="6584" marR="6584" marT="6584" marB="0" anchor="ctr"/>
+                </a:tc>
+                <a:tc>
+                  <a:txBody>
+                    <a:bodyPr/>
+                    <a:lstStyle/>
+                    <a:p>
+                      <a:pPr algn="l" rtl="0" fontAlgn="ctr"/>
+                      <a:r>
+                        <a:rPr lang="en-US" sz="1000" u="none" strike="noStrike">
+                          <a:effectLst/>
+                        </a:rPr>
+                        <a:t>S4_USB_ADV</a:t>
+                      </a:r>
+                      <a:endParaRPr lang="en-US" sz="1000" b="0" i="0" u="none" strike="noStrike">
+                        <a:solidFill>
+                          <a:srgbClr val="000000"/>
+                        </a:solidFill>
+                        <a:effectLst/>
+                        <a:latin typeface="Tahoma" panose="020B0604030504040204" pitchFamily="34" charset="0"/>
+                        <a:ea typeface="맑은 고딕" panose="020B0503020000020004" pitchFamily="50" charset="-127"/>
+                      </a:endParaRPr>
+                    </a:p>
+                  </a:txBody>
+                  <a:tcPr marL="6584" marR="6584" marT="6584" marB="0" anchor="ctr"/>
+                </a:tc>
+                <a:tc>
+                  <a:txBody>
+                    <a:bodyPr/>
+                    <a:lstStyle/>
+                    <a:p>
+                      <a:pPr algn="l" rtl="0" fontAlgn="ctr"/>
+                      <a:r>
+                        <a:rPr lang="ko-KR" altLang="en-US" sz="1000" u="none" strike="noStrike">
+                          <a:effectLst/>
+                        </a:rPr>
+                        <a:t>　</a:t>
+                      </a:r>
+                      <a:endParaRPr lang="ko-KR" altLang="en-US" sz="1000" b="0" i="0" u="none" strike="noStrike">
+                        <a:solidFill>
+                          <a:srgbClr val="000000"/>
+                        </a:solidFill>
+                        <a:effectLst/>
+                        <a:latin typeface="Tahoma" panose="020B0604030504040204" pitchFamily="34" charset="0"/>
+                        <a:ea typeface="맑은 고딕" panose="020B0503020000020004" pitchFamily="50" charset="-127"/>
+                      </a:endParaRPr>
+                    </a:p>
+                  </a:txBody>
+                  <a:tcPr marL="6584" marR="6584" marT="6584" marB="0" anchor="ctr"/>
+                </a:tc>
+                <a:extLst>
+                  <a:ext uri="{0D108BD9-81ED-4DB2-BD59-A6C34878D82A}">
+                    <a16:rowId xmlns:a16="http://schemas.microsoft.com/office/drawing/2014/main" val="3477301646"/>
+                  </a:ext>
+                </a:extLst>
+              </a:tr>
+              <a:tr h="195601">
+                <a:tc>
+                  <a:txBody>
+                    <a:bodyPr/>
+                    <a:lstStyle/>
+                    <a:p>
+                      <a:pPr algn="l" rtl="0" fontAlgn="ctr"/>
+                      <a:r>
+                        <a:rPr lang="ko-KR" altLang="en-US" sz="1000" u="none" strike="noStrike">
+                          <a:effectLst/>
+                        </a:rPr>
+                        <a:t>외부주소</a:t>
+                      </a:r>
+                      <a:endParaRPr lang="ko-KR" altLang="en-US" sz="1000" b="0" i="0" u="none" strike="noStrike">
+                        <a:solidFill>
+                          <a:srgbClr val="000000"/>
+                        </a:solidFill>
+                        <a:effectLst/>
+                        <a:latin typeface="Tahoma" panose="020B0604030504040204" pitchFamily="34" charset="0"/>
+                        <a:ea typeface="맑은 고딕" panose="020B0503020000020004" pitchFamily="50" charset="-127"/>
+                      </a:endParaRPr>
+                    </a:p>
+                  </a:txBody>
+                  <a:tcPr marL="6584" marR="6584" marT="6584" marB="0" anchor="ctr"/>
+                </a:tc>
+                <a:tc>
+                  <a:txBody>
+                    <a:bodyPr/>
+                    <a:lstStyle/>
+                    <a:p>
+                      <a:pPr algn="l" rtl="0" fontAlgn="ctr"/>
+                      <a:r>
+                        <a:rPr lang="en-US" sz="1000" u="none" strike="noStrike" dirty="0">
+                          <a:effectLst/>
+                        </a:rPr>
+                        <a:t>S4_USB.RET</a:t>
+                      </a:r>
+                      <a:endParaRPr lang="en-US" sz="1000" b="0" i="0" u="none" strike="noStrike" dirty="0">
+                        <a:solidFill>
+                          <a:srgbClr val="000000"/>
+                        </a:solidFill>
+                        <a:effectLst/>
+                        <a:latin typeface="Tahoma" panose="020B0604030504040204" pitchFamily="34" charset="0"/>
+                        <a:ea typeface="맑은 고딕" panose="020B0503020000020004" pitchFamily="50" charset="-127"/>
+                      </a:endParaRPr>
+                    </a:p>
+                  </a:txBody>
+                  <a:tcPr marL="6584" marR="6584" marT="6584" marB="0" anchor="ctr"/>
+                </a:tc>
+                <a:tc>
+                  <a:txBody>
+                    <a:bodyPr/>
+                    <a:lstStyle/>
+                    <a:p>
+                      <a:pPr algn="l" rtl="0" fontAlgn="ctr"/>
+                      <a:r>
+                        <a:rPr lang="en-US" sz="1000" u="none" strike="noStrike">
+                          <a:effectLst/>
+                        </a:rPr>
+                        <a:t>bool</a:t>
+                      </a:r>
+                      <a:endParaRPr lang="en-US" sz="1000" b="0" i="0" u="none" strike="noStrike">
+                        <a:solidFill>
+                          <a:srgbClr val="000000"/>
+                        </a:solidFill>
+                        <a:effectLst/>
+                        <a:latin typeface="Tahoma" panose="020B0604030504040204" pitchFamily="34" charset="0"/>
+                        <a:ea typeface="맑은 고딕" panose="020B0503020000020004" pitchFamily="50" charset="-127"/>
+                      </a:endParaRPr>
+                    </a:p>
+                  </a:txBody>
+                  <a:tcPr marL="6584" marR="6584" marT="6584" marB="0" anchor="ctr"/>
+                </a:tc>
+                <a:tc>
+                  <a:txBody>
+                    <a:bodyPr/>
+                    <a:lstStyle/>
+                    <a:p>
+                      <a:pPr algn="l" rtl="0" fontAlgn="ctr"/>
+                      <a:r>
+                        <a:rPr lang="en-US" sz="1000" u="none" strike="noStrike">
+                          <a:effectLst/>
+                        </a:rPr>
+                        <a:t>I2.2</a:t>
+                      </a:r>
+                      <a:endParaRPr lang="en-US" sz="1000" b="0" i="0" u="none" strike="noStrike">
+                        <a:solidFill>
+                          <a:srgbClr val="000000"/>
+                        </a:solidFill>
+                        <a:effectLst/>
+                        <a:latin typeface="Tahoma" panose="020B0604030504040204" pitchFamily="34" charset="0"/>
+                        <a:ea typeface="맑은 고딕" panose="020B0503020000020004" pitchFamily="50" charset="-127"/>
+                      </a:endParaRPr>
+                    </a:p>
+                  </a:txBody>
+                  <a:tcPr marL="6584" marR="6584" marT="6584" marB="0" anchor="ctr"/>
+                </a:tc>
+                <a:tc>
+                  <a:txBody>
+                    <a:bodyPr/>
+                    <a:lstStyle/>
+                    <a:p>
+                      <a:pPr algn="l" rtl="0" fontAlgn="ctr"/>
+                      <a:r>
+                        <a:rPr lang="en-US" sz="1000" u="none" strike="noStrike">
+                          <a:effectLst/>
+                        </a:rPr>
+                        <a:t>O2.0</a:t>
+                      </a:r>
+                      <a:endParaRPr lang="en-US" sz="1000" b="0" i="0" u="none" strike="noStrike">
+                        <a:solidFill>
+                          <a:srgbClr val="000000"/>
+                        </a:solidFill>
+                        <a:effectLst/>
+                        <a:latin typeface="Tahoma" panose="020B0604030504040204" pitchFamily="34" charset="0"/>
+                        <a:ea typeface="맑은 고딕" panose="020B0503020000020004" pitchFamily="50" charset="-127"/>
+                      </a:endParaRPr>
+                    </a:p>
+                  </a:txBody>
+                  <a:tcPr marL="6584" marR="6584" marT="6584" marB="0" anchor="ctr"/>
+                </a:tc>
+                <a:tc>
+                  <a:txBody>
+                    <a:bodyPr/>
+                    <a:lstStyle/>
+                    <a:p>
+                      <a:pPr algn="l" rtl="0" fontAlgn="ctr"/>
+                      <a:r>
+                        <a:rPr lang="en-US" sz="1000" u="none" strike="noStrike">
+                          <a:effectLst/>
+                        </a:rPr>
+                        <a:t>S4_USB_RET</a:t>
+                      </a:r>
+                      <a:endParaRPr lang="en-US" sz="1000" b="0" i="0" u="none" strike="noStrike">
+                        <a:solidFill>
+                          <a:srgbClr val="000000"/>
+                        </a:solidFill>
+                        <a:effectLst/>
+                        <a:latin typeface="Tahoma" panose="020B0604030504040204" pitchFamily="34" charset="0"/>
+                        <a:ea typeface="맑은 고딕" panose="020B0503020000020004" pitchFamily="50" charset="-127"/>
+                      </a:endParaRPr>
+                    </a:p>
+                  </a:txBody>
+                  <a:tcPr marL="6584" marR="6584" marT="6584" marB="0" anchor="ctr"/>
+                </a:tc>
+                <a:tc>
+                  <a:txBody>
+                    <a:bodyPr/>
+                    <a:lstStyle/>
+                    <a:p>
+                      <a:pPr algn="l" rtl="0" fontAlgn="ctr"/>
+                      <a:r>
+                        <a:rPr lang="ko-KR" altLang="en-US" sz="1000" u="none" strike="noStrike" dirty="0">
+                          <a:effectLst/>
+                        </a:rPr>
+                        <a:t>　</a:t>
+                      </a:r>
+                      <a:endParaRPr lang="ko-KR" altLang="en-US" sz="1000" b="0" i="0" u="none" strike="noStrike" dirty="0">
+                        <a:solidFill>
+                          <a:srgbClr val="000000"/>
+                        </a:solidFill>
+                        <a:effectLst/>
+                        <a:latin typeface="Tahoma" panose="020B0604030504040204" pitchFamily="34" charset="0"/>
+                        <a:ea typeface="맑은 고딕" panose="020B0503020000020004" pitchFamily="50" charset="-127"/>
+                      </a:endParaRPr>
+                    </a:p>
+                  </a:txBody>
+                  <a:tcPr marL="6584" marR="6584" marT="6584" marB="0" anchor="ctr"/>
+                </a:tc>
+                <a:extLst>
+                  <a:ext uri="{0D108BD9-81ED-4DB2-BD59-A6C34878D82A}">
+                    <a16:rowId xmlns:a16="http://schemas.microsoft.com/office/drawing/2014/main" val="1929263344"/>
                   </a:ext>
                 </a:extLst>
               </a:tr>
@@ -17536,7 +18164,7 @@
     </p:spTree>
     <p:extLst>
       <p:ext uri="{BB962C8B-B14F-4D97-AF65-F5344CB8AC3E}">
-        <p14:creationId xmlns:p14="http://schemas.microsoft.com/office/powerpoint/2010/main" val="4084927639"/>
+        <p14:creationId xmlns:p14="http://schemas.microsoft.com/office/powerpoint/2010/main" val="1628757389"/>
       </p:ext>
     </p:extLst>
   </p:cSld>

--- a/DsDotNet/src/UnitTest/UnitTest.Model/ImportOfficeExample/Sample/KIT.pptx
+++ b/DsDotNet/src/UnitTest/UnitTest.Model/ImportOfficeExample/Sample/KIT.pptx
@@ -231,7 +231,7 @@
           <a:p>
             <a:fld id="{DD503887-5801-43A0-AEF9-041E8DDC2558}" type="datetimeFigureOut">
               <a:rPr lang="ko-KR" altLang="en-US" smtClean="0"/>
-              <a:t>2023-09-05</a:t>
+              <a:t>2023-09-06</a:t>
             </a:fld>
             <a:endParaRPr lang="ko-KR" altLang="en-US" dirty="0"/>
           </a:p>
@@ -408,7 +408,7 @@
           <a:p>
             <a:fld id="{95336A0E-57B1-4D4C-BD9B-2F72B5943464}" type="datetimeFigureOut">
               <a:rPr lang="ko-KR" altLang="en-US" smtClean="0"/>
-              <a:t>2023-09-05</a:t>
+              <a:t>2023-09-06</a:t>
             </a:fld>
             <a:endParaRPr lang="ko-KR" altLang="en-US" dirty="0"/>
           </a:p>
@@ -822,7 +822,7 @@
           <a:p>
             <a:fld id="{229D12C7-0FF5-4972-A033-474EFFC79F40}" type="datetime1">
               <a:rPr lang="ko-KR" altLang="en-US" smtClean="0"/>
-              <a:t>2023-09-05</a:t>
+              <a:t>2023-09-06</a:t>
             </a:fld>
             <a:endParaRPr lang="ko-KR" altLang="en-US" dirty="0"/>
           </a:p>
@@ -1020,7 +1020,7 @@
           <a:p>
             <a:fld id="{5BA19FD4-B052-4F56-8FD8-EAFD078DEFB0}" type="datetime1">
               <a:rPr lang="ko-KR" altLang="en-US" smtClean="0"/>
-              <a:t>2023-09-05</a:t>
+              <a:t>2023-09-06</a:t>
             </a:fld>
             <a:endParaRPr lang="ko-KR" altLang="en-US" dirty="0"/>
           </a:p>
@@ -1228,7 +1228,7 @@
           <a:p>
             <a:fld id="{024994B9-23A6-4B0A-A038-AC140E83DAA3}" type="datetime1">
               <a:rPr lang="ko-KR" altLang="en-US" smtClean="0"/>
-              <a:t>2023-09-05</a:t>
+              <a:t>2023-09-06</a:t>
             </a:fld>
             <a:endParaRPr lang="ko-KR" altLang="en-US" dirty="0"/>
           </a:p>
@@ -1370,7 +1370,7 @@
           <a:p>
             <a:fld id="{B5B1BBC2-B738-4C35-AEE5-660EB2DEB482}" type="datetime1">
               <a:rPr lang="ko-KR" altLang="en-US" smtClean="0"/>
-              <a:t>2023-09-05</a:t>
+              <a:t>2023-09-06</a:t>
             </a:fld>
             <a:endParaRPr lang="ko-KR" altLang="en-US" dirty="0"/>
           </a:p>
@@ -6037,7 +6037,7 @@
           <a:p>
             <a:fld id="{70D0DAB2-87CB-4028-B965-3AA710ADF2CB}" type="datetime1">
               <a:rPr lang="ko-KR" altLang="en-US" smtClean="0"/>
-              <a:t>2023-09-05</a:t>
+              <a:t>2023-09-06</a:t>
             </a:fld>
             <a:endParaRPr lang="ko-KR" altLang="en-US" dirty="0"/>
           </a:p>
@@ -6312,7 +6312,7 @@
           <a:p>
             <a:fld id="{63FA3D71-FEA8-477F-9D1E-EA860F411BC7}" type="datetime1">
               <a:rPr lang="ko-KR" altLang="en-US" smtClean="0"/>
-              <a:t>2023-09-05</a:t>
+              <a:t>2023-09-06</a:t>
             </a:fld>
             <a:endParaRPr lang="ko-KR" altLang="en-US" dirty="0"/>
           </a:p>
@@ -6577,7 +6577,7 @@
           <a:p>
             <a:fld id="{F58E3EF4-7980-4C97-BA64-EC66995BB574}" type="datetime1">
               <a:rPr lang="ko-KR" altLang="en-US" smtClean="0"/>
-              <a:t>2023-09-05</a:t>
+              <a:t>2023-09-06</a:t>
             </a:fld>
             <a:endParaRPr lang="ko-KR" altLang="en-US" dirty="0"/>
           </a:p>
@@ -6989,7 +6989,7 @@
           <a:p>
             <a:fld id="{FC9BC1D0-7D6B-4634-9D19-644040D74EAE}" type="datetime1">
               <a:rPr lang="ko-KR" altLang="en-US" smtClean="0"/>
-              <a:t>2023-09-05</a:t>
+              <a:t>2023-09-06</a:t>
             </a:fld>
             <a:endParaRPr lang="ko-KR" altLang="en-US" dirty="0"/>
           </a:p>
@@ -7130,7 +7130,7 @@
           <a:p>
             <a:fld id="{B5B1BBC2-B738-4C35-AEE5-660EB2DEB482}" type="datetime1">
               <a:rPr lang="ko-KR" altLang="en-US" smtClean="0"/>
-              <a:t>2023-09-05</a:t>
+              <a:t>2023-09-06</a:t>
             </a:fld>
             <a:endParaRPr lang="ko-KR" altLang="en-US" dirty="0"/>
           </a:p>
@@ -11712,7 +11712,7 @@
           <a:p>
             <a:fld id="{C60E9F93-7E77-4F36-B88C-A425F00C8D91}" type="datetime1">
               <a:rPr lang="ko-KR" altLang="en-US" smtClean="0"/>
-              <a:t>2023-09-05</a:t>
+              <a:t>2023-09-06</a:t>
             </a:fld>
             <a:endParaRPr lang="ko-KR" altLang="en-US" dirty="0"/>
           </a:p>
@@ -12023,7 +12023,7 @@
           <a:p>
             <a:fld id="{36BCCD0E-2A54-4016-BFFC-FEAABCDA6915}" type="datetime1">
               <a:rPr lang="ko-KR" altLang="en-US" smtClean="0"/>
-              <a:t>2023-09-05</a:t>
+              <a:t>2023-09-06</a:t>
             </a:fld>
             <a:endParaRPr lang="ko-KR" altLang="en-US" dirty="0"/>
           </a:p>
@@ -12311,7 +12311,7 @@
           <a:p>
             <a:fld id="{C984B0C4-64BA-4E4C-B5E6-A51EE3F6ED95}" type="datetime1">
               <a:rPr lang="ko-KR" altLang="en-US" smtClean="0"/>
-              <a:t>2023-09-05</a:t>
+              <a:t>2023-09-06</a:t>
             </a:fld>
             <a:endParaRPr lang="ko-KR" altLang="en-US" dirty="0"/>
           </a:p>
@@ -12553,7 +12553,7 @@
           <a:p>
             <a:fld id="{C984B0C4-64BA-4E4C-B5E6-A51EE3F6ED95}" type="datetime1">
               <a:rPr lang="ko-KR" altLang="en-US" smtClean="0"/>
-              <a:t>2023-09-05</a:t>
+              <a:t>2023-09-06</a:t>
             </a:fld>
             <a:endParaRPr lang="ko-KR" altLang="en-US" dirty="0"/>
           </a:p>
@@ -12972,35 +12972,6 @@
           <a:chExt cx="0" cy="0"/>
         </a:xfrm>
       </p:grpSpPr>
-      <p:sp>
-        <p:nvSpPr>
-          <p:cNvPr id="2" name="제목 1">
-            <a:extLst>
-              <a:ext uri="{FF2B5EF4-FFF2-40B4-BE49-F238E27FC236}">
-                <a16:creationId xmlns:a16="http://schemas.microsoft.com/office/drawing/2014/main" id="{227B9DF2-8605-7EAE-3AC6-D565BA4FBD22}"/>
-              </a:ext>
-            </a:extLst>
-          </p:cNvPr>
-          <p:cNvSpPr>
-            <a:spLocks noGrp="1"/>
-          </p:cNvSpPr>
-          <p:nvPr>
-            <p:ph type="ctrTitle"/>
-          </p:nvPr>
-        </p:nvSpPr>
-        <p:spPr/>
-        <p:txBody>
-          <a:bodyPr/>
-          <a:lstStyle/>
-          <a:p>
-            <a:r>
-              <a:rPr lang="ko-KR" altLang="en-US" dirty="0" err="1"/>
-              <a:t>ㅏㅑㅅ</a:t>
-            </a:r>
-            <a:endParaRPr lang="ko-KR" altLang="en-US" dirty="0"/>
-          </a:p>
-        </p:txBody>
-      </p:sp>
       <p:graphicFrame>
         <p:nvGraphicFramePr>
           <p:cNvPr id="4" name="표 3">
@@ -13016,7 +12987,7 @@
           <p:nvPr>
             <p:extLst>
               <p:ext uri="{D42A27DB-BD31-4B8C-83A1-F6EECF244321}">
-                <p14:modId xmlns:p14="http://schemas.microsoft.com/office/powerpoint/2010/main" val="1061875737"/>
+                <p14:modId xmlns:p14="http://schemas.microsoft.com/office/powerpoint/2010/main" val="3337074015"/>
               </p:ext>
             </p:extLst>
           </p:nvPr>
@@ -13090,22 +13061,19 @@
                     <a:p>
                       <a:pPr algn="ctr" rtl="0" fontAlgn="ctr"/>
                       <a:r>
-                        <a:rPr lang="en-US" sz="1000" u="none" strike="noStrike">
+                        <a:rPr lang="en-US" sz="800" b="0" i="0" u="none" strike="noStrike">
+                          <a:solidFill>
+                            <a:srgbClr val="000000"/>
+                          </a:solidFill>
                           <a:effectLst/>
+                          <a:latin typeface="Tahoma" panose="020B0604030504040204" pitchFamily="34" charset="0"/>
+                          <a:ea typeface="맑은 고딕" panose="020B0503020000020004" pitchFamily="50" charset="-127"/>
                         </a:rPr>
                         <a:t>Case</a:t>
                       </a:r>
-                      <a:endParaRPr lang="en-US" sz="1000" b="0" i="0" u="none" strike="noStrike">
-                        <a:solidFill>
-                          <a:srgbClr val="000000"/>
-                        </a:solidFill>
-                        <a:effectLst/>
-                        <a:latin typeface="Tahoma" panose="020B0604030504040204" pitchFamily="34" charset="0"/>
-                        <a:ea typeface="맑은 고딕" panose="020B0503020000020004" pitchFamily="50" charset="-127"/>
-                      </a:endParaRPr>
                     </a:p>
                   </a:txBody>
-                  <a:tcPr marL="6584" marR="6584" marT="6584" marB="0" anchor="ctr"/>
+                  <a:tcPr marL="9525" marR="9525" marT="9525" marB="0" anchor="ctr"/>
                 </a:tc>
                 <a:tc>
                   <a:txBody>
@@ -13114,22 +13082,19 @@
                     <a:p>
                       <a:pPr algn="ctr" rtl="0" fontAlgn="ctr"/>
                       <a:r>
-                        <a:rPr lang="en-US" sz="1000" u="none" strike="noStrike">
+                        <a:rPr lang="en-US" sz="800" b="0" i="0" u="none" strike="noStrike">
+                          <a:solidFill>
+                            <a:srgbClr val="000000"/>
+                          </a:solidFill>
                           <a:effectLst/>
+                          <a:latin typeface="Tahoma" panose="020B0604030504040204" pitchFamily="34" charset="0"/>
+                          <a:ea typeface="맑은 고딕" panose="020B0503020000020004" pitchFamily="50" charset="-127"/>
                         </a:rPr>
                         <a:t>Name</a:t>
                       </a:r>
-                      <a:endParaRPr lang="en-US" sz="1000" b="0" i="0" u="none" strike="noStrike">
-                        <a:solidFill>
-                          <a:srgbClr val="000000"/>
-                        </a:solidFill>
-                        <a:effectLst/>
-                        <a:latin typeface="Tahoma" panose="020B0604030504040204" pitchFamily="34" charset="0"/>
-                        <a:ea typeface="맑은 고딕" panose="020B0503020000020004" pitchFamily="50" charset="-127"/>
-                      </a:endParaRPr>
                     </a:p>
                   </a:txBody>
-                  <a:tcPr marL="6584" marR="6584" marT="6584" marB="0" anchor="ctr"/>
+                  <a:tcPr marL="9525" marR="9525" marT="9525" marB="0" anchor="ctr"/>
                 </a:tc>
                 <a:tc>
                   <a:txBody>
@@ -13138,22 +13103,19 @@
                     <a:p>
                       <a:pPr algn="ctr" rtl="0" fontAlgn="ctr"/>
                       <a:r>
-                        <a:rPr lang="en-US" sz="1000" u="none" strike="noStrike">
+                        <a:rPr lang="en-US" sz="800" b="0" i="0" u="none" strike="noStrike">
+                          <a:solidFill>
+                            <a:srgbClr val="000000"/>
+                          </a:solidFill>
                           <a:effectLst/>
+                          <a:latin typeface="Tahoma" panose="020B0604030504040204" pitchFamily="34" charset="0"/>
+                          <a:ea typeface="맑은 고딕" panose="020B0503020000020004" pitchFamily="50" charset="-127"/>
                         </a:rPr>
                         <a:t>Data Type</a:t>
                       </a:r>
-                      <a:endParaRPr lang="en-US" sz="1000" b="0" i="0" u="none" strike="noStrike">
-                        <a:solidFill>
-                          <a:srgbClr val="000000"/>
-                        </a:solidFill>
-                        <a:effectLst/>
-                        <a:latin typeface="Tahoma" panose="020B0604030504040204" pitchFamily="34" charset="0"/>
-                        <a:ea typeface="맑은 고딕" panose="020B0503020000020004" pitchFamily="50" charset="-127"/>
-                      </a:endParaRPr>
                     </a:p>
                   </a:txBody>
-                  <a:tcPr marL="6584" marR="6584" marT="6584" marB="0" anchor="ctr"/>
+                  <a:tcPr marL="9525" marR="9525" marT="9525" marB="0" anchor="ctr"/>
                 </a:tc>
                 <a:tc>
                   <a:txBody>
@@ -13162,22 +13124,19 @@
                     <a:p>
                       <a:pPr algn="ctr" rtl="0" fontAlgn="ctr"/>
                       <a:r>
-                        <a:rPr lang="en-US" sz="1000" u="none" strike="noStrike">
+                        <a:rPr lang="en-US" sz="800" b="0" i="0" u="none" strike="noStrike">
+                          <a:solidFill>
+                            <a:srgbClr val="000000"/>
+                          </a:solidFill>
                           <a:effectLst/>
+                          <a:latin typeface="Tahoma" panose="020B0604030504040204" pitchFamily="34" charset="0"/>
+                          <a:ea typeface="맑은 고딕" panose="020B0503020000020004" pitchFamily="50" charset="-127"/>
                         </a:rPr>
                         <a:t>Input</a:t>
                       </a:r>
-                      <a:endParaRPr lang="en-US" sz="1000" b="0" i="0" u="none" strike="noStrike">
-                        <a:solidFill>
-                          <a:srgbClr val="000000"/>
-                        </a:solidFill>
-                        <a:effectLst/>
-                        <a:latin typeface="Tahoma" panose="020B0604030504040204" pitchFamily="34" charset="0"/>
-                        <a:ea typeface="맑은 고딕" panose="020B0503020000020004" pitchFamily="50" charset="-127"/>
-                      </a:endParaRPr>
                     </a:p>
                   </a:txBody>
-                  <a:tcPr marL="6584" marR="6584" marT="6584" marB="0" anchor="ctr"/>
+                  <a:tcPr marL="9525" marR="9525" marT="9525" marB="0" anchor="ctr"/>
                 </a:tc>
                 <a:tc>
                   <a:txBody>
@@ -13186,22 +13145,19 @@
                     <a:p>
                       <a:pPr algn="ctr" rtl="0" fontAlgn="ctr"/>
                       <a:r>
-                        <a:rPr lang="en-US" sz="1000" u="none" strike="noStrike">
+                        <a:rPr lang="en-US" sz="800" b="0" i="0" u="none" strike="noStrike">
+                          <a:solidFill>
+                            <a:srgbClr val="000000"/>
+                          </a:solidFill>
                           <a:effectLst/>
+                          <a:latin typeface="Tahoma" panose="020B0604030504040204" pitchFamily="34" charset="0"/>
+                          <a:ea typeface="맑은 고딕" panose="020B0503020000020004" pitchFamily="50" charset="-127"/>
                         </a:rPr>
                         <a:t>Output</a:t>
                       </a:r>
-                      <a:endParaRPr lang="en-US" sz="1000" b="0" i="0" u="none" strike="noStrike">
-                        <a:solidFill>
-                          <a:srgbClr val="000000"/>
-                        </a:solidFill>
-                        <a:effectLst/>
-                        <a:latin typeface="Tahoma" panose="020B0604030504040204" pitchFamily="34" charset="0"/>
-                        <a:ea typeface="맑은 고딕" panose="020B0503020000020004" pitchFamily="50" charset="-127"/>
-                      </a:endParaRPr>
                     </a:p>
                   </a:txBody>
-                  <a:tcPr marL="6584" marR="6584" marT="6584" marB="0" anchor="ctr"/>
+                  <a:tcPr marL="9525" marR="9525" marT="9525" marB="0" anchor="ctr"/>
                 </a:tc>
                 <a:tc>
                   <a:txBody>
@@ -13210,22 +13166,19 @@
                     <a:p>
                       <a:pPr algn="ctr" rtl="0" fontAlgn="ctr"/>
                       <a:r>
-                        <a:rPr lang="en-US" sz="1000" u="none" strike="noStrike">
+                        <a:rPr lang="en-US" sz="800" b="0" i="0" u="none" strike="noStrike">
+                          <a:solidFill>
+                            <a:srgbClr val="000000"/>
+                          </a:solidFill>
                           <a:effectLst/>
+                          <a:latin typeface="Tahoma" panose="020B0604030504040204" pitchFamily="34" charset="0"/>
+                          <a:ea typeface="맑은 고딕" panose="020B0503020000020004" pitchFamily="50" charset="-127"/>
                         </a:rPr>
                         <a:t>Job</a:t>
                       </a:r>
-                      <a:endParaRPr lang="en-US" sz="1000" b="0" i="0" u="none" strike="noStrike">
-                        <a:solidFill>
-                          <a:srgbClr val="000000"/>
-                        </a:solidFill>
-                        <a:effectLst/>
-                        <a:latin typeface="Tahoma" panose="020B0604030504040204" pitchFamily="34" charset="0"/>
-                        <a:ea typeface="맑은 고딕" panose="020B0503020000020004" pitchFamily="50" charset="-127"/>
-                      </a:endParaRPr>
                     </a:p>
                   </a:txBody>
-                  <a:tcPr marL="6584" marR="6584" marT="6584" marB="0" anchor="ctr"/>
+                  <a:tcPr marL="9525" marR="9525" marT="9525" marB="0" anchor="ctr"/>
                 </a:tc>
                 <a:tc>
                   <a:txBody>
@@ -13234,22 +13187,19 @@
                     <a:p>
                       <a:pPr algn="ctr" rtl="0" fontAlgn="ctr"/>
                       <a:r>
-                        <a:rPr lang="en-US" sz="1000" u="none" strike="noStrike">
+                        <a:rPr lang="en-US" sz="800" b="0" i="0" u="none" strike="noStrike">
+                          <a:solidFill>
+                            <a:srgbClr val="000000"/>
+                          </a:solidFill>
                           <a:effectLst/>
+                          <a:latin typeface="Tahoma" panose="020B0604030504040204" pitchFamily="34" charset="0"/>
+                          <a:ea typeface="맑은 고딕" panose="020B0503020000020004" pitchFamily="50" charset="-127"/>
                         </a:rPr>
                         <a:t>Func</a:t>
                       </a:r>
-                      <a:endParaRPr lang="en-US" sz="1000" b="0" i="0" u="none" strike="noStrike">
-                        <a:solidFill>
-                          <a:srgbClr val="000000"/>
-                        </a:solidFill>
-                        <a:effectLst/>
-                        <a:latin typeface="Tahoma" panose="020B0604030504040204" pitchFamily="34" charset="0"/>
-                        <a:ea typeface="맑은 고딕" panose="020B0503020000020004" pitchFamily="50" charset="-127"/>
-                      </a:endParaRPr>
                     </a:p>
                   </a:txBody>
-                  <a:tcPr marL="6584" marR="6584" marT="6584" marB="0" anchor="ctr"/>
+                  <a:tcPr marL="9525" marR="9525" marT="9525" marB="0" anchor="ctr"/>
                 </a:tc>
                 <a:extLst>
                   <a:ext uri="{0D108BD9-81ED-4DB2-BD59-A6C34878D82A}">
@@ -13265,22 +13215,19 @@
                     <a:p>
                       <a:pPr algn="l" rtl="0" fontAlgn="ctr"/>
                       <a:r>
-                        <a:rPr lang="ko-KR" altLang="en-US" sz="1000" u="none" strike="noStrike">
+                        <a:rPr lang="ko-KR" altLang="en-US" sz="900" b="0" i="0" u="none" strike="noStrike">
+                          <a:solidFill>
+                            <a:srgbClr val="000000"/>
+                          </a:solidFill>
                           <a:effectLst/>
+                          <a:latin typeface="Tahoma" panose="020B0604030504040204" pitchFamily="34" charset="0"/>
+                          <a:ea typeface="맑은 고딕" panose="020B0503020000020004" pitchFamily="50" charset="-127"/>
                         </a:rPr>
                         <a:t>외부주소</a:t>
                       </a:r>
-                      <a:endParaRPr lang="ko-KR" altLang="en-US" sz="1000" b="0" i="0" u="none" strike="noStrike">
-                        <a:solidFill>
-                          <a:srgbClr val="000000"/>
-                        </a:solidFill>
-                        <a:effectLst/>
-                        <a:latin typeface="Tahoma" panose="020B0604030504040204" pitchFamily="34" charset="0"/>
-                        <a:ea typeface="맑은 고딕" panose="020B0503020000020004" pitchFamily="50" charset="-127"/>
-                      </a:endParaRPr>
                     </a:p>
                   </a:txBody>
-                  <a:tcPr marL="6584" marR="6584" marT="6584" marB="0" anchor="ctr"/>
+                  <a:tcPr marL="9525" marR="9525" marT="9525" marB="0" anchor="ctr"/>
                 </a:tc>
                 <a:tc>
                   <a:txBody>
@@ -13289,22 +13236,19 @@
                     <a:p>
                       <a:pPr algn="l" rtl="0" fontAlgn="ctr"/>
                       <a:r>
-                        <a:rPr lang="en-US" sz="1000" u="none" strike="noStrike">
+                        <a:rPr lang="en-US" sz="900" b="0" i="0" u="none" strike="noStrike">
+                          <a:solidFill>
+                            <a:srgbClr val="000000"/>
+                          </a:solidFill>
                           <a:effectLst/>
+                          <a:latin typeface="Tahoma" panose="020B0604030504040204" pitchFamily="34" charset="0"/>
+                          <a:ea typeface="맑은 고딕" panose="020B0503020000020004" pitchFamily="50" charset="-127"/>
                         </a:rPr>
                         <a:t>F10_Pin1.ADV</a:t>
                       </a:r>
-                      <a:endParaRPr lang="en-US" sz="1000" b="0" i="0" u="none" strike="noStrike">
-                        <a:solidFill>
-                          <a:srgbClr val="000000"/>
-                        </a:solidFill>
-                        <a:effectLst/>
-                        <a:latin typeface="Tahoma" panose="020B0604030504040204" pitchFamily="34" charset="0"/>
-                        <a:ea typeface="맑은 고딕" panose="020B0503020000020004" pitchFamily="50" charset="-127"/>
-                      </a:endParaRPr>
                     </a:p>
                   </a:txBody>
-                  <a:tcPr marL="6584" marR="6584" marT="6584" marB="0" anchor="ctr"/>
+                  <a:tcPr marL="9525" marR="9525" marT="9525" marB="0" anchor="ctr"/>
                 </a:tc>
                 <a:tc>
                   <a:txBody>
@@ -13313,22 +13257,19 @@
                     <a:p>
                       <a:pPr algn="l" rtl="0" fontAlgn="ctr"/>
                       <a:r>
-                        <a:rPr lang="en-US" sz="1000" u="none" strike="noStrike">
+                        <a:rPr lang="en-US" sz="900" b="0" i="0" u="none" strike="noStrike">
+                          <a:solidFill>
+                            <a:srgbClr val="000000"/>
+                          </a:solidFill>
                           <a:effectLst/>
+                          <a:latin typeface="Tahoma" panose="020B0604030504040204" pitchFamily="34" charset="0"/>
+                          <a:ea typeface="맑은 고딕" panose="020B0503020000020004" pitchFamily="50" charset="-127"/>
                         </a:rPr>
                         <a:t>bool</a:t>
                       </a:r>
-                      <a:endParaRPr lang="en-US" sz="1000" b="0" i="0" u="none" strike="noStrike">
-                        <a:solidFill>
-                          <a:srgbClr val="000000"/>
-                        </a:solidFill>
-                        <a:effectLst/>
-                        <a:latin typeface="Tahoma" panose="020B0604030504040204" pitchFamily="34" charset="0"/>
-                        <a:ea typeface="맑은 고딕" panose="020B0503020000020004" pitchFamily="50" charset="-127"/>
-                      </a:endParaRPr>
                     </a:p>
                   </a:txBody>
-                  <a:tcPr marL="6584" marR="6584" marT="6584" marB="0" anchor="ctr"/>
+                  <a:tcPr marL="9525" marR="9525" marT="9525" marB="0" anchor="ctr"/>
                 </a:tc>
                 <a:tc>
                   <a:txBody>
@@ -13337,22 +13278,19 @@
                     <a:p>
                       <a:pPr algn="l" rtl="0" fontAlgn="ctr"/>
                       <a:r>
-                        <a:rPr lang="en-US" sz="1000" u="none" strike="noStrike">
+                        <a:rPr lang="en-US" sz="900" b="0" i="0" u="none" strike="noStrike">
+                          <a:solidFill>
+                            <a:srgbClr val="000000"/>
+                          </a:solidFill>
                           <a:effectLst/>
+                          <a:latin typeface="Tahoma" panose="020B0604030504040204" pitchFamily="34" charset="0"/>
+                          <a:ea typeface="맑은 고딕" panose="020B0503020000020004" pitchFamily="50" charset="-127"/>
                         </a:rPr>
-                        <a:t>I0.2</a:t>
+                        <a:t>%IX0.0.2</a:t>
                       </a:r>
-                      <a:endParaRPr lang="en-US" sz="1000" b="0" i="0" u="none" strike="noStrike">
-                        <a:solidFill>
-                          <a:srgbClr val="000000"/>
-                        </a:solidFill>
-                        <a:effectLst/>
-                        <a:latin typeface="Tahoma" panose="020B0604030504040204" pitchFamily="34" charset="0"/>
-                        <a:ea typeface="맑은 고딕" panose="020B0503020000020004" pitchFamily="50" charset="-127"/>
-                      </a:endParaRPr>
                     </a:p>
                   </a:txBody>
-                  <a:tcPr marL="6584" marR="6584" marT="6584" marB="0" anchor="ctr"/>
+                  <a:tcPr marL="9525" marR="9525" marT="9525" marB="0" anchor="ctr"/>
                 </a:tc>
                 <a:tc>
                   <a:txBody>
@@ -13361,22 +13299,19 @@
                     <a:p>
                       <a:pPr algn="l" rtl="0" fontAlgn="ctr"/>
                       <a:r>
-                        <a:rPr lang="en-US" sz="1000" u="none" strike="noStrike">
+                        <a:rPr lang="en-US" sz="900" b="0" i="0" u="none" strike="noStrike">
+                          <a:solidFill>
+                            <a:srgbClr val="000000"/>
+                          </a:solidFill>
                           <a:effectLst/>
+                          <a:latin typeface="Tahoma" panose="020B0604030504040204" pitchFamily="34" charset="0"/>
+                          <a:ea typeface="맑은 고딕" panose="020B0503020000020004" pitchFamily="50" charset="-127"/>
                         </a:rPr>
-                        <a:t>O0.2</a:t>
+                        <a:t>%QX0.0.2</a:t>
                       </a:r>
-                      <a:endParaRPr lang="en-US" sz="1000" b="0" i="0" u="none" strike="noStrike">
-                        <a:solidFill>
-                          <a:srgbClr val="000000"/>
-                        </a:solidFill>
-                        <a:effectLst/>
-                        <a:latin typeface="Tahoma" panose="020B0604030504040204" pitchFamily="34" charset="0"/>
-                        <a:ea typeface="맑은 고딕" panose="020B0503020000020004" pitchFamily="50" charset="-127"/>
-                      </a:endParaRPr>
                     </a:p>
                   </a:txBody>
-                  <a:tcPr marL="6584" marR="6584" marT="6584" marB="0" anchor="ctr"/>
+                  <a:tcPr marL="9525" marR="9525" marT="9525" marB="0" anchor="ctr"/>
                 </a:tc>
                 <a:tc>
                   <a:txBody>
@@ -13385,22 +13320,19 @@
                     <a:p>
                       <a:pPr algn="l" rtl="0" fontAlgn="ctr"/>
                       <a:r>
-                        <a:rPr lang="en-US" sz="1000" u="none" strike="noStrike">
+                        <a:rPr lang="en-US" sz="900" b="0" i="0" u="none" strike="noStrike">
+                          <a:solidFill>
+                            <a:srgbClr val="000000"/>
+                          </a:solidFill>
                           <a:effectLst/>
+                          <a:latin typeface="Tahoma" panose="020B0604030504040204" pitchFamily="34" charset="0"/>
+                          <a:ea typeface="맑은 고딕" panose="020B0503020000020004" pitchFamily="50" charset="-127"/>
                         </a:rPr>
                         <a:t>F10_Pin1_ADV</a:t>
                       </a:r>
-                      <a:endParaRPr lang="en-US" sz="1000" b="0" i="0" u="none" strike="noStrike">
-                        <a:solidFill>
-                          <a:srgbClr val="000000"/>
-                        </a:solidFill>
-                        <a:effectLst/>
-                        <a:latin typeface="Tahoma" panose="020B0604030504040204" pitchFamily="34" charset="0"/>
-                        <a:ea typeface="맑은 고딕" panose="020B0503020000020004" pitchFamily="50" charset="-127"/>
-                      </a:endParaRPr>
                     </a:p>
                   </a:txBody>
-                  <a:tcPr marL="6584" marR="6584" marT="6584" marB="0" anchor="ctr"/>
+                  <a:tcPr marL="9525" marR="9525" marT="9525" marB="0" anchor="ctr"/>
                 </a:tc>
                 <a:tc>
                   <a:txBody>
@@ -13409,22 +13341,19 @@
                     <a:p>
                       <a:pPr algn="l" rtl="0" fontAlgn="ctr"/>
                       <a:r>
-                        <a:rPr lang="ko-KR" altLang="en-US" sz="1000" u="none" strike="noStrike">
+                        <a:rPr lang="ko-KR" altLang="en-US" sz="900" b="0" i="0" u="none" strike="noStrike">
+                          <a:solidFill>
+                            <a:srgbClr val="000000"/>
+                          </a:solidFill>
                           <a:effectLst/>
+                          <a:latin typeface="Tahoma" panose="020B0604030504040204" pitchFamily="34" charset="0"/>
+                          <a:ea typeface="맑은 고딕" panose="020B0503020000020004" pitchFamily="50" charset="-127"/>
                         </a:rPr>
                         <a:t>　</a:t>
                       </a:r>
-                      <a:endParaRPr lang="ko-KR" altLang="en-US" sz="1000" b="0" i="0" u="none" strike="noStrike">
-                        <a:solidFill>
-                          <a:srgbClr val="000000"/>
-                        </a:solidFill>
-                        <a:effectLst/>
-                        <a:latin typeface="Tahoma" panose="020B0604030504040204" pitchFamily="34" charset="0"/>
-                        <a:ea typeface="맑은 고딕" panose="020B0503020000020004" pitchFamily="50" charset="-127"/>
-                      </a:endParaRPr>
                     </a:p>
                   </a:txBody>
-                  <a:tcPr marL="6584" marR="6584" marT="6584" marB="0" anchor="ctr"/>
+                  <a:tcPr marL="9525" marR="9525" marT="9525" marB="0" anchor="ctr"/>
                 </a:tc>
                 <a:extLst>
                   <a:ext uri="{0D108BD9-81ED-4DB2-BD59-A6C34878D82A}">
@@ -13440,22 +13369,19 @@
                     <a:p>
                       <a:pPr algn="l" rtl="0" fontAlgn="ctr"/>
                       <a:r>
-                        <a:rPr lang="ko-KR" altLang="en-US" sz="1000" u="none" strike="noStrike">
+                        <a:rPr lang="ko-KR" altLang="en-US" sz="900" b="0" i="0" u="none" strike="noStrike">
+                          <a:solidFill>
+                            <a:srgbClr val="000000"/>
+                          </a:solidFill>
                           <a:effectLst/>
+                          <a:latin typeface="Tahoma" panose="020B0604030504040204" pitchFamily="34" charset="0"/>
+                          <a:ea typeface="맑은 고딕" panose="020B0503020000020004" pitchFamily="50" charset="-127"/>
                         </a:rPr>
                         <a:t>외부주소</a:t>
                       </a:r>
-                      <a:endParaRPr lang="ko-KR" altLang="en-US" sz="1000" b="0" i="0" u="none" strike="noStrike">
-                        <a:solidFill>
-                          <a:srgbClr val="000000"/>
-                        </a:solidFill>
-                        <a:effectLst/>
-                        <a:latin typeface="Tahoma" panose="020B0604030504040204" pitchFamily="34" charset="0"/>
-                        <a:ea typeface="맑은 고딕" panose="020B0503020000020004" pitchFamily="50" charset="-127"/>
-                      </a:endParaRPr>
                     </a:p>
                   </a:txBody>
-                  <a:tcPr marL="6584" marR="6584" marT="6584" marB="0" anchor="ctr"/>
+                  <a:tcPr marL="9525" marR="9525" marT="9525" marB="0" anchor="ctr"/>
                 </a:tc>
                 <a:tc>
                   <a:txBody>
@@ -13464,22 +13390,19 @@
                     <a:p>
                       <a:pPr algn="l" rtl="0" fontAlgn="ctr"/>
                       <a:r>
-                        <a:rPr lang="en-US" sz="1000" u="none" strike="noStrike">
+                        <a:rPr lang="en-US" sz="900" b="0" i="0" u="none" strike="noStrike">
+                          <a:solidFill>
+                            <a:srgbClr val="000000"/>
+                          </a:solidFill>
                           <a:effectLst/>
+                          <a:latin typeface="Tahoma" panose="020B0604030504040204" pitchFamily="34" charset="0"/>
+                          <a:ea typeface="맑은 고딕" panose="020B0503020000020004" pitchFamily="50" charset="-127"/>
                         </a:rPr>
                         <a:t>F10_Pin1.RET</a:t>
                       </a:r>
-                      <a:endParaRPr lang="en-US" sz="1000" b="0" i="0" u="none" strike="noStrike">
-                        <a:solidFill>
-                          <a:srgbClr val="000000"/>
-                        </a:solidFill>
-                        <a:effectLst/>
-                        <a:latin typeface="Tahoma" panose="020B0604030504040204" pitchFamily="34" charset="0"/>
-                        <a:ea typeface="맑은 고딕" panose="020B0503020000020004" pitchFamily="50" charset="-127"/>
-                      </a:endParaRPr>
                     </a:p>
                   </a:txBody>
-                  <a:tcPr marL="6584" marR="6584" marT="6584" marB="0" anchor="ctr"/>
+                  <a:tcPr marL="9525" marR="9525" marT="9525" marB="0" anchor="ctr"/>
                 </a:tc>
                 <a:tc>
                   <a:txBody>
@@ -13488,22 +13411,19 @@
                     <a:p>
                       <a:pPr algn="l" rtl="0" fontAlgn="ctr"/>
                       <a:r>
-                        <a:rPr lang="en-US" sz="1000" u="none" strike="noStrike">
+                        <a:rPr lang="en-US" sz="900" b="0" i="0" u="none" strike="noStrike">
+                          <a:solidFill>
+                            <a:srgbClr val="000000"/>
+                          </a:solidFill>
                           <a:effectLst/>
+                          <a:latin typeface="Tahoma" panose="020B0604030504040204" pitchFamily="34" charset="0"/>
+                          <a:ea typeface="맑은 고딕" panose="020B0503020000020004" pitchFamily="50" charset="-127"/>
                         </a:rPr>
                         <a:t>bool</a:t>
                       </a:r>
-                      <a:endParaRPr lang="en-US" sz="1000" b="0" i="0" u="none" strike="noStrike">
-                        <a:solidFill>
-                          <a:srgbClr val="000000"/>
-                        </a:solidFill>
-                        <a:effectLst/>
-                        <a:latin typeface="Tahoma" panose="020B0604030504040204" pitchFamily="34" charset="0"/>
-                        <a:ea typeface="맑은 고딕" panose="020B0503020000020004" pitchFamily="50" charset="-127"/>
-                      </a:endParaRPr>
                     </a:p>
                   </a:txBody>
-                  <a:tcPr marL="6584" marR="6584" marT="6584" marB="0" anchor="ctr"/>
+                  <a:tcPr marL="9525" marR="9525" marT="9525" marB="0" anchor="ctr"/>
                 </a:tc>
                 <a:tc>
                   <a:txBody>
@@ -13512,22 +13432,19 @@
                     <a:p>
                       <a:pPr algn="l" rtl="0" fontAlgn="ctr"/>
                       <a:r>
-                        <a:rPr lang="en-US" sz="1000" u="none" strike="noStrike">
+                        <a:rPr lang="en-US" sz="900" b="0" i="0" u="none" strike="noStrike">
+                          <a:solidFill>
+                            <a:srgbClr val="000000"/>
+                          </a:solidFill>
                           <a:effectLst/>
+                          <a:latin typeface="Tahoma" panose="020B0604030504040204" pitchFamily="34" charset="0"/>
+                          <a:ea typeface="맑은 고딕" panose="020B0503020000020004" pitchFamily="50" charset="-127"/>
                         </a:rPr>
-                        <a:t>I0.3</a:t>
+                        <a:t>%IX0.0.3</a:t>
                       </a:r>
-                      <a:endParaRPr lang="en-US" sz="1000" b="0" i="0" u="none" strike="noStrike">
-                        <a:solidFill>
-                          <a:srgbClr val="000000"/>
-                        </a:solidFill>
-                        <a:effectLst/>
-                        <a:latin typeface="Tahoma" panose="020B0604030504040204" pitchFamily="34" charset="0"/>
-                        <a:ea typeface="맑은 고딕" panose="020B0503020000020004" pitchFamily="50" charset="-127"/>
-                      </a:endParaRPr>
                     </a:p>
                   </a:txBody>
-                  <a:tcPr marL="6584" marR="6584" marT="6584" marB="0" anchor="ctr"/>
+                  <a:tcPr marL="9525" marR="9525" marT="9525" marB="0" anchor="ctr"/>
                 </a:tc>
                 <a:tc>
                   <a:txBody>
@@ -13536,22 +13453,19 @@
                     <a:p>
                       <a:pPr algn="l" rtl="0" fontAlgn="ctr"/>
                       <a:r>
-                        <a:rPr lang="en-US" sz="1000" u="none" strike="noStrike">
+                        <a:rPr lang="en-US" sz="900" b="0" i="0" u="none" strike="noStrike">
+                          <a:solidFill>
+                            <a:srgbClr val="000000"/>
+                          </a:solidFill>
                           <a:effectLst/>
+                          <a:latin typeface="Tahoma" panose="020B0604030504040204" pitchFamily="34" charset="0"/>
+                          <a:ea typeface="맑은 고딕" panose="020B0503020000020004" pitchFamily="50" charset="-127"/>
                         </a:rPr>
-                        <a:t>O0.3</a:t>
+                        <a:t>%QX0.0.3</a:t>
                       </a:r>
-                      <a:endParaRPr lang="en-US" sz="1000" b="0" i="0" u="none" strike="noStrike">
-                        <a:solidFill>
-                          <a:srgbClr val="000000"/>
-                        </a:solidFill>
-                        <a:effectLst/>
-                        <a:latin typeface="Tahoma" panose="020B0604030504040204" pitchFamily="34" charset="0"/>
-                        <a:ea typeface="맑은 고딕" panose="020B0503020000020004" pitchFamily="50" charset="-127"/>
-                      </a:endParaRPr>
                     </a:p>
                   </a:txBody>
-                  <a:tcPr marL="6584" marR="6584" marT="6584" marB="0" anchor="ctr"/>
+                  <a:tcPr marL="9525" marR="9525" marT="9525" marB="0" anchor="ctr"/>
                 </a:tc>
                 <a:tc>
                   <a:txBody>
@@ -13560,22 +13474,19 @@
                     <a:p>
                       <a:pPr algn="l" rtl="0" fontAlgn="ctr"/>
                       <a:r>
-                        <a:rPr lang="en-US" sz="1000" u="none" strike="noStrike">
+                        <a:rPr lang="en-US" sz="900" b="0" i="0" u="none" strike="noStrike">
+                          <a:solidFill>
+                            <a:srgbClr val="000000"/>
+                          </a:solidFill>
                           <a:effectLst/>
+                          <a:latin typeface="Tahoma" panose="020B0604030504040204" pitchFamily="34" charset="0"/>
+                          <a:ea typeface="맑은 고딕" panose="020B0503020000020004" pitchFamily="50" charset="-127"/>
                         </a:rPr>
                         <a:t>F10_Pin1_RET</a:t>
                       </a:r>
-                      <a:endParaRPr lang="en-US" sz="1000" b="0" i="0" u="none" strike="noStrike">
-                        <a:solidFill>
-                          <a:srgbClr val="000000"/>
-                        </a:solidFill>
-                        <a:effectLst/>
-                        <a:latin typeface="Tahoma" panose="020B0604030504040204" pitchFamily="34" charset="0"/>
-                        <a:ea typeface="맑은 고딕" panose="020B0503020000020004" pitchFamily="50" charset="-127"/>
-                      </a:endParaRPr>
                     </a:p>
                   </a:txBody>
-                  <a:tcPr marL="6584" marR="6584" marT="6584" marB="0" anchor="ctr"/>
+                  <a:tcPr marL="9525" marR="9525" marT="9525" marB="0" anchor="ctr"/>
                 </a:tc>
                 <a:tc>
                   <a:txBody>
@@ -13584,22 +13495,19 @@
                     <a:p>
                       <a:pPr algn="l" rtl="0" fontAlgn="ctr"/>
                       <a:r>
-                        <a:rPr lang="ko-KR" altLang="en-US" sz="1000" u="none" strike="noStrike">
+                        <a:rPr lang="ko-KR" altLang="en-US" sz="900" b="0" i="0" u="none" strike="noStrike">
+                          <a:solidFill>
+                            <a:srgbClr val="000000"/>
+                          </a:solidFill>
                           <a:effectLst/>
+                          <a:latin typeface="Tahoma" panose="020B0604030504040204" pitchFamily="34" charset="0"/>
+                          <a:ea typeface="맑은 고딕" panose="020B0503020000020004" pitchFamily="50" charset="-127"/>
                         </a:rPr>
                         <a:t>　</a:t>
                       </a:r>
-                      <a:endParaRPr lang="ko-KR" altLang="en-US" sz="1000" b="0" i="0" u="none" strike="noStrike">
-                        <a:solidFill>
-                          <a:srgbClr val="000000"/>
-                        </a:solidFill>
-                        <a:effectLst/>
-                        <a:latin typeface="Tahoma" panose="020B0604030504040204" pitchFamily="34" charset="0"/>
-                        <a:ea typeface="맑은 고딕" panose="020B0503020000020004" pitchFamily="50" charset="-127"/>
-                      </a:endParaRPr>
                     </a:p>
                   </a:txBody>
-                  <a:tcPr marL="6584" marR="6584" marT="6584" marB="0" anchor="ctr"/>
+                  <a:tcPr marL="9525" marR="9525" marT="9525" marB="0" anchor="ctr"/>
                 </a:tc>
                 <a:extLst>
                   <a:ext uri="{0D108BD9-81ED-4DB2-BD59-A6C34878D82A}">
@@ -13615,22 +13523,19 @@
                     <a:p>
                       <a:pPr algn="l" rtl="0" fontAlgn="ctr"/>
                       <a:r>
-                        <a:rPr lang="ko-KR" altLang="en-US" sz="1000" u="none" strike="noStrike">
+                        <a:rPr lang="ko-KR" altLang="en-US" sz="900" b="0" i="0" u="none" strike="noStrike">
+                          <a:solidFill>
+                            <a:srgbClr val="000000"/>
+                          </a:solidFill>
                           <a:effectLst/>
+                          <a:latin typeface="Tahoma" panose="020B0604030504040204" pitchFamily="34" charset="0"/>
+                          <a:ea typeface="맑은 고딕" panose="020B0503020000020004" pitchFamily="50" charset="-127"/>
                         </a:rPr>
                         <a:t>외부주소</a:t>
                       </a:r>
-                      <a:endParaRPr lang="ko-KR" altLang="en-US" sz="1000" b="0" i="0" u="none" strike="noStrike">
-                        <a:solidFill>
-                          <a:srgbClr val="000000"/>
-                        </a:solidFill>
-                        <a:effectLst/>
-                        <a:latin typeface="Tahoma" panose="020B0604030504040204" pitchFamily="34" charset="0"/>
-                        <a:ea typeface="맑은 고딕" panose="020B0503020000020004" pitchFamily="50" charset="-127"/>
-                      </a:endParaRPr>
                     </a:p>
                   </a:txBody>
-                  <a:tcPr marL="6584" marR="6584" marT="6584" marB="0" anchor="ctr"/>
+                  <a:tcPr marL="9525" marR="9525" marT="9525" marB="0" anchor="ctr"/>
                 </a:tc>
                 <a:tc>
                   <a:txBody>
@@ -13639,22 +13544,19 @@
                     <a:p>
                       <a:pPr algn="l" rtl="0" fontAlgn="ctr"/>
                       <a:r>
-                        <a:rPr lang="en-US" sz="1000" u="none" strike="noStrike">
+                        <a:rPr lang="en-US" sz="900" b="0" i="0" u="none" strike="noStrike">
+                          <a:solidFill>
+                            <a:srgbClr val="000000"/>
+                          </a:solidFill>
                           <a:effectLst/>
+                          <a:latin typeface="Tahoma" panose="020B0604030504040204" pitchFamily="34" charset="0"/>
+                          <a:ea typeface="맑은 고딕" panose="020B0503020000020004" pitchFamily="50" charset="-127"/>
                         </a:rPr>
                         <a:t>F10_Pin2.ADV</a:t>
                       </a:r>
-                      <a:endParaRPr lang="en-US" sz="1000" b="0" i="0" u="none" strike="noStrike">
-                        <a:solidFill>
-                          <a:srgbClr val="000000"/>
-                        </a:solidFill>
-                        <a:effectLst/>
-                        <a:latin typeface="Tahoma" panose="020B0604030504040204" pitchFamily="34" charset="0"/>
-                        <a:ea typeface="맑은 고딕" panose="020B0503020000020004" pitchFamily="50" charset="-127"/>
-                      </a:endParaRPr>
                     </a:p>
                   </a:txBody>
-                  <a:tcPr marL="6584" marR="6584" marT="6584" marB="0" anchor="ctr"/>
+                  <a:tcPr marL="9525" marR="9525" marT="9525" marB="0" anchor="ctr"/>
                 </a:tc>
                 <a:tc>
                   <a:txBody>
@@ -13663,22 +13565,19 @@
                     <a:p>
                       <a:pPr algn="l" rtl="0" fontAlgn="ctr"/>
                       <a:r>
-                        <a:rPr lang="en-US" sz="1000" u="none" strike="noStrike">
+                        <a:rPr lang="en-US" sz="900" b="0" i="0" u="none" strike="noStrike">
+                          <a:solidFill>
+                            <a:srgbClr val="000000"/>
+                          </a:solidFill>
                           <a:effectLst/>
+                          <a:latin typeface="Tahoma" panose="020B0604030504040204" pitchFamily="34" charset="0"/>
+                          <a:ea typeface="맑은 고딕" panose="020B0503020000020004" pitchFamily="50" charset="-127"/>
                         </a:rPr>
                         <a:t>bool</a:t>
                       </a:r>
-                      <a:endParaRPr lang="en-US" sz="1000" b="0" i="0" u="none" strike="noStrike">
-                        <a:solidFill>
-                          <a:srgbClr val="000000"/>
-                        </a:solidFill>
-                        <a:effectLst/>
-                        <a:latin typeface="Tahoma" panose="020B0604030504040204" pitchFamily="34" charset="0"/>
-                        <a:ea typeface="맑은 고딕" panose="020B0503020000020004" pitchFamily="50" charset="-127"/>
-                      </a:endParaRPr>
                     </a:p>
                   </a:txBody>
-                  <a:tcPr marL="6584" marR="6584" marT="6584" marB="0" anchor="ctr"/>
+                  <a:tcPr marL="9525" marR="9525" marT="9525" marB="0" anchor="ctr"/>
                 </a:tc>
                 <a:tc>
                   <a:txBody>
@@ -13687,22 +13586,19 @@
                     <a:p>
                       <a:pPr algn="l" rtl="0" fontAlgn="ctr"/>
                       <a:r>
-                        <a:rPr lang="en-US" sz="1000" u="none" strike="noStrike">
+                        <a:rPr lang="en-US" sz="900" b="0" i="0" u="none" strike="noStrike">
+                          <a:solidFill>
+                            <a:srgbClr val="000000"/>
+                          </a:solidFill>
                           <a:effectLst/>
+                          <a:latin typeface="Tahoma" panose="020B0604030504040204" pitchFamily="34" charset="0"/>
+                          <a:ea typeface="맑은 고딕" panose="020B0503020000020004" pitchFamily="50" charset="-127"/>
                         </a:rPr>
-                        <a:t>I0.4</a:t>
+                        <a:t>%IX0.0.4</a:t>
                       </a:r>
-                      <a:endParaRPr lang="en-US" sz="1000" b="0" i="0" u="none" strike="noStrike">
-                        <a:solidFill>
-                          <a:srgbClr val="000000"/>
-                        </a:solidFill>
-                        <a:effectLst/>
-                        <a:latin typeface="Tahoma" panose="020B0604030504040204" pitchFamily="34" charset="0"/>
-                        <a:ea typeface="맑은 고딕" panose="020B0503020000020004" pitchFamily="50" charset="-127"/>
-                      </a:endParaRPr>
                     </a:p>
                   </a:txBody>
-                  <a:tcPr marL="6584" marR="6584" marT="6584" marB="0" anchor="ctr"/>
+                  <a:tcPr marL="9525" marR="9525" marT="9525" marB="0" anchor="ctr"/>
                 </a:tc>
                 <a:tc>
                   <a:txBody>
@@ -13711,22 +13607,19 @@
                     <a:p>
                       <a:pPr algn="l" rtl="0" fontAlgn="ctr"/>
                       <a:r>
-                        <a:rPr lang="en-US" sz="1000" u="none" strike="noStrike">
+                        <a:rPr lang="en-US" sz="900" b="0" i="0" u="none" strike="noStrike">
+                          <a:solidFill>
+                            <a:srgbClr val="000000"/>
+                          </a:solidFill>
                           <a:effectLst/>
+                          <a:latin typeface="Tahoma" panose="020B0604030504040204" pitchFamily="34" charset="0"/>
+                          <a:ea typeface="맑은 고딕" panose="020B0503020000020004" pitchFamily="50" charset="-127"/>
                         </a:rPr>
-                        <a:t>O0.4</a:t>
+                        <a:t>%QX0.0.4</a:t>
                       </a:r>
-                      <a:endParaRPr lang="en-US" sz="1000" b="0" i="0" u="none" strike="noStrike">
-                        <a:solidFill>
-                          <a:srgbClr val="000000"/>
-                        </a:solidFill>
-                        <a:effectLst/>
-                        <a:latin typeface="Tahoma" panose="020B0604030504040204" pitchFamily="34" charset="0"/>
-                        <a:ea typeface="맑은 고딕" panose="020B0503020000020004" pitchFamily="50" charset="-127"/>
-                      </a:endParaRPr>
                     </a:p>
                   </a:txBody>
-                  <a:tcPr marL="6584" marR="6584" marT="6584" marB="0" anchor="ctr"/>
+                  <a:tcPr marL="9525" marR="9525" marT="9525" marB="0" anchor="ctr"/>
                 </a:tc>
                 <a:tc>
                   <a:txBody>
@@ -13735,22 +13628,19 @@
                     <a:p>
                       <a:pPr algn="l" rtl="0" fontAlgn="ctr"/>
                       <a:r>
-                        <a:rPr lang="en-US" sz="1000" u="none" strike="noStrike">
+                        <a:rPr lang="en-US" sz="900" b="0" i="0" u="none" strike="noStrike">
+                          <a:solidFill>
+                            <a:srgbClr val="000000"/>
+                          </a:solidFill>
                           <a:effectLst/>
+                          <a:latin typeface="Tahoma" panose="020B0604030504040204" pitchFamily="34" charset="0"/>
+                          <a:ea typeface="맑은 고딕" panose="020B0503020000020004" pitchFamily="50" charset="-127"/>
                         </a:rPr>
                         <a:t>F10_Pin2_ADV</a:t>
                       </a:r>
-                      <a:endParaRPr lang="en-US" sz="1000" b="0" i="0" u="none" strike="noStrike">
-                        <a:solidFill>
-                          <a:srgbClr val="000000"/>
-                        </a:solidFill>
-                        <a:effectLst/>
-                        <a:latin typeface="Tahoma" panose="020B0604030504040204" pitchFamily="34" charset="0"/>
-                        <a:ea typeface="맑은 고딕" panose="020B0503020000020004" pitchFamily="50" charset="-127"/>
-                      </a:endParaRPr>
                     </a:p>
                   </a:txBody>
-                  <a:tcPr marL="6584" marR="6584" marT="6584" marB="0" anchor="ctr"/>
+                  <a:tcPr marL="9525" marR="9525" marT="9525" marB="0" anchor="ctr"/>
                 </a:tc>
                 <a:tc>
                   <a:txBody>
@@ -13759,22 +13649,19 @@
                     <a:p>
                       <a:pPr algn="l" rtl="0" fontAlgn="ctr"/>
                       <a:r>
-                        <a:rPr lang="ko-KR" altLang="en-US" sz="1000" u="none" strike="noStrike">
+                        <a:rPr lang="ko-KR" altLang="en-US" sz="900" b="0" i="0" u="none" strike="noStrike">
+                          <a:solidFill>
+                            <a:srgbClr val="000000"/>
+                          </a:solidFill>
                           <a:effectLst/>
+                          <a:latin typeface="Tahoma" panose="020B0604030504040204" pitchFamily="34" charset="0"/>
+                          <a:ea typeface="맑은 고딕" panose="020B0503020000020004" pitchFamily="50" charset="-127"/>
                         </a:rPr>
                         <a:t>　</a:t>
                       </a:r>
-                      <a:endParaRPr lang="ko-KR" altLang="en-US" sz="1000" b="0" i="0" u="none" strike="noStrike">
-                        <a:solidFill>
-                          <a:srgbClr val="000000"/>
-                        </a:solidFill>
-                        <a:effectLst/>
-                        <a:latin typeface="Tahoma" panose="020B0604030504040204" pitchFamily="34" charset="0"/>
-                        <a:ea typeface="맑은 고딕" panose="020B0503020000020004" pitchFamily="50" charset="-127"/>
-                      </a:endParaRPr>
                     </a:p>
                   </a:txBody>
-                  <a:tcPr marL="6584" marR="6584" marT="6584" marB="0" anchor="ctr"/>
+                  <a:tcPr marL="9525" marR="9525" marT="9525" marB="0" anchor="ctr"/>
                 </a:tc>
                 <a:extLst>
                   <a:ext uri="{0D108BD9-81ED-4DB2-BD59-A6C34878D82A}">
@@ -13790,22 +13677,19 @@
                     <a:p>
                       <a:pPr algn="l" rtl="0" fontAlgn="ctr"/>
                       <a:r>
-                        <a:rPr lang="ko-KR" altLang="en-US" sz="1000" u="none" strike="noStrike">
+                        <a:rPr lang="ko-KR" altLang="en-US" sz="900" b="0" i="0" u="none" strike="noStrike">
+                          <a:solidFill>
+                            <a:srgbClr val="000000"/>
+                          </a:solidFill>
                           <a:effectLst/>
+                          <a:latin typeface="Tahoma" panose="020B0604030504040204" pitchFamily="34" charset="0"/>
+                          <a:ea typeface="맑은 고딕" panose="020B0503020000020004" pitchFamily="50" charset="-127"/>
                         </a:rPr>
                         <a:t>외부주소</a:t>
                       </a:r>
-                      <a:endParaRPr lang="ko-KR" altLang="en-US" sz="1000" b="0" i="0" u="none" strike="noStrike">
-                        <a:solidFill>
-                          <a:srgbClr val="000000"/>
-                        </a:solidFill>
-                        <a:effectLst/>
-                        <a:latin typeface="Tahoma" panose="020B0604030504040204" pitchFamily="34" charset="0"/>
-                        <a:ea typeface="맑은 고딕" panose="020B0503020000020004" pitchFamily="50" charset="-127"/>
-                      </a:endParaRPr>
                     </a:p>
                   </a:txBody>
-                  <a:tcPr marL="6584" marR="6584" marT="6584" marB="0" anchor="ctr"/>
+                  <a:tcPr marL="9525" marR="9525" marT="9525" marB="0" anchor="ctr"/>
                 </a:tc>
                 <a:tc>
                   <a:txBody>
@@ -13814,22 +13698,19 @@
                     <a:p>
                       <a:pPr algn="l" rtl="0" fontAlgn="ctr"/>
                       <a:r>
-                        <a:rPr lang="en-US" sz="1000" u="none" strike="noStrike">
+                        <a:rPr lang="en-US" sz="900" b="0" i="0" u="none" strike="noStrike">
+                          <a:solidFill>
+                            <a:srgbClr val="000000"/>
+                          </a:solidFill>
                           <a:effectLst/>
+                          <a:latin typeface="Tahoma" panose="020B0604030504040204" pitchFamily="34" charset="0"/>
+                          <a:ea typeface="맑은 고딕" panose="020B0503020000020004" pitchFamily="50" charset="-127"/>
                         </a:rPr>
                         <a:t>F10_Pin2.RET</a:t>
                       </a:r>
-                      <a:endParaRPr lang="en-US" sz="1000" b="0" i="0" u="none" strike="noStrike">
-                        <a:solidFill>
-                          <a:srgbClr val="000000"/>
-                        </a:solidFill>
-                        <a:effectLst/>
-                        <a:latin typeface="Tahoma" panose="020B0604030504040204" pitchFamily="34" charset="0"/>
-                        <a:ea typeface="맑은 고딕" panose="020B0503020000020004" pitchFamily="50" charset="-127"/>
-                      </a:endParaRPr>
                     </a:p>
                   </a:txBody>
-                  <a:tcPr marL="6584" marR="6584" marT="6584" marB="0" anchor="ctr"/>
+                  <a:tcPr marL="9525" marR="9525" marT="9525" marB="0" anchor="ctr"/>
                 </a:tc>
                 <a:tc>
                   <a:txBody>
@@ -13838,22 +13719,19 @@
                     <a:p>
                       <a:pPr algn="l" rtl="0" fontAlgn="ctr"/>
                       <a:r>
-                        <a:rPr lang="en-US" sz="1000" u="none" strike="noStrike">
+                        <a:rPr lang="en-US" sz="900" b="0" i="0" u="none" strike="noStrike">
+                          <a:solidFill>
+                            <a:srgbClr val="000000"/>
+                          </a:solidFill>
                           <a:effectLst/>
+                          <a:latin typeface="Tahoma" panose="020B0604030504040204" pitchFamily="34" charset="0"/>
+                          <a:ea typeface="맑은 고딕" panose="020B0503020000020004" pitchFamily="50" charset="-127"/>
                         </a:rPr>
                         <a:t>bool</a:t>
                       </a:r>
-                      <a:endParaRPr lang="en-US" sz="1000" b="0" i="0" u="none" strike="noStrike">
-                        <a:solidFill>
-                          <a:srgbClr val="000000"/>
-                        </a:solidFill>
-                        <a:effectLst/>
-                        <a:latin typeface="Tahoma" panose="020B0604030504040204" pitchFamily="34" charset="0"/>
-                        <a:ea typeface="맑은 고딕" panose="020B0503020000020004" pitchFamily="50" charset="-127"/>
-                      </a:endParaRPr>
                     </a:p>
                   </a:txBody>
-                  <a:tcPr marL="6584" marR="6584" marT="6584" marB="0" anchor="ctr"/>
+                  <a:tcPr marL="9525" marR="9525" marT="9525" marB="0" anchor="ctr"/>
                 </a:tc>
                 <a:tc>
                   <a:txBody>
@@ -13862,22 +13740,19 @@
                     <a:p>
                       <a:pPr algn="l" rtl="0" fontAlgn="ctr"/>
                       <a:r>
-                        <a:rPr lang="en-US" sz="1000" u="none" strike="noStrike">
+                        <a:rPr lang="en-US" sz="900" b="0" i="0" u="none" strike="noStrike">
+                          <a:solidFill>
+                            <a:srgbClr val="000000"/>
+                          </a:solidFill>
                           <a:effectLst/>
+                          <a:latin typeface="Tahoma" panose="020B0604030504040204" pitchFamily="34" charset="0"/>
+                          <a:ea typeface="맑은 고딕" panose="020B0503020000020004" pitchFamily="50" charset="-127"/>
                         </a:rPr>
-                        <a:t>I0.5</a:t>
+                        <a:t>%IX0.0.5</a:t>
                       </a:r>
-                      <a:endParaRPr lang="en-US" sz="1000" b="0" i="0" u="none" strike="noStrike">
-                        <a:solidFill>
-                          <a:srgbClr val="000000"/>
-                        </a:solidFill>
-                        <a:effectLst/>
-                        <a:latin typeface="Tahoma" panose="020B0604030504040204" pitchFamily="34" charset="0"/>
-                        <a:ea typeface="맑은 고딕" panose="020B0503020000020004" pitchFamily="50" charset="-127"/>
-                      </a:endParaRPr>
                     </a:p>
                   </a:txBody>
-                  <a:tcPr marL="6584" marR="6584" marT="6584" marB="0" anchor="ctr"/>
+                  <a:tcPr marL="9525" marR="9525" marT="9525" marB="0" anchor="ctr"/>
                 </a:tc>
                 <a:tc>
                   <a:txBody>
@@ -13886,22 +13761,19 @@
                     <a:p>
                       <a:pPr algn="l" rtl="0" fontAlgn="ctr"/>
                       <a:r>
-                        <a:rPr lang="en-US" sz="1000" u="none" strike="noStrike">
+                        <a:rPr lang="en-US" sz="900" b="0" i="0" u="none" strike="noStrike">
+                          <a:solidFill>
+                            <a:srgbClr val="000000"/>
+                          </a:solidFill>
                           <a:effectLst/>
+                          <a:latin typeface="Tahoma" panose="020B0604030504040204" pitchFamily="34" charset="0"/>
+                          <a:ea typeface="맑은 고딕" panose="020B0503020000020004" pitchFamily="50" charset="-127"/>
                         </a:rPr>
-                        <a:t>O0.5</a:t>
+                        <a:t>%QX0.0.5</a:t>
                       </a:r>
-                      <a:endParaRPr lang="en-US" sz="1000" b="0" i="0" u="none" strike="noStrike">
-                        <a:solidFill>
-                          <a:srgbClr val="000000"/>
-                        </a:solidFill>
-                        <a:effectLst/>
-                        <a:latin typeface="Tahoma" panose="020B0604030504040204" pitchFamily="34" charset="0"/>
-                        <a:ea typeface="맑은 고딕" panose="020B0503020000020004" pitchFamily="50" charset="-127"/>
-                      </a:endParaRPr>
                     </a:p>
                   </a:txBody>
-                  <a:tcPr marL="6584" marR="6584" marT="6584" marB="0" anchor="ctr"/>
+                  <a:tcPr marL="9525" marR="9525" marT="9525" marB="0" anchor="ctr"/>
                 </a:tc>
                 <a:tc>
                   <a:txBody>
@@ -13910,22 +13782,19 @@
                     <a:p>
                       <a:pPr algn="l" rtl="0" fontAlgn="ctr"/>
                       <a:r>
-                        <a:rPr lang="en-US" sz="1000" u="none" strike="noStrike">
+                        <a:rPr lang="en-US" sz="900" b="0" i="0" u="none" strike="noStrike">
+                          <a:solidFill>
+                            <a:srgbClr val="000000"/>
+                          </a:solidFill>
                           <a:effectLst/>
+                          <a:latin typeface="Tahoma" panose="020B0604030504040204" pitchFamily="34" charset="0"/>
+                          <a:ea typeface="맑은 고딕" panose="020B0503020000020004" pitchFamily="50" charset="-127"/>
                         </a:rPr>
                         <a:t>F10_Pin2_RET</a:t>
                       </a:r>
-                      <a:endParaRPr lang="en-US" sz="1000" b="0" i="0" u="none" strike="noStrike">
-                        <a:solidFill>
-                          <a:srgbClr val="000000"/>
-                        </a:solidFill>
-                        <a:effectLst/>
-                        <a:latin typeface="Tahoma" panose="020B0604030504040204" pitchFamily="34" charset="0"/>
-                        <a:ea typeface="맑은 고딕" panose="020B0503020000020004" pitchFamily="50" charset="-127"/>
-                      </a:endParaRPr>
                     </a:p>
                   </a:txBody>
-                  <a:tcPr marL="6584" marR="6584" marT="6584" marB="0" anchor="ctr"/>
+                  <a:tcPr marL="9525" marR="9525" marT="9525" marB="0" anchor="ctr"/>
                 </a:tc>
                 <a:tc>
                   <a:txBody>
@@ -13934,22 +13803,19 @@
                     <a:p>
                       <a:pPr algn="l" rtl="0" fontAlgn="ctr"/>
                       <a:r>
-                        <a:rPr lang="ko-KR" altLang="en-US" sz="1000" u="none" strike="noStrike">
+                        <a:rPr lang="ko-KR" altLang="en-US" sz="900" b="0" i="0" u="none" strike="noStrike">
+                          <a:solidFill>
+                            <a:srgbClr val="000000"/>
+                          </a:solidFill>
                           <a:effectLst/>
+                          <a:latin typeface="Tahoma" panose="020B0604030504040204" pitchFamily="34" charset="0"/>
+                          <a:ea typeface="맑은 고딕" panose="020B0503020000020004" pitchFamily="50" charset="-127"/>
                         </a:rPr>
                         <a:t>　</a:t>
                       </a:r>
-                      <a:endParaRPr lang="ko-KR" altLang="en-US" sz="1000" b="0" i="0" u="none" strike="noStrike">
-                        <a:solidFill>
-                          <a:srgbClr val="000000"/>
-                        </a:solidFill>
-                        <a:effectLst/>
-                        <a:latin typeface="Tahoma" panose="020B0604030504040204" pitchFamily="34" charset="0"/>
-                        <a:ea typeface="맑은 고딕" panose="020B0503020000020004" pitchFamily="50" charset="-127"/>
-                      </a:endParaRPr>
                     </a:p>
                   </a:txBody>
-                  <a:tcPr marL="6584" marR="6584" marT="6584" marB="0" anchor="ctr"/>
+                  <a:tcPr marL="9525" marR="9525" marT="9525" marB="0" anchor="ctr"/>
                 </a:tc>
                 <a:extLst>
                   <a:ext uri="{0D108BD9-81ED-4DB2-BD59-A6C34878D82A}">
@@ -13965,22 +13831,19 @@
                     <a:p>
                       <a:pPr algn="l" rtl="0" fontAlgn="ctr"/>
                       <a:r>
-                        <a:rPr lang="ko-KR" altLang="en-US" sz="1000" u="none" strike="noStrike">
+                        <a:rPr lang="ko-KR" altLang="en-US" sz="900" b="0" i="0" u="none" strike="noStrike">
+                          <a:solidFill>
+                            <a:srgbClr val="000000"/>
+                          </a:solidFill>
                           <a:effectLst/>
+                          <a:latin typeface="Tahoma" panose="020B0604030504040204" pitchFamily="34" charset="0"/>
+                          <a:ea typeface="맑은 고딕" panose="020B0503020000020004" pitchFamily="50" charset="-127"/>
                         </a:rPr>
                         <a:t>외부주소</a:t>
                       </a:r>
-                      <a:endParaRPr lang="ko-KR" altLang="en-US" sz="1000" b="0" i="0" u="none" strike="noStrike">
-                        <a:solidFill>
-                          <a:srgbClr val="000000"/>
-                        </a:solidFill>
-                        <a:effectLst/>
-                        <a:latin typeface="Tahoma" panose="020B0604030504040204" pitchFamily="34" charset="0"/>
-                        <a:ea typeface="맑은 고딕" panose="020B0503020000020004" pitchFamily="50" charset="-127"/>
-                      </a:endParaRPr>
                     </a:p>
                   </a:txBody>
-                  <a:tcPr marL="6584" marR="6584" marT="6584" marB="0" anchor="ctr"/>
+                  <a:tcPr marL="9525" marR="9525" marT="9525" marB="0" anchor="ctr"/>
                 </a:tc>
                 <a:tc>
                   <a:txBody>
@@ -13989,22 +13852,19 @@
                     <a:p>
                       <a:pPr algn="l" rtl="0" fontAlgn="ctr"/>
                       <a:r>
-                        <a:rPr lang="en-US" sz="1000" u="none" strike="noStrike">
+                        <a:rPr lang="en-US" sz="900" b="0" i="0" u="none" strike="noStrike">
+                          <a:solidFill>
+                            <a:srgbClr val="000000"/>
+                          </a:solidFill>
                           <a:effectLst/>
+                          <a:latin typeface="Tahoma" panose="020B0604030504040204" pitchFamily="34" charset="0"/>
+                          <a:ea typeface="맑은 고딕" panose="020B0503020000020004" pitchFamily="50" charset="-127"/>
                         </a:rPr>
                         <a:t>F10_Pin3.ADV</a:t>
                       </a:r>
-                      <a:endParaRPr lang="en-US" sz="1000" b="0" i="0" u="none" strike="noStrike">
-                        <a:solidFill>
-                          <a:srgbClr val="000000"/>
-                        </a:solidFill>
-                        <a:effectLst/>
-                        <a:latin typeface="Tahoma" panose="020B0604030504040204" pitchFamily="34" charset="0"/>
-                        <a:ea typeface="맑은 고딕" panose="020B0503020000020004" pitchFamily="50" charset="-127"/>
-                      </a:endParaRPr>
                     </a:p>
                   </a:txBody>
-                  <a:tcPr marL="6584" marR="6584" marT="6584" marB="0" anchor="ctr"/>
+                  <a:tcPr marL="9525" marR="9525" marT="9525" marB="0" anchor="ctr"/>
                 </a:tc>
                 <a:tc>
                   <a:txBody>
@@ -14013,22 +13873,19 @@
                     <a:p>
                       <a:pPr algn="l" rtl="0" fontAlgn="ctr"/>
                       <a:r>
-                        <a:rPr lang="en-US" sz="1000" u="none" strike="noStrike">
+                        <a:rPr lang="en-US" sz="900" b="0" i="0" u="none" strike="noStrike">
+                          <a:solidFill>
+                            <a:srgbClr val="000000"/>
+                          </a:solidFill>
                           <a:effectLst/>
+                          <a:latin typeface="Tahoma" panose="020B0604030504040204" pitchFamily="34" charset="0"/>
+                          <a:ea typeface="맑은 고딕" panose="020B0503020000020004" pitchFamily="50" charset="-127"/>
                         </a:rPr>
                         <a:t>bool</a:t>
                       </a:r>
-                      <a:endParaRPr lang="en-US" sz="1000" b="0" i="0" u="none" strike="noStrike">
-                        <a:solidFill>
-                          <a:srgbClr val="000000"/>
-                        </a:solidFill>
-                        <a:effectLst/>
-                        <a:latin typeface="Tahoma" panose="020B0604030504040204" pitchFamily="34" charset="0"/>
-                        <a:ea typeface="맑은 고딕" panose="020B0503020000020004" pitchFamily="50" charset="-127"/>
-                      </a:endParaRPr>
                     </a:p>
                   </a:txBody>
-                  <a:tcPr marL="6584" marR="6584" marT="6584" marB="0" anchor="ctr"/>
+                  <a:tcPr marL="9525" marR="9525" marT="9525" marB="0" anchor="ctr"/>
                 </a:tc>
                 <a:tc>
                   <a:txBody>
@@ -14037,22 +13894,19 @@
                     <a:p>
                       <a:pPr algn="l" rtl="0" fontAlgn="ctr"/>
                       <a:r>
-                        <a:rPr lang="en-US" sz="1000" u="none" strike="noStrike">
+                        <a:rPr lang="en-US" sz="900" b="0" i="0" u="none" strike="noStrike">
+                          <a:solidFill>
+                            <a:srgbClr val="000000"/>
+                          </a:solidFill>
                           <a:effectLst/>
+                          <a:latin typeface="Tahoma" panose="020B0604030504040204" pitchFamily="34" charset="0"/>
+                          <a:ea typeface="맑은 고딕" panose="020B0503020000020004" pitchFamily="50" charset="-127"/>
                         </a:rPr>
-                        <a:t>I0.6</a:t>
+                        <a:t>%IX0.0.6</a:t>
                       </a:r>
-                      <a:endParaRPr lang="en-US" sz="1000" b="0" i="0" u="none" strike="noStrike">
-                        <a:solidFill>
-                          <a:srgbClr val="000000"/>
-                        </a:solidFill>
-                        <a:effectLst/>
-                        <a:latin typeface="Tahoma" panose="020B0604030504040204" pitchFamily="34" charset="0"/>
-                        <a:ea typeface="맑은 고딕" panose="020B0503020000020004" pitchFamily="50" charset="-127"/>
-                      </a:endParaRPr>
                     </a:p>
                   </a:txBody>
-                  <a:tcPr marL="6584" marR="6584" marT="6584" marB="0" anchor="ctr"/>
+                  <a:tcPr marL="9525" marR="9525" marT="9525" marB="0" anchor="ctr"/>
                 </a:tc>
                 <a:tc>
                   <a:txBody>
@@ -14061,22 +13915,19 @@
                     <a:p>
                       <a:pPr algn="l" rtl="0" fontAlgn="ctr"/>
                       <a:r>
-                        <a:rPr lang="en-US" sz="1000" u="none" strike="noStrike">
+                        <a:rPr lang="en-US" sz="900" b="0" i="0" u="none" strike="noStrike">
+                          <a:solidFill>
+                            <a:srgbClr val="000000"/>
+                          </a:solidFill>
                           <a:effectLst/>
+                          <a:latin typeface="Tahoma" panose="020B0604030504040204" pitchFamily="34" charset="0"/>
+                          <a:ea typeface="맑은 고딕" panose="020B0503020000020004" pitchFamily="50" charset="-127"/>
                         </a:rPr>
-                        <a:t>O0.6</a:t>
+                        <a:t>%QX0.0.6</a:t>
                       </a:r>
-                      <a:endParaRPr lang="en-US" sz="1000" b="0" i="0" u="none" strike="noStrike">
-                        <a:solidFill>
-                          <a:srgbClr val="000000"/>
-                        </a:solidFill>
-                        <a:effectLst/>
-                        <a:latin typeface="Tahoma" panose="020B0604030504040204" pitchFamily="34" charset="0"/>
-                        <a:ea typeface="맑은 고딕" panose="020B0503020000020004" pitchFamily="50" charset="-127"/>
-                      </a:endParaRPr>
                     </a:p>
                   </a:txBody>
-                  <a:tcPr marL="6584" marR="6584" marT="6584" marB="0" anchor="ctr"/>
+                  <a:tcPr marL="9525" marR="9525" marT="9525" marB="0" anchor="ctr"/>
                 </a:tc>
                 <a:tc>
                   <a:txBody>
@@ -14085,22 +13936,19 @@
                     <a:p>
                       <a:pPr algn="l" rtl="0" fontAlgn="ctr"/>
                       <a:r>
-                        <a:rPr lang="en-US" sz="1000" u="none" strike="noStrike">
+                        <a:rPr lang="en-US" sz="900" b="0" i="0" u="none" strike="noStrike">
+                          <a:solidFill>
+                            <a:srgbClr val="000000"/>
+                          </a:solidFill>
                           <a:effectLst/>
+                          <a:latin typeface="Tahoma" panose="020B0604030504040204" pitchFamily="34" charset="0"/>
+                          <a:ea typeface="맑은 고딕" panose="020B0503020000020004" pitchFamily="50" charset="-127"/>
                         </a:rPr>
                         <a:t>F10_Pin3_ADV</a:t>
                       </a:r>
-                      <a:endParaRPr lang="en-US" sz="1000" b="0" i="0" u="none" strike="noStrike">
-                        <a:solidFill>
-                          <a:srgbClr val="000000"/>
-                        </a:solidFill>
-                        <a:effectLst/>
-                        <a:latin typeface="Tahoma" panose="020B0604030504040204" pitchFamily="34" charset="0"/>
-                        <a:ea typeface="맑은 고딕" panose="020B0503020000020004" pitchFamily="50" charset="-127"/>
-                      </a:endParaRPr>
                     </a:p>
                   </a:txBody>
-                  <a:tcPr marL="6584" marR="6584" marT="6584" marB="0" anchor="ctr"/>
+                  <a:tcPr marL="9525" marR="9525" marT="9525" marB="0" anchor="ctr"/>
                 </a:tc>
                 <a:tc>
                   <a:txBody>
@@ -14109,22 +13957,19 @@
                     <a:p>
                       <a:pPr algn="l" rtl="0" fontAlgn="ctr"/>
                       <a:r>
-                        <a:rPr lang="ko-KR" altLang="en-US" sz="1000" u="none" strike="noStrike">
+                        <a:rPr lang="ko-KR" altLang="en-US" sz="900" b="0" i="0" u="none" strike="noStrike">
+                          <a:solidFill>
+                            <a:srgbClr val="000000"/>
+                          </a:solidFill>
                           <a:effectLst/>
+                          <a:latin typeface="Tahoma" panose="020B0604030504040204" pitchFamily="34" charset="0"/>
+                          <a:ea typeface="맑은 고딕" panose="020B0503020000020004" pitchFamily="50" charset="-127"/>
                         </a:rPr>
                         <a:t>　</a:t>
                       </a:r>
-                      <a:endParaRPr lang="ko-KR" altLang="en-US" sz="1000" b="0" i="0" u="none" strike="noStrike">
-                        <a:solidFill>
-                          <a:srgbClr val="000000"/>
-                        </a:solidFill>
-                        <a:effectLst/>
-                        <a:latin typeface="Tahoma" panose="020B0604030504040204" pitchFamily="34" charset="0"/>
-                        <a:ea typeface="맑은 고딕" panose="020B0503020000020004" pitchFamily="50" charset="-127"/>
-                      </a:endParaRPr>
                     </a:p>
                   </a:txBody>
-                  <a:tcPr marL="6584" marR="6584" marT="6584" marB="0" anchor="ctr"/>
+                  <a:tcPr marL="9525" marR="9525" marT="9525" marB="0" anchor="ctr"/>
                 </a:tc>
                 <a:extLst>
                   <a:ext uri="{0D108BD9-81ED-4DB2-BD59-A6C34878D82A}">
@@ -14140,22 +13985,19 @@
                     <a:p>
                       <a:pPr algn="l" rtl="0" fontAlgn="ctr"/>
                       <a:r>
-                        <a:rPr lang="ko-KR" altLang="en-US" sz="1000" u="none" strike="noStrike">
+                        <a:rPr lang="ko-KR" altLang="en-US" sz="900" b="0" i="0" u="none" strike="noStrike">
+                          <a:solidFill>
+                            <a:srgbClr val="000000"/>
+                          </a:solidFill>
                           <a:effectLst/>
+                          <a:latin typeface="Tahoma" panose="020B0604030504040204" pitchFamily="34" charset="0"/>
+                          <a:ea typeface="맑은 고딕" panose="020B0503020000020004" pitchFamily="50" charset="-127"/>
                         </a:rPr>
                         <a:t>외부주소</a:t>
                       </a:r>
-                      <a:endParaRPr lang="ko-KR" altLang="en-US" sz="1000" b="0" i="0" u="none" strike="noStrike">
-                        <a:solidFill>
-                          <a:srgbClr val="000000"/>
-                        </a:solidFill>
-                        <a:effectLst/>
-                        <a:latin typeface="Tahoma" panose="020B0604030504040204" pitchFamily="34" charset="0"/>
-                        <a:ea typeface="맑은 고딕" panose="020B0503020000020004" pitchFamily="50" charset="-127"/>
-                      </a:endParaRPr>
                     </a:p>
                   </a:txBody>
-                  <a:tcPr marL="6584" marR="6584" marT="6584" marB="0" anchor="ctr"/>
+                  <a:tcPr marL="9525" marR="9525" marT="9525" marB="0" anchor="ctr"/>
                 </a:tc>
                 <a:tc>
                   <a:txBody>
@@ -14164,22 +14006,19 @@
                     <a:p>
                       <a:pPr algn="l" rtl="0" fontAlgn="ctr"/>
                       <a:r>
-                        <a:rPr lang="en-US" sz="1000" u="none" strike="noStrike">
+                        <a:rPr lang="en-US" sz="900" b="0" i="0" u="none" strike="noStrike">
+                          <a:solidFill>
+                            <a:srgbClr val="000000"/>
+                          </a:solidFill>
                           <a:effectLst/>
+                          <a:latin typeface="Tahoma" panose="020B0604030504040204" pitchFamily="34" charset="0"/>
+                          <a:ea typeface="맑은 고딕" panose="020B0503020000020004" pitchFamily="50" charset="-127"/>
                         </a:rPr>
                         <a:t>F10_Pin3.RET</a:t>
                       </a:r>
-                      <a:endParaRPr lang="en-US" sz="1000" b="0" i="0" u="none" strike="noStrike">
-                        <a:solidFill>
-                          <a:srgbClr val="000000"/>
-                        </a:solidFill>
-                        <a:effectLst/>
-                        <a:latin typeface="Tahoma" panose="020B0604030504040204" pitchFamily="34" charset="0"/>
-                        <a:ea typeface="맑은 고딕" panose="020B0503020000020004" pitchFamily="50" charset="-127"/>
-                      </a:endParaRPr>
                     </a:p>
                   </a:txBody>
-                  <a:tcPr marL="6584" marR="6584" marT="6584" marB="0" anchor="ctr"/>
+                  <a:tcPr marL="9525" marR="9525" marT="9525" marB="0" anchor="ctr"/>
                 </a:tc>
                 <a:tc>
                   <a:txBody>
@@ -14188,22 +14027,19 @@
                     <a:p>
                       <a:pPr algn="l" rtl="0" fontAlgn="ctr"/>
                       <a:r>
-                        <a:rPr lang="en-US" sz="1000" u="none" strike="noStrike">
+                        <a:rPr lang="en-US" sz="900" b="0" i="0" u="none" strike="noStrike">
+                          <a:solidFill>
+                            <a:srgbClr val="000000"/>
+                          </a:solidFill>
                           <a:effectLst/>
+                          <a:latin typeface="Tahoma" panose="020B0604030504040204" pitchFamily="34" charset="0"/>
+                          <a:ea typeface="맑은 고딕" panose="020B0503020000020004" pitchFamily="50" charset="-127"/>
                         </a:rPr>
                         <a:t>bool</a:t>
                       </a:r>
-                      <a:endParaRPr lang="en-US" sz="1000" b="0" i="0" u="none" strike="noStrike">
-                        <a:solidFill>
-                          <a:srgbClr val="000000"/>
-                        </a:solidFill>
-                        <a:effectLst/>
-                        <a:latin typeface="Tahoma" panose="020B0604030504040204" pitchFamily="34" charset="0"/>
-                        <a:ea typeface="맑은 고딕" panose="020B0503020000020004" pitchFamily="50" charset="-127"/>
-                      </a:endParaRPr>
                     </a:p>
                   </a:txBody>
-                  <a:tcPr marL="6584" marR="6584" marT="6584" marB="0" anchor="ctr"/>
+                  <a:tcPr marL="9525" marR="9525" marT="9525" marB="0" anchor="ctr"/>
                 </a:tc>
                 <a:tc>
                   <a:txBody>
@@ -14212,22 +14048,19 @@
                     <a:p>
                       <a:pPr algn="l" rtl="0" fontAlgn="ctr"/>
                       <a:r>
-                        <a:rPr lang="en-US" sz="1000" u="none" strike="noStrike">
+                        <a:rPr lang="en-US" sz="900" b="0" i="0" u="none" strike="noStrike">
+                          <a:solidFill>
+                            <a:srgbClr val="000000"/>
+                          </a:solidFill>
                           <a:effectLst/>
+                          <a:latin typeface="Tahoma" panose="020B0604030504040204" pitchFamily="34" charset="0"/>
+                          <a:ea typeface="맑은 고딕" panose="020B0503020000020004" pitchFamily="50" charset="-127"/>
                         </a:rPr>
-                        <a:t>I0.7</a:t>
+                        <a:t>%IX0.0.7</a:t>
                       </a:r>
-                      <a:endParaRPr lang="en-US" sz="1000" b="0" i="0" u="none" strike="noStrike">
-                        <a:solidFill>
-                          <a:srgbClr val="000000"/>
-                        </a:solidFill>
-                        <a:effectLst/>
-                        <a:latin typeface="Tahoma" panose="020B0604030504040204" pitchFamily="34" charset="0"/>
-                        <a:ea typeface="맑은 고딕" panose="020B0503020000020004" pitchFamily="50" charset="-127"/>
-                      </a:endParaRPr>
                     </a:p>
                   </a:txBody>
-                  <a:tcPr marL="6584" marR="6584" marT="6584" marB="0" anchor="ctr"/>
+                  <a:tcPr marL="9525" marR="9525" marT="9525" marB="0" anchor="ctr"/>
                 </a:tc>
                 <a:tc>
                   <a:txBody>
@@ -14236,22 +14069,19 @@
                     <a:p>
                       <a:pPr algn="l" rtl="0" fontAlgn="ctr"/>
                       <a:r>
-                        <a:rPr lang="en-US" sz="1000" u="none" strike="noStrike">
+                        <a:rPr lang="en-US" sz="900" b="0" i="0" u="none" strike="noStrike">
+                          <a:solidFill>
+                            <a:srgbClr val="000000"/>
+                          </a:solidFill>
                           <a:effectLst/>
+                          <a:latin typeface="Tahoma" panose="020B0604030504040204" pitchFamily="34" charset="0"/>
+                          <a:ea typeface="맑은 고딕" panose="020B0503020000020004" pitchFamily="50" charset="-127"/>
                         </a:rPr>
-                        <a:t>O0.7</a:t>
+                        <a:t>%QX0.0.7</a:t>
                       </a:r>
-                      <a:endParaRPr lang="en-US" sz="1000" b="0" i="0" u="none" strike="noStrike">
-                        <a:solidFill>
-                          <a:srgbClr val="000000"/>
-                        </a:solidFill>
-                        <a:effectLst/>
-                        <a:latin typeface="Tahoma" panose="020B0604030504040204" pitchFamily="34" charset="0"/>
-                        <a:ea typeface="맑은 고딕" panose="020B0503020000020004" pitchFamily="50" charset="-127"/>
-                      </a:endParaRPr>
                     </a:p>
                   </a:txBody>
-                  <a:tcPr marL="6584" marR="6584" marT="6584" marB="0" anchor="ctr"/>
+                  <a:tcPr marL="9525" marR="9525" marT="9525" marB="0" anchor="ctr"/>
                 </a:tc>
                 <a:tc>
                   <a:txBody>
@@ -14260,22 +14090,19 @@
                     <a:p>
                       <a:pPr algn="l" rtl="0" fontAlgn="ctr"/>
                       <a:r>
-                        <a:rPr lang="en-US" sz="1000" u="none" strike="noStrike">
+                        <a:rPr lang="en-US" sz="900" b="0" i="0" u="none" strike="noStrike">
+                          <a:solidFill>
+                            <a:srgbClr val="000000"/>
+                          </a:solidFill>
                           <a:effectLst/>
+                          <a:latin typeface="Tahoma" panose="020B0604030504040204" pitchFamily="34" charset="0"/>
+                          <a:ea typeface="맑은 고딕" panose="020B0503020000020004" pitchFamily="50" charset="-127"/>
                         </a:rPr>
                         <a:t>F10_Pin3_RET</a:t>
                       </a:r>
-                      <a:endParaRPr lang="en-US" sz="1000" b="0" i="0" u="none" strike="noStrike">
-                        <a:solidFill>
-                          <a:srgbClr val="000000"/>
-                        </a:solidFill>
-                        <a:effectLst/>
-                        <a:latin typeface="Tahoma" panose="020B0604030504040204" pitchFamily="34" charset="0"/>
-                        <a:ea typeface="맑은 고딕" panose="020B0503020000020004" pitchFamily="50" charset="-127"/>
-                      </a:endParaRPr>
                     </a:p>
                   </a:txBody>
-                  <a:tcPr marL="6584" marR="6584" marT="6584" marB="0" anchor="ctr"/>
+                  <a:tcPr marL="9525" marR="9525" marT="9525" marB="0" anchor="ctr"/>
                 </a:tc>
                 <a:tc>
                   <a:txBody>
@@ -14284,22 +14111,19 @@
                     <a:p>
                       <a:pPr algn="l" rtl="0" fontAlgn="ctr"/>
                       <a:r>
-                        <a:rPr lang="ko-KR" altLang="en-US" sz="1000" u="none" strike="noStrike">
+                        <a:rPr lang="ko-KR" altLang="en-US" sz="900" b="0" i="0" u="none" strike="noStrike">
+                          <a:solidFill>
+                            <a:srgbClr val="000000"/>
+                          </a:solidFill>
                           <a:effectLst/>
+                          <a:latin typeface="Tahoma" panose="020B0604030504040204" pitchFamily="34" charset="0"/>
+                          <a:ea typeface="맑은 고딕" panose="020B0503020000020004" pitchFamily="50" charset="-127"/>
                         </a:rPr>
                         <a:t>　</a:t>
                       </a:r>
-                      <a:endParaRPr lang="ko-KR" altLang="en-US" sz="1000" b="0" i="0" u="none" strike="noStrike">
-                        <a:solidFill>
-                          <a:srgbClr val="000000"/>
-                        </a:solidFill>
-                        <a:effectLst/>
-                        <a:latin typeface="Tahoma" panose="020B0604030504040204" pitchFamily="34" charset="0"/>
-                        <a:ea typeface="맑은 고딕" panose="020B0503020000020004" pitchFamily="50" charset="-127"/>
-                      </a:endParaRPr>
                     </a:p>
                   </a:txBody>
-                  <a:tcPr marL="6584" marR="6584" marT="6584" marB="0" anchor="ctr"/>
+                  <a:tcPr marL="9525" marR="9525" marT="9525" marB="0" anchor="ctr"/>
                 </a:tc>
                 <a:extLst>
                   <a:ext uri="{0D108BD9-81ED-4DB2-BD59-A6C34878D82A}">
@@ -14315,22 +14139,19 @@
                     <a:p>
                       <a:pPr algn="l" rtl="0" fontAlgn="ctr"/>
                       <a:r>
-                        <a:rPr lang="ko-KR" altLang="en-US" sz="1000" u="none" strike="noStrike">
+                        <a:rPr lang="ko-KR" altLang="en-US" sz="900" b="0" i="0" u="none" strike="noStrike">
+                          <a:solidFill>
+                            <a:srgbClr val="000000"/>
+                          </a:solidFill>
                           <a:effectLst/>
+                          <a:latin typeface="Tahoma" panose="020B0604030504040204" pitchFamily="34" charset="0"/>
+                          <a:ea typeface="맑은 고딕" panose="020B0503020000020004" pitchFamily="50" charset="-127"/>
                         </a:rPr>
                         <a:t>외부주소</a:t>
                       </a:r>
-                      <a:endParaRPr lang="ko-KR" altLang="en-US" sz="1000" b="0" i="0" u="none" strike="noStrike">
-                        <a:solidFill>
-                          <a:srgbClr val="000000"/>
-                        </a:solidFill>
-                        <a:effectLst/>
-                        <a:latin typeface="Tahoma" panose="020B0604030504040204" pitchFamily="34" charset="0"/>
-                        <a:ea typeface="맑은 고딕" panose="020B0503020000020004" pitchFamily="50" charset="-127"/>
-                      </a:endParaRPr>
                     </a:p>
                   </a:txBody>
-                  <a:tcPr marL="6584" marR="6584" marT="6584" marB="0" anchor="ctr"/>
+                  <a:tcPr marL="9525" marR="9525" marT="9525" marB="0" anchor="ctr"/>
                 </a:tc>
                 <a:tc>
                   <a:txBody>
@@ -14339,22 +14160,19 @@
                     <a:p>
                       <a:pPr algn="l" rtl="0" fontAlgn="ctr"/>
                       <a:r>
-                        <a:rPr lang="en-US" sz="1000" u="none" strike="noStrike">
+                        <a:rPr lang="en-US" sz="900" b="0" i="0" u="none" strike="noStrike">
+                          <a:solidFill>
+                            <a:srgbClr val="000000"/>
+                          </a:solidFill>
                           <a:effectLst/>
+                          <a:latin typeface="Tahoma" panose="020B0604030504040204" pitchFamily="34" charset="0"/>
+                          <a:ea typeface="맑은 고딕" panose="020B0503020000020004" pitchFamily="50" charset="-127"/>
                         </a:rPr>
                         <a:t>F10_Pin4.ADV</a:t>
                       </a:r>
-                      <a:endParaRPr lang="en-US" sz="1000" b="0" i="0" u="none" strike="noStrike">
-                        <a:solidFill>
-                          <a:srgbClr val="000000"/>
-                        </a:solidFill>
-                        <a:effectLst/>
-                        <a:latin typeface="Tahoma" panose="020B0604030504040204" pitchFamily="34" charset="0"/>
-                        <a:ea typeface="맑은 고딕" panose="020B0503020000020004" pitchFamily="50" charset="-127"/>
-                      </a:endParaRPr>
                     </a:p>
                   </a:txBody>
-                  <a:tcPr marL="6584" marR="6584" marT="6584" marB="0" anchor="ctr"/>
+                  <a:tcPr marL="9525" marR="9525" marT="9525" marB="0" anchor="ctr"/>
                 </a:tc>
                 <a:tc>
                   <a:txBody>
@@ -14363,22 +14181,19 @@
                     <a:p>
                       <a:pPr algn="l" rtl="0" fontAlgn="ctr"/>
                       <a:r>
-                        <a:rPr lang="en-US" sz="1000" u="none" strike="noStrike">
+                        <a:rPr lang="en-US" sz="900" b="0" i="0" u="none" strike="noStrike">
+                          <a:solidFill>
+                            <a:srgbClr val="000000"/>
+                          </a:solidFill>
                           <a:effectLst/>
+                          <a:latin typeface="Tahoma" panose="020B0604030504040204" pitchFamily="34" charset="0"/>
+                          <a:ea typeface="맑은 고딕" panose="020B0503020000020004" pitchFamily="50" charset="-127"/>
                         </a:rPr>
                         <a:t>bool</a:t>
                       </a:r>
-                      <a:endParaRPr lang="en-US" sz="1000" b="0" i="0" u="none" strike="noStrike">
-                        <a:solidFill>
-                          <a:srgbClr val="000000"/>
-                        </a:solidFill>
-                        <a:effectLst/>
-                        <a:latin typeface="Tahoma" panose="020B0604030504040204" pitchFamily="34" charset="0"/>
-                        <a:ea typeface="맑은 고딕" panose="020B0503020000020004" pitchFamily="50" charset="-127"/>
-                      </a:endParaRPr>
                     </a:p>
                   </a:txBody>
-                  <a:tcPr marL="6584" marR="6584" marT="6584" marB="0" anchor="ctr"/>
+                  <a:tcPr marL="9525" marR="9525" marT="9525" marB="0" anchor="ctr"/>
                 </a:tc>
                 <a:tc>
                   <a:txBody>
@@ -14387,22 +14202,19 @@
                     <a:p>
                       <a:pPr algn="l" rtl="0" fontAlgn="ctr"/>
                       <a:r>
-                        <a:rPr lang="en-US" sz="1000" u="none" strike="noStrike">
+                        <a:rPr lang="en-US" sz="900" b="0" i="0" u="none" strike="noStrike">
+                          <a:solidFill>
+                            <a:srgbClr val="000000"/>
+                          </a:solidFill>
                           <a:effectLst/>
+                          <a:latin typeface="Tahoma" panose="020B0604030504040204" pitchFamily="34" charset="0"/>
+                          <a:ea typeface="맑은 고딕" panose="020B0503020000020004" pitchFamily="50" charset="-127"/>
                         </a:rPr>
-                        <a:t>I1.0</a:t>
+                        <a:t>%IX0.0.8</a:t>
                       </a:r>
-                      <a:endParaRPr lang="en-US" sz="1000" b="0" i="0" u="none" strike="noStrike">
-                        <a:solidFill>
-                          <a:srgbClr val="000000"/>
-                        </a:solidFill>
-                        <a:effectLst/>
-                        <a:latin typeface="Tahoma" panose="020B0604030504040204" pitchFamily="34" charset="0"/>
-                        <a:ea typeface="맑은 고딕" panose="020B0503020000020004" pitchFamily="50" charset="-127"/>
-                      </a:endParaRPr>
                     </a:p>
                   </a:txBody>
-                  <a:tcPr marL="6584" marR="6584" marT="6584" marB="0" anchor="ctr"/>
+                  <a:tcPr marL="9525" marR="9525" marT="9525" marB="0" anchor="ctr"/>
                 </a:tc>
                 <a:tc>
                   <a:txBody>
@@ -14411,22 +14223,19 @@
                     <a:p>
                       <a:pPr algn="l" rtl="0" fontAlgn="ctr"/>
                       <a:r>
-                        <a:rPr lang="en-US" sz="1000" u="none" strike="noStrike">
+                        <a:rPr lang="en-US" sz="900" b="0" i="0" u="none" strike="noStrike">
+                          <a:solidFill>
+                            <a:srgbClr val="000000"/>
+                          </a:solidFill>
                           <a:effectLst/>
+                          <a:latin typeface="Tahoma" panose="020B0604030504040204" pitchFamily="34" charset="0"/>
+                          <a:ea typeface="맑은 고딕" panose="020B0503020000020004" pitchFamily="50" charset="-127"/>
                         </a:rPr>
-                        <a:t>O1.0</a:t>
+                        <a:t>%QX0.0.8</a:t>
                       </a:r>
-                      <a:endParaRPr lang="en-US" sz="1000" b="0" i="0" u="none" strike="noStrike">
-                        <a:solidFill>
-                          <a:srgbClr val="000000"/>
-                        </a:solidFill>
-                        <a:effectLst/>
-                        <a:latin typeface="Tahoma" panose="020B0604030504040204" pitchFamily="34" charset="0"/>
-                        <a:ea typeface="맑은 고딕" panose="020B0503020000020004" pitchFamily="50" charset="-127"/>
-                      </a:endParaRPr>
                     </a:p>
                   </a:txBody>
-                  <a:tcPr marL="6584" marR="6584" marT="6584" marB="0" anchor="ctr"/>
+                  <a:tcPr marL="9525" marR="9525" marT="9525" marB="0" anchor="ctr"/>
                 </a:tc>
                 <a:tc>
                   <a:txBody>
@@ -14435,22 +14244,19 @@
                     <a:p>
                       <a:pPr algn="l" rtl="0" fontAlgn="ctr"/>
                       <a:r>
-                        <a:rPr lang="en-US" sz="1000" u="none" strike="noStrike">
+                        <a:rPr lang="en-US" sz="900" b="0" i="0" u="none" strike="noStrike">
+                          <a:solidFill>
+                            <a:srgbClr val="000000"/>
+                          </a:solidFill>
                           <a:effectLst/>
+                          <a:latin typeface="Tahoma" panose="020B0604030504040204" pitchFamily="34" charset="0"/>
+                          <a:ea typeface="맑은 고딕" panose="020B0503020000020004" pitchFamily="50" charset="-127"/>
                         </a:rPr>
                         <a:t>F10_Pin4_ADV</a:t>
                       </a:r>
-                      <a:endParaRPr lang="en-US" sz="1000" b="0" i="0" u="none" strike="noStrike">
-                        <a:solidFill>
-                          <a:srgbClr val="000000"/>
-                        </a:solidFill>
-                        <a:effectLst/>
-                        <a:latin typeface="Tahoma" panose="020B0604030504040204" pitchFamily="34" charset="0"/>
-                        <a:ea typeface="맑은 고딕" panose="020B0503020000020004" pitchFamily="50" charset="-127"/>
-                      </a:endParaRPr>
                     </a:p>
                   </a:txBody>
-                  <a:tcPr marL="6584" marR="6584" marT="6584" marB="0" anchor="ctr"/>
+                  <a:tcPr marL="9525" marR="9525" marT="9525" marB="0" anchor="ctr"/>
                 </a:tc>
                 <a:tc>
                   <a:txBody>
@@ -14459,22 +14265,19 @@
                     <a:p>
                       <a:pPr algn="l" rtl="0" fontAlgn="ctr"/>
                       <a:r>
-                        <a:rPr lang="ko-KR" altLang="en-US" sz="1000" u="none" strike="noStrike">
+                        <a:rPr lang="ko-KR" altLang="en-US" sz="900" b="0" i="0" u="none" strike="noStrike">
+                          <a:solidFill>
+                            <a:srgbClr val="000000"/>
+                          </a:solidFill>
                           <a:effectLst/>
+                          <a:latin typeface="Tahoma" panose="020B0604030504040204" pitchFamily="34" charset="0"/>
+                          <a:ea typeface="맑은 고딕" panose="020B0503020000020004" pitchFamily="50" charset="-127"/>
                         </a:rPr>
                         <a:t>　</a:t>
                       </a:r>
-                      <a:endParaRPr lang="ko-KR" altLang="en-US" sz="1000" b="0" i="0" u="none" strike="noStrike">
-                        <a:solidFill>
-                          <a:srgbClr val="000000"/>
-                        </a:solidFill>
-                        <a:effectLst/>
-                        <a:latin typeface="Tahoma" panose="020B0604030504040204" pitchFamily="34" charset="0"/>
-                        <a:ea typeface="맑은 고딕" panose="020B0503020000020004" pitchFamily="50" charset="-127"/>
-                      </a:endParaRPr>
                     </a:p>
                   </a:txBody>
-                  <a:tcPr marL="6584" marR="6584" marT="6584" marB="0" anchor="ctr"/>
+                  <a:tcPr marL="9525" marR="9525" marT="9525" marB="0" anchor="ctr"/>
                 </a:tc>
                 <a:extLst>
                   <a:ext uri="{0D108BD9-81ED-4DB2-BD59-A6C34878D82A}">
@@ -14490,22 +14293,19 @@
                     <a:p>
                       <a:pPr algn="l" rtl="0" fontAlgn="ctr"/>
                       <a:r>
-                        <a:rPr lang="ko-KR" altLang="en-US" sz="1000" u="none" strike="noStrike">
+                        <a:rPr lang="ko-KR" altLang="en-US" sz="900" b="0" i="0" u="none" strike="noStrike">
+                          <a:solidFill>
+                            <a:srgbClr val="000000"/>
+                          </a:solidFill>
                           <a:effectLst/>
+                          <a:latin typeface="Tahoma" panose="020B0604030504040204" pitchFamily="34" charset="0"/>
+                          <a:ea typeface="맑은 고딕" panose="020B0503020000020004" pitchFamily="50" charset="-127"/>
                         </a:rPr>
                         <a:t>외부주소</a:t>
                       </a:r>
-                      <a:endParaRPr lang="ko-KR" altLang="en-US" sz="1000" b="0" i="0" u="none" strike="noStrike">
-                        <a:solidFill>
-                          <a:srgbClr val="000000"/>
-                        </a:solidFill>
-                        <a:effectLst/>
-                        <a:latin typeface="Tahoma" panose="020B0604030504040204" pitchFamily="34" charset="0"/>
-                        <a:ea typeface="맑은 고딕" panose="020B0503020000020004" pitchFamily="50" charset="-127"/>
-                      </a:endParaRPr>
                     </a:p>
                   </a:txBody>
-                  <a:tcPr marL="6584" marR="6584" marT="6584" marB="0" anchor="ctr"/>
+                  <a:tcPr marL="9525" marR="9525" marT="9525" marB="0" anchor="ctr"/>
                 </a:tc>
                 <a:tc>
                   <a:txBody>
@@ -14514,22 +14314,19 @@
                     <a:p>
                       <a:pPr algn="l" rtl="0" fontAlgn="ctr"/>
                       <a:r>
-                        <a:rPr lang="en-US" sz="1000" u="none" strike="noStrike">
+                        <a:rPr lang="en-US" sz="900" b="0" i="0" u="none" strike="noStrike">
+                          <a:solidFill>
+                            <a:srgbClr val="000000"/>
+                          </a:solidFill>
                           <a:effectLst/>
+                          <a:latin typeface="Tahoma" panose="020B0604030504040204" pitchFamily="34" charset="0"/>
+                          <a:ea typeface="맑은 고딕" panose="020B0503020000020004" pitchFamily="50" charset="-127"/>
                         </a:rPr>
                         <a:t>F10_Pin4.RET</a:t>
                       </a:r>
-                      <a:endParaRPr lang="en-US" sz="1000" b="0" i="0" u="none" strike="noStrike">
-                        <a:solidFill>
-                          <a:srgbClr val="000000"/>
-                        </a:solidFill>
-                        <a:effectLst/>
-                        <a:latin typeface="Tahoma" panose="020B0604030504040204" pitchFamily="34" charset="0"/>
-                        <a:ea typeface="맑은 고딕" panose="020B0503020000020004" pitchFamily="50" charset="-127"/>
-                      </a:endParaRPr>
                     </a:p>
                   </a:txBody>
-                  <a:tcPr marL="6584" marR="6584" marT="6584" marB="0" anchor="ctr"/>
+                  <a:tcPr marL="9525" marR="9525" marT="9525" marB="0" anchor="ctr"/>
                 </a:tc>
                 <a:tc>
                   <a:txBody>
@@ -14538,22 +14335,19 @@
                     <a:p>
                       <a:pPr algn="l" rtl="0" fontAlgn="ctr"/>
                       <a:r>
-                        <a:rPr lang="en-US" sz="1000" u="none" strike="noStrike">
+                        <a:rPr lang="en-US" sz="900" b="0" i="0" u="none" strike="noStrike">
+                          <a:solidFill>
+                            <a:srgbClr val="000000"/>
+                          </a:solidFill>
                           <a:effectLst/>
+                          <a:latin typeface="Tahoma" panose="020B0604030504040204" pitchFamily="34" charset="0"/>
+                          <a:ea typeface="맑은 고딕" panose="020B0503020000020004" pitchFamily="50" charset="-127"/>
                         </a:rPr>
                         <a:t>bool</a:t>
                       </a:r>
-                      <a:endParaRPr lang="en-US" sz="1000" b="0" i="0" u="none" strike="noStrike">
-                        <a:solidFill>
-                          <a:srgbClr val="000000"/>
-                        </a:solidFill>
-                        <a:effectLst/>
-                        <a:latin typeface="Tahoma" panose="020B0604030504040204" pitchFamily="34" charset="0"/>
-                        <a:ea typeface="맑은 고딕" panose="020B0503020000020004" pitchFamily="50" charset="-127"/>
-                      </a:endParaRPr>
                     </a:p>
                   </a:txBody>
-                  <a:tcPr marL="6584" marR="6584" marT="6584" marB="0" anchor="ctr"/>
+                  <a:tcPr marL="9525" marR="9525" marT="9525" marB="0" anchor="ctr"/>
                 </a:tc>
                 <a:tc>
                   <a:txBody>
@@ -14562,22 +14356,19 @@
                     <a:p>
                       <a:pPr algn="l" rtl="0" fontAlgn="ctr"/>
                       <a:r>
-                        <a:rPr lang="en-US" sz="1000" u="none" strike="noStrike">
+                        <a:rPr lang="en-US" sz="900" b="0" i="0" u="none" strike="noStrike">
+                          <a:solidFill>
+                            <a:srgbClr val="000000"/>
+                          </a:solidFill>
                           <a:effectLst/>
+                          <a:latin typeface="Tahoma" panose="020B0604030504040204" pitchFamily="34" charset="0"/>
+                          <a:ea typeface="맑은 고딕" panose="020B0503020000020004" pitchFamily="50" charset="-127"/>
                         </a:rPr>
-                        <a:t>I1.1</a:t>
+                        <a:t>%IX0.0.9</a:t>
                       </a:r>
-                      <a:endParaRPr lang="en-US" sz="1000" b="0" i="0" u="none" strike="noStrike">
-                        <a:solidFill>
-                          <a:srgbClr val="000000"/>
-                        </a:solidFill>
-                        <a:effectLst/>
-                        <a:latin typeface="Tahoma" panose="020B0604030504040204" pitchFamily="34" charset="0"/>
-                        <a:ea typeface="맑은 고딕" panose="020B0503020000020004" pitchFamily="50" charset="-127"/>
-                      </a:endParaRPr>
                     </a:p>
                   </a:txBody>
-                  <a:tcPr marL="6584" marR="6584" marT="6584" marB="0" anchor="ctr"/>
+                  <a:tcPr marL="9525" marR="9525" marT="9525" marB="0" anchor="ctr"/>
                 </a:tc>
                 <a:tc>
                   <a:txBody>
@@ -14586,22 +14377,19 @@
                     <a:p>
                       <a:pPr algn="l" rtl="0" fontAlgn="ctr"/>
                       <a:r>
-                        <a:rPr lang="en-US" sz="1000" u="none" strike="noStrike">
+                        <a:rPr lang="en-US" sz="900" b="0" i="0" u="none" strike="noStrike">
+                          <a:solidFill>
+                            <a:srgbClr val="000000"/>
+                          </a:solidFill>
                           <a:effectLst/>
+                          <a:latin typeface="Tahoma" panose="020B0604030504040204" pitchFamily="34" charset="0"/>
+                          <a:ea typeface="맑은 고딕" panose="020B0503020000020004" pitchFamily="50" charset="-127"/>
                         </a:rPr>
-                        <a:t>O1.1</a:t>
+                        <a:t>%QX0.0.9</a:t>
                       </a:r>
-                      <a:endParaRPr lang="en-US" sz="1000" b="0" i="0" u="none" strike="noStrike">
-                        <a:solidFill>
-                          <a:srgbClr val="000000"/>
-                        </a:solidFill>
-                        <a:effectLst/>
-                        <a:latin typeface="Tahoma" panose="020B0604030504040204" pitchFamily="34" charset="0"/>
-                        <a:ea typeface="맑은 고딕" panose="020B0503020000020004" pitchFamily="50" charset="-127"/>
-                      </a:endParaRPr>
                     </a:p>
                   </a:txBody>
-                  <a:tcPr marL="6584" marR="6584" marT="6584" marB="0" anchor="ctr"/>
+                  <a:tcPr marL="9525" marR="9525" marT="9525" marB="0" anchor="ctr"/>
                 </a:tc>
                 <a:tc>
                   <a:txBody>
@@ -14610,22 +14398,19 @@
                     <a:p>
                       <a:pPr algn="l" rtl="0" fontAlgn="ctr"/>
                       <a:r>
-                        <a:rPr lang="en-US" sz="1000" u="none" strike="noStrike">
+                        <a:rPr lang="en-US" sz="900" b="0" i="0" u="none" strike="noStrike">
+                          <a:solidFill>
+                            <a:srgbClr val="000000"/>
+                          </a:solidFill>
                           <a:effectLst/>
+                          <a:latin typeface="Tahoma" panose="020B0604030504040204" pitchFamily="34" charset="0"/>
+                          <a:ea typeface="맑은 고딕" panose="020B0503020000020004" pitchFamily="50" charset="-127"/>
                         </a:rPr>
                         <a:t>F10_Pin4_RET</a:t>
                       </a:r>
-                      <a:endParaRPr lang="en-US" sz="1000" b="0" i="0" u="none" strike="noStrike">
-                        <a:solidFill>
-                          <a:srgbClr val="000000"/>
-                        </a:solidFill>
-                        <a:effectLst/>
-                        <a:latin typeface="Tahoma" panose="020B0604030504040204" pitchFamily="34" charset="0"/>
-                        <a:ea typeface="맑은 고딕" panose="020B0503020000020004" pitchFamily="50" charset="-127"/>
-                      </a:endParaRPr>
                     </a:p>
                   </a:txBody>
-                  <a:tcPr marL="6584" marR="6584" marT="6584" marB="0" anchor="ctr"/>
+                  <a:tcPr marL="9525" marR="9525" marT="9525" marB="0" anchor="ctr"/>
                 </a:tc>
                 <a:tc>
                   <a:txBody>
@@ -14634,22 +14419,19 @@
                     <a:p>
                       <a:pPr algn="l" rtl="0" fontAlgn="ctr"/>
                       <a:r>
-                        <a:rPr lang="ko-KR" altLang="en-US" sz="1000" u="none" strike="noStrike">
+                        <a:rPr lang="ko-KR" altLang="en-US" sz="900" b="0" i="0" u="none" strike="noStrike">
+                          <a:solidFill>
+                            <a:srgbClr val="000000"/>
+                          </a:solidFill>
                           <a:effectLst/>
+                          <a:latin typeface="Tahoma" panose="020B0604030504040204" pitchFamily="34" charset="0"/>
+                          <a:ea typeface="맑은 고딕" panose="020B0503020000020004" pitchFamily="50" charset="-127"/>
                         </a:rPr>
                         <a:t>　</a:t>
                       </a:r>
-                      <a:endParaRPr lang="ko-KR" altLang="en-US" sz="1000" b="0" i="0" u="none" strike="noStrike">
-                        <a:solidFill>
-                          <a:srgbClr val="000000"/>
-                        </a:solidFill>
-                        <a:effectLst/>
-                        <a:latin typeface="Tahoma" panose="020B0604030504040204" pitchFamily="34" charset="0"/>
-                        <a:ea typeface="맑은 고딕" panose="020B0503020000020004" pitchFamily="50" charset="-127"/>
-                      </a:endParaRPr>
                     </a:p>
                   </a:txBody>
-                  <a:tcPr marL="6584" marR="6584" marT="6584" marB="0" anchor="ctr"/>
+                  <a:tcPr marL="9525" marR="9525" marT="9525" marB="0" anchor="ctr"/>
                 </a:tc>
                 <a:extLst>
                   <a:ext uri="{0D108BD9-81ED-4DB2-BD59-A6C34878D82A}">
@@ -14665,22 +14447,19 @@
                     <a:p>
                       <a:pPr algn="l" rtl="0" fontAlgn="ctr"/>
                       <a:r>
-                        <a:rPr lang="ko-KR" altLang="en-US" sz="1000" u="none" strike="noStrike">
+                        <a:rPr lang="ko-KR" altLang="en-US" sz="900" b="0" i="0" u="none" strike="noStrike">
+                          <a:solidFill>
+                            <a:srgbClr val="000000"/>
+                          </a:solidFill>
                           <a:effectLst/>
+                          <a:latin typeface="Tahoma" panose="020B0604030504040204" pitchFamily="34" charset="0"/>
+                          <a:ea typeface="맑은 고딕" panose="020B0503020000020004" pitchFamily="50" charset="-127"/>
                         </a:rPr>
                         <a:t>외부주소</a:t>
                       </a:r>
-                      <a:endParaRPr lang="ko-KR" altLang="en-US" sz="1000" b="0" i="0" u="none" strike="noStrike">
-                        <a:solidFill>
-                          <a:srgbClr val="000000"/>
-                        </a:solidFill>
-                        <a:effectLst/>
-                        <a:latin typeface="Tahoma" panose="020B0604030504040204" pitchFamily="34" charset="0"/>
-                        <a:ea typeface="맑은 고딕" panose="020B0503020000020004" pitchFamily="50" charset="-127"/>
-                      </a:endParaRPr>
                     </a:p>
                   </a:txBody>
-                  <a:tcPr marL="6584" marR="6584" marT="6584" marB="0" anchor="ctr"/>
+                  <a:tcPr marL="9525" marR="9525" marT="9525" marB="0" anchor="ctr"/>
                 </a:tc>
                 <a:tc>
                   <a:txBody>
@@ -14689,22 +14468,19 @@
                     <a:p>
                       <a:pPr algn="l" rtl="0" fontAlgn="ctr"/>
                       <a:r>
-                        <a:rPr lang="en-US" sz="1000" u="none" strike="noStrike">
+                        <a:rPr lang="en-US" sz="900" b="0" i="0" u="none" strike="noStrike">
+                          <a:solidFill>
+                            <a:srgbClr val="000000"/>
+                          </a:solidFill>
                           <a:effectLst/>
+                          <a:latin typeface="Tahoma" panose="020B0604030504040204" pitchFamily="34" charset="0"/>
+                          <a:ea typeface="맑은 고딕" panose="020B0503020000020004" pitchFamily="50" charset="-127"/>
                         </a:rPr>
                         <a:t>F10_Pin5.ADV</a:t>
                       </a:r>
-                      <a:endParaRPr lang="en-US" sz="1000" b="0" i="0" u="none" strike="noStrike">
-                        <a:solidFill>
-                          <a:srgbClr val="000000"/>
-                        </a:solidFill>
-                        <a:effectLst/>
-                        <a:latin typeface="Tahoma" panose="020B0604030504040204" pitchFamily="34" charset="0"/>
-                        <a:ea typeface="맑은 고딕" panose="020B0503020000020004" pitchFamily="50" charset="-127"/>
-                      </a:endParaRPr>
                     </a:p>
                   </a:txBody>
-                  <a:tcPr marL="6584" marR="6584" marT="6584" marB="0" anchor="ctr"/>
+                  <a:tcPr marL="9525" marR="9525" marT="9525" marB="0" anchor="ctr"/>
                 </a:tc>
                 <a:tc>
                   <a:txBody>
@@ -14713,22 +14489,19 @@
                     <a:p>
                       <a:pPr algn="l" rtl="0" fontAlgn="ctr"/>
                       <a:r>
-                        <a:rPr lang="en-US" sz="1000" u="none" strike="noStrike">
+                        <a:rPr lang="en-US" sz="900" b="0" i="0" u="none" strike="noStrike">
+                          <a:solidFill>
+                            <a:srgbClr val="000000"/>
+                          </a:solidFill>
                           <a:effectLst/>
+                          <a:latin typeface="Tahoma" panose="020B0604030504040204" pitchFamily="34" charset="0"/>
+                          <a:ea typeface="맑은 고딕" panose="020B0503020000020004" pitchFamily="50" charset="-127"/>
                         </a:rPr>
                         <a:t>bool</a:t>
                       </a:r>
-                      <a:endParaRPr lang="en-US" sz="1000" b="0" i="0" u="none" strike="noStrike">
-                        <a:solidFill>
-                          <a:srgbClr val="000000"/>
-                        </a:solidFill>
-                        <a:effectLst/>
-                        <a:latin typeface="Tahoma" panose="020B0604030504040204" pitchFamily="34" charset="0"/>
-                        <a:ea typeface="맑은 고딕" panose="020B0503020000020004" pitchFamily="50" charset="-127"/>
-                      </a:endParaRPr>
                     </a:p>
                   </a:txBody>
-                  <a:tcPr marL="6584" marR="6584" marT="6584" marB="0" anchor="ctr"/>
+                  <a:tcPr marL="9525" marR="9525" marT="9525" marB="0" anchor="ctr"/>
                 </a:tc>
                 <a:tc>
                   <a:txBody>
@@ -14737,22 +14510,19 @@
                     <a:p>
                       <a:pPr algn="l" rtl="0" fontAlgn="ctr"/>
                       <a:r>
-                        <a:rPr lang="en-US" sz="1000" u="none" strike="noStrike">
+                        <a:rPr lang="en-US" sz="900" b="0" i="0" u="none" strike="noStrike">
+                          <a:solidFill>
+                            <a:srgbClr val="000000"/>
+                          </a:solidFill>
                           <a:effectLst/>
+                          <a:latin typeface="Tahoma" panose="020B0604030504040204" pitchFamily="34" charset="0"/>
+                          <a:ea typeface="맑은 고딕" panose="020B0503020000020004" pitchFamily="50" charset="-127"/>
                         </a:rPr>
-                        <a:t>I1.2</a:t>
+                        <a:t>%IX0.0.10</a:t>
                       </a:r>
-                      <a:endParaRPr lang="en-US" sz="1000" b="0" i="0" u="none" strike="noStrike">
-                        <a:solidFill>
-                          <a:srgbClr val="000000"/>
-                        </a:solidFill>
-                        <a:effectLst/>
-                        <a:latin typeface="Tahoma" panose="020B0604030504040204" pitchFamily="34" charset="0"/>
-                        <a:ea typeface="맑은 고딕" panose="020B0503020000020004" pitchFamily="50" charset="-127"/>
-                      </a:endParaRPr>
                     </a:p>
                   </a:txBody>
-                  <a:tcPr marL="6584" marR="6584" marT="6584" marB="0" anchor="ctr"/>
+                  <a:tcPr marL="9525" marR="9525" marT="9525" marB="0" anchor="ctr"/>
                 </a:tc>
                 <a:tc>
                   <a:txBody>
@@ -14761,22 +14531,19 @@
                     <a:p>
                       <a:pPr algn="l" rtl="0" fontAlgn="ctr"/>
                       <a:r>
-                        <a:rPr lang="en-US" sz="1000" u="none" strike="noStrike">
+                        <a:rPr lang="en-US" sz="900" b="0" i="0" u="none" strike="noStrike">
+                          <a:solidFill>
+                            <a:srgbClr val="000000"/>
+                          </a:solidFill>
                           <a:effectLst/>
+                          <a:latin typeface="Tahoma" panose="020B0604030504040204" pitchFamily="34" charset="0"/>
+                          <a:ea typeface="맑은 고딕" panose="020B0503020000020004" pitchFamily="50" charset="-127"/>
                         </a:rPr>
-                        <a:t>O1.2</a:t>
+                        <a:t>%QX0.0.10</a:t>
                       </a:r>
-                      <a:endParaRPr lang="en-US" sz="1000" b="0" i="0" u="none" strike="noStrike">
-                        <a:solidFill>
-                          <a:srgbClr val="000000"/>
-                        </a:solidFill>
-                        <a:effectLst/>
-                        <a:latin typeface="Tahoma" panose="020B0604030504040204" pitchFamily="34" charset="0"/>
-                        <a:ea typeface="맑은 고딕" panose="020B0503020000020004" pitchFamily="50" charset="-127"/>
-                      </a:endParaRPr>
                     </a:p>
                   </a:txBody>
-                  <a:tcPr marL="6584" marR="6584" marT="6584" marB="0" anchor="ctr"/>
+                  <a:tcPr marL="9525" marR="9525" marT="9525" marB="0" anchor="ctr"/>
                 </a:tc>
                 <a:tc>
                   <a:txBody>
@@ -14785,22 +14552,19 @@
                     <a:p>
                       <a:pPr algn="l" rtl="0" fontAlgn="ctr"/>
                       <a:r>
-                        <a:rPr lang="en-US" sz="1000" u="none" strike="noStrike">
+                        <a:rPr lang="en-US" sz="900" b="0" i="0" u="none" strike="noStrike">
+                          <a:solidFill>
+                            <a:srgbClr val="000000"/>
+                          </a:solidFill>
                           <a:effectLst/>
+                          <a:latin typeface="Tahoma" panose="020B0604030504040204" pitchFamily="34" charset="0"/>
+                          <a:ea typeface="맑은 고딕" panose="020B0503020000020004" pitchFamily="50" charset="-127"/>
                         </a:rPr>
                         <a:t>F10_Pin5_ADV</a:t>
                       </a:r>
-                      <a:endParaRPr lang="en-US" sz="1000" b="0" i="0" u="none" strike="noStrike">
-                        <a:solidFill>
-                          <a:srgbClr val="000000"/>
-                        </a:solidFill>
-                        <a:effectLst/>
-                        <a:latin typeface="Tahoma" panose="020B0604030504040204" pitchFamily="34" charset="0"/>
-                        <a:ea typeface="맑은 고딕" panose="020B0503020000020004" pitchFamily="50" charset="-127"/>
-                      </a:endParaRPr>
                     </a:p>
                   </a:txBody>
-                  <a:tcPr marL="6584" marR="6584" marT="6584" marB="0" anchor="ctr"/>
+                  <a:tcPr marL="9525" marR="9525" marT="9525" marB="0" anchor="ctr"/>
                 </a:tc>
                 <a:tc>
                   <a:txBody>
@@ -14809,22 +14573,19 @@
                     <a:p>
                       <a:pPr algn="l" rtl="0" fontAlgn="ctr"/>
                       <a:r>
-                        <a:rPr lang="ko-KR" altLang="en-US" sz="1000" u="none" strike="noStrike">
+                        <a:rPr lang="ko-KR" altLang="en-US" sz="900" b="0" i="0" u="none" strike="noStrike">
+                          <a:solidFill>
+                            <a:srgbClr val="000000"/>
+                          </a:solidFill>
                           <a:effectLst/>
+                          <a:latin typeface="Tahoma" panose="020B0604030504040204" pitchFamily="34" charset="0"/>
+                          <a:ea typeface="맑은 고딕" panose="020B0503020000020004" pitchFamily="50" charset="-127"/>
                         </a:rPr>
                         <a:t>　</a:t>
                       </a:r>
-                      <a:endParaRPr lang="ko-KR" altLang="en-US" sz="1000" b="0" i="0" u="none" strike="noStrike">
-                        <a:solidFill>
-                          <a:srgbClr val="000000"/>
-                        </a:solidFill>
-                        <a:effectLst/>
-                        <a:latin typeface="Tahoma" panose="020B0604030504040204" pitchFamily="34" charset="0"/>
-                        <a:ea typeface="맑은 고딕" panose="020B0503020000020004" pitchFamily="50" charset="-127"/>
-                      </a:endParaRPr>
                     </a:p>
                   </a:txBody>
-                  <a:tcPr marL="6584" marR="6584" marT="6584" marB="0" anchor="ctr"/>
+                  <a:tcPr marL="9525" marR="9525" marT="9525" marB="0" anchor="ctr"/>
                 </a:tc>
                 <a:extLst>
                   <a:ext uri="{0D108BD9-81ED-4DB2-BD59-A6C34878D82A}">
@@ -14840,22 +14601,19 @@
                     <a:p>
                       <a:pPr algn="l" rtl="0" fontAlgn="ctr"/>
                       <a:r>
-                        <a:rPr lang="ko-KR" altLang="en-US" sz="1000" u="none" strike="noStrike">
+                        <a:rPr lang="ko-KR" altLang="en-US" sz="900" b="0" i="0" u="none" strike="noStrike">
+                          <a:solidFill>
+                            <a:srgbClr val="000000"/>
+                          </a:solidFill>
                           <a:effectLst/>
+                          <a:latin typeface="Tahoma" panose="020B0604030504040204" pitchFamily="34" charset="0"/>
+                          <a:ea typeface="맑은 고딕" panose="020B0503020000020004" pitchFamily="50" charset="-127"/>
                         </a:rPr>
                         <a:t>외부주소</a:t>
                       </a:r>
-                      <a:endParaRPr lang="ko-KR" altLang="en-US" sz="1000" b="0" i="0" u="none" strike="noStrike">
-                        <a:solidFill>
-                          <a:srgbClr val="000000"/>
-                        </a:solidFill>
-                        <a:effectLst/>
-                        <a:latin typeface="Tahoma" panose="020B0604030504040204" pitchFamily="34" charset="0"/>
-                        <a:ea typeface="맑은 고딕" panose="020B0503020000020004" pitchFamily="50" charset="-127"/>
-                      </a:endParaRPr>
                     </a:p>
                   </a:txBody>
-                  <a:tcPr marL="6584" marR="6584" marT="6584" marB="0" anchor="ctr"/>
+                  <a:tcPr marL="9525" marR="9525" marT="9525" marB="0" anchor="ctr"/>
                 </a:tc>
                 <a:tc>
                   <a:txBody>
@@ -14864,22 +14622,19 @@
                     <a:p>
                       <a:pPr algn="l" rtl="0" fontAlgn="ctr"/>
                       <a:r>
-                        <a:rPr lang="en-US" sz="1000" u="none" strike="noStrike">
+                        <a:rPr lang="en-US" sz="900" b="0" i="0" u="none" strike="noStrike">
+                          <a:solidFill>
+                            <a:srgbClr val="000000"/>
+                          </a:solidFill>
                           <a:effectLst/>
+                          <a:latin typeface="Tahoma" panose="020B0604030504040204" pitchFamily="34" charset="0"/>
+                          <a:ea typeface="맑은 고딕" panose="020B0503020000020004" pitchFamily="50" charset="-127"/>
                         </a:rPr>
                         <a:t>F10_Pin5.RET</a:t>
                       </a:r>
-                      <a:endParaRPr lang="en-US" sz="1000" b="0" i="0" u="none" strike="noStrike">
-                        <a:solidFill>
-                          <a:srgbClr val="000000"/>
-                        </a:solidFill>
-                        <a:effectLst/>
-                        <a:latin typeface="Tahoma" panose="020B0604030504040204" pitchFamily="34" charset="0"/>
-                        <a:ea typeface="맑은 고딕" panose="020B0503020000020004" pitchFamily="50" charset="-127"/>
-                      </a:endParaRPr>
                     </a:p>
                   </a:txBody>
-                  <a:tcPr marL="6584" marR="6584" marT="6584" marB="0" anchor="ctr"/>
+                  <a:tcPr marL="9525" marR="9525" marT="9525" marB="0" anchor="ctr"/>
                 </a:tc>
                 <a:tc>
                   <a:txBody>
@@ -14888,22 +14643,19 @@
                     <a:p>
                       <a:pPr algn="l" rtl="0" fontAlgn="ctr"/>
                       <a:r>
-                        <a:rPr lang="en-US" sz="1000" u="none" strike="noStrike">
+                        <a:rPr lang="en-US" sz="900" b="0" i="0" u="none" strike="noStrike">
+                          <a:solidFill>
+                            <a:srgbClr val="000000"/>
+                          </a:solidFill>
                           <a:effectLst/>
+                          <a:latin typeface="Tahoma" panose="020B0604030504040204" pitchFamily="34" charset="0"/>
+                          <a:ea typeface="맑은 고딕" panose="020B0503020000020004" pitchFamily="50" charset="-127"/>
                         </a:rPr>
                         <a:t>bool</a:t>
                       </a:r>
-                      <a:endParaRPr lang="en-US" sz="1000" b="0" i="0" u="none" strike="noStrike">
-                        <a:solidFill>
-                          <a:srgbClr val="000000"/>
-                        </a:solidFill>
-                        <a:effectLst/>
-                        <a:latin typeface="Tahoma" panose="020B0604030504040204" pitchFamily="34" charset="0"/>
-                        <a:ea typeface="맑은 고딕" panose="020B0503020000020004" pitchFamily="50" charset="-127"/>
-                      </a:endParaRPr>
                     </a:p>
                   </a:txBody>
-                  <a:tcPr marL="6584" marR="6584" marT="6584" marB="0" anchor="ctr"/>
+                  <a:tcPr marL="9525" marR="9525" marT="9525" marB="0" anchor="ctr"/>
                 </a:tc>
                 <a:tc>
                   <a:txBody>
@@ -14912,22 +14664,19 @@
                     <a:p>
                       <a:pPr algn="l" rtl="0" fontAlgn="ctr"/>
                       <a:r>
-                        <a:rPr lang="en-US" sz="1000" u="none" strike="noStrike">
+                        <a:rPr lang="en-US" sz="900" b="0" i="0" u="none" strike="noStrike">
+                          <a:solidFill>
+                            <a:srgbClr val="000000"/>
+                          </a:solidFill>
                           <a:effectLst/>
+                          <a:latin typeface="Tahoma" panose="020B0604030504040204" pitchFamily="34" charset="0"/>
+                          <a:ea typeface="맑은 고딕" panose="020B0503020000020004" pitchFamily="50" charset="-127"/>
                         </a:rPr>
-                        <a:t>I1.3</a:t>
+                        <a:t>%IX0.0.11</a:t>
                       </a:r>
-                      <a:endParaRPr lang="en-US" sz="1000" b="0" i="0" u="none" strike="noStrike">
-                        <a:solidFill>
-                          <a:srgbClr val="000000"/>
-                        </a:solidFill>
-                        <a:effectLst/>
-                        <a:latin typeface="Tahoma" panose="020B0604030504040204" pitchFamily="34" charset="0"/>
-                        <a:ea typeface="맑은 고딕" panose="020B0503020000020004" pitchFamily="50" charset="-127"/>
-                      </a:endParaRPr>
                     </a:p>
                   </a:txBody>
-                  <a:tcPr marL="6584" marR="6584" marT="6584" marB="0" anchor="ctr"/>
+                  <a:tcPr marL="9525" marR="9525" marT="9525" marB="0" anchor="ctr"/>
                 </a:tc>
                 <a:tc>
                   <a:txBody>
@@ -14936,22 +14685,19 @@
                     <a:p>
                       <a:pPr algn="l" rtl="0" fontAlgn="ctr"/>
                       <a:r>
-                        <a:rPr lang="en-US" sz="1000" u="none" strike="noStrike">
+                        <a:rPr lang="en-US" sz="900" b="0" i="0" u="none" strike="noStrike">
+                          <a:solidFill>
+                            <a:srgbClr val="000000"/>
+                          </a:solidFill>
                           <a:effectLst/>
+                          <a:latin typeface="Tahoma" panose="020B0604030504040204" pitchFamily="34" charset="0"/>
+                          <a:ea typeface="맑은 고딕" panose="020B0503020000020004" pitchFamily="50" charset="-127"/>
                         </a:rPr>
-                        <a:t>O1.3</a:t>
+                        <a:t>%QX0.0.11</a:t>
                       </a:r>
-                      <a:endParaRPr lang="en-US" sz="1000" b="0" i="0" u="none" strike="noStrike">
-                        <a:solidFill>
-                          <a:srgbClr val="000000"/>
-                        </a:solidFill>
-                        <a:effectLst/>
-                        <a:latin typeface="Tahoma" panose="020B0604030504040204" pitchFamily="34" charset="0"/>
-                        <a:ea typeface="맑은 고딕" panose="020B0503020000020004" pitchFamily="50" charset="-127"/>
-                      </a:endParaRPr>
                     </a:p>
                   </a:txBody>
-                  <a:tcPr marL="6584" marR="6584" marT="6584" marB="0" anchor="ctr"/>
+                  <a:tcPr marL="9525" marR="9525" marT="9525" marB="0" anchor="ctr"/>
                 </a:tc>
                 <a:tc>
                   <a:txBody>
@@ -14960,22 +14706,19 @@
                     <a:p>
                       <a:pPr algn="l" rtl="0" fontAlgn="ctr"/>
                       <a:r>
-                        <a:rPr lang="en-US" sz="1000" u="none" strike="noStrike">
+                        <a:rPr lang="en-US" sz="900" b="0" i="0" u="none" strike="noStrike">
+                          <a:solidFill>
+                            <a:srgbClr val="000000"/>
+                          </a:solidFill>
                           <a:effectLst/>
+                          <a:latin typeface="Tahoma" panose="020B0604030504040204" pitchFamily="34" charset="0"/>
+                          <a:ea typeface="맑은 고딕" panose="020B0503020000020004" pitchFamily="50" charset="-127"/>
                         </a:rPr>
                         <a:t>F10_Pin5_RET</a:t>
                       </a:r>
-                      <a:endParaRPr lang="en-US" sz="1000" b="0" i="0" u="none" strike="noStrike">
-                        <a:solidFill>
-                          <a:srgbClr val="000000"/>
-                        </a:solidFill>
-                        <a:effectLst/>
-                        <a:latin typeface="Tahoma" panose="020B0604030504040204" pitchFamily="34" charset="0"/>
-                        <a:ea typeface="맑은 고딕" panose="020B0503020000020004" pitchFamily="50" charset="-127"/>
-                      </a:endParaRPr>
                     </a:p>
                   </a:txBody>
-                  <a:tcPr marL="6584" marR="6584" marT="6584" marB="0" anchor="ctr"/>
+                  <a:tcPr marL="9525" marR="9525" marT="9525" marB="0" anchor="ctr"/>
                 </a:tc>
                 <a:tc>
                   <a:txBody>
@@ -14984,22 +14727,19 @@
                     <a:p>
                       <a:pPr algn="l" rtl="0" fontAlgn="ctr"/>
                       <a:r>
-                        <a:rPr lang="ko-KR" altLang="en-US" sz="1000" u="none" strike="noStrike">
+                        <a:rPr lang="ko-KR" altLang="en-US" sz="900" b="0" i="0" u="none" strike="noStrike">
+                          <a:solidFill>
+                            <a:srgbClr val="000000"/>
+                          </a:solidFill>
                           <a:effectLst/>
+                          <a:latin typeface="Tahoma" panose="020B0604030504040204" pitchFamily="34" charset="0"/>
+                          <a:ea typeface="맑은 고딕" panose="020B0503020000020004" pitchFamily="50" charset="-127"/>
                         </a:rPr>
                         <a:t>　</a:t>
                       </a:r>
-                      <a:endParaRPr lang="ko-KR" altLang="en-US" sz="1000" b="0" i="0" u="none" strike="noStrike">
-                        <a:solidFill>
-                          <a:srgbClr val="000000"/>
-                        </a:solidFill>
-                        <a:effectLst/>
-                        <a:latin typeface="Tahoma" panose="020B0604030504040204" pitchFamily="34" charset="0"/>
-                        <a:ea typeface="맑은 고딕" panose="020B0503020000020004" pitchFamily="50" charset="-127"/>
-                      </a:endParaRPr>
                     </a:p>
                   </a:txBody>
-                  <a:tcPr marL="6584" marR="6584" marT="6584" marB="0" anchor="ctr"/>
+                  <a:tcPr marL="9525" marR="9525" marT="9525" marB="0" anchor="ctr"/>
                 </a:tc>
                 <a:extLst>
                   <a:ext uri="{0D108BD9-81ED-4DB2-BD59-A6C34878D82A}">
@@ -15015,12 +14755,132 @@
                     <a:p>
                       <a:pPr algn="l" rtl="0" fontAlgn="ctr"/>
                       <a:r>
-                        <a:rPr lang="ko-KR" altLang="en-US" sz="1000" u="none" strike="noStrike">
+                        <a:rPr lang="ko-KR" altLang="en-US" sz="900" b="0" i="0" u="none" strike="noStrike">
+                          <a:solidFill>
+                            <a:srgbClr val="000000"/>
+                          </a:solidFill>
                           <a:effectLst/>
+                          <a:latin typeface="Tahoma" panose="020B0604030504040204" pitchFamily="34" charset="0"/>
+                          <a:ea typeface="맑은 고딕" panose="020B0503020000020004" pitchFamily="50" charset="-127"/>
                         </a:rPr>
                         <a:t>외부주소</a:t>
                       </a:r>
-                      <a:endParaRPr lang="ko-KR" altLang="en-US" sz="1000" b="0" i="0" u="none" strike="noStrike">
+                    </a:p>
+                  </a:txBody>
+                  <a:tcPr marL="9525" marR="9525" marT="9525" marB="0" anchor="ctr"/>
+                </a:tc>
+                <a:tc>
+                  <a:txBody>
+                    <a:bodyPr/>
+                    <a:lstStyle/>
+                    <a:p>
+                      <a:pPr algn="l" rtl="0" fontAlgn="ctr"/>
+                      <a:r>
+                        <a:rPr lang="en-US" sz="900" b="0" i="0" u="none" strike="noStrike">
+                          <a:solidFill>
+                            <a:srgbClr val="000000"/>
+                          </a:solidFill>
+                          <a:effectLst/>
+                          <a:latin typeface="Tahoma" panose="020B0604030504040204" pitchFamily="34" charset="0"/>
+                          <a:ea typeface="맑은 고딕" panose="020B0503020000020004" pitchFamily="50" charset="-127"/>
+                        </a:rPr>
+                        <a:t>F10_Pin.ADV</a:t>
+                      </a:r>
+                    </a:p>
+                  </a:txBody>
+                  <a:tcPr marL="9525" marR="9525" marT="9525" marB="0" anchor="ctr"/>
+                </a:tc>
+                <a:tc>
+                  <a:txBody>
+                    <a:bodyPr/>
+                    <a:lstStyle/>
+                    <a:p>
+                      <a:pPr algn="l" rtl="0" fontAlgn="ctr"/>
+                      <a:r>
+                        <a:rPr lang="en-US" sz="900" b="0" i="0" u="none" strike="noStrike">
+                          <a:solidFill>
+                            <a:srgbClr val="000000"/>
+                          </a:solidFill>
+                          <a:effectLst/>
+                          <a:latin typeface="Tahoma" panose="020B0604030504040204" pitchFamily="34" charset="0"/>
+                          <a:ea typeface="맑은 고딕" panose="020B0503020000020004" pitchFamily="50" charset="-127"/>
+                        </a:rPr>
+                        <a:t>bool</a:t>
+                      </a:r>
+                    </a:p>
+                  </a:txBody>
+                  <a:tcPr marL="9525" marR="9525" marT="9525" marB="0" anchor="ctr"/>
+                </a:tc>
+                <a:tc>
+                  <a:txBody>
+                    <a:bodyPr/>
+                    <a:lstStyle/>
+                    <a:p>
+                      <a:pPr algn="l" rtl="0" fontAlgn="ctr"/>
+                      <a:r>
+                        <a:rPr lang="en-US" sz="900" b="0" i="0" u="none" strike="noStrike">
+                          <a:solidFill>
+                            <a:srgbClr val="000000"/>
+                          </a:solidFill>
+                          <a:effectLst/>
+                          <a:latin typeface="Tahoma" panose="020B0604030504040204" pitchFamily="34" charset="0"/>
+                          <a:ea typeface="맑은 고딕" panose="020B0503020000020004" pitchFamily="50" charset="-127"/>
+                        </a:rPr>
+                        <a:t>%IX0.0.12</a:t>
+                      </a:r>
+                    </a:p>
+                  </a:txBody>
+                  <a:tcPr marL="9525" marR="9525" marT="9525" marB="0" anchor="ctr"/>
+                </a:tc>
+                <a:tc>
+                  <a:txBody>
+                    <a:bodyPr/>
+                    <a:lstStyle/>
+                    <a:p>
+                      <a:pPr algn="l" rtl="0" fontAlgn="ctr"/>
+                      <a:r>
+                        <a:rPr lang="en-US" sz="900" b="0" i="0" u="none" strike="noStrike">
+                          <a:solidFill>
+                            <a:srgbClr val="000000"/>
+                          </a:solidFill>
+                          <a:effectLst/>
+                          <a:latin typeface="Tahoma" panose="020B0604030504040204" pitchFamily="34" charset="0"/>
+                          <a:ea typeface="맑은 고딕" panose="020B0503020000020004" pitchFamily="50" charset="-127"/>
+                        </a:rPr>
+                        <a:t>%QX0.0.12</a:t>
+                      </a:r>
+                    </a:p>
+                  </a:txBody>
+                  <a:tcPr marL="9525" marR="9525" marT="9525" marB="0" anchor="ctr"/>
+                </a:tc>
+                <a:tc>
+                  <a:txBody>
+                    <a:bodyPr/>
+                    <a:lstStyle/>
+                    <a:p>
+                      <a:pPr algn="l" rtl="0" fontAlgn="ctr"/>
+                      <a:r>
+                        <a:rPr lang="en-US" sz="900" b="0" i="0" u="none" strike="noStrike">
+                          <a:solidFill>
+                            <a:srgbClr val="000000"/>
+                          </a:solidFill>
+                          <a:effectLst/>
+                          <a:latin typeface="Tahoma" panose="020B0604030504040204" pitchFamily="34" charset="0"/>
+                          <a:ea typeface="맑은 고딕" panose="020B0503020000020004" pitchFamily="50" charset="-127"/>
+                        </a:rPr>
+                        <a:t>F10_Pin_ADV</a:t>
+                      </a:r>
+                    </a:p>
+                  </a:txBody>
+                  <a:tcPr marL="9525" marR="9525" marT="9525" marB="0" anchor="ctr"/>
+                </a:tc>
+                <a:tc>
+                  <a:txBody>
+                    <a:bodyPr/>
+                    <a:lstStyle/>
+                    <a:p>
+                      <a:pPr algn="l" rtl="0" fontAlgn="ctr"/>
+                      <a:endParaRPr lang="en-US" sz="900" b="0" i="0" u="none" strike="noStrike" dirty="0">
                         <a:solidFill>
                           <a:srgbClr val="000000"/>
                         </a:solidFill>
@@ -15030,151 +14890,7 @@
                       </a:endParaRPr>
                     </a:p>
                   </a:txBody>
-                  <a:tcPr marL="6584" marR="6584" marT="6584" marB="0" anchor="ctr"/>
-                </a:tc>
-                <a:tc>
-                  <a:txBody>
-                    <a:bodyPr/>
-                    <a:lstStyle/>
-                    <a:p>
-                      <a:pPr algn="l" rtl="0" fontAlgn="ctr"/>
-                      <a:r>
-                        <a:rPr lang="en-US" sz="1000" u="none" strike="noStrike">
-                          <a:effectLst/>
-                        </a:rPr>
-                        <a:t>F10_Pin.ADV</a:t>
-                      </a:r>
-                      <a:endParaRPr lang="en-US" sz="1000" b="0" i="0" u="none" strike="noStrike">
-                        <a:solidFill>
-                          <a:srgbClr val="000000"/>
-                        </a:solidFill>
-                        <a:effectLst/>
-                        <a:latin typeface="Tahoma" panose="020B0604030504040204" pitchFamily="34" charset="0"/>
-                        <a:ea typeface="맑은 고딕" panose="020B0503020000020004" pitchFamily="50" charset="-127"/>
-                      </a:endParaRPr>
-                    </a:p>
-                  </a:txBody>
-                  <a:tcPr marL="6584" marR="6584" marT="6584" marB="0" anchor="ctr"/>
-                </a:tc>
-                <a:tc>
-                  <a:txBody>
-                    <a:bodyPr/>
-                    <a:lstStyle/>
-                    <a:p>
-                      <a:pPr algn="l" rtl="0" fontAlgn="ctr"/>
-                      <a:r>
-                        <a:rPr lang="en-US" sz="1000" u="none" strike="noStrike">
-                          <a:effectLst/>
-                        </a:rPr>
-                        <a:t>bool</a:t>
-                      </a:r>
-                      <a:endParaRPr lang="en-US" sz="1000" b="0" i="0" u="none" strike="noStrike">
-                        <a:solidFill>
-                          <a:srgbClr val="000000"/>
-                        </a:solidFill>
-                        <a:effectLst/>
-                        <a:latin typeface="Tahoma" panose="020B0604030504040204" pitchFamily="34" charset="0"/>
-                        <a:ea typeface="맑은 고딕" panose="020B0503020000020004" pitchFamily="50" charset="-127"/>
-                      </a:endParaRPr>
-                    </a:p>
-                  </a:txBody>
-                  <a:tcPr marL="6584" marR="6584" marT="6584" marB="0" anchor="ctr"/>
-                </a:tc>
-                <a:tc>
-                  <a:txBody>
-                    <a:bodyPr/>
-                    <a:lstStyle/>
-                    <a:p>
-                      <a:pPr algn="l" rtl="0" fontAlgn="ctr"/>
-                      <a:r>
-                        <a:rPr lang="en-US" sz="1000" u="none" strike="noStrike">
-                          <a:effectLst/>
-                        </a:rPr>
-                        <a:t>I0.0</a:t>
-                      </a:r>
-                      <a:endParaRPr lang="en-US" sz="1000" b="0" i="0" u="none" strike="noStrike">
-                        <a:solidFill>
-                          <a:srgbClr val="000000"/>
-                        </a:solidFill>
-                        <a:effectLst/>
-                        <a:latin typeface="Tahoma" panose="020B0604030504040204" pitchFamily="34" charset="0"/>
-                        <a:ea typeface="맑은 고딕" panose="020B0503020000020004" pitchFamily="50" charset="-127"/>
-                      </a:endParaRPr>
-                    </a:p>
-                  </a:txBody>
-                  <a:tcPr marL="6584" marR="6584" marT="6584" marB="0" anchor="ctr"/>
-                </a:tc>
-                <a:tc>
-                  <a:txBody>
-                    <a:bodyPr/>
-                    <a:lstStyle/>
-                    <a:p>
-                      <a:pPr algn="l" rtl="0" fontAlgn="ctr"/>
-                      <a:r>
-                        <a:rPr lang="en-US" sz="1000" u="none" strike="noStrike">
-                          <a:effectLst/>
-                        </a:rPr>
-                        <a:t>O0.0</a:t>
-                      </a:r>
-                      <a:endParaRPr lang="en-US" sz="1000" b="0" i="0" u="none" strike="noStrike">
-                        <a:solidFill>
-                          <a:srgbClr val="000000"/>
-                        </a:solidFill>
-                        <a:effectLst/>
-                        <a:latin typeface="Tahoma" panose="020B0604030504040204" pitchFamily="34" charset="0"/>
-                        <a:ea typeface="맑은 고딕" panose="020B0503020000020004" pitchFamily="50" charset="-127"/>
-                      </a:endParaRPr>
-                    </a:p>
-                  </a:txBody>
-                  <a:tcPr marL="6584" marR="6584" marT="6584" marB="0" anchor="ctr"/>
-                </a:tc>
-                <a:tc>
-                  <a:txBody>
-                    <a:bodyPr/>
-                    <a:lstStyle/>
-                    <a:p>
-                      <a:pPr algn="l" rtl="0" fontAlgn="ctr"/>
-                      <a:r>
-                        <a:rPr lang="en-US" sz="1000" u="none" strike="noStrike">
-                          <a:effectLst/>
-                        </a:rPr>
-                        <a:t>F10_Pin_ADV</a:t>
-                      </a:r>
-                      <a:endParaRPr lang="en-US" sz="1000" b="0" i="0" u="none" strike="noStrike">
-                        <a:solidFill>
-                          <a:srgbClr val="000000"/>
-                        </a:solidFill>
-                        <a:effectLst/>
-                        <a:latin typeface="Tahoma" panose="020B0604030504040204" pitchFamily="34" charset="0"/>
-                        <a:ea typeface="맑은 고딕" panose="020B0503020000020004" pitchFamily="50" charset="-127"/>
-                      </a:endParaRPr>
-                    </a:p>
-                  </a:txBody>
-                  <a:tcPr marL="6584" marR="6584" marT="6584" marB="0" anchor="ctr"/>
-                </a:tc>
-                <a:tc>
-                  <a:txBody>
-                    <a:bodyPr/>
-                    <a:lstStyle/>
-                    <a:p>
-                      <a:pPr algn="l" rtl="0" fontAlgn="ctr"/>
-                      <a:r>
-                        <a:rPr lang="ko-KR" altLang="en-US" sz="1000" u="none" strike="noStrike">
-                          <a:effectLst/>
-                        </a:rPr>
-                        <a:t>　</a:t>
-                      </a:r>
-                      <a:endParaRPr lang="ko-KR" altLang="en-US" sz="1000" b="0" i="0" u="none" strike="noStrike">
-                        <a:solidFill>
-                          <a:srgbClr val="000000"/>
-                        </a:solidFill>
-                        <a:effectLst/>
-                        <a:latin typeface="Tahoma" panose="020B0604030504040204" pitchFamily="34" charset="0"/>
-                        <a:ea typeface="맑은 고딕" panose="020B0503020000020004" pitchFamily="50" charset="-127"/>
-                      </a:endParaRPr>
-                    </a:p>
-                  </a:txBody>
-                  <a:tcPr marL="6584" marR="6584" marT="6584" marB="0" anchor="ctr"/>
+                  <a:tcPr marL="9525" marR="9525" marT="9525" marB="0" anchor="ctr"/>
                 </a:tc>
                 <a:extLst>
                   <a:ext uri="{0D108BD9-81ED-4DB2-BD59-A6C34878D82A}">
@@ -15190,22 +14906,19 @@
                     <a:p>
                       <a:pPr algn="l" rtl="0" fontAlgn="ctr"/>
                       <a:r>
-                        <a:rPr lang="ko-KR" altLang="en-US" sz="1000" u="none" strike="noStrike">
+                        <a:rPr lang="ko-KR" altLang="en-US" sz="900" b="0" i="0" u="none" strike="noStrike">
+                          <a:solidFill>
+                            <a:srgbClr val="000000"/>
+                          </a:solidFill>
                           <a:effectLst/>
+                          <a:latin typeface="Tahoma" panose="020B0604030504040204" pitchFamily="34" charset="0"/>
+                          <a:ea typeface="맑은 고딕" panose="020B0503020000020004" pitchFamily="50" charset="-127"/>
                         </a:rPr>
                         <a:t>외부주소</a:t>
                       </a:r>
-                      <a:endParaRPr lang="ko-KR" altLang="en-US" sz="1000" b="0" i="0" u="none" strike="noStrike">
-                        <a:solidFill>
-                          <a:srgbClr val="000000"/>
-                        </a:solidFill>
-                        <a:effectLst/>
-                        <a:latin typeface="Tahoma" panose="020B0604030504040204" pitchFamily="34" charset="0"/>
-                        <a:ea typeface="맑은 고딕" panose="020B0503020000020004" pitchFamily="50" charset="-127"/>
-                      </a:endParaRPr>
                     </a:p>
                   </a:txBody>
-                  <a:tcPr marL="6584" marR="6584" marT="6584" marB="0" anchor="ctr"/>
+                  <a:tcPr marL="9525" marR="9525" marT="9525" marB="0" anchor="ctr"/>
                 </a:tc>
                 <a:tc>
                   <a:txBody>
@@ -15214,22 +14927,19 @@
                     <a:p>
                       <a:pPr algn="l" rtl="0" fontAlgn="ctr"/>
                       <a:r>
-                        <a:rPr lang="en-US" sz="1000" u="none" strike="noStrike">
+                        <a:rPr lang="en-US" sz="900" b="0" i="0" u="none" strike="noStrike">
+                          <a:solidFill>
+                            <a:srgbClr val="000000"/>
+                          </a:solidFill>
                           <a:effectLst/>
+                          <a:latin typeface="Tahoma" panose="020B0604030504040204" pitchFamily="34" charset="0"/>
+                          <a:ea typeface="맑은 고딕" panose="020B0503020000020004" pitchFamily="50" charset="-127"/>
                         </a:rPr>
                         <a:t>F10_Pin.RET</a:t>
                       </a:r>
-                      <a:endParaRPr lang="en-US" sz="1000" b="0" i="0" u="none" strike="noStrike">
-                        <a:solidFill>
-                          <a:srgbClr val="000000"/>
-                        </a:solidFill>
-                        <a:effectLst/>
-                        <a:latin typeface="Tahoma" panose="020B0604030504040204" pitchFamily="34" charset="0"/>
-                        <a:ea typeface="맑은 고딕" panose="020B0503020000020004" pitchFamily="50" charset="-127"/>
-                      </a:endParaRPr>
                     </a:p>
                   </a:txBody>
-                  <a:tcPr marL="6584" marR="6584" marT="6584" marB="0" anchor="ctr"/>
+                  <a:tcPr marL="9525" marR="9525" marT="9525" marB="0" anchor="ctr"/>
                 </a:tc>
                 <a:tc>
                   <a:txBody>
@@ -15238,22 +14948,19 @@
                     <a:p>
                       <a:pPr algn="l" rtl="0" fontAlgn="ctr"/>
                       <a:r>
-                        <a:rPr lang="en-US" sz="1000" u="none" strike="noStrike">
+                        <a:rPr lang="en-US" sz="900" b="0" i="0" u="none" strike="noStrike">
+                          <a:solidFill>
+                            <a:srgbClr val="000000"/>
+                          </a:solidFill>
                           <a:effectLst/>
+                          <a:latin typeface="Tahoma" panose="020B0604030504040204" pitchFamily="34" charset="0"/>
+                          <a:ea typeface="맑은 고딕" panose="020B0503020000020004" pitchFamily="50" charset="-127"/>
                         </a:rPr>
                         <a:t>bool</a:t>
                       </a:r>
-                      <a:endParaRPr lang="en-US" sz="1000" b="0" i="0" u="none" strike="noStrike">
-                        <a:solidFill>
-                          <a:srgbClr val="000000"/>
-                        </a:solidFill>
-                        <a:effectLst/>
-                        <a:latin typeface="Tahoma" panose="020B0604030504040204" pitchFamily="34" charset="0"/>
-                        <a:ea typeface="맑은 고딕" panose="020B0503020000020004" pitchFamily="50" charset="-127"/>
-                      </a:endParaRPr>
                     </a:p>
                   </a:txBody>
-                  <a:tcPr marL="6584" marR="6584" marT="6584" marB="0" anchor="ctr"/>
+                  <a:tcPr marL="9525" marR="9525" marT="9525" marB="0" anchor="ctr"/>
                 </a:tc>
                 <a:tc>
                   <a:txBody>
@@ -15262,22 +14969,19 @@
                     <a:p>
                       <a:pPr algn="l" rtl="0" fontAlgn="ctr"/>
                       <a:r>
-                        <a:rPr lang="en-US" sz="1000" u="none" strike="noStrike">
+                        <a:rPr lang="en-US" sz="900" b="0" i="0" u="none" strike="noStrike">
+                          <a:solidFill>
+                            <a:srgbClr val="000000"/>
+                          </a:solidFill>
                           <a:effectLst/>
+                          <a:latin typeface="Tahoma" panose="020B0604030504040204" pitchFamily="34" charset="0"/>
+                          <a:ea typeface="맑은 고딕" panose="020B0503020000020004" pitchFamily="50" charset="-127"/>
                         </a:rPr>
-                        <a:t>I0.1</a:t>
+                        <a:t>%IX0.0.13</a:t>
                       </a:r>
-                      <a:endParaRPr lang="en-US" sz="1000" b="0" i="0" u="none" strike="noStrike">
-                        <a:solidFill>
-                          <a:srgbClr val="000000"/>
-                        </a:solidFill>
-                        <a:effectLst/>
-                        <a:latin typeface="Tahoma" panose="020B0604030504040204" pitchFamily="34" charset="0"/>
-                        <a:ea typeface="맑은 고딕" panose="020B0503020000020004" pitchFamily="50" charset="-127"/>
-                      </a:endParaRPr>
                     </a:p>
                   </a:txBody>
-                  <a:tcPr marL="6584" marR="6584" marT="6584" marB="0" anchor="ctr"/>
+                  <a:tcPr marL="9525" marR="9525" marT="9525" marB="0" anchor="ctr"/>
                 </a:tc>
                 <a:tc>
                   <a:txBody>
@@ -15286,22 +14990,19 @@
                     <a:p>
                       <a:pPr algn="l" rtl="0" fontAlgn="ctr"/>
                       <a:r>
-                        <a:rPr lang="en-US" sz="1000" u="none" strike="noStrike">
+                        <a:rPr lang="en-US" sz="900" b="0" i="0" u="none" strike="noStrike">
+                          <a:solidFill>
+                            <a:srgbClr val="000000"/>
+                          </a:solidFill>
                           <a:effectLst/>
+                          <a:latin typeface="Tahoma" panose="020B0604030504040204" pitchFamily="34" charset="0"/>
+                          <a:ea typeface="맑은 고딕" panose="020B0503020000020004" pitchFamily="50" charset="-127"/>
                         </a:rPr>
-                        <a:t>O0.1</a:t>
+                        <a:t>%QX0.0.13</a:t>
                       </a:r>
-                      <a:endParaRPr lang="en-US" sz="1000" b="0" i="0" u="none" strike="noStrike">
-                        <a:solidFill>
-                          <a:srgbClr val="000000"/>
-                        </a:solidFill>
-                        <a:effectLst/>
-                        <a:latin typeface="Tahoma" panose="020B0604030504040204" pitchFamily="34" charset="0"/>
-                        <a:ea typeface="맑은 고딕" panose="020B0503020000020004" pitchFamily="50" charset="-127"/>
-                      </a:endParaRPr>
                     </a:p>
                   </a:txBody>
-                  <a:tcPr marL="6584" marR="6584" marT="6584" marB="0" anchor="ctr"/>
+                  <a:tcPr marL="9525" marR="9525" marT="9525" marB="0" anchor="ctr"/>
                 </a:tc>
                 <a:tc>
                   <a:txBody>
@@ -15310,22 +15011,19 @@
                     <a:p>
                       <a:pPr algn="l" rtl="0" fontAlgn="ctr"/>
                       <a:r>
-                        <a:rPr lang="en-US" sz="1000" u="none" strike="noStrike">
+                        <a:rPr lang="en-US" sz="900" b="0" i="0" u="none" strike="noStrike">
+                          <a:solidFill>
+                            <a:srgbClr val="000000"/>
+                          </a:solidFill>
                           <a:effectLst/>
+                          <a:latin typeface="Tahoma" panose="020B0604030504040204" pitchFamily="34" charset="0"/>
+                          <a:ea typeface="맑은 고딕" panose="020B0503020000020004" pitchFamily="50" charset="-127"/>
                         </a:rPr>
                         <a:t>F10_Pin_RET</a:t>
                       </a:r>
-                      <a:endParaRPr lang="en-US" sz="1000" b="0" i="0" u="none" strike="noStrike">
-                        <a:solidFill>
-                          <a:srgbClr val="000000"/>
-                        </a:solidFill>
-                        <a:effectLst/>
-                        <a:latin typeface="Tahoma" panose="020B0604030504040204" pitchFamily="34" charset="0"/>
-                        <a:ea typeface="맑은 고딕" panose="020B0503020000020004" pitchFamily="50" charset="-127"/>
-                      </a:endParaRPr>
                     </a:p>
                   </a:txBody>
-                  <a:tcPr marL="6584" marR="6584" marT="6584" marB="0" anchor="ctr"/>
+                  <a:tcPr marL="9525" marR="9525" marT="9525" marB="0" anchor="ctr"/>
                 </a:tc>
                 <a:tc>
                   <a:txBody>
@@ -15334,22 +15032,19 @@
                     <a:p>
                       <a:pPr algn="l" rtl="0" fontAlgn="ctr"/>
                       <a:r>
-                        <a:rPr lang="en-US" sz="1000" u="none" strike="noStrike">
+                        <a:rPr lang="ko-KR" altLang="en-US" sz="900" b="0" i="0" u="none" strike="noStrike">
+                          <a:solidFill>
+                            <a:srgbClr val="000000"/>
+                          </a:solidFill>
                           <a:effectLst/>
+                          <a:latin typeface="Tahoma" panose="020B0604030504040204" pitchFamily="34" charset="0"/>
+                          <a:ea typeface="맑은 고딕" panose="020B0503020000020004" pitchFamily="50" charset="-127"/>
                         </a:rPr>
-                        <a:t>$n</a:t>
+                        <a:t>　</a:t>
                       </a:r>
-                      <a:endParaRPr lang="en-US" sz="1000" b="0" i="0" u="none" strike="noStrike">
-                        <a:solidFill>
-                          <a:srgbClr val="000000"/>
-                        </a:solidFill>
-                        <a:effectLst/>
-                        <a:latin typeface="Tahoma" panose="020B0604030504040204" pitchFamily="34" charset="0"/>
-                        <a:ea typeface="맑은 고딕" panose="020B0503020000020004" pitchFamily="50" charset="-127"/>
-                      </a:endParaRPr>
                     </a:p>
                   </a:txBody>
-                  <a:tcPr marL="6584" marR="6584" marT="6584" marB="0" anchor="ctr"/>
+                  <a:tcPr marL="9525" marR="9525" marT="9525" marB="0" anchor="ctr"/>
                 </a:tc>
                 <a:extLst>
                   <a:ext uri="{0D108BD9-81ED-4DB2-BD59-A6C34878D82A}">
@@ -15365,22 +15060,19 @@
                     <a:p>
                       <a:pPr algn="l" rtl="0" fontAlgn="ctr"/>
                       <a:r>
-                        <a:rPr lang="ko-KR" altLang="en-US" sz="1000" u="none" strike="noStrike">
+                        <a:rPr lang="ko-KR" altLang="en-US" sz="900" b="0" i="0" u="none" strike="noStrike">
+                          <a:solidFill>
+                            <a:srgbClr val="000000"/>
+                          </a:solidFill>
                           <a:effectLst/>
+                          <a:latin typeface="Tahoma" panose="020B0604030504040204" pitchFamily="34" charset="0"/>
+                          <a:ea typeface="맑은 고딕" panose="020B0503020000020004" pitchFamily="50" charset="-127"/>
                         </a:rPr>
                         <a:t>외부주소</a:t>
                       </a:r>
-                      <a:endParaRPr lang="ko-KR" altLang="en-US" sz="1000" b="0" i="0" u="none" strike="noStrike">
-                        <a:solidFill>
-                          <a:srgbClr val="000000"/>
-                        </a:solidFill>
-                        <a:effectLst/>
-                        <a:latin typeface="Tahoma" panose="020B0604030504040204" pitchFamily="34" charset="0"/>
-                        <a:ea typeface="맑은 고딕" panose="020B0503020000020004" pitchFamily="50" charset="-127"/>
-                      </a:endParaRPr>
                     </a:p>
                   </a:txBody>
-                  <a:tcPr marL="6584" marR="6584" marT="6584" marB="0" anchor="ctr"/>
+                  <a:tcPr marL="9525" marR="9525" marT="9525" marB="0" anchor="ctr"/>
                 </a:tc>
                 <a:tc>
                   <a:txBody>
@@ -15389,22 +15081,19 @@
                     <a:p>
                       <a:pPr algn="l" rtl="0" fontAlgn="ctr"/>
                       <a:r>
-                        <a:rPr lang="en-US" sz="1000" u="none" strike="noStrike">
+                        <a:rPr lang="en-US" sz="900" b="0" i="0" u="none" strike="noStrike">
+                          <a:solidFill>
+                            <a:srgbClr val="000000"/>
+                          </a:solidFill>
                           <a:effectLst/>
+                          <a:latin typeface="Tahoma" panose="020B0604030504040204" pitchFamily="34" charset="0"/>
+                          <a:ea typeface="맑은 고딕" panose="020B0503020000020004" pitchFamily="50" charset="-127"/>
                         </a:rPr>
                         <a:t>S1_STOPPER.ADV</a:t>
                       </a:r>
-                      <a:endParaRPr lang="en-US" sz="1000" b="0" i="0" u="none" strike="noStrike">
-                        <a:solidFill>
-                          <a:srgbClr val="000000"/>
-                        </a:solidFill>
-                        <a:effectLst/>
-                        <a:latin typeface="Tahoma" panose="020B0604030504040204" pitchFamily="34" charset="0"/>
-                        <a:ea typeface="맑은 고딕" panose="020B0503020000020004" pitchFamily="50" charset="-127"/>
-                      </a:endParaRPr>
                     </a:p>
                   </a:txBody>
-                  <a:tcPr marL="6584" marR="6584" marT="6584" marB="0" anchor="ctr"/>
+                  <a:tcPr marL="9525" marR="9525" marT="9525" marB="0" anchor="ctr"/>
                 </a:tc>
                 <a:tc>
                   <a:txBody>
@@ -15413,22 +15102,19 @@
                     <a:p>
                       <a:pPr algn="l" rtl="0" fontAlgn="ctr"/>
                       <a:r>
-                        <a:rPr lang="en-US" sz="1000" u="none" strike="noStrike">
+                        <a:rPr lang="en-US" sz="900" b="0" i="0" u="none" strike="noStrike">
+                          <a:solidFill>
+                            <a:srgbClr val="000000"/>
+                          </a:solidFill>
                           <a:effectLst/>
+                          <a:latin typeface="Tahoma" panose="020B0604030504040204" pitchFamily="34" charset="0"/>
+                          <a:ea typeface="맑은 고딕" panose="020B0503020000020004" pitchFamily="50" charset="-127"/>
                         </a:rPr>
                         <a:t>bool</a:t>
                       </a:r>
-                      <a:endParaRPr lang="en-US" sz="1000" b="0" i="0" u="none" strike="noStrike">
-                        <a:solidFill>
-                          <a:srgbClr val="000000"/>
-                        </a:solidFill>
-                        <a:effectLst/>
-                        <a:latin typeface="Tahoma" panose="020B0604030504040204" pitchFamily="34" charset="0"/>
-                        <a:ea typeface="맑은 고딕" panose="020B0503020000020004" pitchFamily="50" charset="-127"/>
-                      </a:endParaRPr>
                     </a:p>
                   </a:txBody>
-                  <a:tcPr marL="6584" marR="6584" marT="6584" marB="0" anchor="ctr"/>
+                  <a:tcPr marL="9525" marR="9525" marT="9525" marB="0" anchor="ctr"/>
                 </a:tc>
                 <a:tc>
                   <a:txBody>
@@ -15437,22 +15123,19 @@
                     <a:p>
                       <a:pPr algn="l" rtl="0" fontAlgn="ctr"/>
                       <a:r>
-                        <a:rPr lang="en-US" sz="1000" u="none" strike="noStrike">
+                        <a:rPr lang="en-US" sz="900" b="0" i="0" u="none" strike="noStrike">
+                          <a:solidFill>
+                            <a:srgbClr val="000000"/>
+                          </a:solidFill>
                           <a:effectLst/>
+                          <a:latin typeface="Tahoma" panose="020B0604030504040204" pitchFamily="34" charset="0"/>
+                          <a:ea typeface="맑은 고딕" panose="020B0503020000020004" pitchFamily="50" charset="-127"/>
                         </a:rPr>
-                        <a:t>I0.5</a:t>
+                        <a:t>%IX0.0.14</a:t>
                       </a:r>
-                      <a:endParaRPr lang="en-US" sz="1000" b="0" i="0" u="none" strike="noStrike">
-                        <a:solidFill>
-                          <a:srgbClr val="000000"/>
-                        </a:solidFill>
-                        <a:effectLst/>
-                        <a:latin typeface="Tahoma" panose="020B0604030504040204" pitchFamily="34" charset="0"/>
-                        <a:ea typeface="맑은 고딕" panose="020B0503020000020004" pitchFamily="50" charset="-127"/>
-                      </a:endParaRPr>
                     </a:p>
                   </a:txBody>
-                  <a:tcPr marL="6584" marR="6584" marT="6584" marB="0" anchor="ctr"/>
+                  <a:tcPr marL="9525" marR="9525" marT="9525" marB="0" anchor="ctr"/>
                 </a:tc>
                 <a:tc>
                   <a:txBody>
@@ -15461,22 +15144,19 @@
                     <a:p>
                       <a:pPr algn="l" rtl="0" fontAlgn="ctr"/>
                       <a:r>
-                        <a:rPr lang="en-US" sz="1000" u="none" strike="noStrike">
+                        <a:rPr lang="en-US" sz="900" b="0" i="0" u="none" strike="noStrike">
+                          <a:solidFill>
+                            <a:srgbClr val="000000"/>
+                          </a:solidFill>
                           <a:effectLst/>
+                          <a:latin typeface="Tahoma" panose="020B0604030504040204" pitchFamily="34" charset="0"/>
+                          <a:ea typeface="맑은 고딕" panose="020B0503020000020004" pitchFamily="50" charset="-127"/>
                         </a:rPr>
-                        <a:t>O0.3</a:t>
+                        <a:t>%QX0.0.14</a:t>
                       </a:r>
-                      <a:endParaRPr lang="en-US" sz="1000" b="0" i="0" u="none" strike="noStrike">
-                        <a:solidFill>
-                          <a:srgbClr val="000000"/>
-                        </a:solidFill>
-                        <a:effectLst/>
-                        <a:latin typeface="Tahoma" panose="020B0604030504040204" pitchFamily="34" charset="0"/>
-                        <a:ea typeface="맑은 고딕" panose="020B0503020000020004" pitchFamily="50" charset="-127"/>
-                      </a:endParaRPr>
                     </a:p>
                   </a:txBody>
-                  <a:tcPr marL="6584" marR="6584" marT="6584" marB="0" anchor="ctr"/>
+                  <a:tcPr marL="9525" marR="9525" marT="9525" marB="0" anchor="ctr"/>
                 </a:tc>
                 <a:tc>
                   <a:txBody>
@@ -15485,22 +15165,19 @@
                     <a:p>
                       <a:pPr algn="l" rtl="0" fontAlgn="ctr"/>
                       <a:r>
-                        <a:rPr lang="en-US" sz="1000" u="none" strike="noStrike">
+                        <a:rPr lang="en-US" sz="900" b="0" i="0" u="none" strike="noStrike">
+                          <a:solidFill>
+                            <a:srgbClr val="000000"/>
+                          </a:solidFill>
                           <a:effectLst/>
+                          <a:latin typeface="Tahoma" panose="020B0604030504040204" pitchFamily="34" charset="0"/>
+                          <a:ea typeface="맑은 고딕" panose="020B0503020000020004" pitchFamily="50" charset="-127"/>
                         </a:rPr>
                         <a:t>S1_STOPPER_ADV</a:t>
                       </a:r>
-                      <a:endParaRPr lang="en-US" sz="1000" b="0" i="0" u="none" strike="noStrike">
-                        <a:solidFill>
-                          <a:srgbClr val="000000"/>
-                        </a:solidFill>
-                        <a:effectLst/>
-                        <a:latin typeface="Tahoma" panose="020B0604030504040204" pitchFamily="34" charset="0"/>
-                        <a:ea typeface="맑은 고딕" panose="020B0503020000020004" pitchFamily="50" charset="-127"/>
-                      </a:endParaRPr>
                     </a:p>
                   </a:txBody>
-                  <a:tcPr marL="6584" marR="6584" marT="6584" marB="0" anchor="ctr"/>
+                  <a:tcPr marL="9525" marR="9525" marT="9525" marB="0" anchor="ctr"/>
                 </a:tc>
                 <a:tc>
                   <a:txBody>
@@ -15509,22 +15186,19 @@
                     <a:p>
                       <a:pPr algn="l" rtl="0" fontAlgn="ctr"/>
                       <a:r>
-                        <a:rPr lang="ko-KR" altLang="en-US" sz="1000" u="none" strike="noStrike">
+                        <a:rPr lang="en-US" sz="900" b="0" i="0" u="none" strike="noStrike" dirty="0">
+                          <a:solidFill>
+                            <a:srgbClr val="000000"/>
+                          </a:solidFill>
                           <a:effectLst/>
+                          <a:latin typeface="Tahoma" panose="020B0604030504040204" pitchFamily="34" charset="0"/>
+                          <a:ea typeface="맑은 고딕" panose="020B0503020000020004" pitchFamily="50" charset="-127"/>
                         </a:rPr>
-                        <a:t>　</a:t>
+                        <a:t>$n </a:t>
                       </a:r>
-                      <a:endParaRPr lang="ko-KR" altLang="en-US" sz="1000" b="0" i="0" u="none" strike="noStrike">
-                        <a:solidFill>
-                          <a:srgbClr val="000000"/>
-                        </a:solidFill>
-                        <a:effectLst/>
-                        <a:latin typeface="Tahoma" panose="020B0604030504040204" pitchFamily="34" charset="0"/>
-                        <a:ea typeface="맑은 고딕" panose="020B0503020000020004" pitchFamily="50" charset="-127"/>
-                      </a:endParaRPr>
                     </a:p>
                   </a:txBody>
-                  <a:tcPr marL="6584" marR="6584" marT="6584" marB="0" anchor="ctr"/>
+                  <a:tcPr marL="9525" marR="9525" marT="9525" marB="0" anchor="ctr"/>
                 </a:tc>
                 <a:extLst>
                   <a:ext uri="{0D108BD9-81ED-4DB2-BD59-A6C34878D82A}">
@@ -15540,22 +15214,19 @@
                     <a:p>
                       <a:pPr algn="l" rtl="0" fontAlgn="ctr"/>
                       <a:r>
-                        <a:rPr lang="ko-KR" altLang="en-US" sz="1000" u="none" strike="noStrike">
+                        <a:rPr lang="ko-KR" altLang="en-US" sz="900" b="0" i="0" u="none" strike="noStrike">
+                          <a:solidFill>
+                            <a:srgbClr val="000000"/>
+                          </a:solidFill>
                           <a:effectLst/>
+                          <a:latin typeface="Tahoma" panose="020B0604030504040204" pitchFamily="34" charset="0"/>
+                          <a:ea typeface="맑은 고딕" panose="020B0503020000020004" pitchFamily="50" charset="-127"/>
                         </a:rPr>
                         <a:t>외부주소</a:t>
                       </a:r>
-                      <a:endParaRPr lang="ko-KR" altLang="en-US" sz="1000" b="0" i="0" u="none" strike="noStrike">
-                        <a:solidFill>
-                          <a:srgbClr val="000000"/>
-                        </a:solidFill>
-                        <a:effectLst/>
-                        <a:latin typeface="Tahoma" panose="020B0604030504040204" pitchFamily="34" charset="0"/>
-                        <a:ea typeface="맑은 고딕" panose="020B0503020000020004" pitchFamily="50" charset="-127"/>
-                      </a:endParaRPr>
                     </a:p>
                   </a:txBody>
-                  <a:tcPr marL="6584" marR="6584" marT="6584" marB="0" anchor="ctr"/>
+                  <a:tcPr marL="9525" marR="9525" marT="9525" marB="0" anchor="ctr"/>
                 </a:tc>
                 <a:tc>
                   <a:txBody>
@@ -15564,22 +15235,19 @@
                     <a:p>
                       <a:pPr algn="l" rtl="0" fontAlgn="ctr"/>
                       <a:r>
-                        <a:rPr lang="en-US" sz="1000" u="none" strike="noStrike">
+                        <a:rPr lang="en-US" sz="900" b="0" i="0" u="none" strike="noStrike">
+                          <a:solidFill>
+                            <a:srgbClr val="000000"/>
+                          </a:solidFill>
                           <a:effectLst/>
+                          <a:latin typeface="Tahoma" panose="020B0604030504040204" pitchFamily="34" charset="0"/>
+                          <a:ea typeface="맑은 고딕" panose="020B0503020000020004" pitchFamily="50" charset="-127"/>
                         </a:rPr>
                         <a:t>S1_STOPPER.RET</a:t>
                       </a:r>
-                      <a:endParaRPr lang="en-US" sz="1000" b="0" i="0" u="none" strike="noStrike">
-                        <a:solidFill>
-                          <a:srgbClr val="000000"/>
-                        </a:solidFill>
-                        <a:effectLst/>
-                        <a:latin typeface="Tahoma" panose="020B0604030504040204" pitchFamily="34" charset="0"/>
-                        <a:ea typeface="맑은 고딕" panose="020B0503020000020004" pitchFamily="50" charset="-127"/>
-                      </a:endParaRPr>
                     </a:p>
                   </a:txBody>
-                  <a:tcPr marL="6584" marR="6584" marT="6584" marB="0" anchor="ctr"/>
+                  <a:tcPr marL="9525" marR="9525" marT="9525" marB="0" anchor="ctr"/>
                 </a:tc>
                 <a:tc>
                   <a:txBody>
@@ -15588,22 +15256,19 @@
                     <a:p>
                       <a:pPr algn="l" rtl="0" fontAlgn="ctr"/>
                       <a:r>
-                        <a:rPr lang="en-US" sz="1000" u="none" strike="noStrike">
+                        <a:rPr lang="en-US" sz="900" b="0" i="0" u="none" strike="noStrike">
+                          <a:solidFill>
+                            <a:srgbClr val="000000"/>
+                          </a:solidFill>
                           <a:effectLst/>
+                          <a:latin typeface="Tahoma" panose="020B0604030504040204" pitchFamily="34" charset="0"/>
+                          <a:ea typeface="맑은 고딕" panose="020B0503020000020004" pitchFamily="50" charset="-127"/>
                         </a:rPr>
                         <a:t>bool</a:t>
                       </a:r>
-                      <a:endParaRPr lang="en-US" sz="1000" b="0" i="0" u="none" strike="noStrike">
-                        <a:solidFill>
-                          <a:srgbClr val="000000"/>
-                        </a:solidFill>
-                        <a:effectLst/>
-                        <a:latin typeface="Tahoma" panose="020B0604030504040204" pitchFamily="34" charset="0"/>
-                        <a:ea typeface="맑은 고딕" panose="020B0503020000020004" pitchFamily="50" charset="-127"/>
-                      </a:endParaRPr>
                     </a:p>
                   </a:txBody>
-                  <a:tcPr marL="6584" marR="6584" marT="6584" marB="0" anchor="ctr"/>
+                  <a:tcPr marL="9525" marR="9525" marT="9525" marB="0" anchor="ctr"/>
                 </a:tc>
                 <a:tc>
                   <a:txBody>
@@ -15612,22 +15277,19 @@
                     <a:p>
                       <a:pPr algn="l" rtl="0" fontAlgn="ctr"/>
                       <a:r>
-                        <a:rPr lang="en-US" sz="1000" u="none" strike="noStrike">
+                        <a:rPr lang="en-US" sz="900" b="0" i="0" u="none" strike="noStrike">
+                          <a:solidFill>
+                            <a:srgbClr val="000000"/>
+                          </a:solidFill>
                           <a:effectLst/>
+                          <a:latin typeface="Tahoma" panose="020B0604030504040204" pitchFamily="34" charset="0"/>
+                          <a:ea typeface="맑은 고딕" panose="020B0503020000020004" pitchFamily="50" charset="-127"/>
                         </a:rPr>
-                        <a:t>I0.4</a:t>
+                        <a:t>%IX0.0.15</a:t>
                       </a:r>
-                      <a:endParaRPr lang="en-US" sz="1000" b="0" i="0" u="none" strike="noStrike">
-                        <a:solidFill>
-                          <a:srgbClr val="000000"/>
-                        </a:solidFill>
-                        <a:effectLst/>
-                        <a:latin typeface="Tahoma" panose="020B0604030504040204" pitchFamily="34" charset="0"/>
-                        <a:ea typeface="맑은 고딕" panose="020B0503020000020004" pitchFamily="50" charset="-127"/>
-                      </a:endParaRPr>
                     </a:p>
                   </a:txBody>
-                  <a:tcPr marL="6584" marR="6584" marT="6584" marB="0" anchor="ctr"/>
+                  <a:tcPr marL="9525" marR="9525" marT="9525" marB="0" anchor="ctr"/>
                 </a:tc>
                 <a:tc>
                   <a:txBody>
@@ -15636,22 +15298,19 @@
                     <a:p>
                       <a:pPr algn="l" rtl="0" fontAlgn="ctr"/>
                       <a:r>
-                        <a:rPr lang="en-US" sz="1000" u="none" strike="noStrike">
+                        <a:rPr lang="en-US" sz="900" b="0" i="0" u="none" strike="noStrike">
+                          <a:solidFill>
+                            <a:srgbClr val="000000"/>
+                          </a:solidFill>
                           <a:effectLst/>
+                          <a:latin typeface="Tahoma" panose="020B0604030504040204" pitchFamily="34" charset="0"/>
+                          <a:ea typeface="맑은 고딕" panose="020B0503020000020004" pitchFamily="50" charset="-127"/>
                         </a:rPr>
-                        <a:t>O0.2</a:t>
+                        <a:t>%QX0.0.15</a:t>
                       </a:r>
-                      <a:endParaRPr lang="en-US" sz="1000" b="0" i="0" u="none" strike="noStrike">
-                        <a:solidFill>
-                          <a:srgbClr val="000000"/>
-                        </a:solidFill>
-                        <a:effectLst/>
-                        <a:latin typeface="Tahoma" panose="020B0604030504040204" pitchFamily="34" charset="0"/>
-                        <a:ea typeface="맑은 고딕" panose="020B0503020000020004" pitchFamily="50" charset="-127"/>
-                      </a:endParaRPr>
                     </a:p>
                   </a:txBody>
-                  <a:tcPr marL="6584" marR="6584" marT="6584" marB="0" anchor="ctr"/>
+                  <a:tcPr marL="9525" marR="9525" marT="9525" marB="0" anchor="ctr"/>
                 </a:tc>
                 <a:tc>
                   <a:txBody>
@@ -15660,22 +15319,19 @@
                     <a:p>
                       <a:pPr algn="l" rtl="0" fontAlgn="ctr"/>
                       <a:r>
-                        <a:rPr lang="en-US" sz="1000" u="none" strike="noStrike">
+                        <a:rPr lang="en-US" sz="900" b="0" i="0" u="none" strike="noStrike">
+                          <a:solidFill>
+                            <a:srgbClr val="000000"/>
+                          </a:solidFill>
                           <a:effectLst/>
+                          <a:latin typeface="Tahoma" panose="020B0604030504040204" pitchFamily="34" charset="0"/>
+                          <a:ea typeface="맑은 고딕" panose="020B0503020000020004" pitchFamily="50" charset="-127"/>
                         </a:rPr>
                         <a:t>S1_STOPPER_RET</a:t>
                       </a:r>
-                      <a:endParaRPr lang="en-US" sz="1000" b="0" i="0" u="none" strike="noStrike">
-                        <a:solidFill>
-                          <a:srgbClr val="000000"/>
-                        </a:solidFill>
-                        <a:effectLst/>
-                        <a:latin typeface="Tahoma" panose="020B0604030504040204" pitchFamily="34" charset="0"/>
-                        <a:ea typeface="맑은 고딕" panose="020B0503020000020004" pitchFamily="50" charset="-127"/>
-                      </a:endParaRPr>
                     </a:p>
                   </a:txBody>
-                  <a:tcPr marL="6584" marR="6584" marT="6584" marB="0" anchor="ctr"/>
+                  <a:tcPr marL="9525" marR="9525" marT="9525" marB="0" anchor="ctr"/>
                 </a:tc>
                 <a:tc>
                   <a:txBody>
@@ -15684,22 +15340,19 @@
                     <a:p>
                       <a:pPr algn="l" rtl="0" fontAlgn="ctr"/>
                       <a:r>
-                        <a:rPr lang="ko-KR" altLang="en-US" sz="1000" u="none" strike="noStrike">
+                        <a:rPr lang="ko-KR" altLang="en-US" sz="900" b="0" i="0" u="none" strike="noStrike">
+                          <a:solidFill>
+                            <a:srgbClr val="000000"/>
+                          </a:solidFill>
                           <a:effectLst/>
+                          <a:latin typeface="Tahoma" panose="020B0604030504040204" pitchFamily="34" charset="0"/>
+                          <a:ea typeface="맑은 고딕" panose="020B0503020000020004" pitchFamily="50" charset="-127"/>
                         </a:rPr>
                         <a:t>　</a:t>
                       </a:r>
-                      <a:endParaRPr lang="ko-KR" altLang="en-US" sz="1000" b="0" i="0" u="none" strike="noStrike">
-                        <a:solidFill>
-                          <a:srgbClr val="000000"/>
-                        </a:solidFill>
-                        <a:effectLst/>
-                        <a:latin typeface="Tahoma" panose="020B0604030504040204" pitchFamily="34" charset="0"/>
-                        <a:ea typeface="맑은 고딕" panose="020B0503020000020004" pitchFamily="50" charset="-127"/>
-                      </a:endParaRPr>
                     </a:p>
                   </a:txBody>
-                  <a:tcPr marL="6584" marR="6584" marT="6584" marB="0" anchor="ctr"/>
+                  <a:tcPr marL="9525" marR="9525" marT="9525" marB="0" anchor="ctr"/>
                 </a:tc>
                 <a:extLst>
                   <a:ext uri="{0D108BD9-81ED-4DB2-BD59-A6C34878D82A}">
@@ -15715,22 +15368,19 @@
                     <a:p>
                       <a:pPr algn="l" rtl="0" fontAlgn="ctr"/>
                       <a:r>
-                        <a:rPr lang="ko-KR" altLang="en-US" sz="1000" u="none" strike="noStrike">
+                        <a:rPr lang="ko-KR" altLang="en-US" sz="900" b="0" i="0" u="none" strike="noStrike">
+                          <a:solidFill>
+                            <a:srgbClr val="000000"/>
+                          </a:solidFill>
                           <a:effectLst/>
+                          <a:latin typeface="Tahoma" panose="020B0604030504040204" pitchFamily="34" charset="0"/>
+                          <a:ea typeface="맑은 고딕" panose="020B0503020000020004" pitchFamily="50" charset="-127"/>
                         </a:rPr>
                         <a:t>외부주소</a:t>
                       </a:r>
-                      <a:endParaRPr lang="ko-KR" altLang="en-US" sz="1000" b="0" i="0" u="none" strike="noStrike">
-                        <a:solidFill>
-                          <a:srgbClr val="000000"/>
-                        </a:solidFill>
-                        <a:effectLst/>
-                        <a:latin typeface="Tahoma" panose="020B0604030504040204" pitchFamily="34" charset="0"/>
-                        <a:ea typeface="맑은 고딕" panose="020B0503020000020004" pitchFamily="50" charset="-127"/>
-                      </a:endParaRPr>
                     </a:p>
                   </a:txBody>
-                  <a:tcPr marL="6584" marR="6584" marT="6584" marB="0" anchor="ctr"/>
+                  <a:tcPr marL="9525" marR="9525" marT="9525" marB="0" anchor="ctr"/>
                 </a:tc>
                 <a:tc>
                   <a:txBody>
@@ -15739,22 +15389,19 @@
                     <a:p>
                       <a:pPr algn="l" rtl="0" fontAlgn="ctr"/>
                       <a:r>
-                        <a:rPr lang="en-US" sz="1000" u="none" strike="noStrike">
+                        <a:rPr lang="en-US" sz="900" b="0" i="0" u="none" strike="noStrike">
+                          <a:solidFill>
+                            <a:srgbClr val="000000"/>
+                          </a:solidFill>
                           <a:effectLst/>
+                          <a:latin typeface="Tahoma" panose="020B0604030504040204" pitchFamily="34" charset="0"/>
+                          <a:ea typeface="맑은 고딕" panose="020B0503020000020004" pitchFamily="50" charset="-127"/>
                         </a:rPr>
                         <a:t>S1_USB.ADV</a:t>
                       </a:r>
-                      <a:endParaRPr lang="en-US" sz="1000" b="0" i="0" u="none" strike="noStrike">
-                        <a:solidFill>
-                          <a:srgbClr val="000000"/>
-                        </a:solidFill>
-                        <a:effectLst/>
-                        <a:latin typeface="Tahoma" panose="020B0604030504040204" pitchFamily="34" charset="0"/>
-                        <a:ea typeface="맑은 고딕" panose="020B0503020000020004" pitchFamily="50" charset="-127"/>
-                      </a:endParaRPr>
                     </a:p>
                   </a:txBody>
-                  <a:tcPr marL="6584" marR="6584" marT="6584" marB="0" anchor="ctr"/>
+                  <a:tcPr marL="9525" marR="9525" marT="9525" marB="0" anchor="ctr"/>
                 </a:tc>
                 <a:tc>
                   <a:txBody>
@@ -15763,22 +15410,19 @@
                     <a:p>
                       <a:pPr algn="l" rtl="0" fontAlgn="ctr"/>
                       <a:r>
-                        <a:rPr lang="en-US" sz="1000" u="none" strike="noStrike">
+                        <a:rPr lang="en-US" sz="900" b="0" i="0" u="none" strike="noStrike">
+                          <a:solidFill>
+                            <a:srgbClr val="000000"/>
+                          </a:solidFill>
                           <a:effectLst/>
+                          <a:latin typeface="Tahoma" panose="020B0604030504040204" pitchFamily="34" charset="0"/>
+                          <a:ea typeface="맑은 고딕" panose="020B0503020000020004" pitchFamily="50" charset="-127"/>
                         </a:rPr>
                         <a:t>bool</a:t>
                       </a:r>
-                      <a:endParaRPr lang="en-US" sz="1000" b="0" i="0" u="none" strike="noStrike">
-                        <a:solidFill>
-                          <a:srgbClr val="000000"/>
-                        </a:solidFill>
-                        <a:effectLst/>
-                        <a:latin typeface="Tahoma" panose="020B0604030504040204" pitchFamily="34" charset="0"/>
-                        <a:ea typeface="맑은 고딕" panose="020B0503020000020004" pitchFamily="50" charset="-127"/>
-                      </a:endParaRPr>
                     </a:p>
                   </a:txBody>
-                  <a:tcPr marL="6584" marR="6584" marT="6584" marB="0" anchor="ctr"/>
+                  <a:tcPr marL="9525" marR="9525" marT="9525" marB="0" anchor="ctr"/>
                 </a:tc>
                 <a:tc>
                   <a:txBody>
@@ -15787,22 +15431,19 @@
                     <a:p>
                       <a:pPr algn="l" rtl="0" fontAlgn="ctr"/>
                       <a:r>
-                        <a:rPr lang="en-US" sz="1000" u="none" strike="noStrike">
+                        <a:rPr lang="en-US" sz="900" b="0" i="0" u="none" strike="noStrike">
+                          <a:solidFill>
+                            <a:srgbClr val="000000"/>
+                          </a:solidFill>
                           <a:effectLst/>
+                          <a:latin typeface="Tahoma" panose="020B0604030504040204" pitchFamily="34" charset="0"/>
+                          <a:ea typeface="맑은 고딕" panose="020B0503020000020004" pitchFamily="50" charset="-127"/>
                         </a:rPr>
-                        <a:t>I0.7</a:t>
+                        <a:t>%IX0.0.16</a:t>
                       </a:r>
-                      <a:endParaRPr lang="en-US" sz="1000" b="0" i="0" u="none" strike="noStrike">
-                        <a:solidFill>
-                          <a:srgbClr val="000000"/>
-                        </a:solidFill>
-                        <a:effectLst/>
-                        <a:latin typeface="Tahoma" panose="020B0604030504040204" pitchFamily="34" charset="0"/>
-                        <a:ea typeface="맑은 고딕" panose="020B0503020000020004" pitchFamily="50" charset="-127"/>
-                      </a:endParaRPr>
                     </a:p>
                   </a:txBody>
-                  <a:tcPr marL="6584" marR="6584" marT="6584" marB="0" anchor="ctr"/>
+                  <a:tcPr marL="9525" marR="9525" marT="9525" marB="0" anchor="ctr"/>
                 </a:tc>
                 <a:tc>
                   <a:txBody>
@@ -15811,22 +15452,19 @@
                     <a:p>
                       <a:pPr algn="l" rtl="0" fontAlgn="ctr"/>
                       <a:r>
-                        <a:rPr lang="en-US" sz="1000" u="none" strike="noStrike">
+                        <a:rPr lang="en-US" sz="900" b="0" i="0" u="none" strike="noStrike">
+                          <a:solidFill>
+                            <a:srgbClr val="000000"/>
+                          </a:solidFill>
                           <a:effectLst/>
+                          <a:latin typeface="Tahoma" panose="020B0604030504040204" pitchFamily="34" charset="0"/>
+                          <a:ea typeface="맑은 고딕" panose="020B0503020000020004" pitchFamily="50" charset="-127"/>
                         </a:rPr>
-                        <a:t>O0.5</a:t>
+                        <a:t>%QX0.0.16</a:t>
                       </a:r>
-                      <a:endParaRPr lang="en-US" sz="1000" b="0" i="0" u="none" strike="noStrike">
-                        <a:solidFill>
-                          <a:srgbClr val="000000"/>
-                        </a:solidFill>
-                        <a:effectLst/>
-                        <a:latin typeface="Tahoma" panose="020B0604030504040204" pitchFamily="34" charset="0"/>
-                        <a:ea typeface="맑은 고딕" panose="020B0503020000020004" pitchFamily="50" charset="-127"/>
-                      </a:endParaRPr>
                     </a:p>
                   </a:txBody>
-                  <a:tcPr marL="6584" marR="6584" marT="6584" marB="0" anchor="ctr"/>
+                  <a:tcPr marL="9525" marR="9525" marT="9525" marB="0" anchor="ctr"/>
                 </a:tc>
                 <a:tc>
                   <a:txBody>
@@ -15835,22 +15473,19 @@
                     <a:p>
                       <a:pPr algn="l" rtl="0" fontAlgn="ctr"/>
                       <a:r>
-                        <a:rPr lang="en-US" sz="1000" u="none" strike="noStrike">
+                        <a:rPr lang="en-US" sz="900" b="0" i="0" u="none" strike="noStrike">
+                          <a:solidFill>
+                            <a:srgbClr val="000000"/>
+                          </a:solidFill>
                           <a:effectLst/>
+                          <a:latin typeface="Tahoma" panose="020B0604030504040204" pitchFamily="34" charset="0"/>
+                          <a:ea typeface="맑은 고딕" panose="020B0503020000020004" pitchFamily="50" charset="-127"/>
                         </a:rPr>
                         <a:t>S1_USB_ADV</a:t>
                       </a:r>
-                      <a:endParaRPr lang="en-US" sz="1000" b="0" i="0" u="none" strike="noStrike">
-                        <a:solidFill>
-                          <a:srgbClr val="000000"/>
-                        </a:solidFill>
-                        <a:effectLst/>
-                        <a:latin typeface="Tahoma" panose="020B0604030504040204" pitchFamily="34" charset="0"/>
-                        <a:ea typeface="맑은 고딕" panose="020B0503020000020004" pitchFamily="50" charset="-127"/>
-                      </a:endParaRPr>
                     </a:p>
                   </a:txBody>
-                  <a:tcPr marL="6584" marR="6584" marT="6584" marB="0" anchor="ctr"/>
+                  <a:tcPr marL="9525" marR="9525" marT="9525" marB="0" anchor="ctr"/>
                 </a:tc>
                 <a:tc>
                   <a:txBody>
@@ -15859,22 +15494,19 @@
                     <a:p>
                       <a:pPr algn="l" rtl="0" fontAlgn="ctr"/>
                       <a:r>
-                        <a:rPr lang="ko-KR" altLang="en-US" sz="1000" u="none" strike="noStrike">
+                        <a:rPr lang="ko-KR" altLang="en-US" sz="900" b="0" i="0" u="none" strike="noStrike">
+                          <a:solidFill>
+                            <a:srgbClr val="000000"/>
+                          </a:solidFill>
                           <a:effectLst/>
+                          <a:latin typeface="Tahoma" panose="020B0604030504040204" pitchFamily="34" charset="0"/>
+                          <a:ea typeface="맑은 고딕" panose="020B0503020000020004" pitchFamily="50" charset="-127"/>
                         </a:rPr>
                         <a:t>　</a:t>
                       </a:r>
-                      <a:endParaRPr lang="ko-KR" altLang="en-US" sz="1000" b="0" i="0" u="none" strike="noStrike">
-                        <a:solidFill>
-                          <a:srgbClr val="000000"/>
-                        </a:solidFill>
-                        <a:effectLst/>
-                        <a:latin typeface="Tahoma" panose="020B0604030504040204" pitchFamily="34" charset="0"/>
-                        <a:ea typeface="맑은 고딕" panose="020B0503020000020004" pitchFamily="50" charset="-127"/>
-                      </a:endParaRPr>
                     </a:p>
                   </a:txBody>
-                  <a:tcPr marL="6584" marR="6584" marT="6584" marB="0" anchor="ctr"/>
+                  <a:tcPr marL="9525" marR="9525" marT="9525" marB="0" anchor="ctr"/>
                 </a:tc>
                 <a:extLst>
                   <a:ext uri="{0D108BD9-81ED-4DB2-BD59-A6C34878D82A}">
@@ -15890,22 +15522,19 @@
                     <a:p>
                       <a:pPr algn="l" rtl="0" fontAlgn="ctr"/>
                       <a:r>
-                        <a:rPr lang="ko-KR" altLang="en-US" sz="1000" u="none" strike="noStrike">
+                        <a:rPr lang="ko-KR" altLang="en-US" sz="900" b="0" i="0" u="none" strike="noStrike">
+                          <a:solidFill>
+                            <a:srgbClr val="000000"/>
+                          </a:solidFill>
                           <a:effectLst/>
+                          <a:latin typeface="Tahoma" panose="020B0604030504040204" pitchFamily="34" charset="0"/>
+                          <a:ea typeface="맑은 고딕" panose="020B0503020000020004" pitchFamily="50" charset="-127"/>
                         </a:rPr>
                         <a:t>외부주소</a:t>
                       </a:r>
-                      <a:endParaRPr lang="ko-KR" altLang="en-US" sz="1000" b="0" i="0" u="none" strike="noStrike">
-                        <a:solidFill>
-                          <a:srgbClr val="000000"/>
-                        </a:solidFill>
-                        <a:effectLst/>
-                        <a:latin typeface="Tahoma" panose="020B0604030504040204" pitchFamily="34" charset="0"/>
-                        <a:ea typeface="맑은 고딕" panose="020B0503020000020004" pitchFamily="50" charset="-127"/>
-                      </a:endParaRPr>
                     </a:p>
                   </a:txBody>
-                  <a:tcPr marL="6584" marR="6584" marT="6584" marB="0" anchor="ctr"/>
+                  <a:tcPr marL="9525" marR="9525" marT="9525" marB="0" anchor="ctr"/>
                 </a:tc>
                 <a:tc>
                   <a:txBody>
@@ -15914,22 +15543,19 @@
                     <a:p>
                       <a:pPr algn="l" rtl="0" fontAlgn="ctr"/>
                       <a:r>
-                        <a:rPr lang="en-US" sz="1000" u="none" strike="noStrike">
+                        <a:rPr lang="en-US" sz="900" b="0" i="0" u="none" strike="noStrike">
+                          <a:solidFill>
+                            <a:srgbClr val="000000"/>
+                          </a:solidFill>
                           <a:effectLst/>
+                          <a:latin typeface="Tahoma" panose="020B0604030504040204" pitchFamily="34" charset="0"/>
+                          <a:ea typeface="맑은 고딕" panose="020B0503020000020004" pitchFamily="50" charset="-127"/>
                         </a:rPr>
                         <a:t>S1_USB.RET</a:t>
                       </a:r>
-                      <a:endParaRPr lang="en-US" sz="1000" b="0" i="0" u="none" strike="noStrike">
-                        <a:solidFill>
-                          <a:srgbClr val="000000"/>
-                        </a:solidFill>
-                        <a:effectLst/>
-                        <a:latin typeface="Tahoma" panose="020B0604030504040204" pitchFamily="34" charset="0"/>
-                        <a:ea typeface="맑은 고딕" panose="020B0503020000020004" pitchFamily="50" charset="-127"/>
-                      </a:endParaRPr>
                     </a:p>
                   </a:txBody>
-                  <a:tcPr marL="6584" marR="6584" marT="6584" marB="0" anchor="ctr"/>
+                  <a:tcPr marL="9525" marR="9525" marT="9525" marB="0" anchor="ctr"/>
                 </a:tc>
                 <a:tc>
                   <a:txBody>
@@ -15938,22 +15564,19 @@
                     <a:p>
                       <a:pPr algn="l" rtl="0" fontAlgn="ctr"/>
                       <a:r>
-                        <a:rPr lang="en-US" sz="1000" u="none" strike="noStrike">
+                        <a:rPr lang="en-US" sz="900" b="0" i="0" u="none" strike="noStrike">
+                          <a:solidFill>
+                            <a:srgbClr val="000000"/>
+                          </a:solidFill>
                           <a:effectLst/>
+                          <a:latin typeface="Tahoma" panose="020B0604030504040204" pitchFamily="34" charset="0"/>
+                          <a:ea typeface="맑은 고딕" panose="020B0503020000020004" pitchFamily="50" charset="-127"/>
                         </a:rPr>
                         <a:t>bool</a:t>
                       </a:r>
-                      <a:endParaRPr lang="en-US" sz="1000" b="0" i="0" u="none" strike="noStrike">
-                        <a:solidFill>
-                          <a:srgbClr val="000000"/>
-                        </a:solidFill>
-                        <a:effectLst/>
-                        <a:latin typeface="Tahoma" panose="020B0604030504040204" pitchFamily="34" charset="0"/>
-                        <a:ea typeface="맑은 고딕" panose="020B0503020000020004" pitchFamily="50" charset="-127"/>
-                      </a:endParaRPr>
                     </a:p>
                   </a:txBody>
-                  <a:tcPr marL="6584" marR="6584" marT="6584" marB="0" anchor="ctr"/>
+                  <a:tcPr marL="9525" marR="9525" marT="9525" marB="0" anchor="ctr"/>
                 </a:tc>
                 <a:tc>
                   <a:txBody>
@@ -15962,22 +15585,19 @@
                     <a:p>
                       <a:pPr algn="l" rtl="0" fontAlgn="ctr"/>
                       <a:r>
-                        <a:rPr lang="en-US" sz="1000" u="none" strike="noStrike">
+                        <a:rPr lang="en-US" sz="900" b="0" i="0" u="none" strike="noStrike">
+                          <a:solidFill>
+                            <a:srgbClr val="000000"/>
+                          </a:solidFill>
                           <a:effectLst/>
+                          <a:latin typeface="Tahoma" panose="020B0604030504040204" pitchFamily="34" charset="0"/>
+                          <a:ea typeface="맑은 고딕" panose="020B0503020000020004" pitchFamily="50" charset="-127"/>
                         </a:rPr>
-                        <a:t>I0.6</a:t>
+                        <a:t>%IX0.0.17</a:t>
                       </a:r>
-                      <a:endParaRPr lang="en-US" sz="1000" b="0" i="0" u="none" strike="noStrike">
-                        <a:solidFill>
-                          <a:srgbClr val="000000"/>
-                        </a:solidFill>
-                        <a:effectLst/>
-                        <a:latin typeface="Tahoma" panose="020B0604030504040204" pitchFamily="34" charset="0"/>
-                        <a:ea typeface="맑은 고딕" panose="020B0503020000020004" pitchFamily="50" charset="-127"/>
-                      </a:endParaRPr>
                     </a:p>
                   </a:txBody>
-                  <a:tcPr marL="6584" marR="6584" marT="6584" marB="0" anchor="ctr"/>
+                  <a:tcPr marL="9525" marR="9525" marT="9525" marB="0" anchor="ctr"/>
                 </a:tc>
                 <a:tc>
                   <a:txBody>
@@ -15986,22 +15606,19 @@
                     <a:p>
                       <a:pPr algn="l" rtl="0" fontAlgn="ctr"/>
                       <a:r>
-                        <a:rPr lang="en-US" sz="1000" u="none" strike="noStrike">
+                        <a:rPr lang="en-US" sz="900" b="0" i="0" u="none" strike="noStrike">
+                          <a:solidFill>
+                            <a:srgbClr val="000000"/>
+                          </a:solidFill>
                           <a:effectLst/>
+                          <a:latin typeface="Tahoma" panose="020B0604030504040204" pitchFamily="34" charset="0"/>
+                          <a:ea typeface="맑은 고딕" panose="020B0503020000020004" pitchFamily="50" charset="-127"/>
                         </a:rPr>
-                        <a:t>O0.4</a:t>
+                        <a:t>%QX0.0.17</a:t>
                       </a:r>
-                      <a:endParaRPr lang="en-US" sz="1000" b="0" i="0" u="none" strike="noStrike">
-                        <a:solidFill>
-                          <a:srgbClr val="000000"/>
-                        </a:solidFill>
-                        <a:effectLst/>
-                        <a:latin typeface="Tahoma" panose="020B0604030504040204" pitchFamily="34" charset="0"/>
-                        <a:ea typeface="맑은 고딕" panose="020B0503020000020004" pitchFamily="50" charset="-127"/>
-                      </a:endParaRPr>
                     </a:p>
                   </a:txBody>
-                  <a:tcPr marL="6584" marR="6584" marT="6584" marB="0" anchor="ctr"/>
+                  <a:tcPr marL="9525" marR="9525" marT="9525" marB="0" anchor="ctr"/>
                 </a:tc>
                 <a:tc>
                   <a:txBody>
@@ -16010,22 +15627,19 @@
                     <a:p>
                       <a:pPr algn="l" rtl="0" fontAlgn="ctr"/>
                       <a:r>
-                        <a:rPr lang="en-US" sz="1000" u="none" strike="noStrike">
+                        <a:rPr lang="en-US" sz="900" b="0" i="0" u="none" strike="noStrike">
+                          <a:solidFill>
+                            <a:srgbClr val="000000"/>
+                          </a:solidFill>
                           <a:effectLst/>
+                          <a:latin typeface="Tahoma" panose="020B0604030504040204" pitchFamily="34" charset="0"/>
+                          <a:ea typeface="맑은 고딕" panose="020B0503020000020004" pitchFamily="50" charset="-127"/>
                         </a:rPr>
                         <a:t>S1_USB_RET</a:t>
                       </a:r>
-                      <a:endParaRPr lang="en-US" sz="1000" b="0" i="0" u="none" strike="noStrike">
-                        <a:solidFill>
-                          <a:srgbClr val="000000"/>
-                        </a:solidFill>
-                        <a:effectLst/>
-                        <a:latin typeface="Tahoma" panose="020B0604030504040204" pitchFamily="34" charset="0"/>
-                        <a:ea typeface="맑은 고딕" panose="020B0503020000020004" pitchFamily="50" charset="-127"/>
-                      </a:endParaRPr>
                     </a:p>
                   </a:txBody>
-                  <a:tcPr marL="6584" marR="6584" marT="6584" marB="0" anchor="ctr"/>
+                  <a:tcPr marL="9525" marR="9525" marT="9525" marB="0" anchor="ctr"/>
                 </a:tc>
                 <a:tc>
                   <a:txBody>
@@ -16034,22 +15648,19 @@
                     <a:p>
                       <a:pPr algn="l" rtl="0" fontAlgn="ctr"/>
                       <a:r>
-                        <a:rPr lang="ko-KR" altLang="en-US" sz="1000" u="none" strike="noStrike">
+                        <a:rPr lang="ko-KR" altLang="en-US" sz="900" b="0" i="0" u="none" strike="noStrike">
+                          <a:solidFill>
+                            <a:srgbClr val="000000"/>
+                          </a:solidFill>
                           <a:effectLst/>
+                          <a:latin typeface="Tahoma" panose="020B0604030504040204" pitchFamily="34" charset="0"/>
+                          <a:ea typeface="맑은 고딕" panose="020B0503020000020004" pitchFamily="50" charset="-127"/>
                         </a:rPr>
                         <a:t>　</a:t>
                       </a:r>
-                      <a:endParaRPr lang="ko-KR" altLang="en-US" sz="1000" b="0" i="0" u="none" strike="noStrike">
-                        <a:solidFill>
-                          <a:srgbClr val="000000"/>
-                        </a:solidFill>
-                        <a:effectLst/>
-                        <a:latin typeface="Tahoma" panose="020B0604030504040204" pitchFamily="34" charset="0"/>
-                        <a:ea typeface="맑은 고딕" panose="020B0503020000020004" pitchFamily="50" charset="-127"/>
-                      </a:endParaRPr>
                     </a:p>
                   </a:txBody>
-                  <a:tcPr marL="6584" marR="6584" marT="6584" marB="0" anchor="ctr"/>
+                  <a:tcPr marL="9525" marR="9525" marT="9525" marB="0" anchor="ctr"/>
                 </a:tc>
                 <a:extLst>
                   <a:ext uri="{0D108BD9-81ED-4DB2-BD59-A6C34878D82A}">
@@ -16065,22 +15676,19 @@
                     <a:p>
                       <a:pPr algn="l" rtl="0" fontAlgn="ctr"/>
                       <a:r>
-                        <a:rPr lang="ko-KR" altLang="en-US" sz="1000" u="none" strike="noStrike">
+                        <a:rPr lang="ko-KR" altLang="en-US" sz="900" b="0" i="0" u="none" strike="noStrike">
+                          <a:solidFill>
+                            <a:srgbClr val="000000"/>
+                          </a:solidFill>
                           <a:effectLst/>
+                          <a:latin typeface="Tahoma" panose="020B0604030504040204" pitchFamily="34" charset="0"/>
+                          <a:ea typeface="맑은 고딕" panose="020B0503020000020004" pitchFamily="50" charset="-127"/>
                         </a:rPr>
                         <a:t>외부주소</a:t>
                       </a:r>
-                      <a:endParaRPr lang="ko-KR" altLang="en-US" sz="1000" b="0" i="0" u="none" strike="noStrike">
-                        <a:solidFill>
-                          <a:srgbClr val="000000"/>
-                        </a:solidFill>
-                        <a:effectLst/>
-                        <a:latin typeface="Tahoma" panose="020B0604030504040204" pitchFamily="34" charset="0"/>
-                        <a:ea typeface="맑은 고딕" panose="020B0503020000020004" pitchFamily="50" charset="-127"/>
-                      </a:endParaRPr>
                     </a:p>
                   </a:txBody>
-                  <a:tcPr marL="6584" marR="6584" marT="6584" marB="0" anchor="ctr"/>
+                  <a:tcPr marL="9525" marR="9525" marT="9525" marB="0" anchor="ctr"/>
                 </a:tc>
                 <a:tc>
                   <a:txBody>
@@ -16089,22 +15697,19 @@
                     <a:p>
                       <a:pPr algn="l" rtl="0" fontAlgn="ctr"/>
                       <a:r>
-                        <a:rPr lang="en-US" sz="1000" u="none" strike="noStrike">
+                        <a:rPr lang="en-US" sz="900" b="0" i="0" u="none" strike="noStrike">
+                          <a:solidFill>
+                            <a:srgbClr val="000000"/>
+                          </a:solidFill>
                           <a:effectLst/>
+                          <a:latin typeface="Tahoma" panose="020B0604030504040204" pitchFamily="34" charset="0"/>
+                          <a:ea typeface="맑은 고딕" panose="020B0503020000020004" pitchFamily="50" charset="-127"/>
                         </a:rPr>
                         <a:t>S2_STOPPER.ADV</a:t>
                       </a:r>
-                      <a:endParaRPr lang="en-US" sz="1000" b="0" i="0" u="none" strike="noStrike">
-                        <a:solidFill>
-                          <a:srgbClr val="000000"/>
-                        </a:solidFill>
-                        <a:effectLst/>
-                        <a:latin typeface="Tahoma" panose="020B0604030504040204" pitchFamily="34" charset="0"/>
-                        <a:ea typeface="맑은 고딕" panose="020B0503020000020004" pitchFamily="50" charset="-127"/>
-                      </a:endParaRPr>
                     </a:p>
                   </a:txBody>
-                  <a:tcPr marL="6584" marR="6584" marT="6584" marB="0" anchor="ctr"/>
+                  <a:tcPr marL="9525" marR="9525" marT="9525" marB="0" anchor="ctr"/>
                 </a:tc>
                 <a:tc>
                   <a:txBody>
@@ -16113,22 +15718,19 @@
                     <a:p>
                       <a:pPr algn="l" rtl="0" fontAlgn="ctr"/>
                       <a:r>
-                        <a:rPr lang="en-US" sz="1000" u="none" strike="noStrike">
+                        <a:rPr lang="en-US" sz="900" b="0" i="0" u="none" strike="noStrike">
+                          <a:solidFill>
+                            <a:srgbClr val="000000"/>
+                          </a:solidFill>
                           <a:effectLst/>
+                          <a:latin typeface="Tahoma" panose="020B0604030504040204" pitchFamily="34" charset="0"/>
+                          <a:ea typeface="맑은 고딕" panose="020B0503020000020004" pitchFamily="50" charset="-127"/>
                         </a:rPr>
                         <a:t>bool</a:t>
                       </a:r>
-                      <a:endParaRPr lang="en-US" sz="1000" b="0" i="0" u="none" strike="noStrike">
-                        <a:solidFill>
-                          <a:srgbClr val="000000"/>
-                        </a:solidFill>
-                        <a:effectLst/>
-                        <a:latin typeface="Tahoma" panose="020B0604030504040204" pitchFamily="34" charset="0"/>
-                        <a:ea typeface="맑은 고딕" panose="020B0503020000020004" pitchFamily="50" charset="-127"/>
-                      </a:endParaRPr>
                     </a:p>
                   </a:txBody>
-                  <a:tcPr marL="6584" marR="6584" marT="6584" marB="0" anchor="ctr"/>
+                  <a:tcPr marL="9525" marR="9525" marT="9525" marB="0" anchor="ctr"/>
                 </a:tc>
                 <a:tc>
                   <a:txBody>
@@ -16137,22 +15739,19 @@
                     <a:p>
                       <a:pPr algn="l" rtl="0" fontAlgn="ctr"/>
                       <a:r>
-                        <a:rPr lang="en-US" sz="1000" u="none" strike="noStrike">
+                        <a:rPr lang="en-US" sz="900" b="0" i="0" u="none" strike="noStrike">
+                          <a:solidFill>
+                            <a:srgbClr val="000000"/>
+                          </a:solidFill>
                           <a:effectLst/>
+                          <a:latin typeface="Tahoma" panose="020B0604030504040204" pitchFamily="34" charset="0"/>
+                          <a:ea typeface="맑은 고딕" panose="020B0503020000020004" pitchFamily="50" charset="-127"/>
                         </a:rPr>
-                        <a:t>I1.1</a:t>
+                        <a:t>%IX0.0.18</a:t>
                       </a:r>
-                      <a:endParaRPr lang="en-US" sz="1000" b="0" i="0" u="none" strike="noStrike">
-                        <a:solidFill>
-                          <a:srgbClr val="000000"/>
-                        </a:solidFill>
-                        <a:effectLst/>
-                        <a:latin typeface="Tahoma" panose="020B0604030504040204" pitchFamily="34" charset="0"/>
-                        <a:ea typeface="맑은 고딕" panose="020B0503020000020004" pitchFamily="50" charset="-127"/>
-                      </a:endParaRPr>
                     </a:p>
                   </a:txBody>
-                  <a:tcPr marL="6584" marR="6584" marT="6584" marB="0" anchor="ctr"/>
+                  <a:tcPr marL="9525" marR="9525" marT="9525" marB="0" anchor="ctr"/>
                 </a:tc>
                 <a:tc>
                   <a:txBody>
@@ -16161,22 +15760,19 @@
                     <a:p>
                       <a:pPr algn="l" rtl="0" fontAlgn="ctr"/>
                       <a:r>
-                        <a:rPr lang="en-US" sz="1000" u="none" strike="noStrike">
+                        <a:rPr lang="en-US" sz="900" b="0" i="0" u="none" strike="noStrike">
+                          <a:solidFill>
+                            <a:srgbClr val="000000"/>
+                          </a:solidFill>
                           <a:effectLst/>
+                          <a:latin typeface="Tahoma" panose="020B0604030504040204" pitchFamily="34" charset="0"/>
+                          <a:ea typeface="맑은 고딕" panose="020B0503020000020004" pitchFamily="50" charset="-127"/>
                         </a:rPr>
-                        <a:t>O0.7</a:t>
+                        <a:t>%QX0.0.18</a:t>
                       </a:r>
-                      <a:endParaRPr lang="en-US" sz="1000" b="0" i="0" u="none" strike="noStrike">
-                        <a:solidFill>
-                          <a:srgbClr val="000000"/>
-                        </a:solidFill>
-                        <a:effectLst/>
-                        <a:latin typeface="Tahoma" panose="020B0604030504040204" pitchFamily="34" charset="0"/>
-                        <a:ea typeface="맑은 고딕" panose="020B0503020000020004" pitchFamily="50" charset="-127"/>
-                      </a:endParaRPr>
                     </a:p>
                   </a:txBody>
-                  <a:tcPr marL="6584" marR="6584" marT="6584" marB="0" anchor="ctr"/>
+                  <a:tcPr marL="9525" marR="9525" marT="9525" marB="0" anchor="ctr"/>
                 </a:tc>
                 <a:tc>
                   <a:txBody>
@@ -16185,22 +15781,19 @@
                     <a:p>
                       <a:pPr algn="l" rtl="0" fontAlgn="ctr"/>
                       <a:r>
-                        <a:rPr lang="en-US" sz="1000" u="none" strike="noStrike">
+                        <a:rPr lang="en-US" sz="900" b="0" i="0" u="none" strike="noStrike">
+                          <a:solidFill>
+                            <a:srgbClr val="000000"/>
+                          </a:solidFill>
                           <a:effectLst/>
+                          <a:latin typeface="Tahoma" panose="020B0604030504040204" pitchFamily="34" charset="0"/>
+                          <a:ea typeface="맑은 고딕" panose="020B0503020000020004" pitchFamily="50" charset="-127"/>
                         </a:rPr>
                         <a:t>S2_STOPPER_ADV</a:t>
                       </a:r>
-                      <a:endParaRPr lang="en-US" sz="1000" b="0" i="0" u="none" strike="noStrike">
-                        <a:solidFill>
-                          <a:srgbClr val="000000"/>
-                        </a:solidFill>
-                        <a:effectLst/>
-                        <a:latin typeface="Tahoma" panose="020B0604030504040204" pitchFamily="34" charset="0"/>
-                        <a:ea typeface="맑은 고딕" panose="020B0503020000020004" pitchFamily="50" charset="-127"/>
-                      </a:endParaRPr>
                     </a:p>
                   </a:txBody>
-                  <a:tcPr marL="6584" marR="6584" marT="6584" marB="0" anchor="ctr"/>
+                  <a:tcPr marL="9525" marR="9525" marT="9525" marB="0" anchor="ctr"/>
                 </a:tc>
                 <a:tc>
                   <a:txBody>
@@ -16209,22 +15802,19 @@
                     <a:p>
                       <a:pPr algn="l" rtl="0" fontAlgn="ctr"/>
                       <a:r>
-                        <a:rPr lang="ko-KR" altLang="en-US" sz="1000" u="none" strike="noStrike">
+                        <a:rPr lang="ko-KR" altLang="en-US" sz="900" b="0" i="0" u="none" strike="noStrike">
+                          <a:solidFill>
+                            <a:srgbClr val="000000"/>
+                          </a:solidFill>
                           <a:effectLst/>
+                          <a:latin typeface="Tahoma" panose="020B0604030504040204" pitchFamily="34" charset="0"/>
+                          <a:ea typeface="맑은 고딕" panose="020B0503020000020004" pitchFamily="50" charset="-127"/>
                         </a:rPr>
                         <a:t>　</a:t>
                       </a:r>
-                      <a:endParaRPr lang="ko-KR" altLang="en-US" sz="1000" b="0" i="0" u="none" strike="noStrike">
-                        <a:solidFill>
-                          <a:srgbClr val="000000"/>
-                        </a:solidFill>
-                        <a:effectLst/>
-                        <a:latin typeface="Tahoma" panose="020B0604030504040204" pitchFamily="34" charset="0"/>
-                        <a:ea typeface="맑은 고딕" panose="020B0503020000020004" pitchFamily="50" charset="-127"/>
-                      </a:endParaRPr>
                     </a:p>
                   </a:txBody>
-                  <a:tcPr marL="6584" marR="6584" marT="6584" marB="0" anchor="ctr"/>
+                  <a:tcPr marL="9525" marR="9525" marT="9525" marB="0" anchor="ctr"/>
                 </a:tc>
                 <a:extLst>
                   <a:ext uri="{0D108BD9-81ED-4DB2-BD59-A6C34878D82A}">
@@ -16240,22 +15830,19 @@
                     <a:p>
                       <a:pPr algn="l" rtl="0" fontAlgn="ctr"/>
                       <a:r>
-                        <a:rPr lang="ko-KR" altLang="en-US" sz="1000" u="none" strike="noStrike">
+                        <a:rPr lang="ko-KR" altLang="en-US" sz="900" b="0" i="0" u="none" strike="noStrike">
+                          <a:solidFill>
+                            <a:srgbClr val="000000"/>
+                          </a:solidFill>
                           <a:effectLst/>
+                          <a:latin typeface="Tahoma" panose="020B0604030504040204" pitchFamily="34" charset="0"/>
+                          <a:ea typeface="맑은 고딕" panose="020B0503020000020004" pitchFamily="50" charset="-127"/>
                         </a:rPr>
                         <a:t>외부주소</a:t>
                       </a:r>
-                      <a:endParaRPr lang="ko-KR" altLang="en-US" sz="1000" b="0" i="0" u="none" strike="noStrike">
-                        <a:solidFill>
-                          <a:srgbClr val="000000"/>
-                        </a:solidFill>
-                        <a:effectLst/>
-                        <a:latin typeface="Tahoma" panose="020B0604030504040204" pitchFamily="34" charset="0"/>
-                        <a:ea typeface="맑은 고딕" panose="020B0503020000020004" pitchFamily="50" charset="-127"/>
-                      </a:endParaRPr>
                     </a:p>
                   </a:txBody>
-                  <a:tcPr marL="6584" marR="6584" marT="6584" marB="0" anchor="ctr"/>
+                  <a:tcPr marL="9525" marR="9525" marT="9525" marB="0" anchor="ctr"/>
                 </a:tc>
                 <a:tc>
                   <a:txBody>
@@ -16264,22 +15851,19 @@
                     <a:p>
                       <a:pPr algn="l" rtl="0" fontAlgn="ctr"/>
                       <a:r>
-                        <a:rPr lang="en-US" sz="1000" u="none" strike="noStrike">
+                        <a:rPr lang="en-US" sz="900" b="0" i="0" u="none" strike="noStrike">
+                          <a:solidFill>
+                            <a:srgbClr val="000000"/>
+                          </a:solidFill>
                           <a:effectLst/>
+                          <a:latin typeface="Tahoma" panose="020B0604030504040204" pitchFamily="34" charset="0"/>
+                          <a:ea typeface="맑은 고딕" panose="020B0503020000020004" pitchFamily="50" charset="-127"/>
                         </a:rPr>
                         <a:t>S2_STOPPER.RET</a:t>
                       </a:r>
-                      <a:endParaRPr lang="en-US" sz="1000" b="0" i="0" u="none" strike="noStrike">
-                        <a:solidFill>
-                          <a:srgbClr val="000000"/>
-                        </a:solidFill>
-                        <a:effectLst/>
-                        <a:latin typeface="Tahoma" panose="020B0604030504040204" pitchFamily="34" charset="0"/>
-                        <a:ea typeface="맑은 고딕" panose="020B0503020000020004" pitchFamily="50" charset="-127"/>
-                      </a:endParaRPr>
                     </a:p>
                   </a:txBody>
-                  <a:tcPr marL="6584" marR="6584" marT="6584" marB="0" anchor="ctr"/>
+                  <a:tcPr marL="9525" marR="9525" marT="9525" marB="0" anchor="ctr"/>
                 </a:tc>
                 <a:tc>
                   <a:txBody>
@@ -16288,22 +15872,19 @@
                     <a:p>
                       <a:pPr algn="l" rtl="0" fontAlgn="ctr"/>
                       <a:r>
-                        <a:rPr lang="en-US" sz="1000" u="none" strike="noStrike">
+                        <a:rPr lang="en-US" sz="900" b="0" i="0" u="none" strike="noStrike">
+                          <a:solidFill>
+                            <a:srgbClr val="000000"/>
+                          </a:solidFill>
                           <a:effectLst/>
+                          <a:latin typeface="Tahoma" panose="020B0604030504040204" pitchFamily="34" charset="0"/>
+                          <a:ea typeface="맑은 고딕" panose="020B0503020000020004" pitchFamily="50" charset="-127"/>
                         </a:rPr>
                         <a:t>bool</a:t>
                       </a:r>
-                      <a:endParaRPr lang="en-US" sz="1000" b="0" i="0" u="none" strike="noStrike">
-                        <a:solidFill>
-                          <a:srgbClr val="000000"/>
-                        </a:solidFill>
-                        <a:effectLst/>
-                        <a:latin typeface="Tahoma" panose="020B0604030504040204" pitchFamily="34" charset="0"/>
-                        <a:ea typeface="맑은 고딕" panose="020B0503020000020004" pitchFamily="50" charset="-127"/>
-                      </a:endParaRPr>
                     </a:p>
                   </a:txBody>
-                  <a:tcPr marL="6584" marR="6584" marT="6584" marB="0" anchor="ctr"/>
+                  <a:tcPr marL="9525" marR="9525" marT="9525" marB="0" anchor="ctr"/>
                 </a:tc>
                 <a:tc>
                   <a:txBody>
@@ -16312,22 +15893,19 @@
                     <a:p>
                       <a:pPr algn="l" rtl="0" fontAlgn="ctr"/>
                       <a:r>
-                        <a:rPr lang="en-US" sz="1000" u="none" strike="noStrike">
+                        <a:rPr lang="en-US" sz="900" b="0" i="0" u="none" strike="noStrike">
+                          <a:solidFill>
+                            <a:srgbClr val="000000"/>
+                          </a:solidFill>
                           <a:effectLst/>
+                          <a:latin typeface="Tahoma" panose="020B0604030504040204" pitchFamily="34" charset="0"/>
+                          <a:ea typeface="맑은 고딕" panose="020B0503020000020004" pitchFamily="50" charset="-127"/>
                         </a:rPr>
-                        <a:t>I1.0</a:t>
+                        <a:t>%IX0.0.19</a:t>
                       </a:r>
-                      <a:endParaRPr lang="en-US" sz="1000" b="0" i="0" u="none" strike="noStrike">
-                        <a:solidFill>
-                          <a:srgbClr val="000000"/>
-                        </a:solidFill>
-                        <a:effectLst/>
-                        <a:latin typeface="Tahoma" panose="020B0604030504040204" pitchFamily="34" charset="0"/>
-                        <a:ea typeface="맑은 고딕" panose="020B0503020000020004" pitchFamily="50" charset="-127"/>
-                      </a:endParaRPr>
                     </a:p>
                   </a:txBody>
-                  <a:tcPr marL="6584" marR="6584" marT="6584" marB="0" anchor="ctr"/>
+                  <a:tcPr marL="9525" marR="9525" marT="9525" marB="0" anchor="ctr"/>
                 </a:tc>
                 <a:tc>
                   <a:txBody>
@@ -16336,22 +15914,19 @@
                     <a:p>
                       <a:pPr algn="l" rtl="0" fontAlgn="ctr"/>
                       <a:r>
-                        <a:rPr lang="en-US" sz="1000" u="none" strike="noStrike">
+                        <a:rPr lang="en-US" sz="900" b="0" i="0" u="none" strike="noStrike">
+                          <a:solidFill>
+                            <a:srgbClr val="000000"/>
+                          </a:solidFill>
                           <a:effectLst/>
+                          <a:latin typeface="Tahoma" panose="020B0604030504040204" pitchFamily="34" charset="0"/>
+                          <a:ea typeface="맑은 고딕" panose="020B0503020000020004" pitchFamily="50" charset="-127"/>
                         </a:rPr>
-                        <a:t>O0.6</a:t>
+                        <a:t>%QX0.0.19</a:t>
                       </a:r>
-                      <a:endParaRPr lang="en-US" sz="1000" b="0" i="0" u="none" strike="noStrike">
-                        <a:solidFill>
-                          <a:srgbClr val="000000"/>
-                        </a:solidFill>
-                        <a:effectLst/>
-                        <a:latin typeface="Tahoma" panose="020B0604030504040204" pitchFamily="34" charset="0"/>
-                        <a:ea typeface="맑은 고딕" panose="020B0503020000020004" pitchFamily="50" charset="-127"/>
-                      </a:endParaRPr>
                     </a:p>
                   </a:txBody>
-                  <a:tcPr marL="6584" marR="6584" marT="6584" marB="0" anchor="ctr"/>
+                  <a:tcPr marL="9525" marR="9525" marT="9525" marB="0" anchor="ctr"/>
                 </a:tc>
                 <a:tc>
                   <a:txBody>
@@ -16360,22 +15935,19 @@
                     <a:p>
                       <a:pPr algn="l" rtl="0" fontAlgn="ctr"/>
                       <a:r>
-                        <a:rPr lang="en-US" sz="1000" u="none" strike="noStrike">
+                        <a:rPr lang="en-US" sz="900" b="0" i="0" u="none" strike="noStrike">
+                          <a:solidFill>
+                            <a:srgbClr val="000000"/>
+                          </a:solidFill>
                           <a:effectLst/>
+                          <a:latin typeface="Tahoma" panose="020B0604030504040204" pitchFamily="34" charset="0"/>
+                          <a:ea typeface="맑은 고딕" panose="020B0503020000020004" pitchFamily="50" charset="-127"/>
                         </a:rPr>
                         <a:t>S2_STOPPER_RET</a:t>
                       </a:r>
-                      <a:endParaRPr lang="en-US" sz="1000" b="0" i="0" u="none" strike="noStrike">
-                        <a:solidFill>
-                          <a:srgbClr val="000000"/>
-                        </a:solidFill>
-                        <a:effectLst/>
-                        <a:latin typeface="Tahoma" panose="020B0604030504040204" pitchFamily="34" charset="0"/>
-                        <a:ea typeface="맑은 고딕" panose="020B0503020000020004" pitchFamily="50" charset="-127"/>
-                      </a:endParaRPr>
                     </a:p>
                   </a:txBody>
-                  <a:tcPr marL="6584" marR="6584" marT="6584" marB="0" anchor="ctr"/>
+                  <a:tcPr marL="9525" marR="9525" marT="9525" marB="0" anchor="ctr"/>
                 </a:tc>
                 <a:tc>
                   <a:txBody>
@@ -16384,22 +15956,19 @@
                     <a:p>
                       <a:pPr algn="l" rtl="0" fontAlgn="ctr"/>
                       <a:r>
-                        <a:rPr lang="ko-KR" altLang="en-US" sz="1000" u="none" strike="noStrike">
+                        <a:rPr lang="ko-KR" altLang="en-US" sz="900" b="0" i="0" u="none" strike="noStrike">
+                          <a:solidFill>
+                            <a:srgbClr val="000000"/>
+                          </a:solidFill>
                           <a:effectLst/>
+                          <a:latin typeface="Tahoma" panose="020B0604030504040204" pitchFamily="34" charset="0"/>
+                          <a:ea typeface="맑은 고딕" panose="020B0503020000020004" pitchFamily="50" charset="-127"/>
                         </a:rPr>
                         <a:t>　</a:t>
                       </a:r>
-                      <a:endParaRPr lang="ko-KR" altLang="en-US" sz="1000" b="0" i="0" u="none" strike="noStrike">
-                        <a:solidFill>
-                          <a:srgbClr val="000000"/>
-                        </a:solidFill>
-                        <a:effectLst/>
-                        <a:latin typeface="Tahoma" panose="020B0604030504040204" pitchFamily="34" charset="0"/>
-                        <a:ea typeface="맑은 고딕" panose="020B0503020000020004" pitchFamily="50" charset="-127"/>
-                      </a:endParaRPr>
                     </a:p>
                   </a:txBody>
-                  <a:tcPr marL="6584" marR="6584" marT="6584" marB="0" anchor="ctr"/>
+                  <a:tcPr marL="9525" marR="9525" marT="9525" marB="0" anchor="ctr"/>
                 </a:tc>
                 <a:extLst>
                   <a:ext uri="{0D108BD9-81ED-4DB2-BD59-A6C34878D82A}">
@@ -16415,22 +15984,19 @@
                     <a:p>
                       <a:pPr algn="l" rtl="0" fontAlgn="ctr"/>
                       <a:r>
-                        <a:rPr lang="ko-KR" altLang="en-US" sz="1000" u="none" strike="noStrike">
+                        <a:rPr lang="ko-KR" altLang="en-US" sz="900" b="0" i="0" u="none" strike="noStrike">
+                          <a:solidFill>
+                            <a:srgbClr val="000000"/>
+                          </a:solidFill>
                           <a:effectLst/>
+                          <a:latin typeface="Tahoma" panose="020B0604030504040204" pitchFamily="34" charset="0"/>
+                          <a:ea typeface="맑은 고딕" panose="020B0503020000020004" pitchFamily="50" charset="-127"/>
                         </a:rPr>
                         <a:t>외부주소</a:t>
                       </a:r>
-                      <a:endParaRPr lang="ko-KR" altLang="en-US" sz="1000" b="0" i="0" u="none" strike="noStrike">
-                        <a:solidFill>
-                          <a:srgbClr val="000000"/>
-                        </a:solidFill>
-                        <a:effectLst/>
-                        <a:latin typeface="Tahoma" panose="020B0604030504040204" pitchFamily="34" charset="0"/>
-                        <a:ea typeface="맑은 고딕" panose="020B0503020000020004" pitchFamily="50" charset="-127"/>
-                      </a:endParaRPr>
                     </a:p>
                   </a:txBody>
-                  <a:tcPr marL="6584" marR="6584" marT="6584" marB="0" anchor="ctr"/>
+                  <a:tcPr marL="9525" marR="9525" marT="9525" marB="0" anchor="ctr"/>
                 </a:tc>
                 <a:tc>
                   <a:txBody>
@@ -16439,22 +16005,19 @@
                     <a:p>
                       <a:pPr algn="l" rtl="0" fontAlgn="ctr"/>
                       <a:r>
-                        <a:rPr lang="en-US" sz="1000" u="none" strike="noStrike">
+                        <a:rPr lang="en-US" sz="900" b="0" i="0" u="none" strike="noStrike">
+                          <a:solidFill>
+                            <a:srgbClr val="000000"/>
+                          </a:solidFill>
                           <a:effectLst/>
+                          <a:latin typeface="Tahoma" panose="020B0604030504040204" pitchFamily="34" charset="0"/>
+                          <a:ea typeface="맑은 고딕" panose="020B0503020000020004" pitchFamily="50" charset="-127"/>
                         </a:rPr>
                         <a:t>S2_USB.ADV</a:t>
                       </a:r>
-                      <a:endParaRPr lang="en-US" sz="1000" b="0" i="0" u="none" strike="noStrike">
-                        <a:solidFill>
-                          <a:srgbClr val="000000"/>
-                        </a:solidFill>
-                        <a:effectLst/>
-                        <a:latin typeface="Tahoma" panose="020B0604030504040204" pitchFamily="34" charset="0"/>
-                        <a:ea typeface="맑은 고딕" panose="020B0503020000020004" pitchFamily="50" charset="-127"/>
-                      </a:endParaRPr>
                     </a:p>
                   </a:txBody>
-                  <a:tcPr marL="6584" marR="6584" marT="6584" marB="0" anchor="ctr"/>
+                  <a:tcPr marL="9525" marR="9525" marT="9525" marB="0" anchor="ctr"/>
                 </a:tc>
                 <a:tc>
                   <a:txBody>
@@ -16463,22 +16026,19 @@
                     <a:p>
                       <a:pPr algn="l" rtl="0" fontAlgn="ctr"/>
                       <a:r>
-                        <a:rPr lang="en-US" sz="1000" u="none" strike="noStrike">
+                        <a:rPr lang="en-US" sz="900" b="0" i="0" u="none" strike="noStrike">
+                          <a:solidFill>
+                            <a:srgbClr val="000000"/>
+                          </a:solidFill>
                           <a:effectLst/>
+                          <a:latin typeface="Tahoma" panose="020B0604030504040204" pitchFamily="34" charset="0"/>
+                          <a:ea typeface="맑은 고딕" panose="020B0503020000020004" pitchFamily="50" charset="-127"/>
                         </a:rPr>
                         <a:t>bool</a:t>
                       </a:r>
-                      <a:endParaRPr lang="en-US" sz="1000" b="0" i="0" u="none" strike="noStrike">
-                        <a:solidFill>
-                          <a:srgbClr val="000000"/>
-                        </a:solidFill>
-                        <a:effectLst/>
-                        <a:latin typeface="Tahoma" panose="020B0604030504040204" pitchFamily="34" charset="0"/>
-                        <a:ea typeface="맑은 고딕" panose="020B0503020000020004" pitchFamily="50" charset="-127"/>
-                      </a:endParaRPr>
                     </a:p>
                   </a:txBody>
-                  <a:tcPr marL="6584" marR="6584" marT="6584" marB="0" anchor="ctr"/>
+                  <a:tcPr marL="9525" marR="9525" marT="9525" marB="0" anchor="ctr"/>
                 </a:tc>
                 <a:tc>
                   <a:txBody>
@@ -16487,22 +16047,19 @@
                     <a:p>
                       <a:pPr algn="l" rtl="0" fontAlgn="ctr"/>
                       <a:r>
-                        <a:rPr lang="en-US" sz="1000" u="none" strike="noStrike">
+                        <a:rPr lang="en-US" sz="900" b="0" i="0" u="none" strike="noStrike">
+                          <a:solidFill>
+                            <a:srgbClr val="000000"/>
+                          </a:solidFill>
                           <a:effectLst/>
+                          <a:latin typeface="Tahoma" panose="020B0604030504040204" pitchFamily="34" charset="0"/>
+                          <a:ea typeface="맑은 고딕" panose="020B0503020000020004" pitchFamily="50" charset="-127"/>
                         </a:rPr>
-                        <a:t>I1.3</a:t>
+                        <a:t>%IX0.0.20</a:t>
                       </a:r>
-                      <a:endParaRPr lang="en-US" sz="1000" b="0" i="0" u="none" strike="noStrike">
-                        <a:solidFill>
-                          <a:srgbClr val="000000"/>
-                        </a:solidFill>
-                        <a:effectLst/>
-                        <a:latin typeface="Tahoma" panose="020B0604030504040204" pitchFamily="34" charset="0"/>
-                        <a:ea typeface="맑은 고딕" panose="020B0503020000020004" pitchFamily="50" charset="-127"/>
-                      </a:endParaRPr>
                     </a:p>
                   </a:txBody>
-                  <a:tcPr marL="6584" marR="6584" marT="6584" marB="0" anchor="ctr"/>
+                  <a:tcPr marL="9525" marR="9525" marT="9525" marB="0" anchor="ctr"/>
                 </a:tc>
                 <a:tc>
                   <a:txBody>
@@ -16511,22 +16068,19 @@
                     <a:p>
                       <a:pPr algn="l" rtl="0" fontAlgn="ctr"/>
                       <a:r>
-                        <a:rPr lang="en-US" sz="1000" u="none" strike="noStrike">
+                        <a:rPr lang="en-US" sz="900" b="0" i="0" u="none" strike="noStrike">
+                          <a:solidFill>
+                            <a:srgbClr val="000000"/>
+                          </a:solidFill>
                           <a:effectLst/>
+                          <a:latin typeface="Tahoma" panose="020B0604030504040204" pitchFamily="34" charset="0"/>
+                          <a:ea typeface="맑은 고딕" panose="020B0503020000020004" pitchFamily="50" charset="-127"/>
                         </a:rPr>
-                        <a:t>O1.1</a:t>
+                        <a:t>%QX0.0.20</a:t>
                       </a:r>
-                      <a:endParaRPr lang="en-US" sz="1000" b="0" i="0" u="none" strike="noStrike">
-                        <a:solidFill>
-                          <a:srgbClr val="000000"/>
-                        </a:solidFill>
-                        <a:effectLst/>
-                        <a:latin typeface="Tahoma" panose="020B0604030504040204" pitchFamily="34" charset="0"/>
-                        <a:ea typeface="맑은 고딕" panose="020B0503020000020004" pitchFamily="50" charset="-127"/>
-                      </a:endParaRPr>
                     </a:p>
                   </a:txBody>
-                  <a:tcPr marL="6584" marR="6584" marT="6584" marB="0" anchor="ctr"/>
+                  <a:tcPr marL="9525" marR="9525" marT="9525" marB="0" anchor="ctr"/>
                 </a:tc>
                 <a:tc>
                   <a:txBody>
@@ -16535,22 +16089,19 @@
                     <a:p>
                       <a:pPr algn="l" rtl="0" fontAlgn="ctr"/>
                       <a:r>
-                        <a:rPr lang="en-US" sz="1000" u="none" strike="noStrike">
+                        <a:rPr lang="en-US" sz="900" b="0" i="0" u="none" strike="noStrike">
+                          <a:solidFill>
+                            <a:srgbClr val="000000"/>
+                          </a:solidFill>
                           <a:effectLst/>
+                          <a:latin typeface="Tahoma" panose="020B0604030504040204" pitchFamily="34" charset="0"/>
+                          <a:ea typeface="맑은 고딕" panose="020B0503020000020004" pitchFamily="50" charset="-127"/>
                         </a:rPr>
                         <a:t>S2_USB_ADV</a:t>
                       </a:r>
-                      <a:endParaRPr lang="en-US" sz="1000" b="0" i="0" u="none" strike="noStrike">
-                        <a:solidFill>
-                          <a:srgbClr val="000000"/>
-                        </a:solidFill>
-                        <a:effectLst/>
-                        <a:latin typeface="Tahoma" panose="020B0604030504040204" pitchFamily="34" charset="0"/>
-                        <a:ea typeface="맑은 고딕" panose="020B0503020000020004" pitchFamily="50" charset="-127"/>
-                      </a:endParaRPr>
                     </a:p>
                   </a:txBody>
-                  <a:tcPr marL="6584" marR="6584" marT="6584" marB="0" anchor="ctr"/>
+                  <a:tcPr marL="9525" marR="9525" marT="9525" marB="0" anchor="ctr"/>
                 </a:tc>
                 <a:tc>
                   <a:txBody>
@@ -16559,22 +16110,19 @@
                     <a:p>
                       <a:pPr algn="l" rtl="0" fontAlgn="ctr"/>
                       <a:r>
-                        <a:rPr lang="ko-KR" altLang="en-US" sz="1000" u="none" strike="noStrike">
+                        <a:rPr lang="ko-KR" altLang="en-US" sz="900" b="0" i="0" u="none" strike="noStrike">
+                          <a:solidFill>
+                            <a:srgbClr val="000000"/>
+                          </a:solidFill>
                           <a:effectLst/>
+                          <a:latin typeface="Tahoma" panose="020B0604030504040204" pitchFamily="34" charset="0"/>
+                          <a:ea typeface="맑은 고딕" panose="020B0503020000020004" pitchFamily="50" charset="-127"/>
                         </a:rPr>
                         <a:t>　</a:t>
                       </a:r>
-                      <a:endParaRPr lang="ko-KR" altLang="en-US" sz="1000" b="0" i="0" u="none" strike="noStrike">
-                        <a:solidFill>
-                          <a:srgbClr val="000000"/>
-                        </a:solidFill>
-                        <a:effectLst/>
-                        <a:latin typeface="Tahoma" panose="020B0604030504040204" pitchFamily="34" charset="0"/>
-                        <a:ea typeface="맑은 고딕" panose="020B0503020000020004" pitchFamily="50" charset="-127"/>
-                      </a:endParaRPr>
                     </a:p>
                   </a:txBody>
-                  <a:tcPr marL="6584" marR="6584" marT="6584" marB="0" anchor="ctr"/>
+                  <a:tcPr marL="9525" marR="9525" marT="9525" marB="0" anchor="ctr"/>
                 </a:tc>
                 <a:extLst>
                   <a:ext uri="{0D108BD9-81ED-4DB2-BD59-A6C34878D82A}">
@@ -16590,22 +16138,19 @@
                     <a:p>
                       <a:pPr algn="l" rtl="0" fontAlgn="ctr"/>
                       <a:r>
-                        <a:rPr lang="ko-KR" altLang="en-US" sz="1000" u="none" strike="noStrike">
+                        <a:rPr lang="ko-KR" altLang="en-US" sz="900" b="0" i="0" u="none" strike="noStrike">
+                          <a:solidFill>
+                            <a:srgbClr val="000000"/>
+                          </a:solidFill>
                           <a:effectLst/>
+                          <a:latin typeface="Tahoma" panose="020B0604030504040204" pitchFamily="34" charset="0"/>
+                          <a:ea typeface="맑은 고딕" panose="020B0503020000020004" pitchFamily="50" charset="-127"/>
                         </a:rPr>
                         <a:t>외부주소</a:t>
                       </a:r>
-                      <a:endParaRPr lang="ko-KR" altLang="en-US" sz="1000" b="0" i="0" u="none" strike="noStrike">
-                        <a:solidFill>
-                          <a:srgbClr val="000000"/>
-                        </a:solidFill>
-                        <a:effectLst/>
-                        <a:latin typeface="Tahoma" panose="020B0604030504040204" pitchFamily="34" charset="0"/>
-                        <a:ea typeface="맑은 고딕" panose="020B0503020000020004" pitchFamily="50" charset="-127"/>
-                      </a:endParaRPr>
                     </a:p>
                   </a:txBody>
-                  <a:tcPr marL="6584" marR="6584" marT="6584" marB="0" anchor="ctr"/>
+                  <a:tcPr marL="9525" marR="9525" marT="9525" marB="0" anchor="ctr"/>
                 </a:tc>
                 <a:tc>
                   <a:txBody>
@@ -16614,22 +16159,19 @@
                     <a:p>
                       <a:pPr algn="l" rtl="0" fontAlgn="ctr"/>
                       <a:r>
-                        <a:rPr lang="en-US" sz="1000" u="none" strike="noStrike">
+                        <a:rPr lang="en-US" sz="900" b="0" i="0" u="none" strike="noStrike">
+                          <a:solidFill>
+                            <a:srgbClr val="000000"/>
+                          </a:solidFill>
                           <a:effectLst/>
+                          <a:latin typeface="Tahoma" panose="020B0604030504040204" pitchFamily="34" charset="0"/>
+                          <a:ea typeface="맑은 고딕" panose="020B0503020000020004" pitchFamily="50" charset="-127"/>
                         </a:rPr>
                         <a:t>S2_USB.RET</a:t>
                       </a:r>
-                      <a:endParaRPr lang="en-US" sz="1000" b="0" i="0" u="none" strike="noStrike">
-                        <a:solidFill>
-                          <a:srgbClr val="000000"/>
-                        </a:solidFill>
-                        <a:effectLst/>
-                        <a:latin typeface="Tahoma" panose="020B0604030504040204" pitchFamily="34" charset="0"/>
-                        <a:ea typeface="맑은 고딕" panose="020B0503020000020004" pitchFamily="50" charset="-127"/>
-                      </a:endParaRPr>
                     </a:p>
                   </a:txBody>
-                  <a:tcPr marL="6584" marR="6584" marT="6584" marB="0" anchor="ctr"/>
+                  <a:tcPr marL="9525" marR="9525" marT="9525" marB="0" anchor="ctr"/>
                 </a:tc>
                 <a:tc>
                   <a:txBody>
@@ -16638,22 +16180,19 @@
                     <a:p>
                       <a:pPr algn="l" rtl="0" fontAlgn="ctr"/>
                       <a:r>
-                        <a:rPr lang="en-US" sz="1000" u="none" strike="noStrike">
+                        <a:rPr lang="en-US" sz="900" b="0" i="0" u="none" strike="noStrike">
+                          <a:solidFill>
+                            <a:srgbClr val="000000"/>
+                          </a:solidFill>
                           <a:effectLst/>
+                          <a:latin typeface="Tahoma" panose="020B0604030504040204" pitchFamily="34" charset="0"/>
+                          <a:ea typeface="맑은 고딕" panose="020B0503020000020004" pitchFamily="50" charset="-127"/>
                         </a:rPr>
                         <a:t>bool</a:t>
                       </a:r>
-                      <a:endParaRPr lang="en-US" sz="1000" b="0" i="0" u="none" strike="noStrike">
-                        <a:solidFill>
-                          <a:srgbClr val="000000"/>
-                        </a:solidFill>
-                        <a:effectLst/>
-                        <a:latin typeface="Tahoma" panose="020B0604030504040204" pitchFamily="34" charset="0"/>
-                        <a:ea typeface="맑은 고딕" panose="020B0503020000020004" pitchFamily="50" charset="-127"/>
-                      </a:endParaRPr>
                     </a:p>
                   </a:txBody>
-                  <a:tcPr marL="6584" marR="6584" marT="6584" marB="0" anchor="ctr"/>
+                  <a:tcPr marL="9525" marR="9525" marT="9525" marB="0" anchor="ctr"/>
                 </a:tc>
                 <a:tc>
                   <a:txBody>
@@ -16662,22 +16201,19 @@
                     <a:p>
                       <a:pPr algn="l" rtl="0" fontAlgn="ctr"/>
                       <a:r>
-                        <a:rPr lang="en-US" sz="1000" u="none" strike="noStrike">
+                        <a:rPr lang="en-US" sz="900" b="0" i="0" u="none" strike="noStrike">
+                          <a:solidFill>
+                            <a:srgbClr val="000000"/>
+                          </a:solidFill>
                           <a:effectLst/>
+                          <a:latin typeface="Tahoma" panose="020B0604030504040204" pitchFamily="34" charset="0"/>
+                          <a:ea typeface="맑은 고딕" panose="020B0503020000020004" pitchFamily="50" charset="-127"/>
                         </a:rPr>
-                        <a:t>I1.2</a:t>
+                        <a:t>%IX0.0.21</a:t>
                       </a:r>
-                      <a:endParaRPr lang="en-US" sz="1000" b="0" i="0" u="none" strike="noStrike">
-                        <a:solidFill>
-                          <a:srgbClr val="000000"/>
-                        </a:solidFill>
-                        <a:effectLst/>
-                        <a:latin typeface="Tahoma" panose="020B0604030504040204" pitchFamily="34" charset="0"/>
-                        <a:ea typeface="맑은 고딕" panose="020B0503020000020004" pitchFamily="50" charset="-127"/>
-                      </a:endParaRPr>
                     </a:p>
                   </a:txBody>
-                  <a:tcPr marL="6584" marR="6584" marT="6584" marB="0" anchor="ctr"/>
+                  <a:tcPr marL="9525" marR="9525" marT="9525" marB="0" anchor="ctr"/>
                 </a:tc>
                 <a:tc>
                   <a:txBody>
@@ -16686,22 +16222,19 @@
                     <a:p>
                       <a:pPr algn="l" rtl="0" fontAlgn="ctr"/>
                       <a:r>
-                        <a:rPr lang="en-US" sz="1000" u="none" strike="noStrike">
+                        <a:rPr lang="en-US" sz="900" b="0" i="0" u="none" strike="noStrike">
+                          <a:solidFill>
+                            <a:srgbClr val="000000"/>
+                          </a:solidFill>
                           <a:effectLst/>
+                          <a:latin typeface="Tahoma" panose="020B0604030504040204" pitchFamily="34" charset="0"/>
+                          <a:ea typeface="맑은 고딕" panose="020B0503020000020004" pitchFamily="50" charset="-127"/>
                         </a:rPr>
-                        <a:t>O1.0</a:t>
+                        <a:t>%QX0.0.21</a:t>
                       </a:r>
-                      <a:endParaRPr lang="en-US" sz="1000" b="0" i="0" u="none" strike="noStrike">
-                        <a:solidFill>
-                          <a:srgbClr val="000000"/>
-                        </a:solidFill>
-                        <a:effectLst/>
-                        <a:latin typeface="Tahoma" panose="020B0604030504040204" pitchFamily="34" charset="0"/>
-                        <a:ea typeface="맑은 고딕" panose="020B0503020000020004" pitchFamily="50" charset="-127"/>
-                      </a:endParaRPr>
                     </a:p>
                   </a:txBody>
-                  <a:tcPr marL="6584" marR="6584" marT="6584" marB="0" anchor="ctr"/>
+                  <a:tcPr marL="9525" marR="9525" marT="9525" marB="0" anchor="ctr"/>
                 </a:tc>
                 <a:tc>
                   <a:txBody>
@@ -16710,22 +16243,19 @@
                     <a:p>
                       <a:pPr algn="l" rtl="0" fontAlgn="ctr"/>
                       <a:r>
-                        <a:rPr lang="en-US" sz="1000" u="none" strike="noStrike">
+                        <a:rPr lang="en-US" sz="900" b="0" i="0" u="none" strike="noStrike">
+                          <a:solidFill>
+                            <a:srgbClr val="000000"/>
+                          </a:solidFill>
                           <a:effectLst/>
+                          <a:latin typeface="Tahoma" panose="020B0604030504040204" pitchFamily="34" charset="0"/>
+                          <a:ea typeface="맑은 고딕" panose="020B0503020000020004" pitchFamily="50" charset="-127"/>
                         </a:rPr>
                         <a:t>S2_USB_RET</a:t>
                       </a:r>
-                      <a:endParaRPr lang="en-US" sz="1000" b="0" i="0" u="none" strike="noStrike">
-                        <a:solidFill>
-                          <a:srgbClr val="000000"/>
-                        </a:solidFill>
-                        <a:effectLst/>
-                        <a:latin typeface="Tahoma" panose="020B0604030504040204" pitchFamily="34" charset="0"/>
-                        <a:ea typeface="맑은 고딕" panose="020B0503020000020004" pitchFamily="50" charset="-127"/>
-                      </a:endParaRPr>
                     </a:p>
                   </a:txBody>
-                  <a:tcPr marL="6584" marR="6584" marT="6584" marB="0" anchor="ctr"/>
+                  <a:tcPr marL="9525" marR="9525" marT="9525" marB="0" anchor="ctr"/>
                 </a:tc>
                 <a:tc>
                   <a:txBody>
@@ -16734,22 +16264,19 @@
                     <a:p>
                       <a:pPr algn="l" rtl="0" fontAlgn="ctr"/>
                       <a:r>
-                        <a:rPr lang="ko-KR" altLang="en-US" sz="1000" u="none" strike="noStrike">
+                        <a:rPr lang="ko-KR" altLang="en-US" sz="900" b="0" i="0" u="none" strike="noStrike">
+                          <a:solidFill>
+                            <a:srgbClr val="000000"/>
+                          </a:solidFill>
                           <a:effectLst/>
+                          <a:latin typeface="Tahoma" panose="020B0604030504040204" pitchFamily="34" charset="0"/>
+                          <a:ea typeface="맑은 고딕" panose="020B0503020000020004" pitchFamily="50" charset="-127"/>
                         </a:rPr>
                         <a:t>　</a:t>
                       </a:r>
-                      <a:endParaRPr lang="ko-KR" altLang="en-US" sz="1000" b="0" i="0" u="none" strike="noStrike">
-                        <a:solidFill>
-                          <a:srgbClr val="000000"/>
-                        </a:solidFill>
-                        <a:effectLst/>
-                        <a:latin typeface="Tahoma" panose="020B0604030504040204" pitchFamily="34" charset="0"/>
-                        <a:ea typeface="맑은 고딕" panose="020B0503020000020004" pitchFamily="50" charset="-127"/>
-                      </a:endParaRPr>
                     </a:p>
                   </a:txBody>
-                  <a:tcPr marL="6584" marR="6584" marT="6584" marB="0" anchor="ctr"/>
+                  <a:tcPr marL="9525" marR="9525" marT="9525" marB="0" anchor="ctr"/>
                 </a:tc>
                 <a:extLst>
                   <a:ext uri="{0D108BD9-81ED-4DB2-BD59-A6C34878D82A}">
@@ -16765,22 +16292,19 @@
                     <a:p>
                       <a:pPr algn="l" rtl="0" fontAlgn="ctr"/>
                       <a:r>
-                        <a:rPr lang="ko-KR" altLang="en-US" sz="1000" u="none" strike="noStrike">
+                        <a:rPr lang="ko-KR" altLang="en-US" sz="900" b="0" i="0" u="none" strike="noStrike">
+                          <a:solidFill>
+                            <a:srgbClr val="000000"/>
+                          </a:solidFill>
                           <a:effectLst/>
+                          <a:latin typeface="Tahoma" panose="020B0604030504040204" pitchFamily="34" charset="0"/>
+                          <a:ea typeface="맑은 고딕" panose="020B0503020000020004" pitchFamily="50" charset="-127"/>
                         </a:rPr>
                         <a:t>외부주소</a:t>
                       </a:r>
-                      <a:endParaRPr lang="ko-KR" altLang="en-US" sz="1000" b="0" i="0" u="none" strike="noStrike">
-                        <a:solidFill>
-                          <a:srgbClr val="000000"/>
-                        </a:solidFill>
-                        <a:effectLst/>
-                        <a:latin typeface="Tahoma" panose="020B0604030504040204" pitchFamily="34" charset="0"/>
-                        <a:ea typeface="맑은 고딕" panose="020B0503020000020004" pitchFamily="50" charset="-127"/>
-                      </a:endParaRPr>
                     </a:p>
                   </a:txBody>
-                  <a:tcPr marL="6584" marR="6584" marT="6584" marB="0" anchor="ctr"/>
+                  <a:tcPr marL="9525" marR="9525" marT="9525" marB="0" anchor="ctr"/>
                 </a:tc>
                 <a:tc>
                   <a:txBody>
@@ -16789,22 +16313,19 @@
                     <a:p>
                       <a:pPr algn="l" rtl="0" fontAlgn="ctr"/>
                       <a:r>
-                        <a:rPr lang="en-US" sz="1000" u="none" strike="noStrike">
+                        <a:rPr lang="en-US" sz="900" b="0" i="0" u="none" strike="noStrike">
+                          <a:solidFill>
+                            <a:srgbClr val="000000"/>
+                          </a:solidFill>
                           <a:effectLst/>
+                          <a:latin typeface="Tahoma" panose="020B0604030504040204" pitchFamily="34" charset="0"/>
+                          <a:ea typeface="맑은 고딕" panose="020B0503020000020004" pitchFamily="50" charset="-127"/>
                         </a:rPr>
                         <a:t>S3_STOPPER.ADV</a:t>
                       </a:r>
-                      <a:endParaRPr lang="en-US" sz="1000" b="0" i="0" u="none" strike="noStrike">
-                        <a:solidFill>
-                          <a:srgbClr val="000000"/>
-                        </a:solidFill>
-                        <a:effectLst/>
-                        <a:latin typeface="Tahoma" panose="020B0604030504040204" pitchFamily="34" charset="0"/>
-                        <a:ea typeface="맑은 고딕" panose="020B0503020000020004" pitchFamily="50" charset="-127"/>
-                      </a:endParaRPr>
                     </a:p>
                   </a:txBody>
-                  <a:tcPr marL="6584" marR="6584" marT="6584" marB="0" anchor="ctr"/>
+                  <a:tcPr marL="9525" marR="9525" marT="9525" marB="0" anchor="ctr"/>
                 </a:tc>
                 <a:tc>
                   <a:txBody>
@@ -16813,22 +16334,19 @@
                     <a:p>
                       <a:pPr algn="l" rtl="0" fontAlgn="ctr"/>
                       <a:r>
-                        <a:rPr lang="en-US" sz="1000" u="none" strike="noStrike">
+                        <a:rPr lang="en-US" sz="900" b="0" i="0" u="none" strike="noStrike">
+                          <a:solidFill>
+                            <a:srgbClr val="000000"/>
+                          </a:solidFill>
                           <a:effectLst/>
+                          <a:latin typeface="Tahoma" panose="020B0604030504040204" pitchFamily="34" charset="0"/>
+                          <a:ea typeface="맑은 고딕" panose="020B0503020000020004" pitchFamily="50" charset="-127"/>
                         </a:rPr>
                         <a:t>bool</a:t>
                       </a:r>
-                      <a:endParaRPr lang="en-US" sz="1000" b="0" i="0" u="none" strike="noStrike">
-                        <a:solidFill>
-                          <a:srgbClr val="000000"/>
-                        </a:solidFill>
-                        <a:effectLst/>
-                        <a:latin typeface="Tahoma" panose="020B0604030504040204" pitchFamily="34" charset="0"/>
-                        <a:ea typeface="맑은 고딕" panose="020B0503020000020004" pitchFamily="50" charset="-127"/>
-                      </a:endParaRPr>
                     </a:p>
                   </a:txBody>
-                  <a:tcPr marL="6584" marR="6584" marT="6584" marB="0" anchor="ctr"/>
+                  <a:tcPr marL="9525" marR="9525" marT="9525" marB="0" anchor="ctr"/>
                 </a:tc>
                 <a:tc>
                   <a:txBody>
@@ -16837,22 +16355,19 @@
                     <a:p>
                       <a:pPr algn="l" rtl="0" fontAlgn="ctr"/>
                       <a:r>
-                        <a:rPr lang="en-US" sz="1000" u="none" strike="noStrike">
+                        <a:rPr lang="en-US" sz="900" b="0" i="0" u="none" strike="noStrike">
+                          <a:solidFill>
+                            <a:srgbClr val="000000"/>
+                          </a:solidFill>
                           <a:effectLst/>
+                          <a:latin typeface="Tahoma" panose="020B0604030504040204" pitchFamily="34" charset="0"/>
+                          <a:ea typeface="맑은 고딕" panose="020B0503020000020004" pitchFamily="50" charset="-127"/>
                         </a:rPr>
-                        <a:t>I1.5</a:t>
+                        <a:t>%IX0.0.22</a:t>
                       </a:r>
-                      <a:endParaRPr lang="en-US" sz="1000" b="0" i="0" u="none" strike="noStrike">
-                        <a:solidFill>
-                          <a:srgbClr val="000000"/>
-                        </a:solidFill>
-                        <a:effectLst/>
-                        <a:latin typeface="Tahoma" panose="020B0604030504040204" pitchFamily="34" charset="0"/>
-                        <a:ea typeface="맑은 고딕" panose="020B0503020000020004" pitchFamily="50" charset="-127"/>
-                      </a:endParaRPr>
                     </a:p>
                   </a:txBody>
-                  <a:tcPr marL="6584" marR="6584" marT="6584" marB="0" anchor="ctr"/>
+                  <a:tcPr marL="9525" marR="9525" marT="9525" marB="0" anchor="ctr"/>
                 </a:tc>
                 <a:tc>
                   <a:txBody>
@@ -16861,22 +16376,19 @@
                     <a:p>
                       <a:pPr algn="l" rtl="0" fontAlgn="ctr"/>
                       <a:r>
-                        <a:rPr lang="en-US" sz="1000" u="none" strike="noStrike">
+                        <a:rPr lang="en-US" sz="900" b="0" i="0" u="none" strike="noStrike">
+                          <a:solidFill>
+                            <a:srgbClr val="000000"/>
+                          </a:solidFill>
                           <a:effectLst/>
+                          <a:latin typeface="Tahoma" panose="020B0604030504040204" pitchFamily="34" charset="0"/>
+                          <a:ea typeface="맑은 고딕" panose="020B0503020000020004" pitchFamily="50" charset="-127"/>
                         </a:rPr>
-                        <a:t>O1.3</a:t>
+                        <a:t>%QX0.0.22</a:t>
                       </a:r>
-                      <a:endParaRPr lang="en-US" sz="1000" b="0" i="0" u="none" strike="noStrike">
-                        <a:solidFill>
-                          <a:srgbClr val="000000"/>
-                        </a:solidFill>
-                        <a:effectLst/>
-                        <a:latin typeface="Tahoma" panose="020B0604030504040204" pitchFamily="34" charset="0"/>
-                        <a:ea typeface="맑은 고딕" panose="020B0503020000020004" pitchFamily="50" charset="-127"/>
-                      </a:endParaRPr>
                     </a:p>
                   </a:txBody>
-                  <a:tcPr marL="6584" marR="6584" marT="6584" marB="0" anchor="ctr"/>
+                  <a:tcPr marL="9525" marR="9525" marT="9525" marB="0" anchor="ctr"/>
                 </a:tc>
                 <a:tc>
                   <a:txBody>
@@ -16885,22 +16397,19 @@
                     <a:p>
                       <a:pPr algn="l" rtl="0" fontAlgn="ctr"/>
                       <a:r>
-                        <a:rPr lang="en-US" sz="1000" u="none" strike="noStrike">
+                        <a:rPr lang="en-US" sz="900" b="0" i="0" u="none" strike="noStrike">
+                          <a:solidFill>
+                            <a:srgbClr val="000000"/>
+                          </a:solidFill>
                           <a:effectLst/>
+                          <a:latin typeface="Tahoma" panose="020B0604030504040204" pitchFamily="34" charset="0"/>
+                          <a:ea typeface="맑은 고딕" panose="020B0503020000020004" pitchFamily="50" charset="-127"/>
                         </a:rPr>
                         <a:t>S3_STOPPER_ADV</a:t>
                       </a:r>
-                      <a:endParaRPr lang="en-US" sz="1000" b="0" i="0" u="none" strike="noStrike">
-                        <a:solidFill>
-                          <a:srgbClr val="000000"/>
-                        </a:solidFill>
-                        <a:effectLst/>
-                        <a:latin typeface="Tahoma" panose="020B0604030504040204" pitchFamily="34" charset="0"/>
-                        <a:ea typeface="맑은 고딕" panose="020B0503020000020004" pitchFamily="50" charset="-127"/>
-                      </a:endParaRPr>
                     </a:p>
                   </a:txBody>
-                  <a:tcPr marL="6584" marR="6584" marT="6584" marB="0" anchor="ctr"/>
+                  <a:tcPr marL="9525" marR="9525" marT="9525" marB="0" anchor="ctr"/>
                 </a:tc>
                 <a:tc>
                   <a:txBody>
@@ -16909,22 +16418,19 @@
                     <a:p>
                       <a:pPr algn="l" rtl="0" fontAlgn="ctr"/>
                       <a:r>
-                        <a:rPr lang="ko-KR" altLang="en-US" sz="1000" u="none" strike="noStrike">
+                        <a:rPr lang="ko-KR" altLang="en-US" sz="900" b="0" i="0" u="none" strike="noStrike">
+                          <a:solidFill>
+                            <a:srgbClr val="000000"/>
+                          </a:solidFill>
                           <a:effectLst/>
+                          <a:latin typeface="Tahoma" panose="020B0604030504040204" pitchFamily="34" charset="0"/>
+                          <a:ea typeface="맑은 고딕" panose="020B0503020000020004" pitchFamily="50" charset="-127"/>
                         </a:rPr>
                         <a:t>　</a:t>
                       </a:r>
-                      <a:endParaRPr lang="ko-KR" altLang="en-US" sz="1000" b="0" i="0" u="none" strike="noStrike">
-                        <a:solidFill>
-                          <a:srgbClr val="000000"/>
-                        </a:solidFill>
-                        <a:effectLst/>
-                        <a:latin typeface="Tahoma" panose="020B0604030504040204" pitchFamily="34" charset="0"/>
-                        <a:ea typeface="맑은 고딕" panose="020B0503020000020004" pitchFamily="50" charset="-127"/>
-                      </a:endParaRPr>
                     </a:p>
                   </a:txBody>
-                  <a:tcPr marL="6584" marR="6584" marT="6584" marB="0" anchor="ctr"/>
+                  <a:tcPr marL="9525" marR="9525" marT="9525" marB="0" anchor="ctr"/>
                 </a:tc>
                 <a:extLst>
                   <a:ext uri="{0D108BD9-81ED-4DB2-BD59-A6C34878D82A}">
@@ -16940,22 +16446,19 @@
                     <a:p>
                       <a:pPr algn="l" rtl="0" fontAlgn="ctr"/>
                       <a:r>
-                        <a:rPr lang="ko-KR" altLang="en-US" sz="1000" u="none" strike="noStrike">
+                        <a:rPr lang="ko-KR" altLang="en-US" sz="900" b="0" i="0" u="none" strike="noStrike">
+                          <a:solidFill>
+                            <a:srgbClr val="000000"/>
+                          </a:solidFill>
                           <a:effectLst/>
+                          <a:latin typeface="Tahoma" panose="020B0604030504040204" pitchFamily="34" charset="0"/>
+                          <a:ea typeface="맑은 고딕" panose="020B0503020000020004" pitchFamily="50" charset="-127"/>
                         </a:rPr>
                         <a:t>외부주소</a:t>
                       </a:r>
-                      <a:endParaRPr lang="ko-KR" altLang="en-US" sz="1000" b="0" i="0" u="none" strike="noStrike">
-                        <a:solidFill>
-                          <a:srgbClr val="000000"/>
-                        </a:solidFill>
-                        <a:effectLst/>
-                        <a:latin typeface="Tahoma" panose="020B0604030504040204" pitchFamily="34" charset="0"/>
-                        <a:ea typeface="맑은 고딕" panose="020B0503020000020004" pitchFamily="50" charset="-127"/>
-                      </a:endParaRPr>
                     </a:p>
                   </a:txBody>
-                  <a:tcPr marL="6584" marR="6584" marT="6584" marB="0" anchor="ctr"/>
+                  <a:tcPr marL="9525" marR="9525" marT="9525" marB="0" anchor="ctr"/>
                 </a:tc>
                 <a:tc>
                   <a:txBody>
@@ -16964,22 +16467,19 @@
                     <a:p>
                       <a:pPr algn="l" rtl="0" fontAlgn="ctr"/>
                       <a:r>
-                        <a:rPr lang="en-US" sz="1000" u="none" strike="noStrike">
+                        <a:rPr lang="en-US" sz="900" b="0" i="0" u="none" strike="noStrike">
+                          <a:solidFill>
+                            <a:srgbClr val="000000"/>
+                          </a:solidFill>
                           <a:effectLst/>
+                          <a:latin typeface="Tahoma" panose="020B0604030504040204" pitchFamily="34" charset="0"/>
+                          <a:ea typeface="맑은 고딕" panose="020B0503020000020004" pitchFamily="50" charset="-127"/>
                         </a:rPr>
                         <a:t>S3_STOPPER.RET</a:t>
                       </a:r>
-                      <a:endParaRPr lang="en-US" sz="1000" b="0" i="0" u="none" strike="noStrike">
-                        <a:solidFill>
-                          <a:srgbClr val="000000"/>
-                        </a:solidFill>
-                        <a:effectLst/>
-                        <a:latin typeface="Tahoma" panose="020B0604030504040204" pitchFamily="34" charset="0"/>
-                        <a:ea typeface="맑은 고딕" panose="020B0503020000020004" pitchFamily="50" charset="-127"/>
-                      </a:endParaRPr>
                     </a:p>
                   </a:txBody>
-                  <a:tcPr marL="6584" marR="6584" marT="6584" marB="0" anchor="ctr"/>
+                  <a:tcPr marL="9525" marR="9525" marT="9525" marB="0" anchor="ctr"/>
                 </a:tc>
                 <a:tc>
                   <a:txBody>
@@ -16988,22 +16488,19 @@
                     <a:p>
                       <a:pPr algn="l" rtl="0" fontAlgn="ctr"/>
                       <a:r>
-                        <a:rPr lang="en-US" sz="1000" u="none" strike="noStrike">
+                        <a:rPr lang="en-US" sz="900" b="0" i="0" u="none" strike="noStrike">
+                          <a:solidFill>
+                            <a:srgbClr val="000000"/>
+                          </a:solidFill>
                           <a:effectLst/>
+                          <a:latin typeface="Tahoma" panose="020B0604030504040204" pitchFamily="34" charset="0"/>
+                          <a:ea typeface="맑은 고딕" panose="020B0503020000020004" pitchFamily="50" charset="-127"/>
                         </a:rPr>
                         <a:t>bool</a:t>
                       </a:r>
-                      <a:endParaRPr lang="en-US" sz="1000" b="0" i="0" u="none" strike="noStrike">
-                        <a:solidFill>
-                          <a:srgbClr val="000000"/>
-                        </a:solidFill>
-                        <a:effectLst/>
-                        <a:latin typeface="Tahoma" panose="020B0604030504040204" pitchFamily="34" charset="0"/>
-                        <a:ea typeface="맑은 고딕" panose="020B0503020000020004" pitchFamily="50" charset="-127"/>
-                      </a:endParaRPr>
                     </a:p>
                   </a:txBody>
-                  <a:tcPr marL="6584" marR="6584" marT="6584" marB="0" anchor="ctr"/>
+                  <a:tcPr marL="9525" marR="9525" marT="9525" marB="0" anchor="ctr"/>
                 </a:tc>
                 <a:tc>
                   <a:txBody>
@@ -17012,22 +16509,19 @@
                     <a:p>
                       <a:pPr algn="l" rtl="0" fontAlgn="ctr"/>
                       <a:r>
-                        <a:rPr lang="en-US" sz="1000" u="none" strike="noStrike">
+                        <a:rPr lang="en-US" sz="900" b="0" i="0" u="none" strike="noStrike">
+                          <a:solidFill>
+                            <a:srgbClr val="000000"/>
+                          </a:solidFill>
                           <a:effectLst/>
+                          <a:latin typeface="Tahoma" panose="020B0604030504040204" pitchFamily="34" charset="0"/>
+                          <a:ea typeface="맑은 고딕" panose="020B0503020000020004" pitchFamily="50" charset="-127"/>
                         </a:rPr>
-                        <a:t>I1.4</a:t>
+                        <a:t>%IX0.0.23</a:t>
                       </a:r>
-                      <a:endParaRPr lang="en-US" sz="1000" b="0" i="0" u="none" strike="noStrike">
-                        <a:solidFill>
-                          <a:srgbClr val="000000"/>
-                        </a:solidFill>
-                        <a:effectLst/>
-                        <a:latin typeface="Tahoma" panose="020B0604030504040204" pitchFamily="34" charset="0"/>
-                        <a:ea typeface="맑은 고딕" panose="020B0503020000020004" pitchFamily="50" charset="-127"/>
-                      </a:endParaRPr>
                     </a:p>
                   </a:txBody>
-                  <a:tcPr marL="6584" marR="6584" marT="6584" marB="0" anchor="ctr"/>
+                  <a:tcPr marL="9525" marR="9525" marT="9525" marB="0" anchor="ctr"/>
                 </a:tc>
                 <a:tc>
                   <a:txBody>
@@ -17036,22 +16530,19 @@
                     <a:p>
                       <a:pPr algn="l" rtl="0" fontAlgn="ctr"/>
                       <a:r>
-                        <a:rPr lang="en-US" sz="1000" u="none" strike="noStrike">
+                        <a:rPr lang="en-US" sz="900" b="0" i="0" u="none" strike="noStrike">
+                          <a:solidFill>
+                            <a:srgbClr val="000000"/>
+                          </a:solidFill>
                           <a:effectLst/>
+                          <a:latin typeface="Tahoma" panose="020B0604030504040204" pitchFamily="34" charset="0"/>
+                          <a:ea typeface="맑은 고딕" panose="020B0503020000020004" pitchFamily="50" charset="-127"/>
                         </a:rPr>
-                        <a:t>O1.2</a:t>
+                        <a:t>%QX0.0.23</a:t>
                       </a:r>
-                      <a:endParaRPr lang="en-US" sz="1000" b="0" i="0" u="none" strike="noStrike">
-                        <a:solidFill>
-                          <a:srgbClr val="000000"/>
-                        </a:solidFill>
-                        <a:effectLst/>
-                        <a:latin typeface="Tahoma" panose="020B0604030504040204" pitchFamily="34" charset="0"/>
-                        <a:ea typeface="맑은 고딕" panose="020B0503020000020004" pitchFamily="50" charset="-127"/>
-                      </a:endParaRPr>
                     </a:p>
                   </a:txBody>
-                  <a:tcPr marL="6584" marR="6584" marT="6584" marB="0" anchor="ctr"/>
+                  <a:tcPr marL="9525" marR="9525" marT="9525" marB="0" anchor="ctr"/>
                 </a:tc>
                 <a:tc>
                   <a:txBody>
@@ -17060,22 +16551,19 @@
                     <a:p>
                       <a:pPr algn="l" rtl="0" fontAlgn="ctr"/>
                       <a:r>
-                        <a:rPr lang="en-US" sz="1000" u="none" strike="noStrike">
+                        <a:rPr lang="en-US" sz="900" b="0" i="0" u="none" strike="noStrike">
+                          <a:solidFill>
+                            <a:srgbClr val="000000"/>
+                          </a:solidFill>
                           <a:effectLst/>
+                          <a:latin typeface="Tahoma" panose="020B0604030504040204" pitchFamily="34" charset="0"/>
+                          <a:ea typeface="맑은 고딕" panose="020B0503020000020004" pitchFamily="50" charset="-127"/>
                         </a:rPr>
                         <a:t>S3_STOPPER_RET</a:t>
                       </a:r>
-                      <a:endParaRPr lang="en-US" sz="1000" b="0" i="0" u="none" strike="noStrike">
-                        <a:solidFill>
-                          <a:srgbClr val="000000"/>
-                        </a:solidFill>
-                        <a:effectLst/>
-                        <a:latin typeface="Tahoma" panose="020B0604030504040204" pitchFamily="34" charset="0"/>
-                        <a:ea typeface="맑은 고딕" panose="020B0503020000020004" pitchFamily="50" charset="-127"/>
-                      </a:endParaRPr>
                     </a:p>
                   </a:txBody>
-                  <a:tcPr marL="6584" marR="6584" marT="6584" marB="0" anchor="ctr"/>
+                  <a:tcPr marL="9525" marR="9525" marT="9525" marB="0" anchor="ctr"/>
                 </a:tc>
                 <a:tc>
                   <a:txBody>
@@ -17084,22 +16572,19 @@
                     <a:p>
                       <a:pPr algn="l" rtl="0" fontAlgn="ctr"/>
                       <a:r>
-                        <a:rPr lang="ko-KR" altLang="en-US" sz="1000" u="none" strike="noStrike">
+                        <a:rPr lang="ko-KR" altLang="en-US" sz="900" b="0" i="0" u="none" strike="noStrike">
+                          <a:solidFill>
+                            <a:srgbClr val="000000"/>
+                          </a:solidFill>
                           <a:effectLst/>
+                          <a:latin typeface="Tahoma" panose="020B0604030504040204" pitchFamily="34" charset="0"/>
+                          <a:ea typeface="맑은 고딕" panose="020B0503020000020004" pitchFamily="50" charset="-127"/>
                         </a:rPr>
                         <a:t>　</a:t>
                       </a:r>
-                      <a:endParaRPr lang="ko-KR" altLang="en-US" sz="1000" b="0" i="0" u="none" strike="noStrike">
-                        <a:solidFill>
-                          <a:srgbClr val="000000"/>
-                        </a:solidFill>
-                        <a:effectLst/>
-                        <a:latin typeface="Tahoma" panose="020B0604030504040204" pitchFamily="34" charset="0"/>
-                        <a:ea typeface="맑은 고딕" panose="020B0503020000020004" pitchFamily="50" charset="-127"/>
-                      </a:endParaRPr>
                     </a:p>
                   </a:txBody>
-                  <a:tcPr marL="6584" marR="6584" marT="6584" marB="0" anchor="ctr"/>
+                  <a:tcPr marL="9525" marR="9525" marT="9525" marB="0" anchor="ctr"/>
                 </a:tc>
                 <a:extLst>
                   <a:ext uri="{0D108BD9-81ED-4DB2-BD59-A6C34878D82A}">
@@ -17115,22 +16600,19 @@
                     <a:p>
                       <a:pPr algn="l" rtl="0" fontAlgn="ctr"/>
                       <a:r>
-                        <a:rPr lang="ko-KR" altLang="en-US" sz="1000" u="none" strike="noStrike">
+                        <a:rPr lang="ko-KR" altLang="en-US" sz="900" b="0" i="0" u="none" strike="noStrike">
+                          <a:solidFill>
+                            <a:srgbClr val="000000"/>
+                          </a:solidFill>
                           <a:effectLst/>
+                          <a:latin typeface="Tahoma" panose="020B0604030504040204" pitchFamily="34" charset="0"/>
+                          <a:ea typeface="맑은 고딕" panose="020B0503020000020004" pitchFamily="50" charset="-127"/>
                         </a:rPr>
                         <a:t>외부주소</a:t>
                       </a:r>
-                      <a:endParaRPr lang="ko-KR" altLang="en-US" sz="1000" b="0" i="0" u="none" strike="noStrike">
-                        <a:solidFill>
-                          <a:srgbClr val="000000"/>
-                        </a:solidFill>
-                        <a:effectLst/>
-                        <a:latin typeface="Tahoma" panose="020B0604030504040204" pitchFamily="34" charset="0"/>
-                        <a:ea typeface="맑은 고딕" panose="020B0503020000020004" pitchFamily="50" charset="-127"/>
-                      </a:endParaRPr>
                     </a:p>
                   </a:txBody>
-                  <a:tcPr marL="6584" marR="6584" marT="6584" marB="0" anchor="ctr"/>
+                  <a:tcPr marL="9525" marR="9525" marT="9525" marB="0" anchor="ctr"/>
                 </a:tc>
                 <a:tc>
                   <a:txBody>
@@ -17139,22 +16621,19 @@
                     <a:p>
                       <a:pPr algn="l" rtl="0" fontAlgn="ctr"/>
                       <a:r>
-                        <a:rPr lang="en-US" sz="1000" u="none" strike="noStrike">
+                        <a:rPr lang="en-US" sz="900" b="0" i="0" u="none" strike="noStrike">
+                          <a:solidFill>
+                            <a:srgbClr val="000000"/>
+                          </a:solidFill>
                           <a:effectLst/>
+                          <a:latin typeface="Tahoma" panose="020B0604030504040204" pitchFamily="34" charset="0"/>
+                          <a:ea typeface="맑은 고딕" panose="020B0503020000020004" pitchFamily="50" charset="-127"/>
                         </a:rPr>
                         <a:t>S3_USB.ADV</a:t>
                       </a:r>
-                      <a:endParaRPr lang="en-US" sz="1000" b="0" i="0" u="none" strike="noStrike">
-                        <a:solidFill>
-                          <a:srgbClr val="000000"/>
-                        </a:solidFill>
-                        <a:effectLst/>
-                        <a:latin typeface="Tahoma" panose="020B0604030504040204" pitchFamily="34" charset="0"/>
-                        <a:ea typeface="맑은 고딕" panose="020B0503020000020004" pitchFamily="50" charset="-127"/>
-                      </a:endParaRPr>
                     </a:p>
                   </a:txBody>
-                  <a:tcPr marL="6584" marR="6584" marT="6584" marB="0" anchor="ctr"/>
+                  <a:tcPr marL="9525" marR="9525" marT="9525" marB="0" anchor="ctr"/>
                 </a:tc>
                 <a:tc>
                   <a:txBody>
@@ -17163,22 +16642,19 @@
                     <a:p>
                       <a:pPr algn="l" rtl="0" fontAlgn="ctr"/>
                       <a:r>
-                        <a:rPr lang="en-US" sz="1000" u="none" strike="noStrike">
+                        <a:rPr lang="en-US" sz="900" b="0" i="0" u="none" strike="noStrike">
+                          <a:solidFill>
+                            <a:srgbClr val="000000"/>
+                          </a:solidFill>
                           <a:effectLst/>
+                          <a:latin typeface="Tahoma" panose="020B0604030504040204" pitchFamily="34" charset="0"/>
+                          <a:ea typeface="맑은 고딕" panose="020B0503020000020004" pitchFamily="50" charset="-127"/>
                         </a:rPr>
                         <a:t>bool</a:t>
                       </a:r>
-                      <a:endParaRPr lang="en-US" sz="1000" b="0" i="0" u="none" strike="noStrike">
-                        <a:solidFill>
-                          <a:srgbClr val="000000"/>
-                        </a:solidFill>
-                        <a:effectLst/>
-                        <a:latin typeface="Tahoma" panose="020B0604030504040204" pitchFamily="34" charset="0"/>
-                        <a:ea typeface="맑은 고딕" panose="020B0503020000020004" pitchFamily="50" charset="-127"/>
-                      </a:endParaRPr>
                     </a:p>
                   </a:txBody>
-                  <a:tcPr marL="6584" marR="6584" marT="6584" marB="0" anchor="ctr"/>
+                  <a:tcPr marL="9525" marR="9525" marT="9525" marB="0" anchor="ctr"/>
                 </a:tc>
                 <a:tc>
                   <a:txBody>
@@ -17187,22 +16663,19 @@
                     <a:p>
                       <a:pPr algn="l" rtl="0" fontAlgn="ctr"/>
                       <a:r>
-                        <a:rPr lang="en-US" sz="1000" u="none" strike="noStrike">
+                        <a:rPr lang="en-US" sz="900" b="0" i="0" u="none" strike="noStrike">
+                          <a:solidFill>
+                            <a:srgbClr val="000000"/>
+                          </a:solidFill>
                           <a:effectLst/>
+                          <a:latin typeface="Tahoma" panose="020B0604030504040204" pitchFamily="34" charset="0"/>
+                          <a:ea typeface="맑은 고딕" panose="020B0503020000020004" pitchFamily="50" charset="-127"/>
                         </a:rPr>
-                        <a:t>I1.7</a:t>
+                        <a:t>%IX0.0.24</a:t>
                       </a:r>
-                      <a:endParaRPr lang="en-US" sz="1000" b="0" i="0" u="none" strike="noStrike">
-                        <a:solidFill>
-                          <a:srgbClr val="000000"/>
-                        </a:solidFill>
-                        <a:effectLst/>
-                        <a:latin typeface="Tahoma" panose="020B0604030504040204" pitchFamily="34" charset="0"/>
-                        <a:ea typeface="맑은 고딕" panose="020B0503020000020004" pitchFamily="50" charset="-127"/>
-                      </a:endParaRPr>
                     </a:p>
                   </a:txBody>
-                  <a:tcPr marL="6584" marR="6584" marT="6584" marB="0" anchor="ctr"/>
+                  <a:tcPr marL="9525" marR="9525" marT="9525" marB="0" anchor="ctr"/>
                 </a:tc>
                 <a:tc>
                   <a:txBody>
@@ -17211,22 +16684,19 @@
                     <a:p>
                       <a:pPr algn="l" rtl="0" fontAlgn="ctr"/>
                       <a:r>
-                        <a:rPr lang="en-US" sz="1000" u="none" strike="noStrike">
+                        <a:rPr lang="en-US" sz="900" b="0" i="0" u="none" strike="noStrike">
+                          <a:solidFill>
+                            <a:srgbClr val="000000"/>
+                          </a:solidFill>
                           <a:effectLst/>
+                          <a:latin typeface="Tahoma" panose="020B0604030504040204" pitchFamily="34" charset="0"/>
+                          <a:ea typeface="맑은 고딕" panose="020B0503020000020004" pitchFamily="50" charset="-127"/>
                         </a:rPr>
-                        <a:t>O1.5</a:t>
+                        <a:t>%QX0.0.24</a:t>
                       </a:r>
-                      <a:endParaRPr lang="en-US" sz="1000" b="0" i="0" u="none" strike="noStrike">
-                        <a:solidFill>
-                          <a:srgbClr val="000000"/>
-                        </a:solidFill>
-                        <a:effectLst/>
-                        <a:latin typeface="Tahoma" panose="020B0604030504040204" pitchFamily="34" charset="0"/>
-                        <a:ea typeface="맑은 고딕" panose="020B0503020000020004" pitchFamily="50" charset="-127"/>
-                      </a:endParaRPr>
                     </a:p>
                   </a:txBody>
-                  <a:tcPr marL="6584" marR="6584" marT="6584" marB="0" anchor="ctr"/>
+                  <a:tcPr marL="9525" marR="9525" marT="9525" marB="0" anchor="ctr"/>
                 </a:tc>
                 <a:tc>
                   <a:txBody>
@@ -17235,22 +16705,19 @@
                     <a:p>
                       <a:pPr algn="l" rtl="0" fontAlgn="ctr"/>
                       <a:r>
-                        <a:rPr lang="en-US" sz="1000" u="none" strike="noStrike">
+                        <a:rPr lang="en-US" sz="900" b="0" i="0" u="none" strike="noStrike">
+                          <a:solidFill>
+                            <a:srgbClr val="000000"/>
+                          </a:solidFill>
                           <a:effectLst/>
+                          <a:latin typeface="Tahoma" panose="020B0604030504040204" pitchFamily="34" charset="0"/>
+                          <a:ea typeface="맑은 고딕" panose="020B0503020000020004" pitchFamily="50" charset="-127"/>
                         </a:rPr>
                         <a:t>S3_USB_ADV</a:t>
                       </a:r>
-                      <a:endParaRPr lang="en-US" sz="1000" b="0" i="0" u="none" strike="noStrike">
-                        <a:solidFill>
-                          <a:srgbClr val="000000"/>
-                        </a:solidFill>
-                        <a:effectLst/>
-                        <a:latin typeface="Tahoma" panose="020B0604030504040204" pitchFamily="34" charset="0"/>
-                        <a:ea typeface="맑은 고딕" panose="020B0503020000020004" pitchFamily="50" charset="-127"/>
-                      </a:endParaRPr>
                     </a:p>
                   </a:txBody>
-                  <a:tcPr marL="6584" marR="6584" marT="6584" marB="0" anchor="ctr"/>
+                  <a:tcPr marL="9525" marR="9525" marT="9525" marB="0" anchor="ctr"/>
                 </a:tc>
                 <a:tc>
                   <a:txBody>
@@ -17259,22 +16726,19 @@
                     <a:p>
                       <a:pPr algn="l" rtl="0" fontAlgn="ctr"/>
                       <a:r>
-                        <a:rPr lang="ko-KR" altLang="en-US" sz="1000" u="none" strike="noStrike">
+                        <a:rPr lang="ko-KR" altLang="en-US" sz="900" b="0" i="0" u="none" strike="noStrike">
+                          <a:solidFill>
+                            <a:srgbClr val="000000"/>
+                          </a:solidFill>
                           <a:effectLst/>
+                          <a:latin typeface="Tahoma" panose="020B0604030504040204" pitchFamily="34" charset="0"/>
+                          <a:ea typeface="맑은 고딕" panose="020B0503020000020004" pitchFamily="50" charset="-127"/>
                         </a:rPr>
                         <a:t>　</a:t>
                       </a:r>
-                      <a:endParaRPr lang="ko-KR" altLang="en-US" sz="1000" b="0" i="0" u="none" strike="noStrike">
-                        <a:solidFill>
-                          <a:srgbClr val="000000"/>
-                        </a:solidFill>
-                        <a:effectLst/>
-                        <a:latin typeface="Tahoma" panose="020B0604030504040204" pitchFamily="34" charset="0"/>
-                        <a:ea typeface="맑은 고딕" panose="020B0503020000020004" pitchFamily="50" charset="-127"/>
-                      </a:endParaRPr>
                     </a:p>
                   </a:txBody>
-                  <a:tcPr marL="6584" marR="6584" marT="6584" marB="0" anchor="ctr"/>
+                  <a:tcPr marL="9525" marR="9525" marT="9525" marB="0" anchor="ctr"/>
                 </a:tc>
                 <a:extLst>
                   <a:ext uri="{0D108BD9-81ED-4DB2-BD59-A6C34878D82A}">
@@ -17290,22 +16754,19 @@
                     <a:p>
                       <a:pPr algn="l" rtl="0" fontAlgn="ctr"/>
                       <a:r>
-                        <a:rPr lang="ko-KR" altLang="en-US" sz="1000" u="none" strike="noStrike">
+                        <a:rPr lang="ko-KR" altLang="en-US" sz="900" b="0" i="0" u="none" strike="noStrike">
+                          <a:solidFill>
+                            <a:srgbClr val="000000"/>
+                          </a:solidFill>
                           <a:effectLst/>
+                          <a:latin typeface="Tahoma" panose="020B0604030504040204" pitchFamily="34" charset="0"/>
+                          <a:ea typeface="맑은 고딕" panose="020B0503020000020004" pitchFamily="50" charset="-127"/>
                         </a:rPr>
                         <a:t>외부주소</a:t>
                       </a:r>
-                      <a:endParaRPr lang="ko-KR" altLang="en-US" sz="1000" b="0" i="0" u="none" strike="noStrike">
-                        <a:solidFill>
-                          <a:srgbClr val="000000"/>
-                        </a:solidFill>
-                        <a:effectLst/>
-                        <a:latin typeface="Tahoma" panose="020B0604030504040204" pitchFamily="34" charset="0"/>
-                        <a:ea typeface="맑은 고딕" panose="020B0503020000020004" pitchFamily="50" charset="-127"/>
-                      </a:endParaRPr>
                     </a:p>
                   </a:txBody>
-                  <a:tcPr marL="6584" marR="6584" marT="6584" marB="0" anchor="ctr"/>
+                  <a:tcPr marL="9525" marR="9525" marT="9525" marB="0" anchor="ctr"/>
                 </a:tc>
                 <a:tc>
                   <a:txBody>
@@ -17314,22 +16775,19 @@
                     <a:p>
                       <a:pPr algn="l" rtl="0" fontAlgn="ctr"/>
                       <a:r>
-                        <a:rPr lang="en-US" sz="1000" u="none" strike="noStrike">
+                        <a:rPr lang="en-US" sz="900" b="0" i="0" u="none" strike="noStrike">
+                          <a:solidFill>
+                            <a:srgbClr val="000000"/>
+                          </a:solidFill>
                           <a:effectLst/>
+                          <a:latin typeface="Tahoma" panose="020B0604030504040204" pitchFamily="34" charset="0"/>
+                          <a:ea typeface="맑은 고딕" panose="020B0503020000020004" pitchFamily="50" charset="-127"/>
                         </a:rPr>
                         <a:t>S3_USB.RET</a:t>
                       </a:r>
-                      <a:endParaRPr lang="en-US" sz="1000" b="0" i="0" u="none" strike="noStrike">
-                        <a:solidFill>
-                          <a:srgbClr val="000000"/>
-                        </a:solidFill>
-                        <a:effectLst/>
-                        <a:latin typeface="Tahoma" panose="020B0604030504040204" pitchFamily="34" charset="0"/>
-                        <a:ea typeface="맑은 고딕" panose="020B0503020000020004" pitchFamily="50" charset="-127"/>
-                      </a:endParaRPr>
                     </a:p>
                   </a:txBody>
-                  <a:tcPr marL="6584" marR="6584" marT="6584" marB="0" anchor="ctr"/>
+                  <a:tcPr marL="9525" marR="9525" marT="9525" marB="0" anchor="ctr"/>
                 </a:tc>
                 <a:tc>
                   <a:txBody>
@@ -17338,22 +16796,19 @@
                     <a:p>
                       <a:pPr algn="l" rtl="0" fontAlgn="ctr"/>
                       <a:r>
-                        <a:rPr lang="en-US" sz="1000" u="none" strike="noStrike">
+                        <a:rPr lang="en-US" sz="900" b="0" i="0" u="none" strike="noStrike">
+                          <a:solidFill>
+                            <a:srgbClr val="000000"/>
+                          </a:solidFill>
                           <a:effectLst/>
+                          <a:latin typeface="Tahoma" panose="020B0604030504040204" pitchFamily="34" charset="0"/>
+                          <a:ea typeface="맑은 고딕" panose="020B0503020000020004" pitchFamily="50" charset="-127"/>
                         </a:rPr>
                         <a:t>bool</a:t>
                       </a:r>
-                      <a:endParaRPr lang="en-US" sz="1000" b="0" i="0" u="none" strike="noStrike">
-                        <a:solidFill>
-                          <a:srgbClr val="000000"/>
-                        </a:solidFill>
-                        <a:effectLst/>
-                        <a:latin typeface="Tahoma" panose="020B0604030504040204" pitchFamily="34" charset="0"/>
-                        <a:ea typeface="맑은 고딕" panose="020B0503020000020004" pitchFamily="50" charset="-127"/>
-                      </a:endParaRPr>
                     </a:p>
                   </a:txBody>
-                  <a:tcPr marL="6584" marR="6584" marT="6584" marB="0" anchor="ctr"/>
+                  <a:tcPr marL="9525" marR="9525" marT="9525" marB="0" anchor="ctr"/>
                 </a:tc>
                 <a:tc>
                   <a:txBody>
@@ -17362,22 +16817,19 @@
                     <a:p>
                       <a:pPr algn="l" rtl="0" fontAlgn="ctr"/>
                       <a:r>
-                        <a:rPr lang="en-US" sz="1000" u="none" strike="noStrike">
+                        <a:rPr lang="en-US" sz="900" b="0" i="0" u="none" strike="noStrike">
+                          <a:solidFill>
+                            <a:srgbClr val="000000"/>
+                          </a:solidFill>
                           <a:effectLst/>
+                          <a:latin typeface="Tahoma" panose="020B0604030504040204" pitchFamily="34" charset="0"/>
+                          <a:ea typeface="맑은 고딕" panose="020B0503020000020004" pitchFamily="50" charset="-127"/>
                         </a:rPr>
-                        <a:t>I1.6</a:t>
+                        <a:t>%IX0.0.25</a:t>
                       </a:r>
-                      <a:endParaRPr lang="en-US" sz="1000" b="0" i="0" u="none" strike="noStrike">
-                        <a:solidFill>
-                          <a:srgbClr val="000000"/>
-                        </a:solidFill>
-                        <a:effectLst/>
-                        <a:latin typeface="Tahoma" panose="020B0604030504040204" pitchFamily="34" charset="0"/>
-                        <a:ea typeface="맑은 고딕" panose="020B0503020000020004" pitchFamily="50" charset="-127"/>
-                      </a:endParaRPr>
                     </a:p>
                   </a:txBody>
-                  <a:tcPr marL="6584" marR="6584" marT="6584" marB="0" anchor="ctr"/>
+                  <a:tcPr marL="9525" marR="9525" marT="9525" marB="0" anchor="ctr"/>
                 </a:tc>
                 <a:tc>
                   <a:txBody>
@@ -17386,22 +16838,19 @@
                     <a:p>
                       <a:pPr algn="l" rtl="0" fontAlgn="ctr"/>
                       <a:r>
-                        <a:rPr lang="en-US" sz="1000" u="none" strike="noStrike">
+                        <a:rPr lang="en-US" sz="900" b="0" i="0" u="none" strike="noStrike">
+                          <a:solidFill>
+                            <a:srgbClr val="000000"/>
+                          </a:solidFill>
                           <a:effectLst/>
+                          <a:latin typeface="Tahoma" panose="020B0604030504040204" pitchFamily="34" charset="0"/>
+                          <a:ea typeface="맑은 고딕" panose="020B0503020000020004" pitchFamily="50" charset="-127"/>
                         </a:rPr>
-                        <a:t>O1.4</a:t>
+                        <a:t>%QX0.0.25</a:t>
                       </a:r>
-                      <a:endParaRPr lang="en-US" sz="1000" b="0" i="0" u="none" strike="noStrike">
-                        <a:solidFill>
-                          <a:srgbClr val="000000"/>
-                        </a:solidFill>
-                        <a:effectLst/>
-                        <a:latin typeface="Tahoma" panose="020B0604030504040204" pitchFamily="34" charset="0"/>
-                        <a:ea typeface="맑은 고딕" panose="020B0503020000020004" pitchFamily="50" charset="-127"/>
-                      </a:endParaRPr>
                     </a:p>
                   </a:txBody>
-                  <a:tcPr marL="6584" marR="6584" marT="6584" marB="0" anchor="ctr"/>
+                  <a:tcPr marL="9525" marR="9525" marT="9525" marB="0" anchor="ctr"/>
                 </a:tc>
                 <a:tc>
                   <a:txBody>
@@ -17410,22 +16859,19 @@
                     <a:p>
                       <a:pPr algn="l" rtl="0" fontAlgn="ctr"/>
                       <a:r>
-                        <a:rPr lang="en-US" sz="1000" u="none" strike="noStrike">
+                        <a:rPr lang="en-US" sz="900" b="0" i="0" u="none" strike="noStrike">
+                          <a:solidFill>
+                            <a:srgbClr val="000000"/>
+                          </a:solidFill>
                           <a:effectLst/>
+                          <a:latin typeface="Tahoma" panose="020B0604030504040204" pitchFamily="34" charset="0"/>
+                          <a:ea typeface="맑은 고딕" panose="020B0503020000020004" pitchFamily="50" charset="-127"/>
                         </a:rPr>
                         <a:t>S3_USB_RET</a:t>
                       </a:r>
-                      <a:endParaRPr lang="en-US" sz="1000" b="0" i="0" u="none" strike="noStrike">
-                        <a:solidFill>
-                          <a:srgbClr val="000000"/>
-                        </a:solidFill>
-                        <a:effectLst/>
-                        <a:latin typeface="Tahoma" panose="020B0604030504040204" pitchFamily="34" charset="0"/>
-                        <a:ea typeface="맑은 고딕" panose="020B0503020000020004" pitchFamily="50" charset="-127"/>
-                      </a:endParaRPr>
                     </a:p>
                   </a:txBody>
-                  <a:tcPr marL="6584" marR="6584" marT="6584" marB="0" anchor="ctr"/>
+                  <a:tcPr marL="9525" marR="9525" marT="9525" marB="0" anchor="ctr"/>
                 </a:tc>
                 <a:tc>
                   <a:txBody>
@@ -17434,22 +16880,19 @@
                     <a:p>
                       <a:pPr algn="l" rtl="0" fontAlgn="ctr"/>
                       <a:r>
-                        <a:rPr lang="ko-KR" altLang="en-US" sz="1000" u="none" strike="noStrike">
+                        <a:rPr lang="ko-KR" altLang="en-US" sz="900" b="0" i="0" u="none" strike="noStrike">
+                          <a:solidFill>
+                            <a:srgbClr val="000000"/>
+                          </a:solidFill>
                           <a:effectLst/>
+                          <a:latin typeface="Tahoma" panose="020B0604030504040204" pitchFamily="34" charset="0"/>
+                          <a:ea typeface="맑은 고딕" panose="020B0503020000020004" pitchFamily="50" charset="-127"/>
                         </a:rPr>
                         <a:t>　</a:t>
                       </a:r>
-                      <a:endParaRPr lang="ko-KR" altLang="en-US" sz="1000" b="0" i="0" u="none" strike="noStrike">
-                        <a:solidFill>
-                          <a:srgbClr val="000000"/>
-                        </a:solidFill>
-                        <a:effectLst/>
-                        <a:latin typeface="Tahoma" panose="020B0604030504040204" pitchFamily="34" charset="0"/>
-                        <a:ea typeface="맑은 고딕" panose="020B0503020000020004" pitchFamily="50" charset="-127"/>
-                      </a:endParaRPr>
                     </a:p>
                   </a:txBody>
-                  <a:tcPr marL="6584" marR="6584" marT="6584" marB="0" anchor="ctr"/>
+                  <a:tcPr marL="9525" marR="9525" marT="9525" marB="0" anchor="ctr"/>
                 </a:tc>
                 <a:extLst>
                   <a:ext uri="{0D108BD9-81ED-4DB2-BD59-A6C34878D82A}">
@@ -17465,22 +16908,19 @@
                     <a:p>
                       <a:pPr algn="l" rtl="0" fontAlgn="ctr"/>
                       <a:r>
-                        <a:rPr lang="ko-KR" altLang="en-US" sz="1000" u="none" strike="noStrike">
+                        <a:rPr lang="ko-KR" altLang="en-US" sz="900" b="0" i="0" u="none" strike="noStrike">
+                          <a:solidFill>
+                            <a:srgbClr val="000000"/>
+                          </a:solidFill>
                           <a:effectLst/>
+                          <a:latin typeface="Tahoma" panose="020B0604030504040204" pitchFamily="34" charset="0"/>
+                          <a:ea typeface="맑은 고딕" panose="020B0503020000020004" pitchFamily="50" charset="-127"/>
                         </a:rPr>
                         <a:t>외부주소</a:t>
                       </a:r>
-                      <a:endParaRPr lang="ko-KR" altLang="en-US" sz="1000" b="0" i="0" u="none" strike="noStrike">
-                        <a:solidFill>
-                          <a:srgbClr val="000000"/>
-                        </a:solidFill>
-                        <a:effectLst/>
-                        <a:latin typeface="Tahoma" panose="020B0604030504040204" pitchFamily="34" charset="0"/>
-                        <a:ea typeface="맑은 고딕" panose="020B0503020000020004" pitchFamily="50" charset="-127"/>
-                      </a:endParaRPr>
                     </a:p>
                   </a:txBody>
-                  <a:tcPr marL="6584" marR="6584" marT="6584" marB="0" anchor="ctr"/>
+                  <a:tcPr marL="9525" marR="9525" marT="9525" marB="0" anchor="ctr"/>
                 </a:tc>
                 <a:tc>
                   <a:txBody>
@@ -17489,22 +16929,19 @@
                     <a:p>
                       <a:pPr algn="l" rtl="0" fontAlgn="ctr"/>
                       <a:r>
-                        <a:rPr lang="en-US" sz="1000" u="none" strike="noStrike">
+                        <a:rPr lang="en-US" sz="900" b="0" i="0" u="none" strike="noStrike">
+                          <a:solidFill>
+                            <a:srgbClr val="000000"/>
+                          </a:solidFill>
                           <a:effectLst/>
+                          <a:latin typeface="Tahoma" panose="020B0604030504040204" pitchFamily="34" charset="0"/>
+                          <a:ea typeface="맑은 고딕" panose="020B0503020000020004" pitchFamily="50" charset="-127"/>
                         </a:rPr>
                         <a:t>S4_STOPPER.ADV</a:t>
                       </a:r>
-                      <a:endParaRPr lang="en-US" sz="1000" b="0" i="0" u="none" strike="noStrike">
-                        <a:solidFill>
-                          <a:srgbClr val="000000"/>
-                        </a:solidFill>
-                        <a:effectLst/>
-                        <a:latin typeface="Tahoma" panose="020B0604030504040204" pitchFamily="34" charset="0"/>
-                        <a:ea typeface="맑은 고딕" panose="020B0503020000020004" pitchFamily="50" charset="-127"/>
-                      </a:endParaRPr>
                     </a:p>
                   </a:txBody>
-                  <a:tcPr marL="6584" marR="6584" marT="6584" marB="0" anchor="ctr"/>
+                  <a:tcPr marL="9525" marR="9525" marT="9525" marB="0" anchor="ctr"/>
                 </a:tc>
                 <a:tc>
                   <a:txBody>
@@ -17513,22 +16950,19 @@
                     <a:p>
                       <a:pPr algn="l" rtl="0" fontAlgn="ctr"/>
                       <a:r>
-                        <a:rPr lang="en-US" sz="1000" u="none" strike="noStrike">
+                        <a:rPr lang="en-US" sz="900" b="0" i="0" u="none" strike="noStrike">
+                          <a:solidFill>
+                            <a:srgbClr val="000000"/>
+                          </a:solidFill>
                           <a:effectLst/>
+                          <a:latin typeface="Tahoma" panose="020B0604030504040204" pitchFamily="34" charset="0"/>
+                          <a:ea typeface="맑은 고딕" panose="020B0503020000020004" pitchFamily="50" charset="-127"/>
                         </a:rPr>
                         <a:t>bool</a:t>
                       </a:r>
-                      <a:endParaRPr lang="en-US" sz="1000" b="0" i="0" u="none" strike="noStrike">
-                        <a:solidFill>
-                          <a:srgbClr val="000000"/>
-                        </a:solidFill>
-                        <a:effectLst/>
-                        <a:latin typeface="Tahoma" panose="020B0604030504040204" pitchFamily="34" charset="0"/>
-                        <a:ea typeface="맑은 고딕" panose="020B0503020000020004" pitchFamily="50" charset="-127"/>
-                      </a:endParaRPr>
                     </a:p>
                   </a:txBody>
-                  <a:tcPr marL="6584" marR="6584" marT="6584" marB="0" anchor="ctr"/>
+                  <a:tcPr marL="9525" marR="9525" marT="9525" marB="0" anchor="ctr"/>
                 </a:tc>
                 <a:tc>
                   <a:txBody>
@@ -17537,22 +16971,19 @@
                     <a:p>
                       <a:pPr algn="l" rtl="0" fontAlgn="ctr"/>
                       <a:r>
-                        <a:rPr lang="en-US" sz="1000" u="none" strike="noStrike">
+                        <a:rPr lang="en-US" sz="900" b="0" i="0" u="none" strike="noStrike">
+                          <a:solidFill>
+                            <a:srgbClr val="000000"/>
+                          </a:solidFill>
                           <a:effectLst/>
+                          <a:latin typeface="Tahoma" panose="020B0604030504040204" pitchFamily="34" charset="0"/>
+                          <a:ea typeface="맑은 고딕" panose="020B0503020000020004" pitchFamily="50" charset="-127"/>
                         </a:rPr>
-                        <a:t>I2.1</a:t>
+                        <a:t>%IX0.0.26</a:t>
                       </a:r>
-                      <a:endParaRPr lang="en-US" sz="1000" b="0" i="0" u="none" strike="noStrike">
-                        <a:solidFill>
-                          <a:srgbClr val="000000"/>
-                        </a:solidFill>
-                        <a:effectLst/>
-                        <a:latin typeface="Tahoma" panose="020B0604030504040204" pitchFamily="34" charset="0"/>
-                        <a:ea typeface="맑은 고딕" panose="020B0503020000020004" pitchFamily="50" charset="-127"/>
-                      </a:endParaRPr>
                     </a:p>
                   </a:txBody>
-                  <a:tcPr marL="6584" marR="6584" marT="6584" marB="0" anchor="ctr"/>
+                  <a:tcPr marL="9525" marR="9525" marT="9525" marB="0" anchor="ctr"/>
                 </a:tc>
                 <a:tc>
                   <a:txBody>
@@ -17561,22 +16992,19 @@
                     <a:p>
                       <a:pPr algn="l" rtl="0" fontAlgn="ctr"/>
                       <a:r>
-                        <a:rPr lang="en-US" sz="1000" u="none" strike="noStrike">
+                        <a:rPr lang="en-US" sz="900" b="0" i="0" u="none" strike="noStrike">
+                          <a:solidFill>
+                            <a:srgbClr val="000000"/>
+                          </a:solidFill>
                           <a:effectLst/>
+                          <a:latin typeface="Tahoma" panose="020B0604030504040204" pitchFamily="34" charset="0"/>
+                          <a:ea typeface="맑은 고딕" panose="020B0503020000020004" pitchFamily="50" charset="-127"/>
                         </a:rPr>
-                        <a:t>O1.7</a:t>
+                        <a:t>%QX0.0.26</a:t>
                       </a:r>
-                      <a:endParaRPr lang="en-US" sz="1000" b="0" i="0" u="none" strike="noStrike">
-                        <a:solidFill>
-                          <a:srgbClr val="000000"/>
-                        </a:solidFill>
-                        <a:effectLst/>
-                        <a:latin typeface="Tahoma" panose="020B0604030504040204" pitchFamily="34" charset="0"/>
-                        <a:ea typeface="맑은 고딕" panose="020B0503020000020004" pitchFamily="50" charset="-127"/>
-                      </a:endParaRPr>
                     </a:p>
                   </a:txBody>
-                  <a:tcPr marL="6584" marR="6584" marT="6584" marB="0" anchor="ctr"/>
+                  <a:tcPr marL="9525" marR="9525" marT="9525" marB="0" anchor="ctr"/>
                 </a:tc>
                 <a:tc>
                   <a:txBody>
@@ -17585,22 +17013,19 @@
                     <a:p>
                       <a:pPr algn="l" rtl="0" fontAlgn="ctr"/>
                       <a:r>
-                        <a:rPr lang="en-US" sz="1000" u="none" strike="noStrike">
+                        <a:rPr lang="en-US" sz="900" b="0" i="0" u="none" strike="noStrike">
+                          <a:solidFill>
+                            <a:srgbClr val="000000"/>
+                          </a:solidFill>
                           <a:effectLst/>
+                          <a:latin typeface="Tahoma" panose="020B0604030504040204" pitchFamily="34" charset="0"/>
+                          <a:ea typeface="맑은 고딕" panose="020B0503020000020004" pitchFamily="50" charset="-127"/>
                         </a:rPr>
                         <a:t>S4_STOPPER_ADV</a:t>
                       </a:r>
-                      <a:endParaRPr lang="en-US" sz="1000" b="0" i="0" u="none" strike="noStrike">
-                        <a:solidFill>
-                          <a:srgbClr val="000000"/>
-                        </a:solidFill>
-                        <a:effectLst/>
-                        <a:latin typeface="Tahoma" panose="020B0604030504040204" pitchFamily="34" charset="0"/>
-                        <a:ea typeface="맑은 고딕" panose="020B0503020000020004" pitchFamily="50" charset="-127"/>
-                      </a:endParaRPr>
                     </a:p>
                   </a:txBody>
-                  <a:tcPr marL="6584" marR="6584" marT="6584" marB="0" anchor="ctr"/>
+                  <a:tcPr marL="9525" marR="9525" marT="9525" marB="0" anchor="ctr"/>
                 </a:tc>
                 <a:tc>
                   <a:txBody>
@@ -17609,22 +17034,19 @@
                     <a:p>
                       <a:pPr algn="l" rtl="0" fontAlgn="ctr"/>
                       <a:r>
-                        <a:rPr lang="ko-KR" altLang="en-US" sz="1000" u="none" strike="noStrike">
+                        <a:rPr lang="ko-KR" altLang="en-US" sz="900" b="0" i="0" u="none" strike="noStrike">
+                          <a:solidFill>
+                            <a:srgbClr val="000000"/>
+                          </a:solidFill>
                           <a:effectLst/>
+                          <a:latin typeface="Tahoma" panose="020B0604030504040204" pitchFamily="34" charset="0"/>
+                          <a:ea typeface="맑은 고딕" panose="020B0503020000020004" pitchFamily="50" charset="-127"/>
                         </a:rPr>
                         <a:t>　</a:t>
                       </a:r>
-                      <a:endParaRPr lang="ko-KR" altLang="en-US" sz="1000" b="0" i="0" u="none" strike="noStrike">
-                        <a:solidFill>
-                          <a:srgbClr val="000000"/>
-                        </a:solidFill>
-                        <a:effectLst/>
-                        <a:latin typeface="Tahoma" panose="020B0604030504040204" pitchFamily="34" charset="0"/>
-                        <a:ea typeface="맑은 고딕" panose="020B0503020000020004" pitchFamily="50" charset="-127"/>
-                      </a:endParaRPr>
                     </a:p>
                   </a:txBody>
-                  <a:tcPr marL="6584" marR="6584" marT="6584" marB="0" anchor="ctr"/>
+                  <a:tcPr marL="9525" marR="9525" marT="9525" marB="0" anchor="ctr"/>
                 </a:tc>
                 <a:extLst>
                   <a:ext uri="{0D108BD9-81ED-4DB2-BD59-A6C34878D82A}">
@@ -17640,22 +17062,19 @@
                     <a:p>
                       <a:pPr algn="l" rtl="0" fontAlgn="ctr"/>
                       <a:r>
-                        <a:rPr lang="ko-KR" altLang="en-US" sz="1000" u="none" strike="noStrike">
+                        <a:rPr lang="ko-KR" altLang="en-US" sz="900" b="0" i="0" u="none" strike="noStrike">
+                          <a:solidFill>
+                            <a:srgbClr val="000000"/>
+                          </a:solidFill>
                           <a:effectLst/>
+                          <a:latin typeface="Tahoma" panose="020B0604030504040204" pitchFamily="34" charset="0"/>
+                          <a:ea typeface="맑은 고딕" panose="020B0503020000020004" pitchFamily="50" charset="-127"/>
                         </a:rPr>
                         <a:t>외부주소</a:t>
                       </a:r>
-                      <a:endParaRPr lang="ko-KR" altLang="en-US" sz="1000" b="0" i="0" u="none" strike="noStrike">
-                        <a:solidFill>
-                          <a:srgbClr val="000000"/>
-                        </a:solidFill>
-                        <a:effectLst/>
-                        <a:latin typeface="Tahoma" panose="020B0604030504040204" pitchFamily="34" charset="0"/>
-                        <a:ea typeface="맑은 고딕" panose="020B0503020000020004" pitchFamily="50" charset="-127"/>
-                      </a:endParaRPr>
                     </a:p>
                   </a:txBody>
-                  <a:tcPr marL="6584" marR="6584" marT="6584" marB="0" anchor="ctr"/>
+                  <a:tcPr marL="9525" marR="9525" marT="9525" marB="0" anchor="ctr"/>
                 </a:tc>
                 <a:tc>
                   <a:txBody>
@@ -17664,22 +17083,19 @@
                     <a:p>
                       <a:pPr algn="l" rtl="0" fontAlgn="ctr"/>
                       <a:r>
-                        <a:rPr lang="en-US" sz="1000" u="none" strike="noStrike">
+                        <a:rPr lang="en-US" sz="900" b="0" i="0" u="none" strike="noStrike">
+                          <a:solidFill>
+                            <a:srgbClr val="000000"/>
+                          </a:solidFill>
                           <a:effectLst/>
+                          <a:latin typeface="Tahoma" panose="020B0604030504040204" pitchFamily="34" charset="0"/>
+                          <a:ea typeface="맑은 고딕" panose="020B0503020000020004" pitchFamily="50" charset="-127"/>
                         </a:rPr>
                         <a:t>S4_STOPPER.RET</a:t>
                       </a:r>
-                      <a:endParaRPr lang="en-US" sz="1000" b="0" i="0" u="none" strike="noStrike">
-                        <a:solidFill>
-                          <a:srgbClr val="000000"/>
-                        </a:solidFill>
-                        <a:effectLst/>
-                        <a:latin typeface="Tahoma" panose="020B0604030504040204" pitchFamily="34" charset="0"/>
-                        <a:ea typeface="맑은 고딕" panose="020B0503020000020004" pitchFamily="50" charset="-127"/>
-                      </a:endParaRPr>
                     </a:p>
                   </a:txBody>
-                  <a:tcPr marL="6584" marR="6584" marT="6584" marB="0" anchor="ctr"/>
+                  <a:tcPr marL="9525" marR="9525" marT="9525" marB="0" anchor="ctr"/>
                 </a:tc>
                 <a:tc>
                   <a:txBody>
@@ -17688,22 +17104,19 @@
                     <a:p>
                       <a:pPr algn="l" rtl="0" fontAlgn="ctr"/>
                       <a:r>
-                        <a:rPr lang="en-US" sz="1000" u="none" strike="noStrike">
+                        <a:rPr lang="en-US" sz="900" b="0" i="0" u="none" strike="noStrike">
+                          <a:solidFill>
+                            <a:srgbClr val="000000"/>
+                          </a:solidFill>
                           <a:effectLst/>
+                          <a:latin typeface="Tahoma" panose="020B0604030504040204" pitchFamily="34" charset="0"/>
+                          <a:ea typeface="맑은 고딕" panose="020B0503020000020004" pitchFamily="50" charset="-127"/>
                         </a:rPr>
                         <a:t>bool</a:t>
                       </a:r>
-                      <a:endParaRPr lang="en-US" sz="1000" b="0" i="0" u="none" strike="noStrike">
-                        <a:solidFill>
-                          <a:srgbClr val="000000"/>
-                        </a:solidFill>
-                        <a:effectLst/>
-                        <a:latin typeface="Tahoma" panose="020B0604030504040204" pitchFamily="34" charset="0"/>
-                        <a:ea typeface="맑은 고딕" panose="020B0503020000020004" pitchFamily="50" charset="-127"/>
-                      </a:endParaRPr>
                     </a:p>
                   </a:txBody>
-                  <a:tcPr marL="6584" marR="6584" marT="6584" marB="0" anchor="ctr"/>
+                  <a:tcPr marL="9525" marR="9525" marT="9525" marB="0" anchor="ctr"/>
                 </a:tc>
                 <a:tc>
                   <a:txBody>
@@ -17712,22 +17125,19 @@
                     <a:p>
                       <a:pPr algn="l" rtl="0" fontAlgn="ctr"/>
                       <a:r>
-                        <a:rPr lang="en-US" sz="1000" u="none" strike="noStrike">
+                        <a:rPr lang="en-US" sz="900" b="0" i="0" u="none" strike="noStrike">
+                          <a:solidFill>
+                            <a:srgbClr val="000000"/>
+                          </a:solidFill>
                           <a:effectLst/>
+                          <a:latin typeface="Tahoma" panose="020B0604030504040204" pitchFamily="34" charset="0"/>
+                          <a:ea typeface="맑은 고딕" panose="020B0503020000020004" pitchFamily="50" charset="-127"/>
                         </a:rPr>
-                        <a:t>I2.0</a:t>
+                        <a:t>%IX0.0.27</a:t>
                       </a:r>
-                      <a:endParaRPr lang="en-US" sz="1000" b="0" i="0" u="none" strike="noStrike">
-                        <a:solidFill>
-                          <a:srgbClr val="000000"/>
-                        </a:solidFill>
-                        <a:effectLst/>
-                        <a:latin typeface="Tahoma" panose="020B0604030504040204" pitchFamily="34" charset="0"/>
-                        <a:ea typeface="맑은 고딕" panose="020B0503020000020004" pitchFamily="50" charset="-127"/>
-                      </a:endParaRPr>
                     </a:p>
                   </a:txBody>
-                  <a:tcPr marL="6584" marR="6584" marT="6584" marB="0" anchor="ctr"/>
+                  <a:tcPr marL="9525" marR="9525" marT="9525" marB="0" anchor="ctr"/>
                 </a:tc>
                 <a:tc>
                   <a:txBody>
@@ -17736,22 +17146,19 @@
                     <a:p>
                       <a:pPr algn="l" rtl="0" fontAlgn="ctr"/>
                       <a:r>
-                        <a:rPr lang="en-US" sz="1000" u="none" strike="noStrike">
+                        <a:rPr lang="en-US" sz="900" b="0" i="0" u="none" strike="noStrike">
+                          <a:solidFill>
+                            <a:srgbClr val="000000"/>
+                          </a:solidFill>
                           <a:effectLst/>
+                          <a:latin typeface="Tahoma" panose="020B0604030504040204" pitchFamily="34" charset="0"/>
+                          <a:ea typeface="맑은 고딕" panose="020B0503020000020004" pitchFamily="50" charset="-127"/>
                         </a:rPr>
-                        <a:t>O1.6</a:t>
+                        <a:t>%QX0.0.27</a:t>
                       </a:r>
-                      <a:endParaRPr lang="en-US" sz="1000" b="0" i="0" u="none" strike="noStrike">
-                        <a:solidFill>
-                          <a:srgbClr val="000000"/>
-                        </a:solidFill>
-                        <a:effectLst/>
-                        <a:latin typeface="Tahoma" panose="020B0604030504040204" pitchFamily="34" charset="0"/>
-                        <a:ea typeface="맑은 고딕" panose="020B0503020000020004" pitchFamily="50" charset="-127"/>
-                      </a:endParaRPr>
                     </a:p>
                   </a:txBody>
-                  <a:tcPr marL="6584" marR="6584" marT="6584" marB="0" anchor="ctr"/>
+                  <a:tcPr marL="9525" marR="9525" marT="9525" marB="0" anchor="ctr"/>
                 </a:tc>
                 <a:tc>
                   <a:txBody>
@@ -17760,22 +17167,19 @@
                     <a:p>
                       <a:pPr algn="l" rtl="0" fontAlgn="ctr"/>
                       <a:r>
-                        <a:rPr lang="en-US" sz="1000" u="none" strike="noStrike">
+                        <a:rPr lang="en-US" sz="900" b="0" i="0" u="none" strike="noStrike">
+                          <a:solidFill>
+                            <a:srgbClr val="000000"/>
+                          </a:solidFill>
                           <a:effectLst/>
+                          <a:latin typeface="Tahoma" panose="020B0604030504040204" pitchFamily="34" charset="0"/>
+                          <a:ea typeface="맑은 고딕" panose="020B0503020000020004" pitchFamily="50" charset="-127"/>
                         </a:rPr>
                         <a:t>S4_STOPPER_RET</a:t>
                       </a:r>
-                      <a:endParaRPr lang="en-US" sz="1000" b="0" i="0" u="none" strike="noStrike">
-                        <a:solidFill>
-                          <a:srgbClr val="000000"/>
-                        </a:solidFill>
-                        <a:effectLst/>
-                        <a:latin typeface="Tahoma" panose="020B0604030504040204" pitchFamily="34" charset="0"/>
-                        <a:ea typeface="맑은 고딕" panose="020B0503020000020004" pitchFamily="50" charset="-127"/>
-                      </a:endParaRPr>
                     </a:p>
                   </a:txBody>
-                  <a:tcPr marL="6584" marR="6584" marT="6584" marB="0" anchor="ctr"/>
+                  <a:tcPr marL="9525" marR="9525" marT="9525" marB="0" anchor="ctr"/>
                 </a:tc>
                 <a:tc>
                   <a:txBody>
@@ -17784,22 +17188,19 @@
                     <a:p>
                       <a:pPr algn="l" rtl="0" fontAlgn="ctr"/>
                       <a:r>
-                        <a:rPr lang="ko-KR" altLang="en-US" sz="1000" u="none" strike="noStrike">
+                        <a:rPr lang="ko-KR" altLang="en-US" sz="900" b="0" i="0" u="none" strike="noStrike">
+                          <a:solidFill>
+                            <a:srgbClr val="000000"/>
+                          </a:solidFill>
                           <a:effectLst/>
+                          <a:latin typeface="Tahoma" panose="020B0604030504040204" pitchFamily="34" charset="0"/>
+                          <a:ea typeface="맑은 고딕" panose="020B0503020000020004" pitchFamily="50" charset="-127"/>
                         </a:rPr>
                         <a:t>　</a:t>
                       </a:r>
-                      <a:endParaRPr lang="ko-KR" altLang="en-US" sz="1000" b="0" i="0" u="none" strike="noStrike">
-                        <a:solidFill>
-                          <a:srgbClr val="000000"/>
-                        </a:solidFill>
-                        <a:effectLst/>
-                        <a:latin typeface="Tahoma" panose="020B0604030504040204" pitchFamily="34" charset="0"/>
-                        <a:ea typeface="맑은 고딕" panose="020B0503020000020004" pitchFamily="50" charset="-127"/>
-                      </a:endParaRPr>
                     </a:p>
                   </a:txBody>
-                  <a:tcPr marL="6584" marR="6584" marT="6584" marB="0" anchor="ctr"/>
+                  <a:tcPr marL="9525" marR="9525" marT="9525" marB="0" anchor="ctr"/>
                 </a:tc>
                 <a:extLst>
                   <a:ext uri="{0D108BD9-81ED-4DB2-BD59-A6C34878D82A}">
@@ -17815,22 +17216,19 @@
                     <a:p>
                       <a:pPr algn="l" rtl="0" fontAlgn="ctr"/>
                       <a:r>
-                        <a:rPr lang="ko-KR" altLang="en-US" sz="1000" u="none" strike="noStrike">
+                        <a:rPr lang="ko-KR" altLang="en-US" sz="900" b="0" i="0" u="none" strike="noStrike">
+                          <a:solidFill>
+                            <a:srgbClr val="000000"/>
+                          </a:solidFill>
                           <a:effectLst/>
+                          <a:latin typeface="Tahoma" panose="020B0604030504040204" pitchFamily="34" charset="0"/>
+                          <a:ea typeface="맑은 고딕" panose="020B0503020000020004" pitchFamily="50" charset="-127"/>
                         </a:rPr>
                         <a:t>외부주소</a:t>
                       </a:r>
-                      <a:endParaRPr lang="ko-KR" altLang="en-US" sz="1000" b="0" i="0" u="none" strike="noStrike">
-                        <a:solidFill>
-                          <a:srgbClr val="000000"/>
-                        </a:solidFill>
-                        <a:effectLst/>
-                        <a:latin typeface="Tahoma" panose="020B0604030504040204" pitchFamily="34" charset="0"/>
-                        <a:ea typeface="맑은 고딕" panose="020B0503020000020004" pitchFamily="50" charset="-127"/>
-                      </a:endParaRPr>
                     </a:p>
                   </a:txBody>
-                  <a:tcPr marL="6584" marR="6584" marT="6584" marB="0" anchor="ctr"/>
+                  <a:tcPr marL="9525" marR="9525" marT="9525" marB="0" anchor="ctr"/>
                 </a:tc>
                 <a:tc>
                   <a:txBody>
@@ -17839,22 +17237,19 @@
                     <a:p>
                       <a:pPr algn="l" rtl="0" fontAlgn="ctr"/>
                       <a:r>
-                        <a:rPr lang="en-US" sz="1000" u="none" strike="noStrike">
+                        <a:rPr lang="en-US" sz="900" b="0" i="0" u="none" strike="noStrike">
+                          <a:solidFill>
+                            <a:srgbClr val="000000"/>
+                          </a:solidFill>
                           <a:effectLst/>
+                          <a:latin typeface="Tahoma" panose="020B0604030504040204" pitchFamily="34" charset="0"/>
+                          <a:ea typeface="맑은 고딕" panose="020B0503020000020004" pitchFamily="50" charset="-127"/>
                         </a:rPr>
                         <a:t>S4_USB.ADV</a:t>
                       </a:r>
-                      <a:endParaRPr lang="en-US" sz="1000" b="0" i="0" u="none" strike="noStrike">
-                        <a:solidFill>
-                          <a:srgbClr val="000000"/>
-                        </a:solidFill>
-                        <a:effectLst/>
-                        <a:latin typeface="Tahoma" panose="020B0604030504040204" pitchFamily="34" charset="0"/>
-                        <a:ea typeface="맑은 고딕" panose="020B0503020000020004" pitchFamily="50" charset="-127"/>
-                      </a:endParaRPr>
                     </a:p>
                   </a:txBody>
-                  <a:tcPr marL="6584" marR="6584" marT="6584" marB="0" anchor="ctr"/>
+                  <a:tcPr marL="9525" marR="9525" marT="9525" marB="0" anchor="ctr"/>
                 </a:tc>
                 <a:tc>
                   <a:txBody>
@@ -17863,22 +17258,19 @@
                     <a:p>
                       <a:pPr algn="l" rtl="0" fontAlgn="ctr"/>
                       <a:r>
-                        <a:rPr lang="en-US" sz="1000" u="none" strike="noStrike">
+                        <a:rPr lang="en-US" sz="900" b="0" i="0" u="none" strike="noStrike">
+                          <a:solidFill>
+                            <a:srgbClr val="000000"/>
+                          </a:solidFill>
                           <a:effectLst/>
+                          <a:latin typeface="Tahoma" panose="020B0604030504040204" pitchFamily="34" charset="0"/>
+                          <a:ea typeface="맑은 고딕" panose="020B0503020000020004" pitchFamily="50" charset="-127"/>
                         </a:rPr>
                         <a:t>bool</a:t>
                       </a:r>
-                      <a:endParaRPr lang="en-US" sz="1000" b="0" i="0" u="none" strike="noStrike">
-                        <a:solidFill>
-                          <a:srgbClr val="000000"/>
-                        </a:solidFill>
-                        <a:effectLst/>
-                        <a:latin typeface="Tahoma" panose="020B0604030504040204" pitchFamily="34" charset="0"/>
-                        <a:ea typeface="맑은 고딕" panose="020B0503020000020004" pitchFamily="50" charset="-127"/>
-                      </a:endParaRPr>
                     </a:p>
                   </a:txBody>
-                  <a:tcPr marL="6584" marR="6584" marT="6584" marB="0" anchor="ctr"/>
+                  <a:tcPr marL="9525" marR="9525" marT="9525" marB="0" anchor="ctr"/>
                 </a:tc>
                 <a:tc>
                   <a:txBody>
@@ -17887,22 +17279,19 @@
                     <a:p>
                       <a:pPr algn="l" rtl="0" fontAlgn="ctr"/>
                       <a:r>
-                        <a:rPr lang="en-US" sz="1000" u="none" strike="noStrike">
+                        <a:rPr lang="en-US" sz="900" b="0" i="0" u="none" strike="noStrike">
+                          <a:solidFill>
+                            <a:srgbClr val="000000"/>
+                          </a:solidFill>
                           <a:effectLst/>
+                          <a:latin typeface="Tahoma" panose="020B0604030504040204" pitchFamily="34" charset="0"/>
+                          <a:ea typeface="맑은 고딕" panose="020B0503020000020004" pitchFamily="50" charset="-127"/>
                         </a:rPr>
-                        <a:t>I2.3</a:t>
+                        <a:t>%IX0.0.28</a:t>
                       </a:r>
-                      <a:endParaRPr lang="en-US" sz="1000" b="0" i="0" u="none" strike="noStrike">
-                        <a:solidFill>
-                          <a:srgbClr val="000000"/>
-                        </a:solidFill>
-                        <a:effectLst/>
-                        <a:latin typeface="Tahoma" panose="020B0604030504040204" pitchFamily="34" charset="0"/>
-                        <a:ea typeface="맑은 고딕" panose="020B0503020000020004" pitchFamily="50" charset="-127"/>
-                      </a:endParaRPr>
                     </a:p>
                   </a:txBody>
-                  <a:tcPr marL="6584" marR="6584" marT="6584" marB="0" anchor="ctr"/>
+                  <a:tcPr marL="9525" marR="9525" marT="9525" marB="0" anchor="ctr"/>
                 </a:tc>
                 <a:tc>
                   <a:txBody>
@@ -17911,22 +17300,19 @@
                     <a:p>
                       <a:pPr algn="l" rtl="0" fontAlgn="ctr"/>
                       <a:r>
-                        <a:rPr lang="en-US" sz="1000" u="none" strike="noStrike">
+                        <a:rPr lang="en-US" sz="900" b="0" i="0" u="none" strike="noStrike">
+                          <a:solidFill>
+                            <a:srgbClr val="000000"/>
+                          </a:solidFill>
                           <a:effectLst/>
+                          <a:latin typeface="Tahoma" panose="020B0604030504040204" pitchFamily="34" charset="0"/>
+                          <a:ea typeface="맑은 고딕" panose="020B0503020000020004" pitchFamily="50" charset="-127"/>
                         </a:rPr>
-                        <a:t>O2.1</a:t>
+                        <a:t>%QX0.0.28</a:t>
                       </a:r>
-                      <a:endParaRPr lang="en-US" sz="1000" b="0" i="0" u="none" strike="noStrike">
-                        <a:solidFill>
-                          <a:srgbClr val="000000"/>
-                        </a:solidFill>
-                        <a:effectLst/>
-                        <a:latin typeface="Tahoma" panose="020B0604030504040204" pitchFamily="34" charset="0"/>
-                        <a:ea typeface="맑은 고딕" panose="020B0503020000020004" pitchFamily="50" charset="-127"/>
-                      </a:endParaRPr>
                     </a:p>
                   </a:txBody>
-                  <a:tcPr marL="6584" marR="6584" marT="6584" marB="0" anchor="ctr"/>
+                  <a:tcPr marL="9525" marR="9525" marT="9525" marB="0" anchor="ctr"/>
                 </a:tc>
                 <a:tc>
                   <a:txBody>
@@ -17935,22 +17321,19 @@
                     <a:p>
                       <a:pPr algn="l" rtl="0" fontAlgn="ctr"/>
                       <a:r>
-                        <a:rPr lang="en-US" sz="1000" u="none" strike="noStrike">
+                        <a:rPr lang="en-US" sz="900" b="0" i="0" u="none" strike="noStrike">
+                          <a:solidFill>
+                            <a:srgbClr val="000000"/>
+                          </a:solidFill>
                           <a:effectLst/>
+                          <a:latin typeface="Tahoma" panose="020B0604030504040204" pitchFamily="34" charset="0"/>
+                          <a:ea typeface="맑은 고딕" panose="020B0503020000020004" pitchFamily="50" charset="-127"/>
                         </a:rPr>
                         <a:t>S4_USB_ADV</a:t>
                       </a:r>
-                      <a:endParaRPr lang="en-US" sz="1000" b="0" i="0" u="none" strike="noStrike">
-                        <a:solidFill>
-                          <a:srgbClr val="000000"/>
-                        </a:solidFill>
-                        <a:effectLst/>
-                        <a:latin typeface="Tahoma" panose="020B0604030504040204" pitchFamily="34" charset="0"/>
-                        <a:ea typeface="맑은 고딕" panose="020B0503020000020004" pitchFamily="50" charset="-127"/>
-                      </a:endParaRPr>
                     </a:p>
                   </a:txBody>
-                  <a:tcPr marL="6584" marR="6584" marT="6584" marB="0" anchor="ctr"/>
+                  <a:tcPr marL="9525" marR="9525" marT="9525" marB="0" anchor="ctr"/>
                 </a:tc>
                 <a:tc>
                   <a:txBody>
@@ -17959,22 +17342,19 @@
                     <a:p>
                       <a:pPr algn="l" rtl="0" fontAlgn="ctr"/>
                       <a:r>
-                        <a:rPr lang="ko-KR" altLang="en-US" sz="1000" u="none" strike="noStrike">
+                        <a:rPr lang="ko-KR" altLang="en-US" sz="900" b="0" i="0" u="none" strike="noStrike">
+                          <a:solidFill>
+                            <a:srgbClr val="000000"/>
+                          </a:solidFill>
                           <a:effectLst/>
+                          <a:latin typeface="Tahoma" panose="020B0604030504040204" pitchFamily="34" charset="0"/>
+                          <a:ea typeface="맑은 고딕" panose="020B0503020000020004" pitchFamily="50" charset="-127"/>
                         </a:rPr>
                         <a:t>　</a:t>
                       </a:r>
-                      <a:endParaRPr lang="ko-KR" altLang="en-US" sz="1000" b="0" i="0" u="none" strike="noStrike">
-                        <a:solidFill>
-                          <a:srgbClr val="000000"/>
-                        </a:solidFill>
-                        <a:effectLst/>
-                        <a:latin typeface="Tahoma" panose="020B0604030504040204" pitchFamily="34" charset="0"/>
-                        <a:ea typeface="맑은 고딕" panose="020B0503020000020004" pitchFamily="50" charset="-127"/>
-                      </a:endParaRPr>
                     </a:p>
                   </a:txBody>
-                  <a:tcPr marL="6584" marR="6584" marT="6584" marB="0" anchor="ctr"/>
+                  <a:tcPr marL="9525" marR="9525" marT="9525" marB="0" anchor="ctr"/>
                 </a:tc>
                 <a:extLst>
                   <a:ext uri="{0D108BD9-81ED-4DB2-BD59-A6C34878D82A}">
@@ -17990,22 +17370,19 @@
                     <a:p>
                       <a:pPr algn="l" rtl="0" fontAlgn="ctr"/>
                       <a:r>
-                        <a:rPr lang="ko-KR" altLang="en-US" sz="1000" u="none" strike="noStrike">
+                        <a:rPr lang="ko-KR" altLang="en-US" sz="900" b="0" i="0" u="none" strike="noStrike">
+                          <a:solidFill>
+                            <a:srgbClr val="000000"/>
+                          </a:solidFill>
                           <a:effectLst/>
+                          <a:latin typeface="Tahoma" panose="020B0604030504040204" pitchFamily="34" charset="0"/>
+                          <a:ea typeface="맑은 고딕" panose="020B0503020000020004" pitchFamily="50" charset="-127"/>
                         </a:rPr>
                         <a:t>외부주소</a:t>
                       </a:r>
-                      <a:endParaRPr lang="ko-KR" altLang="en-US" sz="1000" b="0" i="0" u="none" strike="noStrike">
-                        <a:solidFill>
-                          <a:srgbClr val="000000"/>
-                        </a:solidFill>
-                        <a:effectLst/>
-                        <a:latin typeface="Tahoma" panose="020B0604030504040204" pitchFamily="34" charset="0"/>
-                        <a:ea typeface="맑은 고딕" panose="020B0503020000020004" pitchFamily="50" charset="-127"/>
-                      </a:endParaRPr>
                     </a:p>
                   </a:txBody>
-                  <a:tcPr marL="6584" marR="6584" marT="6584" marB="0" anchor="ctr"/>
+                  <a:tcPr marL="9525" marR="9525" marT="9525" marB="0" anchor="ctr"/>
                 </a:tc>
                 <a:tc>
                   <a:txBody>
@@ -18014,22 +17391,19 @@
                     <a:p>
                       <a:pPr algn="l" rtl="0" fontAlgn="ctr"/>
                       <a:r>
-                        <a:rPr lang="en-US" sz="1000" u="none" strike="noStrike" dirty="0">
+                        <a:rPr lang="en-US" sz="900" b="0" i="0" u="none" strike="noStrike">
+                          <a:solidFill>
+                            <a:srgbClr val="000000"/>
+                          </a:solidFill>
                           <a:effectLst/>
+                          <a:latin typeface="Tahoma" panose="020B0604030504040204" pitchFamily="34" charset="0"/>
+                          <a:ea typeface="맑은 고딕" panose="020B0503020000020004" pitchFamily="50" charset="-127"/>
                         </a:rPr>
                         <a:t>S4_USB.RET</a:t>
                       </a:r>
-                      <a:endParaRPr lang="en-US" sz="1000" b="0" i="0" u="none" strike="noStrike" dirty="0">
-                        <a:solidFill>
-                          <a:srgbClr val="000000"/>
-                        </a:solidFill>
-                        <a:effectLst/>
-                        <a:latin typeface="Tahoma" panose="020B0604030504040204" pitchFamily="34" charset="0"/>
-                        <a:ea typeface="맑은 고딕" panose="020B0503020000020004" pitchFamily="50" charset="-127"/>
-                      </a:endParaRPr>
                     </a:p>
                   </a:txBody>
-                  <a:tcPr marL="6584" marR="6584" marT="6584" marB="0" anchor="ctr"/>
+                  <a:tcPr marL="9525" marR="9525" marT="9525" marB="0" anchor="ctr"/>
                 </a:tc>
                 <a:tc>
                   <a:txBody>
@@ -18038,22 +17412,19 @@
                     <a:p>
                       <a:pPr algn="l" rtl="0" fontAlgn="ctr"/>
                       <a:r>
-                        <a:rPr lang="en-US" sz="1000" u="none" strike="noStrike">
+                        <a:rPr lang="en-US" sz="900" b="0" i="0" u="none" strike="noStrike">
+                          <a:solidFill>
+                            <a:srgbClr val="000000"/>
+                          </a:solidFill>
                           <a:effectLst/>
+                          <a:latin typeface="Tahoma" panose="020B0604030504040204" pitchFamily="34" charset="0"/>
+                          <a:ea typeface="맑은 고딕" panose="020B0503020000020004" pitchFamily="50" charset="-127"/>
                         </a:rPr>
                         <a:t>bool</a:t>
                       </a:r>
-                      <a:endParaRPr lang="en-US" sz="1000" b="0" i="0" u="none" strike="noStrike">
-                        <a:solidFill>
-                          <a:srgbClr val="000000"/>
-                        </a:solidFill>
-                        <a:effectLst/>
-                        <a:latin typeface="Tahoma" panose="020B0604030504040204" pitchFamily="34" charset="0"/>
-                        <a:ea typeface="맑은 고딕" panose="020B0503020000020004" pitchFamily="50" charset="-127"/>
-                      </a:endParaRPr>
                     </a:p>
                   </a:txBody>
-                  <a:tcPr marL="6584" marR="6584" marT="6584" marB="0" anchor="ctr"/>
+                  <a:tcPr marL="9525" marR="9525" marT="9525" marB="0" anchor="ctr"/>
                 </a:tc>
                 <a:tc>
                   <a:txBody>
@@ -18062,22 +17433,19 @@
                     <a:p>
                       <a:pPr algn="l" rtl="0" fontAlgn="ctr"/>
                       <a:r>
-                        <a:rPr lang="en-US" sz="1000" u="none" strike="noStrike">
+                        <a:rPr lang="en-US" sz="900" b="0" i="0" u="none" strike="noStrike">
+                          <a:solidFill>
+                            <a:srgbClr val="000000"/>
+                          </a:solidFill>
                           <a:effectLst/>
+                          <a:latin typeface="Tahoma" panose="020B0604030504040204" pitchFamily="34" charset="0"/>
+                          <a:ea typeface="맑은 고딕" panose="020B0503020000020004" pitchFamily="50" charset="-127"/>
                         </a:rPr>
-                        <a:t>I2.2</a:t>
+                        <a:t>%IX0.0.29</a:t>
                       </a:r>
-                      <a:endParaRPr lang="en-US" sz="1000" b="0" i="0" u="none" strike="noStrike">
-                        <a:solidFill>
-                          <a:srgbClr val="000000"/>
-                        </a:solidFill>
-                        <a:effectLst/>
-                        <a:latin typeface="Tahoma" panose="020B0604030504040204" pitchFamily="34" charset="0"/>
-                        <a:ea typeface="맑은 고딕" panose="020B0503020000020004" pitchFamily="50" charset="-127"/>
-                      </a:endParaRPr>
                     </a:p>
                   </a:txBody>
-                  <a:tcPr marL="6584" marR="6584" marT="6584" marB="0" anchor="ctr"/>
+                  <a:tcPr marL="9525" marR="9525" marT="9525" marB="0" anchor="ctr"/>
                 </a:tc>
                 <a:tc>
                   <a:txBody>
@@ -18086,22 +17454,19 @@
                     <a:p>
                       <a:pPr algn="l" rtl="0" fontAlgn="ctr"/>
                       <a:r>
-                        <a:rPr lang="en-US" sz="1000" u="none" strike="noStrike">
+                        <a:rPr lang="en-US" sz="900" b="0" i="0" u="none" strike="noStrike">
+                          <a:solidFill>
+                            <a:srgbClr val="000000"/>
+                          </a:solidFill>
                           <a:effectLst/>
+                          <a:latin typeface="Tahoma" panose="020B0604030504040204" pitchFamily="34" charset="0"/>
+                          <a:ea typeface="맑은 고딕" panose="020B0503020000020004" pitchFamily="50" charset="-127"/>
                         </a:rPr>
-                        <a:t>O2.0</a:t>
+                        <a:t>%QX0.0.29</a:t>
                       </a:r>
-                      <a:endParaRPr lang="en-US" sz="1000" b="0" i="0" u="none" strike="noStrike">
-                        <a:solidFill>
-                          <a:srgbClr val="000000"/>
-                        </a:solidFill>
-                        <a:effectLst/>
-                        <a:latin typeface="Tahoma" panose="020B0604030504040204" pitchFamily="34" charset="0"/>
-                        <a:ea typeface="맑은 고딕" panose="020B0503020000020004" pitchFamily="50" charset="-127"/>
-                      </a:endParaRPr>
                     </a:p>
                   </a:txBody>
-                  <a:tcPr marL="6584" marR="6584" marT="6584" marB="0" anchor="ctr"/>
+                  <a:tcPr marL="9525" marR="9525" marT="9525" marB="0" anchor="ctr"/>
                 </a:tc>
                 <a:tc>
                   <a:txBody>
@@ -18110,22 +17475,19 @@
                     <a:p>
                       <a:pPr algn="l" rtl="0" fontAlgn="ctr"/>
                       <a:r>
-                        <a:rPr lang="en-US" sz="1000" u="none" strike="noStrike">
+                        <a:rPr lang="en-US" sz="900" b="0" i="0" u="none" strike="noStrike">
+                          <a:solidFill>
+                            <a:srgbClr val="000000"/>
+                          </a:solidFill>
                           <a:effectLst/>
+                          <a:latin typeface="Tahoma" panose="020B0604030504040204" pitchFamily="34" charset="0"/>
+                          <a:ea typeface="맑은 고딕" panose="020B0503020000020004" pitchFamily="50" charset="-127"/>
                         </a:rPr>
                         <a:t>S4_USB_RET</a:t>
                       </a:r>
-                      <a:endParaRPr lang="en-US" sz="1000" b="0" i="0" u="none" strike="noStrike">
-                        <a:solidFill>
-                          <a:srgbClr val="000000"/>
-                        </a:solidFill>
-                        <a:effectLst/>
-                        <a:latin typeface="Tahoma" panose="020B0604030504040204" pitchFamily="34" charset="0"/>
-                        <a:ea typeface="맑은 고딕" panose="020B0503020000020004" pitchFamily="50" charset="-127"/>
-                      </a:endParaRPr>
                     </a:p>
                   </a:txBody>
-                  <a:tcPr marL="6584" marR="6584" marT="6584" marB="0" anchor="ctr"/>
+                  <a:tcPr marL="9525" marR="9525" marT="9525" marB="0" anchor="ctr"/>
                 </a:tc>
                 <a:tc>
                   <a:txBody>
@@ -18134,22 +17496,19 @@
                     <a:p>
                       <a:pPr algn="l" rtl="0" fontAlgn="ctr"/>
                       <a:r>
-                        <a:rPr lang="ko-KR" altLang="en-US" sz="1000" u="none" strike="noStrike" dirty="0">
+                        <a:rPr lang="ko-KR" altLang="en-US" sz="900" b="0" i="0" u="none" strike="noStrike" dirty="0">
+                          <a:solidFill>
+                            <a:srgbClr val="000000"/>
+                          </a:solidFill>
                           <a:effectLst/>
+                          <a:latin typeface="Tahoma" panose="020B0604030504040204" pitchFamily="34" charset="0"/>
+                          <a:ea typeface="맑은 고딕" panose="020B0503020000020004" pitchFamily="50" charset="-127"/>
                         </a:rPr>
                         <a:t>　</a:t>
                       </a:r>
-                      <a:endParaRPr lang="ko-KR" altLang="en-US" sz="1000" b="0" i="0" u="none" strike="noStrike" dirty="0">
-                        <a:solidFill>
-                          <a:srgbClr val="000000"/>
-                        </a:solidFill>
-                        <a:effectLst/>
-                        <a:latin typeface="Tahoma" panose="020B0604030504040204" pitchFamily="34" charset="0"/>
-                        <a:ea typeface="맑은 고딕" panose="020B0503020000020004" pitchFamily="50" charset="-127"/>
-                      </a:endParaRPr>
                     </a:p>
                   </a:txBody>
-                  <a:tcPr marL="6584" marR="6584" marT="6584" marB="0" anchor="ctr"/>
+                  <a:tcPr marL="9525" marR="9525" marT="9525" marB="0" anchor="ctr"/>
                 </a:tc>
                 <a:extLst>
                   <a:ext uri="{0D108BD9-81ED-4DB2-BD59-A6C34878D82A}">

--- a/DsDotNet/src/UnitTest/UnitTest.Model/ImportOfficeExample/Sample/KIT.pptx
+++ b/DsDotNet/src/UnitTest/UnitTest.Model/ImportOfficeExample/Sample/KIT.pptx
@@ -12987,7 +12987,7 @@
           <p:nvPr>
             <p:extLst>
               <p:ext uri="{D42A27DB-BD31-4B8C-83A1-F6EECF244321}">
-                <p14:modId xmlns:p14="http://schemas.microsoft.com/office/powerpoint/2010/main" val="3337074015"/>
+                <p14:modId xmlns:p14="http://schemas.microsoft.com/office/powerpoint/2010/main" val="293698096"/>
               </p:ext>
             </p:extLst>
           </p:nvPr>
@@ -13278,7 +13278,7 @@
                     <a:p>
                       <a:pPr algn="l" rtl="0" fontAlgn="ctr"/>
                       <a:r>
-                        <a:rPr lang="en-US" sz="900" b="0" i="0" u="none" strike="noStrike">
+                        <a:rPr lang="en-US" sz="900" b="0" i="0" u="none" strike="noStrike" dirty="0">
                           <a:solidFill>
                             <a:srgbClr val="000000"/>
                           </a:solidFill>
@@ -13299,7 +13299,7 @@
                     <a:p>
                       <a:pPr algn="l" rtl="0" fontAlgn="ctr"/>
                       <a:r>
-                        <a:rPr lang="en-US" sz="900" b="0" i="0" u="none" strike="noStrike">
+                        <a:rPr lang="en-US" altLang="ko-KR" sz="900" b="0" i="0" u="none" strike="noStrike" dirty="0">
                           <a:solidFill>
                             <a:srgbClr val="000000"/>
                           </a:solidFill>
@@ -13307,8 +13307,16 @@
                           <a:latin typeface="Tahoma" panose="020B0604030504040204" pitchFamily="34" charset="0"/>
                           <a:ea typeface="맑은 고딕" panose="020B0503020000020004" pitchFamily="50" charset="-127"/>
                         </a:rPr>
-                        <a:t>%QX0.0.2</a:t>
+                        <a:t>%MX8</a:t>
                       </a:r>
+                      <a:endParaRPr lang="en-US" sz="900" b="0" i="0" u="none" strike="noStrike" dirty="0">
+                        <a:solidFill>
+                          <a:srgbClr val="000000"/>
+                        </a:solidFill>
+                        <a:effectLst/>
+                        <a:latin typeface="Tahoma" panose="020B0604030504040204" pitchFamily="34" charset="0"/>
+                        <a:ea typeface="맑은 고딕" panose="020B0503020000020004" pitchFamily="50" charset="-127"/>
+                      </a:endParaRPr>
                     </a:p>
                   </a:txBody>
                   <a:tcPr marL="9525" marR="9525" marT="9525" marB="0" anchor="ctr"/>
@@ -14839,15 +14847,15 @@
                     <a:p>
                       <a:pPr algn="l" rtl="0" fontAlgn="ctr"/>
                       <a:r>
-                        <a:rPr lang="en-US" sz="900" b="0" i="0" u="none" strike="noStrike">
+                        <a:rPr lang="en-US" altLang="ko-KR" sz="900" b="0" i="0" u="none" strike="noStrike" dirty="0">
                           <a:solidFill>
                             <a:srgbClr val="000000"/>
                           </a:solidFill>
                           <a:effectLst/>
                           <a:latin typeface="Tahoma" panose="020B0604030504040204" pitchFamily="34" charset="0"/>
-                          <a:ea typeface="맑은 고딕" panose="020B0503020000020004" pitchFamily="50" charset="-127"/>
+                          <a:ea typeface="+mn-ea"/>
                         </a:rPr>
-                        <a:t>%QX0.0.12</a:t>
+                        <a:t>%MX7</a:t>
                       </a:r>
                     </a:p>
                   </a:txBody>

--- a/DsDotNet/src/UnitTest/UnitTest.Model/ImportOfficeExample/Sample/KIT.pptx
+++ b/DsDotNet/src/UnitTest/UnitTest.Model/ImportOfficeExample/Sample/KIT.pptx
@@ -5,33 +5,34 @@
     <p:sldMasterId id="2147483687" r:id="rId1"/>
   </p:sldMasterIdLst>
   <p:notesMasterIdLst>
-    <p:notesMasterId r:id="rId23"/>
+    <p:notesMasterId r:id="rId24"/>
   </p:notesMasterIdLst>
   <p:handoutMasterIdLst>
-    <p:handoutMasterId r:id="rId24"/>
+    <p:handoutMasterId r:id="rId25"/>
   </p:handoutMasterIdLst>
   <p:sldIdLst>
     <p:sldId id="725" r:id="rId2"/>
     <p:sldId id="724" r:id="rId3"/>
     <p:sldId id="728" r:id="rId4"/>
     <p:sldId id="729" r:id="rId5"/>
-    <p:sldId id="731" r:id="rId6"/>
-    <p:sldId id="730" r:id="rId7"/>
-    <p:sldId id="719" r:id="rId8"/>
-    <p:sldId id="720" r:id="rId9"/>
-    <p:sldId id="721" r:id="rId10"/>
-    <p:sldId id="722" r:id="rId11"/>
-    <p:sldId id="627" r:id="rId12"/>
-    <p:sldId id="628" r:id="rId13"/>
-    <p:sldId id="631" r:id="rId14"/>
-    <p:sldId id="632" r:id="rId15"/>
-    <p:sldId id="618" r:id="rId16"/>
-    <p:sldId id="615" r:id="rId17"/>
-    <p:sldId id="621" r:id="rId18"/>
-    <p:sldId id="714" r:id="rId19"/>
-    <p:sldId id="715" r:id="rId20"/>
-    <p:sldId id="607" r:id="rId21"/>
-    <p:sldId id="633" r:id="rId22"/>
+    <p:sldId id="732" r:id="rId6"/>
+    <p:sldId id="731" r:id="rId7"/>
+    <p:sldId id="730" r:id="rId8"/>
+    <p:sldId id="719" r:id="rId9"/>
+    <p:sldId id="720" r:id="rId10"/>
+    <p:sldId id="721" r:id="rId11"/>
+    <p:sldId id="722" r:id="rId12"/>
+    <p:sldId id="627" r:id="rId13"/>
+    <p:sldId id="628" r:id="rId14"/>
+    <p:sldId id="631" r:id="rId15"/>
+    <p:sldId id="632" r:id="rId16"/>
+    <p:sldId id="618" r:id="rId17"/>
+    <p:sldId id="615" r:id="rId18"/>
+    <p:sldId id="621" r:id="rId19"/>
+    <p:sldId id="714" r:id="rId20"/>
+    <p:sldId id="715" r:id="rId21"/>
+    <p:sldId id="607" r:id="rId22"/>
+    <p:sldId id="633" r:id="rId23"/>
   </p:sldIdLst>
   <p:sldSz cx="12192000" cy="6858000"/>
   <p:notesSz cx="6797675" cy="9926638"/>
@@ -412,7 +413,7 @@
           <a:p>
             <a:fld id="{95336A0E-57B1-4D4C-BD9B-2F72B5943464}" type="datetimeFigureOut">
               <a:rPr lang="ko-KR" altLang="en-US" smtClean="0"/>
-              <a:t>2023-09-13</a:t>
+              <a:t>2023-09-14</a:t>
             </a:fld>
             <a:endParaRPr lang="ko-KR" altLang="en-US" dirty="0"/>
           </a:p>
@@ -921,7 +922,7 @@
     </p:spTree>
     <p:extLst>
       <p:ext uri="{BB962C8B-B14F-4D97-AF65-F5344CB8AC3E}">
-        <p14:creationId xmlns:p14="http://schemas.microsoft.com/office/powerpoint/2010/main" val="177506644"/>
+        <p14:creationId xmlns:p14="http://schemas.microsoft.com/office/powerpoint/2010/main" val="3843131882"/>
       </p:ext>
     </p:extLst>
   </p:cSld>
@@ -1005,6 +1006,90 @@
     </p:spTree>
     <p:extLst>
       <p:ext uri="{BB962C8B-B14F-4D97-AF65-F5344CB8AC3E}">
+        <p14:creationId xmlns:p14="http://schemas.microsoft.com/office/powerpoint/2010/main" val="177506644"/>
+      </p:ext>
+    </p:extLst>
+  </p:cSld>
+  <p:clrMapOvr>
+    <a:masterClrMapping/>
+  </p:clrMapOvr>
+</p:notes>
+</file>
+
+<file path=ppt/notesSlides/notesSlide5.xml><?xml version="1.0" encoding="utf-8"?>
+<p:notes xmlns:a="http://schemas.openxmlformats.org/drawingml/2006/main" xmlns:r="http://schemas.openxmlformats.org/officeDocument/2006/relationships" xmlns:p="http://schemas.openxmlformats.org/presentationml/2006/main">
+  <p:cSld>
+    <p:spTree>
+      <p:nvGrpSpPr>
+        <p:cNvPr id="1" name=""/>
+        <p:cNvGrpSpPr/>
+        <p:nvPr/>
+      </p:nvGrpSpPr>
+      <p:grpSpPr>
+        <a:xfrm>
+          <a:off x="0" y="0"/>
+          <a:ext cx="0" cy="0"/>
+          <a:chOff x="0" y="0"/>
+          <a:chExt cx="0" cy="0"/>
+        </a:xfrm>
+      </p:grpSpPr>
+      <p:sp>
+        <p:nvSpPr>
+          <p:cNvPr id="2" name="슬라이드 이미지 개체 틀 1"/>
+          <p:cNvSpPr>
+            <a:spLocks noGrp="1" noRot="1" noChangeAspect="1"/>
+          </p:cNvSpPr>
+          <p:nvPr>
+            <p:ph type="sldImg"/>
+          </p:nvPr>
+        </p:nvSpPr>
+        <p:spPr/>
+      </p:sp>
+      <p:sp>
+        <p:nvSpPr>
+          <p:cNvPr id="3" name="슬라이드 노트 개체 틀 2"/>
+          <p:cNvSpPr>
+            <a:spLocks noGrp="1"/>
+          </p:cNvSpPr>
+          <p:nvPr>
+            <p:ph type="body" idx="1"/>
+          </p:nvPr>
+        </p:nvSpPr>
+        <p:spPr/>
+        <p:txBody>
+          <a:bodyPr/>
+          <a:lstStyle/>
+          <a:p>
+            <a:endParaRPr lang="ko-KR" altLang="en-US" dirty="0"/>
+          </a:p>
+        </p:txBody>
+      </p:sp>
+      <p:sp>
+        <p:nvSpPr>
+          <p:cNvPr id="4" name="슬라이드 번호 개체 틀 3"/>
+          <p:cNvSpPr>
+            <a:spLocks noGrp="1"/>
+          </p:cNvSpPr>
+          <p:nvPr>
+            <p:ph type="sldNum" sz="quarter" idx="5"/>
+          </p:nvPr>
+        </p:nvSpPr>
+        <p:spPr/>
+        <p:txBody>
+          <a:bodyPr/>
+          <a:lstStyle/>
+          <a:p>
+            <a:fld id="{2978587B-688C-4F1D-9D92-1BF3667CE9B1}" type="slidenum">
+              <a:rPr lang="ko-KR" altLang="en-US" smtClean="0"/>
+              <a:t>7</a:t>
+            </a:fld>
+            <a:endParaRPr lang="ko-KR" altLang="en-US" dirty="0"/>
+          </a:p>
+        </p:txBody>
+      </p:sp>
+    </p:spTree>
+    <p:extLst>
+      <p:ext uri="{BB962C8B-B14F-4D97-AF65-F5344CB8AC3E}">
         <p14:creationId xmlns:p14="http://schemas.microsoft.com/office/powerpoint/2010/main" val="1469561494"/>
       </p:ext>
     </p:extLst>
@@ -1162,7 +1247,7 @@
           <a:p>
             <a:fld id="{229D12C7-0FF5-4972-A033-474EFFC79F40}" type="datetime1">
               <a:rPr lang="ko-KR" altLang="en-US" smtClean="0"/>
-              <a:t>2023-09-13</a:t>
+              <a:t>2023-09-14</a:t>
             </a:fld>
             <a:endParaRPr lang="ko-KR" altLang="en-US" dirty="0"/>
           </a:p>
@@ -1360,7 +1445,7 @@
           <a:p>
             <a:fld id="{5BA19FD4-B052-4F56-8FD8-EAFD078DEFB0}" type="datetime1">
               <a:rPr lang="ko-KR" altLang="en-US" smtClean="0"/>
-              <a:t>2023-09-13</a:t>
+              <a:t>2023-09-14</a:t>
             </a:fld>
             <a:endParaRPr lang="ko-KR" altLang="en-US" dirty="0"/>
           </a:p>
@@ -1568,7 +1653,7 @@
           <a:p>
             <a:fld id="{024994B9-23A6-4B0A-A038-AC140E83DAA3}" type="datetime1">
               <a:rPr lang="ko-KR" altLang="en-US" smtClean="0"/>
-              <a:t>2023-09-13</a:t>
+              <a:t>2023-09-14</a:t>
             </a:fld>
             <a:endParaRPr lang="ko-KR" altLang="en-US" dirty="0"/>
           </a:p>
@@ -1710,7 +1795,7 @@
           <a:p>
             <a:fld id="{B5B1BBC2-B738-4C35-AEE5-660EB2DEB482}" type="datetime1">
               <a:rPr lang="ko-KR" altLang="en-US" smtClean="0"/>
-              <a:t>2023-09-13</a:t>
+              <a:t>2023-09-14</a:t>
             </a:fld>
             <a:endParaRPr lang="ko-KR" altLang="en-US" dirty="0"/>
           </a:p>
@@ -6377,7 +6462,7 @@
           <a:p>
             <a:fld id="{70D0DAB2-87CB-4028-B965-3AA710ADF2CB}" type="datetime1">
               <a:rPr lang="ko-KR" altLang="en-US" smtClean="0"/>
-              <a:t>2023-09-13</a:t>
+              <a:t>2023-09-14</a:t>
             </a:fld>
             <a:endParaRPr lang="ko-KR" altLang="en-US" dirty="0"/>
           </a:p>
@@ -6652,7 +6737,7 @@
           <a:p>
             <a:fld id="{63FA3D71-FEA8-477F-9D1E-EA860F411BC7}" type="datetime1">
               <a:rPr lang="ko-KR" altLang="en-US" smtClean="0"/>
-              <a:t>2023-09-13</a:t>
+              <a:t>2023-09-14</a:t>
             </a:fld>
             <a:endParaRPr lang="ko-KR" altLang="en-US" dirty="0"/>
           </a:p>
@@ -6917,7 +7002,7 @@
           <a:p>
             <a:fld id="{F58E3EF4-7980-4C97-BA64-EC66995BB574}" type="datetime1">
               <a:rPr lang="ko-KR" altLang="en-US" smtClean="0"/>
-              <a:t>2023-09-13</a:t>
+              <a:t>2023-09-14</a:t>
             </a:fld>
             <a:endParaRPr lang="ko-KR" altLang="en-US" dirty="0"/>
           </a:p>
@@ -7329,7 +7414,7 @@
           <a:p>
             <a:fld id="{FC9BC1D0-7D6B-4634-9D19-644040D74EAE}" type="datetime1">
               <a:rPr lang="ko-KR" altLang="en-US" smtClean="0"/>
-              <a:t>2023-09-13</a:t>
+              <a:t>2023-09-14</a:t>
             </a:fld>
             <a:endParaRPr lang="ko-KR" altLang="en-US" dirty="0"/>
           </a:p>
@@ -7470,7 +7555,7 @@
           <a:p>
             <a:fld id="{B5B1BBC2-B738-4C35-AEE5-660EB2DEB482}" type="datetime1">
               <a:rPr lang="ko-KR" altLang="en-US" smtClean="0"/>
-              <a:t>2023-09-13</a:t>
+              <a:t>2023-09-14</a:t>
             </a:fld>
             <a:endParaRPr lang="ko-KR" altLang="en-US" dirty="0"/>
           </a:p>
@@ -12052,7 +12137,7 @@
           <a:p>
             <a:fld id="{C60E9F93-7E77-4F36-B88C-A425F00C8D91}" type="datetime1">
               <a:rPr lang="ko-KR" altLang="en-US" smtClean="0"/>
-              <a:t>2023-09-13</a:t>
+              <a:t>2023-09-14</a:t>
             </a:fld>
             <a:endParaRPr lang="ko-KR" altLang="en-US" dirty="0"/>
           </a:p>
@@ -12363,7 +12448,7 @@
           <a:p>
             <a:fld id="{36BCCD0E-2A54-4016-BFFC-FEAABCDA6915}" type="datetime1">
               <a:rPr lang="ko-KR" altLang="en-US" smtClean="0"/>
-              <a:t>2023-09-13</a:t>
+              <a:t>2023-09-14</a:t>
             </a:fld>
             <a:endParaRPr lang="ko-KR" altLang="en-US" dirty="0"/>
           </a:p>
@@ -12651,7 +12736,7 @@
           <a:p>
             <a:fld id="{C984B0C4-64BA-4E4C-B5E6-A51EE3F6ED95}" type="datetime1">
               <a:rPr lang="ko-KR" altLang="en-US" smtClean="0"/>
-              <a:t>2023-09-13</a:t>
+              <a:t>2023-09-14</a:t>
             </a:fld>
             <a:endParaRPr lang="ko-KR" altLang="en-US" dirty="0"/>
           </a:p>
@@ -12893,7 +12978,7 @@
           <a:p>
             <a:fld id="{C984B0C4-64BA-4E4C-B5E6-A51EE3F6ED95}" type="datetime1">
               <a:rPr lang="ko-KR" altLang="en-US" smtClean="0"/>
-              <a:t>2023-09-13</a:t>
+              <a:t>2023-09-14</a:t>
             </a:fld>
             <a:endParaRPr lang="ko-KR" altLang="en-US" dirty="0"/>
           </a:p>
@@ -13348,10 +13433,10 @@
       </p:sp>
       <p:graphicFrame>
         <p:nvGraphicFramePr>
-          <p:cNvPr id="4" name="표 3">
+          <p:cNvPr id="2" name="표 1">
             <a:extLst>
               <a:ext uri="{FF2B5EF4-FFF2-40B4-BE49-F238E27FC236}">
-                <a16:creationId xmlns:a16="http://schemas.microsoft.com/office/drawing/2014/main" id="{B795BAA1-7CA8-5FCA-2055-B7C9FB964E70}"/>
+                <a16:creationId xmlns:a16="http://schemas.microsoft.com/office/drawing/2014/main" id="{A5C95D2B-AA9F-ECCB-AC77-7303E3EDFF99}"/>
               </a:ext>
             </a:extLst>
           </p:cNvPr>
@@ -13361,7 +13446,7 @@
           <p:nvPr>
             <p:extLst>
               <p:ext uri="{D42A27DB-BD31-4B8C-83A1-F6EECF244321}">
-                <p14:modId xmlns:p14="http://schemas.microsoft.com/office/powerpoint/2010/main" val="831611894"/>
+                <p14:modId xmlns:p14="http://schemas.microsoft.com/office/powerpoint/2010/main" val="2738770028"/>
               </p:ext>
             </p:extLst>
           </p:nvPr>
@@ -13435,12 +13520,12 @@
                     <a:p>
                       <a:pPr algn="ctr" rtl="0" fontAlgn="ctr"/>
                       <a:r>
-                        <a:rPr lang="en-US" sz="500" u="none" strike="noStrike">
+                        <a:rPr lang="en-US" sz="500" u="none" strike="noStrike" dirty="0">
                           <a:effectLst/>
                         </a:rPr>
                         <a:t>Case</a:t>
                       </a:r>
-                      <a:endParaRPr lang="en-US" sz="500" b="0" i="0" u="none" strike="noStrike">
+                      <a:endParaRPr lang="en-US" sz="500" b="0" i="0" u="none" strike="noStrike" dirty="0">
                         <a:solidFill>
                           <a:srgbClr val="000000"/>
                         </a:solidFill>
@@ -13634,12 +13719,12 @@
                     <a:p>
                       <a:pPr algn="l" rtl="0" fontAlgn="ctr"/>
                       <a:r>
-                        <a:rPr lang="en-US" sz="500" u="none" strike="noStrike">
+                        <a:rPr lang="en-US" sz="500" u="none" strike="noStrike" dirty="0">
                           <a:effectLst/>
                         </a:rPr>
-                        <a:t>KIT_1st_stp_cyl.ADV</a:t>
+                        <a:t>KIT_1st_stp.ADV</a:t>
                       </a:r>
-                      <a:endParaRPr lang="en-US" sz="500" b="0" i="0" u="none" strike="noStrike">
+                      <a:endParaRPr lang="en-US" sz="500" b="0" i="0" u="none" strike="noStrike" dirty="0">
                         <a:solidFill>
                           <a:srgbClr val="000000"/>
                         </a:solidFill>
@@ -13730,12 +13815,12 @@
                     <a:p>
                       <a:pPr algn="l" rtl="0" fontAlgn="ctr"/>
                       <a:r>
-                        <a:rPr lang="en-US" sz="500" u="none" strike="noStrike">
+                        <a:rPr lang="en-US" sz="500" u="none" strike="noStrike" dirty="0">
                           <a:effectLst/>
                         </a:rPr>
-                        <a:t>KIT_1st_stp_cyl_ADV</a:t>
+                        <a:t>KIT_1st_stp_ADV</a:t>
                       </a:r>
-                      <a:endParaRPr lang="en-US" sz="500" b="0" i="0" u="none" strike="noStrike">
+                      <a:endParaRPr lang="en-US" sz="500" b="0" i="0" u="none" strike="noStrike" dirty="0">
                         <a:solidFill>
                           <a:srgbClr val="000000"/>
                         </a:solidFill>
@@ -13809,12 +13894,12 @@
                     <a:p>
                       <a:pPr algn="l" rtl="0" fontAlgn="ctr"/>
                       <a:r>
-                        <a:rPr lang="en-US" sz="500" u="none" strike="noStrike">
+                        <a:rPr lang="en-US" sz="500" u="none" strike="noStrike" dirty="0">
                           <a:effectLst/>
                         </a:rPr>
-                        <a:t>KIT_1st_stp_cyl.RET</a:t>
+                        <a:t>KIT_1st_stp.RET</a:t>
                       </a:r>
-                      <a:endParaRPr lang="en-US" sz="500" b="0" i="0" u="none" strike="noStrike">
+                      <a:endParaRPr lang="en-US" sz="500" b="0" i="0" u="none" strike="noStrike" dirty="0">
                         <a:solidFill>
                           <a:srgbClr val="000000"/>
                         </a:solidFill>
@@ -13905,12 +13990,12 @@
                     <a:p>
                       <a:pPr algn="l" rtl="0" fontAlgn="ctr"/>
                       <a:r>
-                        <a:rPr lang="en-US" sz="500" u="none" strike="noStrike">
+                        <a:rPr lang="en-US" sz="500" u="none" strike="noStrike" dirty="0">
                           <a:effectLst/>
                         </a:rPr>
-                        <a:t>KIT_1st_stp_cyl_RET</a:t>
+                        <a:t>KIT_1st_stp_RET</a:t>
                       </a:r>
-                      <a:endParaRPr lang="en-US" sz="500" b="0" i="0" u="none" strike="noStrike">
+                      <a:endParaRPr lang="en-US" sz="500" b="0" i="0" u="none" strike="noStrike" dirty="0">
                         <a:solidFill>
                           <a:srgbClr val="000000"/>
                         </a:solidFill>
@@ -13984,12 +14069,12 @@
                     <a:p>
                       <a:pPr algn="l" rtl="0" fontAlgn="ctr"/>
                       <a:r>
-                        <a:rPr lang="en-US" sz="500" u="none" strike="noStrike">
+                        <a:rPr lang="en-US" sz="500" u="none" strike="noStrike" dirty="0">
                           <a:effectLst/>
                         </a:rPr>
-                        <a:t>KIT_1st_usb_cyl.ADV</a:t>
+                        <a:t>KIT_1st_usb.ADV</a:t>
                       </a:r>
-                      <a:endParaRPr lang="en-US" sz="500" b="0" i="0" u="none" strike="noStrike">
+                      <a:endParaRPr lang="en-US" sz="500" b="0" i="0" u="none" strike="noStrike" dirty="0">
                         <a:solidFill>
                           <a:srgbClr val="000000"/>
                         </a:solidFill>
@@ -14080,12 +14165,12 @@
                     <a:p>
                       <a:pPr algn="l" rtl="0" fontAlgn="ctr"/>
                       <a:r>
-                        <a:rPr lang="en-US" sz="500" u="none" strike="noStrike">
+                        <a:rPr lang="en-US" sz="500" u="none" strike="noStrike" dirty="0">
                           <a:effectLst/>
                         </a:rPr>
-                        <a:t>KIT_1st_usb_cyl_ADV</a:t>
+                        <a:t>KIT_1st_usb_ADV</a:t>
                       </a:r>
-                      <a:endParaRPr lang="en-US" sz="500" b="0" i="0" u="none" strike="noStrike">
+                      <a:endParaRPr lang="en-US" sz="500" b="0" i="0" u="none" strike="noStrike" dirty="0">
                         <a:solidFill>
                           <a:srgbClr val="000000"/>
                         </a:solidFill>
@@ -14159,12 +14244,12 @@
                     <a:p>
                       <a:pPr algn="l" rtl="0" fontAlgn="ctr"/>
                       <a:r>
-                        <a:rPr lang="en-US" sz="500" u="none" strike="noStrike">
+                        <a:rPr lang="en-US" sz="500" u="none" strike="noStrike" dirty="0">
                           <a:effectLst/>
                         </a:rPr>
-                        <a:t>KIT_1st_usb_cyl.RET</a:t>
+                        <a:t>KIT_1st_usb.RET</a:t>
                       </a:r>
-                      <a:endParaRPr lang="en-US" sz="500" b="0" i="0" u="none" strike="noStrike">
+                      <a:endParaRPr lang="en-US" sz="500" b="0" i="0" u="none" strike="noStrike" dirty="0">
                         <a:solidFill>
                           <a:srgbClr val="000000"/>
                         </a:solidFill>
@@ -14255,12 +14340,12 @@
                     <a:p>
                       <a:pPr algn="l" rtl="0" fontAlgn="ctr"/>
                       <a:r>
-                        <a:rPr lang="en-US" sz="500" u="none" strike="noStrike">
+                        <a:rPr lang="en-US" sz="500" u="none" strike="noStrike" dirty="0">
                           <a:effectLst/>
                         </a:rPr>
-                        <a:t>KIT_1st_usb_cyl_RET</a:t>
+                        <a:t>KIT_1st_usb_RET</a:t>
                       </a:r>
-                      <a:endParaRPr lang="en-US" sz="500" b="0" i="0" u="none" strike="noStrike">
+                      <a:endParaRPr lang="en-US" sz="500" b="0" i="0" u="none" strike="noStrike" dirty="0">
                         <a:solidFill>
                           <a:srgbClr val="000000"/>
                         </a:solidFill>
@@ -14334,12 +14419,12 @@
                     <a:p>
                       <a:pPr algn="l" rtl="0" fontAlgn="ctr"/>
                       <a:r>
-                        <a:rPr lang="en-US" sz="500" u="none" strike="noStrike">
+                        <a:rPr lang="en-US" sz="500" u="none" strike="noStrike" dirty="0">
                           <a:effectLst/>
                         </a:rPr>
-                        <a:t>KIT_2nd_stp_cyl.ADV</a:t>
+                        <a:t>KIT_2nd_stp.ADV</a:t>
                       </a:r>
-                      <a:endParaRPr lang="en-US" sz="500" b="0" i="0" u="none" strike="noStrike">
+                      <a:endParaRPr lang="en-US" sz="500" b="0" i="0" u="none" strike="noStrike" dirty="0">
                         <a:solidFill>
                           <a:srgbClr val="000000"/>
                         </a:solidFill>
@@ -14430,12 +14515,12 @@
                     <a:p>
                       <a:pPr algn="l" rtl="0" fontAlgn="ctr"/>
                       <a:r>
-                        <a:rPr lang="en-US" sz="500" u="none" strike="noStrike">
+                        <a:rPr lang="en-US" sz="500" u="none" strike="noStrike" dirty="0">
                           <a:effectLst/>
                         </a:rPr>
-                        <a:t>KIT_2nd_stp_cyl_ADV</a:t>
+                        <a:t>KIT_2nd_stp_ADV</a:t>
                       </a:r>
-                      <a:endParaRPr lang="en-US" sz="500" b="0" i="0" u="none" strike="noStrike">
+                      <a:endParaRPr lang="en-US" sz="500" b="0" i="0" u="none" strike="noStrike" dirty="0">
                         <a:solidFill>
                           <a:srgbClr val="000000"/>
                         </a:solidFill>
@@ -14509,12 +14594,12 @@
                     <a:p>
                       <a:pPr algn="l" rtl="0" fontAlgn="ctr"/>
                       <a:r>
-                        <a:rPr lang="en-US" sz="500" u="none" strike="noStrike">
+                        <a:rPr lang="en-US" sz="500" u="none" strike="noStrike" dirty="0">
                           <a:effectLst/>
                         </a:rPr>
-                        <a:t>KIT_2nd_stp_cyl.RET</a:t>
+                        <a:t>KIT_2nd_stp.RET</a:t>
                       </a:r>
-                      <a:endParaRPr lang="en-US" sz="500" b="0" i="0" u="none" strike="noStrike">
+                      <a:endParaRPr lang="en-US" sz="500" b="0" i="0" u="none" strike="noStrike" dirty="0">
                         <a:solidFill>
                           <a:srgbClr val="000000"/>
                         </a:solidFill>
@@ -14605,12 +14690,12 @@
                     <a:p>
                       <a:pPr algn="l" rtl="0" fontAlgn="ctr"/>
                       <a:r>
-                        <a:rPr lang="da-DK" sz="500" u="none" strike="noStrike">
+                        <a:rPr lang="da-DK" sz="500" u="none" strike="noStrike" dirty="0">
                           <a:effectLst/>
                         </a:rPr>
-                        <a:t>KIT_2nd_stp_cyl_RET</a:t>
+                        <a:t>KIT_2nd_stp_RET</a:t>
                       </a:r>
-                      <a:endParaRPr lang="da-DK" sz="500" b="0" i="0" u="none" strike="noStrike">
+                      <a:endParaRPr lang="da-DK" sz="500" b="0" i="0" u="none" strike="noStrike" dirty="0">
                         <a:solidFill>
                           <a:srgbClr val="000000"/>
                         </a:solidFill>
@@ -14684,12 +14769,12 @@
                     <a:p>
                       <a:pPr algn="l" rtl="0" fontAlgn="ctr"/>
                       <a:r>
-                        <a:rPr lang="en-US" sz="500" u="none" strike="noStrike">
+                        <a:rPr lang="en-US" sz="500" u="none" strike="noStrike" dirty="0">
                           <a:effectLst/>
                         </a:rPr>
-                        <a:t>KIT_2nd_usb_cyl.ADV</a:t>
+                        <a:t>KIT_2nd_usb.ADV</a:t>
                       </a:r>
-                      <a:endParaRPr lang="en-US" sz="500" b="0" i="0" u="none" strike="noStrike">
+                      <a:endParaRPr lang="en-US" sz="500" b="0" i="0" u="none" strike="noStrike" dirty="0">
                         <a:solidFill>
                           <a:srgbClr val="000000"/>
                         </a:solidFill>
@@ -14780,12 +14865,12 @@
                     <a:p>
                       <a:pPr algn="l" rtl="0" fontAlgn="ctr"/>
                       <a:r>
-                        <a:rPr lang="en-US" sz="500" u="none" strike="noStrike">
+                        <a:rPr lang="en-US" sz="500" u="none" strike="noStrike" dirty="0">
                           <a:effectLst/>
                         </a:rPr>
-                        <a:t>KIT_2nd_usb_cyl_ADV</a:t>
+                        <a:t>KIT_2nd_usb_ADV</a:t>
                       </a:r>
-                      <a:endParaRPr lang="en-US" sz="500" b="0" i="0" u="none" strike="noStrike">
+                      <a:endParaRPr lang="en-US" sz="500" b="0" i="0" u="none" strike="noStrike" dirty="0">
                         <a:solidFill>
                           <a:srgbClr val="000000"/>
                         </a:solidFill>
@@ -14835,12 +14920,12 @@
                     <a:p>
                       <a:pPr algn="l" rtl="0" fontAlgn="ctr"/>
                       <a:r>
-                        <a:rPr lang="ko-KR" altLang="en-US" sz="500" u="none" strike="noStrike">
+                        <a:rPr lang="ko-KR" altLang="en-US" sz="500" u="none" strike="noStrike" dirty="0">
                           <a:effectLst/>
                         </a:rPr>
                         <a:t>외부주소</a:t>
                       </a:r>
-                      <a:endParaRPr lang="ko-KR" altLang="en-US" sz="500" b="0" i="0" u="none" strike="noStrike">
+                      <a:endParaRPr lang="ko-KR" altLang="en-US" sz="500" b="0" i="0" u="none" strike="noStrike" dirty="0">
                         <a:solidFill>
                           <a:srgbClr val="000000"/>
                         </a:solidFill>
@@ -14859,12 +14944,12 @@
                     <a:p>
                       <a:pPr algn="l" rtl="0" fontAlgn="ctr"/>
                       <a:r>
-                        <a:rPr lang="en-US" sz="500" u="none" strike="noStrike">
+                        <a:rPr lang="en-US" sz="500" u="none" strike="noStrike" dirty="0">
                           <a:effectLst/>
                         </a:rPr>
-                        <a:t>KIT_2nd_usb_cyl.RET</a:t>
+                        <a:t>KIT_2nd_usb.RET</a:t>
                       </a:r>
-                      <a:endParaRPr lang="en-US" sz="500" b="0" i="0" u="none" strike="noStrike">
+                      <a:endParaRPr lang="en-US" sz="500" b="0" i="0" u="none" strike="noStrike" dirty="0">
                         <a:solidFill>
                           <a:srgbClr val="000000"/>
                         </a:solidFill>
@@ -14955,12 +15040,12 @@
                     <a:p>
                       <a:pPr algn="l" rtl="0" fontAlgn="ctr"/>
                       <a:r>
-                        <a:rPr lang="da-DK" sz="500" u="none" strike="noStrike">
+                        <a:rPr lang="da-DK" sz="500" u="none" strike="noStrike" dirty="0">
                           <a:effectLst/>
                         </a:rPr>
-                        <a:t>KIT_2nd_usb_cyl_RET</a:t>
+                        <a:t>KIT_2nd_usb_RET</a:t>
                       </a:r>
-                      <a:endParaRPr lang="da-DK" sz="500" b="0" i="0" u="none" strike="noStrike">
+                      <a:endParaRPr lang="da-DK" sz="500" b="0" i="0" u="none" strike="noStrike" dirty="0">
                         <a:solidFill>
                           <a:srgbClr val="000000"/>
                         </a:solidFill>
@@ -15034,12 +15119,12 @@
                     <a:p>
                       <a:pPr algn="l" rtl="0" fontAlgn="ctr"/>
                       <a:r>
-                        <a:rPr lang="en-US" sz="500" u="none" strike="noStrike">
+                        <a:rPr lang="en-US" sz="500" u="none" strike="noStrike" dirty="0">
                           <a:effectLst/>
                         </a:rPr>
-                        <a:t>KIT_3rd_stp_cyl.ADV</a:t>
+                        <a:t>KIT_3rd_stp.ADV</a:t>
                       </a:r>
-                      <a:endParaRPr lang="en-US" sz="500" b="0" i="0" u="none" strike="noStrike">
+                      <a:endParaRPr lang="en-US" sz="500" b="0" i="0" u="none" strike="noStrike" dirty="0">
                         <a:solidFill>
                           <a:srgbClr val="000000"/>
                         </a:solidFill>
@@ -15130,12 +15215,12 @@
                     <a:p>
                       <a:pPr algn="l" rtl="0" fontAlgn="ctr"/>
                       <a:r>
-                        <a:rPr lang="en-US" sz="500" u="none" strike="noStrike">
+                        <a:rPr lang="en-US" sz="500" u="none" strike="noStrike" dirty="0">
                           <a:effectLst/>
                         </a:rPr>
-                        <a:t>KIT_3rd_stp_cyl_ADV</a:t>
+                        <a:t>KIT_3rd_stp_ADV</a:t>
                       </a:r>
-                      <a:endParaRPr lang="en-US" sz="500" b="0" i="0" u="none" strike="noStrike">
+                      <a:endParaRPr lang="en-US" sz="500" b="0" i="0" u="none" strike="noStrike" dirty="0">
                         <a:solidFill>
                           <a:srgbClr val="000000"/>
                         </a:solidFill>
@@ -15209,12 +15294,12 @@
                     <a:p>
                       <a:pPr algn="l" rtl="0" fontAlgn="ctr"/>
                       <a:r>
-                        <a:rPr lang="en-US" sz="500" u="none" strike="noStrike">
+                        <a:rPr lang="en-US" sz="500" u="none" strike="noStrike" dirty="0">
                           <a:effectLst/>
                         </a:rPr>
-                        <a:t>KIT_3rd_stp_cyl.RET</a:t>
+                        <a:t>KIT_3rd_stp.RET</a:t>
                       </a:r>
-                      <a:endParaRPr lang="en-US" sz="500" b="0" i="0" u="none" strike="noStrike">
+                      <a:endParaRPr lang="en-US" sz="500" b="0" i="0" u="none" strike="noStrike" dirty="0">
                         <a:solidFill>
                           <a:srgbClr val="000000"/>
                         </a:solidFill>
@@ -15305,12 +15390,12 @@
                     <a:p>
                       <a:pPr algn="l" rtl="0" fontAlgn="ctr"/>
                       <a:r>
-                        <a:rPr lang="da-DK" sz="500" u="none" strike="noStrike">
+                        <a:rPr lang="da-DK" sz="500" u="none" strike="noStrike" dirty="0">
                           <a:effectLst/>
                         </a:rPr>
-                        <a:t>KIT_3rd_stp_cyl_RET</a:t>
+                        <a:t>KIT_3rd_stp_RET</a:t>
                       </a:r>
-                      <a:endParaRPr lang="da-DK" sz="500" b="0" i="0" u="none" strike="noStrike">
+                      <a:endParaRPr lang="da-DK" sz="500" b="0" i="0" u="none" strike="noStrike" dirty="0">
                         <a:solidFill>
                           <a:srgbClr val="000000"/>
                         </a:solidFill>
@@ -15384,12 +15469,12 @@
                     <a:p>
                       <a:pPr algn="l" rtl="0" fontAlgn="ctr"/>
                       <a:r>
-                        <a:rPr lang="en-US" sz="500" u="none" strike="noStrike">
+                        <a:rPr lang="en-US" sz="500" u="none" strike="noStrike" dirty="0">
                           <a:effectLst/>
                         </a:rPr>
-                        <a:t>KIT_3rd_usb_cyl.ADV</a:t>
+                        <a:t>KIT_3rd_usb.ADV</a:t>
                       </a:r>
-                      <a:endParaRPr lang="en-US" sz="500" b="0" i="0" u="none" strike="noStrike">
+                      <a:endParaRPr lang="en-US" sz="500" b="0" i="0" u="none" strike="noStrike" dirty="0">
                         <a:solidFill>
                           <a:srgbClr val="000000"/>
                         </a:solidFill>
@@ -15480,12 +15565,12 @@
                     <a:p>
                       <a:pPr algn="l" rtl="0" fontAlgn="ctr"/>
                       <a:r>
-                        <a:rPr lang="en-US" sz="500" u="none" strike="noStrike">
+                        <a:rPr lang="en-US" sz="500" u="none" strike="noStrike" dirty="0">
                           <a:effectLst/>
                         </a:rPr>
-                        <a:t>KIT_3rd_usb_cyl_ADV</a:t>
+                        <a:t>KIT_3rd_usb_ADV</a:t>
                       </a:r>
-                      <a:endParaRPr lang="en-US" sz="500" b="0" i="0" u="none" strike="noStrike">
+                      <a:endParaRPr lang="en-US" sz="500" b="0" i="0" u="none" strike="noStrike" dirty="0">
                         <a:solidFill>
                           <a:srgbClr val="000000"/>
                         </a:solidFill>
@@ -15559,12 +15644,12 @@
                     <a:p>
                       <a:pPr algn="l" rtl="0" fontAlgn="ctr"/>
                       <a:r>
-                        <a:rPr lang="en-US" sz="500" u="none" strike="noStrike">
+                        <a:rPr lang="en-US" sz="500" u="none" strike="noStrike" dirty="0">
                           <a:effectLst/>
                         </a:rPr>
-                        <a:t>KIT_3rd_usb_cyl.RET</a:t>
+                        <a:t>KIT_3rd_usb.RET</a:t>
                       </a:r>
-                      <a:endParaRPr lang="en-US" sz="500" b="0" i="0" u="none" strike="noStrike">
+                      <a:endParaRPr lang="en-US" sz="500" b="0" i="0" u="none" strike="noStrike" dirty="0">
                         <a:solidFill>
                           <a:srgbClr val="000000"/>
                         </a:solidFill>
@@ -15655,12 +15740,12 @@
                     <a:p>
                       <a:pPr algn="l" rtl="0" fontAlgn="ctr"/>
                       <a:r>
-                        <a:rPr lang="da-DK" sz="500" u="none" strike="noStrike">
+                        <a:rPr lang="da-DK" sz="500" u="none" strike="noStrike" dirty="0">
                           <a:effectLst/>
                         </a:rPr>
-                        <a:t>KIT_3rd_usb_cyl_RET</a:t>
+                        <a:t>KIT_3rd_usb_RET</a:t>
                       </a:r>
-                      <a:endParaRPr lang="da-DK" sz="500" b="0" i="0" u="none" strike="noStrike">
+                      <a:endParaRPr lang="da-DK" sz="500" b="0" i="0" u="none" strike="noStrike" dirty="0">
                         <a:solidFill>
                           <a:srgbClr val="000000"/>
                         </a:solidFill>
@@ -15734,12 +15819,12 @@
                     <a:p>
                       <a:pPr algn="l" rtl="0" fontAlgn="ctr"/>
                       <a:r>
-                        <a:rPr lang="en-US" sz="500" u="none" strike="noStrike">
+                        <a:rPr lang="en-US" sz="500" u="none" strike="noStrike" dirty="0">
                           <a:effectLst/>
                         </a:rPr>
-                        <a:t>KIT_4th_stp_cyl.ADV</a:t>
+                        <a:t>KIT_4th_stp.ADV</a:t>
                       </a:r>
-                      <a:endParaRPr lang="en-US" sz="500" b="0" i="0" u="none" strike="noStrike">
+                      <a:endParaRPr lang="en-US" sz="500" b="0" i="0" u="none" strike="noStrike" dirty="0">
                         <a:solidFill>
                           <a:srgbClr val="000000"/>
                         </a:solidFill>
@@ -15830,12 +15915,12 @@
                     <a:p>
                       <a:pPr algn="l" rtl="0" fontAlgn="ctr"/>
                       <a:r>
-                        <a:rPr lang="en-US" sz="500" u="none" strike="noStrike">
+                        <a:rPr lang="en-US" sz="500" u="none" strike="noStrike" dirty="0">
                           <a:effectLst/>
                         </a:rPr>
-                        <a:t>KIT_4th_stp_cyl_ADV</a:t>
+                        <a:t>KIT_4th_stp_ADV</a:t>
                       </a:r>
-                      <a:endParaRPr lang="en-US" sz="500" b="0" i="0" u="none" strike="noStrike">
+                      <a:endParaRPr lang="en-US" sz="500" b="0" i="0" u="none" strike="noStrike" dirty="0">
                         <a:solidFill>
                           <a:srgbClr val="000000"/>
                         </a:solidFill>
@@ -15909,12 +15994,12 @@
                     <a:p>
                       <a:pPr algn="l" rtl="0" fontAlgn="ctr"/>
                       <a:r>
-                        <a:rPr lang="en-US" sz="500" u="none" strike="noStrike">
+                        <a:rPr lang="en-US" sz="500" u="none" strike="noStrike" dirty="0">
                           <a:effectLst/>
                         </a:rPr>
-                        <a:t>KIT_4th_stp_cyl.RET</a:t>
+                        <a:t>KIT_4th_stp.RET</a:t>
                       </a:r>
-                      <a:endParaRPr lang="en-US" sz="500" b="0" i="0" u="none" strike="noStrike">
+                      <a:endParaRPr lang="en-US" sz="500" b="0" i="0" u="none" strike="noStrike" dirty="0">
                         <a:solidFill>
                           <a:srgbClr val="000000"/>
                         </a:solidFill>
@@ -16005,12 +16090,12 @@
                     <a:p>
                       <a:pPr algn="l" rtl="0" fontAlgn="ctr"/>
                       <a:r>
-                        <a:rPr lang="en-US" sz="500" u="none" strike="noStrike">
+                        <a:rPr lang="en-US" sz="500" u="none" strike="noStrike" dirty="0">
                           <a:effectLst/>
                         </a:rPr>
-                        <a:t>KIT_4th_stp_cyl_RET</a:t>
+                        <a:t>KIT_4th_stp_RET</a:t>
                       </a:r>
-                      <a:endParaRPr lang="en-US" sz="500" b="0" i="0" u="none" strike="noStrike">
+                      <a:endParaRPr lang="en-US" sz="500" b="0" i="0" u="none" strike="noStrike" dirty="0">
                         <a:solidFill>
                           <a:srgbClr val="000000"/>
                         </a:solidFill>
@@ -16084,12 +16169,12 @@
                     <a:p>
                       <a:pPr algn="l" rtl="0" fontAlgn="ctr"/>
                       <a:r>
-                        <a:rPr lang="en-US" sz="500" u="none" strike="noStrike">
+                        <a:rPr lang="en-US" sz="500" u="none" strike="noStrike" dirty="0">
                           <a:effectLst/>
                         </a:rPr>
-                        <a:t>KIT_4th_usb_cyl.ADV</a:t>
+                        <a:t>KIT_4th_usb.ADV</a:t>
                       </a:r>
-                      <a:endParaRPr lang="en-US" sz="500" b="0" i="0" u="none" strike="noStrike">
+                      <a:endParaRPr lang="en-US" sz="500" b="0" i="0" u="none" strike="noStrike" dirty="0">
                         <a:solidFill>
                           <a:srgbClr val="000000"/>
                         </a:solidFill>
@@ -16180,12 +16265,12 @@
                     <a:p>
                       <a:pPr algn="l" rtl="0" fontAlgn="ctr"/>
                       <a:r>
-                        <a:rPr lang="en-US" sz="500" u="none" strike="noStrike">
+                        <a:rPr lang="en-US" sz="500" u="none" strike="noStrike" dirty="0">
                           <a:effectLst/>
                         </a:rPr>
-                        <a:t>KIT_4th_usb_cyl_ADV</a:t>
+                        <a:t>KIT_4th_usb_ADV</a:t>
                       </a:r>
-                      <a:endParaRPr lang="en-US" sz="500" b="0" i="0" u="none" strike="noStrike">
+                      <a:endParaRPr lang="en-US" sz="500" b="0" i="0" u="none" strike="noStrike" dirty="0">
                         <a:solidFill>
                           <a:srgbClr val="000000"/>
                         </a:solidFill>
@@ -16259,12 +16344,12 @@
                     <a:p>
                       <a:pPr algn="l" rtl="0" fontAlgn="ctr"/>
                       <a:r>
-                        <a:rPr lang="en-US" sz="500" u="none" strike="noStrike">
+                        <a:rPr lang="en-US" sz="500" u="none" strike="noStrike" dirty="0">
                           <a:effectLst/>
                         </a:rPr>
-                        <a:t>KIT_4th_usb_cyl.RET</a:t>
+                        <a:t>KIT_4th_usb.RET</a:t>
                       </a:r>
-                      <a:endParaRPr lang="en-US" sz="500" b="0" i="0" u="none" strike="noStrike">
+                      <a:endParaRPr lang="en-US" sz="500" b="0" i="0" u="none" strike="noStrike" dirty="0">
                         <a:solidFill>
                           <a:srgbClr val="000000"/>
                         </a:solidFill>
@@ -16355,12 +16440,12 @@
                     <a:p>
                       <a:pPr algn="l" rtl="0" fontAlgn="ctr"/>
                       <a:r>
-                        <a:rPr lang="en-US" sz="500" u="none" strike="noStrike">
+                        <a:rPr lang="en-US" sz="500" u="none" strike="noStrike" dirty="0">
                           <a:effectLst/>
                         </a:rPr>
-                        <a:t>KIT_4th_usb_cyl_RET</a:t>
+                        <a:t>KIT_4th_usb_RET</a:t>
                       </a:r>
-                      <a:endParaRPr lang="en-US" sz="500" b="0" i="0" u="none" strike="noStrike">
+                      <a:endParaRPr lang="en-US" sz="500" b="0" i="0" u="none" strike="noStrike" dirty="0">
                         <a:solidFill>
                           <a:srgbClr val="000000"/>
                         </a:solidFill>
@@ -16434,12 +16519,12 @@
                     <a:p>
                       <a:pPr algn="l" rtl="0" fontAlgn="ctr"/>
                       <a:r>
-                        <a:rPr lang="en-US" sz="500" u="none" strike="noStrike">
+                        <a:rPr lang="en-US" sz="500" u="none" strike="noStrike" dirty="0">
                           <a:effectLst/>
                         </a:rPr>
                         <a:t>KIT_Cv1_Rr.MOVE</a:t>
                       </a:r>
-                      <a:endParaRPr lang="en-US" sz="500" b="0" i="0" u="none" strike="noStrike">
+                      <a:endParaRPr lang="en-US" sz="500" b="0" i="0" u="none" strike="noStrike" dirty="0">
                         <a:solidFill>
                           <a:srgbClr val="000000"/>
                         </a:solidFill>
@@ -16482,12 +16567,12 @@
                     <a:p>
                       <a:pPr algn="l" rtl="0" fontAlgn="ctr"/>
                       <a:r>
-                        <a:rPr lang="en-US" sz="500" u="none" strike="noStrike">
+                        <a:rPr lang="en-US" sz="500" u="none" strike="noStrike" dirty="0">
                           <a:effectLst/>
                         </a:rPr>
                         <a:t>%IX0.0.32</a:t>
                       </a:r>
-                      <a:endParaRPr lang="en-US" sz="500" b="0" i="0" u="none" strike="noStrike">
+                      <a:endParaRPr lang="en-US" sz="500" b="0" i="0" u="none" strike="noStrike" dirty="0">
                         <a:solidFill>
                           <a:srgbClr val="000000"/>
                         </a:solidFill>
@@ -16506,12 +16591,12 @@
                     <a:p>
                       <a:pPr algn="l" rtl="0" fontAlgn="ctr"/>
                       <a:r>
-                        <a:rPr lang="en-US" sz="500" u="none" strike="noStrike">
+                        <a:rPr lang="en-US" sz="500" u="none" strike="noStrike" dirty="0">
                           <a:effectLst/>
                         </a:rPr>
                         <a:t>%MX7</a:t>
                       </a:r>
-                      <a:endParaRPr lang="en-US" sz="500" b="0" i="0" u="none" strike="noStrike">
+                      <a:endParaRPr lang="en-US" sz="500" b="0" i="0" u="none" strike="noStrike" dirty="0">
                         <a:solidFill>
                           <a:srgbClr val="000000"/>
                         </a:solidFill>
@@ -16609,53 +16694,11 @@
                     <a:p>
                       <a:pPr algn="l" rtl="0" fontAlgn="ctr"/>
                       <a:r>
-                        <a:rPr lang="en-US" sz="500" u="none" strike="noStrike">
+                        <a:rPr lang="en-US" sz="500" u="none" strike="noStrike" dirty="0">
                           <a:effectLst/>
                         </a:rPr>
                         <a:t>KIT_Cv1_Rr.REMOVE</a:t>
                       </a:r>
-                      <a:endParaRPr lang="en-US" sz="500" b="0" i="0" u="none" strike="noStrike">
-                        <a:solidFill>
-                          <a:srgbClr val="000000"/>
-                        </a:solidFill>
-                        <a:effectLst/>
-                        <a:latin typeface="Tahoma" panose="020B0604030504040204" pitchFamily="34" charset="0"/>
-                        <a:ea typeface="맑은 고딕" panose="020B0503020000020004" pitchFamily="50" charset="-127"/>
-                      </a:endParaRPr>
-                    </a:p>
-                  </a:txBody>
-                  <a:tcPr marL="5779" marR="5779" marT="5779" marB="0" anchor="ctr"/>
-                </a:tc>
-                <a:tc>
-                  <a:txBody>
-                    <a:bodyPr/>
-                    <a:lstStyle/>
-                    <a:p>
-                      <a:pPr algn="l" rtl="0" fontAlgn="ctr"/>
-                      <a:r>
-                        <a:rPr lang="en-US" sz="500" u="none" strike="noStrike">
-                          <a:effectLst/>
-                        </a:rPr>
-                        <a:t>bool</a:t>
-                      </a:r>
-                      <a:endParaRPr lang="en-US" sz="500" b="0" i="0" u="none" strike="noStrike">
-                        <a:solidFill>
-                          <a:srgbClr val="000000"/>
-                        </a:solidFill>
-                        <a:effectLst/>
-                        <a:latin typeface="Tahoma" panose="020B0604030504040204" pitchFamily="34" charset="0"/>
-                        <a:ea typeface="맑은 고딕" panose="020B0503020000020004" pitchFamily="50" charset="-127"/>
-                      </a:endParaRPr>
-                    </a:p>
-                  </a:txBody>
-                  <a:tcPr marL="5779" marR="5779" marT="5779" marB="0" anchor="ctr"/>
-                </a:tc>
-                <a:tc>
-                  <a:txBody>
-                    <a:bodyPr/>
-                    <a:lstStyle/>
-                    <a:p>
-                      <a:pPr algn="l" rtl="0" fontAlgn="ctr"/>
                       <a:endParaRPr lang="en-US" sz="500" b="0" i="0" u="none" strike="noStrike" dirty="0">
                         <a:solidFill>
                           <a:srgbClr val="000000"/>
@@ -16675,18 +16718,92 @@
                     <a:p>
                       <a:pPr algn="l" rtl="0" fontAlgn="ctr"/>
                       <a:r>
-                        <a:rPr lang="ko-KR" altLang="en-US" sz="500" u="none" strike="noStrike" dirty="0">
+                        <a:rPr lang="en-US" sz="500" u="none" strike="noStrike" dirty="0">
                           <a:effectLst/>
                         </a:rPr>
-                        <a:t>　</a:t>
+                        <a:t>bool</a:t>
                       </a:r>
-                      <a:endParaRPr lang="ko-KR" altLang="en-US" sz="500" b="0" i="0" u="none" strike="noStrike" dirty="0">
+                      <a:endParaRPr lang="en-US" sz="500" b="0" i="0" u="none" strike="noStrike" dirty="0">
                         <a:solidFill>
                           <a:srgbClr val="000000"/>
                         </a:solidFill>
                         <a:effectLst/>
                         <a:latin typeface="Tahoma" panose="020B0604030504040204" pitchFamily="34" charset="0"/>
                         <a:ea typeface="맑은 고딕" panose="020B0503020000020004" pitchFamily="50" charset="-127"/>
+                      </a:endParaRPr>
+                    </a:p>
+                  </a:txBody>
+                  <a:tcPr marL="5779" marR="5779" marT="5779" marB="0" anchor="ctr"/>
+                </a:tc>
+                <a:tc>
+                  <a:txBody>
+                    <a:bodyPr/>
+                    <a:lstStyle/>
+                    <a:p>
+                      <a:pPr marL="0" marR="0" lvl="0" indent="0" algn="l" defTabSz="914400" rtl="0" eaLnBrk="1" fontAlgn="ctr" latinLnBrk="1" hangingPunct="1">
+                        <a:lnSpc>
+                          <a:spcPct val="100000"/>
+                        </a:lnSpc>
+                        <a:spcBef>
+                          <a:spcPts val="0"/>
+                        </a:spcBef>
+                        <a:spcAft>
+                          <a:spcPts val="0"/>
+                        </a:spcAft>
+                        <a:buClrTx/>
+                        <a:buSzTx/>
+                        <a:buFontTx/>
+                        <a:buNone/>
+                        <a:tabLst/>
+                        <a:defRPr/>
+                      </a:pPr>
+                      <a:endParaRPr lang="en-US" altLang="ko-KR" sz="500" b="0" i="0" u="none" strike="noStrike" dirty="0">
+                        <a:solidFill>
+                          <a:srgbClr val="000000"/>
+                        </a:solidFill>
+                        <a:effectLst/>
+                        <a:latin typeface="Tahoma" panose="020B0604030504040204" pitchFamily="34" charset="0"/>
+                        <a:ea typeface="+mn-ea"/>
+                      </a:endParaRPr>
+                    </a:p>
+                  </a:txBody>
+                  <a:tcPr marL="5779" marR="5779" marT="5779" marB="0" anchor="ctr"/>
+                </a:tc>
+                <a:tc>
+                  <a:txBody>
+                    <a:bodyPr/>
+                    <a:lstStyle/>
+                    <a:p>
+                      <a:pPr marL="0" marR="0" lvl="0" indent="0" algn="l" defTabSz="914400" rtl="0" eaLnBrk="1" fontAlgn="ctr" latinLnBrk="1" hangingPunct="1">
+                        <a:lnSpc>
+                          <a:spcPct val="100000"/>
+                        </a:lnSpc>
+                        <a:spcBef>
+                          <a:spcPts val="0"/>
+                        </a:spcBef>
+                        <a:spcAft>
+                          <a:spcPts val="0"/>
+                        </a:spcAft>
+                        <a:buClrTx/>
+                        <a:buSzTx/>
+                        <a:buFontTx/>
+                        <a:buNone/>
+                        <a:tabLst/>
+                        <a:defRPr/>
+                      </a:pPr>
+                      <a:r>
+                        <a:rPr lang="en-US" altLang="ko-KR" sz="500" u="none" strike="noStrike" dirty="0">
+                          <a:effectLst/>
+                        </a:rPr>
+                        <a:t>%MX7</a:t>
+                      </a:r>
+                      <a:endParaRPr lang="en-US" altLang="ko-KR" sz="500" b="0" i="0" u="none" strike="noStrike" dirty="0">
+                        <a:solidFill>
+                          <a:srgbClr val="000000"/>
+                        </a:solidFill>
+                        <a:effectLst/>
+                        <a:latin typeface="Tahoma" panose="020B0604030504040204" pitchFamily="34" charset="0"/>
+                        <a:ea typeface="+mn-ea"/>
                       </a:endParaRPr>
                     </a:p>
                   </a:txBody>
@@ -16722,12 +16839,6 @@
                     <a:lstStyle/>
                     <a:p>
                       <a:pPr algn="l" rtl="0" fontAlgn="ctr"/>
-                      <a:r>
-                        <a:rPr lang="en-US" sz="500" u="none" strike="noStrike" dirty="0">
-                          <a:effectLst/>
-                        </a:rPr>
-                        <a:t>$n</a:t>
-                      </a:r>
                       <a:endParaRPr lang="en-US" sz="500" b="0" i="0" u="none" strike="noStrike" dirty="0">
                         <a:solidFill>
                           <a:srgbClr val="000000"/>
@@ -16826,18 +16937,18 @@
                     <a:p>
                       <a:pPr algn="l" rtl="0" fontAlgn="ctr"/>
                       <a:r>
-                        <a:rPr lang="en-US" sz="500" u="none" strike="noStrike">
+                        <a:rPr lang="en-US" altLang="ko-KR" sz="500" u="none" strike="noStrike" dirty="0">
                           <a:effectLst/>
                         </a:rPr>
                         <a:t>%IX0.0.36</a:t>
                       </a:r>
-                      <a:endParaRPr lang="en-US" sz="500" b="0" i="0" u="none" strike="noStrike">
+                      <a:endParaRPr lang="en-US" altLang="ko-KR" sz="500" b="0" i="0" u="none" strike="noStrike" dirty="0">
                         <a:solidFill>
                           <a:srgbClr val="000000"/>
                         </a:solidFill>
                         <a:effectLst/>
                         <a:latin typeface="Tahoma" panose="020B0604030504040204" pitchFamily="34" charset="0"/>
-                        <a:ea typeface="맑은 고딕" panose="020B0503020000020004" pitchFamily="50" charset="-127"/>
+                        <a:ea typeface="+mn-ea"/>
                       </a:endParaRPr>
                     </a:p>
                   </a:txBody>
@@ -16850,12 +16961,12 @@
                     <a:p>
                       <a:pPr algn="l" rtl="0" fontAlgn="ctr"/>
                       <a:r>
-                        <a:rPr lang="en-US" sz="500" u="none" strike="noStrike">
+                        <a:rPr lang="en-US" sz="500" u="none" strike="noStrike" dirty="0">
                           <a:effectLst/>
                         </a:rPr>
                         <a:t>%MX7</a:t>
                       </a:r>
-                      <a:endParaRPr lang="en-US" sz="500" b="0" i="0" u="none" strike="noStrike">
+                      <a:endParaRPr lang="en-US" sz="500" b="0" i="0" u="none" strike="noStrike" dirty="0">
                         <a:solidFill>
                           <a:srgbClr val="000000"/>
                         </a:solidFill>
@@ -16897,12 +17008,6 @@
                     <a:lstStyle/>
                     <a:p>
                       <a:pPr algn="l" rtl="0" fontAlgn="ctr"/>
-                      <a:r>
-                        <a:rPr lang="ko-KR" altLang="en-US" sz="500" u="none" strike="noStrike" dirty="0">
-                          <a:effectLst/>
-                        </a:rPr>
-                        <a:t>　</a:t>
-                      </a:r>
                       <a:endParaRPr lang="ko-KR" altLang="en-US" sz="500" b="0" i="0" u="none" strike="noStrike" dirty="0">
                         <a:solidFill>
                           <a:srgbClr val="000000"/>
@@ -16999,14 +17104,30 @@
                     <a:bodyPr/>
                     <a:lstStyle/>
                     <a:p>
-                      <a:pPr algn="l" rtl="0" fontAlgn="ctr"/>
-                      <a:endParaRPr lang="en-US" sz="500" b="0" i="0" u="none" strike="noStrike" dirty="0">
+                      <a:pPr marL="0" marR="0" lvl="0" indent="0" algn="l" defTabSz="914400" rtl="0" eaLnBrk="1" fontAlgn="ctr" latinLnBrk="1" hangingPunct="1">
+                        <a:lnSpc>
+                          <a:spcPct val="100000"/>
+                        </a:lnSpc>
+                        <a:spcBef>
+                          <a:spcPts val="0"/>
+                        </a:spcBef>
+                        <a:spcAft>
+                          <a:spcPts val="0"/>
+                        </a:spcAft>
+                        <a:buClrTx/>
+                        <a:buSzTx/>
+                        <a:buFontTx/>
+                        <a:buNone/>
+                        <a:tabLst/>
+                        <a:defRPr/>
+                      </a:pPr>
+                      <a:endParaRPr lang="en-US" altLang="ko-KR" sz="500" b="0" i="0" u="none" strike="noStrike" dirty="0">
                         <a:solidFill>
                           <a:srgbClr val="000000"/>
                         </a:solidFill>
                         <a:effectLst/>
                         <a:latin typeface="Tahoma" panose="020B0604030504040204" pitchFamily="34" charset="0"/>
-                        <a:ea typeface="맑은 고딕" panose="020B0503020000020004" pitchFamily="50" charset="-127"/>
+                        <a:ea typeface="+mn-ea"/>
                       </a:endParaRPr>
                     </a:p>
                   </a:txBody>
@@ -17017,20 +17138,36 @@
                     <a:bodyPr/>
                     <a:lstStyle/>
                     <a:p>
-                      <a:pPr algn="l" rtl="0" fontAlgn="ctr"/>
+                      <a:pPr marL="0" marR="0" lvl="0" indent="0" algn="l" defTabSz="914400" rtl="0" eaLnBrk="1" fontAlgn="ctr" latinLnBrk="1" hangingPunct="1">
+                        <a:lnSpc>
+                          <a:spcPct val="100000"/>
+                        </a:lnSpc>
+                        <a:spcBef>
+                          <a:spcPts val="0"/>
+                        </a:spcBef>
+                        <a:spcAft>
+                          <a:spcPts val="0"/>
+                        </a:spcAft>
+                        <a:buClrTx/>
+                        <a:buSzTx/>
+                        <a:buFontTx/>
+                        <a:buNone/>
+                        <a:tabLst/>
+                        <a:defRPr/>
+                      </a:pPr>
                       <a:r>
-                        <a:rPr lang="ko-KR" altLang="en-US" sz="500" u="none" strike="noStrike" dirty="0">
+                        <a:rPr lang="en-US" altLang="ko-KR" sz="500" u="none" strike="noStrike" dirty="0">
                           <a:effectLst/>
                         </a:rPr>
-                        <a:t>　</a:t>
+                        <a:t>%MX7</a:t>
                       </a:r>
-                      <a:endParaRPr lang="ko-KR" altLang="en-US" sz="500" b="0" i="0" u="none" strike="noStrike" dirty="0">
+                      <a:endParaRPr lang="en-US" altLang="ko-KR" sz="500" b="0" i="0" u="none" strike="noStrike" dirty="0">
                         <a:solidFill>
                           <a:srgbClr val="000000"/>
                         </a:solidFill>
                         <a:effectLst/>
                         <a:latin typeface="Tahoma" panose="020B0604030504040204" pitchFamily="34" charset="0"/>
-                        <a:ea typeface="맑은 고딕" panose="020B0503020000020004" pitchFamily="50" charset="-127"/>
+                        <a:ea typeface="+mn-ea"/>
                       </a:endParaRPr>
                     </a:p>
                   </a:txBody>
@@ -17066,13 +17203,7 @@
                     <a:lstStyle/>
                     <a:p>
                       <a:pPr algn="l" rtl="0" fontAlgn="ctr"/>
-                      <a:r>
-                        <a:rPr lang="en-US" sz="500" u="none" strike="noStrike">
-                          <a:effectLst/>
-                        </a:rPr>
-                        <a:t>$n</a:t>
-                      </a:r>
-                      <a:endParaRPr lang="en-US" sz="500" b="0" i="0" u="none" strike="noStrike">
+                      <a:endParaRPr lang="en-US" sz="500" b="0" i="0" u="none" strike="noStrike" dirty="0">
                         <a:solidFill>
                           <a:srgbClr val="000000"/>
                         </a:solidFill>
@@ -17170,12 +17301,12 @@
                     <a:p>
                       <a:pPr algn="l" rtl="0" fontAlgn="ctr"/>
                       <a:r>
-                        <a:rPr lang="en-US" sz="500" u="none" strike="noStrike">
+                        <a:rPr lang="en-US" sz="500" u="none" strike="noStrike" dirty="0">
                           <a:effectLst/>
                         </a:rPr>
                         <a:t>%IX0.0.40</a:t>
                       </a:r>
-                      <a:endParaRPr lang="en-US" sz="500" b="0" i="0" u="none" strike="noStrike">
+                      <a:endParaRPr lang="en-US" sz="500" b="0" i="0" u="none" strike="noStrike" dirty="0">
                         <a:solidFill>
                           <a:srgbClr val="000000"/>
                         </a:solidFill>
@@ -17241,12 +17372,6 @@
                     <a:lstStyle/>
                     <a:p>
                       <a:pPr algn="l" rtl="0" fontAlgn="ctr"/>
-                      <a:r>
-                        <a:rPr lang="ko-KR" altLang="en-US" sz="500" u="none" strike="noStrike">
-                          <a:effectLst/>
-                        </a:rPr>
-                        <a:t>　</a:t>
-                      </a:r>
                       <a:endParaRPr lang="ko-KR" altLang="en-US" sz="500" b="0" i="0" u="none" strike="noStrike">
                         <a:solidFill>
                           <a:srgbClr val="000000"/>
@@ -17343,14 +17468,30 @@
                     <a:bodyPr/>
                     <a:lstStyle/>
                     <a:p>
-                      <a:pPr algn="l" rtl="0" fontAlgn="ctr"/>
-                      <a:endParaRPr lang="en-US" sz="500" b="0" i="0" u="none" strike="noStrike" dirty="0">
+                      <a:pPr marL="0" marR="0" lvl="0" indent="0" algn="l" defTabSz="914400" rtl="0" eaLnBrk="1" fontAlgn="ctr" latinLnBrk="1" hangingPunct="1">
+                        <a:lnSpc>
+                          <a:spcPct val="100000"/>
+                        </a:lnSpc>
+                        <a:spcBef>
+                          <a:spcPts val="0"/>
+                        </a:spcBef>
+                        <a:spcAft>
+                          <a:spcPts val="0"/>
+                        </a:spcAft>
+                        <a:buClrTx/>
+                        <a:buSzTx/>
+                        <a:buFontTx/>
+                        <a:buNone/>
+                        <a:tabLst/>
+                        <a:defRPr/>
+                      </a:pPr>
+                      <a:endParaRPr lang="en-US" altLang="ko-KR" sz="500" b="0" i="0" u="none" strike="noStrike" dirty="0">
                         <a:solidFill>
                           <a:srgbClr val="000000"/>
                         </a:solidFill>
                         <a:effectLst/>
                         <a:latin typeface="Tahoma" panose="020B0604030504040204" pitchFamily="34" charset="0"/>
-                        <a:ea typeface="맑은 고딕" panose="020B0503020000020004" pitchFamily="50" charset="-127"/>
+                        <a:ea typeface="+mn-ea"/>
                       </a:endParaRPr>
                     </a:p>
                   </a:txBody>
@@ -17361,20 +17502,36 @@
                     <a:bodyPr/>
                     <a:lstStyle/>
                     <a:p>
-                      <a:pPr algn="l" rtl="0" fontAlgn="ctr"/>
+                      <a:pPr marL="0" marR="0" lvl="0" indent="0" algn="l" defTabSz="914400" rtl="0" eaLnBrk="1" fontAlgn="ctr" latinLnBrk="1" hangingPunct="1">
+                        <a:lnSpc>
+                          <a:spcPct val="100000"/>
+                        </a:lnSpc>
+                        <a:spcBef>
+                          <a:spcPts val="0"/>
+                        </a:spcBef>
+                        <a:spcAft>
+                          <a:spcPts val="0"/>
+                        </a:spcAft>
+                        <a:buClrTx/>
+                        <a:buSzTx/>
+                        <a:buFontTx/>
+                        <a:buNone/>
+                        <a:tabLst/>
+                        <a:defRPr/>
+                      </a:pPr>
                       <a:r>
-                        <a:rPr lang="ko-KR" altLang="en-US" sz="500" u="none" strike="noStrike" dirty="0">
+                        <a:rPr lang="en-US" altLang="ko-KR" sz="500" u="none" strike="noStrike" dirty="0">
                           <a:effectLst/>
                         </a:rPr>
-                        <a:t>　</a:t>
+                        <a:t>%MX7</a:t>
                       </a:r>
-                      <a:endParaRPr lang="ko-KR" altLang="en-US" sz="500" b="0" i="0" u="none" strike="noStrike" dirty="0">
+                      <a:endParaRPr lang="en-US" altLang="ko-KR" sz="500" b="0" i="0" u="none" strike="noStrike" dirty="0">
                         <a:solidFill>
                           <a:srgbClr val="000000"/>
                         </a:solidFill>
                         <a:effectLst/>
                         <a:latin typeface="Tahoma" panose="020B0604030504040204" pitchFamily="34" charset="0"/>
-                        <a:ea typeface="맑은 고딕" panose="020B0503020000020004" pitchFamily="50" charset="-127"/>
+                        <a:ea typeface="+mn-ea"/>
                       </a:endParaRPr>
                     </a:p>
                   </a:txBody>
@@ -17410,12 +17567,6 @@
                     <a:lstStyle/>
                     <a:p>
                       <a:pPr algn="l" rtl="0" fontAlgn="ctr"/>
-                      <a:r>
-                        <a:rPr lang="en-US" sz="500" u="none" strike="noStrike" dirty="0">
-                          <a:effectLst/>
-                        </a:rPr>
-                        <a:t>$n</a:t>
-                      </a:r>
                       <a:endParaRPr lang="en-US" sz="500" b="0" i="0" u="none" strike="noStrike" dirty="0">
                         <a:solidFill>
                           <a:srgbClr val="000000"/>
@@ -17514,12 +17665,12 @@
                     <a:p>
                       <a:pPr algn="l" rtl="0" fontAlgn="ctr"/>
                       <a:r>
-                        <a:rPr lang="en-US" sz="500" u="none" strike="noStrike">
+                        <a:rPr lang="en-US" sz="500" u="none" strike="noStrike" dirty="0">
                           <a:effectLst/>
                         </a:rPr>
                         <a:t>%IX0.0.44</a:t>
                       </a:r>
-                      <a:endParaRPr lang="en-US" sz="500" b="0" i="0" u="none" strike="noStrike">
+                      <a:endParaRPr lang="en-US" sz="500" b="0" i="0" u="none" strike="noStrike" dirty="0">
                         <a:solidFill>
                           <a:srgbClr val="000000"/>
                         </a:solidFill>
@@ -17585,12 +17736,6 @@
                     <a:lstStyle/>
                     <a:p>
                       <a:pPr algn="l" rtl="0" fontAlgn="ctr"/>
-                      <a:r>
-                        <a:rPr lang="ko-KR" altLang="en-US" sz="500" u="none" strike="noStrike">
-                          <a:effectLst/>
-                        </a:rPr>
-                        <a:t>　</a:t>
-                      </a:r>
                       <a:endParaRPr lang="ko-KR" altLang="en-US" sz="500" b="0" i="0" u="none" strike="noStrike">
                         <a:solidFill>
                           <a:srgbClr val="000000"/>
@@ -17687,14 +17832,30 @@
                     <a:bodyPr/>
                     <a:lstStyle/>
                     <a:p>
-                      <a:pPr algn="l" rtl="0" fontAlgn="ctr"/>
-                      <a:endParaRPr lang="en-US" sz="500" b="0" i="0" u="none" strike="noStrike" dirty="0">
+                      <a:pPr marL="0" marR="0" lvl="0" indent="0" algn="l" defTabSz="914400" rtl="0" eaLnBrk="1" fontAlgn="ctr" latinLnBrk="1" hangingPunct="1">
+                        <a:lnSpc>
+                          <a:spcPct val="100000"/>
+                        </a:lnSpc>
+                        <a:spcBef>
+                          <a:spcPts val="0"/>
+                        </a:spcBef>
+                        <a:spcAft>
+                          <a:spcPts val="0"/>
+                        </a:spcAft>
+                        <a:buClrTx/>
+                        <a:buSzTx/>
+                        <a:buFontTx/>
+                        <a:buNone/>
+                        <a:tabLst/>
+                        <a:defRPr/>
+                      </a:pPr>
+                      <a:endParaRPr lang="en-US" altLang="ko-KR" sz="500" b="0" i="0" u="none" strike="noStrike" dirty="0">
                         <a:solidFill>
                           <a:srgbClr val="000000"/>
                         </a:solidFill>
                         <a:effectLst/>
                         <a:latin typeface="Tahoma" panose="020B0604030504040204" pitchFamily="34" charset="0"/>
-                        <a:ea typeface="맑은 고딕" panose="020B0503020000020004" pitchFamily="50" charset="-127"/>
+                        <a:ea typeface="+mn-ea"/>
                       </a:endParaRPr>
                     </a:p>
                   </a:txBody>
@@ -17705,20 +17866,36 @@
                     <a:bodyPr/>
                     <a:lstStyle/>
                     <a:p>
-                      <a:pPr algn="l" rtl="0" fontAlgn="ctr"/>
+                      <a:pPr marL="0" marR="0" lvl="0" indent="0" algn="l" defTabSz="914400" rtl="0" eaLnBrk="1" fontAlgn="ctr" latinLnBrk="1" hangingPunct="1">
+                        <a:lnSpc>
+                          <a:spcPct val="100000"/>
+                        </a:lnSpc>
+                        <a:spcBef>
+                          <a:spcPts val="0"/>
+                        </a:spcBef>
+                        <a:spcAft>
+                          <a:spcPts val="0"/>
+                        </a:spcAft>
+                        <a:buClrTx/>
+                        <a:buSzTx/>
+                        <a:buFontTx/>
+                        <a:buNone/>
+                        <a:tabLst/>
+                        <a:defRPr/>
+                      </a:pPr>
                       <a:r>
-                        <a:rPr lang="ko-KR" altLang="en-US" sz="500" u="none" strike="noStrike">
+                        <a:rPr lang="en-US" altLang="ko-KR" sz="500" u="none" strike="noStrike" dirty="0">
                           <a:effectLst/>
                         </a:rPr>
-                        <a:t>　</a:t>
+                        <a:t>%MX7</a:t>
                       </a:r>
-                      <a:endParaRPr lang="ko-KR" altLang="en-US" sz="500" b="0" i="0" u="none" strike="noStrike">
+                      <a:endParaRPr lang="en-US" altLang="ko-KR" sz="500" b="0" i="0" u="none" strike="noStrike" dirty="0">
                         <a:solidFill>
                           <a:srgbClr val="000000"/>
                         </a:solidFill>
                         <a:effectLst/>
                         <a:latin typeface="Tahoma" panose="020B0604030504040204" pitchFamily="34" charset="0"/>
-                        <a:ea typeface="맑은 고딕" panose="020B0503020000020004" pitchFamily="50" charset="-127"/>
+                        <a:ea typeface="+mn-ea"/>
                       </a:endParaRPr>
                     </a:p>
                   </a:txBody>
@@ -17754,13 +17931,7 @@
                     <a:lstStyle/>
                     <a:p>
                       <a:pPr algn="l" rtl="0" fontAlgn="ctr"/>
-                      <a:r>
-                        <a:rPr lang="en-US" sz="500" u="none" strike="noStrike">
-                          <a:effectLst/>
-                        </a:rPr>
-                        <a:t>$n</a:t>
-                      </a:r>
-                      <a:endParaRPr lang="en-US" sz="500" b="0" i="0" u="none" strike="noStrike">
+                      <a:endParaRPr lang="en-US" sz="500" b="0" i="0" u="none" strike="noStrike" dirty="0">
                         <a:solidFill>
                           <a:srgbClr val="000000"/>
                         </a:solidFill>
@@ -17858,12 +18029,12 @@
                     <a:p>
                       <a:pPr algn="l" rtl="0" fontAlgn="ctr"/>
                       <a:r>
-                        <a:rPr lang="en-US" sz="500" u="none" strike="noStrike">
+                        <a:rPr lang="en-US" sz="500" u="none" strike="noStrike" dirty="0">
                           <a:effectLst/>
                         </a:rPr>
                         <a:t>%IX0.0.52</a:t>
                       </a:r>
-                      <a:endParaRPr lang="en-US" sz="500" b="0" i="0" u="none" strike="noStrike">
+                      <a:endParaRPr lang="en-US" sz="500" b="0" i="0" u="none" strike="noStrike" dirty="0">
                         <a:solidFill>
                           <a:srgbClr val="000000"/>
                         </a:solidFill>
@@ -17929,12 +18100,6 @@
                     <a:lstStyle/>
                     <a:p>
                       <a:pPr algn="l" rtl="0" fontAlgn="ctr"/>
-                      <a:r>
-                        <a:rPr lang="ko-KR" altLang="en-US" sz="500" u="none" strike="noStrike">
-                          <a:effectLst/>
-                        </a:rPr>
-                        <a:t>　</a:t>
-                      </a:r>
                       <a:endParaRPr lang="ko-KR" altLang="en-US" sz="500" b="0" i="0" u="none" strike="noStrike">
                         <a:solidFill>
                           <a:srgbClr val="000000"/>
@@ -18031,14 +18196,30 @@
                     <a:bodyPr/>
                     <a:lstStyle/>
                     <a:p>
-                      <a:pPr algn="l" rtl="0" fontAlgn="ctr"/>
-                      <a:endParaRPr lang="en-US" sz="500" b="0" i="0" u="none" strike="noStrike" dirty="0">
+                      <a:pPr marL="0" marR="0" lvl="0" indent="0" algn="l" defTabSz="914400" rtl="0" eaLnBrk="1" fontAlgn="ctr" latinLnBrk="1" hangingPunct="1">
+                        <a:lnSpc>
+                          <a:spcPct val="100000"/>
+                        </a:lnSpc>
+                        <a:spcBef>
+                          <a:spcPts val="0"/>
+                        </a:spcBef>
+                        <a:spcAft>
+                          <a:spcPts val="0"/>
+                        </a:spcAft>
+                        <a:buClrTx/>
+                        <a:buSzTx/>
+                        <a:buFontTx/>
+                        <a:buNone/>
+                        <a:tabLst/>
+                        <a:defRPr/>
+                      </a:pPr>
+                      <a:endParaRPr lang="en-US" altLang="ko-KR" sz="500" b="0" i="0" u="none" strike="noStrike" dirty="0">
                         <a:solidFill>
                           <a:srgbClr val="000000"/>
                         </a:solidFill>
                         <a:effectLst/>
                         <a:latin typeface="Tahoma" panose="020B0604030504040204" pitchFamily="34" charset="0"/>
-                        <a:ea typeface="맑은 고딕" panose="020B0503020000020004" pitchFamily="50" charset="-127"/>
+                        <a:ea typeface="+mn-ea"/>
                       </a:endParaRPr>
                     </a:p>
                   </a:txBody>
@@ -18049,20 +18230,36 @@
                     <a:bodyPr/>
                     <a:lstStyle/>
                     <a:p>
-                      <a:pPr algn="l" rtl="0" fontAlgn="ctr"/>
+                      <a:pPr marL="0" marR="0" lvl="0" indent="0" algn="l" defTabSz="914400" rtl="0" eaLnBrk="1" fontAlgn="ctr" latinLnBrk="1" hangingPunct="1">
+                        <a:lnSpc>
+                          <a:spcPct val="100000"/>
+                        </a:lnSpc>
+                        <a:spcBef>
+                          <a:spcPts val="0"/>
+                        </a:spcBef>
+                        <a:spcAft>
+                          <a:spcPts val="0"/>
+                        </a:spcAft>
+                        <a:buClrTx/>
+                        <a:buSzTx/>
+                        <a:buFontTx/>
+                        <a:buNone/>
+                        <a:tabLst/>
+                        <a:defRPr/>
+                      </a:pPr>
                       <a:r>
-                        <a:rPr lang="ko-KR" altLang="en-US" sz="500" u="none" strike="noStrike" dirty="0">
+                        <a:rPr lang="en-US" altLang="ko-KR" sz="500" u="none" strike="noStrike" dirty="0">
                           <a:effectLst/>
                         </a:rPr>
-                        <a:t>　</a:t>
+                        <a:t>%MX7</a:t>
                       </a:r>
-                      <a:endParaRPr lang="ko-KR" altLang="en-US" sz="500" b="0" i="0" u="none" strike="noStrike" dirty="0">
+                      <a:endParaRPr lang="en-US" altLang="ko-KR" sz="500" b="0" i="0" u="none" strike="noStrike" dirty="0">
                         <a:solidFill>
                           <a:srgbClr val="000000"/>
                         </a:solidFill>
                         <a:effectLst/>
                         <a:latin typeface="Tahoma" panose="020B0604030504040204" pitchFamily="34" charset="0"/>
-                        <a:ea typeface="맑은 고딕" panose="020B0503020000020004" pitchFamily="50" charset="-127"/>
+                        <a:ea typeface="+mn-ea"/>
                       </a:endParaRPr>
                     </a:p>
                   </a:txBody>
@@ -18098,12 +18295,6 @@
                     <a:lstStyle/>
                     <a:p>
                       <a:pPr algn="l" rtl="0" fontAlgn="ctr"/>
-                      <a:r>
-                        <a:rPr lang="en-US" sz="500" u="none" strike="noStrike" dirty="0">
-                          <a:effectLst/>
-                        </a:rPr>
-                        <a:t>$n</a:t>
-                      </a:r>
                       <a:endParaRPr lang="en-US" sz="500" b="0" i="0" u="none" strike="noStrike" dirty="0">
                         <a:solidFill>
                           <a:srgbClr val="000000"/>
@@ -18202,12 +18393,12 @@
                     <a:p>
                       <a:pPr algn="l" rtl="0" fontAlgn="ctr"/>
                       <a:r>
-                        <a:rPr lang="en-US" sz="500" u="none" strike="noStrike">
+                        <a:rPr lang="en-US" sz="500" u="none" strike="noStrike" dirty="0">
                           <a:effectLst/>
                         </a:rPr>
                         <a:t>%IX0.0.0</a:t>
                       </a:r>
-                      <a:endParaRPr lang="en-US" sz="500" b="0" i="0" u="none" strike="noStrike">
+                      <a:endParaRPr lang="en-US" sz="500" b="0" i="0" u="none" strike="noStrike" dirty="0">
                         <a:solidFill>
                           <a:srgbClr val="000000"/>
                         </a:solidFill>
@@ -18226,12 +18417,12 @@
                     <a:p>
                       <a:pPr algn="l" rtl="0" fontAlgn="ctr"/>
                       <a:r>
-                        <a:rPr lang="en-US" sz="500" u="none" strike="noStrike">
+                        <a:rPr lang="en-US" sz="500" u="none" strike="noStrike" dirty="0">
                           <a:effectLst/>
                         </a:rPr>
                         <a:t>%QX0.1.28</a:t>
                       </a:r>
-                      <a:endParaRPr lang="en-US" sz="500" b="0" i="0" u="none" strike="noStrike">
+                      <a:endParaRPr lang="en-US" sz="500" b="0" i="0" u="none" strike="noStrike" dirty="0">
                         <a:solidFill>
                           <a:srgbClr val="000000"/>
                         </a:solidFill>
@@ -18273,13 +18464,7 @@
                     <a:lstStyle/>
                     <a:p>
                       <a:pPr algn="l" rtl="0" fontAlgn="ctr"/>
-                      <a:r>
-                        <a:rPr lang="ko-KR" altLang="en-US" sz="500" u="none" strike="noStrike">
-                          <a:effectLst/>
-                        </a:rPr>
-                        <a:t>　</a:t>
-                      </a:r>
-                      <a:endParaRPr lang="ko-KR" altLang="en-US" sz="500" b="0" i="0" u="none" strike="noStrike">
+                      <a:endParaRPr lang="ko-KR" altLang="en-US" sz="500" b="0" i="0" u="none" strike="noStrike" dirty="0">
                         <a:solidFill>
                           <a:srgbClr val="000000"/>
                         </a:solidFill>
@@ -18375,14 +18560,30 @@
                     <a:bodyPr/>
                     <a:lstStyle/>
                     <a:p>
-                      <a:pPr algn="l" rtl="0" fontAlgn="ctr"/>
-                      <a:endParaRPr lang="en-US" sz="500" b="0" i="0" u="none" strike="noStrike" dirty="0">
+                      <a:pPr marL="0" marR="0" lvl="0" indent="0" algn="l" defTabSz="914400" rtl="0" eaLnBrk="1" fontAlgn="ctr" latinLnBrk="1" hangingPunct="1">
+                        <a:lnSpc>
+                          <a:spcPct val="100000"/>
+                        </a:lnSpc>
+                        <a:spcBef>
+                          <a:spcPts val="0"/>
+                        </a:spcBef>
+                        <a:spcAft>
+                          <a:spcPts val="0"/>
+                        </a:spcAft>
+                        <a:buClrTx/>
+                        <a:buSzTx/>
+                        <a:buFontTx/>
+                        <a:buNone/>
+                        <a:tabLst/>
+                        <a:defRPr/>
+                      </a:pPr>
+                      <a:endParaRPr lang="en-US" altLang="ko-KR" sz="500" b="0" i="0" u="none" strike="noStrike" dirty="0">
                         <a:solidFill>
                           <a:srgbClr val="000000"/>
                         </a:solidFill>
                         <a:effectLst/>
                         <a:latin typeface="Tahoma" panose="020B0604030504040204" pitchFamily="34" charset="0"/>
-                        <a:ea typeface="맑은 고딕" panose="020B0503020000020004" pitchFamily="50" charset="-127"/>
+                        <a:ea typeface="+mn-ea"/>
                       </a:endParaRPr>
                     </a:p>
                   </a:txBody>
@@ -18393,20 +18594,36 @@
                     <a:bodyPr/>
                     <a:lstStyle/>
                     <a:p>
-                      <a:pPr algn="l" rtl="0" fontAlgn="ctr"/>
+                      <a:pPr marL="0" marR="0" lvl="0" indent="0" algn="l" defTabSz="914400" rtl="0" eaLnBrk="1" fontAlgn="ctr" latinLnBrk="1" hangingPunct="1">
+                        <a:lnSpc>
+                          <a:spcPct val="100000"/>
+                        </a:lnSpc>
+                        <a:spcBef>
+                          <a:spcPts val="0"/>
+                        </a:spcBef>
+                        <a:spcAft>
+                          <a:spcPts val="0"/>
+                        </a:spcAft>
+                        <a:buClrTx/>
+                        <a:buSzTx/>
+                        <a:buFontTx/>
+                        <a:buNone/>
+                        <a:tabLst/>
+                        <a:defRPr/>
+                      </a:pPr>
                       <a:r>
-                        <a:rPr lang="ko-KR" altLang="en-US" sz="500" u="none" strike="noStrike" dirty="0">
+                        <a:rPr lang="en-US" altLang="ko-KR" sz="500" u="none" strike="noStrike" dirty="0">
                           <a:effectLst/>
                         </a:rPr>
-                        <a:t>　</a:t>
+                        <a:t>%QX0.1.28</a:t>
                       </a:r>
-                      <a:endParaRPr lang="ko-KR" altLang="en-US" sz="500" b="0" i="0" u="none" strike="noStrike" dirty="0">
+                      <a:endParaRPr lang="en-US" altLang="ko-KR" sz="500" b="0" i="0" u="none" strike="noStrike" dirty="0">
                         <a:solidFill>
                           <a:srgbClr val="000000"/>
                         </a:solidFill>
                         <a:effectLst/>
                         <a:latin typeface="Tahoma" panose="020B0604030504040204" pitchFamily="34" charset="0"/>
-                        <a:ea typeface="맑은 고딕" panose="020B0503020000020004" pitchFamily="50" charset="-127"/>
+                        <a:ea typeface="+mn-ea"/>
                       </a:endParaRPr>
                     </a:p>
                   </a:txBody>
@@ -18442,12 +18659,6 @@
                     <a:lstStyle/>
                     <a:p>
                       <a:pPr algn="l" rtl="0" fontAlgn="ctr"/>
-                      <a:r>
-                        <a:rPr lang="en-US" sz="500" u="none" strike="noStrike" dirty="0">
-                          <a:effectLst/>
-                        </a:rPr>
-                        <a:t>$n</a:t>
-                      </a:r>
                       <a:endParaRPr lang="en-US" sz="500" b="0" i="0" u="none" strike="noStrike" dirty="0">
                         <a:solidFill>
                           <a:srgbClr val="000000"/>
@@ -18498,12 +18709,12 @@
                     <a:p>
                       <a:pPr algn="l" rtl="0" fontAlgn="ctr"/>
                       <a:r>
-                        <a:rPr lang="en-US" sz="500" u="none" strike="noStrike">
+                        <a:rPr lang="en-US" sz="500" u="none" strike="noStrike" dirty="0" err="1">
                           <a:effectLst/>
                         </a:rPr>
-                        <a:t>KIT_In_cyl.ADV</a:t>
+                        <a:t>KIT_In.ADV</a:t>
                       </a:r>
-                      <a:endParaRPr lang="en-US" sz="500" b="0" i="0" u="none" strike="noStrike">
+                      <a:endParaRPr lang="en-US" sz="500" b="0" i="0" u="none" strike="noStrike" dirty="0">
                         <a:solidFill>
                           <a:srgbClr val="000000"/>
                         </a:solidFill>
@@ -18597,7 +18808,7 @@
                         <a:rPr lang="en-US" sz="500" u="none" strike="noStrike" dirty="0" err="1">
                           <a:effectLst/>
                         </a:rPr>
-                        <a:t>KIT_In_cyl_ADV</a:t>
+                        <a:t>KIT_In_ADV</a:t>
                       </a:r>
                       <a:endParaRPr lang="en-US" sz="500" b="0" i="0" u="none" strike="noStrike" dirty="0">
                         <a:solidFill>
@@ -18673,12 +18884,12 @@
                     <a:p>
                       <a:pPr algn="l" rtl="0" fontAlgn="ctr"/>
                       <a:r>
-                        <a:rPr lang="en-US" sz="500" u="none" strike="noStrike">
+                        <a:rPr lang="en-US" sz="500" u="none" strike="noStrike" dirty="0" err="1">
                           <a:effectLst/>
                         </a:rPr>
-                        <a:t>KIT_In_cyl.RET</a:t>
+                        <a:t>KIT_In.RET</a:t>
                       </a:r>
-                      <a:endParaRPr lang="en-US" sz="500" b="0" i="0" u="none" strike="noStrike">
+                      <a:endParaRPr lang="en-US" sz="500" b="0" i="0" u="none" strike="noStrike" dirty="0">
                         <a:solidFill>
                           <a:srgbClr val="000000"/>
                         </a:solidFill>
@@ -18772,7 +18983,7 @@
                         <a:rPr lang="en-US" sz="500" u="none" strike="noStrike" dirty="0" err="1">
                           <a:effectLst/>
                         </a:rPr>
-                        <a:t>KIT_In_cyl_RET</a:t>
+                        <a:t>KIT_In_RET</a:t>
                       </a:r>
                       <a:endParaRPr lang="en-US" sz="500" b="0" i="0" u="none" strike="noStrike" dirty="0">
                         <a:solidFill>
@@ -18848,12 +19059,12 @@
                     <a:p>
                       <a:pPr algn="l" rtl="0" fontAlgn="ctr"/>
                       <a:r>
-                        <a:rPr lang="en-US" sz="500" u="none" strike="noStrike">
+                        <a:rPr lang="en-US" sz="500" u="none" strike="noStrike" dirty="0" err="1">
                           <a:effectLst/>
                         </a:rPr>
-                        <a:t>KIT_Out_cyl.ADV</a:t>
+                        <a:t>KIT_Out.ADV</a:t>
                       </a:r>
-                      <a:endParaRPr lang="en-US" sz="500" b="0" i="0" u="none" strike="noStrike">
+                      <a:endParaRPr lang="en-US" sz="500" b="0" i="0" u="none" strike="noStrike" dirty="0">
                         <a:solidFill>
                           <a:srgbClr val="000000"/>
                         </a:solidFill>
@@ -18947,7 +19158,7 @@
                         <a:rPr lang="en-US" sz="500" u="none" strike="noStrike" dirty="0" err="1">
                           <a:effectLst/>
                         </a:rPr>
-                        <a:t>KIT_Out_cyl_ADV</a:t>
+                        <a:t>KIT_Out_ADV</a:t>
                       </a:r>
                       <a:endParaRPr lang="en-US" sz="500" b="0" i="0" u="none" strike="noStrike" dirty="0">
                         <a:solidFill>
@@ -19023,12 +19234,12 @@
                     <a:p>
                       <a:pPr algn="l" rtl="0" fontAlgn="ctr"/>
                       <a:r>
-                        <a:rPr lang="en-US" sz="500" u="none" strike="noStrike">
+                        <a:rPr lang="en-US" sz="500" u="none" strike="noStrike" dirty="0" err="1">
                           <a:effectLst/>
                         </a:rPr>
-                        <a:t>KIT_Out_cyl.RET</a:t>
+                        <a:t>KIT_Out.RET</a:t>
                       </a:r>
-                      <a:endParaRPr lang="en-US" sz="500" b="0" i="0" u="none" strike="noStrike">
+                      <a:endParaRPr lang="en-US" sz="500" b="0" i="0" u="none" strike="noStrike" dirty="0">
                         <a:solidFill>
                           <a:srgbClr val="000000"/>
                         </a:solidFill>
@@ -19122,7 +19333,7 @@
                         <a:rPr lang="en-US" sz="500" u="none" strike="noStrike" dirty="0" err="1">
                           <a:effectLst/>
                         </a:rPr>
-                        <a:t>KIT_Out_cyl_RET</a:t>
+                        <a:t>KIT_Out_RET</a:t>
                       </a:r>
                       <a:endParaRPr lang="en-US" sz="500" b="0" i="0" u="none" strike="noStrike" dirty="0">
                         <a:solidFill>
@@ -19184,6 +19395,826 @@
 </file>
 
 <file path=ppt/slides/slide10.xml><?xml version="1.0" encoding="utf-8"?>
+<p:sld xmlns:a="http://schemas.openxmlformats.org/drawingml/2006/main" xmlns:r="http://schemas.openxmlformats.org/officeDocument/2006/relationships" xmlns:p="http://schemas.openxmlformats.org/presentationml/2006/main" show="0">
+  <p:cSld>
+    <p:spTree>
+      <p:nvGrpSpPr>
+        <p:cNvPr id="1" name=""/>
+        <p:cNvGrpSpPr/>
+        <p:nvPr/>
+      </p:nvGrpSpPr>
+      <p:grpSpPr>
+        <a:xfrm>
+          <a:off x="0" y="0"/>
+          <a:ext cx="0" cy="0"/>
+          <a:chOff x="0" y="0"/>
+          <a:chExt cx="0" cy="0"/>
+        </a:xfrm>
+      </p:grpSpPr>
+      <p:sp>
+        <p:nvSpPr>
+          <p:cNvPr id="2" name="제목 1">
+            <a:extLst>
+              <a:ext uri="{FF2B5EF4-FFF2-40B4-BE49-F238E27FC236}">
+                <a16:creationId xmlns:a16="http://schemas.microsoft.com/office/drawing/2014/main" id="{5E8FE27E-4086-E570-1BA4-F2B433CAA376}"/>
+              </a:ext>
+            </a:extLst>
+          </p:cNvPr>
+          <p:cNvSpPr>
+            <a:spLocks noGrp="1"/>
+          </p:cNvSpPr>
+          <p:nvPr>
+            <p:ph type="title"/>
+          </p:nvPr>
+        </p:nvSpPr>
+        <p:spPr/>
+        <p:txBody>
+          <a:bodyPr/>
+          <a:lstStyle/>
+          <a:p>
+            <a:r>
+              <a:rPr lang="en-US" altLang="ko-KR" dirty="0"/>
+              <a:t>S3</a:t>
+            </a:r>
+            <a:endParaRPr lang="ko-KR" altLang="en-US" dirty="0"/>
+          </a:p>
+        </p:txBody>
+      </p:sp>
+      <p:sp>
+        <p:nvSpPr>
+          <p:cNvPr id="13" name="직사각형 12">
+            <a:extLst>
+              <a:ext uri="{FF2B5EF4-FFF2-40B4-BE49-F238E27FC236}">
+                <a16:creationId xmlns:a16="http://schemas.microsoft.com/office/drawing/2014/main" id="{20D4B5AF-E245-475A-47A6-1314F9D73EE8}"/>
+              </a:ext>
+            </a:extLst>
+          </p:cNvPr>
+          <p:cNvSpPr/>
+          <p:nvPr/>
+        </p:nvSpPr>
+        <p:spPr>
+          <a:xfrm>
+            <a:off x="10080018" y="3931852"/>
+            <a:ext cx="847742" cy="495381"/>
+          </a:xfrm>
+          <a:prstGeom prst="rect">
+            <a:avLst/>
+          </a:prstGeom>
+        </p:spPr>
+        <p:style>
+          <a:lnRef idx="2">
+            <a:schemeClr val="accent1">
+              <a:shade val="15000"/>
+            </a:schemeClr>
+          </a:lnRef>
+          <a:fillRef idx="1">
+            <a:schemeClr val="accent1"/>
+          </a:fillRef>
+          <a:effectRef idx="0">
+            <a:schemeClr val="accent1"/>
+          </a:effectRef>
+          <a:fontRef idx="minor">
+            <a:schemeClr val="lt1"/>
+          </a:fontRef>
+        </p:style>
+        <p:txBody>
+          <a:bodyPr rtlCol="0" anchor="ctr"/>
+          <a:lstStyle/>
+          <a:p>
+            <a:pPr algn="ctr"/>
+            <a:r>
+              <a:rPr lang="ko-KR" altLang="en-US" dirty="0"/>
+              <a:t>반복</a:t>
+            </a:r>
+          </a:p>
+        </p:txBody>
+      </p:sp>
+      <p:cxnSp>
+        <p:nvCxnSpPr>
+          <p:cNvPr id="32" name="연결선: 꺾임 31">
+            <a:extLst>
+              <a:ext uri="{FF2B5EF4-FFF2-40B4-BE49-F238E27FC236}">
+                <a16:creationId xmlns:a16="http://schemas.microsoft.com/office/drawing/2014/main" id="{55996CE5-7EBC-3246-9029-B8870B968B13}"/>
+              </a:ext>
+            </a:extLst>
+          </p:cNvPr>
+          <p:cNvCxnSpPr>
+            <a:cxnSpLocks/>
+            <a:stCxn id="94" idx="2"/>
+            <a:endCxn id="13" idx="2"/>
+          </p:cNvCxnSpPr>
+          <p:nvPr/>
+        </p:nvCxnSpPr>
+        <p:spPr>
+          <a:xfrm rot="5400000" flipH="1" flipV="1">
+            <a:off x="7188435" y="1732639"/>
+            <a:ext cx="620859" cy="6010048"/>
+          </a:xfrm>
+          <a:prstGeom prst="bentConnector3">
+            <a:avLst>
+              <a:gd name="adj1" fmla="val -36820"/>
+            </a:avLst>
+          </a:prstGeom>
+          <a:ln w="38100">
+            <a:solidFill>
+              <a:srgbClr val="FFC000"/>
+            </a:solidFill>
+            <a:headEnd type="diamond" w="med" len="med"/>
+            <a:tailEnd type="triangle" w="med" len="med"/>
+          </a:ln>
+        </p:spPr>
+        <p:style>
+          <a:lnRef idx="1">
+            <a:schemeClr val="accent6"/>
+          </a:lnRef>
+          <a:fillRef idx="0">
+            <a:schemeClr val="accent6"/>
+          </a:fillRef>
+          <a:effectRef idx="0">
+            <a:schemeClr val="accent6"/>
+          </a:effectRef>
+          <a:fontRef idx="minor">
+            <a:schemeClr val="tx1"/>
+          </a:fontRef>
+        </p:style>
+      </p:cxnSp>
+      <p:cxnSp>
+        <p:nvCxnSpPr>
+          <p:cNvPr id="62" name="연결선: 꺾임 61">
+            <a:extLst>
+              <a:ext uri="{FF2B5EF4-FFF2-40B4-BE49-F238E27FC236}">
+                <a16:creationId xmlns:a16="http://schemas.microsoft.com/office/drawing/2014/main" id="{D2BBF1BC-3F9C-FDD1-40CF-9CFE10E49737}"/>
+              </a:ext>
+            </a:extLst>
+          </p:cNvPr>
+          <p:cNvCxnSpPr>
+            <a:cxnSpLocks/>
+            <a:stCxn id="13" idx="0"/>
+            <a:endCxn id="94" idx="3"/>
+          </p:cNvCxnSpPr>
+          <p:nvPr/>
+        </p:nvCxnSpPr>
+        <p:spPr>
+          <a:xfrm rot="16200000" flipV="1">
+            <a:off x="8772245" y="2200208"/>
+            <a:ext cx="701788" cy="2761500"/>
+          </a:xfrm>
+          <a:prstGeom prst="bentConnector2">
+            <a:avLst/>
+          </a:prstGeom>
+          <a:ln w="38100">
+            <a:solidFill>
+              <a:srgbClr val="FFC000"/>
+            </a:solidFill>
+            <a:headEnd type="diamond" w="med" len="med"/>
+            <a:tailEnd type="triangle" w="med" len="med"/>
+          </a:ln>
+        </p:spPr>
+        <p:style>
+          <a:lnRef idx="1">
+            <a:schemeClr val="accent6"/>
+          </a:lnRef>
+          <a:fillRef idx="0">
+            <a:schemeClr val="accent6"/>
+          </a:fillRef>
+          <a:effectRef idx="0">
+            <a:schemeClr val="accent6"/>
+          </a:effectRef>
+          <a:fontRef idx="minor">
+            <a:schemeClr val="tx1"/>
+          </a:fontRef>
+        </p:style>
+      </p:cxnSp>
+      <p:sp>
+        <p:nvSpPr>
+          <p:cNvPr id="79" name="사각형: 모서리가 접힌 도형 78">
+            <a:extLst>
+              <a:ext uri="{FF2B5EF4-FFF2-40B4-BE49-F238E27FC236}">
+                <a16:creationId xmlns:a16="http://schemas.microsoft.com/office/drawing/2014/main" id="{4FFFC34E-AB5C-2EA7-5DA2-90E276198FD1}"/>
+              </a:ext>
+            </a:extLst>
+          </p:cNvPr>
+          <p:cNvSpPr/>
+          <p:nvPr/>
+        </p:nvSpPr>
+        <p:spPr>
+          <a:xfrm>
+            <a:off x="9078277" y="6062274"/>
+            <a:ext cx="2437946" cy="568378"/>
+          </a:xfrm>
+          <a:prstGeom prst="foldedCorner">
+            <a:avLst/>
+          </a:prstGeom>
+          <a:solidFill>
+            <a:schemeClr val="accent3">
+              <a:alpha val="50000"/>
+            </a:schemeClr>
+          </a:solidFill>
+          <a:ln>
+            <a:noFill/>
+          </a:ln>
+        </p:spPr>
+        <p:style>
+          <a:lnRef idx="0">
+            <a:scrgbClr r="0" g="0" b="0"/>
+          </a:lnRef>
+          <a:fillRef idx="0">
+            <a:scrgbClr r="0" g="0" b="0"/>
+          </a:fillRef>
+          <a:effectRef idx="0">
+            <a:scrgbClr r="0" g="0" b="0"/>
+          </a:effectRef>
+          <a:fontRef idx="minor">
+            <a:schemeClr val="lt1"/>
+          </a:fontRef>
+        </p:style>
+        <p:txBody>
+          <a:bodyPr rtlCol="0" anchor="ctr"/>
+          <a:lstStyle/>
+          <a:p>
+            <a:pPr algn="ctr"/>
+            <a:r>
+              <a:rPr lang="en-US" altLang="ko-KR" dirty="0"/>
+              <a:t>lib/Cylinder/Double </a:t>
+            </a:r>
+          </a:p>
+          <a:p>
+            <a:pPr algn="ctr"/>
+            <a:r>
+              <a:rPr lang="en-US" altLang="ko-KR" dirty="0"/>
+              <a:t>[STOPPER]</a:t>
+            </a:r>
+            <a:endParaRPr lang="ko-KR" altLang="en-US" dirty="0"/>
+          </a:p>
+        </p:txBody>
+      </p:sp>
+      <p:sp>
+        <p:nvSpPr>
+          <p:cNvPr id="34" name="사각형: 모서리가 접힌 도형 33">
+            <a:extLst>
+              <a:ext uri="{FF2B5EF4-FFF2-40B4-BE49-F238E27FC236}">
+                <a16:creationId xmlns:a16="http://schemas.microsoft.com/office/drawing/2014/main" id="{C3D2AFE5-0603-1136-2006-76B1E50AD071}"/>
+              </a:ext>
+            </a:extLst>
+          </p:cNvPr>
+          <p:cNvSpPr/>
+          <p:nvPr/>
+        </p:nvSpPr>
+        <p:spPr>
+          <a:xfrm>
+            <a:off x="6523416" y="6062274"/>
+            <a:ext cx="2437946" cy="568378"/>
+          </a:xfrm>
+          <a:prstGeom prst="foldedCorner">
+            <a:avLst/>
+          </a:prstGeom>
+          <a:solidFill>
+            <a:schemeClr val="accent3">
+              <a:alpha val="50000"/>
+            </a:schemeClr>
+          </a:solidFill>
+          <a:ln>
+            <a:noFill/>
+          </a:ln>
+        </p:spPr>
+        <p:style>
+          <a:lnRef idx="0">
+            <a:scrgbClr r="0" g="0" b="0"/>
+          </a:lnRef>
+          <a:fillRef idx="0">
+            <a:scrgbClr r="0" g="0" b="0"/>
+          </a:fillRef>
+          <a:effectRef idx="0">
+            <a:scrgbClr r="0" g="0" b="0"/>
+          </a:effectRef>
+          <a:fontRef idx="minor">
+            <a:schemeClr val="lt1"/>
+          </a:fontRef>
+        </p:style>
+        <p:txBody>
+          <a:bodyPr rtlCol="0" anchor="ctr"/>
+          <a:lstStyle/>
+          <a:p>
+            <a:pPr algn="ctr"/>
+            <a:r>
+              <a:rPr lang="en-US" altLang="ko-KR" dirty="0"/>
+              <a:t>lib/Cylinder/Double </a:t>
+            </a:r>
+          </a:p>
+          <a:p>
+            <a:pPr algn="ctr"/>
+            <a:r>
+              <a:rPr lang="en-US" altLang="ko-KR" dirty="0"/>
+              <a:t>[USB]</a:t>
+            </a:r>
+            <a:endParaRPr lang="ko-KR" altLang="en-US" dirty="0"/>
+          </a:p>
+        </p:txBody>
+      </p:sp>
+      <p:grpSp>
+        <p:nvGrpSpPr>
+          <p:cNvPr id="44" name="그룹 43">
+            <a:extLst>
+              <a:ext uri="{FF2B5EF4-FFF2-40B4-BE49-F238E27FC236}">
+                <a16:creationId xmlns:a16="http://schemas.microsoft.com/office/drawing/2014/main" id="{E2B50E5B-2B39-4E96-458F-85B96ABBB3B4}"/>
+              </a:ext>
+            </a:extLst>
+          </p:cNvPr>
+          <p:cNvGrpSpPr/>
+          <p:nvPr/>
+        </p:nvGrpSpPr>
+        <p:grpSpPr>
+          <a:xfrm>
+            <a:off x="1245293" y="1412035"/>
+            <a:ext cx="6497096" cy="3636057"/>
+            <a:chOff x="331486" y="1236651"/>
+            <a:chExt cx="5282180" cy="2917639"/>
+          </a:xfrm>
+        </p:grpSpPr>
+        <p:grpSp>
+          <p:nvGrpSpPr>
+            <p:cNvPr id="16" name="그룹 15">
+              <a:extLst>
+                <a:ext uri="{FF2B5EF4-FFF2-40B4-BE49-F238E27FC236}">
+                  <a16:creationId xmlns:a16="http://schemas.microsoft.com/office/drawing/2014/main" id="{90FC8CF1-2B85-11A3-58EB-E351DAA6A162}"/>
+                </a:ext>
+              </a:extLst>
+            </p:cNvPr>
+            <p:cNvGrpSpPr/>
+            <p:nvPr/>
+          </p:nvGrpSpPr>
+          <p:grpSpPr>
+            <a:xfrm>
+              <a:off x="331486" y="1236651"/>
+              <a:ext cx="5282180" cy="2917639"/>
+              <a:chOff x="356674" y="1216886"/>
+              <a:chExt cx="5282180" cy="2917639"/>
+            </a:xfrm>
+          </p:grpSpPr>
+          <p:sp>
+            <p:nvSpPr>
+              <p:cNvPr id="94" name="직사각형 93">
+                <a:extLst>
+                  <a:ext uri="{FF2B5EF4-FFF2-40B4-BE49-F238E27FC236}">
+                    <a16:creationId xmlns:a16="http://schemas.microsoft.com/office/drawing/2014/main" id="{50002DFC-06DB-5F32-EB21-2D6DF916CB2E}"/>
+                  </a:ext>
+                </a:extLst>
+              </p:cNvPr>
+              <p:cNvSpPr/>
+              <p:nvPr/>
+            </p:nvSpPr>
+            <p:spPr>
+              <a:xfrm>
+                <a:off x="356674" y="1216886"/>
+                <a:ext cx="5282180" cy="2917639"/>
+              </a:xfrm>
+              <a:prstGeom prst="rect">
+                <a:avLst/>
+              </a:prstGeom>
+            </p:spPr>
+            <p:style>
+              <a:lnRef idx="2">
+                <a:schemeClr val="accent1">
+                  <a:shade val="15000"/>
+                </a:schemeClr>
+              </a:lnRef>
+              <a:fillRef idx="1">
+                <a:schemeClr val="accent1"/>
+              </a:fillRef>
+              <a:effectRef idx="0">
+                <a:schemeClr val="accent1"/>
+              </a:effectRef>
+              <a:fontRef idx="minor">
+                <a:schemeClr val="lt1"/>
+              </a:fontRef>
+            </p:style>
+            <p:txBody>
+              <a:bodyPr rtlCol="0" anchor="ctr"/>
+              <a:lstStyle/>
+              <a:p>
+                <a:pPr algn="ctr"/>
+                <a:r>
+                  <a:rPr lang="en-US" altLang="ko-KR" dirty="0"/>
+                  <a:t>R1</a:t>
+                </a:r>
+                <a:endParaRPr lang="ko-KR" altLang="en-US" dirty="0"/>
+              </a:p>
+            </p:txBody>
+          </p:sp>
+          <p:sp>
+            <p:nvSpPr>
+              <p:cNvPr id="10" name="타원 9">
+                <a:extLst>
+                  <a:ext uri="{FF2B5EF4-FFF2-40B4-BE49-F238E27FC236}">
+                    <a16:creationId xmlns:a16="http://schemas.microsoft.com/office/drawing/2014/main" id="{FCDAA94B-9830-4764-06B1-1D60DCB829DC}"/>
+                  </a:ext>
+                </a:extLst>
+              </p:cNvPr>
+              <p:cNvSpPr/>
+              <p:nvPr/>
+            </p:nvSpPr>
+            <p:spPr>
+              <a:xfrm>
+                <a:off x="859603" y="1881292"/>
+                <a:ext cx="758778" cy="499161"/>
+              </a:xfrm>
+              <a:prstGeom prst="ellipse">
+                <a:avLst/>
+              </a:prstGeom>
+              <a:solidFill>
+                <a:schemeClr val="accent4">
+                  <a:alpha val="50000"/>
+                </a:schemeClr>
+              </a:solidFill>
+              <a:ln>
+                <a:noFill/>
+              </a:ln>
+            </p:spPr>
+            <p:style>
+              <a:lnRef idx="0">
+                <a:scrgbClr r="0" g="0" b="0"/>
+              </a:lnRef>
+              <a:fillRef idx="0">
+                <a:scrgbClr r="0" g="0" b="0"/>
+              </a:fillRef>
+              <a:effectRef idx="0">
+                <a:scrgbClr r="0" g="0" b="0"/>
+              </a:effectRef>
+              <a:fontRef idx="minor">
+                <a:schemeClr val="lt1"/>
+              </a:fontRef>
+            </p:style>
+            <p:txBody>
+              <a:bodyPr rtlCol="0" anchor="ctr"/>
+              <a:lstStyle/>
+              <a:p>
+                <a:pPr algn="ctr"/>
+                <a:r>
+                  <a:rPr lang="en-US" altLang="ko-KR" sz="1050" dirty="0"/>
+                  <a:t>USB $ADV</a:t>
+                </a:r>
+                <a:endParaRPr lang="ko-KR" altLang="en-US" sz="1050" dirty="0"/>
+              </a:p>
+            </p:txBody>
+          </p:sp>
+          <p:sp>
+            <p:nvSpPr>
+              <p:cNvPr id="11" name="타원 10">
+                <a:extLst>
+                  <a:ext uri="{FF2B5EF4-FFF2-40B4-BE49-F238E27FC236}">
+                    <a16:creationId xmlns:a16="http://schemas.microsoft.com/office/drawing/2014/main" id="{97560454-D4B5-A91B-3FF0-846F2FC2FD93}"/>
+                  </a:ext>
+                </a:extLst>
+              </p:cNvPr>
+              <p:cNvSpPr/>
+              <p:nvPr/>
+            </p:nvSpPr>
+            <p:spPr>
+              <a:xfrm>
+                <a:off x="1898822" y="3056896"/>
+                <a:ext cx="758778" cy="499161"/>
+              </a:xfrm>
+              <a:prstGeom prst="ellipse">
+                <a:avLst/>
+              </a:prstGeom>
+              <a:solidFill>
+                <a:schemeClr val="accent4">
+                  <a:alpha val="50000"/>
+                </a:schemeClr>
+              </a:solidFill>
+              <a:ln>
+                <a:noFill/>
+              </a:ln>
+            </p:spPr>
+            <p:style>
+              <a:lnRef idx="0">
+                <a:scrgbClr r="0" g="0" b="0"/>
+              </a:lnRef>
+              <a:fillRef idx="0">
+                <a:scrgbClr r="0" g="0" b="0"/>
+              </a:fillRef>
+              <a:effectRef idx="0">
+                <a:scrgbClr r="0" g="0" b="0"/>
+              </a:effectRef>
+              <a:fontRef idx="minor">
+                <a:schemeClr val="lt1"/>
+              </a:fontRef>
+            </p:style>
+            <p:txBody>
+              <a:bodyPr rtlCol="0" anchor="ctr"/>
+              <a:lstStyle/>
+              <a:p>
+                <a:pPr algn="ctr"/>
+                <a:r>
+                  <a:rPr lang="en-US" altLang="ko-KR" sz="1050" dirty="0"/>
+                  <a:t>USB $RET</a:t>
+                </a:r>
+                <a:endParaRPr lang="ko-KR" altLang="en-US" sz="1050" dirty="0"/>
+              </a:p>
+            </p:txBody>
+          </p:sp>
+          <p:cxnSp>
+            <p:nvCxnSpPr>
+              <p:cNvPr id="12" name="연결선: 꺾임 11">
+                <a:extLst>
+                  <a:ext uri="{FF2B5EF4-FFF2-40B4-BE49-F238E27FC236}">
+                    <a16:creationId xmlns:a16="http://schemas.microsoft.com/office/drawing/2014/main" id="{B82D86F6-686A-9B3A-FAFB-D9CA95D6B9EE}"/>
+                  </a:ext>
+                </a:extLst>
+              </p:cNvPr>
+              <p:cNvCxnSpPr>
+                <a:cxnSpLocks/>
+                <a:stCxn id="10" idx="5"/>
+                <a:endCxn id="11" idx="1"/>
+              </p:cNvCxnSpPr>
+              <p:nvPr/>
+            </p:nvCxnSpPr>
+            <p:spPr>
+              <a:xfrm rot="16200000" flipH="1">
+                <a:off x="1347280" y="2467332"/>
+                <a:ext cx="822643" cy="502682"/>
+              </a:xfrm>
+              <a:prstGeom prst="bentConnector3">
+                <a:avLst/>
+              </a:prstGeom>
+              <a:ln>
+                <a:tailEnd type="triangle"/>
+              </a:ln>
+            </p:spPr>
+            <p:style>
+              <a:lnRef idx="1">
+                <a:schemeClr val="accent4"/>
+              </a:lnRef>
+              <a:fillRef idx="0">
+                <a:schemeClr val="accent4"/>
+              </a:fillRef>
+              <a:effectRef idx="0">
+                <a:schemeClr val="accent4"/>
+              </a:effectRef>
+              <a:fontRef idx="minor">
+                <a:schemeClr val="tx1"/>
+              </a:fontRef>
+            </p:style>
+          </p:cxnSp>
+        </p:grpSp>
+        <p:sp>
+          <p:nvSpPr>
+            <p:cNvPr id="35" name="타원 34">
+              <a:extLst>
+                <a:ext uri="{FF2B5EF4-FFF2-40B4-BE49-F238E27FC236}">
+                  <a16:creationId xmlns:a16="http://schemas.microsoft.com/office/drawing/2014/main" id="{012DE983-D75D-B7F5-3F82-C437BB089E4F}"/>
+                </a:ext>
+              </a:extLst>
+            </p:cNvPr>
+            <p:cNvSpPr/>
+            <p:nvPr/>
+          </p:nvSpPr>
+          <p:spPr>
+            <a:xfrm>
+              <a:off x="2779948" y="1729131"/>
+              <a:ext cx="758778" cy="499161"/>
+            </a:xfrm>
+            <a:prstGeom prst="ellipse">
+              <a:avLst/>
+            </a:prstGeom>
+            <a:solidFill>
+              <a:schemeClr val="accent4">
+                <a:alpha val="50000"/>
+              </a:schemeClr>
+            </a:solidFill>
+            <a:ln>
+              <a:noFill/>
+            </a:ln>
+          </p:spPr>
+          <p:style>
+            <a:lnRef idx="0">
+              <a:scrgbClr r="0" g="0" b="0"/>
+            </a:lnRef>
+            <a:fillRef idx="0">
+              <a:scrgbClr r="0" g="0" b="0"/>
+            </a:fillRef>
+            <a:effectRef idx="0">
+              <a:scrgbClr r="0" g="0" b="0"/>
+            </a:effectRef>
+            <a:fontRef idx="minor">
+              <a:schemeClr val="lt1"/>
+            </a:fontRef>
+          </p:style>
+          <p:txBody>
+            <a:bodyPr rtlCol="0" anchor="ctr"/>
+            <a:lstStyle/>
+            <a:p>
+              <a:pPr algn="ctr"/>
+              <a:r>
+                <a:rPr lang="en-US" altLang="ko-KR" sz="1050" dirty="0"/>
+                <a:t>STOPPER $ADV</a:t>
+              </a:r>
+              <a:endParaRPr lang="ko-KR" altLang="en-US" sz="1050" dirty="0"/>
+            </a:p>
+          </p:txBody>
+        </p:sp>
+        <p:sp>
+          <p:nvSpPr>
+            <p:cNvPr id="36" name="타원 35">
+              <a:extLst>
+                <a:ext uri="{FF2B5EF4-FFF2-40B4-BE49-F238E27FC236}">
+                  <a16:creationId xmlns:a16="http://schemas.microsoft.com/office/drawing/2014/main" id="{7E254FA6-B087-A662-0AA6-33D09FCECEDF}"/>
+                </a:ext>
+              </a:extLst>
+            </p:cNvPr>
+            <p:cNvSpPr/>
+            <p:nvPr/>
+          </p:nvSpPr>
+          <p:spPr>
+            <a:xfrm>
+              <a:off x="3819167" y="2904735"/>
+              <a:ext cx="758778" cy="499161"/>
+            </a:xfrm>
+            <a:prstGeom prst="ellipse">
+              <a:avLst/>
+            </a:prstGeom>
+            <a:solidFill>
+              <a:schemeClr val="accent4">
+                <a:alpha val="50000"/>
+              </a:schemeClr>
+            </a:solidFill>
+            <a:ln>
+              <a:noFill/>
+            </a:ln>
+          </p:spPr>
+          <p:style>
+            <a:lnRef idx="0">
+              <a:scrgbClr r="0" g="0" b="0"/>
+            </a:lnRef>
+            <a:fillRef idx="0">
+              <a:scrgbClr r="0" g="0" b="0"/>
+            </a:fillRef>
+            <a:effectRef idx="0">
+              <a:scrgbClr r="0" g="0" b="0"/>
+            </a:effectRef>
+            <a:fontRef idx="minor">
+              <a:schemeClr val="lt1"/>
+            </a:fontRef>
+          </p:style>
+          <p:txBody>
+            <a:bodyPr rtlCol="0" anchor="ctr"/>
+            <a:lstStyle/>
+            <a:p>
+              <a:pPr algn="ctr"/>
+              <a:r>
+                <a:rPr lang="en-US" altLang="ko-KR" sz="1050" dirty="0"/>
+                <a:t>STOPPER $RET</a:t>
+              </a:r>
+              <a:endParaRPr lang="ko-KR" altLang="en-US" sz="1050" dirty="0"/>
+            </a:p>
+          </p:txBody>
+        </p:sp>
+        <p:cxnSp>
+          <p:nvCxnSpPr>
+            <p:cNvPr id="37" name="연결선: 꺾임 36">
+              <a:extLst>
+                <a:ext uri="{FF2B5EF4-FFF2-40B4-BE49-F238E27FC236}">
+                  <a16:creationId xmlns:a16="http://schemas.microsoft.com/office/drawing/2014/main" id="{B154AC2D-B472-8895-75AE-FC5DCF5D6EDB}"/>
+                </a:ext>
+              </a:extLst>
+            </p:cNvPr>
+            <p:cNvCxnSpPr>
+              <a:cxnSpLocks/>
+              <a:stCxn id="35" idx="5"/>
+              <a:endCxn id="36" idx="1"/>
+            </p:cNvCxnSpPr>
+            <p:nvPr/>
+          </p:nvCxnSpPr>
+          <p:spPr>
+            <a:xfrm rot="16200000" flipH="1">
+              <a:off x="3267625" y="2315171"/>
+              <a:ext cx="822643" cy="502682"/>
+            </a:xfrm>
+            <a:prstGeom prst="bentConnector3">
+              <a:avLst/>
+            </a:prstGeom>
+            <a:ln>
+              <a:tailEnd type="triangle"/>
+            </a:ln>
+          </p:spPr>
+          <p:style>
+            <a:lnRef idx="1">
+              <a:schemeClr val="accent4"/>
+            </a:lnRef>
+            <a:fillRef idx="0">
+              <a:schemeClr val="accent4"/>
+            </a:fillRef>
+            <a:effectRef idx="0">
+              <a:schemeClr val="accent4"/>
+            </a:effectRef>
+            <a:fontRef idx="minor">
+              <a:schemeClr val="tx1"/>
+            </a:fontRef>
+          </p:style>
+        </p:cxnSp>
+        <p:cxnSp>
+          <p:nvCxnSpPr>
+            <p:cNvPr id="38" name="연결선: 꺾임 37">
+              <a:extLst>
+                <a:ext uri="{FF2B5EF4-FFF2-40B4-BE49-F238E27FC236}">
+                  <a16:creationId xmlns:a16="http://schemas.microsoft.com/office/drawing/2014/main" id="{9FEC5249-886D-4E91-096E-1136ED2A4E38}"/>
+                </a:ext>
+              </a:extLst>
+            </p:cNvPr>
+            <p:cNvCxnSpPr>
+              <a:cxnSpLocks/>
+              <a:stCxn id="10" idx="6"/>
+              <a:endCxn id="35" idx="2"/>
+            </p:cNvCxnSpPr>
+            <p:nvPr/>
+          </p:nvCxnSpPr>
+          <p:spPr>
+            <a:xfrm flipV="1">
+              <a:off x="1593193" y="1978712"/>
+              <a:ext cx="1186755" cy="171926"/>
+            </a:xfrm>
+            <a:prstGeom prst="bentConnector3">
+              <a:avLst/>
+            </a:prstGeom>
+            <a:ln>
+              <a:tailEnd type="triangle"/>
+            </a:ln>
+          </p:spPr>
+          <p:style>
+            <a:lnRef idx="1">
+              <a:schemeClr val="accent4"/>
+            </a:lnRef>
+            <a:fillRef idx="0">
+              <a:schemeClr val="accent4"/>
+            </a:fillRef>
+            <a:effectRef idx="0">
+              <a:schemeClr val="accent4"/>
+            </a:effectRef>
+            <a:fontRef idx="minor">
+              <a:schemeClr val="tx1"/>
+            </a:fontRef>
+          </p:style>
+        </p:cxnSp>
+        <p:cxnSp>
+          <p:nvCxnSpPr>
+            <p:cNvPr id="41" name="연결선: 꺾임 40">
+              <a:extLst>
+                <a:ext uri="{FF2B5EF4-FFF2-40B4-BE49-F238E27FC236}">
+                  <a16:creationId xmlns:a16="http://schemas.microsoft.com/office/drawing/2014/main" id="{0FB9EC74-793F-271C-E581-BC517FD8F9E9}"/>
+                </a:ext>
+              </a:extLst>
+            </p:cNvPr>
+            <p:cNvCxnSpPr>
+              <a:cxnSpLocks/>
+              <a:stCxn id="11" idx="6"/>
+              <a:endCxn id="36" idx="2"/>
+            </p:cNvCxnSpPr>
+            <p:nvPr/>
+          </p:nvCxnSpPr>
+          <p:spPr>
+            <a:xfrm flipV="1">
+              <a:off x="2632412" y="3154316"/>
+              <a:ext cx="1186755" cy="171926"/>
+            </a:xfrm>
+            <a:prstGeom prst="bentConnector3">
+              <a:avLst>
+                <a:gd name="adj1" fmla="val 50000"/>
+              </a:avLst>
+            </a:prstGeom>
+            <a:ln>
+              <a:tailEnd type="triangle"/>
+            </a:ln>
+          </p:spPr>
+          <p:style>
+            <a:lnRef idx="1">
+              <a:schemeClr val="accent4"/>
+            </a:lnRef>
+            <a:fillRef idx="0">
+              <a:schemeClr val="accent4"/>
+            </a:fillRef>
+            <a:effectRef idx="0">
+              <a:schemeClr val="accent4"/>
+            </a:effectRef>
+            <a:fontRef idx="minor">
+              <a:schemeClr val="tx1"/>
+            </a:fontRef>
+          </p:style>
+        </p:cxnSp>
+      </p:grpSp>
+    </p:spTree>
+    <p:extLst>
+      <p:ext uri="{BB962C8B-B14F-4D97-AF65-F5344CB8AC3E}">
+        <p14:creationId xmlns:p14="http://schemas.microsoft.com/office/powerpoint/2010/main" val="2173421275"/>
+      </p:ext>
+    </p:extLst>
+  </p:cSld>
+  <p:clrMapOvr>
+    <a:masterClrMapping/>
+  </p:clrMapOvr>
+</p:sld>
+</file>
+
+<file path=ppt/slides/slide11.xml><?xml version="1.0" encoding="utf-8"?>
 <p:sld xmlns:a="http://schemas.openxmlformats.org/drawingml/2006/main" xmlns:r="http://schemas.openxmlformats.org/officeDocument/2006/relationships" xmlns:p="http://schemas.openxmlformats.org/presentationml/2006/main" show="0">
   <p:cSld>
     <p:spTree>
@@ -20003,7 +21034,7 @@
 </p:sld>
 </file>
 
-<file path=ppt/slides/slide11.xml><?xml version="1.0" encoding="utf-8"?>
+<file path=ppt/slides/slide12.xml><?xml version="1.0" encoding="utf-8"?>
 <p:sld xmlns:a="http://schemas.openxmlformats.org/drawingml/2006/main" xmlns:r="http://schemas.openxmlformats.org/officeDocument/2006/relationships" xmlns:p="http://schemas.openxmlformats.org/presentationml/2006/main" show="0">
   <p:cSld>
     <p:spTree>
@@ -20552,7 +21583,7 @@
 </p:sld>
 </file>
 
-<file path=ppt/slides/slide12.xml><?xml version="1.0" encoding="utf-8"?>
+<file path=ppt/slides/slide13.xml><?xml version="1.0" encoding="utf-8"?>
 <p:sld xmlns:a="http://schemas.openxmlformats.org/drawingml/2006/main" xmlns:r="http://schemas.openxmlformats.org/officeDocument/2006/relationships" xmlns:p="http://schemas.openxmlformats.org/presentationml/2006/main" show="0">
   <p:cSld>
     <p:spTree>
@@ -21133,7 +22164,7 @@
 </p:sld>
 </file>
 
-<file path=ppt/slides/slide13.xml><?xml version="1.0" encoding="utf-8"?>
+<file path=ppt/slides/slide14.xml><?xml version="1.0" encoding="utf-8"?>
 <p:sld xmlns:a="http://schemas.openxmlformats.org/drawingml/2006/main" xmlns:r="http://schemas.openxmlformats.org/officeDocument/2006/relationships" xmlns:p="http://schemas.openxmlformats.org/presentationml/2006/main" show="0">
   <p:cSld>
     <p:spTree>
@@ -21678,7 +22709,7 @@
 </p:sld>
 </file>
 
-<file path=ppt/slides/slide14.xml><?xml version="1.0" encoding="utf-8"?>
+<file path=ppt/slides/slide15.xml><?xml version="1.0" encoding="utf-8"?>
 <p:sld xmlns:a="http://schemas.openxmlformats.org/drawingml/2006/main" xmlns:r="http://schemas.openxmlformats.org/officeDocument/2006/relationships" xmlns:p="http://schemas.openxmlformats.org/presentationml/2006/main" show="0">
   <p:cSld>
     <p:spTree>
@@ -22257,7 +23288,7 @@
 </p:sld>
 </file>
 
-<file path=ppt/slides/slide15.xml><?xml version="1.0" encoding="utf-8"?>
+<file path=ppt/slides/slide16.xml><?xml version="1.0" encoding="utf-8"?>
 <p:sld xmlns:a="http://schemas.openxmlformats.org/drawingml/2006/main" xmlns:r="http://schemas.openxmlformats.org/officeDocument/2006/relationships" xmlns:p="http://schemas.openxmlformats.org/presentationml/2006/main" show="0">
   <p:cSld>
     <p:spTree>
@@ -22793,7 +23824,7 @@
 </p:sld>
 </file>
 
-<file path=ppt/slides/slide16.xml><?xml version="1.0" encoding="utf-8"?>
+<file path=ppt/slides/slide17.xml><?xml version="1.0" encoding="utf-8"?>
 <p:sld xmlns:a="http://schemas.openxmlformats.org/drawingml/2006/main" xmlns:r="http://schemas.openxmlformats.org/officeDocument/2006/relationships" xmlns:p="http://schemas.openxmlformats.org/presentationml/2006/main" show="0">
   <p:cSld>
     <p:spTree>
@@ -23840,7 +24871,7 @@
 </p:sld>
 </file>
 
-<file path=ppt/slides/slide17.xml><?xml version="1.0" encoding="utf-8"?>
+<file path=ppt/slides/slide18.xml><?xml version="1.0" encoding="utf-8"?>
 <p:sld xmlns:a="http://schemas.openxmlformats.org/drawingml/2006/main" xmlns:r="http://schemas.openxmlformats.org/officeDocument/2006/relationships" xmlns:p="http://schemas.openxmlformats.org/presentationml/2006/main" show="0">
   <p:cSld>
     <p:spTree>
@@ -24651,7 +25682,7 @@
 </p:sld>
 </file>
 
-<file path=ppt/slides/slide18.xml><?xml version="1.0" encoding="utf-8"?>
+<file path=ppt/slides/slide19.xml><?xml version="1.0" encoding="utf-8"?>
 <p:sld xmlns:a="http://schemas.openxmlformats.org/drawingml/2006/main" xmlns:r="http://schemas.openxmlformats.org/officeDocument/2006/relationships" xmlns:p="http://schemas.openxmlformats.org/presentationml/2006/main" show="0">
   <p:cSld>
     <p:spTree>
@@ -25147,361 +26178,6 @@
     <p:extLst>
       <p:ext uri="{BB962C8B-B14F-4D97-AF65-F5344CB8AC3E}">
         <p14:creationId xmlns:p14="http://schemas.microsoft.com/office/powerpoint/2010/main" val="3992733833"/>
-      </p:ext>
-    </p:extLst>
-  </p:cSld>
-  <p:clrMapOvr>
-    <a:masterClrMapping/>
-  </p:clrMapOvr>
-</p:sld>
-</file>
-
-<file path=ppt/slides/slide19.xml><?xml version="1.0" encoding="utf-8"?>
-<p:sld xmlns:a="http://schemas.openxmlformats.org/drawingml/2006/main" xmlns:r="http://schemas.openxmlformats.org/officeDocument/2006/relationships" xmlns:p="http://schemas.openxmlformats.org/presentationml/2006/main" show="0">
-  <p:cSld>
-    <p:spTree>
-      <p:nvGrpSpPr>
-        <p:cNvPr id="1" name=""/>
-        <p:cNvGrpSpPr/>
-        <p:nvPr/>
-      </p:nvGrpSpPr>
-      <p:grpSpPr>
-        <a:xfrm>
-          <a:off x="0" y="0"/>
-          <a:ext cx="0" cy="0"/>
-          <a:chOff x="0" y="0"/>
-          <a:chExt cx="0" cy="0"/>
-        </a:xfrm>
-      </p:grpSpPr>
-      <p:sp>
-        <p:nvSpPr>
-          <p:cNvPr id="2" name="제목 1">
-            <a:extLst>
-              <a:ext uri="{FF2B5EF4-FFF2-40B4-BE49-F238E27FC236}">
-                <a16:creationId xmlns:a16="http://schemas.microsoft.com/office/drawing/2014/main" id="{E35BEC89-0CFB-7F29-D8C7-71B3E64B4D66}"/>
-              </a:ext>
-            </a:extLst>
-          </p:cNvPr>
-          <p:cNvSpPr>
-            <a:spLocks noGrp="1"/>
-          </p:cNvSpPr>
-          <p:nvPr>
-            <p:ph type="title"/>
-          </p:nvPr>
-        </p:nvSpPr>
-        <p:spPr/>
-        <p:txBody>
-          <a:bodyPr/>
-          <a:lstStyle/>
-          <a:p>
-            <a:r>
-              <a:rPr lang="en-US" altLang="ko-KR" dirty="0" err="1"/>
-              <a:t>S02</a:t>
-            </a:r>
-            <a:endParaRPr lang="ko-KR" altLang="en-US" dirty="0"/>
-          </a:p>
-        </p:txBody>
-      </p:sp>
-      <p:sp>
-        <p:nvSpPr>
-          <p:cNvPr id="4" name="사각형: 빗면 3">
-            <a:extLst>
-              <a:ext uri="{FF2B5EF4-FFF2-40B4-BE49-F238E27FC236}">
-                <a16:creationId xmlns:a16="http://schemas.microsoft.com/office/drawing/2014/main" id="{43F727FF-A1DD-341C-11C2-1AF95E71B98C}"/>
-              </a:ext>
-            </a:extLst>
-          </p:cNvPr>
-          <p:cNvSpPr/>
-          <p:nvPr/>
-        </p:nvSpPr>
-        <p:spPr>
-          <a:xfrm>
-            <a:off x="1658871" y="2561303"/>
-            <a:ext cx="3591555" cy="3534697"/>
-          </a:xfrm>
-          <a:prstGeom prst="bevel">
-            <a:avLst>
-              <a:gd name="adj" fmla="val 16754"/>
-            </a:avLst>
-          </a:prstGeom>
-          <a:ln>
-            <a:solidFill>
-              <a:schemeClr val="tx1"/>
-            </a:solidFill>
-          </a:ln>
-        </p:spPr>
-        <p:style>
-          <a:lnRef idx="2">
-            <a:schemeClr val="accent1">
-              <a:shade val="50000"/>
-            </a:schemeClr>
-          </a:lnRef>
-          <a:fillRef idx="1">
-            <a:schemeClr val="accent1"/>
-          </a:fillRef>
-          <a:effectRef idx="0">
-            <a:schemeClr val="accent1"/>
-          </a:effectRef>
-          <a:fontRef idx="minor">
-            <a:schemeClr val="lt1"/>
-          </a:fontRef>
-        </p:style>
-        <p:txBody>
-          <a:bodyPr rtlCol="0" anchor="ctr"/>
-          <a:lstStyle/>
-          <a:p>
-            <a:pPr algn="ctr"/>
-            <a:r>
-              <a:rPr lang="en-US" altLang="ko-KR" sz="1400" dirty="0">
-                <a:solidFill>
-                  <a:schemeClr val="bg2"/>
-                </a:solidFill>
-              </a:rPr>
-              <a:t>[A]autoBtn1</a:t>
-            </a:r>
-          </a:p>
-          <a:p>
-            <a:pPr algn="ctr"/>
-            <a:r>
-              <a:rPr lang="en-US" altLang="ko-KR" sz="1400" dirty="0">
-                <a:solidFill>
-                  <a:schemeClr val="bg2"/>
-                </a:solidFill>
-              </a:rPr>
-              <a:t>[M]</a:t>
-            </a:r>
-            <a:r>
-              <a:rPr lang="en-US" altLang="ko-KR" sz="1400" dirty="0" err="1">
-                <a:solidFill>
-                  <a:schemeClr val="bg2"/>
-                </a:solidFill>
-              </a:rPr>
-              <a:t>manualBtn1</a:t>
-            </a:r>
-            <a:endParaRPr lang="en-US" altLang="ko-KR" sz="1400" dirty="0">
-              <a:solidFill>
-                <a:schemeClr val="bg2"/>
-              </a:solidFill>
-            </a:endParaRPr>
-          </a:p>
-          <a:p>
-            <a:pPr algn="ctr"/>
-            <a:r>
-              <a:rPr lang="en-US" altLang="ko-KR" sz="1400" dirty="0">
-                <a:solidFill>
-                  <a:schemeClr val="bg2"/>
-                </a:solidFill>
-              </a:rPr>
-              <a:t>[D] driveBtn1</a:t>
-            </a:r>
-          </a:p>
-          <a:p>
-            <a:pPr algn="ctr"/>
-            <a:r>
-              <a:rPr lang="en-US" altLang="ko-KR" sz="1400" dirty="0">
-                <a:solidFill>
-                  <a:schemeClr val="bg2"/>
-                </a:solidFill>
-              </a:rPr>
-              <a:t>[H] </a:t>
-            </a:r>
-            <a:r>
-              <a:rPr lang="en-US" altLang="ko-KR" sz="1400" dirty="0" err="1">
-                <a:solidFill>
-                  <a:schemeClr val="bg2"/>
-                </a:solidFill>
-              </a:rPr>
-              <a:t>homeBtn1</a:t>
-            </a:r>
-            <a:endParaRPr lang="en-US" altLang="ko-KR" sz="1100" dirty="0">
-              <a:solidFill>
-                <a:schemeClr val="bg2"/>
-              </a:solidFill>
-            </a:endParaRPr>
-          </a:p>
-        </p:txBody>
-      </p:sp>
-      <p:sp>
-        <p:nvSpPr>
-          <p:cNvPr id="5" name="사각형: 빗면 4">
-            <a:extLst>
-              <a:ext uri="{FF2B5EF4-FFF2-40B4-BE49-F238E27FC236}">
-                <a16:creationId xmlns:a16="http://schemas.microsoft.com/office/drawing/2014/main" id="{CC109A94-E99B-595B-64CD-E549C28F0B12}"/>
-              </a:ext>
-            </a:extLst>
-          </p:cNvPr>
-          <p:cNvSpPr/>
-          <p:nvPr/>
-        </p:nvSpPr>
-        <p:spPr>
-          <a:xfrm>
-            <a:off x="6427516" y="2561302"/>
-            <a:ext cx="3591555" cy="3534697"/>
-          </a:xfrm>
-          <a:prstGeom prst="bevel">
-            <a:avLst>
-              <a:gd name="adj" fmla="val 0"/>
-            </a:avLst>
-          </a:prstGeom>
-          <a:ln>
-            <a:solidFill>
-              <a:schemeClr val="tx1"/>
-            </a:solidFill>
-          </a:ln>
-        </p:spPr>
-        <p:style>
-          <a:lnRef idx="2">
-            <a:schemeClr val="accent1">
-              <a:shade val="50000"/>
-            </a:schemeClr>
-          </a:lnRef>
-          <a:fillRef idx="1">
-            <a:schemeClr val="accent1"/>
-          </a:fillRef>
-          <a:effectRef idx="0">
-            <a:schemeClr val="accent1"/>
-          </a:effectRef>
-          <a:fontRef idx="minor">
-            <a:schemeClr val="lt1"/>
-          </a:fontRef>
-        </p:style>
-        <p:txBody>
-          <a:bodyPr rtlCol="0" anchor="ctr"/>
-          <a:lstStyle/>
-          <a:p>
-            <a:pPr algn="ctr"/>
-            <a:r>
-              <a:rPr lang="en-US" altLang="ko-KR" dirty="0">
-                <a:solidFill>
-                  <a:schemeClr val="bg2"/>
-                </a:solidFill>
-              </a:rPr>
-              <a:t>[A] </a:t>
-            </a:r>
-            <a:r>
-              <a:rPr lang="en-US" altLang="ko-KR" dirty="0" err="1">
-                <a:solidFill>
-                  <a:schemeClr val="bg2"/>
-                </a:solidFill>
-              </a:rPr>
-              <a:t>autoLamp2</a:t>
-            </a:r>
-            <a:endParaRPr lang="en-US" altLang="ko-KR" dirty="0">
-              <a:solidFill>
-                <a:schemeClr val="bg2"/>
-              </a:solidFill>
-            </a:endParaRPr>
-          </a:p>
-          <a:p>
-            <a:pPr algn="ctr"/>
-            <a:r>
-              <a:rPr lang="en-US" altLang="ko-KR" dirty="0">
-                <a:solidFill>
-                  <a:schemeClr val="bg2"/>
-                </a:solidFill>
-              </a:rPr>
-              <a:t>[M] </a:t>
-            </a:r>
-            <a:r>
-              <a:rPr lang="en-US" altLang="ko-KR" dirty="0" err="1">
-                <a:solidFill>
-                  <a:schemeClr val="bg2"/>
-                </a:solidFill>
-              </a:rPr>
-              <a:t>manualLamp2</a:t>
-            </a:r>
-            <a:endParaRPr lang="en-US" altLang="ko-KR" dirty="0">
-              <a:solidFill>
-                <a:schemeClr val="bg2"/>
-              </a:solidFill>
-            </a:endParaRPr>
-          </a:p>
-          <a:p>
-            <a:pPr algn="ctr"/>
-            <a:r>
-              <a:rPr lang="en-US" altLang="ko-KR" dirty="0">
-                <a:solidFill>
-                  <a:schemeClr val="bg2"/>
-                </a:solidFill>
-              </a:rPr>
-              <a:t>[T] </a:t>
-            </a:r>
-            <a:r>
-              <a:rPr lang="en-US" altLang="ko-KR" dirty="0" err="1">
-                <a:solidFill>
-                  <a:schemeClr val="bg2"/>
-                </a:solidFill>
-              </a:rPr>
-              <a:t>testrunLamp2</a:t>
-            </a:r>
-            <a:endParaRPr lang="en-US" altLang="ko-KR" dirty="0">
-              <a:solidFill>
-                <a:schemeClr val="bg2"/>
-              </a:solidFill>
-            </a:endParaRPr>
-          </a:p>
-          <a:p>
-            <a:pPr algn="ctr"/>
-            <a:r>
-              <a:rPr lang="en-US" altLang="ko-KR" dirty="0">
-                <a:solidFill>
-                  <a:schemeClr val="bg2"/>
-                </a:solidFill>
-              </a:rPr>
-              <a:t>[R] </a:t>
-            </a:r>
-            <a:r>
-              <a:rPr lang="en-US" altLang="ko-KR" dirty="0" err="1">
-                <a:solidFill>
-                  <a:schemeClr val="bg2"/>
-                </a:solidFill>
-              </a:rPr>
-              <a:t>readyLamp2</a:t>
-            </a:r>
-            <a:endParaRPr lang="en-US" altLang="ko-KR" dirty="0">
-              <a:solidFill>
-                <a:schemeClr val="bg2"/>
-              </a:solidFill>
-            </a:endParaRPr>
-          </a:p>
-          <a:p>
-            <a:pPr algn="ctr"/>
-            <a:r>
-              <a:rPr lang="en-US" altLang="ko-KR" dirty="0">
-                <a:solidFill>
-                  <a:schemeClr val="bg2"/>
-                </a:solidFill>
-              </a:rPr>
-              <a:t>[I] </a:t>
-            </a:r>
-            <a:r>
-              <a:rPr lang="en-US" altLang="ko-KR" dirty="0" err="1">
-                <a:solidFill>
-                  <a:schemeClr val="bg2"/>
-                </a:solidFill>
-              </a:rPr>
-              <a:t>idleLamp2</a:t>
-            </a:r>
-            <a:endParaRPr lang="en-US" altLang="ko-KR" dirty="0">
-              <a:solidFill>
-                <a:schemeClr val="bg2"/>
-              </a:solidFill>
-            </a:endParaRPr>
-          </a:p>
-          <a:p>
-            <a:pPr algn="ctr"/>
-            <a:endParaRPr lang="en-US" altLang="ko-KR" dirty="0">
-              <a:solidFill>
-                <a:schemeClr val="bg2"/>
-              </a:solidFill>
-            </a:endParaRPr>
-          </a:p>
-        </p:txBody>
-      </p:sp>
-    </p:spTree>
-    <p:extLst>
-      <p:ext uri="{BB962C8B-B14F-4D97-AF65-F5344CB8AC3E}">
-        <p14:creationId xmlns:p14="http://schemas.microsoft.com/office/powerpoint/2010/main" val="1499651881"/>
       </p:ext>
     </p:extLst>
   </p:cSld>
@@ -27239,6 +27915,361 @@
           <p:cNvPr id="2" name="제목 1">
             <a:extLst>
               <a:ext uri="{FF2B5EF4-FFF2-40B4-BE49-F238E27FC236}">
+                <a16:creationId xmlns:a16="http://schemas.microsoft.com/office/drawing/2014/main" id="{E35BEC89-0CFB-7F29-D8C7-71B3E64B4D66}"/>
+              </a:ext>
+            </a:extLst>
+          </p:cNvPr>
+          <p:cNvSpPr>
+            <a:spLocks noGrp="1"/>
+          </p:cNvSpPr>
+          <p:nvPr>
+            <p:ph type="title"/>
+          </p:nvPr>
+        </p:nvSpPr>
+        <p:spPr/>
+        <p:txBody>
+          <a:bodyPr/>
+          <a:lstStyle/>
+          <a:p>
+            <a:r>
+              <a:rPr lang="en-US" altLang="ko-KR" dirty="0" err="1"/>
+              <a:t>S02</a:t>
+            </a:r>
+            <a:endParaRPr lang="ko-KR" altLang="en-US" dirty="0"/>
+          </a:p>
+        </p:txBody>
+      </p:sp>
+      <p:sp>
+        <p:nvSpPr>
+          <p:cNvPr id="4" name="사각형: 빗면 3">
+            <a:extLst>
+              <a:ext uri="{FF2B5EF4-FFF2-40B4-BE49-F238E27FC236}">
+                <a16:creationId xmlns:a16="http://schemas.microsoft.com/office/drawing/2014/main" id="{43F727FF-A1DD-341C-11C2-1AF95E71B98C}"/>
+              </a:ext>
+            </a:extLst>
+          </p:cNvPr>
+          <p:cNvSpPr/>
+          <p:nvPr/>
+        </p:nvSpPr>
+        <p:spPr>
+          <a:xfrm>
+            <a:off x="1658871" y="2561303"/>
+            <a:ext cx="3591555" cy="3534697"/>
+          </a:xfrm>
+          <a:prstGeom prst="bevel">
+            <a:avLst>
+              <a:gd name="adj" fmla="val 16754"/>
+            </a:avLst>
+          </a:prstGeom>
+          <a:ln>
+            <a:solidFill>
+              <a:schemeClr val="tx1"/>
+            </a:solidFill>
+          </a:ln>
+        </p:spPr>
+        <p:style>
+          <a:lnRef idx="2">
+            <a:schemeClr val="accent1">
+              <a:shade val="50000"/>
+            </a:schemeClr>
+          </a:lnRef>
+          <a:fillRef idx="1">
+            <a:schemeClr val="accent1"/>
+          </a:fillRef>
+          <a:effectRef idx="0">
+            <a:schemeClr val="accent1"/>
+          </a:effectRef>
+          <a:fontRef idx="minor">
+            <a:schemeClr val="lt1"/>
+          </a:fontRef>
+        </p:style>
+        <p:txBody>
+          <a:bodyPr rtlCol="0" anchor="ctr"/>
+          <a:lstStyle/>
+          <a:p>
+            <a:pPr algn="ctr"/>
+            <a:r>
+              <a:rPr lang="en-US" altLang="ko-KR" sz="1400" dirty="0">
+                <a:solidFill>
+                  <a:schemeClr val="bg2"/>
+                </a:solidFill>
+              </a:rPr>
+              <a:t>[A]autoBtn1</a:t>
+            </a:r>
+          </a:p>
+          <a:p>
+            <a:pPr algn="ctr"/>
+            <a:r>
+              <a:rPr lang="en-US" altLang="ko-KR" sz="1400" dirty="0">
+                <a:solidFill>
+                  <a:schemeClr val="bg2"/>
+                </a:solidFill>
+              </a:rPr>
+              <a:t>[M]</a:t>
+            </a:r>
+            <a:r>
+              <a:rPr lang="en-US" altLang="ko-KR" sz="1400" dirty="0" err="1">
+                <a:solidFill>
+                  <a:schemeClr val="bg2"/>
+                </a:solidFill>
+              </a:rPr>
+              <a:t>manualBtn1</a:t>
+            </a:r>
+            <a:endParaRPr lang="en-US" altLang="ko-KR" sz="1400" dirty="0">
+              <a:solidFill>
+                <a:schemeClr val="bg2"/>
+              </a:solidFill>
+            </a:endParaRPr>
+          </a:p>
+          <a:p>
+            <a:pPr algn="ctr"/>
+            <a:r>
+              <a:rPr lang="en-US" altLang="ko-KR" sz="1400" dirty="0">
+                <a:solidFill>
+                  <a:schemeClr val="bg2"/>
+                </a:solidFill>
+              </a:rPr>
+              <a:t>[D] driveBtn1</a:t>
+            </a:r>
+          </a:p>
+          <a:p>
+            <a:pPr algn="ctr"/>
+            <a:r>
+              <a:rPr lang="en-US" altLang="ko-KR" sz="1400" dirty="0">
+                <a:solidFill>
+                  <a:schemeClr val="bg2"/>
+                </a:solidFill>
+              </a:rPr>
+              <a:t>[H] </a:t>
+            </a:r>
+            <a:r>
+              <a:rPr lang="en-US" altLang="ko-KR" sz="1400" dirty="0" err="1">
+                <a:solidFill>
+                  <a:schemeClr val="bg2"/>
+                </a:solidFill>
+              </a:rPr>
+              <a:t>homeBtn1</a:t>
+            </a:r>
+            <a:endParaRPr lang="en-US" altLang="ko-KR" sz="1100" dirty="0">
+              <a:solidFill>
+                <a:schemeClr val="bg2"/>
+              </a:solidFill>
+            </a:endParaRPr>
+          </a:p>
+        </p:txBody>
+      </p:sp>
+      <p:sp>
+        <p:nvSpPr>
+          <p:cNvPr id="5" name="사각형: 빗면 4">
+            <a:extLst>
+              <a:ext uri="{FF2B5EF4-FFF2-40B4-BE49-F238E27FC236}">
+                <a16:creationId xmlns:a16="http://schemas.microsoft.com/office/drawing/2014/main" id="{CC109A94-E99B-595B-64CD-E549C28F0B12}"/>
+              </a:ext>
+            </a:extLst>
+          </p:cNvPr>
+          <p:cNvSpPr/>
+          <p:nvPr/>
+        </p:nvSpPr>
+        <p:spPr>
+          <a:xfrm>
+            <a:off x="6427516" y="2561302"/>
+            <a:ext cx="3591555" cy="3534697"/>
+          </a:xfrm>
+          <a:prstGeom prst="bevel">
+            <a:avLst>
+              <a:gd name="adj" fmla="val 0"/>
+            </a:avLst>
+          </a:prstGeom>
+          <a:ln>
+            <a:solidFill>
+              <a:schemeClr val="tx1"/>
+            </a:solidFill>
+          </a:ln>
+        </p:spPr>
+        <p:style>
+          <a:lnRef idx="2">
+            <a:schemeClr val="accent1">
+              <a:shade val="50000"/>
+            </a:schemeClr>
+          </a:lnRef>
+          <a:fillRef idx="1">
+            <a:schemeClr val="accent1"/>
+          </a:fillRef>
+          <a:effectRef idx="0">
+            <a:schemeClr val="accent1"/>
+          </a:effectRef>
+          <a:fontRef idx="minor">
+            <a:schemeClr val="lt1"/>
+          </a:fontRef>
+        </p:style>
+        <p:txBody>
+          <a:bodyPr rtlCol="0" anchor="ctr"/>
+          <a:lstStyle/>
+          <a:p>
+            <a:pPr algn="ctr"/>
+            <a:r>
+              <a:rPr lang="en-US" altLang="ko-KR" dirty="0">
+                <a:solidFill>
+                  <a:schemeClr val="bg2"/>
+                </a:solidFill>
+              </a:rPr>
+              <a:t>[A] </a:t>
+            </a:r>
+            <a:r>
+              <a:rPr lang="en-US" altLang="ko-KR" dirty="0" err="1">
+                <a:solidFill>
+                  <a:schemeClr val="bg2"/>
+                </a:solidFill>
+              </a:rPr>
+              <a:t>autoLamp2</a:t>
+            </a:r>
+            <a:endParaRPr lang="en-US" altLang="ko-KR" dirty="0">
+              <a:solidFill>
+                <a:schemeClr val="bg2"/>
+              </a:solidFill>
+            </a:endParaRPr>
+          </a:p>
+          <a:p>
+            <a:pPr algn="ctr"/>
+            <a:r>
+              <a:rPr lang="en-US" altLang="ko-KR" dirty="0">
+                <a:solidFill>
+                  <a:schemeClr val="bg2"/>
+                </a:solidFill>
+              </a:rPr>
+              <a:t>[M] </a:t>
+            </a:r>
+            <a:r>
+              <a:rPr lang="en-US" altLang="ko-KR" dirty="0" err="1">
+                <a:solidFill>
+                  <a:schemeClr val="bg2"/>
+                </a:solidFill>
+              </a:rPr>
+              <a:t>manualLamp2</a:t>
+            </a:r>
+            <a:endParaRPr lang="en-US" altLang="ko-KR" dirty="0">
+              <a:solidFill>
+                <a:schemeClr val="bg2"/>
+              </a:solidFill>
+            </a:endParaRPr>
+          </a:p>
+          <a:p>
+            <a:pPr algn="ctr"/>
+            <a:r>
+              <a:rPr lang="en-US" altLang="ko-KR" dirty="0">
+                <a:solidFill>
+                  <a:schemeClr val="bg2"/>
+                </a:solidFill>
+              </a:rPr>
+              <a:t>[T] </a:t>
+            </a:r>
+            <a:r>
+              <a:rPr lang="en-US" altLang="ko-KR" dirty="0" err="1">
+                <a:solidFill>
+                  <a:schemeClr val="bg2"/>
+                </a:solidFill>
+              </a:rPr>
+              <a:t>testrunLamp2</a:t>
+            </a:r>
+            <a:endParaRPr lang="en-US" altLang="ko-KR" dirty="0">
+              <a:solidFill>
+                <a:schemeClr val="bg2"/>
+              </a:solidFill>
+            </a:endParaRPr>
+          </a:p>
+          <a:p>
+            <a:pPr algn="ctr"/>
+            <a:r>
+              <a:rPr lang="en-US" altLang="ko-KR" dirty="0">
+                <a:solidFill>
+                  <a:schemeClr val="bg2"/>
+                </a:solidFill>
+              </a:rPr>
+              <a:t>[R] </a:t>
+            </a:r>
+            <a:r>
+              <a:rPr lang="en-US" altLang="ko-KR" dirty="0" err="1">
+                <a:solidFill>
+                  <a:schemeClr val="bg2"/>
+                </a:solidFill>
+              </a:rPr>
+              <a:t>readyLamp2</a:t>
+            </a:r>
+            <a:endParaRPr lang="en-US" altLang="ko-KR" dirty="0">
+              <a:solidFill>
+                <a:schemeClr val="bg2"/>
+              </a:solidFill>
+            </a:endParaRPr>
+          </a:p>
+          <a:p>
+            <a:pPr algn="ctr"/>
+            <a:r>
+              <a:rPr lang="en-US" altLang="ko-KR" dirty="0">
+                <a:solidFill>
+                  <a:schemeClr val="bg2"/>
+                </a:solidFill>
+              </a:rPr>
+              <a:t>[I] </a:t>
+            </a:r>
+            <a:r>
+              <a:rPr lang="en-US" altLang="ko-KR" dirty="0" err="1">
+                <a:solidFill>
+                  <a:schemeClr val="bg2"/>
+                </a:solidFill>
+              </a:rPr>
+              <a:t>idleLamp2</a:t>
+            </a:r>
+            <a:endParaRPr lang="en-US" altLang="ko-KR" dirty="0">
+              <a:solidFill>
+                <a:schemeClr val="bg2"/>
+              </a:solidFill>
+            </a:endParaRPr>
+          </a:p>
+          <a:p>
+            <a:pPr algn="ctr"/>
+            <a:endParaRPr lang="en-US" altLang="ko-KR" dirty="0">
+              <a:solidFill>
+                <a:schemeClr val="bg2"/>
+              </a:solidFill>
+            </a:endParaRPr>
+          </a:p>
+        </p:txBody>
+      </p:sp>
+    </p:spTree>
+    <p:extLst>
+      <p:ext uri="{BB962C8B-B14F-4D97-AF65-F5344CB8AC3E}">
+        <p14:creationId xmlns:p14="http://schemas.microsoft.com/office/powerpoint/2010/main" val="1499651881"/>
+      </p:ext>
+    </p:extLst>
+  </p:cSld>
+  <p:clrMapOvr>
+    <a:masterClrMapping/>
+  </p:clrMapOvr>
+</p:sld>
+</file>
+
+<file path=ppt/slides/slide21.xml><?xml version="1.0" encoding="utf-8"?>
+<p:sld xmlns:a="http://schemas.openxmlformats.org/drawingml/2006/main" xmlns:r="http://schemas.openxmlformats.org/officeDocument/2006/relationships" xmlns:p="http://schemas.openxmlformats.org/presentationml/2006/main" show="0">
+  <p:cSld>
+    <p:spTree>
+      <p:nvGrpSpPr>
+        <p:cNvPr id="1" name=""/>
+        <p:cNvGrpSpPr/>
+        <p:nvPr/>
+      </p:nvGrpSpPr>
+      <p:grpSpPr>
+        <a:xfrm>
+          <a:off x="0" y="0"/>
+          <a:ext cx="0" cy="0"/>
+          <a:chOff x="0" y="0"/>
+          <a:chExt cx="0" cy="0"/>
+        </a:xfrm>
+      </p:grpSpPr>
+      <p:sp>
+        <p:nvSpPr>
+          <p:cNvPr id="2" name="제목 1">
+            <a:extLst>
+              <a:ext uri="{FF2B5EF4-FFF2-40B4-BE49-F238E27FC236}">
                 <a16:creationId xmlns:a16="http://schemas.microsoft.com/office/drawing/2014/main" id="{5E8FE27E-4086-E570-1BA4-F2B433CAA376}"/>
               </a:ext>
             </a:extLst>
@@ -27572,7 +28603,7 @@
 </p:sld>
 </file>
 
-<file path=ppt/slides/slide21.xml><?xml version="1.0" encoding="utf-8"?>
+<file path=ppt/slides/slide22.xml><?xml version="1.0" encoding="utf-8"?>
 <p:sld xmlns:a="http://schemas.openxmlformats.org/drawingml/2006/main" xmlns:r="http://schemas.openxmlformats.org/officeDocument/2006/relationships" xmlns:p="http://schemas.openxmlformats.org/presentationml/2006/main" show="0">
   <p:cSld>
     <p:spTree>
@@ -29233,7 +30264,7 @@
 </file>
 
 <file path=ppt/slides/slide4.xml><?xml version="1.0" encoding="utf-8"?>
-<p:sld xmlns:a="http://schemas.openxmlformats.org/drawingml/2006/main" xmlns:r="http://schemas.openxmlformats.org/officeDocument/2006/relationships" xmlns:p="http://schemas.openxmlformats.org/presentationml/2006/main">
+<p:sld xmlns:a="http://schemas.openxmlformats.org/drawingml/2006/main" xmlns:r="http://schemas.openxmlformats.org/officeDocument/2006/relationships" xmlns:p="http://schemas.openxmlformats.org/presentationml/2006/main" show="0">
   <p:cSld>
     <p:spTree>
       <p:nvGrpSpPr>
@@ -32860,49 +33891,6 @@
         </p:sp>
         <p:cxnSp>
           <p:nvCxnSpPr>
-            <p:cNvPr id="78" name="연결선: 꺾임 77">
-              <a:extLst>
-                <a:ext uri="{FF2B5EF4-FFF2-40B4-BE49-F238E27FC236}">
-                  <a16:creationId xmlns:a16="http://schemas.microsoft.com/office/drawing/2014/main" id="{44266F79-C891-51FC-573E-3D0FB473DFC4}"/>
-                </a:ext>
-              </a:extLst>
-            </p:cNvPr>
-            <p:cNvCxnSpPr>
-              <a:cxnSpLocks/>
-              <a:stCxn id="35" idx="4"/>
-              <a:endCxn id="53" idx="0"/>
-            </p:cNvCxnSpPr>
-            <p:nvPr/>
-          </p:nvCxnSpPr>
-          <p:spPr>
-            <a:xfrm rot="5400000">
-              <a:off x="9268595" y="2720134"/>
-              <a:ext cx="312942" cy="1263267"/>
-            </a:xfrm>
-            <a:prstGeom prst="bentConnector3">
-              <a:avLst/>
-            </a:prstGeom>
-            <a:ln>
-              <a:tailEnd type="triangle"/>
-            </a:ln>
-          </p:spPr>
-          <p:style>
-            <a:lnRef idx="1">
-              <a:schemeClr val="accent1"/>
-            </a:lnRef>
-            <a:fillRef idx="0">
-              <a:schemeClr val="accent1"/>
-            </a:fillRef>
-            <a:effectRef idx="0">
-              <a:schemeClr val="accent1"/>
-            </a:effectRef>
-            <a:fontRef idx="minor">
-              <a:schemeClr val="tx1"/>
-            </a:fontRef>
-          </p:style>
-        </p:cxnSp>
-        <p:cxnSp>
-          <p:nvCxnSpPr>
             <p:cNvPr id="80" name="연결선: 꺾임 79">
               <a:extLst>
                 <a:ext uri="{FF2B5EF4-FFF2-40B4-BE49-F238E27FC236}">
@@ -33002,18 +33990,20 @@
             </p:cNvPr>
             <p:cNvCxnSpPr>
               <a:cxnSpLocks/>
-              <a:stCxn id="53" idx="4"/>
-              <a:endCxn id="77" idx="0"/>
+              <a:stCxn id="70" idx="2"/>
+              <a:endCxn id="53" idx="6"/>
             </p:cNvCxnSpPr>
             <p:nvPr/>
           </p:nvCxnSpPr>
           <p:spPr>
-            <a:xfrm rot="16200000" flipH="1">
-              <a:off x="8881718" y="3598719"/>
-              <a:ext cx="424530" cy="601102"/>
+            <a:xfrm rot="10800000" flipV="1">
+              <a:off x="9398804" y="3581222"/>
+              <a:ext cx="515015" cy="16399"/>
             </a:xfrm>
             <a:prstGeom prst="bentConnector3">
-              <a:avLst/>
+              <a:avLst>
+                <a:gd name="adj1" fmla="val 50000"/>
+              </a:avLst>
             </a:prstGeom>
             <a:ln>
               <a:tailEnd type="triangle"/>
@@ -33049,6 +34039,4246 @@
 </file>
 
 <file path=ppt/slides/slide5.xml><?xml version="1.0" encoding="utf-8"?>
+<p:sld xmlns:a="http://schemas.openxmlformats.org/drawingml/2006/main" xmlns:r="http://schemas.openxmlformats.org/officeDocument/2006/relationships" xmlns:p="http://schemas.openxmlformats.org/presentationml/2006/main">
+  <p:cSld>
+    <p:spTree>
+      <p:nvGrpSpPr>
+        <p:cNvPr id="1" name=""/>
+        <p:cNvGrpSpPr/>
+        <p:nvPr/>
+      </p:nvGrpSpPr>
+      <p:grpSpPr>
+        <a:xfrm>
+          <a:off x="0" y="0"/>
+          <a:ext cx="0" cy="0"/>
+          <a:chOff x="0" y="0"/>
+          <a:chExt cx="0" cy="0"/>
+        </a:xfrm>
+      </p:grpSpPr>
+      <p:sp>
+        <p:nvSpPr>
+          <p:cNvPr id="2" name="제목 1">
+            <a:extLst>
+              <a:ext uri="{FF2B5EF4-FFF2-40B4-BE49-F238E27FC236}">
+                <a16:creationId xmlns:a16="http://schemas.microsoft.com/office/drawing/2014/main" id="{5E8FE27E-4086-E570-1BA4-F2B433CAA376}"/>
+              </a:ext>
+            </a:extLst>
+          </p:cNvPr>
+          <p:cNvSpPr>
+            <a:spLocks noGrp="1"/>
+          </p:cNvSpPr>
+          <p:nvPr>
+            <p:ph type="title"/>
+          </p:nvPr>
+        </p:nvSpPr>
+        <p:spPr/>
+        <p:txBody>
+          <a:bodyPr/>
+          <a:lstStyle/>
+          <a:p>
+            <a:r>
+              <a:rPr lang="en-US" altLang="ko-KR" dirty="0"/>
+              <a:t>KIT</a:t>
+            </a:r>
+            <a:endParaRPr lang="ko-KR" altLang="en-US" dirty="0"/>
+          </a:p>
+        </p:txBody>
+      </p:sp>
+      <p:sp>
+        <p:nvSpPr>
+          <p:cNvPr id="23" name="사각형: 모서리가 접힌 도형 22">
+            <a:extLst>
+              <a:ext uri="{FF2B5EF4-FFF2-40B4-BE49-F238E27FC236}">
+                <a16:creationId xmlns:a16="http://schemas.microsoft.com/office/drawing/2014/main" id="{8BF2D7F7-9923-1433-47F8-87D4ECE91657}"/>
+              </a:ext>
+            </a:extLst>
+          </p:cNvPr>
+          <p:cNvSpPr/>
+          <p:nvPr/>
+        </p:nvSpPr>
+        <p:spPr>
+          <a:xfrm>
+            <a:off x="14257568" y="3230597"/>
+            <a:ext cx="1458262" cy="317428"/>
+          </a:xfrm>
+          <a:prstGeom prst="foldedCorner">
+            <a:avLst/>
+          </a:prstGeom>
+          <a:solidFill>
+            <a:schemeClr val="accent3">
+              <a:alpha val="50000"/>
+            </a:schemeClr>
+          </a:solidFill>
+          <a:ln>
+            <a:noFill/>
+          </a:ln>
+        </p:spPr>
+        <p:style>
+          <a:lnRef idx="0">
+            <a:scrgbClr r="0" g="0" b="0"/>
+          </a:lnRef>
+          <a:fillRef idx="0">
+            <a:scrgbClr r="0" g="0" b="0"/>
+          </a:fillRef>
+          <a:effectRef idx="0">
+            <a:scrgbClr r="0" g="0" b="0"/>
+          </a:effectRef>
+          <a:fontRef idx="minor">
+            <a:schemeClr val="lt1"/>
+          </a:fontRef>
+        </p:style>
+        <p:txBody>
+          <a:bodyPr rtlCol="0" anchor="ctr"/>
+          <a:lstStyle/>
+          <a:p>
+            <a:pPr algn="ctr"/>
+            <a:r>
+              <a:rPr lang="en-US" altLang="ko-KR" sz="1000" dirty="0">
+                <a:solidFill>
+                  <a:schemeClr val="tx1"/>
+                </a:solidFill>
+              </a:rPr>
+              <a:t>lib/Conveyor/CV </a:t>
+            </a:r>
+          </a:p>
+          <a:p>
+            <a:pPr algn="ctr"/>
+            <a:r>
+              <a:rPr lang="en-US" altLang="ko-KR" sz="1000" dirty="0">
+                <a:solidFill>
+                  <a:schemeClr val="tx1"/>
+                </a:solidFill>
+              </a:rPr>
+              <a:t>[</a:t>
+            </a:r>
+            <a:r>
+              <a:rPr lang="en-US" altLang="ko-KR" sz="1000" dirty="0" err="1">
+                <a:solidFill>
+                  <a:schemeClr val="tx1"/>
+                </a:solidFill>
+              </a:rPr>
+              <a:t>Cv_Frt</a:t>
+            </a:r>
+            <a:r>
+              <a:rPr lang="en-US" altLang="ko-KR" sz="1000" dirty="0">
+                <a:solidFill>
+                  <a:schemeClr val="tx1"/>
+                </a:solidFill>
+              </a:rPr>
+              <a:t>]</a:t>
+            </a:r>
+            <a:endParaRPr lang="ko-KR" altLang="en-US" sz="1000" dirty="0">
+              <a:solidFill>
+                <a:schemeClr val="tx1"/>
+              </a:solidFill>
+            </a:endParaRPr>
+          </a:p>
+        </p:txBody>
+      </p:sp>
+      <p:sp>
+        <p:nvSpPr>
+          <p:cNvPr id="5" name="사각형: 모서리가 접힌 도형 4">
+            <a:extLst>
+              <a:ext uri="{FF2B5EF4-FFF2-40B4-BE49-F238E27FC236}">
+                <a16:creationId xmlns:a16="http://schemas.microsoft.com/office/drawing/2014/main" id="{296C0DB1-404B-EE34-7A70-DD8DAE951761}"/>
+              </a:ext>
+            </a:extLst>
+          </p:cNvPr>
+          <p:cNvSpPr/>
+          <p:nvPr/>
+        </p:nvSpPr>
+        <p:spPr>
+          <a:xfrm>
+            <a:off x="12355633" y="1690688"/>
+            <a:ext cx="1812926" cy="317428"/>
+          </a:xfrm>
+          <a:prstGeom prst="foldedCorner">
+            <a:avLst/>
+          </a:prstGeom>
+          <a:solidFill>
+            <a:schemeClr val="accent3">
+              <a:alpha val="50000"/>
+            </a:schemeClr>
+          </a:solidFill>
+          <a:ln>
+            <a:noFill/>
+          </a:ln>
+        </p:spPr>
+        <p:style>
+          <a:lnRef idx="0">
+            <a:scrgbClr r="0" g="0" b="0"/>
+          </a:lnRef>
+          <a:fillRef idx="0">
+            <a:scrgbClr r="0" g="0" b="0"/>
+          </a:fillRef>
+          <a:effectRef idx="0">
+            <a:scrgbClr r="0" g="0" b="0"/>
+          </a:effectRef>
+          <a:fontRef idx="minor">
+            <a:schemeClr val="lt1"/>
+          </a:fontRef>
+        </p:style>
+        <p:txBody>
+          <a:bodyPr rtlCol="0" anchor="ctr"/>
+          <a:lstStyle/>
+          <a:p>
+            <a:pPr algn="ctr"/>
+            <a:r>
+              <a:rPr lang="en-US" altLang="ko-KR" sz="1000" dirty="0">
+                <a:solidFill>
+                  <a:schemeClr val="tx1"/>
+                </a:solidFill>
+              </a:rPr>
+              <a:t>lib/Cylinder/Double </a:t>
+            </a:r>
+          </a:p>
+          <a:p>
+            <a:pPr algn="ctr"/>
+            <a:r>
+              <a:rPr lang="en-US" altLang="ko-KR" sz="1000" dirty="0">
+                <a:solidFill>
+                  <a:schemeClr val="tx1"/>
+                </a:solidFill>
+              </a:rPr>
+              <a:t>[In]</a:t>
+            </a:r>
+            <a:endParaRPr lang="ko-KR" altLang="en-US" sz="1000" dirty="0">
+              <a:solidFill>
+                <a:schemeClr val="tx1"/>
+              </a:solidFill>
+            </a:endParaRPr>
+          </a:p>
+        </p:txBody>
+      </p:sp>
+      <p:sp>
+        <p:nvSpPr>
+          <p:cNvPr id="19" name="사각형: 모서리가 접힌 도형 18">
+            <a:extLst>
+              <a:ext uri="{FF2B5EF4-FFF2-40B4-BE49-F238E27FC236}">
+                <a16:creationId xmlns:a16="http://schemas.microsoft.com/office/drawing/2014/main" id="{74FEB5C8-888C-221F-2EAC-9485FE2BC49F}"/>
+              </a:ext>
+            </a:extLst>
+          </p:cNvPr>
+          <p:cNvSpPr/>
+          <p:nvPr/>
+        </p:nvSpPr>
+        <p:spPr>
+          <a:xfrm>
+            <a:off x="12355632" y="2066329"/>
+            <a:ext cx="1812926" cy="317428"/>
+          </a:xfrm>
+          <a:prstGeom prst="foldedCorner">
+            <a:avLst/>
+          </a:prstGeom>
+          <a:solidFill>
+            <a:schemeClr val="accent3">
+              <a:alpha val="50000"/>
+            </a:schemeClr>
+          </a:solidFill>
+          <a:ln>
+            <a:noFill/>
+          </a:ln>
+        </p:spPr>
+        <p:style>
+          <a:lnRef idx="0">
+            <a:scrgbClr r="0" g="0" b="0"/>
+          </a:lnRef>
+          <a:fillRef idx="0">
+            <a:scrgbClr r="0" g="0" b="0"/>
+          </a:fillRef>
+          <a:effectRef idx="0">
+            <a:scrgbClr r="0" g="0" b="0"/>
+          </a:effectRef>
+          <a:fontRef idx="minor">
+            <a:schemeClr val="lt1"/>
+          </a:fontRef>
+        </p:style>
+        <p:txBody>
+          <a:bodyPr rtlCol="0" anchor="ctr"/>
+          <a:lstStyle/>
+          <a:p>
+            <a:pPr algn="ctr"/>
+            <a:r>
+              <a:rPr lang="en-US" altLang="ko-KR" sz="1000" dirty="0">
+                <a:solidFill>
+                  <a:schemeClr val="tx1"/>
+                </a:solidFill>
+              </a:rPr>
+              <a:t>lib/Cylinder/Double </a:t>
+            </a:r>
+          </a:p>
+          <a:p>
+            <a:pPr algn="ctr"/>
+            <a:r>
+              <a:rPr lang="en-US" altLang="ko-KR" sz="1000" dirty="0">
+                <a:solidFill>
+                  <a:schemeClr val="tx1"/>
+                </a:solidFill>
+              </a:rPr>
+              <a:t>[1st_stp]</a:t>
+            </a:r>
+            <a:endParaRPr lang="ko-KR" altLang="en-US" sz="1000" dirty="0">
+              <a:solidFill>
+                <a:schemeClr val="tx1"/>
+              </a:solidFill>
+            </a:endParaRPr>
+          </a:p>
+        </p:txBody>
+      </p:sp>
+      <p:sp>
+        <p:nvSpPr>
+          <p:cNvPr id="42" name="사각형: 모서리가 접힌 도형 41">
+            <a:extLst>
+              <a:ext uri="{FF2B5EF4-FFF2-40B4-BE49-F238E27FC236}">
+                <a16:creationId xmlns:a16="http://schemas.microsoft.com/office/drawing/2014/main" id="{7D8F0025-B7E0-1169-11D7-AC9194D7E627}"/>
+              </a:ext>
+            </a:extLst>
+          </p:cNvPr>
+          <p:cNvSpPr/>
+          <p:nvPr/>
+        </p:nvSpPr>
+        <p:spPr>
+          <a:xfrm>
+            <a:off x="14263833" y="3964058"/>
+            <a:ext cx="1458262" cy="317428"/>
+          </a:xfrm>
+          <a:prstGeom prst="foldedCorner">
+            <a:avLst/>
+          </a:prstGeom>
+          <a:solidFill>
+            <a:schemeClr val="accent3">
+              <a:alpha val="50000"/>
+            </a:schemeClr>
+          </a:solidFill>
+          <a:ln>
+            <a:noFill/>
+          </a:ln>
+        </p:spPr>
+        <p:style>
+          <a:lnRef idx="0">
+            <a:scrgbClr r="0" g="0" b="0"/>
+          </a:lnRef>
+          <a:fillRef idx="0">
+            <a:scrgbClr r="0" g="0" b="0"/>
+          </a:fillRef>
+          <a:effectRef idx="0">
+            <a:scrgbClr r="0" g="0" b="0"/>
+          </a:effectRef>
+          <a:fontRef idx="minor">
+            <a:schemeClr val="lt1"/>
+          </a:fontRef>
+        </p:style>
+        <p:txBody>
+          <a:bodyPr rtlCol="0" anchor="ctr"/>
+          <a:lstStyle/>
+          <a:p>
+            <a:pPr algn="ctr"/>
+            <a:r>
+              <a:rPr lang="en-US" altLang="ko-KR" sz="1000" dirty="0">
+                <a:solidFill>
+                  <a:schemeClr val="tx1"/>
+                </a:solidFill>
+              </a:rPr>
+              <a:t>lib/Conveyor/CV </a:t>
+            </a:r>
+          </a:p>
+          <a:p>
+            <a:pPr algn="ctr"/>
+            <a:r>
+              <a:rPr lang="en-US" altLang="ko-KR" sz="1000" dirty="0">
+                <a:solidFill>
+                  <a:schemeClr val="tx1"/>
+                </a:solidFill>
+              </a:rPr>
+              <a:t>[Cv2_Rr]</a:t>
+            </a:r>
+            <a:endParaRPr lang="ko-KR" altLang="en-US" sz="1000" dirty="0">
+              <a:solidFill>
+                <a:schemeClr val="tx1"/>
+              </a:solidFill>
+            </a:endParaRPr>
+          </a:p>
+        </p:txBody>
+      </p:sp>
+      <p:sp>
+        <p:nvSpPr>
+          <p:cNvPr id="47" name="사각형: 모서리가 접힌 도형 46">
+            <a:extLst>
+              <a:ext uri="{FF2B5EF4-FFF2-40B4-BE49-F238E27FC236}">
+                <a16:creationId xmlns:a16="http://schemas.microsoft.com/office/drawing/2014/main" id="{92BB1B92-C3AC-0563-6DF7-391DE9087642}"/>
+              </a:ext>
+            </a:extLst>
+          </p:cNvPr>
+          <p:cNvSpPr/>
+          <p:nvPr/>
+        </p:nvSpPr>
+        <p:spPr>
+          <a:xfrm>
+            <a:off x="12355632" y="2434935"/>
+            <a:ext cx="1812926" cy="317428"/>
+          </a:xfrm>
+          <a:prstGeom prst="foldedCorner">
+            <a:avLst/>
+          </a:prstGeom>
+          <a:solidFill>
+            <a:schemeClr val="accent3">
+              <a:alpha val="50000"/>
+            </a:schemeClr>
+          </a:solidFill>
+          <a:ln>
+            <a:noFill/>
+          </a:ln>
+        </p:spPr>
+        <p:style>
+          <a:lnRef idx="0">
+            <a:scrgbClr r="0" g="0" b="0"/>
+          </a:lnRef>
+          <a:fillRef idx="0">
+            <a:scrgbClr r="0" g="0" b="0"/>
+          </a:fillRef>
+          <a:effectRef idx="0">
+            <a:scrgbClr r="0" g="0" b="0"/>
+          </a:effectRef>
+          <a:fontRef idx="minor">
+            <a:schemeClr val="lt1"/>
+          </a:fontRef>
+        </p:style>
+        <p:txBody>
+          <a:bodyPr rtlCol="0" anchor="ctr"/>
+          <a:lstStyle/>
+          <a:p>
+            <a:pPr algn="ctr"/>
+            <a:r>
+              <a:rPr lang="en-US" altLang="ko-KR" sz="1000" dirty="0">
+                <a:solidFill>
+                  <a:schemeClr val="tx1"/>
+                </a:solidFill>
+              </a:rPr>
+              <a:t>lib/Cylinder/Double </a:t>
+            </a:r>
+          </a:p>
+          <a:p>
+            <a:pPr algn="ctr"/>
+            <a:r>
+              <a:rPr lang="en-US" altLang="ko-KR" sz="1000" dirty="0">
+                <a:solidFill>
+                  <a:schemeClr val="tx1"/>
+                </a:solidFill>
+              </a:rPr>
+              <a:t>[1st_usb]</a:t>
+            </a:r>
+            <a:endParaRPr lang="ko-KR" altLang="en-US" sz="1000" dirty="0">
+              <a:solidFill>
+                <a:schemeClr val="tx1"/>
+              </a:solidFill>
+            </a:endParaRPr>
+          </a:p>
+        </p:txBody>
+      </p:sp>
+      <p:grpSp>
+        <p:nvGrpSpPr>
+          <p:cNvPr id="87" name="그룹 86">
+            <a:extLst>
+              <a:ext uri="{FF2B5EF4-FFF2-40B4-BE49-F238E27FC236}">
+                <a16:creationId xmlns:a16="http://schemas.microsoft.com/office/drawing/2014/main" id="{83E7E777-551D-80DF-666B-88B371231577}"/>
+              </a:ext>
+            </a:extLst>
+          </p:cNvPr>
+          <p:cNvGrpSpPr/>
+          <p:nvPr/>
+        </p:nvGrpSpPr>
+        <p:grpSpPr>
+          <a:xfrm>
+            <a:off x="311186" y="1720413"/>
+            <a:ext cx="3498851" cy="1556092"/>
+            <a:chOff x="4944356" y="1445451"/>
+            <a:chExt cx="3641196" cy="3102292"/>
+          </a:xfrm>
+        </p:grpSpPr>
+        <p:sp>
+          <p:nvSpPr>
+            <p:cNvPr id="28" name="직사각형 27">
+              <a:extLst>
+                <a:ext uri="{FF2B5EF4-FFF2-40B4-BE49-F238E27FC236}">
+                  <a16:creationId xmlns:a16="http://schemas.microsoft.com/office/drawing/2014/main" id="{E91C924F-054A-981B-73C2-AFEF01E05627}"/>
+                </a:ext>
+              </a:extLst>
+            </p:cNvPr>
+            <p:cNvSpPr/>
+            <p:nvPr/>
+          </p:nvSpPr>
+          <p:spPr>
+            <a:xfrm>
+              <a:off x="4944356" y="1445451"/>
+              <a:ext cx="3641196" cy="3102292"/>
+            </a:xfrm>
+            <a:prstGeom prst="rect">
+              <a:avLst/>
+            </a:prstGeom>
+            <a:solidFill>
+              <a:schemeClr val="accent4">
+                <a:alpha val="50000"/>
+              </a:schemeClr>
+            </a:solidFill>
+            <a:ln>
+              <a:noFill/>
+            </a:ln>
+          </p:spPr>
+          <p:style>
+            <a:lnRef idx="0">
+              <a:scrgbClr r="0" g="0" b="0"/>
+            </a:lnRef>
+            <a:fillRef idx="0">
+              <a:scrgbClr r="0" g="0" b="0"/>
+            </a:fillRef>
+            <a:effectRef idx="0">
+              <a:scrgbClr r="0" g="0" b="0"/>
+            </a:effectRef>
+            <a:fontRef idx="minor">
+              <a:schemeClr val="lt1"/>
+            </a:fontRef>
+          </p:style>
+          <p:txBody>
+            <a:bodyPr rtlCol="0" anchor="t"/>
+            <a:lstStyle/>
+            <a:p>
+              <a:pPr algn="ctr"/>
+              <a:r>
+                <a:rPr lang="en-US" altLang="ko-KR" sz="800" dirty="0">
+                  <a:solidFill>
+                    <a:schemeClr val="tx1"/>
+                  </a:solidFill>
+                </a:rPr>
+                <a:t>1st</a:t>
+              </a:r>
+              <a:endParaRPr lang="ko-KR" altLang="en-US" sz="800" dirty="0">
+                <a:solidFill>
+                  <a:schemeClr val="tx1"/>
+                </a:solidFill>
+              </a:endParaRPr>
+            </a:p>
+          </p:txBody>
+        </p:sp>
+        <p:sp>
+          <p:nvSpPr>
+            <p:cNvPr id="44" name="타원 43">
+              <a:extLst>
+                <a:ext uri="{FF2B5EF4-FFF2-40B4-BE49-F238E27FC236}">
+                  <a16:creationId xmlns:a16="http://schemas.microsoft.com/office/drawing/2014/main" id="{A02A6388-3A8D-F0EC-E4B1-0CDF0FE75FCA}"/>
+                </a:ext>
+              </a:extLst>
+            </p:cNvPr>
+            <p:cNvSpPr/>
+            <p:nvPr/>
+          </p:nvSpPr>
+          <p:spPr>
+            <a:xfrm>
+              <a:off x="6824058" y="1957608"/>
+              <a:ext cx="1260000" cy="356398"/>
+            </a:xfrm>
+            <a:prstGeom prst="ellipse">
+              <a:avLst/>
+            </a:prstGeom>
+          </p:spPr>
+          <p:style>
+            <a:lnRef idx="2">
+              <a:schemeClr val="accent5">
+                <a:shade val="50000"/>
+              </a:schemeClr>
+            </a:lnRef>
+            <a:fillRef idx="1">
+              <a:schemeClr val="accent5"/>
+            </a:fillRef>
+            <a:effectRef idx="0">
+              <a:schemeClr val="accent5"/>
+            </a:effectRef>
+            <a:fontRef idx="minor">
+              <a:schemeClr val="lt1"/>
+            </a:fontRef>
+          </p:style>
+          <p:txBody>
+            <a:bodyPr rtlCol="0" anchor="ctr"/>
+            <a:lstStyle/>
+            <a:p>
+              <a:pPr algn="ctr"/>
+              <a:r>
+                <a:rPr lang="en-US" altLang="ko-KR" sz="800" dirty="0"/>
+                <a:t>1st_stp</a:t>
+              </a:r>
+            </a:p>
+            <a:p>
+              <a:pPr algn="ctr"/>
+              <a:r>
+                <a:rPr lang="en-US" altLang="ko-KR" sz="800" dirty="0"/>
+                <a:t>$ADV</a:t>
+              </a:r>
+              <a:endParaRPr lang="ko-KR" altLang="en-US" sz="800" dirty="0"/>
+            </a:p>
+          </p:txBody>
+        </p:sp>
+        <p:sp>
+          <p:nvSpPr>
+            <p:cNvPr id="48" name="타원 47">
+              <a:extLst>
+                <a:ext uri="{FF2B5EF4-FFF2-40B4-BE49-F238E27FC236}">
+                  <a16:creationId xmlns:a16="http://schemas.microsoft.com/office/drawing/2014/main" id="{E1FB52F8-55B4-D196-1EFA-BD53DE09A413}"/>
+                </a:ext>
+              </a:extLst>
+            </p:cNvPr>
+            <p:cNvSpPr/>
+            <p:nvPr/>
+          </p:nvSpPr>
+          <p:spPr>
+            <a:xfrm>
+              <a:off x="5509397" y="2937900"/>
+              <a:ext cx="1260000" cy="356398"/>
+            </a:xfrm>
+            <a:prstGeom prst="ellipse">
+              <a:avLst/>
+            </a:prstGeom>
+          </p:spPr>
+          <p:style>
+            <a:lnRef idx="2">
+              <a:schemeClr val="accent5">
+                <a:shade val="50000"/>
+              </a:schemeClr>
+            </a:lnRef>
+            <a:fillRef idx="1">
+              <a:schemeClr val="accent5"/>
+            </a:fillRef>
+            <a:effectRef idx="0">
+              <a:schemeClr val="accent5"/>
+            </a:effectRef>
+            <a:fontRef idx="minor">
+              <a:schemeClr val="lt1"/>
+            </a:fontRef>
+          </p:style>
+          <p:txBody>
+            <a:bodyPr rtlCol="0" anchor="ctr"/>
+            <a:lstStyle/>
+            <a:p>
+              <a:pPr algn="ctr"/>
+              <a:r>
+                <a:rPr lang="en-US" altLang="ko-KR" sz="800" dirty="0"/>
+                <a:t>1st_usb</a:t>
+              </a:r>
+            </a:p>
+            <a:p>
+              <a:pPr algn="ctr"/>
+              <a:r>
+                <a:rPr lang="en-US" altLang="ko-KR" sz="800" dirty="0"/>
+                <a:t>$ADV</a:t>
+              </a:r>
+              <a:endParaRPr lang="ko-KR" altLang="en-US" sz="800" dirty="0"/>
+            </a:p>
+          </p:txBody>
+        </p:sp>
+        <p:sp>
+          <p:nvSpPr>
+            <p:cNvPr id="49" name="타원 48">
+              <a:extLst>
+                <a:ext uri="{FF2B5EF4-FFF2-40B4-BE49-F238E27FC236}">
+                  <a16:creationId xmlns:a16="http://schemas.microsoft.com/office/drawing/2014/main" id="{4975758F-ECAF-04F2-205E-C0A7464F8F3A}"/>
+                </a:ext>
+              </a:extLst>
+            </p:cNvPr>
+            <p:cNvSpPr/>
+            <p:nvPr/>
+          </p:nvSpPr>
+          <p:spPr>
+            <a:xfrm>
+              <a:off x="6426556" y="3532610"/>
+              <a:ext cx="1260000" cy="356398"/>
+            </a:xfrm>
+            <a:prstGeom prst="ellipse">
+              <a:avLst/>
+            </a:prstGeom>
+          </p:spPr>
+          <p:style>
+            <a:lnRef idx="2">
+              <a:schemeClr val="accent5">
+                <a:shade val="50000"/>
+              </a:schemeClr>
+            </a:lnRef>
+            <a:fillRef idx="1">
+              <a:schemeClr val="accent5"/>
+            </a:fillRef>
+            <a:effectRef idx="0">
+              <a:schemeClr val="accent5"/>
+            </a:effectRef>
+            <a:fontRef idx="minor">
+              <a:schemeClr val="lt1"/>
+            </a:fontRef>
+          </p:style>
+          <p:txBody>
+            <a:bodyPr rtlCol="0" anchor="ctr"/>
+            <a:lstStyle/>
+            <a:p>
+              <a:pPr algn="ctr"/>
+              <a:r>
+                <a:rPr lang="en-US" altLang="ko-KR" sz="800" dirty="0"/>
+                <a:t>1st_usb</a:t>
+              </a:r>
+            </a:p>
+            <a:p>
+              <a:pPr algn="ctr"/>
+              <a:r>
+                <a:rPr lang="en-US" altLang="ko-KR" sz="800" dirty="0"/>
+                <a:t>$RET</a:t>
+              </a:r>
+              <a:endParaRPr lang="ko-KR" altLang="en-US" sz="800" dirty="0"/>
+            </a:p>
+          </p:txBody>
+        </p:sp>
+        <p:sp>
+          <p:nvSpPr>
+            <p:cNvPr id="50" name="타원 49">
+              <a:extLst>
+                <a:ext uri="{FF2B5EF4-FFF2-40B4-BE49-F238E27FC236}">
+                  <a16:creationId xmlns:a16="http://schemas.microsoft.com/office/drawing/2014/main" id="{ACAC64EB-74A9-ECA1-27AD-7A376B97A8D7}"/>
+                </a:ext>
+              </a:extLst>
+            </p:cNvPr>
+            <p:cNvSpPr/>
+            <p:nvPr/>
+          </p:nvSpPr>
+          <p:spPr>
+            <a:xfrm>
+              <a:off x="5480597" y="4151914"/>
+              <a:ext cx="1260000" cy="356398"/>
+            </a:xfrm>
+            <a:prstGeom prst="ellipse">
+              <a:avLst/>
+            </a:prstGeom>
+          </p:spPr>
+          <p:style>
+            <a:lnRef idx="2">
+              <a:schemeClr val="accent5">
+                <a:shade val="50000"/>
+              </a:schemeClr>
+            </a:lnRef>
+            <a:fillRef idx="1">
+              <a:schemeClr val="accent5"/>
+            </a:fillRef>
+            <a:effectRef idx="0">
+              <a:schemeClr val="accent5"/>
+            </a:effectRef>
+            <a:fontRef idx="minor">
+              <a:schemeClr val="lt1"/>
+            </a:fontRef>
+          </p:style>
+          <p:txBody>
+            <a:bodyPr rtlCol="0" anchor="ctr"/>
+            <a:lstStyle/>
+            <a:p>
+              <a:pPr algn="ctr"/>
+              <a:r>
+                <a:rPr lang="en-US" altLang="ko-KR" sz="800" dirty="0"/>
+                <a:t>1st_stp</a:t>
+              </a:r>
+            </a:p>
+            <a:p>
+              <a:pPr algn="ctr"/>
+              <a:r>
+                <a:rPr lang="en-US" altLang="ko-KR" sz="800" dirty="0"/>
+                <a:t>$RET</a:t>
+              </a:r>
+              <a:endParaRPr lang="ko-KR" altLang="en-US" sz="800" dirty="0"/>
+            </a:p>
+          </p:txBody>
+        </p:sp>
+        <p:cxnSp>
+          <p:nvCxnSpPr>
+            <p:cNvPr id="56" name="연결선: 꺾임 55">
+              <a:extLst>
+                <a:ext uri="{FF2B5EF4-FFF2-40B4-BE49-F238E27FC236}">
+                  <a16:creationId xmlns:a16="http://schemas.microsoft.com/office/drawing/2014/main" id="{B951A347-9132-63B0-2142-3C7BC32E0459}"/>
+                </a:ext>
+              </a:extLst>
+            </p:cNvPr>
+            <p:cNvCxnSpPr>
+              <a:cxnSpLocks/>
+              <a:stCxn id="48" idx="4"/>
+              <a:endCxn id="49" idx="0"/>
+            </p:cNvCxnSpPr>
+            <p:nvPr/>
+          </p:nvCxnSpPr>
+          <p:spPr>
+            <a:xfrm rot="16200000" flipH="1">
+              <a:off x="6478820" y="2954874"/>
+              <a:ext cx="238312" cy="917159"/>
+            </a:xfrm>
+            <a:prstGeom prst="bentConnector3">
+              <a:avLst>
+                <a:gd name="adj1" fmla="val 50000"/>
+              </a:avLst>
+            </a:prstGeom>
+            <a:ln>
+              <a:tailEnd type="triangle"/>
+            </a:ln>
+          </p:spPr>
+          <p:style>
+            <a:lnRef idx="1">
+              <a:schemeClr val="accent1"/>
+            </a:lnRef>
+            <a:fillRef idx="0">
+              <a:schemeClr val="accent1"/>
+            </a:fillRef>
+            <a:effectRef idx="0">
+              <a:schemeClr val="accent1"/>
+            </a:effectRef>
+            <a:fontRef idx="minor">
+              <a:schemeClr val="tx1"/>
+            </a:fontRef>
+          </p:style>
+        </p:cxnSp>
+        <p:cxnSp>
+          <p:nvCxnSpPr>
+            <p:cNvPr id="61" name="연결선: 꺾임 60">
+              <a:extLst>
+                <a:ext uri="{FF2B5EF4-FFF2-40B4-BE49-F238E27FC236}">
+                  <a16:creationId xmlns:a16="http://schemas.microsoft.com/office/drawing/2014/main" id="{90E17F23-ADE8-D2E8-8A8B-45F538156396}"/>
+                </a:ext>
+              </a:extLst>
+            </p:cNvPr>
+            <p:cNvCxnSpPr>
+              <a:cxnSpLocks/>
+              <a:stCxn id="49" idx="4"/>
+              <a:endCxn id="50" idx="0"/>
+            </p:cNvCxnSpPr>
+            <p:nvPr/>
+          </p:nvCxnSpPr>
+          <p:spPr>
+            <a:xfrm rot="5400000">
+              <a:off x="6452123" y="3547482"/>
+              <a:ext cx="262907" cy="945958"/>
+            </a:xfrm>
+            <a:prstGeom prst="bentConnector3">
+              <a:avLst>
+                <a:gd name="adj1" fmla="val 50000"/>
+              </a:avLst>
+            </a:prstGeom>
+            <a:ln>
+              <a:tailEnd type="triangle"/>
+            </a:ln>
+          </p:spPr>
+          <p:style>
+            <a:lnRef idx="1">
+              <a:schemeClr val="accent1"/>
+            </a:lnRef>
+            <a:fillRef idx="0">
+              <a:schemeClr val="accent1"/>
+            </a:fillRef>
+            <a:effectRef idx="0">
+              <a:schemeClr val="accent1"/>
+            </a:effectRef>
+            <a:fontRef idx="minor">
+              <a:schemeClr val="tx1"/>
+            </a:fontRef>
+          </p:style>
+        </p:cxnSp>
+      </p:grpSp>
+      <p:grpSp>
+        <p:nvGrpSpPr>
+          <p:cNvPr id="6" name="그룹 5">
+            <a:extLst>
+              <a:ext uri="{FF2B5EF4-FFF2-40B4-BE49-F238E27FC236}">
+                <a16:creationId xmlns:a16="http://schemas.microsoft.com/office/drawing/2014/main" id="{AB40F19F-2A07-35DD-A8F6-EE0E54988E4E}"/>
+              </a:ext>
+            </a:extLst>
+          </p:cNvPr>
+          <p:cNvGrpSpPr/>
+          <p:nvPr/>
+        </p:nvGrpSpPr>
+        <p:grpSpPr>
+          <a:xfrm>
+            <a:off x="317571" y="3455271"/>
+            <a:ext cx="3498851" cy="1556092"/>
+            <a:chOff x="4944356" y="1445451"/>
+            <a:chExt cx="3641196" cy="3102292"/>
+          </a:xfrm>
+        </p:grpSpPr>
+        <p:sp>
+          <p:nvSpPr>
+            <p:cNvPr id="7" name="직사각형 6">
+              <a:extLst>
+                <a:ext uri="{FF2B5EF4-FFF2-40B4-BE49-F238E27FC236}">
+                  <a16:creationId xmlns:a16="http://schemas.microsoft.com/office/drawing/2014/main" id="{2A03681A-22E4-59F0-D944-12C8C80CC079}"/>
+                </a:ext>
+              </a:extLst>
+            </p:cNvPr>
+            <p:cNvSpPr/>
+            <p:nvPr/>
+          </p:nvSpPr>
+          <p:spPr>
+            <a:xfrm>
+              <a:off x="4944356" y="1445451"/>
+              <a:ext cx="3641196" cy="3102292"/>
+            </a:xfrm>
+            <a:prstGeom prst="rect">
+              <a:avLst/>
+            </a:prstGeom>
+            <a:solidFill>
+              <a:schemeClr val="accent4">
+                <a:alpha val="50000"/>
+              </a:schemeClr>
+            </a:solidFill>
+            <a:ln>
+              <a:noFill/>
+            </a:ln>
+          </p:spPr>
+          <p:style>
+            <a:lnRef idx="0">
+              <a:scrgbClr r="0" g="0" b="0"/>
+            </a:lnRef>
+            <a:fillRef idx="0">
+              <a:scrgbClr r="0" g="0" b="0"/>
+            </a:fillRef>
+            <a:effectRef idx="0">
+              <a:scrgbClr r="0" g="0" b="0"/>
+            </a:effectRef>
+            <a:fontRef idx="minor">
+              <a:schemeClr val="lt1"/>
+            </a:fontRef>
+          </p:style>
+          <p:txBody>
+            <a:bodyPr rtlCol="0" anchor="t"/>
+            <a:lstStyle/>
+            <a:p>
+              <a:pPr algn="ctr"/>
+              <a:r>
+                <a:rPr lang="en-US" altLang="ko-KR" sz="800" dirty="0">
+                  <a:solidFill>
+                    <a:schemeClr val="tx1"/>
+                  </a:solidFill>
+                </a:rPr>
+                <a:t>2nd</a:t>
+              </a:r>
+              <a:endParaRPr lang="ko-KR" altLang="en-US" sz="800" dirty="0">
+                <a:solidFill>
+                  <a:schemeClr val="tx1"/>
+                </a:solidFill>
+              </a:endParaRPr>
+            </a:p>
+          </p:txBody>
+        </p:sp>
+        <p:sp>
+          <p:nvSpPr>
+            <p:cNvPr id="10" name="타원 9">
+              <a:extLst>
+                <a:ext uri="{FF2B5EF4-FFF2-40B4-BE49-F238E27FC236}">
+                  <a16:creationId xmlns:a16="http://schemas.microsoft.com/office/drawing/2014/main" id="{7DE7DF37-FDCA-6CE4-2525-2B1A5FE987DC}"/>
+                </a:ext>
+              </a:extLst>
+            </p:cNvPr>
+            <p:cNvSpPr/>
+            <p:nvPr/>
+          </p:nvSpPr>
+          <p:spPr>
+            <a:xfrm>
+              <a:off x="6824058" y="1957608"/>
+              <a:ext cx="1260000" cy="356398"/>
+            </a:xfrm>
+            <a:prstGeom prst="ellipse">
+              <a:avLst/>
+            </a:prstGeom>
+          </p:spPr>
+          <p:style>
+            <a:lnRef idx="2">
+              <a:schemeClr val="accent5">
+                <a:shade val="50000"/>
+              </a:schemeClr>
+            </a:lnRef>
+            <a:fillRef idx="1">
+              <a:schemeClr val="accent5"/>
+            </a:fillRef>
+            <a:effectRef idx="0">
+              <a:schemeClr val="accent5"/>
+            </a:effectRef>
+            <a:fontRef idx="minor">
+              <a:schemeClr val="lt1"/>
+            </a:fontRef>
+          </p:style>
+          <p:txBody>
+            <a:bodyPr rtlCol="0" anchor="ctr"/>
+            <a:lstStyle/>
+            <a:p>
+              <a:pPr algn="ctr"/>
+              <a:r>
+                <a:rPr lang="en-US" altLang="ko-KR" sz="800" dirty="0"/>
+                <a:t>2nd_stp</a:t>
+              </a:r>
+            </a:p>
+            <a:p>
+              <a:pPr algn="ctr"/>
+              <a:r>
+                <a:rPr lang="en-US" altLang="ko-KR" sz="800" dirty="0"/>
+                <a:t>$ADV</a:t>
+              </a:r>
+              <a:endParaRPr lang="ko-KR" altLang="en-US" sz="800" dirty="0"/>
+            </a:p>
+          </p:txBody>
+        </p:sp>
+        <p:sp>
+          <p:nvSpPr>
+            <p:cNvPr id="12" name="타원 11">
+              <a:extLst>
+                <a:ext uri="{FF2B5EF4-FFF2-40B4-BE49-F238E27FC236}">
+                  <a16:creationId xmlns:a16="http://schemas.microsoft.com/office/drawing/2014/main" id="{24559885-2687-5FD0-905F-EA8DA85213E7}"/>
+                </a:ext>
+              </a:extLst>
+            </p:cNvPr>
+            <p:cNvSpPr/>
+            <p:nvPr/>
+          </p:nvSpPr>
+          <p:spPr>
+            <a:xfrm>
+              <a:off x="5509397" y="2937900"/>
+              <a:ext cx="1260000" cy="356398"/>
+            </a:xfrm>
+            <a:prstGeom prst="ellipse">
+              <a:avLst/>
+            </a:prstGeom>
+          </p:spPr>
+          <p:style>
+            <a:lnRef idx="2">
+              <a:schemeClr val="accent5">
+                <a:shade val="50000"/>
+              </a:schemeClr>
+            </a:lnRef>
+            <a:fillRef idx="1">
+              <a:schemeClr val="accent5"/>
+            </a:fillRef>
+            <a:effectRef idx="0">
+              <a:schemeClr val="accent5"/>
+            </a:effectRef>
+            <a:fontRef idx="minor">
+              <a:schemeClr val="lt1"/>
+            </a:fontRef>
+          </p:style>
+          <p:txBody>
+            <a:bodyPr rtlCol="0" anchor="ctr"/>
+            <a:lstStyle/>
+            <a:p>
+              <a:pPr algn="ctr"/>
+              <a:r>
+                <a:rPr lang="en-US" altLang="ko-KR" sz="800" dirty="0"/>
+                <a:t>2nd_usb</a:t>
+              </a:r>
+            </a:p>
+            <a:p>
+              <a:pPr algn="ctr"/>
+              <a:r>
+                <a:rPr lang="en-US" altLang="ko-KR" sz="800" dirty="0"/>
+                <a:t>$ADV</a:t>
+              </a:r>
+              <a:endParaRPr lang="ko-KR" altLang="en-US" sz="800" dirty="0"/>
+            </a:p>
+          </p:txBody>
+        </p:sp>
+        <p:sp>
+          <p:nvSpPr>
+            <p:cNvPr id="13" name="타원 12">
+              <a:extLst>
+                <a:ext uri="{FF2B5EF4-FFF2-40B4-BE49-F238E27FC236}">
+                  <a16:creationId xmlns:a16="http://schemas.microsoft.com/office/drawing/2014/main" id="{AD7527D6-6A9E-3286-2D18-0AC36543B838}"/>
+                </a:ext>
+              </a:extLst>
+            </p:cNvPr>
+            <p:cNvSpPr/>
+            <p:nvPr/>
+          </p:nvSpPr>
+          <p:spPr>
+            <a:xfrm>
+              <a:off x="6426556" y="3532610"/>
+              <a:ext cx="1260000" cy="356398"/>
+            </a:xfrm>
+            <a:prstGeom prst="ellipse">
+              <a:avLst/>
+            </a:prstGeom>
+          </p:spPr>
+          <p:style>
+            <a:lnRef idx="2">
+              <a:schemeClr val="accent5">
+                <a:shade val="50000"/>
+              </a:schemeClr>
+            </a:lnRef>
+            <a:fillRef idx="1">
+              <a:schemeClr val="accent5"/>
+            </a:fillRef>
+            <a:effectRef idx="0">
+              <a:schemeClr val="accent5"/>
+            </a:effectRef>
+            <a:fontRef idx="minor">
+              <a:schemeClr val="lt1"/>
+            </a:fontRef>
+          </p:style>
+          <p:txBody>
+            <a:bodyPr rtlCol="0" anchor="ctr"/>
+            <a:lstStyle/>
+            <a:p>
+              <a:pPr algn="ctr"/>
+              <a:r>
+                <a:rPr lang="en-US" altLang="ko-KR" sz="800" dirty="0"/>
+                <a:t>2nd_usb</a:t>
+              </a:r>
+            </a:p>
+            <a:p>
+              <a:pPr algn="ctr"/>
+              <a:r>
+                <a:rPr lang="en-US" altLang="ko-KR" sz="800" dirty="0"/>
+                <a:t>$RET</a:t>
+              </a:r>
+              <a:endParaRPr lang="ko-KR" altLang="en-US" sz="800" dirty="0"/>
+            </a:p>
+          </p:txBody>
+        </p:sp>
+        <p:sp>
+          <p:nvSpPr>
+            <p:cNvPr id="14" name="타원 13">
+              <a:extLst>
+                <a:ext uri="{FF2B5EF4-FFF2-40B4-BE49-F238E27FC236}">
+                  <a16:creationId xmlns:a16="http://schemas.microsoft.com/office/drawing/2014/main" id="{CEF1119F-F747-205A-50E7-BCDB31793E8F}"/>
+                </a:ext>
+              </a:extLst>
+            </p:cNvPr>
+            <p:cNvSpPr/>
+            <p:nvPr/>
+          </p:nvSpPr>
+          <p:spPr>
+            <a:xfrm>
+              <a:off x="6134954" y="4140660"/>
+              <a:ext cx="1260000" cy="356398"/>
+            </a:xfrm>
+            <a:prstGeom prst="ellipse">
+              <a:avLst/>
+            </a:prstGeom>
+          </p:spPr>
+          <p:style>
+            <a:lnRef idx="2">
+              <a:schemeClr val="accent5">
+                <a:shade val="50000"/>
+              </a:schemeClr>
+            </a:lnRef>
+            <a:fillRef idx="1">
+              <a:schemeClr val="accent5"/>
+            </a:fillRef>
+            <a:effectRef idx="0">
+              <a:schemeClr val="accent5"/>
+            </a:effectRef>
+            <a:fontRef idx="minor">
+              <a:schemeClr val="lt1"/>
+            </a:fontRef>
+          </p:style>
+          <p:txBody>
+            <a:bodyPr rtlCol="0" anchor="ctr"/>
+            <a:lstStyle/>
+            <a:p>
+              <a:pPr algn="ctr"/>
+              <a:r>
+                <a:rPr lang="en-US" altLang="ko-KR" sz="800" dirty="0"/>
+                <a:t>2nd_stp</a:t>
+              </a:r>
+            </a:p>
+            <a:p>
+              <a:pPr algn="ctr"/>
+              <a:r>
+                <a:rPr lang="en-US" altLang="ko-KR" sz="800" dirty="0"/>
+                <a:t>$RET</a:t>
+              </a:r>
+              <a:endParaRPr lang="ko-KR" altLang="en-US" sz="800" dirty="0"/>
+            </a:p>
+          </p:txBody>
+        </p:sp>
+        <p:cxnSp>
+          <p:nvCxnSpPr>
+            <p:cNvPr id="17" name="연결선: 꺾임 16">
+              <a:extLst>
+                <a:ext uri="{FF2B5EF4-FFF2-40B4-BE49-F238E27FC236}">
+                  <a16:creationId xmlns:a16="http://schemas.microsoft.com/office/drawing/2014/main" id="{CAD500E9-1B6A-ECBF-F211-5E1BBD795737}"/>
+                </a:ext>
+              </a:extLst>
+            </p:cNvPr>
+            <p:cNvCxnSpPr>
+              <a:cxnSpLocks/>
+              <a:stCxn id="10" idx="4"/>
+              <a:endCxn id="12" idx="0"/>
+            </p:cNvCxnSpPr>
+            <p:nvPr/>
+          </p:nvCxnSpPr>
+          <p:spPr>
+            <a:xfrm rot="5400000">
+              <a:off x="6484781" y="1968623"/>
+              <a:ext cx="623894" cy="1314661"/>
+            </a:xfrm>
+            <a:prstGeom prst="bentConnector3">
+              <a:avLst/>
+            </a:prstGeom>
+            <a:ln>
+              <a:tailEnd type="triangle"/>
+            </a:ln>
+          </p:spPr>
+          <p:style>
+            <a:lnRef idx="1">
+              <a:schemeClr val="accent1"/>
+            </a:lnRef>
+            <a:fillRef idx="0">
+              <a:schemeClr val="accent1"/>
+            </a:fillRef>
+            <a:effectRef idx="0">
+              <a:schemeClr val="accent1"/>
+            </a:effectRef>
+            <a:fontRef idx="minor">
+              <a:schemeClr val="tx1"/>
+            </a:fontRef>
+          </p:style>
+        </p:cxnSp>
+        <p:cxnSp>
+          <p:nvCxnSpPr>
+            <p:cNvPr id="18" name="연결선: 꺾임 17">
+              <a:extLst>
+                <a:ext uri="{FF2B5EF4-FFF2-40B4-BE49-F238E27FC236}">
+                  <a16:creationId xmlns:a16="http://schemas.microsoft.com/office/drawing/2014/main" id="{DE792B4D-EEF5-3839-9F1F-A19CDC563597}"/>
+                </a:ext>
+              </a:extLst>
+            </p:cNvPr>
+            <p:cNvCxnSpPr>
+              <a:cxnSpLocks/>
+              <a:stCxn id="12" idx="4"/>
+              <a:endCxn id="13" idx="0"/>
+            </p:cNvCxnSpPr>
+            <p:nvPr/>
+          </p:nvCxnSpPr>
+          <p:spPr>
+            <a:xfrm rot="16200000" flipH="1">
+              <a:off x="6478820" y="2954874"/>
+              <a:ext cx="238312" cy="917159"/>
+            </a:xfrm>
+            <a:prstGeom prst="bentConnector3">
+              <a:avLst>
+                <a:gd name="adj1" fmla="val 50000"/>
+              </a:avLst>
+            </a:prstGeom>
+            <a:ln>
+              <a:tailEnd type="triangle"/>
+            </a:ln>
+          </p:spPr>
+          <p:style>
+            <a:lnRef idx="1">
+              <a:schemeClr val="accent1"/>
+            </a:lnRef>
+            <a:fillRef idx="0">
+              <a:schemeClr val="accent1"/>
+            </a:fillRef>
+            <a:effectRef idx="0">
+              <a:schemeClr val="accent1"/>
+            </a:effectRef>
+            <a:fontRef idx="minor">
+              <a:schemeClr val="tx1"/>
+            </a:fontRef>
+          </p:style>
+        </p:cxnSp>
+        <p:cxnSp>
+          <p:nvCxnSpPr>
+            <p:cNvPr id="24" name="연결선: 꺾임 23">
+              <a:extLst>
+                <a:ext uri="{FF2B5EF4-FFF2-40B4-BE49-F238E27FC236}">
+                  <a16:creationId xmlns:a16="http://schemas.microsoft.com/office/drawing/2014/main" id="{8D486FA6-BCC9-5706-9BA1-6506A3BB62C7}"/>
+                </a:ext>
+              </a:extLst>
+            </p:cNvPr>
+            <p:cNvCxnSpPr>
+              <a:cxnSpLocks/>
+              <a:stCxn id="13" idx="4"/>
+              <a:endCxn id="14" idx="0"/>
+            </p:cNvCxnSpPr>
+            <p:nvPr/>
+          </p:nvCxnSpPr>
+          <p:spPr>
+            <a:xfrm rot="5400000">
+              <a:off x="6784929" y="3869033"/>
+              <a:ext cx="251652" cy="291602"/>
+            </a:xfrm>
+            <a:prstGeom prst="bentConnector3">
+              <a:avLst>
+                <a:gd name="adj1" fmla="val 50000"/>
+              </a:avLst>
+            </a:prstGeom>
+            <a:ln>
+              <a:tailEnd type="triangle"/>
+            </a:ln>
+          </p:spPr>
+          <p:style>
+            <a:lnRef idx="1">
+              <a:schemeClr val="accent1"/>
+            </a:lnRef>
+            <a:fillRef idx="0">
+              <a:schemeClr val="accent1"/>
+            </a:fillRef>
+            <a:effectRef idx="0">
+              <a:schemeClr val="accent1"/>
+            </a:effectRef>
+            <a:fontRef idx="minor">
+              <a:schemeClr val="tx1"/>
+            </a:fontRef>
+          </p:style>
+        </p:cxnSp>
+      </p:grpSp>
+      <p:cxnSp>
+        <p:nvCxnSpPr>
+          <p:cNvPr id="29" name="연결선: 꺾임 28">
+            <a:extLst>
+              <a:ext uri="{FF2B5EF4-FFF2-40B4-BE49-F238E27FC236}">
+                <a16:creationId xmlns:a16="http://schemas.microsoft.com/office/drawing/2014/main" id="{18975708-1734-8EEC-2476-A5055B5EA018}"/>
+              </a:ext>
+            </a:extLst>
+          </p:cNvPr>
+          <p:cNvCxnSpPr>
+            <a:cxnSpLocks/>
+            <a:stCxn id="28" idx="1"/>
+            <a:endCxn id="7" idx="1"/>
+          </p:cNvCxnSpPr>
+          <p:nvPr/>
+        </p:nvCxnSpPr>
+        <p:spPr>
+          <a:xfrm rot="10800000" flipH="1" flipV="1">
+            <a:off x="311185" y="2498459"/>
+            <a:ext cx="6385" cy="1734858"/>
+          </a:xfrm>
+          <a:prstGeom prst="bentConnector3">
+            <a:avLst>
+              <a:gd name="adj1" fmla="val -3580266"/>
+            </a:avLst>
+          </a:prstGeom>
+          <a:ln>
+            <a:headEnd type="oval" w="med" len="med"/>
+            <a:tailEnd type="triangle" w="med" len="med"/>
+          </a:ln>
+        </p:spPr>
+        <p:style>
+          <a:lnRef idx="1">
+            <a:schemeClr val="accent1"/>
+          </a:lnRef>
+          <a:fillRef idx="0">
+            <a:schemeClr val="accent1"/>
+          </a:fillRef>
+          <a:effectRef idx="0">
+            <a:schemeClr val="accent1"/>
+          </a:effectRef>
+          <a:fontRef idx="minor">
+            <a:schemeClr val="tx1"/>
+          </a:fontRef>
+        </p:style>
+      </p:cxnSp>
+      <p:sp>
+        <p:nvSpPr>
+          <p:cNvPr id="33" name="사각형: 모서리가 접힌 도형 32">
+            <a:extLst>
+              <a:ext uri="{FF2B5EF4-FFF2-40B4-BE49-F238E27FC236}">
+                <a16:creationId xmlns:a16="http://schemas.microsoft.com/office/drawing/2014/main" id="{EC88E635-5C43-DA57-639F-CC974CA1DA09}"/>
+              </a:ext>
+            </a:extLst>
+          </p:cNvPr>
+          <p:cNvSpPr/>
+          <p:nvPr/>
+        </p:nvSpPr>
+        <p:spPr>
+          <a:xfrm>
+            <a:off x="14270097" y="4335808"/>
+            <a:ext cx="1458262" cy="317428"/>
+          </a:xfrm>
+          <a:prstGeom prst="foldedCorner">
+            <a:avLst/>
+          </a:prstGeom>
+          <a:solidFill>
+            <a:schemeClr val="accent3">
+              <a:alpha val="50000"/>
+            </a:schemeClr>
+          </a:solidFill>
+          <a:ln>
+            <a:noFill/>
+          </a:ln>
+        </p:spPr>
+        <p:style>
+          <a:lnRef idx="0">
+            <a:scrgbClr r="0" g="0" b="0"/>
+          </a:lnRef>
+          <a:fillRef idx="0">
+            <a:scrgbClr r="0" g="0" b="0"/>
+          </a:fillRef>
+          <a:effectRef idx="0">
+            <a:scrgbClr r="0" g="0" b="0"/>
+          </a:effectRef>
+          <a:fontRef idx="minor">
+            <a:schemeClr val="lt1"/>
+          </a:fontRef>
+        </p:style>
+        <p:txBody>
+          <a:bodyPr rtlCol="0" anchor="ctr"/>
+          <a:lstStyle/>
+          <a:p>
+            <a:pPr algn="ctr"/>
+            <a:r>
+              <a:rPr lang="en-US" altLang="ko-KR" sz="1000" dirty="0">
+                <a:solidFill>
+                  <a:schemeClr val="tx1"/>
+                </a:solidFill>
+              </a:rPr>
+              <a:t>lib/Conveyor/CV </a:t>
+            </a:r>
+          </a:p>
+          <a:p>
+            <a:pPr algn="ctr"/>
+            <a:r>
+              <a:rPr lang="en-US" altLang="ko-KR" sz="1000" dirty="0">
+                <a:solidFill>
+                  <a:schemeClr val="tx1"/>
+                </a:solidFill>
+              </a:rPr>
+              <a:t>[Cv3_Rr]</a:t>
+            </a:r>
+            <a:endParaRPr lang="ko-KR" altLang="en-US" sz="1000" dirty="0">
+              <a:solidFill>
+                <a:schemeClr val="tx1"/>
+              </a:solidFill>
+            </a:endParaRPr>
+          </a:p>
+        </p:txBody>
+      </p:sp>
+      <p:grpSp>
+        <p:nvGrpSpPr>
+          <p:cNvPr id="36" name="그룹 35">
+            <a:extLst>
+              <a:ext uri="{FF2B5EF4-FFF2-40B4-BE49-F238E27FC236}">
+                <a16:creationId xmlns:a16="http://schemas.microsoft.com/office/drawing/2014/main" id="{E2F3DE2D-DB6A-7CE7-E03F-C2B9202DBB51}"/>
+              </a:ext>
+            </a:extLst>
+          </p:cNvPr>
+          <p:cNvGrpSpPr/>
+          <p:nvPr/>
+        </p:nvGrpSpPr>
+        <p:grpSpPr>
+          <a:xfrm>
+            <a:off x="311188" y="5180111"/>
+            <a:ext cx="3498851" cy="1556092"/>
+            <a:chOff x="4944356" y="1445451"/>
+            <a:chExt cx="3641196" cy="3102292"/>
+          </a:xfrm>
+        </p:grpSpPr>
+        <p:sp>
+          <p:nvSpPr>
+            <p:cNvPr id="37" name="직사각형 36">
+              <a:extLst>
+                <a:ext uri="{FF2B5EF4-FFF2-40B4-BE49-F238E27FC236}">
+                  <a16:creationId xmlns:a16="http://schemas.microsoft.com/office/drawing/2014/main" id="{78D109FC-4BBE-8C8E-589A-1822301677C3}"/>
+                </a:ext>
+              </a:extLst>
+            </p:cNvPr>
+            <p:cNvSpPr/>
+            <p:nvPr/>
+          </p:nvSpPr>
+          <p:spPr>
+            <a:xfrm>
+              <a:off x="4944356" y="1445451"/>
+              <a:ext cx="3641196" cy="3102292"/>
+            </a:xfrm>
+            <a:prstGeom prst="rect">
+              <a:avLst/>
+            </a:prstGeom>
+            <a:solidFill>
+              <a:schemeClr val="accent4">
+                <a:alpha val="50000"/>
+              </a:schemeClr>
+            </a:solidFill>
+            <a:ln>
+              <a:noFill/>
+            </a:ln>
+          </p:spPr>
+          <p:style>
+            <a:lnRef idx="0">
+              <a:scrgbClr r="0" g="0" b="0"/>
+            </a:lnRef>
+            <a:fillRef idx="0">
+              <a:scrgbClr r="0" g="0" b="0"/>
+            </a:fillRef>
+            <a:effectRef idx="0">
+              <a:scrgbClr r="0" g="0" b="0"/>
+            </a:effectRef>
+            <a:fontRef idx="minor">
+              <a:schemeClr val="lt1"/>
+            </a:fontRef>
+          </p:style>
+          <p:txBody>
+            <a:bodyPr rtlCol="0" anchor="t"/>
+            <a:lstStyle/>
+            <a:p>
+              <a:pPr algn="ctr"/>
+              <a:r>
+                <a:rPr lang="en-US" altLang="ko-KR" sz="800" dirty="0">
+                  <a:solidFill>
+                    <a:schemeClr val="tx1"/>
+                  </a:solidFill>
+                </a:rPr>
+                <a:t>3rd</a:t>
+              </a:r>
+              <a:endParaRPr lang="ko-KR" altLang="en-US" sz="800" dirty="0">
+                <a:solidFill>
+                  <a:schemeClr val="tx1"/>
+                </a:solidFill>
+              </a:endParaRPr>
+            </a:p>
+          </p:txBody>
+        </p:sp>
+        <p:sp>
+          <p:nvSpPr>
+            <p:cNvPr id="40" name="타원 39">
+              <a:extLst>
+                <a:ext uri="{FF2B5EF4-FFF2-40B4-BE49-F238E27FC236}">
+                  <a16:creationId xmlns:a16="http://schemas.microsoft.com/office/drawing/2014/main" id="{75C5FBD5-E07D-B424-B866-1693481FBF40}"/>
+                </a:ext>
+              </a:extLst>
+            </p:cNvPr>
+            <p:cNvSpPr/>
+            <p:nvPr/>
+          </p:nvSpPr>
+          <p:spPr>
+            <a:xfrm>
+              <a:off x="6824058" y="1957608"/>
+              <a:ext cx="1260000" cy="356398"/>
+            </a:xfrm>
+            <a:prstGeom prst="ellipse">
+              <a:avLst/>
+            </a:prstGeom>
+          </p:spPr>
+          <p:style>
+            <a:lnRef idx="2">
+              <a:schemeClr val="accent5">
+                <a:shade val="50000"/>
+              </a:schemeClr>
+            </a:lnRef>
+            <a:fillRef idx="1">
+              <a:schemeClr val="accent5"/>
+            </a:fillRef>
+            <a:effectRef idx="0">
+              <a:schemeClr val="accent5"/>
+            </a:effectRef>
+            <a:fontRef idx="minor">
+              <a:schemeClr val="lt1"/>
+            </a:fontRef>
+          </p:style>
+          <p:txBody>
+            <a:bodyPr rtlCol="0" anchor="ctr"/>
+            <a:lstStyle/>
+            <a:p>
+              <a:pPr algn="ctr"/>
+              <a:r>
+                <a:rPr lang="en-US" altLang="ko-KR" sz="800" dirty="0"/>
+                <a:t>3rd_stp</a:t>
+              </a:r>
+            </a:p>
+            <a:p>
+              <a:pPr algn="ctr"/>
+              <a:r>
+                <a:rPr lang="en-US" altLang="ko-KR" sz="800" dirty="0"/>
+                <a:t>$ADV</a:t>
+              </a:r>
+              <a:endParaRPr lang="ko-KR" altLang="en-US" sz="800" dirty="0"/>
+            </a:p>
+          </p:txBody>
+        </p:sp>
+        <p:sp>
+          <p:nvSpPr>
+            <p:cNvPr id="41" name="타원 40">
+              <a:extLst>
+                <a:ext uri="{FF2B5EF4-FFF2-40B4-BE49-F238E27FC236}">
+                  <a16:creationId xmlns:a16="http://schemas.microsoft.com/office/drawing/2014/main" id="{231C04E9-53C8-1EBE-15AF-1A2D3C23F74A}"/>
+                </a:ext>
+              </a:extLst>
+            </p:cNvPr>
+            <p:cNvSpPr/>
+            <p:nvPr/>
+          </p:nvSpPr>
+          <p:spPr>
+            <a:xfrm>
+              <a:off x="5509397" y="2937900"/>
+              <a:ext cx="1260000" cy="356398"/>
+            </a:xfrm>
+            <a:prstGeom prst="ellipse">
+              <a:avLst/>
+            </a:prstGeom>
+          </p:spPr>
+          <p:style>
+            <a:lnRef idx="2">
+              <a:schemeClr val="accent5">
+                <a:shade val="50000"/>
+              </a:schemeClr>
+            </a:lnRef>
+            <a:fillRef idx="1">
+              <a:schemeClr val="accent5"/>
+            </a:fillRef>
+            <a:effectRef idx="0">
+              <a:schemeClr val="accent5"/>
+            </a:effectRef>
+            <a:fontRef idx="minor">
+              <a:schemeClr val="lt1"/>
+            </a:fontRef>
+          </p:style>
+          <p:txBody>
+            <a:bodyPr rtlCol="0" anchor="ctr"/>
+            <a:lstStyle/>
+            <a:p>
+              <a:pPr algn="ctr"/>
+              <a:r>
+                <a:rPr lang="en-US" altLang="ko-KR" sz="800" dirty="0"/>
+                <a:t>3rd_usb</a:t>
+              </a:r>
+            </a:p>
+            <a:p>
+              <a:pPr algn="ctr"/>
+              <a:r>
+                <a:rPr lang="en-US" altLang="ko-KR" sz="800" dirty="0"/>
+                <a:t>$ADV</a:t>
+              </a:r>
+              <a:endParaRPr lang="ko-KR" altLang="en-US" sz="800" dirty="0"/>
+            </a:p>
+          </p:txBody>
+        </p:sp>
+        <p:sp>
+          <p:nvSpPr>
+            <p:cNvPr id="45" name="타원 44">
+              <a:extLst>
+                <a:ext uri="{FF2B5EF4-FFF2-40B4-BE49-F238E27FC236}">
+                  <a16:creationId xmlns:a16="http://schemas.microsoft.com/office/drawing/2014/main" id="{D4FFF9D6-237B-346B-60D1-7DFFAF690665}"/>
+                </a:ext>
+              </a:extLst>
+            </p:cNvPr>
+            <p:cNvSpPr/>
+            <p:nvPr/>
+          </p:nvSpPr>
+          <p:spPr>
+            <a:xfrm>
+              <a:off x="6426556" y="3532610"/>
+              <a:ext cx="1260000" cy="356398"/>
+            </a:xfrm>
+            <a:prstGeom prst="ellipse">
+              <a:avLst/>
+            </a:prstGeom>
+          </p:spPr>
+          <p:style>
+            <a:lnRef idx="2">
+              <a:schemeClr val="accent5">
+                <a:shade val="50000"/>
+              </a:schemeClr>
+            </a:lnRef>
+            <a:fillRef idx="1">
+              <a:schemeClr val="accent5"/>
+            </a:fillRef>
+            <a:effectRef idx="0">
+              <a:schemeClr val="accent5"/>
+            </a:effectRef>
+            <a:fontRef idx="minor">
+              <a:schemeClr val="lt1"/>
+            </a:fontRef>
+          </p:style>
+          <p:txBody>
+            <a:bodyPr rtlCol="0" anchor="ctr"/>
+            <a:lstStyle/>
+            <a:p>
+              <a:pPr algn="ctr"/>
+              <a:r>
+                <a:rPr lang="en-US" altLang="ko-KR" sz="800" dirty="0"/>
+                <a:t>3rd_usb</a:t>
+              </a:r>
+            </a:p>
+            <a:p>
+              <a:pPr algn="ctr"/>
+              <a:r>
+                <a:rPr lang="en-US" altLang="ko-KR" sz="800" dirty="0"/>
+                <a:t>$RET</a:t>
+              </a:r>
+              <a:endParaRPr lang="ko-KR" altLang="en-US" sz="800" dirty="0"/>
+            </a:p>
+          </p:txBody>
+        </p:sp>
+        <p:sp>
+          <p:nvSpPr>
+            <p:cNvPr id="46" name="타원 45">
+              <a:extLst>
+                <a:ext uri="{FF2B5EF4-FFF2-40B4-BE49-F238E27FC236}">
+                  <a16:creationId xmlns:a16="http://schemas.microsoft.com/office/drawing/2014/main" id="{40454175-7E37-9B01-0D4A-4D00AB584EB3}"/>
+                </a:ext>
+              </a:extLst>
+            </p:cNvPr>
+            <p:cNvSpPr/>
+            <p:nvPr/>
+          </p:nvSpPr>
+          <p:spPr>
+            <a:xfrm>
+              <a:off x="6134954" y="4140660"/>
+              <a:ext cx="1260000" cy="356398"/>
+            </a:xfrm>
+            <a:prstGeom prst="ellipse">
+              <a:avLst/>
+            </a:prstGeom>
+          </p:spPr>
+          <p:style>
+            <a:lnRef idx="2">
+              <a:schemeClr val="accent5">
+                <a:shade val="50000"/>
+              </a:schemeClr>
+            </a:lnRef>
+            <a:fillRef idx="1">
+              <a:schemeClr val="accent5"/>
+            </a:fillRef>
+            <a:effectRef idx="0">
+              <a:schemeClr val="accent5"/>
+            </a:effectRef>
+            <a:fontRef idx="minor">
+              <a:schemeClr val="lt1"/>
+            </a:fontRef>
+          </p:style>
+          <p:txBody>
+            <a:bodyPr rtlCol="0" anchor="ctr"/>
+            <a:lstStyle/>
+            <a:p>
+              <a:pPr algn="ctr"/>
+              <a:r>
+                <a:rPr lang="en-US" altLang="ko-KR" sz="800" dirty="0"/>
+                <a:t>3rd_stp</a:t>
+              </a:r>
+            </a:p>
+            <a:p>
+              <a:pPr algn="ctr"/>
+              <a:r>
+                <a:rPr lang="en-US" altLang="ko-KR" sz="800" dirty="0"/>
+                <a:t>$RET</a:t>
+              </a:r>
+              <a:endParaRPr lang="ko-KR" altLang="en-US" sz="800" dirty="0"/>
+            </a:p>
+          </p:txBody>
+        </p:sp>
+        <p:cxnSp>
+          <p:nvCxnSpPr>
+            <p:cNvPr id="54" name="연결선: 꺾임 53">
+              <a:extLst>
+                <a:ext uri="{FF2B5EF4-FFF2-40B4-BE49-F238E27FC236}">
+                  <a16:creationId xmlns:a16="http://schemas.microsoft.com/office/drawing/2014/main" id="{955F54F7-73A1-51EF-2293-42F3E3FFDD9C}"/>
+                </a:ext>
+              </a:extLst>
+            </p:cNvPr>
+            <p:cNvCxnSpPr>
+              <a:cxnSpLocks/>
+              <a:stCxn id="40" idx="4"/>
+              <a:endCxn id="41" idx="0"/>
+            </p:cNvCxnSpPr>
+            <p:nvPr/>
+          </p:nvCxnSpPr>
+          <p:spPr>
+            <a:xfrm rot="5400000">
+              <a:off x="6484781" y="1968623"/>
+              <a:ext cx="623894" cy="1314661"/>
+            </a:xfrm>
+            <a:prstGeom prst="bentConnector3">
+              <a:avLst/>
+            </a:prstGeom>
+            <a:ln>
+              <a:tailEnd type="triangle"/>
+            </a:ln>
+          </p:spPr>
+          <p:style>
+            <a:lnRef idx="1">
+              <a:schemeClr val="accent1"/>
+            </a:lnRef>
+            <a:fillRef idx="0">
+              <a:schemeClr val="accent1"/>
+            </a:fillRef>
+            <a:effectRef idx="0">
+              <a:schemeClr val="accent1"/>
+            </a:effectRef>
+            <a:fontRef idx="minor">
+              <a:schemeClr val="tx1"/>
+            </a:fontRef>
+          </p:style>
+        </p:cxnSp>
+        <p:cxnSp>
+          <p:nvCxnSpPr>
+            <p:cNvPr id="55" name="연결선: 꺾임 54">
+              <a:extLst>
+                <a:ext uri="{FF2B5EF4-FFF2-40B4-BE49-F238E27FC236}">
+                  <a16:creationId xmlns:a16="http://schemas.microsoft.com/office/drawing/2014/main" id="{110E3F75-13DC-62CD-65F0-0BCD794BE262}"/>
+                </a:ext>
+              </a:extLst>
+            </p:cNvPr>
+            <p:cNvCxnSpPr>
+              <a:cxnSpLocks/>
+              <a:stCxn id="41" idx="4"/>
+              <a:endCxn id="45" idx="0"/>
+            </p:cNvCxnSpPr>
+            <p:nvPr/>
+          </p:nvCxnSpPr>
+          <p:spPr>
+            <a:xfrm rot="16200000" flipH="1">
+              <a:off x="6478820" y="2954874"/>
+              <a:ext cx="238312" cy="917159"/>
+            </a:xfrm>
+            <a:prstGeom prst="bentConnector3">
+              <a:avLst>
+                <a:gd name="adj1" fmla="val 50000"/>
+              </a:avLst>
+            </a:prstGeom>
+            <a:ln>
+              <a:tailEnd type="triangle"/>
+            </a:ln>
+          </p:spPr>
+          <p:style>
+            <a:lnRef idx="1">
+              <a:schemeClr val="accent1"/>
+            </a:lnRef>
+            <a:fillRef idx="0">
+              <a:schemeClr val="accent1"/>
+            </a:fillRef>
+            <a:effectRef idx="0">
+              <a:schemeClr val="accent1"/>
+            </a:effectRef>
+            <a:fontRef idx="minor">
+              <a:schemeClr val="tx1"/>
+            </a:fontRef>
+          </p:style>
+        </p:cxnSp>
+        <p:cxnSp>
+          <p:nvCxnSpPr>
+            <p:cNvPr id="57" name="연결선: 꺾임 56">
+              <a:extLst>
+                <a:ext uri="{FF2B5EF4-FFF2-40B4-BE49-F238E27FC236}">
+                  <a16:creationId xmlns:a16="http://schemas.microsoft.com/office/drawing/2014/main" id="{306437AE-F935-CF65-125E-77911E31D2FC}"/>
+                </a:ext>
+              </a:extLst>
+            </p:cNvPr>
+            <p:cNvCxnSpPr>
+              <a:cxnSpLocks/>
+              <a:stCxn id="45" idx="4"/>
+              <a:endCxn id="46" idx="0"/>
+            </p:cNvCxnSpPr>
+            <p:nvPr/>
+          </p:nvCxnSpPr>
+          <p:spPr>
+            <a:xfrm rot="5400000">
+              <a:off x="6784929" y="3869033"/>
+              <a:ext cx="251652" cy="291602"/>
+            </a:xfrm>
+            <a:prstGeom prst="bentConnector3">
+              <a:avLst>
+                <a:gd name="adj1" fmla="val 50000"/>
+              </a:avLst>
+            </a:prstGeom>
+            <a:ln>
+              <a:tailEnd type="triangle"/>
+            </a:ln>
+          </p:spPr>
+          <p:style>
+            <a:lnRef idx="1">
+              <a:schemeClr val="accent1"/>
+            </a:lnRef>
+            <a:fillRef idx="0">
+              <a:schemeClr val="accent1"/>
+            </a:fillRef>
+            <a:effectRef idx="0">
+              <a:schemeClr val="accent1"/>
+            </a:effectRef>
+            <a:fontRef idx="minor">
+              <a:schemeClr val="tx1"/>
+            </a:fontRef>
+          </p:style>
+        </p:cxnSp>
+      </p:grpSp>
+      <p:grpSp>
+        <p:nvGrpSpPr>
+          <p:cNvPr id="60" name="그룹 59">
+            <a:extLst>
+              <a:ext uri="{FF2B5EF4-FFF2-40B4-BE49-F238E27FC236}">
+                <a16:creationId xmlns:a16="http://schemas.microsoft.com/office/drawing/2014/main" id="{00E5DEBE-06AF-C65D-3F99-5CF5ED7ED264}"/>
+              </a:ext>
+            </a:extLst>
+          </p:cNvPr>
+          <p:cNvGrpSpPr/>
+          <p:nvPr/>
+        </p:nvGrpSpPr>
+        <p:grpSpPr>
+          <a:xfrm>
+            <a:off x="3911578" y="5180111"/>
+            <a:ext cx="3498851" cy="1556092"/>
+            <a:chOff x="4944356" y="1445451"/>
+            <a:chExt cx="3641196" cy="3102292"/>
+          </a:xfrm>
+        </p:grpSpPr>
+        <p:sp>
+          <p:nvSpPr>
+            <p:cNvPr id="62" name="직사각형 61">
+              <a:extLst>
+                <a:ext uri="{FF2B5EF4-FFF2-40B4-BE49-F238E27FC236}">
+                  <a16:creationId xmlns:a16="http://schemas.microsoft.com/office/drawing/2014/main" id="{FA25B133-6EEB-4644-F185-785FC7CA4B6C}"/>
+                </a:ext>
+              </a:extLst>
+            </p:cNvPr>
+            <p:cNvSpPr/>
+            <p:nvPr/>
+          </p:nvSpPr>
+          <p:spPr>
+            <a:xfrm>
+              <a:off x="4944356" y="1445451"/>
+              <a:ext cx="3641196" cy="3102292"/>
+            </a:xfrm>
+            <a:prstGeom prst="rect">
+              <a:avLst/>
+            </a:prstGeom>
+            <a:solidFill>
+              <a:schemeClr val="accent4">
+                <a:alpha val="50000"/>
+              </a:schemeClr>
+            </a:solidFill>
+            <a:ln>
+              <a:noFill/>
+            </a:ln>
+          </p:spPr>
+          <p:style>
+            <a:lnRef idx="0">
+              <a:scrgbClr r="0" g="0" b="0"/>
+            </a:lnRef>
+            <a:fillRef idx="0">
+              <a:scrgbClr r="0" g="0" b="0"/>
+            </a:fillRef>
+            <a:effectRef idx="0">
+              <a:scrgbClr r="0" g="0" b="0"/>
+            </a:effectRef>
+            <a:fontRef idx="minor">
+              <a:schemeClr val="lt1"/>
+            </a:fontRef>
+          </p:style>
+          <p:txBody>
+            <a:bodyPr rtlCol="0" anchor="t"/>
+            <a:lstStyle/>
+            <a:p>
+              <a:pPr algn="ctr"/>
+              <a:r>
+                <a:rPr lang="en-US" altLang="ko-KR" sz="800" dirty="0">
+                  <a:solidFill>
+                    <a:schemeClr val="tx1"/>
+                  </a:solidFill>
+                </a:rPr>
+                <a:t>4th</a:t>
+              </a:r>
+              <a:endParaRPr lang="ko-KR" altLang="en-US" sz="800" dirty="0">
+                <a:solidFill>
+                  <a:schemeClr val="tx1"/>
+                </a:solidFill>
+              </a:endParaRPr>
+            </a:p>
+          </p:txBody>
+        </p:sp>
+        <p:sp>
+          <p:nvSpPr>
+            <p:cNvPr id="64" name="타원 63">
+              <a:extLst>
+                <a:ext uri="{FF2B5EF4-FFF2-40B4-BE49-F238E27FC236}">
+                  <a16:creationId xmlns:a16="http://schemas.microsoft.com/office/drawing/2014/main" id="{F23D3DA2-458E-247E-A1B4-84995D7DD403}"/>
+                </a:ext>
+              </a:extLst>
+            </p:cNvPr>
+            <p:cNvSpPr/>
+            <p:nvPr/>
+          </p:nvSpPr>
+          <p:spPr>
+            <a:xfrm>
+              <a:off x="6824058" y="1957608"/>
+              <a:ext cx="1260000" cy="356398"/>
+            </a:xfrm>
+            <a:prstGeom prst="ellipse">
+              <a:avLst/>
+            </a:prstGeom>
+          </p:spPr>
+          <p:style>
+            <a:lnRef idx="2">
+              <a:schemeClr val="accent5">
+                <a:shade val="50000"/>
+              </a:schemeClr>
+            </a:lnRef>
+            <a:fillRef idx="1">
+              <a:schemeClr val="accent5"/>
+            </a:fillRef>
+            <a:effectRef idx="0">
+              <a:schemeClr val="accent5"/>
+            </a:effectRef>
+            <a:fontRef idx="minor">
+              <a:schemeClr val="lt1"/>
+            </a:fontRef>
+          </p:style>
+          <p:txBody>
+            <a:bodyPr rtlCol="0" anchor="ctr"/>
+            <a:lstStyle/>
+            <a:p>
+              <a:pPr algn="ctr"/>
+              <a:r>
+                <a:rPr lang="en-US" altLang="ko-KR" sz="800" dirty="0"/>
+                <a:t>4th_stp</a:t>
+              </a:r>
+            </a:p>
+            <a:p>
+              <a:pPr algn="ctr"/>
+              <a:r>
+                <a:rPr lang="en-US" altLang="ko-KR" sz="800" dirty="0"/>
+                <a:t>$ADV</a:t>
+              </a:r>
+              <a:endParaRPr lang="ko-KR" altLang="en-US" sz="800" dirty="0"/>
+            </a:p>
+          </p:txBody>
+        </p:sp>
+        <p:sp>
+          <p:nvSpPr>
+            <p:cNvPr id="65" name="타원 64">
+              <a:extLst>
+                <a:ext uri="{FF2B5EF4-FFF2-40B4-BE49-F238E27FC236}">
+                  <a16:creationId xmlns:a16="http://schemas.microsoft.com/office/drawing/2014/main" id="{CBDDB27B-259D-51F5-C49E-20784059C035}"/>
+                </a:ext>
+              </a:extLst>
+            </p:cNvPr>
+            <p:cNvSpPr/>
+            <p:nvPr/>
+          </p:nvSpPr>
+          <p:spPr>
+            <a:xfrm>
+              <a:off x="5509397" y="2937900"/>
+              <a:ext cx="1260000" cy="356398"/>
+            </a:xfrm>
+            <a:prstGeom prst="ellipse">
+              <a:avLst/>
+            </a:prstGeom>
+          </p:spPr>
+          <p:style>
+            <a:lnRef idx="2">
+              <a:schemeClr val="accent5">
+                <a:shade val="50000"/>
+              </a:schemeClr>
+            </a:lnRef>
+            <a:fillRef idx="1">
+              <a:schemeClr val="accent5"/>
+            </a:fillRef>
+            <a:effectRef idx="0">
+              <a:schemeClr val="accent5"/>
+            </a:effectRef>
+            <a:fontRef idx="minor">
+              <a:schemeClr val="lt1"/>
+            </a:fontRef>
+          </p:style>
+          <p:txBody>
+            <a:bodyPr rtlCol="0" anchor="ctr"/>
+            <a:lstStyle/>
+            <a:p>
+              <a:pPr algn="ctr"/>
+              <a:r>
+                <a:rPr lang="en-US" altLang="ko-KR" sz="800" dirty="0"/>
+                <a:t>4th_usb</a:t>
+              </a:r>
+            </a:p>
+            <a:p>
+              <a:pPr algn="ctr"/>
+              <a:r>
+                <a:rPr lang="en-US" altLang="ko-KR" sz="800" dirty="0"/>
+                <a:t>$ADV</a:t>
+              </a:r>
+              <a:endParaRPr lang="ko-KR" altLang="en-US" sz="800" dirty="0"/>
+            </a:p>
+          </p:txBody>
+        </p:sp>
+        <p:sp>
+          <p:nvSpPr>
+            <p:cNvPr id="66" name="타원 65">
+              <a:extLst>
+                <a:ext uri="{FF2B5EF4-FFF2-40B4-BE49-F238E27FC236}">
+                  <a16:creationId xmlns:a16="http://schemas.microsoft.com/office/drawing/2014/main" id="{2A17DCFF-16B8-3F50-70D3-BAEB02CD8E31}"/>
+                </a:ext>
+              </a:extLst>
+            </p:cNvPr>
+            <p:cNvSpPr/>
+            <p:nvPr/>
+          </p:nvSpPr>
+          <p:spPr>
+            <a:xfrm>
+              <a:off x="6426556" y="3532610"/>
+              <a:ext cx="1260000" cy="356398"/>
+            </a:xfrm>
+            <a:prstGeom prst="ellipse">
+              <a:avLst/>
+            </a:prstGeom>
+          </p:spPr>
+          <p:style>
+            <a:lnRef idx="2">
+              <a:schemeClr val="accent5">
+                <a:shade val="50000"/>
+              </a:schemeClr>
+            </a:lnRef>
+            <a:fillRef idx="1">
+              <a:schemeClr val="accent5"/>
+            </a:fillRef>
+            <a:effectRef idx="0">
+              <a:schemeClr val="accent5"/>
+            </a:effectRef>
+            <a:fontRef idx="minor">
+              <a:schemeClr val="lt1"/>
+            </a:fontRef>
+          </p:style>
+          <p:txBody>
+            <a:bodyPr rtlCol="0" anchor="ctr"/>
+            <a:lstStyle/>
+            <a:p>
+              <a:pPr algn="ctr"/>
+              <a:r>
+                <a:rPr lang="en-US" altLang="ko-KR" sz="800" dirty="0"/>
+                <a:t>4th_usb</a:t>
+              </a:r>
+            </a:p>
+            <a:p>
+              <a:pPr algn="ctr"/>
+              <a:r>
+                <a:rPr lang="en-US" altLang="ko-KR" sz="800" dirty="0"/>
+                <a:t>$RET</a:t>
+              </a:r>
+              <a:endParaRPr lang="ko-KR" altLang="en-US" sz="800" dirty="0"/>
+            </a:p>
+          </p:txBody>
+        </p:sp>
+        <p:sp>
+          <p:nvSpPr>
+            <p:cNvPr id="67" name="타원 66">
+              <a:extLst>
+                <a:ext uri="{FF2B5EF4-FFF2-40B4-BE49-F238E27FC236}">
+                  <a16:creationId xmlns:a16="http://schemas.microsoft.com/office/drawing/2014/main" id="{9F864A4C-6C69-449D-1DF9-F2E81A639E16}"/>
+                </a:ext>
+              </a:extLst>
+            </p:cNvPr>
+            <p:cNvSpPr/>
+            <p:nvPr/>
+          </p:nvSpPr>
+          <p:spPr>
+            <a:xfrm>
+              <a:off x="6134954" y="4140660"/>
+              <a:ext cx="1260000" cy="356398"/>
+            </a:xfrm>
+            <a:prstGeom prst="ellipse">
+              <a:avLst/>
+            </a:prstGeom>
+          </p:spPr>
+          <p:style>
+            <a:lnRef idx="2">
+              <a:schemeClr val="accent5">
+                <a:shade val="50000"/>
+              </a:schemeClr>
+            </a:lnRef>
+            <a:fillRef idx="1">
+              <a:schemeClr val="accent5"/>
+            </a:fillRef>
+            <a:effectRef idx="0">
+              <a:schemeClr val="accent5"/>
+            </a:effectRef>
+            <a:fontRef idx="minor">
+              <a:schemeClr val="lt1"/>
+            </a:fontRef>
+          </p:style>
+          <p:txBody>
+            <a:bodyPr rtlCol="0" anchor="ctr"/>
+            <a:lstStyle/>
+            <a:p>
+              <a:pPr algn="ctr"/>
+              <a:r>
+                <a:rPr lang="en-US" altLang="ko-KR" sz="800" dirty="0"/>
+                <a:t>4th_stp</a:t>
+              </a:r>
+            </a:p>
+            <a:p>
+              <a:pPr algn="ctr"/>
+              <a:r>
+                <a:rPr lang="en-US" altLang="ko-KR" sz="800" dirty="0"/>
+                <a:t>$RET</a:t>
+              </a:r>
+              <a:endParaRPr lang="ko-KR" altLang="en-US" sz="800" dirty="0"/>
+            </a:p>
+          </p:txBody>
+        </p:sp>
+        <p:cxnSp>
+          <p:nvCxnSpPr>
+            <p:cNvPr id="71" name="연결선: 꺾임 70">
+              <a:extLst>
+                <a:ext uri="{FF2B5EF4-FFF2-40B4-BE49-F238E27FC236}">
+                  <a16:creationId xmlns:a16="http://schemas.microsoft.com/office/drawing/2014/main" id="{D5CC9A10-DCDB-9C08-BEF6-0CE54BD33891}"/>
+                </a:ext>
+              </a:extLst>
+            </p:cNvPr>
+            <p:cNvCxnSpPr>
+              <a:cxnSpLocks/>
+              <a:stCxn id="64" idx="4"/>
+              <a:endCxn id="65" idx="0"/>
+            </p:cNvCxnSpPr>
+            <p:nvPr/>
+          </p:nvCxnSpPr>
+          <p:spPr>
+            <a:xfrm rot="5400000">
+              <a:off x="6484781" y="1968623"/>
+              <a:ext cx="623894" cy="1314661"/>
+            </a:xfrm>
+            <a:prstGeom prst="bentConnector3">
+              <a:avLst/>
+            </a:prstGeom>
+            <a:ln>
+              <a:tailEnd type="triangle"/>
+            </a:ln>
+          </p:spPr>
+          <p:style>
+            <a:lnRef idx="1">
+              <a:schemeClr val="accent1"/>
+            </a:lnRef>
+            <a:fillRef idx="0">
+              <a:schemeClr val="accent1"/>
+            </a:fillRef>
+            <a:effectRef idx="0">
+              <a:schemeClr val="accent1"/>
+            </a:effectRef>
+            <a:fontRef idx="minor">
+              <a:schemeClr val="tx1"/>
+            </a:fontRef>
+          </p:style>
+        </p:cxnSp>
+        <p:cxnSp>
+          <p:nvCxnSpPr>
+            <p:cNvPr id="72" name="연결선: 꺾임 71">
+              <a:extLst>
+                <a:ext uri="{FF2B5EF4-FFF2-40B4-BE49-F238E27FC236}">
+                  <a16:creationId xmlns:a16="http://schemas.microsoft.com/office/drawing/2014/main" id="{49815C9F-9F46-AEBE-A9E0-641F7F36D84F}"/>
+                </a:ext>
+              </a:extLst>
+            </p:cNvPr>
+            <p:cNvCxnSpPr>
+              <a:cxnSpLocks/>
+              <a:stCxn id="65" idx="4"/>
+              <a:endCxn id="66" idx="0"/>
+            </p:cNvCxnSpPr>
+            <p:nvPr/>
+          </p:nvCxnSpPr>
+          <p:spPr>
+            <a:xfrm rot="16200000" flipH="1">
+              <a:off x="6478820" y="2954874"/>
+              <a:ext cx="238312" cy="917159"/>
+            </a:xfrm>
+            <a:prstGeom prst="bentConnector3">
+              <a:avLst>
+                <a:gd name="adj1" fmla="val 50000"/>
+              </a:avLst>
+            </a:prstGeom>
+            <a:ln>
+              <a:tailEnd type="triangle"/>
+            </a:ln>
+          </p:spPr>
+          <p:style>
+            <a:lnRef idx="1">
+              <a:schemeClr val="accent1"/>
+            </a:lnRef>
+            <a:fillRef idx="0">
+              <a:schemeClr val="accent1"/>
+            </a:fillRef>
+            <a:effectRef idx="0">
+              <a:schemeClr val="accent1"/>
+            </a:effectRef>
+            <a:fontRef idx="minor">
+              <a:schemeClr val="tx1"/>
+            </a:fontRef>
+          </p:style>
+        </p:cxnSp>
+        <p:cxnSp>
+          <p:nvCxnSpPr>
+            <p:cNvPr id="73" name="연결선: 꺾임 72">
+              <a:extLst>
+                <a:ext uri="{FF2B5EF4-FFF2-40B4-BE49-F238E27FC236}">
+                  <a16:creationId xmlns:a16="http://schemas.microsoft.com/office/drawing/2014/main" id="{FB8CBDE9-C3D8-DBE3-EB3C-24B32E886DED}"/>
+                </a:ext>
+              </a:extLst>
+            </p:cNvPr>
+            <p:cNvCxnSpPr>
+              <a:cxnSpLocks/>
+              <a:stCxn id="66" idx="4"/>
+              <a:endCxn id="67" idx="0"/>
+            </p:cNvCxnSpPr>
+            <p:nvPr/>
+          </p:nvCxnSpPr>
+          <p:spPr>
+            <a:xfrm rot="5400000">
+              <a:off x="6784929" y="3869033"/>
+              <a:ext cx="251652" cy="291602"/>
+            </a:xfrm>
+            <a:prstGeom prst="bentConnector3">
+              <a:avLst>
+                <a:gd name="adj1" fmla="val 50000"/>
+              </a:avLst>
+            </a:prstGeom>
+            <a:ln>
+              <a:tailEnd type="triangle"/>
+            </a:ln>
+          </p:spPr>
+          <p:style>
+            <a:lnRef idx="1">
+              <a:schemeClr val="accent1"/>
+            </a:lnRef>
+            <a:fillRef idx="0">
+              <a:schemeClr val="accent1"/>
+            </a:fillRef>
+            <a:effectRef idx="0">
+              <a:schemeClr val="accent1"/>
+            </a:effectRef>
+            <a:fontRef idx="minor">
+              <a:schemeClr val="tx1"/>
+            </a:fontRef>
+          </p:style>
+        </p:cxnSp>
+      </p:grpSp>
+      <p:cxnSp>
+        <p:nvCxnSpPr>
+          <p:cNvPr id="76" name="연결선: 꺾임 75">
+            <a:extLst>
+              <a:ext uri="{FF2B5EF4-FFF2-40B4-BE49-F238E27FC236}">
+                <a16:creationId xmlns:a16="http://schemas.microsoft.com/office/drawing/2014/main" id="{7353A203-B898-FDB1-D928-33700950CAA8}"/>
+              </a:ext>
+            </a:extLst>
+          </p:cNvPr>
+          <p:cNvCxnSpPr>
+            <a:cxnSpLocks/>
+            <a:stCxn id="7" idx="2"/>
+            <a:endCxn id="37" idx="0"/>
+          </p:cNvCxnSpPr>
+          <p:nvPr/>
+        </p:nvCxnSpPr>
+        <p:spPr>
+          <a:xfrm rot="5400000">
+            <a:off x="1979432" y="5092546"/>
+            <a:ext cx="168748" cy="6383"/>
+          </a:xfrm>
+          <a:prstGeom prst="bentConnector3">
+            <a:avLst>
+              <a:gd name="adj1" fmla="val 50000"/>
+            </a:avLst>
+          </a:prstGeom>
+          <a:ln>
+            <a:headEnd type="oval" w="med" len="med"/>
+            <a:tailEnd type="triangle" w="med" len="med"/>
+          </a:ln>
+        </p:spPr>
+        <p:style>
+          <a:lnRef idx="1">
+            <a:schemeClr val="accent1"/>
+          </a:lnRef>
+          <a:fillRef idx="0">
+            <a:schemeClr val="accent1"/>
+          </a:fillRef>
+          <a:effectRef idx="0">
+            <a:schemeClr val="accent1"/>
+          </a:effectRef>
+          <a:fontRef idx="minor">
+            <a:schemeClr val="tx1"/>
+          </a:fontRef>
+        </p:style>
+      </p:cxnSp>
+      <p:cxnSp>
+        <p:nvCxnSpPr>
+          <p:cNvPr id="79" name="연결선: 꺾임 78">
+            <a:extLst>
+              <a:ext uri="{FF2B5EF4-FFF2-40B4-BE49-F238E27FC236}">
+                <a16:creationId xmlns:a16="http://schemas.microsoft.com/office/drawing/2014/main" id="{02ED8A55-DAE6-7F1B-0C56-1E884BFC5C04}"/>
+              </a:ext>
+            </a:extLst>
+          </p:cNvPr>
+          <p:cNvCxnSpPr>
+            <a:cxnSpLocks/>
+            <a:stCxn id="37" idx="3"/>
+            <a:endCxn id="62" idx="1"/>
+          </p:cNvCxnSpPr>
+          <p:nvPr/>
+        </p:nvCxnSpPr>
+        <p:spPr>
+          <a:xfrm>
+            <a:off x="3810039" y="5958157"/>
+            <a:ext cx="101539" cy="12700"/>
+          </a:xfrm>
+          <a:prstGeom prst="bentConnector3">
+            <a:avLst>
+              <a:gd name="adj1" fmla="val 50000"/>
+            </a:avLst>
+          </a:prstGeom>
+          <a:ln>
+            <a:headEnd type="oval" w="med" len="med"/>
+            <a:tailEnd type="triangle" w="med" len="med"/>
+          </a:ln>
+        </p:spPr>
+        <p:style>
+          <a:lnRef idx="1">
+            <a:schemeClr val="accent1"/>
+          </a:lnRef>
+          <a:fillRef idx="0">
+            <a:schemeClr val="accent1"/>
+          </a:fillRef>
+          <a:effectRef idx="0">
+            <a:schemeClr val="accent1"/>
+          </a:effectRef>
+          <a:fontRef idx="minor">
+            <a:schemeClr val="tx1"/>
+          </a:fontRef>
+        </p:style>
+      </p:cxnSp>
+      <p:sp>
+        <p:nvSpPr>
+          <p:cNvPr id="82" name="사각형: 모서리가 접힌 도형 81">
+            <a:extLst>
+              <a:ext uri="{FF2B5EF4-FFF2-40B4-BE49-F238E27FC236}">
+                <a16:creationId xmlns:a16="http://schemas.microsoft.com/office/drawing/2014/main" id="{8E92859D-A81E-279D-CAEA-6A48E3F68F32}"/>
+              </a:ext>
+            </a:extLst>
+          </p:cNvPr>
+          <p:cNvSpPr/>
+          <p:nvPr/>
+        </p:nvSpPr>
+        <p:spPr>
+          <a:xfrm>
+            <a:off x="14263833" y="3592244"/>
+            <a:ext cx="1458262" cy="317428"/>
+          </a:xfrm>
+          <a:prstGeom prst="foldedCorner">
+            <a:avLst/>
+          </a:prstGeom>
+          <a:solidFill>
+            <a:schemeClr val="accent3">
+              <a:alpha val="50000"/>
+            </a:schemeClr>
+          </a:solidFill>
+          <a:ln>
+            <a:noFill/>
+          </a:ln>
+        </p:spPr>
+        <p:style>
+          <a:lnRef idx="0">
+            <a:scrgbClr r="0" g="0" b="0"/>
+          </a:lnRef>
+          <a:fillRef idx="0">
+            <a:scrgbClr r="0" g="0" b="0"/>
+          </a:fillRef>
+          <a:effectRef idx="0">
+            <a:scrgbClr r="0" g="0" b="0"/>
+          </a:effectRef>
+          <a:fontRef idx="minor">
+            <a:schemeClr val="lt1"/>
+          </a:fontRef>
+        </p:style>
+        <p:txBody>
+          <a:bodyPr rtlCol="0" anchor="ctr"/>
+          <a:lstStyle/>
+          <a:p>
+            <a:pPr algn="ctr"/>
+            <a:r>
+              <a:rPr lang="en-US" altLang="ko-KR" sz="1000" dirty="0">
+                <a:solidFill>
+                  <a:schemeClr val="tx1"/>
+                </a:solidFill>
+              </a:rPr>
+              <a:t>lib/Conveyor/CV </a:t>
+            </a:r>
+          </a:p>
+          <a:p>
+            <a:pPr algn="ctr"/>
+            <a:r>
+              <a:rPr lang="en-US" altLang="ko-KR" sz="1000" dirty="0">
+                <a:solidFill>
+                  <a:schemeClr val="tx1"/>
+                </a:solidFill>
+              </a:rPr>
+              <a:t>[Cv1_Rr]</a:t>
+            </a:r>
+            <a:endParaRPr lang="ko-KR" altLang="en-US" sz="1000" dirty="0">
+              <a:solidFill>
+                <a:schemeClr val="tx1"/>
+              </a:solidFill>
+            </a:endParaRPr>
+          </a:p>
+        </p:txBody>
+      </p:sp>
+      <p:sp>
+        <p:nvSpPr>
+          <p:cNvPr id="83" name="사각형: 모서리가 접힌 도형 82">
+            <a:extLst>
+              <a:ext uri="{FF2B5EF4-FFF2-40B4-BE49-F238E27FC236}">
+                <a16:creationId xmlns:a16="http://schemas.microsoft.com/office/drawing/2014/main" id="{F6EF5973-3CFE-9F0B-032F-445C0BAFD18F}"/>
+              </a:ext>
+            </a:extLst>
+          </p:cNvPr>
+          <p:cNvSpPr/>
+          <p:nvPr/>
+        </p:nvSpPr>
+        <p:spPr>
+          <a:xfrm>
+            <a:off x="14263833" y="4707558"/>
+            <a:ext cx="1458262" cy="317428"/>
+          </a:xfrm>
+          <a:prstGeom prst="foldedCorner">
+            <a:avLst/>
+          </a:prstGeom>
+          <a:solidFill>
+            <a:schemeClr val="accent3">
+              <a:alpha val="50000"/>
+            </a:schemeClr>
+          </a:solidFill>
+          <a:ln>
+            <a:noFill/>
+          </a:ln>
+        </p:spPr>
+        <p:style>
+          <a:lnRef idx="0">
+            <a:scrgbClr r="0" g="0" b="0"/>
+          </a:lnRef>
+          <a:fillRef idx="0">
+            <a:scrgbClr r="0" g="0" b="0"/>
+          </a:fillRef>
+          <a:effectRef idx="0">
+            <a:scrgbClr r="0" g="0" b="0"/>
+          </a:effectRef>
+          <a:fontRef idx="minor">
+            <a:schemeClr val="lt1"/>
+          </a:fontRef>
+        </p:style>
+        <p:txBody>
+          <a:bodyPr rtlCol="0" anchor="ctr"/>
+          <a:lstStyle/>
+          <a:p>
+            <a:pPr algn="ctr"/>
+            <a:r>
+              <a:rPr lang="en-US" altLang="ko-KR" sz="1000" dirty="0">
+                <a:solidFill>
+                  <a:schemeClr val="tx1"/>
+                </a:solidFill>
+              </a:rPr>
+              <a:t>lib/Conveyor/CV </a:t>
+            </a:r>
+          </a:p>
+          <a:p>
+            <a:pPr algn="ctr"/>
+            <a:r>
+              <a:rPr lang="en-US" altLang="ko-KR" sz="1000" dirty="0">
+                <a:solidFill>
+                  <a:schemeClr val="tx1"/>
+                </a:solidFill>
+              </a:rPr>
+              <a:t>[Cv4_Rr]</a:t>
+            </a:r>
+            <a:endParaRPr lang="ko-KR" altLang="en-US" sz="1000" dirty="0">
+              <a:solidFill>
+                <a:schemeClr val="tx1"/>
+              </a:solidFill>
+            </a:endParaRPr>
+          </a:p>
+        </p:txBody>
+      </p:sp>
+      <p:sp>
+        <p:nvSpPr>
+          <p:cNvPr id="84" name="사각형: 모서리가 접힌 도형 83">
+            <a:extLst>
+              <a:ext uri="{FF2B5EF4-FFF2-40B4-BE49-F238E27FC236}">
+                <a16:creationId xmlns:a16="http://schemas.microsoft.com/office/drawing/2014/main" id="{A548B38C-BF57-1EFB-7279-8FC048D0F82D}"/>
+              </a:ext>
+            </a:extLst>
+          </p:cNvPr>
+          <p:cNvSpPr/>
+          <p:nvPr/>
+        </p:nvSpPr>
+        <p:spPr>
+          <a:xfrm>
+            <a:off x="12355632" y="2801158"/>
+            <a:ext cx="1812926" cy="317428"/>
+          </a:xfrm>
+          <a:prstGeom prst="foldedCorner">
+            <a:avLst/>
+          </a:prstGeom>
+          <a:solidFill>
+            <a:schemeClr val="accent3">
+              <a:alpha val="50000"/>
+            </a:schemeClr>
+          </a:solidFill>
+          <a:ln>
+            <a:noFill/>
+          </a:ln>
+        </p:spPr>
+        <p:style>
+          <a:lnRef idx="0">
+            <a:scrgbClr r="0" g="0" b="0"/>
+          </a:lnRef>
+          <a:fillRef idx="0">
+            <a:scrgbClr r="0" g="0" b="0"/>
+          </a:fillRef>
+          <a:effectRef idx="0">
+            <a:scrgbClr r="0" g="0" b="0"/>
+          </a:effectRef>
+          <a:fontRef idx="minor">
+            <a:schemeClr val="lt1"/>
+          </a:fontRef>
+        </p:style>
+        <p:txBody>
+          <a:bodyPr rtlCol="0" anchor="ctr"/>
+          <a:lstStyle/>
+          <a:p>
+            <a:pPr algn="ctr"/>
+            <a:r>
+              <a:rPr lang="en-US" altLang="ko-KR" sz="1000" dirty="0">
+                <a:solidFill>
+                  <a:schemeClr val="tx1"/>
+                </a:solidFill>
+              </a:rPr>
+              <a:t>lib/Cylinder/Double </a:t>
+            </a:r>
+          </a:p>
+          <a:p>
+            <a:pPr algn="ctr"/>
+            <a:r>
+              <a:rPr lang="en-US" altLang="ko-KR" sz="1000" dirty="0">
+                <a:solidFill>
+                  <a:schemeClr val="tx1"/>
+                </a:solidFill>
+              </a:rPr>
+              <a:t>[2nd_stp]</a:t>
+            </a:r>
+            <a:endParaRPr lang="ko-KR" altLang="en-US" sz="1000" dirty="0">
+              <a:solidFill>
+                <a:schemeClr val="tx1"/>
+              </a:solidFill>
+            </a:endParaRPr>
+          </a:p>
+        </p:txBody>
+      </p:sp>
+      <p:sp>
+        <p:nvSpPr>
+          <p:cNvPr id="85" name="사각형: 모서리가 접힌 도형 84">
+            <a:extLst>
+              <a:ext uri="{FF2B5EF4-FFF2-40B4-BE49-F238E27FC236}">
+                <a16:creationId xmlns:a16="http://schemas.microsoft.com/office/drawing/2014/main" id="{83115661-E9B7-9584-B77E-3BFD31BD0458}"/>
+              </a:ext>
+            </a:extLst>
+          </p:cNvPr>
+          <p:cNvSpPr/>
+          <p:nvPr/>
+        </p:nvSpPr>
+        <p:spPr>
+          <a:xfrm>
+            <a:off x="12355632" y="3169764"/>
+            <a:ext cx="1812926" cy="317428"/>
+          </a:xfrm>
+          <a:prstGeom prst="foldedCorner">
+            <a:avLst/>
+          </a:prstGeom>
+          <a:solidFill>
+            <a:schemeClr val="accent3">
+              <a:alpha val="50000"/>
+            </a:schemeClr>
+          </a:solidFill>
+          <a:ln>
+            <a:noFill/>
+          </a:ln>
+        </p:spPr>
+        <p:style>
+          <a:lnRef idx="0">
+            <a:scrgbClr r="0" g="0" b="0"/>
+          </a:lnRef>
+          <a:fillRef idx="0">
+            <a:scrgbClr r="0" g="0" b="0"/>
+          </a:fillRef>
+          <a:effectRef idx="0">
+            <a:scrgbClr r="0" g="0" b="0"/>
+          </a:effectRef>
+          <a:fontRef idx="minor">
+            <a:schemeClr val="lt1"/>
+          </a:fontRef>
+        </p:style>
+        <p:txBody>
+          <a:bodyPr rtlCol="0" anchor="ctr"/>
+          <a:lstStyle/>
+          <a:p>
+            <a:pPr algn="ctr"/>
+            <a:r>
+              <a:rPr lang="en-US" altLang="ko-KR" sz="1000" dirty="0">
+                <a:solidFill>
+                  <a:schemeClr val="tx1"/>
+                </a:solidFill>
+              </a:rPr>
+              <a:t>lib/Cylinder/Double </a:t>
+            </a:r>
+          </a:p>
+          <a:p>
+            <a:pPr algn="ctr"/>
+            <a:r>
+              <a:rPr lang="en-US" altLang="ko-KR" sz="1000" dirty="0">
+                <a:solidFill>
+                  <a:schemeClr val="tx1"/>
+                </a:solidFill>
+              </a:rPr>
+              <a:t>[2nd_usb]</a:t>
+            </a:r>
+            <a:endParaRPr lang="ko-KR" altLang="en-US" sz="1000" dirty="0">
+              <a:solidFill>
+                <a:schemeClr val="tx1"/>
+              </a:solidFill>
+            </a:endParaRPr>
+          </a:p>
+        </p:txBody>
+      </p:sp>
+      <p:sp>
+        <p:nvSpPr>
+          <p:cNvPr id="86" name="사각형: 모서리가 접힌 도형 85">
+            <a:extLst>
+              <a:ext uri="{FF2B5EF4-FFF2-40B4-BE49-F238E27FC236}">
+                <a16:creationId xmlns:a16="http://schemas.microsoft.com/office/drawing/2014/main" id="{425640B5-E9AC-8A4C-6A2B-6E9E7FFD1629}"/>
+              </a:ext>
+            </a:extLst>
+          </p:cNvPr>
+          <p:cNvSpPr/>
+          <p:nvPr/>
+        </p:nvSpPr>
+        <p:spPr>
+          <a:xfrm>
+            <a:off x="12355632" y="3532428"/>
+            <a:ext cx="1812926" cy="317428"/>
+          </a:xfrm>
+          <a:prstGeom prst="foldedCorner">
+            <a:avLst/>
+          </a:prstGeom>
+          <a:solidFill>
+            <a:schemeClr val="accent3">
+              <a:alpha val="50000"/>
+            </a:schemeClr>
+          </a:solidFill>
+          <a:ln>
+            <a:noFill/>
+          </a:ln>
+        </p:spPr>
+        <p:style>
+          <a:lnRef idx="0">
+            <a:scrgbClr r="0" g="0" b="0"/>
+          </a:lnRef>
+          <a:fillRef idx="0">
+            <a:scrgbClr r="0" g="0" b="0"/>
+          </a:fillRef>
+          <a:effectRef idx="0">
+            <a:scrgbClr r="0" g="0" b="0"/>
+          </a:effectRef>
+          <a:fontRef idx="minor">
+            <a:schemeClr val="lt1"/>
+          </a:fontRef>
+        </p:style>
+        <p:txBody>
+          <a:bodyPr rtlCol="0" anchor="ctr"/>
+          <a:lstStyle/>
+          <a:p>
+            <a:pPr algn="ctr"/>
+            <a:r>
+              <a:rPr lang="en-US" altLang="ko-KR" sz="1000" dirty="0">
+                <a:solidFill>
+                  <a:schemeClr val="tx1"/>
+                </a:solidFill>
+              </a:rPr>
+              <a:t>lib/Cylinder/Double </a:t>
+            </a:r>
+          </a:p>
+          <a:p>
+            <a:pPr algn="ctr"/>
+            <a:r>
+              <a:rPr lang="en-US" altLang="ko-KR" sz="1000" dirty="0">
+                <a:solidFill>
+                  <a:schemeClr val="tx1"/>
+                </a:solidFill>
+              </a:rPr>
+              <a:t>[3rd_stp]</a:t>
+            </a:r>
+            <a:endParaRPr lang="ko-KR" altLang="en-US" sz="1000" dirty="0">
+              <a:solidFill>
+                <a:schemeClr val="tx1"/>
+              </a:solidFill>
+            </a:endParaRPr>
+          </a:p>
+        </p:txBody>
+      </p:sp>
+      <p:sp>
+        <p:nvSpPr>
+          <p:cNvPr id="88" name="사각형: 모서리가 접힌 도형 87">
+            <a:extLst>
+              <a:ext uri="{FF2B5EF4-FFF2-40B4-BE49-F238E27FC236}">
+                <a16:creationId xmlns:a16="http://schemas.microsoft.com/office/drawing/2014/main" id="{B40AF00A-6404-7A66-C454-CCF70E799D85}"/>
+              </a:ext>
+            </a:extLst>
+          </p:cNvPr>
+          <p:cNvSpPr/>
+          <p:nvPr/>
+        </p:nvSpPr>
+        <p:spPr>
+          <a:xfrm>
+            <a:off x="12355632" y="3901034"/>
+            <a:ext cx="1812926" cy="317428"/>
+          </a:xfrm>
+          <a:prstGeom prst="foldedCorner">
+            <a:avLst/>
+          </a:prstGeom>
+          <a:solidFill>
+            <a:schemeClr val="accent3">
+              <a:alpha val="50000"/>
+            </a:schemeClr>
+          </a:solidFill>
+          <a:ln>
+            <a:noFill/>
+          </a:ln>
+        </p:spPr>
+        <p:style>
+          <a:lnRef idx="0">
+            <a:scrgbClr r="0" g="0" b="0"/>
+          </a:lnRef>
+          <a:fillRef idx="0">
+            <a:scrgbClr r="0" g="0" b="0"/>
+          </a:fillRef>
+          <a:effectRef idx="0">
+            <a:scrgbClr r="0" g="0" b="0"/>
+          </a:effectRef>
+          <a:fontRef idx="minor">
+            <a:schemeClr val="lt1"/>
+          </a:fontRef>
+        </p:style>
+        <p:txBody>
+          <a:bodyPr rtlCol="0" anchor="ctr"/>
+          <a:lstStyle/>
+          <a:p>
+            <a:pPr algn="ctr"/>
+            <a:r>
+              <a:rPr lang="en-US" altLang="ko-KR" sz="1000" dirty="0">
+                <a:solidFill>
+                  <a:schemeClr val="tx1"/>
+                </a:solidFill>
+              </a:rPr>
+              <a:t>lib/Cylinder/Double </a:t>
+            </a:r>
+          </a:p>
+          <a:p>
+            <a:pPr algn="ctr"/>
+            <a:r>
+              <a:rPr lang="en-US" altLang="ko-KR" sz="1000" dirty="0">
+                <a:solidFill>
+                  <a:schemeClr val="tx1"/>
+                </a:solidFill>
+              </a:rPr>
+              <a:t>[3rd_usb]</a:t>
+            </a:r>
+            <a:endParaRPr lang="ko-KR" altLang="en-US" sz="1000" dirty="0">
+              <a:solidFill>
+                <a:schemeClr val="tx1"/>
+              </a:solidFill>
+            </a:endParaRPr>
+          </a:p>
+        </p:txBody>
+      </p:sp>
+      <p:sp>
+        <p:nvSpPr>
+          <p:cNvPr id="89" name="사각형: 모서리가 접힌 도형 88">
+            <a:extLst>
+              <a:ext uri="{FF2B5EF4-FFF2-40B4-BE49-F238E27FC236}">
+                <a16:creationId xmlns:a16="http://schemas.microsoft.com/office/drawing/2014/main" id="{EF6FB8CC-F17B-B78E-96A2-BD4DD966E209}"/>
+              </a:ext>
+            </a:extLst>
+          </p:cNvPr>
+          <p:cNvSpPr/>
+          <p:nvPr/>
+        </p:nvSpPr>
+        <p:spPr>
+          <a:xfrm>
+            <a:off x="12349368" y="4315726"/>
+            <a:ext cx="1812926" cy="317428"/>
+          </a:xfrm>
+          <a:prstGeom prst="foldedCorner">
+            <a:avLst/>
+          </a:prstGeom>
+          <a:solidFill>
+            <a:schemeClr val="accent3">
+              <a:alpha val="50000"/>
+            </a:schemeClr>
+          </a:solidFill>
+          <a:ln>
+            <a:noFill/>
+          </a:ln>
+        </p:spPr>
+        <p:style>
+          <a:lnRef idx="0">
+            <a:scrgbClr r="0" g="0" b="0"/>
+          </a:lnRef>
+          <a:fillRef idx="0">
+            <a:scrgbClr r="0" g="0" b="0"/>
+          </a:fillRef>
+          <a:effectRef idx="0">
+            <a:scrgbClr r="0" g="0" b="0"/>
+          </a:effectRef>
+          <a:fontRef idx="minor">
+            <a:schemeClr val="lt1"/>
+          </a:fontRef>
+        </p:style>
+        <p:txBody>
+          <a:bodyPr rtlCol="0" anchor="ctr"/>
+          <a:lstStyle/>
+          <a:p>
+            <a:pPr algn="ctr"/>
+            <a:r>
+              <a:rPr lang="en-US" altLang="ko-KR" sz="1000" dirty="0">
+                <a:solidFill>
+                  <a:schemeClr val="tx1"/>
+                </a:solidFill>
+              </a:rPr>
+              <a:t>lib/Cylinder/Double </a:t>
+            </a:r>
+          </a:p>
+          <a:p>
+            <a:pPr algn="ctr"/>
+            <a:r>
+              <a:rPr lang="en-US" altLang="ko-KR" sz="1000" dirty="0">
+                <a:solidFill>
+                  <a:schemeClr val="tx1"/>
+                </a:solidFill>
+              </a:rPr>
+              <a:t>[4th_stp]</a:t>
+            </a:r>
+            <a:endParaRPr lang="ko-KR" altLang="en-US" sz="1000" dirty="0">
+              <a:solidFill>
+                <a:schemeClr val="tx1"/>
+              </a:solidFill>
+            </a:endParaRPr>
+          </a:p>
+        </p:txBody>
+      </p:sp>
+      <p:sp>
+        <p:nvSpPr>
+          <p:cNvPr id="90" name="사각형: 모서리가 접힌 도형 89">
+            <a:extLst>
+              <a:ext uri="{FF2B5EF4-FFF2-40B4-BE49-F238E27FC236}">
+                <a16:creationId xmlns:a16="http://schemas.microsoft.com/office/drawing/2014/main" id="{645FE1EB-5AA5-AAA6-539C-8EE3786F5953}"/>
+              </a:ext>
+            </a:extLst>
+          </p:cNvPr>
+          <p:cNvSpPr/>
+          <p:nvPr/>
+        </p:nvSpPr>
+        <p:spPr>
+          <a:xfrm>
+            <a:off x="12349368" y="4684332"/>
+            <a:ext cx="1812926" cy="317428"/>
+          </a:xfrm>
+          <a:prstGeom prst="foldedCorner">
+            <a:avLst/>
+          </a:prstGeom>
+          <a:solidFill>
+            <a:schemeClr val="accent3">
+              <a:alpha val="50000"/>
+            </a:schemeClr>
+          </a:solidFill>
+          <a:ln>
+            <a:noFill/>
+          </a:ln>
+        </p:spPr>
+        <p:style>
+          <a:lnRef idx="0">
+            <a:scrgbClr r="0" g="0" b="0"/>
+          </a:lnRef>
+          <a:fillRef idx="0">
+            <a:scrgbClr r="0" g="0" b="0"/>
+          </a:fillRef>
+          <a:effectRef idx="0">
+            <a:scrgbClr r="0" g="0" b="0"/>
+          </a:effectRef>
+          <a:fontRef idx="minor">
+            <a:schemeClr val="lt1"/>
+          </a:fontRef>
+        </p:style>
+        <p:txBody>
+          <a:bodyPr rtlCol="0" anchor="ctr"/>
+          <a:lstStyle/>
+          <a:p>
+            <a:pPr algn="ctr"/>
+            <a:r>
+              <a:rPr lang="en-US" altLang="ko-KR" sz="1000" dirty="0">
+                <a:solidFill>
+                  <a:schemeClr val="tx1"/>
+                </a:solidFill>
+              </a:rPr>
+              <a:t>lib/Cylinder/Double </a:t>
+            </a:r>
+          </a:p>
+          <a:p>
+            <a:pPr algn="ctr"/>
+            <a:r>
+              <a:rPr lang="en-US" altLang="ko-KR" sz="1000" dirty="0">
+                <a:solidFill>
+                  <a:schemeClr val="tx1"/>
+                </a:solidFill>
+              </a:rPr>
+              <a:t>[4th_usb]</a:t>
+            </a:r>
+            <a:endParaRPr lang="ko-KR" altLang="en-US" sz="1000" dirty="0">
+              <a:solidFill>
+                <a:schemeClr val="tx1"/>
+              </a:solidFill>
+            </a:endParaRPr>
+          </a:p>
+        </p:txBody>
+      </p:sp>
+      <p:sp>
+        <p:nvSpPr>
+          <p:cNvPr id="123" name="사각형: 모서리가 접힌 도형 122">
+            <a:extLst>
+              <a:ext uri="{FF2B5EF4-FFF2-40B4-BE49-F238E27FC236}">
+                <a16:creationId xmlns:a16="http://schemas.microsoft.com/office/drawing/2014/main" id="{1CC08569-567B-0D15-B679-98E2A11BDBCF}"/>
+              </a:ext>
+            </a:extLst>
+          </p:cNvPr>
+          <p:cNvSpPr/>
+          <p:nvPr/>
+        </p:nvSpPr>
+        <p:spPr>
+          <a:xfrm>
+            <a:off x="14263833" y="5069884"/>
+            <a:ext cx="1458262" cy="317428"/>
+          </a:xfrm>
+          <a:prstGeom prst="foldedCorner">
+            <a:avLst/>
+          </a:prstGeom>
+          <a:solidFill>
+            <a:schemeClr val="accent3">
+              <a:alpha val="50000"/>
+            </a:schemeClr>
+          </a:solidFill>
+          <a:ln>
+            <a:noFill/>
+          </a:ln>
+        </p:spPr>
+        <p:style>
+          <a:lnRef idx="0">
+            <a:scrgbClr r="0" g="0" b="0"/>
+          </a:lnRef>
+          <a:fillRef idx="0">
+            <a:scrgbClr r="0" g="0" b="0"/>
+          </a:fillRef>
+          <a:effectRef idx="0">
+            <a:scrgbClr r="0" g="0" b="0"/>
+          </a:effectRef>
+          <a:fontRef idx="minor">
+            <a:schemeClr val="lt1"/>
+          </a:fontRef>
+        </p:style>
+        <p:txBody>
+          <a:bodyPr rtlCol="0" anchor="ctr"/>
+          <a:lstStyle/>
+          <a:p>
+            <a:pPr algn="ctr"/>
+            <a:r>
+              <a:rPr lang="en-US" altLang="ko-KR" sz="1000" dirty="0">
+                <a:solidFill>
+                  <a:schemeClr val="tx1"/>
+                </a:solidFill>
+              </a:rPr>
+              <a:t>lib/Conveyor/CV </a:t>
+            </a:r>
+          </a:p>
+          <a:p>
+            <a:pPr algn="ctr"/>
+            <a:r>
+              <a:rPr lang="en-US" altLang="ko-KR" sz="1000" dirty="0">
+                <a:solidFill>
+                  <a:schemeClr val="tx1"/>
+                </a:solidFill>
+              </a:rPr>
+              <a:t>[Cv5_Rr]</a:t>
+            </a:r>
+            <a:endParaRPr lang="ko-KR" altLang="en-US" sz="1000" dirty="0">
+              <a:solidFill>
+                <a:schemeClr val="tx1"/>
+              </a:solidFill>
+            </a:endParaRPr>
+          </a:p>
+        </p:txBody>
+      </p:sp>
+      <p:sp>
+        <p:nvSpPr>
+          <p:cNvPr id="124" name="사각형: 모서리가 접힌 도형 123">
+            <a:extLst>
+              <a:ext uri="{FF2B5EF4-FFF2-40B4-BE49-F238E27FC236}">
+                <a16:creationId xmlns:a16="http://schemas.microsoft.com/office/drawing/2014/main" id="{81EDDC98-37A7-0D85-7C8E-18642B757417}"/>
+              </a:ext>
+            </a:extLst>
+          </p:cNvPr>
+          <p:cNvSpPr/>
+          <p:nvPr/>
+        </p:nvSpPr>
+        <p:spPr>
+          <a:xfrm>
+            <a:off x="12349368" y="5075283"/>
+            <a:ext cx="1812926" cy="317428"/>
+          </a:xfrm>
+          <a:prstGeom prst="foldedCorner">
+            <a:avLst/>
+          </a:prstGeom>
+          <a:solidFill>
+            <a:schemeClr val="accent3">
+              <a:alpha val="50000"/>
+            </a:schemeClr>
+          </a:solidFill>
+          <a:ln>
+            <a:noFill/>
+          </a:ln>
+        </p:spPr>
+        <p:style>
+          <a:lnRef idx="0">
+            <a:scrgbClr r="0" g="0" b="0"/>
+          </a:lnRef>
+          <a:fillRef idx="0">
+            <a:scrgbClr r="0" g="0" b="0"/>
+          </a:fillRef>
+          <a:effectRef idx="0">
+            <a:scrgbClr r="0" g="0" b="0"/>
+          </a:effectRef>
+          <a:fontRef idx="minor">
+            <a:schemeClr val="lt1"/>
+          </a:fontRef>
+        </p:style>
+        <p:txBody>
+          <a:bodyPr rtlCol="0" anchor="ctr"/>
+          <a:lstStyle/>
+          <a:p>
+            <a:pPr algn="ctr"/>
+            <a:r>
+              <a:rPr lang="en-US" altLang="ko-KR" sz="1000" dirty="0">
+                <a:solidFill>
+                  <a:schemeClr val="tx1"/>
+                </a:solidFill>
+              </a:rPr>
+              <a:t>lib/Cylinder/Double </a:t>
+            </a:r>
+          </a:p>
+          <a:p>
+            <a:pPr algn="ctr"/>
+            <a:r>
+              <a:rPr lang="en-US" altLang="ko-KR" sz="1000" dirty="0">
+                <a:solidFill>
+                  <a:schemeClr val="tx1"/>
+                </a:solidFill>
+              </a:rPr>
+              <a:t>[Out]</a:t>
+            </a:r>
+            <a:endParaRPr lang="ko-KR" altLang="en-US" sz="1000" dirty="0">
+              <a:solidFill>
+                <a:schemeClr val="tx1"/>
+              </a:solidFill>
+            </a:endParaRPr>
+          </a:p>
+        </p:txBody>
+      </p:sp>
+      <p:cxnSp>
+        <p:nvCxnSpPr>
+          <p:cNvPr id="129" name="연결선: 꺾임 128">
+            <a:extLst>
+              <a:ext uri="{FF2B5EF4-FFF2-40B4-BE49-F238E27FC236}">
+                <a16:creationId xmlns:a16="http://schemas.microsoft.com/office/drawing/2014/main" id="{F7D5863C-C707-F06B-8834-5FBD6DA52F70}"/>
+              </a:ext>
+            </a:extLst>
+          </p:cNvPr>
+          <p:cNvCxnSpPr>
+            <a:cxnSpLocks/>
+            <a:stCxn id="62" idx="3"/>
+            <a:endCxn id="22" idx="2"/>
+          </p:cNvCxnSpPr>
+          <p:nvPr/>
+        </p:nvCxnSpPr>
+        <p:spPr>
+          <a:xfrm flipV="1">
+            <a:off x="7410429" y="5387312"/>
+            <a:ext cx="2981302" cy="570845"/>
+          </a:xfrm>
+          <a:prstGeom prst="bentConnector2">
+            <a:avLst/>
+          </a:prstGeom>
+          <a:ln>
+            <a:headEnd type="oval" w="med" len="med"/>
+            <a:tailEnd type="triangle" w="med" len="med"/>
+          </a:ln>
+        </p:spPr>
+        <p:style>
+          <a:lnRef idx="1">
+            <a:schemeClr val="accent1"/>
+          </a:lnRef>
+          <a:fillRef idx="0">
+            <a:schemeClr val="accent1"/>
+          </a:fillRef>
+          <a:effectRef idx="0">
+            <a:schemeClr val="accent1"/>
+          </a:effectRef>
+          <a:fontRef idx="minor">
+            <a:schemeClr val="tx1"/>
+          </a:fontRef>
+        </p:style>
+      </p:cxnSp>
+      <p:cxnSp>
+        <p:nvCxnSpPr>
+          <p:cNvPr id="170" name="연결선: 꺾임 169">
+            <a:extLst>
+              <a:ext uri="{FF2B5EF4-FFF2-40B4-BE49-F238E27FC236}">
+                <a16:creationId xmlns:a16="http://schemas.microsoft.com/office/drawing/2014/main" id="{ACBC52BA-6B9C-0772-A0B9-356D389ABC7D}"/>
+              </a:ext>
+            </a:extLst>
+          </p:cNvPr>
+          <p:cNvCxnSpPr>
+            <a:cxnSpLocks/>
+            <a:stCxn id="44" idx="4"/>
+            <a:endCxn id="48" idx="0"/>
+          </p:cNvCxnSpPr>
+          <p:nvPr/>
+        </p:nvCxnSpPr>
+        <p:spPr>
+          <a:xfrm rot="5400000">
+            <a:off x="1934673" y="1680913"/>
+            <a:ext cx="312942" cy="1263267"/>
+          </a:xfrm>
+          <a:prstGeom prst="bentConnector3">
+            <a:avLst>
+              <a:gd name="adj1" fmla="val 50000"/>
+            </a:avLst>
+          </a:prstGeom>
+          <a:ln>
+            <a:tailEnd type="triangle"/>
+          </a:ln>
+        </p:spPr>
+        <p:style>
+          <a:lnRef idx="1">
+            <a:schemeClr val="accent1"/>
+          </a:lnRef>
+          <a:fillRef idx="0">
+            <a:schemeClr val="accent1"/>
+          </a:fillRef>
+          <a:effectRef idx="0">
+            <a:schemeClr val="accent1"/>
+          </a:effectRef>
+          <a:fontRef idx="minor">
+            <a:schemeClr val="tx1"/>
+          </a:fontRef>
+        </p:style>
+      </p:cxnSp>
+      <p:grpSp>
+        <p:nvGrpSpPr>
+          <p:cNvPr id="152" name="그룹 151">
+            <a:extLst>
+              <a:ext uri="{FF2B5EF4-FFF2-40B4-BE49-F238E27FC236}">
+                <a16:creationId xmlns:a16="http://schemas.microsoft.com/office/drawing/2014/main" id="{8855695F-589D-CDFC-1643-D07574094F30}"/>
+              </a:ext>
+            </a:extLst>
+          </p:cNvPr>
+          <p:cNvGrpSpPr/>
+          <p:nvPr/>
+        </p:nvGrpSpPr>
+        <p:grpSpPr>
+          <a:xfrm>
+            <a:off x="4826882" y="290406"/>
+            <a:ext cx="2913442" cy="3429286"/>
+            <a:chOff x="6763803" y="2797822"/>
+            <a:chExt cx="5320247" cy="1556092"/>
+          </a:xfrm>
+        </p:grpSpPr>
+        <p:sp>
+          <p:nvSpPr>
+            <p:cNvPr id="34" name="직사각형 33">
+              <a:extLst>
+                <a:ext uri="{FF2B5EF4-FFF2-40B4-BE49-F238E27FC236}">
+                  <a16:creationId xmlns:a16="http://schemas.microsoft.com/office/drawing/2014/main" id="{34CC53E8-2B11-AAB1-DFF5-548A8B7D624B}"/>
+                </a:ext>
+              </a:extLst>
+            </p:cNvPr>
+            <p:cNvSpPr/>
+            <p:nvPr/>
+          </p:nvSpPr>
+          <p:spPr>
+            <a:xfrm>
+              <a:off x="6763803" y="2797822"/>
+              <a:ext cx="5320247" cy="1556092"/>
+            </a:xfrm>
+            <a:prstGeom prst="rect">
+              <a:avLst/>
+            </a:prstGeom>
+            <a:solidFill>
+              <a:schemeClr val="accent4">
+                <a:alpha val="50000"/>
+              </a:schemeClr>
+            </a:solidFill>
+            <a:ln>
+              <a:noFill/>
+            </a:ln>
+          </p:spPr>
+          <p:style>
+            <a:lnRef idx="0">
+              <a:scrgbClr r="0" g="0" b="0"/>
+            </a:lnRef>
+            <a:fillRef idx="0">
+              <a:scrgbClr r="0" g="0" b="0"/>
+            </a:fillRef>
+            <a:effectRef idx="0">
+              <a:scrgbClr r="0" g="0" b="0"/>
+            </a:effectRef>
+            <a:fontRef idx="minor">
+              <a:schemeClr val="lt1"/>
+            </a:fontRef>
+          </p:style>
+          <p:txBody>
+            <a:bodyPr rtlCol="0" anchor="t"/>
+            <a:lstStyle/>
+            <a:p>
+              <a:pPr algn="ctr"/>
+              <a:r>
+                <a:rPr lang="en-US" altLang="ko-KR" sz="800" dirty="0">
+                  <a:solidFill>
+                    <a:schemeClr val="tx1"/>
+                  </a:solidFill>
+                </a:rPr>
+                <a:t>0IN</a:t>
+              </a:r>
+              <a:endParaRPr lang="ko-KR" altLang="en-US" sz="800" dirty="0">
+                <a:solidFill>
+                  <a:schemeClr val="tx1"/>
+                </a:solidFill>
+              </a:endParaRPr>
+            </a:p>
+          </p:txBody>
+        </p:sp>
+        <p:sp>
+          <p:nvSpPr>
+            <p:cNvPr id="35" name="타원 34">
+              <a:extLst>
+                <a:ext uri="{FF2B5EF4-FFF2-40B4-BE49-F238E27FC236}">
+                  <a16:creationId xmlns:a16="http://schemas.microsoft.com/office/drawing/2014/main" id="{ADA08F7E-3CD6-5DA6-C445-ADE767F90FA3}"/>
+                </a:ext>
+              </a:extLst>
+            </p:cNvPr>
+            <p:cNvSpPr/>
+            <p:nvPr/>
+          </p:nvSpPr>
+          <p:spPr>
+            <a:xfrm>
+              <a:off x="9451327" y="3016529"/>
+              <a:ext cx="1210743" cy="178767"/>
+            </a:xfrm>
+            <a:prstGeom prst="ellipse">
+              <a:avLst/>
+            </a:prstGeom>
+          </p:spPr>
+          <p:style>
+            <a:lnRef idx="2">
+              <a:schemeClr val="accent5">
+                <a:shade val="50000"/>
+              </a:schemeClr>
+            </a:lnRef>
+            <a:fillRef idx="1">
+              <a:schemeClr val="accent5"/>
+            </a:fillRef>
+            <a:effectRef idx="0">
+              <a:schemeClr val="accent5"/>
+            </a:effectRef>
+            <a:fontRef idx="minor">
+              <a:schemeClr val="lt1"/>
+            </a:fontRef>
+          </p:style>
+          <p:txBody>
+            <a:bodyPr rtlCol="0" anchor="ctr"/>
+            <a:lstStyle/>
+            <a:p>
+              <a:pPr algn="ctr"/>
+              <a:r>
+                <a:rPr lang="en-US" altLang="ko-KR" sz="800" dirty="0" err="1">
+                  <a:solidFill>
+                    <a:schemeClr val="tx1"/>
+                  </a:solidFill>
+                </a:rPr>
+                <a:t>Cv_Frt</a:t>
+              </a:r>
+              <a:r>
+                <a:rPr lang="en-US" altLang="ko-KR" sz="800" dirty="0">
+                  <a:solidFill>
+                    <a:schemeClr val="tx1"/>
+                  </a:solidFill>
+                </a:rPr>
+                <a:t> </a:t>
+              </a:r>
+              <a:r>
+                <a:rPr lang="en-US" altLang="ko-KR" sz="800" dirty="0"/>
+                <a:t>$MOVE</a:t>
+              </a:r>
+              <a:endParaRPr lang="ko-KR" altLang="en-US" sz="800" dirty="0"/>
+            </a:p>
+          </p:txBody>
+        </p:sp>
+        <p:sp>
+          <p:nvSpPr>
+            <p:cNvPr id="53" name="타원 52">
+              <a:extLst>
+                <a:ext uri="{FF2B5EF4-FFF2-40B4-BE49-F238E27FC236}">
+                  <a16:creationId xmlns:a16="http://schemas.microsoft.com/office/drawing/2014/main" id="{B1C57B92-5FFB-AB3F-5CF3-91C60FCBE9E5}"/>
+                </a:ext>
+              </a:extLst>
+            </p:cNvPr>
+            <p:cNvSpPr/>
+            <p:nvPr/>
+          </p:nvSpPr>
+          <p:spPr>
+            <a:xfrm>
+              <a:off x="8188060" y="3508238"/>
+              <a:ext cx="1210743" cy="178767"/>
+            </a:xfrm>
+            <a:prstGeom prst="ellipse">
+              <a:avLst/>
+            </a:prstGeom>
+          </p:spPr>
+          <p:style>
+            <a:lnRef idx="2">
+              <a:schemeClr val="accent5">
+                <a:shade val="50000"/>
+              </a:schemeClr>
+            </a:lnRef>
+            <a:fillRef idx="1">
+              <a:schemeClr val="accent5"/>
+            </a:fillRef>
+            <a:effectRef idx="0">
+              <a:schemeClr val="accent5"/>
+            </a:effectRef>
+            <a:fontRef idx="minor">
+              <a:schemeClr val="lt1"/>
+            </a:fontRef>
+          </p:style>
+          <p:txBody>
+            <a:bodyPr rtlCol="0" anchor="ctr"/>
+            <a:lstStyle/>
+            <a:p>
+              <a:pPr algn="ctr"/>
+              <a:r>
+                <a:rPr lang="en-US" altLang="ko-KR" sz="800" dirty="0" err="1">
+                  <a:solidFill>
+                    <a:schemeClr val="tx1"/>
+                  </a:solidFill>
+                </a:rPr>
+                <a:t>In</a:t>
+              </a:r>
+              <a:r>
+                <a:rPr lang="en-US" altLang="ko-KR" sz="800" dirty="0" err="1"/>
+                <a:t>$RET</a:t>
+              </a:r>
+              <a:endParaRPr lang="ko-KR" altLang="en-US" sz="800" dirty="0"/>
+            </a:p>
+          </p:txBody>
+        </p:sp>
+        <p:sp>
+          <p:nvSpPr>
+            <p:cNvPr id="70" name="타원 69">
+              <a:extLst>
+                <a:ext uri="{FF2B5EF4-FFF2-40B4-BE49-F238E27FC236}">
+                  <a16:creationId xmlns:a16="http://schemas.microsoft.com/office/drawing/2014/main" id="{4B791764-86F2-9C4F-41B8-11E02F4EFF1E}"/>
+                </a:ext>
+              </a:extLst>
+            </p:cNvPr>
+            <p:cNvSpPr/>
+            <p:nvPr/>
+          </p:nvSpPr>
+          <p:spPr>
+            <a:xfrm>
+              <a:off x="9913818" y="3491839"/>
+              <a:ext cx="1210743" cy="178767"/>
+            </a:xfrm>
+            <a:prstGeom prst="ellipse">
+              <a:avLst/>
+            </a:prstGeom>
+          </p:spPr>
+          <p:style>
+            <a:lnRef idx="2">
+              <a:schemeClr val="accent5">
+                <a:shade val="50000"/>
+              </a:schemeClr>
+            </a:lnRef>
+            <a:fillRef idx="1">
+              <a:schemeClr val="accent5"/>
+            </a:fillRef>
+            <a:effectRef idx="0">
+              <a:schemeClr val="accent5"/>
+            </a:effectRef>
+            <a:fontRef idx="minor">
+              <a:schemeClr val="lt1"/>
+            </a:fontRef>
+          </p:style>
+          <p:txBody>
+            <a:bodyPr rtlCol="0" anchor="ctr"/>
+            <a:lstStyle/>
+            <a:p>
+              <a:pPr algn="ctr"/>
+              <a:r>
+                <a:rPr lang="en-US" altLang="ko-KR" sz="800" dirty="0" err="1">
+                  <a:solidFill>
+                    <a:schemeClr val="tx1"/>
+                  </a:solidFill>
+                </a:rPr>
+                <a:t>In</a:t>
+              </a:r>
+              <a:r>
+                <a:rPr lang="en-US" altLang="ko-KR" sz="800" dirty="0" err="1"/>
+                <a:t>$ADV</a:t>
+              </a:r>
+              <a:endParaRPr lang="ko-KR" altLang="en-US" sz="800" dirty="0"/>
+            </a:p>
+          </p:txBody>
+        </p:sp>
+        <p:cxnSp>
+          <p:nvCxnSpPr>
+            <p:cNvPr id="80" name="연결선: 꺾임 79">
+              <a:extLst>
+                <a:ext uri="{FF2B5EF4-FFF2-40B4-BE49-F238E27FC236}">
+                  <a16:creationId xmlns:a16="http://schemas.microsoft.com/office/drawing/2014/main" id="{E35DB6BB-B1A2-9CFD-C4D5-4896A225FCDB}"/>
+                </a:ext>
+              </a:extLst>
+            </p:cNvPr>
+            <p:cNvCxnSpPr>
+              <a:cxnSpLocks/>
+              <a:stCxn id="35" idx="4"/>
+              <a:endCxn id="70" idx="0"/>
+            </p:cNvCxnSpPr>
+            <p:nvPr/>
+          </p:nvCxnSpPr>
+          <p:spPr>
+            <a:xfrm rot="16200000" flipH="1">
+              <a:off x="10139673" y="3112322"/>
+              <a:ext cx="296543" cy="462491"/>
+            </a:xfrm>
+            <a:prstGeom prst="bentConnector3">
+              <a:avLst>
+                <a:gd name="adj1" fmla="val 50000"/>
+              </a:avLst>
+            </a:prstGeom>
+            <a:ln>
+              <a:tailEnd type="triangle"/>
+            </a:ln>
+          </p:spPr>
+          <p:style>
+            <a:lnRef idx="1">
+              <a:schemeClr val="accent1"/>
+            </a:lnRef>
+            <a:fillRef idx="0">
+              <a:schemeClr val="accent1"/>
+            </a:fillRef>
+            <a:effectRef idx="0">
+              <a:schemeClr val="accent1"/>
+            </a:effectRef>
+            <a:fontRef idx="minor">
+              <a:schemeClr val="tx1"/>
+            </a:fontRef>
+          </p:style>
+        </p:cxnSp>
+        <p:cxnSp>
+          <p:nvCxnSpPr>
+            <p:cNvPr id="94" name="연결선: 꺾임 93">
+              <a:extLst>
+                <a:ext uri="{FF2B5EF4-FFF2-40B4-BE49-F238E27FC236}">
+                  <a16:creationId xmlns:a16="http://schemas.microsoft.com/office/drawing/2014/main" id="{23316E47-8344-5185-A727-03B459F475FC}"/>
+                </a:ext>
+              </a:extLst>
+            </p:cNvPr>
+            <p:cNvCxnSpPr>
+              <a:cxnSpLocks/>
+              <a:stCxn id="70" idx="2"/>
+              <a:endCxn id="53" idx="6"/>
+            </p:cNvCxnSpPr>
+            <p:nvPr/>
+          </p:nvCxnSpPr>
+          <p:spPr>
+            <a:xfrm rot="10800000" flipV="1">
+              <a:off x="9398804" y="3581222"/>
+              <a:ext cx="515015" cy="16399"/>
+            </a:xfrm>
+            <a:prstGeom prst="bentConnector3">
+              <a:avLst>
+                <a:gd name="adj1" fmla="val 50000"/>
+              </a:avLst>
+            </a:prstGeom>
+            <a:ln>
+              <a:tailEnd type="triangle"/>
+            </a:ln>
+          </p:spPr>
+          <p:style>
+            <a:lnRef idx="1">
+              <a:schemeClr val="accent1"/>
+            </a:lnRef>
+            <a:fillRef idx="0">
+              <a:schemeClr val="accent1"/>
+            </a:fillRef>
+            <a:effectRef idx="0">
+              <a:schemeClr val="accent1"/>
+            </a:effectRef>
+            <a:fontRef idx="minor">
+              <a:schemeClr val="tx1"/>
+            </a:fontRef>
+          </p:style>
+        </p:cxnSp>
+        <p:sp>
+          <p:nvSpPr>
+            <p:cNvPr id="11" name="타원 10">
+              <a:extLst>
+                <a:ext uri="{FF2B5EF4-FFF2-40B4-BE49-F238E27FC236}">
+                  <a16:creationId xmlns:a16="http://schemas.microsoft.com/office/drawing/2014/main" id="{F0A7154D-F4F2-CC2C-B2F8-FC81585DD973}"/>
+                </a:ext>
+              </a:extLst>
+            </p:cNvPr>
+            <p:cNvSpPr/>
+            <p:nvPr/>
+          </p:nvSpPr>
+          <p:spPr>
+            <a:xfrm>
+              <a:off x="8455047" y="3903468"/>
+              <a:ext cx="1210743" cy="178767"/>
+            </a:xfrm>
+            <a:prstGeom prst="ellipse">
+              <a:avLst/>
+            </a:prstGeom>
+          </p:spPr>
+          <p:style>
+            <a:lnRef idx="2">
+              <a:schemeClr val="accent5">
+                <a:shade val="50000"/>
+              </a:schemeClr>
+            </a:lnRef>
+            <a:fillRef idx="1">
+              <a:schemeClr val="accent5"/>
+            </a:fillRef>
+            <a:effectRef idx="0">
+              <a:schemeClr val="accent5"/>
+            </a:effectRef>
+            <a:fontRef idx="minor">
+              <a:schemeClr val="lt1"/>
+            </a:fontRef>
+          </p:style>
+          <p:txBody>
+            <a:bodyPr rtlCol="0" anchor="ctr"/>
+            <a:lstStyle/>
+            <a:p>
+              <a:pPr algn="ctr"/>
+              <a:r>
+                <a:rPr lang="en-US" altLang="ko-KR" sz="800" dirty="0" err="1">
+                  <a:solidFill>
+                    <a:schemeClr val="tx1"/>
+                  </a:solidFill>
+                </a:rPr>
+                <a:t>Cv_Frt</a:t>
+              </a:r>
+              <a:r>
+                <a:rPr lang="en-US" altLang="ko-KR" sz="800" dirty="0">
+                  <a:solidFill>
+                    <a:schemeClr val="tx1"/>
+                  </a:solidFill>
+                </a:rPr>
+                <a:t> </a:t>
+              </a:r>
+              <a:r>
+                <a:rPr lang="en-US" altLang="ko-KR" sz="800" dirty="0"/>
+                <a:t>$REMOVE</a:t>
+              </a:r>
+              <a:endParaRPr lang="ko-KR" altLang="en-US" sz="800" dirty="0"/>
+            </a:p>
+          </p:txBody>
+        </p:sp>
+        <p:cxnSp>
+          <p:nvCxnSpPr>
+            <p:cNvPr id="15" name="연결선: 꺾임 14">
+              <a:extLst>
+                <a:ext uri="{FF2B5EF4-FFF2-40B4-BE49-F238E27FC236}">
+                  <a16:creationId xmlns:a16="http://schemas.microsoft.com/office/drawing/2014/main" id="{4D31706C-6021-7C32-C635-4EE97527FE9B}"/>
+                </a:ext>
+              </a:extLst>
+            </p:cNvPr>
+            <p:cNvCxnSpPr>
+              <a:cxnSpLocks/>
+              <a:stCxn id="53" idx="4"/>
+              <a:endCxn id="11" idx="0"/>
+            </p:cNvCxnSpPr>
+            <p:nvPr/>
+          </p:nvCxnSpPr>
+          <p:spPr>
+            <a:xfrm rot="16200000" flipH="1">
+              <a:off x="8818694" y="3661742"/>
+              <a:ext cx="216463" cy="266987"/>
+            </a:xfrm>
+            <a:prstGeom prst="bentConnector3">
+              <a:avLst>
+                <a:gd name="adj1" fmla="val 50000"/>
+              </a:avLst>
+            </a:prstGeom>
+            <a:ln>
+              <a:tailEnd type="triangle"/>
+            </a:ln>
+          </p:spPr>
+          <p:style>
+            <a:lnRef idx="1">
+              <a:schemeClr val="accent1"/>
+            </a:lnRef>
+            <a:fillRef idx="0">
+              <a:schemeClr val="accent1"/>
+            </a:fillRef>
+            <a:effectRef idx="0">
+              <a:schemeClr val="accent1"/>
+            </a:effectRef>
+            <a:fontRef idx="minor">
+              <a:schemeClr val="tx1"/>
+            </a:fontRef>
+          </p:style>
+        </p:cxnSp>
+      </p:grpSp>
+      <p:grpSp>
+        <p:nvGrpSpPr>
+          <p:cNvPr id="21" name="그룹 20">
+            <a:extLst>
+              <a:ext uri="{FF2B5EF4-FFF2-40B4-BE49-F238E27FC236}">
+                <a16:creationId xmlns:a16="http://schemas.microsoft.com/office/drawing/2014/main" id="{DA85C83A-CDB2-A727-0712-57F44B0855F2}"/>
+              </a:ext>
+            </a:extLst>
+          </p:cNvPr>
+          <p:cNvGrpSpPr/>
+          <p:nvPr/>
+        </p:nvGrpSpPr>
+        <p:grpSpPr>
+          <a:xfrm>
+            <a:off x="8935010" y="1958026"/>
+            <a:ext cx="2913442" cy="3429286"/>
+            <a:chOff x="6763803" y="2797822"/>
+            <a:chExt cx="5320247" cy="1556092"/>
+          </a:xfrm>
+        </p:grpSpPr>
+        <p:sp>
+          <p:nvSpPr>
+            <p:cNvPr id="22" name="직사각형 21">
+              <a:extLst>
+                <a:ext uri="{FF2B5EF4-FFF2-40B4-BE49-F238E27FC236}">
+                  <a16:creationId xmlns:a16="http://schemas.microsoft.com/office/drawing/2014/main" id="{837FC055-826D-E0EE-0EF9-CADB6A8CB5FA}"/>
+                </a:ext>
+              </a:extLst>
+            </p:cNvPr>
+            <p:cNvSpPr/>
+            <p:nvPr/>
+          </p:nvSpPr>
+          <p:spPr>
+            <a:xfrm>
+              <a:off x="6763803" y="2797822"/>
+              <a:ext cx="5320247" cy="1556092"/>
+            </a:xfrm>
+            <a:prstGeom prst="rect">
+              <a:avLst/>
+            </a:prstGeom>
+            <a:solidFill>
+              <a:schemeClr val="accent4">
+                <a:alpha val="50000"/>
+              </a:schemeClr>
+            </a:solidFill>
+            <a:ln>
+              <a:noFill/>
+            </a:ln>
+          </p:spPr>
+          <p:style>
+            <a:lnRef idx="0">
+              <a:scrgbClr r="0" g="0" b="0"/>
+            </a:lnRef>
+            <a:fillRef idx="0">
+              <a:scrgbClr r="0" g="0" b="0"/>
+            </a:fillRef>
+            <a:effectRef idx="0">
+              <a:scrgbClr r="0" g="0" b="0"/>
+            </a:effectRef>
+            <a:fontRef idx="minor">
+              <a:schemeClr val="lt1"/>
+            </a:fontRef>
+          </p:style>
+          <p:txBody>
+            <a:bodyPr rtlCol="0" anchor="t"/>
+            <a:lstStyle/>
+            <a:p>
+              <a:pPr algn="ctr"/>
+              <a:r>
+                <a:rPr lang="en-US" altLang="ko-KR" sz="800" dirty="0">
+                  <a:solidFill>
+                    <a:schemeClr val="tx1"/>
+                  </a:solidFill>
+                </a:rPr>
+                <a:t>5OUT</a:t>
+              </a:r>
+              <a:endParaRPr lang="ko-KR" altLang="en-US" sz="800" dirty="0">
+                <a:solidFill>
+                  <a:schemeClr val="tx1"/>
+                </a:solidFill>
+              </a:endParaRPr>
+            </a:p>
+          </p:txBody>
+        </p:sp>
+        <p:sp>
+          <p:nvSpPr>
+            <p:cNvPr id="25" name="타원 24">
+              <a:extLst>
+                <a:ext uri="{FF2B5EF4-FFF2-40B4-BE49-F238E27FC236}">
+                  <a16:creationId xmlns:a16="http://schemas.microsoft.com/office/drawing/2014/main" id="{FD951A3B-3DFB-A9DD-3106-A05340F7CF75}"/>
+                </a:ext>
+              </a:extLst>
+            </p:cNvPr>
+            <p:cNvSpPr/>
+            <p:nvPr/>
+          </p:nvSpPr>
+          <p:spPr>
+            <a:xfrm>
+              <a:off x="8890639" y="3016529"/>
+              <a:ext cx="2332121" cy="178767"/>
+            </a:xfrm>
+            <a:prstGeom prst="ellipse">
+              <a:avLst/>
+            </a:prstGeom>
+          </p:spPr>
+          <p:style>
+            <a:lnRef idx="2">
+              <a:schemeClr val="accent5">
+                <a:shade val="50000"/>
+              </a:schemeClr>
+            </a:lnRef>
+            <a:fillRef idx="1">
+              <a:schemeClr val="accent5"/>
+            </a:fillRef>
+            <a:effectRef idx="0">
+              <a:schemeClr val="accent5"/>
+            </a:effectRef>
+            <a:fontRef idx="minor">
+              <a:schemeClr val="lt1"/>
+            </a:fontRef>
+          </p:style>
+          <p:txBody>
+            <a:bodyPr rtlCol="0" anchor="ctr"/>
+            <a:lstStyle/>
+            <a:p>
+              <a:pPr algn="ctr"/>
+              <a:r>
+                <a:rPr lang="en-US" altLang="ko-KR" sz="800" dirty="0">
+                  <a:solidFill>
+                    <a:schemeClr val="tx1"/>
+                  </a:solidFill>
+                </a:rPr>
+                <a:t>Cv5_Rr</a:t>
+              </a:r>
+              <a:r>
+                <a:rPr lang="en-US" altLang="ko-KR" sz="800" dirty="0"/>
+                <a:t>$MOVE</a:t>
+              </a:r>
+              <a:endParaRPr lang="ko-KR" altLang="en-US" sz="800" dirty="0"/>
+            </a:p>
+          </p:txBody>
+        </p:sp>
+        <p:sp>
+          <p:nvSpPr>
+            <p:cNvPr id="26" name="타원 25">
+              <a:extLst>
+                <a:ext uri="{FF2B5EF4-FFF2-40B4-BE49-F238E27FC236}">
+                  <a16:creationId xmlns:a16="http://schemas.microsoft.com/office/drawing/2014/main" id="{4905778C-B03E-DAD0-2D06-35386C5AA40D}"/>
+                </a:ext>
+              </a:extLst>
+            </p:cNvPr>
+            <p:cNvSpPr/>
+            <p:nvPr/>
+          </p:nvSpPr>
+          <p:spPr>
+            <a:xfrm>
+              <a:off x="8188060" y="3508238"/>
+              <a:ext cx="1210743" cy="178767"/>
+            </a:xfrm>
+            <a:prstGeom prst="ellipse">
+              <a:avLst/>
+            </a:prstGeom>
+          </p:spPr>
+          <p:style>
+            <a:lnRef idx="2">
+              <a:schemeClr val="accent5">
+                <a:shade val="50000"/>
+              </a:schemeClr>
+            </a:lnRef>
+            <a:fillRef idx="1">
+              <a:schemeClr val="accent5"/>
+            </a:fillRef>
+            <a:effectRef idx="0">
+              <a:schemeClr val="accent5"/>
+            </a:effectRef>
+            <a:fontRef idx="minor">
+              <a:schemeClr val="lt1"/>
+            </a:fontRef>
+          </p:style>
+          <p:txBody>
+            <a:bodyPr rtlCol="0" anchor="ctr"/>
+            <a:lstStyle/>
+            <a:p>
+              <a:pPr algn="ctr"/>
+              <a:r>
+                <a:rPr lang="en-US" altLang="ko-KR" sz="800" dirty="0" err="1"/>
+                <a:t>Out$RET</a:t>
+              </a:r>
+              <a:endParaRPr lang="ko-KR" altLang="en-US" sz="800" dirty="0"/>
+            </a:p>
+          </p:txBody>
+        </p:sp>
+        <p:sp>
+          <p:nvSpPr>
+            <p:cNvPr id="27" name="타원 26">
+              <a:extLst>
+                <a:ext uri="{FF2B5EF4-FFF2-40B4-BE49-F238E27FC236}">
+                  <a16:creationId xmlns:a16="http://schemas.microsoft.com/office/drawing/2014/main" id="{7B78A5D8-8525-1A60-A317-2C794790B7E4}"/>
+                </a:ext>
+              </a:extLst>
+            </p:cNvPr>
+            <p:cNvSpPr/>
+            <p:nvPr/>
+          </p:nvSpPr>
+          <p:spPr>
+            <a:xfrm>
+              <a:off x="9913818" y="3491839"/>
+              <a:ext cx="1210743" cy="178767"/>
+            </a:xfrm>
+            <a:prstGeom prst="ellipse">
+              <a:avLst/>
+            </a:prstGeom>
+          </p:spPr>
+          <p:style>
+            <a:lnRef idx="2">
+              <a:schemeClr val="accent5">
+                <a:shade val="50000"/>
+              </a:schemeClr>
+            </a:lnRef>
+            <a:fillRef idx="1">
+              <a:schemeClr val="accent5"/>
+            </a:fillRef>
+            <a:effectRef idx="0">
+              <a:schemeClr val="accent5"/>
+            </a:effectRef>
+            <a:fontRef idx="minor">
+              <a:schemeClr val="lt1"/>
+            </a:fontRef>
+          </p:style>
+          <p:txBody>
+            <a:bodyPr rtlCol="0" anchor="ctr"/>
+            <a:lstStyle/>
+            <a:p>
+              <a:pPr algn="ctr"/>
+              <a:r>
+                <a:rPr lang="en-US" altLang="ko-KR" sz="800" dirty="0" err="1"/>
+                <a:t>Out$ADV</a:t>
+              </a:r>
+              <a:endParaRPr lang="ko-KR" altLang="en-US" sz="800" dirty="0"/>
+            </a:p>
+          </p:txBody>
+        </p:sp>
+        <p:cxnSp>
+          <p:nvCxnSpPr>
+            <p:cNvPr id="30" name="연결선: 꺾임 29">
+              <a:extLst>
+                <a:ext uri="{FF2B5EF4-FFF2-40B4-BE49-F238E27FC236}">
+                  <a16:creationId xmlns:a16="http://schemas.microsoft.com/office/drawing/2014/main" id="{0B51D945-AAFC-B1DF-482B-A6B544123BC1}"/>
+                </a:ext>
+              </a:extLst>
+            </p:cNvPr>
+            <p:cNvCxnSpPr>
+              <a:cxnSpLocks/>
+              <a:stCxn id="25" idx="4"/>
+              <a:endCxn id="27" idx="0"/>
+            </p:cNvCxnSpPr>
+            <p:nvPr/>
+          </p:nvCxnSpPr>
+          <p:spPr>
+            <a:xfrm rot="16200000" flipH="1">
+              <a:off x="10139672" y="3112322"/>
+              <a:ext cx="296543" cy="462490"/>
+            </a:xfrm>
+            <a:prstGeom prst="bentConnector3">
+              <a:avLst>
+                <a:gd name="adj1" fmla="val 50000"/>
+              </a:avLst>
+            </a:prstGeom>
+            <a:ln>
+              <a:tailEnd type="triangle"/>
+            </a:ln>
+          </p:spPr>
+          <p:style>
+            <a:lnRef idx="1">
+              <a:schemeClr val="accent1"/>
+            </a:lnRef>
+            <a:fillRef idx="0">
+              <a:schemeClr val="accent1"/>
+            </a:fillRef>
+            <a:effectRef idx="0">
+              <a:schemeClr val="accent1"/>
+            </a:effectRef>
+            <a:fontRef idx="minor">
+              <a:schemeClr val="tx1"/>
+            </a:fontRef>
+          </p:style>
+        </p:cxnSp>
+        <p:cxnSp>
+          <p:nvCxnSpPr>
+            <p:cNvPr id="31" name="연결선: 꺾임 30">
+              <a:extLst>
+                <a:ext uri="{FF2B5EF4-FFF2-40B4-BE49-F238E27FC236}">
+                  <a16:creationId xmlns:a16="http://schemas.microsoft.com/office/drawing/2014/main" id="{3D61D91C-AE5D-5616-33EC-1C3500C7A482}"/>
+                </a:ext>
+              </a:extLst>
+            </p:cNvPr>
+            <p:cNvCxnSpPr>
+              <a:cxnSpLocks/>
+              <a:stCxn id="27" idx="2"/>
+              <a:endCxn id="26" idx="6"/>
+            </p:cNvCxnSpPr>
+            <p:nvPr/>
+          </p:nvCxnSpPr>
+          <p:spPr>
+            <a:xfrm rot="10800000" flipV="1">
+              <a:off x="9398804" y="3581222"/>
+              <a:ext cx="515015" cy="16399"/>
+            </a:xfrm>
+            <a:prstGeom prst="bentConnector3">
+              <a:avLst>
+                <a:gd name="adj1" fmla="val 50000"/>
+              </a:avLst>
+            </a:prstGeom>
+            <a:ln>
+              <a:tailEnd type="triangle"/>
+            </a:ln>
+          </p:spPr>
+          <p:style>
+            <a:lnRef idx="1">
+              <a:schemeClr val="accent1"/>
+            </a:lnRef>
+            <a:fillRef idx="0">
+              <a:schemeClr val="accent1"/>
+            </a:fillRef>
+            <a:effectRef idx="0">
+              <a:schemeClr val="accent1"/>
+            </a:effectRef>
+            <a:fontRef idx="minor">
+              <a:schemeClr val="tx1"/>
+            </a:fontRef>
+          </p:style>
+        </p:cxnSp>
+        <p:sp>
+          <p:nvSpPr>
+            <p:cNvPr id="32" name="타원 31">
+              <a:extLst>
+                <a:ext uri="{FF2B5EF4-FFF2-40B4-BE49-F238E27FC236}">
+                  <a16:creationId xmlns:a16="http://schemas.microsoft.com/office/drawing/2014/main" id="{B74CBAAF-63D7-858E-ED2B-AD1029AD020F}"/>
+                </a:ext>
+              </a:extLst>
+            </p:cNvPr>
+            <p:cNvSpPr/>
+            <p:nvPr/>
+          </p:nvSpPr>
+          <p:spPr>
+            <a:xfrm>
+              <a:off x="8086306" y="3903468"/>
+              <a:ext cx="1948226" cy="178767"/>
+            </a:xfrm>
+            <a:prstGeom prst="ellipse">
+              <a:avLst/>
+            </a:prstGeom>
+          </p:spPr>
+          <p:style>
+            <a:lnRef idx="2">
+              <a:schemeClr val="accent5">
+                <a:shade val="50000"/>
+              </a:schemeClr>
+            </a:lnRef>
+            <a:fillRef idx="1">
+              <a:schemeClr val="accent5"/>
+            </a:fillRef>
+            <a:effectRef idx="0">
+              <a:schemeClr val="accent5"/>
+            </a:effectRef>
+            <a:fontRef idx="minor">
+              <a:schemeClr val="lt1"/>
+            </a:fontRef>
+          </p:style>
+          <p:txBody>
+            <a:bodyPr rtlCol="0" anchor="ctr"/>
+            <a:lstStyle/>
+            <a:p>
+              <a:pPr algn="ctr"/>
+              <a:r>
+                <a:rPr lang="en-US" altLang="ko-KR" sz="800" dirty="0">
+                  <a:solidFill>
+                    <a:schemeClr val="tx1"/>
+                  </a:solidFill>
+                </a:rPr>
+                <a:t>Cv5_Rr </a:t>
+              </a:r>
+              <a:r>
+                <a:rPr lang="en-US" altLang="ko-KR" sz="800" dirty="0"/>
+                <a:t>$REMOVE</a:t>
+              </a:r>
+              <a:endParaRPr lang="ko-KR" altLang="en-US" sz="800" dirty="0"/>
+            </a:p>
+          </p:txBody>
+        </p:sp>
+        <p:cxnSp>
+          <p:nvCxnSpPr>
+            <p:cNvPr id="38" name="연결선: 꺾임 37">
+              <a:extLst>
+                <a:ext uri="{FF2B5EF4-FFF2-40B4-BE49-F238E27FC236}">
+                  <a16:creationId xmlns:a16="http://schemas.microsoft.com/office/drawing/2014/main" id="{1B0C4B9C-D8B4-73B7-8D6B-7CDDF97E9463}"/>
+                </a:ext>
+              </a:extLst>
+            </p:cNvPr>
+            <p:cNvCxnSpPr>
+              <a:cxnSpLocks/>
+              <a:stCxn id="26" idx="4"/>
+              <a:endCxn id="32" idx="0"/>
+            </p:cNvCxnSpPr>
+            <p:nvPr/>
+          </p:nvCxnSpPr>
+          <p:spPr>
+            <a:xfrm rot="16200000" flipH="1">
+              <a:off x="8818693" y="3661743"/>
+              <a:ext cx="216463" cy="266987"/>
+            </a:xfrm>
+            <a:prstGeom prst="bentConnector3">
+              <a:avLst>
+                <a:gd name="adj1" fmla="val 50000"/>
+              </a:avLst>
+            </a:prstGeom>
+            <a:ln>
+              <a:tailEnd type="triangle"/>
+            </a:ln>
+          </p:spPr>
+          <p:style>
+            <a:lnRef idx="1">
+              <a:schemeClr val="accent1"/>
+            </a:lnRef>
+            <a:fillRef idx="0">
+              <a:schemeClr val="accent1"/>
+            </a:fillRef>
+            <a:effectRef idx="0">
+              <a:schemeClr val="accent1"/>
+            </a:effectRef>
+            <a:fontRef idx="minor">
+              <a:schemeClr val="tx1"/>
+            </a:fontRef>
+          </p:style>
+        </p:cxnSp>
+      </p:grpSp>
+      <p:cxnSp>
+        <p:nvCxnSpPr>
+          <p:cNvPr id="43" name="연결선: 꺾임 42">
+            <a:extLst>
+              <a:ext uri="{FF2B5EF4-FFF2-40B4-BE49-F238E27FC236}">
+                <a16:creationId xmlns:a16="http://schemas.microsoft.com/office/drawing/2014/main" id="{E04B0DD9-9A95-FD3D-9959-F3D97D30DC67}"/>
+              </a:ext>
+            </a:extLst>
+          </p:cNvPr>
+          <p:cNvCxnSpPr>
+            <a:cxnSpLocks/>
+            <a:stCxn id="34" idx="1"/>
+            <a:endCxn id="28" idx="3"/>
+          </p:cNvCxnSpPr>
+          <p:nvPr/>
+        </p:nvCxnSpPr>
+        <p:spPr>
+          <a:xfrm rot="10800000" flipV="1">
+            <a:off x="3810038" y="2005049"/>
+            <a:ext cx="1016845" cy="493410"/>
+          </a:xfrm>
+          <a:prstGeom prst="bentConnector3">
+            <a:avLst>
+              <a:gd name="adj1" fmla="val 50000"/>
+            </a:avLst>
+          </a:prstGeom>
+          <a:ln>
+            <a:headEnd type="oval" w="med" len="med"/>
+            <a:tailEnd type="triangle" w="med" len="med"/>
+          </a:ln>
+        </p:spPr>
+        <p:style>
+          <a:lnRef idx="1">
+            <a:schemeClr val="accent1"/>
+          </a:lnRef>
+          <a:fillRef idx="0">
+            <a:schemeClr val="accent1"/>
+          </a:fillRef>
+          <a:effectRef idx="0">
+            <a:schemeClr val="accent1"/>
+          </a:effectRef>
+          <a:fontRef idx="minor">
+            <a:schemeClr val="tx1"/>
+          </a:fontRef>
+        </p:style>
+      </p:cxnSp>
+      <p:cxnSp>
+        <p:nvCxnSpPr>
+          <p:cNvPr id="58" name="연결선: 꺾임 57">
+            <a:extLst>
+              <a:ext uri="{FF2B5EF4-FFF2-40B4-BE49-F238E27FC236}">
+                <a16:creationId xmlns:a16="http://schemas.microsoft.com/office/drawing/2014/main" id="{46CBE115-6F8F-5340-EF94-46E010D46BFA}"/>
+              </a:ext>
+            </a:extLst>
+          </p:cNvPr>
+          <p:cNvCxnSpPr>
+            <a:cxnSpLocks/>
+            <a:stCxn id="22" idx="0"/>
+            <a:endCxn id="34" idx="3"/>
+          </p:cNvCxnSpPr>
+          <p:nvPr/>
+        </p:nvCxnSpPr>
+        <p:spPr>
+          <a:xfrm rot="16200000" flipH="1" flipV="1">
+            <a:off x="9042516" y="655833"/>
+            <a:ext cx="47023" cy="2651407"/>
+          </a:xfrm>
+          <a:prstGeom prst="bentConnector4">
+            <a:avLst>
+              <a:gd name="adj1" fmla="val -486145"/>
+              <a:gd name="adj2" fmla="val 77471"/>
+            </a:avLst>
+          </a:prstGeom>
+          <a:ln>
+            <a:headEnd type="oval" w="med" len="med"/>
+            <a:tailEnd type="triangle" w="med" len="med"/>
+          </a:ln>
+        </p:spPr>
+        <p:style>
+          <a:lnRef idx="1">
+            <a:schemeClr val="accent1"/>
+          </a:lnRef>
+          <a:fillRef idx="0">
+            <a:schemeClr val="accent1"/>
+          </a:fillRef>
+          <a:effectRef idx="0">
+            <a:schemeClr val="accent1"/>
+          </a:effectRef>
+          <a:fontRef idx="minor">
+            <a:schemeClr val="tx1"/>
+          </a:fontRef>
+        </p:style>
+      </p:cxnSp>
+    </p:spTree>
+    <p:extLst>
+      <p:ext uri="{BB962C8B-B14F-4D97-AF65-F5344CB8AC3E}">
+        <p14:creationId xmlns:p14="http://schemas.microsoft.com/office/powerpoint/2010/main" val="3307555016"/>
+      </p:ext>
+    </p:extLst>
+  </p:cSld>
+  <p:clrMapOvr>
+    <a:masterClrMapping/>
+  </p:clrMapOvr>
+</p:sld>
+</file>
+
+<file path=ppt/slides/slide6.xml><?xml version="1.0" encoding="utf-8"?>
 <p:sld xmlns:a="http://schemas.openxmlformats.org/drawingml/2006/main" xmlns:r="http://schemas.openxmlformats.org/officeDocument/2006/relationships" xmlns:p="http://schemas.openxmlformats.org/presentationml/2006/main" show="0">
   <p:cSld>
     <p:spTree>
@@ -37315,7 +42545,7 @@
 </p:sld>
 </file>
 
-<file path=ppt/slides/slide6.xml><?xml version="1.0" encoding="utf-8"?>
+<file path=ppt/slides/slide7.xml><?xml version="1.0" encoding="utf-8"?>
 <p:sld xmlns:a="http://schemas.openxmlformats.org/drawingml/2006/main" xmlns:r="http://schemas.openxmlformats.org/officeDocument/2006/relationships" xmlns:p="http://schemas.openxmlformats.org/presentationml/2006/main" show="0">
   <p:cSld>
     <p:spTree>
@@ -42386,7 +47616,7 @@
 </p:sld>
 </file>
 
-<file path=ppt/slides/slide7.xml><?xml version="1.0" encoding="utf-8"?>
+<file path=ppt/slides/slide8.xml><?xml version="1.0" encoding="utf-8"?>
 <p:sld xmlns:a="http://schemas.openxmlformats.org/drawingml/2006/main" xmlns:r="http://schemas.openxmlformats.org/officeDocument/2006/relationships" xmlns:p="http://schemas.openxmlformats.org/presentationml/2006/main" show="0">
   <p:cSld>
     <p:spTree>
@@ -43256,7 +48486,7 @@
 </p:sld>
 </file>
 
-<file path=ppt/slides/slide8.xml><?xml version="1.0" encoding="utf-8"?>
+<file path=ppt/slides/slide9.xml><?xml version="1.0" encoding="utf-8"?>
 <p:sld xmlns:a="http://schemas.openxmlformats.org/drawingml/2006/main" xmlns:r="http://schemas.openxmlformats.org/officeDocument/2006/relationships" xmlns:p="http://schemas.openxmlformats.org/presentationml/2006/main" show="0">
   <p:cSld>
     <p:spTree>
@@ -44067,826 +49297,6 @@
     <p:extLst>
       <p:ext uri="{BB962C8B-B14F-4D97-AF65-F5344CB8AC3E}">
         <p14:creationId xmlns:p14="http://schemas.microsoft.com/office/powerpoint/2010/main" val="3243612849"/>
-      </p:ext>
-    </p:extLst>
-  </p:cSld>
-  <p:clrMapOvr>
-    <a:masterClrMapping/>
-  </p:clrMapOvr>
-</p:sld>
-</file>
-
-<file path=ppt/slides/slide9.xml><?xml version="1.0" encoding="utf-8"?>
-<p:sld xmlns:a="http://schemas.openxmlformats.org/drawingml/2006/main" xmlns:r="http://schemas.openxmlformats.org/officeDocument/2006/relationships" xmlns:p="http://schemas.openxmlformats.org/presentationml/2006/main" show="0">
-  <p:cSld>
-    <p:spTree>
-      <p:nvGrpSpPr>
-        <p:cNvPr id="1" name=""/>
-        <p:cNvGrpSpPr/>
-        <p:nvPr/>
-      </p:nvGrpSpPr>
-      <p:grpSpPr>
-        <a:xfrm>
-          <a:off x="0" y="0"/>
-          <a:ext cx="0" cy="0"/>
-          <a:chOff x="0" y="0"/>
-          <a:chExt cx="0" cy="0"/>
-        </a:xfrm>
-      </p:grpSpPr>
-      <p:sp>
-        <p:nvSpPr>
-          <p:cNvPr id="2" name="제목 1">
-            <a:extLst>
-              <a:ext uri="{FF2B5EF4-FFF2-40B4-BE49-F238E27FC236}">
-                <a16:creationId xmlns:a16="http://schemas.microsoft.com/office/drawing/2014/main" id="{5E8FE27E-4086-E570-1BA4-F2B433CAA376}"/>
-              </a:ext>
-            </a:extLst>
-          </p:cNvPr>
-          <p:cNvSpPr>
-            <a:spLocks noGrp="1"/>
-          </p:cNvSpPr>
-          <p:nvPr>
-            <p:ph type="title"/>
-          </p:nvPr>
-        </p:nvSpPr>
-        <p:spPr/>
-        <p:txBody>
-          <a:bodyPr/>
-          <a:lstStyle/>
-          <a:p>
-            <a:r>
-              <a:rPr lang="en-US" altLang="ko-KR" dirty="0"/>
-              <a:t>S3</a:t>
-            </a:r>
-            <a:endParaRPr lang="ko-KR" altLang="en-US" dirty="0"/>
-          </a:p>
-        </p:txBody>
-      </p:sp>
-      <p:sp>
-        <p:nvSpPr>
-          <p:cNvPr id="13" name="직사각형 12">
-            <a:extLst>
-              <a:ext uri="{FF2B5EF4-FFF2-40B4-BE49-F238E27FC236}">
-                <a16:creationId xmlns:a16="http://schemas.microsoft.com/office/drawing/2014/main" id="{20D4B5AF-E245-475A-47A6-1314F9D73EE8}"/>
-              </a:ext>
-            </a:extLst>
-          </p:cNvPr>
-          <p:cNvSpPr/>
-          <p:nvPr/>
-        </p:nvSpPr>
-        <p:spPr>
-          <a:xfrm>
-            <a:off x="10080018" y="3931852"/>
-            <a:ext cx="847742" cy="495381"/>
-          </a:xfrm>
-          <a:prstGeom prst="rect">
-            <a:avLst/>
-          </a:prstGeom>
-        </p:spPr>
-        <p:style>
-          <a:lnRef idx="2">
-            <a:schemeClr val="accent1">
-              <a:shade val="15000"/>
-            </a:schemeClr>
-          </a:lnRef>
-          <a:fillRef idx="1">
-            <a:schemeClr val="accent1"/>
-          </a:fillRef>
-          <a:effectRef idx="0">
-            <a:schemeClr val="accent1"/>
-          </a:effectRef>
-          <a:fontRef idx="minor">
-            <a:schemeClr val="lt1"/>
-          </a:fontRef>
-        </p:style>
-        <p:txBody>
-          <a:bodyPr rtlCol="0" anchor="ctr"/>
-          <a:lstStyle/>
-          <a:p>
-            <a:pPr algn="ctr"/>
-            <a:r>
-              <a:rPr lang="ko-KR" altLang="en-US" dirty="0"/>
-              <a:t>반복</a:t>
-            </a:r>
-          </a:p>
-        </p:txBody>
-      </p:sp>
-      <p:cxnSp>
-        <p:nvCxnSpPr>
-          <p:cNvPr id="32" name="연결선: 꺾임 31">
-            <a:extLst>
-              <a:ext uri="{FF2B5EF4-FFF2-40B4-BE49-F238E27FC236}">
-                <a16:creationId xmlns:a16="http://schemas.microsoft.com/office/drawing/2014/main" id="{55996CE5-7EBC-3246-9029-B8870B968B13}"/>
-              </a:ext>
-            </a:extLst>
-          </p:cNvPr>
-          <p:cNvCxnSpPr>
-            <a:cxnSpLocks/>
-            <a:stCxn id="94" idx="2"/>
-            <a:endCxn id="13" idx="2"/>
-          </p:cNvCxnSpPr>
-          <p:nvPr/>
-        </p:nvCxnSpPr>
-        <p:spPr>
-          <a:xfrm rot="5400000" flipH="1" flipV="1">
-            <a:off x="7188435" y="1732639"/>
-            <a:ext cx="620859" cy="6010048"/>
-          </a:xfrm>
-          <a:prstGeom prst="bentConnector3">
-            <a:avLst>
-              <a:gd name="adj1" fmla="val -36820"/>
-            </a:avLst>
-          </a:prstGeom>
-          <a:ln w="38100">
-            <a:solidFill>
-              <a:srgbClr val="FFC000"/>
-            </a:solidFill>
-            <a:headEnd type="diamond" w="med" len="med"/>
-            <a:tailEnd type="triangle" w="med" len="med"/>
-          </a:ln>
-        </p:spPr>
-        <p:style>
-          <a:lnRef idx="1">
-            <a:schemeClr val="accent6"/>
-          </a:lnRef>
-          <a:fillRef idx="0">
-            <a:schemeClr val="accent6"/>
-          </a:fillRef>
-          <a:effectRef idx="0">
-            <a:schemeClr val="accent6"/>
-          </a:effectRef>
-          <a:fontRef idx="minor">
-            <a:schemeClr val="tx1"/>
-          </a:fontRef>
-        </p:style>
-      </p:cxnSp>
-      <p:cxnSp>
-        <p:nvCxnSpPr>
-          <p:cNvPr id="62" name="연결선: 꺾임 61">
-            <a:extLst>
-              <a:ext uri="{FF2B5EF4-FFF2-40B4-BE49-F238E27FC236}">
-                <a16:creationId xmlns:a16="http://schemas.microsoft.com/office/drawing/2014/main" id="{D2BBF1BC-3F9C-FDD1-40CF-9CFE10E49737}"/>
-              </a:ext>
-            </a:extLst>
-          </p:cNvPr>
-          <p:cNvCxnSpPr>
-            <a:cxnSpLocks/>
-            <a:stCxn id="13" idx="0"/>
-            <a:endCxn id="94" idx="3"/>
-          </p:cNvCxnSpPr>
-          <p:nvPr/>
-        </p:nvCxnSpPr>
-        <p:spPr>
-          <a:xfrm rot="16200000" flipV="1">
-            <a:off x="8772245" y="2200208"/>
-            <a:ext cx="701788" cy="2761500"/>
-          </a:xfrm>
-          <a:prstGeom prst="bentConnector2">
-            <a:avLst/>
-          </a:prstGeom>
-          <a:ln w="38100">
-            <a:solidFill>
-              <a:srgbClr val="FFC000"/>
-            </a:solidFill>
-            <a:headEnd type="diamond" w="med" len="med"/>
-            <a:tailEnd type="triangle" w="med" len="med"/>
-          </a:ln>
-        </p:spPr>
-        <p:style>
-          <a:lnRef idx="1">
-            <a:schemeClr val="accent6"/>
-          </a:lnRef>
-          <a:fillRef idx="0">
-            <a:schemeClr val="accent6"/>
-          </a:fillRef>
-          <a:effectRef idx="0">
-            <a:schemeClr val="accent6"/>
-          </a:effectRef>
-          <a:fontRef idx="minor">
-            <a:schemeClr val="tx1"/>
-          </a:fontRef>
-        </p:style>
-      </p:cxnSp>
-      <p:sp>
-        <p:nvSpPr>
-          <p:cNvPr id="79" name="사각형: 모서리가 접힌 도형 78">
-            <a:extLst>
-              <a:ext uri="{FF2B5EF4-FFF2-40B4-BE49-F238E27FC236}">
-                <a16:creationId xmlns:a16="http://schemas.microsoft.com/office/drawing/2014/main" id="{4FFFC34E-AB5C-2EA7-5DA2-90E276198FD1}"/>
-              </a:ext>
-            </a:extLst>
-          </p:cNvPr>
-          <p:cNvSpPr/>
-          <p:nvPr/>
-        </p:nvSpPr>
-        <p:spPr>
-          <a:xfrm>
-            <a:off x="9078277" y="6062274"/>
-            <a:ext cx="2437946" cy="568378"/>
-          </a:xfrm>
-          <a:prstGeom prst="foldedCorner">
-            <a:avLst/>
-          </a:prstGeom>
-          <a:solidFill>
-            <a:schemeClr val="accent3">
-              <a:alpha val="50000"/>
-            </a:schemeClr>
-          </a:solidFill>
-          <a:ln>
-            <a:noFill/>
-          </a:ln>
-        </p:spPr>
-        <p:style>
-          <a:lnRef idx="0">
-            <a:scrgbClr r="0" g="0" b="0"/>
-          </a:lnRef>
-          <a:fillRef idx="0">
-            <a:scrgbClr r="0" g="0" b="0"/>
-          </a:fillRef>
-          <a:effectRef idx="0">
-            <a:scrgbClr r="0" g="0" b="0"/>
-          </a:effectRef>
-          <a:fontRef idx="minor">
-            <a:schemeClr val="lt1"/>
-          </a:fontRef>
-        </p:style>
-        <p:txBody>
-          <a:bodyPr rtlCol="0" anchor="ctr"/>
-          <a:lstStyle/>
-          <a:p>
-            <a:pPr algn="ctr"/>
-            <a:r>
-              <a:rPr lang="en-US" altLang="ko-KR" dirty="0"/>
-              <a:t>lib/Cylinder/Double </a:t>
-            </a:r>
-          </a:p>
-          <a:p>
-            <a:pPr algn="ctr"/>
-            <a:r>
-              <a:rPr lang="en-US" altLang="ko-KR" dirty="0"/>
-              <a:t>[STOPPER]</a:t>
-            </a:r>
-            <a:endParaRPr lang="ko-KR" altLang="en-US" dirty="0"/>
-          </a:p>
-        </p:txBody>
-      </p:sp>
-      <p:sp>
-        <p:nvSpPr>
-          <p:cNvPr id="34" name="사각형: 모서리가 접힌 도형 33">
-            <a:extLst>
-              <a:ext uri="{FF2B5EF4-FFF2-40B4-BE49-F238E27FC236}">
-                <a16:creationId xmlns:a16="http://schemas.microsoft.com/office/drawing/2014/main" id="{C3D2AFE5-0603-1136-2006-76B1E50AD071}"/>
-              </a:ext>
-            </a:extLst>
-          </p:cNvPr>
-          <p:cNvSpPr/>
-          <p:nvPr/>
-        </p:nvSpPr>
-        <p:spPr>
-          <a:xfrm>
-            <a:off x="6523416" y="6062274"/>
-            <a:ext cx="2437946" cy="568378"/>
-          </a:xfrm>
-          <a:prstGeom prst="foldedCorner">
-            <a:avLst/>
-          </a:prstGeom>
-          <a:solidFill>
-            <a:schemeClr val="accent3">
-              <a:alpha val="50000"/>
-            </a:schemeClr>
-          </a:solidFill>
-          <a:ln>
-            <a:noFill/>
-          </a:ln>
-        </p:spPr>
-        <p:style>
-          <a:lnRef idx="0">
-            <a:scrgbClr r="0" g="0" b="0"/>
-          </a:lnRef>
-          <a:fillRef idx="0">
-            <a:scrgbClr r="0" g="0" b="0"/>
-          </a:fillRef>
-          <a:effectRef idx="0">
-            <a:scrgbClr r="0" g="0" b="0"/>
-          </a:effectRef>
-          <a:fontRef idx="minor">
-            <a:schemeClr val="lt1"/>
-          </a:fontRef>
-        </p:style>
-        <p:txBody>
-          <a:bodyPr rtlCol="0" anchor="ctr"/>
-          <a:lstStyle/>
-          <a:p>
-            <a:pPr algn="ctr"/>
-            <a:r>
-              <a:rPr lang="en-US" altLang="ko-KR" dirty="0"/>
-              <a:t>lib/Cylinder/Double </a:t>
-            </a:r>
-          </a:p>
-          <a:p>
-            <a:pPr algn="ctr"/>
-            <a:r>
-              <a:rPr lang="en-US" altLang="ko-KR" dirty="0"/>
-              <a:t>[USB]</a:t>
-            </a:r>
-            <a:endParaRPr lang="ko-KR" altLang="en-US" dirty="0"/>
-          </a:p>
-        </p:txBody>
-      </p:sp>
-      <p:grpSp>
-        <p:nvGrpSpPr>
-          <p:cNvPr id="44" name="그룹 43">
-            <a:extLst>
-              <a:ext uri="{FF2B5EF4-FFF2-40B4-BE49-F238E27FC236}">
-                <a16:creationId xmlns:a16="http://schemas.microsoft.com/office/drawing/2014/main" id="{E2B50E5B-2B39-4E96-458F-85B96ABBB3B4}"/>
-              </a:ext>
-            </a:extLst>
-          </p:cNvPr>
-          <p:cNvGrpSpPr/>
-          <p:nvPr/>
-        </p:nvGrpSpPr>
-        <p:grpSpPr>
-          <a:xfrm>
-            <a:off x="1245293" y="1412035"/>
-            <a:ext cx="6497096" cy="3636057"/>
-            <a:chOff x="331486" y="1236651"/>
-            <a:chExt cx="5282180" cy="2917639"/>
-          </a:xfrm>
-        </p:grpSpPr>
-        <p:grpSp>
-          <p:nvGrpSpPr>
-            <p:cNvPr id="16" name="그룹 15">
-              <a:extLst>
-                <a:ext uri="{FF2B5EF4-FFF2-40B4-BE49-F238E27FC236}">
-                  <a16:creationId xmlns:a16="http://schemas.microsoft.com/office/drawing/2014/main" id="{90FC8CF1-2B85-11A3-58EB-E351DAA6A162}"/>
-                </a:ext>
-              </a:extLst>
-            </p:cNvPr>
-            <p:cNvGrpSpPr/>
-            <p:nvPr/>
-          </p:nvGrpSpPr>
-          <p:grpSpPr>
-            <a:xfrm>
-              <a:off x="331486" y="1236651"/>
-              <a:ext cx="5282180" cy="2917639"/>
-              <a:chOff x="356674" y="1216886"/>
-              <a:chExt cx="5282180" cy="2917639"/>
-            </a:xfrm>
-          </p:grpSpPr>
-          <p:sp>
-            <p:nvSpPr>
-              <p:cNvPr id="94" name="직사각형 93">
-                <a:extLst>
-                  <a:ext uri="{FF2B5EF4-FFF2-40B4-BE49-F238E27FC236}">
-                    <a16:creationId xmlns:a16="http://schemas.microsoft.com/office/drawing/2014/main" id="{50002DFC-06DB-5F32-EB21-2D6DF916CB2E}"/>
-                  </a:ext>
-                </a:extLst>
-              </p:cNvPr>
-              <p:cNvSpPr/>
-              <p:nvPr/>
-            </p:nvSpPr>
-            <p:spPr>
-              <a:xfrm>
-                <a:off x="356674" y="1216886"/>
-                <a:ext cx="5282180" cy="2917639"/>
-              </a:xfrm>
-              <a:prstGeom prst="rect">
-                <a:avLst/>
-              </a:prstGeom>
-            </p:spPr>
-            <p:style>
-              <a:lnRef idx="2">
-                <a:schemeClr val="accent1">
-                  <a:shade val="15000"/>
-                </a:schemeClr>
-              </a:lnRef>
-              <a:fillRef idx="1">
-                <a:schemeClr val="accent1"/>
-              </a:fillRef>
-              <a:effectRef idx="0">
-                <a:schemeClr val="accent1"/>
-              </a:effectRef>
-              <a:fontRef idx="minor">
-                <a:schemeClr val="lt1"/>
-              </a:fontRef>
-            </p:style>
-            <p:txBody>
-              <a:bodyPr rtlCol="0" anchor="ctr"/>
-              <a:lstStyle/>
-              <a:p>
-                <a:pPr algn="ctr"/>
-                <a:r>
-                  <a:rPr lang="en-US" altLang="ko-KR" dirty="0"/>
-                  <a:t>R1</a:t>
-                </a:r>
-                <a:endParaRPr lang="ko-KR" altLang="en-US" dirty="0"/>
-              </a:p>
-            </p:txBody>
-          </p:sp>
-          <p:sp>
-            <p:nvSpPr>
-              <p:cNvPr id="10" name="타원 9">
-                <a:extLst>
-                  <a:ext uri="{FF2B5EF4-FFF2-40B4-BE49-F238E27FC236}">
-                    <a16:creationId xmlns:a16="http://schemas.microsoft.com/office/drawing/2014/main" id="{FCDAA94B-9830-4764-06B1-1D60DCB829DC}"/>
-                  </a:ext>
-                </a:extLst>
-              </p:cNvPr>
-              <p:cNvSpPr/>
-              <p:nvPr/>
-            </p:nvSpPr>
-            <p:spPr>
-              <a:xfrm>
-                <a:off x="859603" y="1881292"/>
-                <a:ext cx="758778" cy="499161"/>
-              </a:xfrm>
-              <a:prstGeom prst="ellipse">
-                <a:avLst/>
-              </a:prstGeom>
-              <a:solidFill>
-                <a:schemeClr val="accent4">
-                  <a:alpha val="50000"/>
-                </a:schemeClr>
-              </a:solidFill>
-              <a:ln>
-                <a:noFill/>
-              </a:ln>
-            </p:spPr>
-            <p:style>
-              <a:lnRef idx="0">
-                <a:scrgbClr r="0" g="0" b="0"/>
-              </a:lnRef>
-              <a:fillRef idx="0">
-                <a:scrgbClr r="0" g="0" b="0"/>
-              </a:fillRef>
-              <a:effectRef idx="0">
-                <a:scrgbClr r="0" g="0" b="0"/>
-              </a:effectRef>
-              <a:fontRef idx="minor">
-                <a:schemeClr val="lt1"/>
-              </a:fontRef>
-            </p:style>
-            <p:txBody>
-              <a:bodyPr rtlCol="0" anchor="ctr"/>
-              <a:lstStyle/>
-              <a:p>
-                <a:pPr algn="ctr"/>
-                <a:r>
-                  <a:rPr lang="en-US" altLang="ko-KR" sz="1050" dirty="0"/>
-                  <a:t>USB $ADV</a:t>
-                </a:r>
-                <a:endParaRPr lang="ko-KR" altLang="en-US" sz="1050" dirty="0"/>
-              </a:p>
-            </p:txBody>
-          </p:sp>
-          <p:sp>
-            <p:nvSpPr>
-              <p:cNvPr id="11" name="타원 10">
-                <a:extLst>
-                  <a:ext uri="{FF2B5EF4-FFF2-40B4-BE49-F238E27FC236}">
-                    <a16:creationId xmlns:a16="http://schemas.microsoft.com/office/drawing/2014/main" id="{97560454-D4B5-A91B-3FF0-846F2FC2FD93}"/>
-                  </a:ext>
-                </a:extLst>
-              </p:cNvPr>
-              <p:cNvSpPr/>
-              <p:nvPr/>
-            </p:nvSpPr>
-            <p:spPr>
-              <a:xfrm>
-                <a:off x="1898822" y="3056896"/>
-                <a:ext cx="758778" cy="499161"/>
-              </a:xfrm>
-              <a:prstGeom prst="ellipse">
-                <a:avLst/>
-              </a:prstGeom>
-              <a:solidFill>
-                <a:schemeClr val="accent4">
-                  <a:alpha val="50000"/>
-                </a:schemeClr>
-              </a:solidFill>
-              <a:ln>
-                <a:noFill/>
-              </a:ln>
-            </p:spPr>
-            <p:style>
-              <a:lnRef idx="0">
-                <a:scrgbClr r="0" g="0" b="0"/>
-              </a:lnRef>
-              <a:fillRef idx="0">
-                <a:scrgbClr r="0" g="0" b="0"/>
-              </a:fillRef>
-              <a:effectRef idx="0">
-                <a:scrgbClr r="0" g="0" b="0"/>
-              </a:effectRef>
-              <a:fontRef idx="minor">
-                <a:schemeClr val="lt1"/>
-              </a:fontRef>
-            </p:style>
-            <p:txBody>
-              <a:bodyPr rtlCol="0" anchor="ctr"/>
-              <a:lstStyle/>
-              <a:p>
-                <a:pPr algn="ctr"/>
-                <a:r>
-                  <a:rPr lang="en-US" altLang="ko-KR" sz="1050" dirty="0"/>
-                  <a:t>USB $RET</a:t>
-                </a:r>
-                <a:endParaRPr lang="ko-KR" altLang="en-US" sz="1050" dirty="0"/>
-              </a:p>
-            </p:txBody>
-          </p:sp>
-          <p:cxnSp>
-            <p:nvCxnSpPr>
-              <p:cNvPr id="12" name="연결선: 꺾임 11">
-                <a:extLst>
-                  <a:ext uri="{FF2B5EF4-FFF2-40B4-BE49-F238E27FC236}">
-                    <a16:creationId xmlns:a16="http://schemas.microsoft.com/office/drawing/2014/main" id="{B82D86F6-686A-9B3A-FAFB-D9CA95D6B9EE}"/>
-                  </a:ext>
-                </a:extLst>
-              </p:cNvPr>
-              <p:cNvCxnSpPr>
-                <a:cxnSpLocks/>
-                <a:stCxn id="10" idx="5"/>
-                <a:endCxn id="11" idx="1"/>
-              </p:cNvCxnSpPr>
-              <p:nvPr/>
-            </p:nvCxnSpPr>
-            <p:spPr>
-              <a:xfrm rot="16200000" flipH="1">
-                <a:off x="1347280" y="2467332"/>
-                <a:ext cx="822643" cy="502682"/>
-              </a:xfrm>
-              <a:prstGeom prst="bentConnector3">
-                <a:avLst/>
-              </a:prstGeom>
-              <a:ln>
-                <a:tailEnd type="triangle"/>
-              </a:ln>
-            </p:spPr>
-            <p:style>
-              <a:lnRef idx="1">
-                <a:schemeClr val="accent4"/>
-              </a:lnRef>
-              <a:fillRef idx="0">
-                <a:schemeClr val="accent4"/>
-              </a:fillRef>
-              <a:effectRef idx="0">
-                <a:schemeClr val="accent4"/>
-              </a:effectRef>
-              <a:fontRef idx="minor">
-                <a:schemeClr val="tx1"/>
-              </a:fontRef>
-            </p:style>
-          </p:cxnSp>
-        </p:grpSp>
-        <p:sp>
-          <p:nvSpPr>
-            <p:cNvPr id="35" name="타원 34">
-              <a:extLst>
-                <a:ext uri="{FF2B5EF4-FFF2-40B4-BE49-F238E27FC236}">
-                  <a16:creationId xmlns:a16="http://schemas.microsoft.com/office/drawing/2014/main" id="{012DE983-D75D-B7F5-3F82-C437BB089E4F}"/>
-                </a:ext>
-              </a:extLst>
-            </p:cNvPr>
-            <p:cNvSpPr/>
-            <p:nvPr/>
-          </p:nvSpPr>
-          <p:spPr>
-            <a:xfrm>
-              <a:off x="2779948" y="1729131"/>
-              <a:ext cx="758778" cy="499161"/>
-            </a:xfrm>
-            <a:prstGeom prst="ellipse">
-              <a:avLst/>
-            </a:prstGeom>
-            <a:solidFill>
-              <a:schemeClr val="accent4">
-                <a:alpha val="50000"/>
-              </a:schemeClr>
-            </a:solidFill>
-            <a:ln>
-              <a:noFill/>
-            </a:ln>
-          </p:spPr>
-          <p:style>
-            <a:lnRef idx="0">
-              <a:scrgbClr r="0" g="0" b="0"/>
-            </a:lnRef>
-            <a:fillRef idx="0">
-              <a:scrgbClr r="0" g="0" b="0"/>
-            </a:fillRef>
-            <a:effectRef idx="0">
-              <a:scrgbClr r="0" g="0" b="0"/>
-            </a:effectRef>
-            <a:fontRef idx="minor">
-              <a:schemeClr val="lt1"/>
-            </a:fontRef>
-          </p:style>
-          <p:txBody>
-            <a:bodyPr rtlCol="0" anchor="ctr"/>
-            <a:lstStyle/>
-            <a:p>
-              <a:pPr algn="ctr"/>
-              <a:r>
-                <a:rPr lang="en-US" altLang="ko-KR" sz="1050" dirty="0"/>
-                <a:t>STOPPER $ADV</a:t>
-              </a:r>
-              <a:endParaRPr lang="ko-KR" altLang="en-US" sz="1050" dirty="0"/>
-            </a:p>
-          </p:txBody>
-        </p:sp>
-        <p:sp>
-          <p:nvSpPr>
-            <p:cNvPr id="36" name="타원 35">
-              <a:extLst>
-                <a:ext uri="{FF2B5EF4-FFF2-40B4-BE49-F238E27FC236}">
-                  <a16:creationId xmlns:a16="http://schemas.microsoft.com/office/drawing/2014/main" id="{7E254FA6-B087-A662-0AA6-33D09FCECEDF}"/>
-                </a:ext>
-              </a:extLst>
-            </p:cNvPr>
-            <p:cNvSpPr/>
-            <p:nvPr/>
-          </p:nvSpPr>
-          <p:spPr>
-            <a:xfrm>
-              <a:off x="3819167" y="2904735"/>
-              <a:ext cx="758778" cy="499161"/>
-            </a:xfrm>
-            <a:prstGeom prst="ellipse">
-              <a:avLst/>
-            </a:prstGeom>
-            <a:solidFill>
-              <a:schemeClr val="accent4">
-                <a:alpha val="50000"/>
-              </a:schemeClr>
-            </a:solidFill>
-            <a:ln>
-              <a:noFill/>
-            </a:ln>
-          </p:spPr>
-          <p:style>
-            <a:lnRef idx="0">
-              <a:scrgbClr r="0" g="0" b="0"/>
-            </a:lnRef>
-            <a:fillRef idx="0">
-              <a:scrgbClr r="0" g="0" b="0"/>
-            </a:fillRef>
-            <a:effectRef idx="0">
-              <a:scrgbClr r="0" g="0" b="0"/>
-            </a:effectRef>
-            <a:fontRef idx="minor">
-              <a:schemeClr val="lt1"/>
-            </a:fontRef>
-          </p:style>
-          <p:txBody>
-            <a:bodyPr rtlCol="0" anchor="ctr"/>
-            <a:lstStyle/>
-            <a:p>
-              <a:pPr algn="ctr"/>
-              <a:r>
-                <a:rPr lang="en-US" altLang="ko-KR" sz="1050" dirty="0"/>
-                <a:t>STOPPER $RET</a:t>
-              </a:r>
-              <a:endParaRPr lang="ko-KR" altLang="en-US" sz="1050" dirty="0"/>
-            </a:p>
-          </p:txBody>
-        </p:sp>
-        <p:cxnSp>
-          <p:nvCxnSpPr>
-            <p:cNvPr id="37" name="연결선: 꺾임 36">
-              <a:extLst>
-                <a:ext uri="{FF2B5EF4-FFF2-40B4-BE49-F238E27FC236}">
-                  <a16:creationId xmlns:a16="http://schemas.microsoft.com/office/drawing/2014/main" id="{B154AC2D-B472-8895-75AE-FC5DCF5D6EDB}"/>
-                </a:ext>
-              </a:extLst>
-            </p:cNvPr>
-            <p:cNvCxnSpPr>
-              <a:cxnSpLocks/>
-              <a:stCxn id="35" idx="5"/>
-              <a:endCxn id="36" idx="1"/>
-            </p:cNvCxnSpPr>
-            <p:nvPr/>
-          </p:nvCxnSpPr>
-          <p:spPr>
-            <a:xfrm rot="16200000" flipH="1">
-              <a:off x="3267625" y="2315171"/>
-              <a:ext cx="822643" cy="502682"/>
-            </a:xfrm>
-            <a:prstGeom prst="bentConnector3">
-              <a:avLst/>
-            </a:prstGeom>
-            <a:ln>
-              <a:tailEnd type="triangle"/>
-            </a:ln>
-          </p:spPr>
-          <p:style>
-            <a:lnRef idx="1">
-              <a:schemeClr val="accent4"/>
-            </a:lnRef>
-            <a:fillRef idx="0">
-              <a:schemeClr val="accent4"/>
-            </a:fillRef>
-            <a:effectRef idx="0">
-              <a:schemeClr val="accent4"/>
-            </a:effectRef>
-            <a:fontRef idx="minor">
-              <a:schemeClr val="tx1"/>
-            </a:fontRef>
-          </p:style>
-        </p:cxnSp>
-        <p:cxnSp>
-          <p:nvCxnSpPr>
-            <p:cNvPr id="38" name="연결선: 꺾임 37">
-              <a:extLst>
-                <a:ext uri="{FF2B5EF4-FFF2-40B4-BE49-F238E27FC236}">
-                  <a16:creationId xmlns:a16="http://schemas.microsoft.com/office/drawing/2014/main" id="{9FEC5249-886D-4E91-096E-1136ED2A4E38}"/>
-                </a:ext>
-              </a:extLst>
-            </p:cNvPr>
-            <p:cNvCxnSpPr>
-              <a:cxnSpLocks/>
-              <a:stCxn id="10" idx="6"/>
-              <a:endCxn id="35" idx="2"/>
-            </p:cNvCxnSpPr>
-            <p:nvPr/>
-          </p:nvCxnSpPr>
-          <p:spPr>
-            <a:xfrm flipV="1">
-              <a:off x="1593193" y="1978712"/>
-              <a:ext cx="1186755" cy="171926"/>
-            </a:xfrm>
-            <a:prstGeom prst="bentConnector3">
-              <a:avLst/>
-            </a:prstGeom>
-            <a:ln>
-              <a:tailEnd type="triangle"/>
-            </a:ln>
-          </p:spPr>
-          <p:style>
-            <a:lnRef idx="1">
-              <a:schemeClr val="accent4"/>
-            </a:lnRef>
-            <a:fillRef idx="0">
-              <a:schemeClr val="accent4"/>
-            </a:fillRef>
-            <a:effectRef idx="0">
-              <a:schemeClr val="accent4"/>
-            </a:effectRef>
-            <a:fontRef idx="minor">
-              <a:schemeClr val="tx1"/>
-            </a:fontRef>
-          </p:style>
-        </p:cxnSp>
-        <p:cxnSp>
-          <p:nvCxnSpPr>
-            <p:cNvPr id="41" name="연결선: 꺾임 40">
-              <a:extLst>
-                <a:ext uri="{FF2B5EF4-FFF2-40B4-BE49-F238E27FC236}">
-                  <a16:creationId xmlns:a16="http://schemas.microsoft.com/office/drawing/2014/main" id="{0FB9EC74-793F-271C-E581-BC517FD8F9E9}"/>
-                </a:ext>
-              </a:extLst>
-            </p:cNvPr>
-            <p:cNvCxnSpPr>
-              <a:cxnSpLocks/>
-              <a:stCxn id="11" idx="6"/>
-              <a:endCxn id="36" idx="2"/>
-            </p:cNvCxnSpPr>
-            <p:nvPr/>
-          </p:nvCxnSpPr>
-          <p:spPr>
-            <a:xfrm flipV="1">
-              <a:off x="2632412" y="3154316"/>
-              <a:ext cx="1186755" cy="171926"/>
-            </a:xfrm>
-            <a:prstGeom prst="bentConnector3">
-              <a:avLst>
-                <a:gd name="adj1" fmla="val 50000"/>
-              </a:avLst>
-            </a:prstGeom>
-            <a:ln>
-              <a:tailEnd type="triangle"/>
-            </a:ln>
-          </p:spPr>
-          <p:style>
-            <a:lnRef idx="1">
-              <a:schemeClr val="accent4"/>
-            </a:lnRef>
-            <a:fillRef idx="0">
-              <a:schemeClr val="accent4"/>
-            </a:fillRef>
-            <a:effectRef idx="0">
-              <a:schemeClr val="accent4"/>
-            </a:effectRef>
-            <a:fontRef idx="minor">
-              <a:schemeClr val="tx1"/>
-            </a:fontRef>
-          </p:style>
-        </p:cxnSp>
-      </p:grpSp>
-    </p:spTree>
-    <p:extLst>
-      <p:ext uri="{BB962C8B-B14F-4D97-AF65-F5344CB8AC3E}">
-        <p14:creationId xmlns:p14="http://schemas.microsoft.com/office/powerpoint/2010/main" val="2173421275"/>
       </p:ext>
     </p:extLst>
   </p:cSld>

--- a/DsDotNet/src/UnitTest/UnitTest.Model/ImportOfficeExample/Sample/KIT.pptx
+++ b/DsDotNet/src/UnitTest/UnitTest.Model/ImportOfficeExample/Sample/KIT.pptx
@@ -5,33 +5,34 @@
     <p:sldMasterId id="2147483687" r:id="rId1"/>
   </p:sldMasterIdLst>
   <p:notesMasterIdLst>
-    <p:notesMasterId r:id="rId23"/>
+    <p:notesMasterId r:id="rId24"/>
   </p:notesMasterIdLst>
   <p:handoutMasterIdLst>
-    <p:handoutMasterId r:id="rId24"/>
+    <p:handoutMasterId r:id="rId25"/>
   </p:handoutMasterIdLst>
   <p:sldIdLst>
     <p:sldId id="725" r:id="rId2"/>
     <p:sldId id="724" r:id="rId3"/>
     <p:sldId id="728" r:id="rId4"/>
     <p:sldId id="729" r:id="rId5"/>
-    <p:sldId id="731" r:id="rId6"/>
-    <p:sldId id="730" r:id="rId7"/>
-    <p:sldId id="719" r:id="rId8"/>
-    <p:sldId id="720" r:id="rId9"/>
-    <p:sldId id="721" r:id="rId10"/>
-    <p:sldId id="722" r:id="rId11"/>
-    <p:sldId id="627" r:id="rId12"/>
-    <p:sldId id="628" r:id="rId13"/>
-    <p:sldId id="631" r:id="rId14"/>
-    <p:sldId id="632" r:id="rId15"/>
-    <p:sldId id="618" r:id="rId16"/>
-    <p:sldId id="615" r:id="rId17"/>
-    <p:sldId id="621" r:id="rId18"/>
-    <p:sldId id="714" r:id="rId19"/>
-    <p:sldId id="715" r:id="rId20"/>
-    <p:sldId id="607" r:id="rId21"/>
-    <p:sldId id="633" r:id="rId22"/>
+    <p:sldId id="732" r:id="rId6"/>
+    <p:sldId id="731" r:id="rId7"/>
+    <p:sldId id="730" r:id="rId8"/>
+    <p:sldId id="719" r:id="rId9"/>
+    <p:sldId id="720" r:id="rId10"/>
+    <p:sldId id="721" r:id="rId11"/>
+    <p:sldId id="722" r:id="rId12"/>
+    <p:sldId id="627" r:id="rId13"/>
+    <p:sldId id="628" r:id="rId14"/>
+    <p:sldId id="631" r:id="rId15"/>
+    <p:sldId id="632" r:id="rId16"/>
+    <p:sldId id="618" r:id="rId17"/>
+    <p:sldId id="615" r:id="rId18"/>
+    <p:sldId id="621" r:id="rId19"/>
+    <p:sldId id="714" r:id="rId20"/>
+    <p:sldId id="715" r:id="rId21"/>
+    <p:sldId id="607" r:id="rId22"/>
+    <p:sldId id="633" r:id="rId23"/>
   </p:sldIdLst>
   <p:sldSz cx="12192000" cy="6858000"/>
   <p:notesSz cx="6797675" cy="9926638"/>
@@ -412,7 +413,7 @@
           <a:p>
             <a:fld id="{95336A0E-57B1-4D4C-BD9B-2F72B5943464}" type="datetimeFigureOut">
               <a:rPr lang="ko-KR" altLang="en-US" smtClean="0"/>
-              <a:t>2023-09-13</a:t>
+              <a:t>2023-09-14</a:t>
             </a:fld>
             <a:endParaRPr lang="ko-KR" altLang="en-US" dirty="0"/>
           </a:p>
@@ -921,7 +922,7 @@
     </p:spTree>
     <p:extLst>
       <p:ext uri="{BB962C8B-B14F-4D97-AF65-F5344CB8AC3E}">
-        <p14:creationId xmlns:p14="http://schemas.microsoft.com/office/powerpoint/2010/main" val="177506644"/>
+        <p14:creationId xmlns:p14="http://schemas.microsoft.com/office/powerpoint/2010/main" val="3843131882"/>
       </p:ext>
     </p:extLst>
   </p:cSld>
@@ -1005,6 +1006,90 @@
     </p:spTree>
     <p:extLst>
       <p:ext uri="{BB962C8B-B14F-4D97-AF65-F5344CB8AC3E}">
+        <p14:creationId xmlns:p14="http://schemas.microsoft.com/office/powerpoint/2010/main" val="177506644"/>
+      </p:ext>
+    </p:extLst>
+  </p:cSld>
+  <p:clrMapOvr>
+    <a:masterClrMapping/>
+  </p:clrMapOvr>
+</p:notes>
+</file>
+
+<file path=ppt/notesSlides/notesSlide5.xml><?xml version="1.0" encoding="utf-8"?>
+<p:notes xmlns:a="http://schemas.openxmlformats.org/drawingml/2006/main" xmlns:r="http://schemas.openxmlformats.org/officeDocument/2006/relationships" xmlns:p="http://schemas.openxmlformats.org/presentationml/2006/main">
+  <p:cSld>
+    <p:spTree>
+      <p:nvGrpSpPr>
+        <p:cNvPr id="1" name=""/>
+        <p:cNvGrpSpPr/>
+        <p:nvPr/>
+      </p:nvGrpSpPr>
+      <p:grpSpPr>
+        <a:xfrm>
+          <a:off x="0" y="0"/>
+          <a:ext cx="0" cy="0"/>
+          <a:chOff x="0" y="0"/>
+          <a:chExt cx="0" cy="0"/>
+        </a:xfrm>
+      </p:grpSpPr>
+      <p:sp>
+        <p:nvSpPr>
+          <p:cNvPr id="2" name="슬라이드 이미지 개체 틀 1"/>
+          <p:cNvSpPr>
+            <a:spLocks noGrp="1" noRot="1" noChangeAspect="1"/>
+          </p:cNvSpPr>
+          <p:nvPr>
+            <p:ph type="sldImg"/>
+          </p:nvPr>
+        </p:nvSpPr>
+        <p:spPr/>
+      </p:sp>
+      <p:sp>
+        <p:nvSpPr>
+          <p:cNvPr id="3" name="슬라이드 노트 개체 틀 2"/>
+          <p:cNvSpPr>
+            <a:spLocks noGrp="1"/>
+          </p:cNvSpPr>
+          <p:nvPr>
+            <p:ph type="body" idx="1"/>
+          </p:nvPr>
+        </p:nvSpPr>
+        <p:spPr/>
+        <p:txBody>
+          <a:bodyPr/>
+          <a:lstStyle/>
+          <a:p>
+            <a:endParaRPr lang="ko-KR" altLang="en-US" dirty="0"/>
+          </a:p>
+        </p:txBody>
+      </p:sp>
+      <p:sp>
+        <p:nvSpPr>
+          <p:cNvPr id="4" name="슬라이드 번호 개체 틀 3"/>
+          <p:cNvSpPr>
+            <a:spLocks noGrp="1"/>
+          </p:cNvSpPr>
+          <p:nvPr>
+            <p:ph type="sldNum" sz="quarter" idx="5"/>
+          </p:nvPr>
+        </p:nvSpPr>
+        <p:spPr/>
+        <p:txBody>
+          <a:bodyPr/>
+          <a:lstStyle/>
+          <a:p>
+            <a:fld id="{2978587B-688C-4F1D-9D92-1BF3667CE9B1}" type="slidenum">
+              <a:rPr lang="ko-KR" altLang="en-US" smtClean="0"/>
+              <a:t>7</a:t>
+            </a:fld>
+            <a:endParaRPr lang="ko-KR" altLang="en-US" dirty="0"/>
+          </a:p>
+        </p:txBody>
+      </p:sp>
+    </p:spTree>
+    <p:extLst>
+      <p:ext uri="{BB962C8B-B14F-4D97-AF65-F5344CB8AC3E}">
         <p14:creationId xmlns:p14="http://schemas.microsoft.com/office/powerpoint/2010/main" val="1469561494"/>
       </p:ext>
     </p:extLst>
@@ -1162,7 +1247,7 @@
           <a:p>
             <a:fld id="{229D12C7-0FF5-4972-A033-474EFFC79F40}" type="datetime1">
               <a:rPr lang="ko-KR" altLang="en-US" smtClean="0"/>
-              <a:t>2023-09-13</a:t>
+              <a:t>2023-09-14</a:t>
             </a:fld>
             <a:endParaRPr lang="ko-KR" altLang="en-US" dirty="0"/>
           </a:p>
@@ -1360,7 +1445,7 @@
           <a:p>
             <a:fld id="{5BA19FD4-B052-4F56-8FD8-EAFD078DEFB0}" type="datetime1">
               <a:rPr lang="ko-KR" altLang="en-US" smtClean="0"/>
-              <a:t>2023-09-13</a:t>
+              <a:t>2023-09-14</a:t>
             </a:fld>
             <a:endParaRPr lang="ko-KR" altLang="en-US" dirty="0"/>
           </a:p>
@@ -1568,7 +1653,7 @@
           <a:p>
             <a:fld id="{024994B9-23A6-4B0A-A038-AC140E83DAA3}" type="datetime1">
               <a:rPr lang="ko-KR" altLang="en-US" smtClean="0"/>
-              <a:t>2023-09-13</a:t>
+              <a:t>2023-09-14</a:t>
             </a:fld>
             <a:endParaRPr lang="ko-KR" altLang="en-US" dirty="0"/>
           </a:p>
@@ -1710,7 +1795,7 @@
           <a:p>
             <a:fld id="{B5B1BBC2-B738-4C35-AEE5-660EB2DEB482}" type="datetime1">
               <a:rPr lang="ko-KR" altLang="en-US" smtClean="0"/>
-              <a:t>2023-09-13</a:t>
+              <a:t>2023-09-14</a:t>
             </a:fld>
             <a:endParaRPr lang="ko-KR" altLang="en-US" dirty="0"/>
           </a:p>
@@ -6377,7 +6462,7 @@
           <a:p>
             <a:fld id="{70D0DAB2-87CB-4028-B965-3AA710ADF2CB}" type="datetime1">
               <a:rPr lang="ko-KR" altLang="en-US" smtClean="0"/>
-              <a:t>2023-09-13</a:t>
+              <a:t>2023-09-14</a:t>
             </a:fld>
             <a:endParaRPr lang="ko-KR" altLang="en-US" dirty="0"/>
           </a:p>
@@ -6652,7 +6737,7 @@
           <a:p>
             <a:fld id="{63FA3D71-FEA8-477F-9D1E-EA860F411BC7}" type="datetime1">
               <a:rPr lang="ko-KR" altLang="en-US" smtClean="0"/>
-              <a:t>2023-09-13</a:t>
+              <a:t>2023-09-14</a:t>
             </a:fld>
             <a:endParaRPr lang="ko-KR" altLang="en-US" dirty="0"/>
           </a:p>
@@ -6917,7 +7002,7 @@
           <a:p>
             <a:fld id="{F58E3EF4-7980-4C97-BA64-EC66995BB574}" type="datetime1">
               <a:rPr lang="ko-KR" altLang="en-US" smtClean="0"/>
-              <a:t>2023-09-13</a:t>
+              <a:t>2023-09-14</a:t>
             </a:fld>
             <a:endParaRPr lang="ko-KR" altLang="en-US" dirty="0"/>
           </a:p>
@@ -7329,7 +7414,7 @@
           <a:p>
             <a:fld id="{FC9BC1D0-7D6B-4634-9D19-644040D74EAE}" type="datetime1">
               <a:rPr lang="ko-KR" altLang="en-US" smtClean="0"/>
-              <a:t>2023-09-13</a:t>
+              <a:t>2023-09-14</a:t>
             </a:fld>
             <a:endParaRPr lang="ko-KR" altLang="en-US" dirty="0"/>
           </a:p>
@@ -7470,7 +7555,7 @@
           <a:p>
             <a:fld id="{B5B1BBC2-B738-4C35-AEE5-660EB2DEB482}" type="datetime1">
               <a:rPr lang="ko-KR" altLang="en-US" smtClean="0"/>
-              <a:t>2023-09-13</a:t>
+              <a:t>2023-09-14</a:t>
             </a:fld>
             <a:endParaRPr lang="ko-KR" altLang="en-US" dirty="0"/>
           </a:p>
@@ -12052,7 +12137,7 @@
           <a:p>
             <a:fld id="{C60E9F93-7E77-4F36-B88C-A425F00C8D91}" type="datetime1">
               <a:rPr lang="ko-KR" altLang="en-US" smtClean="0"/>
-              <a:t>2023-09-13</a:t>
+              <a:t>2023-09-14</a:t>
             </a:fld>
             <a:endParaRPr lang="ko-KR" altLang="en-US" dirty="0"/>
           </a:p>
@@ -12363,7 +12448,7 @@
           <a:p>
             <a:fld id="{36BCCD0E-2A54-4016-BFFC-FEAABCDA6915}" type="datetime1">
               <a:rPr lang="ko-KR" altLang="en-US" smtClean="0"/>
-              <a:t>2023-09-13</a:t>
+              <a:t>2023-09-14</a:t>
             </a:fld>
             <a:endParaRPr lang="ko-KR" altLang="en-US" dirty="0"/>
           </a:p>
@@ -12651,7 +12736,7 @@
           <a:p>
             <a:fld id="{C984B0C4-64BA-4E4C-B5E6-A51EE3F6ED95}" type="datetime1">
               <a:rPr lang="ko-KR" altLang="en-US" smtClean="0"/>
-              <a:t>2023-09-13</a:t>
+              <a:t>2023-09-14</a:t>
             </a:fld>
             <a:endParaRPr lang="ko-KR" altLang="en-US" dirty="0"/>
           </a:p>
@@ -12893,7 +12978,7 @@
           <a:p>
             <a:fld id="{C984B0C4-64BA-4E4C-B5E6-A51EE3F6ED95}" type="datetime1">
               <a:rPr lang="ko-KR" altLang="en-US" smtClean="0"/>
-              <a:t>2023-09-13</a:t>
+              <a:t>2023-09-14</a:t>
             </a:fld>
             <a:endParaRPr lang="ko-KR" altLang="en-US" dirty="0"/>
           </a:p>
@@ -13348,10 +13433,10 @@
       </p:sp>
       <p:graphicFrame>
         <p:nvGraphicFramePr>
-          <p:cNvPr id="4" name="표 3">
+          <p:cNvPr id="2" name="표 1">
             <a:extLst>
               <a:ext uri="{FF2B5EF4-FFF2-40B4-BE49-F238E27FC236}">
-                <a16:creationId xmlns:a16="http://schemas.microsoft.com/office/drawing/2014/main" id="{B795BAA1-7CA8-5FCA-2055-B7C9FB964E70}"/>
+                <a16:creationId xmlns:a16="http://schemas.microsoft.com/office/drawing/2014/main" id="{A5C95D2B-AA9F-ECCB-AC77-7303E3EDFF99}"/>
               </a:ext>
             </a:extLst>
           </p:cNvPr>
@@ -13361,7 +13446,7 @@
           <p:nvPr>
             <p:extLst>
               <p:ext uri="{D42A27DB-BD31-4B8C-83A1-F6EECF244321}">
-                <p14:modId xmlns:p14="http://schemas.microsoft.com/office/powerpoint/2010/main" val="831611894"/>
+                <p14:modId xmlns:p14="http://schemas.microsoft.com/office/powerpoint/2010/main" val="2557440937"/>
               </p:ext>
             </p:extLst>
           </p:nvPr>
@@ -13435,12 +13520,12 @@
                     <a:p>
                       <a:pPr algn="ctr" rtl="0" fontAlgn="ctr"/>
                       <a:r>
-                        <a:rPr lang="en-US" sz="500" u="none" strike="noStrike">
+                        <a:rPr lang="en-US" sz="500" u="none" strike="noStrike" dirty="0">
                           <a:effectLst/>
                         </a:rPr>
                         <a:t>Case</a:t>
                       </a:r>
-                      <a:endParaRPr lang="en-US" sz="500" b="0" i="0" u="none" strike="noStrike">
+                      <a:endParaRPr lang="en-US" sz="500" b="0" i="0" u="none" strike="noStrike" dirty="0">
                         <a:solidFill>
                           <a:srgbClr val="000000"/>
                         </a:solidFill>
@@ -13634,12 +13719,12 @@
                     <a:p>
                       <a:pPr algn="l" rtl="0" fontAlgn="ctr"/>
                       <a:r>
-                        <a:rPr lang="en-US" sz="500" u="none" strike="noStrike">
+                        <a:rPr lang="en-US" sz="500" u="none" strike="noStrike" dirty="0">
                           <a:effectLst/>
                         </a:rPr>
-                        <a:t>KIT_1st_stp_cyl.ADV</a:t>
+                        <a:t>KIT_1st_stp.ADV</a:t>
                       </a:r>
-                      <a:endParaRPr lang="en-US" sz="500" b="0" i="0" u="none" strike="noStrike">
+                      <a:endParaRPr lang="en-US" sz="500" b="0" i="0" u="none" strike="noStrike" dirty="0">
                         <a:solidFill>
                           <a:srgbClr val="000000"/>
                         </a:solidFill>
@@ -13730,12 +13815,12 @@
                     <a:p>
                       <a:pPr algn="l" rtl="0" fontAlgn="ctr"/>
                       <a:r>
-                        <a:rPr lang="en-US" sz="500" u="none" strike="noStrike">
+                        <a:rPr lang="en-US" sz="500" u="none" strike="noStrike" dirty="0">
                           <a:effectLst/>
                         </a:rPr>
-                        <a:t>KIT_1st_stp_cyl_ADV</a:t>
+                        <a:t>KIT_1st_stp_ADV</a:t>
                       </a:r>
-                      <a:endParaRPr lang="en-US" sz="500" b="0" i="0" u="none" strike="noStrike">
+                      <a:endParaRPr lang="en-US" sz="500" b="0" i="0" u="none" strike="noStrike" dirty="0">
                         <a:solidFill>
                           <a:srgbClr val="000000"/>
                         </a:solidFill>
@@ -13809,12 +13894,12 @@
                     <a:p>
                       <a:pPr algn="l" rtl="0" fontAlgn="ctr"/>
                       <a:r>
-                        <a:rPr lang="en-US" sz="500" u="none" strike="noStrike">
+                        <a:rPr lang="en-US" sz="500" u="none" strike="noStrike" dirty="0">
                           <a:effectLst/>
                         </a:rPr>
-                        <a:t>KIT_1st_stp_cyl.RET</a:t>
+                        <a:t>KIT_1st_stp.RET</a:t>
                       </a:r>
-                      <a:endParaRPr lang="en-US" sz="500" b="0" i="0" u="none" strike="noStrike">
+                      <a:endParaRPr lang="en-US" sz="500" b="0" i="0" u="none" strike="noStrike" dirty="0">
                         <a:solidFill>
                           <a:srgbClr val="000000"/>
                         </a:solidFill>
@@ -13905,12 +13990,12 @@
                     <a:p>
                       <a:pPr algn="l" rtl="0" fontAlgn="ctr"/>
                       <a:r>
-                        <a:rPr lang="en-US" sz="500" u="none" strike="noStrike">
+                        <a:rPr lang="en-US" sz="500" u="none" strike="noStrike" dirty="0">
                           <a:effectLst/>
                         </a:rPr>
-                        <a:t>KIT_1st_stp_cyl_RET</a:t>
+                        <a:t>KIT_1st_stp_RET</a:t>
                       </a:r>
-                      <a:endParaRPr lang="en-US" sz="500" b="0" i="0" u="none" strike="noStrike">
+                      <a:endParaRPr lang="en-US" sz="500" b="0" i="0" u="none" strike="noStrike" dirty="0">
                         <a:solidFill>
                           <a:srgbClr val="000000"/>
                         </a:solidFill>
@@ -13984,12 +14069,12 @@
                     <a:p>
                       <a:pPr algn="l" rtl="0" fontAlgn="ctr"/>
                       <a:r>
-                        <a:rPr lang="en-US" sz="500" u="none" strike="noStrike">
+                        <a:rPr lang="en-US" sz="500" u="none" strike="noStrike" dirty="0">
                           <a:effectLst/>
                         </a:rPr>
-                        <a:t>KIT_1st_usb_cyl.ADV</a:t>
+                        <a:t>KIT_1st_usb.ADV</a:t>
                       </a:r>
-                      <a:endParaRPr lang="en-US" sz="500" b="0" i="0" u="none" strike="noStrike">
+                      <a:endParaRPr lang="en-US" sz="500" b="0" i="0" u="none" strike="noStrike" dirty="0">
                         <a:solidFill>
                           <a:srgbClr val="000000"/>
                         </a:solidFill>
@@ -14080,12 +14165,12 @@
                     <a:p>
                       <a:pPr algn="l" rtl="0" fontAlgn="ctr"/>
                       <a:r>
-                        <a:rPr lang="en-US" sz="500" u="none" strike="noStrike">
+                        <a:rPr lang="en-US" sz="500" u="none" strike="noStrike" dirty="0">
                           <a:effectLst/>
                         </a:rPr>
-                        <a:t>KIT_1st_usb_cyl_ADV</a:t>
+                        <a:t>KIT_1st_usb_ADV</a:t>
                       </a:r>
-                      <a:endParaRPr lang="en-US" sz="500" b="0" i="0" u="none" strike="noStrike">
+                      <a:endParaRPr lang="en-US" sz="500" b="0" i="0" u="none" strike="noStrike" dirty="0">
                         <a:solidFill>
                           <a:srgbClr val="000000"/>
                         </a:solidFill>
@@ -14159,12 +14244,12 @@
                     <a:p>
                       <a:pPr algn="l" rtl="0" fontAlgn="ctr"/>
                       <a:r>
-                        <a:rPr lang="en-US" sz="500" u="none" strike="noStrike">
+                        <a:rPr lang="en-US" sz="500" u="none" strike="noStrike" dirty="0">
                           <a:effectLst/>
                         </a:rPr>
-                        <a:t>KIT_1st_usb_cyl.RET</a:t>
+                        <a:t>KIT_1st_usb.RET</a:t>
                       </a:r>
-                      <a:endParaRPr lang="en-US" sz="500" b="0" i="0" u="none" strike="noStrike">
+                      <a:endParaRPr lang="en-US" sz="500" b="0" i="0" u="none" strike="noStrike" dirty="0">
                         <a:solidFill>
                           <a:srgbClr val="000000"/>
                         </a:solidFill>
@@ -14255,12 +14340,12 @@
                     <a:p>
                       <a:pPr algn="l" rtl="0" fontAlgn="ctr"/>
                       <a:r>
-                        <a:rPr lang="en-US" sz="500" u="none" strike="noStrike">
+                        <a:rPr lang="en-US" sz="500" u="none" strike="noStrike" dirty="0">
                           <a:effectLst/>
                         </a:rPr>
-                        <a:t>KIT_1st_usb_cyl_RET</a:t>
+                        <a:t>KIT_1st_usb_RET</a:t>
                       </a:r>
-                      <a:endParaRPr lang="en-US" sz="500" b="0" i="0" u="none" strike="noStrike">
+                      <a:endParaRPr lang="en-US" sz="500" b="0" i="0" u="none" strike="noStrike" dirty="0">
                         <a:solidFill>
                           <a:srgbClr val="000000"/>
                         </a:solidFill>
@@ -14334,12 +14419,12 @@
                     <a:p>
                       <a:pPr algn="l" rtl="0" fontAlgn="ctr"/>
                       <a:r>
-                        <a:rPr lang="en-US" sz="500" u="none" strike="noStrike">
+                        <a:rPr lang="en-US" sz="500" u="none" strike="noStrike" dirty="0">
                           <a:effectLst/>
                         </a:rPr>
-                        <a:t>KIT_2nd_stp_cyl.ADV</a:t>
+                        <a:t>KIT_2nd_stp.ADV</a:t>
                       </a:r>
-                      <a:endParaRPr lang="en-US" sz="500" b="0" i="0" u="none" strike="noStrike">
+                      <a:endParaRPr lang="en-US" sz="500" b="0" i="0" u="none" strike="noStrike" dirty="0">
                         <a:solidFill>
                           <a:srgbClr val="000000"/>
                         </a:solidFill>
@@ -14430,12 +14515,12 @@
                     <a:p>
                       <a:pPr algn="l" rtl="0" fontAlgn="ctr"/>
                       <a:r>
-                        <a:rPr lang="en-US" sz="500" u="none" strike="noStrike">
+                        <a:rPr lang="en-US" sz="500" u="none" strike="noStrike" dirty="0">
                           <a:effectLst/>
                         </a:rPr>
-                        <a:t>KIT_2nd_stp_cyl_ADV</a:t>
+                        <a:t>KIT_2nd_stp_ADV</a:t>
                       </a:r>
-                      <a:endParaRPr lang="en-US" sz="500" b="0" i="0" u="none" strike="noStrike">
+                      <a:endParaRPr lang="en-US" sz="500" b="0" i="0" u="none" strike="noStrike" dirty="0">
                         <a:solidFill>
                           <a:srgbClr val="000000"/>
                         </a:solidFill>
@@ -14509,12 +14594,12 @@
                     <a:p>
                       <a:pPr algn="l" rtl="0" fontAlgn="ctr"/>
                       <a:r>
-                        <a:rPr lang="en-US" sz="500" u="none" strike="noStrike">
+                        <a:rPr lang="en-US" sz="500" u="none" strike="noStrike" dirty="0">
                           <a:effectLst/>
                         </a:rPr>
-                        <a:t>KIT_2nd_stp_cyl.RET</a:t>
+                        <a:t>KIT_2nd_stp.RET</a:t>
                       </a:r>
-                      <a:endParaRPr lang="en-US" sz="500" b="0" i="0" u="none" strike="noStrike">
+                      <a:endParaRPr lang="en-US" sz="500" b="0" i="0" u="none" strike="noStrike" dirty="0">
                         <a:solidFill>
                           <a:srgbClr val="000000"/>
                         </a:solidFill>
@@ -14605,12 +14690,12 @@
                     <a:p>
                       <a:pPr algn="l" rtl="0" fontAlgn="ctr"/>
                       <a:r>
-                        <a:rPr lang="da-DK" sz="500" u="none" strike="noStrike">
+                        <a:rPr lang="da-DK" sz="500" u="none" strike="noStrike" dirty="0">
                           <a:effectLst/>
                         </a:rPr>
-                        <a:t>KIT_2nd_stp_cyl_RET</a:t>
+                        <a:t>KIT_2nd_stp_RET</a:t>
                       </a:r>
-                      <a:endParaRPr lang="da-DK" sz="500" b="0" i="0" u="none" strike="noStrike">
+                      <a:endParaRPr lang="da-DK" sz="500" b="0" i="0" u="none" strike="noStrike" dirty="0">
                         <a:solidFill>
                           <a:srgbClr val="000000"/>
                         </a:solidFill>
@@ -14684,12 +14769,12 @@
                     <a:p>
                       <a:pPr algn="l" rtl="0" fontAlgn="ctr"/>
                       <a:r>
-                        <a:rPr lang="en-US" sz="500" u="none" strike="noStrike">
+                        <a:rPr lang="en-US" sz="500" u="none" strike="noStrike" dirty="0">
                           <a:effectLst/>
                         </a:rPr>
-                        <a:t>KIT_2nd_usb_cyl.ADV</a:t>
+                        <a:t>KIT_2nd_usb.ADV</a:t>
                       </a:r>
-                      <a:endParaRPr lang="en-US" sz="500" b="0" i="0" u="none" strike="noStrike">
+                      <a:endParaRPr lang="en-US" sz="500" b="0" i="0" u="none" strike="noStrike" dirty="0">
                         <a:solidFill>
                           <a:srgbClr val="000000"/>
                         </a:solidFill>
@@ -14780,12 +14865,12 @@
                     <a:p>
                       <a:pPr algn="l" rtl="0" fontAlgn="ctr"/>
                       <a:r>
-                        <a:rPr lang="en-US" sz="500" u="none" strike="noStrike">
+                        <a:rPr lang="en-US" sz="500" u="none" strike="noStrike" dirty="0">
                           <a:effectLst/>
                         </a:rPr>
-                        <a:t>KIT_2nd_usb_cyl_ADV</a:t>
+                        <a:t>KIT_2nd_usb_ADV</a:t>
                       </a:r>
-                      <a:endParaRPr lang="en-US" sz="500" b="0" i="0" u="none" strike="noStrike">
+                      <a:endParaRPr lang="en-US" sz="500" b="0" i="0" u="none" strike="noStrike" dirty="0">
                         <a:solidFill>
                           <a:srgbClr val="000000"/>
                         </a:solidFill>
@@ -14835,12 +14920,12 @@
                     <a:p>
                       <a:pPr algn="l" rtl="0" fontAlgn="ctr"/>
                       <a:r>
-                        <a:rPr lang="ko-KR" altLang="en-US" sz="500" u="none" strike="noStrike">
+                        <a:rPr lang="ko-KR" altLang="en-US" sz="500" u="none" strike="noStrike" dirty="0">
                           <a:effectLst/>
                         </a:rPr>
                         <a:t>외부주소</a:t>
                       </a:r>
-                      <a:endParaRPr lang="ko-KR" altLang="en-US" sz="500" b="0" i="0" u="none" strike="noStrike">
+                      <a:endParaRPr lang="ko-KR" altLang="en-US" sz="500" b="0" i="0" u="none" strike="noStrike" dirty="0">
                         <a:solidFill>
                           <a:srgbClr val="000000"/>
                         </a:solidFill>
@@ -14859,12 +14944,12 @@
                     <a:p>
                       <a:pPr algn="l" rtl="0" fontAlgn="ctr"/>
                       <a:r>
-                        <a:rPr lang="en-US" sz="500" u="none" strike="noStrike">
+                        <a:rPr lang="en-US" sz="500" u="none" strike="noStrike" dirty="0">
                           <a:effectLst/>
                         </a:rPr>
-                        <a:t>KIT_2nd_usb_cyl.RET</a:t>
+                        <a:t>KIT_2nd_usb.RET</a:t>
                       </a:r>
-                      <a:endParaRPr lang="en-US" sz="500" b="0" i="0" u="none" strike="noStrike">
+                      <a:endParaRPr lang="en-US" sz="500" b="0" i="0" u="none" strike="noStrike" dirty="0">
                         <a:solidFill>
                           <a:srgbClr val="000000"/>
                         </a:solidFill>
@@ -14955,12 +15040,12 @@
                     <a:p>
                       <a:pPr algn="l" rtl="0" fontAlgn="ctr"/>
                       <a:r>
-                        <a:rPr lang="da-DK" sz="500" u="none" strike="noStrike">
+                        <a:rPr lang="da-DK" sz="500" u="none" strike="noStrike" dirty="0">
                           <a:effectLst/>
                         </a:rPr>
-                        <a:t>KIT_2nd_usb_cyl_RET</a:t>
+                        <a:t>KIT_2nd_usb_RET</a:t>
                       </a:r>
-                      <a:endParaRPr lang="da-DK" sz="500" b="0" i="0" u="none" strike="noStrike">
+                      <a:endParaRPr lang="da-DK" sz="500" b="0" i="0" u="none" strike="noStrike" dirty="0">
                         <a:solidFill>
                           <a:srgbClr val="000000"/>
                         </a:solidFill>
@@ -15034,12 +15119,12 @@
                     <a:p>
                       <a:pPr algn="l" rtl="0" fontAlgn="ctr"/>
                       <a:r>
-                        <a:rPr lang="en-US" sz="500" u="none" strike="noStrike">
+                        <a:rPr lang="en-US" sz="500" u="none" strike="noStrike" dirty="0">
                           <a:effectLst/>
                         </a:rPr>
-                        <a:t>KIT_3rd_stp_cyl.ADV</a:t>
+                        <a:t>KIT_3rd_stp.ADV</a:t>
                       </a:r>
-                      <a:endParaRPr lang="en-US" sz="500" b="0" i="0" u="none" strike="noStrike">
+                      <a:endParaRPr lang="en-US" sz="500" b="0" i="0" u="none" strike="noStrike" dirty="0">
                         <a:solidFill>
                           <a:srgbClr val="000000"/>
                         </a:solidFill>
@@ -15130,12 +15215,12 @@
                     <a:p>
                       <a:pPr algn="l" rtl="0" fontAlgn="ctr"/>
                       <a:r>
-                        <a:rPr lang="en-US" sz="500" u="none" strike="noStrike">
+                        <a:rPr lang="en-US" sz="500" u="none" strike="noStrike" dirty="0">
                           <a:effectLst/>
                         </a:rPr>
-                        <a:t>KIT_3rd_stp_cyl_ADV</a:t>
+                        <a:t>KIT_3rd_stp_ADV</a:t>
                       </a:r>
-                      <a:endParaRPr lang="en-US" sz="500" b="0" i="0" u="none" strike="noStrike">
+                      <a:endParaRPr lang="en-US" sz="500" b="0" i="0" u="none" strike="noStrike" dirty="0">
                         <a:solidFill>
                           <a:srgbClr val="000000"/>
                         </a:solidFill>
@@ -15209,12 +15294,12 @@
                     <a:p>
                       <a:pPr algn="l" rtl="0" fontAlgn="ctr"/>
                       <a:r>
-                        <a:rPr lang="en-US" sz="500" u="none" strike="noStrike">
+                        <a:rPr lang="en-US" sz="500" u="none" strike="noStrike" dirty="0">
                           <a:effectLst/>
                         </a:rPr>
-                        <a:t>KIT_3rd_stp_cyl.RET</a:t>
+                        <a:t>KIT_3rd_stp.RET</a:t>
                       </a:r>
-                      <a:endParaRPr lang="en-US" sz="500" b="0" i="0" u="none" strike="noStrike">
+                      <a:endParaRPr lang="en-US" sz="500" b="0" i="0" u="none" strike="noStrike" dirty="0">
                         <a:solidFill>
                           <a:srgbClr val="000000"/>
                         </a:solidFill>
@@ -15305,12 +15390,12 @@
                     <a:p>
                       <a:pPr algn="l" rtl="0" fontAlgn="ctr"/>
                       <a:r>
-                        <a:rPr lang="da-DK" sz="500" u="none" strike="noStrike">
+                        <a:rPr lang="da-DK" sz="500" u="none" strike="noStrike" dirty="0">
                           <a:effectLst/>
                         </a:rPr>
-                        <a:t>KIT_3rd_stp_cyl_RET</a:t>
+                        <a:t>KIT_3rd_stp_RET</a:t>
                       </a:r>
-                      <a:endParaRPr lang="da-DK" sz="500" b="0" i="0" u="none" strike="noStrike">
+                      <a:endParaRPr lang="da-DK" sz="500" b="0" i="0" u="none" strike="noStrike" dirty="0">
                         <a:solidFill>
                           <a:srgbClr val="000000"/>
                         </a:solidFill>
@@ -15384,12 +15469,12 @@
                     <a:p>
                       <a:pPr algn="l" rtl="0" fontAlgn="ctr"/>
                       <a:r>
-                        <a:rPr lang="en-US" sz="500" u="none" strike="noStrike">
+                        <a:rPr lang="en-US" sz="500" u="none" strike="noStrike" dirty="0">
                           <a:effectLst/>
                         </a:rPr>
-                        <a:t>KIT_3rd_usb_cyl.ADV</a:t>
+                        <a:t>KIT_3rd_usb.ADV</a:t>
                       </a:r>
-                      <a:endParaRPr lang="en-US" sz="500" b="0" i="0" u="none" strike="noStrike">
+                      <a:endParaRPr lang="en-US" sz="500" b="0" i="0" u="none" strike="noStrike" dirty="0">
                         <a:solidFill>
                           <a:srgbClr val="000000"/>
                         </a:solidFill>
@@ -15480,12 +15565,12 @@
                     <a:p>
                       <a:pPr algn="l" rtl="0" fontAlgn="ctr"/>
                       <a:r>
-                        <a:rPr lang="en-US" sz="500" u="none" strike="noStrike">
+                        <a:rPr lang="en-US" sz="500" u="none" strike="noStrike" dirty="0">
                           <a:effectLst/>
                         </a:rPr>
-                        <a:t>KIT_3rd_usb_cyl_ADV</a:t>
+                        <a:t>KIT_3rd_usb_ADV</a:t>
                       </a:r>
-                      <a:endParaRPr lang="en-US" sz="500" b="0" i="0" u="none" strike="noStrike">
+                      <a:endParaRPr lang="en-US" sz="500" b="0" i="0" u="none" strike="noStrike" dirty="0">
                         <a:solidFill>
                           <a:srgbClr val="000000"/>
                         </a:solidFill>
@@ -15559,12 +15644,12 @@
                     <a:p>
                       <a:pPr algn="l" rtl="0" fontAlgn="ctr"/>
                       <a:r>
-                        <a:rPr lang="en-US" sz="500" u="none" strike="noStrike">
+                        <a:rPr lang="en-US" sz="500" u="none" strike="noStrike" dirty="0">
                           <a:effectLst/>
                         </a:rPr>
-                        <a:t>KIT_3rd_usb_cyl.RET</a:t>
+                        <a:t>KIT_3rd_usb.RET</a:t>
                       </a:r>
-                      <a:endParaRPr lang="en-US" sz="500" b="0" i="0" u="none" strike="noStrike">
+                      <a:endParaRPr lang="en-US" sz="500" b="0" i="0" u="none" strike="noStrike" dirty="0">
                         <a:solidFill>
                           <a:srgbClr val="000000"/>
                         </a:solidFill>
@@ -15655,12 +15740,12 @@
                     <a:p>
                       <a:pPr algn="l" rtl="0" fontAlgn="ctr"/>
                       <a:r>
-                        <a:rPr lang="da-DK" sz="500" u="none" strike="noStrike">
+                        <a:rPr lang="da-DK" sz="500" u="none" strike="noStrike" dirty="0">
                           <a:effectLst/>
                         </a:rPr>
-                        <a:t>KIT_3rd_usb_cyl_RET</a:t>
+                        <a:t>KIT_3rd_usb_RET</a:t>
                       </a:r>
-                      <a:endParaRPr lang="da-DK" sz="500" b="0" i="0" u="none" strike="noStrike">
+                      <a:endParaRPr lang="da-DK" sz="500" b="0" i="0" u="none" strike="noStrike" dirty="0">
                         <a:solidFill>
                           <a:srgbClr val="000000"/>
                         </a:solidFill>
@@ -15734,12 +15819,12 @@
                     <a:p>
                       <a:pPr algn="l" rtl="0" fontAlgn="ctr"/>
                       <a:r>
-                        <a:rPr lang="en-US" sz="500" u="none" strike="noStrike">
+                        <a:rPr lang="en-US" sz="500" u="none" strike="noStrike" dirty="0">
                           <a:effectLst/>
                         </a:rPr>
-                        <a:t>KIT_4th_stp_cyl.ADV</a:t>
+                        <a:t>KIT_4th_stp.ADV</a:t>
                       </a:r>
-                      <a:endParaRPr lang="en-US" sz="500" b="0" i="0" u="none" strike="noStrike">
+                      <a:endParaRPr lang="en-US" sz="500" b="0" i="0" u="none" strike="noStrike" dirty="0">
                         <a:solidFill>
                           <a:srgbClr val="000000"/>
                         </a:solidFill>
@@ -15830,12 +15915,12 @@
                     <a:p>
                       <a:pPr algn="l" rtl="0" fontAlgn="ctr"/>
                       <a:r>
-                        <a:rPr lang="en-US" sz="500" u="none" strike="noStrike">
+                        <a:rPr lang="en-US" sz="500" u="none" strike="noStrike" dirty="0">
                           <a:effectLst/>
                         </a:rPr>
-                        <a:t>KIT_4th_stp_cyl_ADV</a:t>
+                        <a:t>KIT_4th_stp_ADV</a:t>
                       </a:r>
-                      <a:endParaRPr lang="en-US" sz="500" b="0" i="0" u="none" strike="noStrike">
+                      <a:endParaRPr lang="en-US" sz="500" b="0" i="0" u="none" strike="noStrike" dirty="0">
                         <a:solidFill>
                           <a:srgbClr val="000000"/>
                         </a:solidFill>
@@ -15909,12 +15994,12 @@
                     <a:p>
                       <a:pPr algn="l" rtl="0" fontAlgn="ctr"/>
                       <a:r>
-                        <a:rPr lang="en-US" sz="500" u="none" strike="noStrike">
+                        <a:rPr lang="en-US" sz="500" u="none" strike="noStrike" dirty="0">
                           <a:effectLst/>
                         </a:rPr>
-                        <a:t>KIT_4th_stp_cyl.RET</a:t>
+                        <a:t>KIT_4th_stp.RET</a:t>
                       </a:r>
-                      <a:endParaRPr lang="en-US" sz="500" b="0" i="0" u="none" strike="noStrike">
+                      <a:endParaRPr lang="en-US" sz="500" b="0" i="0" u="none" strike="noStrike" dirty="0">
                         <a:solidFill>
                           <a:srgbClr val="000000"/>
                         </a:solidFill>
@@ -16005,12 +16090,12 @@
                     <a:p>
                       <a:pPr algn="l" rtl="0" fontAlgn="ctr"/>
                       <a:r>
-                        <a:rPr lang="en-US" sz="500" u="none" strike="noStrike">
+                        <a:rPr lang="en-US" sz="500" u="none" strike="noStrike" dirty="0">
                           <a:effectLst/>
                         </a:rPr>
-                        <a:t>KIT_4th_stp_cyl_RET</a:t>
+                        <a:t>KIT_4th_stp_RET</a:t>
                       </a:r>
-                      <a:endParaRPr lang="en-US" sz="500" b="0" i="0" u="none" strike="noStrike">
+                      <a:endParaRPr lang="en-US" sz="500" b="0" i="0" u="none" strike="noStrike" dirty="0">
                         <a:solidFill>
                           <a:srgbClr val="000000"/>
                         </a:solidFill>
@@ -16084,12 +16169,12 @@
                     <a:p>
                       <a:pPr algn="l" rtl="0" fontAlgn="ctr"/>
                       <a:r>
-                        <a:rPr lang="en-US" sz="500" u="none" strike="noStrike">
+                        <a:rPr lang="en-US" sz="500" u="none" strike="noStrike" dirty="0">
                           <a:effectLst/>
                         </a:rPr>
-                        <a:t>KIT_4th_usb_cyl.ADV</a:t>
+                        <a:t>KIT_4th_usb.ADV</a:t>
                       </a:r>
-                      <a:endParaRPr lang="en-US" sz="500" b="0" i="0" u="none" strike="noStrike">
+                      <a:endParaRPr lang="en-US" sz="500" b="0" i="0" u="none" strike="noStrike" dirty="0">
                         <a:solidFill>
                           <a:srgbClr val="000000"/>
                         </a:solidFill>
@@ -16180,12 +16265,12 @@
                     <a:p>
                       <a:pPr algn="l" rtl="0" fontAlgn="ctr"/>
                       <a:r>
-                        <a:rPr lang="en-US" sz="500" u="none" strike="noStrike">
+                        <a:rPr lang="en-US" sz="500" u="none" strike="noStrike" dirty="0">
                           <a:effectLst/>
                         </a:rPr>
-                        <a:t>KIT_4th_usb_cyl_ADV</a:t>
+                        <a:t>KIT_4th_usb_ADV</a:t>
                       </a:r>
-                      <a:endParaRPr lang="en-US" sz="500" b="0" i="0" u="none" strike="noStrike">
+                      <a:endParaRPr lang="en-US" sz="500" b="0" i="0" u="none" strike="noStrike" dirty="0">
                         <a:solidFill>
                           <a:srgbClr val="000000"/>
                         </a:solidFill>
@@ -16259,12 +16344,12 @@
                     <a:p>
                       <a:pPr algn="l" rtl="0" fontAlgn="ctr"/>
                       <a:r>
-                        <a:rPr lang="en-US" sz="500" u="none" strike="noStrike">
+                        <a:rPr lang="en-US" sz="500" u="none" strike="noStrike" dirty="0">
                           <a:effectLst/>
                         </a:rPr>
-                        <a:t>KIT_4th_usb_cyl.RET</a:t>
+                        <a:t>KIT_4th_usb.RET</a:t>
                       </a:r>
-                      <a:endParaRPr lang="en-US" sz="500" b="0" i="0" u="none" strike="noStrike">
+                      <a:endParaRPr lang="en-US" sz="500" b="0" i="0" u="none" strike="noStrike" dirty="0">
                         <a:solidFill>
                           <a:srgbClr val="000000"/>
                         </a:solidFill>
@@ -16355,12 +16440,12 @@
                     <a:p>
                       <a:pPr algn="l" rtl="0" fontAlgn="ctr"/>
                       <a:r>
-                        <a:rPr lang="en-US" sz="500" u="none" strike="noStrike">
+                        <a:rPr lang="en-US" sz="500" u="none" strike="noStrike" dirty="0">
                           <a:effectLst/>
                         </a:rPr>
-                        <a:t>KIT_4th_usb_cyl_RET</a:t>
+                        <a:t>KIT_4th_usb_RET</a:t>
                       </a:r>
-                      <a:endParaRPr lang="en-US" sz="500" b="0" i="0" u="none" strike="noStrike">
+                      <a:endParaRPr lang="en-US" sz="500" b="0" i="0" u="none" strike="noStrike" dirty="0">
                         <a:solidFill>
                           <a:srgbClr val="000000"/>
                         </a:solidFill>
@@ -18498,12 +18583,12 @@
                     <a:p>
                       <a:pPr algn="l" rtl="0" fontAlgn="ctr"/>
                       <a:r>
-                        <a:rPr lang="en-US" sz="500" u="none" strike="noStrike">
+                        <a:rPr lang="en-US" sz="500" u="none" strike="noStrike" dirty="0" err="1">
                           <a:effectLst/>
                         </a:rPr>
-                        <a:t>KIT_In_cyl.ADV</a:t>
+                        <a:t>KIT_In.ADV</a:t>
                       </a:r>
-                      <a:endParaRPr lang="en-US" sz="500" b="0" i="0" u="none" strike="noStrike">
+                      <a:endParaRPr lang="en-US" sz="500" b="0" i="0" u="none" strike="noStrike" dirty="0">
                         <a:solidFill>
                           <a:srgbClr val="000000"/>
                         </a:solidFill>
@@ -18597,7 +18682,7 @@
                         <a:rPr lang="en-US" sz="500" u="none" strike="noStrike" dirty="0" err="1">
                           <a:effectLst/>
                         </a:rPr>
-                        <a:t>KIT_In_cyl_ADV</a:t>
+                        <a:t>KIT_In_ADV</a:t>
                       </a:r>
                       <a:endParaRPr lang="en-US" sz="500" b="0" i="0" u="none" strike="noStrike" dirty="0">
                         <a:solidFill>
@@ -18673,12 +18758,12 @@
                     <a:p>
                       <a:pPr algn="l" rtl="0" fontAlgn="ctr"/>
                       <a:r>
-                        <a:rPr lang="en-US" sz="500" u="none" strike="noStrike">
+                        <a:rPr lang="en-US" sz="500" u="none" strike="noStrike" dirty="0" err="1">
                           <a:effectLst/>
                         </a:rPr>
-                        <a:t>KIT_In_cyl.RET</a:t>
+                        <a:t>KIT_In.RET</a:t>
                       </a:r>
-                      <a:endParaRPr lang="en-US" sz="500" b="0" i="0" u="none" strike="noStrike">
+                      <a:endParaRPr lang="en-US" sz="500" b="0" i="0" u="none" strike="noStrike" dirty="0">
                         <a:solidFill>
                           <a:srgbClr val="000000"/>
                         </a:solidFill>
@@ -18772,7 +18857,7 @@
                         <a:rPr lang="en-US" sz="500" u="none" strike="noStrike" dirty="0" err="1">
                           <a:effectLst/>
                         </a:rPr>
-                        <a:t>KIT_In_cyl_RET</a:t>
+                        <a:t>KIT_In_RET</a:t>
                       </a:r>
                       <a:endParaRPr lang="en-US" sz="500" b="0" i="0" u="none" strike="noStrike" dirty="0">
                         <a:solidFill>
@@ -18848,12 +18933,12 @@
                     <a:p>
                       <a:pPr algn="l" rtl="0" fontAlgn="ctr"/>
                       <a:r>
-                        <a:rPr lang="en-US" sz="500" u="none" strike="noStrike">
+                        <a:rPr lang="en-US" sz="500" u="none" strike="noStrike" dirty="0" err="1">
                           <a:effectLst/>
                         </a:rPr>
-                        <a:t>KIT_Out_cyl.ADV</a:t>
+                        <a:t>KIT_Out.ADV</a:t>
                       </a:r>
-                      <a:endParaRPr lang="en-US" sz="500" b="0" i="0" u="none" strike="noStrike">
+                      <a:endParaRPr lang="en-US" sz="500" b="0" i="0" u="none" strike="noStrike" dirty="0">
                         <a:solidFill>
                           <a:srgbClr val="000000"/>
                         </a:solidFill>
@@ -18947,7 +19032,7 @@
                         <a:rPr lang="en-US" sz="500" u="none" strike="noStrike" dirty="0" err="1">
                           <a:effectLst/>
                         </a:rPr>
-                        <a:t>KIT_Out_cyl_ADV</a:t>
+                        <a:t>KIT_Out_ADV</a:t>
                       </a:r>
                       <a:endParaRPr lang="en-US" sz="500" b="0" i="0" u="none" strike="noStrike" dirty="0">
                         <a:solidFill>
@@ -19023,12 +19108,12 @@
                     <a:p>
                       <a:pPr algn="l" rtl="0" fontAlgn="ctr"/>
                       <a:r>
-                        <a:rPr lang="en-US" sz="500" u="none" strike="noStrike">
+                        <a:rPr lang="en-US" sz="500" u="none" strike="noStrike" dirty="0" err="1">
                           <a:effectLst/>
                         </a:rPr>
-                        <a:t>KIT_Out_cyl.RET</a:t>
+                        <a:t>KIT_Out.RET</a:t>
                       </a:r>
-                      <a:endParaRPr lang="en-US" sz="500" b="0" i="0" u="none" strike="noStrike">
+                      <a:endParaRPr lang="en-US" sz="500" b="0" i="0" u="none" strike="noStrike" dirty="0">
                         <a:solidFill>
                           <a:srgbClr val="000000"/>
                         </a:solidFill>
@@ -19122,7 +19207,7 @@
                         <a:rPr lang="en-US" sz="500" u="none" strike="noStrike" dirty="0" err="1">
                           <a:effectLst/>
                         </a:rPr>
-                        <a:t>KIT_Out_cyl_RET</a:t>
+                        <a:t>KIT_Out_RET</a:t>
                       </a:r>
                       <a:endParaRPr lang="en-US" sz="500" b="0" i="0" u="none" strike="noStrike" dirty="0">
                         <a:solidFill>
@@ -19184,6 +19269,826 @@
 </file>
 
 <file path=ppt/slides/slide10.xml><?xml version="1.0" encoding="utf-8"?>
+<p:sld xmlns:a="http://schemas.openxmlformats.org/drawingml/2006/main" xmlns:r="http://schemas.openxmlformats.org/officeDocument/2006/relationships" xmlns:p="http://schemas.openxmlformats.org/presentationml/2006/main" show="0">
+  <p:cSld>
+    <p:spTree>
+      <p:nvGrpSpPr>
+        <p:cNvPr id="1" name=""/>
+        <p:cNvGrpSpPr/>
+        <p:nvPr/>
+      </p:nvGrpSpPr>
+      <p:grpSpPr>
+        <a:xfrm>
+          <a:off x="0" y="0"/>
+          <a:ext cx="0" cy="0"/>
+          <a:chOff x="0" y="0"/>
+          <a:chExt cx="0" cy="0"/>
+        </a:xfrm>
+      </p:grpSpPr>
+      <p:sp>
+        <p:nvSpPr>
+          <p:cNvPr id="2" name="제목 1">
+            <a:extLst>
+              <a:ext uri="{FF2B5EF4-FFF2-40B4-BE49-F238E27FC236}">
+                <a16:creationId xmlns:a16="http://schemas.microsoft.com/office/drawing/2014/main" id="{5E8FE27E-4086-E570-1BA4-F2B433CAA376}"/>
+              </a:ext>
+            </a:extLst>
+          </p:cNvPr>
+          <p:cNvSpPr>
+            <a:spLocks noGrp="1"/>
+          </p:cNvSpPr>
+          <p:nvPr>
+            <p:ph type="title"/>
+          </p:nvPr>
+        </p:nvSpPr>
+        <p:spPr/>
+        <p:txBody>
+          <a:bodyPr/>
+          <a:lstStyle/>
+          <a:p>
+            <a:r>
+              <a:rPr lang="en-US" altLang="ko-KR" dirty="0"/>
+              <a:t>S3</a:t>
+            </a:r>
+            <a:endParaRPr lang="ko-KR" altLang="en-US" dirty="0"/>
+          </a:p>
+        </p:txBody>
+      </p:sp>
+      <p:sp>
+        <p:nvSpPr>
+          <p:cNvPr id="13" name="직사각형 12">
+            <a:extLst>
+              <a:ext uri="{FF2B5EF4-FFF2-40B4-BE49-F238E27FC236}">
+                <a16:creationId xmlns:a16="http://schemas.microsoft.com/office/drawing/2014/main" id="{20D4B5AF-E245-475A-47A6-1314F9D73EE8}"/>
+              </a:ext>
+            </a:extLst>
+          </p:cNvPr>
+          <p:cNvSpPr/>
+          <p:nvPr/>
+        </p:nvSpPr>
+        <p:spPr>
+          <a:xfrm>
+            <a:off x="10080018" y="3931852"/>
+            <a:ext cx="847742" cy="495381"/>
+          </a:xfrm>
+          <a:prstGeom prst="rect">
+            <a:avLst/>
+          </a:prstGeom>
+        </p:spPr>
+        <p:style>
+          <a:lnRef idx="2">
+            <a:schemeClr val="accent1">
+              <a:shade val="15000"/>
+            </a:schemeClr>
+          </a:lnRef>
+          <a:fillRef idx="1">
+            <a:schemeClr val="accent1"/>
+          </a:fillRef>
+          <a:effectRef idx="0">
+            <a:schemeClr val="accent1"/>
+          </a:effectRef>
+          <a:fontRef idx="minor">
+            <a:schemeClr val="lt1"/>
+          </a:fontRef>
+        </p:style>
+        <p:txBody>
+          <a:bodyPr rtlCol="0" anchor="ctr"/>
+          <a:lstStyle/>
+          <a:p>
+            <a:pPr algn="ctr"/>
+            <a:r>
+              <a:rPr lang="ko-KR" altLang="en-US" dirty="0"/>
+              <a:t>반복</a:t>
+            </a:r>
+          </a:p>
+        </p:txBody>
+      </p:sp>
+      <p:cxnSp>
+        <p:nvCxnSpPr>
+          <p:cNvPr id="32" name="연결선: 꺾임 31">
+            <a:extLst>
+              <a:ext uri="{FF2B5EF4-FFF2-40B4-BE49-F238E27FC236}">
+                <a16:creationId xmlns:a16="http://schemas.microsoft.com/office/drawing/2014/main" id="{55996CE5-7EBC-3246-9029-B8870B968B13}"/>
+              </a:ext>
+            </a:extLst>
+          </p:cNvPr>
+          <p:cNvCxnSpPr>
+            <a:cxnSpLocks/>
+            <a:stCxn id="94" idx="2"/>
+            <a:endCxn id="13" idx="2"/>
+          </p:cNvCxnSpPr>
+          <p:nvPr/>
+        </p:nvCxnSpPr>
+        <p:spPr>
+          <a:xfrm rot="5400000" flipH="1" flipV="1">
+            <a:off x="7188435" y="1732639"/>
+            <a:ext cx="620859" cy="6010048"/>
+          </a:xfrm>
+          <a:prstGeom prst="bentConnector3">
+            <a:avLst>
+              <a:gd name="adj1" fmla="val -36820"/>
+            </a:avLst>
+          </a:prstGeom>
+          <a:ln w="38100">
+            <a:solidFill>
+              <a:srgbClr val="FFC000"/>
+            </a:solidFill>
+            <a:headEnd type="diamond" w="med" len="med"/>
+            <a:tailEnd type="triangle" w="med" len="med"/>
+          </a:ln>
+        </p:spPr>
+        <p:style>
+          <a:lnRef idx="1">
+            <a:schemeClr val="accent6"/>
+          </a:lnRef>
+          <a:fillRef idx="0">
+            <a:schemeClr val="accent6"/>
+          </a:fillRef>
+          <a:effectRef idx="0">
+            <a:schemeClr val="accent6"/>
+          </a:effectRef>
+          <a:fontRef idx="minor">
+            <a:schemeClr val="tx1"/>
+          </a:fontRef>
+        </p:style>
+      </p:cxnSp>
+      <p:cxnSp>
+        <p:nvCxnSpPr>
+          <p:cNvPr id="62" name="연결선: 꺾임 61">
+            <a:extLst>
+              <a:ext uri="{FF2B5EF4-FFF2-40B4-BE49-F238E27FC236}">
+                <a16:creationId xmlns:a16="http://schemas.microsoft.com/office/drawing/2014/main" id="{D2BBF1BC-3F9C-FDD1-40CF-9CFE10E49737}"/>
+              </a:ext>
+            </a:extLst>
+          </p:cNvPr>
+          <p:cNvCxnSpPr>
+            <a:cxnSpLocks/>
+            <a:stCxn id="13" idx="0"/>
+            <a:endCxn id="94" idx="3"/>
+          </p:cNvCxnSpPr>
+          <p:nvPr/>
+        </p:nvCxnSpPr>
+        <p:spPr>
+          <a:xfrm rot="16200000" flipV="1">
+            <a:off x="8772245" y="2200208"/>
+            <a:ext cx="701788" cy="2761500"/>
+          </a:xfrm>
+          <a:prstGeom prst="bentConnector2">
+            <a:avLst/>
+          </a:prstGeom>
+          <a:ln w="38100">
+            <a:solidFill>
+              <a:srgbClr val="FFC000"/>
+            </a:solidFill>
+            <a:headEnd type="diamond" w="med" len="med"/>
+            <a:tailEnd type="triangle" w="med" len="med"/>
+          </a:ln>
+        </p:spPr>
+        <p:style>
+          <a:lnRef idx="1">
+            <a:schemeClr val="accent6"/>
+          </a:lnRef>
+          <a:fillRef idx="0">
+            <a:schemeClr val="accent6"/>
+          </a:fillRef>
+          <a:effectRef idx="0">
+            <a:schemeClr val="accent6"/>
+          </a:effectRef>
+          <a:fontRef idx="minor">
+            <a:schemeClr val="tx1"/>
+          </a:fontRef>
+        </p:style>
+      </p:cxnSp>
+      <p:sp>
+        <p:nvSpPr>
+          <p:cNvPr id="79" name="사각형: 모서리가 접힌 도형 78">
+            <a:extLst>
+              <a:ext uri="{FF2B5EF4-FFF2-40B4-BE49-F238E27FC236}">
+                <a16:creationId xmlns:a16="http://schemas.microsoft.com/office/drawing/2014/main" id="{4FFFC34E-AB5C-2EA7-5DA2-90E276198FD1}"/>
+              </a:ext>
+            </a:extLst>
+          </p:cNvPr>
+          <p:cNvSpPr/>
+          <p:nvPr/>
+        </p:nvSpPr>
+        <p:spPr>
+          <a:xfrm>
+            <a:off x="9078277" y="6062274"/>
+            <a:ext cx="2437946" cy="568378"/>
+          </a:xfrm>
+          <a:prstGeom prst="foldedCorner">
+            <a:avLst/>
+          </a:prstGeom>
+          <a:solidFill>
+            <a:schemeClr val="accent3">
+              <a:alpha val="50000"/>
+            </a:schemeClr>
+          </a:solidFill>
+          <a:ln>
+            <a:noFill/>
+          </a:ln>
+        </p:spPr>
+        <p:style>
+          <a:lnRef idx="0">
+            <a:scrgbClr r="0" g="0" b="0"/>
+          </a:lnRef>
+          <a:fillRef idx="0">
+            <a:scrgbClr r="0" g="0" b="0"/>
+          </a:fillRef>
+          <a:effectRef idx="0">
+            <a:scrgbClr r="0" g="0" b="0"/>
+          </a:effectRef>
+          <a:fontRef idx="minor">
+            <a:schemeClr val="lt1"/>
+          </a:fontRef>
+        </p:style>
+        <p:txBody>
+          <a:bodyPr rtlCol="0" anchor="ctr"/>
+          <a:lstStyle/>
+          <a:p>
+            <a:pPr algn="ctr"/>
+            <a:r>
+              <a:rPr lang="en-US" altLang="ko-KR" dirty="0"/>
+              <a:t>lib/Cylinder/Double </a:t>
+            </a:r>
+          </a:p>
+          <a:p>
+            <a:pPr algn="ctr"/>
+            <a:r>
+              <a:rPr lang="en-US" altLang="ko-KR" dirty="0"/>
+              <a:t>[STOPPER]</a:t>
+            </a:r>
+            <a:endParaRPr lang="ko-KR" altLang="en-US" dirty="0"/>
+          </a:p>
+        </p:txBody>
+      </p:sp>
+      <p:sp>
+        <p:nvSpPr>
+          <p:cNvPr id="34" name="사각형: 모서리가 접힌 도형 33">
+            <a:extLst>
+              <a:ext uri="{FF2B5EF4-FFF2-40B4-BE49-F238E27FC236}">
+                <a16:creationId xmlns:a16="http://schemas.microsoft.com/office/drawing/2014/main" id="{C3D2AFE5-0603-1136-2006-76B1E50AD071}"/>
+              </a:ext>
+            </a:extLst>
+          </p:cNvPr>
+          <p:cNvSpPr/>
+          <p:nvPr/>
+        </p:nvSpPr>
+        <p:spPr>
+          <a:xfrm>
+            <a:off x="6523416" y="6062274"/>
+            <a:ext cx="2437946" cy="568378"/>
+          </a:xfrm>
+          <a:prstGeom prst="foldedCorner">
+            <a:avLst/>
+          </a:prstGeom>
+          <a:solidFill>
+            <a:schemeClr val="accent3">
+              <a:alpha val="50000"/>
+            </a:schemeClr>
+          </a:solidFill>
+          <a:ln>
+            <a:noFill/>
+          </a:ln>
+        </p:spPr>
+        <p:style>
+          <a:lnRef idx="0">
+            <a:scrgbClr r="0" g="0" b="0"/>
+          </a:lnRef>
+          <a:fillRef idx="0">
+            <a:scrgbClr r="0" g="0" b="0"/>
+          </a:fillRef>
+          <a:effectRef idx="0">
+            <a:scrgbClr r="0" g="0" b="0"/>
+          </a:effectRef>
+          <a:fontRef idx="minor">
+            <a:schemeClr val="lt1"/>
+          </a:fontRef>
+        </p:style>
+        <p:txBody>
+          <a:bodyPr rtlCol="0" anchor="ctr"/>
+          <a:lstStyle/>
+          <a:p>
+            <a:pPr algn="ctr"/>
+            <a:r>
+              <a:rPr lang="en-US" altLang="ko-KR" dirty="0"/>
+              <a:t>lib/Cylinder/Double </a:t>
+            </a:r>
+          </a:p>
+          <a:p>
+            <a:pPr algn="ctr"/>
+            <a:r>
+              <a:rPr lang="en-US" altLang="ko-KR" dirty="0"/>
+              <a:t>[USB]</a:t>
+            </a:r>
+            <a:endParaRPr lang="ko-KR" altLang="en-US" dirty="0"/>
+          </a:p>
+        </p:txBody>
+      </p:sp>
+      <p:grpSp>
+        <p:nvGrpSpPr>
+          <p:cNvPr id="44" name="그룹 43">
+            <a:extLst>
+              <a:ext uri="{FF2B5EF4-FFF2-40B4-BE49-F238E27FC236}">
+                <a16:creationId xmlns:a16="http://schemas.microsoft.com/office/drawing/2014/main" id="{E2B50E5B-2B39-4E96-458F-85B96ABBB3B4}"/>
+              </a:ext>
+            </a:extLst>
+          </p:cNvPr>
+          <p:cNvGrpSpPr/>
+          <p:nvPr/>
+        </p:nvGrpSpPr>
+        <p:grpSpPr>
+          <a:xfrm>
+            <a:off x="1245293" y="1412035"/>
+            <a:ext cx="6497096" cy="3636057"/>
+            <a:chOff x="331486" y="1236651"/>
+            <a:chExt cx="5282180" cy="2917639"/>
+          </a:xfrm>
+        </p:grpSpPr>
+        <p:grpSp>
+          <p:nvGrpSpPr>
+            <p:cNvPr id="16" name="그룹 15">
+              <a:extLst>
+                <a:ext uri="{FF2B5EF4-FFF2-40B4-BE49-F238E27FC236}">
+                  <a16:creationId xmlns:a16="http://schemas.microsoft.com/office/drawing/2014/main" id="{90FC8CF1-2B85-11A3-58EB-E351DAA6A162}"/>
+                </a:ext>
+              </a:extLst>
+            </p:cNvPr>
+            <p:cNvGrpSpPr/>
+            <p:nvPr/>
+          </p:nvGrpSpPr>
+          <p:grpSpPr>
+            <a:xfrm>
+              <a:off x="331486" y="1236651"/>
+              <a:ext cx="5282180" cy="2917639"/>
+              <a:chOff x="356674" y="1216886"/>
+              <a:chExt cx="5282180" cy="2917639"/>
+            </a:xfrm>
+          </p:grpSpPr>
+          <p:sp>
+            <p:nvSpPr>
+              <p:cNvPr id="94" name="직사각형 93">
+                <a:extLst>
+                  <a:ext uri="{FF2B5EF4-FFF2-40B4-BE49-F238E27FC236}">
+                    <a16:creationId xmlns:a16="http://schemas.microsoft.com/office/drawing/2014/main" id="{50002DFC-06DB-5F32-EB21-2D6DF916CB2E}"/>
+                  </a:ext>
+                </a:extLst>
+              </p:cNvPr>
+              <p:cNvSpPr/>
+              <p:nvPr/>
+            </p:nvSpPr>
+            <p:spPr>
+              <a:xfrm>
+                <a:off x="356674" y="1216886"/>
+                <a:ext cx="5282180" cy="2917639"/>
+              </a:xfrm>
+              <a:prstGeom prst="rect">
+                <a:avLst/>
+              </a:prstGeom>
+            </p:spPr>
+            <p:style>
+              <a:lnRef idx="2">
+                <a:schemeClr val="accent1">
+                  <a:shade val="15000"/>
+                </a:schemeClr>
+              </a:lnRef>
+              <a:fillRef idx="1">
+                <a:schemeClr val="accent1"/>
+              </a:fillRef>
+              <a:effectRef idx="0">
+                <a:schemeClr val="accent1"/>
+              </a:effectRef>
+              <a:fontRef idx="minor">
+                <a:schemeClr val="lt1"/>
+              </a:fontRef>
+            </p:style>
+            <p:txBody>
+              <a:bodyPr rtlCol="0" anchor="ctr"/>
+              <a:lstStyle/>
+              <a:p>
+                <a:pPr algn="ctr"/>
+                <a:r>
+                  <a:rPr lang="en-US" altLang="ko-KR" dirty="0"/>
+                  <a:t>R1</a:t>
+                </a:r>
+                <a:endParaRPr lang="ko-KR" altLang="en-US" dirty="0"/>
+              </a:p>
+            </p:txBody>
+          </p:sp>
+          <p:sp>
+            <p:nvSpPr>
+              <p:cNvPr id="10" name="타원 9">
+                <a:extLst>
+                  <a:ext uri="{FF2B5EF4-FFF2-40B4-BE49-F238E27FC236}">
+                    <a16:creationId xmlns:a16="http://schemas.microsoft.com/office/drawing/2014/main" id="{FCDAA94B-9830-4764-06B1-1D60DCB829DC}"/>
+                  </a:ext>
+                </a:extLst>
+              </p:cNvPr>
+              <p:cNvSpPr/>
+              <p:nvPr/>
+            </p:nvSpPr>
+            <p:spPr>
+              <a:xfrm>
+                <a:off x="859603" y="1881292"/>
+                <a:ext cx="758778" cy="499161"/>
+              </a:xfrm>
+              <a:prstGeom prst="ellipse">
+                <a:avLst/>
+              </a:prstGeom>
+              <a:solidFill>
+                <a:schemeClr val="accent4">
+                  <a:alpha val="50000"/>
+                </a:schemeClr>
+              </a:solidFill>
+              <a:ln>
+                <a:noFill/>
+              </a:ln>
+            </p:spPr>
+            <p:style>
+              <a:lnRef idx="0">
+                <a:scrgbClr r="0" g="0" b="0"/>
+              </a:lnRef>
+              <a:fillRef idx="0">
+                <a:scrgbClr r="0" g="0" b="0"/>
+              </a:fillRef>
+              <a:effectRef idx="0">
+                <a:scrgbClr r="0" g="0" b="0"/>
+              </a:effectRef>
+              <a:fontRef idx="minor">
+                <a:schemeClr val="lt1"/>
+              </a:fontRef>
+            </p:style>
+            <p:txBody>
+              <a:bodyPr rtlCol="0" anchor="ctr"/>
+              <a:lstStyle/>
+              <a:p>
+                <a:pPr algn="ctr"/>
+                <a:r>
+                  <a:rPr lang="en-US" altLang="ko-KR" sz="1050" dirty="0"/>
+                  <a:t>USB $ADV</a:t>
+                </a:r>
+                <a:endParaRPr lang="ko-KR" altLang="en-US" sz="1050" dirty="0"/>
+              </a:p>
+            </p:txBody>
+          </p:sp>
+          <p:sp>
+            <p:nvSpPr>
+              <p:cNvPr id="11" name="타원 10">
+                <a:extLst>
+                  <a:ext uri="{FF2B5EF4-FFF2-40B4-BE49-F238E27FC236}">
+                    <a16:creationId xmlns:a16="http://schemas.microsoft.com/office/drawing/2014/main" id="{97560454-D4B5-A91B-3FF0-846F2FC2FD93}"/>
+                  </a:ext>
+                </a:extLst>
+              </p:cNvPr>
+              <p:cNvSpPr/>
+              <p:nvPr/>
+            </p:nvSpPr>
+            <p:spPr>
+              <a:xfrm>
+                <a:off x="1898822" y="3056896"/>
+                <a:ext cx="758778" cy="499161"/>
+              </a:xfrm>
+              <a:prstGeom prst="ellipse">
+                <a:avLst/>
+              </a:prstGeom>
+              <a:solidFill>
+                <a:schemeClr val="accent4">
+                  <a:alpha val="50000"/>
+                </a:schemeClr>
+              </a:solidFill>
+              <a:ln>
+                <a:noFill/>
+              </a:ln>
+            </p:spPr>
+            <p:style>
+              <a:lnRef idx="0">
+                <a:scrgbClr r="0" g="0" b="0"/>
+              </a:lnRef>
+              <a:fillRef idx="0">
+                <a:scrgbClr r="0" g="0" b="0"/>
+              </a:fillRef>
+              <a:effectRef idx="0">
+                <a:scrgbClr r="0" g="0" b="0"/>
+              </a:effectRef>
+              <a:fontRef idx="minor">
+                <a:schemeClr val="lt1"/>
+              </a:fontRef>
+            </p:style>
+            <p:txBody>
+              <a:bodyPr rtlCol="0" anchor="ctr"/>
+              <a:lstStyle/>
+              <a:p>
+                <a:pPr algn="ctr"/>
+                <a:r>
+                  <a:rPr lang="en-US" altLang="ko-KR" sz="1050" dirty="0"/>
+                  <a:t>USB $RET</a:t>
+                </a:r>
+                <a:endParaRPr lang="ko-KR" altLang="en-US" sz="1050" dirty="0"/>
+              </a:p>
+            </p:txBody>
+          </p:sp>
+          <p:cxnSp>
+            <p:nvCxnSpPr>
+              <p:cNvPr id="12" name="연결선: 꺾임 11">
+                <a:extLst>
+                  <a:ext uri="{FF2B5EF4-FFF2-40B4-BE49-F238E27FC236}">
+                    <a16:creationId xmlns:a16="http://schemas.microsoft.com/office/drawing/2014/main" id="{B82D86F6-686A-9B3A-FAFB-D9CA95D6B9EE}"/>
+                  </a:ext>
+                </a:extLst>
+              </p:cNvPr>
+              <p:cNvCxnSpPr>
+                <a:cxnSpLocks/>
+                <a:stCxn id="10" idx="5"/>
+                <a:endCxn id="11" idx="1"/>
+              </p:cNvCxnSpPr>
+              <p:nvPr/>
+            </p:nvCxnSpPr>
+            <p:spPr>
+              <a:xfrm rot="16200000" flipH="1">
+                <a:off x="1347280" y="2467332"/>
+                <a:ext cx="822643" cy="502682"/>
+              </a:xfrm>
+              <a:prstGeom prst="bentConnector3">
+                <a:avLst/>
+              </a:prstGeom>
+              <a:ln>
+                <a:tailEnd type="triangle"/>
+              </a:ln>
+            </p:spPr>
+            <p:style>
+              <a:lnRef idx="1">
+                <a:schemeClr val="accent4"/>
+              </a:lnRef>
+              <a:fillRef idx="0">
+                <a:schemeClr val="accent4"/>
+              </a:fillRef>
+              <a:effectRef idx="0">
+                <a:schemeClr val="accent4"/>
+              </a:effectRef>
+              <a:fontRef idx="minor">
+                <a:schemeClr val="tx1"/>
+              </a:fontRef>
+            </p:style>
+          </p:cxnSp>
+        </p:grpSp>
+        <p:sp>
+          <p:nvSpPr>
+            <p:cNvPr id="35" name="타원 34">
+              <a:extLst>
+                <a:ext uri="{FF2B5EF4-FFF2-40B4-BE49-F238E27FC236}">
+                  <a16:creationId xmlns:a16="http://schemas.microsoft.com/office/drawing/2014/main" id="{012DE983-D75D-B7F5-3F82-C437BB089E4F}"/>
+                </a:ext>
+              </a:extLst>
+            </p:cNvPr>
+            <p:cNvSpPr/>
+            <p:nvPr/>
+          </p:nvSpPr>
+          <p:spPr>
+            <a:xfrm>
+              <a:off x="2779948" y="1729131"/>
+              <a:ext cx="758778" cy="499161"/>
+            </a:xfrm>
+            <a:prstGeom prst="ellipse">
+              <a:avLst/>
+            </a:prstGeom>
+            <a:solidFill>
+              <a:schemeClr val="accent4">
+                <a:alpha val="50000"/>
+              </a:schemeClr>
+            </a:solidFill>
+            <a:ln>
+              <a:noFill/>
+            </a:ln>
+          </p:spPr>
+          <p:style>
+            <a:lnRef idx="0">
+              <a:scrgbClr r="0" g="0" b="0"/>
+            </a:lnRef>
+            <a:fillRef idx="0">
+              <a:scrgbClr r="0" g="0" b="0"/>
+            </a:fillRef>
+            <a:effectRef idx="0">
+              <a:scrgbClr r="0" g="0" b="0"/>
+            </a:effectRef>
+            <a:fontRef idx="minor">
+              <a:schemeClr val="lt1"/>
+            </a:fontRef>
+          </p:style>
+          <p:txBody>
+            <a:bodyPr rtlCol="0" anchor="ctr"/>
+            <a:lstStyle/>
+            <a:p>
+              <a:pPr algn="ctr"/>
+              <a:r>
+                <a:rPr lang="en-US" altLang="ko-KR" sz="1050" dirty="0"/>
+                <a:t>STOPPER $ADV</a:t>
+              </a:r>
+              <a:endParaRPr lang="ko-KR" altLang="en-US" sz="1050" dirty="0"/>
+            </a:p>
+          </p:txBody>
+        </p:sp>
+        <p:sp>
+          <p:nvSpPr>
+            <p:cNvPr id="36" name="타원 35">
+              <a:extLst>
+                <a:ext uri="{FF2B5EF4-FFF2-40B4-BE49-F238E27FC236}">
+                  <a16:creationId xmlns:a16="http://schemas.microsoft.com/office/drawing/2014/main" id="{7E254FA6-B087-A662-0AA6-33D09FCECEDF}"/>
+                </a:ext>
+              </a:extLst>
+            </p:cNvPr>
+            <p:cNvSpPr/>
+            <p:nvPr/>
+          </p:nvSpPr>
+          <p:spPr>
+            <a:xfrm>
+              <a:off x="3819167" y="2904735"/>
+              <a:ext cx="758778" cy="499161"/>
+            </a:xfrm>
+            <a:prstGeom prst="ellipse">
+              <a:avLst/>
+            </a:prstGeom>
+            <a:solidFill>
+              <a:schemeClr val="accent4">
+                <a:alpha val="50000"/>
+              </a:schemeClr>
+            </a:solidFill>
+            <a:ln>
+              <a:noFill/>
+            </a:ln>
+          </p:spPr>
+          <p:style>
+            <a:lnRef idx="0">
+              <a:scrgbClr r="0" g="0" b="0"/>
+            </a:lnRef>
+            <a:fillRef idx="0">
+              <a:scrgbClr r="0" g="0" b="0"/>
+            </a:fillRef>
+            <a:effectRef idx="0">
+              <a:scrgbClr r="0" g="0" b="0"/>
+            </a:effectRef>
+            <a:fontRef idx="minor">
+              <a:schemeClr val="lt1"/>
+            </a:fontRef>
+          </p:style>
+          <p:txBody>
+            <a:bodyPr rtlCol="0" anchor="ctr"/>
+            <a:lstStyle/>
+            <a:p>
+              <a:pPr algn="ctr"/>
+              <a:r>
+                <a:rPr lang="en-US" altLang="ko-KR" sz="1050" dirty="0"/>
+                <a:t>STOPPER $RET</a:t>
+              </a:r>
+              <a:endParaRPr lang="ko-KR" altLang="en-US" sz="1050" dirty="0"/>
+            </a:p>
+          </p:txBody>
+        </p:sp>
+        <p:cxnSp>
+          <p:nvCxnSpPr>
+            <p:cNvPr id="37" name="연결선: 꺾임 36">
+              <a:extLst>
+                <a:ext uri="{FF2B5EF4-FFF2-40B4-BE49-F238E27FC236}">
+                  <a16:creationId xmlns:a16="http://schemas.microsoft.com/office/drawing/2014/main" id="{B154AC2D-B472-8895-75AE-FC5DCF5D6EDB}"/>
+                </a:ext>
+              </a:extLst>
+            </p:cNvPr>
+            <p:cNvCxnSpPr>
+              <a:cxnSpLocks/>
+              <a:stCxn id="35" idx="5"/>
+              <a:endCxn id="36" idx="1"/>
+            </p:cNvCxnSpPr>
+            <p:nvPr/>
+          </p:nvCxnSpPr>
+          <p:spPr>
+            <a:xfrm rot="16200000" flipH="1">
+              <a:off x="3267625" y="2315171"/>
+              <a:ext cx="822643" cy="502682"/>
+            </a:xfrm>
+            <a:prstGeom prst="bentConnector3">
+              <a:avLst/>
+            </a:prstGeom>
+            <a:ln>
+              <a:tailEnd type="triangle"/>
+            </a:ln>
+          </p:spPr>
+          <p:style>
+            <a:lnRef idx="1">
+              <a:schemeClr val="accent4"/>
+            </a:lnRef>
+            <a:fillRef idx="0">
+              <a:schemeClr val="accent4"/>
+            </a:fillRef>
+            <a:effectRef idx="0">
+              <a:schemeClr val="accent4"/>
+            </a:effectRef>
+            <a:fontRef idx="minor">
+              <a:schemeClr val="tx1"/>
+            </a:fontRef>
+          </p:style>
+        </p:cxnSp>
+        <p:cxnSp>
+          <p:nvCxnSpPr>
+            <p:cNvPr id="38" name="연결선: 꺾임 37">
+              <a:extLst>
+                <a:ext uri="{FF2B5EF4-FFF2-40B4-BE49-F238E27FC236}">
+                  <a16:creationId xmlns:a16="http://schemas.microsoft.com/office/drawing/2014/main" id="{9FEC5249-886D-4E91-096E-1136ED2A4E38}"/>
+                </a:ext>
+              </a:extLst>
+            </p:cNvPr>
+            <p:cNvCxnSpPr>
+              <a:cxnSpLocks/>
+              <a:stCxn id="10" idx="6"/>
+              <a:endCxn id="35" idx="2"/>
+            </p:cNvCxnSpPr>
+            <p:nvPr/>
+          </p:nvCxnSpPr>
+          <p:spPr>
+            <a:xfrm flipV="1">
+              <a:off x="1593193" y="1978712"/>
+              <a:ext cx="1186755" cy="171926"/>
+            </a:xfrm>
+            <a:prstGeom prst="bentConnector3">
+              <a:avLst/>
+            </a:prstGeom>
+            <a:ln>
+              <a:tailEnd type="triangle"/>
+            </a:ln>
+          </p:spPr>
+          <p:style>
+            <a:lnRef idx="1">
+              <a:schemeClr val="accent4"/>
+            </a:lnRef>
+            <a:fillRef idx="0">
+              <a:schemeClr val="accent4"/>
+            </a:fillRef>
+            <a:effectRef idx="0">
+              <a:schemeClr val="accent4"/>
+            </a:effectRef>
+            <a:fontRef idx="minor">
+              <a:schemeClr val="tx1"/>
+            </a:fontRef>
+          </p:style>
+        </p:cxnSp>
+        <p:cxnSp>
+          <p:nvCxnSpPr>
+            <p:cNvPr id="41" name="연결선: 꺾임 40">
+              <a:extLst>
+                <a:ext uri="{FF2B5EF4-FFF2-40B4-BE49-F238E27FC236}">
+                  <a16:creationId xmlns:a16="http://schemas.microsoft.com/office/drawing/2014/main" id="{0FB9EC74-793F-271C-E581-BC517FD8F9E9}"/>
+                </a:ext>
+              </a:extLst>
+            </p:cNvPr>
+            <p:cNvCxnSpPr>
+              <a:cxnSpLocks/>
+              <a:stCxn id="11" idx="6"/>
+              <a:endCxn id="36" idx="2"/>
+            </p:cNvCxnSpPr>
+            <p:nvPr/>
+          </p:nvCxnSpPr>
+          <p:spPr>
+            <a:xfrm flipV="1">
+              <a:off x="2632412" y="3154316"/>
+              <a:ext cx="1186755" cy="171926"/>
+            </a:xfrm>
+            <a:prstGeom prst="bentConnector3">
+              <a:avLst>
+                <a:gd name="adj1" fmla="val 50000"/>
+              </a:avLst>
+            </a:prstGeom>
+            <a:ln>
+              <a:tailEnd type="triangle"/>
+            </a:ln>
+          </p:spPr>
+          <p:style>
+            <a:lnRef idx="1">
+              <a:schemeClr val="accent4"/>
+            </a:lnRef>
+            <a:fillRef idx="0">
+              <a:schemeClr val="accent4"/>
+            </a:fillRef>
+            <a:effectRef idx="0">
+              <a:schemeClr val="accent4"/>
+            </a:effectRef>
+            <a:fontRef idx="minor">
+              <a:schemeClr val="tx1"/>
+            </a:fontRef>
+          </p:style>
+        </p:cxnSp>
+      </p:grpSp>
+    </p:spTree>
+    <p:extLst>
+      <p:ext uri="{BB962C8B-B14F-4D97-AF65-F5344CB8AC3E}">
+        <p14:creationId xmlns:p14="http://schemas.microsoft.com/office/powerpoint/2010/main" val="2173421275"/>
+      </p:ext>
+    </p:extLst>
+  </p:cSld>
+  <p:clrMapOvr>
+    <a:masterClrMapping/>
+  </p:clrMapOvr>
+</p:sld>
+</file>
+
+<file path=ppt/slides/slide11.xml><?xml version="1.0" encoding="utf-8"?>
 <p:sld xmlns:a="http://schemas.openxmlformats.org/drawingml/2006/main" xmlns:r="http://schemas.openxmlformats.org/officeDocument/2006/relationships" xmlns:p="http://schemas.openxmlformats.org/presentationml/2006/main" show="0">
   <p:cSld>
     <p:spTree>
@@ -20003,7 +20908,7 @@
 </p:sld>
 </file>
 
-<file path=ppt/slides/slide11.xml><?xml version="1.0" encoding="utf-8"?>
+<file path=ppt/slides/slide12.xml><?xml version="1.0" encoding="utf-8"?>
 <p:sld xmlns:a="http://schemas.openxmlformats.org/drawingml/2006/main" xmlns:r="http://schemas.openxmlformats.org/officeDocument/2006/relationships" xmlns:p="http://schemas.openxmlformats.org/presentationml/2006/main" show="0">
   <p:cSld>
     <p:spTree>
@@ -20552,7 +21457,7 @@
 </p:sld>
 </file>
 
-<file path=ppt/slides/slide12.xml><?xml version="1.0" encoding="utf-8"?>
+<file path=ppt/slides/slide13.xml><?xml version="1.0" encoding="utf-8"?>
 <p:sld xmlns:a="http://schemas.openxmlformats.org/drawingml/2006/main" xmlns:r="http://schemas.openxmlformats.org/officeDocument/2006/relationships" xmlns:p="http://schemas.openxmlformats.org/presentationml/2006/main" show="0">
   <p:cSld>
     <p:spTree>
@@ -21133,7 +22038,7 @@
 </p:sld>
 </file>
 
-<file path=ppt/slides/slide13.xml><?xml version="1.0" encoding="utf-8"?>
+<file path=ppt/slides/slide14.xml><?xml version="1.0" encoding="utf-8"?>
 <p:sld xmlns:a="http://schemas.openxmlformats.org/drawingml/2006/main" xmlns:r="http://schemas.openxmlformats.org/officeDocument/2006/relationships" xmlns:p="http://schemas.openxmlformats.org/presentationml/2006/main" show="0">
   <p:cSld>
     <p:spTree>
@@ -21678,7 +22583,7 @@
 </p:sld>
 </file>
 
-<file path=ppt/slides/slide14.xml><?xml version="1.0" encoding="utf-8"?>
+<file path=ppt/slides/slide15.xml><?xml version="1.0" encoding="utf-8"?>
 <p:sld xmlns:a="http://schemas.openxmlformats.org/drawingml/2006/main" xmlns:r="http://schemas.openxmlformats.org/officeDocument/2006/relationships" xmlns:p="http://schemas.openxmlformats.org/presentationml/2006/main" show="0">
   <p:cSld>
     <p:spTree>
@@ -22257,7 +23162,7 @@
 </p:sld>
 </file>
 
-<file path=ppt/slides/slide15.xml><?xml version="1.0" encoding="utf-8"?>
+<file path=ppt/slides/slide16.xml><?xml version="1.0" encoding="utf-8"?>
 <p:sld xmlns:a="http://schemas.openxmlformats.org/drawingml/2006/main" xmlns:r="http://schemas.openxmlformats.org/officeDocument/2006/relationships" xmlns:p="http://schemas.openxmlformats.org/presentationml/2006/main" show="0">
   <p:cSld>
     <p:spTree>
@@ -22793,7 +23698,7 @@
 </p:sld>
 </file>
 
-<file path=ppt/slides/slide16.xml><?xml version="1.0" encoding="utf-8"?>
+<file path=ppt/slides/slide17.xml><?xml version="1.0" encoding="utf-8"?>
 <p:sld xmlns:a="http://schemas.openxmlformats.org/drawingml/2006/main" xmlns:r="http://schemas.openxmlformats.org/officeDocument/2006/relationships" xmlns:p="http://schemas.openxmlformats.org/presentationml/2006/main" show="0">
   <p:cSld>
     <p:spTree>
@@ -23840,7 +24745,7 @@
 </p:sld>
 </file>
 
-<file path=ppt/slides/slide17.xml><?xml version="1.0" encoding="utf-8"?>
+<file path=ppt/slides/slide18.xml><?xml version="1.0" encoding="utf-8"?>
 <p:sld xmlns:a="http://schemas.openxmlformats.org/drawingml/2006/main" xmlns:r="http://schemas.openxmlformats.org/officeDocument/2006/relationships" xmlns:p="http://schemas.openxmlformats.org/presentationml/2006/main" show="0">
   <p:cSld>
     <p:spTree>
@@ -24651,7 +25556,7 @@
 </p:sld>
 </file>
 
-<file path=ppt/slides/slide18.xml><?xml version="1.0" encoding="utf-8"?>
+<file path=ppt/slides/slide19.xml><?xml version="1.0" encoding="utf-8"?>
 <p:sld xmlns:a="http://schemas.openxmlformats.org/drawingml/2006/main" xmlns:r="http://schemas.openxmlformats.org/officeDocument/2006/relationships" xmlns:p="http://schemas.openxmlformats.org/presentationml/2006/main" show="0">
   <p:cSld>
     <p:spTree>
@@ -25147,361 +26052,6 @@
     <p:extLst>
       <p:ext uri="{BB962C8B-B14F-4D97-AF65-F5344CB8AC3E}">
         <p14:creationId xmlns:p14="http://schemas.microsoft.com/office/powerpoint/2010/main" val="3992733833"/>
-      </p:ext>
-    </p:extLst>
-  </p:cSld>
-  <p:clrMapOvr>
-    <a:masterClrMapping/>
-  </p:clrMapOvr>
-</p:sld>
-</file>
-
-<file path=ppt/slides/slide19.xml><?xml version="1.0" encoding="utf-8"?>
-<p:sld xmlns:a="http://schemas.openxmlformats.org/drawingml/2006/main" xmlns:r="http://schemas.openxmlformats.org/officeDocument/2006/relationships" xmlns:p="http://schemas.openxmlformats.org/presentationml/2006/main" show="0">
-  <p:cSld>
-    <p:spTree>
-      <p:nvGrpSpPr>
-        <p:cNvPr id="1" name=""/>
-        <p:cNvGrpSpPr/>
-        <p:nvPr/>
-      </p:nvGrpSpPr>
-      <p:grpSpPr>
-        <a:xfrm>
-          <a:off x="0" y="0"/>
-          <a:ext cx="0" cy="0"/>
-          <a:chOff x="0" y="0"/>
-          <a:chExt cx="0" cy="0"/>
-        </a:xfrm>
-      </p:grpSpPr>
-      <p:sp>
-        <p:nvSpPr>
-          <p:cNvPr id="2" name="제목 1">
-            <a:extLst>
-              <a:ext uri="{FF2B5EF4-FFF2-40B4-BE49-F238E27FC236}">
-                <a16:creationId xmlns:a16="http://schemas.microsoft.com/office/drawing/2014/main" id="{E35BEC89-0CFB-7F29-D8C7-71B3E64B4D66}"/>
-              </a:ext>
-            </a:extLst>
-          </p:cNvPr>
-          <p:cNvSpPr>
-            <a:spLocks noGrp="1"/>
-          </p:cNvSpPr>
-          <p:nvPr>
-            <p:ph type="title"/>
-          </p:nvPr>
-        </p:nvSpPr>
-        <p:spPr/>
-        <p:txBody>
-          <a:bodyPr/>
-          <a:lstStyle/>
-          <a:p>
-            <a:r>
-              <a:rPr lang="en-US" altLang="ko-KR" dirty="0" err="1"/>
-              <a:t>S02</a:t>
-            </a:r>
-            <a:endParaRPr lang="ko-KR" altLang="en-US" dirty="0"/>
-          </a:p>
-        </p:txBody>
-      </p:sp>
-      <p:sp>
-        <p:nvSpPr>
-          <p:cNvPr id="4" name="사각형: 빗면 3">
-            <a:extLst>
-              <a:ext uri="{FF2B5EF4-FFF2-40B4-BE49-F238E27FC236}">
-                <a16:creationId xmlns:a16="http://schemas.microsoft.com/office/drawing/2014/main" id="{43F727FF-A1DD-341C-11C2-1AF95E71B98C}"/>
-              </a:ext>
-            </a:extLst>
-          </p:cNvPr>
-          <p:cNvSpPr/>
-          <p:nvPr/>
-        </p:nvSpPr>
-        <p:spPr>
-          <a:xfrm>
-            <a:off x="1658871" y="2561303"/>
-            <a:ext cx="3591555" cy="3534697"/>
-          </a:xfrm>
-          <a:prstGeom prst="bevel">
-            <a:avLst>
-              <a:gd name="adj" fmla="val 16754"/>
-            </a:avLst>
-          </a:prstGeom>
-          <a:ln>
-            <a:solidFill>
-              <a:schemeClr val="tx1"/>
-            </a:solidFill>
-          </a:ln>
-        </p:spPr>
-        <p:style>
-          <a:lnRef idx="2">
-            <a:schemeClr val="accent1">
-              <a:shade val="50000"/>
-            </a:schemeClr>
-          </a:lnRef>
-          <a:fillRef idx="1">
-            <a:schemeClr val="accent1"/>
-          </a:fillRef>
-          <a:effectRef idx="0">
-            <a:schemeClr val="accent1"/>
-          </a:effectRef>
-          <a:fontRef idx="minor">
-            <a:schemeClr val="lt1"/>
-          </a:fontRef>
-        </p:style>
-        <p:txBody>
-          <a:bodyPr rtlCol="0" anchor="ctr"/>
-          <a:lstStyle/>
-          <a:p>
-            <a:pPr algn="ctr"/>
-            <a:r>
-              <a:rPr lang="en-US" altLang="ko-KR" sz="1400" dirty="0">
-                <a:solidFill>
-                  <a:schemeClr val="bg2"/>
-                </a:solidFill>
-              </a:rPr>
-              <a:t>[A]autoBtn1</a:t>
-            </a:r>
-          </a:p>
-          <a:p>
-            <a:pPr algn="ctr"/>
-            <a:r>
-              <a:rPr lang="en-US" altLang="ko-KR" sz="1400" dirty="0">
-                <a:solidFill>
-                  <a:schemeClr val="bg2"/>
-                </a:solidFill>
-              </a:rPr>
-              <a:t>[M]</a:t>
-            </a:r>
-            <a:r>
-              <a:rPr lang="en-US" altLang="ko-KR" sz="1400" dirty="0" err="1">
-                <a:solidFill>
-                  <a:schemeClr val="bg2"/>
-                </a:solidFill>
-              </a:rPr>
-              <a:t>manualBtn1</a:t>
-            </a:r>
-            <a:endParaRPr lang="en-US" altLang="ko-KR" sz="1400" dirty="0">
-              <a:solidFill>
-                <a:schemeClr val="bg2"/>
-              </a:solidFill>
-            </a:endParaRPr>
-          </a:p>
-          <a:p>
-            <a:pPr algn="ctr"/>
-            <a:r>
-              <a:rPr lang="en-US" altLang="ko-KR" sz="1400" dirty="0">
-                <a:solidFill>
-                  <a:schemeClr val="bg2"/>
-                </a:solidFill>
-              </a:rPr>
-              <a:t>[D] driveBtn1</a:t>
-            </a:r>
-          </a:p>
-          <a:p>
-            <a:pPr algn="ctr"/>
-            <a:r>
-              <a:rPr lang="en-US" altLang="ko-KR" sz="1400" dirty="0">
-                <a:solidFill>
-                  <a:schemeClr val="bg2"/>
-                </a:solidFill>
-              </a:rPr>
-              <a:t>[H] </a:t>
-            </a:r>
-            <a:r>
-              <a:rPr lang="en-US" altLang="ko-KR" sz="1400" dirty="0" err="1">
-                <a:solidFill>
-                  <a:schemeClr val="bg2"/>
-                </a:solidFill>
-              </a:rPr>
-              <a:t>homeBtn1</a:t>
-            </a:r>
-            <a:endParaRPr lang="en-US" altLang="ko-KR" sz="1100" dirty="0">
-              <a:solidFill>
-                <a:schemeClr val="bg2"/>
-              </a:solidFill>
-            </a:endParaRPr>
-          </a:p>
-        </p:txBody>
-      </p:sp>
-      <p:sp>
-        <p:nvSpPr>
-          <p:cNvPr id="5" name="사각형: 빗면 4">
-            <a:extLst>
-              <a:ext uri="{FF2B5EF4-FFF2-40B4-BE49-F238E27FC236}">
-                <a16:creationId xmlns:a16="http://schemas.microsoft.com/office/drawing/2014/main" id="{CC109A94-E99B-595B-64CD-E549C28F0B12}"/>
-              </a:ext>
-            </a:extLst>
-          </p:cNvPr>
-          <p:cNvSpPr/>
-          <p:nvPr/>
-        </p:nvSpPr>
-        <p:spPr>
-          <a:xfrm>
-            <a:off x="6427516" y="2561302"/>
-            <a:ext cx="3591555" cy="3534697"/>
-          </a:xfrm>
-          <a:prstGeom prst="bevel">
-            <a:avLst>
-              <a:gd name="adj" fmla="val 0"/>
-            </a:avLst>
-          </a:prstGeom>
-          <a:ln>
-            <a:solidFill>
-              <a:schemeClr val="tx1"/>
-            </a:solidFill>
-          </a:ln>
-        </p:spPr>
-        <p:style>
-          <a:lnRef idx="2">
-            <a:schemeClr val="accent1">
-              <a:shade val="50000"/>
-            </a:schemeClr>
-          </a:lnRef>
-          <a:fillRef idx="1">
-            <a:schemeClr val="accent1"/>
-          </a:fillRef>
-          <a:effectRef idx="0">
-            <a:schemeClr val="accent1"/>
-          </a:effectRef>
-          <a:fontRef idx="minor">
-            <a:schemeClr val="lt1"/>
-          </a:fontRef>
-        </p:style>
-        <p:txBody>
-          <a:bodyPr rtlCol="0" anchor="ctr"/>
-          <a:lstStyle/>
-          <a:p>
-            <a:pPr algn="ctr"/>
-            <a:r>
-              <a:rPr lang="en-US" altLang="ko-KR" dirty="0">
-                <a:solidFill>
-                  <a:schemeClr val="bg2"/>
-                </a:solidFill>
-              </a:rPr>
-              <a:t>[A] </a:t>
-            </a:r>
-            <a:r>
-              <a:rPr lang="en-US" altLang="ko-KR" dirty="0" err="1">
-                <a:solidFill>
-                  <a:schemeClr val="bg2"/>
-                </a:solidFill>
-              </a:rPr>
-              <a:t>autoLamp2</a:t>
-            </a:r>
-            <a:endParaRPr lang="en-US" altLang="ko-KR" dirty="0">
-              <a:solidFill>
-                <a:schemeClr val="bg2"/>
-              </a:solidFill>
-            </a:endParaRPr>
-          </a:p>
-          <a:p>
-            <a:pPr algn="ctr"/>
-            <a:r>
-              <a:rPr lang="en-US" altLang="ko-KR" dirty="0">
-                <a:solidFill>
-                  <a:schemeClr val="bg2"/>
-                </a:solidFill>
-              </a:rPr>
-              <a:t>[M] </a:t>
-            </a:r>
-            <a:r>
-              <a:rPr lang="en-US" altLang="ko-KR" dirty="0" err="1">
-                <a:solidFill>
-                  <a:schemeClr val="bg2"/>
-                </a:solidFill>
-              </a:rPr>
-              <a:t>manualLamp2</a:t>
-            </a:r>
-            <a:endParaRPr lang="en-US" altLang="ko-KR" dirty="0">
-              <a:solidFill>
-                <a:schemeClr val="bg2"/>
-              </a:solidFill>
-            </a:endParaRPr>
-          </a:p>
-          <a:p>
-            <a:pPr algn="ctr"/>
-            <a:r>
-              <a:rPr lang="en-US" altLang="ko-KR" dirty="0">
-                <a:solidFill>
-                  <a:schemeClr val="bg2"/>
-                </a:solidFill>
-              </a:rPr>
-              <a:t>[T] </a:t>
-            </a:r>
-            <a:r>
-              <a:rPr lang="en-US" altLang="ko-KR" dirty="0" err="1">
-                <a:solidFill>
-                  <a:schemeClr val="bg2"/>
-                </a:solidFill>
-              </a:rPr>
-              <a:t>testrunLamp2</a:t>
-            </a:r>
-            <a:endParaRPr lang="en-US" altLang="ko-KR" dirty="0">
-              <a:solidFill>
-                <a:schemeClr val="bg2"/>
-              </a:solidFill>
-            </a:endParaRPr>
-          </a:p>
-          <a:p>
-            <a:pPr algn="ctr"/>
-            <a:r>
-              <a:rPr lang="en-US" altLang="ko-KR" dirty="0">
-                <a:solidFill>
-                  <a:schemeClr val="bg2"/>
-                </a:solidFill>
-              </a:rPr>
-              <a:t>[R] </a:t>
-            </a:r>
-            <a:r>
-              <a:rPr lang="en-US" altLang="ko-KR" dirty="0" err="1">
-                <a:solidFill>
-                  <a:schemeClr val="bg2"/>
-                </a:solidFill>
-              </a:rPr>
-              <a:t>readyLamp2</a:t>
-            </a:r>
-            <a:endParaRPr lang="en-US" altLang="ko-KR" dirty="0">
-              <a:solidFill>
-                <a:schemeClr val="bg2"/>
-              </a:solidFill>
-            </a:endParaRPr>
-          </a:p>
-          <a:p>
-            <a:pPr algn="ctr"/>
-            <a:r>
-              <a:rPr lang="en-US" altLang="ko-KR" dirty="0">
-                <a:solidFill>
-                  <a:schemeClr val="bg2"/>
-                </a:solidFill>
-              </a:rPr>
-              <a:t>[I] </a:t>
-            </a:r>
-            <a:r>
-              <a:rPr lang="en-US" altLang="ko-KR" dirty="0" err="1">
-                <a:solidFill>
-                  <a:schemeClr val="bg2"/>
-                </a:solidFill>
-              </a:rPr>
-              <a:t>idleLamp2</a:t>
-            </a:r>
-            <a:endParaRPr lang="en-US" altLang="ko-KR" dirty="0">
-              <a:solidFill>
-                <a:schemeClr val="bg2"/>
-              </a:solidFill>
-            </a:endParaRPr>
-          </a:p>
-          <a:p>
-            <a:pPr algn="ctr"/>
-            <a:endParaRPr lang="en-US" altLang="ko-KR" dirty="0">
-              <a:solidFill>
-                <a:schemeClr val="bg2"/>
-              </a:solidFill>
-            </a:endParaRPr>
-          </a:p>
-        </p:txBody>
-      </p:sp>
-    </p:spTree>
-    <p:extLst>
-      <p:ext uri="{BB962C8B-B14F-4D97-AF65-F5344CB8AC3E}">
-        <p14:creationId xmlns:p14="http://schemas.microsoft.com/office/powerpoint/2010/main" val="1499651881"/>
       </p:ext>
     </p:extLst>
   </p:cSld>
@@ -27239,6 +27789,361 @@
           <p:cNvPr id="2" name="제목 1">
             <a:extLst>
               <a:ext uri="{FF2B5EF4-FFF2-40B4-BE49-F238E27FC236}">
+                <a16:creationId xmlns:a16="http://schemas.microsoft.com/office/drawing/2014/main" id="{E35BEC89-0CFB-7F29-D8C7-71B3E64B4D66}"/>
+              </a:ext>
+            </a:extLst>
+          </p:cNvPr>
+          <p:cNvSpPr>
+            <a:spLocks noGrp="1"/>
+          </p:cNvSpPr>
+          <p:nvPr>
+            <p:ph type="title"/>
+          </p:nvPr>
+        </p:nvSpPr>
+        <p:spPr/>
+        <p:txBody>
+          <a:bodyPr/>
+          <a:lstStyle/>
+          <a:p>
+            <a:r>
+              <a:rPr lang="en-US" altLang="ko-KR" dirty="0" err="1"/>
+              <a:t>S02</a:t>
+            </a:r>
+            <a:endParaRPr lang="ko-KR" altLang="en-US" dirty="0"/>
+          </a:p>
+        </p:txBody>
+      </p:sp>
+      <p:sp>
+        <p:nvSpPr>
+          <p:cNvPr id="4" name="사각형: 빗면 3">
+            <a:extLst>
+              <a:ext uri="{FF2B5EF4-FFF2-40B4-BE49-F238E27FC236}">
+                <a16:creationId xmlns:a16="http://schemas.microsoft.com/office/drawing/2014/main" id="{43F727FF-A1DD-341C-11C2-1AF95E71B98C}"/>
+              </a:ext>
+            </a:extLst>
+          </p:cNvPr>
+          <p:cNvSpPr/>
+          <p:nvPr/>
+        </p:nvSpPr>
+        <p:spPr>
+          <a:xfrm>
+            <a:off x="1658871" y="2561303"/>
+            <a:ext cx="3591555" cy="3534697"/>
+          </a:xfrm>
+          <a:prstGeom prst="bevel">
+            <a:avLst>
+              <a:gd name="adj" fmla="val 16754"/>
+            </a:avLst>
+          </a:prstGeom>
+          <a:ln>
+            <a:solidFill>
+              <a:schemeClr val="tx1"/>
+            </a:solidFill>
+          </a:ln>
+        </p:spPr>
+        <p:style>
+          <a:lnRef idx="2">
+            <a:schemeClr val="accent1">
+              <a:shade val="50000"/>
+            </a:schemeClr>
+          </a:lnRef>
+          <a:fillRef idx="1">
+            <a:schemeClr val="accent1"/>
+          </a:fillRef>
+          <a:effectRef idx="0">
+            <a:schemeClr val="accent1"/>
+          </a:effectRef>
+          <a:fontRef idx="minor">
+            <a:schemeClr val="lt1"/>
+          </a:fontRef>
+        </p:style>
+        <p:txBody>
+          <a:bodyPr rtlCol="0" anchor="ctr"/>
+          <a:lstStyle/>
+          <a:p>
+            <a:pPr algn="ctr"/>
+            <a:r>
+              <a:rPr lang="en-US" altLang="ko-KR" sz="1400" dirty="0">
+                <a:solidFill>
+                  <a:schemeClr val="bg2"/>
+                </a:solidFill>
+              </a:rPr>
+              <a:t>[A]autoBtn1</a:t>
+            </a:r>
+          </a:p>
+          <a:p>
+            <a:pPr algn="ctr"/>
+            <a:r>
+              <a:rPr lang="en-US" altLang="ko-KR" sz="1400" dirty="0">
+                <a:solidFill>
+                  <a:schemeClr val="bg2"/>
+                </a:solidFill>
+              </a:rPr>
+              <a:t>[M]</a:t>
+            </a:r>
+            <a:r>
+              <a:rPr lang="en-US" altLang="ko-KR" sz="1400" dirty="0" err="1">
+                <a:solidFill>
+                  <a:schemeClr val="bg2"/>
+                </a:solidFill>
+              </a:rPr>
+              <a:t>manualBtn1</a:t>
+            </a:r>
+            <a:endParaRPr lang="en-US" altLang="ko-KR" sz="1400" dirty="0">
+              <a:solidFill>
+                <a:schemeClr val="bg2"/>
+              </a:solidFill>
+            </a:endParaRPr>
+          </a:p>
+          <a:p>
+            <a:pPr algn="ctr"/>
+            <a:r>
+              <a:rPr lang="en-US" altLang="ko-KR" sz="1400" dirty="0">
+                <a:solidFill>
+                  <a:schemeClr val="bg2"/>
+                </a:solidFill>
+              </a:rPr>
+              <a:t>[D] driveBtn1</a:t>
+            </a:r>
+          </a:p>
+          <a:p>
+            <a:pPr algn="ctr"/>
+            <a:r>
+              <a:rPr lang="en-US" altLang="ko-KR" sz="1400" dirty="0">
+                <a:solidFill>
+                  <a:schemeClr val="bg2"/>
+                </a:solidFill>
+              </a:rPr>
+              <a:t>[H] </a:t>
+            </a:r>
+            <a:r>
+              <a:rPr lang="en-US" altLang="ko-KR" sz="1400" dirty="0" err="1">
+                <a:solidFill>
+                  <a:schemeClr val="bg2"/>
+                </a:solidFill>
+              </a:rPr>
+              <a:t>homeBtn1</a:t>
+            </a:r>
+            <a:endParaRPr lang="en-US" altLang="ko-KR" sz="1100" dirty="0">
+              <a:solidFill>
+                <a:schemeClr val="bg2"/>
+              </a:solidFill>
+            </a:endParaRPr>
+          </a:p>
+        </p:txBody>
+      </p:sp>
+      <p:sp>
+        <p:nvSpPr>
+          <p:cNvPr id="5" name="사각형: 빗면 4">
+            <a:extLst>
+              <a:ext uri="{FF2B5EF4-FFF2-40B4-BE49-F238E27FC236}">
+                <a16:creationId xmlns:a16="http://schemas.microsoft.com/office/drawing/2014/main" id="{CC109A94-E99B-595B-64CD-E549C28F0B12}"/>
+              </a:ext>
+            </a:extLst>
+          </p:cNvPr>
+          <p:cNvSpPr/>
+          <p:nvPr/>
+        </p:nvSpPr>
+        <p:spPr>
+          <a:xfrm>
+            <a:off x="6427516" y="2561302"/>
+            <a:ext cx="3591555" cy="3534697"/>
+          </a:xfrm>
+          <a:prstGeom prst="bevel">
+            <a:avLst>
+              <a:gd name="adj" fmla="val 0"/>
+            </a:avLst>
+          </a:prstGeom>
+          <a:ln>
+            <a:solidFill>
+              <a:schemeClr val="tx1"/>
+            </a:solidFill>
+          </a:ln>
+        </p:spPr>
+        <p:style>
+          <a:lnRef idx="2">
+            <a:schemeClr val="accent1">
+              <a:shade val="50000"/>
+            </a:schemeClr>
+          </a:lnRef>
+          <a:fillRef idx="1">
+            <a:schemeClr val="accent1"/>
+          </a:fillRef>
+          <a:effectRef idx="0">
+            <a:schemeClr val="accent1"/>
+          </a:effectRef>
+          <a:fontRef idx="minor">
+            <a:schemeClr val="lt1"/>
+          </a:fontRef>
+        </p:style>
+        <p:txBody>
+          <a:bodyPr rtlCol="0" anchor="ctr"/>
+          <a:lstStyle/>
+          <a:p>
+            <a:pPr algn="ctr"/>
+            <a:r>
+              <a:rPr lang="en-US" altLang="ko-KR" dirty="0">
+                <a:solidFill>
+                  <a:schemeClr val="bg2"/>
+                </a:solidFill>
+              </a:rPr>
+              <a:t>[A] </a:t>
+            </a:r>
+            <a:r>
+              <a:rPr lang="en-US" altLang="ko-KR" dirty="0" err="1">
+                <a:solidFill>
+                  <a:schemeClr val="bg2"/>
+                </a:solidFill>
+              </a:rPr>
+              <a:t>autoLamp2</a:t>
+            </a:r>
+            <a:endParaRPr lang="en-US" altLang="ko-KR" dirty="0">
+              <a:solidFill>
+                <a:schemeClr val="bg2"/>
+              </a:solidFill>
+            </a:endParaRPr>
+          </a:p>
+          <a:p>
+            <a:pPr algn="ctr"/>
+            <a:r>
+              <a:rPr lang="en-US" altLang="ko-KR" dirty="0">
+                <a:solidFill>
+                  <a:schemeClr val="bg2"/>
+                </a:solidFill>
+              </a:rPr>
+              <a:t>[M] </a:t>
+            </a:r>
+            <a:r>
+              <a:rPr lang="en-US" altLang="ko-KR" dirty="0" err="1">
+                <a:solidFill>
+                  <a:schemeClr val="bg2"/>
+                </a:solidFill>
+              </a:rPr>
+              <a:t>manualLamp2</a:t>
+            </a:r>
+            <a:endParaRPr lang="en-US" altLang="ko-KR" dirty="0">
+              <a:solidFill>
+                <a:schemeClr val="bg2"/>
+              </a:solidFill>
+            </a:endParaRPr>
+          </a:p>
+          <a:p>
+            <a:pPr algn="ctr"/>
+            <a:r>
+              <a:rPr lang="en-US" altLang="ko-KR" dirty="0">
+                <a:solidFill>
+                  <a:schemeClr val="bg2"/>
+                </a:solidFill>
+              </a:rPr>
+              <a:t>[T] </a:t>
+            </a:r>
+            <a:r>
+              <a:rPr lang="en-US" altLang="ko-KR" dirty="0" err="1">
+                <a:solidFill>
+                  <a:schemeClr val="bg2"/>
+                </a:solidFill>
+              </a:rPr>
+              <a:t>testrunLamp2</a:t>
+            </a:r>
+            <a:endParaRPr lang="en-US" altLang="ko-KR" dirty="0">
+              <a:solidFill>
+                <a:schemeClr val="bg2"/>
+              </a:solidFill>
+            </a:endParaRPr>
+          </a:p>
+          <a:p>
+            <a:pPr algn="ctr"/>
+            <a:r>
+              <a:rPr lang="en-US" altLang="ko-KR" dirty="0">
+                <a:solidFill>
+                  <a:schemeClr val="bg2"/>
+                </a:solidFill>
+              </a:rPr>
+              <a:t>[R] </a:t>
+            </a:r>
+            <a:r>
+              <a:rPr lang="en-US" altLang="ko-KR" dirty="0" err="1">
+                <a:solidFill>
+                  <a:schemeClr val="bg2"/>
+                </a:solidFill>
+              </a:rPr>
+              <a:t>readyLamp2</a:t>
+            </a:r>
+            <a:endParaRPr lang="en-US" altLang="ko-KR" dirty="0">
+              <a:solidFill>
+                <a:schemeClr val="bg2"/>
+              </a:solidFill>
+            </a:endParaRPr>
+          </a:p>
+          <a:p>
+            <a:pPr algn="ctr"/>
+            <a:r>
+              <a:rPr lang="en-US" altLang="ko-KR" dirty="0">
+                <a:solidFill>
+                  <a:schemeClr val="bg2"/>
+                </a:solidFill>
+              </a:rPr>
+              <a:t>[I] </a:t>
+            </a:r>
+            <a:r>
+              <a:rPr lang="en-US" altLang="ko-KR" dirty="0" err="1">
+                <a:solidFill>
+                  <a:schemeClr val="bg2"/>
+                </a:solidFill>
+              </a:rPr>
+              <a:t>idleLamp2</a:t>
+            </a:r>
+            <a:endParaRPr lang="en-US" altLang="ko-KR" dirty="0">
+              <a:solidFill>
+                <a:schemeClr val="bg2"/>
+              </a:solidFill>
+            </a:endParaRPr>
+          </a:p>
+          <a:p>
+            <a:pPr algn="ctr"/>
+            <a:endParaRPr lang="en-US" altLang="ko-KR" dirty="0">
+              <a:solidFill>
+                <a:schemeClr val="bg2"/>
+              </a:solidFill>
+            </a:endParaRPr>
+          </a:p>
+        </p:txBody>
+      </p:sp>
+    </p:spTree>
+    <p:extLst>
+      <p:ext uri="{BB962C8B-B14F-4D97-AF65-F5344CB8AC3E}">
+        <p14:creationId xmlns:p14="http://schemas.microsoft.com/office/powerpoint/2010/main" val="1499651881"/>
+      </p:ext>
+    </p:extLst>
+  </p:cSld>
+  <p:clrMapOvr>
+    <a:masterClrMapping/>
+  </p:clrMapOvr>
+</p:sld>
+</file>
+
+<file path=ppt/slides/slide21.xml><?xml version="1.0" encoding="utf-8"?>
+<p:sld xmlns:a="http://schemas.openxmlformats.org/drawingml/2006/main" xmlns:r="http://schemas.openxmlformats.org/officeDocument/2006/relationships" xmlns:p="http://schemas.openxmlformats.org/presentationml/2006/main" show="0">
+  <p:cSld>
+    <p:spTree>
+      <p:nvGrpSpPr>
+        <p:cNvPr id="1" name=""/>
+        <p:cNvGrpSpPr/>
+        <p:nvPr/>
+      </p:nvGrpSpPr>
+      <p:grpSpPr>
+        <a:xfrm>
+          <a:off x="0" y="0"/>
+          <a:ext cx="0" cy="0"/>
+          <a:chOff x="0" y="0"/>
+          <a:chExt cx="0" cy="0"/>
+        </a:xfrm>
+      </p:grpSpPr>
+      <p:sp>
+        <p:nvSpPr>
+          <p:cNvPr id="2" name="제목 1">
+            <a:extLst>
+              <a:ext uri="{FF2B5EF4-FFF2-40B4-BE49-F238E27FC236}">
                 <a16:creationId xmlns:a16="http://schemas.microsoft.com/office/drawing/2014/main" id="{5E8FE27E-4086-E570-1BA4-F2B433CAA376}"/>
               </a:ext>
             </a:extLst>
@@ -27572,7 +28477,7 @@
 </p:sld>
 </file>
 
-<file path=ppt/slides/slide21.xml><?xml version="1.0" encoding="utf-8"?>
+<file path=ppt/slides/slide22.xml><?xml version="1.0" encoding="utf-8"?>
 <p:sld xmlns:a="http://schemas.openxmlformats.org/drawingml/2006/main" xmlns:r="http://schemas.openxmlformats.org/officeDocument/2006/relationships" xmlns:p="http://schemas.openxmlformats.org/presentationml/2006/main" show="0">
   <p:cSld>
     <p:spTree>
@@ -29233,7 +30138,7 @@
 </file>
 
 <file path=ppt/slides/slide4.xml><?xml version="1.0" encoding="utf-8"?>
-<p:sld xmlns:a="http://schemas.openxmlformats.org/drawingml/2006/main" xmlns:r="http://schemas.openxmlformats.org/officeDocument/2006/relationships" xmlns:p="http://schemas.openxmlformats.org/presentationml/2006/main">
+<p:sld xmlns:a="http://schemas.openxmlformats.org/drawingml/2006/main" xmlns:r="http://schemas.openxmlformats.org/officeDocument/2006/relationships" xmlns:p="http://schemas.openxmlformats.org/presentationml/2006/main" show="0">
   <p:cSld>
     <p:spTree>
       <p:nvGrpSpPr>
@@ -32860,24 +33765,1325 @@
         </p:sp>
         <p:cxnSp>
           <p:nvCxnSpPr>
-            <p:cNvPr id="78" name="연결선: 꺾임 77">
+            <p:cNvPr id="80" name="연결선: 꺾임 79">
               <a:extLst>
                 <a:ext uri="{FF2B5EF4-FFF2-40B4-BE49-F238E27FC236}">
-                  <a16:creationId xmlns:a16="http://schemas.microsoft.com/office/drawing/2014/main" id="{44266F79-C891-51FC-573E-3D0FB473DFC4}"/>
+                  <a16:creationId xmlns:a16="http://schemas.microsoft.com/office/drawing/2014/main" id="{E35DB6BB-B1A2-9CFD-C4D5-4896A225FCDB}"/>
                 </a:ext>
               </a:extLst>
             </p:cNvPr>
             <p:cNvCxnSpPr>
               <a:cxnSpLocks/>
               <a:stCxn id="35" idx="4"/>
-              <a:endCxn id="53" idx="0"/>
+              <a:endCxn id="70" idx="0"/>
+            </p:cNvCxnSpPr>
+            <p:nvPr/>
+          </p:nvCxnSpPr>
+          <p:spPr>
+            <a:xfrm rot="16200000" flipH="1">
+              <a:off x="10139673" y="3112322"/>
+              <a:ext cx="296543" cy="462491"/>
+            </a:xfrm>
+            <a:prstGeom prst="bentConnector3">
+              <a:avLst>
+                <a:gd name="adj1" fmla="val 50000"/>
+              </a:avLst>
+            </a:prstGeom>
+            <a:ln>
+              <a:tailEnd type="triangle"/>
+            </a:ln>
+          </p:spPr>
+          <p:style>
+            <a:lnRef idx="1">
+              <a:schemeClr val="accent1"/>
+            </a:lnRef>
+            <a:fillRef idx="0">
+              <a:schemeClr val="accent1"/>
+            </a:fillRef>
+            <a:effectRef idx="0">
+              <a:schemeClr val="accent1"/>
+            </a:effectRef>
+            <a:fontRef idx="minor">
+              <a:schemeClr val="tx1"/>
+            </a:fontRef>
+          </p:style>
+        </p:cxnSp>
+        <p:cxnSp>
+          <p:nvCxnSpPr>
+            <p:cNvPr id="81" name="연결선: 꺾임 80">
+              <a:extLst>
+                <a:ext uri="{FF2B5EF4-FFF2-40B4-BE49-F238E27FC236}">
+                  <a16:creationId xmlns:a16="http://schemas.microsoft.com/office/drawing/2014/main" id="{D5D4E30C-7E84-25CC-E431-C0576FFE1A94}"/>
+                </a:ext>
+              </a:extLst>
+            </p:cNvPr>
+            <p:cNvCxnSpPr>
+              <a:cxnSpLocks/>
+              <a:stCxn id="70" idx="4"/>
+              <a:endCxn id="77" idx="0"/>
             </p:cNvCxnSpPr>
             <p:nvPr/>
           </p:nvCxnSpPr>
           <p:spPr>
             <a:xfrm rot="5400000">
-              <a:off x="9268595" y="2720134"/>
-              <a:ext cx="312942" cy="1263267"/>
+              <a:off x="9736398" y="3328743"/>
+              <a:ext cx="440930" cy="1124656"/>
+            </a:xfrm>
+            <a:prstGeom prst="bentConnector3">
+              <a:avLst>
+                <a:gd name="adj1" fmla="val 50000"/>
+              </a:avLst>
+            </a:prstGeom>
+            <a:ln>
+              <a:tailEnd type="triangle"/>
+            </a:ln>
+          </p:spPr>
+          <p:style>
+            <a:lnRef idx="1">
+              <a:schemeClr val="accent1"/>
+            </a:lnRef>
+            <a:fillRef idx="0">
+              <a:schemeClr val="accent1"/>
+            </a:fillRef>
+            <a:effectRef idx="0">
+              <a:schemeClr val="accent1"/>
+            </a:effectRef>
+            <a:fontRef idx="minor">
+              <a:schemeClr val="tx1"/>
+            </a:fontRef>
+          </p:style>
+        </p:cxnSp>
+        <p:cxnSp>
+          <p:nvCxnSpPr>
+            <p:cNvPr id="94" name="연결선: 꺾임 93">
+              <a:extLst>
+                <a:ext uri="{FF2B5EF4-FFF2-40B4-BE49-F238E27FC236}">
+                  <a16:creationId xmlns:a16="http://schemas.microsoft.com/office/drawing/2014/main" id="{23316E47-8344-5185-A727-03B459F475FC}"/>
+                </a:ext>
+              </a:extLst>
+            </p:cNvPr>
+            <p:cNvCxnSpPr>
+              <a:cxnSpLocks/>
+              <a:stCxn id="70" idx="2"/>
+              <a:endCxn id="53" idx="6"/>
+            </p:cNvCxnSpPr>
+            <p:nvPr/>
+          </p:nvCxnSpPr>
+          <p:spPr>
+            <a:xfrm rot="10800000" flipV="1">
+              <a:off x="9398804" y="3581222"/>
+              <a:ext cx="515015" cy="16399"/>
+            </a:xfrm>
+            <a:prstGeom prst="bentConnector3">
+              <a:avLst>
+                <a:gd name="adj1" fmla="val 50000"/>
+              </a:avLst>
+            </a:prstGeom>
+            <a:ln>
+              <a:tailEnd type="triangle"/>
+            </a:ln>
+          </p:spPr>
+          <p:style>
+            <a:lnRef idx="1">
+              <a:schemeClr val="accent1"/>
+            </a:lnRef>
+            <a:fillRef idx="0">
+              <a:schemeClr val="accent1"/>
+            </a:fillRef>
+            <a:effectRef idx="0">
+              <a:schemeClr val="accent1"/>
+            </a:effectRef>
+            <a:fontRef idx="minor">
+              <a:schemeClr val="tx1"/>
+            </a:fontRef>
+          </p:style>
+        </p:cxnSp>
+      </p:grpSp>
+    </p:spTree>
+    <p:extLst>
+      <p:ext uri="{BB962C8B-B14F-4D97-AF65-F5344CB8AC3E}">
+        <p14:creationId xmlns:p14="http://schemas.microsoft.com/office/powerpoint/2010/main" val="2218734251"/>
+      </p:ext>
+    </p:extLst>
+  </p:cSld>
+  <p:clrMapOvr>
+    <a:masterClrMapping/>
+  </p:clrMapOvr>
+</p:sld>
+</file>
+
+<file path=ppt/slides/slide5.xml><?xml version="1.0" encoding="utf-8"?>
+<p:sld xmlns:a="http://schemas.openxmlformats.org/drawingml/2006/main" xmlns:r="http://schemas.openxmlformats.org/officeDocument/2006/relationships" xmlns:p="http://schemas.openxmlformats.org/presentationml/2006/main">
+  <p:cSld>
+    <p:spTree>
+      <p:nvGrpSpPr>
+        <p:cNvPr id="1" name=""/>
+        <p:cNvGrpSpPr/>
+        <p:nvPr/>
+      </p:nvGrpSpPr>
+      <p:grpSpPr>
+        <a:xfrm>
+          <a:off x="0" y="0"/>
+          <a:ext cx="0" cy="0"/>
+          <a:chOff x="0" y="0"/>
+          <a:chExt cx="0" cy="0"/>
+        </a:xfrm>
+      </p:grpSpPr>
+      <p:sp>
+        <p:nvSpPr>
+          <p:cNvPr id="2" name="제목 1">
+            <a:extLst>
+              <a:ext uri="{FF2B5EF4-FFF2-40B4-BE49-F238E27FC236}">
+                <a16:creationId xmlns:a16="http://schemas.microsoft.com/office/drawing/2014/main" id="{5E8FE27E-4086-E570-1BA4-F2B433CAA376}"/>
+              </a:ext>
+            </a:extLst>
+          </p:cNvPr>
+          <p:cNvSpPr>
+            <a:spLocks noGrp="1"/>
+          </p:cNvSpPr>
+          <p:nvPr>
+            <p:ph type="title"/>
+          </p:nvPr>
+        </p:nvSpPr>
+        <p:spPr/>
+        <p:txBody>
+          <a:bodyPr/>
+          <a:lstStyle/>
+          <a:p>
+            <a:r>
+              <a:rPr lang="en-US" altLang="ko-KR" dirty="0"/>
+              <a:t>KIT</a:t>
+            </a:r>
+            <a:endParaRPr lang="ko-KR" altLang="en-US" dirty="0"/>
+          </a:p>
+        </p:txBody>
+      </p:sp>
+      <p:sp>
+        <p:nvSpPr>
+          <p:cNvPr id="23" name="사각형: 모서리가 접힌 도형 22">
+            <a:extLst>
+              <a:ext uri="{FF2B5EF4-FFF2-40B4-BE49-F238E27FC236}">
+                <a16:creationId xmlns:a16="http://schemas.microsoft.com/office/drawing/2014/main" id="{8BF2D7F7-9923-1433-47F8-87D4ECE91657}"/>
+              </a:ext>
+            </a:extLst>
+          </p:cNvPr>
+          <p:cNvSpPr/>
+          <p:nvPr/>
+        </p:nvSpPr>
+        <p:spPr>
+          <a:xfrm>
+            <a:off x="14257568" y="3230597"/>
+            <a:ext cx="1458262" cy="317428"/>
+          </a:xfrm>
+          <a:prstGeom prst="foldedCorner">
+            <a:avLst/>
+          </a:prstGeom>
+          <a:solidFill>
+            <a:schemeClr val="accent3">
+              <a:alpha val="50000"/>
+            </a:schemeClr>
+          </a:solidFill>
+          <a:ln>
+            <a:noFill/>
+          </a:ln>
+        </p:spPr>
+        <p:style>
+          <a:lnRef idx="0">
+            <a:scrgbClr r="0" g="0" b="0"/>
+          </a:lnRef>
+          <a:fillRef idx="0">
+            <a:scrgbClr r="0" g="0" b="0"/>
+          </a:fillRef>
+          <a:effectRef idx="0">
+            <a:scrgbClr r="0" g="0" b="0"/>
+          </a:effectRef>
+          <a:fontRef idx="minor">
+            <a:schemeClr val="lt1"/>
+          </a:fontRef>
+        </p:style>
+        <p:txBody>
+          <a:bodyPr rtlCol="0" anchor="ctr"/>
+          <a:lstStyle/>
+          <a:p>
+            <a:pPr algn="ctr"/>
+            <a:r>
+              <a:rPr lang="en-US" altLang="ko-KR" sz="1000" dirty="0">
+                <a:solidFill>
+                  <a:schemeClr val="tx1"/>
+                </a:solidFill>
+              </a:rPr>
+              <a:t>lib/Conveyor/CV </a:t>
+            </a:r>
+          </a:p>
+          <a:p>
+            <a:pPr algn="ctr"/>
+            <a:r>
+              <a:rPr lang="en-US" altLang="ko-KR" sz="1000" dirty="0">
+                <a:solidFill>
+                  <a:schemeClr val="tx1"/>
+                </a:solidFill>
+              </a:rPr>
+              <a:t>[</a:t>
+            </a:r>
+            <a:r>
+              <a:rPr lang="en-US" altLang="ko-KR" sz="1000" dirty="0" err="1">
+                <a:solidFill>
+                  <a:schemeClr val="tx1"/>
+                </a:solidFill>
+              </a:rPr>
+              <a:t>Cv_Frt</a:t>
+            </a:r>
+            <a:r>
+              <a:rPr lang="en-US" altLang="ko-KR" sz="1000" dirty="0">
+                <a:solidFill>
+                  <a:schemeClr val="tx1"/>
+                </a:solidFill>
+              </a:rPr>
+              <a:t>]</a:t>
+            </a:r>
+            <a:endParaRPr lang="ko-KR" altLang="en-US" sz="1000" dirty="0">
+              <a:solidFill>
+                <a:schemeClr val="tx1"/>
+              </a:solidFill>
+            </a:endParaRPr>
+          </a:p>
+        </p:txBody>
+      </p:sp>
+      <p:sp>
+        <p:nvSpPr>
+          <p:cNvPr id="5" name="사각형: 모서리가 접힌 도형 4">
+            <a:extLst>
+              <a:ext uri="{FF2B5EF4-FFF2-40B4-BE49-F238E27FC236}">
+                <a16:creationId xmlns:a16="http://schemas.microsoft.com/office/drawing/2014/main" id="{296C0DB1-404B-EE34-7A70-DD8DAE951761}"/>
+              </a:ext>
+            </a:extLst>
+          </p:cNvPr>
+          <p:cNvSpPr/>
+          <p:nvPr/>
+        </p:nvSpPr>
+        <p:spPr>
+          <a:xfrm>
+            <a:off x="12355633" y="1690688"/>
+            <a:ext cx="1812926" cy="317428"/>
+          </a:xfrm>
+          <a:prstGeom prst="foldedCorner">
+            <a:avLst/>
+          </a:prstGeom>
+          <a:solidFill>
+            <a:schemeClr val="accent3">
+              <a:alpha val="50000"/>
+            </a:schemeClr>
+          </a:solidFill>
+          <a:ln>
+            <a:noFill/>
+          </a:ln>
+        </p:spPr>
+        <p:style>
+          <a:lnRef idx="0">
+            <a:scrgbClr r="0" g="0" b="0"/>
+          </a:lnRef>
+          <a:fillRef idx="0">
+            <a:scrgbClr r="0" g="0" b="0"/>
+          </a:fillRef>
+          <a:effectRef idx="0">
+            <a:scrgbClr r="0" g="0" b="0"/>
+          </a:effectRef>
+          <a:fontRef idx="minor">
+            <a:schemeClr val="lt1"/>
+          </a:fontRef>
+        </p:style>
+        <p:txBody>
+          <a:bodyPr rtlCol="0" anchor="ctr"/>
+          <a:lstStyle/>
+          <a:p>
+            <a:pPr algn="ctr"/>
+            <a:r>
+              <a:rPr lang="en-US" altLang="ko-KR" sz="1000" dirty="0">
+                <a:solidFill>
+                  <a:schemeClr val="tx1"/>
+                </a:solidFill>
+              </a:rPr>
+              <a:t>lib/Cylinder/Double </a:t>
+            </a:r>
+          </a:p>
+          <a:p>
+            <a:pPr algn="ctr"/>
+            <a:r>
+              <a:rPr lang="en-US" altLang="ko-KR" sz="1000" dirty="0">
+                <a:solidFill>
+                  <a:schemeClr val="tx1"/>
+                </a:solidFill>
+              </a:rPr>
+              <a:t>[In]</a:t>
+            </a:r>
+            <a:endParaRPr lang="ko-KR" altLang="en-US" sz="1000" dirty="0">
+              <a:solidFill>
+                <a:schemeClr val="tx1"/>
+              </a:solidFill>
+            </a:endParaRPr>
+          </a:p>
+        </p:txBody>
+      </p:sp>
+      <p:sp>
+        <p:nvSpPr>
+          <p:cNvPr id="19" name="사각형: 모서리가 접힌 도형 18">
+            <a:extLst>
+              <a:ext uri="{FF2B5EF4-FFF2-40B4-BE49-F238E27FC236}">
+                <a16:creationId xmlns:a16="http://schemas.microsoft.com/office/drawing/2014/main" id="{74FEB5C8-888C-221F-2EAC-9485FE2BC49F}"/>
+              </a:ext>
+            </a:extLst>
+          </p:cNvPr>
+          <p:cNvSpPr/>
+          <p:nvPr/>
+        </p:nvSpPr>
+        <p:spPr>
+          <a:xfrm>
+            <a:off x="12355632" y="2066329"/>
+            <a:ext cx="1812926" cy="317428"/>
+          </a:xfrm>
+          <a:prstGeom prst="foldedCorner">
+            <a:avLst/>
+          </a:prstGeom>
+          <a:solidFill>
+            <a:schemeClr val="accent3">
+              <a:alpha val="50000"/>
+            </a:schemeClr>
+          </a:solidFill>
+          <a:ln>
+            <a:noFill/>
+          </a:ln>
+        </p:spPr>
+        <p:style>
+          <a:lnRef idx="0">
+            <a:scrgbClr r="0" g="0" b="0"/>
+          </a:lnRef>
+          <a:fillRef idx="0">
+            <a:scrgbClr r="0" g="0" b="0"/>
+          </a:fillRef>
+          <a:effectRef idx="0">
+            <a:scrgbClr r="0" g="0" b="0"/>
+          </a:effectRef>
+          <a:fontRef idx="minor">
+            <a:schemeClr val="lt1"/>
+          </a:fontRef>
+        </p:style>
+        <p:txBody>
+          <a:bodyPr rtlCol="0" anchor="ctr"/>
+          <a:lstStyle/>
+          <a:p>
+            <a:pPr algn="ctr"/>
+            <a:r>
+              <a:rPr lang="en-US" altLang="ko-KR" sz="1000" dirty="0">
+                <a:solidFill>
+                  <a:schemeClr val="tx1"/>
+                </a:solidFill>
+              </a:rPr>
+              <a:t>lib/Cylinder/Double </a:t>
+            </a:r>
+          </a:p>
+          <a:p>
+            <a:pPr algn="ctr"/>
+            <a:r>
+              <a:rPr lang="en-US" altLang="ko-KR" sz="1000" dirty="0">
+                <a:solidFill>
+                  <a:schemeClr val="tx1"/>
+                </a:solidFill>
+              </a:rPr>
+              <a:t>[1st_stp]</a:t>
+            </a:r>
+            <a:endParaRPr lang="ko-KR" altLang="en-US" sz="1000" dirty="0">
+              <a:solidFill>
+                <a:schemeClr val="tx1"/>
+              </a:solidFill>
+            </a:endParaRPr>
+          </a:p>
+        </p:txBody>
+      </p:sp>
+      <p:sp>
+        <p:nvSpPr>
+          <p:cNvPr id="42" name="사각형: 모서리가 접힌 도형 41">
+            <a:extLst>
+              <a:ext uri="{FF2B5EF4-FFF2-40B4-BE49-F238E27FC236}">
+                <a16:creationId xmlns:a16="http://schemas.microsoft.com/office/drawing/2014/main" id="{7D8F0025-B7E0-1169-11D7-AC9194D7E627}"/>
+              </a:ext>
+            </a:extLst>
+          </p:cNvPr>
+          <p:cNvSpPr/>
+          <p:nvPr/>
+        </p:nvSpPr>
+        <p:spPr>
+          <a:xfrm>
+            <a:off x="14263833" y="3964058"/>
+            <a:ext cx="1458262" cy="317428"/>
+          </a:xfrm>
+          <a:prstGeom prst="foldedCorner">
+            <a:avLst/>
+          </a:prstGeom>
+          <a:solidFill>
+            <a:schemeClr val="accent3">
+              <a:alpha val="50000"/>
+            </a:schemeClr>
+          </a:solidFill>
+          <a:ln>
+            <a:noFill/>
+          </a:ln>
+        </p:spPr>
+        <p:style>
+          <a:lnRef idx="0">
+            <a:scrgbClr r="0" g="0" b="0"/>
+          </a:lnRef>
+          <a:fillRef idx="0">
+            <a:scrgbClr r="0" g="0" b="0"/>
+          </a:fillRef>
+          <a:effectRef idx="0">
+            <a:scrgbClr r="0" g="0" b="0"/>
+          </a:effectRef>
+          <a:fontRef idx="minor">
+            <a:schemeClr val="lt1"/>
+          </a:fontRef>
+        </p:style>
+        <p:txBody>
+          <a:bodyPr rtlCol="0" anchor="ctr"/>
+          <a:lstStyle/>
+          <a:p>
+            <a:pPr algn="ctr"/>
+            <a:r>
+              <a:rPr lang="en-US" altLang="ko-KR" sz="1000" dirty="0">
+                <a:solidFill>
+                  <a:schemeClr val="tx1"/>
+                </a:solidFill>
+              </a:rPr>
+              <a:t>lib/Conveyor/CV </a:t>
+            </a:r>
+          </a:p>
+          <a:p>
+            <a:pPr algn="ctr"/>
+            <a:r>
+              <a:rPr lang="en-US" altLang="ko-KR" sz="1000" dirty="0">
+                <a:solidFill>
+                  <a:schemeClr val="tx1"/>
+                </a:solidFill>
+              </a:rPr>
+              <a:t>[Cv2_Rr]</a:t>
+            </a:r>
+            <a:endParaRPr lang="ko-KR" altLang="en-US" sz="1000" dirty="0">
+              <a:solidFill>
+                <a:schemeClr val="tx1"/>
+              </a:solidFill>
+            </a:endParaRPr>
+          </a:p>
+        </p:txBody>
+      </p:sp>
+      <p:sp>
+        <p:nvSpPr>
+          <p:cNvPr id="47" name="사각형: 모서리가 접힌 도형 46">
+            <a:extLst>
+              <a:ext uri="{FF2B5EF4-FFF2-40B4-BE49-F238E27FC236}">
+                <a16:creationId xmlns:a16="http://schemas.microsoft.com/office/drawing/2014/main" id="{92BB1B92-C3AC-0563-6DF7-391DE9087642}"/>
+              </a:ext>
+            </a:extLst>
+          </p:cNvPr>
+          <p:cNvSpPr/>
+          <p:nvPr/>
+        </p:nvSpPr>
+        <p:spPr>
+          <a:xfrm>
+            <a:off x="12355632" y="2434935"/>
+            <a:ext cx="1812926" cy="317428"/>
+          </a:xfrm>
+          <a:prstGeom prst="foldedCorner">
+            <a:avLst/>
+          </a:prstGeom>
+          <a:solidFill>
+            <a:schemeClr val="accent3">
+              <a:alpha val="50000"/>
+            </a:schemeClr>
+          </a:solidFill>
+          <a:ln>
+            <a:noFill/>
+          </a:ln>
+        </p:spPr>
+        <p:style>
+          <a:lnRef idx="0">
+            <a:scrgbClr r="0" g="0" b="0"/>
+          </a:lnRef>
+          <a:fillRef idx="0">
+            <a:scrgbClr r="0" g="0" b="0"/>
+          </a:fillRef>
+          <a:effectRef idx="0">
+            <a:scrgbClr r="0" g="0" b="0"/>
+          </a:effectRef>
+          <a:fontRef idx="minor">
+            <a:schemeClr val="lt1"/>
+          </a:fontRef>
+        </p:style>
+        <p:txBody>
+          <a:bodyPr rtlCol="0" anchor="ctr"/>
+          <a:lstStyle/>
+          <a:p>
+            <a:pPr algn="ctr"/>
+            <a:r>
+              <a:rPr lang="en-US" altLang="ko-KR" sz="1000" dirty="0">
+                <a:solidFill>
+                  <a:schemeClr val="tx1"/>
+                </a:solidFill>
+              </a:rPr>
+              <a:t>lib/Cylinder/Double </a:t>
+            </a:r>
+          </a:p>
+          <a:p>
+            <a:pPr algn="ctr"/>
+            <a:r>
+              <a:rPr lang="en-US" altLang="ko-KR" sz="1000" dirty="0">
+                <a:solidFill>
+                  <a:schemeClr val="tx1"/>
+                </a:solidFill>
+              </a:rPr>
+              <a:t>[1st_usb]</a:t>
+            </a:r>
+            <a:endParaRPr lang="ko-KR" altLang="en-US" sz="1000" dirty="0">
+              <a:solidFill>
+                <a:schemeClr val="tx1"/>
+              </a:solidFill>
+            </a:endParaRPr>
+          </a:p>
+        </p:txBody>
+      </p:sp>
+      <p:grpSp>
+        <p:nvGrpSpPr>
+          <p:cNvPr id="87" name="그룹 86">
+            <a:extLst>
+              <a:ext uri="{FF2B5EF4-FFF2-40B4-BE49-F238E27FC236}">
+                <a16:creationId xmlns:a16="http://schemas.microsoft.com/office/drawing/2014/main" id="{83E7E777-551D-80DF-666B-88B371231577}"/>
+              </a:ext>
+            </a:extLst>
+          </p:cNvPr>
+          <p:cNvGrpSpPr/>
+          <p:nvPr/>
+        </p:nvGrpSpPr>
+        <p:grpSpPr>
+          <a:xfrm>
+            <a:off x="4170304" y="652703"/>
+            <a:ext cx="3498851" cy="1556092"/>
+            <a:chOff x="4944356" y="1445451"/>
+            <a:chExt cx="3641196" cy="3102292"/>
+          </a:xfrm>
+        </p:grpSpPr>
+        <p:sp>
+          <p:nvSpPr>
+            <p:cNvPr id="28" name="직사각형 27">
+              <a:extLst>
+                <a:ext uri="{FF2B5EF4-FFF2-40B4-BE49-F238E27FC236}">
+                  <a16:creationId xmlns:a16="http://schemas.microsoft.com/office/drawing/2014/main" id="{E91C924F-054A-981B-73C2-AFEF01E05627}"/>
+                </a:ext>
+              </a:extLst>
+            </p:cNvPr>
+            <p:cNvSpPr/>
+            <p:nvPr/>
+          </p:nvSpPr>
+          <p:spPr>
+            <a:xfrm>
+              <a:off x="4944356" y="1445451"/>
+              <a:ext cx="3641196" cy="3102292"/>
+            </a:xfrm>
+            <a:prstGeom prst="rect">
+              <a:avLst/>
+            </a:prstGeom>
+            <a:solidFill>
+              <a:schemeClr val="accent4">
+                <a:alpha val="50000"/>
+              </a:schemeClr>
+            </a:solidFill>
+            <a:ln>
+              <a:noFill/>
+            </a:ln>
+          </p:spPr>
+          <p:style>
+            <a:lnRef idx="0">
+              <a:scrgbClr r="0" g="0" b="0"/>
+            </a:lnRef>
+            <a:fillRef idx="0">
+              <a:scrgbClr r="0" g="0" b="0"/>
+            </a:fillRef>
+            <a:effectRef idx="0">
+              <a:scrgbClr r="0" g="0" b="0"/>
+            </a:effectRef>
+            <a:fontRef idx="minor">
+              <a:schemeClr val="lt1"/>
+            </a:fontRef>
+          </p:style>
+          <p:txBody>
+            <a:bodyPr rtlCol="0" anchor="t"/>
+            <a:lstStyle/>
+            <a:p>
+              <a:pPr algn="ctr"/>
+              <a:r>
+                <a:rPr lang="en-US" altLang="ko-KR" sz="800" dirty="0">
+                  <a:solidFill>
+                    <a:schemeClr val="tx1"/>
+                  </a:solidFill>
+                </a:rPr>
+                <a:t>1st</a:t>
+              </a:r>
+              <a:endParaRPr lang="ko-KR" altLang="en-US" sz="800" dirty="0">
+                <a:solidFill>
+                  <a:schemeClr val="tx1"/>
+                </a:solidFill>
+              </a:endParaRPr>
+            </a:p>
+          </p:txBody>
+        </p:sp>
+        <p:sp>
+          <p:nvSpPr>
+            <p:cNvPr id="44" name="타원 43">
+              <a:extLst>
+                <a:ext uri="{FF2B5EF4-FFF2-40B4-BE49-F238E27FC236}">
+                  <a16:creationId xmlns:a16="http://schemas.microsoft.com/office/drawing/2014/main" id="{A02A6388-3A8D-F0EC-E4B1-0CDF0FE75FCA}"/>
+                </a:ext>
+              </a:extLst>
+            </p:cNvPr>
+            <p:cNvSpPr/>
+            <p:nvPr/>
+          </p:nvSpPr>
+          <p:spPr>
+            <a:xfrm>
+              <a:off x="6824058" y="1957608"/>
+              <a:ext cx="1260000" cy="356398"/>
+            </a:xfrm>
+            <a:prstGeom prst="ellipse">
+              <a:avLst/>
+            </a:prstGeom>
+          </p:spPr>
+          <p:style>
+            <a:lnRef idx="2">
+              <a:schemeClr val="accent5">
+                <a:shade val="50000"/>
+              </a:schemeClr>
+            </a:lnRef>
+            <a:fillRef idx="1">
+              <a:schemeClr val="accent5"/>
+            </a:fillRef>
+            <a:effectRef idx="0">
+              <a:schemeClr val="accent5"/>
+            </a:effectRef>
+            <a:fontRef idx="minor">
+              <a:schemeClr val="lt1"/>
+            </a:fontRef>
+          </p:style>
+          <p:txBody>
+            <a:bodyPr rtlCol="0" anchor="ctr"/>
+            <a:lstStyle/>
+            <a:p>
+              <a:pPr algn="ctr"/>
+              <a:r>
+                <a:rPr lang="en-US" altLang="ko-KR" sz="800" dirty="0"/>
+                <a:t>1st_stp</a:t>
+              </a:r>
+            </a:p>
+            <a:p>
+              <a:pPr algn="ctr"/>
+              <a:r>
+                <a:rPr lang="en-US" altLang="ko-KR" sz="800" dirty="0"/>
+                <a:t>$ADV</a:t>
+              </a:r>
+              <a:endParaRPr lang="ko-KR" altLang="en-US" sz="800" dirty="0"/>
+            </a:p>
+          </p:txBody>
+        </p:sp>
+        <p:sp>
+          <p:nvSpPr>
+            <p:cNvPr id="48" name="타원 47">
+              <a:extLst>
+                <a:ext uri="{FF2B5EF4-FFF2-40B4-BE49-F238E27FC236}">
+                  <a16:creationId xmlns:a16="http://schemas.microsoft.com/office/drawing/2014/main" id="{E1FB52F8-55B4-D196-1EFA-BD53DE09A413}"/>
+                </a:ext>
+              </a:extLst>
+            </p:cNvPr>
+            <p:cNvSpPr/>
+            <p:nvPr/>
+          </p:nvSpPr>
+          <p:spPr>
+            <a:xfrm>
+              <a:off x="5509397" y="2937900"/>
+              <a:ext cx="1260000" cy="356398"/>
+            </a:xfrm>
+            <a:prstGeom prst="ellipse">
+              <a:avLst/>
+            </a:prstGeom>
+          </p:spPr>
+          <p:style>
+            <a:lnRef idx="2">
+              <a:schemeClr val="accent5">
+                <a:shade val="50000"/>
+              </a:schemeClr>
+            </a:lnRef>
+            <a:fillRef idx="1">
+              <a:schemeClr val="accent5"/>
+            </a:fillRef>
+            <a:effectRef idx="0">
+              <a:schemeClr val="accent5"/>
+            </a:effectRef>
+            <a:fontRef idx="minor">
+              <a:schemeClr val="lt1"/>
+            </a:fontRef>
+          </p:style>
+          <p:txBody>
+            <a:bodyPr rtlCol="0" anchor="ctr"/>
+            <a:lstStyle/>
+            <a:p>
+              <a:pPr algn="ctr"/>
+              <a:r>
+                <a:rPr lang="en-US" altLang="ko-KR" sz="800" dirty="0"/>
+                <a:t>1st_usb</a:t>
+              </a:r>
+            </a:p>
+            <a:p>
+              <a:pPr algn="ctr"/>
+              <a:r>
+                <a:rPr lang="en-US" altLang="ko-KR" sz="800" dirty="0"/>
+                <a:t>$ADV</a:t>
+              </a:r>
+              <a:endParaRPr lang="ko-KR" altLang="en-US" sz="800" dirty="0"/>
+            </a:p>
+          </p:txBody>
+        </p:sp>
+        <p:sp>
+          <p:nvSpPr>
+            <p:cNvPr id="49" name="타원 48">
+              <a:extLst>
+                <a:ext uri="{FF2B5EF4-FFF2-40B4-BE49-F238E27FC236}">
+                  <a16:creationId xmlns:a16="http://schemas.microsoft.com/office/drawing/2014/main" id="{4975758F-ECAF-04F2-205E-C0A7464F8F3A}"/>
+                </a:ext>
+              </a:extLst>
+            </p:cNvPr>
+            <p:cNvSpPr/>
+            <p:nvPr/>
+          </p:nvSpPr>
+          <p:spPr>
+            <a:xfrm>
+              <a:off x="6426556" y="3532610"/>
+              <a:ext cx="1260000" cy="356398"/>
+            </a:xfrm>
+            <a:prstGeom prst="ellipse">
+              <a:avLst/>
+            </a:prstGeom>
+          </p:spPr>
+          <p:style>
+            <a:lnRef idx="2">
+              <a:schemeClr val="accent5">
+                <a:shade val="50000"/>
+              </a:schemeClr>
+            </a:lnRef>
+            <a:fillRef idx="1">
+              <a:schemeClr val="accent5"/>
+            </a:fillRef>
+            <a:effectRef idx="0">
+              <a:schemeClr val="accent5"/>
+            </a:effectRef>
+            <a:fontRef idx="minor">
+              <a:schemeClr val="lt1"/>
+            </a:fontRef>
+          </p:style>
+          <p:txBody>
+            <a:bodyPr rtlCol="0" anchor="ctr"/>
+            <a:lstStyle/>
+            <a:p>
+              <a:pPr algn="ctr"/>
+              <a:r>
+                <a:rPr lang="en-US" altLang="ko-KR" sz="800" dirty="0"/>
+                <a:t>1st_usb</a:t>
+              </a:r>
+            </a:p>
+            <a:p>
+              <a:pPr algn="ctr"/>
+              <a:r>
+                <a:rPr lang="en-US" altLang="ko-KR" sz="800" dirty="0"/>
+                <a:t>$RET</a:t>
+              </a:r>
+              <a:endParaRPr lang="ko-KR" altLang="en-US" sz="800" dirty="0"/>
+            </a:p>
+          </p:txBody>
+        </p:sp>
+        <p:sp>
+          <p:nvSpPr>
+            <p:cNvPr id="50" name="타원 49">
+              <a:extLst>
+                <a:ext uri="{FF2B5EF4-FFF2-40B4-BE49-F238E27FC236}">
+                  <a16:creationId xmlns:a16="http://schemas.microsoft.com/office/drawing/2014/main" id="{ACAC64EB-74A9-ECA1-27AD-7A376B97A8D7}"/>
+                </a:ext>
+              </a:extLst>
+            </p:cNvPr>
+            <p:cNvSpPr/>
+            <p:nvPr/>
+          </p:nvSpPr>
+          <p:spPr>
+            <a:xfrm>
+              <a:off x="5480597" y="4151914"/>
+              <a:ext cx="1260000" cy="356398"/>
+            </a:xfrm>
+            <a:prstGeom prst="ellipse">
+              <a:avLst/>
+            </a:prstGeom>
+          </p:spPr>
+          <p:style>
+            <a:lnRef idx="2">
+              <a:schemeClr val="accent5">
+                <a:shade val="50000"/>
+              </a:schemeClr>
+            </a:lnRef>
+            <a:fillRef idx="1">
+              <a:schemeClr val="accent5"/>
+            </a:fillRef>
+            <a:effectRef idx="0">
+              <a:schemeClr val="accent5"/>
+            </a:effectRef>
+            <a:fontRef idx="minor">
+              <a:schemeClr val="lt1"/>
+            </a:fontRef>
+          </p:style>
+          <p:txBody>
+            <a:bodyPr rtlCol="0" anchor="ctr"/>
+            <a:lstStyle/>
+            <a:p>
+              <a:pPr algn="ctr"/>
+              <a:r>
+                <a:rPr lang="en-US" altLang="ko-KR" sz="800" dirty="0"/>
+                <a:t>1st_stp</a:t>
+              </a:r>
+            </a:p>
+            <a:p>
+              <a:pPr algn="ctr"/>
+              <a:r>
+                <a:rPr lang="en-US" altLang="ko-KR" sz="800" dirty="0"/>
+                <a:t>$RET</a:t>
+              </a:r>
+              <a:endParaRPr lang="ko-KR" altLang="en-US" sz="800" dirty="0"/>
+            </a:p>
+          </p:txBody>
+        </p:sp>
+        <p:cxnSp>
+          <p:nvCxnSpPr>
+            <p:cNvPr id="56" name="연결선: 꺾임 55">
+              <a:extLst>
+                <a:ext uri="{FF2B5EF4-FFF2-40B4-BE49-F238E27FC236}">
+                  <a16:creationId xmlns:a16="http://schemas.microsoft.com/office/drawing/2014/main" id="{B951A347-9132-63B0-2142-3C7BC32E0459}"/>
+                </a:ext>
+              </a:extLst>
+            </p:cNvPr>
+            <p:cNvCxnSpPr>
+              <a:cxnSpLocks/>
+              <a:stCxn id="48" idx="4"/>
+              <a:endCxn id="49" idx="0"/>
+            </p:cNvCxnSpPr>
+            <p:nvPr/>
+          </p:nvCxnSpPr>
+          <p:spPr>
+            <a:xfrm rot="16200000" flipH="1">
+              <a:off x="6478820" y="2954874"/>
+              <a:ext cx="238312" cy="917159"/>
+            </a:xfrm>
+            <a:prstGeom prst="bentConnector3">
+              <a:avLst>
+                <a:gd name="adj1" fmla="val 50000"/>
+              </a:avLst>
+            </a:prstGeom>
+            <a:ln>
+              <a:tailEnd type="triangle"/>
+            </a:ln>
+          </p:spPr>
+          <p:style>
+            <a:lnRef idx="1">
+              <a:schemeClr val="accent1"/>
+            </a:lnRef>
+            <a:fillRef idx="0">
+              <a:schemeClr val="accent1"/>
+            </a:fillRef>
+            <a:effectRef idx="0">
+              <a:schemeClr val="accent1"/>
+            </a:effectRef>
+            <a:fontRef idx="minor">
+              <a:schemeClr val="tx1"/>
+            </a:fontRef>
+          </p:style>
+        </p:cxnSp>
+        <p:cxnSp>
+          <p:nvCxnSpPr>
+            <p:cNvPr id="61" name="연결선: 꺾임 60">
+              <a:extLst>
+                <a:ext uri="{FF2B5EF4-FFF2-40B4-BE49-F238E27FC236}">
+                  <a16:creationId xmlns:a16="http://schemas.microsoft.com/office/drawing/2014/main" id="{90E17F23-ADE8-D2E8-8A8B-45F538156396}"/>
+                </a:ext>
+              </a:extLst>
+            </p:cNvPr>
+            <p:cNvCxnSpPr>
+              <a:cxnSpLocks/>
+              <a:stCxn id="49" idx="4"/>
+              <a:endCxn id="50" idx="0"/>
+            </p:cNvCxnSpPr>
+            <p:nvPr/>
+          </p:nvCxnSpPr>
+          <p:spPr>
+            <a:xfrm rot="5400000">
+              <a:off x="6452123" y="3547482"/>
+              <a:ext cx="262907" cy="945958"/>
+            </a:xfrm>
+            <a:prstGeom prst="bentConnector3">
+              <a:avLst>
+                <a:gd name="adj1" fmla="val 50000"/>
+              </a:avLst>
+            </a:prstGeom>
+            <a:ln>
+              <a:tailEnd type="triangle"/>
+            </a:ln>
+          </p:spPr>
+          <p:style>
+            <a:lnRef idx="1">
+              <a:schemeClr val="accent1"/>
+            </a:lnRef>
+            <a:fillRef idx="0">
+              <a:schemeClr val="accent1"/>
+            </a:fillRef>
+            <a:effectRef idx="0">
+              <a:schemeClr val="accent1"/>
+            </a:effectRef>
+            <a:fontRef idx="minor">
+              <a:schemeClr val="tx1"/>
+            </a:fontRef>
+          </p:style>
+        </p:cxnSp>
+      </p:grpSp>
+      <p:grpSp>
+        <p:nvGrpSpPr>
+          <p:cNvPr id="6" name="그룹 5">
+            <a:extLst>
+              <a:ext uri="{FF2B5EF4-FFF2-40B4-BE49-F238E27FC236}">
+                <a16:creationId xmlns:a16="http://schemas.microsoft.com/office/drawing/2014/main" id="{AB40F19F-2A07-35DD-A8F6-EE0E54988E4E}"/>
+              </a:ext>
+            </a:extLst>
+          </p:cNvPr>
+          <p:cNvGrpSpPr/>
+          <p:nvPr/>
+        </p:nvGrpSpPr>
+        <p:grpSpPr>
+          <a:xfrm>
+            <a:off x="1708475" y="2769979"/>
+            <a:ext cx="3498851" cy="1556092"/>
+            <a:chOff x="4944356" y="1445451"/>
+            <a:chExt cx="3641196" cy="3102292"/>
+          </a:xfrm>
+        </p:grpSpPr>
+        <p:sp>
+          <p:nvSpPr>
+            <p:cNvPr id="7" name="직사각형 6">
+              <a:extLst>
+                <a:ext uri="{FF2B5EF4-FFF2-40B4-BE49-F238E27FC236}">
+                  <a16:creationId xmlns:a16="http://schemas.microsoft.com/office/drawing/2014/main" id="{2A03681A-22E4-59F0-D944-12C8C80CC079}"/>
+                </a:ext>
+              </a:extLst>
+            </p:cNvPr>
+            <p:cNvSpPr/>
+            <p:nvPr/>
+          </p:nvSpPr>
+          <p:spPr>
+            <a:xfrm>
+              <a:off x="4944356" y="1445451"/>
+              <a:ext cx="3641196" cy="3102292"/>
+            </a:xfrm>
+            <a:prstGeom prst="rect">
+              <a:avLst/>
+            </a:prstGeom>
+            <a:solidFill>
+              <a:schemeClr val="accent4">
+                <a:alpha val="50000"/>
+              </a:schemeClr>
+            </a:solidFill>
+            <a:ln>
+              <a:noFill/>
+            </a:ln>
+          </p:spPr>
+          <p:style>
+            <a:lnRef idx="0">
+              <a:scrgbClr r="0" g="0" b="0"/>
+            </a:lnRef>
+            <a:fillRef idx="0">
+              <a:scrgbClr r="0" g="0" b="0"/>
+            </a:fillRef>
+            <a:effectRef idx="0">
+              <a:scrgbClr r="0" g="0" b="0"/>
+            </a:effectRef>
+            <a:fontRef idx="minor">
+              <a:schemeClr val="lt1"/>
+            </a:fontRef>
+          </p:style>
+          <p:txBody>
+            <a:bodyPr rtlCol="0" anchor="t"/>
+            <a:lstStyle/>
+            <a:p>
+              <a:pPr algn="ctr"/>
+              <a:r>
+                <a:rPr lang="en-US" altLang="ko-KR" sz="800" dirty="0">
+                  <a:solidFill>
+                    <a:schemeClr val="tx1"/>
+                  </a:solidFill>
+                </a:rPr>
+                <a:t>2nd</a:t>
+              </a:r>
+              <a:endParaRPr lang="ko-KR" altLang="en-US" sz="800" dirty="0">
+                <a:solidFill>
+                  <a:schemeClr val="tx1"/>
+                </a:solidFill>
+              </a:endParaRPr>
+            </a:p>
+          </p:txBody>
+        </p:sp>
+        <p:sp>
+          <p:nvSpPr>
+            <p:cNvPr id="10" name="타원 9">
+              <a:extLst>
+                <a:ext uri="{FF2B5EF4-FFF2-40B4-BE49-F238E27FC236}">
+                  <a16:creationId xmlns:a16="http://schemas.microsoft.com/office/drawing/2014/main" id="{7DE7DF37-FDCA-6CE4-2525-2B1A5FE987DC}"/>
+                </a:ext>
+              </a:extLst>
+            </p:cNvPr>
+            <p:cNvSpPr/>
+            <p:nvPr/>
+          </p:nvSpPr>
+          <p:spPr>
+            <a:xfrm>
+              <a:off x="6824058" y="1957608"/>
+              <a:ext cx="1260000" cy="356398"/>
+            </a:xfrm>
+            <a:prstGeom prst="ellipse">
+              <a:avLst/>
+            </a:prstGeom>
+          </p:spPr>
+          <p:style>
+            <a:lnRef idx="2">
+              <a:schemeClr val="accent5">
+                <a:shade val="50000"/>
+              </a:schemeClr>
+            </a:lnRef>
+            <a:fillRef idx="1">
+              <a:schemeClr val="accent5"/>
+            </a:fillRef>
+            <a:effectRef idx="0">
+              <a:schemeClr val="accent5"/>
+            </a:effectRef>
+            <a:fontRef idx="minor">
+              <a:schemeClr val="lt1"/>
+            </a:fontRef>
+          </p:style>
+          <p:txBody>
+            <a:bodyPr rtlCol="0" anchor="ctr"/>
+            <a:lstStyle/>
+            <a:p>
+              <a:pPr algn="ctr"/>
+              <a:r>
+                <a:rPr lang="en-US" altLang="ko-KR" sz="800" dirty="0"/>
+                <a:t>2nd_stp</a:t>
+              </a:r>
+            </a:p>
+            <a:p>
+              <a:pPr algn="ctr"/>
+              <a:r>
+                <a:rPr lang="en-US" altLang="ko-KR" sz="800" dirty="0"/>
+                <a:t>$ADV</a:t>
+              </a:r>
+              <a:endParaRPr lang="ko-KR" altLang="en-US" sz="800" dirty="0"/>
+            </a:p>
+          </p:txBody>
+        </p:sp>
+        <p:sp>
+          <p:nvSpPr>
+            <p:cNvPr id="12" name="타원 11">
+              <a:extLst>
+                <a:ext uri="{FF2B5EF4-FFF2-40B4-BE49-F238E27FC236}">
+                  <a16:creationId xmlns:a16="http://schemas.microsoft.com/office/drawing/2014/main" id="{24559885-2687-5FD0-905F-EA8DA85213E7}"/>
+                </a:ext>
+              </a:extLst>
+            </p:cNvPr>
+            <p:cNvSpPr/>
+            <p:nvPr/>
+          </p:nvSpPr>
+          <p:spPr>
+            <a:xfrm>
+              <a:off x="5509397" y="2937900"/>
+              <a:ext cx="1260000" cy="356398"/>
+            </a:xfrm>
+            <a:prstGeom prst="ellipse">
+              <a:avLst/>
+            </a:prstGeom>
+          </p:spPr>
+          <p:style>
+            <a:lnRef idx="2">
+              <a:schemeClr val="accent5">
+                <a:shade val="50000"/>
+              </a:schemeClr>
+            </a:lnRef>
+            <a:fillRef idx="1">
+              <a:schemeClr val="accent5"/>
+            </a:fillRef>
+            <a:effectRef idx="0">
+              <a:schemeClr val="accent5"/>
+            </a:effectRef>
+            <a:fontRef idx="minor">
+              <a:schemeClr val="lt1"/>
+            </a:fontRef>
+          </p:style>
+          <p:txBody>
+            <a:bodyPr rtlCol="0" anchor="ctr"/>
+            <a:lstStyle/>
+            <a:p>
+              <a:pPr algn="ctr"/>
+              <a:r>
+                <a:rPr lang="en-US" altLang="ko-KR" sz="800" dirty="0"/>
+                <a:t>2nd_usb</a:t>
+              </a:r>
+            </a:p>
+            <a:p>
+              <a:pPr algn="ctr"/>
+              <a:r>
+                <a:rPr lang="en-US" altLang="ko-KR" sz="800" dirty="0"/>
+                <a:t>$ADV</a:t>
+              </a:r>
+              <a:endParaRPr lang="ko-KR" altLang="en-US" sz="800" dirty="0"/>
+            </a:p>
+          </p:txBody>
+        </p:sp>
+        <p:sp>
+          <p:nvSpPr>
+            <p:cNvPr id="13" name="타원 12">
+              <a:extLst>
+                <a:ext uri="{FF2B5EF4-FFF2-40B4-BE49-F238E27FC236}">
+                  <a16:creationId xmlns:a16="http://schemas.microsoft.com/office/drawing/2014/main" id="{AD7527D6-6A9E-3286-2D18-0AC36543B838}"/>
+                </a:ext>
+              </a:extLst>
+            </p:cNvPr>
+            <p:cNvSpPr/>
+            <p:nvPr/>
+          </p:nvSpPr>
+          <p:spPr>
+            <a:xfrm>
+              <a:off x="6426556" y="3532610"/>
+              <a:ext cx="1260000" cy="356398"/>
+            </a:xfrm>
+            <a:prstGeom prst="ellipse">
+              <a:avLst/>
+            </a:prstGeom>
+          </p:spPr>
+          <p:style>
+            <a:lnRef idx="2">
+              <a:schemeClr val="accent5">
+                <a:shade val="50000"/>
+              </a:schemeClr>
+            </a:lnRef>
+            <a:fillRef idx="1">
+              <a:schemeClr val="accent5"/>
+            </a:fillRef>
+            <a:effectRef idx="0">
+              <a:schemeClr val="accent5"/>
+            </a:effectRef>
+            <a:fontRef idx="minor">
+              <a:schemeClr val="lt1"/>
+            </a:fontRef>
+          </p:style>
+          <p:txBody>
+            <a:bodyPr rtlCol="0" anchor="ctr"/>
+            <a:lstStyle/>
+            <a:p>
+              <a:pPr algn="ctr"/>
+              <a:r>
+                <a:rPr lang="en-US" altLang="ko-KR" sz="800" dirty="0"/>
+                <a:t>2nd_usb</a:t>
+              </a:r>
+            </a:p>
+            <a:p>
+              <a:pPr algn="ctr"/>
+              <a:r>
+                <a:rPr lang="en-US" altLang="ko-KR" sz="800" dirty="0"/>
+                <a:t>$RET</a:t>
+              </a:r>
+              <a:endParaRPr lang="ko-KR" altLang="en-US" sz="800" dirty="0"/>
+            </a:p>
+          </p:txBody>
+        </p:sp>
+        <p:sp>
+          <p:nvSpPr>
+            <p:cNvPr id="14" name="타원 13">
+              <a:extLst>
+                <a:ext uri="{FF2B5EF4-FFF2-40B4-BE49-F238E27FC236}">
+                  <a16:creationId xmlns:a16="http://schemas.microsoft.com/office/drawing/2014/main" id="{CEF1119F-F747-205A-50E7-BCDB31793E8F}"/>
+                </a:ext>
+              </a:extLst>
+            </p:cNvPr>
+            <p:cNvSpPr/>
+            <p:nvPr/>
+          </p:nvSpPr>
+          <p:spPr>
+            <a:xfrm>
+              <a:off x="6134954" y="4140660"/>
+              <a:ext cx="1260000" cy="356398"/>
+            </a:xfrm>
+            <a:prstGeom prst="ellipse">
+              <a:avLst/>
+            </a:prstGeom>
+          </p:spPr>
+          <p:style>
+            <a:lnRef idx="2">
+              <a:schemeClr val="accent5">
+                <a:shade val="50000"/>
+              </a:schemeClr>
+            </a:lnRef>
+            <a:fillRef idx="1">
+              <a:schemeClr val="accent5"/>
+            </a:fillRef>
+            <a:effectRef idx="0">
+              <a:schemeClr val="accent5"/>
+            </a:effectRef>
+            <a:fontRef idx="minor">
+              <a:schemeClr val="lt1"/>
+            </a:fontRef>
+          </p:style>
+          <p:txBody>
+            <a:bodyPr rtlCol="0" anchor="ctr"/>
+            <a:lstStyle/>
+            <a:p>
+              <a:pPr algn="ctr"/>
+              <a:r>
+                <a:rPr lang="en-US" altLang="ko-KR" sz="800" dirty="0"/>
+                <a:t>2nd_stp</a:t>
+              </a:r>
+            </a:p>
+            <a:p>
+              <a:pPr algn="ctr"/>
+              <a:r>
+                <a:rPr lang="en-US" altLang="ko-KR" sz="800" dirty="0"/>
+                <a:t>$RET</a:t>
+              </a:r>
+              <a:endParaRPr lang="ko-KR" altLang="en-US" sz="800" dirty="0"/>
+            </a:p>
+          </p:txBody>
+        </p:sp>
+        <p:cxnSp>
+          <p:nvCxnSpPr>
+            <p:cNvPr id="17" name="연결선: 꺾임 16">
+              <a:extLst>
+                <a:ext uri="{FF2B5EF4-FFF2-40B4-BE49-F238E27FC236}">
+                  <a16:creationId xmlns:a16="http://schemas.microsoft.com/office/drawing/2014/main" id="{CAD500E9-1B6A-ECBF-F211-5E1BBD795737}"/>
+                </a:ext>
+              </a:extLst>
+            </p:cNvPr>
+            <p:cNvCxnSpPr>
+              <a:cxnSpLocks/>
+              <a:stCxn id="10" idx="4"/>
+              <a:endCxn id="12" idx="0"/>
+            </p:cNvCxnSpPr>
+            <p:nvPr/>
+          </p:nvCxnSpPr>
+          <p:spPr>
+            <a:xfrm rot="5400000">
+              <a:off x="6484781" y="1968623"/>
+              <a:ext cx="623894" cy="1314661"/>
             </a:xfrm>
             <a:prstGeom prst="bentConnector3">
               <a:avLst/>
@@ -32901,6 +35107,2406 @@
             </a:fontRef>
           </p:style>
         </p:cxnSp>
+        <p:cxnSp>
+          <p:nvCxnSpPr>
+            <p:cNvPr id="18" name="연결선: 꺾임 17">
+              <a:extLst>
+                <a:ext uri="{FF2B5EF4-FFF2-40B4-BE49-F238E27FC236}">
+                  <a16:creationId xmlns:a16="http://schemas.microsoft.com/office/drawing/2014/main" id="{DE792B4D-EEF5-3839-9F1F-A19CDC563597}"/>
+                </a:ext>
+              </a:extLst>
+            </p:cNvPr>
+            <p:cNvCxnSpPr>
+              <a:cxnSpLocks/>
+              <a:stCxn id="12" idx="4"/>
+              <a:endCxn id="13" idx="0"/>
+            </p:cNvCxnSpPr>
+            <p:nvPr/>
+          </p:nvCxnSpPr>
+          <p:spPr>
+            <a:xfrm rot="16200000" flipH="1">
+              <a:off x="6478820" y="2954874"/>
+              <a:ext cx="238312" cy="917159"/>
+            </a:xfrm>
+            <a:prstGeom prst="bentConnector3">
+              <a:avLst>
+                <a:gd name="adj1" fmla="val 50000"/>
+              </a:avLst>
+            </a:prstGeom>
+            <a:ln>
+              <a:tailEnd type="triangle"/>
+            </a:ln>
+          </p:spPr>
+          <p:style>
+            <a:lnRef idx="1">
+              <a:schemeClr val="accent1"/>
+            </a:lnRef>
+            <a:fillRef idx="0">
+              <a:schemeClr val="accent1"/>
+            </a:fillRef>
+            <a:effectRef idx="0">
+              <a:schemeClr val="accent1"/>
+            </a:effectRef>
+            <a:fontRef idx="minor">
+              <a:schemeClr val="tx1"/>
+            </a:fontRef>
+          </p:style>
+        </p:cxnSp>
+        <p:cxnSp>
+          <p:nvCxnSpPr>
+            <p:cNvPr id="24" name="연결선: 꺾임 23">
+              <a:extLst>
+                <a:ext uri="{FF2B5EF4-FFF2-40B4-BE49-F238E27FC236}">
+                  <a16:creationId xmlns:a16="http://schemas.microsoft.com/office/drawing/2014/main" id="{8D486FA6-BCC9-5706-9BA1-6506A3BB62C7}"/>
+                </a:ext>
+              </a:extLst>
+            </p:cNvPr>
+            <p:cNvCxnSpPr>
+              <a:cxnSpLocks/>
+              <a:stCxn id="13" idx="4"/>
+              <a:endCxn id="14" idx="0"/>
+            </p:cNvCxnSpPr>
+            <p:nvPr/>
+          </p:nvCxnSpPr>
+          <p:spPr>
+            <a:xfrm rot="5400000">
+              <a:off x="6784929" y="3869033"/>
+              <a:ext cx="251652" cy="291602"/>
+            </a:xfrm>
+            <a:prstGeom prst="bentConnector3">
+              <a:avLst>
+                <a:gd name="adj1" fmla="val 50000"/>
+              </a:avLst>
+            </a:prstGeom>
+            <a:ln>
+              <a:tailEnd type="triangle"/>
+            </a:ln>
+          </p:spPr>
+          <p:style>
+            <a:lnRef idx="1">
+              <a:schemeClr val="accent1"/>
+            </a:lnRef>
+            <a:fillRef idx="0">
+              <a:schemeClr val="accent1"/>
+            </a:fillRef>
+            <a:effectRef idx="0">
+              <a:schemeClr val="accent1"/>
+            </a:effectRef>
+            <a:fontRef idx="minor">
+              <a:schemeClr val="tx1"/>
+            </a:fontRef>
+          </p:style>
+        </p:cxnSp>
+      </p:grpSp>
+      <p:cxnSp>
+        <p:nvCxnSpPr>
+          <p:cNvPr id="29" name="연결선: 꺾임 28">
+            <a:extLst>
+              <a:ext uri="{FF2B5EF4-FFF2-40B4-BE49-F238E27FC236}">
+                <a16:creationId xmlns:a16="http://schemas.microsoft.com/office/drawing/2014/main" id="{18975708-1734-8EEC-2476-A5055B5EA018}"/>
+              </a:ext>
+            </a:extLst>
+          </p:cNvPr>
+          <p:cNvCxnSpPr>
+            <a:cxnSpLocks/>
+            <a:stCxn id="28" idx="1"/>
+            <a:endCxn id="7" idx="1"/>
+          </p:cNvCxnSpPr>
+          <p:nvPr/>
+        </p:nvCxnSpPr>
+        <p:spPr>
+          <a:xfrm rot="10800000" flipV="1">
+            <a:off x="1708476" y="1430749"/>
+            <a:ext cx="2461829" cy="2117276"/>
+          </a:xfrm>
+          <a:prstGeom prst="bentConnector3">
+            <a:avLst>
+              <a:gd name="adj1" fmla="val 109286"/>
+            </a:avLst>
+          </a:prstGeom>
+          <a:ln>
+            <a:headEnd type="oval" w="med" len="med"/>
+            <a:tailEnd type="triangle" w="med" len="med"/>
+          </a:ln>
+        </p:spPr>
+        <p:style>
+          <a:lnRef idx="1">
+            <a:schemeClr val="accent1"/>
+          </a:lnRef>
+          <a:fillRef idx="0">
+            <a:schemeClr val="accent1"/>
+          </a:fillRef>
+          <a:effectRef idx="0">
+            <a:schemeClr val="accent1"/>
+          </a:effectRef>
+          <a:fontRef idx="minor">
+            <a:schemeClr val="tx1"/>
+          </a:fontRef>
+        </p:style>
+      </p:cxnSp>
+      <p:sp>
+        <p:nvSpPr>
+          <p:cNvPr id="33" name="사각형: 모서리가 접힌 도형 32">
+            <a:extLst>
+              <a:ext uri="{FF2B5EF4-FFF2-40B4-BE49-F238E27FC236}">
+                <a16:creationId xmlns:a16="http://schemas.microsoft.com/office/drawing/2014/main" id="{EC88E635-5C43-DA57-639F-CC974CA1DA09}"/>
+              </a:ext>
+            </a:extLst>
+          </p:cNvPr>
+          <p:cNvSpPr/>
+          <p:nvPr/>
+        </p:nvSpPr>
+        <p:spPr>
+          <a:xfrm>
+            <a:off x="14270097" y="4335808"/>
+            <a:ext cx="1458262" cy="317428"/>
+          </a:xfrm>
+          <a:prstGeom prst="foldedCorner">
+            <a:avLst/>
+          </a:prstGeom>
+          <a:solidFill>
+            <a:schemeClr val="accent3">
+              <a:alpha val="50000"/>
+            </a:schemeClr>
+          </a:solidFill>
+          <a:ln>
+            <a:noFill/>
+          </a:ln>
+        </p:spPr>
+        <p:style>
+          <a:lnRef idx="0">
+            <a:scrgbClr r="0" g="0" b="0"/>
+          </a:lnRef>
+          <a:fillRef idx="0">
+            <a:scrgbClr r="0" g="0" b="0"/>
+          </a:fillRef>
+          <a:effectRef idx="0">
+            <a:scrgbClr r="0" g="0" b="0"/>
+          </a:effectRef>
+          <a:fontRef idx="minor">
+            <a:schemeClr val="lt1"/>
+          </a:fontRef>
+        </p:style>
+        <p:txBody>
+          <a:bodyPr rtlCol="0" anchor="ctr"/>
+          <a:lstStyle/>
+          <a:p>
+            <a:pPr algn="ctr"/>
+            <a:r>
+              <a:rPr lang="en-US" altLang="ko-KR" sz="1000" dirty="0">
+                <a:solidFill>
+                  <a:schemeClr val="tx1"/>
+                </a:solidFill>
+              </a:rPr>
+              <a:t>lib/Conveyor/CV </a:t>
+            </a:r>
+          </a:p>
+          <a:p>
+            <a:pPr algn="ctr"/>
+            <a:r>
+              <a:rPr lang="en-US" altLang="ko-KR" sz="1000" dirty="0">
+                <a:solidFill>
+                  <a:schemeClr val="tx1"/>
+                </a:solidFill>
+              </a:rPr>
+              <a:t>[Cv3_Rr]</a:t>
+            </a:r>
+            <a:endParaRPr lang="ko-KR" altLang="en-US" sz="1000" dirty="0">
+              <a:solidFill>
+                <a:schemeClr val="tx1"/>
+              </a:solidFill>
+            </a:endParaRPr>
+          </a:p>
+        </p:txBody>
+      </p:sp>
+      <p:grpSp>
+        <p:nvGrpSpPr>
+          <p:cNvPr id="36" name="그룹 35">
+            <a:extLst>
+              <a:ext uri="{FF2B5EF4-FFF2-40B4-BE49-F238E27FC236}">
+                <a16:creationId xmlns:a16="http://schemas.microsoft.com/office/drawing/2014/main" id="{E2F3DE2D-DB6A-7CE7-E03F-C2B9202DBB51}"/>
+              </a:ext>
+            </a:extLst>
+          </p:cNvPr>
+          <p:cNvGrpSpPr/>
+          <p:nvPr/>
+        </p:nvGrpSpPr>
+        <p:grpSpPr>
+          <a:xfrm>
+            <a:off x="595060" y="5070118"/>
+            <a:ext cx="3498851" cy="1556092"/>
+            <a:chOff x="4944356" y="1445451"/>
+            <a:chExt cx="3641196" cy="3102292"/>
+          </a:xfrm>
+        </p:grpSpPr>
+        <p:sp>
+          <p:nvSpPr>
+            <p:cNvPr id="37" name="직사각형 36">
+              <a:extLst>
+                <a:ext uri="{FF2B5EF4-FFF2-40B4-BE49-F238E27FC236}">
+                  <a16:creationId xmlns:a16="http://schemas.microsoft.com/office/drawing/2014/main" id="{78D109FC-4BBE-8C8E-589A-1822301677C3}"/>
+                </a:ext>
+              </a:extLst>
+            </p:cNvPr>
+            <p:cNvSpPr/>
+            <p:nvPr/>
+          </p:nvSpPr>
+          <p:spPr>
+            <a:xfrm>
+              <a:off x="4944356" y="1445451"/>
+              <a:ext cx="3641196" cy="3102292"/>
+            </a:xfrm>
+            <a:prstGeom prst="rect">
+              <a:avLst/>
+            </a:prstGeom>
+            <a:solidFill>
+              <a:schemeClr val="accent4">
+                <a:alpha val="50000"/>
+              </a:schemeClr>
+            </a:solidFill>
+            <a:ln>
+              <a:noFill/>
+            </a:ln>
+          </p:spPr>
+          <p:style>
+            <a:lnRef idx="0">
+              <a:scrgbClr r="0" g="0" b="0"/>
+            </a:lnRef>
+            <a:fillRef idx="0">
+              <a:scrgbClr r="0" g="0" b="0"/>
+            </a:fillRef>
+            <a:effectRef idx="0">
+              <a:scrgbClr r="0" g="0" b="0"/>
+            </a:effectRef>
+            <a:fontRef idx="minor">
+              <a:schemeClr val="lt1"/>
+            </a:fontRef>
+          </p:style>
+          <p:txBody>
+            <a:bodyPr rtlCol="0" anchor="t"/>
+            <a:lstStyle/>
+            <a:p>
+              <a:pPr algn="ctr"/>
+              <a:r>
+                <a:rPr lang="en-US" altLang="ko-KR" sz="800" dirty="0">
+                  <a:solidFill>
+                    <a:schemeClr val="tx1"/>
+                  </a:solidFill>
+                </a:rPr>
+                <a:t>3rd</a:t>
+              </a:r>
+              <a:endParaRPr lang="ko-KR" altLang="en-US" sz="800" dirty="0">
+                <a:solidFill>
+                  <a:schemeClr val="tx1"/>
+                </a:solidFill>
+              </a:endParaRPr>
+            </a:p>
+          </p:txBody>
+        </p:sp>
+        <p:sp>
+          <p:nvSpPr>
+            <p:cNvPr id="40" name="타원 39">
+              <a:extLst>
+                <a:ext uri="{FF2B5EF4-FFF2-40B4-BE49-F238E27FC236}">
+                  <a16:creationId xmlns:a16="http://schemas.microsoft.com/office/drawing/2014/main" id="{75C5FBD5-E07D-B424-B866-1693481FBF40}"/>
+                </a:ext>
+              </a:extLst>
+            </p:cNvPr>
+            <p:cNvSpPr/>
+            <p:nvPr/>
+          </p:nvSpPr>
+          <p:spPr>
+            <a:xfrm>
+              <a:off x="6824058" y="1957608"/>
+              <a:ext cx="1260000" cy="356398"/>
+            </a:xfrm>
+            <a:prstGeom prst="ellipse">
+              <a:avLst/>
+            </a:prstGeom>
+          </p:spPr>
+          <p:style>
+            <a:lnRef idx="2">
+              <a:schemeClr val="accent5">
+                <a:shade val="50000"/>
+              </a:schemeClr>
+            </a:lnRef>
+            <a:fillRef idx="1">
+              <a:schemeClr val="accent5"/>
+            </a:fillRef>
+            <a:effectRef idx="0">
+              <a:schemeClr val="accent5"/>
+            </a:effectRef>
+            <a:fontRef idx="minor">
+              <a:schemeClr val="lt1"/>
+            </a:fontRef>
+          </p:style>
+          <p:txBody>
+            <a:bodyPr rtlCol="0" anchor="ctr"/>
+            <a:lstStyle/>
+            <a:p>
+              <a:pPr algn="ctr"/>
+              <a:r>
+                <a:rPr lang="en-US" altLang="ko-KR" sz="800" dirty="0"/>
+                <a:t>3rd_stp</a:t>
+              </a:r>
+            </a:p>
+            <a:p>
+              <a:pPr algn="ctr"/>
+              <a:r>
+                <a:rPr lang="en-US" altLang="ko-KR" sz="800" dirty="0"/>
+                <a:t>$ADV</a:t>
+              </a:r>
+              <a:endParaRPr lang="ko-KR" altLang="en-US" sz="800" dirty="0"/>
+            </a:p>
+          </p:txBody>
+        </p:sp>
+        <p:sp>
+          <p:nvSpPr>
+            <p:cNvPr id="41" name="타원 40">
+              <a:extLst>
+                <a:ext uri="{FF2B5EF4-FFF2-40B4-BE49-F238E27FC236}">
+                  <a16:creationId xmlns:a16="http://schemas.microsoft.com/office/drawing/2014/main" id="{231C04E9-53C8-1EBE-15AF-1A2D3C23F74A}"/>
+                </a:ext>
+              </a:extLst>
+            </p:cNvPr>
+            <p:cNvSpPr/>
+            <p:nvPr/>
+          </p:nvSpPr>
+          <p:spPr>
+            <a:xfrm>
+              <a:off x="5509397" y="2937900"/>
+              <a:ext cx="1260000" cy="356398"/>
+            </a:xfrm>
+            <a:prstGeom prst="ellipse">
+              <a:avLst/>
+            </a:prstGeom>
+          </p:spPr>
+          <p:style>
+            <a:lnRef idx="2">
+              <a:schemeClr val="accent5">
+                <a:shade val="50000"/>
+              </a:schemeClr>
+            </a:lnRef>
+            <a:fillRef idx="1">
+              <a:schemeClr val="accent5"/>
+            </a:fillRef>
+            <a:effectRef idx="0">
+              <a:schemeClr val="accent5"/>
+            </a:effectRef>
+            <a:fontRef idx="minor">
+              <a:schemeClr val="lt1"/>
+            </a:fontRef>
+          </p:style>
+          <p:txBody>
+            <a:bodyPr rtlCol="0" anchor="ctr"/>
+            <a:lstStyle/>
+            <a:p>
+              <a:pPr algn="ctr"/>
+              <a:r>
+                <a:rPr lang="en-US" altLang="ko-KR" sz="800" dirty="0"/>
+                <a:t>3rd_usb</a:t>
+              </a:r>
+            </a:p>
+            <a:p>
+              <a:pPr algn="ctr"/>
+              <a:r>
+                <a:rPr lang="en-US" altLang="ko-KR" sz="800" dirty="0"/>
+                <a:t>$ADV</a:t>
+              </a:r>
+              <a:endParaRPr lang="ko-KR" altLang="en-US" sz="800" dirty="0"/>
+            </a:p>
+          </p:txBody>
+        </p:sp>
+        <p:sp>
+          <p:nvSpPr>
+            <p:cNvPr id="45" name="타원 44">
+              <a:extLst>
+                <a:ext uri="{FF2B5EF4-FFF2-40B4-BE49-F238E27FC236}">
+                  <a16:creationId xmlns:a16="http://schemas.microsoft.com/office/drawing/2014/main" id="{D4FFF9D6-237B-346B-60D1-7DFFAF690665}"/>
+                </a:ext>
+              </a:extLst>
+            </p:cNvPr>
+            <p:cNvSpPr/>
+            <p:nvPr/>
+          </p:nvSpPr>
+          <p:spPr>
+            <a:xfrm>
+              <a:off x="6426556" y="3532610"/>
+              <a:ext cx="1260000" cy="356398"/>
+            </a:xfrm>
+            <a:prstGeom prst="ellipse">
+              <a:avLst/>
+            </a:prstGeom>
+          </p:spPr>
+          <p:style>
+            <a:lnRef idx="2">
+              <a:schemeClr val="accent5">
+                <a:shade val="50000"/>
+              </a:schemeClr>
+            </a:lnRef>
+            <a:fillRef idx="1">
+              <a:schemeClr val="accent5"/>
+            </a:fillRef>
+            <a:effectRef idx="0">
+              <a:schemeClr val="accent5"/>
+            </a:effectRef>
+            <a:fontRef idx="minor">
+              <a:schemeClr val="lt1"/>
+            </a:fontRef>
+          </p:style>
+          <p:txBody>
+            <a:bodyPr rtlCol="0" anchor="ctr"/>
+            <a:lstStyle/>
+            <a:p>
+              <a:pPr algn="ctr"/>
+              <a:r>
+                <a:rPr lang="en-US" altLang="ko-KR" sz="800" dirty="0"/>
+                <a:t>3rd_usb</a:t>
+              </a:r>
+            </a:p>
+            <a:p>
+              <a:pPr algn="ctr"/>
+              <a:r>
+                <a:rPr lang="en-US" altLang="ko-KR" sz="800" dirty="0"/>
+                <a:t>$RET</a:t>
+              </a:r>
+              <a:endParaRPr lang="ko-KR" altLang="en-US" sz="800" dirty="0"/>
+            </a:p>
+          </p:txBody>
+        </p:sp>
+        <p:sp>
+          <p:nvSpPr>
+            <p:cNvPr id="46" name="타원 45">
+              <a:extLst>
+                <a:ext uri="{FF2B5EF4-FFF2-40B4-BE49-F238E27FC236}">
+                  <a16:creationId xmlns:a16="http://schemas.microsoft.com/office/drawing/2014/main" id="{40454175-7E37-9B01-0D4A-4D00AB584EB3}"/>
+                </a:ext>
+              </a:extLst>
+            </p:cNvPr>
+            <p:cNvSpPr/>
+            <p:nvPr/>
+          </p:nvSpPr>
+          <p:spPr>
+            <a:xfrm>
+              <a:off x="6134954" y="4140660"/>
+              <a:ext cx="1260000" cy="356398"/>
+            </a:xfrm>
+            <a:prstGeom prst="ellipse">
+              <a:avLst/>
+            </a:prstGeom>
+          </p:spPr>
+          <p:style>
+            <a:lnRef idx="2">
+              <a:schemeClr val="accent5">
+                <a:shade val="50000"/>
+              </a:schemeClr>
+            </a:lnRef>
+            <a:fillRef idx="1">
+              <a:schemeClr val="accent5"/>
+            </a:fillRef>
+            <a:effectRef idx="0">
+              <a:schemeClr val="accent5"/>
+            </a:effectRef>
+            <a:fontRef idx="minor">
+              <a:schemeClr val="lt1"/>
+            </a:fontRef>
+          </p:style>
+          <p:txBody>
+            <a:bodyPr rtlCol="0" anchor="ctr"/>
+            <a:lstStyle/>
+            <a:p>
+              <a:pPr algn="ctr"/>
+              <a:r>
+                <a:rPr lang="en-US" altLang="ko-KR" sz="800" dirty="0"/>
+                <a:t>3rd_stp</a:t>
+              </a:r>
+            </a:p>
+            <a:p>
+              <a:pPr algn="ctr"/>
+              <a:r>
+                <a:rPr lang="en-US" altLang="ko-KR" sz="800" dirty="0"/>
+                <a:t>$RET</a:t>
+              </a:r>
+              <a:endParaRPr lang="ko-KR" altLang="en-US" sz="800" dirty="0"/>
+            </a:p>
+          </p:txBody>
+        </p:sp>
+        <p:cxnSp>
+          <p:nvCxnSpPr>
+            <p:cNvPr id="54" name="연결선: 꺾임 53">
+              <a:extLst>
+                <a:ext uri="{FF2B5EF4-FFF2-40B4-BE49-F238E27FC236}">
+                  <a16:creationId xmlns:a16="http://schemas.microsoft.com/office/drawing/2014/main" id="{955F54F7-73A1-51EF-2293-42F3E3FFDD9C}"/>
+                </a:ext>
+              </a:extLst>
+            </p:cNvPr>
+            <p:cNvCxnSpPr>
+              <a:cxnSpLocks/>
+              <a:stCxn id="40" idx="4"/>
+              <a:endCxn id="41" idx="0"/>
+            </p:cNvCxnSpPr>
+            <p:nvPr/>
+          </p:nvCxnSpPr>
+          <p:spPr>
+            <a:xfrm rot="5400000">
+              <a:off x="6484781" y="1968623"/>
+              <a:ext cx="623894" cy="1314661"/>
+            </a:xfrm>
+            <a:prstGeom prst="bentConnector3">
+              <a:avLst/>
+            </a:prstGeom>
+            <a:ln>
+              <a:tailEnd type="triangle"/>
+            </a:ln>
+          </p:spPr>
+          <p:style>
+            <a:lnRef idx="1">
+              <a:schemeClr val="accent1"/>
+            </a:lnRef>
+            <a:fillRef idx="0">
+              <a:schemeClr val="accent1"/>
+            </a:fillRef>
+            <a:effectRef idx="0">
+              <a:schemeClr val="accent1"/>
+            </a:effectRef>
+            <a:fontRef idx="minor">
+              <a:schemeClr val="tx1"/>
+            </a:fontRef>
+          </p:style>
+        </p:cxnSp>
+        <p:cxnSp>
+          <p:nvCxnSpPr>
+            <p:cNvPr id="55" name="연결선: 꺾임 54">
+              <a:extLst>
+                <a:ext uri="{FF2B5EF4-FFF2-40B4-BE49-F238E27FC236}">
+                  <a16:creationId xmlns:a16="http://schemas.microsoft.com/office/drawing/2014/main" id="{110E3F75-13DC-62CD-65F0-0BCD794BE262}"/>
+                </a:ext>
+              </a:extLst>
+            </p:cNvPr>
+            <p:cNvCxnSpPr>
+              <a:cxnSpLocks/>
+              <a:stCxn id="41" idx="4"/>
+              <a:endCxn id="45" idx="0"/>
+            </p:cNvCxnSpPr>
+            <p:nvPr/>
+          </p:nvCxnSpPr>
+          <p:spPr>
+            <a:xfrm rot="16200000" flipH="1">
+              <a:off x="6478820" y="2954874"/>
+              <a:ext cx="238312" cy="917159"/>
+            </a:xfrm>
+            <a:prstGeom prst="bentConnector3">
+              <a:avLst>
+                <a:gd name="adj1" fmla="val 50000"/>
+              </a:avLst>
+            </a:prstGeom>
+            <a:ln>
+              <a:tailEnd type="triangle"/>
+            </a:ln>
+          </p:spPr>
+          <p:style>
+            <a:lnRef idx="1">
+              <a:schemeClr val="accent1"/>
+            </a:lnRef>
+            <a:fillRef idx="0">
+              <a:schemeClr val="accent1"/>
+            </a:fillRef>
+            <a:effectRef idx="0">
+              <a:schemeClr val="accent1"/>
+            </a:effectRef>
+            <a:fontRef idx="minor">
+              <a:schemeClr val="tx1"/>
+            </a:fontRef>
+          </p:style>
+        </p:cxnSp>
+        <p:cxnSp>
+          <p:nvCxnSpPr>
+            <p:cNvPr id="57" name="연결선: 꺾임 56">
+              <a:extLst>
+                <a:ext uri="{FF2B5EF4-FFF2-40B4-BE49-F238E27FC236}">
+                  <a16:creationId xmlns:a16="http://schemas.microsoft.com/office/drawing/2014/main" id="{306437AE-F935-CF65-125E-77911E31D2FC}"/>
+                </a:ext>
+              </a:extLst>
+            </p:cNvPr>
+            <p:cNvCxnSpPr>
+              <a:cxnSpLocks/>
+              <a:stCxn id="45" idx="4"/>
+              <a:endCxn id="46" idx="0"/>
+            </p:cNvCxnSpPr>
+            <p:nvPr/>
+          </p:nvCxnSpPr>
+          <p:spPr>
+            <a:xfrm rot="5400000">
+              <a:off x="6784929" y="3869033"/>
+              <a:ext cx="251652" cy="291602"/>
+            </a:xfrm>
+            <a:prstGeom prst="bentConnector3">
+              <a:avLst>
+                <a:gd name="adj1" fmla="val 50000"/>
+              </a:avLst>
+            </a:prstGeom>
+            <a:ln>
+              <a:tailEnd type="triangle"/>
+            </a:ln>
+          </p:spPr>
+          <p:style>
+            <a:lnRef idx="1">
+              <a:schemeClr val="accent1"/>
+            </a:lnRef>
+            <a:fillRef idx="0">
+              <a:schemeClr val="accent1"/>
+            </a:fillRef>
+            <a:effectRef idx="0">
+              <a:schemeClr val="accent1"/>
+            </a:effectRef>
+            <a:fontRef idx="minor">
+              <a:schemeClr val="tx1"/>
+            </a:fontRef>
+          </p:style>
+        </p:cxnSp>
+      </p:grpSp>
+      <p:grpSp>
+        <p:nvGrpSpPr>
+          <p:cNvPr id="60" name="그룹 59">
+            <a:extLst>
+              <a:ext uri="{FF2B5EF4-FFF2-40B4-BE49-F238E27FC236}">
+                <a16:creationId xmlns:a16="http://schemas.microsoft.com/office/drawing/2014/main" id="{00E5DEBE-06AF-C65D-3F99-5CF5ED7ED264}"/>
+              </a:ext>
+            </a:extLst>
+          </p:cNvPr>
+          <p:cNvGrpSpPr/>
+          <p:nvPr/>
+        </p:nvGrpSpPr>
+        <p:grpSpPr>
+          <a:xfrm>
+            <a:off x="5619749" y="4833833"/>
+            <a:ext cx="3498851" cy="1556092"/>
+            <a:chOff x="4944356" y="1445451"/>
+            <a:chExt cx="3641196" cy="3102292"/>
+          </a:xfrm>
+        </p:grpSpPr>
+        <p:sp>
+          <p:nvSpPr>
+            <p:cNvPr id="62" name="직사각형 61">
+              <a:extLst>
+                <a:ext uri="{FF2B5EF4-FFF2-40B4-BE49-F238E27FC236}">
+                  <a16:creationId xmlns:a16="http://schemas.microsoft.com/office/drawing/2014/main" id="{FA25B133-6EEB-4644-F185-785FC7CA4B6C}"/>
+                </a:ext>
+              </a:extLst>
+            </p:cNvPr>
+            <p:cNvSpPr/>
+            <p:nvPr/>
+          </p:nvSpPr>
+          <p:spPr>
+            <a:xfrm>
+              <a:off x="4944356" y="1445451"/>
+              <a:ext cx="3641196" cy="3102292"/>
+            </a:xfrm>
+            <a:prstGeom prst="rect">
+              <a:avLst/>
+            </a:prstGeom>
+            <a:solidFill>
+              <a:schemeClr val="accent4">
+                <a:alpha val="50000"/>
+              </a:schemeClr>
+            </a:solidFill>
+            <a:ln>
+              <a:noFill/>
+            </a:ln>
+          </p:spPr>
+          <p:style>
+            <a:lnRef idx="0">
+              <a:scrgbClr r="0" g="0" b="0"/>
+            </a:lnRef>
+            <a:fillRef idx="0">
+              <a:scrgbClr r="0" g="0" b="0"/>
+            </a:fillRef>
+            <a:effectRef idx="0">
+              <a:scrgbClr r="0" g="0" b="0"/>
+            </a:effectRef>
+            <a:fontRef idx="minor">
+              <a:schemeClr val="lt1"/>
+            </a:fontRef>
+          </p:style>
+          <p:txBody>
+            <a:bodyPr rtlCol="0" anchor="t"/>
+            <a:lstStyle/>
+            <a:p>
+              <a:pPr algn="ctr"/>
+              <a:r>
+                <a:rPr lang="en-US" altLang="ko-KR" sz="800" dirty="0">
+                  <a:solidFill>
+                    <a:schemeClr val="tx1"/>
+                  </a:solidFill>
+                </a:rPr>
+                <a:t>4th</a:t>
+              </a:r>
+              <a:endParaRPr lang="ko-KR" altLang="en-US" sz="800" dirty="0">
+                <a:solidFill>
+                  <a:schemeClr val="tx1"/>
+                </a:solidFill>
+              </a:endParaRPr>
+            </a:p>
+          </p:txBody>
+        </p:sp>
+        <p:sp>
+          <p:nvSpPr>
+            <p:cNvPr id="64" name="타원 63">
+              <a:extLst>
+                <a:ext uri="{FF2B5EF4-FFF2-40B4-BE49-F238E27FC236}">
+                  <a16:creationId xmlns:a16="http://schemas.microsoft.com/office/drawing/2014/main" id="{F23D3DA2-458E-247E-A1B4-84995D7DD403}"/>
+                </a:ext>
+              </a:extLst>
+            </p:cNvPr>
+            <p:cNvSpPr/>
+            <p:nvPr/>
+          </p:nvSpPr>
+          <p:spPr>
+            <a:xfrm>
+              <a:off x="6824058" y="1957608"/>
+              <a:ext cx="1260000" cy="356398"/>
+            </a:xfrm>
+            <a:prstGeom prst="ellipse">
+              <a:avLst/>
+            </a:prstGeom>
+          </p:spPr>
+          <p:style>
+            <a:lnRef idx="2">
+              <a:schemeClr val="accent5">
+                <a:shade val="50000"/>
+              </a:schemeClr>
+            </a:lnRef>
+            <a:fillRef idx="1">
+              <a:schemeClr val="accent5"/>
+            </a:fillRef>
+            <a:effectRef idx="0">
+              <a:schemeClr val="accent5"/>
+            </a:effectRef>
+            <a:fontRef idx="minor">
+              <a:schemeClr val="lt1"/>
+            </a:fontRef>
+          </p:style>
+          <p:txBody>
+            <a:bodyPr rtlCol="0" anchor="ctr"/>
+            <a:lstStyle/>
+            <a:p>
+              <a:pPr algn="ctr"/>
+              <a:r>
+                <a:rPr lang="en-US" altLang="ko-KR" sz="800" dirty="0"/>
+                <a:t>4th_stp</a:t>
+              </a:r>
+            </a:p>
+            <a:p>
+              <a:pPr algn="ctr"/>
+              <a:r>
+                <a:rPr lang="en-US" altLang="ko-KR" sz="800" dirty="0"/>
+                <a:t>$ADV</a:t>
+              </a:r>
+              <a:endParaRPr lang="ko-KR" altLang="en-US" sz="800" dirty="0"/>
+            </a:p>
+          </p:txBody>
+        </p:sp>
+        <p:sp>
+          <p:nvSpPr>
+            <p:cNvPr id="65" name="타원 64">
+              <a:extLst>
+                <a:ext uri="{FF2B5EF4-FFF2-40B4-BE49-F238E27FC236}">
+                  <a16:creationId xmlns:a16="http://schemas.microsoft.com/office/drawing/2014/main" id="{CBDDB27B-259D-51F5-C49E-20784059C035}"/>
+                </a:ext>
+              </a:extLst>
+            </p:cNvPr>
+            <p:cNvSpPr/>
+            <p:nvPr/>
+          </p:nvSpPr>
+          <p:spPr>
+            <a:xfrm>
+              <a:off x="5509397" y="2937900"/>
+              <a:ext cx="1260000" cy="356398"/>
+            </a:xfrm>
+            <a:prstGeom prst="ellipse">
+              <a:avLst/>
+            </a:prstGeom>
+          </p:spPr>
+          <p:style>
+            <a:lnRef idx="2">
+              <a:schemeClr val="accent5">
+                <a:shade val="50000"/>
+              </a:schemeClr>
+            </a:lnRef>
+            <a:fillRef idx="1">
+              <a:schemeClr val="accent5"/>
+            </a:fillRef>
+            <a:effectRef idx="0">
+              <a:schemeClr val="accent5"/>
+            </a:effectRef>
+            <a:fontRef idx="minor">
+              <a:schemeClr val="lt1"/>
+            </a:fontRef>
+          </p:style>
+          <p:txBody>
+            <a:bodyPr rtlCol="0" anchor="ctr"/>
+            <a:lstStyle/>
+            <a:p>
+              <a:pPr algn="ctr"/>
+              <a:r>
+                <a:rPr lang="en-US" altLang="ko-KR" sz="800" dirty="0"/>
+                <a:t>4th_usb</a:t>
+              </a:r>
+            </a:p>
+            <a:p>
+              <a:pPr algn="ctr"/>
+              <a:r>
+                <a:rPr lang="en-US" altLang="ko-KR" sz="800" dirty="0"/>
+                <a:t>$ADV</a:t>
+              </a:r>
+              <a:endParaRPr lang="ko-KR" altLang="en-US" sz="800" dirty="0"/>
+            </a:p>
+          </p:txBody>
+        </p:sp>
+        <p:sp>
+          <p:nvSpPr>
+            <p:cNvPr id="66" name="타원 65">
+              <a:extLst>
+                <a:ext uri="{FF2B5EF4-FFF2-40B4-BE49-F238E27FC236}">
+                  <a16:creationId xmlns:a16="http://schemas.microsoft.com/office/drawing/2014/main" id="{2A17DCFF-16B8-3F50-70D3-BAEB02CD8E31}"/>
+                </a:ext>
+              </a:extLst>
+            </p:cNvPr>
+            <p:cNvSpPr/>
+            <p:nvPr/>
+          </p:nvSpPr>
+          <p:spPr>
+            <a:xfrm>
+              <a:off x="6426556" y="3532610"/>
+              <a:ext cx="1260000" cy="356398"/>
+            </a:xfrm>
+            <a:prstGeom prst="ellipse">
+              <a:avLst/>
+            </a:prstGeom>
+          </p:spPr>
+          <p:style>
+            <a:lnRef idx="2">
+              <a:schemeClr val="accent5">
+                <a:shade val="50000"/>
+              </a:schemeClr>
+            </a:lnRef>
+            <a:fillRef idx="1">
+              <a:schemeClr val="accent5"/>
+            </a:fillRef>
+            <a:effectRef idx="0">
+              <a:schemeClr val="accent5"/>
+            </a:effectRef>
+            <a:fontRef idx="minor">
+              <a:schemeClr val="lt1"/>
+            </a:fontRef>
+          </p:style>
+          <p:txBody>
+            <a:bodyPr rtlCol="0" anchor="ctr"/>
+            <a:lstStyle/>
+            <a:p>
+              <a:pPr algn="ctr"/>
+              <a:r>
+                <a:rPr lang="en-US" altLang="ko-KR" sz="800" dirty="0"/>
+                <a:t>4th_usb</a:t>
+              </a:r>
+            </a:p>
+            <a:p>
+              <a:pPr algn="ctr"/>
+              <a:r>
+                <a:rPr lang="en-US" altLang="ko-KR" sz="800" dirty="0"/>
+                <a:t>$RET</a:t>
+              </a:r>
+              <a:endParaRPr lang="ko-KR" altLang="en-US" sz="800" dirty="0"/>
+            </a:p>
+          </p:txBody>
+        </p:sp>
+        <p:sp>
+          <p:nvSpPr>
+            <p:cNvPr id="67" name="타원 66">
+              <a:extLst>
+                <a:ext uri="{FF2B5EF4-FFF2-40B4-BE49-F238E27FC236}">
+                  <a16:creationId xmlns:a16="http://schemas.microsoft.com/office/drawing/2014/main" id="{9F864A4C-6C69-449D-1DF9-F2E81A639E16}"/>
+                </a:ext>
+              </a:extLst>
+            </p:cNvPr>
+            <p:cNvSpPr/>
+            <p:nvPr/>
+          </p:nvSpPr>
+          <p:spPr>
+            <a:xfrm>
+              <a:off x="6134954" y="4140660"/>
+              <a:ext cx="1260000" cy="356398"/>
+            </a:xfrm>
+            <a:prstGeom prst="ellipse">
+              <a:avLst/>
+            </a:prstGeom>
+          </p:spPr>
+          <p:style>
+            <a:lnRef idx="2">
+              <a:schemeClr val="accent5">
+                <a:shade val="50000"/>
+              </a:schemeClr>
+            </a:lnRef>
+            <a:fillRef idx="1">
+              <a:schemeClr val="accent5"/>
+            </a:fillRef>
+            <a:effectRef idx="0">
+              <a:schemeClr val="accent5"/>
+            </a:effectRef>
+            <a:fontRef idx="minor">
+              <a:schemeClr val="lt1"/>
+            </a:fontRef>
+          </p:style>
+          <p:txBody>
+            <a:bodyPr rtlCol="0" anchor="ctr"/>
+            <a:lstStyle/>
+            <a:p>
+              <a:pPr algn="ctr"/>
+              <a:r>
+                <a:rPr lang="en-US" altLang="ko-KR" sz="800" dirty="0"/>
+                <a:t>4th_stp</a:t>
+              </a:r>
+            </a:p>
+            <a:p>
+              <a:pPr algn="ctr"/>
+              <a:r>
+                <a:rPr lang="en-US" altLang="ko-KR" sz="800" dirty="0"/>
+                <a:t>$RET</a:t>
+              </a:r>
+              <a:endParaRPr lang="ko-KR" altLang="en-US" sz="800" dirty="0"/>
+            </a:p>
+          </p:txBody>
+        </p:sp>
+        <p:cxnSp>
+          <p:nvCxnSpPr>
+            <p:cNvPr id="71" name="연결선: 꺾임 70">
+              <a:extLst>
+                <a:ext uri="{FF2B5EF4-FFF2-40B4-BE49-F238E27FC236}">
+                  <a16:creationId xmlns:a16="http://schemas.microsoft.com/office/drawing/2014/main" id="{D5CC9A10-DCDB-9C08-BEF6-0CE54BD33891}"/>
+                </a:ext>
+              </a:extLst>
+            </p:cNvPr>
+            <p:cNvCxnSpPr>
+              <a:cxnSpLocks/>
+              <a:stCxn id="64" idx="4"/>
+              <a:endCxn id="65" idx="0"/>
+            </p:cNvCxnSpPr>
+            <p:nvPr/>
+          </p:nvCxnSpPr>
+          <p:spPr>
+            <a:xfrm rot="5400000">
+              <a:off x="6484781" y="1968623"/>
+              <a:ext cx="623894" cy="1314661"/>
+            </a:xfrm>
+            <a:prstGeom prst="bentConnector3">
+              <a:avLst/>
+            </a:prstGeom>
+            <a:ln>
+              <a:tailEnd type="triangle"/>
+            </a:ln>
+          </p:spPr>
+          <p:style>
+            <a:lnRef idx="1">
+              <a:schemeClr val="accent1"/>
+            </a:lnRef>
+            <a:fillRef idx="0">
+              <a:schemeClr val="accent1"/>
+            </a:fillRef>
+            <a:effectRef idx="0">
+              <a:schemeClr val="accent1"/>
+            </a:effectRef>
+            <a:fontRef idx="minor">
+              <a:schemeClr val="tx1"/>
+            </a:fontRef>
+          </p:style>
+        </p:cxnSp>
+        <p:cxnSp>
+          <p:nvCxnSpPr>
+            <p:cNvPr id="72" name="연결선: 꺾임 71">
+              <a:extLst>
+                <a:ext uri="{FF2B5EF4-FFF2-40B4-BE49-F238E27FC236}">
+                  <a16:creationId xmlns:a16="http://schemas.microsoft.com/office/drawing/2014/main" id="{49815C9F-9F46-AEBE-A9E0-641F7F36D84F}"/>
+                </a:ext>
+              </a:extLst>
+            </p:cNvPr>
+            <p:cNvCxnSpPr>
+              <a:cxnSpLocks/>
+              <a:stCxn id="65" idx="4"/>
+              <a:endCxn id="66" idx="0"/>
+            </p:cNvCxnSpPr>
+            <p:nvPr/>
+          </p:nvCxnSpPr>
+          <p:spPr>
+            <a:xfrm rot="16200000" flipH="1">
+              <a:off x="6478820" y="2954874"/>
+              <a:ext cx="238312" cy="917159"/>
+            </a:xfrm>
+            <a:prstGeom prst="bentConnector3">
+              <a:avLst>
+                <a:gd name="adj1" fmla="val 50000"/>
+              </a:avLst>
+            </a:prstGeom>
+            <a:ln>
+              <a:tailEnd type="triangle"/>
+            </a:ln>
+          </p:spPr>
+          <p:style>
+            <a:lnRef idx="1">
+              <a:schemeClr val="accent1"/>
+            </a:lnRef>
+            <a:fillRef idx="0">
+              <a:schemeClr val="accent1"/>
+            </a:fillRef>
+            <a:effectRef idx="0">
+              <a:schemeClr val="accent1"/>
+            </a:effectRef>
+            <a:fontRef idx="minor">
+              <a:schemeClr val="tx1"/>
+            </a:fontRef>
+          </p:style>
+        </p:cxnSp>
+        <p:cxnSp>
+          <p:nvCxnSpPr>
+            <p:cNvPr id="73" name="연결선: 꺾임 72">
+              <a:extLst>
+                <a:ext uri="{FF2B5EF4-FFF2-40B4-BE49-F238E27FC236}">
+                  <a16:creationId xmlns:a16="http://schemas.microsoft.com/office/drawing/2014/main" id="{FB8CBDE9-C3D8-DBE3-EB3C-24B32E886DED}"/>
+                </a:ext>
+              </a:extLst>
+            </p:cNvPr>
+            <p:cNvCxnSpPr>
+              <a:cxnSpLocks/>
+              <a:stCxn id="66" idx="4"/>
+              <a:endCxn id="67" idx="0"/>
+            </p:cNvCxnSpPr>
+            <p:nvPr/>
+          </p:nvCxnSpPr>
+          <p:spPr>
+            <a:xfrm rot="5400000">
+              <a:off x="6784929" y="3869033"/>
+              <a:ext cx="251652" cy="291602"/>
+            </a:xfrm>
+            <a:prstGeom prst="bentConnector3">
+              <a:avLst>
+                <a:gd name="adj1" fmla="val 50000"/>
+              </a:avLst>
+            </a:prstGeom>
+            <a:ln>
+              <a:tailEnd type="triangle"/>
+            </a:ln>
+          </p:spPr>
+          <p:style>
+            <a:lnRef idx="1">
+              <a:schemeClr val="accent1"/>
+            </a:lnRef>
+            <a:fillRef idx="0">
+              <a:schemeClr val="accent1"/>
+            </a:fillRef>
+            <a:effectRef idx="0">
+              <a:schemeClr val="accent1"/>
+            </a:effectRef>
+            <a:fontRef idx="minor">
+              <a:schemeClr val="tx1"/>
+            </a:fontRef>
+          </p:style>
+        </p:cxnSp>
+      </p:grpSp>
+      <p:cxnSp>
+        <p:nvCxnSpPr>
+          <p:cNvPr id="76" name="연결선: 꺾임 75">
+            <a:extLst>
+              <a:ext uri="{FF2B5EF4-FFF2-40B4-BE49-F238E27FC236}">
+                <a16:creationId xmlns:a16="http://schemas.microsoft.com/office/drawing/2014/main" id="{7353A203-B898-FDB1-D928-33700950CAA8}"/>
+              </a:ext>
+            </a:extLst>
+          </p:cNvPr>
+          <p:cNvCxnSpPr>
+            <a:cxnSpLocks/>
+            <a:stCxn id="7" idx="2"/>
+            <a:endCxn id="37" idx="0"/>
+          </p:cNvCxnSpPr>
+          <p:nvPr/>
+        </p:nvCxnSpPr>
+        <p:spPr>
+          <a:xfrm rot="5400000">
+            <a:off x="2529171" y="4141387"/>
+            <a:ext cx="744047" cy="1113415"/>
+          </a:xfrm>
+          <a:prstGeom prst="bentConnector3">
+            <a:avLst>
+              <a:gd name="adj1" fmla="val 50000"/>
+            </a:avLst>
+          </a:prstGeom>
+          <a:ln>
+            <a:headEnd type="oval" w="med" len="med"/>
+            <a:tailEnd type="triangle" w="med" len="med"/>
+          </a:ln>
+        </p:spPr>
+        <p:style>
+          <a:lnRef idx="1">
+            <a:schemeClr val="accent1"/>
+          </a:lnRef>
+          <a:fillRef idx="0">
+            <a:schemeClr val="accent1"/>
+          </a:fillRef>
+          <a:effectRef idx="0">
+            <a:schemeClr val="accent1"/>
+          </a:effectRef>
+          <a:fontRef idx="minor">
+            <a:schemeClr val="tx1"/>
+          </a:fontRef>
+        </p:style>
+      </p:cxnSp>
+      <p:cxnSp>
+        <p:nvCxnSpPr>
+          <p:cNvPr id="79" name="연결선: 꺾임 78">
+            <a:extLst>
+              <a:ext uri="{FF2B5EF4-FFF2-40B4-BE49-F238E27FC236}">
+                <a16:creationId xmlns:a16="http://schemas.microsoft.com/office/drawing/2014/main" id="{02ED8A55-DAE6-7F1B-0C56-1E884BFC5C04}"/>
+              </a:ext>
+            </a:extLst>
+          </p:cNvPr>
+          <p:cNvCxnSpPr>
+            <a:cxnSpLocks/>
+            <a:stCxn id="37" idx="3"/>
+            <a:endCxn id="62" idx="1"/>
+          </p:cNvCxnSpPr>
+          <p:nvPr/>
+        </p:nvCxnSpPr>
+        <p:spPr>
+          <a:xfrm flipV="1">
+            <a:off x="4093911" y="5611879"/>
+            <a:ext cx="1525838" cy="236285"/>
+          </a:xfrm>
+          <a:prstGeom prst="bentConnector3">
+            <a:avLst>
+              <a:gd name="adj1" fmla="val 50000"/>
+            </a:avLst>
+          </a:prstGeom>
+          <a:ln>
+            <a:headEnd type="oval" w="med" len="med"/>
+            <a:tailEnd type="triangle" w="med" len="med"/>
+          </a:ln>
+        </p:spPr>
+        <p:style>
+          <a:lnRef idx="1">
+            <a:schemeClr val="accent1"/>
+          </a:lnRef>
+          <a:fillRef idx="0">
+            <a:schemeClr val="accent1"/>
+          </a:fillRef>
+          <a:effectRef idx="0">
+            <a:schemeClr val="accent1"/>
+          </a:effectRef>
+          <a:fontRef idx="minor">
+            <a:schemeClr val="tx1"/>
+          </a:fontRef>
+        </p:style>
+      </p:cxnSp>
+      <p:sp>
+        <p:nvSpPr>
+          <p:cNvPr id="82" name="사각형: 모서리가 접힌 도형 81">
+            <a:extLst>
+              <a:ext uri="{FF2B5EF4-FFF2-40B4-BE49-F238E27FC236}">
+                <a16:creationId xmlns:a16="http://schemas.microsoft.com/office/drawing/2014/main" id="{8E92859D-A81E-279D-CAEA-6A48E3F68F32}"/>
+              </a:ext>
+            </a:extLst>
+          </p:cNvPr>
+          <p:cNvSpPr/>
+          <p:nvPr/>
+        </p:nvSpPr>
+        <p:spPr>
+          <a:xfrm>
+            <a:off x="14263833" y="3592244"/>
+            <a:ext cx="1458262" cy="317428"/>
+          </a:xfrm>
+          <a:prstGeom prst="foldedCorner">
+            <a:avLst/>
+          </a:prstGeom>
+          <a:solidFill>
+            <a:schemeClr val="accent3">
+              <a:alpha val="50000"/>
+            </a:schemeClr>
+          </a:solidFill>
+          <a:ln>
+            <a:noFill/>
+          </a:ln>
+        </p:spPr>
+        <p:style>
+          <a:lnRef idx="0">
+            <a:scrgbClr r="0" g="0" b="0"/>
+          </a:lnRef>
+          <a:fillRef idx="0">
+            <a:scrgbClr r="0" g="0" b="0"/>
+          </a:fillRef>
+          <a:effectRef idx="0">
+            <a:scrgbClr r="0" g="0" b="0"/>
+          </a:effectRef>
+          <a:fontRef idx="minor">
+            <a:schemeClr val="lt1"/>
+          </a:fontRef>
+        </p:style>
+        <p:txBody>
+          <a:bodyPr rtlCol="0" anchor="ctr"/>
+          <a:lstStyle/>
+          <a:p>
+            <a:pPr algn="ctr"/>
+            <a:r>
+              <a:rPr lang="en-US" altLang="ko-KR" sz="1000" dirty="0">
+                <a:solidFill>
+                  <a:schemeClr val="tx1"/>
+                </a:solidFill>
+              </a:rPr>
+              <a:t>lib/Conveyor/CV </a:t>
+            </a:r>
+          </a:p>
+          <a:p>
+            <a:pPr algn="ctr"/>
+            <a:r>
+              <a:rPr lang="en-US" altLang="ko-KR" sz="1000" dirty="0">
+                <a:solidFill>
+                  <a:schemeClr val="tx1"/>
+                </a:solidFill>
+              </a:rPr>
+              <a:t>[Cv1_Rr]</a:t>
+            </a:r>
+            <a:endParaRPr lang="ko-KR" altLang="en-US" sz="1000" dirty="0">
+              <a:solidFill>
+                <a:schemeClr val="tx1"/>
+              </a:solidFill>
+            </a:endParaRPr>
+          </a:p>
+        </p:txBody>
+      </p:sp>
+      <p:sp>
+        <p:nvSpPr>
+          <p:cNvPr id="83" name="사각형: 모서리가 접힌 도형 82">
+            <a:extLst>
+              <a:ext uri="{FF2B5EF4-FFF2-40B4-BE49-F238E27FC236}">
+                <a16:creationId xmlns:a16="http://schemas.microsoft.com/office/drawing/2014/main" id="{F6EF5973-3CFE-9F0B-032F-445C0BAFD18F}"/>
+              </a:ext>
+            </a:extLst>
+          </p:cNvPr>
+          <p:cNvSpPr/>
+          <p:nvPr/>
+        </p:nvSpPr>
+        <p:spPr>
+          <a:xfrm>
+            <a:off x="14263833" y="4707558"/>
+            <a:ext cx="1458262" cy="317428"/>
+          </a:xfrm>
+          <a:prstGeom prst="foldedCorner">
+            <a:avLst/>
+          </a:prstGeom>
+          <a:solidFill>
+            <a:schemeClr val="accent3">
+              <a:alpha val="50000"/>
+            </a:schemeClr>
+          </a:solidFill>
+          <a:ln>
+            <a:noFill/>
+          </a:ln>
+        </p:spPr>
+        <p:style>
+          <a:lnRef idx="0">
+            <a:scrgbClr r="0" g="0" b="0"/>
+          </a:lnRef>
+          <a:fillRef idx="0">
+            <a:scrgbClr r="0" g="0" b="0"/>
+          </a:fillRef>
+          <a:effectRef idx="0">
+            <a:scrgbClr r="0" g="0" b="0"/>
+          </a:effectRef>
+          <a:fontRef idx="minor">
+            <a:schemeClr val="lt1"/>
+          </a:fontRef>
+        </p:style>
+        <p:txBody>
+          <a:bodyPr rtlCol="0" anchor="ctr"/>
+          <a:lstStyle/>
+          <a:p>
+            <a:pPr algn="ctr"/>
+            <a:r>
+              <a:rPr lang="en-US" altLang="ko-KR" sz="1000" dirty="0">
+                <a:solidFill>
+                  <a:schemeClr val="tx1"/>
+                </a:solidFill>
+              </a:rPr>
+              <a:t>lib/Conveyor/CV </a:t>
+            </a:r>
+          </a:p>
+          <a:p>
+            <a:pPr algn="ctr"/>
+            <a:r>
+              <a:rPr lang="en-US" altLang="ko-KR" sz="1000" dirty="0">
+                <a:solidFill>
+                  <a:schemeClr val="tx1"/>
+                </a:solidFill>
+              </a:rPr>
+              <a:t>[Cv4_Rr]</a:t>
+            </a:r>
+            <a:endParaRPr lang="ko-KR" altLang="en-US" sz="1000" dirty="0">
+              <a:solidFill>
+                <a:schemeClr val="tx1"/>
+              </a:solidFill>
+            </a:endParaRPr>
+          </a:p>
+        </p:txBody>
+      </p:sp>
+      <p:sp>
+        <p:nvSpPr>
+          <p:cNvPr id="84" name="사각형: 모서리가 접힌 도형 83">
+            <a:extLst>
+              <a:ext uri="{FF2B5EF4-FFF2-40B4-BE49-F238E27FC236}">
+                <a16:creationId xmlns:a16="http://schemas.microsoft.com/office/drawing/2014/main" id="{A548B38C-BF57-1EFB-7279-8FC048D0F82D}"/>
+              </a:ext>
+            </a:extLst>
+          </p:cNvPr>
+          <p:cNvSpPr/>
+          <p:nvPr/>
+        </p:nvSpPr>
+        <p:spPr>
+          <a:xfrm>
+            <a:off x="12355632" y="2801158"/>
+            <a:ext cx="1812926" cy="317428"/>
+          </a:xfrm>
+          <a:prstGeom prst="foldedCorner">
+            <a:avLst/>
+          </a:prstGeom>
+          <a:solidFill>
+            <a:schemeClr val="accent3">
+              <a:alpha val="50000"/>
+            </a:schemeClr>
+          </a:solidFill>
+          <a:ln>
+            <a:noFill/>
+          </a:ln>
+        </p:spPr>
+        <p:style>
+          <a:lnRef idx="0">
+            <a:scrgbClr r="0" g="0" b="0"/>
+          </a:lnRef>
+          <a:fillRef idx="0">
+            <a:scrgbClr r="0" g="0" b="0"/>
+          </a:fillRef>
+          <a:effectRef idx="0">
+            <a:scrgbClr r="0" g="0" b="0"/>
+          </a:effectRef>
+          <a:fontRef idx="minor">
+            <a:schemeClr val="lt1"/>
+          </a:fontRef>
+        </p:style>
+        <p:txBody>
+          <a:bodyPr rtlCol="0" anchor="ctr"/>
+          <a:lstStyle/>
+          <a:p>
+            <a:pPr algn="ctr"/>
+            <a:r>
+              <a:rPr lang="en-US" altLang="ko-KR" sz="1000" dirty="0">
+                <a:solidFill>
+                  <a:schemeClr val="tx1"/>
+                </a:solidFill>
+              </a:rPr>
+              <a:t>lib/Cylinder/Double </a:t>
+            </a:r>
+          </a:p>
+          <a:p>
+            <a:pPr algn="ctr"/>
+            <a:r>
+              <a:rPr lang="en-US" altLang="ko-KR" sz="1000" dirty="0">
+                <a:solidFill>
+                  <a:schemeClr val="tx1"/>
+                </a:solidFill>
+              </a:rPr>
+              <a:t>[2nd_stp]</a:t>
+            </a:r>
+            <a:endParaRPr lang="ko-KR" altLang="en-US" sz="1000" dirty="0">
+              <a:solidFill>
+                <a:schemeClr val="tx1"/>
+              </a:solidFill>
+            </a:endParaRPr>
+          </a:p>
+        </p:txBody>
+      </p:sp>
+      <p:sp>
+        <p:nvSpPr>
+          <p:cNvPr id="85" name="사각형: 모서리가 접힌 도형 84">
+            <a:extLst>
+              <a:ext uri="{FF2B5EF4-FFF2-40B4-BE49-F238E27FC236}">
+                <a16:creationId xmlns:a16="http://schemas.microsoft.com/office/drawing/2014/main" id="{83115661-E9B7-9584-B77E-3BFD31BD0458}"/>
+              </a:ext>
+            </a:extLst>
+          </p:cNvPr>
+          <p:cNvSpPr/>
+          <p:nvPr/>
+        </p:nvSpPr>
+        <p:spPr>
+          <a:xfrm>
+            <a:off x="12355632" y="3169764"/>
+            <a:ext cx="1812926" cy="317428"/>
+          </a:xfrm>
+          <a:prstGeom prst="foldedCorner">
+            <a:avLst/>
+          </a:prstGeom>
+          <a:solidFill>
+            <a:schemeClr val="accent3">
+              <a:alpha val="50000"/>
+            </a:schemeClr>
+          </a:solidFill>
+          <a:ln>
+            <a:noFill/>
+          </a:ln>
+        </p:spPr>
+        <p:style>
+          <a:lnRef idx="0">
+            <a:scrgbClr r="0" g="0" b="0"/>
+          </a:lnRef>
+          <a:fillRef idx="0">
+            <a:scrgbClr r="0" g="0" b="0"/>
+          </a:fillRef>
+          <a:effectRef idx="0">
+            <a:scrgbClr r="0" g="0" b="0"/>
+          </a:effectRef>
+          <a:fontRef idx="minor">
+            <a:schemeClr val="lt1"/>
+          </a:fontRef>
+        </p:style>
+        <p:txBody>
+          <a:bodyPr rtlCol="0" anchor="ctr"/>
+          <a:lstStyle/>
+          <a:p>
+            <a:pPr algn="ctr"/>
+            <a:r>
+              <a:rPr lang="en-US" altLang="ko-KR" sz="1000" dirty="0">
+                <a:solidFill>
+                  <a:schemeClr val="tx1"/>
+                </a:solidFill>
+              </a:rPr>
+              <a:t>lib/Cylinder/Double </a:t>
+            </a:r>
+          </a:p>
+          <a:p>
+            <a:pPr algn="ctr"/>
+            <a:r>
+              <a:rPr lang="en-US" altLang="ko-KR" sz="1000" dirty="0">
+                <a:solidFill>
+                  <a:schemeClr val="tx1"/>
+                </a:solidFill>
+              </a:rPr>
+              <a:t>[2nd_usb]</a:t>
+            </a:r>
+            <a:endParaRPr lang="ko-KR" altLang="en-US" sz="1000" dirty="0">
+              <a:solidFill>
+                <a:schemeClr val="tx1"/>
+              </a:solidFill>
+            </a:endParaRPr>
+          </a:p>
+        </p:txBody>
+      </p:sp>
+      <p:sp>
+        <p:nvSpPr>
+          <p:cNvPr id="86" name="사각형: 모서리가 접힌 도형 85">
+            <a:extLst>
+              <a:ext uri="{FF2B5EF4-FFF2-40B4-BE49-F238E27FC236}">
+                <a16:creationId xmlns:a16="http://schemas.microsoft.com/office/drawing/2014/main" id="{425640B5-E9AC-8A4C-6A2B-6E9E7FFD1629}"/>
+              </a:ext>
+            </a:extLst>
+          </p:cNvPr>
+          <p:cNvSpPr/>
+          <p:nvPr/>
+        </p:nvSpPr>
+        <p:spPr>
+          <a:xfrm>
+            <a:off x="12355632" y="3532428"/>
+            <a:ext cx="1812926" cy="317428"/>
+          </a:xfrm>
+          <a:prstGeom prst="foldedCorner">
+            <a:avLst/>
+          </a:prstGeom>
+          <a:solidFill>
+            <a:schemeClr val="accent3">
+              <a:alpha val="50000"/>
+            </a:schemeClr>
+          </a:solidFill>
+          <a:ln>
+            <a:noFill/>
+          </a:ln>
+        </p:spPr>
+        <p:style>
+          <a:lnRef idx="0">
+            <a:scrgbClr r="0" g="0" b="0"/>
+          </a:lnRef>
+          <a:fillRef idx="0">
+            <a:scrgbClr r="0" g="0" b="0"/>
+          </a:fillRef>
+          <a:effectRef idx="0">
+            <a:scrgbClr r="0" g="0" b="0"/>
+          </a:effectRef>
+          <a:fontRef idx="minor">
+            <a:schemeClr val="lt1"/>
+          </a:fontRef>
+        </p:style>
+        <p:txBody>
+          <a:bodyPr rtlCol="0" anchor="ctr"/>
+          <a:lstStyle/>
+          <a:p>
+            <a:pPr algn="ctr"/>
+            <a:r>
+              <a:rPr lang="en-US" altLang="ko-KR" sz="1000" dirty="0">
+                <a:solidFill>
+                  <a:schemeClr val="tx1"/>
+                </a:solidFill>
+              </a:rPr>
+              <a:t>lib/Cylinder/Double </a:t>
+            </a:r>
+          </a:p>
+          <a:p>
+            <a:pPr algn="ctr"/>
+            <a:r>
+              <a:rPr lang="en-US" altLang="ko-KR" sz="1000" dirty="0">
+                <a:solidFill>
+                  <a:schemeClr val="tx1"/>
+                </a:solidFill>
+              </a:rPr>
+              <a:t>[3rd_stp]</a:t>
+            </a:r>
+            <a:endParaRPr lang="ko-KR" altLang="en-US" sz="1000" dirty="0">
+              <a:solidFill>
+                <a:schemeClr val="tx1"/>
+              </a:solidFill>
+            </a:endParaRPr>
+          </a:p>
+        </p:txBody>
+      </p:sp>
+      <p:sp>
+        <p:nvSpPr>
+          <p:cNvPr id="88" name="사각형: 모서리가 접힌 도형 87">
+            <a:extLst>
+              <a:ext uri="{FF2B5EF4-FFF2-40B4-BE49-F238E27FC236}">
+                <a16:creationId xmlns:a16="http://schemas.microsoft.com/office/drawing/2014/main" id="{B40AF00A-6404-7A66-C454-CCF70E799D85}"/>
+              </a:ext>
+            </a:extLst>
+          </p:cNvPr>
+          <p:cNvSpPr/>
+          <p:nvPr/>
+        </p:nvSpPr>
+        <p:spPr>
+          <a:xfrm>
+            <a:off x="12355632" y="3901034"/>
+            <a:ext cx="1812926" cy="317428"/>
+          </a:xfrm>
+          <a:prstGeom prst="foldedCorner">
+            <a:avLst/>
+          </a:prstGeom>
+          <a:solidFill>
+            <a:schemeClr val="accent3">
+              <a:alpha val="50000"/>
+            </a:schemeClr>
+          </a:solidFill>
+          <a:ln>
+            <a:noFill/>
+          </a:ln>
+        </p:spPr>
+        <p:style>
+          <a:lnRef idx="0">
+            <a:scrgbClr r="0" g="0" b="0"/>
+          </a:lnRef>
+          <a:fillRef idx="0">
+            <a:scrgbClr r="0" g="0" b="0"/>
+          </a:fillRef>
+          <a:effectRef idx="0">
+            <a:scrgbClr r="0" g="0" b="0"/>
+          </a:effectRef>
+          <a:fontRef idx="minor">
+            <a:schemeClr val="lt1"/>
+          </a:fontRef>
+        </p:style>
+        <p:txBody>
+          <a:bodyPr rtlCol="0" anchor="ctr"/>
+          <a:lstStyle/>
+          <a:p>
+            <a:pPr algn="ctr"/>
+            <a:r>
+              <a:rPr lang="en-US" altLang="ko-KR" sz="1000" dirty="0">
+                <a:solidFill>
+                  <a:schemeClr val="tx1"/>
+                </a:solidFill>
+              </a:rPr>
+              <a:t>lib/Cylinder/Double </a:t>
+            </a:r>
+          </a:p>
+          <a:p>
+            <a:pPr algn="ctr"/>
+            <a:r>
+              <a:rPr lang="en-US" altLang="ko-KR" sz="1000" dirty="0">
+                <a:solidFill>
+                  <a:schemeClr val="tx1"/>
+                </a:solidFill>
+              </a:rPr>
+              <a:t>[3rd_usb]</a:t>
+            </a:r>
+            <a:endParaRPr lang="ko-KR" altLang="en-US" sz="1000" dirty="0">
+              <a:solidFill>
+                <a:schemeClr val="tx1"/>
+              </a:solidFill>
+            </a:endParaRPr>
+          </a:p>
+        </p:txBody>
+      </p:sp>
+      <p:sp>
+        <p:nvSpPr>
+          <p:cNvPr id="89" name="사각형: 모서리가 접힌 도형 88">
+            <a:extLst>
+              <a:ext uri="{FF2B5EF4-FFF2-40B4-BE49-F238E27FC236}">
+                <a16:creationId xmlns:a16="http://schemas.microsoft.com/office/drawing/2014/main" id="{EF6FB8CC-F17B-B78E-96A2-BD4DD966E209}"/>
+              </a:ext>
+            </a:extLst>
+          </p:cNvPr>
+          <p:cNvSpPr/>
+          <p:nvPr/>
+        </p:nvSpPr>
+        <p:spPr>
+          <a:xfrm>
+            <a:off x="12349368" y="4315726"/>
+            <a:ext cx="1812926" cy="317428"/>
+          </a:xfrm>
+          <a:prstGeom prst="foldedCorner">
+            <a:avLst/>
+          </a:prstGeom>
+          <a:solidFill>
+            <a:schemeClr val="accent3">
+              <a:alpha val="50000"/>
+            </a:schemeClr>
+          </a:solidFill>
+          <a:ln>
+            <a:noFill/>
+          </a:ln>
+        </p:spPr>
+        <p:style>
+          <a:lnRef idx="0">
+            <a:scrgbClr r="0" g="0" b="0"/>
+          </a:lnRef>
+          <a:fillRef idx="0">
+            <a:scrgbClr r="0" g="0" b="0"/>
+          </a:fillRef>
+          <a:effectRef idx="0">
+            <a:scrgbClr r="0" g="0" b="0"/>
+          </a:effectRef>
+          <a:fontRef idx="minor">
+            <a:schemeClr val="lt1"/>
+          </a:fontRef>
+        </p:style>
+        <p:txBody>
+          <a:bodyPr rtlCol="0" anchor="ctr"/>
+          <a:lstStyle/>
+          <a:p>
+            <a:pPr algn="ctr"/>
+            <a:r>
+              <a:rPr lang="en-US" altLang="ko-KR" sz="1000" dirty="0">
+                <a:solidFill>
+                  <a:schemeClr val="tx1"/>
+                </a:solidFill>
+              </a:rPr>
+              <a:t>lib/Cylinder/Double </a:t>
+            </a:r>
+          </a:p>
+          <a:p>
+            <a:pPr algn="ctr"/>
+            <a:r>
+              <a:rPr lang="en-US" altLang="ko-KR" sz="1000" dirty="0">
+                <a:solidFill>
+                  <a:schemeClr val="tx1"/>
+                </a:solidFill>
+              </a:rPr>
+              <a:t>[4th_stp]</a:t>
+            </a:r>
+            <a:endParaRPr lang="ko-KR" altLang="en-US" sz="1000" dirty="0">
+              <a:solidFill>
+                <a:schemeClr val="tx1"/>
+              </a:solidFill>
+            </a:endParaRPr>
+          </a:p>
+        </p:txBody>
+      </p:sp>
+      <p:sp>
+        <p:nvSpPr>
+          <p:cNvPr id="90" name="사각형: 모서리가 접힌 도형 89">
+            <a:extLst>
+              <a:ext uri="{FF2B5EF4-FFF2-40B4-BE49-F238E27FC236}">
+                <a16:creationId xmlns:a16="http://schemas.microsoft.com/office/drawing/2014/main" id="{645FE1EB-5AA5-AAA6-539C-8EE3786F5953}"/>
+              </a:ext>
+            </a:extLst>
+          </p:cNvPr>
+          <p:cNvSpPr/>
+          <p:nvPr/>
+        </p:nvSpPr>
+        <p:spPr>
+          <a:xfrm>
+            <a:off x="12349368" y="4684332"/>
+            <a:ext cx="1812926" cy="317428"/>
+          </a:xfrm>
+          <a:prstGeom prst="foldedCorner">
+            <a:avLst/>
+          </a:prstGeom>
+          <a:solidFill>
+            <a:schemeClr val="accent3">
+              <a:alpha val="50000"/>
+            </a:schemeClr>
+          </a:solidFill>
+          <a:ln>
+            <a:noFill/>
+          </a:ln>
+        </p:spPr>
+        <p:style>
+          <a:lnRef idx="0">
+            <a:scrgbClr r="0" g="0" b="0"/>
+          </a:lnRef>
+          <a:fillRef idx="0">
+            <a:scrgbClr r="0" g="0" b="0"/>
+          </a:fillRef>
+          <a:effectRef idx="0">
+            <a:scrgbClr r="0" g="0" b="0"/>
+          </a:effectRef>
+          <a:fontRef idx="minor">
+            <a:schemeClr val="lt1"/>
+          </a:fontRef>
+        </p:style>
+        <p:txBody>
+          <a:bodyPr rtlCol="0" anchor="ctr"/>
+          <a:lstStyle/>
+          <a:p>
+            <a:pPr algn="ctr"/>
+            <a:r>
+              <a:rPr lang="en-US" altLang="ko-KR" sz="1000" dirty="0">
+                <a:solidFill>
+                  <a:schemeClr val="tx1"/>
+                </a:solidFill>
+              </a:rPr>
+              <a:t>lib/Cylinder/Double </a:t>
+            </a:r>
+          </a:p>
+          <a:p>
+            <a:pPr algn="ctr"/>
+            <a:r>
+              <a:rPr lang="en-US" altLang="ko-KR" sz="1000" dirty="0">
+                <a:solidFill>
+                  <a:schemeClr val="tx1"/>
+                </a:solidFill>
+              </a:rPr>
+              <a:t>[4th_usb]</a:t>
+            </a:r>
+            <a:endParaRPr lang="ko-KR" altLang="en-US" sz="1000" dirty="0">
+              <a:solidFill>
+                <a:schemeClr val="tx1"/>
+              </a:solidFill>
+            </a:endParaRPr>
+          </a:p>
+        </p:txBody>
+      </p:sp>
+      <p:sp>
+        <p:nvSpPr>
+          <p:cNvPr id="123" name="사각형: 모서리가 접힌 도형 122">
+            <a:extLst>
+              <a:ext uri="{FF2B5EF4-FFF2-40B4-BE49-F238E27FC236}">
+                <a16:creationId xmlns:a16="http://schemas.microsoft.com/office/drawing/2014/main" id="{1CC08569-567B-0D15-B679-98E2A11BDBCF}"/>
+              </a:ext>
+            </a:extLst>
+          </p:cNvPr>
+          <p:cNvSpPr/>
+          <p:nvPr/>
+        </p:nvSpPr>
+        <p:spPr>
+          <a:xfrm>
+            <a:off x="14263833" y="5069884"/>
+            <a:ext cx="1458262" cy="317428"/>
+          </a:xfrm>
+          <a:prstGeom prst="foldedCorner">
+            <a:avLst/>
+          </a:prstGeom>
+          <a:solidFill>
+            <a:schemeClr val="accent3">
+              <a:alpha val="50000"/>
+            </a:schemeClr>
+          </a:solidFill>
+          <a:ln>
+            <a:noFill/>
+          </a:ln>
+        </p:spPr>
+        <p:style>
+          <a:lnRef idx="0">
+            <a:scrgbClr r="0" g="0" b="0"/>
+          </a:lnRef>
+          <a:fillRef idx="0">
+            <a:scrgbClr r="0" g="0" b="0"/>
+          </a:fillRef>
+          <a:effectRef idx="0">
+            <a:scrgbClr r="0" g="0" b="0"/>
+          </a:effectRef>
+          <a:fontRef idx="minor">
+            <a:schemeClr val="lt1"/>
+          </a:fontRef>
+        </p:style>
+        <p:txBody>
+          <a:bodyPr rtlCol="0" anchor="ctr"/>
+          <a:lstStyle/>
+          <a:p>
+            <a:pPr algn="ctr"/>
+            <a:r>
+              <a:rPr lang="en-US" altLang="ko-KR" sz="1000" dirty="0">
+                <a:solidFill>
+                  <a:schemeClr val="tx1"/>
+                </a:solidFill>
+              </a:rPr>
+              <a:t>lib/Conveyor/CV </a:t>
+            </a:r>
+          </a:p>
+          <a:p>
+            <a:pPr algn="ctr"/>
+            <a:r>
+              <a:rPr lang="en-US" altLang="ko-KR" sz="1000" dirty="0">
+                <a:solidFill>
+                  <a:schemeClr val="tx1"/>
+                </a:solidFill>
+              </a:rPr>
+              <a:t>[Cv5_Rr]</a:t>
+            </a:r>
+            <a:endParaRPr lang="ko-KR" altLang="en-US" sz="1000" dirty="0">
+              <a:solidFill>
+                <a:schemeClr val="tx1"/>
+              </a:solidFill>
+            </a:endParaRPr>
+          </a:p>
+        </p:txBody>
+      </p:sp>
+      <p:sp>
+        <p:nvSpPr>
+          <p:cNvPr id="124" name="사각형: 모서리가 접힌 도형 123">
+            <a:extLst>
+              <a:ext uri="{FF2B5EF4-FFF2-40B4-BE49-F238E27FC236}">
+                <a16:creationId xmlns:a16="http://schemas.microsoft.com/office/drawing/2014/main" id="{81EDDC98-37A7-0D85-7C8E-18642B757417}"/>
+              </a:ext>
+            </a:extLst>
+          </p:cNvPr>
+          <p:cNvSpPr/>
+          <p:nvPr/>
+        </p:nvSpPr>
+        <p:spPr>
+          <a:xfrm>
+            <a:off x="12349368" y="5075283"/>
+            <a:ext cx="1812926" cy="317428"/>
+          </a:xfrm>
+          <a:prstGeom prst="foldedCorner">
+            <a:avLst/>
+          </a:prstGeom>
+          <a:solidFill>
+            <a:schemeClr val="accent3">
+              <a:alpha val="50000"/>
+            </a:schemeClr>
+          </a:solidFill>
+          <a:ln>
+            <a:noFill/>
+          </a:ln>
+        </p:spPr>
+        <p:style>
+          <a:lnRef idx="0">
+            <a:scrgbClr r="0" g="0" b="0"/>
+          </a:lnRef>
+          <a:fillRef idx="0">
+            <a:scrgbClr r="0" g="0" b="0"/>
+          </a:fillRef>
+          <a:effectRef idx="0">
+            <a:scrgbClr r="0" g="0" b="0"/>
+          </a:effectRef>
+          <a:fontRef idx="minor">
+            <a:schemeClr val="lt1"/>
+          </a:fontRef>
+        </p:style>
+        <p:txBody>
+          <a:bodyPr rtlCol="0" anchor="ctr"/>
+          <a:lstStyle/>
+          <a:p>
+            <a:pPr algn="ctr"/>
+            <a:r>
+              <a:rPr lang="en-US" altLang="ko-KR" sz="1000" dirty="0">
+                <a:solidFill>
+                  <a:schemeClr val="tx1"/>
+                </a:solidFill>
+              </a:rPr>
+              <a:t>lib/Cylinder/Double </a:t>
+            </a:r>
+          </a:p>
+          <a:p>
+            <a:pPr algn="ctr"/>
+            <a:r>
+              <a:rPr lang="en-US" altLang="ko-KR" sz="1000" dirty="0">
+                <a:solidFill>
+                  <a:schemeClr val="tx1"/>
+                </a:solidFill>
+              </a:rPr>
+              <a:t>[Out]</a:t>
+            </a:r>
+            <a:endParaRPr lang="ko-KR" altLang="en-US" sz="1000" dirty="0">
+              <a:solidFill>
+                <a:schemeClr val="tx1"/>
+              </a:solidFill>
+            </a:endParaRPr>
+          </a:p>
+        </p:txBody>
+      </p:sp>
+      <p:cxnSp>
+        <p:nvCxnSpPr>
+          <p:cNvPr id="129" name="연결선: 꺾임 128">
+            <a:extLst>
+              <a:ext uri="{FF2B5EF4-FFF2-40B4-BE49-F238E27FC236}">
+                <a16:creationId xmlns:a16="http://schemas.microsoft.com/office/drawing/2014/main" id="{F7D5863C-C707-F06B-8834-5FBD6DA52F70}"/>
+              </a:ext>
+            </a:extLst>
+          </p:cNvPr>
+          <p:cNvCxnSpPr>
+            <a:cxnSpLocks/>
+            <a:stCxn id="62" idx="2"/>
+            <a:endCxn id="34" idx="2"/>
+          </p:cNvCxnSpPr>
+          <p:nvPr/>
+        </p:nvCxnSpPr>
+        <p:spPr>
+          <a:xfrm rot="5400000" flipH="1" flipV="1">
+            <a:off x="7378545" y="4344544"/>
+            <a:ext cx="2036011" cy="2054752"/>
+          </a:xfrm>
+          <a:prstGeom prst="bentConnector3">
+            <a:avLst>
+              <a:gd name="adj1" fmla="val -11228"/>
+            </a:avLst>
+          </a:prstGeom>
+          <a:ln>
+            <a:headEnd type="oval" w="med" len="med"/>
+            <a:tailEnd type="triangle" w="med" len="med"/>
+          </a:ln>
+        </p:spPr>
+        <p:style>
+          <a:lnRef idx="1">
+            <a:schemeClr val="accent1"/>
+          </a:lnRef>
+          <a:fillRef idx="0">
+            <a:schemeClr val="accent1"/>
+          </a:fillRef>
+          <a:effectRef idx="0">
+            <a:schemeClr val="accent1"/>
+          </a:effectRef>
+          <a:fontRef idx="minor">
+            <a:schemeClr val="tx1"/>
+          </a:fontRef>
+        </p:style>
+      </p:cxnSp>
+      <p:cxnSp>
+        <p:nvCxnSpPr>
+          <p:cNvPr id="170" name="연결선: 꺾임 169">
+            <a:extLst>
+              <a:ext uri="{FF2B5EF4-FFF2-40B4-BE49-F238E27FC236}">
+                <a16:creationId xmlns:a16="http://schemas.microsoft.com/office/drawing/2014/main" id="{ACBC52BA-6B9C-0772-A0B9-356D389ABC7D}"/>
+              </a:ext>
+            </a:extLst>
+          </p:cNvPr>
+          <p:cNvCxnSpPr>
+            <a:cxnSpLocks/>
+            <a:stCxn id="44" idx="4"/>
+            <a:endCxn id="48" idx="0"/>
+          </p:cNvCxnSpPr>
+          <p:nvPr/>
+        </p:nvCxnSpPr>
+        <p:spPr>
+          <a:xfrm rot="5400000">
+            <a:off x="5793791" y="613203"/>
+            <a:ext cx="312942" cy="1263267"/>
+          </a:xfrm>
+          <a:prstGeom prst="bentConnector3">
+            <a:avLst>
+              <a:gd name="adj1" fmla="val 50000"/>
+            </a:avLst>
+          </a:prstGeom>
+          <a:ln>
+            <a:tailEnd type="triangle"/>
+          </a:ln>
+        </p:spPr>
+        <p:style>
+          <a:lnRef idx="1">
+            <a:schemeClr val="accent1"/>
+          </a:lnRef>
+          <a:fillRef idx="0">
+            <a:schemeClr val="accent1"/>
+          </a:fillRef>
+          <a:effectRef idx="0">
+            <a:schemeClr val="accent1"/>
+          </a:effectRef>
+          <a:fontRef idx="minor">
+            <a:schemeClr val="tx1"/>
+          </a:fontRef>
+        </p:style>
+      </p:cxnSp>
+      <p:cxnSp>
+        <p:nvCxnSpPr>
+          <p:cNvPr id="97" name="연결선: 꺾임 96">
+            <a:extLst>
+              <a:ext uri="{FF2B5EF4-FFF2-40B4-BE49-F238E27FC236}">
+                <a16:creationId xmlns:a16="http://schemas.microsoft.com/office/drawing/2014/main" id="{073CE352-E3D1-E05D-FF49-CB8C1F00A3EB}"/>
+              </a:ext>
+            </a:extLst>
+          </p:cNvPr>
+          <p:cNvCxnSpPr>
+            <a:cxnSpLocks/>
+            <a:stCxn id="3" idx="2"/>
+            <a:endCxn id="28" idx="0"/>
+          </p:cNvCxnSpPr>
+          <p:nvPr/>
+        </p:nvCxnSpPr>
+        <p:spPr>
+          <a:xfrm rot="10800000">
+            <a:off x="5919731" y="652703"/>
+            <a:ext cx="3813909" cy="435662"/>
+          </a:xfrm>
+          <a:prstGeom prst="bentConnector4">
+            <a:avLst>
+              <a:gd name="adj1" fmla="val 27065"/>
+              <a:gd name="adj2" fmla="val 152472"/>
+            </a:avLst>
+          </a:prstGeom>
+          <a:ln>
+            <a:headEnd type="none" w="med" len="med"/>
+            <a:tailEnd type="triangle" w="med" len="med"/>
+          </a:ln>
+        </p:spPr>
+        <p:style>
+          <a:lnRef idx="1">
+            <a:schemeClr val="accent1"/>
+          </a:lnRef>
+          <a:fillRef idx="0">
+            <a:schemeClr val="accent1"/>
+          </a:fillRef>
+          <a:effectRef idx="0">
+            <a:schemeClr val="accent1"/>
+          </a:effectRef>
+          <a:fontRef idx="minor">
+            <a:schemeClr val="tx1"/>
+          </a:fontRef>
+        </p:style>
+      </p:cxnSp>
+      <p:grpSp>
+        <p:nvGrpSpPr>
+          <p:cNvPr id="152" name="그룹 151">
+            <a:extLst>
+              <a:ext uri="{FF2B5EF4-FFF2-40B4-BE49-F238E27FC236}">
+                <a16:creationId xmlns:a16="http://schemas.microsoft.com/office/drawing/2014/main" id="{8855695F-589D-CDFC-1643-D07574094F30}"/>
+              </a:ext>
+            </a:extLst>
+          </p:cNvPr>
+          <p:cNvGrpSpPr/>
+          <p:nvPr/>
+        </p:nvGrpSpPr>
+        <p:grpSpPr>
+          <a:xfrm>
+            <a:off x="6763803" y="2797822"/>
+            <a:ext cx="5320247" cy="1556092"/>
+            <a:chOff x="6763803" y="2797822"/>
+            <a:chExt cx="5320247" cy="1556092"/>
+          </a:xfrm>
+        </p:grpSpPr>
+        <p:sp>
+          <p:nvSpPr>
+            <p:cNvPr id="34" name="직사각형 33">
+              <a:extLst>
+                <a:ext uri="{FF2B5EF4-FFF2-40B4-BE49-F238E27FC236}">
+                  <a16:creationId xmlns:a16="http://schemas.microsoft.com/office/drawing/2014/main" id="{34CC53E8-2B11-AAB1-DFF5-548A8B7D624B}"/>
+                </a:ext>
+              </a:extLst>
+            </p:cNvPr>
+            <p:cNvSpPr/>
+            <p:nvPr/>
+          </p:nvSpPr>
+          <p:spPr>
+            <a:xfrm>
+              <a:off x="6763803" y="2797822"/>
+              <a:ext cx="5320247" cy="1556092"/>
+            </a:xfrm>
+            <a:prstGeom prst="rect">
+              <a:avLst/>
+            </a:prstGeom>
+            <a:solidFill>
+              <a:schemeClr val="accent4">
+                <a:alpha val="50000"/>
+              </a:schemeClr>
+            </a:solidFill>
+            <a:ln>
+              <a:noFill/>
+            </a:ln>
+          </p:spPr>
+          <p:style>
+            <a:lnRef idx="0">
+              <a:scrgbClr r="0" g="0" b="0"/>
+            </a:lnRef>
+            <a:fillRef idx="0">
+              <a:scrgbClr r="0" g="0" b="0"/>
+            </a:fillRef>
+            <a:effectRef idx="0">
+              <a:scrgbClr r="0" g="0" b="0"/>
+            </a:effectRef>
+            <a:fontRef idx="minor">
+              <a:schemeClr val="lt1"/>
+            </a:fontRef>
+          </p:style>
+          <p:txBody>
+            <a:bodyPr rtlCol="0" anchor="t"/>
+            <a:lstStyle/>
+            <a:p>
+              <a:pPr algn="ctr"/>
+              <a:r>
+                <a:rPr lang="en-US" altLang="ko-KR" sz="800" dirty="0">
+                  <a:solidFill>
+                    <a:schemeClr val="tx1"/>
+                  </a:solidFill>
+                </a:rPr>
+                <a:t>0th</a:t>
+              </a:r>
+              <a:endParaRPr lang="ko-KR" altLang="en-US" sz="800" dirty="0">
+                <a:solidFill>
+                  <a:schemeClr val="tx1"/>
+                </a:solidFill>
+              </a:endParaRPr>
+            </a:p>
+          </p:txBody>
+        </p:sp>
+        <p:sp>
+          <p:nvSpPr>
+            <p:cNvPr id="35" name="타원 34">
+              <a:extLst>
+                <a:ext uri="{FF2B5EF4-FFF2-40B4-BE49-F238E27FC236}">
+                  <a16:creationId xmlns:a16="http://schemas.microsoft.com/office/drawing/2014/main" id="{ADA08F7E-3CD6-5DA6-C445-ADE767F90FA3}"/>
+                </a:ext>
+              </a:extLst>
+            </p:cNvPr>
+            <p:cNvSpPr/>
+            <p:nvPr/>
+          </p:nvSpPr>
+          <p:spPr>
+            <a:xfrm>
+              <a:off x="9451327" y="3016529"/>
+              <a:ext cx="1210743" cy="178767"/>
+            </a:xfrm>
+            <a:prstGeom prst="ellipse">
+              <a:avLst/>
+            </a:prstGeom>
+          </p:spPr>
+          <p:style>
+            <a:lnRef idx="2">
+              <a:schemeClr val="accent5">
+                <a:shade val="50000"/>
+              </a:schemeClr>
+            </a:lnRef>
+            <a:fillRef idx="1">
+              <a:schemeClr val="accent5"/>
+            </a:fillRef>
+            <a:effectRef idx="0">
+              <a:schemeClr val="accent5"/>
+            </a:effectRef>
+            <a:fontRef idx="minor">
+              <a:schemeClr val="lt1"/>
+            </a:fontRef>
+          </p:style>
+          <p:txBody>
+            <a:bodyPr rtlCol="0" anchor="ctr"/>
+            <a:lstStyle/>
+            <a:p>
+              <a:pPr algn="ctr"/>
+              <a:r>
+                <a:rPr lang="en-US" altLang="ko-KR" sz="800" dirty="0" err="1">
+                  <a:solidFill>
+                    <a:schemeClr val="tx1"/>
+                  </a:solidFill>
+                </a:rPr>
+                <a:t>In</a:t>
+              </a:r>
+              <a:r>
+                <a:rPr lang="en-US" altLang="ko-KR" sz="800" dirty="0" err="1"/>
+                <a:t>$ADV</a:t>
+              </a:r>
+              <a:endParaRPr lang="ko-KR" altLang="en-US" sz="800" dirty="0"/>
+            </a:p>
+          </p:txBody>
+        </p:sp>
+        <p:sp>
+          <p:nvSpPr>
+            <p:cNvPr id="53" name="타원 52">
+              <a:extLst>
+                <a:ext uri="{FF2B5EF4-FFF2-40B4-BE49-F238E27FC236}">
+                  <a16:creationId xmlns:a16="http://schemas.microsoft.com/office/drawing/2014/main" id="{B1C57B92-5FFB-AB3F-5CF3-91C60FCBE9E5}"/>
+                </a:ext>
+              </a:extLst>
+            </p:cNvPr>
+            <p:cNvSpPr/>
+            <p:nvPr/>
+          </p:nvSpPr>
+          <p:spPr>
+            <a:xfrm>
+              <a:off x="8188060" y="3508238"/>
+              <a:ext cx="1210743" cy="178767"/>
+            </a:xfrm>
+            <a:prstGeom prst="ellipse">
+              <a:avLst/>
+            </a:prstGeom>
+          </p:spPr>
+          <p:style>
+            <a:lnRef idx="2">
+              <a:schemeClr val="accent5">
+                <a:shade val="50000"/>
+              </a:schemeClr>
+            </a:lnRef>
+            <a:fillRef idx="1">
+              <a:schemeClr val="accent5"/>
+            </a:fillRef>
+            <a:effectRef idx="0">
+              <a:schemeClr val="accent5"/>
+            </a:effectRef>
+            <a:fontRef idx="minor">
+              <a:schemeClr val="lt1"/>
+            </a:fontRef>
+          </p:style>
+          <p:txBody>
+            <a:bodyPr rtlCol="0" anchor="ctr"/>
+            <a:lstStyle/>
+            <a:p>
+              <a:pPr algn="ctr"/>
+              <a:r>
+                <a:rPr lang="en-US" altLang="ko-KR" sz="800" dirty="0" err="1">
+                  <a:solidFill>
+                    <a:schemeClr val="tx1"/>
+                  </a:solidFill>
+                </a:rPr>
+                <a:t>In</a:t>
+              </a:r>
+              <a:r>
+                <a:rPr lang="en-US" altLang="ko-KR" sz="800" dirty="0" err="1"/>
+                <a:t>$RET</a:t>
+              </a:r>
+              <a:endParaRPr lang="ko-KR" altLang="en-US" sz="800" dirty="0"/>
+            </a:p>
+          </p:txBody>
+        </p:sp>
+        <p:sp>
+          <p:nvSpPr>
+            <p:cNvPr id="70" name="타원 69">
+              <a:extLst>
+                <a:ext uri="{FF2B5EF4-FFF2-40B4-BE49-F238E27FC236}">
+                  <a16:creationId xmlns:a16="http://schemas.microsoft.com/office/drawing/2014/main" id="{4B791764-86F2-9C4F-41B8-11E02F4EFF1E}"/>
+                </a:ext>
+              </a:extLst>
+            </p:cNvPr>
+            <p:cNvSpPr/>
+            <p:nvPr/>
+          </p:nvSpPr>
+          <p:spPr>
+            <a:xfrm>
+              <a:off x="9913818" y="3491839"/>
+              <a:ext cx="1210743" cy="178767"/>
+            </a:xfrm>
+            <a:prstGeom prst="ellipse">
+              <a:avLst/>
+            </a:prstGeom>
+          </p:spPr>
+          <p:style>
+            <a:lnRef idx="2">
+              <a:schemeClr val="accent5">
+                <a:shade val="50000"/>
+              </a:schemeClr>
+            </a:lnRef>
+            <a:fillRef idx="1">
+              <a:schemeClr val="accent5"/>
+            </a:fillRef>
+            <a:effectRef idx="0">
+              <a:schemeClr val="accent5"/>
+            </a:effectRef>
+            <a:fontRef idx="minor">
+              <a:schemeClr val="lt1"/>
+            </a:fontRef>
+          </p:style>
+          <p:txBody>
+            <a:bodyPr rtlCol="0" anchor="ctr"/>
+            <a:lstStyle/>
+            <a:p>
+              <a:pPr algn="ctr"/>
+              <a:r>
+                <a:rPr lang="en-US" altLang="ko-KR" sz="800" dirty="0" err="1">
+                  <a:solidFill>
+                    <a:schemeClr val="tx1"/>
+                  </a:solidFill>
+                </a:rPr>
+                <a:t>Out</a:t>
+              </a:r>
+              <a:r>
+                <a:rPr lang="en-US" altLang="ko-KR" sz="800" dirty="0" err="1"/>
+                <a:t>$ADV</a:t>
+              </a:r>
+              <a:endParaRPr lang="ko-KR" altLang="en-US" sz="800" dirty="0"/>
+            </a:p>
+          </p:txBody>
+        </p:sp>
+        <p:sp>
+          <p:nvSpPr>
+            <p:cNvPr id="77" name="타원 76">
+              <a:extLst>
+                <a:ext uri="{FF2B5EF4-FFF2-40B4-BE49-F238E27FC236}">
+                  <a16:creationId xmlns:a16="http://schemas.microsoft.com/office/drawing/2014/main" id="{738C2394-E137-ABF0-DCB3-8A3B16B5EA38}"/>
+                </a:ext>
+              </a:extLst>
+            </p:cNvPr>
+            <p:cNvSpPr/>
+            <p:nvPr/>
+          </p:nvSpPr>
+          <p:spPr>
+            <a:xfrm>
+              <a:off x="8789162" y="4111535"/>
+              <a:ext cx="1210743" cy="178767"/>
+            </a:xfrm>
+            <a:prstGeom prst="ellipse">
+              <a:avLst/>
+            </a:prstGeom>
+          </p:spPr>
+          <p:style>
+            <a:lnRef idx="2">
+              <a:schemeClr val="accent5">
+                <a:shade val="50000"/>
+              </a:schemeClr>
+            </a:lnRef>
+            <a:fillRef idx="1">
+              <a:schemeClr val="accent5"/>
+            </a:fillRef>
+            <a:effectRef idx="0">
+              <a:schemeClr val="accent5"/>
+            </a:effectRef>
+            <a:fontRef idx="minor">
+              <a:schemeClr val="lt1"/>
+            </a:fontRef>
+          </p:style>
+          <p:txBody>
+            <a:bodyPr rtlCol="0" anchor="ctr"/>
+            <a:lstStyle/>
+            <a:p>
+              <a:pPr algn="ctr"/>
+              <a:r>
+                <a:rPr lang="en-US" altLang="ko-KR" sz="800" dirty="0" err="1">
+                  <a:solidFill>
+                    <a:schemeClr val="tx1"/>
+                  </a:solidFill>
+                </a:rPr>
+                <a:t>Out</a:t>
+              </a:r>
+              <a:r>
+                <a:rPr lang="en-US" altLang="ko-KR" sz="800" dirty="0" err="1"/>
+                <a:t>$RET</a:t>
+              </a:r>
+              <a:endParaRPr lang="ko-KR" altLang="en-US" sz="800" dirty="0"/>
+            </a:p>
+          </p:txBody>
+        </p:sp>
         <p:cxnSp>
           <p:nvCxnSpPr>
             <p:cNvPr id="80" name="연결선: 꺾임 79">
@@ -33002,18 +37608,20 @@
             </p:cNvPr>
             <p:cNvCxnSpPr>
               <a:cxnSpLocks/>
-              <a:stCxn id="53" idx="4"/>
-              <a:endCxn id="77" idx="0"/>
+              <a:stCxn id="70" idx="2"/>
+              <a:endCxn id="53" idx="6"/>
             </p:cNvCxnSpPr>
             <p:nvPr/>
           </p:nvCxnSpPr>
           <p:spPr>
-            <a:xfrm rot="16200000" flipH="1">
-              <a:off x="8881718" y="3598719"/>
-              <a:ext cx="424530" cy="601102"/>
+            <a:xfrm rot="10800000" flipV="1">
+              <a:off x="9398804" y="3581222"/>
+              <a:ext cx="515015" cy="16399"/>
             </a:xfrm>
             <a:prstGeom prst="bentConnector3">
-              <a:avLst/>
+              <a:avLst>
+                <a:gd name="adj1" fmla="val 50000"/>
+              </a:avLst>
             </a:prstGeom>
             <a:ln>
               <a:tailEnd type="triangle"/>
@@ -33035,10 +37643,68 @@
           </p:style>
         </p:cxnSp>
       </p:grpSp>
+      <p:sp>
+        <p:nvSpPr>
+          <p:cNvPr id="3" name="타원 2">
+            <a:extLst>
+              <a:ext uri="{FF2B5EF4-FFF2-40B4-BE49-F238E27FC236}">
+                <a16:creationId xmlns:a16="http://schemas.microsoft.com/office/drawing/2014/main" id="{395B96C8-9E4B-67B6-09A0-9B8776F4D7E9}"/>
+              </a:ext>
+            </a:extLst>
+          </p:cNvPr>
+          <p:cNvSpPr/>
+          <p:nvPr/>
+        </p:nvSpPr>
+        <p:spPr>
+          <a:xfrm>
+            <a:off x="9733639" y="998981"/>
+            <a:ext cx="1210743" cy="178767"/>
+          </a:xfrm>
+          <a:prstGeom prst="ellipse">
+            <a:avLst/>
+          </a:prstGeom>
+        </p:spPr>
+        <p:style>
+          <a:lnRef idx="2">
+            <a:schemeClr val="accent5">
+              <a:shade val="50000"/>
+            </a:schemeClr>
+          </a:lnRef>
+          <a:fillRef idx="1">
+            <a:schemeClr val="accent5"/>
+          </a:fillRef>
+          <a:effectRef idx="0">
+            <a:schemeClr val="accent5"/>
+          </a:effectRef>
+          <a:fontRef idx="minor">
+            <a:schemeClr val="lt1"/>
+          </a:fontRef>
+        </p:style>
+        <p:txBody>
+          <a:bodyPr rtlCol="0" anchor="ctr"/>
+          <a:lstStyle/>
+          <a:p>
+            <a:pPr algn="ctr"/>
+            <a:r>
+              <a:rPr lang="en-US" altLang="ko-KR" sz="800" dirty="0" err="1">
+                <a:solidFill>
+                  <a:schemeClr val="tx1"/>
+                </a:solidFill>
+              </a:rPr>
+              <a:t>In</a:t>
+            </a:r>
+            <a:r>
+              <a:rPr lang="en-US" altLang="ko-KR" sz="800" dirty="0" err="1"/>
+              <a:t>$ADV</a:t>
+            </a:r>
+            <a:endParaRPr lang="ko-KR" altLang="en-US" sz="800" dirty="0"/>
+          </a:p>
+        </p:txBody>
+      </p:sp>
     </p:spTree>
     <p:extLst>
       <p:ext uri="{BB962C8B-B14F-4D97-AF65-F5344CB8AC3E}">
-        <p14:creationId xmlns:p14="http://schemas.microsoft.com/office/powerpoint/2010/main" val="2218734251"/>
+        <p14:creationId xmlns:p14="http://schemas.microsoft.com/office/powerpoint/2010/main" val="3307555016"/>
       </p:ext>
     </p:extLst>
   </p:cSld>
@@ -33048,7 +37714,7 @@
 </p:sld>
 </file>
 
-<file path=ppt/slides/slide5.xml><?xml version="1.0" encoding="utf-8"?>
+<file path=ppt/slides/slide6.xml><?xml version="1.0" encoding="utf-8"?>
 <p:sld xmlns:a="http://schemas.openxmlformats.org/drawingml/2006/main" xmlns:r="http://schemas.openxmlformats.org/officeDocument/2006/relationships" xmlns:p="http://schemas.openxmlformats.org/presentationml/2006/main" show="0">
   <p:cSld>
     <p:spTree>
@@ -37315,7 +41981,7 @@
 </p:sld>
 </file>
 
-<file path=ppt/slides/slide6.xml><?xml version="1.0" encoding="utf-8"?>
+<file path=ppt/slides/slide7.xml><?xml version="1.0" encoding="utf-8"?>
 <p:sld xmlns:a="http://schemas.openxmlformats.org/drawingml/2006/main" xmlns:r="http://schemas.openxmlformats.org/officeDocument/2006/relationships" xmlns:p="http://schemas.openxmlformats.org/presentationml/2006/main" show="0">
   <p:cSld>
     <p:spTree>
@@ -42386,7 +47052,7 @@
 </p:sld>
 </file>
 
-<file path=ppt/slides/slide7.xml><?xml version="1.0" encoding="utf-8"?>
+<file path=ppt/slides/slide8.xml><?xml version="1.0" encoding="utf-8"?>
 <p:sld xmlns:a="http://schemas.openxmlformats.org/drawingml/2006/main" xmlns:r="http://schemas.openxmlformats.org/officeDocument/2006/relationships" xmlns:p="http://schemas.openxmlformats.org/presentationml/2006/main" show="0">
   <p:cSld>
     <p:spTree>
@@ -43256,7 +47922,7 @@
 </p:sld>
 </file>
 
-<file path=ppt/slides/slide8.xml><?xml version="1.0" encoding="utf-8"?>
+<file path=ppt/slides/slide9.xml><?xml version="1.0" encoding="utf-8"?>
 <p:sld xmlns:a="http://schemas.openxmlformats.org/drawingml/2006/main" xmlns:r="http://schemas.openxmlformats.org/officeDocument/2006/relationships" xmlns:p="http://schemas.openxmlformats.org/presentationml/2006/main" show="0">
   <p:cSld>
     <p:spTree>
@@ -44067,826 +48733,6 @@
     <p:extLst>
       <p:ext uri="{BB962C8B-B14F-4D97-AF65-F5344CB8AC3E}">
         <p14:creationId xmlns:p14="http://schemas.microsoft.com/office/powerpoint/2010/main" val="3243612849"/>
-      </p:ext>
-    </p:extLst>
-  </p:cSld>
-  <p:clrMapOvr>
-    <a:masterClrMapping/>
-  </p:clrMapOvr>
-</p:sld>
-</file>
-
-<file path=ppt/slides/slide9.xml><?xml version="1.0" encoding="utf-8"?>
-<p:sld xmlns:a="http://schemas.openxmlformats.org/drawingml/2006/main" xmlns:r="http://schemas.openxmlformats.org/officeDocument/2006/relationships" xmlns:p="http://schemas.openxmlformats.org/presentationml/2006/main" show="0">
-  <p:cSld>
-    <p:spTree>
-      <p:nvGrpSpPr>
-        <p:cNvPr id="1" name=""/>
-        <p:cNvGrpSpPr/>
-        <p:nvPr/>
-      </p:nvGrpSpPr>
-      <p:grpSpPr>
-        <a:xfrm>
-          <a:off x="0" y="0"/>
-          <a:ext cx="0" cy="0"/>
-          <a:chOff x="0" y="0"/>
-          <a:chExt cx="0" cy="0"/>
-        </a:xfrm>
-      </p:grpSpPr>
-      <p:sp>
-        <p:nvSpPr>
-          <p:cNvPr id="2" name="제목 1">
-            <a:extLst>
-              <a:ext uri="{FF2B5EF4-FFF2-40B4-BE49-F238E27FC236}">
-                <a16:creationId xmlns:a16="http://schemas.microsoft.com/office/drawing/2014/main" id="{5E8FE27E-4086-E570-1BA4-F2B433CAA376}"/>
-              </a:ext>
-            </a:extLst>
-          </p:cNvPr>
-          <p:cNvSpPr>
-            <a:spLocks noGrp="1"/>
-          </p:cNvSpPr>
-          <p:nvPr>
-            <p:ph type="title"/>
-          </p:nvPr>
-        </p:nvSpPr>
-        <p:spPr/>
-        <p:txBody>
-          <a:bodyPr/>
-          <a:lstStyle/>
-          <a:p>
-            <a:r>
-              <a:rPr lang="en-US" altLang="ko-KR" dirty="0"/>
-              <a:t>S3</a:t>
-            </a:r>
-            <a:endParaRPr lang="ko-KR" altLang="en-US" dirty="0"/>
-          </a:p>
-        </p:txBody>
-      </p:sp>
-      <p:sp>
-        <p:nvSpPr>
-          <p:cNvPr id="13" name="직사각형 12">
-            <a:extLst>
-              <a:ext uri="{FF2B5EF4-FFF2-40B4-BE49-F238E27FC236}">
-                <a16:creationId xmlns:a16="http://schemas.microsoft.com/office/drawing/2014/main" id="{20D4B5AF-E245-475A-47A6-1314F9D73EE8}"/>
-              </a:ext>
-            </a:extLst>
-          </p:cNvPr>
-          <p:cNvSpPr/>
-          <p:nvPr/>
-        </p:nvSpPr>
-        <p:spPr>
-          <a:xfrm>
-            <a:off x="10080018" y="3931852"/>
-            <a:ext cx="847742" cy="495381"/>
-          </a:xfrm>
-          <a:prstGeom prst="rect">
-            <a:avLst/>
-          </a:prstGeom>
-        </p:spPr>
-        <p:style>
-          <a:lnRef idx="2">
-            <a:schemeClr val="accent1">
-              <a:shade val="15000"/>
-            </a:schemeClr>
-          </a:lnRef>
-          <a:fillRef idx="1">
-            <a:schemeClr val="accent1"/>
-          </a:fillRef>
-          <a:effectRef idx="0">
-            <a:schemeClr val="accent1"/>
-          </a:effectRef>
-          <a:fontRef idx="minor">
-            <a:schemeClr val="lt1"/>
-          </a:fontRef>
-        </p:style>
-        <p:txBody>
-          <a:bodyPr rtlCol="0" anchor="ctr"/>
-          <a:lstStyle/>
-          <a:p>
-            <a:pPr algn="ctr"/>
-            <a:r>
-              <a:rPr lang="ko-KR" altLang="en-US" dirty="0"/>
-              <a:t>반복</a:t>
-            </a:r>
-          </a:p>
-        </p:txBody>
-      </p:sp>
-      <p:cxnSp>
-        <p:nvCxnSpPr>
-          <p:cNvPr id="32" name="연결선: 꺾임 31">
-            <a:extLst>
-              <a:ext uri="{FF2B5EF4-FFF2-40B4-BE49-F238E27FC236}">
-                <a16:creationId xmlns:a16="http://schemas.microsoft.com/office/drawing/2014/main" id="{55996CE5-7EBC-3246-9029-B8870B968B13}"/>
-              </a:ext>
-            </a:extLst>
-          </p:cNvPr>
-          <p:cNvCxnSpPr>
-            <a:cxnSpLocks/>
-            <a:stCxn id="94" idx="2"/>
-            <a:endCxn id="13" idx="2"/>
-          </p:cNvCxnSpPr>
-          <p:nvPr/>
-        </p:nvCxnSpPr>
-        <p:spPr>
-          <a:xfrm rot="5400000" flipH="1" flipV="1">
-            <a:off x="7188435" y="1732639"/>
-            <a:ext cx="620859" cy="6010048"/>
-          </a:xfrm>
-          <a:prstGeom prst="bentConnector3">
-            <a:avLst>
-              <a:gd name="adj1" fmla="val -36820"/>
-            </a:avLst>
-          </a:prstGeom>
-          <a:ln w="38100">
-            <a:solidFill>
-              <a:srgbClr val="FFC000"/>
-            </a:solidFill>
-            <a:headEnd type="diamond" w="med" len="med"/>
-            <a:tailEnd type="triangle" w="med" len="med"/>
-          </a:ln>
-        </p:spPr>
-        <p:style>
-          <a:lnRef idx="1">
-            <a:schemeClr val="accent6"/>
-          </a:lnRef>
-          <a:fillRef idx="0">
-            <a:schemeClr val="accent6"/>
-          </a:fillRef>
-          <a:effectRef idx="0">
-            <a:schemeClr val="accent6"/>
-          </a:effectRef>
-          <a:fontRef idx="minor">
-            <a:schemeClr val="tx1"/>
-          </a:fontRef>
-        </p:style>
-      </p:cxnSp>
-      <p:cxnSp>
-        <p:nvCxnSpPr>
-          <p:cNvPr id="62" name="연결선: 꺾임 61">
-            <a:extLst>
-              <a:ext uri="{FF2B5EF4-FFF2-40B4-BE49-F238E27FC236}">
-                <a16:creationId xmlns:a16="http://schemas.microsoft.com/office/drawing/2014/main" id="{D2BBF1BC-3F9C-FDD1-40CF-9CFE10E49737}"/>
-              </a:ext>
-            </a:extLst>
-          </p:cNvPr>
-          <p:cNvCxnSpPr>
-            <a:cxnSpLocks/>
-            <a:stCxn id="13" idx="0"/>
-            <a:endCxn id="94" idx="3"/>
-          </p:cNvCxnSpPr>
-          <p:nvPr/>
-        </p:nvCxnSpPr>
-        <p:spPr>
-          <a:xfrm rot="16200000" flipV="1">
-            <a:off x="8772245" y="2200208"/>
-            <a:ext cx="701788" cy="2761500"/>
-          </a:xfrm>
-          <a:prstGeom prst="bentConnector2">
-            <a:avLst/>
-          </a:prstGeom>
-          <a:ln w="38100">
-            <a:solidFill>
-              <a:srgbClr val="FFC000"/>
-            </a:solidFill>
-            <a:headEnd type="diamond" w="med" len="med"/>
-            <a:tailEnd type="triangle" w="med" len="med"/>
-          </a:ln>
-        </p:spPr>
-        <p:style>
-          <a:lnRef idx="1">
-            <a:schemeClr val="accent6"/>
-          </a:lnRef>
-          <a:fillRef idx="0">
-            <a:schemeClr val="accent6"/>
-          </a:fillRef>
-          <a:effectRef idx="0">
-            <a:schemeClr val="accent6"/>
-          </a:effectRef>
-          <a:fontRef idx="minor">
-            <a:schemeClr val="tx1"/>
-          </a:fontRef>
-        </p:style>
-      </p:cxnSp>
-      <p:sp>
-        <p:nvSpPr>
-          <p:cNvPr id="79" name="사각형: 모서리가 접힌 도형 78">
-            <a:extLst>
-              <a:ext uri="{FF2B5EF4-FFF2-40B4-BE49-F238E27FC236}">
-                <a16:creationId xmlns:a16="http://schemas.microsoft.com/office/drawing/2014/main" id="{4FFFC34E-AB5C-2EA7-5DA2-90E276198FD1}"/>
-              </a:ext>
-            </a:extLst>
-          </p:cNvPr>
-          <p:cNvSpPr/>
-          <p:nvPr/>
-        </p:nvSpPr>
-        <p:spPr>
-          <a:xfrm>
-            <a:off x="9078277" y="6062274"/>
-            <a:ext cx="2437946" cy="568378"/>
-          </a:xfrm>
-          <a:prstGeom prst="foldedCorner">
-            <a:avLst/>
-          </a:prstGeom>
-          <a:solidFill>
-            <a:schemeClr val="accent3">
-              <a:alpha val="50000"/>
-            </a:schemeClr>
-          </a:solidFill>
-          <a:ln>
-            <a:noFill/>
-          </a:ln>
-        </p:spPr>
-        <p:style>
-          <a:lnRef idx="0">
-            <a:scrgbClr r="0" g="0" b="0"/>
-          </a:lnRef>
-          <a:fillRef idx="0">
-            <a:scrgbClr r="0" g="0" b="0"/>
-          </a:fillRef>
-          <a:effectRef idx="0">
-            <a:scrgbClr r="0" g="0" b="0"/>
-          </a:effectRef>
-          <a:fontRef idx="minor">
-            <a:schemeClr val="lt1"/>
-          </a:fontRef>
-        </p:style>
-        <p:txBody>
-          <a:bodyPr rtlCol="0" anchor="ctr"/>
-          <a:lstStyle/>
-          <a:p>
-            <a:pPr algn="ctr"/>
-            <a:r>
-              <a:rPr lang="en-US" altLang="ko-KR" dirty="0"/>
-              <a:t>lib/Cylinder/Double </a:t>
-            </a:r>
-          </a:p>
-          <a:p>
-            <a:pPr algn="ctr"/>
-            <a:r>
-              <a:rPr lang="en-US" altLang="ko-KR" dirty="0"/>
-              <a:t>[STOPPER]</a:t>
-            </a:r>
-            <a:endParaRPr lang="ko-KR" altLang="en-US" dirty="0"/>
-          </a:p>
-        </p:txBody>
-      </p:sp>
-      <p:sp>
-        <p:nvSpPr>
-          <p:cNvPr id="34" name="사각형: 모서리가 접힌 도형 33">
-            <a:extLst>
-              <a:ext uri="{FF2B5EF4-FFF2-40B4-BE49-F238E27FC236}">
-                <a16:creationId xmlns:a16="http://schemas.microsoft.com/office/drawing/2014/main" id="{C3D2AFE5-0603-1136-2006-76B1E50AD071}"/>
-              </a:ext>
-            </a:extLst>
-          </p:cNvPr>
-          <p:cNvSpPr/>
-          <p:nvPr/>
-        </p:nvSpPr>
-        <p:spPr>
-          <a:xfrm>
-            <a:off x="6523416" y="6062274"/>
-            <a:ext cx="2437946" cy="568378"/>
-          </a:xfrm>
-          <a:prstGeom prst="foldedCorner">
-            <a:avLst/>
-          </a:prstGeom>
-          <a:solidFill>
-            <a:schemeClr val="accent3">
-              <a:alpha val="50000"/>
-            </a:schemeClr>
-          </a:solidFill>
-          <a:ln>
-            <a:noFill/>
-          </a:ln>
-        </p:spPr>
-        <p:style>
-          <a:lnRef idx="0">
-            <a:scrgbClr r="0" g="0" b="0"/>
-          </a:lnRef>
-          <a:fillRef idx="0">
-            <a:scrgbClr r="0" g="0" b="0"/>
-          </a:fillRef>
-          <a:effectRef idx="0">
-            <a:scrgbClr r="0" g="0" b="0"/>
-          </a:effectRef>
-          <a:fontRef idx="minor">
-            <a:schemeClr val="lt1"/>
-          </a:fontRef>
-        </p:style>
-        <p:txBody>
-          <a:bodyPr rtlCol="0" anchor="ctr"/>
-          <a:lstStyle/>
-          <a:p>
-            <a:pPr algn="ctr"/>
-            <a:r>
-              <a:rPr lang="en-US" altLang="ko-KR" dirty="0"/>
-              <a:t>lib/Cylinder/Double </a:t>
-            </a:r>
-          </a:p>
-          <a:p>
-            <a:pPr algn="ctr"/>
-            <a:r>
-              <a:rPr lang="en-US" altLang="ko-KR" dirty="0"/>
-              <a:t>[USB]</a:t>
-            </a:r>
-            <a:endParaRPr lang="ko-KR" altLang="en-US" dirty="0"/>
-          </a:p>
-        </p:txBody>
-      </p:sp>
-      <p:grpSp>
-        <p:nvGrpSpPr>
-          <p:cNvPr id="44" name="그룹 43">
-            <a:extLst>
-              <a:ext uri="{FF2B5EF4-FFF2-40B4-BE49-F238E27FC236}">
-                <a16:creationId xmlns:a16="http://schemas.microsoft.com/office/drawing/2014/main" id="{E2B50E5B-2B39-4E96-458F-85B96ABBB3B4}"/>
-              </a:ext>
-            </a:extLst>
-          </p:cNvPr>
-          <p:cNvGrpSpPr/>
-          <p:nvPr/>
-        </p:nvGrpSpPr>
-        <p:grpSpPr>
-          <a:xfrm>
-            <a:off x="1245293" y="1412035"/>
-            <a:ext cx="6497096" cy="3636057"/>
-            <a:chOff x="331486" y="1236651"/>
-            <a:chExt cx="5282180" cy="2917639"/>
-          </a:xfrm>
-        </p:grpSpPr>
-        <p:grpSp>
-          <p:nvGrpSpPr>
-            <p:cNvPr id="16" name="그룹 15">
-              <a:extLst>
-                <a:ext uri="{FF2B5EF4-FFF2-40B4-BE49-F238E27FC236}">
-                  <a16:creationId xmlns:a16="http://schemas.microsoft.com/office/drawing/2014/main" id="{90FC8CF1-2B85-11A3-58EB-E351DAA6A162}"/>
-                </a:ext>
-              </a:extLst>
-            </p:cNvPr>
-            <p:cNvGrpSpPr/>
-            <p:nvPr/>
-          </p:nvGrpSpPr>
-          <p:grpSpPr>
-            <a:xfrm>
-              <a:off x="331486" y="1236651"/>
-              <a:ext cx="5282180" cy="2917639"/>
-              <a:chOff x="356674" y="1216886"/>
-              <a:chExt cx="5282180" cy="2917639"/>
-            </a:xfrm>
-          </p:grpSpPr>
-          <p:sp>
-            <p:nvSpPr>
-              <p:cNvPr id="94" name="직사각형 93">
-                <a:extLst>
-                  <a:ext uri="{FF2B5EF4-FFF2-40B4-BE49-F238E27FC236}">
-                    <a16:creationId xmlns:a16="http://schemas.microsoft.com/office/drawing/2014/main" id="{50002DFC-06DB-5F32-EB21-2D6DF916CB2E}"/>
-                  </a:ext>
-                </a:extLst>
-              </p:cNvPr>
-              <p:cNvSpPr/>
-              <p:nvPr/>
-            </p:nvSpPr>
-            <p:spPr>
-              <a:xfrm>
-                <a:off x="356674" y="1216886"/>
-                <a:ext cx="5282180" cy="2917639"/>
-              </a:xfrm>
-              <a:prstGeom prst="rect">
-                <a:avLst/>
-              </a:prstGeom>
-            </p:spPr>
-            <p:style>
-              <a:lnRef idx="2">
-                <a:schemeClr val="accent1">
-                  <a:shade val="15000"/>
-                </a:schemeClr>
-              </a:lnRef>
-              <a:fillRef idx="1">
-                <a:schemeClr val="accent1"/>
-              </a:fillRef>
-              <a:effectRef idx="0">
-                <a:schemeClr val="accent1"/>
-              </a:effectRef>
-              <a:fontRef idx="minor">
-                <a:schemeClr val="lt1"/>
-              </a:fontRef>
-            </p:style>
-            <p:txBody>
-              <a:bodyPr rtlCol="0" anchor="ctr"/>
-              <a:lstStyle/>
-              <a:p>
-                <a:pPr algn="ctr"/>
-                <a:r>
-                  <a:rPr lang="en-US" altLang="ko-KR" dirty="0"/>
-                  <a:t>R1</a:t>
-                </a:r>
-                <a:endParaRPr lang="ko-KR" altLang="en-US" dirty="0"/>
-              </a:p>
-            </p:txBody>
-          </p:sp>
-          <p:sp>
-            <p:nvSpPr>
-              <p:cNvPr id="10" name="타원 9">
-                <a:extLst>
-                  <a:ext uri="{FF2B5EF4-FFF2-40B4-BE49-F238E27FC236}">
-                    <a16:creationId xmlns:a16="http://schemas.microsoft.com/office/drawing/2014/main" id="{FCDAA94B-9830-4764-06B1-1D60DCB829DC}"/>
-                  </a:ext>
-                </a:extLst>
-              </p:cNvPr>
-              <p:cNvSpPr/>
-              <p:nvPr/>
-            </p:nvSpPr>
-            <p:spPr>
-              <a:xfrm>
-                <a:off x="859603" y="1881292"/>
-                <a:ext cx="758778" cy="499161"/>
-              </a:xfrm>
-              <a:prstGeom prst="ellipse">
-                <a:avLst/>
-              </a:prstGeom>
-              <a:solidFill>
-                <a:schemeClr val="accent4">
-                  <a:alpha val="50000"/>
-                </a:schemeClr>
-              </a:solidFill>
-              <a:ln>
-                <a:noFill/>
-              </a:ln>
-            </p:spPr>
-            <p:style>
-              <a:lnRef idx="0">
-                <a:scrgbClr r="0" g="0" b="0"/>
-              </a:lnRef>
-              <a:fillRef idx="0">
-                <a:scrgbClr r="0" g="0" b="0"/>
-              </a:fillRef>
-              <a:effectRef idx="0">
-                <a:scrgbClr r="0" g="0" b="0"/>
-              </a:effectRef>
-              <a:fontRef idx="minor">
-                <a:schemeClr val="lt1"/>
-              </a:fontRef>
-            </p:style>
-            <p:txBody>
-              <a:bodyPr rtlCol="0" anchor="ctr"/>
-              <a:lstStyle/>
-              <a:p>
-                <a:pPr algn="ctr"/>
-                <a:r>
-                  <a:rPr lang="en-US" altLang="ko-KR" sz="1050" dirty="0"/>
-                  <a:t>USB $ADV</a:t>
-                </a:r>
-                <a:endParaRPr lang="ko-KR" altLang="en-US" sz="1050" dirty="0"/>
-              </a:p>
-            </p:txBody>
-          </p:sp>
-          <p:sp>
-            <p:nvSpPr>
-              <p:cNvPr id="11" name="타원 10">
-                <a:extLst>
-                  <a:ext uri="{FF2B5EF4-FFF2-40B4-BE49-F238E27FC236}">
-                    <a16:creationId xmlns:a16="http://schemas.microsoft.com/office/drawing/2014/main" id="{97560454-D4B5-A91B-3FF0-846F2FC2FD93}"/>
-                  </a:ext>
-                </a:extLst>
-              </p:cNvPr>
-              <p:cNvSpPr/>
-              <p:nvPr/>
-            </p:nvSpPr>
-            <p:spPr>
-              <a:xfrm>
-                <a:off x="1898822" y="3056896"/>
-                <a:ext cx="758778" cy="499161"/>
-              </a:xfrm>
-              <a:prstGeom prst="ellipse">
-                <a:avLst/>
-              </a:prstGeom>
-              <a:solidFill>
-                <a:schemeClr val="accent4">
-                  <a:alpha val="50000"/>
-                </a:schemeClr>
-              </a:solidFill>
-              <a:ln>
-                <a:noFill/>
-              </a:ln>
-            </p:spPr>
-            <p:style>
-              <a:lnRef idx="0">
-                <a:scrgbClr r="0" g="0" b="0"/>
-              </a:lnRef>
-              <a:fillRef idx="0">
-                <a:scrgbClr r="0" g="0" b="0"/>
-              </a:fillRef>
-              <a:effectRef idx="0">
-                <a:scrgbClr r="0" g="0" b="0"/>
-              </a:effectRef>
-              <a:fontRef idx="minor">
-                <a:schemeClr val="lt1"/>
-              </a:fontRef>
-            </p:style>
-            <p:txBody>
-              <a:bodyPr rtlCol="0" anchor="ctr"/>
-              <a:lstStyle/>
-              <a:p>
-                <a:pPr algn="ctr"/>
-                <a:r>
-                  <a:rPr lang="en-US" altLang="ko-KR" sz="1050" dirty="0"/>
-                  <a:t>USB $RET</a:t>
-                </a:r>
-                <a:endParaRPr lang="ko-KR" altLang="en-US" sz="1050" dirty="0"/>
-              </a:p>
-            </p:txBody>
-          </p:sp>
-          <p:cxnSp>
-            <p:nvCxnSpPr>
-              <p:cNvPr id="12" name="연결선: 꺾임 11">
-                <a:extLst>
-                  <a:ext uri="{FF2B5EF4-FFF2-40B4-BE49-F238E27FC236}">
-                    <a16:creationId xmlns:a16="http://schemas.microsoft.com/office/drawing/2014/main" id="{B82D86F6-686A-9B3A-FAFB-D9CA95D6B9EE}"/>
-                  </a:ext>
-                </a:extLst>
-              </p:cNvPr>
-              <p:cNvCxnSpPr>
-                <a:cxnSpLocks/>
-                <a:stCxn id="10" idx="5"/>
-                <a:endCxn id="11" idx="1"/>
-              </p:cNvCxnSpPr>
-              <p:nvPr/>
-            </p:nvCxnSpPr>
-            <p:spPr>
-              <a:xfrm rot="16200000" flipH="1">
-                <a:off x="1347280" y="2467332"/>
-                <a:ext cx="822643" cy="502682"/>
-              </a:xfrm>
-              <a:prstGeom prst="bentConnector3">
-                <a:avLst/>
-              </a:prstGeom>
-              <a:ln>
-                <a:tailEnd type="triangle"/>
-              </a:ln>
-            </p:spPr>
-            <p:style>
-              <a:lnRef idx="1">
-                <a:schemeClr val="accent4"/>
-              </a:lnRef>
-              <a:fillRef idx="0">
-                <a:schemeClr val="accent4"/>
-              </a:fillRef>
-              <a:effectRef idx="0">
-                <a:schemeClr val="accent4"/>
-              </a:effectRef>
-              <a:fontRef idx="minor">
-                <a:schemeClr val="tx1"/>
-              </a:fontRef>
-            </p:style>
-          </p:cxnSp>
-        </p:grpSp>
-        <p:sp>
-          <p:nvSpPr>
-            <p:cNvPr id="35" name="타원 34">
-              <a:extLst>
-                <a:ext uri="{FF2B5EF4-FFF2-40B4-BE49-F238E27FC236}">
-                  <a16:creationId xmlns:a16="http://schemas.microsoft.com/office/drawing/2014/main" id="{012DE983-D75D-B7F5-3F82-C437BB089E4F}"/>
-                </a:ext>
-              </a:extLst>
-            </p:cNvPr>
-            <p:cNvSpPr/>
-            <p:nvPr/>
-          </p:nvSpPr>
-          <p:spPr>
-            <a:xfrm>
-              <a:off x="2779948" y="1729131"/>
-              <a:ext cx="758778" cy="499161"/>
-            </a:xfrm>
-            <a:prstGeom prst="ellipse">
-              <a:avLst/>
-            </a:prstGeom>
-            <a:solidFill>
-              <a:schemeClr val="accent4">
-                <a:alpha val="50000"/>
-              </a:schemeClr>
-            </a:solidFill>
-            <a:ln>
-              <a:noFill/>
-            </a:ln>
-          </p:spPr>
-          <p:style>
-            <a:lnRef idx="0">
-              <a:scrgbClr r="0" g="0" b="0"/>
-            </a:lnRef>
-            <a:fillRef idx="0">
-              <a:scrgbClr r="0" g="0" b="0"/>
-            </a:fillRef>
-            <a:effectRef idx="0">
-              <a:scrgbClr r="0" g="0" b="0"/>
-            </a:effectRef>
-            <a:fontRef idx="minor">
-              <a:schemeClr val="lt1"/>
-            </a:fontRef>
-          </p:style>
-          <p:txBody>
-            <a:bodyPr rtlCol="0" anchor="ctr"/>
-            <a:lstStyle/>
-            <a:p>
-              <a:pPr algn="ctr"/>
-              <a:r>
-                <a:rPr lang="en-US" altLang="ko-KR" sz="1050" dirty="0"/>
-                <a:t>STOPPER $ADV</a:t>
-              </a:r>
-              <a:endParaRPr lang="ko-KR" altLang="en-US" sz="1050" dirty="0"/>
-            </a:p>
-          </p:txBody>
-        </p:sp>
-        <p:sp>
-          <p:nvSpPr>
-            <p:cNvPr id="36" name="타원 35">
-              <a:extLst>
-                <a:ext uri="{FF2B5EF4-FFF2-40B4-BE49-F238E27FC236}">
-                  <a16:creationId xmlns:a16="http://schemas.microsoft.com/office/drawing/2014/main" id="{7E254FA6-B087-A662-0AA6-33D09FCECEDF}"/>
-                </a:ext>
-              </a:extLst>
-            </p:cNvPr>
-            <p:cNvSpPr/>
-            <p:nvPr/>
-          </p:nvSpPr>
-          <p:spPr>
-            <a:xfrm>
-              <a:off x="3819167" y="2904735"/>
-              <a:ext cx="758778" cy="499161"/>
-            </a:xfrm>
-            <a:prstGeom prst="ellipse">
-              <a:avLst/>
-            </a:prstGeom>
-            <a:solidFill>
-              <a:schemeClr val="accent4">
-                <a:alpha val="50000"/>
-              </a:schemeClr>
-            </a:solidFill>
-            <a:ln>
-              <a:noFill/>
-            </a:ln>
-          </p:spPr>
-          <p:style>
-            <a:lnRef idx="0">
-              <a:scrgbClr r="0" g="0" b="0"/>
-            </a:lnRef>
-            <a:fillRef idx="0">
-              <a:scrgbClr r="0" g="0" b="0"/>
-            </a:fillRef>
-            <a:effectRef idx="0">
-              <a:scrgbClr r="0" g="0" b="0"/>
-            </a:effectRef>
-            <a:fontRef idx="minor">
-              <a:schemeClr val="lt1"/>
-            </a:fontRef>
-          </p:style>
-          <p:txBody>
-            <a:bodyPr rtlCol="0" anchor="ctr"/>
-            <a:lstStyle/>
-            <a:p>
-              <a:pPr algn="ctr"/>
-              <a:r>
-                <a:rPr lang="en-US" altLang="ko-KR" sz="1050" dirty="0"/>
-                <a:t>STOPPER $RET</a:t>
-              </a:r>
-              <a:endParaRPr lang="ko-KR" altLang="en-US" sz="1050" dirty="0"/>
-            </a:p>
-          </p:txBody>
-        </p:sp>
-        <p:cxnSp>
-          <p:nvCxnSpPr>
-            <p:cNvPr id="37" name="연결선: 꺾임 36">
-              <a:extLst>
-                <a:ext uri="{FF2B5EF4-FFF2-40B4-BE49-F238E27FC236}">
-                  <a16:creationId xmlns:a16="http://schemas.microsoft.com/office/drawing/2014/main" id="{B154AC2D-B472-8895-75AE-FC5DCF5D6EDB}"/>
-                </a:ext>
-              </a:extLst>
-            </p:cNvPr>
-            <p:cNvCxnSpPr>
-              <a:cxnSpLocks/>
-              <a:stCxn id="35" idx="5"/>
-              <a:endCxn id="36" idx="1"/>
-            </p:cNvCxnSpPr>
-            <p:nvPr/>
-          </p:nvCxnSpPr>
-          <p:spPr>
-            <a:xfrm rot="16200000" flipH="1">
-              <a:off x="3267625" y="2315171"/>
-              <a:ext cx="822643" cy="502682"/>
-            </a:xfrm>
-            <a:prstGeom prst="bentConnector3">
-              <a:avLst/>
-            </a:prstGeom>
-            <a:ln>
-              <a:tailEnd type="triangle"/>
-            </a:ln>
-          </p:spPr>
-          <p:style>
-            <a:lnRef idx="1">
-              <a:schemeClr val="accent4"/>
-            </a:lnRef>
-            <a:fillRef idx="0">
-              <a:schemeClr val="accent4"/>
-            </a:fillRef>
-            <a:effectRef idx="0">
-              <a:schemeClr val="accent4"/>
-            </a:effectRef>
-            <a:fontRef idx="minor">
-              <a:schemeClr val="tx1"/>
-            </a:fontRef>
-          </p:style>
-        </p:cxnSp>
-        <p:cxnSp>
-          <p:nvCxnSpPr>
-            <p:cNvPr id="38" name="연결선: 꺾임 37">
-              <a:extLst>
-                <a:ext uri="{FF2B5EF4-FFF2-40B4-BE49-F238E27FC236}">
-                  <a16:creationId xmlns:a16="http://schemas.microsoft.com/office/drawing/2014/main" id="{9FEC5249-886D-4E91-096E-1136ED2A4E38}"/>
-                </a:ext>
-              </a:extLst>
-            </p:cNvPr>
-            <p:cNvCxnSpPr>
-              <a:cxnSpLocks/>
-              <a:stCxn id="10" idx="6"/>
-              <a:endCxn id="35" idx="2"/>
-            </p:cNvCxnSpPr>
-            <p:nvPr/>
-          </p:nvCxnSpPr>
-          <p:spPr>
-            <a:xfrm flipV="1">
-              <a:off x="1593193" y="1978712"/>
-              <a:ext cx="1186755" cy="171926"/>
-            </a:xfrm>
-            <a:prstGeom prst="bentConnector3">
-              <a:avLst/>
-            </a:prstGeom>
-            <a:ln>
-              <a:tailEnd type="triangle"/>
-            </a:ln>
-          </p:spPr>
-          <p:style>
-            <a:lnRef idx="1">
-              <a:schemeClr val="accent4"/>
-            </a:lnRef>
-            <a:fillRef idx="0">
-              <a:schemeClr val="accent4"/>
-            </a:fillRef>
-            <a:effectRef idx="0">
-              <a:schemeClr val="accent4"/>
-            </a:effectRef>
-            <a:fontRef idx="minor">
-              <a:schemeClr val="tx1"/>
-            </a:fontRef>
-          </p:style>
-        </p:cxnSp>
-        <p:cxnSp>
-          <p:nvCxnSpPr>
-            <p:cNvPr id="41" name="연결선: 꺾임 40">
-              <a:extLst>
-                <a:ext uri="{FF2B5EF4-FFF2-40B4-BE49-F238E27FC236}">
-                  <a16:creationId xmlns:a16="http://schemas.microsoft.com/office/drawing/2014/main" id="{0FB9EC74-793F-271C-E581-BC517FD8F9E9}"/>
-                </a:ext>
-              </a:extLst>
-            </p:cNvPr>
-            <p:cNvCxnSpPr>
-              <a:cxnSpLocks/>
-              <a:stCxn id="11" idx="6"/>
-              <a:endCxn id="36" idx="2"/>
-            </p:cNvCxnSpPr>
-            <p:nvPr/>
-          </p:nvCxnSpPr>
-          <p:spPr>
-            <a:xfrm flipV="1">
-              <a:off x="2632412" y="3154316"/>
-              <a:ext cx="1186755" cy="171926"/>
-            </a:xfrm>
-            <a:prstGeom prst="bentConnector3">
-              <a:avLst>
-                <a:gd name="adj1" fmla="val 50000"/>
-              </a:avLst>
-            </a:prstGeom>
-            <a:ln>
-              <a:tailEnd type="triangle"/>
-            </a:ln>
-          </p:spPr>
-          <p:style>
-            <a:lnRef idx="1">
-              <a:schemeClr val="accent4"/>
-            </a:lnRef>
-            <a:fillRef idx="0">
-              <a:schemeClr val="accent4"/>
-            </a:fillRef>
-            <a:effectRef idx="0">
-              <a:schemeClr val="accent4"/>
-            </a:effectRef>
-            <a:fontRef idx="minor">
-              <a:schemeClr val="tx1"/>
-            </a:fontRef>
-          </p:style>
-        </p:cxnSp>
-      </p:grpSp>
-    </p:spTree>
-    <p:extLst>
-      <p:ext uri="{BB962C8B-B14F-4D97-AF65-F5344CB8AC3E}">
-        <p14:creationId xmlns:p14="http://schemas.microsoft.com/office/powerpoint/2010/main" val="2173421275"/>
       </p:ext>
     </p:extLst>
   </p:cSld>

--- a/DsDotNet/src/UnitTest/UnitTest.Model/ImportOfficeExample/Sample/KIT.pptx
+++ b/DsDotNet/src/UnitTest/UnitTest.Model/ImportOfficeExample/Sample/KIT.pptx
@@ -34475,855 +34475,6 @@
           </a:p>
         </p:txBody>
       </p:sp>
-      <p:grpSp>
-        <p:nvGrpSpPr>
-          <p:cNvPr id="87" name="그룹 86">
-            <a:extLst>
-              <a:ext uri="{FF2B5EF4-FFF2-40B4-BE49-F238E27FC236}">
-                <a16:creationId xmlns:a16="http://schemas.microsoft.com/office/drawing/2014/main" id="{83E7E777-551D-80DF-666B-88B371231577}"/>
-              </a:ext>
-            </a:extLst>
-          </p:cNvPr>
-          <p:cNvGrpSpPr/>
-          <p:nvPr/>
-        </p:nvGrpSpPr>
-        <p:grpSpPr>
-          <a:xfrm>
-            <a:off x="311186" y="1720413"/>
-            <a:ext cx="3498851" cy="1556092"/>
-            <a:chOff x="4944356" y="1445451"/>
-            <a:chExt cx="3641196" cy="3102292"/>
-          </a:xfrm>
-        </p:grpSpPr>
-        <p:sp>
-          <p:nvSpPr>
-            <p:cNvPr id="28" name="직사각형 27">
-              <a:extLst>
-                <a:ext uri="{FF2B5EF4-FFF2-40B4-BE49-F238E27FC236}">
-                  <a16:creationId xmlns:a16="http://schemas.microsoft.com/office/drawing/2014/main" id="{E91C924F-054A-981B-73C2-AFEF01E05627}"/>
-                </a:ext>
-              </a:extLst>
-            </p:cNvPr>
-            <p:cNvSpPr/>
-            <p:nvPr/>
-          </p:nvSpPr>
-          <p:spPr>
-            <a:xfrm>
-              <a:off x="4944356" y="1445451"/>
-              <a:ext cx="3641196" cy="3102292"/>
-            </a:xfrm>
-            <a:prstGeom prst="rect">
-              <a:avLst/>
-            </a:prstGeom>
-            <a:solidFill>
-              <a:schemeClr val="accent4">
-                <a:alpha val="50000"/>
-              </a:schemeClr>
-            </a:solidFill>
-            <a:ln>
-              <a:noFill/>
-            </a:ln>
-          </p:spPr>
-          <p:style>
-            <a:lnRef idx="0">
-              <a:scrgbClr r="0" g="0" b="0"/>
-            </a:lnRef>
-            <a:fillRef idx="0">
-              <a:scrgbClr r="0" g="0" b="0"/>
-            </a:fillRef>
-            <a:effectRef idx="0">
-              <a:scrgbClr r="0" g="0" b="0"/>
-            </a:effectRef>
-            <a:fontRef idx="minor">
-              <a:schemeClr val="lt1"/>
-            </a:fontRef>
-          </p:style>
-          <p:txBody>
-            <a:bodyPr rtlCol="0" anchor="t"/>
-            <a:lstStyle/>
-            <a:p>
-              <a:pPr algn="ctr"/>
-              <a:r>
-                <a:rPr lang="en-US" altLang="ko-KR" sz="800" dirty="0">
-                  <a:solidFill>
-                    <a:schemeClr val="tx1"/>
-                  </a:solidFill>
-                </a:rPr>
-                <a:t>1st</a:t>
-              </a:r>
-              <a:endParaRPr lang="ko-KR" altLang="en-US" sz="800" dirty="0">
-                <a:solidFill>
-                  <a:schemeClr val="tx1"/>
-                </a:solidFill>
-              </a:endParaRPr>
-            </a:p>
-          </p:txBody>
-        </p:sp>
-        <p:sp>
-          <p:nvSpPr>
-            <p:cNvPr id="44" name="타원 43">
-              <a:extLst>
-                <a:ext uri="{FF2B5EF4-FFF2-40B4-BE49-F238E27FC236}">
-                  <a16:creationId xmlns:a16="http://schemas.microsoft.com/office/drawing/2014/main" id="{A02A6388-3A8D-F0EC-E4B1-0CDF0FE75FCA}"/>
-                </a:ext>
-              </a:extLst>
-            </p:cNvPr>
-            <p:cNvSpPr/>
-            <p:nvPr/>
-          </p:nvSpPr>
-          <p:spPr>
-            <a:xfrm>
-              <a:off x="6824058" y="1957608"/>
-              <a:ext cx="1260000" cy="356398"/>
-            </a:xfrm>
-            <a:prstGeom prst="ellipse">
-              <a:avLst/>
-            </a:prstGeom>
-          </p:spPr>
-          <p:style>
-            <a:lnRef idx="2">
-              <a:schemeClr val="accent5">
-                <a:shade val="50000"/>
-              </a:schemeClr>
-            </a:lnRef>
-            <a:fillRef idx="1">
-              <a:schemeClr val="accent5"/>
-            </a:fillRef>
-            <a:effectRef idx="0">
-              <a:schemeClr val="accent5"/>
-            </a:effectRef>
-            <a:fontRef idx="minor">
-              <a:schemeClr val="lt1"/>
-            </a:fontRef>
-          </p:style>
-          <p:txBody>
-            <a:bodyPr rtlCol="0" anchor="ctr"/>
-            <a:lstStyle/>
-            <a:p>
-              <a:pPr algn="ctr"/>
-              <a:r>
-                <a:rPr lang="en-US" altLang="ko-KR" sz="800" dirty="0"/>
-                <a:t>1st_stp</a:t>
-              </a:r>
-            </a:p>
-            <a:p>
-              <a:pPr algn="ctr"/>
-              <a:r>
-                <a:rPr lang="en-US" altLang="ko-KR" sz="800" dirty="0"/>
-                <a:t>$ADV</a:t>
-              </a:r>
-              <a:endParaRPr lang="ko-KR" altLang="en-US" sz="800" dirty="0"/>
-            </a:p>
-          </p:txBody>
-        </p:sp>
-        <p:sp>
-          <p:nvSpPr>
-            <p:cNvPr id="48" name="타원 47">
-              <a:extLst>
-                <a:ext uri="{FF2B5EF4-FFF2-40B4-BE49-F238E27FC236}">
-                  <a16:creationId xmlns:a16="http://schemas.microsoft.com/office/drawing/2014/main" id="{E1FB52F8-55B4-D196-1EFA-BD53DE09A413}"/>
-                </a:ext>
-              </a:extLst>
-            </p:cNvPr>
-            <p:cNvSpPr/>
-            <p:nvPr/>
-          </p:nvSpPr>
-          <p:spPr>
-            <a:xfrm>
-              <a:off x="5509397" y="2937900"/>
-              <a:ext cx="1260000" cy="356398"/>
-            </a:xfrm>
-            <a:prstGeom prst="ellipse">
-              <a:avLst/>
-            </a:prstGeom>
-          </p:spPr>
-          <p:style>
-            <a:lnRef idx="2">
-              <a:schemeClr val="accent5">
-                <a:shade val="50000"/>
-              </a:schemeClr>
-            </a:lnRef>
-            <a:fillRef idx="1">
-              <a:schemeClr val="accent5"/>
-            </a:fillRef>
-            <a:effectRef idx="0">
-              <a:schemeClr val="accent5"/>
-            </a:effectRef>
-            <a:fontRef idx="minor">
-              <a:schemeClr val="lt1"/>
-            </a:fontRef>
-          </p:style>
-          <p:txBody>
-            <a:bodyPr rtlCol="0" anchor="ctr"/>
-            <a:lstStyle/>
-            <a:p>
-              <a:pPr algn="ctr"/>
-              <a:r>
-                <a:rPr lang="en-US" altLang="ko-KR" sz="800" dirty="0"/>
-                <a:t>1st_usb</a:t>
-              </a:r>
-            </a:p>
-            <a:p>
-              <a:pPr algn="ctr"/>
-              <a:r>
-                <a:rPr lang="en-US" altLang="ko-KR" sz="800" dirty="0"/>
-                <a:t>$ADV</a:t>
-              </a:r>
-              <a:endParaRPr lang="ko-KR" altLang="en-US" sz="800" dirty="0"/>
-            </a:p>
-          </p:txBody>
-        </p:sp>
-        <p:sp>
-          <p:nvSpPr>
-            <p:cNvPr id="49" name="타원 48">
-              <a:extLst>
-                <a:ext uri="{FF2B5EF4-FFF2-40B4-BE49-F238E27FC236}">
-                  <a16:creationId xmlns:a16="http://schemas.microsoft.com/office/drawing/2014/main" id="{4975758F-ECAF-04F2-205E-C0A7464F8F3A}"/>
-                </a:ext>
-              </a:extLst>
-            </p:cNvPr>
-            <p:cNvSpPr/>
-            <p:nvPr/>
-          </p:nvSpPr>
-          <p:spPr>
-            <a:xfrm>
-              <a:off x="6426556" y="3532610"/>
-              <a:ext cx="1260000" cy="356398"/>
-            </a:xfrm>
-            <a:prstGeom prst="ellipse">
-              <a:avLst/>
-            </a:prstGeom>
-          </p:spPr>
-          <p:style>
-            <a:lnRef idx="2">
-              <a:schemeClr val="accent5">
-                <a:shade val="50000"/>
-              </a:schemeClr>
-            </a:lnRef>
-            <a:fillRef idx="1">
-              <a:schemeClr val="accent5"/>
-            </a:fillRef>
-            <a:effectRef idx="0">
-              <a:schemeClr val="accent5"/>
-            </a:effectRef>
-            <a:fontRef idx="minor">
-              <a:schemeClr val="lt1"/>
-            </a:fontRef>
-          </p:style>
-          <p:txBody>
-            <a:bodyPr rtlCol="0" anchor="ctr"/>
-            <a:lstStyle/>
-            <a:p>
-              <a:pPr algn="ctr"/>
-              <a:r>
-                <a:rPr lang="en-US" altLang="ko-KR" sz="800" dirty="0"/>
-                <a:t>1st_usb</a:t>
-              </a:r>
-            </a:p>
-            <a:p>
-              <a:pPr algn="ctr"/>
-              <a:r>
-                <a:rPr lang="en-US" altLang="ko-KR" sz="800" dirty="0"/>
-                <a:t>$RET</a:t>
-              </a:r>
-              <a:endParaRPr lang="ko-KR" altLang="en-US" sz="800" dirty="0"/>
-            </a:p>
-          </p:txBody>
-        </p:sp>
-        <p:sp>
-          <p:nvSpPr>
-            <p:cNvPr id="50" name="타원 49">
-              <a:extLst>
-                <a:ext uri="{FF2B5EF4-FFF2-40B4-BE49-F238E27FC236}">
-                  <a16:creationId xmlns:a16="http://schemas.microsoft.com/office/drawing/2014/main" id="{ACAC64EB-74A9-ECA1-27AD-7A376B97A8D7}"/>
-                </a:ext>
-              </a:extLst>
-            </p:cNvPr>
-            <p:cNvSpPr/>
-            <p:nvPr/>
-          </p:nvSpPr>
-          <p:spPr>
-            <a:xfrm>
-              <a:off x="5480597" y="4151914"/>
-              <a:ext cx="1260000" cy="356398"/>
-            </a:xfrm>
-            <a:prstGeom prst="ellipse">
-              <a:avLst/>
-            </a:prstGeom>
-          </p:spPr>
-          <p:style>
-            <a:lnRef idx="2">
-              <a:schemeClr val="accent5">
-                <a:shade val="50000"/>
-              </a:schemeClr>
-            </a:lnRef>
-            <a:fillRef idx="1">
-              <a:schemeClr val="accent5"/>
-            </a:fillRef>
-            <a:effectRef idx="0">
-              <a:schemeClr val="accent5"/>
-            </a:effectRef>
-            <a:fontRef idx="minor">
-              <a:schemeClr val="lt1"/>
-            </a:fontRef>
-          </p:style>
-          <p:txBody>
-            <a:bodyPr rtlCol="0" anchor="ctr"/>
-            <a:lstStyle/>
-            <a:p>
-              <a:pPr algn="ctr"/>
-              <a:r>
-                <a:rPr lang="en-US" altLang="ko-KR" sz="800" dirty="0"/>
-                <a:t>1st_stp</a:t>
-              </a:r>
-            </a:p>
-            <a:p>
-              <a:pPr algn="ctr"/>
-              <a:r>
-                <a:rPr lang="en-US" altLang="ko-KR" sz="800" dirty="0"/>
-                <a:t>$RET</a:t>
-              </a:r>
-              <a:endParaRPr lang="ko-KR" altLang="en-US" sz="800" dirty="0"/>
-            </a:p>
-          </p:txBody>
-        </p:sp>
-        <p:cxnSp>
-          <p:nvCxnSpPr>
-            <p:cNvPr id="56" name="연결선: 꺾임 55">
-              <a:extLst>
-                <a:ext uri="{FF2B5EF4-FFF2-40B4-BE49-F238E27FC236}">
-                  <a16:creationId xmlns:a16="http://schemas.microsoft.com/office/drawing/2014/main" id="{B951A347-9132-63B0-2142-3C7BC32E0459}"/>
-                </a:ext>
-              </a:extLst>
-            </p:cNvPr>
-            <p:cNvCxnSpPr>
-              <a:cxnSpLocks/>
-              <a:stCxn id="48" idx="4"/>
-              <a:endCxn id="49" idx="0"/>
-            </p:cNvCxnSpPr>
-            <p:nvPr/>
-          </p:nvCxnSpPr>
-          <p:spPr>
-            <a:xfrm rot="16200000" flipH="1">
-              <a:off x="6478820" y="2954874"/>
-              <a:ext cx="238312" cy="917159"/>
-            </a:xfrm>
-            <a:prstGeom prst="bentConnector3">
-              <a:avLst>
-                <a:gd name="adj1" fmla="val 50000"/>
-              </a:avLst>
-            </a:prstGeom>
-            <a:ln>
-              <a:tailEnd type="triangle"/>
-            </a:ln>
-          </p:spPr>
-          <p:style>
-            <a:lnRef idx="1">
-              <a:schemeClr val="accent1"/>
-            </a:lnRef>
-            <a:fillRef idx="0">
-              <a:schemeClr val="accent1"/>
-            </a:fillRef>
-            <a:effectRef idx="0">
-              <a:schemeClr val="accent1"/>
-            </a:effectRef>
-            <a:fontRef idx="minor">
-              <a:schemeClr val="tx1"/>
-            </a:fontRef>
-          </p:style>
-        </p:cxnSp>
-        <p:cxnSp>
-          <p:nvCxnSpPr>
-            <p:cNvPr id="61" name="연결선: 꺾임 60">
-              <a:extLst>
-                <a:ext uri="{FF2B5EF4-FFF2-40B4-BE49-F238E27FC236}">
-                  <a16:creationId xmlns:a16="http://schemas.microsoft.com/office/drawing/2014/main" id="{90E17F23-ADE8-D2E8-8A8B-45F538156396}"/>
-                </a:ext>
-              </a:extLst>
-            </p:cNvPr>
-            <p:cNvCxnSpPr>
-              <a:cxnSpLocks/>
-              <a:stCxn id="49" idx="4"/>
-              <a:endCxn id="50" idx="0"/>
-            </p:cNvCxnSpPr>
-            <p:nvPr/>
-          </p:nvCxnSpPr>
-          <p:spPr>
-            <a:xfrm rot="5400000">
-              <a:off x="6452123" y="3547482"/>
-              <a:ext cx="262907" cy="945958"/>
-            </a:xfrm>
-            <a:prstGeom prst="bentConnector3">
-              <a:avLst>
-                <a:gd name="adj1" fmla="val 50000"/>
-              </a:avLst>
-            </a:prstGeom>
-            <a:ln>
-              <a:tailEnd type="triangle"/>
-            </a:ln>
-          </p:spPr>
-          <p:style>
-            <a:lnRef idx="1">
-              <a:schemeClr val="accent1"/>
-            </a:lnRef>
-            <a:fillRef idx="0">
-              <a:schemeClr val="accent1"/>
-            </a:fillRef>
-            <a:effectRef idx="0">
-              <a:schemeClr val="accent1"/>
-            </a:effectRef>
-            <a:fontRef idx="minor">
-              <a:schemeClr val="tx1"/>
-            </a:fontRef>
-          </p:style>
-        </p:cxnSp>
-      </p:grpSp>
-      <p:grpSp>
-        <p:nvGrpSpPr>
-          <p:cNvPr id="6" name="그룹 5">
-            <a:extLst>
-              <a:ext uri="{FF2B5EF4-FFF2-40B4-BE49-F238E27FC236}">
-                <a16:creationId xmlns:a16="http://schemas.microsoft.com/office/drawing/2014/main" id="{AB40F19F-2A07-35DD-A8F6-EE0E54988E4E}"/>
-              </a:ext>
-            </a:extLst>
-          </p:cNvPr>
-          <p:cNvGrpSpPr/>
-          <p:nvPr/>
-        </p:nvGrpSpPr>
-        <p:grpSpPr>
-          <a:xfrm>
-            <a:off x="317571" y="3455271"/>
-            <a:ext cx="3498851" cy="1556092"/>
-            <a:chOff x="4944356" y="1445451"/>
-            <a:chExt cx="3641196" cy="3102292"/>
-          </a:xfrm>
-        </p:grpSpPr>
-        <p:sp>
-          <p:nvSpPr>
-            <p:cNvPr id="7" name="직사각형 6">
-              <a:extLst>
-                <a:ext uri="{FF2B5EF4-FFF2-40B4-BE49-F238E27FC236}">
-                  <a16:creationId xmlns:a16="http://schemas.microsoft.com/office/drawing/2014/main" id="{2A03681A-22E4-59F0-D944-12C8C80CC079}"/>
-                </a:ext>
-              </a:extLst>
-            </p:cNvPr>
-            <p:cNvSpPr/>
-            <p:nvPr/>
-          </p:nvSpPr>
-          <p:spPr>
-            <a:xfrm>
-              <a:off x="4944356" y="1445451"/>
-              <a:ext cx="3641196" cy="3102292"/>
-            </a:xfrm>
-            <a:prstGeom prst="rect">
-              <a:avLst/>
-            </a:prstGeom>
-            <a:solidFill>
-              <a:schemeClr val="accent4">
-                <a:alpha val="50000"/>
-              </a:schemeClr>
-            </a:solidFill>
-            <a:ln>
-              <a:noFill/>
-            </a:ln>
-          </p:spPr>
-          <p:style>
-            <a:lnRef idx="0">
-              <a:scrgbClr r="0" g="0" b="0"/>
-            </a:lnRef>
-            <a:fillRef idx="0">
-              <a:scrgbClr r="0" g="0" b="0"/>
-            </a:fillRef>
-            <a:effectRef idx="0">
-              <a:scrgbClr r="0" g="0" b="0"/>
-            </a:effectRef>
-            <a:fontRef idx="minor">
-              <a:schemeClr val="lt1"/>
-            </a:fontRef>
-          </p:style>
-          <p:txBody>
-            <a:bodyPr rtlCol="0" anchor="t"/>
-            <a:lstStyle/>
-            <a:p>
-              <a:pPr algn="ctr"/>
-              <a:r>
-                <a:rPr lang="en-US" altLang="ko-KR" sz="800" dirty="0">
-                  <a:solidFill>
-                    <a:schemeClr val="tx1"/>
-                  </a:solidFill>
-                </a:rPr>
-                <a:t>2nd</a:t>
-              </a:r>
-              <a:endParaRPr lang="ko-KR" altLang="en-US" sz="800" dirty="0">
-                <a:solidFill>
-                  <a:schemeClr val="tx1"/>
-                </a:solidFill>
-              </a:endParaRPr>
-            </a:p>
-          </p:txBody>
-        </p:sp>
-        <p:sp>
-          <p:nvSpPr>
-            <p:cNvPr id="10" name="타원 9">
-              <a:extLst>
-                <a:ext uri="{FF2B5EF4-FFF2-40B4-BE49-F238E27FC236}">
-                  <a16:creationId xmlns:a16="http://schemas.microsoft.com/office/drawing/2014/main" id="{7DE7DF37-FDCA-6CE4-2525-2B1A5FE987DC}"/>
-                </a:ext>
-              </a:extLst>
-            </p:cNvPr>
-            <p:cNvSpPr/>
-            <p:nvPr/>
-          </p:nvSpPr>
-          <p:spPr>
-            <a:xfrm>
-              <a:off x="6824058" y="1957608"/>
-              <a:ext cx="1260000" cy="356398"/>
-            </a:xfrm>
-            <a:prstGeom prst="ellipse">
-              <a:avLst/>
-            </a:prstGeom>
-          </p:spPr>
-          <p:style>
-            <a:lnRef idx="2">
-              <a:schemeClr val="accent5">
-                <a:shade val="50000"/>
-              </a:schemeClr>
-            </a:lnRef>
-            <a:fillRef idx="1">
-              <a:schemeClr val="accent5"/>
-            </a:fillRef>
-            <a:effectRef idx="0">
-              <a:schemeClr val="accent5"/>
-            </a:effectRef>
-            <a:fontRef idx="minor">
-              <a:schemeClr val="lt1"/>
-            </a:fontRef>
-          </p:style>
-          <p:txBody>
-            <a:bodyPr rtlCol="0" anchor="ctr"/>
-            <a:lstStyle/>
-            <a:p>
-              <a:pPr algn="ctr"/>
-              <a:r>
-                <a:rPr lang="en-US" altLang="ko-KR" sz="800" dirty="0"/>
-                <a:t>2nd_stp</a:t>
-              </a:r>
-            </a:p>
-            <a:p>
-              <a:pPr algn="ctr"/>
-              <a:r>
-                <a:rPr lang="en-US" altLang="ko-KR" sz="800" dirty="0"/>
-                <a:t>$ADV</a:t>
-              </a:r>
-              <a:endParaRPr lang="ko-KR" altLang="en-US" sz="800" dirty="0"/>
-            </a:p>
-          </p:txBody>
-        </p:sp>
-        <p:sp>
-          <p:nvSpPr>
-            <p:cNvPr id="12" name="타원 11">
-              <a:extLst>
-                <a:ext uri="{FF2B5EF4-FFF2-40B4-BE49-F238E27FC236}">
-                  <a16:creationId xmlns:a16="http://schemas.microsoft.com/office/drawing/2014/main" id="{24559885-2687-5FD0-905F-EA8DA85213E7}"/>
-                </a:ext>
-              </a:extLst>
-            </p:cNvPr>
-            <p:cNvSpPr/>
-            <p:nvPr/>
-          </p:nvSpPr>
-          <p:spPr>
-            <a:xfrm>
-              <a:off x="5509397" y="2937900"/>
-              <a:ext cx="1260000" cy="356398"/>
-            </a:xfrm>
-            <a:prstGeom prst="ellipse">
-              <a:avLst/>
-            </a:prstGeom>
-          </p:spPr>
-          <p:style>
-            <a:lnRef idx="2">
-              <a:schemeClr val="accent5">
-                <a:shade val="50000"/>
-              </a:schemeClr>
-            </a:lnRef>
-            <a:fillRef idx="1">
-              <a:schemeClr val="accent5"/>
-            </a:fillRef>
-            <a:effectRef idx="0">
-              <a:schemeClr val="accent5"/>
-            </a:effectRef>
-            <a:fontRef idx="minor">
-              <a:schemeClr val="lt1"/>
-            </a:fontRef>
-          </p:style>
-          <p:txBody>
-            <a:bodyPr rtlCol="0" anchor="ctr"/>
-            <a:lstStyle/>
-            <a:p>
-              <a:pPr algn="ctr"/>
-              <a:r>
-                <a:rPr lang="en-US" altLang="ko-KR" sz="800" dirty="0"/>
-                <a:t>2nd_usb</a:t>
-              </a:r>
-            </a:p>
-            <a:p>
-              <a:pPr algn="ctr"/>
-              <a:r>
-                <a:rPr lang="en-US" altLang="ko-KR" sz="800" dirty="0"/>
-                <a:t>$ADV</a:t>
-              </a:r>
-              <a:endParaRPr lang="ko-KR" altLang="en-US" sz="800" dirty="0"/>
-            </a:p>
-          </p:txBody>
-        </p:sp>
-        <p:sp>
-          <p:nvSpPr>
-            <p:cNvPr id="13" name="타원 12">
-              <a:extLst>
-                <a:ext uri="{FF2B5EF4-FFF2-40B4-BE49-F238E27FC236}">
-                  <a16:creationId xmlns:a16="http://schemas.microsoft.com/office/drawing/2014/main" id="{AD7527D6-6A9E-3286-2D18-0AC36543B838}"/>
-                </a:ext>
-              </a:extLst>
-            </p:cNvPr>
-            <p:cNvSpPr/>
-            <p:nvPr/>
-          </p:nvSpPr>
-          <p:spPr>
-            <a:xfrm>
-              <a:off x="6426556" y="3532610"/>
-              <a:ext cx="1260000" cy="356398"/>
-            </a:xfrm>
-            <a:prstGeom prst="ellipse">
-              <a:avLst/>
-            </a:prstGeom>
-          </p:spPr>
-          <p:style>
-            <a:lnRef idx="2">
-              <a:schemeClr val="accent5">
-                <a:shade val="50000"/>
-              </a:schemeClr>
-            </a:lnRef>
-            <a:fillRef idx="1">
-              <a:schemeClr val="accent5"/>
-            </a:fillRef>
-            <a:effectRef idx="0">
-              <a:schemeClr val="accent5"/>
-            </a:effectRef>
-            <a:fontRef idx="minor">
-              <a:schemeClr val="lt1"/>
-            </a:fontRef>
-          </p:style>
-          <p:txBody>
-            <a:bodyPr rtlCol="0" anchor="ctr"/>
-            <a:lstStyle/>
-            <a:p>
-              <a:pPr algn="ctr"/>
-              <a:r>
-                <a:rPr lang="en-US" altLang="ko-KR" sz="800" dirty="0"/>
-                <a:t>2nd_usb</a:t>
-              </a:r>
-            </a:p>
-            <a:p>
-              <a:pPr algn="ctr"/>
-              <a:r>
-                <a:rPr lang="en-US" altLang="ko-KR" sz="800" dirty="0"/>
-                <a:t>$RET</a:t>
-              </a:r>
-              <a:endParaRPr lang="ko-KR" altLang="en-US" sz="800" dirty="0"/>
-            </a:p>
-          </p:txBody>
-        </p:sp>
-        <p:sp>
-          <p:nvSpPr>
-            <p:cNvPr id="14" name="타원 13">
-              <a:extLst>
-                <a:ext uri="{FF2B5EF4-FFF2-40B4-BE49-F238E27FC236}">
-                  <a16:creationId xmlns:a16="http://schemas.microsoft.com/office/drawing/2014/main" id="{CEF1119F-F747-205A-50E7-BCDB31793E8F}"/>
-                </a:ext>
-              </a:extLst>
-            </p:cNvPr>
-            <p:cNvSpPr/>
-            <p:nvPr/>
-          </p:nvSpPr>
-          <p:spPr>
-            <a:xfrm>
-              <a:off x="6134954" y="4140660"/>
-              <a:ext cx="1260000" cy="356398"/>
-            </a:xfrm>
-            <a:prstGeom prst="ellipse">
-              <a:avLst/>
-            </a:prstGeom>
-          </p:spPr>
-          <p:style>
-            <a:lnRef idx="2">
-              <a:schemeClr val="accent5">
-                <a:shade val="50000"/>
-              </a:schemeClr>
-            </a:lnRef>
-            <a:fillRef idx="1">
-              <a:schemeClr val="accent5"/>
-            </a:fillRef>
-            <a:effectRef idx="0">
-              <a:schemeClr val="accent5"/>
-            </a:effectRef>
-            <a:fontRef idx="minor">
-              <a:schemeClr val="lt1"/>
-            </a:fontRef>
-          </p:style>
-          <p:txBody>
-            <a:bodyPr rtlCol="0" anchor="ctr"/>
-            <a:lstStyle/>
-            <a:p>
-              <a:pPr algn="ctr"/>
-              <a:r>
-                <a:rPr lang="en-US" altLang="ko-KR" sz="800" dirty="0"/>
-                <a:t>2nd_stp</a:t>
-              </a:r>
-            </a:p>
-            <a:p>
-              <a:pPr algn="ctr"/>
-              <a:r>
-                <a:rPr lang="en-US" altLang="ko-KR" sz="800" dirty="0"/>
-                <a:t>$RET</a:t>
-              </a:r>
-              <a:endParaRPr lang="ko-KR" altLang="en-US" sz="800" dirty="0"/>
-            </a:p>
-          </p:txBody>
-        </p:sp>
-        <p:cxnSp>
-          <p:nvCxnSpPr>
-            <p:cNvPr id="17" name="연결선: 꺾임 16">
-              <a:extLst>
-                <a:ext uri="{FF2B5EF4-FFF2-40B4-BE49-F238E27FC236}">
-                  <a16:creationId xmlns:a16="http://schemas.microsoft.com/office/drawing/2014/main" id="{CAD500E9-1B6A-ECBF-F211-5E1BBD795737}"/>
-                </a:ext>
-              </a:extLst>
-            </p:cNvPr>
-            <p:cNvCxnSpPr>
-              <a:cxnSpLocks/>
-              <a:stCxn id="10" idx="4"/>
-              <a:endCxn id="12" idx="0"/>
-            </p:cNvCxnSpPr>
-            <p:nvPr/>
-          </p:nvCxnSpPr>
-          <p:spPr>
-            <a:xfrm rot="5400000">
-              <a:off x="6484781" y="1968623"/>
-              <a:ext cx="623894" cy="1314661"/>
-            </a:xfrm>
-            <a:prstGeom prst="bentConnector3">
-              <a:avLst/>
-            </a:prstGeom>
-            <a:ln>
-              <a:tailEnd type="triangle"/>
-            </a:ln>
-          </p:spPr>
-          <p:style>
-            <a:lnRef idx="1">
-              <a:schemeClr val="accent1"/>
-            </a:lnRef>
-            <a:fillRef idx="0">
-              <a:schemeClr val="accent1"/>
-            </a:fillRef>
-            <a:effectRef idx="0">
-              <a:schemeClr val="accent1"/>
-            </a:effectRef>
-            <a:fontRef idx="minor">
-              <a:schemeClr val="tx1"/>
-            </a:fontRef>
-          </p:style>
-        </p:cxnSp>
-        <p:cxnSp>
-          <p:nvCxnSpPr>
-            <p:cNvPr id="18" name="연결선: 꺾임 17">
-              <a:extLst>
-                <a:ext uri="{FF2B5EF4-FFF2-40B4-BE49-F238E27FC236}">
-                  <a16:creationId xmlns:a16="http://schemas.microsoft.com/office/drawing/2014/main" id="{DE792B4D-EEF5-3839-9F1F-A19CDC563597}"/>
-                </a:ext>
-              </a:extLst>
-            </p:cNvPr>
-            <p:cNvCxnSpPr>
-              <a:cxnSpLocks/>
-              <a:stCxn id="12" idx="4"/>
-              <a:endCxn id="13" idx="0"/>
-            </p:cNvCxnSpPr>
-            <p:nvPr/>
-          </p:nvCxnSpPr>
-          <p:spPr>
-            <a:xfrm rot="16200000" flipH="1">
-              <a:off x="6478820" y="2954874"/>
-              <a:ext cx="238312" cy="917159"/>
-            </a:xfrm>
-            <a:prstGeom prst="bentConnector3">
-              <a:avLst>
-                <a:gd name="adj1" fmla="val 50000"/>
-              </a:avLst>
-            </a:prstGeom>
-            <a:ln>
-              <a:tailEnd type="triangle"/>
-            </a:ln>
-          </p:spPr>
-          <p:style>
-            <a:lnRef idx="1">
-              <a:schemeClr val="accent1"/>
-            </a:lnRef>
-            <a:fillRef idx="0">
-              <a:schemeClr val="accent1"/>
-            </a:fillRef>
-            <a:effectRef idx="0">
-              <a:schemeClr val="accent1"/>
-            </a:effectRef>
-            <a:fontRef idx="minor">
-              <a:schemeClr val="tx1"/>
-            </a:fontRef>
-          </p:style>
-        </p:cxnSp>
-        <p:cxnSp>
-          <p:nvCxnSpPr>
-            <p:cNvPr id="24" name="연결선: 꺾임 23">
-              <a:extLst>
-                <a:ext uri="{FF2B5EF4-FFF2-40B4-BE49-F238E27FC236}">
-                  <a16:creationId xmlns:a16="http://schemas.microsoft.com/office/drawing/2014/main" id="{8D486FA6-BCC9-5706-9BA1-6506A3BB62C7}"/>
-                </a:ext>
-              </a:extLst>
-            </p:cNvPr>
-            <p:cNvCxnSpPr>
-              <a:cxnSpLocks/>
-              <a:stCxn id="13" idx="4"/>
-              <a:endCxn id="14" idx="0"/>
-            </p:cNvCxnSpPr>
-            <p:nvPr/>
-          </p:nvCxnSpPr>
-          <p:spPr>
-            <a:xfrm rot="5400000">
-              <a:off x="6784929" y="3869033"/>
-              <a:ext cx="251652" cy="291602"/>
-            </a:xfrm>
-            <a:prstGeom prst="bentConnector3">
-              <a:avLst>
-                <a:gd name="adj1" fmla="val 50000"/>
-              </a:avLst>
-            </a:prstGeom>
-            <a:ln>
-              <a:tailEnd type="triangle"/>
-            </a:ln>
-          </p:spPr>
-          <p:style>
-            <a:lnRef idx="1">
-              <a:schemeClr val="accent1"/>
-            </a:lnRef>
-            <a:fillRef idx="0">
-              <a:schemeClr val="accent1"/>
-            </a:fillRef>
-            <a:effectRef idx="0">
-              <a:schemeClr val="accent1"/>
-            </a:effectRef>
-            <a:fontRef idx="minor">
-              <a:schemeClr val="tx1"/>
-            </a:fontRef>
-          </p:style>
-        </p:cxnSp>
-      </p:grpSp>
       <p:cxnSp>
         <p:nvCxnSpPr>
           <p:cNvPr id="29" name="연결선: 꺾임 28">
@@ -35445,990 +34596,6 @@
           </a:p>
         </p:txBody>
       </p:sp>
-      <p:grpSp>
-        <p:nvGrpSpPr>
-          <p:cNvPr id="36" name="그룹 35">
-            <a:extLst>
-              <a:ext uri="{FF2B5EF4-FFF2-40B4-BE49-F238E27FC236}">
-                <a16:creationId xmlns:a16="http://schemas.microsoft.com/office/drawing/2014/main" id="{E2F3DE2D-DB6A-7CE7-E03F-C2B9202DBB51}"/>
-              </a:ext>
-            </a:extLst>
-          </p:cNvPr>
-          <p:cNvGrpSpPr/>
-          <p:nvPr/>
-        </p:nvGrpSpPr>
-        <p:grpSpPr>
-          <a:xfrm>
-            <a:off x="311188" y="5180111"/>
-            <a:ext cx="3498851" cy="1556092"/>
-            <a:chOff x="4944356" y="1445451"/>
-            <a:chExt cx="3641196" cy="3102292"/>
-          </a:xfrm>
-        </p:grpSpPr>
-        <p:sp>
-          <p:nvSpPr>
-            <p:cNvPr id="37" name="직사각형 36">
-              <a:extLst>
-                <a:ext uri="{FF2B5EF4-FFF2-40B4-BE49-F238E27FC236}">
-                  <a16:creationId xmlns:a16="http://schemas.microsoft.com/office/drawing/2014/main" id="{78D109FC-4BBE-8C8E-589A-1822301677C3}"/>
-                </a:ext>
-              </a:extLst>
-            </p:cNvPr>
-            <p:cNvSpPr/>
-            <p:nvPr/>
-          </p:nvSpPr>
-          <p:spPr>
-            <a:xfrm>
-              <a:off x="4944356" y="1445451"/>
-              <a:ext cx="3641196" cy="3102292"/>
-            </a:xfrm>
-            <a:prstGeom prst="rect">
-              <a:avLst/>
-            </a:prstGeom>
-            <a:solidFill>
-              <a:schemeClr val="accent4">
-                <a:alpha val="50000"/>
-              </a:schemeClr>
-            </a:solidFill>
-            <a:ln>
-              <a:noFill/>
-            </a:ln>
-          </p:spPr>
-          <p:style>
-            <a:lnRef idx="0">
-              <a:scrgbClr r="0" g="0" b="0"/>
-            </a:lnRef>
-            <a:fillRef idx="0">
-              <a:scrgbClr r="0" g="0" b="0"/>
-            </a:fillRef>
-            <a:effectRef idx="0">
-              <a:scrgbClr r="0" g="0" b="0"/>
-            </a:effectRef>
-            <a:fontRef idx="minor">
-              <a:schemeClr val="lt1"/>
-            </a:fontRef>
-          </p:style>
-          <p:txBody>
-            <a:bodyPr rtlCol="0" anchor="t"/>
-            <a:lstStyle/>
-            <a:p>
-              <a:pPr algn="ctr"/>
-              <a:r>
-                <a:rPr lang="en-US" altLang="ko-KR" sz="800" dirty="0">
-                  <a:solidFill>
-                    <a:schemeClr val="tx1"/>
-                  </a:solidFill>
-                </a:rPr>
-                <a:t>3rd</a:t>
-              </a:r>
-              <a:endParaRPr lang="ko-KR" altLang="en-US" sz="800" dirty="0">
-                <a:solidFill>
-                  <a:schemeClr val="tx1"/>
-                </a:solidFill>
-              </a:endParaRPr>
-            </a:p>
-          </p:txBody>
-        </p:sp>
-        <p:sp>
-          <p:nvSpPr>
-            <p:cNvPr id="40" name="타원 39">
-              <a:extLst>
-                <a:ext uri="{FF2B5EF4-FFF2-40B4-BE49-F238E27FC236}">
-                  <a16:creationId xmlns:a16="http://schemas.microsoft.com/office/drawing/2014/main" id="{75C5FBD5-E07D-B424-B866-1693481FBF40}"/>
-                </a:ext>
-              </a:extLst>
-            </p:cNvPr>
-            <p:cNvSpPr/>
-            <p:nvPr/>
-          </p:nvSpPr>
-          <p:spPr>
-            <a:xfrm>
-              <a:off x="6824058" y="1957608"/>
-              <a:ext cx="1260000" cy="356398"/>
-            </a:xfrm>
-            <a:prstGeom prst="ellipse">
-              <a:avLst/>
-            </a:prstGeom>
-          </p:spPr>
-          <p:style>
-            <a:lnRef idx="2">
-              <a:schemeClr val="accent5">
-                <a:shade val="50000"/>
-              </a:schemeClr>
-            </a:lnRef>
-            <a:fillRef idx="1">
-              <a:schemeClr val="accent5"/>
-            </a:fillRef>
-            <a:effectRef idx="0">
-              <a:schemeClr val="accent5"/>
-            </a:effectRef>
-            <a:fontRef idx="minor">
-              <a:schemeClr val="lt1"/>
-            </a:fontRef>
-          </p:style>
-          <p:txBody>
-            <a:bodyPr rtlCol="0" anchor="ctr"/>
-            <a:lstStyle/>
-            <a:p>
-              <a:pPr algn="ctr"/>
-              <a:r>
-                <a:rPr lang="en-US" altLang="ko-KR" sz="800" dirty="0"/>
-                <a:t>3rd_stp</a:t>
-              </a:r>
-            </a:p>
-            <a:p>
-              <a:pPr algn="ctr"/>
-              <a:r>
-                <a:rPr lang="en-US" altLang="ko-KR" sz="800" dirty="0"/>
-                <a:t>$ADV</a:t>
-              </a:r>
-              <a:endParaRPr lang="ko-KR" altLang="en-US" sz="800" dirty="0"/>
-            </a:p>
-          </p:txBody>
-        </p:sp>
-        <p:sp>
-          <p:nvSpPr>
-            <p:cNvPr id="41" name="타원 40">
-              <a:extLst>
-                <a:ext uri="{FF2B5EF4-FFF2-40B4-BE49-F238E27FC236}">
-                  <a16:creationId xmlns:a16="http://schemas.microsoft.com/office/drawing/2014/main" id="{231C04E9-53C8-1EBE-15AF-1A2D3C23F74A}"/>
-                </a:ext>
-              </a:extLst>
-            </p:cNvPr>
-            <p:cNvSpPr/>
-            <p:nvPr/>
-          </p:nvSpPr>
-          <p:spPr>
-            <a:xfrm>
-              <a:off x="5509397" y="2937900"/>
-              <a:ext cx="1260000" cy="356398"/>
-            </a:xfrm>
-            <a:prstGeom prst="ellipse">
-              <a:avLst/>
-            </a:prstGeom>
-          </p:spPr>
-          <p:style>
-            <a:lnRef idx="2">
-              <a:schemeClr val="accent5">
-                <a:shade val="50000"/>
-              </a:schemeClr>
-            </a:lnRef>
-            <a:fillRef idx="1">
-              <a:schemeClr val="accent5"/>
-            </a:fillRef>
-            <a:effectRef idx="0">
-              <a:schemeClr val="accent5"/>
-            </a:effectRef>
-            <a:fontRef idx="minor">
-              <a:schemeClr val="lt1"/>
-            </a:fontRef>
-          </p:style>
-          <p:txBody>
-            <a:bodyPr rtlCol="0" anchor="ctr"/>
-            <a:lstStyle/>
-            <a:p>
-              <a:pPr algn="ctr"/>
-              <a:r>
-                <a:rPr lang="en-US" altLang="ko-KR" sz="800" dirty="0"/>
-                <a:t>3rd_usb</a:t>
-              </a:r>
-            </a:p>
-            <a:p>
-              <a:pPr algn="ctr"/>
-              <a:r>
-                <a:rPr lang="en-US" altLang="ko-KR" sz="800" dirty="0"/>
-                <a:t>$ADV</a:t>
-              </a:r>
-              <a:endParaRPr lang="ko-KR" altLang="en-US" sz="800" dirty="0"/>
-            </a:p>
-          </p:txBody>
-        </p:sp>
-        <p:sp>
-          <p:nvSpPr>
-            <p:cNvPr id="45" name="타원 44">
-              <a:extLst>
-                <a:ext uri="{FF2B5EF4-FFF2-40B4-BE49-F238E27FC236}">
-                  <a16:creationId xmlns:a16="http://schemas.microsoft.com/office/drawing/2014/main" id="{D4FFF9D6-237B-346B-60D1-7DFFAF690665}"/>
-                </a:ext>
-              </a:extLst>
-            </p:cNvPr>
-            <p:cNvSpPr/>
-            <p:nvPr/>
-          </p:nvSpPr>
-          <p:spPr>
-            <a:xfrm>
-              <a:off x="6426556" y="3532610"/>
-              <a:ext cx="1260000" cy="356398"/>
-            </a:xfrm>
-            <a:prstGeom prst="ellipse">
-              <a:avLst/>
-            </a:prstGeom>
-          </p:spPr>
-          <p:style>
-            <a:lnRef idx="2">
-              <a:schemeClr val="accent5">
-                <a:shade val="50000"/>
-              </a:schemeClr>
-            </a:lnRef>
-            <a:fillRef idx="1">
-              <a:schemeClr val="accent5"/>
-            </a:fillRef>
-            <a:effectRef idx="0">
-              <a:schemeClr val="accent5"/>
-            </a:effectRef>
-            <a:fontRef idx="minor">
-              <a:schemeClr val="lt1"/>
-            </a:fontRef>
-          </p:style>
-          <p:txBody>
-            <a:bodyPr rtlCol="0" anchor="ctr"/>
-            <a:lstStyle/>
-            <a:p>
-              <a:pPr algn="ctr"/>
-              <a:r>
-                <a:rPr lang="en-US" altLang="ko-KR" sz="800" dirty="0"/>
-                <a:t>3rd_usb</a:t>
-              </a:r>
-            </a:p>
-            <a:p>
-              <a:pPr algn="ctr"/>
-              <a:r>
-                <a:rPr lang="en-US" altLang="ko-KR" sz="800" dirty="0"/>
-                <a:t>$RET</a:t>
-              </a:r>
-              <a:endParaRPr lang="ko-KR" altLang="en-US" sz="800" dirty="0"/>
-            </a:p>
-          </p:txBody>
-        </p:sp>
-        <p:sp>
-          <p:nvSpPr>
-            <p:cNvPr id="46" name="타원 45">
-              <a:extLst>
-                <a:ext uri="{FF2B5EF4-FFF2-40B4-BE49-F238E27FC236}">
-                  <a16:creationId xmlns:a16="http://schemas.microsoft.com/office/drawing/2014/main" id="{40454175-7E37-9B01-0D4A-4D00AB584EB3}"/>
-                </a:ext>
-              </a:extLst>
-            </p:cNvPr>
-            <p:cNvSpPr/>
-            <p:nvPr/>
-          </p:nvSpPr>
-          <p:spPr>
-            <a:xfrm>
-              <a:off x="6134954" y="4140660"/>
-              <a:ext cx="1260000" cy="356398"/>
-            </a:xfrm>
-            <a:prstGeom prst="ellipse">
-              <a:avLst/>
-            </a:prstGeom>
-          </p:spPr>
-          <p:style>
-            <a:lnRef idx="2">
-              <a:schemeClr val="accent5">
-                <a:shade val="50000"/>
-              </a:schemeClr>
-            </a:lnRef>
-            <a:fillRef idx="1">
-              <a:schemeClr val="accent5"/>
-            </a:fillRef>
-            <a:effectRef idx="0">
-              <a:schemeClr val="accent5"/>
-            </a:effectRef>
-            <a:fontRef idx="minor">
-              <a:schemeClr val="lt1"/>
-            </a:fontRef>
-          </p:style>
-          <p:txBody>
-            <a:bodyPr rtlCol="0" anchor="ctr"/>
-            <a:lstStyle/>
-            <a:p>
-              <a:pPr algn="ctr"/>
-              <a:r>
-                <a:rPr lang="en-US" altLang="ko-KR" sz="800" dirty="0"/>
-                <a:t>3rd_stp</a:t>
-              </a:r>
-            </a:p>
-            <a:p>
-              <a:pPr algn="ctr"/>
-              <a:r>
-                <a:rPr lang="en-US" altLang="ko-KR" sz="800" dirty="0"/>
-                <a:t>$RET</a:t>
-              </a:r>
-              <a:endParaRPr lang="ko-KR" altLang="en-US" sz="800" dirty="0"/>
-            </a:p>
-          </p:txBody>
-        </p:sp>
-        <p:cxnSp>
-          <p:nvCxnSpPr>
-            <p:cNvPr id="54" name="연결선: 꺾임 53">
-              <a:extLst>
-                <a:ext uri="{FF2B5EF4-FFF2-40B4-BE49-F238E27FC236}">
-                  <a16:creationId xmlns:a16="http://schemas.microsoft.com/office/drawing/2014/main" id="{955F54F7-73A1-51EF-2293-42F3E3FFDD9C}"/>
-                </a:ext>
-              </a:extLst>
-            </p:cNvPr>
-            <p:cNvCxnSpPr>
-              <a:cxnSpLocks/>
-              <a:stCxn id="40" idx="4"/>
-              <a:endCxn id="41" idx="0"/>
-            </p:cNvCxnSpPr>
-            <p:nvPr/>
-          </p:nvCxnSpPr>
-          <p:spPr>
-            <a:xfrm rot="5400000">
-              <a:off x="6484781" y="1968623"/>
-              <a:ext cx="623894" cy="1314661"/>
-            </a:xfrm>
-            <a:prstGeom prst="bentConnector3">
-              <a:avLst/>
-            </a:prstGeom>
-            <a:ln>
-              <a:tailEnd type="triangle"/>
-            </a:ln>
-          </p:spPr>
-          <p:style>
-            <a:lnRef idx="1">
-              <a:schemeClr val="accent1"/>
-            </a:lnRef>
-            <a:fillRef idx="0">
-              <a:schemeClr val="accent1"/>
-            </a:fillRef>
-            <a:effectRef idx="0">
-              <a:schemeClr val="accent1"/>
-            </a:effectRef>
-            <a:fontRef idx="minor">
-              <a:schemeClr val="tx1"/>
-            </a:fontRef>
-          </p:style>
-        </p:cxnSp>
-        <p:cxnSp>
-          <p:nvCxnSpPr>
-            <p:cNvPr id="55" name="연결선: 꺾임 54">
-              <a:extLst>
-                <a:ext uri="{FF2B5EF4-FFF2-40B4-BE49-F238E27FC236}">
-                  <a16:creationId xmlns:a16="http://schemas.microsoft.com/office/drawing/2014/main" id="{110E3F75-13DC-62CD-65F0-0BCD794BE262}"/>
-                </a:ext>
-              </a:extLst>
-            </p:cNvPr>
-            <p:cNvCxnSpPr>
-              <a:cxnSpLocks/>
-              <a:stCxn id="41" idx="4"/>
-              <a:endCxn id="45" idx="0"/>
-            </p:cNvCxnSpPr>
-            <p:nvPr/>
-          </p:nvCxnSpPr>
-          <p:spPr>
-            <a:xfrm rot="16200000" flipH="1">
-              <a:off x="6478820" y="2954874"/>
-              <a:ext cx="238312" cy="917159"/>
-            </a:xfrm>
-            <a:prstGeom prst="bentConnector3">
-              <a:avLst>
-                <a:gd name="adj1" fmla="val 50000"/>
-              </a:avLst>
-            </a:prstGeom>
-            <a:ln>
-              <a:tailEnd type="triangle"/>
-            </a:ln>
-          </p:spPr>
-          <p:style>
-            <a:lnRef idx="1">
-              <a:schemeClr val="accent1"/>
-            </a:lnRef>
-            <a:fillRef idx="0">
-              <a:schemeClr val="accent1"/>
-            </a:fillRef>
-            <a:effectRef idx="0">
-              <a:schemeClr val="accent1"/>
-            </a:effectRef>
-            <a:fontRef idx="minor">
-              <a:schemeClr val="tx1"/>
-            </a:fontRef>
-          </p:style>
-        </p:cxnSp>
-        <p:cxnSp>
-          <p:nvCxnSpPr>
-            <p:cNvPr id="57" name="연결선: 꺾임 56">
-              <a:extLst>
-                <a:ext uri="{FF2B5EF4-FFF2-40B4-BE49-F238E27FC236}">
-                  <a16:creationId xmlns:a16="http://schemas.microsoft.com/office/drawing/2014/main" id="{306437AE-F935-CF65-125E-77911E31D2FC}"/>
-                </a:ext>
-              </a:extLst>
-            </p:cNvPr>
-            <p:cNvCxnSpPr>
-              <a:cxnSpLocks/>
-              <a:stCxn id="45" idx="4"/>
-              <a:endCxn id="46" idx="0"/>
-            </p:cNvCxnSpPr>
-            <p:nvPr/>
-          </p:nvCxnSpPr>
-          <p:spPr>
-            <a:xfrm rot="5400000">
-              <a:off x="6784929" y="3869033"/>
-              <a:ext cx="251652" cy="291602"/>
-            </a:xfrm>
-            <a:prstGeom prst="bentConnector3">
-              <a:avLst>
-                <a:gd name="adj1" fmla="val 50000"/>
-              </a:avLst>
-            </a:prstGeom>
-            <a:ln>
-              <a:tailEnd type="triangle"/>
-            </a:ln>
-          </p:spPr>
-          <p:style>
-            <a:lnRef idx="1">
-              <a:schemeClr val="accent1"/>
-            </a:lnRef>
-            <a:fillRef idx="0">
-              <a:schemeClr val="accent1"/>
-            </a:fillRef>
-            <a:effectRef idx="0">
-              <a:schemeClr val="accent1"/>
-            </a:effectRef>
-            <a:fontRef idx="minor">
-              <a:schemeClr val="tx1"/>
-            </a:fontRef>
-          </p:style>
-        </p:cxnSp>
-      </p:grpSp>
-      <p:grpSp>
-        <p:nvGrpSpPr>
-          <p:cNvPr id="60" name="그룹 59">
-            <a:extLst>
-              <a:ext uri="{FF2B5EF4-FFF2-40B4-BE49-F238E27FC236}">
-                <a16:creationId xmlns:a16="http://schemas.microsoft.com/office/drawing/2014/main" id="{00E5DEBE-06AF-C65D-3F99-5CF5ED7ED264}"/>
-              </a:ext>
-            </a:extLst>
-          </p:cNvPr>
-          <p:cNvGrpSpPr/>
-          <p:nvPr/>
-        </p:nvGrpSpPr>
-        <p:grpSpPr>
-          <a:xfrm>
-            <a:off x="3911578" y="5180111"/>
-            <a:ext cx="3498851" cy="1556092"/>
-            <a:chOff x="4944356" y="1445451"/>
-            <a:chExt cx="3641196" cy="3102292"/>
-          </a:xfrm>
-        </p:grpSpPr>
-        <p:sp>
-          <p:nvSpPr>
-            <p:cNvPr id="62" name="직사각형 61">
-              <a:extLst>
-                <a:ext uri="{FF2B5EF4-FFF2-40B4-BE49-F238E27FC236}">
-                  <a16:creationId xmlns:a16="http://schemas.microsoft.com/office/drawing/2014/main" id="{FA25B133-6EEB-4644-F185-785FC7CA4B6C}"/>
-                </a:ext>
-              </a:extLst>
-            </p:cNvPr>
-            <p:cNvSpPr/>
-            <p:nvPr/>
-          </p:nvSpPr>
-          <p:spPr>
-            <a:xfrm>
-              <a:off x="4944356" y="1445451"/>
-              <a:ext cx="3641196" cy="3102292"/>
-            </a:xfrm>
-            <a:prstGeom prst="rect">
-              <a:avLst/>
-            </a:prstGeom>
-            <a:solidFill>
-              <a:schemeClr val="accent4">
-                <a:alpha val="50000"/>
-              </a:schemeClr>
-            </a:solidFill>
-            <a:ln>
-              <a:noFill/>
-            </a:ln>
-          </p:spPr>
-          <p:style>
-            <a:lnRef idx="0">
-              <a:scrgbClr r="0" g="0" b="0"/>
-            </a:lnRef>
-            <a:fillRef idx="0">
-              <a:scrgbClr r="0" g="0" b="0"/>
-            </a:fillRef>
-            <a:effectRef idx="0">
-              <a:scrgbClr r="0" g="0" b="0"/>
-            </a:effectRef>
-            <a:fontRef idx="minor">
-              <a:schemeClr val="lt1"/>
-            </a:fontRef>
-          </p:style>
-          <p:txBody>
-            <a:bodyPr rtlCol="0" anchor="t"/>
-            <a:lstStyle/>
-            <a:p>
-              <a:pPr algn="ctr"/>
-              <a:r>
-                <a:rPr lang="en-US" altLang="ko-KR" sz="800" dirty="0">
-                  <a:solidFill>
-                    <a:schemeClr val="tx1"/>
-                  </a:solidFill>
-                </a:rPr>
-                <a:t>4th</a:t>
-              </a:r>
-              <a:endParaRPr lang="ko-KR" altLang="en-US" sz="800" dirty="0">
-                <a:solidFill>
-                  <a:schemeClr val="tx1"/>
-                </a:solidFill>
-              </a:endParaRPr>
-            </a:p>
-          </p:txBody>
-        </p:sp>
-        <p:sp>
-          <p:nvSpPr>
-            <p:cNvPr id="64" name="타원 63">
-              <a:extLst>
-                <a:ext uri="{FF2B5EF4-FFF2-40B4-BE49-F238E27FC236}">
-                  <a16:creationId xmlns:a16="http://schemas.microsoft.com/office/drawing/2014/main" id="{F23D3DA2-458E-247E-A1B4-84995D7DD403}"/>
-                </a:ext>
-              </a:extLst>
-            </p:cNvPr>
-            <p:cNvSpPr/>
-            <p:nvPr/>
-          </p:nvSpPr>
-          <p:spPr>
-            <a:xfrm>
-              <a:off x="6824058" y="1957608"/>
-              <a:ext cx="1260000" cy="356398"/>
-            </a:xfrm>
-            <a:prstGeom prst="ellipse">
-              <a:avLst/>
-            </a:prstGeom>
-          </p:spPr>
-          <p:style>
-            <a:lnRef idx="2">
-              <a:schemeClr val="accent5">
-                <a:shade val="50000"/>
-              </a:schemeClr>
-            </a:lnRef>
-            <a:fillRef idx="1">
-              <a:schemeClr val="accent5"/>
-            </a:fillRef>
-            <a:effectRef idx="0">
-              <a:schemeClr val="accent5"/>
-            </a:effectRef>
-            <a:fontRef idx="minor">
-              <a:schemeClr val="lt1"/>
-            </a:fontRef>
-          </p:style>
-          <p:txBody>
-            <a:bodyPr rtlCol="0" anchor="ctr"/>
-            <a:lstStyle/>
-            <a:p>
-              <a:pPr algn="ctr"/>
-              <a:r>
-                <a:rPr lang="en-US" altLang="ko-KR" sz="800" dirty="0"/>
-                <a:t>4th_stp</a:t>
-              </a:r>
-            </a:p>
-            <a:p>
-              <a:pPr algn="ctr"/>
-              <a:r>
-                <a:rPr lang="en-US" altLang="ko-KR" sz="800" dirty="0"/>
-                <a:t>$ADV</a:t>
-              </a:r>
-              <a:endParaRPr lang="ko-KR" altLang="en-US" sz="800" dirty="0"/>
-            </a:p>
-          </p:txBody>
-        </p:sp>
-        <p:sp>
-          <p:nvSpPr>
-            <p:cNvPr id="65" name="타원 64">
-              <a:extLst>
-                <a:ext uri="{FF2B5EF4-FFF2-40B4-BE49-F238E27FC236}">
-                  <a16:creationId xmlns:a16="http://schemas.microsoft.com/office/drawing/2014/main" id="{CBDDB27B-259D-51F5-C49E-20784059C035}"/>
-                </a:ext>
-              </a:extLst>
-            </p:cNvPr>
-            <p:cNvSpPr/>
-            <p:nvPr/>
-          </p:nvSpPr>
-          <p:spPr>
-            <a:xfrm>
-              <a:off x="5509397" y="2937900"/>
-              <a:ext cx="1260000" cy="356398"/>
-            </a:xfrm>
-            <a:prstGeom prst="ellipse">
-              <a:avLst/>
-            </a:prstGeom>
-          </p:spPr>
-          <p:style>
-            <a:lnRef idx="2">
-              <a:schemeClr val="accent5">
-                <a:shade val="50000"/>
-              </a:schemeClr>
-            </a:lnRef>
-            <a:fillRef idx="1">
-              <a:schemeClr val="accent5"/>
-            </a:fillRef>
-            <a:effectRef idx="0">
-              <a:schemeClr val="accent5"/>
-            </a:effectRef>
-            <a:fontRef idx="minor">
-              <a:schemeClr val="lt1"/>
-            </a:fontRef>
-          </p:style>
-          <p:txBody>
-            <a:bodyPr rtlCol="0" anchor="ctr"/>
-            <a:lstStyle/>
-            <a:p>
-              <a:pPr algn="ctr"/>
-              <a:r>
-                <a:rPr lang="en-US" altLang="ko-KR" sz="800" dirty="0"/>
-                <a:t>4th_usb</a:t>
-              </a:r>
-            </a:p>
-            <a:p>
-              <a:pPr algn="ctr"/>
-              <a:r>
-                <a:rPr lang="en-US" altLang="ko-KR" sz="800" dirty="0"/>
-                <a:t>$ADV</a:t>
-              </a:r>
-              <a:endParaRPr lang="ko-KR" altLang="en-US" sz="800" dirty="0"/>
-            </a:p>
-          </p:txBody>
-        </p:sp>
-        <p:sp>
-          <p:nvSpPr>
-            <p:cNvPr id="66" name="타원 65">
-              <a:extLst>
-                <a:ext uri="{FF2B5EF4-FFF2-40B4-BE49-F238E27FC236}">
-                  <a16:creationId xmlns:a16="http://schemas.microsoft.com/office/drawing/2014/main" id="{2A17DCFF-16B8-3F50-70D3-BAEB02CD8E31}"/>
-                </a:ext>
-              </a:extLst>
-            </p:cNvPr>
-            <p:cNvSpPr/>
-            <p:nvPr/>
-          </p:nvSpPr>
-          <p:spPr>
-            <a:xfrm>
-              <a:off x="6426556" y="3532610"/>
-              <a:ext cx="1260000" cy="356398"/>
-            </a:xfrm>
-            <a:prstGeom prst="ellipse">
-              <a:avLst/>
-            </a:prstGeom>
-          </p:spPr>
-          <p:style>
-            <a:lnRef idx="2">
-              <a:schemeClr val="accent5">
-                <a:shade val="50000"/>
-              </a:schemeClr>
-            </a:lnRef>
-            <a:fillRef idx="1">
-              <a:schemeClr val="accent5"/>
-            </a:fillRef>
-            <a:effectRef idx="0">
-              <a:schemeClr val="accent5"/>
-            </a:effectRef>
-            <a:fontRef idx="minor">
-              <a:schemeClr val="lt1"/>
-            </a:fontRef>
-          </p:style>
-          <p:txBody>
-            <a:bodyPr rtlCol="0" anchor="ctr"/>
-            <a:lstStyle/>
-            <a:p>
-              <a:pPr algn="ctr"/>
-              <a:r>
-                <a:rPr lang="en-US" altLang="ko-KR" sz="800" dirty="0"/>
-                <a:t>4th_usb</a:t>
-              </a:r>
-            </a:p>
-            <a:p>
-              <a:pPr algn="ctr"/>
-              <a:r>
-                <a:rPr lang="en-US" altLang="ko-KR" sz="800" dirty="0"/>
-                <a:t>$RET</a:t>
-              </a:r>
-              <a:endParaRPr lang="ko-KR" altLang="en-US" sz="800" dirty="0"/>
-            </a:p>
-          </p:txBody>
-        </p:sp>
-        <p:sp>
-          <p:nvSpPr>
-            <p:cNvPr id="67" name="타원 66">
-              <a:extLst>
-                <a:ext uri="{FF2B5EF4-FFF2-40B4-BE49-F238E27FC236}">
-                  <a16:creationId xmlns:a16="http://schemas.microsoft.com/office/drawing/2014/main" id="{9F864A4C-6C69-449D-1DF9-F2E81A639E16}"/>
-                </a:ext>
-              </a:extLst>
-            </p:cNvPr>
-            <p:cNvSpPr/>
-            <p:nvPr/>
-          </p:nvSpPr>
-          <p:spPr>
-            <a:xfrm>
-              <a:off x="6134954" y="4140660"/>
-              <a:ext cx="1260000" cy="356398"/>
-            </a:xfrm>
-            <a:prstGeom prst="ellipse">
-              <a:avLst/>
-            </a:prstGeom>
-          </p:spPr>
-          <p:style>
-            <a:lnRef idx="2">
-              <a:schemeClr val="accent5">
-                <a:shade val="50000"/>
-              </a:schemeClr>
-            </a:lnRef>
-            <a:fillRef idx="1">
-              <a:schemeClr val="accent5"/>
-            </a:fillRef>
-            <a:effectRef idx="0">
-              <a:schemeClr val="accent5"/>
-            </a:effectRef>
-            <a:fontRef idx="minor">
-              <a:schemeClr val="lt1"/>
-            </a:fontRef>
-          </p:style>
-          <p:txBody>
-            <a:bodyPr rtlCol="0" anchor="ctr"/>
-            <a:lstStyle/>
-            <a:p>
-              <a:pPr algn="ctr"/>
-              <a:r>
-                <a:rPr lang="en-US" altLang="ko-KR" sz="800" dirty="0"/>
-                <a:t>4th_stp</a:t>
-              </a:r>
-            </a:p>
-            <a:p>
-              <a:pPr algn="ctr"/>
-              <a:r>
-                <a:rPr lang="en-US" altLang="ko-KR" sz="800" dirty="0"/>
-                <a:t>$RET</a:t>
-              </a:r>
-              <a:endParaRPr lang="ko-KR" altLang="en-US" sz="800" dirty="0"/>
-            </a:p>
-          </p:txBody>
-        </p:sp>
-        <p:cxnSp>
-          <p:nvCxnSpPr>
-            <p:cNvPr id="71" name="연결선: 꺾임 70">
-              <a:extLst>
-                <a:ext uri="{FF2B5EF4-FFF2-40B4-BE49-F238E27FC236}">
-                  <a16:creationId xmlns:a16="http://schemas.microsoft.com/office/drawing/2014/main" id="{D5CC9A10-DCDB-9C08-BEF6-0CE54BD33891}"/>
-                </a:ext>
-              </a:extLst>
-            </p:cNvPr>
-            <p:cNvCxnSpPr>
-              <a:cxnSpLocks/>
-              <a:stCxn id="64" idx="4"/>
-              <a:endCxn id="65" idx="0"/>
-            </p:cNvCxnSpPr>
-            <p:nvPr/>
-          </p:nvCxnSpPr>
-          <p:spPr>
-            <a:xfrm rot="5400000">
-              <a:off x="6484781" y="1968623"/>
-              <a:ext cx="623894" cy="1314661"/>
-            </a:xfrm>
-            <a:prstGeom prst="bentConnector3">
-              <a:avLst/>
-            </a:prstGeom>
-            <a:ln>
-              <a:tailEnd type="triangle"/>
-            </a:ln>
-          </p:spPr>
-          <p:style>
-            <a:lnRef idx="1">
-              <a:schemeClr val="accent1"/>
-            </a:lnRef>
-            <a:fillRef idx="0">
-              <a:schemeClr val="accent1"/>
-            </a:fillRef>
-            <a:effectRef idx="0">
-              <a:schemeClr val="accent1"/>
-            </a:effectRef>
-            <a:fontRef idx="minor">
-              <a:schemeClr val="tx1"/>
-            </a:fontRef>
-          </p:style>
-        </p:cxnSp>
-        <p:cxnSp>
-          <p:nvCxnSpPr>
-            <p:cNvPr id="72" name="연결선: 꺾임 71">
-              <a:extLst>
-                <a:ext uri="{FF2B5EF4-FFF2-40B4-BE49-F238E27FC236}">
-                  <a16:creationId xmlns:a16="http://schemas.microsoft.com/office/drawing/2014/main" id="{49815C9F-9F46-AEBE-A9E0-641F7F36D84F}"/>
-                </a:ext>
-              </a:extLst>
-            </p:cNvPr>
-            <p:cNvCxnSpPr>
-              <a:cxnSpLocks/>
-              <a:stCxn id="65" idx="4"/>
-              <a:endCxn id="66" idx="0"/>
-            </p:cNvCxnSpPr>
-            <p:nvPr/>
-          </p:nvCxnSpPr>
-          <p:spPr>
-            <a:xfrm rot="16200000" flipH="1">
-              <a:off x="6478820" y="2954874"/>
-              <a:ext cx="238312" cy="917159"/>
-            </a:xfrm>
-            <a:prstGeom prst="bentConnector3">
-              <a:avLst>
-                <a:gd name="adj1" fmla="val 50000"/>
-              </a:avLst>
-            </a:prstGeom>
-            <a:ln>
-              <a:tailEnd type="triangle"/>
-            </a:ln>
-          </p:spPr>
-          <p:style>
-            <a:lnRef idx="1">
-              <a:schemeClr val="accent1"/>
-            </a:lnRef>
-            <a:fillRef idx="0">
-              <a:schemeClr val="accent1"/>
-            </a:fillRef>
-            <a:effectRef idx="0">
-              <a:schemeClr val="accent1"/>
-            </a:effectRef>
-            <a:fontRef idx="minor">
-              <a:schemeClr val="tx1"/>
-            </a:fontRef>
-          </p:style>
-        </p:cxnSp>
-        <p:cxnSp>
-          <p:nvCxnSpPr>
-            <p:cNvPr id="73" name="연결선: 꺾임 72">
-              <a:extLst>
-                <a:ext uri="{FF2B5EF4-FFF2-40B4-BE49-F238E27FC236}">
-                  <a16:creationId xmlns:a16="http://schemas.microsoft.com/office/drawing/2014/main" id="{FB8CBDE9-C3D8-DBE3-EB3C-24B32E886DED}"/>
-                </a:ext>
-              </a:extLst>
-            </p:cNvPr>
-            <p:cNvCxnSpPr>
-              <a:cxnSpLocks/>
-              <a:stCxn id="66" idx="4"/>
-              <a:endCxn id="67" idx="0"/>
-            </p:cNvCxnSpPr>
-            <p:nvPr/>
-          </p:nvCxnSpPr>
-          <p:spPr>
-            <a:xfrm rot="5400000">
-              <a:off x="6784929" y="3869033"/>
-              <a:ext cx="251652" cy="291602"/>
-            </a:xfrm>
-            <a:prstGeom prst="bentConnector3">
-              <a:avLst>
-                <a:gd name="adj1" fmla="val 50000"/>
-              </a:avLst>
-            </a:prstGeom>
-            <a:ln>
-              <a:tailEnd type="triangle"/>
-            </a:ln>
-          </p:spPr>
-          <p:style>
-            <a:lnRef idx="1">
-              <a:schemeClr val="accent1"/>
-            </a:lnRef>
-            <a:fillRef idx="0">
-              <a:schemeClr val="accent1"/>
-            </a:fillRef>
-            <a:effectRef idx="0">
-              <a:schemeClr val="accent1"/>
-            </a:effectRef>
-            <a:fontRef idx="minor">
-              <a:schemeClr val="tx1"/>
-            </a:fontRef>
-          </p:style>
-        </p:cxnSp>
-      </p:grpSp>
-      <p:cxnSp>
-        <p:nvCxnSpPr>
-          <p:cNvPr id="76" name="연결선: 꺾임 75">
-            <a:extLst>
-              <a:ext uri="{FF2B5EF4-FFF2-40B4-BE49-F238E27FC236}">
-                <a16:creationId xmlns:a16="http://schemas.microsoft.com/office/drawing/2014/main" id="{7353A203-B898-FDB1-D928-33700950CAA8}"/>
-              </a:ext>
-            </a:extLst>
-          </p:cNvPr>
-          <p:cNvCxnSpPr>
-            <a:cxnSpLocks/>
-            <a:stCxn id="7" idx="2"/>
-            <a:endCxn id="37" idx="0"/>
-          </p:cNvCxnSpPr>
-          <p:nvPr/>
-        </p:nvCxnSpPr>
-        <p:spPr>
-          <a:xfrm rot="5400000">
-            <a:off x="1979432" y="5092546"/>
-            <a:ext cx="168748" cy="6383"/>
-          </a:xfrm>
-          <a:prstGeom prst="bentConnector3">
-            <a:avLst>
-              <a:gd name="adj1" fmla="val 50000"/>
-            </a:avLst>
-          </a:prstGeom>
-          <a:ln>
-            <a:headEnd type="oval" w="med" len="med"/>
-            <a:tailEnd type="triangle" w="med" len="med"/>
-          </a:ln>
-        </p:spPr>
-        <p:style>
-          <a:lnRef idx="1">
-            <a:schemeClr val="accent1"/>
-          </a:lnRef>
-          <a:fillRef idx="0">
-            <a:schemeClr val="accent1"/>
-          </a:fillRef>
-          <a:effectRef idx="0">
-            <a:schemeClr val="accent1"/>
-          </a:effectRef>
-          <a:fontRef idx="minor">
-            <a:schemeClr val="tx1"/>
-          </a:fontRef>
-        </p:style>
-      </p:cxnSp>
-      <p:cxnSp>
-        <p:nvCxnSpPr>
-          <p:cNvPr id="79" name="연결선: 꺾임 78">
-            <a:extLst>
-              <a:ext uri="{FF2B5EF4-FFF2-40B4-BE49-F238E27FC236}">
-                <a16:creationId xmlns:a16="http://schemas.microsoft.com/office/drawing/2014/main" id="{02ED8A55-DAE6-7F1B-0C56-1E884BFC5C04}"/>
-              </a:ext>
-            </a:extLst>
-          </p:cNvPr>
-          <p:cNvCxnSpPr>
-            <a:cxnSpLocks/>
-            <a:stCxn id="37" idx="3"/>
-            <a:endCxn id="62" idx="1"/>
-          </p:cNvCxnSpPr>
-          <p:nvPr/>
-        </p:nvCxnSpPr>
-        <p:spPr>
-          <a:xfrm>
-            <a:off x="3810039" y="5958157"/>
-            <a:ext cx="101539" cy="12700"/>
-          </a:xfrm>
-          <a:prstGeom prst="bentConnector3">
-            <a:avLst>
-              <a:gd name="adj1" fmla="val 50000"/>
-            </a:avLst>
-          </a:prstGeom>
-          <a:ln>
-            <a:headEnd type="oval" w="med" len="med"/>
-            <a:tailEnd type="triangle" w="med" len="med"/>
-          </a:ln>
-        </p:spPr>
-        <p:style>
-          <a:lnRef idx="1">
-            <a:schemeClr val="accent1"/>
-          </a:lnRef>
-          <a:fillRef idx="0">
-            <a:schemeClr val="accent1"/>
-          </a:fillRef>
-          <a:effectRef idx="0">
-            <a:schemeClr val="accent1"/>
-          </a:effectRef>
-          <a:fontRef idx="minor">
-            <a:schemeClr val="tx1"/>
-          </a:fontRef>
-        </p:style>
-      </p:cxnSp>
       <p:sp>
         <p:nvSpPr>
           <p:cNvPr id="82" name="사각형: 모서리가 접힌 도형 81">
@@ -37206,51 +35373,6 @@
           <a:ln>
             <a:headEnd type="oval" w="med" len="med"/>
             <a:tailEnd type="triangle" w="med" len="med"/>
-          </a:ln>
-        </p:spPr>
-        <p:style>
-          <a:lnRef idx="1">
-            <a:schemeClr val="accent1"/>
-          </a:lnRef>
-          <a:fillRef idx="0">
-            <a:schemeClr val="accent1"/>
-          </a:fillRef>
-          <a:effectRef idx="0">
-            <a:schemeClr val="accent1"/>
-          </a:effectRef>
-          <a:fontRef idx="minor">
-            <a:schemeClr val="tx1"/>
-          </a:fontRef>
-        </p:style>
-      </p:cxnSp>
-      <p:cxnSp>
-        <p:nvCxnSpPr>
-          <p:cNvPr id="170" name="연결선: 꺾임 169">
-            <a:extLst>
-              <a:ext uri="{FF2B5EF4-FFF2-40B4-BE49-F238E27FC236}">
-                <a16:creationId xmlns:a16="http://schemas.microsoft.com/office/drawing/2014/main" id="{ACBC52BA-6B9C-0772-A0B9-356D389ABC7D}"/>
-              </a:ext>
-            </a:extLst>
-          </p:cNvPr>
-          <p:cNvCxnSpPr>
-            <a:cxnSpLocks/>
-            <a:stCxn id="44" idx="4"/>
-            <a:endCxn id="48" idx="0"/>
-          </p:cNvCxnSpPr>
-          <p:nvPr/>
-        </p:nvCxnSpPr>
-        <p:spPr>
-          <a:xfrm rot="5400000">
-            <a:off x="1934673" y="1680913"/>
-            <a:ext cx="312942" cy="1263267"/>
-          </a:xfrm>
-          <a:prstGeom prst="bentConnector3">
-            <a:avLst>
-              <a:gd name="adj1" fmla="val 50000"/>
-            </a:avLst>
-          </a:prstGeom>
-          <a:ln>
-            <a:tailEnd type="triangle"/>
           </a:ln>
         </p:spPr>
         <p:style>
@@ -38265,6 +36387,2784 @@
           </a:fontRef>
         </p:style>
       </p:cxnSp>
+      <p:grpSp>
+        <p:nvGrpSpPr>
+          <p:cNvPr id="110" name="그룹 109">
+            <a:extLst>
+              <a:ext uri="{FF2B5EF4-FFF2-40B4-BE49-F238E27FC236}">
+                <a16:creationId xmlns:a16="http://schemas.microsoft.com/office/drawing/2014/main" id="{B0E725A4-F201-1EAC-6FBA-F76A126EF654}"/>
+              </a:ext>
+            </a:extLst>
+          </p:cNvPr>
+          <p:cNvGrpSpPr/>
+          <p:nvPr/>
+        </p:nvGrpSpPr>
+        <p:grpSpPr>
+          <a:xfrm>
+            <a:off x="78013" y="1617903"/>
+            <a:ext cx="4046072" cy="1668620"/>
+            <a:chOff x="78013" y="1617903"/>
+            <a:chExt cx="4046072" cy="1668620"/>
+          </a:xfrm>
+        </p:grpSpPr>
+        <p:grpSp>
+          <p:nvGrpSpPr>
+            <p:cNvPr id="87" name="그룹 86">
+              <a:extLst>
+                <a:ext uri="{FF2B5EF4-FFF2-40B4-BE49-F238E27FC236}">
+                  <a16:creationId xmlns:a16="http://schemas.microsoft.com/office/drawing/2014/main" id="{83E7E777-551D-80DF-666B-88B371231577}"/>
+                </a:ext>
+              </a:extLst>
+            </p:cNvPr>
+            <p:cNvGrpSpPr/>
+            <p:nvPr/>
+          </p:nvGrpSpPr>
+          <p:grpSpPr>
+            <a:xfrm>
+              <a:off x="311186" y="1720413"/>
+              <a:ext cx="3498851" cy="1556092"/>
+              <a:chOff x="4944356" y="1445451"/>
+              <a:chExt cx="3641196" cy="3102292"/>
+            </a:xfrm>
+          </p:grpSpPr>
+          <p:sp>
+            <p:nvSpPr>
+              <p:cNvPr id="28" name="직사각형 27">
+                <a:extLst>
+                  <a:ext uri="{FF2B5EF4-FFF2-40B4-BE49-F238E27FC236}">
+                    <a16:creationId xmlns:a16="http://schemas.microsoft.com/office/drawing/2014/main" id="{E91C924F-054A-981B-73C2-AFEF01E05627}"/>
+                  </a:ext>
+                </a:extLst>
+              </p:cNvPr>
+              <p:cNvSpPr/>
+              <p:nvPr/>
+            </p:nvSpPr>
+            <p:spPr>
+              <a:xfrm>
+                <a:off x="4944356" y="1445451"/>
+                <a:ext cx="3641196" cy="3102292"/>
+              </a:xfrm>
+              <a:prstGeom prst="rect">
+                <a:avLst/>
+              </a:prstGeom>
+              <a:solidFill>
+                <a:schemeClr val="accent4">
+                  <a:alpha val="50000"/>
+                </a:schemeClr>
+              </a:solidFill>
+              <a:ln>
+                <a:noFill/>
+              </a:ln>
+            </p:spPr>
+            <p:style>
+              <a:lnRef idx="0">
+                <a:scrgbClr r="0" g="0" b="0"/>
+              </a:lnRef>
+              <a:fillRef idx="0">
+                <a:scrgbClr r="0" g="0" b="0"/>
+              </a:fillRef>
+              <a:effectRef idx="0">
+                <a:scrgbClr r="0" g="0" b="0"/>
+              </a:effectRef>
+              <a:fontRef idx="minor">
+                <a:schemeClr val="lt1"/>
+              </a:fontRef>
+            </p:style>
+            <p:txBody>
+              <a:bodyPr rtlCol="0" anchor="t"/>
+              <a:lstStyle/>
+              <a:p>
+                <a:pPr algn="ctr"/>
+                <a:r>
+                  <a:rPr lang="en-US" altLang="ko-KR" sz="800" dirty="0">
+                    <a:solidFill>
+                      <a:schemeClr val="tx1"/>
+                    </a:solidFill>
+                  </a:rPr>
+                  <a:t>1st</a:t>
+                </a:r>
+                <a:endParaRPr lang="ko-KR" altLang="en-US" sz="800" dirty="0">
+                  <a:solidFill>
+                    <a:schemeClr val="tx1"/>
+                  </a:solidFill>
+                </a:endParaRPr>
+              </a:p>
+            </p:txBody>
+          </p:sp>
+          <p:sp>
+            <p:nvSpPr>
+              <p:cNvPr id="44" name="타원 43">
+                <a:extLst>
+                  <a:ext uri="{FF2B5EF4-FFF2-40B4-BE49-F238E27FC236}">
+                    <a16:creationId xmlns:a16="http://schemas.microsoft.com/office/drawing/2014/main" id="{A02A6388-3A8D-F0EC-E4B1-0CDF0FE75FCA}"/>
+                  </a:ext>
+                </a:extLst>
+              </p:cNvPr>
+              <p:cNvSpPr/>
+              <p:nvPr/>
+            </p:nvSpPr>
+            <p:spPr>
+              <a:xfrm>
+                <a:off x="6824058" y="1957608"/>
+                <a:ext cx="1260000" cy="356398"/>
+              </a:xfrm>
+              <a:prstGeom prst="ellipse">
+                <a:avLst/>
+              </a:prstGeom>
+            </p:spPr>
+            <p:style>
+              <a:lnRef idx="2">
+                <a:schemeClr val="accent5">
+                  <a:shade val="50000"/>
+                </a:schemeClr>
+              </a:lnRef>
+              <a:fillRef idx="1">
+                <a:schemeClr val="accent5"/>
+              </a:fillRef>
+              <a:effectRef idx="0">
+                <a:schemeClr val="accent5"/>
+              </a:effectRef>
+              <a:fontRef idx="minor">
+                <a:schemeClr val="lt1"/>
+              </a:fontRef>
+            </p:style>
+            <p:txBody>
+              <a:bodyPr rtlCol="0" anchor="ctr"/>
+              <a:lstStyle/>
+              <a:p>
+                <a:pPr algn="ctr"/>
+                <a:r>
+                  <a:rPr lang="en-US" altLang="ko-KR" sz="800" dirty="0"/>
+                  <a:t>1st_stp</a:t>
+                </a:r>
+              </a:p>
+              <a:p>
+                <a:pPr algn="ctr"/>
+                <a:r>
+                  <a:rPr lang="en-US" altLang="ko-KR" sz="800" dirty="0"/>
+                  <a:t>$ADV</a:t>
+                </a:r>
+                <a:endParaRPr lang="ko-KR" altLang="en-US" sz="800" dirty="0"/>
+              </a:p>
+            </p:txBody>
+          </p:sp>
+          <p:sp>
+            <p:nvSpPr>
+              <p:cNvPr id="48" name="타원 47">
+                <a:extLst>
+                  <a:ext uri="{FF2B5EF4-FFF2-40B4-BE49-F238E27FC236}">
+                    <a16:creationId xmlns:a16="http://schemas.microsoft.com/office/drawing/2014/main" id="{E1FB52F8-55B4-D196-1EFA-BD53DE09A413}"/>
+                  </a:ext>
+                </a:extLst>
+              </p:cNvPr>
+              <p:cNvSpPr/>
+              <p:nvPr/>
+            </p:nvSpPr>
+            <p:spPr>
+              <a:xfrm>
+                <a:off x="5509397" y="2937900"/>
+                <a:ext cx="1260000" cy="356398"/>
+              </a:xfrm>
+              <a:prstGeom prst="ellipse">
+                <a:avLst/>
+              </a:prstGeom>
+            </p:spPr>
+            <p:style>
+              <a:lnRef idx="2">
+                <a:schemeClr val="accent5">
+                  <a:shade val="50000"/>
+                </a:schemeClr>
+              </a:lnRef>
+              <a:fillRef idx="1">
+                <a:schemeClr val="accent5"/>
+              </a:fillRef>
+              <a:effectRef idx="0">
+                <a:schemeClr val="accent5"/>
+              </a:effectRef>
+              <a:fontRef idx="minor">
+                <a:schemeClr val="lt1"/>
+              </a:fontRef>
+            </p:style>
+            <p:txBody>
+              <a:bodyPr rtlCol="0" anchor="ctr"/>
+              <a:lstStyle/>
+              <a:p>
+                <a:pPr algn="ctr"/>
+                <a:r>
+                  <a:rPr lang="en-US" altLang="ko-KR" sz="800" dirty="0"/>
+                  <a:t>1st_usb</a:t>
+                </a:r>
+              </a:p>
+              <a:p>
+                <a:pPr algn="ctr"/>
+                <a:r>
+                  <a:rPr lang="en-US" altLang="ko-KR" sz="800" dirty="0"/>
+                  <a:t>$ADV</a:t>
+                </a:r>
+                <a:endParaRPr lang="ko-KR" altLang="en-US" sz="800" dirty="0"/>
+              </a:p>
+            </p:txBody>
+          </p:sp>
+          <p:sp>
+            <p:nvSpPr>
+              <p:cNvPr id="49" name="타원 48">
+                <a:extLst>
+                  <a:ext uri="{FF2B5EF4-FFF2-40B4-BE49-F238E27FC236}">
+                    <a16:creationId xmlns:a16="http://schemas.microsoft.com/office/drawing/2014/main" id="{4975758F-ECAF-04F2-205E-C0A7464F8F3A}"/>
+                  </a:ext>
+                </a:extLst>
+              </p:cNvPr>
+              <p:cNvSpPr/>
+              <p:nvPr/>
+            </p:nvSpPr>
+            <p:spPr>
+              <a:xfrm>
+                <a:off x="6426556" y="3532610"/>
+                <a:ext cx="1260000" cy="356398"/>
+              </a:xfrm>
+              <a:prstGeom prst="ellipse">
+                <a:avLst/>
+              </a:prstGeom>
+            </p:spPr>
+            <p:style>
+              <a:lnRef idx="2">
+                <a:schemeClr val="accent5">
+                  <a:shade val="50000"/>
+                </a:schemeClr>
+              </a:lnRef>
+              <a:fillRef idx="1">
+                <a:schemeClr val="accent5"/>
+              </a:fillRef>
+              <a:effectRef idx="0">
+                <a:schemeClr val="accent5"/>
+              </a:effectRef>
+              <a:fontRef idx="minor">
+                <a:schemeClr val="lt1"/>
+              </a:fontRef>
+            </p:style>
+            <p:txBody>
+              <a:bodyPr rtlCol="0" anchor="ctr"/>
+              <a:lstStyle/>
+              <a:p>
+                <a:pPr algn="ctr"/>
+                <a:r>
+                  <a:rPr lang="en-US" altLang="ko-KR" sz="800" dirty="0"/>
+                  <a:t>1st_usb</a:t>
+                </a:r>
+              </a:p>
+              <a:p>
+                <a:pPr algn="ctr"/>
+                <a:r>
+                  <a:rPr lang="en-US" altLang="ko-KR" sz="800" dirty="0"/>
+                  <a:t>$RET</a:t>
+                </a:r>
+                <a:endParaRPr lang="ko-KR" altLang="en-US" sz="800" dirty="0"/>
+              </a:p>
+            </p:txBody>
+          </p:sp>
+          <p:sp>
+            <p:nvSpPr>
+              <p:cNvPr id="50" name="타원 49">
+                <a:extLst>
+                  <a:ext uri="{FF2B5EF4-FFF2-40B4-BE49-F238E27FC236}">
+                    <a16:creationId xmlns:a16="http://schemas.microsoft.com/office/drawing/2014/main" id="{ACAC64EB-74A9-ECA1-27AD-7A376B97A8D7}"/>
+                  </a:ext>
+                </a:extLst>
+              </p:cNvPr>
+              <p:cNvSpPr/>
+              <p:nvPr/>
+            </p:nvSpPr>
+            <p:spPr>
+              <a:xfrm>
+                <a:off x="5480597" y="4151914"/>
+                <a:ext cx="1260000" cy="356398"/>
+              </a:xfrm>
+              <a:prstGeom prst="ellipse">
+                <a:avLst/>
+              </a:prstGeom>
+            </p:spPr>
+            <p:style>
+              <a:lnRef idx="2">
+                <a:schemeClr val="accent5">
+                  <a:shade val="50000"/>
+                </a:schemeClr>
+              </a:lnRef>
+              <a:fillRef idx="1">
+                <a:schemeClr val="accent5"/>
+              </a:fillRef>
+              <a:effectRef idx="0">
+                <a:schemeClr val="accent5"/>
+              </a:effectRef>
+              <a:fontRef idx="minor">
+                <a:schemeClr val="lt1"/>
+              </a:fontRef>
+            </p:style>
+            <p:txBody>
+              <a:bodyPr rtlCol="0" anchor="ctr"/>
+              <a:lstStyle/>
+              <a:p>
+                <a:pPr algn="ctr"/>
+                <a:r>
+                  <a:rPr lang="en-US" altLang="ko-KR" sz="800" dirty="0"/>
+                  <a:t>1st_stp</a:t>
+                </a:r>
+              </a:p>
+              <a:p>
+                <a:pPr algn="ctr"/>
+                <a:r>
+                  <a:rPr lang="en-US" altLang="ko-KR" sz="800" dirty="0"/>
+                  <a:t>$RET</a:t>
+                </a:r>
+                <a:endParaRPr lang="ko-KR" altLang="en-US" sz="800" dirty="0"/>
+              </a:p>
+            </p:txBody>
+          </p:sp>
+          <p:cxnSp>
+            <p:nvCxnSpPr>
+              <p:cNvPr id="56" name="연결선: 꺾임 55">
+                <a:extLst>
+                  <a:ext uri="{FF2B5EF4-FFF2-40B4-BE49-F238E27FC236}">
+                    <a16:creationId xmlns:a16="http://schemas.microsoft.com/office/drawing/2014/main" id="{B951A347-9132-63B0-2142-3C7BC32E0459}"/>
+                  </a:ext>
+                </a:extLst>
+              </p:cNvPr>
+              <p:cNvCxnSpPr>
+                <a:cxnSpLocks/>
+                <a:stCxn id="48" idx="4"/>
+                <a:endCxn id="49" idx="0"/>
+              </p:cNvCxnSpPr>
+              <p:nvPr/>
+            </p:nvCxnSpPr>
+            <p:spPr>
+              <a:xfrm rot="16200000" flipH="1">
+                <a:off x="6478820" y="2954874"/>
+                <a:ext cx="238312" cy="917159"/>
+              </a:xfrm>
+              <a:prstGeom prst="bentConnector3">
+                <a:avLst>
+                  <a:gd name="adj1" fmla="val 50000"/>
+                </a:avLst>
+              </a:prstGeom>
+              <a:ln>
+                <a:tailEnd type="triangle"/>
+              </a:ln>
+            </p:spPr>
+            <p:style>
+              <a:lnRef idx="1">
+                <a:schemeClr val="accent1"/>
+              </a:lnRef>
+              <a:fillRef idx="0">
+                <a:schemeClr val="accent1"/>
+              </a:fillRef>
+              <a:effectRef idx="0">
+                <a:schemeClr val="accent1"/>
+              </a:effectRef>
+              <a:fontRef idx="minor">
+                <a:schemeClr val="tx1"/>
+              </a:fontRef>
+            </p:style>
+          </p:cxnSp>
+          <p:cxnSp>
+            <p:nvCxnSpPr>
+              <p:cNvPr id="61" name="연결선: 꺾임 60">
+                <a:extLst>
+                  <a:ext uri="{FF2B5EF4-FFF2-40B4-BE49-F238E27FC236}">
+                    <a16:creationId xmlns:a16="http://schemas.microsoft.com/office/drawing/2014/main" id="{90E17F23-ADE8-D2E8-8A8B-45F538156396}"/>
+                  </a:ext>
+                </a:extLst>
+              </p:cNvPr>
+              <p:cNvCxnSpPr>
+                <a:cxnSpLocks/>
+                <a:stCxn id="49" idx="4"/>
+                <a:endCxn id="50" idx="0"/>
+              </p:cNvCxnSpPr>
+              <p:nvPr/>
+            </p:nvCxnSpPr>
+            <p:spPr>
+              <a:xfrm rot="5400000">
+                <a:off x="6452123" y="3547482"/>
+                <a:ext cx="262907" cy="945958"/>
+              </a:xfrm>
+              <a:prstGeom prst="bentConnector3">
+                <a:avLst>
+                  <a:gd name="adj1" fmla="val 50000"/>
+                </a:avLst>
+              </a:prstGeom>
+              <a:ln>
+                <a:tailEnd type="triangle"/>
+              </a:ln>
+            </p:spPr>
+            <p:style>
+              <a:lnRef idx="1">
+                <a:schemeClr val="accent1"/>
+              </a:lnRef>
+              <a:fillRef idx="0">
+                <a:schemeClr val="accent1"/>
+              </a:fillRef>
+              <a:effectRef idx="0">
+                <a:schemeClr val="accent1"/>
+              </a:effectRef>
+              <a:fontRef idx="minor">
+                <a:schemeClr val="tx1"/>
+              </a:fontRef>
+            </p:style>
+          </p:cxnSp>
+        </p:grpSp>
+        <p:cxnSp>
+          <p:nvCxnSpPr>
+            <p:cNvPr id="170" name="연결선: 꺾임 169">
+              <a:extLst>
+                <a:ext uri="{FF2B5EF4-FFF2-40B4-BE49-F238E27FC236}">
+                  <a16:creationId xmlns:a16="http://schemas.microsoft.com/office/drawing/2014/main" id="{ACBC52BA-6B9C-0772-A0B9-356D389ABC7D}"/>
+                </a:ext>
+              </a:extLst>
+            </p:cNvPr>
+            <p:cNvCxnSpPr>
+              <a:cxnSpLocks/>
+              <a:stCxn id="44" idx="4"/>
+              <a:endCxn id="48" idx="0"/>
+            </p:cNvCxnSpPr>
+            <p:nvPr/>
+          </p:nvCxnSpPr>
+          <p:spPr>
+            <a:xfrm rot="5400000">
+              <a:off x="1934673" y="1680913"/>
+              <a:ext cx="312942" cy="1263267"/>
+            </a:xfrm>
+            <a:prstGeom prst="bentConnector3">
+              <a:avLst>
+                <a:gd name="adj1" fmla="val 50000"/>
+              </a:avLst>
+            </a:prstGeom>
+            <a:ln>
+              <a:tailEnd type="triangle"/>
+            </a:ln>
+          </p:spPr>
+          <p:style>
+            <a:lnRef idx="1">
+              <a:schemeClr val="accent1"/>
+            </a:lnRef>
+            <a:fillRef idx="0">
+              <a:schemeClr val="accent1"/>
+            </a:fillRef>
+            <a:effectRef idx="0">
+              <a:schemeClr val="accent1"/>
+            </a:effectRef>
+            <a:fontRef idx="minor">
+              <a:schemeClr val="tx1"/>
+            </a:fontRef>
+          </p:style>
+        </p:cxnSp>
+        <p:sp>
+          <p:nvSpPr>
+            <p:cNvPr id="16" name="타원 15">
+              <a:extLst>
+                <a:ext uri="{FF2B5EF4-FFF2-40B4-BE49-F238E27FC236}">
+                  <a16:creationId xmlns:a16="http://schemas.microsoft.com/office/drawing/2014/main" id="{29465C48-1B45-E274-ECB2-3BB067069CCC}"/>
+                </a:ext>
+              </a:extLst>
+            </p:cNvPr>
+            <p:cNvSpPr/>
+            <p:nvPr/>
+          </p:nvSpPr>
+          <p:spPr>
+            <a:xfrm>
+              <a:off x="78013" y="1617903"/>
+              <a:ext cx="1277102" cy="393963"/>
+            </a:xfrm>
+            <a:prstGeom prst="ellipse">
+              <a:avLst/>
+            </a:prstGeom>
+          </p:spPr>
+          <p:style>
+            <a:lnRef idx="2">
+              <a:schemeClr val="accent5">
+                <a:shade val="50000"/>
+              </a:schemeClr>
+            </a:lnRef>
+            <a:fillRef idx="1">
+              <a:schemeClr val="accent5"/>
+            </a:fillRef>
+            <a:effectRef idx="0">
+              <a:schemeClr val="accent5"/>
+            </a:effectRef>
+            <a:fontRef idx="minor">
+              <a:schemeClr val="lt1"/>
+            </a:fontRef>
+          </p:style>
+          <p:txBody>
+            <a:bodyPr rtlCol="0" anchor="ctr"/>
+            <a:lstStyle/>
+            <a:p>
+              <a:pPr algn="ctr"/>
+              <a:r>
+                <a:rPr lang="en-US" altLang="ko-KR" sz="800" dirty="0">
+                  <a:solidFill>
+                    <a:schemeClr val="tx1"/>
+                  </a:solidFill>
+                </a:rPr>
+                <a:t>Cv1_Rr</a:t>
+              </a:r>
+              <a:r>
+                <a:rPr lang="en-US" altLang="ko-KR" sz="800" dirty="0"/>
+                <a:t>$MOVE</a:t>
+              </a:r>
+              <a:endParaRPr lang="ko-KR" altLang="en-US" sz="800" dirty="0"/>
+            </a:p>
+          </p:txBody>
+        </p:sp>
+        <p:sp>
+          <p:nvSpPr>
+            <p:cNvPr id="20" name="타원 19">
+              <a:extLst>
+                <a:ext uri="{FF2B5EF4-FFF2-40B4-BE49-F238E27FC236}">
+                  <a16:creationId xmlns:a16="http://schemas.microsoft.com/office/drawing/2014/main" id="{89461FE0-A13B-AD4F-D2A7-115851FF1652}"/>
+                </a:ext>
+              </a:extLst>
+            </p:cNvPr>
+            <p:cNvSpPr/>
+            <p:nvPr/>
+          </p:nvSpPr>
+          <p:spPr>
+            <a:xfrm>
+              <a:off x="2846983" y="2892560"/>
+              <a:ext cx="1277102" cy="393963"/>
+            </a:xfrm>
+            <a:prstGeom prst="ellipse">
+              <a:avLst/>
+            </a:prstGeom>
+          </p:spPr>
+          <p:style>
+            <a:lnRef idx="2">
+              <a:schemeClr val="accent5">
+                <a:shade val="50000"/>
+              </a:schemeClr>
+            </a:lnRef>
+            <a:fillRef idx="1">
+              <a:schemeClr val="accent5"/>
+            </a:fillRef>
+            <a:effectRef idx="0">
+              <a:schemeClr val="accent5"/>
+            </a:effectRef>
+            <a:fontRef idx="minor">
+              <a:schemeClr val="lt1"/>
+            </a:fontRef>
+          </p:style>
+          <p:txBody>
+            <a:bodyPr rtlCol="0" anchor="ctr"/>
+            <a:lstStyle/>
+            <a:p>
+              <a:pPr algn="ctr"/>
+              <a:r>
+                <a:rPr lang="en-US" altLang="ko-KR" sz="800" dirty="0">
+                  <a:solidFill>
+                    <a:schemeClr val="tx1"/>
+                  </a:solidFill>
+                </a:rPr>
+                <a:t>Cv1_Rr</a:t>
+              </a:r>
+              <a:r>
+                <a:rPr lang="en-US" altLang="ko-KR" sz="800" dirty="0"/>
+                <a:t>$REMOVE</a:t>
+              </a:r>
+              <a:endParaRPr lang="ko-KR" altLang="en-US" sz="800" dirty="0"/>
+            </a:p>
+          </p:txBody>
+        </p:sp>
+        <p:cxnSp>
+          <p:nvCxnSpPr>
+            <p:cNvPr id="63" name="연결선: 꺾임 62">
+              <a:extLst>
+                <a:ext uri="{FF2B5EF4-FFF2-40B4-BE49-F238E27FC236}">
+                  <a16:creationId xmlns:a16="http://schemas.microsoft.com/office/drawing/2014/main" id="{8B208389-A498-A780-A068-7D3D262BC9BC}"/>
+                </a:ext>
+              </a:extLst>
+            </p:cNvPr>
+            <p:cNvCxnSpPr>
+              <a:cxnSpLocks/>
+              <a:stCxn id="16" idx="6"/>
+              <a:endCxn id="44" idx="2"/>
+            </p:cNvCxnSpPr>
+            <p:nvPr/>
+          </p:nvCxnSpPr>
+          <p:spPr>
+            <a:xfrm>
+              <a:off x="1355115" y="1814885"/>
+              <a:ext cx="762290" cy="251807"/>
+            </a:xfrm>
+            <a:prstGeom prst="bentConnector3">
+              <a:avLst/>
+            </a:prstGeom>
+            <a:ln>
+              <a:tailEnd type="triangle"/>
+            </a:ln>
+          </p:spPr>
+          <p:style>
+            <a:lnRef idx="1">
+              <a:schemeClr val="accent1"/>
+            </a:lnRef>
+            <a:fillRef idx="0">
+              <a:schemeClr val="accent1"/>
+            </a:fillRef>
+            <a:effectRef idx="0">
+              <a:schemeClr val="accent1"/>
+            </a:effectRef>
+            <a:fontRef idx="minor">
+              <a:schemeClr val="tx1"/>
+            </a:fontRef>
+          </p:style>
+        </p:cxnSp>
+        <p:cxnSp>
+          <p:nvCxnSpPr>
+            <p:cNvPr id="74" name="연결선: 꺾임 73">
+              <a:extLst>
+                <a:ext uri="{FF2B5EF4-FFF2-40B4-BE49-F238E27FC236}">
+                  <a16:creationId xmlns:a16="http://schemas.microsoft.com/office/drawing/2014/main" id="{5D7A46B5-164C-EB56-4E5E-CACDA6559A96}"/>
+                </a:ext>
+              </a:extLst>
+            </p:cNvPr>
+            <p:cNvCxnSpPr>
+              <a:cxnSpLocks/>
+              <a:stCxn id="44" idx="6"/>
+              <a:endCxn id="20" idx="0"/>
+            </p:cNvCxnSpPr>
+            <p:nvPr/>
+          </p:nvCxnSpPr>
+          <p:spPr>
+            <a:xfrm>
+              <a:off x="3328148" y="2066692"/>
+              <a:ext cx="157386" cy="825868"/>
+            </a:xfrm>
+            <a:prstGeom prst="bentConnector2">
+              <a:avLst/>
+            </a:prstGeom>
+            <a:ln>
+              <a:tailEnd type="triangle"/>
+            </a:ln>
+          </p:spPr>
+          <p:style>
+            <a:lnRef idx="1">
+              <a:schemeClr val="accent1"/>
+            </a:lnRef>
+            <a:fillRef idx="0">
+              <a:schemeClr val="accent1"/>
+            </a:fillRef>
+            <a:effectRef idx="0">
+              <a:schemeClr val="accent1"/>
+            </a:effectRef>
+            <a:fontRef idx="minor">
+              <a:schemeClr val="tx1"/>
+            </a:fontRef>
+          </p:style>
+        </p:cxnSp>
+      </p:grpSp>
+      <p:grpSp>
+        <p:nvGrpSpPr>
+          <p:cNvPr id="109" name="그룹 108">
+            <a:extLst>
+              <a:ext uri="{FF2B5EF4-FFF2-40B4-BE49-F238E27FC236}">
+                <a16:creationId xmlns:a16="http://schemas.microsoft.com/office/drawing/2014/main" id="{03E9E39E-25EF-C2CC-0C0D-F23A50E8B70C}"/>
+              </a:ext>
+            </a:extLst>
+          </p:cNvPr>
+          <p:cNvGrpSpPr/>
+          <p:nvPr/>
+        </p:nvGrpSpPr>
+        <p:grpSpPr>
+          <a:xfrm>
+            <a:off x="55476" y="3454568"/>
+            <a:ext cx="4046072" cy="1668620"/>
+            <a:chOff x="55476" y="3454568"/>
+            <a:chExt cx="4046072" cy="1668620"/>
+          </a:xfrm>
+        </p:grpSpPr>
+        <p:grpSp>
+          <p:nvGrpSpPr>
+            <p:cNvPr id="6" name="그룹 5">
+              <a:extLst>
+                <a:ext uri="{FF2B5EF4-FFF2-40B4-BE49-F238E27FC236}">
+                  <a16:creationId xmlns:a16="http://schemas.microsoft.com/office/drawing/2014/main" id="{AB40F19F-2A07-35DD-A8F6-EE0E54988E4E}"/>
+                </a:ext>
+              </a:extLst>
+            </p:cNvPr>
+            <p:cNvGrpSpPr/>
+            <p:nvPr/>
+          </p:nvGrpSpPr>
+          <p:grpSpPr>
+            <a:xfrm>
+              <a:off x="317571" y="3455271"/>
+              <a:ext cx="3498851" cy="1556092"/>
+              <a:chOff x="4944356" y="1445451"/>
+              <a:chExt cx="3641196" cy="3102292"/>
+            </a:xfrm>
+          </p:grpSpPr>
+          <p:sp>
+            <p:nvSpPr>
+              <p:cNvPr id="7" name="직사각형 6">
+                <a:extLst>
+                  <a:ext uri="{FF2B5EF4-FFF2-40B4-BE49-F238E27FC236}">
+                    <a16:creationId xmlns:a16="http://schemas.microsoft.com/office/drawing/2014/main" id="{2A03681A-22E4-59F0-D944-12C8C80CC079}"/>
+                  </a:ext>
+                </a:extLst>
+              </p:cNvPr>
+              <p:cNvSpPr/>
+              <p:nvPr/>
+            </p:nvSpPr>
+            <p:spPr>
+              <a:xfrm>
+                <a:off x="4944356" y="1445451"/>
+                <a:ext cx="3641196" cy="3102292"/>
+              </a:xfrm>
+              <a:prstGeom prst="rect">
+                <a:avLst/>
+              </a:prstGeom>
+              <a:solidFill>
+                <a:schemeClr val="accent4">
+                  <a:alpha val="50000"/>
+                </a:schemeClr>
+              </a:solidFill>
+              <a:ln>
+                <a:noFill/>
+              </a:ln>
+            </p:spPr>
+            <p:style>
+              <a:lnRef idx="0">
+                <a:scrgbClr r="0" g="0" b="0"/>
+              </a:lnRef>
+              <a:fillRef idx="0">
+                <a:scrgbClr r="0" g="0" b="0"/>
+              </a:fillRef>
+              <a:effectRef idx="0">
+                <a:scrgbClr r="0" g="0" b="0"/>
+              </a:effectRef>
+              <a:fontRef idx="minor">
+                <a:schemeClr val="lt1"/>
+              </a:fontRef>
+            </p:style>
+            <p:txBody>
+              <a:bodyPr rtlCol="0" anchor="t"/>
+              <a:lstStyle/>
+              <a:p>
+                <a:pPr algn="ctr"/>
+                <a:r>
+                  <a:rPr lang="en-US" altLang="ko-KR" sz="800" dirty="0">
+                    <a:solidFill>
+                      <a:schemeClr val="tx1"/>
+                    </a:solidFill>
+                  </a:rPr>
+                  <a:t>2nd</a:t>
+                </a:r>
+                <a:endParaRPr lang="ko-KR" altLang="en-US" sz="800" dirty="0">
+                  <a:solidFill>
+                    <a:schemeClr val="tx1"/>
+                  </a:solidFill>
+                </a:endParaRPr>
+              </a:p>
+            </p:txBody>
+          </p:sp>
+          <p:sp>
+            <p:nvSpPr>
+              <p:cNvPr id="10" name="타원 9">
+                <a:extLst>
+                  <a:ext uri="{FF2B5EF4-FFF2-40B4-BE49-F238E27FC236}">
+                    <a16:creationId xmlns:a16="http://schemas.microsoft.com/office/drawing/2014/main" id="{7DE7DF37-FDCA-6CE4-2525-2B1A5FE987DC}"/>
+                  </a:ext>
+                </a:extLst>
+              </p:cNvPr>
+              <p:cNvSpPr/>
+              <p:nvPr/>
+            </p:nvSpPr>
+            <p:spPr>
+              <a:xfrm>
+                <a:off x="6824058" y="1957608"/>
+                <a:ext cx="1260000" cy="356398"/>
+              </a:xfrm>
+              <a:prstGeom prst="ellipse">
+                <a:avLst/>
+              </a:prstGeom>
+            </p:spPr>
+            <p:style>
+              <a:lnRef idx="2">
+                <a:schemeClr val="accent5">
+                  <a:shade val="50000"/>
+                </a:schemeClr>
+              </a:lnRef>
+              <a:fillRef idx="1">
+                <a:schemeClr val="accent5"/>
+              </a:fillRef>
+              <a:effectRef idx="0">
+                <a:schemeClr val="accent5"/>
+              </a:effectRef>
+              <a:fontRef idx="minor">
+                <a:schemeClr val="lt1"/>
+              </a:fontRef>
+            </p:style>
+            <p:txBody>
+              <a:bodyPr rtlCol="0" anchor="ctr"/>
+              <a:lstStyle/>
+              <a:p>
+                <a:pPr algn="ctr"/>
+                <a:r>
+                  <a:rPr lang="en-US" altLang="ko-KR" sz="800" dirty="0"/>
+                  <a:t>2nd_stp</a:t>
+                </a:r>
+              </a:p>
+              <a:p>
+                <a:pPr algn="ctr"/>
+                <a:r>
+                  <a:rPr lang="en-US" altLang="ko-KR" sz="800" dirty="0"/>
+                  <a:t>$ADV</a:t>
+                </a:r>
+                <a:endParaRPr lang="ko-KR" altLang="en-US" sz="800" dirty="0"/>
+              </a:p>
+            </p:txBody>
+          </p:sp>
+          <p:sp>
+            <p:nvSpPr>
+              <p:cNvPr id="12" name="타원 11">
+                <a:extLst>
+                  <a:ext uri="{FF2B5EF4-FFF2-40B4-BE49-F238E27FC236}">
+                    <a16:creationId xmlns:a16="http://schemas.microsoft.com/office/drawing/2014/main" id="{24559885-2687-5FD0-905F-EA8DA85213E7}"/>
+                  </a:ext>
+                </a:extLst>
+              </p:cNvPr>
+              <p:cNvSpPr/>
+              <p:nvPr/>
+            </p:nvSpPr>
+            <p:spPr>
+              <a:xfrm>
+                <a:off x="5509397" y="2937900"/>
+                <a:ext cx="1260000" cy="356398"/>
+              </a:xfrm>
+              <a:prstGeom prst="ellipse">
+                <a:avLst/>
+              </a:prstGeom>
+            </p:spPr>
+            <p:style>
+              <a:lnRef idx="2">
+                <a:schemeClr val="accent5">
+                  <a:shade val="50000"/>
+                </a:schemeClr>
+              </a:lnRef>
+              <a:fillRef idx="1">
+                <a:schemeClr val="accent5"/>
+              </a:fillRef>
+              <a:effectRef idx="0">
+                <a:schemeClr val="accent5"/>
+              </a:effectRef>
+              <a:fontRef idx="minor">
+                <a:schemeClr val="lt1"/>
+              </a:fontRef>
+            </p:style>
+            <p:txBody>
+              <a:bodyPr rtlCol="0" anchor="ctr"/>
+              <a:lstStyle/>
+              <a:p>
+                <a:pPr algn="ctr"/>
+                <a:r>
+                  <a:rPr lang="en-US" altLang="ko-KR" sz="800" dirty="0"/>
+                  <a:t>2nd_usb</a:t>
+                </a:r>
+              </a:p>
+              <a:p>
+                <a:pPr algn="ctr"/>
+                <a:r>
+                  <a:rPr lang="en-US" altLang="ko-KR" sz="800" dirty="0"/>
+                  <a:t>$ADV</a:t>
+                </a:r>
+                <a:endParaRPr lang="ko-KR" altLang="en-US" sz="800" dirty="0"/>
+              </a:p>
+            </p:txBody>
+          </p:sp>
+          <p:sp>
+            <p:nvSpPr>
+              <p:cNvPr id="13" name="타원 12">
+                <a:extLst>
+                  <a:ext uri="{FF2B5EF4-FFF2-40B4-BE49-F238E27FC236}">
+                    <a16:creationId xmlns:a16="http://schemas.microsoft.com/office/drawing/2014/main" id="{AD7527D6-6A9E-3286-2D18-0AC36543B838}"/>
+                  </a:ext>
+                </a:extLst>
+              </p:cNvPr>
+              <p:cNvSpPr/>
+              <p:nvPr/>
+            </p:nvSpPr>
+            <p:spPr>
+              <a:xfrm>
+                <a:off x="6426556" y="3532610"/>
+                <a:ext cx="1260000" cy="356398"/>
+              </a:xfrm>
+              <a:prstGeom prst="ellipse">
+                <a:avLst/>
+              </a:prstGeom>
+            </p:spPr>
+            <p:style>
+              <a:lnRef idx="2">
+                <a:schemeClr val="accent5">
+                  <a:shade val="50000"/>
+                </a:schemeClr>
+              </a:lnRef>
+              <a:fillRef idx="1">
+                <a:schemeClr val="accent5"/>
+              </a:fillRef>
+              <a:effectRef idx="0">
+                <a:schemeClr val="accent5"/>
+              </a:effectRef>
+              <a:fontRef idx="minor">
+                <a:schemeClr val="lt1"/>
+              </a:fontRef>
+            </p:style>
+            <p:txBody>
+              <a:bodyPr rtlCol="0" anchor="ctr"/>
+              <a:lstStyle/>
+              <a:p>
+                <a:pPr algn="ctr"/>
+                <a:r>
+                  <a:rPr lang="en-US" altLang="ko-KR" sz="800" dirty="0"/>
+                  <a:t>2nd_usb</a:t>
+                </a:r>
+              </a:p>
+              <a:p>
+                <a:pPr algn="ctr"/>
+                <a:r>
+                  <a:rPr lang="en-US" altLang="ko-KR" sz="800" dirty="0"/>
+                  <a:t>$RET</a:t>
+                </a:r>
+                <a:endParaRPr lang="ko-KR" altLang="en-US" sz="800" dirty="0"/>
+              </a:p>
+            </p:txBody>
+          </p:sp>
+          <p:sp>
+            <p:nvSpPr>
+              <p:cNvPr id="14" name="타원 13">
+                <a:extLst>
+                  <a:ext uri="{FF2B5EF4-FFF2-40B4-BE49-F238E27FC236}">
+                    <a16:creationId xmlns:a16="http://schemas.microsoft.com/office/drawing/2014/main" id="{CEF1119F-F747-205A-50E7-BCDB31793E8F}"/>
+                  </a:ext>
+                </a:extLst>
+              </p:cNvPr>
+              <p:cNvSpPr/>
+              <p:nvPr/>
+            </p:nvSpPr>
+            <p:spPr>
+              <a:xfrm>
+                <a:off x="6134954" y="4140660"/>
+                <a:ext cx="1260000" cy="356398"/>
+              </a:xfrm>
+              <a:prstGeom prst="ellipse">
+                <a:avLst/>
+              </a:prstGeom>
+            </p:spPr>
+            <p:style>
+              <a:lnRef idx="2">
+                <a:schemeClr val="accent5">
+                  <a:shade val="50000"/>
+                </a:schemeClr>
+              </a:lnRef>
+              <a:fillRef idx="1">
+                <a:schemeClr val="accent5"/>
+              </a:fillRef>
+              <a:effectRef idx="0">
+                <a:schemeClr val="accent5"/>
+              </a:effectRef>
+              <a:fontRef idx="minor">
+                <a:schemeClr val="lt1"/>
+              </a:fontRef>
+            </p:style>
+            <p:txBody>
+              <a:bodyPr rtlCol="0" anchor="ctr"/>
+              <a:lstStyle/>
+              <a:p>
+                <a:pPr algn="ctr"/>
+                <a:r>
+                  <a:rPr lang="en-US" altLang="ko-KR" sz="800" dirty="0"/>
+                  <a:t>2nd_stp</a:t>
+                </a:r>
+              </a:p>
+              <a:p>
+                <a:pPr algn="ctr"/>
+                <a:r>
+                  <a:rPr lang="en-US" altLang="ko-KR" sz="800" dirty="0"/>
+                  <a:t>$RET</a:t>
+                </a:r>
+                <a:endParaRPr lang="ko-KR" altLang="en-US" sz="800" dirty="0"/>
+              </a:p>
+            </p:txBody>
+          </p:sp>
+          <p:cxnSp>
+            <p:nvCxnSpPr>
+              <p:cNvPr id="17" name="연결선: 꺾임 16">
+                <a:extLst>
+                  <a:ext uri="{FF2B5EF4-FFF2-40B4-BE49-F238E27FC236}">
+                    <a16:creationId xmlns:a16="http://schemas.microsoft.com/office/drawing/2014/main" id="{CAD500E9-1B6A-ECBF-F211-5E1BBD795737}"/>
+                  </a:ext>
+                </a:extLst>
+              </p:cNvPr>
+              <p:cNvCxnSpPr>
+                <a:cxnSpLocks/>
+                <a:stCxn id="10" idx="4"/>
+                <a:endCxn id="12" idx="0"/>
+              </p:cNvCxnSpPr>
+              <p:nvPr/>
+            </p:nvCxnSpPr>
+            <p:spPr>
+              <a:xfrm rot="5400000">
+                <a:off x="6484781" y="1968623"/>
+                <a:ext cx="623894" cy="1314661"/>
+              </a:xfrm>
+              <a:prstGeom prst="bentConnector3">
+                <a:avLst/>
+              </a:prstGeom>
+              <a:ln>
+                <a:tailEnd type="triangle"/>
+              </a:ln>
+            </p:spPr>
+            <p:style>
+              <a:lnRef idx="1">
+                <a:schemeClr val="accent1"/>
+              </a:lnRef>
+              <a:fillRef idx="0">
+                <a:schemeClr val="accent1"/>
+              </a:fillRef>
+              <a:effectRef idx="0">
+                <a:schemeClr val="accent1"/>
+              </a:effectRef>
+              <a:fontRef idx="minor">
+                <a:schemeClr val="tx1"/>
+              </a:fontRef>
+            </p:style>
+          </p:cxnSp>
+          <p:cxnSp>
+            <p:nvCxnSpPr>
+              <p:cNvPr id="18" name="연결선: 꺾임 17">
+                <a:extLst>
+                  <a:ext uri="{FF2B5EF4-FFF2-40B4-BE49-F238E27FC236}">
+                    <a16:creationId xmlns:a16="http://schemas.microsoft.com/office/drawing/2014/main" id="{DE792B4D-EEF5-3839-9F1F-A19CDC563597}"/>
+                  </a:ext>
+                </a:extLst>
+              </p:cNvPr>
+              <p:cNvCxnSpPr>
+                <a:cxnSpLocks/>
+                <a:stCxn id="12" idx="4"/>
+                <a:endCxn id="13" idx="0"/>
+              </p:cNvCxnSpPr>
+              <p:nvPr/>
+            </p:nvCxnSpPr>
+            <p:spPr>
+              <a:xfrm rot="16200000" flipH="1">
+                <a:off x="6478820" y="2954874"/>
+                <a:ext cx="238312" cy="917159"/>
+              </a:xfrm>
+              <a:prstGeom prst="bentConnector3">
+                <a:avLst>
+                  <a:gd name="adj1" fmla="val 50000"/>
+                </a:avLst>
+              </a:prstGeom>
+              <a:ln>
+                <a:tailEnd type="triangle"/>
+              </a:ln>
+            </p:spPr>
+            <p:style>
+              <a:lnRef idx="1">
+                <a:schemeClr val="accent1"/>
+              </a:lnRef>
+              <a:fillRef idx="0">
+                <a:schemeClr val="accent1"/>
+              </a:fillRef>
+              <a:effectRef idx="0">
+                <a:schemeClr val="accent1"/>
+              </a:effectRef>
+              <a:fontRef idx="minor">
+                <a:schemeClr val="tx1"/>
+              </a:fontRef>
+            </p:style>
+          </p:cxnSp>
+          <p:cxnSp>
+            <p:nvCxnSpPr>
+              <p:cNvPr id="24" name="연결선: 꺾임 23">
+                <a:extLst>
+                  <a:ext uri="{FF2B5EF4-FFF2-40B4-BE49-F238E27FC236}">
+                    <a16:creationId xmlns:a16="http://schemas.microsoft.com/office/drawing/2014/main" id="{8D486FA6-BCC9-5706-9BA1-6506A3BB62C7}"/>
+                  </a:ext>
+                </a:extLst>
+              </p:cNvPr>
+              <p:cNvCxnSpPr>
+                <a:cxnSpLocks/>
+                <a:stCxn id="13" idx="4"/>
+                <a:endCxn id="14" idx="0"/>
+              </p:cNvCxnSpPr>
+              <p:nvPr/>
+            </p:nvCxnSpPr>
+            <p:spPr>
+              <a:xfrm rot="5400000">
+                <a:off x="6784929" y="3869033"/>
+                <a:ext cx="251652" cy="291602"/>
+              </a:xfrm>
+              <a:prstGeom prst="bentConnector3">
+                <a:avLst>
+                  <a:gd name="adj1" fmla="val 50000"/>
+                </a:avLst>
+              </a:prstGeom>
+              <a:ln>
+                <a:tailEnd type="triangle"/>
+              </a:ln>
+            </p:spPr>
+            <p:style>
+              <a:lnRef idx="1">
+                <a:schemeClr val="accent1"/>
+              </a:lnRef>
+              <a:fillRef idx="0">
+                <a:schemeClr val="accent1"/>
+              </a:fillRef>
+              <a:effectRef idx="0">
+                <a:schemeClr val="accent1"/>
+              </a:effectRef>
+              <a:fontRef idx="minor">
+                <a:schemeClr val="tx1"/>
+              </a:fontRef>
+            </p:style>
+          </p:cxnSp>
+        </p:grpSp>
+        <p:sp>
+          <p:nvSpPr>
+            <p:cNvPr id="52" name="타원 51">
+              <a:extLst>
+                <a:ext uri="{FF2B5EF4-FFF2-40B4-BE49-F238E27FC236}">
+                  <a16:creationId xmlns:a16="http://schemas.microsoft.com/office/drawing/2014/main" id="{AC7FBD9C-C765-D076-F429-2BE2F6252EE7}"/>
+                </a:ext>
+              </a:extLst>
+            </p:cNvPr>
+            <p:cNvSpPr/>
+            <p:nvPr/>
+          </p:nvSpPr>
+          <p:spPr>
+            <a:xfrm>
+              <a:off x="55476" y="3454568"/>
+              <a:ext cx="1277102" cy="393963"/>
+            </a:xfrm>
+            <a:prstGeom prst="ellipse">
+              <a:avLst/>
+            </a:prstGeom>
+          </p:spPr>
+          <p:style>
+            <a:lnRef idx="2">
+              <a:schemeClr val="accent5">
+                <a:shade val="50000"/>
+              </a:schemeClr>
+            </a:lnRef>
+            <a:fillRef idx="1">
+              <a:schemeClr val="accent5"/>
+            </a:fillRef>
+            <a:effectRef idx="0">
+              <a:schemeClr val="accent5"/>
+            </a:effectRef>
+            <a:fontRef idx="minor">
+              <a:schemeClr val="lt1"/>
+            </a:fontRef>
+          </p:style>
+          <p:txBody>
+            <a:bodyPr rtlCol="0" anchor="ctr"/>
+            <a:lstStyle/>
+            <a:p>
+              <a:pPr algn="ctr"/>
+              <a:r>
+                <a:rPr lang="en-US" altLang="ko-KR" sz="800" dirty="0">
+                  <a:solidFill>
+                    <a:schemeClr val="tx1"/>
+                  </a:solidFill>
+                </a:rPr>
+                <a:t>Cv2_Rr</a:t>
+              </a:r>
+              <a:r>
+                <a:rPr lang="en-US" altLang="ko-KR" sz="800" dirty="0"/>
+                <a:t>$MOVE</a:t>
+              </a:r>
+              <a:endParaRPr lang="ko-KR" altLang="en-US" sz="800" dirty="0"/>
+            </a:p>
+          </p:txBody>
+        </p:sp>
+        <p:sp>
+          <p:nvSpPr>
+            <p:cNvPr id="59" name="타원 58">
+              <a:extLst>
+                <a:ext uri="{FF2B5EF4-FFF2-40B4-BE49-F238E27FC236}">
+                  <a16:creationId xmlns:a16="http://schemas.microsoft.com/office/drawing/2014/main" id="{E065986F-7585-A8CC-DC50-6BA1EB9BE5B2}"/>
+                </a:ext>
+              </a:extLst>
+            </p:cNvPr>
+            <p:cNvSpPr/>
+            <p:nvPr/>
+          </p:nvSpPr>
+          <p:spPr>
+            <a:xfrm>
+              <a:off x="2824446" y="4729225"/>
+              <a:ext cx="1277102" cy="393963"/>
+            </a:xfrm>
+            <a:prstGeom prst="ellipse">
+              <a:avLst/>
+            </a:prstGeom>
+          </p:spPr>
+          <p:style>
+            <a:lnRef idx="2">
+              <a:schemeClr val="accent5">
+                <a:shade val="50000"/>
+              </a:schemeClr>
+            </a:lnRef>
+            <a:fillRef idx="1">
+              <a:schemeClr val="accent5"/>
+            </a:fillRef>
+            <a:effectRef idx="0">
+              <a:schemeClr val="accent5"/>
+            </a:effectRef>
+            <a:fontRef idx="minor">
+              <a:schemeClr val="lt1"/>
+            </a:fontRef>
+          </p:style>
+          <p:txBody>
+            <a:bodyPr rtlCol="0" anchor="ctr"/>
+            <a:lstStyle/>
+            <a:p>
+              <a:pPr algn="ctr"/>
+              <a:r>
+                <a:rPr lang="en-US" altLang="ko-KR" sz="800" dirty="0">
+                  <a:solidFill>
+                    <a:schemeClr val="tx1"/>
+                  </a:solidFill>
+                </a:rPr>
+                <a:t>Cv2_Rr</a:t>
+              </a:r>
+              <a:r>
+                <a:rPr lang="en-US" altLang="ko-KR" sz="800" dirty="0"/>
+                <a:t>$REMOVE</a:t>
+              </a:r>
+              <a:endParaRPr lang="ko-KR" altLang="en-US" sz="800" dirty="0"/>
+            </a:p>
+          </p:txBody>
+        </p:sp>
+        <p:cxnSp>
+          <p:nvCxnSpPr>
+            <p:cNvPr id="91" name="연결선: 꺾임 90">
+              <a:extLst>
+                <a:ext uri="{FF2B5EF4-FFF2-40B4-BE49-F238E27FC236}">
+                  <a16:creationId xmlns:a16="http://schemas.microsoft.com/office/drawing/2014/main" id="{1AC791B3-5874-9E38-6B8B-BF28CAF590BD}"/>
+                </a:ext>
+              </a:extLst>
+            </p:cNvPr>
+            <p:cNvCxnSpPr>
+              <a:cxnSpLocks/>
+              <a:stCxn id="52" idx="6"/>
+              <a:endCxn id="10" idx="2"/>
+            </p:cNvCxnSpPr>
+            <p:nvPr/>
+          </p:nvCxnSpPr>
+          <p:spPr>
+            <a:xfrm>
+              <a:off x="1332578" y="3651550"/>
+              <a:ext cx="791212" cy="150000"/>
+            </a:xfrm>
+            <a:prstGeom prst="bentConnector3">
+              <a:avLst/>
+            </a:prstGeom>
+            <a:ln>
+              <a:tailEnd type="triangle"/>
+            </a:ln>
+          </p:spPr>
+          <p:style>
+            <a:lnRef idx="1">
+              <a:schemeClr val="accent1"/>
+            </a:lnRef>
+            <a:fillRef idx="0">
+              <a:schemeClr val="accent1"/>
+            </a:fillRef>
+            <a:effectRef idx="0">
+              <a:schemeClr val="accent1"/>
+            </a:effectRef>
+            <a:fontRef idx="minor">
+              <a:schemeClr val="tx1"/>
+            </a:fontRef>
+          </p:style>
+        </p:cxnSp>
+        <p:cxnSp>
+          <p:nvCxnSpPr>
+            <p:cNvPr id="95" name="연결선: 꺾임 94">
+              <a:extLst>
+                <a:ext uri="{FF2B5EF4-FFF2-40B4-BE49-F238E27FC236}">
+                  <a16:creationId xmlns:a16="http://schemas.microsoft.com/office/drawing/2014/main" id="{80D566E9-B5CE-E57F-C884-8C2DC3F6F1C9}"/>
+                </a:ext>
+              </a:extLst>
+            </p:cNvPr>
+            <p:cNvCxnSpPr>
+              <a:cxnSpLocks/>
+              <a:stCxn id="10" idx="6"/>
+              <a:endCxn id="59" idx="0"/>
+            </p:cNvCxnSpPr>
+            <p:nvPr/>
+          </p:nvCxnSpPr>
+          <p:spPr>
+            <a:xfrm>
+              <a:off x="3334533" y="3801550"/>
+              <a:ext cx="128464" cy="927675"/>
+            </a:xfrm>
+            <a:prstGeom prst="bentConnector2">
+              <a:avLst/>
+            </a:prstGeom>
+            <a:ln>
+              <a:tailEnd type="triangle"/>
+            </a:ln>
+          </p:spPr>
+          <p:style>
+            <a:lnRef idx="1">
+              <a:schemeClr val="accent1"/>
+            </a:lnRef>
+            <a:fillRef idx="0">
+              <a:schemeClr val="accent1"/>
+            </a:fillRef>
+            <a:effectRef idx="0">
+              <a:schemeClr val="accent1"/>
+            </a:effectRef>
+            <a:fontRef idx="minor">
+              <a:schemeClr val="tx1"/>
+            </a:fontRef>
+          </p:style>
+        </p:cxnSp>
+      </p:grpSp>
+      <p:grpSp>
+        <p:nvGrpSpPr>
+          <p:cNvPr id="108" name="그룹 107">
+            <a:extLst>
+              <a:ext uri="{FF2B5EF4-FFF2-40B4-BE49-F238E27FC236}">
+                <a16:creationId xmlns:a16="http://schemas.microsoft.com/office/drawing/2014/main" id="{846A090E-9D73-182F-F6BA-48DF50A97102}"/>
+              </a:ext>
+            </a:extLst>
+          </p:cNvPr>
+          <p:cNvGrpSpPr/>
+          <p:nvPr/>
+        </p:nvGrpSpPr>
+        <p:grpSpPr>
+          <a:xfrm>
+            <a:off x="-77104" y="5011364"/>
+            <a:ext cx="4046072" cy="1724839"/>
+            <a:chOff x="-77104" y="5011364"/>
+            <a:chExt cx="4046072" cy="1724839"/>
+          </a:xfrm>
+        </p:grpSpPr>
+        <p:grpSp>
+          <p:nvGrpSpPr>
+            <p:cNvPr id="36" name="그룹 35">
+              <a:extLst>
+                <a:ext uri="{FF2B5EF4-FFF2-40B4-BE49-F238E27FC236}">
+                  <a16:creationId xmlns:a16="http://schemas.microsoft.com/office/drawing/2014/main" id="{E2F3DE2D-DB6A-7CE7-E03F-C2B9202DBB51}"/>
+                </a:ext>
+              </a:extLst>
+            </p:cNvPr>
+            <p:cNvGrpSpPr/>
+            <p:nvPr/>
+          </p:nvGrpSpPr>
+          <p:grpSpPr>
+            <a:xfrm>
+              <a:off x="311188" y="5180111"/>
+              <a:ext cx="3498851" cy="1556092"/>
+              <a:chOff x="4944356" y="1445451"/>
+              <a:chExt cx="3641196" cy="3102292"/>
+            </a:xfrm>
+          </p:grpSpPr>
+          <p:sp>
+            <p:nvSpPr>
+              <p:cNvPr id="37" name="직사각형 36">
+                <a:extLst>
+                  <a:ext uri="{FF2B5EF4-FFF2-40B4-BE49-F238E27FC236}">
+                    <a16:creationId xmlns:a16="http://schemas.microsoft.com/office/drawing/2014/main" id="{78D109FC-4BBE-8C8E-589A-1822301677C3}"/>
+                  </a:ext>
+                </a:extLst>
+              </p:cNvPr>
+              <p:cNvSpPr/>
+              <p:nvPr/>
+            </p:nvSpPr>
+            <p:spPr>
+              <a:xfrm>
+                <a:off x="4944356" y="1445451"/>
+                <a:ext cx="3641196" cy="3102292"/>
+              </a:xfrm>
+              <a:prstGeom prst="rect">
+                <a:avLst/>
+              </a:prstGeom>
+              <a:solidFill>
+                <a:schemeClr val="accent4">
+                  <a:alpha val="50000"/>
+                </a:schemeClr>
+              </a:solidFill>
+              <a:ln>
+                <a:noFill/>
+              </a:ln>
+            </p:spPr>
+            <p:style>
+              <a:lnRef idx="0">
+                <a:scrgbClr r="0" g="0" b="0"/>
+              </a:lnRef>
+              <a:fillRef idx="0">
+                <a:scrgbClr r="0" g="0" b="0"/>
+              </a:fillRef>
+              <a:effectRef idx="0">
+                <a:scrgbClr r="0" g="0" b="0"/>
+              </a:effectRef>
+              <a:fontRef idx="minor">
+                <a:schemeClr val="lt1"/>
+              </a:fontRef>
+            </p:style>
+            <p:txBody>
+              <a:bodyPr rtlCol="0" anchor="t"/>
+              <a:lstStyle/>
+              <a:p>
+                <a:pPr algn="ctr"/>
+                <a:r>
+                  <a:rPr lang="en-US" altLang="ko-KR" sz="800" dirty="0">
+                    <a:solidFill>
+                      <a:schemeClr val="tx1"/>
+                    </a:solidFill>
+                  </a:rPr>
+                  <a:t>3rd</a:t>
+                </a:r>
+                <a:endParaRPr lang="ko-KR" altLang="en-US" sz="800" dirty="0">
+                  <a:solidFill>
+                    <a:schemeClr val="tx1"/>
+                  </a:solidFill>
+                </a:endParaRPr>
+              </a:p>
+            </p:txBody>
+          </p:sp>
+          <p:sp>
+            <p:nvSpPr>
+              <p:cNvPr id="40" name="타원 39">
+                <a:extLst>
+                  <a:ext uri="{FF2B5EF4-FFF2-40B4-BE49-F238E27FC236}">
+                    <a16:creationId xmlns:a16="http://schemas.microsoft.com/office/drawing/2014/main" id="{75C5FBD5-E07D-B424-B866-1693481FBF40}"/>
+                  </a:ext>
+                </a:extLst>
+              </p:cNvPr>
+              <p:cNvSpPr/>
+              <p:nvPr/>
+            </p:nvSpPr>
+            <p:spPr>
+              <a:xfrm>
+                <a:off x="6824058" y="1957608"/>
+                <a:ext cx="1260000" cy="356398"/>
+              </a:xfrm>
+              <a:prstGeom prst="ellipse">
+                <a:avLst/>
+              </a:prstGeom>
+            </p:spPr>
+            <p:style>
+              <a:lnRef idx="2">
+                <a:schemeClr val="accent5">
+                  <a:shade val="50000"/>
+                </a:schemeClr>
+              </a:lnRef>
+              <a:fillRef idx="1">
+                <a:schemeClr val="accent5"/>
+              </a:fillRef>
+              <a:effectRef idx="0">
+                <a:schemeClr val="accent5"/>
+              </a:effectRef>
+              <a:fontRef idx="minor">
+                <a:schemeClr val="lt1"/>
+              </a:fontRef>
+            </p:style>
+            <p:txBody>
+              <a:bodyPr rtlCol="0" anchor="ctr"/>
+              <a:lstStyle/>
+              <a:p>
+                <a:pPr algn="ctr"/>
+                <a:r>
+                  <a:rPr lang="en-US" altLang="ko-KR" sz="800" dirty="0"/>
+                  <a:t>3rd_stp</a:t>
+                </a:r>
+              </a:p>
+              <a:p>
+                <a:pPr algn="ctr"/>
+                <a:r>
+                  <a:rPr lang="en-US" altLang="ko-KR" sz="800" dirty="0"/>
+                  <a:t>$ADV</a:t>
+                </a:r>
+                <a:endParaRPr lang="ko-KR" altLang="en-US" sz="800" dirty="0"/>
+              </a:p>
+            </p:txBody>
+          </p:sp>
+          <p:sp>
+            <p:nvSpPr>
+              <p:cNvPr id="41" name="타원 40">
+                <a:extLst>
+                  <a:ext uri="{FF2B5EF4-FFF2-40B4-BE49-F238E27FC236}">
+                    <a16:creationId xmlns:a16="http://schemas.microsoft.com/office/drawing/2014/main" id="{231C04E9-53C8-1EBE-15AF-1A2D3C23F74A}"/>
+                  </a:ext>
+                </a:extLst>
+              </p:cNvPr>
+              <p:cNvSpPr/>
+              <p:nvPr/>
+            </p:nvSpPr>
+            <p:spPr>
+              <a:xfrm>
+                <a:off x="5509397" y="2937900"/>
+                <a:ext cx="1260000" cy="356398"/>
+              </a:xfrm>
+              <a:prstGeom prst="ellipse">
+                <a:avLst/>
+              </a:prstGeom>
+            </p:spPr>
+            <p:style>
+              <a:lnRef idx="2">
+                <a:schemeClr val="accent5">
+                  <a:shade val="50000"/>
+                </a:schemeClr>
+              </a:lnRef>
+              <a:fillRef idx="1">
+                <a:schemeClr val="accent5"/>
+              </a:fillRef>
+              <a:effectRef idx="0">
+                <a:schemeClr val="accent5"/>
+              </a:effectRef>
+              <a:fontRef idx="minor">
+                <a:schemeClr val="lt1"/>
+              </a:fontRef>
+            </p:style>
+            <p:txBody>
+              <a:bodyPr rtlCol="0" anchor="ctr"/>
+              <a:lstStyle/>
+              <a:p>
+                <a:pPr algn="ctr"/>
+                <a:r>
+                  <a:rPr lang="en-US" altLang="ko-KR" sz="800" dirty="0"/>
+                  <a:t>3rd_usb</a:t>
+                </a:r>
+              </a:p>
+              <a:p>
+                <a:pPr algn="ctr"/>
+                <a:r>
+                  <a:rPr lang="en-US" altLang="ko-KR" sz="800" dirty="0"/>
+                  <a:t>$ADV</a:t>
+                </a:r>
+                <a:endParaRPr lang="ko-KR" altLang="en-US" sz="800" dirty="0"/>
+              </a:p>
+            </p:txBody>
+          </p:sp>
+          <p:sp>
+            <p:nvSpPr>
+              <p:cNvPr id="45" name="타원 44">
+                <a:extLst>
+                  <a:ext uri="{FF2B5EF4-FFF2-40B4-BE49-F238E27FC236}">
+                    <a16:creationId xmlns:a16="http://schemas.microsoft.com/office/drawing/2014/main" id="{D4FFF9D6-237B-346B-60D1-7DFFAF690665}"/>
+                  </a:ext>
+                </a:extLst>
+              </p:cNvPr>
+              <p:cNvSpPr/>
+              <p:nvPr/>
+            </p:nvSpPr>
+            <p:spPr>
+              <a:xfrm>
+                <a:off x="6426556" y="3532610"/>
+                <a:ext cx="1260000" cy="356398"/>
+              </a:xfrm>
+              <a:prstGeom prst="ellipse">
+                <a:avLst/>
+              </a:prstGeom>
+            </p:spPr>
+            <p:style>
+              <a:lnRef idx="2">
+                <a:schemeClr val="accent5">
+                  <a:shade val="50000"/>
+                </a:schemeClr>
+              </a:lnRef>
+              <a:fillRef idx="1">
+                <a:schemeClr val="accent5"/>
+              </a:fillRef>
+              <a:effectRef idx="0">
+                <a:schemeClr val="accent5"/>
+              </a:effectRef>
+              <a:fontRef idx="minor">
+                <a:schemeClr val="lt1"/>
+              </a:fontRef>
+            </p:style>
+            <p:txBody>
+              <a:bodyPr rtlCol="0" anchor="ctr"/>
+              <a:lstStyle/>
+              <a:p>
+                <a:pPr algn="ctr"/>
+                <a:r>
+                  <a:rPr lang="en-US" altLang="ko-KR" sz="800" dirty="0"/>
+                  <a:t>3rd_usb</a:t>
+                </a:r>
+              </a:p>
+              <a:p>
+                <a:pPr algn="ctr"/>
+                <a:r>
+                  <a:rPr lang="en-US" altLang="ko-KR" sz="800" dirty="0"/>
+                  <a:t>$RET</a:t>
+                </a:r>
+                <a:endParaRPr lang="ko-KR" altLang="en-US" sz="800" dirty="0"/>
+              </a:p>
+            </p:txBody>
+          </p:sp>
+          <p:sp>
+            <p:nvSpPr>
+              <p:cNvPr id="46" name="타원 45">
+                <a:extLst>
+                  <a:ext uri="{FF2B5EF4-FFF2-40B4-BE49-F238E27FC236}">
+                    <a16:creationId xmlns:a16="http://schemas.microsoft.com/office/drawing/2014/main" id="{40454175-7E37-9B01-0D4A-4D00AB584EB3}"/>
+                  </a:ext>
+                </a:extLst>
+              </p:cNvPr>
+              <p:cNvSpPr/>
+              <p:nvPr/>
+            </p:nvSpPr>
+            <p:spPr>
+              <a:xfrm>
+                <a:off x="6134954" y="4140660"/>
+                <a:ext cx="1260000" cy="356398"/>
+              </a:xfrm>
+              <a:prstGeom prst="ellipse">
+                <a:avLst/>
+              </a:prstGeom>
+            </p:spPr>
+            <p:style>
+              <a:lnRef idx="2">
+                <a:schemeClr val="accent5">
+                  <a:shade val="50000"/>
+                </a:schemeClr>
+              </a:lnRef>
+              <a:fillRef idx="1">
+                <a:schemeClr val="accent5"/>
+              </a:fillRef>
+              <a:effectRef idx="0">
+                <a:schemeClr val="accent5"/>
+              </a:effectRef>
+              <a:fontRef idx="minor">
+                <a:schemeClr val="lt1"/>
+              </a:fontRef>
+            </p:style>
+            <p:txBody>
+              <a:bodyPr rtlCol="0" anchor="ctr"/>
+              <a:lstStyle/>
+              <a:p>
+                <a:pPr algn="ctr"/>
+                <a:r>
+                  <a:rPr lang="en-US" altLang="ko-KR" sz="800" dirty="0"/>
+                  <a:t>3rd_stp</a:t>
+                </a:r>
+              </a:p>
+              <a:p>
+                <a:pPr algn="ctr"/>
+                <a:r>
+                  <a:rPr lang="en-US" altLang="ko-KR" sz="800" dirty="0"/>
+                  <a:t>$RET</a:t>
+                </a:r>
+                <a:endParaRPr lang="ko-KR" altLang="en-US" sz="800" dirty="0"/>
+              </a:p>
+            </p:txBody>
+          </p:sp>
+          <p:cxnSp>
+            <p:nvCxnSpPr>
+              <p:cNvPr id="54" name="연결선: 꺾임 53">
+                <a:extLst>
+                  <a:ext uri="{FF2B5EF4-FFF2-40B4-BE49-F238E27FC236}">
+                    <a16:creationId xmlns:a16="http://schemas.microsoft.com/office/drawing/2014/main" id="{955F54F7-73A1-51EF-2293-42F3E3FFDD9C}"/>
+                  </a:ext>
+                </a:extLst>
+              </p:cNvPr>
+              <p:cNvCxnSpPr>
+                <a:cxnSpLocks/>
+                <a:stCxn id="40" idx="4"/>
+                <a:endCxn id="41" idx="0"/>
+              </p:cNvCxnSpPr>
+              <p:nvPr/>
+            </p:nvCxnSpPr>
+            <p:spPr>
+              <a:xfrm rot="5400000">
+                <a:off x="6484781" y="1968623"/>
+                <a:ext cx="623894" cy="1314661"/>
+              </a:xfrm>
+              <a:prstGeom prst="bentConnector3">
+                <a:avLst/>
+              </a:prstGeom>
+              <a:ln>
+                <a:tailEnd type="triangle"/>
+              </a:ln>
+            </p:spPr>
+            <p:style>
+              <a:lnRef idx="1">
+                <a:schemeClr val="accent1"/>
+              </a:lnRef>
+              <a:fillRef idx="0">
+                <a:schemeClr val="accent1"/>
+              </a:fillRef>
+              <a:effectRef idx="0">
+                <a:schemeClr val="accent1"/>
+              </a:effectRef>
+              <a:fontRef idx="minor">
+                <a:schemeClr val="tx1"/>
+              </a:fontRef>
+            </p:style>
+          </p:cxnSp>
+          <p:cxnSp>
+            <p:nvCxnSpPr>
+              <p:cNvPr id="55" name="연결선: 꺾임 54">
+                <a:extLst>
+                  <a:ext uri="{FF2B5EF4-FFF2-40B4-BE49-F238E27FC236}">
+                    <a16:creationId xmlns:a16="http://schemas.microsoft.com/office/drawing/2014/main" id="{110E3F75-13DC-62CD-65F0-0BCD794BE262}"/>
+                  </a:ext>
+                </a:extLst>
+              </p:cNvPr>
+              <p:cNvCxnSpPr>
+                <a:cxnSpLocks/>
+                <a:stCxn id="41" idx="4"/>
+                <a:endCxn id="45" idx="0"/>
+              </p:cNvCxnSpPr>
+              <p:nvPr/>
+            </p:nvCxnSpPr>
+            <p:spPr>
+              <a:xfrm rot="16200000" flipH="1">
+                <a:off x="6478820" y="2954874"/>
+                <a:ext cx="238312" cy="917159"/>
+              </a:xfrm>
+              <a:prstGeom prst="bentConnector3">
+                <a:avLst>
+                  <a:gd name="adj1" fmla="val 50000"/>
+                </a:avLst>
+              </a:prstGeom>
+              <a:ln>
+                <a:tailEnd type="triangle"/>
+              </a:ln>
+            </p:spPr>
+            <p:style>
+              <a:lnRef idx="1">
+                <a:schemeClr val="accent1"/>
+              </a:lnRef>
+              <a:fillRef idx="0">
+                <a:schemeClr val="accent1"/>
+              </a:fillRef>
+              <a:effectRef idx="0">
+                <a:schemeClr val="accent1"/>
+              </a:effectRef>
+              <a:fontRef idx="minor">
+                <a:schemeClr val="tx1"/>
+              </a:fontRef>
+            </p:style>
+          </p:cxnSp>
+          <p:cxnSp>
+            <p:nvCxnSpPr>
+              <p:cNvPr id="57" name="연결선: 꺾임 56">
+                <a:extLst>
+                  <a:ext uri="{FF2B5EF4-FFF2-40B4-BE49-F238E27FC236}">
+                    <a16:creationId xmlns:a16="http://schemas.microsoft.com/office/drawing/2014/main" id="{306437AE-F935-CF65-125E-77911E31D2FC}"/>
+                  </a:ext>
+                </a:extLst>
+              </p:cNvPr>
+              <p:cNvCxnSpPr>
+                <a:cxnSpLocks/>
+                <a:stCxn id="45" idx="4"/>
+                <a:endCxn id="46" idx="0"/>
+              </p:cNvCxnSpPr>
+              <p:nvPr/>
+            </p:nvCxnSpPr>
+            <p:spPr>
+              <a:xfrm rot="5400000">
+                <a:off x="6784929" y="3869033"/>
+                <a:ext cx="251652" cy="291602"/>
+              </a:xfrm>
+              <a:prstGeom prst="bentConnector3">
+                <a:avLst>
+                  <a:gd name="adj1" fmla="val 50000"/>
+                </a:avLst>
+              </a:prstGeom>
+              <a:ln>
+                <a:tailEnd type="triangle"/>
+              </a:ln>
+            </p:spPr>
+            <p:style>
+              <a:lnRef idx="1">
+                <a:schemeClr val="accent1"/>
+              </a:lnRef>
+              <a:fillRef idx="0">
+                <a:schemeClr val="accent1"/>
+              </a:fillRef>
+              <a:effectRef idx="0">
+                <a:schemeClr val="accent1"/>
+              </a:effectRef>
+              <a:fontRef idx="minor">
+                <a:schemeClr val="tx1"/>
+              </a:fontRef>
+            </p:style>
+          </p:cxnSp>
+        </p:grpSp>
+        <p:cxnSp>
+          <p:nvCxnSpPr>
+            <p:cNvPr id="76" name="연결선: 꺾임 75">
+              <a:extLst>
+                <a:ext uri="{FF2B5EF4-FFF2-40B4-BE49-F238E27FC236}">
+                  <a16:creationId xmlns:a16="http://schemas.microsoft.com/office/drawing/2014/main" id="{7353A203-B898-FDB1-D928-33700950CAA8}"/>
+                </a:ext>
+              </a:extLst>
+            </p:cNvPr>
+            <p:cNvCxnSpPr>
+              <a:cxnSpLocks/>
+              <a:stCxn id="7" idx="2"/>
+              <a:endCxn id="37" idx="0"/>
+            </p:cNvCxnSpPr>
+            <p:nvPr/>
+          </p:nvCxnSpPr>
+          <p:spPr>
+            <a:xfrm rot="5400000">
+              <a:off x="1979432" y="5092546"/>
+              <a:ext cx="168748" cy="6383"/>
+            </a:xfrm>
+            <a:prstGeom prst="bentConnector3">
+              <a:avLst>
+                <a:gd name="adj1" fmla="val 50000"/>
+              </a:avLst>
+            </a:prstGeom>
+            <a:ln>
+              <a:headEnd type="oval" w="med" len="med"/>
+              <a:tailEnd type="triangle" w="med" len="med"/>
+            </a:ln>
+          </p:spPr>
+          <p:style>
+            <a:lnRef idx="1">
+              <a:schemeClr val="accent1"/>
+            </a:lnRef>
+            <a:fillRef idx="0">
+              <a:schemeClr val="accent1"/>
+            </a:fillRef>
+            <a:effectRef idx="0">
+              <a:schemeClr val="accent1"/>
+            </a:effectRef>
+            <a:fontRef idx="minor">
+              <a:schemeClr val="tx1"/>
+            </a:fontRef>
+          </p:style>
+        </p:cxnSp>
+        <p:sp>
+          <p:nvSpPr>
+            <p:cNvPr id="39" name="타원 38">
+              <a:extLst>
+                <a:ext uri="{FF2B5EF4-FFF2-40B4-BE49-F238E27FC236}">
+                  <a16:creationId xmlns:a16="http://schemas.microsoft.com/office/drawing/2014/main" id="{32CDD40B-D761-C383-1114-6ABBD5B2B3E8}"/>
+                </a:ext>
+              </a:extLst>
+            </p:cNvPr>
+            <p:cNvSpPr/>
+            <p:nvPr/>
+          </p:nvSpPr>
+          <p:spPr>
+            <a:xfrm>
+              <a:off x="-77104" y="5067583"/>
+              <a:ext cx="1277102" cy="393963"/>
+            </a:xfrm>
+            <a:prstGeom prst="ellipse">
+              <a:avLst/>
+            </a:prstGeom>
+          </p:spPr>
+          <p:style>
+            <a:lnRef idx="2">
+              <a:schemeClr val="accent5">
+                <a:shade val="50000"/>
+              </a:schemeClr>
+            </a:lnRef>
+            <a:fillRef idx="1">
+              <a:schemeClr val="accent5"/>
+            </a:fillRef>
+            <a:effectRef idx="0">
+              <a:schemeClr val="accent5"/>
+            </a:effectRef>
+            <a:fontRef idx="minor">
+              <a:schemeClr val="lt1"/>
+            </a:fontRef>
+          </p:style>
+          <p:txBody>
+            <a:bodyPr rtlCol="0" anchor="ctr"/>
+            <a:lstStyle/>
+            <a:p>
+              <a:pPr algn="ctr"/>
+              <a:r>
+                <a:rPr lang="en-US" altLang="ko-KR" sz="800" dirty="0">
+                  <a:solidFill>
+                    <a:schemeClr val="tx1"/>
+                  </a:solidFill>
+                </a:rPr>
+                <a:t>Cv3_Rr</a:t>
+              </a:r>
+              <a:r>
+                <a:rPr lang="en-US" altLang="ko-KR" sz="800" dirty="0"/>
+                <a:t>$MOVE</a:t>
+              </a:r>
+              <a:endParaRPr lang="ko-KR" altLang="en-US" sz="800" dirty="0"/>
+            </a:p>
+          </p:txBody>
+        </p:sp>
+        <p:sp>
+          <p:nvSpPr>
+            <p:cNvPr id="51" name="타원 50">
+              <a:extLst>
+                <a:ext uri="{FF2B5EF4-FFF2-40B4-BE49-F238E27FC236}">
+                  <a16:creationId xmlns:a16="http://schemas.microsoft.com/office/drawing/2014/main" id="{2B84EFC3-0109-3B26-3DCE-7CAB34C38AF2}"/>
+                </a:ext>
+              </a:extLst>
+            </p:cNvPr>
+            <p:cNvSpPr/>
+            <p:nvPr/>
+          </p:nvSpPr>
+          <p:spPr>
+            <a:xfrm>
+              <a:off x="2691866" y="6342240"/>
+              <a:ext cx="1277102" cy="393963"/>
+            </a:xfrm>
+            <a:prstGeom prst="ellipse">
+              <a:avLst/>
+            </a:prstGeom>
+          </p:spPr>
+          <p:style>
+            <a:lnRef idx="2">
+              <a:schemeClr val="accent5">
+                <a:shade val="50000"/>
+              </a:schemeClr>
+            </a:lnRef>
+            <a:fillRef idx="1">
+              <a:schemeClr val="accent5"/>
+            </a:fillRef>
+            <a:effectRef idx="0">
+              <a:schemeClr val="accent5"/>
+            </a:effectRef>
+            <a:fontRef idx="minor">
+              <a:schemeClr val="lt1"/>
+            </a:fontRef>
+          </p:style>
+          <p:txBody>
+            <a:bodyPr rtlCol="0" anchor="ctr"/>
+            <a:lstStyle/>
+            <a:p>
+              <a:pPr algn="ctr"/>
+              <a:r>
+                <a:rPr lang="en-US" altLang="ko-KR" sz="800" dirty="0">
+                  <a:solidFill>
+                    <a:schemeClr val="tx1"/>
+                  </a:solidFill>
+                </a:rPr>
+                <a:t>Cv3_Rr</a:t>
+              </a:r>
+              <a:r>
+                <a:rPr lang="en-US" altLang="ko-KR" sz="800" dirty="0"/>
+                <a:t>$REMOVE</a:t>
+              </a:r>
+              <a:endParaRPr lang="ko-KR" altLang="en-US" sz="800" dirty="0"/>
+            </a:p>
+          </p:txBody>
+        </p:sp>
+        <p:cxnSp>
+          <p:nvCxnSpPr>
+            <p:cNvPr id="98" name="연결선: 꺾임 97">
+              <a:extLst>
+                <a:ext uri="{FF2B5EF4-FFF2-40B4-BE49-F238E27FC236}">
+                  <a16:creationId xmlns:a16="http://schemas.microsoft.com/office/drawing/2014/main" id="{0C69D3FC-54B2-BF08-AB70-03BFC9A766E3}"/>
+                </a:ext>
+              </a:extLst>
+            </p:cNvPr>
+            <p:cNvCxnSpPr>
+              <a:cxnSpLocks/>
+              <a:stCxn id="40" idx="6"/>
+              <a:endCxn id="51" idx="0"/>
+            </p:cNvCxnSpPr>
+            <p:nvPr/>
+          </p:nvCxnSpPr>
+          <p:spPr>
+            <a:xfrm>
+              <a:off x="3328150" y="5526390"/>
+              <a:ext cx="2267" cy="815850"/>
+            </a:xfrm>
+            <a:prstGeom prst="bentConnector2">
+              <a:avLst/>
+            </a:prstGeom>
+            <a:ln>
+              <a:tailEnd type="triangle"/>
+            </a:ln>
+          </p:spPr>
+          <p:style>
+            <a:lnRef idx="1">
+              <a:schemeClr val="accent1"/>
+            </a:lnRef>
+            <a:fillRef idx="0">
+              <a:schemeClr val="accent1"/>
+            </a:fillRef>
+            <a:effectRef idx="0">
+              <a:schemeClr val="accent1"/>
+            </a:effectRef>
+            <a:fontRef idx="minor">
+              <a:schemeClr val="tx1"/>
+            </a:fontRef>
+          </p:style>
+        </p:cxnSp>
+        <p:cxnSp>
+          <p:nvCxnSpPr>
+            <p:cNvPr id="101" name="연결선: 꺾임 100">
+              <a:extLst>
+                <a:ext uri="{FF2B5EF4-FFF2-40B4-BE49-F238E27FC236}">
+                  <a16:creationId xmlns:a16="http://schemas.microsoft.com/office/drawing/2014/main" id="{F20CEDE6-3A41-8BA3-811B-BB579250AD30}"/>
+                </a:ext>
+              </a:extLst>
+            </p:cNvPr>
+            <p:cNvCxnSpPr>
+              <a:cxnSpLocks/>
+              <a:stCxn id="39" idx="6"/>
+              <a:endCxn id="40" idx="2"/>
+            </p:cNvCxnSpPr>
+            <p:nvPr/>
+          </p:nvCxnSpPr>
+          <p:spPr>
+            <a:xfrm>
+              <a:off x="1199998" y="5264565"/>
+              <a:ext cx="917409" cy="261825"/>
+            </a:xfrm>
+            <a:prstGeom prst="bentConnector3">
+              <a:avLst>
+                <a:gd name="adj1" fmla="val 50000"/>
+              </a:avLst>
+            </a:prstGeom>
+            <a:ln>
+              <a:tailEnd type="triangle"/>
+            </a:ln>
+          </p:spPr>
+          <p:style>
+            <a:lnRef idx="1">
+              <a:schemeClr val="accent1"/>
+            </a:lnRef>
+            <a:fillRef idx="0">
+              <a:schemeClr val="accent1"/>
+            </a:fillRef>
+            <a:effectRef idx="0">
+              <a:schemeClr val="accent1"/>
+            </a:effectRef>
+            <a:fontRef idx="minor">
+              <a:schemeClr val="tx1"/>
+            </a:fontRef>
+          </p:style>
+        </p:cxnSp>
+      </p:grpSp>
+      <p:grpSp>
+        <p:nvGrpSpPr>
+          <p:cNvPr id="107" name="그룹 106">
+            <a:extLst>
+              <a:ext uri="{FF2B5EF4-FFF2-40B4-BE49-F238E27FC236}">
+                <a16:creationId xmlns:a16="http://schemas.microsoft.com/office/drawing/2014/main" id="{2E19B032-E46C-242D-7B92-05A3A7491470}"/>
+              </a:ext>
+            </a:extLst>
+          </p:cNvPr>
+          <p:cNvGrpSpPr/>
+          <p:nvPr/>
+        </p:nvGrpSpPr>
+        <p:grpSpPr>
+          <a:xfrm>
+            <a:off x="3810039" y="5180111"/>
+            <a:ext cx="3980460" cy="1620505"/>
+            <a:chOff x="3810039" y="5180111"/>
+            <a:chExt cx="3980460" cy="1620505"/>
+          </a:xfrm>
+        </p:grpSpPr>
+        <p:grpSp>
+          <p:nvGrpSpPr>
+            <p:cNvPr id="60" name="그룹 59">
+              <a:extLst>
+                <a:ext uri="{FF2B5EF4-FFF2-40B4-BE49-F238E27FC236}">
+                  <a16:creationId xmlns:a16="http://schemas.microsoft.com/office/drawing/2014/main" id="{00E5DEBE-06AF-C65D-3F99-5CF5ED7ED264}"/>
+                </a:ext>
+              </a:extLst>
+            </p:cNvPr>
+            <p:cNvGrpSpPr/>
+            <p:nvPr/>
+          </p:nvGrpSpPr>
+          <p:grpSpPr>
+            <a:xfrm>
+              <a:off x="3911578" y="5180111"/>
+              <a:ext cx="3498851" cy="1556092"/>
+              <a:chOff x="4944356" y="1445451"/>
+              <a:chExt cx="3641196" cy="3102292"/>
+            </a:xfrm>
+          </p:grpSpPr>
+          <p:sp>
+            <p:nvSpPr>
+              <p:cNvPr id="62" name="직사각형 61">
+                <a:extLst>
+                  <a:ext uri="{FF2B5EF4-FFF2-40B4-BE49-F238E27FC236}">
+                    <a16:creationId xmlns:a16="http://schemas.microsoft.com/office/drawing/2014/main" id="{FA25B133-6EEB-4644-F185-785FC7CA4B6C}"/>
+                  </a:ext>
+                </a:extLst>
+              </p:cNvPr>
+              <p:cNvSpPr/>
+              <p:nvPr/>
+            </p:nvSpPr>
+            <p:spPr>
+              <a:xfrm>
+                <a:off x="4944356" y="1445451"/>
+                <a:ext cx="3641196" cy="3102292"/>
+              </a:xfrm>
+              <a:prstGeom prst="rect">
+                <a:avLst/>
+              </a:prstGeom>
+              <a:solidFill>
+                <a:schemeClr val="accent4">
+                  <a:alpha val="50000"/>
+                </a:schemeClr>
+              </a:solidFill>
+              <a:ln>
+                <a:noFill/>
+              </a:ln>
+            </p:spPr>
+            <p:style>
+              <a:lnRef idx="0">
+                <a:scrgbClr r="0" g="0" b="0"/>
+              </a:lnRef>
+              <a:fillRef idx="0">
+                <a:scrgbClr r="0" g="0" b="0"/>
+              </a:fillRef>
+              <a:effectRef idx="0">
+                <a:scrgbClr r="0" g="0" b="0"/>
+              </a:effectRef>
+              <a:fontRef idx="minor">
+                <a:schemeClr val="lt1"/>
+              </a:fontRef>
+            </p:style>
+            <p:txBody>
+              <a:bodyPr rtlCol="0" anchor="t"/>
+              <a:lstStyle/>
+              <a:p>
+                <a:pPr algn="ctr"/>
+                <a:r>
+                  <a:rPr lang="en-US" altLang="ko-KR" sz="800" dirty="0">
+                    <a:solidFill>
+                      <a:schemeClr val="tx1"/>
+                    </a:solidFill>
+                  </a:rPr>
+                  <a:t>4th</a:t>
+                </a:r>
+                <a:endParaRPr lang="ko-KR" altLang="en-US" sz="800" dirty="0">
+                  <a:solidFill>
+                    <a:schemeClr val="tx1"/>
+                  </a:solidFill>
+                </a:endParaRPr>
+              </a:p>
+            </p:txBody>
+          </p:sp>
+          <p:sp>
+            <p:nvSpPr>
+              <p:cNvPr id="64" name="타원 63">
+                <a:extLst>
+                  <a:ext uri="{FF2B5EF4-FFF2-40B4-BE49-F238E27FC236}">
+                    <a16:creationId xmlns:a16="http://schemas.microsoft.com/office/drawing/2014/main" id="{F23D3DA2-458E-247E-A1B4-84995D7DD403}"/>
+                  </a:ext>
+                </a:extLst>
+              </p:cNvPr>
+              <p:cNvSpPr/>
+              <p:nvPr/>
+            </p:nvSpPr>
+            <p:spPr>
+              <a:xfrm>
+                <a:off x="6824058" y="1957608"/>
+                <a:ext cx="1260000" cy="356398"/>
+              </a:xfrm>
+              <a:prstGeom prst="ellipse">
+                <a:avLst/>
+              </a:prstGeom>
+            </p:spPr>
+            <p:style>
+              <a:lnRef idx="2">
+                <a:schemeClr val="accent5">
+                  <a:shade val="50000"/>
+                </a:schemeClr>
+              </a:lnRef>
+              <a:fillRef idx="1">
+                <a:schemeClr val="accent5"/>
+              </a:fillRef>
+              <a:effectRef idx="0">
+                <a:schemeClr val="accent5"/>
+              </a:effectRef>
+              <a:fontRef idx="minor">
+                <a:schemeClr val="lt1"/>
+              </a:fontRef>
+            </p:style>
+            <p:txBody>
+              <a:bodyPr rtlCol="0" anchor="ctr"/>
+              <a:lstStyle/>
+              <a:p>
+                <a:pPr algn="ctr"/>
+                <a:r>
+                  <a:rPr lang="en-US" altLang="ko-KR" sz="800" dirty="0"/>
+                  <a:t>4th_stp</a:t>
+                </a:r>
+              </a:p>
+              <a:p>
+                <a:pPr algn="ctr"/>
+                <a:r>
+                  <a:rPr lang="en-US" altLang="ko-KR" sz="800" dirty="0"/>
+                  <a:t>$ADV</a:t>
+                </a:r>
+                <a:endParaRPr lang="ko-KR" altLang="en-US" sz="800" dirty="0"/>
+              </a:p>
+            </p:txBody>
+          </p:sp>
+          <p:sp>
+            <p:nvSpPr>
+              <p:cNvPr id="65" name="타원 64">
+                <a:extLst>
+                  <a:ext uri="{FF2B5EF4-FFF2-40B4-BE49-F238E27FC236}">
+                    <a16:creationId xmlns:a16="http://schemas.microsoft.com/office/drawing/2014/main" id="{CBDDB27B-259D-51F5-C49E-20784059C035}"/>
+                  </a:ext>
+                </a:extLst>
+              </p:cNvPr>
+              <p:cNvSpPr/>
+              <p:nvPr/>
+            </p:nvSpPr>
+            <p:spPr>
+              <a:xfrm>
+                <a:off x="5509397" y="2937900"/>
+                <a:ext cx="1260000" cy="356398"/>
+              </a:xfrm>
+              <a:prstGeom prst="ellipse">
+                <a:avLst/>
+              </a:prstGeom>
+            </p:spPr>
+            <p:style>
+              <a:lnRef idx="2">
+                <a:schemeClr val="accent5">
+                  <a:shade val="50000"/>
+                </a:schemeClr>
+              </a:lnRef>
+              <a:fillRef idx="1">
+                <a:schemeClr val="accent5"/>
+              </a:fillRef>
+              <a:effectRef idx="0">
+                <a:schemeClr val="accent5"/>
+              </a:effectRef>
+              <a:fontRef idx="minor">
+                <a:schemeClr val="lt1"/>
+              </a:fontRef>
+            </p:style>
+            <p:txBody>
+              <a:bodyPr rtlCol="0" anchor="ctr"/>
+              <a:lstStyle/>
+              <a:p>
+                <a:pPr algn="ctr"/>
+                <a:r>
+                  <a:rPr lang="en-US" altLang="ko-KR" sz="800" dirty="0"/>
+                  <a:t>4th_usb</a:t>
+                </a:r>
+              </a:p>
+              <a:p>
+                <a:pPr algn="ctr"/>
+                <a:r>
+                  <a:rPr lang="en-US" altLang="ko-KR" sz="800" dirty="0"/>
+                  <a:t>$ADV</a:t>
+                </a:r>
+                <a:endParaRPr lang="ko-KR" altLang="en-US" sz="800" dirty="0"/>
+              </a:p>
+            </p:txBody>
+          </p:sp>
+          <p:sp>
+            <p:nvSpPr>
+              <p:cNvPr id="66" name="타원 65">
+                <a:extLst>
+                  <a:ext uri="{FF2B5EF4-FFF2-40B4-BE49-F238E27FC236}">
+                    <a16:creationId xmlns:a16="http://schemas.microsoft.com/office/drawing/2014/main" id="{2A17DCFF-16B8-3F50-70D3-BAEB02CD8E31}"/>
+                  </a:ext>
+                </a:extLst>
+              </p:cNvPr>
+              <p:cNvSpPr/>
+              <p:nvPr/>
+            </p:nvSpPr>
+            <p:spPr>
+              <a:xfrm>
+                <a:off x="6426556" y="3532610"/>
+                <a:ext cx="1260000" cy="356398"/>
+              </a:xfrm>
+              <a:prstGeom prst="ellipse">
+                <a:avLst/>
+              </a:prstGeom>
+            </p:spPr>
+            <p:style>
+              <a:lnRef idx="2">
+                <a:schemeClr val="accent5">
+                  <a:shade val="50000"/>
+                </a:schemeClr>
+              </a:lnRef>
+              <a:fillRef idx="1">
+                <a:schemeClr val="accent5"/>
+              </a:fillRef>
+              <a:effectRef idx="0">
+                <a:schemeClr val="accent5"/>
+              </a:effectRef>
+              <a:fontRef idx="minor">
+                <a:schemeClr val="lt1"/>
+              </a:fontRef>
+            </p:style>
+            <p:txBody>
+              <a:bodyPr rtlCol="0" anchor="ctr"/>
+              <a:lstStyle/>
+              <a:p>
+                <a:pPr algn="ctr"/>
+                <a:r>
+                  <a:rPr lang="en-US" altLang="ko-KR" sz="800" dirty="0"/>
+                  <a:t>4th_usb</a:t>
+                </a:r>
+              </a:p>
+              <a:p>
+                <a:pPr algn="ctr"/>
+                <a:r>
+                  <a:rPr lang="en-US" altLang="ko-KR" sz="800" dirty="0"/>
+                  <a:t>$RET</a:t>
+                </a:r>
+                <a:endParaRPr lang="ko-KR" altLang="en-US" sz="800" dirty="0"/>
+              </a:p>
+            </p:txBody>
+          </p:sp>
+          <p:sp>
+            <p:nvSpPr>
+              <p:cNvPr id="67" name="타원 66">
+                <a:extLst>
+                  <a:ext uri="{FF2B5EF4-FFF2-40B4-BE49-F238E27FC236}">
+                    <a16:creationId xmlns:a16="http://schemas.microsoft.com/office/drawing/2014/main" id="{9F864A4C-6C69-449D-1DF9-F2E81A639E16}"/>
+                  </a:ext>
+                </a:extLst>
+              </p:cNvPr>
+              <p:cNvSpPr/>
+              <p:nvPr/>
+            </p:nvSpPr>
+            <p:spPr>
+              <a:xfrm>
+                <a:off x="6134954" y="4140660"/>
+                <a:ext cx="1260000" cy="356398"/>
+              </a:xfrm>
+              <a:prstGeom prst="ellipse">
+                <a:avLst/>
+              </a:prstGeom>
+            </p:spPr>
+            <p:style>
+              <a:lnRef idx="2">
+                <a:schemeClr val="accent5">
+                  <a:shade val="50000"/>
+                </a:schemeClr>
+              </a:lnRef>
+              <a:fillRef idx="1">
+                <a:schemeClr val="accent5"/>
+              </a:fillRef>
+              <a:effectRef idx="0">
+                <a:schemeClr val="accent5"/>
+              </a:effectRef>
+              <a:fontRef idx="minor">
+                <a:schemeClr val="lt1"/>
+              </a:fontRef>
+            </p:style>
+            <p:txBody>
+              <a:bodyPr rtlCol="0" anchor="ctr"/>
+              <a:lstStyle/>
+              <a:p>
+                <a:pPr algn="ctr"/>
+                <a:r>
+                  <a:rPr lang="en-US" altLang="ko-KR" sz="800" dirty="0"/>
+                  <a:t>4th_stp</a:t>
+                </a:r>
+              </a:p>
+              <a:p>
+                <a:pPr algn="ctr"/>
+                <a:r>
+                  <a:rPr lang="en-US" altLang="ko-KR" sz="800" dirty="0"/>
+                  <a:t>$RET</a:t>
+                </a:r>
+                <a:endParaRPr lang="ko-KR" altLang="en-US" sz="800" dirty="0"/>
+              </a:p>
+            </p:txBody>
+          </p:sp>
+          <p:cxnSp>
+            <p:nvCxnSpPr>
+              <p:cNvPr id="71" name="연결선: 꺾임 70">
+                <a:extLst>
+                  <a:ext uri="{FF2B5EF4-FFF2-40B4-BE49-F238E27FC236}">
+                    <a16:creationId xmlns:a16="http://schemas.microsoft.com/office/drawing/2014/main" id="{D5CC9A10-DCDB-9C08-BEF6-0CE54BD33891}"/>
+                  </a:ext>
+                </a:extLst>
+              </p:cNvPr>
+              <p:cNvCxnSpPr>
+                <a:cxnSpLocks/>
+                <a:stCxn id="64" idx="4"/>
+                <a:endCxn id="65" idx="0"/>
+              </p:cNvCxnSpPr>
+              <p:nvPr/>
+            </p:nvCxnSpPr>
+            <p:spPr>
+              <a:xfrm rot="5400000">
+                <a:off x="6484781" y="1968623"/>
+                <a:ext cx="623894" cy="1314661"/>
+              </a:xfrm>
+              <a:prstGeom prst="bentConnector3">
+                <a:avLst/>
+              </a:prstGeom>
+              <a:ln>
+                <a:tailEnd type="triangle"/>
+              </a:ln>
+            </p:spPr>
+            <p:style>
+              <a:lnRef idx="1">
+                <a:schemeClr val="accent1"/>
+              </a:lnRef>
+              <a:fillRef idx="0">
+                <a:schemeClr val="accent1"/>
+              </a:fillRef>
+              <a:effectRef idx="0">
+                <a:schemeClr val="accent1"/>
+              </a:effectRef>
+              <a:fontRef idx="minor">
+                <a:schemeClr val="tx1"/>
+              </a:fontRef>
+            </p:style>
+          </p:cxnSp>
+          <p:cxnSp>
+            <p:nvCxnSpPr>
+              <p:cNvPr id="72" name="연결선: 꺾임 71">
+                <a:extLst>
+                  <a:ext uri="{FF2B5EF4-FFF2-40B4-BE49-F238E27FC236}">
+                    <a16:creationId xmlns:a16="http://schemas.microsoft.com/office/drawing/2014/main" id="{49815C9F-9F46-AEBE-A9E0-641F7F36D84F}"/>
+                  </a:ext>
+                </a:extLst>
+              </p:cNvPr>
+              <p:cNvCxnSpPr>
+                <a:cxnSpLocks/>
+                <a:stCxn id="65" idx="4"/>
+                <a:endCxn id="66" idx="0"/>
+              </p:cNvCxnSpPr>
+              <p:nvPr/>
+            </p:nvCxnSpPr>
+            <p:spPr>
+              <a:xfrm rot="16200000" flipH="1">
+                <a:off x="6478820" y="2954874"/>
+                <a:ext cx="238312" cy="917159"/>
+              </a:xfrm>
+              <a:prstGeom prst="bentConnector3">
+                <a:avLst>
+                  <a:gd name="adj1" fmla="val 50000"/>
+                </a:avLst>
+              </a:prstGeom>
+              <a:ln>
+                <a:tailEnd type="triangle"/>
+              </a:ln>
+            </p:spPr>
+            <p:style>
+              <a:lnRef idx="1">
+                <a:schemeClr val="accent1"/>
+              </a:lnRef>
+              <a:fillRef idx="0">
+                <a:schemeClr val="accent1"/>
+              </a:fillRef>
+              <a:effectRef idx="0">
+                <a:schemeClr val="accent1"/>
+              </a:effectRef>
+              <a:fontRef idx="minor">
+                <a:schemeClr val="tx1"/>
+              </a:fontRef>
+            </p:style>
+          </p:cxnSp>
+          <p:cxnSp>
+            <p:nvCxnSpPr>
+              <p:cNvPr id="73" name="연결선: 꺾임 72">
+                <a:extLst>
+                  <a:ext uri="{FF2B5EF4-FFF2-40B4-BE49-F238E27FC236}">
+                    <a16:creationId xmlns:a16="http://schemas.microsoft.com/office/drawing/2014/main" id="{FB8CBDE9-C3D8-DBE3-EB3C-24B32E886DED}"/>
+                  </a:ext>
+                </a:extLst>
+              </p:cNvPr>
+              <p:cNvCxnSpPr>
+                <a:cxnSpLocks/>
+                <a:stCxn id="66" idx="4"/>
+                <a:endCxn id="67" idx="0"/>
+              </p:cNvCxnSpPr>
+              <p:nvPr/>
+            </p:nvCxnSpPr>
+            <p:spPr>
+              <a:xfrm rot="5400000">
+                <a:off x="6784929" y="3869033"/>
+                <a:ext cx="251652" cy="291602"/>
+              </a:xfrm>
+              <a:prstGeom prst="bentConnector3">
+                <a:avLst>
+                  <a:gd name="adj1" fmla="val 50000"/>
+                </a:avLst>
+              </a:prstGeom>
+              <a:ln>
+                <a:tailEnd type="triangle"/>
+              </a:ln>
+            </p:spPr>
+            <p:style>
+              <a:lnRef idx="1">
+                <a:schemeClr val="accent1"/>
+              </a:lnRef>
+              <a:fillRef idx="0">
+                <a:schemeClr val="accent1"/>
+              </a:fillRef>
+              <a:effectRef idx="0">
+                <a:schemeClr val="accent1"/>
+              </a:effectRef>
+              <a:fontRef idx="minor">
+                <a:schemeClr val="tx1"/>
+              </a:fontRef>
+            </p:style>
+          </p:cxnSp>
+        </p:grpSp>
+        <p:cxnSp>
+          <p:nvCxnSpPr>
+            <p:cNvPr id="79" name="연결선: 꺾임 78">
+              <a:extLst>
+                <a:ext uri="{FF2B5EF4-FFF2-40B4-BE49-F238E27FC236}">
+                  <a16:creationId xmlns:a16="http://schemas.microsoft.com/office/drawing/2014/main" id="{02ED8A55-DAE6-7F1B-0C56-1E884BFC5C04}"/>
+                </a:ext>
+              </a:extLst>
+            </p:cNvPr>
+            <p:cNvCxnSpPr>
+              <a:cxnSpLocks/>
+              <a:stCxn id="37" idx="3"/>
+              <a:endCxn id="62" idx="1"/>
+            </p:cNvCxnSpPr>
+            <p:nvPr/>
+          </p:nvCxnSpPr>
+          <p:spPr>
+            <a:xfrm>
+              <a:off x="3810039" y="5958157"/>
+              <a:ext cx="101539" cy="12700"/>
+            </a:xfrm>
+            <a:prstGeom prst="bentConnector3">
+              <a:avLst>
+                <a:gd name="adj1" fmla="val 50000"/>
+              </a:avLst>
+            </a:prstGeom>
+            <a:ln>
+              <a:headEnd type="oval" w="med" len="med"/>
+              <a:tailEnd type="triangle" w="med" len="med"/>
+            </a:ln>
+          </p:spPr>
+          <p:style>
+            <a:lnRef idx="1">
+              <a:schemeClr val="accent1"/>
+            </a:lnRef>
+            <a:fillRef idx="0">
+              <a:schemeClr val="accent1"/>
+            </a:fillRef>
+            <a:effectRef idx="0">
+              <a:schemeClr val="accent1"/>
+            </a:effectRef>
+            <a:fontRef idx="minor">
+              <a:schemeClr val="tx1"/>
+            </a:fontRef>
+          </p:style>
+        </p:cxnSp>
+        <p:sp>
+          <p:nvSpPr>
+            <p:cNvPr id="3" name="타원 2">
+              <a:extLst>
+                <a:ext uri="{FF2B5EF4-FFF2-40B4-BE49-F238E27FC236}">
+                  <a16:creationId xmlns:a16="http://schemas.microsoft.com/office/drawing/2014/main" id="{9224C870-C702-C3E2-BDFB-32412703B18C}"/>
+                </a:ext>
+              </a:extLst>
+            </p:cNvPr>
+            <p:cNvSpPr/>
+            <p:nvPr/>
+          </p:nvSpPr>
+          <p:spPr>
+            <a:xfrm>
+              <a:off x="4057518" y="5266295"/>
+              <a:ext cx="1277102" cy="393963"/>
+            </a:xfrm>
+            <a:prstGeom prst="ellipse">
+              <a:avLst/>
+            </a:prstGeom>
+          </p:spPr>
+          <p:style>
+            <a:lnRef idx="2">
+              <a:schemeClr val="accent5">
+                <a:shade val="50000"/>
+              </a:schemeClr>
+            </a:lnRef>
+            <a:fillRef idx="1">
+              <a:schemeClr val="accent5"/>
+            </a:fillRef>
+            <a:effectRef idx="0">
+              <a:schemeClr val="accent5"/>
+            </a:effectRef>
+            <a:fontRef idx="minor">
+              <a:schemeClr val="lt1"/>
+            </a:fontRef>
+          </p:style>
+          <p:txBody>
+            <a:bodyPr rtlCol="0" anchor="ctr"/>
+            <a:lstStyle/>
+            <a:p>
+              <a:pPr algn="ctr"/>
+              <a:r>
+                <a:rPr lang="en-US" altLang="ko-KR" sz="800">
+                  <a:solidFill>
+                    <a:schemeClr val="tx1"/>
+                  </a:solidFill>
+                </a:rPr>
+                <a:t>Cv4_</a:t>
+              </a:r>
+              <a:r>
+                <a:rPr lang="en-US" altLang="ko-KR" sz="800" dirty="0">
+                  <a:solidFill>
+                    <a:schemeClr val="tx1"/>
+                  </a:solidFill>
+                </a:rPr>
+                <a:t>Rr</a:t>
+              </a:r>
+              <a:r>
+                <a:rPr lang="en-US" altLang="ko-KR" sz="800" dirty="0"/>
+                <a:t>$MOVE</a:t>
+              </a:r>
+              <a:endParaRPr lang="ko-KR" altLang="en-US" sz="800" dirty="0"/>
+            </a:p>
+          </p:txBody>
+        </p:sp>
+        <p:sp>
+          <p:nvSpPr>
+            <p:cNvPr id="4" name="타원 3">
+              <a:extLst>
+                <a:ext uri="{FF2B5EF4-FFF2-40B4-BE49-F238E27FC236}">
+                  <a16:creationId xmlns:a16="http://schemas.microsoft.com/office/drawing/2014/main" id="{897925DB-E681-2176-2EEF-15856DD988E6}"/>
+                </a:ext>
+              </a:extLst>
+            </p:cNvPr>
+            <p:cNvSpPr/>
+            <p:nvPr/>
+          </p:nvSpPr>
+          <p:spPr>
+            <a:xfrm>
+              <a:off x="6513397" y="6406653"/>
+              <a:ext cx="1277102" cy="393963"/>
+            </a:xfrm>
+            <a:prstGeom prst="ellipse">
+              <a:avLst/>
+            </a:prstGeom>
+          </p:spPr>
+          <p:style>
+            <a:lnRef idx="2">
+              <a:schemeClr val="accent5">
+                <a:shade val="50000"/>
+              </a:schemeClr>
+            </a:lnRef>
+            <a:fillRef idx="1">
+              <a:schemeClr val="accent5"/>
+            </a:fillRef>
+            <a:effectRef idx="0">
+              <a:schemeClr val="accent5"/>
+            </a:effectRef>
+            <a:fontRef idx="minor">
+              <a:schemeClr val="lt1"/>
+            </a:fontRef>
+          </p:style>
+          <p:txBody>
+            <a:bodyPr rtlCol="0" anchor="ctr"/>
+            <a:lstStyle/>
+            <a:p>
+              <a:pPr algn="ctr"/>
+              <a:r>
+                <a:rPr lang="en-US" altLang="ko-KR" sz="800" dirty="0">
+                  <a:solidFill>
+                    <a:schemeClr val="tx1"/>
+                  </a:solidFill>
+                </a:rPr>
+                <a:t>Cv4_Rr</a:t>
+              </a:r>
+              <a:r>
+                <a:rPr lang="en-US" altLang="ko-KR" sz="800" dirty="0"/>
+                <a:t>$REMOVE</a:t>
+              </a:r>
+              <a:endParaRPr lang="ko-KR" altLang="en-US" sz="800" dirty="0"/>
+            </a:p>
+          </p:txBody>
+        </p:sp>
+        <p:cxnSp>
+          <p:nvCxnSpPr>
+            <p:cNvPr id="9" name="연결선: 꺾임 8">
+              <a:extLst>
+                <a:ext uri="{FF2B5EF4-FFF2-40B4-BE49-F238E27FC236}">
+                  <a16:creationId xmlns:a16="http://schemas.microsoft.com/office/drawing/2014/main" id="{1D619D8C-0AA1-87E5-AFFE-292A61A407AD}"/>
+                </a:ext>
+              </a:extLst>
+            </p:cNvPr>
+            <p:cNvCxnSpPr>
+              <a:endCxn id="64" idx="2"/>
+            </p:cNvCxnSpPr>
+            <p:nvPr/>
+          </p:nvCxnSpPr>
+          <p:spPr>
+            <a:xfrm>
+              <a:off x="5334620" y="5437006"/>
+              <a:ext cx="383177" cy="89384"/>
+            </a:xfrm>
+            <a:prstGeom prst="bentConnector3">
+              <a:avLst/>
+            </a:prstGeom>
+            <a:ln>
+              <a:tailEnd type="triangle"/>
+            </a:ln>
+          </p:spPr>
+          <p:style>
+            <a:lnRef idx="1">
+              <a:schemeClr val="accent1"/>
+            </a:lnRef>
+            <a:fillRef idx="0">
+              <a:schemeClr val="accent1"/>
+            </a:fillRef>
+            <a:effectRef idx="0">
+              <a:schemeClr val="accent1"/>
+            </a:effectRef>
+            <a:fontRef idx="minor">
+              <a:schemeClr val="tx1"/>
+            </a:fontRef>
+          </p:style>
+        </p:cxnSp>
+        <p:cxnSp>
+          <p:nvCxnSpPr>
+            <p:cNvPr id="104" name="연결선: 꺾임 103">
+              <a:extLst>
+                <a:ext uri="{FF2B5EF4-FFF2-40B4-BE49-F238E27FC236}">
+                  <a16:creationId xmlns:a16="http://schemas.microsoft.com/office/drawing/2014/main" id="{4E512054-79FF-B0C9-34FF-64453B01ED8C}"/>
+                </a:ext>
+              </a:extLst>
+            </p:cNvPr>
+            <p:cNvCxnSpPr>
+              <a:cxnSpLocks/>
+              <a:stCxn id="64" idx="6"/>
+              <a:endCxn id="4" idx="0"/>
+            </p:cNvCxnSpPr>
+            <p:nvPr/>
+          </p:nvCxnSpPr>
+          <p:spPr>
+            <a:xfrm>
+              <a:off x="6928540" y="5526390"/>
+              <a:ext cx="223408" cy="880263"/>
+            </a:xfrm>
+            <a:prstGeom prst="bentConnector2">
+              <a:avLst/>
+            </a:prstGeom>
+            <a:ln>
+              <a:tailEnd type="triangle"/>
+            </a:ln>
+          </p:spPr>
+          <p:style>
+            <a:lnRef idx="1">
+              <a:schemeClr val="accent1"/>
+            </a:lnRef>
+            <a:fillRef idx="0">
+              <a:schemeClr val="accent1"/>
+            </a:fillRef>
+            <a:effectRef idx="0">
+              <a:schemeClr val="accent1"/>
+            </a:effectRef>
+            <a:fontRef idx="minor">
+              <a:schemeClr val="tx1"/>
+            </a:fontRef>
+          </p:style>
+        </p:cxnSp>
+      </p:grpSp>
     </p:spTree>
     <p:extLst>
       <p:ext uri="{BB962C8B-B14F-4D97-AF65-F5344CB8AC3E}">
